--- a/Презентация1.pptx
+++ b/Презентация1.pptx
@@ -2,10 +2,15 @@
 <file path=ppt/presentation.xml><?xml version="1.0" encoding="utf-8"?>
 <p:presentation xmlns:a="http://schemas.openxmlformats.org/drawingml/2006/main" xmlns:r="http://schemas.openxmlformats.org/officeDocument/2006/relationships" xmlns:p="http://schemas.openxmlformats.org/presentationml/2006/main" saveSubsetFonts="1">
   <p:sldMasterIdLst>
-    <p:sldMasterId id="2147483648" r:id="rId30"/>
+    <p:sldMasterId id="2147483648" r:id="rId82"/>
   </p:sldMasterIdLst>
+  <p:notesMasterIdLst>
+    <p:notesMasterId r:id="rId86"/>
+  </p:notesMasterIdLst>
   <p:sldIdLst>
-    <p:sldId id="256" r:id="rId31"/>
+    <p:sldId id="256" r:id="rId83"/>
+    <p:sldId id="258" r:id="rId84"/>
+    <p:sldId id="257" r:id="rId85"/>
   </p:sldIdLst>
   <p:sldSz cx="6858000" cy="9144000" type="screen4x3"/>
   <p:notesSz cx="6858000" cy="9144000"/>
@@ -105,6 +110,440 @@
     </a:lvl9pPr>
   </p:defaultTextStyle>
 </p:presentation>
+</file>
+
+<file path=ppt/notesMasters/notesMaster1.xml><?xml version="1.0" encoding="utf-8"?>
+<p:notesMaster xmlns:a="http://schemas.openxmlformats.org/drawingml/2006/main" xmlns:r="http://schemas.openxmlformats.org/officeDocument/2006/relationships" xmlns:p="http://schemas.openxmlformats.org/presentationml/2006/main">
+  <p:cSld>
+    <p:bg>
+      <p:bgRef idx="1001">
+        <a:schemeClr val="bg1"/>
+      </p:bgRef>
+    </p:bg>
+    <p:spTree>
+      <p:nvGrpSpPr>
+        <p:cNvPr id="1" name=""/>
+        <p:cNvGrpSpPr/>
+        <p:nvPr/>
+      </p:nvGrpSpPr>
+      <p:grpSpPr>
+        <a:xfrm>
+          <a:off x="0" y="0"/>
+          <a:ext cx="0" cy="0"/>
+          <a:chOff x="0" y="0"/>
+          <a:chExt cx="0" cy="0"/>
+        </a:xfrm>
+      </p:grpSpPr>
+      <p:sp>
+        <p:nvSpPr>
+          <p:cNvPr id="2" name="Верхний колонтитул 1"/>
+          <p:cNvSpPr>
+            <a:spLocks noGrp="1"/>
+          </p:cNvSpPr>
+          <p:nvPr>
+            <p:ph type="hdr" sz="quarter"/>
+          </p:nvPr>
+        </p:nvSpPr>
+        <p:spPr>
+          <a:xfrm>
+            <a:off x="0" y="0"/>
+            <a:ext cx="2971800" cy="457200"/>
+          </a:xfrm>
+          <a:prstGeom prst="rect">
+            <a:avLst/>
+          </a:prstGeom>
+        </p:spPr>
+        <p:txBody>
+          <a:bodyPr vert="horz" lIns="91440" tIns="45720" rIns="91440" bIns="45720" rtlCol="0"/>
+          <a:lstStyle>
+            <a:lvl1pPr algn="l">
+              <a:defRPr sz="1200"/>
+            </a:lvl1pPr>
+          </a:lstStyle>
+          <a:p>
+            <a:endParaRPr lang="ru-RU"/>
+          </a:p>
+        </p:txBody>
+      </p:sp>
+      <p:sp>
+        <p:nvSpPr>
+          <p:cNvPr id="3" name="Дата 2"/>
+          <p:cNvSpPr>
+            <a:spLocks noGrp="1"/>
+          </p:cNvSpPr>
+          <p:nvPr>
+            <p:ph type="dt" idx="1"/>
+          </p:nvPr>
+        </p:nvSpPr>
+        <p:spPr>
+          <a:xfrm>
+            <a:off x="3884613" y="0"/>
+            <a:ext cx="2971800" cy="457200"/>
+          </a:xfrm>
+          <a:prstGeom prst="rect">
+            <a:avLst/>
+          </a:prstGeom>
+        </p:spPr>
+        <p:txBody>
+          <a:bodyPr vert="horz" lIns="91440" tIns="45720" rIns="91440" bIns="45720" rtlCol="0"/>
+          <a:lstStyle>
+            <a:lvl1pPr algn="r">
+              <a:defRPr sz="1200"/>
+            </a:lvl1pPr>
+          </a:lstStyle>
+          <a:p>
+            <a:fld id="{8CC9CF27-251A-4F88-A880-4F4CFE8C571B}" type="datetimeFigureOut">
+              <a:rPr lang="ru-RU" smtClean="0"/>
+              <a:t>19.08.2014</a:t>
+            </a:fld>
+            <a:endParaRPr lang="ru-RU"/>
+          </a:p>
+        </p:txBody>
+      </p:sp>
+      <p:sp>
+        <p:nvSpPr>
+          <p:cNvPr id="4" name="Образ слайда 3"/>
+          <p:cNvSpPr>
+            <a:spLocks noGrp="1" noRot="1" noChangeAspect="1"/>
+          </p:cNvSpPr>
+          <p:nvPr>
+            <p:ph type="sldImg" idx="2"/>
+          </p:nvPr>
+        </p:nvSpPr>
+        <p:spPr>
+          <a:xfrm>
+            <a:off x="2143125" y="685800"/>
+            <a:ext cx="2571750" cy="3429000"/>
+          </a:xfrm>
+          <a:prstGeom prst="rect">
+            <a:avLst/>
+          </a:prstGeom>
+          <a:noFill/>
+          <a:ln w="12700">
+            <a:solidFill>
+              <a:prstClr val="black"/>
+            </a:solidFill>
+          </a:ln>
+        </p:spPr>
+        <p:txBody>
+          <a:bodyPr vert="horz" lIns="91440" tIns="45720" rIns="91440" bIns="45720" rtlCol="0" anchor="ctr"/>
+          <a:lstStyle/>
+          <a:p>
+            <a:endParaRPr lang="ru-RU"/>
+          </a:p>
+        </p:txBody>
+      </p:sp>
+      <p:sp>
+        <p:nvSpPr>
+          <p:cNvPr id="5" name="Заметки 4"/>
+          <p:cNvSpPr>
+            <a:spLocks noGrp="1"/>
+          </p:cNvSpPr>
+          <p:nvPr>
+            <p:ph type="body" sz="quarter" idx="3"/>
+          </p:nvPr>
+        </p:nvSpPr>
+        <p:spPr>
+          <a:xfrm>
+            <a:off x="685800" y="4343400"/>
+            <a:ext cx="5486400" cy="4114800"/>
+          </a:xfrm>
+          <a:prstGeom prst="rect">
+            <a:avLst/>
+          </a:prstGeom>
+        </p:spPr>
+        <p:txBody>
+          <a:bodyPr vert="horz" lIns="91440" tIns="45720" rIns="91440" bIns="45720" rtlCol="0"/>
+          <a:lstStyle/>
+          <a:p>
+            <a:pPr lvl="0"/>
+            <a:r>
+              <a:rPr lang="ru-RU" smtClean="0"/>
+              <a:t>Образец текста</a:t>
+            </a:r>
+          </a:p>
+          <a:p>
+            <a:pPr lvl="1"/>
+            <a:r>
+              <a:rPr lang="ru-RU" smtClean="0"/>
+              <a:t>Второй уровень</a:t>
+            </a:r>
+          </a:p>
+          <a:p>
+            <a:pPr lvl="2"/>
+            <a:r>
+              <a:rPr lang="ru-RU" smtClean="0"/>
+              <a:t>Третий уровень</a:t>
+            </a:r>
+          </a:p>
+          <a:p>
+            <a:pPr lvl="3"/>
+            <a:r>
+              <a:rPr lang="ru-RU" smtClean="0"/>
+              <a:t>Четвертый уровень</a:t>
+            </a:r>
+          </a:p>
+          <a:p>
+            <a:pPr lvl="4"/>
+            <a:r>
+              <a:rPr lang="ru-RU" smtClean="0"/>
+              <a:t>Пятый уровень</a:t>
+            </a:r>
+            <a:endParaRPr lang="ru-RU"/>
+          </a:p>
+        </p:txBody>
+      </p:sp>
+      <p:sp>
+        <p:nvSpPr>
+          <p:cNvPr id="6" name="Нижний колонтитул 5"/>
+          <p:cNvSpPr>
+            <a:spLocks noGrp="1"/>
+          </p:cNvSpPr>
+          <p:nvPr>
+            <p:ph type="ftr" sz="quarter" idx="4"/>
+          </p:nvPr>
+        </p:nvSpPr>
+        <p:spPr>
+          <a:xfrm>
+            <a:off x="0" y="8685213"/>
+            <a:ext cx="2971800" cy="457200"/>
+          </a:xfrm>
+          <a:prstGeom prst="rect">
+            <a:avLst/>
+          </a:prstGeom>
+        </p:spPr>
+        <p:txBody>
+          <a:bodyPr vert="horz" lIns="91440" tIns="45720" rIns="91440" bIns="45720" rtlCol="0" anchor="b"/>
+          <a:lstStyle>
+            <a:lvl1pPr algn="l">
+              <a:defRPr sz="1200"/>
+            </a:lvl1pPr>
+          </a:lstStyle>
+          <a:p>
+            <a:endParaRPr lang="ru-RU"/>
+          </a:p>
+        </p:txBody>
+      </p:sp>
+      <p:sp>
+        <p:nvSpPr>
+          <p:cNvPr id="7" name="Номер слайда 6"/>
+          <p:cNvSpPr>
+            <a:spLocks noGrp="1"/>
+          </p:cNvSpPr>
+          <p:nvPr>
+            <p:ph type="sldNum" sz="quarter" idx="5"/>
+          </p:nvPr>
+        </p:nvSpPr>
+        <p:spPr>
+          <a:xfrm>
+            <a:off x="3884613" y="8685213"/>
+            <a:ext cx="2971800" cy="457200"/>
+          </a:xfrm>
+          <a:prstGeom prst="rect">
+            <a:avLst/>
+          </a:prstGeom>
+        </p:spPr>
+        <p:txBody>
+          <a:bodyPr vert="horz" lIns="91440" tIns="45720" rIns="91440" bIns="45720" rtlCol="0" anchor="b"/>
+          <a:lstStyle>
+            <a:lvl1pPr algn="r">
+              <a:defRPr sz="1200"/>
+            </a:lvl1pPr>
+          </a:lstStyle>
+          <a:p>
+            <a:fld id="{9687D814-6B71-43D1-9678-6132174CCDE0}" type="slidenum">
+              <a:rPr lang="ru-RU" smtClean="0"/>
+              <a:t>‹#›</a:t>
+            </a:fld>
+            <a:endParaRPr lang="ru-RU"/>
+          </a:p>
+        </p:txBody>
+      </p:sp>
+    </p:spTree>
+    <p:extLst>
+      <p:ext uri="{BB962C8B-B14F-4D97-AF65-F5344CB8AC3E}">
+        <p14:creationId xmlns:p14="http://schemas.microsoft.com/office/powerpoint/2010/main" val="4244678106"/>
+      </p:ext>
+    </p:extLst>
+  </p:cSld>
+  <p:clrMap bg1="lt1" tx1="dk1" bg2="lt2" tx2="dk2" accent1="accent1" accent2="accent2" accent3="accent3" accent4="accent4" accent5="accent5" accent6="accent6" hlink="hlink" folHlink="folHlink"/>
+  <p:notesStyle>
+    <a:lvl1pPr marL="0" algn="l" defTabSz="914400" rtl="0" eaLnBrk="1" latinLnBrk="0" hangingPunct="1">
+      <a:defRPr sz="1200" kern="1200">
+        <a:solidFill>
+          <a:schemeClr val="tx1"/>
+        </a:solidFill>
+        <a:latin typeface="+mn-lt"/>
+        <a:ea typeface="+mn-ea"/>
+        <a:cs typeface="+mn-cs"/>
+      </a:defRPr>
+    </a:lvl1pPr>
+    <a:lvl2pPr marL="457200" algn="l" defTabSz="914400" rtl="0" eaLnBrk="1" latinLnBrk="0" hangingPunct="1">
+      <a:defRPr sz="1200" kern="1200">
+        <a:solidFill>
+          <a:schemeClr val="tx1"/>
+        </a:solidFill>
+        <a:latin typeface="+mn-lt"/>
+        <a:ea typeface="+mn-ea"/>
+        <a:cs typeface="+mn-cs"/>
+      </a:defRPr>
+    </a:lvl2pPr>
+    <a:lvl3pPr marL="914400" algn="l" defTabSz="914400" rtl="0" eaLnBrk="1" latinLnBrk="0" hangingPunct="1">
+      <a:defRPr sz="1200" kern="1200">
+        <a:solidFill>
+          <a:schemeClr val="tx1"/>
+        </a:solidFill>
+        <a:latin typeface="+mn-lt"/>
+        <a:ea typeface="+mn-ea"/>
+        <a:cs typeface="+mn-cs"/>
+      </a:defRPr>
+    </a:lvl3pPr>
+    <a:lvl4pPr marL="1371600" algn="l" defTabSz="914400" rtl="0" eaLnBrk="1" latinLnBrk="0" hangingPunct="1">
+      <a:defRPr sz="1200" kern="1200">
+        <a:solidFill>
+          <a:schemeClr val="tx1"/>
+        </a:solidFill>
+        <a:latin typeface="+mn-lt"/>
+        <a:ea typeface="+mn-ea"/>
+        <a:cs typeface="+mn-cs"/>
+      </a:defRPr>
+    </a:lvl4pPr>
+    <a:lvl5pPr marL="1828800" algn="l" defTabSz="914400" rtl="0" eaLnBrk="1" latinLnBrk="0" hangingPunct="1">
+      <a:defRPr sz="1200" kern="1200">
+        <a:solidFill>
+          <a:schemeClr val="tx1"/>
+        </a:solidFill>
+        <a:latin typeface="+mn-lt"/>
+        <a:ea typeface="+mn-ea"/>
+        <a:cs typeface="+mn-cs"/>
+      </a:defRPr>
+    </a:lvl5pPr>
+    <a:lvl6pPr marL="2286000" algn="l" defTabSz="914400" rtl="0" eaLnBrk="1" latinLnBrk="0" hangingPunct="1">
+      <a:defRPr sz="1200" kern="1200">
+        <a:solidFill>
+          <a:schemeClr val="tx1"/>
+        </a:solidFill>
+        <a:latin typeface="+mn-lt"/>
+        <a:ea typeface="+mn-ea"/>
+        <a:cs typeface="+mn-cs"/>
+      </a:defRPr>
+    </a:lvl6pPr>
+    <a:lvl7pPr marL="2743200" algn="l" defTabSz="914400" rtl="0" eaLnBrk="1" latinLnBrk="0" hangingPunct="1">
+      <a:defRPr sz="1200" kern="1200">
+        <a:solidFill>
+          <a:schemeClr val="tx1"/>
+        </a:solidFill>
+        <a:latin typeface="+mn-lt"/>
+        <a:ea typeface="+mn-ea"/>
+        <a:cs typeface="+mn-cs"/>
+      </a:defRPr>
+    </a:lvl7pPr>
+    <a:lvl8pPr marL="3200400" algn="l" defTabSz="914400" rtl="0" eaLnBrk="1" latinLnBrk="0" hangingPunct="1">
+      <a:defRPr sz="1200" kern="1200">
+        <a:solidFill>
+          <a:schemeClr val="tx1"/>
+        </a:solidFill>
+        <a:latin typeface="+mn-lt"/>
+        <a:ea typeface="+mn-ea"/>
+        <a:cs typeface="+mn-cs"/>
+      </a:defRPr>
+    </a:lvl8pPr>
+    <a:lvl9pPr marL="3657600" algn="l" defTabSz="914400" rtl="0" eaLnBrk="1" latinLnBrk="0" hangingPunct="1">
+      <a:defRPr sz="1200" kern="1200">
+        <a:solidFill>
+          <a:schemeClr val="tx1"/>
+        </a:solidFill>
+        <a:latin typeface="+mn-lt"/>
+        <a:ea typeface="+mn-ea"/>
+        <a:cs typeface="+mn-cs"/>
+      </a:defRPr>
+    </a:lvl9pPr>
+  </p:notesStyle>
+</p:notesMaster>
+</file>
+
+<file path=ppt/notesSlides/notesSlide1.xml><?xml version="1.0" encoding="utf-8"?>
+<p:notes xmlns:a="http://schemas.openxmlformats.org/drawingml/2006/main" xmlns:r="http://schemas.openxmlformats.org/officeDocument/2006/relationships" xmlns:p="http://schemas.openxmlformats.org/presentationml/2006/main">
+  <p:cSld>
+    <p:spTree>
+      <p:nvGrpSpPr>
+        <p:cNvPr id="1" name=""/>
+        <p:cNvGrpSpPr/>
+        <p:nvPr/>
+      </p:nvGrpSpPr>
+      <p:grpSpPr>
+        <a:xfrm>
+          <a:off x="0" y="0"/>
+          <a:ext cx="0" cy="0"/>
+          <a:chOff x="0" y="0"/>
+          <a:chExt cx="0" cy="0"/>
+        </a:xfrm>
+      </p:grpSpPr>
+      <p:sp>
+        <p:nvSpPr>
+          <p:cNvPr id="2" name="Образ слайда 1"/>
+          <p:cNvSpPr>
+            <a:spLocks noGrp="1" noRot="1" noChangeAspect="1"/>
+          </p:cNvSpPr>
+          <p:nvPr>
+            <p:ph type="sldImg"/>
+          </p:nvPr>
+        </p:nvSpPr>
+        <p:spPr/>
+      </p:sp>
+      <p:sp>
+        <p:nvSpPr>
+          <p:cNvPr id="3" name="Заметки 2"/>
+          <p:cNvSpPr>
+            <a:spLocks noGrp="1"/>
+          </p:cNvSpPr>
+          <p:nvPr>
+            <p:ph type="body" idx="1"/>
+          </p:nvPr>
+        </p:nvSpPr>
+        <p:spPr/>
+        <p:txBody>
+          <a:bodyPr/>
+          <a:lstStyle/>
+          <a:p>
+            <a:endParaRPr lang="ru-RU" dirty="0"/>
+          </a:p>
+        </p:txBody>
+      </p:sp>
+      <p:sp>
+        <p:nvSpPr>
+          <p:cNvPr id="4" name="Номер слайда 3"/>
+          <p:cNvSpPr>
+            <a:spLocks noGrp="1"/>
+          </p:cNvSpPr>
+          <p:nvPr>
+            <p:ph type="sldNum" sz="quarter" idx="10"/>
+          </p:nvPr>
+        </p:nvSpPr>
+        <p:spPr/>
+        <p:txBody>
+          <a:bodyPr/>
+          <a:lstStyle/>
+          <a:p>
+            <a:fld id="{9687D814-6B71-43D1-9678-6132174CCDE0}" type="slidenum">
+              <a:rPr lang="ru-RU" smtClean="0"/>
+              <a:t>2</a:t>
+            </a:fld>
+            <a:endParaRPr lang="ru-RU"/>
+          </a:p>
+        </p:txBody>
+      </p:sp>
+    </p:spTree>
+    <p:extLst>
+      <p:ext uri="{BB962C8B-B14F-4D97-AF65-F5344CB8AC3E}">
+        <p14:creationId xmlns:p14="http://schemas.microsoft.com/office/powerpoint/2010/main" val="2900017019"/>
+      </p:ext>
+    </p:extLst>
+  </p:cSld>
+  <p:clrMapOvr>
+    <a:masterClrMapping/>
+  </p:clrMapOvr>
+</p:notes>
 </file>
 
 <file path=ppt/slideLayouts/slideLayout1.xml><?xml version="1.0" encoding="utf-8"?>
@@ -3107,14 +3546,14 @@
             </p:custDataLst>
             <p:extLst>
               <p:ext uri="{D42A27DB-BD31-4B8C-83A1-F6EECF244321}">
-                <p14:modId xmlns:p14="http://schemas.microsoft.com/office/powerpoint/2010/main" val="386579577"/>
+                <p14:modId xmlns:p14="http://schemas.microsoft.com/office/powerpoint/2010/main" val="772578945"/>
               </p:ext>
             </p:extLst>
           </p:nvPr>
         </p:nvGraphicFramePr>
         <p:xfrm>
-          <a:off x="959061" y="1988302"/>
-          <a:ext cx="4680518" cy="1708120"/>
+          <a:off x="766123" y="2287816"/>
+          <a:ext cx="5162907" cy="1708120"/>
         </p:xfrm>
         <a:graphic>
           <a:graphicData uri="http://schemas.openxmlformats.org/drawingml/2006/table">
@@ -3123,11 +3562,12 @@
                 <a:tableStyleId>{8EC20E35-A176-4012-BC5E-935CFFF8708E}</a:tableStyleId>
               </a:tblPr>
               <a:tblGrid>
-                <a:gridCol w="776324"/>
-                <a:gridCol w="951769"/>
-                <a:gridCol w="1112203"/>
-                <a:gridCol w="1351854"/>
-                <a:gridCol w="488368"/>
+                <a:gridCol w="936104"/>
+                <a:gridCol w="942584"/>
+                <a:gridCol w="898660"/>
+                <a:gridCol w="967068"/>
+                <a:gridCol w="1023890"/>
+                <a:gridCol w="394601"/>
               </a:tblGrid>
               <a:tr h="192025">
                 <a:tc>
@@ -3321,6 +3761,79 @@
                           </a:solidFill>
                         </a:rPr>
                         <a:t> </a:t>
+                      </a:r>
+                      <a:endParaRPr lang="en-US" sz="1100" dirty="0">
+                        <a:solidFill>
+                          <a:srgbClr val="000000"/>
+                        </a:solidFill>
+                      </a:endParaRPr>
+                    </a:p>
+                  </a:txBody>
+                  <a:tcPr marL="56960" marR="56960" marT="0" marB="28480">
+                    <a:lnL w="3175" cap="flat" cmpd="sng" algn="ctr">
+                      <a:solidFill>
+                        <a:srgbClr val="FFFFFF">
+                          <a:lumMod val="50000"/>
+                        </a:srgbClr>
+                      </a:solidFill>
+                      <a:prstDash val="solid"/>
+                      <a:round/>
+                      <a:headEnd type="none" w="med" len="med"/>
+                      <a:tailEnd type="none" w="med" len="med"/>
+                    </a:lnL>
+                    <a:lnR w="3175" cap="flat" cmpd="sng" algn="ctr">
+                      <a:solidFill>
+                        <a:srgbClr val="FFFFFF">
+                          <a:lumMod val="50000"/>
+                        </a:srgbClr>
+                      </a:solidFill>
+                      <a:prstDash val="solid"/>
+                      <a:round/>
+                      <a:headEnd type="none" w="med" len="med"/>
+                      <a:tailEnd type="none" w="med" len="med"/>
+                    </a:lnR>
+                    <a:lnT w="3175" cap="flat" cmpd="sng" algn="ctr">
+                      <a:solidFill>
+                        <a:srgbClr val="FFFFFF">
+                          <a:lumMod val="50000"/>
+                        </a:srgbClr>
+                      </a:solidFill>
+                      <a:prstDash val="solid"/>
+                      <a:round/>
+                      <a:headEnd type="none" w="med" len="med"/>
+                      <a:tailEnd type="none" w="med" len="med"/>
+                    </a:lnT>
+                    <a:lnB w="3175" cap="flat" cmpd="sng" algn="ctr">
+                      <a:solidFill>
+                        <a:srgbClr val="FFFFFF">
+                          <a:lumMod val="50000"/>
+                        </a:srgbClr>
+                      </a:solidFill>
+                      <a:prstDash val="solid"/>
+                      <a:round/>
+                      <a:headEnd type="none" w="med" len="med"/>
+                      <a:tailEnd type="none" w="med" len="med"/>
+                    </a:lnB>
+                    <a:solidFill>
+                      <a:srgbClr val="FFFFFF">
+                        <a:lumMod val="75000"/>
+                      </a:srgbClr>
+                    </a:solidFill>
+                  </a:tcPr>
+                </a:tc>
+                <a:tc>
+                  <a:txBody>
+                    <a:bodyPr/>
+                    <a:lstStyle/>
+                    <a:p>
+                      <a:pPr algn="ctr"/>
+                      <a:r>
+                        <a:rPr lang="ru-RU" sz="1100" dirty="0" smtClean="0">
+                          <a:solidFill>
+                            <a:srgbClr val="000000"/>
+                          </a:solidFill>
+                        </a:rPr>
+                        <a:t>Товар/услуга</a:t>
                       </a:r>
                       <a:endParaRPr lang="en-US" sz="1100" dirty="0">
                         <a:solidFill>
@@ -3768,6 +4281,63 @@
                             <a:srgbClr val="000000"/>
                           </a:solidFill>
                         </a:rPr>
+                        <a:t>Услуга</a:t>
+                      </a:r>
+                      <a:endParaRPr lang="en-US" sz="1100" dirty="0">
+                        <a:solidFill>
+                          <a:srgbClr val="000000"/>
+                        </a:solidFill>
+                      </a:endParaRPr>
+                    </a:p>
+                  </a:txBody>
+                  <a:tcPr marL="56960" marR="56960" marT="0" marB="28480">
+                    <a:lnL w="3175" cap="flat" cmpd="sng" algn="ctr">
+                      <a:solidFill>
+                        <a:srgbClr val="FFFFFF">
+                          <a:lumMod val="50000"/>
+                        </a:srgbClr>
+                      </a:solidFill>
+                      <a:prstDash val="solid"/>
+                      <a:round/>
+                      <a:headEnd type="none" w="med" len="med"/>
+                      <a:tailEnd type="none" w="med" len="med"/>
+                    </a:lnL>
+                    <a:lnR w="3175" cap="flat" cmpd="sng" algn="ctr">
+                      <a:solidFill>
+                        <a:srgbClr val="FFFFFF">
+                          <a:lumMod val="50000"/>
+                        </a:srgbClr>
+                      </a:solidFill>
+                      <a:prstDash val="solid"/>
+                      <a:round/>
+                      <a:headEnd type="none" w="med" len="med"/>
+                      <a:tailEnd type="none" w="med" len="med"/>
+                    </a:lnR>
+                    <a:lnT w="3175" cap="flat" cmpd="sng" algn="ctr">
+                      <a:solidFill>
+                        <a:srgbClr val="FFFFFF">
+                          <a:lumMod val="50000"/>
+                        </a:srgbClr>
+                      </a:solidFill>
+                      <a:prstDash val="solid"/>
+                      <a:round/>
+                      <a:headEnd type="none" w="med" len="med"/>
+                      <a:tailEnd type="none" w="med" len="med"/>
+                    </a:lnT>
+                  </a:tcPr>
+                </a:tc>
+                <a:tc>
+                  <a:txBody>
+                    <a:bodyPr/>
+                    <a:lstStyle/>
+                    <a:p>
+                      <a:pPr algn="ctr"/>
+                      <a:r>
+                        <a:rPr lang="ru-RU" sz="1100" dirty="0" smtClean="0">
+                          <a:solidFill>
+                            <a:srgbClr val="000000"/>
+                          </a:solidFill>
+                        </a:rPr>
                         <a:t>50/час</a:t>
                       </a:r>
                       <a:endParaRPr lang="en-US" sz="1100" dirty="0">
@@ -3985,6 +4555,52 @@
                           </a:solidFill>
                         </a:rPr>
                         <a:t>Просит </a:t>
+                      </a:r>
+                      <a:endParaRPr lang="en-US" sz="1100" dirty="0">
+                        <a:solidFill>
+                          <a:srgbClr val="000000"/>
+                        </a:solidFill>
+                      </a:endParaRPr>
+                    </a:p>
+                  </a:txBody>
+                  <a:tcPr marL="56960" marR="56960" marT="0" marB="28480">
+                    <a:lnL w="3175" cap="flat" cmpd="sng" algn="ctr">
+                      <a:solidFill>
+                        <a:srgbClr val="FFFFFF">
+                          <a:lumMod val="50000"/>
+                        </a:srgbClr>
+                      </a:solidFill>
+                      <a:prstDash val="solid"/>
+                      <a:round/>
+                      <a:headEnd type="none" w="med" len="med"/>
+                      <a:tailEnd type="none" w="med" len="med"/>
+                    </a:lnL>
+                    <a:lnR w="3175" cap="flat" cmpd="sng" algn="ctr">
+                      <a:solidFill>
+                        <a:srgbClr val="FFFFFF">
+                          <a:lumMod val="50000"/>
+                        </a:srgbClr>
+                      </a:solidFill>
+                      <a:prstDash val="solid"/>
+                      <a:round/>
+                      <a:headEnd type="none" w="med" len="med"/>
+                      <a:tailEnd type="none" w="med" len="med"/>
+                    </a:lnR>
+                  </a:tcPr>
+                </a:tc>
+                <a:tc>
+                  <a:txBody>
+                    <a:bodyPr/>
+                    <a:lstStyle/>
+                    <a:p>
+                      <a:pPr algn="ctr"/>
+                      <a:r>
+                        <a:rPr lang="ru-RU" sz="1100" dirty="0" smtClean="0">
+                          <a:solidFill>
+                            <a:srgbClr val="000000"/>
+                          </a:solidFill>
+                        </a:rPr>
+                        <a:t>услуга</a:t>
                       </a:r>
                       <a:endParaRPr lang="en-US" sz="1100" dirty="0">
                         <a:solidFill>
@@ -4270,6 +4886,52 @@
                             <a:srgbClr val="000000"/>
                           </a:solidFill>
                         </a:rPr>
+                        <a:t>услуга</a:t>
+                      </a:r>
+                      <a:endParaRPr lang="en-US" sz="1100" dirty="0">
+                        <a:solidFill>
+                          <a:srgbClr val="000000"/>
+                        </a:solidFill>
+                      </a:endParaRPr>
+                    </a:p>
+                  </a:txBody>
+                  <a:tcPr marL="56960" marR="56960" marT="0" marB="28480">
+                    <a:lnL w="3175" cap="flat" cmpd="sng" algn="ctr">
+                      <a:solidFill>
+                        <a:srgbClr val="FFFFFF">
+                          <a:lumMod val="50000"/>
+                        </a:srgbClr>
+                      </a:solidFill>
+                      <a:prstDash val="solid"/>
+                      <a:round/>
+                      <a:headEnd type="none" w="med" len="med"/>
+                      <a:tailEnd type="none" w="med" len="med"/>
+                    </a:lnL>
+                    <a:lnR w="3175" cap="flat" cmpd="sng" algn="ctr">
+                      <a:solidFill>
+                        <a:srgbClr val="FFFFFF">
+                          <a:lumMod val="50000"/>
+                        </a:srgbClr>
+                      </a:solidFill>
+                      <a:prstDash val="solid"/>
+                      <a:round/>
+                      <a:headEnd type="none" w="med" len="med"/>
+                      <a:tailEnd type="none" w="med" len="med"/>
+                    </a:lnR>
+                  </a:tcPr>
+                </a:tc>
+                <a:tc>
+                  <a:txBody>
+                    <a:bodyPr/>
+                    <a:lstStyle/>
+                    <a:p>
+                      <a:pPr algn="ctr"/>
+                      <a:r>
+                        <a:rPr lang="ru-RU" sz="1100" dirty="0" smtClean="0">
+                          <a:solidFill>
+                            <a:srgbClr val="000000"/>
+                          </a:solidFill>
+                        </a:rPr>
                         <a:t>Договор</a:t>
                       </a:r>
                       <a:endParaRPr lang="en-US" sz="1100" dirty="0">
@@ -4465,6 +5127,52 @@
                           </a:solidFill>
                         </a:rPr>
                         <a:t>Предлагает </a:t>
+                      </a:r>
+                      <a:endParaRPr lang="en-US" sz="1100" dirty="0">
+                        <a:solidFill>
+                          <a:srgbClr val="000000"/>
+                        </a:solidFill>
+                      </a:endParaRPr>
+                    </a:p>
+                  </a:txBody>
+                  <a:tcPr marL="56960" marR="56960" marT="0" marB="28480">
+                    <a:lnL w="3175" cap="flat" cmpd="sng" algn="ctr">
+                      <a:solidFill>
+                        <a:srgbClr val="FFFFFF">
+                          <a:lumMod val="50000"/>
+                        </a:srgbClr>
+                      </a:solidFill>
+                      <a:prstDash val="solid"/>
+                      <a:round/>
+                      <a:headEnd type="none" w="med" len="med"/>
+                      <a:tailEnd type="none" w="med" len="med"/>
+                    </a:lnL>
+                    <a:lnR w="3175" cap="flat" cmpd="sng" algn="ctr">
+                      <a:solidFill>
+                        <a:srgbClr val="FFFFFF">
+                          <a:lumMod val="50000"/>
+                        </a:srgbClr>
+                      </a:solidFill>
+                      <a:prstDash val="solid"/>
+                      <a:round/>
+                      <a:headEnd type="none" w="med" len="med"/>
+                      <a:tailEnd type="none" w="med" len="med"/>
+                    </a:lnR>
+                  </a:tcPr>
+                </a:tc>
+                <a:tc>
+                  <a:txBody>
+                    <a:bodyPr/>
+                    <a:lstStyle/>
+                    <a:p>
+                      <a:pPr algn="ctr"/>
+                      <a:r>
+                        <a:rPr lang="ru-RU" sz="1100" dirty="0" smtClean="0">
+                          <a:solidFill>
+                            <a:srgbClr val="000000"/>
+                          </a:solidFill>
+                        </a:rPr>
+                        <a:t>услуга</a:t>
                       </a:r>
                       <a:endParaRPr lang="en-US" sz="1100" dirty="0">
                         <a:solidFill>
@@ -4713,6 +5421,52 @@
                           </a:solidFill>
                         </a:rPr>
                         <a:t>Просит </a:t>
+                      </a:r>
+                      <a:endParaRPr lang="en-US" sz="1100" dirty="0">
+                        <a:solidFill>
+                          <a:srgbClr val="000000"/>
+                        </a:solidFill>
+                      </a:endParaRPr>
+                    </a:p>
+                  </a:txBody>
+                  <a:tcPr marL="56960" marR="56960" marT="0" marB="28480">
+                    <a:lnL w="3175" cap="flat" cmpd="sng" algn="ctr">
+                      <a:solidFill>
+                        <a:srgbClr val="FFFFFF">
+                          <a:lumMod val="50000"/>
+                        </a:srgbClr>
+                      </a:solidFill>
+                      <a:prstDash val="solid"/>
+                      <a:round/>
+                      <a:headEnd type="none" w="med" len="med"/>
+                      <a:tailEnd type="none" w="med" len="med"/>
+                    </a:lnL>
+                    <a:lnR w="3175" cap="flat" cmpd="sng" algn="ctr">
+                      <a:solidFill>
+                        <a:srgbClr val="FFFFFF">
+                          <a:lumMod val="50000"/>
+                        </a:srgbClr>
+                      </a:solidFill>
+                      <a:prstDash val="solid"/>
+                      <a:round/>
+                      <a:headEnd type="none" w="med" len="med"/>
+                      <a:tailEnd type="none" w="med" len="med"/>
+                    </a:lnR>
+                  </a:tcPr>
+                </a:tc>
+                <a:tc>
+                  <a:txBody>
+                    <a:bodyPr/>
+                    <a:lstStyle/>
+                    <a:p>
+                      <a:pPr algn="ctr"/>
+                      <a:r>
+                        <a:rPr lang="ru-RU" sz="1100" dirty="0" smtClean="0">
+                          <a:solidFill>
+                            <a:srgbClr val="000000"/>
+                          </a:solidFill>
+                        </a:rPr>
+                        <a:t>услуга</a:t>
                       </a:r>
                       <a:endParaRPr lang="en-US" sz="1100" dirty="0">
                         <a:solidFill>
@@ -5077,6 +5831,55 @@
                     </a:lnB>
                   </a:tcPr>
                 </a:tc>
+                <a:tc>
+                  <a:txBody>
+                    <a:bodyPr/>
+                    <a:lstStyle/>
+                    <a:p>
+                      <a:pPr algn="ctr"/>
+                      <a:endParaRPr lang="en-US" sz="1100" dirty="0">
+                        <a:solidFill>
+                          <a:srgbClr val="000000"/>
+                        </a:solidFill>
+                      </a:endParaRPr>
+                    </a:p>
+                  </a:txBody>
+                  <a:tcPr marL="56960" marR="56960" marT="0" marB="28480">
+                    <a:lnL w="3175" cap="flat" cmpd="sng" algn="ctr">
+                      <a:solidFill>
+                        <a:srgbClr val="FFFFFF">
+                          <a:lumMod val="50000"/>
+                        </a:srgbClr>
+                      </a:solidFill>
+                      <a:prstDash val="solid"/>
+                      <a:round/>
+                      <a:headEnd type="none" w="med" len="med"/>
+                      <a:tailEnd type="none" w="med" len="med"/>
+                    </a:lnL>
+                    <a:lnR w="3175" cap="flat" cmpd="sng" algn="ctr">
+                      <a:solidFill>
+                        <a:srgbClr val="FFFFFF">
+                          <a:lumMod val="50000"/>
+                        </a:srgbClr>
+                      </a:solidFill>
+                      <a:prstDash val="solid"/>
+                      <a:round/>
+                      <a:headEnd type="none" w="med" len="med"/>
+                      <a:tailEnd type="none" w="med" len="med"/>
+                    </a:lnR>
+                    <a:lnB w="3175" cap="flat" cmpd="sng" algn="ctr">
+                      <a:solidFill>
+                        <a:srgbClr val="FFFFFF">
+                          <a:lumMod val="50000"/>
+                        </a:srgbClr>
+                      </a:solidFill>
+                      <a:prstDash val="solid"/>
+                      <a:round/>
+                      <a:headEnd type="none" w="med" len="med"/>
+                      <a:tailEnd type="none" w="med" len="med"/>
+                    </a:lnB>
+                  </a:tcPr>
+                </a:tc>
               </a:tr>
             </a:tbl>
           </a:graphicData>
@@ -5109,7 +5912,7 @@
         </p:blipFill>
         <p:spPr bwMode="auto">
           <a:xfrm>
-            <a:off x="5207533" y="2483774"/>
+            <a:off x="5566640" y="2795223"/>
             <a:ext cx="143883" cy="137138"/>
           </a:xfrm>
           <a:prstGeom prst="rect">
@@ -5154,7 +5957,7 @@
         </p:blipFill>
         <p:spPr bwMode="auto">
           <a:xfrm>
-            <a:off x="5207532" y="2735287"/>
+            <a:off x="5566639" y="3046736"/>
             <a:ext cx="143883" cy="137138"/>
           </a:xfrm>
           <a:prstGeom prst="rect">
@@ -5199,7 +6002,7 @@
         </p:blipFill>
         <p:spPr bwMode="auto">
           <a:xfrm>
-            <a:off x="5207531" y="2935816"/>
+            <a:off x="5566638" y="3247265"/>
             <a:ext cx="143883" cy="137138"/>
           </a:xfrm>
           <a:prstGeom prst="rect">
@@ -5244,7 +6047,7 @@
         </p:blipFill>
         <p:spPr bwMode="auto">
           <a:xfrm>
-            <a:off x="5207533" y="3123262"/>
+            <a:off x="5566640" y="3434711"/>
             <a:ext cx="143883" cy="137138"/>
           </a:xfrm>
           <a:prstGeom prst="rect">
@@ -5289,7 +6092,7 @@
         </p:blipFill>
         <p:spPr bwMode="auto">
           <a:xfrm>
-            <a:off x="5207533" y="3329197"/>
+            <a:off x="5566640" y="3640646"/>
             <a:ext cx="143883" cy="137138"/>
           </a:xfrm>
           <a:prstGeom prst="rect">
@@ -5334,7 +6137,7 @@
         </p:blipFill>
         <p:spPr bwMode="auto">
           <a:xfrm>
-            <a:off x="5386560" y="2492358"/>
+            <a:off x="5745667" y="2803807"/>
             <a:ext cx="149590" cy="128554"/>
           </a:xfrm>
           <a:prstGeom prst="rect">
@@ -5379,7 +6182,7 @@
         </p:blipFill>
         <p:spPr bwMode="auto">
           <a:xfrm>
-            <a:off x="5386560" y="2747188"/>
+            <a:off x="5745667" y="3058637"/>
             <a:ext cx="149590" cy="128554"/>
           </a:xfrm>
           <a:prstGeom prst="rect">
@@ -5424,7 +6227,7 @@
         </p:blipFill>
         <p:spPr bwMode="auto">
           <a:xfrm>
-            <a:off x="5386560" y="2952984"/>
+            <a:off x="5745667" y="3264433"/>
             <a:ext cx="149590" cy="128554"/>
           </a:xfrm>
           <a:prstGeom prst="rect">
@@ -5469,7 +6272,7 @@
         </p:blipFill>
         <p:spPr bwMode="auto">
           <a:xfrm>
-            <a:off x="5386560" y="3153885"/>
+            <a:off x="5745667" y="3465334"/>
             <a:ext cx="149590" cy="128554"/>
           </a:xfrm>
           <a:prstGeom prst="rect">
@@ -5514,7 +6317,7 @@
         </p:blipFill>
         <p:spPr bwMode="auto">
           <a:xfrm>
-            <a:off x="5389370" y="3337781"/>
+            <a:off x="5748477" y="3649230"/>
             <a:ext cx="149590" cy="128554"/>
           </a:xfrm>
           <a:prstGeom prst="rect">
@@ -5544,7 +6347,7 @@
         </p:nvSpPr>
         <p:spPr>
           <a:xfrm>
-            <a:off x="5326524" y="2395333"/>
+            <a:off x="5685631" y="2706782"/>
             <a:ext cx="671018" cy="193899"/>
           </a:xfrm>
           <a:prstGeom prst="rect">
@@ -5644,8 +6447,8 @@
         </p:nvSpPr>
         <p:spPr>
           <a:xfrm>
-            <a:off x="5538960" y="3208159"/>
-            <a:ext cx="844142" cy="193899"/>
+            <a:off x="5898067" y="3519608"/>
+            <a:ext cx="1275349" cy="193899"/>
           </a:xfrm>
           <a:prstGeom prst="rect">
             <a:avLst/>
@@ -5712,25 +6515,7 @@
                 <a:uFillTx/>
                 <a:latin typeface="Segoe UI"/>
               </a:rPr>
-              <a:t>Подать</a:t>
-            </a:r>
-            <a:r>
-              <a:rPr kumimoji="0" lang="ru-RU" sz="900" b="0" i="0" u="none" strike="noStrike" kern="0" cap="none" spc="0" normalizeH="0" noProof="0" dirty="0" smtClean="0">
-                <a:ln>
-                  <a:noFill/>
-                </a:ln>
-                <a:solidFill>
-                  <a:srgbClr val="000000">
-                    <a:lumMod val="75000"/>
-                    <a:lumOff val="25000"/>
-                  </a:srgbClr>
-                </a:solidFill>
-                <a:effectLst/>
-                <a:uLnTx/>
-                <a:uFillTx/>
-                <a:latin typeface="Segoe UI"/>
-              </a:rPr>
-              <a:t> заявку</a:t>
+              <a:t>Сделать предложение</a:t>
             </a:r>
             <a:endParaRPr kumimoji="0" lang="en-US" sz="900" b="0" i="0" u="none" strike="noStrike" kern="0" cap="none" spc="0" normalizeH="0" baseline="0" noProof="0" dirty="0" smtClean="0">
               <a:ln>
@@ -5777,7 +6562,7 @@
         </p:blipFill>
         <p:spPr bwMode="auto">
           <a:xfrm>
-            <a:off x="5246379" y="2556635"/>
+            <a:off x="5605486" y="2868084"/>
             <a:ext cx="105035" cy="139499"/>
           </a:xfrm>
           <a:prstGeom prst="rect">
@@ -5830,7 +6615,7 @@
         </p:blipFill>
         <p:spPr bwMode="auto">
           <a:xfrm>
-            <a:off x="5442753" y="3396343"/>
+            <a:off x="5801860" y="3707792"/>
             <a:ext cx="105035" cy="139499"/>
           </a:xfrm>
           <a:prstGeom prst="rect">
@@ -5883,7 +6668,7 @@
         </p:blipFill>
         <p:spPr bwMode="auto">
           <a:xfrm>
-            <a:off x="1403970" y="2481413"/>
+            <a:off x="1225240" y="2734057"/>
             <a:ext cx="105035" cy="139499"/>
           </a:xfrm>
           <a:prstGeom prst="rect">
@@ -5919,7 +6704,7 @@
         </p:nvSpPr>
         <p:spPr>
           <a:xfrm>
-            <a:off x="1607133" y="2019082"/>
+            <a:off x="1736485" y="2312246"/>
             <a:ext cx="106714" cy="104141"/>
           </a:xfrm>
           <a:prstGeom prst="rect">
@@ -5976,7 +6761,7 @@
         </p:nvGrpSpPr>
         <p:grpSpPr>
           <a:xfrm>
-            <a:off x="2513273" y="1979712"/>
+            <a:off x="2461801" y="2279226"/>
             <a:ext cx="182880" cy="182880"/>
             <a:chOff x="2787278" y="3604633"/>
             <a:chExt cx="182880" cy="182880"/>
@@ -6093,7 +6878,7 @@
         </p:nvSpPr>
         <p:spPr>
           <a:xfrm>
-            <a:off x="3669965" y="2012732"/>
+            <a:off x="4294515" y="2312246"/>
             <a:ext cx="106714" cy="104141"/>
           </a:xfrm>
           <a:prstGeom prst="rect">
@@ -6152,7 +6937,7 @@
         </p:nvSpPr>
         <p:spPr>
           <a:xfrm>
-            <a:off x="4991509" y="2019082"/>
+            <a:off x="5390270" y="2318596"/>
             <a:ext cx="106714" cy="104141"/>
           </a:xfrm>
           <a:prstGeom prst="rect">
@@ -7098,7 +7883,7 @@
         </p:nvSpPr>
         <p:spPr>
           <a:xfrm>
-            <a:off x="3573016" y="1555741"/>
+            <a:off x="2991246" y="1877047"/>
             <a:ext cx="613972" cy="372616"/>
           </a:xfrm>
           <a:prstGeom prst="wedgeRoundRectCallout">
@@ -7150,6 +7935,4484 @@
     <p:extLst>
       <p:ext uri="{BB962C8B-B14F-4D97-AF65-F5344CB8AC3E}">
         <p14:creationId xmlns:p14="http://schemas.microsoft.com/office/powerpoint/2010/main" val="1509083079"/>
+      </p:ext>
+    </p:extLst>
+  </p:cSld>
+  <p:clrMapOvr>
+    <a:masterClrMapping/>
+  </p:clrMapOvr>
+  <p:timing>
+    <p:tnLst>
+      <p:par>
+        <p:cTn id="1" dur="indefinite" restart="never" nodeType="tmRoot"/>
+      </p:par>
+    </p:tnLst>
+  </p:timing>
+</p:sld>
+</file>
+
+<file path=ppt/slides/slide2.xml><?xml version="1.0" encoding="utf-8"?>
+<p:sld xmlns:a="http://schemas.openxmlformats.org/drawingml/2006/main" xmlns:r="http://schemas.openxmlformats.org/officeDocument/2006/relationships" xmlns:p="http://schemas.openxmlformats.org/presentationml/2006/main">
+  <p:cSld>
+    <p:spTree>
+      <p:nvGrpSpPr>
+        <p:cNvPr id="1" name=""/>
+        <p:cNvGrpSpPr/>
+        <p:nvPr/>
+      </p:nvGrpSpPr>
+      <p:grpSpPr>
+        <a:xfrm>
+          <a:off x="0" y="0"/>
+          <a:ext cx="0" cy="0"/>
+          <a:chOff x="0" y="0"/>
+          <a:chExt cx="0" cy="0"/>
+        </a:xfrm>
+      </p:grpSpPr>
+      <p:sp>
+        <p:nvSpPr>
+          <p:cNvPr id="112" name="Container"/>
+          <p:cNvSpPr/>
+          <p:nvPr/>
+        </p:nvSpPr>
+        <p:spPr>
+          <a:xfrm>
+            <a:off x="398800" y="4572000"/>
+            <a:ext cx="3069261" cy="2448272"/>
+          </a:xfrm>
+          <a:prstGeom prst="rect">
+            <a:avLst/>
+          </a:prstGeom>
+          <a:solidFill>
+            <a:sysClr val="window" lastClr="FFFFFF"/>
+          </a:solidFill>
+          <a:ln w="3175" cap="flat" cmpd="sng" algn="ctr">
+            <a:solidFill>
+              <a:srgbClr val="FFFFFF">
+                <a:lumMod val="50000"/>
+              </a:srgbClr>
+            </a:solidFill>
+            <a:prstDash val="solid"/>
+          </a:ln>
+          <a:effectLst/>
+        </p:spPr>
+        <p:txBody>
+          <a:bodyPr rot="0" spcFirstLastPara="0" vertOverflow="overflow" horzOverflow="overflow" vert="horz" wrap="square" lIns="45720" tIns="45720" rIns="91440" bIns="45720" numCol="1" spcCol="0" rtlCol="0" fromWordArt="0" anchor="ctr" anchorCtr="0" forceAA="0" compatLnSpc="1">
+            <a:prstTxWarp prst="textNoShape">
+              <a:avLst/>
+            </a:prstTxWarp>
+            <a:noAutofit/>
+          </a:bodyPr>
+          <a:lstStyle/>
+          <a:p>
+            <a:pPr marL="0" marR="0" indent="0" algn="ctr" defTabSz="914400" eaLnBrk="1" fontAlgn="auto" latinLnBrk="0" hangingPunct="1">
+              <a:lnSpc>
+                <a:spcPct val="100000"/>
+              </a:lnSpc>
+              <a:spcBef>
+                <a:spcPts val="0"/>
+              </a:spcBef>
+              <a:spcAft>
+                <a:spcPts val="0"/>
+              </a:spcAft>
+              <a:buClrTx/>
+              <a:buSzTx/>
+              <a:buFontTx/>
+              <a:buNone/>
+              <a:tabLst/>
+            </a:pPr>
+            <a:endParaRPr kumimoji="0" lang="en-US" sz="800" b="0" i="0" u="none" strike="noStrike" kern="0" cap="none" spc="0" normalizeH="0" baseline="0" noProof="0" dirty="0" smtClean="0">
+              <a:ln>
+                <a:noFill/>
+              </a:ln>
+              <a:solidFill>
+                <a:srgbClr val="000000">
+                  <a:lumMod val="75000"/>
+                  <a:lumOff val="25000"/>
+                </a:srgbClr>
+              </a:solidFill>
+              <a:effectLst/>
+              <a:uLnTx/>
+              <a:uFillTx/>
+              <a:latin typeface="Segoe UI"/>
+              <a:ea typeface="+mn-ea"/>
+              <a:cs typeface="+mn-cs"/>
+            </a:endParaRPr>
+          </a:p>
+        </p:txBody>
+      </p:sp>
+      <p:sp>
+        <p:nvSpPr>
+          <p:cNvPr id="83" name="Container"/>
+          <p:cNvSpPr/>
+          <p:nvPr/>
+        </p:nvSpPr>
+        <p:spPr>
+          <a:xfrm>
+            <a:off x="398800" y="2513641"/>
+            <a:ext cx="3513043" cy="1554303"/>
+          </a:xfrm>
+          <a:prstGeom prst="rect">
+            <a:avLst/>
+          </a:prstGeom>
+          <a:solidFill>
+            <a:sysClr val="window" lastClr="FFFFFF"/>
+          </a:solidFill>
+          <a:ln w="3175" cap="flat" cmpd="sng" algn="ctr">
+            <a:solidFill>
+              <a:srgbClr val="FFFFFF">
+                <a:lumMod val="50000"/>
+              </a:srgbClr>
+            </a:solidFill>
+            <a:prstDash val="solid"/>
+          </a:ln>
+          <a:effectLst/>
+        </p:spPr>
+        <p:txBody>
+          <a:bodyPr rot="0" spcFirstLastPara="0" vertOverflow="overflow" horzOverflow="overflow" vert="horz" wrap="square" lIns="45720" tIns="45720" rIns="91440" bIns="45720" numCol="1" spcCol="0" rtlCol="0" fromWordArt="0" anchor="ctr" anchorCtr="0" forceAA="0" compatLnSpc="1">
+            <a:prstTxWarp prst="textNoShape">
+              <a:avLst/>
+            </a:prstTxWarp>
+            <a:noAutofit/>
+          </a:bodyPr>
+          <a:lstStyle/>
+          <a:p>
+            <a:pPr marL="0" marR="0" indent="0" algn="ctr" defTabSz="914400" eaLnBrk="1" fontAlgn="auto" latinLnBrk="0" hangingPunct="1">
+              <a:lnSpc>
+                <a:spcPct val="100000"/>
+              </a:lnSpc>
+              <a:spcBef>
+                <a:spcPts val="0"/>
+              </a:spcBef>
+              <a:spcAft>
+                <a:spcPts val="0"/>
+              </a:spcAft>
+              <a:buClrTx/>
+              <a:buSzTx/>
+              <a:buFontTx/>
+              <a:buNone/>
+              <a:tabLst/>
+            </a:pPr>
+            <a:endParaRPr kumimoji="0" lang="en-US" sz="800" b="0" i="0" u="none" strike="noStrike" kern="0" cap="none" spc="0" normalizeH="0" baseline="0" noProof="0" dirty="0" smtClean="0">
+              <a:ln>
+                <a:noFill/>
+              </a:ln>
+              <a:solidFill>
+                <a:srgbClr val="000000">
+                  <a:lumMod val="75000"/>
+                  <a:lumOff val="25000"/>
+                </a:srgbClr>
+              </a:solidFill>
+              <a:effectLst/>
+              <a:uLnTx/>
+              <a:uFillTx/>
+              <a:latin typeface="Segoe UI"/>
+              <a:ea typeface="+mn-ea"/>
+              <a:cs typeface="+mn-cs"/>
+            </a:endParaRPr>
+          </a:p>
+        </p:txBody>
+      </p:sp>
+      <p:sp>
+        <p:nvSpPr>
+          <p:cNvPr id="84" name="ActiveTab"/>
+          <p:cNvSpPr txBox="1"/>
+          <p:nvPr/>
+        </p:nvSpPr>
+        <p:spPr>
+          <a:xfrm>
+            <a:off x="433615" y="2384566"/>
+            <a:ext cx="1103818" cy="258149"/>
+          </a:xfrm>
+          <a:prstGeom prst="rect">
+            <a:avLst/>
+          </a:prstGeom>
+          <a:solidFill>
+            <a:srgbClr val="FFFFFF"/>
+          </a:solidFill>
+          <a:ln w="3175">
+            <a:noFill/>
+          </a:ln>
+        </p:spPr>
+        <p:txBody>
+          <a:bodyPr vertOverflow="ellipsis" lIns="0" tIns="18288" rIns="45720" rtlCol="0">
+            <a:noAutofit/>
+          </a:bodyPr>
+          <a:lstStyle/>
+          <a:p>
+            <a:pPr algn="ctr"/>
+            <a:r>
+              <a:rPr lang="ru-RU" sz="1200" dirty="0" smtClean="0">
+                <a:latin typeface="Segoe UI" pitchFamily="34" charset="0"/>
+                <a:ea typeface="Segoe UI" pitchFamily="34" charset="0"/>
+                <a:cs typeface="Segoe UI" pitchFamily="34" charset="0"/>
+              </a:rPr>
+              <a:t>Услуга</a:t>
+            </a:r>
+            <a:endParaRPr lang="en-US" sz="1200" dirty="0">
+              <a:latin typeface="Segoe UI" pitchFamily="34" charset="0"/>
+              <a:ea typeface="Segoe UI" pitchFamily="34" charset="0"/>
+              <a:cs typeface="Segoe UI" pitchFamily="34" charset="0"/>
+            </a:endParaRPr>
+          </a:p>
+        </p:txBody>
+      </p:sp>
+      <p:grpSp>
+        <p:nvGrpSpPr>
+          <p:cNvPr id="35" name="TabGroup"/>
+          <p:cNvGrpSpPr/>
+          <p:nvPr>
+            <p:custDataLst>
+              <p:custData r:id="rId1"/>
+            </p:custDataLst>
+          </p:nvPr>
+        </p:nvGrpSpPr>
+        <p:grpSpPr>
+          <a:xfrm>
+            <a:off x="404664" y="152319"/>
+            <a:ext cx="3513043" cy="1899402"/>
+            <a:chOff x="3138993" y="2723571"/>
+            <a:chExt cx="3513043" cy="1813630"/>
+          </a:xfrm>
+        </p:grpSpPr>
+        <p:sp>
+          <p:nvSpPr>
+            <p:cNvPr id="36" name="Container"/>
+            <p:cNvSpPr/>
+            <p:nvPr/>
+          </p:nvSpPr>
+          <p:spPr>
+            <a:xfrm>
+              <a:off x="3138993" y="2846817"/>
+              <a:ext cx="3513043" cy="1690384"/>
+            </a:xfrm>
+            <a:prstGeom prst="rect">
+              <a:avLst/>
+            </a:prstGeom>
+            <a:solidFill>
+              <a:sysClr val="window" lastClr="FFFFFF"/>
+            </a:solidFill>
+            <a:ln w="3175" cap="flat" cmpd="sng" algn="ctr">
+              <a:solidFill>
+                <a:srgbClr val="FFFFFF">
+                  <a:lumMod val="50000"/>
+                </a:srgbClr>
+              </a:solidFill>
+              <a:prstDash val="solid"/>
+            </a:ln>
+            <a:effectLst/>
+          </p:spPr>
+          <p:txBody>
+            <a:bodyPr rot="0" spcFirstLastPara="0" vertOverflow="overflow" horzOverflow="overflow" vert="horz" wrap="square" lIns="45720" tIns="45720" rIns="91440" bIns="45720" numCol="1" spcCol="0" rtlCol="0" fromWordArt="0" anchor="ctr" anchorCtr="0" forceAA="0" compatLnSpc="1">
+              <a:prstTxWarp prst="textNoShape">
+                <a:avLst/>
+              </a:prstTxWarp>
+              <a:noAutofit/>
+            </a:bodyPr>
+            <a:lstStyle/>
+            <a:p>
+              <a:pPr marL="0" marR="0" indent="0" algn="ctr" defTabSz="914400" eaLnBrk="1" fontAlgn="auto" latinLnBrk="0" hangingPunct="1">
+                <a:lnSpc>
+                  <a:spcPct val="100000"/>
+                </a:lnSpc>
+                <a:spcBef>
+                  <a:spcPts val="0"/>
+                </a:spcBef>
+                <a:spcAft>
+                  <a:spcPts val="0"/>
+                </a:spcAft>
+                <a:buClrTx/>
+                <a:buSzTx/>
+                <a:buFontTx/>
+                <a:buNone/>
+                <a:tabLst/>
+              </a:pPr>
+              <a:endParaRPr kumimoji="0" lang="en-US" sz="800" b="0" i="0" u="none" strike="noStrike" kern="0" cap="none" spc="0" normalizeH="0" baseline="0" noProof="0" dirty="0" smtClean="0">
+                <a:ln>
+                  <a:noFill/>
+                </a:ln>
+                <a:solidFill>
+                  <a:srgbClr val="000000">
+                    <a:lumMod val="75000"/>
+                    <a:lumOff val="25000"/>
+                  </a:srgbClr>
+                </a:solidFill>
+                <a:effectLst/>
+                <a:uLnTx/>
+                <a:uFillTx/>
+                <a:latin typeface="Segoe UI"/>
+                <a:ea typeface="+mn-ea"/>
+                <a:cs typeface="+mn-cs"/>
+              </a:endParaRPr>
+            </a:p>
+          </p:txBody>
+        </p:sp>
+        <p:sp>
+          <p:nvSpPr>
+            <p:cNvPr id="41" name="ActiveTab"/>
+            <p:cNvSpPr txBox="1"/>
+            <p:nvPr/>
+          </p:nvSpPr>
+          <p:spPr>
+            <a:xfrm>
+              <a:off x="3173808" y="2723571"/>
+              <a:ext cx="1103818" cy="246492"/>
+            </a:xfrm>
+            <a:prstGeom prst="rect">
+              <a:avLst/>
+            </a:prstGeom>
+            <a:solidFill>
+              <a:srgbClr val="FFFFFF"/>
+            </a:solidFill>
+            <a:ln w="3175">
+              <a:noFill/>
+            </a:ln>
+          </p:spPr>
+          <p:txBody>
+            <a:bodyPr vertOverflow="ellipsis" lIns="0" tIns="18288" rIns="45720" rtlCol="0">
+              <a:noAutofit/>
+            </a:bodyPr>
+            <a:lstStyle/>
+            <a:p>
+              <a:pPr algn="ctr"/>
+              <a:r>
+                <a:rPr lang="ru-RU" sz="1200" dirty="0" smtClean="0">
+                  <a:latin typeface="Segoe UI" pitchFamily="34" charset="0"/>
+                  <a:ea typeface="Segoe UI" pitchFamily="34" charset="0"/>
+                  <a:cs typeface="Segoe UI" pitchFamily="34" charset="0"/>
+                </a:rPr>
+                <a:t>Пользователь</a:t>
+              </a:r>
+              <a:endParaRPr lang="en-US" sz="1200" dirty="0">
+                <a:latin typeface="Segoe UI" pitchFamily="34" charset="0"/>
+                <a:ea typeface="Segoe UI" pitchFamily="34" charset="0"/>
+                <a:cs typeface="Segoe UI" pitchFamily="34" charset="0"/>
+              </a:endParaRPr>
+            </a:p>
+          </p:txBody>
+        </p:sp>
+      </p:grpSp>
+      <p:pic>
+        <p:nvPicPr>
+          <p:cNvPr id="19" name="Picture 2" descr="C:\Users\t-dantay\Documents\Placeholders\user.png"/>
+          <p:cNvPicPr>
+            <a:picLocks noChangeAspect="1" noChangeArrowheads="1"/>
+          </p:cNvPicPr>
+          <p:nvPr>
+            <p:custDataLst>
+              <p:custData r:id="rId2"/>
+            </p:custDataLst>
+          </p:nvPr>
+        </p:nvPicPr>
+        <p:blipFill>
+          <a:blip r:embed="rId42" cstate="print">
+            <a:extLst>
+              <a:ext uri="{28A0092B-C50C-407E-A947-70E740481C1C}">
+                <a14:useLocalDpi xmlns:a14="http://schemas.microsoft.com/office/drawing/2010/main" val="0"/>
+              </a:ext>
+            </a:extLst>
+          </a:blip>
+          <a:srcRect/>
+          <a:stretch>
+            <a:fillRect/>
+          </a:stretch>
+        </p:blipFill>
+        <p:spPr bwMode="auto">
+          <a:xfrm>
+            <a:off x="768213" y="959024"/>
+            <a:ext cx="261258" cy="285750"/>
+          </a:xfrm>
+          <a:prstGeom prst="rect">
+            <a:avLst/>
+          </a:prstGeom>
+          <a:noFill/>
+          <a:extLst>
+            <a:ext uri="{909E8E84-426E-40DD-AFC4-6F175D3DCCD1}">
+              <a14:hiddenFill xmlns:a14="http://schemas.microsoft.com/office/drawing/2010/main">
+                <a:solidFill>
+                  <a:srgbClr val="FFFFFF"/>
+                </a:solidFill>
+              </a14:hiddenFill>
+            </a:ext>
+          </a:extLst>
+        </p:spPr>
+      </p:pic>
+      <p:sp>
+        <p:nvSpPr>
+          <p:cNvPr id="24" name="Прямоугольник 23"/>
+          <p:cNvSpPr/>
+          <p:nvPr/>
+        </p:nvSpPr>
+        <p:spPr>
+          <a:xfrm>
+            <a:off x="548679" y="611560"/>
+            <a:ext cx="692197" cy="1080120"/>
+          </a:xfrm>
+          <a:prstGeom prst="rect">
+            <a:avLst/>
+          </a:prstGeom>
+          <a:noFill/>
+          <a:ln w="9525">
+            <a:solidFill>
+              <a:schemeClr val="bg1">
+                <a:lumMod val="50000"/>
+              </a:schemeClr>
+            </a:solidFill>
+          </a:ln>
+        </p:spPr>
+        <p:style>
+          <a:lnRef idx="2">
+            <a:schemeClr val="accent1">
+              <a:shade val="50000"/>
+            </a:schemeClr>
+          </a:lnRef>
+          <a:fillRef idx="1">
+            <a:schemeClr val="accent1"/>
+          </a:fillRef>
+          <a:effectRef idx="0">
+            <a:schemeClr val="accent1"/>
+          </a:effectRef>
+          <a:fontRef idx="minor">
+            <a:schemeClr val="lt1"/>
+          </a:fontRef>
+        </p:style>
+        <p:txBody>
+          <a:bodyPr rtlCol="0" anchor="ctr"/>
+          <a:lstStyle/>
+          <a:p>
+            <a:pPr algn="ctr"/>
+            <a:endParaRPr lang="ru-RU"/>
+          </a:p>
+        </p:txBody>
+      </p:sp>
+      <p:sp>
+        <p:nvSpPr>
+          <p:cNvPr id="25" name="Content"/>
+          <p:cNvSpPr txBox="1"/>
+          <p:nvPr>
+            <p:custDataLst>
+              <p:custData r:id="rId3"/>
+            </p:custDataLst>
+          </p:nvPr>
+        </p:nvSpPr>
+        <p:spPr>
+          <a:xfrm>
+            <a:off x="1228502" y="584200"/>
+            <a:ext cx="559769" cy="230832"/>
+          </a:xfrm>
+          <a:prstGeom prst="rect">
+            <a:avLst/>
+          </a:prstGeom>
+          <a:noFill/>
+        </p:spPr>
+        <p:txBody>
+          <a:bodyPr wrap="none" lIns="91440" tIns="18288" rIns="91440" bIns="27432" rtlCol="0" anchor="ctr" anchorCtr="0">
+            <a:spAutoFit/>
+          </a:bodyPr>
+          <a:lstStyle/>
+          <a:p>
+            <a:r>
+              <a:rPr lang="ru-RU" sz="1200" dirty="0" smtClean="0">
+                <a:solidFill>
+                  <a:srgbClr val="000000"/>
+                </a:solidFill>
+                <a:latin typeface="Segoe UI" pitchFamily="34" charset="0"/>
+                <a:ea typeface="Segoe UI" pitchFamily="34" charset="0"/>
+                <a:cs typeface="Segoe UI" pitchFamily="34" charset="0"/>
+              </a:rPr>
+              <a:t>Имя</a:t>
+            </a:r>
+            <a:r>
+              <a:rPr lang="en-US" sz="1200" dirty="0" smtClean="0">
+                <a:solidFill>
+                  <a:srgbClr val="000000"/>
+                </a:solidFill>
+                <a:latin typeface="Segoe UI" pitchFamily="34" charset="0"/>
+                <a:ea typeface="Segoe UI" pitchFamily="34" charset="0"/>
+                <a:cs typeface="Segoe UI" pitchFamily="34" charset="0"/>
+              </a:rPr>
+              <a:t>:</a:t>
+            </a:r>
+            <a:r>
+              <a:rPr lang="ru-RU" sz="1200" dirty="0" smtClean="0">
+                <a:solidFill>
+                  <a:srgbClr val="000000"/>
+                </a:solidFill>
+                <a:latin typeface="Segoe UI" pitchFamily="34" charset="0"/>
+                <a:ea typeface="Segoe UI" pitchFamily="34" charset="0"/>
+                <a:cs typeface="Segoe UI" pitchFamily="34" charset="0"/>
+              </a:rPr>
+              <a:t> </a:t>
+            </a:r>
+            <a:endParaRPr lang="en-US" sz="1200" dirty="0" smtClean="0">
+              <a:solidFill>
+                <a:srgbClr val="000000"/>
+              </a:solidFill>
+              <a:latin typeface="Segoe UI" pitchFamily="34" charset="0"/>
+              <a:ea typeface="Segoe UI" pitchFamily="34" charset="0"/>
+              <a:cs typeface="Segoe UI" pitchFamily="34" charset="0"/>
+            </a:endParaRPr>
+          </a:p>
+        </p:txBody>
+      </p:sp>
+      <p:sp>
+        <p:nvSpPr>
+          <p:cNvPr id="28" name="Content"/>
+          <p:cNvSpPr txBox="1"/>
+          <p:nvPr>
+            <p:custDataLst>
+              <p:custData r:id="rId4"/>
+            </p:custDataLst>
+          </p:nvPr>
+        </p:nvSpPr>
+        <p:spPr>
+          <a:xfrm>
+            <a:off x="1227836" y="868562"/>
+            <a:ext cx="852862" cy="230832"/>
+          </a:xfrm>
+          <a:prstGeom prst="rect">
+            <a:avLst/>
+          </a:prstGeom>
+          <a:noFill/>
+        </p:spPr>
+        <p:txBody>
+          <a:bodyPr wrap="none" lIns="91440" tIns="18288" rIns="91440" bIns="27432" rtlCol="0" anchor="ctr" anchorCtr="0">
+            <a:spAutoFit/>
+          </a:bodyPr>
+          <a:lstStyle/>
+          <a:p>
+            <a:r>
+              <a:rPr lang="ru-RU" sz="1200" dirty="0" smtClean="0">
+                <a:solidFill>
+                  <a:srgbClr val="000000"/>
+                </a:solidFill>
+                <a:latin typeface="Segoe UI" pitchFamily="34" charset="0"/>
+                <a:ea typeface="Segoe UI" pitchFamily="34" charset="0"/>
+                <a:cs typeface="Segoe UI" pitchFamily="34" charset="0"/>
+              </a:rPr>
+              <a:t>Фамилия</a:t>
+            </a:r>
+            <a:r>
+              <a:rPr lang="en-US" sz="1200" dirty="0" smtClean="0">
+                <a:solidFill>
+                  <a:srgbClr val="000000"/>
+                </a:solidFill>
+                <a:latin typeface="Segoe UI" pitchFamily="34" charset="0"/>
+                <a:ea typeface="Segoe UI" pitchFamily="34" charset="0"/>
+                <a:cs typeface="Segoe UI" pitchFamily="34" charset="0"/>
+              </a:rPr>
+              <a:t>:</a:t>
+            </a:r>
+            <a:endParaRPr lang="en-US" sz="1200" dirty="0" smtClean="0">
+              <a:solidFill>
+                <a:srgbClr val="000000"/>
+              </a:solidFill>
+              <a:latin typeface="Segoe UI" pitchFamily="34" charset="0"/>
+              <a:ea typeface="Segoe UI" pitchFamily="34" charset="0"/>
+              <a:cs typeface="Segoe UI" pitchFamily="34" charset="0"/>
+            </a:endParaRPr>
+          </a:p>
+        </p:txBody>
+      </p:sp>
+      <p:sp>
+        <p:nvSpPr>
+          <p:cNvPr id="29" name="Content"/>
+          <p:cNvSpPr/>
+          <p:nvPr>
+            <p:custDataLst>
+              <p:custData r:id="rId5"/>
+            </p:custDataLst>
+          </p:nvPr>
+        </p:nvSpPr>
+        <p:spPr>
+          <a:xfrm>
+            <a:off x="2114746" y="586432"/>
+            <a:ext cx="1665661" cy="228600"/>
+          </a:xfrm>
+          <a:prstGeom prst="rect">
+            <a:avLst/>
+          </a:prstGeom>
+          <a:solidFill>
+            <a:schemeClr val="bg1">
+              <a:lumMod val="95000"/>
+            </a:schemeClr>
+          </a:solidFill>
+          <a:ln w="3175">
+            <a:solidFill>
+              <a:srgbClr val="000000">
+                <a:lumMod val="50000"/>
+                <a:lumOff val="50000"/>
+              </a:srgbClr>
+            </a:solidFill>
+          </a:ln>
+          <a:effectLst/>
+        </p:spPr>
+        <p:style>
+          <a:lnRef idx="2">
+            <a:srgbClr val="4F81BD">
+              <a:shade val="50000"/>
+            </a:srgbClr>
+          </a:lnRef>
+          <a:fillRef idx="1">
+            <a:srgbClr val="4F81BD"/>
+          </a:fillRef>
+          <a:effectRef idx="0">
+            <a:srgbClr val="4F81BD"/>
+          </a:effectRef>
+          <a:fontRef idx="minor">
+            <a:srgbClr val="000000"/>
+          </a:fontRef>
+        </p:style>
+        <p:txBody>
+          <a:bodyPr wrap="none" lIns="45720" tIns="18288" rIns="45720" bIns="18288" rtlCol="0" anchor="ctr">
+            <a:noAutofit/>
+          </a:bodyPr>
+          <a:lstStyle/>
+          <a:p>
+            <a:r>
+              <a:rPr lang="ru-RU" sz="1200" dirty="0" smtClean="0">
+                <a:latin typeface="Segoe UI" pitchFamily="34" charset="0"/>
+                <a:ea typeface="Segoe UI" pitchFamily="34" charset="0"/>
+                <a:cs typeface="Segoe UI" pitchFamily="34" charset="0"/>
+              </a:rPr>
+              <a:t>Давид</a:t>
+            </a:r>
+            <a:endParaRPr lang="en-US" sz="1200" dirty="0">
+              <a:latin typeface="Segoe UI" pitchFamily="34" charset="0"/>
+              <a:ea typeface="Segoe UI" pitchFamily="34" charset="0"/>
+              <a:cs typeface="Segoe UI" pitchFamily="34" charset="0"/>
+            </a:endParaRPr>
+          </a:p>
+        </p:txBody>
+      </p:sp>
+      <p:sp>
+        <p:nvSpPr>
+          <p:cNvPr id="30" name="Content"/>
+          <p:cNvSpPr/>
+          <p:nvPr>
+            <p:custDataLst>
+              <p:custData r:id="rId6"/>
+            </p:custDataLst>
+          </p:nvPr>
+        </p:nvSpPr>
+        <p:spPr>
+          <a:xfrm>
+            <a:off x="2106114" y="870794"/>
+            <a:ext cx="1674293" cy="228600"/>
+          </a:xfrm>
+          <a:prstGeom prst="rect">
+            <a:avLst/>
+          </a:prstGeom>
+          <a:solidFill>
+            <a:schemeClr val="bg1">
+              <a:lumMod val="95000"/>
+            </a:schemeClr>
+          </a:solidFill>
+          <a:ln w="3175">
+            <a:solidFill>
+              <a:srgbClr val="000000">
+                <a:lumMod val="50000"/>
+                <a:lumOff val="50000"/>
+              </a:srgbClr>
+            </a:solidFill>
+          </a:ln>
+          <a:effectLst/>
+        </p:spPr>
+        <p:style>
+          <a:lnRef idx="2">
+            <a:srgbClr val="4F81BD">
+              <a:shade val="50000"/>
+            </a:srgbClr>
+          </a:lnRef>
+          <a:fillRef idx="1">
+            <a:srgbClr val="4F81BD"/>
+          </a:fillRef>
+          <a:effectRef idx="0">
+            <a:srgbClr val="4F81BD"/>
+          </a:effectRef>
+          <a:fontRef idx="minor">
+            <a:srgbClr val="000000"/>
+          </a:fontRef>
+        </p:style>
+        <p:txBody>
+          <a:bodyPr wrap="none" lIns="45720" tIns="18288" rIns="45720" bIns="18288" rtlCol="0" anchor="ctr">
+            <a:noAutofit/>
+          </a:bodyPr>
+          <a:lstStyle/>
+          <a:p>
+            <a:r>
+              <a:rPr lang="ru-RU" sz="1200" dirty="0">
+                <a:latin typeface="Segoe UI" pitchFamily="34" charset="0"/>
+                <a:ea typeface="Segoe UI" pitchFamily="34" charset="0"/>
+                <a:cs typeface="Segoe UI" pitchFamily="34" charset="0"/>
+              </a:rPr>
+              <a:t>Бояров</a:t>
+            </a:r>
+            <a:endParaRPr lang="en-US" sz="1200" dirty="0">
+              <a:latin typeface="Segoe UI" pitchFamily="34" charset="0"/>
+              <a:ea typeface="Segoe UI" pitchFamily="34" charset="0"/>
+              <a:cs typeface="Segoe UI" pitchFamily="34" charset="0"/>
+            </a:endParaRPr>
+          </a:p>
+        </p:txBody>
+      </p:sp>
+      <p:sp>
+        <p:nvSpPr>
+          <p:cNvPr id="31" name="Content"/>
+          <p:cNvSpPr/>
+          <p:nvPr>
+            <p:custDataLst>
+              <p:custData r:id="rId7"/>
+            </p:custDataLst>
+          </p:nvPr>
+        </p:nvSpPr>
+        <p:spPr>
+          <a:xfrm>
+            <a:off x="2106114" y="1169492"/>
+            <a:ext cx="1674293" cy="228600"/>
+          </a:xfrm>
+          <a:prstGeom prst="rect">
+            <a:avLst/>
+          </a:prstGeom>
+          <a:solidFill>
+            <a:schemeClr val="bg1">
+              <a:lumMod val="95000"/>
+            </a:schemeClr>
+          </a:solidFill>
+          <a:ln w="3175">
+            <a:solidFill>
+              <a:srgbClr val="000000">
+                <a:lumMod val="50000"/>
+                <a:lumOff val="50000"/>
+              </a:srgbClr>
+            </a:solidFill>
+          </a:ln>
+          <a:effectLst/>
+        </p:spPr>
+        <p:style>
+          <a:lnRef idx="2">
+            <a:srgbClr val="4F81BD">
+              <a:shade val="50000"/>
+            </a:srgbClr>
+          </a:lnRef>
+          <a:fillRef idx="1">
+            <a:srgbClr val="4F81BD"/>
+          </a:fillRef>
+          <a:effectRef idx="0">
+            <a:srgbClr val="4F81BD"/>
+          </a:effectRef>
+          <a:fontRef idx="minor">
+            <a:srgbClr val="000000"/>
+          </a:fontRef>
+        </p:style>
+        <p:txBody>
+          <a:bodyPr wrap="none" lIns="45720" tIns="18288" rIns="45720" bIns="18288" rtlCol="0" anchor="ctr">
+            <a:noAutofit/>
+          </a:bodyPr>
+          <a:lstStyle/>
+          <a:p>
+            <a:r>
+              <a:rPr lang="en-US" sz="1200" dirty="0" smtClean="0">
+                <a:latin typeface="Segoe UI" pitchFamily="34" charset="0"/>
+                <a:ea typeface="Segoe UI" pitchFamily="34" charset="0"/>
+                <a:cs typeface="Segoe UI" pitchFamily="34" charset="0"/>
+              </a:rPr>
+              <a:t>boyarovdu@gmail.com</a:t>
+            </a:r>
+            <a:r>
+              <a:rPr lang="ru-RU" sz="1200" dirty="0" smtClean="0">
+                <a:latin typeface="Segoe UI" pitchFamily="34" charset="0"/>
+                <a:ea typeface="Segoe UI" pitchFamily="34" charset="0"/>
+                <a:cs typeface="Segoe UI" pitchFamily="34" charset="0"/>
+              </a:rPr>
+              <a:t> </a:t>
+            </a:r>
+            <a:endParaRPr lang="en-US" sz="1200" dirty="0">
+              <a:latin typeface="Segoe UI" pitchFamily="34" charset="0"/>
+              <a:ea typeface="Segoe UI" pitchFamily="34" charset="0"/>
+              <a:cs typeface="Segoe UI" pitchFamily="34" charset="0"/>
+            </a:endParaRPr>
+          </a:p>
+        </p:txBody>
+      </p:sp>
+      <p:sp>
+        <p:nvSpPr>
+          <p:cNvPr id="32" name="Content"/>
+          <p:cNvSpPr txBox="1"/>
+          <p:nvPr>
+            <p:custDataLst>
+              <p:custData r:id="rId8"/>
+            </p:custDataLst>
+          </p:nvPr>
+        </p:nvSpPr>
+        <p:spPr>
+          <a:xfrm>
+            <a:off x="1240877" y="1169492"/>
+            <a:ext cx="583814" cy="230832"/>
+          </a:xfrm>
+          <a:prstGeom prst="rect">
+            <a:avLst/>
+          </a:prstGeom>
+          <a:noFill/>
+        </p:spPr>
+        <p:txBody>
+          <a:bodyPr wrap="none" lIns="91440" tIns="18288" rIns="91440" bIns="27432" rtlCol="0" anchor="ctr" anchorCtr="0">
+            <a:spAutoFit/>
+          </a:bodyPr>
+          <a:lstStyle/>
+          <a:p>
+            <a:r>
+              <a:rPr lang="en-US" sz="1200" dirty="0" smtClean="0">
+                <a:solidFill>
+                  <a:srgbClr val="000000"/>
+                </a:solidFill>
+                <a:latin typeface="Segoe UI" pitchFamily="34" charset="0"/>
+                <a:ea typeface="Segoe UI" pitchFamily="34" charset="0"/>
+                <a:cs typeface="Segoe UI" pitchFamily="34" charset="0"/>
+              </a:rPr>
+              <a:t>email</a:t>
+            </a:r>
+            <a:r>
+              <a:rPr lang="en-US" sz="1200" dirty="0" smtClean="0">
+                <a:solidFill>
+                  <a:srgbClr val="000000"/>
+                </a:solidFill>
+                <a:latin typeface="Segoe UI" pitchFamily="34" charset="0"/>
+                <a:ea typeface="Segoe UI" pitchFamily="34" charset="0"/>
+                <a:cs typeface="Segoe UI" pitchFamily="34" charset="0"/>
+              </a:rPr>
+              <a:t>:</a:t>
+            </a:r>
+            <a:endParaRPr lang="en-US" sz="1200" dirty="0" smtClean="0">
+              <a:solidFill>
+                <a:srgbClr val="000000"/>
+              </a:solidFill>
+              <a:latin typeface="Segoe UI" pitchFamily="34" charset="0"/>
+              <a:ea typeface="Segoe UI" pitchFamily="34" charset="0"/>
+              <a:cs typeface="Segoe UI" pitchFamily="34" charset="0"/>
+            </a:endParaRPr>
+          </a:p>
+        </p:txBody>
+      </p:sp>
+      <p:sp>
+        <p:nvSpPr>
+          <p:cNvPr id="33" name="Content"/>
+          <p:cNvSpPr/>
+          <p:nvPr>
+            <p:custDataLst>
+              <p:custData r:id="rId9"/>
+            </p:custDataLst>
+          </p:nvPr>
+        </p:nvSpPr>
+        <p:spPr>
+          <a:xfrm>
+            <a:off x="2106114" y="1475656"/>
+            <a:ext cx="1674293" cy="228600"/>
+          </a:xfrm>
+          <a:prstGeom prst="rect">
+            <a:avLst/>
+          </a:prstGeom>
+          <a:solidFill>
+            <a:schemeClr val="bg1">
+              <a:lumMod val="95000"/>
+            </a:schemeClr>
+          </a:solidFill>
+          <a:ln w="3175">
+            <a:solidFill>
+              <a:srgbClr val="000000">
+                <a:lumMod val="50000"/>
+                <a:lumOff val="50000"/>
+              </a:srgbClr>
+            </a:solidFill>
+          </a:ln>
+          <a:effectLst/>
+        </p:spPr>
+        <p:style>
+          <a:lnRef idx="2">
+            <a:srgbClr val="4F81BD">
+              <a:shade val="50000"/>
+            </a:srgbClr>
+          </a:lnRef>
+          <a:fillRef idx="1">
+            <a:srgbClr val="4F81BD"/>
+          </a:fillRef>
+          <a:effectRef idx="0">
+            <a:srgbClr val="4F81BD"/>
+          </a:effectRef>
+          <a:fontRef idx="minor">
+            <a:srgbClr val="000000"/>
+          </a:fontRef>
+        </p:style>
+        <p:txBody>
+          <a:bodyPr wrap="none" lIns="45720" tIns="18288" rIns="45720" bIns="18288" rtlCol="0" anchor="ctr">
+            <a:noAutofit/>
+          </a:bodyPr>
+          <a:lstStyle/>
+          <a:p>
+            <a:r>
+              <a:rPr lang="ru-RU" sz="1200" dirty="0" smtClean="0">
+                <a:latin typeface="Segoe UI" pitchFamily="34" charset="0"/>
+                <a:ea typeface="Segoe UI" pitchFamily="34" charset="0"/>
+                <a:cs typeface="Segoe UI" pitchFamily="34" charset="0"/>
+              </a:rPr>
+              <a:t>(063)101-53-82</a:t>
+            </a:r>
+            <a:endParaRPr lang="en-US" sz="1200" dirty="0">
+              <a:latin typeface="Segoe UI" pitchFamily="34" charset="0"/>
+              <a:ea typeface="Segoe UI" pitchFamily="34" charset="0"/>
+              <a:cs typeface="Segoe UI" pitchFamily="34" charset="0"/>
+            </a:endParaRPr>
+          </a:p>
+        </p:txBody>
+      </p:sp>
+      <p:sp>
+        <p:nvSpPr>
+          <p:cNvPr id="34" name="Content"/>
+          <p:cNvSpPr txBox="1"/>
+          <p:nvPr>
+            <p:custDataLst>
+              <p:custData r:id="rId10"/>
+            </p:custDataLst>
+          </p:nvPr>
+        </p:nvSpPr>
+        <p:spPr>
+          <a:xfrm>
+            <a:off x="1240877" y="1475656"/>
+            <a:ext cx="808235" cy="230832"/>
+          </a:xfrm>
+          <a:prstGeom prst="rect">
+            <a:avLst/>
+          </a:prstGeom>
+          <a:noFill/>
+        </p:spPr>
+        <p:txBody>
+          <a:bodyPr wrap="none" lIns="91440" tIns="18288" rIns="91440" bIns="27432" rtlCol="0" anchor="ctr" anchorCtr="0">
+            <a:spAutoFit/>
+          </a:bodyPr>
+          <a:lstStyle/>
+          <a:p>
+            <a:r>
+              <a:rPr lang="ru-RU" sz="1200" dirty="0" smtClean="0">
+                <a:solidFill>
+                  <a:srgbClr val="000000"/>
+                </a:solidFill>
+                <a:latin typeface="Segoe UI" pitchFamily="34" charset="0"/>
+                <a:ea typeface="Segoe UI" pitchFamily="34" charset="0"/>
+                <a:cs typeface="Segoe UI" pitchFamily="34" charset="0"/>
+              </a:rPr>
+              <a:t>Телефон</a:t>
+            </a:r>
+            <a:r>
+              <a:rPr lang="en-US" sz="1200" dirty="0" smtClean="0">
+                <a:solidFill>
+                  <a:srgbClr val="000000"/>
+                </a:solidFill>
+                <a:latin typeface="Segoe UI" pitchFamily="34" charset="0"/>
+                <a:ea typeface="Segoe UI" pitchFamily="34" charset="0"/>
+                <a:cs typeface="Segoe UI" pitchFamily="34" charset="0"/>
+              </a:rPr>
+              <a:t>:</a:t>
+            </a:r>
+            <a:endParaRPr lang="en-US" sz="1200" dirty="0" smtClean="0">
+              <a:solidFill>
+                <a:srgbClr val="000000"/>
+              </a:solidFill>
+              <a:latin typeface="Segoe UI" pitchFamily="34" charset="0"/>
+              <a:ea typeface="Segoe UI" pitchFamily="34" charset="0"/>
+              <a:cs typeface="Segoe UI" pitchFamily="34" charset="0"/>
+            </a:endParaRPr>
+          </a:p>
+        </p:txBody>
+      </p:sp>
+      <p:sp>
+        <p:nvSpPr>
+          <p:cNvPr id="51" name="Content"/>
+          <p:cNvSpPr txBox="1"/>
+          <p:nvPr>
+            <p:custDataLst>
+              <p:custData r:id="rId11"/>
+            </p:custDataLst>
+          </p:nvPr>
+        </p:nvSpPr>
+        <p:spPr>
+          <a:xfrm>
+            <a:off x="1196752" y="2808759"/>
+            <a:ext cx="739241" cy="230832"/>
+          </a:xfrm>
+          <a:prstGeom prst="rect">
+            <a:avLst/>
+          </a:prstGeom>
+          <a:noFill/>
+        </p:spPr>
+        <p:txBody>
+          <a:bodyPr wrap="none" lIns="91440" tIns="18288" rIns="91440" bIns="27432" rtlCol="0" anchor="ctr" anchorCtr="0">
+            <a:spAutoFit/>
+          </a:bodyPr>
+          <a:lstStyle/>
+          <a:p>
+            <a:r>
+              <a:rPr lang="ru-RU" sz="1200" dirty="0" smtClean="0">
+                <a:solidFill>
+                  <a:srgbClr val="000000"/>
+                </a:solidFill>
+                <a:latin typeface="Segoe UI" pitchFamily="34" charset="0"/>
+                <a:ea typeface="Segoe UI" pitchFamily="34" charset="0"/>
+                <a:cs typeface="Segoe UI" pitchFamily="34" charset="0"/>
+              </a:rPr>
+              <a:t>Услуга:  </a:t>
+            </a:r>
+            <a:endParaRPr lang="en-US" sz="1200" dirty="0" smtClean="0">
+              <a:solidFill>
+                <a:srgbClr val="000000"/>
+              </a:solidFill>
+              <a:latin typeface="Segoe UI" pitchFamily="34" charset="0"/>
+              <a:ea typeface="Segoe UI" pitchFamily="34" charset="0"/>
+              <a:cs typeface="Segoe UI" pitchFamily="34" charset="0"/>
+            </a:endParaRPr>
+          </a:p>
+        </p:txBody>
+      </p:sp>
+      <p:sp>
+        <p:nvSpPr>
+          <p:cNvPr id="52" name="Content"/>
+          <p:cNvSpPr/>
+          <p:nvPr>
+            <p:custDataLst>
+              <p:custData r:id="rId12"/>
+            </p:custDataLst>
+          </p:nvPr>
+        </p:nvSpPr>
+        <p:spPr>
+          <a:xfrm>
+            <a:off x="2106114" y="2810991"/>
+            <a:ext cx="1610918" cy="228600"/>
+          </a:xfrm>
+          <a:prstGeom prst="rect">
+            <a:avLst/>
+          </a:prstGeom>
+          <a:solidFill>
+            <a:schemeClr val="bg1">
+              <a:lumMod val="95000"/>
+            </a:schemeClr>
+          </a:solidFill>
+          <a:ln w="3175">
+            <a:solidFill>
+              <a:srgbClr val="000000">
+                <a:lumMod val="50000"/>
+                <a:lumOff val="50000"/>
+              </a:srgbClr>
+            </a:solidFill>
+          </a:ln>
+          <a:effectLst/>
+        </p:spPr>
+        <p:style>
+          <a:lnRef idx="2">
+            <a:srgbClr val="4F81BD">
+              <a:shade val="50000"/>
+            </a:srgbClr>
+          </a:lnRef>
+          <a:fillRef idx="1">
+            <a:srgbClr val="4F81BD"/>
+          </a:fillRef>
+          <a:effectRef idx="0">
+            <a:srgbClr val="4F81BD"/>
+          </a:effectRef>
+          <a:fontRef idx="minor">
+            <a:srgbClr val="000000"/>
+          </a:fontRef>
+        </p:style>
+        <p:txBody>
+          <a:bodyPr wrap="none" lIns="45720" tIns="18288" rIns="45720" bIns="18288" rtlCol="0" anchor="ctr">
+            <a:noAutofit/>
+          </a:bodyPr>
+          <a:lstStyle/>
+          <a:p>
+            <a:r>
+              <a:rPr lang="ru-RU" sz="1200" dirty="0" smtClean="0">
+                <a:solidFill>
+                  <a:srgbClr val="000000"/>
+                </a:solidFill>
+                <a:latin typeface="Segoe UI" pitchFamily="34" charset="0"/>
+                <a:cs typeface="Segoe UI" pitchFamily="34" charset="0"/>
+              </a:rPr>
+              <a:t>Уроки гитары</a:t>
+            </a:r>
+            <a:endParaRPr lang="en-US" sz="1200" dirty="0">
+              <a:solidFill>
+                <a:srgbClr val="000000"/>
+              </a:solidFill>
+              <a:latin typeface="Segoe UI" pitchFamily="34" charset="0"/>
+              <a:cs typeface="Segoe UI" pitchFamily="34" charset="0"/>
+            </a:endParaRPr>
+          </a:p>
+        </p:txBody>
+      </p:sp>
+      <p:pic>
+        <p:nvPicPr>
+          <p:cNvPr id="58" name="Picture 2" descr="C:\Users\t-dantay\Documents\First24\bubble1.png"/>
+          <p:cNvPicPr>
+            <a:picLocks noChangeAspect="1" noChangeArrowheads="1"/>
+          </p:cNvPicPr>
+          <p:nvPr>
+            <p:custDataLst>
+              <p:custData r:id="rId13"/>
+            </p:custDataLst>
+          </p:nvPr>
+        </p:nvPicPr>
+        <p:blipFill>
+          <a:blip r:embed="rId43" cstate="print">
+            <a:extLst>
+              <a:ext uri="{28A0092B-C50C-407E-A947-70E740481C1C}">
+                <a14:useLocalDpi xmlns:a14="http://schemas.microsoft.com/office/drawing/2010/main" val="0"/>
+              </a:ext>
+            </a:extLst>
+          </a:blip>
+          <a:srcRect/>
+          <a:stretch>
+            <a:fillRect/>
+          </a:stretch>
+        </p:blipFill>
+        <p:spPr bwMode="auto">
+          <a:xfrm>
+            <a:off x="3296226" y="1839854"/>
+            <a:ext cx="171835" cy="173176"/>
+          </a:xfrm>
+          <a:prstGeom prst="rect">
+            <a:avLst/>
+          </a:prstGeom>
+          <a:noFill/>
+          <a:extLst>
+            <a:ext uri="{909E8E84-426E-40DD-AFC4-6F175D3DCCD1}">
+              <a14:hiddenFill xmlns:a14="http://schemas.microsoft.com/office/drawing/2010/main">
+                <a:solidFill>
+                  <a:srgbClr val="FFFFFF"/>
+                </a:solidFill>
+              </a14:hiddenFill>
+            </a:ext>
+          </a:extLst>
+        </p:spPr>
+      </p:pic>
+      <p:sp>
+        <p:nvSpPr>
+          <p:cNvPr id="61" name="Content"/>
+          <p:cNvSpPr/>
+          <p:nvPr>
+            <p:custDataLst>
+              <p:custData r:id="rId14"/>
+            </p:custDataLst>
+          </p:nvPr>
+        </p:nvSpPr>
+        <p:spPr>
+          <a:xfrm>
+            <a:off x="3951987" y="1815336"/>
+            <a:ext cx="586058" cy="193899"/>
+          </a:xfrm>
+          <a:prstGeom prst="rect">
+            <a:avLst/>
+          </a:prstGeom>
+          <a:solidFill>
+            <a:srgbClr val="FFFFFF">
+              <a:lumMod val="95000"/>
+            </a:srgbClr>
+          </a:solidFill>
+          <a:ln w="3175" cap="flat" cmpd="sng" algn="ctr">
+            <a:solidFill>
+              <a:srgbClr val="FFFFFF">
+                <a:lumMod val="50000"/>
+              </a:srgbClr>
+            </a:solidFill>
+            <a:prstDash val="solid"/>
+          </a:ln>
+          <a:effectLst>
+            <a:outerShdw blurRad="50800" dist="12700" dir="2700000" algn="tl" rotWithShape="0">
+              <a:prstClr val="black">
+                <a:alpha val="40000"/>
+              </a:prstClr>
+            </a:outerShdw>
+          </a:effectLst>
+        </p:spPr>
+        <p:txBody>
+          <a:bodyPr rot="0" spcFirstLastPara="0" vertOverflow="overflow" horzOverflow="overflow" vert="horz" wrap="none" lIns="45720" tIns="27432" rIns="45720" bIns="27432" numCol="1" spcCol="0" rtlCol="0" fromWordArt="0" anchor="ctr" anchorCtr="0" forceAA="0" compatLnSpc="1">
+            <a:prstTxWarp prst="textNoShape">
+              <a:avLst/>
+            </a:prstTxWarp>
+            <a:spAutoFit/>
+          </a:bodyPr>
+          <a:lstStyle/>
+          <a:p>
+            <a:pPr marL="0" marR="0" indent="0" defTabSz="914400" eaLnBrk="1" fontAlgn="auto" latinLnBrk="0" hangingPunct="1">
+              <a:lnSpc>
+                <a:spcPct val="100000"/>
+              </a:lnSpc>
+              <a:spcBef>
+                <a:spcPts val="0"/>
+              </a:spcBef>
+              <a:spcAft>
+                <a:spcPts val="0"/>
+              </a:spcAft>
+              <a:buClrTx/>
+              <a:buSzTx/>
+              <a:buFontTx/>
+              <a:buNone/>
+              <a:tabLst/>
+            </a:pPr>
+            <a:r>
+              <a:rPr lang="ru-RU" sz="900" kern="0" dirty="0" smtClean="0">
+                <a:solidFill>
+                  <a:srgbClr val="000000">
+                    <a:lumMod val="75000"/>
+                    <a:lumOff val="25000"/>
+                  </a:srgbClr>
+                </a:solidFill>
+                <a:latin typeface="Segoe UI"/>
+              </a:rPr>
+              <a:t>Написать</a:t>
+            </a:r>
+            <a:endParaRPr kumimoji="0" lang="en-US" sz="900" b="0" i="0" u="none" strike="noStrike" kern="0" cap="none" spc="0" normalizeH="0" baseline="0" noProof="0" dirty="0" smtClean="0">
+              <a:ln>
+                <a:noFill/>
+              </a:ln>
+              <a:solidFill>
+                <a:srgbClr val="000000">
+                  <a:lumMod val="75000"/>
+                  <a:lumOff val="25000"/>
+                </a:srgbClr>
+              </a:solidFill>
+              <a:effectLst/>
+              <a:uLnTx/>
+              <a:uFillTx/>
+              <a:latin typeface="Segoe UI"/>
+            </a:endParaRPr>
+          </a:p>
+        </p:txBody>
+      </p:sp>
+      <p:pic>
+        <p:nvPicPr>
+          <p:cNvPr id="62" name="Picture 2" descr="C:\Users\t-dantay\Documents\First24\cursorhandpointer.png"/>
+          <p:cNvPicPr>
+            <a:picLocks noChangeAspect="1" noChangeArrowheads="1"/>
+          </p:cNvPicPr>
+          <p:nvPr>
+            <p:custDataLst>
+              <p:custData r:id="rId15"/>
+            </p:custDataLst>
+          </p:nvPr>
+        </p:nvPicPr>
+        <p:blipFill>
+          <a:blip r:embed="rId44" cstate="print">
+            <a:extLst>
+              <a:ext uri="{28A0092B-C50C-407E-A947-70E740481C1C}">
+                <a14:useLocalDpi xmlns:a14="http://schemas.microsoft.com/office/drawing/2010/main" val="0"/>
+              </a:ext>
+            </a:extLst>
+          </a:blip>
+          <a:srcRect/>
+          <a:stretch>
+            <a:fillRect/>
+          </a:stretch>
+        </p:blipFill>
+        <p:spPr bwMode="auto">
+          <a:xfrm>
+            <a:off x="3745584" y="1947574"/>
+            <a:ext cx="172123" cy="228600"/>
+          </a:xfrm>
+          <a:prstGeom prst="rect">
+            <a:avLst/>
+          </a:prstGeom>
+          <a:noFill/>
+          <a:effectLst>
+            <a:glow rad="63500">
+              <a:schemeClr val="accent3">
+                <a:satMod val="175000"/>
+                <a:alpha val="40000"/>
+              </a:schemeClr>
+            </a:glow>
+          </a:effectLst>
+          <a:extLst>
+            <a:ext uri="{909E8E84-426E-40DD-AFC4-6F175D3DCCD1}">
+              <a14:hiddenFill xmlns:a14="http://schemas.microsoft.com/office/drawing/2010/main">
+                <a:solidFill>
+                  <a:srgbClr val="FFFFFF"/>
+                </a:solidFill>
+              </a14:hiddenFill>
+            </a:ext>
+          </a:extLst>
+        </p:spPr>
+      </p:pic>
+      <p:pic>
+        <p:nvPicPr>
+          <p:cNvPr id="69" name="Picture 2" descr="C:\Users\t-dantay\Documents\Placeholders\star.png"/>
+          <p:cNvPicPr>
+            <a:picLocks noChangeAspect="1" noChangeArrowheads="1"/>
+          </p:cNvPicPr>
+          <p:nvPr>
+            <p:custDataLst>
+              <p:custData r:id="rId16"/>
+            </p:custDataLst>
+          </p:nvPr>
+        </p:nvPicPr>
+        <p:blipFill>
+          <a:blip r:embed="rId45" cstate="print">
+            <a:extLst>
+              <a:ext uri="{28A0092B-C50C-407E-A947-70E740481C1C}">
+                <a14:useLocalDpi xmlns:a14="http://schemas.microsoft.com/office/drawing/2010/main" val="0"/>
+              </a:ext>
+            </a:extLst>
+          </a:blip>
+          <a:srcRect/>
+          <a:stretch>
+            <a:fillRect/>
+          </a:stretch>
+        </p:blipFill>
+        <p:spPr bwMode="auto">
+          <a:xfrm>
+            <a:off x="1059832" y="1724931"/>
+            <a:ext cx="114300" cy="108942"/>
+          </a:xfrm>
+          <a:prstGeom prst="rect">
+            <a:avLst/>
+          </a:prstGeom>
+          <a:noFill/>
+          <a:extLst>
+            <a:ext uri="{909E8E84-426E-40DD-AFC4-6F175D3DCCD1}">
+              <a14:hiddenFill xmlns:a14="http://schemas.microsoft.com/office/drawing/2010/main">
+                <a:solidFill>
+                  <a:srgbClr val="FFFFFF"/>
+                </a:solidFill>
+              </a14:hiddenFill>
+            </a:ext>
+          </a:extLst>
+        </p:spPr>
+      </p:pic>
+      <p:pic>
+        <p:nvPicPr>
+          <p:cNvPr id="70" name="Picture 2" descr="C:\Users\t-dantay\Documents\Placeholders\star.png"/>
+          <p:cNvPicPr>
+            <a:picLocks noChangeAspect="1" noChangeArrowheads="1"/>
+          </p:cNvPicPr>
+          <p:nvPr>
+            <p:custDataLst>
+              <p:custData r:id="rId17"/>
+            </p:custDataLst>
+          </p:nvPr>
+        </p:nvPicPr>
+        <p:blipFill>
+          <a:blip r:embed="rId45" cstate="print">
+            <a:extLst>
+              <a:ext uri="{28A0092B-C50C-407E-A947-70E740481C1C}">
+                <a14:useLocalDpi xmlns:a14="http://schemas.microsoft.com/office/drawing/2010/main" val="0"/>
+              </a:ext>
+            </a:extLst>
+          </a:blip>
+          <a:srcRect/>
+          <a:stretch>
+            <a:fillRect/>
+          </a:stretch>
+        </p:blipFill>
+        <p:spPr bwMode="auto">
+          <a:xfrm>
+            <a:off x="915171" y="1724931"/>
+            <a:ext cx="114300" cy="108942"/>
+          </a:xfrm>
+          <a:prstGeom prst="rect">
+            <a:avLst/>
+          </a:prstGeom>
+          <a:noFill/>
+          <a:extLst>
+            <a:ext uri="{909E8E84-426E-40DD-AFC4-6F175D3DCCD1}">
+              <a14:hiddenFill xmlns:a14="http://schemas.microsoft.com/office/drawing/2010/main">
+                <a:solidFill>
+                  <a:srgbClr val="FFFFFF"/>
+                </a:solidFill>
+              </a14:hiddenFill>
+            </a:ext>
+          </a:extLst>
+        </p:spPr>
+      </p:pic>
+      <p:pic>
+        <p:nvPicPr>
+          <p:cNvPr id="71" name="Picture 2" descr="C:\Users\t-dantay\Documents\Placeholders\star.png"/>
+          <p:cNvPicPr>
+            <a:picLocks noChangeAspect="1" noChangeArrowheads="1"/>
+          </p:cNvPicPr>
+          <p:nvPr>
+            <p:custDataLst>
+              <p:custData r:id="rId18"/>
+            </p:custDataLst>
+          </p:nvPr>
+        </p:nvPicPr>
+        <p:blipFill>
+          <a:blip r:embed="rId45" cstate="print">
+            <a:extLst>
+              <a:ext uri="{28A0092B-C50C-407E-A947-70E740481C1C}">
+                <a14:useLocalDpi xmlns:a14="http://schemas.microsoft.com/office/drawing/2010/main" val="0"/>
+              </a:ext>
+            </a:extLst>
+          </a:blip>
+          <a:srcRect/>
+          <a:stretch>
+            <a:fillRect/>
+          </a:stretch>
+        </p:blipFill>
+        <p:spPr bwMode="auto">
+          <a:xfrm>
+            <a:off x="775992" y="1724931"/>
+            <a:ext cx="114300" cy="108942"/>
+          </a:xfrm>
+          <a:prstGeom prst="rect">
+            <a:avLst/>
+          </a:prstGeom>
+          <a:noFill/>
+          <a:extLst>
+            <a:ext uri="{909E8E84-426E-40DD-AFC4-6F175D3DCCD1}">
+              <a14:hiddenFill xmlns:a14="http://schemas.microsoft.com/office/drawing/2010/main">
+                <a:solidFill>
+                  <a:srgbClr val="FFFFFF"/>
+                </a:solidFill>
+              </a14:hiddenFill>
+            </a:ext>
+          </a:extLst>
+        </p:spPr>
+      </p:pic>
+      <p:pic>
+        <p:nvPicPr>
+          <p:cNvPr id="72" name="Picture 2" descr="C:\Users\t-dantay\Documents\Placeholders\star.png"/>
+          <p:cNvPicPr>
+            <a:picLocks noChangeAspect="1" noChangeArrowheads="1"/>
+          </p:cNvPicPr>
+          <p:nvPr>
+            <p:custDataLst>
+              <p:custData r:id="rId19"/>
+            </p:custDataLst>
+          </p:nvPr>
+        </p:nvPicPr>
+        <p:blipFill>
+          <a:blip r:embed="rId45" cstate="print">
+            <a:extLst>
+              <a:ext uri="{28A0092B-C50C-407E-A947-70E740481C1C}">
+                <a14:useLocalDpi xmlns:a14="http://schemas.microsoft.com/office/drawing/2010/main" val="0"/>
+              </a:ext>
+            </a:extLst>
+          </a:blip>
+          <a:srcRect/>
+          <a:stretch>
+            <a:fillRect/>
+          </a:stretch>
+        </p:blipFill>
+        <p:spPr bwMode="auto">
+          <a:xfrm>
+            <a:off x="629421" y="1724931"/>
+            <a:ext cx="114300" cy="108942"/>
+          </a:xfrm>
+          <a:prstGeom prst="rect">
+            <a:avLst/>
+          </a:prstGeom>
+          <a:noFill/>
+          <a:extLst>
+            <a:ext uri="{909E8E84-426E-40DD-AFC4-6F175D3DCCD1}">
+              <a14:hiddenFill xmlns:a14="http://schemas.microsoft.com/office/drawing/2010/main">
+                <a:solidFill>
+                  <a:srgbClr val="FFFFFF"/>
+                </a:solidFill>
+              </a14:hiddenFill>
+            </a:ext>
+          </a:extLst>
+        </p:spPr>
+      </p:pic>
+      <p:pic>
+        <p:nvPicPr>
+          <p:cNvPr id="73" name="Picture 2" descr="C:\Users\t-dantay\Documents\First24\envelope1.png"/>
+          <p:cNvPicPr>
+            <a:picLocks noChangeAspect="1" noChangeArrowheads="1"/>
+          </p:cNvPicPr>
+          <p:nvPr>
+            <p:custDataLst>
+              <p:custData r:id="rId20"/>
+            </p:custDataLst>
+          </p:nvPr>
+        </p:nvPicPr>
+        <p:blipFill>
+          <a:blip r:embed="rId46" cstate="print">
+            <a:extLst>
+              <a:ext uri="{28A0092B-C50C-407E-A947-70E740481C1C}">
+                <a14:useLocalDpi xmlns:a14="http://schemas.microsoft.com/office/drawing/2010/main" val="0"/>
+              </a:ext>
+            </a:extLst>
+          </a:blip>
+          <a:srcRect/>
+          <a:stretch>
+            <a:fillRect/>
+          </a:stretch>
+        </p:blipFill>
+        <p:spPr bwMode="auto">
+          <a:xfrm>
+            <a:off x="3574377" y="1839854"/>
+            <a:ext cx="206030" cy="144865"/>
+          </a:xfrm>
+          <a:prstGeom prst="rect">
+            <a:avLst/>
+          </a:prstGeom>
+          <a:noFill/>
+          <a:extLst>
+            <a:ext uri="{909E8E84-426E-40DD-AFC4-6F175D3DCCD1}">
+              <a14:hiddenFill xmlns:a14="http://schemas.microsoft.com/office/drawing/2010/main">
+                <a:solidFill>
+                  <a:srgbClr val="FFFFFF"/>
+                </a:solidFill>
+              </a14:hiddenFill>
+            </a:ext>
+          </a:extLst>
+        </p:spPr>
+      </p:pic>
+      <p:sp>
+        <p:nvSpPr>
+          <p:cNvPr id="74" name="Content"/>
+          <p:cNvSpPr/>
+          <p:nvPr>
+            <p:custDataLst>
+              <p:custData r:id="rId21"/>
+            </p:custDataLst>
+          </p:nvPr>
+        </p:nvSpPr>
+        <p:spPr>
+          <a:xfrm>
+            <a:off x="2691909" y="1890948"/>
+            <a:ext cx="502702" cy="193899"/>
+          </a:xfrm>
+          <a:prstGeom prst="rect">
+            <a:avLst/>
+          </a:prstGeom>
+          <a:solidFill>
+            <a:srgbClr val="FFFFFF">
+              <a:lumMod val="95000"/>
+            </a:srgbClr>
+          </a:solidFill>
+          <a:ln w="3175" cap="flat" cmpd="sng" algn="ctr">
+            <a:solidFill>
+              <a:srgbClr val="FFFFFF">
+                <a:lumMod val="50000"/>
+              </a:srgbClr>
+            </a:solidFill>
+            <a:prstDash val="solid"/>
+          </a:ln>
+          <a:effectLst>
+            <a:outerShdw blurRad="50800" dist="12700" dir="2700000" algn="tl" rotWithShape="0">
+              <a:prstClr val="black">
+                <a:alpha val="40000"/>
+              </a:prstClr>
+            </a:outerShdw>
+          </a:effectLst>
+        </p:spPr>
+        <p:txBody>
+          <a:bodyPr rot="0" spcFirstLastPara="0" vertOverflow="overflow" horzOverflow="overflow" vert="horz" wrap="none" lIns="45720" tIns="27432" rIns="45720" bIns="27432" numCol="1" spcCol="0" rtlCol="0" fromWordArt="0" anchor="ctr" anchorCtr="0" forceAA="0" compatLnSpc="1">
+            <a:prstTxWarp prst="textNoShape">
+              <a:avLst/>
+            </a:prstTxWarp>
+            <a:spAutoFit/>
+          </a:bodyPr>
+          <a:lstStyle/>
+          <a:p>
+            <a:pPr marL="0" marR="0" indent="0" defTabSz="914400" eaLnBrk="1" fontAlgn="auto" latinLnBrk="0" hangingPunct="1">
+              <a:lnSpc>
+                <a:spcPct val="100000"/>
+              </a:lnSpc>
+              <a:spcBef>
+                <a:spcPts val="0"/>
+              </a:spcBef>
+              <a:spcAft>
+                <a:spcPts val="0"/>
+              </a:spcAft>
+              <a:buClrTx/>
+              <a:buSzTx/>
+              <a:buFontTx/>
+              <a:buNone/>
+              <a:tabLst/>
+            </a:pPr>
+            <a:r>
+              <a:rPr lang="ru-RU" sz="900" kern="0" dirty="0" smtClean="0">
+                <a:solidFill>
+                  <a:srgbClr val="000000">
+                    <a:lumMod val="75000"/>
+                    <a:lumOff val="25000"/>
+                  </a:srgbClr>
+                </a:solidFill>
+                <a:latin typeface="Segoe UI"/>
+              </a:rPr>
+              <a:t>Отзывы</a:t>
+            </a:r>
+            <a:endParaRPr kumimoji="0" lang="en-US" sz="900" b="0" i="0" u="none" strike="noStrike" kern="0" cap="none" spc="0" normalizeH="0" baseline="0" noProof="0" dirty="0" smtClean="0">
+              <a:ln>
+                <a:noFill/>
+              </a:ln>
+              <a:solidFill>
+                <a:srgbClr val="000000">
+                  <a:lumMod val="75000"/>
+                  <a:lumOff val="25000"/>
+                </a:srgbClr>
+              </a:solidFill>
+              <a:effectLst/>
+              <a:uLnTx/>
+              <a:uFillTx/>
+              <a:latin typeface="Segoe UI"/>
+            </a:endParaRPr>
+          </a:p>
+        </p:txBody>
+      </p:sp>
+      <p:pic>
+        <p:nvPicPr>
+          <p:cNvPr id="75" name="Picture 2" descr="C:\Users\t-dantay\Documents\First24\cursorhandpointer.png"/>
+          <p:cNvPicPr>
+            <a:picLocks noChangeAspect="1" noChangeArrowheads="1"/>
+          </p:cNvPicPr>
+          <p:nvPr>
+            <p:custDataLst>
+              <p:custData r:id="rId22"/>
+            </p:custDataLst>
+          </p:nvPr>
+        </p:nvPicPr>
+        <p:blipFill>
+          <a:blip r:embed="rId44" cstate="print">
+            <a:extLst>
+              <a:ext uri="{28A0092B-C50C-407E-A947-70E740481C1C}">
+                <a14:useLocalDpi xmlns:a14="http://schemas.microsoft.com/office/drawing/2010/main" val="0"/>
+              </a:ext>
+            </a:extLst>
+          </a:blip>
+          <a:srcRect/>
+          <a:stretch>
+            <a:fillRect/>
+          </a:stretch>
+        </p:blipFill>
+        <p:spPr bwMode="auto">
+          <a:xfrm>
+            <a:off x="3236289" y="2013030"/>
+            <a:ext cx="172123" cy="228600"/>
+          </a:xfrm>
+          <a:prstGeom prst="rect">
+            <a:avLst/>
+          </a:prstGeom>
+          <a:noFill/>
+          <a:effectLst>
+            <a:glow rad="63500">
+              <a:schemeClr val="accent3">
+                <a:satMod val="175000"/>
+                <a:alpha val="40000"/>
+              </a:schemeClr>
+            </a:glow>
+          </a:effectLst>
+          <a:extLst>
+            <a:ext uri="{909E8E84-426E-40DD-AFC4-6F175D3DCCD1}">
+              <a14:hiddenFill xmlns:a14="http://schemas.microsoft.com/office/drawing/2010/main">
+                <a:solidFill>
+                  <a:srgbClr val="FFFFFF"/>
+                </a:solidFill>
+              </a14:hiddenFill>
+            </a:ext>
+          </a:extLst>
+        </p:spPr>
+      </p:pic>
+      <p:pic>
+        <p:nvPicPr>
+          <p:cNvPr id="76" name="Picture 2" descr="C:\Users\t-dantay\Documents\First24\cursorhandpointer.png"/>
+          <p:cNvPicPr>
+            <a:picLocks noChangeAspect="1" noChangeArrowheads="1"/>
+          </p:cNvPicPr>
+          <p:nvPr>
+            <p:custDataLst>
+              <p:custData r:id="rId23"/>
+            </p:custDataLst>
+          </p:nvPr>
+        </p:nvPicPr>
+        <p:blipFill>
+          <a:blip r:embed="rId44" cstate="print">
+            <a:extLst>
+              <a:ext uri="{28A0092B-C50C-407E-A947-70E740481C1C}">
+                <a14:useLocalDpi xmlns:a14="http://schemas.microsoft.com/office/drawing/2010/main" val="0"/>
+              </a:ext>
+            </a:extLst>
+          </a:blip>
+          <a:srcRect/>
+          <a:stretch>
+            <a:fillRect/>
+          </a:stretch>
+        </p:blipFill>
+        <p:spPr bwMode="auto">
+          <a:xfrm>
+            <a:off x="657659" y="1355086"/>
+            <a:ext cx="172123" cy="228600"/>
+          </a:xfrm>
+          <a:prstGeom prst="rect">
+            <a:avLst/>
+          </a:prstGeom>
+          <a:noFill/>
+          <a:effectLst>
+            <a:glow rad="63500">
+              <a:schemeClr val="accent3">
+                <a:satMod val="175000"/>
+                <a:alpha val="40000"/>
+              </a:schemeClr>
+            </a:glow>
+          </a:effectLst>
+          <a:extLst>
+            <a:ext uri="{909E8E84-426E-40DD-AFC4-6F175D3DCCD1}">
+              <a14:hiddenFill xmlns:a14="http://schemas.microsoft.com/office/drawing/2010/main">
+                <a:solidFill>
+                  <a:srgbClr val="FFFFFF"/>
+                </a:solidFill>
+              </a14:hiddenFill>
+            </a:ext>
+          </a:extLst>
+        </p:spPr>
+      </p:pic>
+      <p:sp>
+        <p:nvSpPr>
+          <p:cNvPr id="77" name="Content"/>
+          <p:cNvSpPr/>
+          <p:nvPr>
+            <p:custDataLst>
+              <p:custData r:id="rId24"/>
+            </p:custDataLst>
+          </p:nvPr>
+        </p:nvSpPr>
+        <p:spPr>
+          <a:xfrm>
+            <a:off x="-256957" y="1222906"/>
+            <a:ext cx="943528" cy="193899"/>
+          </a:xfrm>
+          <a:prstGeom prst="rect">
+            <a:avLst/>
+          </a:prstGeom>
+          <a:solidFill>
+            <a:srgbClr val="FFFFFF">
+              <a:lumMod val="95000"/>
+            </a:srgbClr>
+          </a:solidFill>
+          <a:ln w="3175" cap="flat" cmpd="sng" algn="ctr">
+            <a:solidFill>
+              <a:srgbClr val="FFFFFF">
+                <a:lumMod val="50000"/>
+              </a:srgbClr>
+            </a:solidFill>
+            <a:prstDash val="solid"/>
+          </a:ln>
+          <a:effectLst>
+            <a:outerShdw blurRad="50800" dist="12700" dir="2700000" algn="tl" rotWithShape="0">
+              <a:prstClr val="black">
+                <a:alpha val="40000"/>
+              </a:prstClr>
+            </a:outerShdw>
+          </a:effectLst>
+        </p:spPr>
+        <p:txBody>
+          <a:bodyPr rot="0" spcFirstLastPara="0" vertOverflow="overflow" horzOverflow="overflow" vert="horz" wrap="none" lIns="45720" tIns="27432" rIns="45720" bIns="27432" numCol="1" spcCol="0" rtlCol="0" fromWordArt="0" anchor="ctr" anchorCtr="0" forceAA="0" compatLnSpc="1">
+            <a:prstTxWarp prst="textNoShape">
+              <a:avLst/>
+            </a:prstTxWarp>
+            <a:spAutoFit/>
+          </a:bodyPr>
+          <a:lstStyle/>
+          <a:p>
+            <a:pPr marL="0" marR="0" indent="0" defTabSz="914400" eaLnBrk="1" fontAlgn="auto" latinLnBrk="0" hangingPunct="1">
+              <a:lnSpc>
+                <a:spcPct val="100000"/>
+              </a:lnSpc>
+              <a:spcBef>
+                <a:spcPts val="0"/>
+              </a:spcBef>
+              <a:spcAft>
+                <a:spcPts val="0"/>
+              </a:spcAft>
+              <a:buClrTx/>
+              <a:buSzTx/>
+              <a:buFontTx/>
+              <a:buNone/>
+              <a:tabLst/>
+            </a:pPr>
+            <a:r>
+              <a:rPr lang="ru-RU" sz="900" kern="0" dirty="0" smtClean="0">
+                <a:solidFill>
+                  <a:srgbClr val="000000">
+                    <a:lumMod val="75000"/>
+                    <a:lumOff val="25000"/>
+                  </a:srgbClr>
+                </a:solidFill>
+                <a:latin typeface="Segoe UI"/>
+              </a:rPr>
+              <a:t>Личные данные</a:t>
+            </a:r>
+            <a:endParaRPr kumimoji="0" lang="en-US" sz="900" b="0" i="0" u="none" strike="noStrike" kern="0" cap="none" spc="0" normalizeH="0" baseline="0" noProof="0" dirty="0" smtClean="0">
+              <a:ln>
+                <a:noFill/>
+              </a:ln>
+              <a:solidFill>
+                <a:srgbClr val="000000">
+                  <a:lumMod val="75000"/>
+                  <a:lumOff val="25000"/>
+                </a:srgbClr>
+              </a:solidFill>
+              <a:effectLst/>
+              <a:uLnTx/>
+              <a:uFillTx/>
+              <a:latin typeface="Segoe UI"/>
+            </a:endParaRPr>
+          </a:p>
+        </p:txBody>
+      </p:sp>
+      <p:sp>
+        <p:nvSpPr>
+          <p:cNvPr id="78" name="Content"/>
+          <p:cNvSpPr txBox="1"/>
+          <p:nvPr>
+            <p:custDataLst>
+              <p:custData r:id="rId25"/>
+            </p:custDataLst>
+          </p:nvPr>
+        </p:nvSpPr>
+        <p:spPr>
+          <a:xfrm>
+            <a:off x="1196752" y="3111599"/>
+            <a:ext cx="1039965" cy="230832"/>
+          </a:xfrm>
+          <a:prstGeom prst="rect">
+            <a:avLst/>
+          </a:prstGeom>
+          <a:noFill/>
+        </p:spPr>
+        <p:txBody>
+          <a:bodyPr wrap="none" lIns="91440" tIns="18288" rIns="91440" bIns="27432" rtlCol="0" anchor="ctr" anchorCtr="0">
+            <a:spAutoFit/>
+          </a:bodyPr>
+          <a:lstStyle/>
+          <a:p>
+            <a:r>
+              <a:rPr lang="ru-RU" sz="1200" dirty="0" smtClean="0">
+                <a:solidFill>
+                  <a:srgbClr val="000000"/>
+                </a:solidFill>
+                <a:latin typeface="Segoe UI" pitchFamily="34" charset="0"/>
+                <a:ea typeface="Segoe UI" pitchFamily="34" charset="0"/>
+                <a:cs typeface="Segoe UI" pitchFamily="34" charset="0"/>
+              </a:rPr>
+              <a:t>Стоимость:  </a:t>
+            </a:r>
+            <a:endParaRPr lang="en-US" sz="1200" dirty="0" smtClean="0">
+              <a:solidFill>
+                <a:srgbClr val="000000"/>
+              </a:solidFill>
+              <a:latin typeface="Segoe UI" pitchFamily="34" charset="0"/>
+              <a:ea typeface="Segoe UI" pitchFamily="34" charset="0"/>
+              <a:cs typeface="Segoe UI" pitchFamily="34" charset="0"/>
+            </a:endParaRPr>
+          </a:p>
+        </p:txBody>
+      </p:sp>
+      <p:sp>
+        <p:nvSpPr>
+          <p:cNvPr id="79" name="Content"/>
+          <p:cNvSpPr/>
+          <p:nvPr>
+            <p:custDataLst>
+              <p:custData r:id="rId26"/>
+            </p:custDataLst>
+          </p:nvPr>
+        </p:nvSpPr>
+        <p:spPr>
+          <a:xfrm>
+            <a:off x="2106114" y="3113831"/>
+            <a:ext cx="1610918" cy="228600"/>
+          </a:xfrm>
+          <a:prstGeom prst="rect">
+            <a:avLst/>
+          </a:prstGeom>
+          <a:solidFill>
+            <a:schemeClr val="bg1">
+              <a:lumMod val="95000"/>
+            </a:schemeClr>
+          </a:solidFill>
+          <a:ln w="3175">
+            <a:solidFill>
+              <a:srgbClr val="000000">
+                <a:lumMod val="50000"/>
+                <a:lumOff val="50000"/>
+              </a:srgbClr>
+            </a:solidFill>
+          </a:ln>
+          <a:effectLst/>
+        </p:spPr>
+        <p:style>
+          <a:lnRef idx="2">
+            <a:srgbClr val="4F81BD">
+              <a:shade val="50000"/>
+            </a:srgbClr>
+          </a:lnRef>
+          <a:fillRef idx="1">
+            <a:srgbClr val="4F81BD"/>
+          </a:fillRef>
+          <a:effectRef idx="0">
+            <a:srgbClr val="4F81BD"/>
+          </a:effectRef>
+          <a:fontRef idx="minor">
+            <a:srgbClr val="000000"/>
+          </a:fontRef>
+        </p:style>
+        <p:txBody>
+          <a:bodyPr wrap="none" lIns="45720" tIns="18288" rIns="45720" bIns="18288" rtlCol="0" anchor="ctr">
+            <a:noAutofit/>
+          </a:bodyPr>
+          <a:lstStyle/>
+          <a:p>
+            <a:r>
+              <a:rPr lang="ru-RU" sz="1200" dirty="0" smtClean="0">
+                <a:solidFill>
+                  <a:srgbClr val="000000"/>
+                </a:solidFill>
+                <a:latin typeface="Segoe UI" pitchFamily="34" charset="0"/>
+                <a:cs typeface="Segoe UI" pitchFamily="34" charset="0"/>
+              </a:rPr>
+              <a:t>20</a:t>
+            </a:r>
+            <a:endParaRPr lang="en-US" sz="1200" dirty="0">
+              <a:solidFill>
+                <a:srgbClr val="000000"/>
+              </a:solidFill>
+              <a:latin typeface="Segoe UI" pitchFamily="34" charset="0"/>
+              <a:cs typeface="Segoe UI" pitchFamily="34" charset="0"/>
+            </a:endParaRPr>
+          </a:p>
+        </p:txBody>
+      </p:sp>
+      <p:pic>
+        <p:nvPicPr>
+          <p:cNvPr id="80" name="Picture 2" descr="C:\Users\t-dantay\Documents\Placeholders\shoppingcart.png"/>
+          <p:cNvPicPr>
+            <a:picLocks noChangeAspect="1" noChangeArrowheads="1"/>
+          </p:cNvPicPr>
+          <p:nvPr>
+            <p:custDataLst>
+              <p:custData r:id="rId27"/>
+            </p:custDataLst>
+          </p:nvPr>
+        </p:nvPicPr>
+        <p:blipFill>
+          <a:blip r:embed="rId47" cstate="print">
+            <a:extLst>
+              <a:ext uri="{28A0092B-C50C-407E-A947-70E740481C1C}">
+                <a14:useLocalDpi xmlns:a14="http://schemas.microsoft.com/office/drawing/2010/main" val="0"/>
+              </a:ext>
+            </a:extLst>
+          </a:blip>
+          <a:srcRect/>
+          <a:stretch>
+            <a:fillRect/>
+          </a:stretch>
+        </p:blipFill>
+        <p:spPr bwMode="auto">
+          <a:xfrm>
+            <a:off x="614861" y="3234514"/>
+            <a:ext cx="390519" cy="335602"/>
+          </a:xfrm>
+          <a:prstGeom prst="rect">
+            <a:avLst/>
+          </a:prstGeom>
+          <a:noFill/>
+          <a:extLst>
+            <a:ext uri="{909E8E84-426E-40DD-AFC4-6F175D3DCCD1}">
+              <a14:hiddenFill xmlns:a14="http://schemas.microsoft.com/office/drawing/2010/main">
+                <a:solidFill>
+                  <a:srgbClr val="FFFFFF"/>
+                </a:solidFill>
+              </a14:hiddenFill>
+            </a:ext>
+          </a:extLst>
+        </p:spPr>
+      </p:pic>
+      <p:sp>
+        <p:nvSpPr>
+          <p:cNvPr id="82" name="Прямоугольник 81"/>
+          <p:cNvSpPr/>
+          <p:nvPr/>
+        </p:nvSpPr>
+        <p:spPr>
+          <a:xfrm>
+            <a:off x="496859" y="2807643"/>
+            <a:ext cx="692197" cy="1080120"/>
+          </a:xfrm>
+          <a:prstGeom prst="rect">
+            <a:avLst/>
+          </a:prstGeom>
+          <a:noFill/>
+          <a:ln w="9525">
+            <a:solidFill>
+              <a:schemeClr val="bg1">
+                <a:lumMod val="50000"/>
+              </a:schemeClr>
+            </a:solidFill>
+          </a:ln>
+        </p:spPr>
+        <p:style>
+          <a:lnRef idx="2">
+            <a:schemeClr val="accent1">
+              <a:shade val="50000"/>
+            </a:schemeClr>
+          </a:lnRef>
+          <a:fillRef idx="1">
+            <a:schemeClr val="accent1"/>
+          </a:fillRef>
+          <a:effectRef idx="0">
+            <a:schemeClr val="accent1"/>
+          </a:effectRef>
+          <a:fontRef idx="minor">
+            <a:schemeClr val="lt1"/>
+          </a:fontRef>
+        </p:style>
+        <p:txBody>
+          <a:bodyPr rtlCol="0" anchor="ctr"/>
+          <a:lstStyle/>
+          <a:p>
+            <a:pPr algn="ctr"/>
+            <a:endParaRPr lang="ru-RU"/>
+          </a:p>
+        </p:txBody>
+      </p:sp>
+      <p:sp>
+        <p:nvSpPr>
+          <p:cNvPr id="89" name="Content"/>
+          <p:cNvSpPr txBox="1"/>
+          <p:nvPr>
+            <p:custDataLst>
+              <p:custData r:id="rId28"/>
+            </p:custDataLst>
+          </p:nvPr>
+        </p:nvSpPr>
+        <p:spPr>
+          <a:xfrm>
+            <a:off x="1196752" y="3402315"/>
+            <a:ext cx="990977" cy="230832"/>
+          </a:xfrm>
+          <a:prstGeom prst="rect">
+            <a:avLst/>
+          </a:prstGeom>
+          <a:noFill/>
+        </p:spPr>
+        <p:txBody>
+          <a:bodyPr wrap="none" lIns="91440" tIns="18288" rIns="91440" bIns="27432" rtlCol="0" anchor="ctr" anchorCtr="0">
+            <a:spAutoFit/>
+          </a:bodyPr>
+          <a:lstStyle/>
+          <a:p>
+            <a:r>
+              <a:rPr lang="ru-RU" sz="1200" dirty="0" smtClean="0">
+                <a:solidFill>
+                  <a:srgbClr val="000000"/>
+                </a:solidFill>
+                <a:latin typeface="Segoe UI" pitchFamily="34" charset="0"/>
+                <a:ea typeface="Segoe UI" pitchFamily="34" charset="0"/>
+                <a:cs typeface="Segoe UI" pitchFamily="34" charset="0"/>
+              </a:rPr>
+              <a:t>Обмен на:  </a:t>
+            </a:r>
+            <a:endParaRPr lang="en-US" sz="1200" dirty="0" smtClean="0">
+              <a:solidFill>
+                <a:srgbClr val="000000"/>
+              </a:solidFill>
+              <a:latin typeface="Segoe UI" pitchFamily="34" charset="0"/>
+              <a:ea typeface="Segoe UI" pitchFamily="34" charset="0"/>
+              <a:cs typeface="Segoe UI" pitchFamily="34" charset="0"/>
+            </a:endParaRPr>
+          </a:p>
+        </p:txBody>
+      </p:sp>
+      <p:sp>
+        <p:nvSpPr>
+          <p:cNvPr id="90" name="Content"/>
+          <p:cNvSpPr/>
+          <p:nvPr>
+            <p:custDataLst>
+              <p:custData r:id="rId29"/>
+            </p:custDataLst>
+          </p:nvPr>
+        </p:nvSpPr>
+        <p:spPr>
+          <a:xfrm>
+            <a:off x="2106114" y="3404547"/>
+            <a:ext cx="1610918" cy="228600"/>
+          </a:xfrm>
+          <a:prstGeom prst="rect">
+            <a:avLst/>
+          </a:prstGeom>
+          <a:solidFill>
+            <a:schemeClr val="bg1">
+              <a:lumMod val="95000"/>
+            </a:schemeClr>
+          </a:solidFill>
+          <a:ln w="3175">
+            <a:solidFill>
+              <a:srgbClr val="000000">
+                <a:lumMod val="50000"/>
+                <a:lumOff val="50000"/>
+              </a:srgbClr>
+            </a:solidFill>
+          </a:ln>
+          <a:effectLst/>
+        </p:spPr>
+        <p:style>
+          <a:lnRef idx="2">
+            <a:srgbClr val="4F81BD">
+              <a:shade val="50000"/>
+            </a:srgbClr>
+          </a:lnRef>
+          <a:fillRef idx="1">
+            <a:srgbClr val="4F81BD"/>
+          </a:fillRef>
+          <a:effectRef idx="0">
+            <a:srgbClr val="4F81BD"/>
+          </a:effectRef>
+          <a:fontRef idx="minor">
+            <a:srgbClr val="000000"/>
+          </a:fontRef>
+        </p:style>
+        <p:txBody>
+          <a:bodyPr wrap="none" lIns="45720" tIns="18288" rIns="45720" bIns="18288" rtlCol="0" anchor="ctr">
+            <a:noAutofit/>
+          </a:bodyPr>
+          <a:lstStyle/>
+          <a:p>
+            <a:r>
+              <a:rPr lang="ru-RU" sz="1200" dirty="0" smtClean="0">
+                <a:solidFill>
+                  <a:srgbClr val="000000"/>
+                </a:solidFill>
+                <a:latin typeface="Segoe UI" pitchFamily="34" charset="0"/>
+                <a:cs typeface="Segoe UI" pitchFamily="34" charset="0"/>
+              </a:rPr>
+              <a:t>Английский</a:t>
+            </a:r>
+            <a:endParaRPr lang="en-US" sz="1200" dirty="0">
+              <a:solidFill>
+                <a:srgbClr val="000000"/>
+              </a:solidFill>
+              <a:latin typeface="Segoe UI" pitchFamily="34" charset="0"/>
+              <a:cs typeface="Segoe UI" pitchFamily="34" charset="0"/>
+            </a:endParaRPr>
+          </a:p>
+        </p:txBody>
+      </p:sp>
+      <p:grpSp>
+        <p:nvGrpSpPr>
+          <p:cNvPr id="91" name="RadioButtonUnselected"/>
+          <p:cNvGrpSpPr/>
+          <p:nvPr>
+            <p:custDataLst>
+              <p:custData r:id="rId30"/>
+            </p:custDataLst>
+          </p:nvPr>
+        </p:nvGrpSpPr>
+        <p:grpSpPr>
+          <a:xfrm>
+            <a:off x="562621" y="4784540"/>
+            <a:ext cx="1149354" cy="230832"/>
+            <a:chOff x="4356895" y="3334651"/>
+            <a:chExt cx="1149354" cy="230832"/>
+          </a:xfrm>
+        </p:grpSpPr>
+        <p:sp>
+          <p:nvSpPr>
+            <p:cNvPr id="92" name="Content"/>
+            <p:cNvSpPr txBox="1"/>
+            <p:nvPr/>
+          </p:nvSpPr>
+          <p:spPr>
+            <a:xfrm>
+              <a:off x="4356895" y="3334651"/>
+              <a:ext cx="1149354" cy="230832"/>
+            </a:xfrm>
+            <a:prstGeom prst="rect">
+              <a:avLst/>
+            </a:prstGeom>
+            <a:noFill/>
+          </p:spPr>
+          <p:txBody>
+            <a:bodyPr wrap="none" lIns="164592" tIns="18288" rIns="45720" bIns="27432" rtlCol="0" anchor="ctr" anchorCtr="0">
+              <a:spAutoFit/>
+            </a:bodyPr>
+            <a:lstStyle/>
+            <a:p>
+              <a:r>
+                <a:rPr lang="ru-RU" sz="1200" dirty="0" smtClean="0">
+                  <a:latin typeface="Segoe UI" pitchFamily="34" charset="0"/>
+                  <a:ea typeface="Segoe UI" pitchFamily="34" charset="0"/>
+                  <a:cs typeface="Segoe UI" pitchFamily="34" charset="0"/>
+                </a:rPr>
+                <a:t>Товар/услугу </a:t>
+              </a:r>
+              <a:endParaRPr lang="en-US" sz="1200" dirty="0">
+                <a:latin typeface="Segoe UI" pitchFamily="34" charset="0"/>
+                <a:ea typeface="Segoe UI" pitchFamily="34" charset="0"/>
+                <a:cs typeface="Segoe UI" pitchFamily="34" charset="0"/>
+              </a:endParaRPr>
+            </a:p>
+          </p:txBody>
+        </p:sp>
+        <p:sp>
+          <p:nvSpPr>
+            <p:cNvPr id="93" name="Circle"/>
+            <p:cNvSpPr/>
+            <p:nvPr/>
+          </p:nvSpPr>
+          <p:spPr>
+            <a:xfrm>
+              <a:off x="4356895" y="3374807"/>
+              <a:ext cx="119960" cy="119922"/>
+            </a:xfrm>
+            <a:prstGeom prst="ellipse">
+              <a:avLst/>
+            </a:prstGeom>
+            <a:solidFill>
+              <a:srgbClr val="FFFFFF"/>
+            </a:solidFill>
+            <a:ln w="3175">
+              <a:solidFill>
+                <a:srgbClr val="FFFFFF">
+                  <a:lumMod val="50000"/>
+                </a:srgbClr>
+              </a:solidFill>
+            </a:ln>
+            <a:effectLst/>
+          </p:spPr>
+          <p:style>
+            <a:lnRef idx="2">
+              <a:srgbClr val="4F81BD">
+                <a:shade val="50000"/>
+              </a:srgbClr>
+            </a:lnRef>
+            <a:fillRef idx="1">
+              <a:srgbClr val="4F81BD"/>
+            </a:fillRef>
+            <a:effectRef idx="0">
+              <a:srgbClr val="4F81BD"/>
+            </a:effectRef>
+            <a:fontRef idx="minor">
+              <a:srgbClr val="000000"/>
+            </a:fontRef>
+          </p:style>
+          <p:txBody>
+            <a:bodyPr rtlCol="0" anchor="ctr"/>
+            <a:lstStyle/>
+            <a:p>
+              <a:pPr algn="ctr"/>
+              <a:endParaRPr lang="en-US" dirty="0"/>
+            </a:p>
+          </p:txBody>
+        </p:sp>
+      </p:grpSp>
+      <p:grpSp>
+        <p:nvGrpSpPr>
+          <p:cNvPr id="99" name="RadioButtonSelected"/>
+          <p:cNvGrpSpPr/>
+          <p:nvPr>
+            <p:custDataLst>
+              <p:custData r:id="rId31"/>
+            </p:custDataLst>
+          </p:nvPr>
+        </p:nvGrpSpPr>
+        <p:grpSpPr>
+          <a:xfrm>
+            <a:off x="550115" y="5038232"/>
+            <a:ext cx="651589" cy="230832"/>
+            <a:chOff x="4356895" y="3334651"/>
+            <a:chExt cx="651589" cy="230832"/>
+          </a:xfrm>
+        </p:grpSpPr>
+        <p:sp>
+          <p:nvSpPr>
+            <p:cNvPr id="100" name="Content"/>
+            <p:cNvSpPr txBox="1"/>
+            <p:nvPr/>
+          </p:nvSpPr>
+          <p:spPr>
+            <a:xfrm>
+              <a:off x="4356895" y="3334651"/>
+              <a:ext cx="651589" cy="230832"/>
+            </a:xfrm>
+            <a:prstGeom prst="rect">
+              <a:avLst/>
+            </a:prstGeom>
+            <a:noFill/>
+          </p:spPr>
+          <p:txBody>
+            <a:bodyPr wrap="none" lIns="164592" tIns="18288" rIns="45720" bIns="27432" rtlCol="0" anchor="ctr" anchorCtr="0">
+              <a:spAutoFit/>
+            </a:bodyPr>
+            <a:lstStyle/>
+            <a:p>
+              <a:r>
+                <a:rPr lang="ru-RU" sz="1200" dirty="0" smtClean="0">
+                  <a:latin typeface="Segoe UI" pitchFamily="34" charset="0"/>
+                  <a:ea typeface="Segoe UI" pitchFamily="34" charset="0"/>
+                  <a:cs typeface="Segoe UI" pitchFamily="34" charset="0"/>
+                </a:rPr>
+                <a:t>Б</a:t>
+              </a:r>
+              <a:r>
+                <a:rPr lang="ru-RU" sz="1200" dirty="0" smtClean="0">
+                  <a:latin typeface="Segoe UI" pitchFamily="34" charset="0"/>
+                  <a:ea typeface="Segoe UI" pitchFamily="34" charset="0"/>
+                  <a:cs typeface="Segoe UI" pitchFamily="34" charset="0"/>
+                </a:rPr>
+                <a:t>аллы</a:t>
+              </a:r>
+              <a:endParaRPr lang="en-US" sz="1200" dirty="0">
+                <a:latin typeface="Segoe UI" pitchFamily="34" charset="0"/>
+                <a:ea typeface="Segoe UI" pitchFamily="34" charset="0"/>
+                <a:cs typeface="Segoe UI" pitchFamily="34" charset="0"/>
+              </a:endParaRPr>
+            </a:p>
+          </p:txBody>
+        </p:sp>
+        <p:grpSp>
+          <p:nvGrpSpPr>
+            <p:cNvPr id="101" name="Group 3"/>
+            <p:cNvGrpSpPr/>
+            <p:nvPr/>
+          </p:nvGrpSpPr>
+          <p:grpSpPr>
+            <a:xfrm>
+              <a:off x="4356895" y="3374807"/>
+              <a:ext cx="119960" cy="119922"/>
+              <a:chOff x="4356895" y="3374807"/>
+              <a:chExt cx="119960" cy="119922"/>
+            </a:xfrm>
+          </p:grpSpPr>
+          <p:sp>
+            <p:nvSpPr>
+              <p:cNvPr id="102" name="Circle"/>
+              <p:cNvSpPr/>
+              <p:nvPr/>
+            </p:nvSpPr>
+            <p:spPr>
+              <a:xfrm>
+                <a:off x="4356895" y="3374807"/>
+                <a:ext cx="119960" cy="119922"/>
+              </a:xfrm>
+              <a:prstGeom prst="ellipse">
+                <a:avLst/>
+              </a:prstGeom>
+              <a:solidFill>
+                <a:srgbClr val="FFFFFF"/>
+              </a:solidFill>
+              <a:ln w="3175">
+                <a:solidFill>
+                  <a:srgbClr val="FFFFFF">
+                    <a:lumMod val="50000"/>
+                  </a:srgbClr>
+                </a:solidFill>
+              </a:ln>
+              <a:effectLst/>
+            </p:spPr>
+            <p:style>
+              <a:lnRef idx="2">
+                <a:srgbClr val="4F81BD">
+                  <a:shade val="50000"/>
+                </a:srgbClr>
+              </a:lnRef>
+              <a:fillRef idx="1">
+                <a:srgbClr val="4F81BD"/>
+              </a:fillRef>
+              <a:effectRef idx="0">
+                <a:srgbClr val="4F81BD"/>
+              </a:effectRef>
+              <a:fontRef idx="minor">
+                <a:srgbClr val="000000"/>
+              </a:fontRef>
+            </p:style>
+            <p:txBody>
+              <a:bodyPr rtlCol="0" anchor="ctr"/>
+              <a:lstStyle/>
+              <a:p>
+                <a:pPr algn="ctr"/>
+                <a:endParaRPr lang="en-US" dirty="0"/>
+              </a:p>
+            </p:txBody>
+          </p:sp>
+          <p:sp>
+            <p:nvSpPr>
+              <p:cNvPr id="103" name="InnerCircle"/>
+              <p:cNvSpPr/>
+              <p:nvPr/>
+            </p:nvSpPr>
+            <p:spPr>
+              <a:xfrm>
+                <a:off x="4390432" y="3407093"/>
+                <a:ext cx="58189" cy="58190"/>
+              </a:xfrm>
+              <a:prstGeom prst="ellipse">
+                <a:avLst/>
+              </a:prstGeom>
+              <a:solidFill>
+                <a:srgbClr val="FFFFFF">
+                  <a:lumMod val="50000"/>
+                </a:srgbClr>
+              </a:solidFill>
+              <a:ln>
+                <a:noFill/>
+              </a:ln>
+            </p:spPr>
+            <p:style>
+              <a:lnRef idx="2">
+                <a:srgbClr val="4F81BD">
+                  <a:shade val="50000"/>
+                </a:srgbClr>
+              </a:lnRef>
+              <a:fillRef idx="1">
+                <a:srgbClr val="4F81BD"/>
+              </a:fillRef>
+              <a:effectRef idx="0">
+                <a:srgbClr val="4F81BD"/>
+              </a:effectRef>
+              <a:fontRef idx="minor">
+                <a:srgbClr val="000000"/>
+              </a:fontRef>
+            </p:style>
+            <p:txBody>
+              <a:bodyPr rtlCol="0" anchor="ctr"/>
+              <a:lstStyle/>
+              <a:p>
+                <a:pPr algn="ctr"/>
+                <a:endParaRPr lang="en-US" dirty="0"/>
+              </a:p>
+            </p:txBody>
+          </p:sp>
+        </p:grpSp>
+      </p:grpSp>
+      <p:grpSp>
+        <p:nvGrpSpPr>
+          <p:cNvPr id="104" name="NumericStepper"/>
+          <p:cNvGrpSpPr/>
+          <p:nvPr>
+            <p:custDataLst>
+              <p:custData r:id="rId32"/>
+            </p:custDataLst>
+          </p:nvPr>
+        </p:nvGrpSpPr>
+        <p:grpSpPr>
+          <a:xfrm>
+            <a:off x="1485918" y="5336372"/>
+            <a:ext cx="985641" cy="228600"/>
+            <a:chOff x="4210050" y="3330449"/>
+            <a:chExt cx="639086" cy="228600"/>
+          </a:xfrm>
+        </p:grpSpPr>
+        <p:sp>
+          <p:nvSpPr>
+            <p:cNvPr id="105" name="Content"/>
+            <p:cNvSpPr>
+              <a:spLocks/>
+            </p:cNvSpPr>
+            <p:nvPr/>
+          </p:nvSpPr>
+          <p:spPr>
+            <a:xfrm>
+              <a:off x="4210050" y="3330449"/>
+              <a:ext cx="639086" cy="228600"/>
+            </a:xfrm>
+            <a:prstGeom prst="rect">
+              <a:avLst/>
+            </a:prstGeom>
+            <a:solidFill>
+              <a:srgbClr val="FFFFFF"/>
+            </a:solidFill>
+            <a:ln w="3175">
+              <a:solidFill>
+                <a:srgbClr val="FFFFFF">
+                  <a:lumMod val="50000"/>
+                </a:srgbClr>
+              </a:solidFill>
+            </a:ln>
+          </p:spPr>
+          <p:style>
+            <a:lnRef idx="2">
+              <a:srgbClr val="4F81BD">
+                <a:shade val="50000"/>
+              </a:srgbClr>
+            </a:lnRef>
+            <a:fillRef idx="1">
+              <a:srgbClr val="4F81BD"/>
+            </a:fillRef>
+            <a:effectRef idx="0">
+              <a:srgbClr val="4F81BD"/>
+            </a:effectRef>
+            <a:fontRef idx="minor">
+              <a:srgbClr val="000000"/>
+            </a:fontRef>
+          </p:style>
+          <p:txBody>
+            <a:bodyPr lIns="45720" rIns="182880" rtlCol="0" anchor="ctr"/>
+            <a:lstStyle/>
+            <a:p>
+              <a:r>
+                <a:rPr lang="ru-RU" sz="1200" dirty="0" smtClean="0">
+                  <a:solidFill>
+                    <a:srgbClr val="000000"/>
+                  </a:solidFill>
+                  <a:latin typeface="Segoe UI" pitchFamily="34" charset="0"/>
+                  <a:ea typeface="Segoe UI" pitchFamily="34" charset="0"/>
+                  <a:cs typeface="Segoe UI" pitchFamily="34" charset="0"/>
+                </a:rPr>
+                <a:t>50</a:t>
+              </a:r>
+              <a:endParaRPr lang="en-US" sz="1200" dirty="0">
+                <a:solidFill>
+                  <a:srgbClr val="000000"/>
+                </a:solidFill>
+                <a:latin typeface="Segoe UI" pitchFamily="34" charset="0"/>
+                <a:ea typeface="Segoe UI" pitchFamily="34" charset="0"/>
+                <a:cs typeface="Segoe UI" pitchFamily="34" charset="0"/>
+              </a:endParaRPr>
+            </a:p>
+          </p:txBody>
+        </p:sp>
+        <p:sp>
+          <p:nvSpPr>
+            <p:cNvPr id="106" name="DownBox"/>
+            <p:cNvSpPr>
+              <a:spLocks noChangeAspect="1"/>
+            </p:cNvSpPr>
+            <p:nvPr/>
+          </p:nvSpPr>
+          <p:spPr>
+            <a:xfrm>
+              <a:off x="4742415" y="3444749"/>
+              <a:ext cx="106721" cy="114300"/>
+            </a:xfrm>
+            <a:prstGeom prst="rect">
+              <a:avLst/>
+            </a:prstGeom>
+            <a:solidFill>
+              <a:srgbClr val="FFFFFF">
+                <a:lumMod val="95000"/>
+              </a:srgbClr>
+            </a:solidFill>
+            <a:ln w="3175">
+              <a:solidFill>
+                <a:srgbClr val="000000">
+                  <a:lumMod val="50000"/>
+                  <a:lumOff val="50000"/>
+                </a:srgbClr>
+              </a:solidFill>
+            </a:ln>
+            <a:effectLst/>
+          </p:spPr>
+          <p:style>
+            <a:lnRef idx="2">
+              <a:srgbClr val="4F81BD">
+                <a:shade val="50000"/>
+              </a:srgbClr>
+            </a:lnRef>
+            <a:fillRef idx="1">
+              <a:srgbClr val="4F81BD"/>
+            </a:fillRef>
+            <a:effectRef idx="0">
+              <a:srgbClr val="4F81BD"/>
+            </a:effectRef>
+            <a:fontRef idx="minor">
+              <a:srgbClr val="000000"/>
+            </a:fontRef>
+          </p:style>
+          <p:txBody>
+            <a:bodyPr lIns="91440" tIns="48766" rIns="91440" bIns="48766" rtlCol="0" anchor="ctr"/>
+            <a:lstStyle/>
+            <a:p>
+              <a:pPr algn="ctr"/>
+              <a:endParaRPr lang="en-US" sz="1200" dirty="0">
+                <a:latin typeface="Segoe UI" pitchFamily="34" charset="0"/>
+                <a:ea typeface="Segoe UI" pitchFamily="34" charset="0"/>
+                <a:cs typeface="Segoe UI" pitchFamily="34" charset="0"/>
+              </a:endParaRPr>
+            </a:p>
+          </p:txBody>
+        </p:sp>
+        <p:sp>
+          <p:nvSpPr>
+            <p:cNvPr id="107" name="DownArrow"/>
+            <p:cNvSpPr>
+              <a:spLocks/>
+            </p:cNvSpPr>
+            <p:nvPr/>
+          </p:nvSpPr>
+          <p:spPr>
+            <a:xfrm rot="10800000">
+              <a:off x="4769422" y="3476120"/>
+              <a:ext cx="52719" cy="42414"/>
+            </a:xfrm>
+            <a:prstGeom prst="triangle">
+              <a:avLst/>
+            </a:prstGeom>
+            <a:solidFill>
+              <a:srgbClr val="FFFFFF">
+                <a:lumMod val="75000"/>
+              </a:srgbClr>
+            </a:solidFill>
+            <a:ln>
+              <a:noFill/>
+            </a:ln>
+          </p:spPr>
+          <p:style>
+            <a:lnRef idx="2">
+              <a:srgbClr val="4F81BD">
+                <a:shade val="50000"/>
+              </a:srgbClr>
+            </a:lnRef>
+            <a:fillRef idx="1">
+              <a:srgbClr val="4F81BD"/>
+            </a:fillRef>
+            <a:effectRef idx="0">
+              <a:srgbClr val="4F81BD"/>
+            </a:effectRef>
+            <a:fontRef idx="minor">
+              <a:srgbClr val="000000"/>
+            </a:fontRef>
+          </p:style>
+          <p:txBody>
+            <a:bodyPr rtlCol="0" anchor="ctr"/>
+            <a:lstStyle/>
+            <a:p>
+              <a:pPr algn="ctr"/>
+              <a:endParaRPr lang="en-US" sz="1200" dirty="0">
+                <a:latin typeface="Segoe UI" pitchFamily="34" charset="0"/>
+                <a:ea typeface="Segoe UI" pitchFamily="34" charset="0"/>
+                <a:cs typeface="Segoe UI" pitchFamily="34" charset="0"/>
+              </a:endParaRPr>
+            </a:p>
+          </p:txBody>
+        </p:sp>
+        <p:sp>
+          <p:nvSpPr>
+            <p:cNvPr id="108" name="UpBox"/>
+            <p:cNvSpPr>
+              <a:spLocks noChangeAspect="1"/>
+            </p:cNvSpPr>
+            <p:nvPr/>
+          </p:nvSpPr>
+          <p:spPr>
+            <a:xfrm>
+              <a:off x="4742420" y="3330449"/>
+              <a:ext cx="106716" cy="114300"/>
+            </a:xfrm>
+            <a:prstGeom prst="rect">
+              <a:avLst/>
+            </a:prstGeom>
+            <a:solidFill>
+              <a:srgbClr val="FFFFFF">
+                <a:lumMod val="95000"/>
+              </a:srgbClr>
+            </a:solidFill>
+            <a:ln w="3175">
+              <a:solidFill>
+                <a:srgbClr val="000000">
+                  <a:lumMod val="50000"/>
+                  <a:lumOff val="50000"/>
+                </a:srgbClr>
+              </a:solidFill>
+            </a:ln>
+            <a:effectLst/>
+          </p:spPr>
+          <p:style>
+            <a:lnRef idx="2">
+              <a:srgbClr val="4F81BD">
+                <a:shade val="50000"/>
+              </a:srgbClr>
+            </a:lnRef>
+            <a:fillRef idx="1">
+              <a:srgbClr val="4F81BD"/>
+            </a:fillRef>
+            <a:effectRef idx="0">
+              <a:srgbClr val="4F81BD"/>
+            </a:effectRef>
+            <a:fontRef idx="minor">
+              <a:srgbClr val="000000"/>
+            </a:fontRef>
+          </p:style>
+          <p:txBody>
+            <a:bodyPr lIns="91440" tIns="48766" rIns="91440" bIns="48766" rtlCol="0" anchor="ctr"/>
+            <a:lstStyle/>
+            <a:p>
+              <a:pPr algn="ctr"/>
+              <a:endParaRPr lang="en-US" sz="1200" dirty="0">
+                <a:latin typeface="Segoe UI" pitchFamily="34" charset="0"/>
+                <a:ea typeface="Segoe UI" pitchFamily="34" charset="0"/>
+                <a:cs typeface="Segoe UI" pitchFamily="34" charset="0"/>
+              </a:endParaRPr>
+            </a:p>
+          </p:txBody>
+        </p:sp>
+        <p:sp>
+          <p:nvSpPr>
+            <p:cNvPr id="109" name="UpArrow"/>
+            <p:cNvSpPr>
+              <a:spLocks/>
+            </p:cNvSpPr>
+            <p:nvPr/>
+          </p:nvSpPr>
+          <p:spPr>
+            <a:xfrm>
+              <a:off x="4769416" y="3366392"/>
+              <a:ext cx="52719" cy="42414"/>
+            </a:xfrm>
+            <a:prstGeom prst="triangle">
+              <a:avLst/>
+            </a:prstGeom>
+            <a:solidFill>
+              <a:srgbClr val="FFFFFF">
+                <a:lumMod val="75000"/>
+              </a:srgbClr>
+            </a:solidFill>
+            <a:ln>
+              <a:noFill/>
+            </a:ln>
+          </p:spPr>
+          <p:style>
+            <a:lnRef idx="2">
+              <a:srgbClr val="4F81BD">
+                <a:shade val="50000"/>
+              </a:srgbClr>
+            </a:lnRef>
+            <a:fillRef idx="1">
+              <a:srgbClr val="4F81BD"/>
+            </a:fillRef>
+            <a:effectRef idx="0">
+              <a:srgbClr val="4F81BD"/>
+            </a:effectRef>
+            <a:fontRef idx="minor">
+              <a:srgbClr val="000000"/>
+            </a:fontRef>
+          </p:style>
+          <p:txBody>
+            <a:bodyPr rtlCol="0" anchor="ctr"/>
+            <a:lstStyle/>
+            <a:p>
+              <a:pPr algn="ctr"/>
+              <a:endParaRPr lang="en-US" sz="1200" dirty="0">
+                <a:latin typeface="Segoe UI" pitchFamily="34" charset="0"/>
+                <a:ea typeface="Segoe UI" pitchFamily="34" charset="0"/>
+                <a:cs typeface="Segoe UI" pitchFamily="34" charset="0"/>
+              </a:endParaRPr>
+            </a:p>
+          </p:txBody>
+        </p:sp>
+      </p:grpSp>
+      <p:sp>
+        <p:nvSpPr>
+          <p:cNvPr id="110" name="Content"/>
+          <p:cNvSpPr txBox="1"/>
+          <p:nvPr>
+            <p:custDataLst>
+              <p:custData r:id="rId33"/>
+            </p:custDataLst>
+          </p:nvPr>
+        </p:nvSpPr>
+        <p:spPr>
+          <a:xfrm>
+            <a:off x="466152" y="5334140"/>
+            <a:ext cx="1038618" cy="230832"/>
+          </a:xfrm>
+          <a:prstGeom prst="rect">
+            <a:avLst/>
+          </a:prstGeom>
+          <a:noFill/>
+        </p:spPr>
+        <p:txBody>
+          <a:bodyPr wrap="none" lIns="91440" tIns="18288" rIns="91440" bIns="27432" rtlCol="0" anchor="ctr" anchorCtr="0">
+            <a:spAutoFit/>
+          </a:bodyPr>
+          <a:lstStyle/>
+          <a:p>
+            <a:r>
+              <a:rPr lang="ru-RU" sz="1200" dirty="0" smtClean="0">
+                <a:solidFill>
+                  <a:srgbClr val="000000"/>
+                </a:solidFill>
+                <a:latin typeface="Segoe UI" pitchFamily="34" charset="0"/>
+                <a:ea typeface="Segoe UI" pitchFamily="34" charset="0"/>
+                <a:cs typeface="Segoe UI" pitchFamily="34" charset="0"/>
+              </a:rPr>
+              <a:t>Количество</a:t>
+            </a:r>
+            <a:r>
+              <a:rPr lang="en-US" sz="1200" dirty="0" smtClean="0">
+                <a:solidFill>
+                  <a:srgbClr val="000000"/>
+                </a:solidFill>
+                <a:latin typeface="Segoe UI" pitchFamily="34" charset="0"/>
+                <a:ea typeface="Segoe UI" pitchFamily="34" charset="0"/>
+                <a:cs typeface="Segoe UI" pitchFamily="34" charset="0"/>
+              </a:rPr>
+              <a:t>:</a:t>
+            </a:r>
+            <a:endParaRPr lang="en-US" sz="1200" dirty="0" smtClean="0">
+              <a:solidFill>
+                <a:srgbClr val="000000"/>
+              </a:solidFill>
+              <a:latin typeface="Segoe UI" pitchFamily="34" charset="0"/>
+              <a:ea typeface="Segoe UI" pitchFamily="34" charset="0"/>
+              <a:cs typeface="Segoe UI" pitchFamily="34" charset="0"/>
+            </a:endParaRPr>
+          </a:p>
+        </p:txBody>
+      </p:sp>
+      <p:sp>
+        <p:nvSpPr>
+          <p:cNvPr id="111" name="Content"/>
+          <p:cNvSpPr/>
+          <p:nvPr>
+            <p:custDataLst>
+              <p:custData r:id="rId34"/>
+            </p:custDataLst>
+          </p:nvPr>
+        </p:nvSpPr>
+        <p:spPr>
+          <a:xfrm>
+            <a:off x="544251" y="5697700"/>
+            <a:ext cx="2020653" cy="818516"/>
+          </a:xfrm>
+          <a:prstGeom prst="rect">
+            <a:avLst/>
+          </a:prstGeom>
+          <a:solidFill>
+            <a:sysClr val="window" lastClr="FFFFFF"/>
+          </a:solidFill>
+          <a:ln w="3175">
+            <a:solidFill>
+              <a:srgbClr val="000000">
+                <a:lumMod val="50000"/>
+                <a:lumOff val="50000"/>
+              </a:srgbClr>
+            </a:solidFill>
+          </a:ln>
+          <a:effectLst/>
+        </p:spPr>
+        <p:style>
+          <a:lnRef idx="2">
+            <a:srgbClr val="4F81BD">
+              <a:shade val="50000"/>
+            </a:srgbClr>
+          </a:lnRef>
+          <a:fillRef idx="1">
+            <a:srgbClr val="4F81BD"/>
+          </a:fillRef>
+          <a:effectRef idx="0">
+            <a:srgbClr val="4F81BD"/>
+          </a:effectRef>
+          <a:fontRef idx="minor">
+            <a:srgbClr val="000000"/>
+          </a:fontRef>
+        </p:style>
+        <p:txBody>
+          <a:bodyPr lIns="45720" tIns="27432" rIns="0" bIns="0" rtlCol="0" anchor="t" anchorCtr="0"/>
+          <a:lstStyle/>
+          <a:p>
+            <a:r>
+              <a:rPr lang="ru-RU" sz="1200" dirty="0" smtClean="0">
+                <a:solidFill>
+                  <a:schemeClr val="bg1">
+                    <a:lumMod val="75000"/>
+                  </a:schemeClr>
+                </a:solidFill>
+                <a:latin typeface="Segoe UI" pitchFamily="34" charset="0"/>
+                <a:cs typeface="Segoe UI" pitchFamily="34" charset="0"/>
+              </a:rPr>
+              <a:t>Введите комментарий</a:t>
+            </a:r>
+            <a:endParaRPr lang="en-US" sz="1200" dirty="0" smtClean="0">
+              <a:solidFill>
+                <a:schemeClr val="bg1">
+                  <a:lumMod val="75000"/>
+                </a:schemeClr>
+              </a:solidFill>
+              <a:latin typeface="Segoe UI" pitchFamily="34" charset="0"/>
+              <a:cs typeface="Segoe UI" pitchFamily="34" charset="0"/>
+            </a:endParaRPr>
+          </a:p>
+        </p:txBody>
+      </p:sp>
+      <p:sp>
+        <p:nvSpPr>
+          <p:cNvPr id="113" name="ActiveTab"/>
+          <p:cNvSpPr txBox="1"/>
+          <p:nvPr/>
+        </p:nvSpPr>
+        <p:spPr>
+          <a:xfrm>
+            <a:off x="516192" y="4442925"/>
+            <a:ext cx="992194" cy="258149"/>
+          </a:xfrm>
+          <a:prstGeom prst="rect">
+            <a:avLst/>
+          </a:prstGeom>
+          <a:solidFill>
+            <a:srgbClr val="FFFFFF"/>
+          </a:solidFill>
+          <a:ln w="3175">
+            <a:noFill/>
+          </a:ln>
+        </p:spPr>
+        <p:txBody>
+          <a:bodyPr vertOverflow="ellipsis" lIns="0" tIns="18288" rIns="45720" rtlCol="0">
+            <a:noAutofit/>
+          </a:bodyPr>
+          <a:lstStyle/>
+          <a:p>
+            <a:pPr algn="ctr"/>
+            <a:r>
+              <a:rPr lang="ru-RU" sz="1200" dirty="0" smtClean="0">
+                <a:latin typeface="Segoe UI" pitchFamily="34" charset="0"/>
+                <a:ea typeface="Segoe UI" pitchFamily="34" charset="0"/>
+                <a:cs typeface="Segoe UI" pitchFamily="34" charset="0"/>
+              </a:rPr>
+              <a:t>Предложить</a:t>
+            </a:r>
+            <a:endParaRPr lang="en-US" sz="1200" dirty="0">
+              <a:latin typeface="Segoe UI" pitchFamily="34" charset="0"/>
+              <a:ea typeface="Segoe UI" pitchFamily="34" charset="0"/>
+              <a:cs typeface="Segoe UI" pitchFamily="34" charset="0"/>
+            </a:endParaRPr>
+          </a:p>
+        </p:txBody>
+      </p:sp>
+      <p:sp>
+        <p:nvSpPr>
+          <p:cNvPr id="114" name="Container"/>
+          <p:cNvSpPr/>
+          <p:nvPr/>
+        </p:nvSpPr>
+        <p:spPr>
+          <a:xfrm>
+            <a:off x="3620461" y="4580102"/>
+            <a:ext cx="3069261" cy="2440170"/>
+          </a:xfrm>
+          <a:prstGeom prst="rect">
+            <a:avLst/>
+          </a:prstGeom>
+          <a:solidFill>
+            <a:sysClr val="window" lastClr="FFFFFF"/>
+          </a:solidFill>
+          <a:ln w="3175" cap="flat" cmpd="sng" algn="ctr">
+            <a:solidFill>
+              <a:srgbClr val="FFFFFF">
+                <a:lumMod val="50000"/>
+              </a:srgbClr>
+            </a:solidFill>
+            <a:prstDash val="solid"/>
+          </a:ln>
+          <a:effectLst/>
+        </p:spPr>
+        <p:txBody>
+          <a:bodyPr rot="0" spcFirstLastPara="0" vertOverflow="overflow" horzOverflow="overflow" vert="horz" wrap="square" lIns="45720" tIns="45720" rIns="91440" bIns="45720" numCol="1" spcCol="0" rtlCol="0" fromWordArt="0" anchor="ctr" anchorCtr="0" forceAA="0" compatLnSpc="1">
+            <a:prstTxWarp prst="textNoShape">
+              <a:avLst/>
+            </a:prstTxWarp>
+            <a:noAutofit/>
+          </a:bodyPr>
+          <a:lstStyle/>
+          <a:p>
+            <a:pPr marL="0" marR="0" indent="0" algn="ctr" defTabSz="914400" eaLnBrk="1" fontAlgn="auto" latinLnBrk="0" hangingPunct="1">
+              <a:lnSpc>
+                <a:spcPct val="100000"/>
+              </a:lnSpc>
+              <a:spcBef>
+                <a:spcPts val="0"/>
+              </a:spcBef>
+              <a:spcAft>
+                <a:spcPts val="0"/>
+              </a:spcAft>
+              <a:buClrTx/>
+              <a:buSzTx/>
+              <a:buFontTx/>
+              <a:buNone/>
+              <a:tabLst/>
+            </a:pPr>
+            <a:endParaRPr kumimoji="0" lang="en-US" sz="800" b="0" i="0" u="none" strike="noStrike" kern="0" cap="none" spc="0" normalizeH="0" baseline="0" noProof="0" dirty="0" smtClean="0">
+              <a:ln>
+                <a:noFill/>
+              </a:ln>
+              <a:solidFill>
+                <a:srgbClr val="000000">
+                  <a:lumMod val="75000"/>
+                  <a:lumOff val="25000"/>
+                </a:srgbClr>
+              </a:solidFill>
+              <a:effectLst/>
+              <a:uLnTx/>
+              <a:uFillTx/>
+              <a:latin typeface="Segoe UI"/>
+              <a:ea typeface="+mn-ea"/>
+              <a:cs typeface="+mn-cs"/>
+            </a:endParaRPr>
+          </a:p>
+        </p:txBody>
+      </p:sp>
+      <p:grpSp>
+        <p:nvGrpSpPr>
+          <p:cNvPr id="6" name="Группа 5"/>
+          <p:cNvGrpSpPr/>
+          <p:nvPr/>
+        </p:nvGrpSpPr>
+        <p:grpSpPr>
+          <a:xfrm>
+            <a:off x="3781901" y="5054049"/>
+            <a:ext cx="677475" cy="230832"/>
+            <a:chOff x="3781901" y="5054049"/>
+            <a:chExt cx="677475" cy="230832"/>
+          </a:xfrm>
+        </p:grpSpPr>
+        <p:sp>
+          <p:nvSpPr>
+            <p:cNvPr id="117" name="Circle"/>
+            <p:cNvSpPr/>
+            <p:nvPr/>
+          </p:nvSpPr>
+          <p:spPr>
+            <a:xfrm>
+              <a:off x="3789028" y="5108903"/>
+              <a:ext cx="119960" cy="119922"/>
+            </a:xfrm>
+            <a:prstGeom prst="ellipse">
+              <a:avLst/>
+            </a:prstGeom>
+            <a:solidFill>
+              <a:srgbClr val="FFFFFF"/>
+            </a:solidFill>
+            <a:ln w="3175">
+              <a:solidFill>
+                <a:srgbClr val="FFFFFF">
+                  <a:lumMod val="50000"/>
+                </a:srgbClr>
+              </a:solidFill>
+            </a:ln>
+            <a:effectLst/>
+          </p:spPr>
+          <p:style>
+            <a:lnRef idx="2">
+              <a:srgbClr val="4F81BD">
+                <a:shade val="50000"/>
+              </a:srgbClr>
+            </a:lnRef>
+            <a:fillRef idx="1">
+              <a:srgbClr val="4F81BD"/>
+            </a:fillRef>
+            <a:effectRef idx="0">
+              <a:srgbClr val="4F81BD"/>
+            </a:effectRef>
+            <a:fontRef idx="minor">
+              <a:srgbClr val="000000"/>
+            </a:fontRef>
+          </p:style>
+          <p:txBody>
+            <a:bodyPr rtlCol="0" anchor="ctr"/>
+            <a:lstStyle/>
+            <a:p>
+              <a:pPr algn="ctr"/>
+              <a:endParaRPr lang="en-US" dirty="0"/>
+            </a:p>
+          </p:txBody>
+        </p:sp>
+        <p:sp>
+          <p:nvSpPr>
+            <p:cNvPr id="119" name="Content"/>
+            <p:cNvSpPr txBox="1"/>
+            <p:nvPr/>
+          </p:nvSpPr>
+          <p:spPr>
+            <a:xfrm>
+              <a:off x="3781901" y="5054049"/>
+              <a:ext cx="677475" cy="230832"/>
+            </a:xfrm>
+            <a:prstGeom prst="rect">
+              <a:avLst/>
+            </a:prstGeom>
+            <a:noFill/>
+          </p:spPr>
+          <p:txBody>
+            <a:bodyPr wrap="square" lIns="164592" tIns="18288" rIns="45720" bIns="27432" rtlCol="0" anchor="ctr" anchorCtr="0">
+              <a:spAutoFit/>
+            </a:bodyPr>
+            <a:lstStyle/>
+            <a:p>
+              <a:r>
+                <a:rPr lang="ru-RU" sz="1200" dirty="0" smtClean="0">
+                  <a:latin typeface="Segoe UI" pitchFamily="34" charset="0"/>
+                  <a:ea typeface="Segoe UI" pitchFamily="34" charset="0"/>
+                  <a:cs typeface="Segoe UI" pitchFamily="34" charset="0"/>
+                </a:rPr>
+                <a:t>Б</a:t>
+              </a:r>
+              <a:r>
+                <a:rPr lang="ru-RU" sz="1200" dirty="0" smtClean="0">
+                  <a:latin typeface="Segoe UI" pitchFamily="34" charset="0"/>
+                  <a:ea typeface="Segoe UI" pitchFamily="34" charset="0"/>
+                  <a:cs typeface="Segoe UI" pitchFamily="34" charset="0"/>
+                </a:rPr>
+                <a:t>аллы</a:t>
+              </a:r>
+              <a:endParaRPr lang="en-US" sz="1200" dirty="0">
+                <a:latin typeface="Segoe UI" pitchFamily="34" charset="0"/>
+                <a:ea typeface="Segoe UI" pitchFamily="34" charset="0"/>
+                <a:cs typeface="Segoe UI" pitchFamily="34" charset="0"/>
+              </a:endParaRPr>
+            </a:p>
+          </p:txBody>
+        </p:sp>
+      </p:grpSp>
+      <p:grpSp>
+        <p:nvGrpSpPr>
+          <p:cNvPr id="4" name="Группа 3"/>
+          <p:cNvGrpSpPr/>
+          <p:nvPr/>
+        </p:nvGrpSpPr>
+        <p:grpSpPr>
+          <a:xfrm>
+            <a:off x="3784282" y="4792642"/>
+            <a:ext cx="1149354" cy="230832"/>
+            <a:chOff x="3784282" y="4792642"/>
+            <a:chExt cx="1149354" cy="230832"/>
+          </a:xfrm>
+        </p:grpSpPr>
+        <p:sp>
+          <p:nvSpPr>
+            <p:cNvPr id="116" name="Content"/>
+            <p:cNvSpPr txBox="1"/>
+            <p:nvPr/>
+          </p:nvSpPr>
+          <p:spPr>
+            <a:xfrm>
+              <a:off x="3784282" y="4792642"/>
+              <a:ext cx="1149354" cy="230832"/>
+            </a:xfrm>
+            <a:prstGeom prst="rect">
+              <a:avLst/>
+            </a:prstGeom>
+            <a:noFill/>
+          </p:spPr>
+          <p:txBody>
+            <a:bodyPr wrap="none" lIns="164592" tIns="18288" rIns="45720" bIns="27432" rtlCol="0" anchor="ctr" anchorCtr="0">
+              <a:spAutoFit/>
+            </a:bodyPr>
+            <a:lstStyle/>
+            <a:p>
+              <a:r>
+                <a:rPr lang="ru-RU" sz="1200" dirty="0" smtClean="0">
+                  <a:latin typeface="Segoe UI" pitchFamily="34" charset="0"/>
+                  <a:ea typeface="Segoe UI" pitchFamily="34" charset="0"/>
+                  <a:cs typeface="Segoe UI" pitchFamily="34" charset="0"/>
+                </a:rPr>
+                <a:t>Товар/услугу </a:t>
+              </a:r>
+              <a:endParaRPr lang="en-US" sz="1200" dirty="0">
+                <a:latin typeface="Segoe UI" pitchFamily="34" charset="0"/>
+                <a:ea typeface="Segoe UI" pitchFamily="34" charset="0"/>
+                <a:cs typeface="Segoe UI" pitchFamily="34" charset="0"/>
+              </a:endParaRPr>
+            </a:p>
+          </p:txBody>
+        </p:sp>
+        <p:grpSp>
+          <p:nvGrpSpPr>
+            <p:cNvPr id="120" name="Group 3"/>
+            <p:cNvGrpSpPr/>
+            <p:nvPr/>
+          </p:nvGrpSpPr>
+          <p:grpSpPr>
+            <a:xfrm>
+              <a:off x="3789028" y="4848097"/>
+              <a:ext cx="119960" cy="119922"/>
+              <a:chOff x="4356895" y="3374807"/>
+              <a:chExt cx="119960" cy="119922"/>
+            </a:xfrm>
+          </p:grpSpPr>
+          <p:sp>
+            <p:nvSpPr>
+              <p:cNvPr id="121" name="Circle"/>
+              <p:cNvSpPr/>
+              <p:nvPr/>
+            </p:nvSpPr>
+            <p:spPr>
+              <a:xfrm>
+                <a:off x="4356895" y="3374807"/>
+                <a:ext cx="119960" cy="119922"/>
+              </a:xfrm>
+              <a:prstGeom prst="ellipse">
+                <a:avLst/>
+              </a:prstGeom>
+              <a:solidFill>
+                <a:srgbClr val="FFFFFF"/>
+              </a:solidFill>
+              <a:ln w="3175">
+                <a:solidFill>
+                  <a:srgbClr val="FFFFFF">
+                    <a:lumMod val="50000"/>
+                  </a:srgbClr>
+                </a:solidFill>
+              </a:ln>
+              <a:effectLst/>
+            </p:spPr>
+            <p:style>
+              <a:lnRef idx="2">
+                <a:srgbClr val="4F81BD">
+                  <a:shade val="50000"/>
+                </a:srgbClr>
+              </a:lnRef>
+              <a:fillRef idx="1">
+                <a:srgbClr val="4F81BD"/>
+              </a:fillRef>
+              <a:effectRef idx="0">
+                <a:srgbClr val="4F81BD"/>
+              </a:effectRef>
+              <a:fontRef idx="minor">
+                <a:srgbClr val="000000"/>
+              </a:fontRef>
+            </p:style>
+            <p:txBody>
+              <a:bodyPr rtlCol="0" anchor="ctr"/>
+              <a:lstStyle/>
+              <a:p>
+                <a:pPr algn="ctr"/>
+                <a:endParaRPr lang="en-US" dirty="0"/>
+              </a:p>
+            </p:txBody>
+          </p:sp>
+          <p:sp>
+            <p:nvSpPr>
+              <p:cNvPr id="122" name="InnerCircle"/>
+              <p:cNvSpPr/>
+              <p:nvPr/>
+            </p:nvSpPr>
+            <p:spPr>
+              <a:xfrm>
+                <a:off x="4390432" y="3407093"/>
+                <a:ext cx="58189" cy="58190"/>
+              </a:xfrm>
+              <a:prstGeom prst="ellipse">
+                <a:avLst/>
+              </a:prstGeom>
+              <a:solidFill>
+                <a:srgbClr val="FFFFFF">
+                  <a:lumMod val="50000"/>
+                </a:srgbClr>
+              </a:solidFill>
+              <a:ln>
+                <a:noFill/>
+              </a:ln>
+            </p:spPr>
+            <p:style>
+              <a:lnRef idx="2">
+                <a:srgbClr val="4F81BD">
+                  <a:shade val="50000"/>
+                </a:srgbClr>
+              </a:lnRef>
+              <a:fillRef idx="1">
+                <a:srgbClr val="4F81BD"/>
+              </a:fillRef>
+              <a:effectRef idx="0">
+                <a:srgbClr val="4F81BD"/>
+              </a:effectRef>
+              <a:fontRef idx="minor">
+                <a:srgbClr val="000000"/>
+              </a:fontRef>
+            </p:style>
+            <p:txBody>
+              <a:bodyPr rtlCol="0" anchor="ctr"/>
+              <a:lstStyle/>
+              <a:p>
+                <a:pPr algn="ctr"/>
+                <a:endParaRPr lang="en-US" dirty="0"/>
+              </a:p>
+            </p:txBody>
+          </p:sp>
+        </p:grpSp>
+      </p:grpSp>
+      <p:sp>
+        <p:nvSpPr>
+          <p:cNvPr id="129" name="Content"/>
+          <p:cNvSpPr txBox="1"/>
+          <p:nvPr>
+            <p:custDataLst>
+              <p:custData r:id="rId35"/>
+            </p:custDataLst>
+          </p:nvPr>
+        </p:nvSpPr>
+        <p:spPr>
+          <a:xfrm>
+            <a:off x="3687813" y="5342242"/>
+            <a:ext cx="1119153" cy="230832"/>
+          </a:xfrm>
+          <a:prstGeom prst="rect">
+            <a:avLst/>
+          </a:prstGeom>
+          <a:noFill/>
+        </p:spPr>
+        <p:txBody>
+          <a:bodyPr wrap="none" lIns="91440" tIns="18288" rIns="91440" bIns="27432" rtlCol="0" anchor="ctr" anchorCtr="0">
+            <a:spAutoFit/>
+          </a:bodyPr>
+          <a:lstStyle/>
+          <a:p>
+            <a:r>
+              <a:rPr lang="ru-RU" sz="1200" dirty="0" smtClean="0">
+                <a:solidFill>
+                  <a:srgbClr val="000000"/>
+                </a:solidFill>
+                <a:latin typeface="Segoe UI" pitchFamily="34" charset="0"/>
+                <a:ea typeface="Segoe UI" pitchFamily="34" charset="0"/>
+                <a:cs typeface="Segoe UI" pitchFamily="34" charset="0"/>
+              </a:rPr>
+              <a:t>Товар/Услуга</a:t>
+            </a:r>
+            <a:r>
+              <a:rPr lang="en-US" sz="1200" dirty="0" smtClean="0">
+                <a:solidFill>
+                  <a:srgbClr val="000000"/>
+                </a:solidFill>
+                <a:latin typeface="Segoe UI" pitchFamily="34" charset="0"/>
+                <a:ea typeface="Segoe UI" pitchFamily="34" charset="0"/>
+                <a:cs typeface="Segoe UI" pitchFamily="34" charset="0"/>
+              </a:rPr>
+              <a:t>:</a:t>
+            </a:r>
+            <a:endParaRPr lang="en-US" sz="1200" dirty="0" smtClean="0">
+              <a:solidFill>
+                <a:srgbClr val="000000"/>
+              </a:solidFill>
+              <a:latin typeface="Segoe UI" pitchFamily="34" charset="0"/>
+              <a:ea typeface="Segoe UI" pitchFamily="34" charset="0"/>
+              <a:cs typeface="Segoe UI" pitchFamily="34" charset="0"/>
+            </a:endParaRPr>
+          </a:p>
+        </p:txBody>
+      </p:sp>
+      <p:sp>
+        <p:nvSpPr>
+          <p:cNvPr id="130" name="Content"/>
+          <p:cNvSpPr/>
+          <p:nvPr>
+            <p:custDataLst>
+              <p:custData r:id="rId36"/>
+            </p:custDataLst>
+          </p:nvPr>
+        </p:nvSpPr>
+        <p:spPr>
+          <a:xfrm>
+            <a:off x="3765912" y="5705802"/>
+            <a:ext cx="2230428" cy="818516"/>
+          </a:xfrm>
+          <a:prstGeom prst="rect">
+            <a:avLst/>
+          </a:prstGeom>
+          <a:solidFill>
+            <a:sysClr val="window" lastClr="FFFFFF"/>
+          </a:solidFill>
+          <a:ln w="3175">
+            <a:solidFill>
+              <a:srgbClr val="000000">
+                <a:lumMod val="50000"/>
+                <a:lumOff val="50000"/>
+              </a:srgbClr>
+            </a:solidFill>
+          </a:ln>
+          <a:effectLst/>
+        </p:spPr>
+        <p:style>
+          <a:lnRef idx="2">
+            <a:srgbClr val="4F81BD">
+              <a:shade val="50000"/>
+            </a:srgbClr>
+          </a:lnRef>
+          <a:fillRef idx="1">
+            <a:srgbClr val="4F81BD"/>
+          </a:fillRef>
+          <a:effectRef idx="0">
+            <a:srgbClr val="4F81BD"/>
+          </a:effectRef>
+          <a:fontRef idx="minor">
+            <a:srgbClr val="000000"/>
+          </a:fontRef>
+        </p:style>
+        <p:txBody>
+          <a:bodyPr lIns="45720" tIns="27432" rIns="0" bIns="0" rtlCol="0" anchor="t" anchorCtr="0"/>
+          <a:lstStyle/>
+          <a:p>
+            <a:r>
+              <a:rPr lang="ru-RU" sz="1200" dirty="0" smtClean="0">
+                <a:solidFill>
+                  <a:schemeClr val="bg1">
+                    <a:lumMod val="75000"/>
+                  </a:schemeClr>
+                </a:solidFill>
+                <a:latin typeface="Segoe UI" pitchFamily="34" charset="0"/>
+                <a:cs typeface="Segoe UI" pitchFamily="34" charset="0"/>
+              </a:rPr>
+              <a:t>Введите комментарий</a:t>
+            </a:r>
+            <a:endParaRPr lang="en-US" sz="1200" dirty="0" smtClean="0">
+              <a:solidFill>
+                <a:schemeClr val="bg1">
+                  <a:lumMod val="75000"/>
+                </a:schemeClr>
+              </a:solidFill>
+              <a:latin typeface="Segoe UI" pitchFamily="34" charset="0"/>
+              <a:cs typeface="Segoe UI" pitchFamily="34" charset="0"/>
+            </a:endParaRPr>
+          </a:p>
+        </p:txBody>
+      </p:sp>
+      <p:sp>
+        <p:nvSpPr>
+          <p:cNvPr id="131" name="ActiveTab"/>
+          <p:cNvSpPr txBox="1"/>
+          <p:nvPr/>
+        </p:nvSpPr>
+        <p:spPr>
+          <a:xfrm>
+            <a:off x="3737853" y="4451027"/>
+            <a:ext cx="992194" cy="258149"/>
+          </a:xfrm>
+          <a:prstGeom prst="rect">
+            <a:avLst/>
+          </a:prstGeom>
+          <a:solidFill>
+            <a:srgbClr val="FFFFFF"/>
+          </a:solidFill>
+          <a:ln w="3175">
+            <a:noFill/>
+          </a:ln>
+        </p:spPr>
+        <p:txBody>
+          <a:bodyPr vertOverflow="ellipsis" lIns="0" tIns="18288" rIns="45720" rtlCol="0">
+            <a:noAutofit/>
+          </a:bodyPr>
+          <a:lstStyle/>
+          <a:p>
+            <a:pPr algn="ctr"/>
+            <a:r>
+              <a:rPr lang="ru-RU" sz="1200" dirty="0" smtClean="0">
+                <a:latin typeface="Segoe UI" pitchFamily="34" charset="0"/>
+                <a:ea typeface="Segoe UI" pitchFamily="34" charset="0"/>
+                <a:cs typeface="Segoe UI" pitchFamily="34" charset="0"/>
+              </a:rPr>
+              <a:t>Предложить</a:t>
+            </a:r>
+            <a:endParaRPr lang="en-US" sz="1200" dirty="0">
+              <a:latin typeface="Segoe UI" pitchFamily="34" charset="0"/>
+              <a:ea typeface="Segoe UI" pitchFamily="34" charset="0"/>
+              <a:cs typeface="Segoe UI" pitchFamily="34" charset="0"/>
+            </a:endParaRPr>
+          </a:p>
+        </p:txBody>
+      </p:sp>
+      <p:sp>
+        <p:nvSpPr>
+          <p:cNvPr id="132" name="Content"/>
+          <p:cNvSpPr/>
+          <p:nvPr>
+            <p:custDataLst>
+              <p:custData r:id="rId37"/>
+            </p:custDataLst>
+          </p:nvPr>
+        </p:nvSpPr>
+        <p:spPr>
+          <a:xfrm>
+            <a:off x="4776238" y="5344474"/>
+            <a:ext cx="1220102" cy="228600"/>
+          </a:xfrm>
+          <a:prstGeom prst="rect">
+            <a:avLst/>
+          </a:prstGeom>
+          <a:solidFill>
+            <a:sysClr val="window" lastClr="FFFFFF"/>
+          </a:solidFill>
+          <a:ln w="3175">
+            <a:solidFill>
+              <a:srgbClr val="000000">
+                <a:lumMod val="50000"/>
+                <a:lumOff val="50000"/>
+              </a:srgbClr>
+            </a:solidFill>
+          </a:ln>
+          <a:effectLst/>
+        </p:spPr>
+        <p:style>
+          <a:lnRef idx="2">
+            <a:srgbClr val="4F81BD">
+              <a:shade val="50000"/>
+            </a:srgbClr>
+          </a:lnRef>
+          <a:fillRef idx="1">
+            <a:srgbClr val="4F81BD"/>
+          </a:fillRef>
+          <a:effectRef idx="0">
+            <a:srgbClr val="4F81BD"/>
+          </a:effectRef>
+          <a:fontRef idx="minor">
+            <a:srgbClr val="000000"/>
+          </a:fontRef>
+        </p:style>
+        <p:txBody>
+          <a:bodyPr wrap="none" lIns="45720" tIns="18288" rIns="45720" bIns="18288" rtlCol="0" anchor="ctr">
+            <a:noAutofit/>
+          </a:bodyPr>
+          <a:lstStyle/>
+          <a:p>
+            <a:r>
+              <a:rPr lang="ru-RU" sz="1200" dirty="0" smtClean="0">
+                <a:solidFill>
+                  <a:srgbClr val="000000"/>
+                </a:solidFill>
+                <a:latin typeface="Segoe UI" pitchFamily="34" charset="0"/>
+                <a:cs typeface="Segoe UI" pitchFamily="34" charset="0"/>
+              </a:rPr>
+              <a:t>Выгул собаки</a:t>
+            </a:r>
+            <a:endParaRPr lang="en-US" sz="1200" dirty="0">
+              <a:solidFill>
+                <a:srgbClr val="000000"/>
+              </a:solidFill>
+              <a:latin typeface="Segoe UI" pitchFamily="34" charset="0"/>
+              <a:cs typeface="Segoe UI" pitchFamily="34" charset="0"/>
+            </a:endParaRPr>
+          </a:p>
+        </p:txBody>
+      </p:sp>
+      <p:sp>
+        <p:nvSpPr>
+          <p:cNvPr id="133" name="Content"/>
+          <p:cNvSpPr/>
+          <p:nvPr>
+            <p:custDataLst>
+              <p:custData r:id="rId38"/>
+            </p:custDataLst>
+          </p:nvPr>
+        </p:nvSpPr>
+        <p:spPr>
+          <a:xfrm>
+            <a:off x="3774534" y="6660232"/>
+            <a:ext cx="1106592" cy="228600"/>
+          </a:xfrm>
+          <a:prstGeom prst="roundRect">
+            <a:avLst/>
+          </a:prstGeom>
+          <a:solidFill>
+            <a:srgbClr val="FFFFFF">
+              <a:lumMod val="95000"/>
+            </a:srgbClr>
+          </a:solidFill>
+          <a:ln w="3175">
+            <a:solidFill>
+              <a:srgbClr val="000000">
+                <a:lumMod val="50000"/>
+                <a:lumOff val="50000"/>
+              </a:srgbClr>
+            </a:solidFill>
+          </a:ln>
+          <a:effectLst/>
+        </p:spPr>
+        <p:style>
+          <a:lnRef idx="2">
+            <a:srgbClr val="4F81BD">
+              <a:shade val="50000"/>
+            </a:srgbClr>
+          </a:lnRef>
+          <a:fillRef idx="1">
+            <a:srgbClr val="4F81BD"/>
+          </a:fillRef>
+          <a:effectRef idx="0">
+            <a:srgbClr val="4F81BD"/>
+          </a:effectRef>
+          <a:fontRef idx="minor">
+            <a:srgbClr val="000000"/>
+          </a:fontRef>
+        </p:style>
+        <p:txBody>
+          <a:bodyPr wrap="square" lIns="91440" tIns="0" rIns="91440" bIns="9144" rtlCol="0" anchor="ctr">
+            <a:noAutofit/>
+          </a:bodyPr>
+          <a:lstStyle/>
+          <a:p>
+            <a:pPr algn="ctr"/>
+            <a:r>
+              <a:rPr lang="ru-RU" sz="1200" dirty="0" smtClean="0">
+                <a:latin typeface="Segoe UI" pitchFamily="34" charset="0"/>
+                <a:cs typeface="Segoe UI" pitchFamily="34" charset="0"/>
+              </a:rPr>
+              <a:t>Отправить</a:t>
+            </a:r>
+            <a:endParaRPr lang="en-US" sz="1200" dirty="0">
+              <a:solidFill>
+                <a:srgbClr val="000000"/>
+              </a:solidFill>
+              <a:latin typeface="Segoe UI" pitchFamily="34" charset="0"/>
+              <a:cs typeface="Segoe UI" pitchFamily="34" charset="0"/>
+            </a:endParaRPr>
+          </a:p>
+        </p:txBody>
+      </p:sp>
+      <p:sp>
+        <p:nvSpPr>
+          <p:cNvPr id="134" name="Content"/>
+          <p:cNvSpPr/>
+          <p:nvPr>
+            <p:custDataLst>
+              <p:custData r:id="rId39"/>
+            </p:custDataLst>
+          </p:nvPr>
+        </p:nvSpPr>
+        <p:spPr>
+          <a:xfrm>
+            <a:off x="544251" y="6660232"/>
+            <a:ext cx="1106592" cy="228600"/>
+          </a:xfrm>
+          <a:prstGeom prst="roundRect">
+            <a:avLst/>
+          </a:prstGeom>
+          <a:solidFill>
+            <a:srgbClr val="FFFFFF">
+              <a:lumMod val="95000"/>
+            </a:srgbClr>
+          </a:solidFill>
+          <a:ln w="3175">
+            <a:solidFill>
+              <a:srgbClr val="000000">
+                <a:lumMod val="50000"/>
+                <a:lumOff val="50000"/>
+              </a:srgbClr>
+            </a:solidFill>
+          </a:ln>
+          <a:effectLst/>
+        </p:spPr>
+        <p:style>
+          <a:lnRef idx="2">
+            <a:srgbClr val="4F81BD">
+              <a:shade val="50000"/>
+            </a:srgbClr>
+          </a:lnRef>
+          <a:fillRef idx="1">
+            <a:srgbClr val="4F81BD"/>
+          </a:fillRef>
+          <a:effectRef idx="0">
+            <a:srgbClr val="4F81BD"/>
+          </a:effectRef>
+          <a:fontRef idx="minor">
+            <a:srgbClr val="000000"/>
+          </a:fontRef>
+        </p:style>
+        <p:txBody>
+          <a:bodyPr wrap="square" lIns="91440" tIns="0" rIns="91440" bIns="9144" rtlCol="0" anchor="ctr">
+            <a:noAutofit/>
+          </a:bodyPr>
+          <a:lstStyle/>
+          <a:p>
+            <a:pPr algn="ctr"/>
+            <a:r>
+              <a:rPr lang="ru-RU" sz="1200" dirty="0" smtClean="0">
+                <a:solidFill>
+                  <a:srgbClr val="000000"/>
+                </a:solidFill>
+                <a:latin typeface="Segoe UI" pitchFamily="34" charset="0"/>
+                <a:cs typeface="Segoe UI" pitchFamily="34" charset="0"/>
+              </a:rPr>
+              <a:t>Отправить</a:t>
+            </a:r>
+            <a:endParaRPr lang="en-US" sz="1200" dirty="0">
+              <a:solidFill>
+                <a:srgbClr val="000000"/>
+              </a:solidFill>
+              <a:latin typeface="Segoe UI" pitchFamily="34" charset="0"/>
+              <a:cs typeface="Segoe UI" pitchFamily="34" charset="0"/>
+            </a:endParaRPr>
+          </a:p>
+        </p:txBody>
+      </p:sp>
+    </p:spTree>
+    <p:extLst>
+      <p:ext uri="{BB962C8B-B14F-4D97-AF65-F5344CB8AC3E}">
+        <p14:creationId xmlns:p14="http://schemas.microsoft.com/office/powerpoint/2010/main" val="3972598038"/>
+      </p:ext>
+    </p:extLst>
+  </p:cSld>
+  <p:clrMapOvr>
+    <a:masterClrMapping/>
+  </p:clrMapOvr>
+  <p:timing>
+    <p:tnLst>
+      <p:par>
+        <p:cTn id="1" dur="indefinite" restart="never" nodeType="tmRoot"/>
+      </p:par>
+    </p:tnLst>
+  </p:timing>
+</p:sld>
+</file>
+
+<file path=ppt/slides/slide3.xml><?xml version="1.0" encoding="utf-8"?>
+<p:sld xmlns:a="http://schemas.openxmlformats.org/drawingml/2006/main" xmlns:r="http://schemas.openxmlformats.org/officeDocument/2006/relationships" xmlns:p="http://schemas.openxmlformats.org/presentationml/2006/main">
+  <p:cSld>
+    <p:spTree>
+      <p:nvGrpSpPr>
+        <p:cNvPr id="1" name=""/>
+        <p:cNvGrpSpPr/>
+        <p:nvPr/>
+      </p:nvGrpSpPr>
+      <p:grpSpPr>
+        <a:xfrm>
+          <a:off x="0" y="0"/>
+          <a:ext cx="0" cy="0"/>
+          <a:chOff x="0" y="0"/>
+          <a:chExt cx="0" cy="0"/>
+        </a:xfrm>
+      </p:grpSpPr>
+      <p:pic>
+        <p:nvPicPr>
+          <p:cNvPr id="5" name="Picture 2" descr="C:\Users\t-dantay\Documents\Placeholders\user.png"/>
+          <p:cNvPicPr>
+            <a:picLocks noChangeAspect="1" noChangeArrowheads="1"/>
+          </p:cNvPicPr>
+          <p:nvPr>
+            <p:custDataLst>
+              <p:custData r:id="rId1"/>
+            </p:custDataLst>
+          </p:nvPr>
+        </p:nvPicPr>
+        <p:blipFill>
+          <a:blip r:embed="rId13" cstate="print">
+            <a:extLst>
+              <a:ext uri="{28A0092B-C50C-407E-A947-70E740481C1C}">
+                <a14:useLocalDpi xmlns:a14="http://schemas.microsoft.com/office/drawing/2010/main" val="0"/>
+              </a:ext>
+            </a:extLst>
+          </a:blip>
+          <a:srcRect/>
+          <a:stretch>
+            <a:fillRect/>
+          </a:stretch>
+        </p:blipFill>
+        <p:spPr bwMode="auto">
+          <a:xfrm>
+            <a:off x="768212" y="959023"/>
+            <a:ext cx="264299" cy="289077"/>
+          </a:xfrm>
+          <a:prstGeom prst="rect">
+            <a:avLst/>
+          </a:prstGeom>
+          <a:noFill/>
+          <a:extLst>
+            <a:ext uri="{909E8E84-426E-40DD-AFC4-6F175D3DCCD1}">
+              <a14:hiddenFill xmlns:a14="http://schemas.microsoft.com/office/drawing/2010/main">
+                <a:solidFill>
+                  <a:srgbClr val="FFFFFF"/>
+                </a:solidFill>
+              </a14:hiddenFill>
+            </a:ext>
+          </a:extLst>
+        </p:spPr>
+      </p:pic>
+      <p:sp>
+        <p:nvSpPr>
+          <p:cNvPr id="9" name="Прямоугольник 8"/>
+          <p:cNvSpPr/>
+          <p:nvPr/>
+        </p:nvSpPr>
+        <p:spPr>
+          <a:xfrm>
+            <a:off x="548679" y="611560"/>
+            <a:ext cx="701469" cy="1092696"/>
+          </a:xfrm>
+          <a:prstGeom prst="rect">
+            <a:avLst/>
+          </a:prstGeom>
+          <a:noFill/>
+          <a:ln w="9525">
+            <a:solidFill>
+              <a:schemeClr val="bg1">
+                <a:lumMod val="50000"/>
+              </a:schemeClr>
+            </a:solidFill>
+          </a:ln>
+        </p:spPr>
+        <p:style>
+          <a:lnRef idx="2">
+            <a:schemeClr val="accent1">
+              <a:shade val="50000"/>
+            </a:schemeClr>
+          </a:lnRef>
+          <a:fillRef idx="1">
+            <a:schemeClr val="accent1"/>
+          </a:fillRef>
+          <a:effectRef idx="0">
+            <a:schemeClr val="accent1"/>
+          </a:effectRef>
+          <a:fontRef idx="minor">
+            <a:schemeClr val="lt1"/>
+          </a:fontRef>
+        </p:style>
+        <p:txBody>
+          <a:bodyPr rtlCol="0" anchor="ctr"/>
+          <a:lstStyle/>
+          <a:p>
+            <a:pPr algn="ctr"/>
+            <a:endParaRPr lang="ru-RU"/>
+          </a:p>
+        </p:txBody>
+      </p:sp>
+      <p:sp>
+        <p:nvSpPr>
+          <p:cNvPr id="10" name="Content"/>
+          <p:cNvSpPr txBox="1"/>
+          <p:nvPr>
+            <p:custDataLst>
+              <p:custData r:id="rId2"/>
+            </p:custDataLst>
+          </p:nvPr>
+        </p:nvSpPr>
+        <p:spPr>
+          <a:xfrm>
+            <a:off x="1228502" y="584200"/>
+            <a:ext cx="559769" cy="230832"/>
+          </a:xfrm>
+          <a:prstGeom prst="rect">
+            <a:avLst/>
+          </a:prstGeom>
+          <a:noFill/>
+        </p:spPr>
+        <p:txBody>
+          <a:bodyPr wrap="none" lIns="91440" tIns="18288" rIns="91440" bIns="27432" rtlCol="0" anchor="ctr" anchorCtr="0">
+            <a:spAutoFit/>
+          </a:bodyPr>
+          <a:lstStyle/>
+          <a:p>
+            <a:r>
+              <a:rPr lang="ru-RU" sz="1200" dirty="0" smtClean="0">
+                <a:solidFill>
+                  <a:srgbClr val="000000"/>
+                </a:solidFill>
+                <a:latin typeface="Segoe UI" pitchFamily="34" charset="0"/>
+                <a:ea typeface="Segoe UI" pitchFamily="34" charset="0"/>
+                <a:cs typeface="Segoe UI" pitchFamily="34" charset="0"/>
+              </a:rPr>
+              <a:t>Имя</a:t>
+            </a:r>
+            <a:r>
+              <a:rPr lang="en-US" sz="1200" dirty="0" smtClean="0">
+                <a:solidFill>
+                  <a:srgbClr val="000000"/>
+                </a:solidFill>
+                <a:latin typeface="Segoe UI" pitchFamily="34" charset="0"/>
+                <a:ea typeface="Segoe UI" pitchFamily="34" charset="0"/>
+                <a:cs typeface="Segoe UI" pitchFamily="34" charset="0"/>
+              </a:rPr>
+              <a:t>:</a:t>
+            </a:r>
+            <a:r>
+              <a:rPr lang="ru-RU" sz="1200" dirty="0" smtClean="0">
+                <a:solidFill>
+                  <a:srgbClr val="000000"/>
+                </a:solidFill>
+                <a:latin typeface="Segoe UI" pitchFamily="34" charset="0"/>
+                <a:ea typeface="Segoe UI" pitchFamily="34" charset="0"/>
+                <a:cs typeface="Segoe UI" pitchFamily="34" charset="0"/>
+              </a:rPr>
+              <a:t> </a:t>
+            </a:r>
+            <a:endParaRPr lang="en-US" sz="1200" dirty="0" smtClean="0">
+              <a:solidFill>
+                <a:srgbClr val="000000"/>
+              </a:solidFill>
+              <a:latin typeface="Segoe UI" pitchFamily="34" charset="0"/>
+              <a:ea typeface="Segoe UI" pitchFamily="34" charset="0"/>
+              <a:cs typeface="Segoe UI" pitchFamily="34" charset="0"/>
+            </a:endParaRPr>
+          </a:p>
+        </p:txBody>
+      </p:sp>
+      <p:sp>
+        <p:nvSpPr>
+          <p:cNvPr id="11" name="Content"/>
+          <p:cNvSpPr txBox="1"/>
+          <p:nvPr>
+            <p:custDataLst>
+              <p:custData r:id="rId3"/>
+            </p:custDataLst>
+          </p:nvPr>
+        </p:nvSpPr>
+        <p:spPr>
+          <a:xfrm>
+            <a:off x="1227836" y="868562"/>
+            <a:ext cx="852862" cy="230832"/>
+          </a:xfrm>
+          <a:prstGeom prst="rect">
+            <a:avLst/>
+          </a:prstGeom>
+          <a:noFill/>
+        </p:spPr>
+        <p:txBody>
+          <a:bodyPr wrap="none" lIns="91440" tIns="18288" rIns="91440" bIns="27432" rtlCol="0" anchor="ctr" anchorCtr="0">
+            <a:spAutoFit/>
+          </a:bodyPr>
+          <a:lstStyle/>
+          <a:p>
+            <a:r>
+              <a:rPr lang="ru-RU" sz="1200" dirty="0" smtClean="0">
+                <a:solidFill>
+                  <a:srgbClr val="000000"/>
+                </a:solidFill>
+                <a:latin typeface="Segoe UI" pitchFamily="34" charset="0"/>
+                <a:ea typeface="Segoe UI" pitchFamily="34" charset="0"/>
+                <a:cs typeface="Segoe UI" pitchFamily="34" charset="0"/>
+              </a:rPr>
+              <a:t>Фамилия</a:t>
+            </a:r>
+            <a:r>
+              <a:rPr lang="en-US" sz="1200" dirty="0" smtClean="0">
+                <a:solidFill>
+                  <a:srgbClr val="000000"/>
+                </a:solidFill>
+                <a:latin typeface="Segoe UI" pitchFamily="34" charset="0"/>
+                <a:ea typeface="Segoe UI" pitchFamily="34" charset="0"/>
+                <a:cs typeface="Segoe UI" pitchFamily="34" charset="0"/>
+              </a:rPr>
+              <a:t>:</a:t>
+            </a:r>
+            <a:endParaRPr lang="en-US" sz="1200" dirty="0" smtClean="0">
+              <a:solidFill>
+                <a:srgbClr val="000000"/>
+              </a:solidFill>
+              <a:latin typeface="Segoe UI" pitchFamily="34" charset="0"/>
+              <a:ea typeface="Segoe UI" pitchFamily="34" charset="0"/>
+              <a:cs typeface="Segoe UI" pitchFamily="34" charset="0"/>
+            </a:endParaRPr>
+          </a:p>
+        </p:txBody>
+      </p:sp>
+      <p:sp>
+        <p:nvSpPr>
+          <p:cNvPr id="17" name="Content"/>
+          <p:cNvSpPr/>
+          <p:nvPr>
+            <p:custDataLst>
+              <p:custData r:id="rId4"/>
+            </p:custDataLst>
+          </p:nvPr>
+        </p:nvSpPr>
+        <p:spPr>
+          <a:xfrm>
+            <a:off x="2114746" y="586432"/>
+            <a:ext cx="1665661" cy="228600"/>
+          </a:xfrm>
+          <a:prstGeom prst="rect">
+            <a:avLst/>
+          </a:prstGeom>
+          <a:solidFill>
+            <a:sysClr val="window" lastClr="FFFFFF"/>
+          </a:solidFill>
+          <a:ln w="3175">
+            <a:solidFill>
+              <a:srgbClr val="000000">
+                <a:lumMod val="50000"/>
+                <a:lumOff val="50000"/>
+              </a:srgbClr>
+            </a:solidFill>
+          </a:ln>
+          <a:effectLst/>
+        </p:spPr>
+        <p:style>
+          <a:lnRef idx="2">
+            <a:srgbClr val="4F81BD">
+              <a:shade val="50000"/>
+            </a:srgbClr>
+          </a:lnRef>
+          <a:fillRef idx="1">
+            <a:srgbClr val="4F81BD"/>
+          </a:fillRef>
+          <a:effectRef idx="0">
+            <a:srgbClr val="4F81BD"/>
+          </a:effectRef>
+          <a:fontRef idx="minor">
+            <a:srgbClr val="000000"/>
+          </a:fontRef>
+        </p:style>
+        <p:txBody>
+          <a:bodyPr wrap="none" lIns="45720" tIns="18288" rIns="45720" bIns="18288" rtlCol="0" anchor="ctr">
+            <a:noAutofit/>
+          </a:bodyPr>
+          <a:lstStyle/>
+          <a:p>
+            <a:r>
+              <a:rPr lang="ru-RU" sz="1200" dirty="0" smtClean="0">
+                <a:latin typeface="Segoe UI" pitchFamily="34" charset="0"/>
+                <a:ea typeface="Segoe UI" pitchFamily="34" charset="0"/>
+                <a:cs typeface="Segoe UI" pitchFamily="34" charset="0"/>
+              </a:rPr>
+              <a:t>Давид</a:t>
+            </a:r>
+            <a:endParaRPr lang="en-US" sz="1200" dirty="0">
+              <a:latin typeface="Segoe UI" pitchFamily="34" charset="0"/>
+              <a:ea typeface="Segoe UI" pitchFamily="34" charset="0"/>
+              <a:cs typeface="Segoe UI" pitchFamily="34" charset="0"/>
+            </a:endParaRPr>
+          </a:p>
+        </p:txBody>
+      </p:sp>
+      <p:sp>
+        <p:nvSpPr>
+          <p:cNvPr id="18" name="Content"/>
+          <p:cNvSpPr/>
+          <p:nvPr>
+            <p:custDataLst>
+              <p:custData r:id="rId5"/>
+            </p:custDataLst>
+          </p:nvPr>
+        </p:nvSpPr>
+        <p:spPr>
+          <a:xfrm>
+            <a:off x="2106114" y="870794"/>
+            <a:ext cx="1674293" cy="228600"/>
+          </a:xfrm>
+          <a:prstGeom prst="rect">
+            <a:avLst/>
+          </a:prstGeom>
+          <a:solidFill>
+            <a:sysClr val="window" lastClr="FFFFFF"/>
+          </a:solidFill>
+          <a:ln w="3175">
+            <a:solidFill>
+              <a:srgbClr val="000000">
+                <a:lumMod val="50000"/>
+                <a:lumOff val="50000"/>
+              </a:srgbClr>
+            </a:solidFill>
+          </a:ln>
+          <a:effectLst/>
+        </p:spPr>
+        <p:style>
+          <a:lnRef idx="2">
+            <a:srgbClr val="4F81BD">
+              <a:shade val="50000"/>
+            </a:srgbClr>
+          </a:lnRef>
+          <a:fillRef idx="1">
+            <a:srgbClr val="4F81BD"/>
+          </a:fillRef>
+          <a:effectRef idx="0">
+            <a:srgbClr val="4F81BD"/>
+          </a:effectRef>
+          <a:fontRef idx="minor">
+            <a:srgbClr val="000000"/>
+          </a:fontRef>
+        </p:style>
+        <p:txBody>
+          <a:bodyPr wrap="none" lIns="45720" tIns="18288" rIns="45720" bIns="18288" rtlCol="0" anchor="ctr">
+            <a:noAutofit/>
+          </a:bodyPr>
+          <a:lstStyle/>
+          <a:p>
+            <a:r>
+              <a:rPr lang="ru-RU" sz="1200" dirty="0">
+                <a:latin typeface="Segoe UI" pitchFamily="34" charset="0"/>
+                <a:ea typeface="Segoe UI" pitchFamily="34" charset="0"/>
+                <a:cs typeface="Segoe UI" pitchFamily="34" charset="0"/>
+              </a:rPr>
+              <a:t>Бояров</a:t>
+            </a:r>
+            <a:endParaRPr lang="en-US" sz="1200" dirty="0">
+              <a:latin typeface="Segoe UI" pitchFamily="34" charset="0"/>
+              <a:ea typeface="Segoe UI" pitchFamily="34" charset="0"/>
+              <a:cs typeface="Segoe UI" pitchFamily="34" charset="0"/>
+            </a:endParaRPr>
+          </a:p>
+        </p:txBody>
+      </p:sp>
+      <p:sp>
+        <p:nvSpPr>
+          <p:cNvPr id="20" name="Content"/>
+          <p:cNvSpPr/>
+          <p:nvPr>
+            <p:custDataLst>
+              <p:custData r:id="rId6"/>
+            </p:custDataLst>
+          </p:nvPr>
+        </p:nvSpPr>
+        <p:spPr>
+          <a:xfrm>
+            <a:off x="2106114" y="1169492"/>
+            <a:ext cx="1674293" cy="228600"/>
+          </a:xfrm>
+          <a:prstGeom prst="rect">
+            <a:avLst/>
+          </a:prstGeom>
+          <a:solidFill>
+            <a:sysClr val="window" lastClr="FFFFFF"/>
+          </a:solidFill>
+          <a:ln w="3175">
+            <a:solidFill>
+              <a:srgbClr val="000000">
+                <a:lumMod val="50000"/>
+                <a:lumOff val="50000"/>
+              </a:srgbClr>
+            </a:solidFill>
+          </a:ln>
+          <a:effectLst/>
+        </p:spPr>
+        <p:style>
+          <a:lnRef idx="2">
+            <a:srgbClr val="4F81BD">
+              <a:shade val="50000"/>
+            </a:srgbClr>
+          </a:lnRef>
+          <a:fillRef idx="1">
+            <a:srgbClr val="4F81BD"/>
+          </a:fillRef>
+          <a:effectRef idx="0">
+            <a:srgbClr val="4F81BD"/>
+          </a:effectRef>
+          <a:fontRef idx="minor">
+            <a:srgbClr val="000000"/>
+          </a:fontRef>
+        </p:style>
+        <p:txBody>
+          <a:bodyPr wrap="none" lIns="45720" tIns="18288" rIns="45720" bIns="18288" rtlCol="0" anchor="ctr">
+            <a:noAutofit/>
+          </a:bodyPr>
+          <a:lstStyle/>
+          <a:p>
+            <a:r>
+              <a:rPr lang="en-US" sz="1200" dirty="0" smtClean="0">
+                <a:latin typeface="Segoe UI" pitchFamily="34" charset="0"/>
+                <a:ea typeface="Segoe UI" pitchFamily="34" charset="0"/>
+                <a:cs typeface="Segoe UI" pitchFamily="34" charset="0"/>
+              </a:rPr>
+              <a:t>boyarovdu@gmail.com</a:t>
+            </a:r>
+            <a:r>
+              <a:rPr lang="ru-RU" sz="1200" dirty="0" smtClean="0">
+                <a:latin typeface="Segoe UI" pitchFamily="34" charset="0"/>
+                <a:ea typeface="Segoe UI" pitchFamily="34" charset="0"/>
+                <a:cs typeface="Segoe UI" pitchFamily="34" charset="0"/>
+              </a:rPr>
+              <a:t> </a:t>
+            </a:r>
+            <a:endParaRPr lang="en-US" sz="1200" dirty="0">
+              <a:latin typeface="Segoe UI" pitchFamily="34" charset="0"/>
+              <a:ea typeface="Segoe UI" pitchFamily="34" charset="0"/>
+              <a:cs typeface="Segoe UI" pitchFamily="34" charset="0"/>
+            </a:endParaRPr>
+          </a:p>
+        </p:txBody>
+      </p:sp>
+      <p:sp>
+        <p:nvSpPr>
+          <p:cNvPr id="21" name="Content"/>
+          <p:cNvSpPr txBox="1"/>
+          <p:nvPr>
+            <p:custDataLst>
+              <p:custData r:id="rId7"/>
+            </p:custDataLst>
+          </p:nvPr>
+        </p:nvSpPr>
+        <p:spPr>
+          <a:xfrm>
+            <a:off x="1240877" y="1169492"/>
+            <a:ext cx="583814" cy="230832"/>
+          </a:xfrm>
+          <a:prstGeom prst="rect">
+            <a:avLst/>
+          </a:prstGeom>
+          <a:noFill/>
+        </p:spPr>
+        <p:txBody>
+          <a:bodyPr wrap="none" lIns="91440" tIns="18288" rIns="91440" bIns="27432" rtlCol="0" anchor="ctr" anchorCtr="0">
+            <a:spAutoFit/>
+          </a:bodyPr>
+          <a:lstStyle/>
+          <a:p>
+            <a:r>
+              <a:rPr lang="en-US" sz="1200" dirty="0" smtClean="0">
+                <a:solidFill>
+                  <a:srgbClr val="000000"/>
+                </a:solidFill>
+                <a:latin typeface="Segoe UI" pitchFamily="34" charset="0"/>
+                <a:ea typeface="Segoe UI" pitchFamily="34" charset="0"/>
+                <a:cs typeface="Segoe UI" pitchFamily="34" charset="0"/>
+              </a:rPr>
+              <a:t>email</a:t>
+            </a:r>
+            <a:r>
+              <a:rPr lang="en-US" sz="1200" dirty="0" smtClean="0">
+                <a:solidFill>
+                  <a:srgbClr val="000000"/>
+                </a:solidFill>
+                <a:latin typeface="Segoe UI" pitchFamily="34" charset="0"/>
+                <a:ea typeface="Segoe UI" pitchFamily="34" charset="0"/>
+                <a:cs typeface="Segoe UI" pitchFamily="34" charset="0"/>
+              </a:rPr>
+              <a:t>:</a:t>
+            </a:r>
+            <a:endParaRPr lang="en-US" sz="1200" dirty="0" smtClean="0">
+              <a:solidFill>
+                <a:srgbClr val="000000"/>
+              </a:solidFill>
+              <a:latin typeface="Segoe UI" pitchFamily="34" charset="0"/>
+              <a:ea typeface="Segoe UI" pitchFamily="34" charset="0"/>
+              <a:cs typeface="Segoe UI" pitchFamily="34" charset="0"/>
+            </a:endParaRPr>
+          </a:p>
+        </p:txBody>
+      </p:sp>
+      <p:sp>
+        <p:nvSpPr>
+          <p:cNvPr id="22" name="Content"/>
+          <p:cNvSpPr/>
+          <p:nvPr>
+            <p:custDataLst>
+              <p:custData r:id="rId8"/>
+            </p:custDataLst>
+          </p:nvPr>
+        </p:nvSpPr>
+        <p:spPr>
+          <a:xfrm>
+            <a:off x="2106114" y="1475656"/>
+            <a:ext cx="1674293" cy="228600"/>
+          </a:xfrm>
+          <a:prstGeom prst="rect">
+            <a:avLst/>
+          </a:prstGeom>
+          <a:solidFill>
+            <a:sysClr val="window" lastClr="FFFFFF"/>
+          </a:solidFill>
+          <a:ln w="3175">
+            <a:solidFill>
+              <a:srgbClr val="000000">
+                <a:lumMod val="50000"/>
+                <a:lumOff val="50000"/>
+              </a:srgbClr>
+            </a:solidFill>
+          </a:ln>
+          <a:effectLst/>
+        </p:spPr>
+        <p:style>
+          <a:lnRef idx="2">
+            <a:srgbClr val="4F81BD">
+              <a:shade val="50000"/>
+            </a:srgbClr>
+          </a:lnRef>
+          <a:fillRef idx="1">
+            <a:srgbClr val="4F81BD"/>
+          </a:fillRef>
+          <a:effectRef idx="0">
+            <a:srgbClr val="4F81BD"/>
+          </a:effectRef>
+          <a:fontRef idx="minor">
+            <a:srgbClr val="000000"/>
+          </a:fontRef>
+        </p:style>
+        <p:txBody>
+          <a:bodyPr wrap="none" lIns="45720" tIns="18288" rIns="45720" bIns="18288" rtlCol="0" anchor="ctr">
+            <a:noAutofit/>
+          </a:bodyPr>
+          <a:lstStyle/>
+          <a:p>
+            <a:r>
+              <a:rPr lang="ru-RU" sz="1200" dirty="0" smtClean="0">
+                <a:latin typeface="Segoe UI" pitchFamily="34" charset="0"/>
+                <a:ea typeface="Segoe UI" pitchFamily="34" charset="0"/>
+                <a:cs typeface="Segoe UI" pitchFamily="34" charset="0"/>
+              </a:rPr>
+              <a:t>(063)101-53-82</a:t>
+            </a:r>
+            <a:endParaRPr lang="en-US" sz="1200" dirty="0">
+              <a:latin typeface="Segoe UI" pitchFamily="34" charset="0"/>
+              <a:ea typeface="Segoe UI" pitchFamily="34" charset="0"/>
+              <a:cs typeface="Segoe UI" pitchFamily="34" charset="0"/>
+            </a:endParaRPr>
+          </a:p>
+        </p:txBody>
+      </p:sp>
+      <p:sp>
+        <p:nvSpPr>
+          <p:cNvPr id="23" name="Content"/>
+          <p:cNvSpPr txBox="1"/>
+          <p:nvPr>
+            <p:custDataLst>
+              <p:custData r:id="rId9"/>
+            </p:custDataLst>
+          </p:nvPr>
+        </p:nvSpPr>
+        <p:spPr>
+          <a:xfrm>
+            <a:off x="1240877" y="1475656"/>
+            <a:ext cx="808235" cy="230832"/>
+          </a:xfrm>
+          <a:prstGeom prst="rect">
+            <a:avLst/>
+          </a:prstGeom>
+          <a:noFill/>
+        </p:spPr>
+        <p:txBody>
+          <a:bodyPr wrap="none" lIns="91440" tIns="18288" rIns="91440" bIns="27432" rtlCol="0" anchor="ctr" anchorCtr="0">
+            <a:spAutoFit/>
+          </a:bodyPr>
+          <a:lstStyle/>
+          <a:p>
+            <a:r>
+              <a:rPr lang="ru-RU" sz="1200" dirty="0" smtClean="0">
+                <a:solidFill>
+                  <a:srgbClr val="000000"/>
+                </a:solidFill>
+                <a:latin typeface="Segoe UI" pitchFamily="34" charset="0"/>
+                <a:ea typeface="Segoe UI" pitchFamily="34" charset="0"/>
+                <a:cs typeface="Segoe UI" pitchFamily="34" charset="0"/>
+              </a:rPr>
+              <a:t>Телефон</a:t>
+            </a:r>
+            <a:r>
+              <a:rPr lang="en-US" sz="1200" dirty="0" smtClean="0">
+                <a:solidFill>
+                  <a:srgbClr val="000000"/>
+                </a:solidFill>
+                <a:latin typeface="Segoe UI" pitchFamily="34" charset="0"/>
+                <a:ea typeface="Segoe UI" pitchFamily="34" charset="0"/>
+                <a:cs typeface="Segoe UI" pitchFamily="34" charset="0"/>
+              </a:rPr>
+              <a:t>:</a:t>
+            </a:r>
+            <a:endParaRPr lang="en-US" sz="1200" dirty="0" smtClean="0">
+              <a:solidFill>
+                <a:srgbClr val="000000"/>
+              </a:solidFill>
+              <a:latin typeface="Segoe UI" pitchFamily="34" charset="0"/>
+              <a:ea typeface="Segoe UI" pitchFamily="34" charset="0"/>
+              <a:cs typeface="Segoe UI" pitchFamily="34" charset="0"/>
+            </a:endParaRPr>
+          </a:p>
+        </p:txBody>
+      </p:sp>
+      <p:sp>
+        <p:nvSpPr>
+          <p:cNvPr id="26" name="Content"/>
+          <p:cNvSpPr/>
+          <p:nvPr>
+            <p:custDataLst>
+              <p:custData r:id="rId10"/>
+            </p:custDataLst>
+          </p:nvPr>
+        </p:nvSpPr>
+        <p:spPr>
+          <a:xfrm>
+            <a:off x="2106114" y="1763688"/>
+            <a:ext cx="1674293" cy="720080"/>
+          </a:xfrm>
+          <a:prstGeom prst="rect">
+            <a:avLst/>
+          </a:prstGeom>
+          <a:solidFill>
+            <a:sysClr val="window" lastClr="FFFFFF"/>
+          </a:solidFill>
+          <a:ln w="3175">
+            <a:solidFill>
+              <a:srgbClr val="000000">
+                <a:lumMod val="50000"/>
+                <a:lumOff val="50000"/>
+              </a:srgbClr>
+            </a:solidFill>
+          </a:ln>
+          <a:effectLst/>
+        </p:spPr>
+        <p:style>
+          <a:lnRef idx="2">
+            <a:srgbClr val="4F81BD">
+              <a:shade val="50000"/>
+            </a:srgbClr>
+          </a:lnRef>
+          <a:fillRef idx="1">
+            <a:srgbClr val="4F81BD"/>
+          </a:fillRef>
+          <a:effectRef idx="0">
+            <a:srgbClr val="4F81BD"/>
+          </a:effectRef>
+          <a:fontRef idx="minor">
+            <a:srgbClr val="000000"/>
+          </a:fontRef>
+        </p:style>
+        <p:txBody>
+          <a:bodyPr wrap="none" lIns="45720" tIns="18288" rIns="45720" bIns="18288" rtlCol="0" anchor="ctr">
+            <a:noAutofit/>
+          </a:bodyPr>
+          <a:lstStyle/>
+          <a:p>
+            <a:endParaRPr lang="en-US" sz="1200" dirty="0">
+              <a:latin typeface="Segoe UI" pitchFamily="34" charset="0"/>
+              <a:ea typeface="Segoe UI" pitchFamily="34" charset="0"/>
+              <a:cs typeface="Segoe UI" pitchFamily="34" charset="0"/>
+            </a:endParaRPr>
+          </a:p>
+        </p:txBody>
+      </p:sp>
+      <p:sp>
+        <p:nvSpPr>
+          <p:cNvPr id="27" name="Content"/>
+          <p:cNvSpPr txBox="1"/>
+          <p:nvPr>
+            <p:custDataLst>
+              <p:custData r:id="rId11"/>
+            </p:custDataLst>
+          </p:nvPr>
+        </p:nvSpPr>
+        <p:spPr>
+          <a:xfrm>
+            <a:off x="1250149" y="1763688"/>
+            <a:ext cx="911275" cy="230832"/>
+          </a:xfrm>
+          <a:prstGeom prst="rect">
+            <a:avLst/>
+          </a:prstGeom>
+          <a:noFill/>
+        </p:spPr>
+        <p:txBody>
+          <a:bodyPr wrap="none" lIns="91440" tIns="18288" rIns="91440" bIns="27432" rtlCol="0" anchor="ctr" anchorCtr="0">
+            <a:spAutoFit/>
+          </a:bodyPr>
+          <a:lstStyle/>
+          <a:p>
+            <a:r>
+              <a:rPr lang="ru-RU" sz="1200" dirty="0" smtClean="0">
+                <a:solidFill>
+                  <a:srgbClr val="000000"/>
+                </a:solidFill>
+                <a:latin typeface="Segoe UI" pitchFamily="34" charset="0"/>
+                <a:ea typeface="Segoe UI" pitchFamily="34" charset="0"/>
+                <a:cs typeface="Segoe UI" pitchFamily="34" charset="0"/>
+              </a:rPr>
+              <a:t>Интересы</a:t>
+            </a:r>
+            <a:r>
+              <a:rPr lang="en-US" sz="1200" dirty="0" smtClean="0">
+                <a:solidFill>
+                  <a:srgbClr val="000000"/>
+                </a:solidFill>
+                <a:latin typeface="Segoe UI" pitchFamily="34" charset="0"/>
+                <a:ea typeface="Segoe UI" pitchFamily="34" charset="0"/>
+                <a:cs typeface="Segoe UI" pitchFamily="34" charset="0"/>
+              </a:rPr>
+              <a:t>:</a:t>
+            </a:r>
+            <a:endParaRPr lang="en-US" sz="1200" dirty="0" smtClean="0">
+              <a:solidFill>
+                <a:srgbClr val="000000"/>
+              </a:solidFill>
+              <a:latin typeface="Segoe UI" pitchFamily="34" charset="0"/>
+              <a:ea typeface="Segoe UI" pitchFamily="34" charset="0"/>
+              <a:cs typeface="Segoe UI" pitchFamily="34" charset="0"/>
+            </a:endParaRPr>
+          </a:p>
+        </p:txBody>
+      </p:sp>
+    </p:spTree>
+    <p:extLst>
+      <p:ext uri="{BB962C8B-B14F-4D97-AF65-F5344CB8AC3E}">
+        <p14:creationId xmlns:p14="http://schemas.microsoft.com/office/powerpoint/2010/main" val="459623886"/>
       </p:ext>
     </p:extLst>
   </p:cSld>
@@ -7451,147 +12714,552 @@
 </a:theme>
 </file>
 
+<file path=ppt/theme/theme2.xml><?xml version="1.0" encoding="utf-8"?>
+<a:theme xmlns:a="http://schemas.openxmlformats.org/drawingml/2006/main" name="Тема Office">
+  <a:themeElements>
+    <a:clrScheme name="Стандартная">
+      <a:dk1>
+        <a:sysClr val="windowText" lastClr="000000"/>
+      </a:dk1>
+      <a:lt1>
+        <a:sysClr val="window" lastClr="FFFFFF"/>
+      </a:lt1>
+      <a:dk2>
+        <a:srgbClr val="1F497D"/>
+      </a:dk2>
+      <a:lt2>
+        <a:srgbClr val="EEECE1"/>
+      </a:lt2>
+      <a:accent1>
+        <a:srgbClr val="4F81BD"/>
+      </a:accent1>
+      <a:accent2>
+        <a:srgbClr val="C0504D"/>
+      </a:accent2>
+      <a:accent3>
+        <a:srgbClr val="9BBB59"/>
+      </a:accent3>
+      <a:accent4>
+        <a:srgbClr val="8064A2"/>
+      </a:accent4>
+      <a:accent5>
+        <a:srgbClr val="4BACC6"/>
+      </a:accent5>
+      <a:accent6>
+        <a:srgbClr val="F79646"/>
+      </a:accent6>
+      <a:hlink>
+        <a:srgbClr val="0000FF"/>
+      </a:hlink>
+      <a:folHlink>
+        <a:srgbClr val="800080"/>
+      </a:folHlink>
+    </a:clrScheme>
+    <a:fontScheme name="Стандартная">
+      <a:majorFont>
+        <a:latin typeface="Calibri"/>
+        <a:ea typeface=""/>
+        <a:cs typeface=""/>
+        <a:font script="Jpan" typeface="ＭＳ Ｐゴシック"/>
+        <a:font script="Hang" typeface="맑은 고딕"/>
+        <a:font script="Hans" typeface="宋体"/>
+        <a:font script="Hant" typeface="新細明體"/>
+        <a:font script="Arab" typeface="Times New Roman"/>
+        <a:font script="Hebr" typeface="Times New Roman"/>
+        <a:font script="Thai" typeface="Angsana New"/>
+        <a:font script="Ethi" typeface="Nyala"/>
+        <a:font script="Beng" typeface="Vrinda"/>
+        <a:font script="Gujr" typeface="Shruti"/>
+        <a:font script="Khmr" typeface="MoolBoran"/>
+        <a:font script="Knda" typeface="Tunga"/>
+        <a:font script="Guru" typeface="Raavi"/>
+        <a:font script="Cans" typeface="Euphemia"/>
+        <a:font script="Cher" typeface="Plantagenet Cherokee"/>
+        <a:font script="Yiii" typeface="Microsoft Yi Baiti"/>
+        <a:font script="Tibt" typeface="Microsoft Himalaya"/>
+        <a:font script="Thaa" typeface="MV Boli"/>
+        <a:font script="Deva" typeface="Mangal"/>
+        <a:font script="Telu" typeface="Gautami"/>
+        <a:font script="Taml" typeface="Latha"/>
+        <a:font script="Syrc" typeface="Estrangelo Edessa"/>
+        <a:font script="Orya" typeface="Kalinga"/>
+        <a:font script="Mlym" typeface="Kartika"/>
+        <a:font script="Laoo" typeface="DokChampa"/>
+        <a:font script="Sinh" typeface="Iskoola Pota"/>
+        <a:font script="Mong" typeface="Mongolian Baiti"/>
+        <a:font script="Viet" typeface="Times New Roman"/>
+        <a:font script="Uigh" typeface="Microsoft Uighur"/>
+        <a:font script="Geor" typeface="Sylfaen"/>
+      </a:majorFont>
+      <a:minorFont>
+        <a:latin typeface="Calibri"/>
+        <a:ea typeface=""/>
+        <a:cs typeface=""/>
+        <a:font script="Jpan" typeface="ＭＳ Ｐゴシック"/>
+        <a:font script="Hang" typeface="맑은 고딕"/>
+        <a:font script="Hans" typeface="宋体"/>
+        <a:font script="Hant" typeface="新細明體"/>
+        <a:font script="Arab" typeface="Arial"/>
+        <a:font script="Hebr" typeface="Arial"/>
+        <a:font script="Thai" typeface="Cordia New"/>
+        <a:font script="Ethi" typeface="Nyala"/>
+        <a:font script="Beng" typeface="Vrinda"/>
+        <a:font script="Gujr" typeface="Shruti"/>
+        <a:font script="Khmr" typeface="DaunPenh"/>
+        <a:font script="Knda" typeface="Tunga"/>
+        <a:font script="Guru" typeface="Raavi"/>
+        <a:font script="Cans" typeface="Euphemia"/>
+        <a:font script="Cher" typeface="Plantagenet Cherokee"/>
+        <a:font script="Yiii" typeface="Microsoft Yi Baiti"/>
+        <a:font script="Tibt" typeface="Microsoft Himalaya"/>
+        <a:font script="Thaa" typeface="MV Boli"/>
+        <a:font script="Deva" typeface="Mangal"/>
+        <a:font script="Telu" typeface="Gautami"/>
+        <a:font script="Taml" typeface="Latha"/>
+        <a:font script="Syrc" typeface="Estrangelo Edessa"/>
+        <a:font script="Orya" typeface="Kalinga"/>
+        <a:font script="Mlym" typeface="Kartika"/>
+        <a:font script="Laoo" typeface="DokChampa"/>
+        <a:font script="Sinh" typeface="Iskoola Pota"/>
+        <a:font script="Mong" typeface="Mongolian Baiti"/>
+        <a:font script="Viet" typeface="Arial"/>
+        <a:font script="Uigh" typeface="Microsoft Uighur"/>
+        <a:font script="Geor" typeface="Sylfaen"/>
+      </a:minorFont>
+    </a:fontScheme>
+    <a:fmtScheme name="Стандартная">
+      <a:fillStyleLst>
+        <a:solidFill>
+          <a:schemeClr val="phClr"/>
+        </a:solidFill>
+        <a:gradFill rotWithShape="1">
+          <a:gsLst>
+            <a:gs pos="0">
+              <a:schemeClr val="phClr">
+                <a:tint val="50000"/>
+                <a:satMod val="300000"/>
+              </a:schemeClr>
+            </a:gs>
+            <a:gs pos="35000">
+              <a:schemeClr val="phClr">
+                <a:tint val="37000"/>
+                <a:satMod val="300000"/>
+              </a:schemeClr>
+            </a:gs>
+            <a:gs pos="100000">
+              <a:schemeClr val="phClr">
+                <a:tint val="15000"/>
+                <a:satMod val="350000"/>
+              </a:schemeClr>
+            </a:gs>
+          </a:gsLst>
+          <a:lin ang="16200000" scaled="1"/>
+        </a:gradFill>
+        <a:gradFill rotWithShape="1">
+          <a:gsLst>
+            <a:gs pos="0">
+              <a:schemeClr val="phClr">
+                <a:shade val="51000"/>
+                <a:satMod val="130000"/>
+              </a:schemeClr>
+            </a:gs>
+            <a:gs pos="80000">
+              <a:schemeClr val="phClr">
+                <a:shade val="93000"/>
+                <a:satMod val="130000"/>
+              </a:schemeClr>
+            </a:gs>
+            <a:gs pos="100000">
+              <a:schemeClr val="phClr">
+                <a:shade val="94000"/>
+                <a:satMod val="135000"/>
+              </a:schemeClr>
+            </a:gs>
+          </a:gsLst>
+          <a:lin ang="16200000" scaled="0"/>
+        </a:gradFill>
+      </a:fillStyleLst>
+      <a:lnStyleLst>
+        <a:ln w="9525" cap="flat" cmpd="sng" algn="ctr">
+          <a:solidFill>
+            <a:schemeClr val="phClr">
+              <a:shade val="95000"/>
+              <a:satMod val="105000"/>
+            </a:schemeClr>
+          </a:solidFill>
+          <a:prstDash val="solid"/>
+        </a:ln>
+        <a:ln w="25400" cap="flat" cmpd="sng" algn="ctr">
+          <a:solidFill>
+            <a:schemeClr val="phClr"/>
+          </a:solidFill>
+          <a:prstDash val="solid"/>
+        </a:ln>
+        <a:ln w="38100" cap="flat" cmpd="sng" algn="ctr">
+          <a:solidFill>
+            <a:schemeClr val="phClr"/>
+          </a:solidFill>
+          <a:prstDash val="solid"/>
+        </a:ln>
+      </a:lnStyleLst>
+      <a:effectStyleLst>
+        <a:effectStyle>
+          <a:effectLst>
+            <a:outerShdw blurRad="40000" dist="20000" dir="5400000" rotWithShape="0">
+              <a:srgbClr val="000000">
+                <a:alpha val="38000"/>
+              </a:srgbClr>
+            </a:outerShdw>
+          </a:effectLst>
+        </a:effectStyle>
+        <a:effectStyle>
+          <a:effectLst>
+            <a:outerShdw blurRad="40000" dist="23000" dir="5400000" rotWithShape="0">
+              <a:srgbClr val="000000">
+                <a:alpha val="35000"/>
+              </a:srgbClr>
+            </a:outerShdw>
+          </a:effectLst>
+        </a:effectStyle>
+        <a:effectStyle>
+          <a:effectLst>
+            <a:outerShdw blurRad="40000" dist="23000" dir="5400000" rotWithShape="0">
+              <a:srgbClr val="000000">
+                <a:alpha val="35000"/>
+              </a:srgbClr>
+            </a:outerShdw>
+          </a:effectLst>
+          <a:scene3d>
+            <a:camera prst="orthographicFront">
+              <a:rot lat="0" lon="0" rev="0"/>
+            </a:camera>
+            <a:lightRig rig="threePt" dir="t">
+              <a:rot lat="0" lon="0" rev="1200000"/>
+            </a:lightRig>
+          </a:scene3d>
+          <a:sp3d>
+            <a:bevelT w="63500" h="25400"/>
+          </a:sp3d>
+        </a:effectStyle>
+      </a:effectStyleLst>
+      <a:bgFillStyleLst>
+        <a:solidFill>
+          <a:schemeClr val="phClr"/>
+        </a:solidFill>
+        <a:gradFill rotWithShape="1">
+          <a:gsLst>
+            <a:gs pos="0">
+              <a:schemeClr val="phClr">
+                <a:tint val="40000"/>
+                <a:satMod val="350000"/>
+              </a:schemeClr>
+            </a:gs>
+            <a:gs pos="40000">
+              <a:schemeClr val="phClr">
+                <a:tint val="45000"/>
+                <a:shade val="99000"/>
+                <a:satMod val="350000"/>
+              </a:schemeClr>
+            </a:gs>
+            <a:gs pos="100000">
+              <a:schemeClr val="phClr">
+                <a:shade val="20000"/>
+                <a:satMod val="255000"/>
+              </a:schemeClr>
+            </a:gs>
+          </a:gsLst>
+          <a:path path="circle">
+            <a:fillToRect l="50000" t="-80000" r="50000" b="180000"/>
+          </a:path>
+        </a:gradFill>
+        <a:gradFill rotWithShape="1">
+          <a:gsLst>
+            <a:gs pos="0">
+              <a:schemeClr val="phClr">
+                <a:tint val="80000"/>
+                <a:satMod val="300000"/>
+              </a:schemeClr>
+            </a:gs>
+            <a:gs pos="100000">
+              <a:schemeClr val="phClr">
+                <a:shade val="30000"/>
+                <a:satMod val="200000"/>
+              </a:schemeClr>
+            </a:gs>
+          </a:gsLst>
+          <a:path path="circle">
+            <a:fillToRect l="50000" t="50000" r="50000" b="50000"/>
+          </a:path>
+        </a:gradFill>
+      </a:bgFillStyleLst>
+    </a:fmtScheme>
+  </a:themeElements>
+  <a:objectDefaults/>
+  <a:extraClrSchemeLst/>
+</a:theme>
+</file>
+
 <file path=customXml/item1.xml><?xml version="1.0" encoding="utf-8"?>
+<Control xmlns="http://schemas.microsoft.com/VisualStudio/2011/storyboarding/control">
+  <Id Name="System.Storyboarding.Icons.ShoppingCart" Revision="1" Stencil="System.Storyboarding.Icons" StencilVersion="0.1"/>
+</Control>
+</file>
+
+<file path=customXml/item10.xml><?xml version="1.0" encoding="utf-8"?>
+<Control xmlns="http://schemas.microsoft.com/VisualStudio/2011/storyboarding/control">
+  <Id Name="System.Storyboarding.Common.NumericStepper" Revision="1" Stencil="System.Storyboarding.Common" StencilVersion="0.1"/>
+</Control>
+</file>
+
+<file path=customXml/item11.xml><?xml version="1.0" encoding="utf-8"?>
+<Control xmlns="http://schemas.microsoft.com/VisualStudio/2011/storyboarding/control">
+  <Id Name="System.Storyboarding.Common.DataGrid" Revision="1" Stencil="System.Storyboarding.Common" StencilVersion="0.1"/>
+</Control>
+</file>
+
+<file path=customXml/item12.xml><?xml version="1.0" encoding="utf-8"?>
+<Control xmlns="http://schemas.microsoft.com/VisualStudio/2011/storyboarding/control">
+  <Id Name="System.Storyboarding.Icons.HandPointer" Revision="1" Stencil="System.Storyboarding.Icons" StencilVersion="0.1"/>
+</Control>
+</file>
+
+<file path=customXml/item13.xml><?xml version="1.0" encoding="utf-8"?>
+<Control xmlns="http://schemas.microsoft.com/VisualStudio/2011/storyboarding/control">
+  <Id Name="System.Storyboarding.Common.TabGroup" Revision="1" Stencil="System.Storyboarding.Common" StencilVersion="0.1"/>
+</Control>
+</file>
+
+<file path=customXml/item14.xml><?xml version="1.0" encoding="utf-8"?>
+<Control xmlns="http://schemas.microsoft.com/VisualStudio/2011/storyboarding/control">
+  <Id Name="System.Storyboarding.Icons.Warning" Revision="1" Stencil="System.Storyboarding.Icons" StencilVersion="0.1"/>
+</Control>
+</file>
+
+<file path=customXml/item15.xml><?xml version="1.0" encoding="utf-8"?>
 <Control xmlns="http://schemas.microsoft.com/VisualStudio/2011/storyboarding/control">
   <Id Name="System.Storyboarding.Common.DragSelection" Revision="1" Stencil="System.Storyboarding.Common" StencilVersion="0.1"/>
 </Control>
 </file>
 
-<file path=customXml/item10.xml><?xml version="1.0" encoding="utf-8"?>
+<file path=customXml/item16.xml><?xml version="1.0" encoding="utf-8"?>
+<Control xmlns="http://schemas.microsoft.com/VisualStudio/2011/storyboarding/control">
+  <Id Name="System.Storyboarding.Icons.Star" Revision="1" Stencil="System.Storyboarding.Icons" StencilVersion="0.1"/>
+</Control>
+</file>
+
+<file path=customXml/item17.xml><?xml version="1.0" encoding="utf-8"?>
 <Control xmlns="http://schemas.microsoft.com/VisualStudio/2011/storyboarding/control">
   <Id Name="System.Storyboarding.Icons.ShoppingCart" Revision="1" Stencil="System.Storyboarding.Icons" StencilVersion="0.1"/>
 </Control>
 </file>
 
-<file path=customXml/item11.xml><?xml version="1.0" encoding="utf-8"?>
+<file path=customXml/item18.xml><?xml version="1.0" encoding="utf-8"?>
+<Control xmlns="http://schemas.microsoft.com/VisualStudio/2011/storyboarding/control">
+  <Id Name="System.Storyboarding.Common.DropdownBox" Revision="1" Stencil="System.Storyboarding.Common" StencilVersion="0.1"/>
+</Control>
+</file>
+
+<file path=customXml/item19.xml><?xml version="1.0" encoding="utf-8"?>
+<Control xmlns="http://schemas.microsoft.com/VisualStudio/2011/storyboarding/control">
+  <Id Name="System.Storyboarding.Icons.Star" Revision="1" Stencil="System.Storyboarding.Icons" StencilVersion="0.1"/>
+</Control>
+</file>
+
+<file path=customXml/item2.xml><?xml version="1.0" encoding="utf-8"?>
+<Control xmlns="http://schemas.microsoft.com/VisualStudio/2011/storyboarding/control">
+  <Id Name="System.Storyboarding.WindowsDesktop.ToolTip" Revision="1" Stencil="System.Storyboarding.WindowsDesktop" StencilVersion="0.1"/>
+</Control>
+</file>
+
+<file path=customXml/item20.xml><?xml version="1.0" encoding="utf-8"?>
+<Control xmlns="http://schemas.microsoft.com/VisualStudio/2011/storyboarding/control">
+  <Id Name="System.Storyboarding.Icons.HandPointer" Revision="1" Stencil="System.Storyboarding.Icons" StencilVersion="0.1"/>
+</Control>
+</file>
+
+<file path=customXml/item21.xml><?xml version="1.0" encoding="utf-8"?>
+<Control xmlns="http://schemas.microsoft.com/VisualStudio/2011/storyboarding/control">
+  <Id Name="System.Storyboarding.Common.TextInput" Revision="1" Stencil="System.Storyboarding.Common" StencilVersion="0.1"/>
+</Control>
+</file>
+
+<file path=customXml/item22.xml><?xml version="1.0" encoding="utf-8"?>
+<Control xmlns="http://schemas.microsoft.com/VisualStudio/2011/storyboarding/control">
+  <Id Name="System.Storyboarding.Icons.Warning" Revision="1" Stencil="System.Storyboarding.Icons" StencilVersion="0.1"/>
+</Control>
+</file>
+
+<file path=customXml/item23.xml><?xml version="1.0" encoding="utf-8"?>
 <Control xmlns="http://schemas.microsoft.com/VisualStudio/2011/storyboarding/control">
   <Id Name="System.Storyboarding.Icons.ShoppingCart" Revision="1" Stencil="System.Storyboarding.Icons" StencilVersion="0.1"/>
 </Control>
 </file>
 
-<file path=customXml/item12.xml><?xml version="1.0" encoding="utf-8"?>
+<file path=customXml/item24.xml><?xml version="1.0" encoding="utf-8"?>
+<Control xmlns="http://schemas.microsoft.com/VisualStudio/2011/storyboarding/control">
+  <Id Name="System.Storyboarding.Common.CheckBoxChecked" Revision="1" Stencil="System.Storyboarding.Common" StencilVersion="0.1"/>
+</Control>
+</file>
+
+<file path=customXml/item25.xml><?xml version="1.0" encoding="utf-8"?>
+<Control xmlns="http://schemas.microsoft.com/VisualStudio/2011/storyboarding/control">
+  <Id Name="System.Storyboarding.Icons.Star" Revision="1" Stencil="System.Storyboarding.Icons" StencilVersion="0.1"/>
+</Control>
+</file>
+
+<file path=customXml/item26.xml><?xml version="1.0" encoding="utf-8"?>
 <Control xmlns="http://schemas.microsoft.com/VisualStudio/2011/storyboarding/control">
   <Id Name="System.Storyboarding.Icons.ShoppingCart" Revision="1" Stencil="System.Storyboarding.Icons" StencilVersion="0.1"/>
 </Control>
 </file>
 
-<file path=customXml/item13.xml><?xml version="1.0" encoding="utf-8"?>
+<file path=customXml/item27.xml><?xml version="1.0" encoding="utf-8"?>
 <Control xmlns="http://schemas.microsoft.com/VisualStudio/2011/storyboarding/control">
   <Id Name="System.Storyboarding.WindowsDesktop.ToolTip" Revision="1" Stencil="System.Storyboarding.WindowsDesktop" StencilVersion="0.1"/>
 </Control>
 </file>
 
-<file path=customXml/item14.xml><?xml version="1.0" encoding="utf-8"?>
+<file path=customXml/item28.xml><?xml version="1.0" encoding="utf-8"?>
 <Control xmlns="http://schemas.microsoft.com/VisualStudio/2011/storyboarding/control">
-  <Id Name="System.Storyboarding.WindowsDesktop.ToolTip" Revision="1" Stencil="System.Storyboarding.WindowsDesktop" StencilVersion="0.1"/>
+  <Id Name="System.Storyboarding.Common.Text" Revision="1" Stencil="System.Storyboarding.Common" StencilVersion="0.1"/>
 </Control>
 </file>
 
-<file path=customXml/item15.xml><?xml version="1.0" encoding="utf-8"?>
+<file path=customXml/item29.xml><?xml version="1.0" encoding="utf-8"?>
 <Control xmlns="http://schemas.microsoft.com/VisualStudio/2011/storyboarding/control">
-  <Id Name="System.Storyboarding.Icons.HandPointer" Revision="1" Stencil="System.Storyboarding.Icons" StencilVersion="0.1"/>
+  <Id Name="System.Storyboarding.Common.Button" Revision="1" Stencil="System.Storyboarding.Common" StencilVersion="0.1"/>
 </Control>
 </file>
 
-<file path=customXml/item16.xml><?xml version="1.0" encoding="utf-8"?>
-<Control xmlns="http://schemas.microsoft.com/VisualStudio/2011/storyboarding/control">
-  <Id Name="System.Storyboarding.Icons.HandPointer" Revision="1" Stencil="System.Storyboarding.Icons" StencilVersion="0.1"/>
-</Control>
-</file>
-
-<file path=customXml/item17.xml><?xml version="1.0" encoding="utf-8"?>
-<Control xmlns="http://schemas.microsoft.com/VisualStudio/2011/storyboarding/control">
-  <Id Name="System.Storyboarding.Icons.HandPointer" Revision="1" Stencil="System.Storyboarding.Icons" StencilVersion="0.1"/>
-</Control>
-</file>
-
-<file path=customXml/item18.xml><?xml version="1.0" encoding="utf-8"?>
+<file path=customXml/item3.xml><?xml version="1.0" encoding="utf-8"?>
 <Control xmlns="http://schemas.microsoft.com/VisualStudio/2011/storyboarding/control">
   <Id Name="System.Storyboarding.Common.CheckBoxUnchecked" Revision="1" Stencil="System.Storyboarding.Common" StencilVersion="0.1"/>
 </Control>
 </file>
 
-<file path=customXml/item19.xml><?xml version="1.0" encoding="utf-8"?>
+<file path=customXml/item30.xml><?xml version="1.0" encoding="utf-8"?>
 <Control xmlns="http://schemas.microsoft.com/VisualStudio/2011/storyboarding/control">
-  <Id Name="System.Storyboarding.Common.CheckBoxChecked" Revision="1" Stencil="System.Storyboarding.Common" StencilVersion="0.1"/>
+  <Id Name="System.Storyboarding.Icons.User" Revision="1" Stencil="System.Storyboarding.Icons" StencilVersion="0.1"/>
 </Control>
 </file>
 
-<file path=customXml/item2.xml><?xml version="1.0" encoding="utf-8"?>
-<Control xmlns="http://schemas.microsoft.com/VisualStudio/2011/storyboarding/control">
-  <Id Name="System.Storyboarding.Common.DataGrid" Revision="1" Stencil="System.Storyboarding.Common" StencilVersion="0.1"/>
-</Control>
-</file>
-
-<file path=customXml/item20.xml><?xml version="1.0" encoding="utf-8"?>
-<Control xmlns="http://schemas.microsoft.com/VisualStudio/2011/storyboarding/control">
-  <Id Name="System.Storyboarding.Common.TabGroup" Revision="1" Stencil="System.Storyboarding.Common" StencilVersion="0.1"/>
-</Control>
-</file>
-
-<file path=customXml/item21.xml><?xml version="1.0" encoding="utf-8"?>
+<file path=customXml/item31.xml><?xml version="1.0" encoding="utf-8"?>
 <Control xmlns="http://schemas.microsoft.com/VisualStudio/2011/storyboarding/control">
   <Id Name="System.Storyboarding.Common.Text" Revision="1" Stencil="System.Storyboarding.Common" StencilVersion="0.1"/>
 </Control>
 </file>
 
-<file path=customXml/item22.xml><?xml version="1.0" encoding="utf-8"?>
+<file path=customXml/item32.xml><?xml version="1.0" encoding="utf-8"?>
 <Control xmlns="http://schemas.microsoft.com/VisualStudio/2011/storyboarding/control">
   <Id Name="System.Storyboarding.Common.Text" Revision="1" Stencil="System.Storyboarding.Common" StencilVersion="0.1"/>
 </Control>
 </file>
 
-<file path=customXml/item23.xml><?xml version="1.0" encoding="utf-8"?>
+<file path=customXml/item33.xml><?xml version="1.0" encoding="utf-8"?>
 <Control xmlns="http://schemas.microsoft.com/VisualStudio/2011/storyboarding/control">
   <Id Name="System.Storyboarding.Common.TextInput" Revision="1" Stencil="System.Storyboarding.Common" StencilVersion="0.1"/>
 </Control>
 </file>
 
-<file path=customXml/item24.xml><?xml version="1.0" encoding="utf-8"?>
+<file path=customXml/item34.xml><?xml version="1.0" encoding="utf-8"?>
 <Control xmlns="http://schemas.microsoft.com/VisualStudio/2011/storyboarding/control">
-  <Id Name="System.Storyboarding.Common.DropdownBox" Revision="1" Stencil="System.Storyboarding.Common" StencilVersion="0.1"/>
+  <Id Name="System.Storyboarding.Common.TextInput" Revision="1" Stencil="System.Storyboarding.Common" StencilVersion="0.1"/>
 </Control>
 </file>
 
-<file path=customXml/item25.xml><?xml version="1.0" encoding="utf-8"?>
+<file path=customXml/item35.xml><?xml version="1.0" encoding="utf-8"?>
 <Control xmlns="http://schemas.microsoft.com/VisualStudio/2011/storyboarding/control">
-  <Id Name="System.Storyboarding.Common.NumericStepper" Revision="1" Stencil="System.Storyboarding.Common" StencilVersion="0.1"/>
+  <Id Name="System.Storyboarding.Common.TextInput" Revision="1" Stencil="System.Storyboarding.Common" StencilVersion="0.1"/>
 </Control>
 </file>
 
-<file path=customXml/item26.xml><?xml version="1.0" encoding="utf-8"?>
+<file path=customXml/item36.xml><?xml version="1.0" encoding="utf-8"?>
 <Control xmlns="http://schemas.microsoft.com/VisualStudio/2011/storyboarding/control">
   <Id Name="System.Storyboarding.Common.Text" Revision="1" Stencil="System.Storyboarding.Common" StencilVersion="0.1"/>
 </Control>
 </file>
 
-<file path=customXml/item27.xml><?xml version="1.0" encoding="utf-8"?>
+<file path=customXml/item37.xml><?xml version="1.0" encoding="utf-8"?>
 <Control xmlns="http://schemas.microsoft.com/VisualStudio/2011/storyboarding/control">
-  <Id Name="System.Storyboarding.Common.Button" Revision="1" Stencil="System.Storyboarding.Common" StencilVersion="0.1"/>
+  <Id Name="System.Storyboarding.Common.TextInput" Revision="1" Stencil="System.Storyboarding.Common" StencilVersion="0.1"/>
 </Control>
 </file>
 
-<file path=customXml/item28.xml><?xml version="1.0" encoding="utf-8"?>
+<file path=customXml/item38.xml><?xml version="1.0" encoding="utf-8"?>
 <Control xmlns="http://schemas.microsoft.com/VisualStudio/2011/storyboarding/control">
-  <Id Name="System.Storyboarding.Icons.Warning" Revision="1" Stencil="System.Storyboarding.Icons" StencilVersion="0.1"/>
+  <Id Name="System.Storyboarding.Common.Text" Revision="1" Stencil="System.Storyboarding.Common" StencilVersion="0.1"/>
 </Control>
 </file>
 
-<file path=customXml/item29.xml><?xml version="1.0" encoding="utf-8"?>
+<file path=customXml/item39.xml><?xml version="1.0" encoding="utf-8"?>
 <Control xmlns="http://schemas.microsoft.com/VisualStudio/2011/storyboarding/control">
-  <Id Name="System.Storyboarding.Icons.Warning" Revision="1" Stencil="System.Storyboarding.Icons" StencilVersion="0.1"/>
-</Control>
-</file>
-
-<file path=customXml/item3.xml><?xml version="1.0" encoding="utf-8"?>
-<Control xmlns="http://schemas.microsoft.com/VisualStudio/2011/storyboarding/control">
-  <Id Name="System.Storyboarding.Icons.Star" Revision="1" Stencil="System.Storyboarding.Icons" StencilVersion="0.1"/>
+  <Id Name="System.Storyboarding.Common.TextInput" Revision="1" Stencil="System.Storyboarding.Common" StencilVersion="0.1"/>
 </Control>
 </file>
 
 <file path=customXml/item4.xml><?xml version="1.0" encoding="utf-8"?>
 <Control xmlns="http://schemas.microsoft.com/VisualStudio/2011/storyboarding/control">
-  <Id Name="System.Storyboarding.Icons.Star" Revision="1" Stencil="System.Storyboarding.Icons" StencilVersion="0.1"/>
+  <Id Name="System.Storyboarding.Common.Text" Revision="1" Stencil="System.Storyboarding.Common" StencilVersion="0.1"/>
+</Control>
+</file>
+
+<file path=customXml/item40.xml><?xml version="1.0" encoding="utf-8"?>
+<Control xmlns="http://schemas.microsoft.com/VisualStudio/2011/storyboarding/control">
+  <Id Name="System.Storyboarding.Common.Text" Revision="1" Stencil="System.Storyboarding.Common" StencilVersion="0.1"/>
+</Control>
+</file>
+
+<file path=customXml/item41.xml><?xml version="1.0" encoding="utf-8"?>
+<Control xmlns="http://schemas.microsoft.com/VisualStudio/2011/storyboarding/control">
+  <Id Name="System.Storyboarding.Icons.User" Revision="1" Stencil="System.Storyboarding.Icons" StencilVersion="0.1"/>
+</Control>
+</file>
+
+<file path=customXml/item42.xml><?xml version="1.0" encoding="utf-8"?>
+<Control xmlns="http://schemas.microsoft.com/VisualStudio/2011/storyboarding/control">
+  <Id Name="System.Storyboarding.Common.Text" Revision="1" Stencil="System.Storyboarding.Common" StencilVersion="0.1"/>
+</Control>
+</file>
+
+<file path=customXml/item43.xml><?xml version="1.0" encoding="utf-8"?>
+<Control xmlns="http://schemas.microsoft.com/VisualStudio/2011/storyboarding/control">
+  <Id Name="System.Storyboarding.Common.Text" Revision="1" Stencil="System.Storyboarding.Common" StencilVersion="0.1"/>
+</Control>
+</file>
+
+<file path=customXml/item44.xml><?xml version="1.0" encoding="utf-8"?>
+<Control xmlns="http://schemas.microsoft.com/VisualStudio/2011/storyboarding/control">
+  <Id Name="System.Storyboarding.Common.TextInput" Revision="1" Stencil="System.Storyboarding.Common" StencilVersion="0.1"/>
+</Control>
+</file>
+
+<file path=customXml/item45.xml><?xml version="1.0" encoding="utf-8"?>
+<Control xmlns="http://schemas.microsoft.com/VisualStudio/2011/storyboarding/control">
+  <Id Name="System.Storyboarding.Common.TextInput" Revision="1" Stencil="System.Storyboarding.Common" StencilVersion="0.1"/>
+</Control>
+</file>
+
+<file path=customXml/item46.xml><?xml version="1.0" encoding="utf-8"?>
+<Control xmlns="http://schemas.microsoft.com/VisualStudio/2011/storyboarding/control">
+  <Id Name="System.Storyboarding.Common.TextInput" Revision="1" Stencil="System.Storyboarding.Common" StencilVersion="0.1"/>
+</Control>
+</file>
+
+<file path=customXml/item47.xml><?xml version="1.0" encoding="utf-8"?>
+<Control xmlns="http://schemas.microsoft.com/VisualStudio/2011/storyboarding/control">
+  <Id Name="System.Storyboarding.Common.Text" Revision="1" Stencil="System.Storyboarding.Common" StencilVersion="0.1"/>
+</Control>
+</file>
+
+<file path=customXml/item48.xml><?xml version="1.0" encoding="utf-8"?>
+<Control xmlns="http://schemas.microsoft.com/VisualStudio/2011/storyboarding/control">
+  <Id Name="System.Storyboarding.Common.TextInput" Revision="1" Stencil="System.Storyboarding.Common" StencilVersion="0.1"/>
+</Control>
+</file>
+
+<file path=customXml/item49.xml><?xml version="1.0" encoding="utf-8"?>
+<Control xmlns="http://schemas.microsoft.com/VisualStudio/2011/storyboarding/control">
+  <Id Name="System.Storyboarding.Common.Text" Revision="1" Stencil="System.Storyboarding.Common" StencilVersion="0.1"/>
 </Control>
 </file>
 
@@ -7601,9 +13269,129 @@
 </Control>
 </file>
 
+<file path=customXml/item50.xml><?xml version="1.0" encoding="utf-8"?>
+<Control xmlns="http://schemas.microsoft.com/VisualStudio/2011/storyboarding/control">
+  <Id Name="System.Storyboarding.Common.TabGroup" Revision="1" Stencil="System.Storyboarding.Common" StencilVersion="0.1"/>
+</Control>
+</file>
+
+<file path=customXml/item51.xml><?xml version="1.0" encoding="utf-8"?>
+<Control xmlns="http://schemas.microsoft.com/VisualStudio/2011/storyboarding/control">
+  <Id Name="System.Storyboarding.Common.Text" Revision="1" Stencil="System.Storyboarding.Common" StencilVersion="0.1"/>
+</Control>
+</file>
+
+<file path=customXml/item52.xml><?xml version="1.0" encoding="utf-8"?>
+<Control xmlns="http://schemas.microsoft.com/VisualStudio/2011/storyboarding/control">
+  <Id Name="System.Storyboarding.Common.TextInput" Revision="1" Stencil="System.Storyboarding.Common" StencilVersion="0.1"/>
+</Control>
+</file>
+
+<file path=customXml/item53.xml><?xml version="1.0" encoding="utf-8"?>
+<Control xmlns="http://schemas.microsoft.com/VisualStudio/2011/storyboarding/control">
+  <Id Name="System.Storyboarding.Icons.SpeechBubble" Revision="1" Stencil="System.Storyboarding.Icons" StencilVersion="0.1"/>
+</Control>
+</file>
+
+<file path=customXml/item54.xml><?xml version="1.0" encoding="utf-8"?>
+<Control xmlns="http://schemas.microsoft.com/VisualStudio/2011/storyboarding/control">
+  <Id Name="System.Storyboarding.WindowsDesktop.ToolTip" Revision="1" Stencil="System.Storyboarding.WindowsDesktop" StencilVersion="0.1"/>
+</Control>
+</file>
+
+<file path=customXml/item55.xml><?xml version="1.0" encoding="utf-8"?>
+<Control xmlns="http://schemas.microsoft.com/VisualStudio/2011/storyboarding/control">
+  <Id Name="System.Storyboarding.Icons.HandPointer" Revision="1" Stencil="System.Storyboarding.Icons" StencilVersion="0.1"/>
+</Control>
+</file>
+
+<file path=customXml/item56.xml><?xml version="1.0" encoding="utf-8"?>
+<Control xmlns="http://schemas.microsoft.com/VisualStudio/2011/storyboarding/control">
+  <Id Name="System.Storyboarding.Icons.Star" Revision="1" Stencil="System.Storyboarding.Icons" StencilVersion="0.1"/>
+</Control>
+</file>
+
+<file path=customXml/item57.xml><?xml version="1.0" encoding="utf-8"?>
+<Control xmlns="http://schemas.microsoft.com/VisualStudio/2011/storyboarding/control">
+  <Id Name="System.Storyboarding.Icons.Star" Revision="1" Stencil="System.Storyboarding.Icons" StencilVersion="0.1"/>
+</Control>
+</file>
+
+<file path=customXml/item58.xml><?xml version="1.0" encoding="utf-8"?>
+<Control xmlns="http://schemas.microsoft.com/VisualStudio/2011/storyboarding/control">
+  <Id Name="System.Storyboarding.Icons.Star" Revision="1" Stencil="System.Storyboarding.Icons" StencilVersion="0.1"/>
+</Control>
+</file>
+
+<file path=customXml/item59.xml><?xml version="1.0" encoding="utf-8"?>
+<Control xmlns="http://schemas.microsoft.com/VisualStudio/2011/storyboarding/control">
+  <Id Name="System.Storyboarding.Icons.Star" Revision="1" Stencil="System.Storyboarding.Icons" StencilVersion="0.1"/>
+</Control>
+</file>
+
 <file path=customXml/item6.xml><?xml version="1.0" encoding="utf-8"?>
 <Control xmlns="http://schemas.microsoft.com/VisualStudio/2011/storyboarding/control">
-  <Id Name="System.Storyboarding.Icons.Star" Revision="1" Stencil="System.Storyboarding.Icons" StencilVersion="0.1"/>
+  <Id Name="System.Storyboarding.Common.Text" Revision="1" Stencil="System.Storyboarding.Common" StencilVersion="0.1"/>
+</Control>
+</file>
+
+<file path=customXml/item60.xml><?xml version="1.0" encoding="utf-8"?>
+<Control xmlns="http://schemas.microsoft.com/VisualStudio/2011/storyboarding/control">
+  <Id Name="System.Storyboarding.Icons.Envelope" Revision="1" Stencil="System.Storyboarding.Icons" StencilVersion="0.1"/>
+</Control>
+</file>
+
+<file path=customXml/item61.xml><?xml version="1.0" encoding="utf-8"?>
+<Control xmlns="http://schemas.microsoft.com/VisualStudio/2011/storyboarding/control">
+  <Id Name="System.Storyboarding.WindowsDesktop.ToolTip" Revision="1" Stencil="System.Storyboarding.WindowsDesktop" StencilVersion="0.1"/>
+</Control>
+</file>
+
+<file path=customXml/item62.xml><?xml version="1.0" encoding="utf-8"?>
+<Control xmlns="http://schemas.microsoft.com/VisualStudio/2011/storyboarding/control">
+  <Id Name="System.Storyboarding.Icons.HandPointer" Revision="1" Stencil="System.Storyboarding.Icons" StencilVersion="0.1"/>
+</Control>
+</file>
+
+<file path=customXml/item63.xml><?xml version="1.0" encoding="utf-8"?>
+<Control xmlns="http://schemas.microsoft.com/VisualStudio/2011/storyboarding/control">
+  <Id Name="System.Storyboarding.Icons.HandPointer" Revision="1" Stencil="System.Storyboarding.Icons" StencilVersion="0.1"/>
+</Control>
+</file>
+
+<file path=customXml/item64.xml><?xml version="1.0" encoding="utf-8"?>
+<Control xmlns="http://schemas.microsoft.com/VisualStudio/2011/storyboarding/control">
+  <Id Name="System.Storyboarding.WindowsDesktop.ToolTip" Revision="1" Stencil="System.Storyboarding.WindowsDesktop" StencilVersion="0.1"/>
+</Control>
+</file>
+
+<file path=customXml/item65.xml><?xml version="1.0" encoding="utf-8"?>
+<Control xmlns="http://schemas.microsoft.com/VisualStudio/2011/storyboarding/control">
+  <Id Name="System.Storyboarding.Common.Text" Revision="1" Stencil="System.Storyboarding.Common" StencilVersion="0.1"/>
+</Control>
+</file>
+
+<file path=customXml/item66.xml><?xml version="1.0" encoding="utf-8"?>
+<Control xmlns="http://schemas.microsoft.com/VisualStudio/2011/storyboarding/control">
+  <Id Name="System.Storyboarding.Common.TextInput" Revision="1" Stencil="System.Storyboarding.Common" StencilVersion="0.1"/>
+</Control>
+</file>
+
+<file path=customXml/item67.xml><?xml version="1.0" encoding="utf-8"?>
+<Control xmlns="http://schemas.microsoft.com/VisualStudio/2011/storyboarding/control">
+  <Id Name="System.Storyboarding.Icons.ShoppingCart" Revision="1" Stencil="System.Storyboarding.Icons" StencilVersion="0.1"/>
+</Control>
+</file>
+
+<file path=customXml/item68.xml><?xml version="1.0" encoding="utf-8"?>
+<Control xmlns="http://schemas.microsoft.com/VisualStudio/2011/storyboarding/control">
+  <Id Name="System.Storyboarding.Common.Text" Revision="1" Stencil="System.Storyboarding.Common" StencilVersion="0.1"/>
+</Control>
+</file>
+
+<file path=customXml/item69.xml><?xml version="1.0" encoding="utf-8"?>
+<Control xmlns="http://schemas.microsoft.com/VisualStudio/2011/storyboarding/control">
+  <Id Name="System.Storyboarding.Common.TextInput" Revision="1" Stencil="System.Storyboarding.Common" StencilVersion="0.1"/>
 </Control>
 </file>
 
@@ -7613,19 +13401,139 @@
 </Control>
 </file>
 
+<file path=customXml/item70.xml><?xml version="1.0" encoding="utf-8"?>
+<Control xmlns="http://schemas.microsoft.com/VisualStudio/2011/storyboarding/control">
+  <Id Name="System.Storyboarding.Common.RadioButtonUnselected" Revision="1" Stencil="System.Storyboarding.Common" StencilVersion="0.1"/>
+</Control>
+</file>
+
+<file path=customXml/item71.xml><?xml version="1.0" encoding="utf-8"?>
+<Control xmlns="http://schemas.microsoft.com/VisualStudio/2011/storyboarding/control">
+  <Id Name="System.Storyboarding.Common.RadioButtonSelected" Revision="1" Stencil="System.Storyboarding.Common" StencilVersion="0.1"/>
+</Control>
+</file>
+
+<file path=customXml/item72.xml><?xml version="1.0" encoding="utf-8"?>
+<Control xmlns="http://schemas.microsoft.com/VisualStudio/2011/storyboarding/control">
+  <Id Name="System.Storyboarding.Common.NumericStepper" Revision="1" Stencil="System.Storyboarding.Common" StencilVersion="0.1"/>
+</Control>
+</file>
+
+<file path=customXml/item73.xml><?xml version="1.0" encoding="utf-8"?>
+<Control xmlns="http://schemas.microsoft.com/VisualStudio/2011/storyboarding/control">
+  <Id Name="System.Storyboarding.Common.Text" Revision="1" Stencil="System.Storyboarding.Common" StencilVersion="0.1"/>
+</Control>
+</file>
+
+<file path=customXml/item74.xml><?xml version="1.0" encoding="utf-8"?>
+<Control xmlns="http://schemas.microsoft.com/VisualStudio/2011/storyboarding/control">
+  <Id Name="System.Storyboarding.Common.TextArea" Revision="1" Stencil="System.Storyboarding.Common" StencilVersion="0.1"/>
+</Control>
+</file>
+
+<file path=customXml/item75.xml><?xml version="1.0" encoding="utf-8"?>
+<Control xmlns="http://schemas.microsoft.com/VisualStudio/2011/storyboarding/control">
+  <Id Name="System.Storyboarding.Common.Text" Revision="1" Stencil="System.Storyboarding.Common" StencilVersion="0.1"/>
+</Control>
+</file>
+
+<file path=customXml/item76.xml><?xml version="1.0" encoding="utf-8"?>
+<Control xmlns="http://schemas.microsoft.com/VisualStudio/2011/storyboarding/control">
+  <Id Name="System.Storyboarding.Common.TextArea" Revision="1" Stencil="System.Storyboarding.Common" StencilVersion="0.1"/>
+</Control>
+</file>
+
+<file path=customXml/item77.xml><?xml version="1.0" encoding="utf-8"?>
+<Control xmlns="http://schemas.microsoft.com/VisualStudio/2011/storyboarding/control">
+  <Id Name="System.Storyboarding.Common.RadioButtonSelected" Revision="1" Stencil="System.Storyboarding.Common" StencilVersion="0.1"/>
+</Control>
+</file>
+
+<file path=customXml/item78.xml><?xml version="1.0" encoding="utf-8"?>
+<Control xmlns="http://schemas.microsoft.com/VisualStudio/2011/storyboarding/control">
+  <Id Name="System.Storyboarding.Common.RadioButtonUnselected" Revision="1" Stencil="System.Storyboarding.Common" StencilVersion="0.1"/>
+</Control>
+</file>
+
+<file path=customXml/item79.xml><?xml version="1.0" encoding="utf-8"?>
+<Control xmlns="http://schemas.microsoft.com/VisualStudio/2011/storyboarding/control">
+  <Id Name="System.Storyboarding.Common.TextInput" Revision="1" Stencil="System.Storyboarding.Common" StencilVersion="0.1"/>
+</Control>
+</file>
+
 <file path=customXml/item8.xml><?xml version="1.0" encoding="utf-8"?>
 <Control xmlns="http://schemas.microsoft.com/VisualStudio/2011/storyboarding/control">
   <Id Name="System.Storyboarding.Icons.ShoppingCart" Revision="1" Stencil="System.Storyboarding.Icons" StencilVersion="0.1"/>
 </Control>
 </file>
 
+<file path=customXml/item80.xml><?xml version="1.0" encoding="utf-8"?>
+<Control xmlns="http://schemas.microsoft.com/VisualStudio/2011/storyboarding/control">
+  <Id Name="System.Storyboarding.Common.Button" Revision="1" Stencil="System.Storyboarding.Common" StencilVersion="0.1"/>
+</Control>
+</file>
+
+<file path=customXml/item81.xml><?xml version="1.0" encoding="utf-8"?>
+<Control xmlns="http://schemas.microsoft.com/VisualStudio/2011/storyboarding/control">
+  <Id Name="System.Storyboarding.Common.Button" Revision="1" Stencil="System.Storyboarding.Common" StencilVersion="0.1"/>
+</Control>
+</file>
+
 <file path=customXml/item9.xml><?xml version="1.0" encoding="utf-8"?>
 <Control xmlns="http://schemas.microsoft.com/VisualStudio/2011/storyboarding/control">
-  <Id Name="System.Storyboarding.Icons.ShoppingCart" Revision="1" Stencil="System.Storyboarding.Icons" StencilVersion="0.1"/>
+  <Id Name="System.Storyboarding.Icons.HandPointer" Revision="1" Stencil="System.Storyboarding.Icons" StencilVersion="0.1"/>
 </Control>
 </file>
 
 <file path=customXml/itemProps1.xml><?xml version="1.0" encoding="utf-8"?>
+<ds:datastoreItem xmlns:ds="http://schemas.openxmlformats.org/officeDocument/2006/customXml" ds:itemID="{220BC498-0DDF-422A-AC0F-97E589848EC1}">
+  <ds:schemaRefs>
+    <ds:schemaRef ds:uri="http://schemas.microsoft.com/VisualStudio/2011/storyboarding/control"/>
+  </ds:schemaRefs>
+</ds:datastoreItem>
+</file>
+
+<file path=customXml/itemProps10.xml><?xml version="1.0" encoding="utf-8"?>
+<ds:datastoreItem xmlns:ds="http://schemas.openxmlformats.org/officeDocument/2006/customXml" ds:itemID="{084278B8-A977-4998-90BD-F6C56A123772}">
+  <ds:schemaRefs>
+    <ds:schemaRef ds:uri="http://schemas.microsoft.com/VisualStudio/2011/storyboarding/control"/>
+  </ds:schemaRefs>
+</ds:datastoreItem>
+</file>
+
+<file path=customXml/itemProps11.xml><?xml version="1.0" encoding="utf-8"?>
+<ds:datastoreItem xmlns:ds="http://schemas.openxmlformats.org/officeDocument/2006/customXml" ds:itemID="{5D493CBE-5446-43DA-A347-222999933AF7}">
+  <ds:schemaRefs>
+    <ds:schemaRef ds:uri="http://schemas.microsoft.com/VisualStudio/2011/storyboarding/control"/>
+  </ds:schemaRefs>
+</ds:datastoreItem>
+</file>
+
+<file path=customXml/itemProps12.xml><?xml version="1.0" encoding="utf-8"?>
+<ds:datastoreItem xmlns:ds="http://schemas.openxmlformats.org/officeDocument/2006/customXml" ds:itemID="{2C8A8EDC-6EF7-4522-8694-660C343074D6}">
+  <ds:schemaRefs>
+    <ds:schemaRef ds:uri="http://schemas.microsoft.com/VisualStudio/2011/storyboarding/control"/>
+  </ds:schemaRefs>
+</ds:datastoreItem>
+</file>
+
+<file path=customXml/itemProps13.xml><?xml version="1.0" encoding="utf-8"?>
+<ds:datastoreItem xmlns:ds="http://schemas.openxmlformats.org/officeDocument/2006/customXml" ds:itemID="{FF284517-1DEA-483A-AE14-16B53F8C4017}">
+  <ds:schemaRefs>
+    <ds:schemaRef ds:uri="http://schemas.microsoft.com/VisualStudio/2011/storyboarding/control"/>
+  </ds:schemaRefs>
+</ds:datastoreItem>
+</file>
+
+<file path=customXml/itemProps14.xml><?xml version="1.0" encoding="utf-8"?>
+<ds:datastoreItem xmlns:ds="http://schemas.openxmlformats.org/officeDocument/2006/customXml" ds:itemID="{3CCD36F2-3425-44F7-9F51-456F0C7CC89C}">
+  <ds:schemaRefs>
+    <ds:schemaRef ds:uri="http://schemas.microsoft.com/VisualStudio/2011/storyboarding/control"/>
+  </ds:schemaRefs>
+</ds:datastoreItem>
+</file>
+
+<file path=customXml/itemProps15.xml><?xml version="1.0" encoding="utf-8"?>
 <ds:datastoreItem xmlns:ds="http://schemas.openxmlformats.org/officeDocument/2006/customXml" ds:itemID="{CEF68D64-8D51-42AA-8C2A-0AF1FD5D33EE}">
   <ds:schemaRefs>
     <ds:schemaRef ds:uri="http://schemas.microsoft.com/VisualStudio/2011/storyboarding/control"/>
@@ -7633,7 +13541,71 @@
 </ds:datastoreItem>
 </file>
 
-<file path=customXml/itemProps10.xml><?xml version="1.0" encoding="utf-8"?>
+<file path=customXml/itemProps16.xml><?xml version="1.0" encoding="utf-8"?>
+<ds:datastoreItem xmlns:ds="http://schemas.openxmlformats.org/officeDocument/2006/customXml" ds:itemID="{5E7928F5-79C4-47ED-99DD-FC8E6DC4851B}">
+  <ds:schemaRefs>
+    <ds:schemaRef ds:uri="http://schemas.microsoft.com/VisualStudio/2011/storyboarding/control"/>
+  </ds:schemaRefs>
+</ds:datastoreItem>
+</file>
+
+<file path=customXml/itemProps17.xml><?xml version="1.0" encoding="utf-8"?>
+<ds:datastoreItem xmlns:ds="http://schemas.openxmlformats.org/officeDocument/2006/customXml" ds:itemID="{C203A4C3-7CA4-4E41-A180-DCD93F0B08DE}">
+  <ds:schemaRefs>
+    <ds:schemaRef ds:uri="http://schemas.microsoft.com/VisualStudio/2011/storyboarding/control"/>
+  </ds:schemaRefs>
+</ds:datastoreItem>
+</file>
+
+<file path=customXml/itemProps18.xml><?xml version="1.0" encoding="utf-8"?>
+<ds:datastoreItem xmlns:ds="http://schemas.openxmlformats.org/officeDocument/2006/customXml" ds:itemID="{5E6F5FDC-2093-441C-92ED-C35DBC007D0F}">
+  <ds:schemaRefs>
+    <ds:schemaRef ds:uri="http://schemas.microsoft.com/VisualStudio/2011/storyboarding/control"/>
+  </ds:schemaRefs>
+</ds:datastoreItem>
+</file>
+
+<file path=customXml/itemProps19.xml><?xml version="1.0" encoding="utf-8"?>
+<ds:datastoreItem xmlns:ds="http://schemas.openxmlformats.org/officeDocument/2006/customXml" ds:itemID="{2CD56508-96A6-4D08-918C-54CB004621AF}">
+  <ds:schemaRefs>
+    <ds:schemaRef ds:uri="http://schemas.microsoft.com/VisualStudio/2011/storyboarding/control"/>
+  </ds:schemaRefs>
+</ds:datastoreItem>
+</file>
+
+<file path=customXml/itemProps2.xml><?xml version="1.0" encoding="utf-8"?>
+<ds:datastoreItem xmlns:ds="http://schemas.openxmlformats.org/officeDocument/2006/customXml" ds:itemID="{523D9000-2555-42DB-A300-C0E2B61D8403}">
+  <ds:schemaRefs>
+    <ds:schemaRef ds:uri="http://schemas.microsoft.com/VisualStudio/2011/storyboarding/control"/>
+  </ds:schemaRefs>
+</ds:datastoreItem>
+</file>
+
+<file path=customXml/itemProps20.xml><?xml version="1.0" encoding="utf-8"?>
+<ds:datastoreItem xmlns:ds="http://schemas.openxmlformats.org/officeDocument/2006/customXml" ds:itemID="{CA719675-9B71-49B9-BBAE-6093E5AF0C0C}">
+  <ds:schemaRefs>
+    <ds:schemaRef ds:uri="http://schemas.microsoft.com/VisualStudio/2011/storyboarding/control"/>
+  </ds:schemaRefs>
+</ds:datastoreItem>
+</file>
+
+<file path=customXml/itemProps21.xml><?xml version="1.0" encoding="utf-8"?>
+<ds:datastoreItem xmlns:ds="http://schemas.openxmlformats.org/officeDocument/2006/customXml" ds:itemID="{7F7B4182-C158-4CF7-BE17-BBC9AB98C52D}">
+  <ds:schemaRefs>
+    <ds:schemaRef ds:uri="http://schemas.microsoft.com/VisualStudio/2011/storyboarding/control"/>
+  </ds:schemaRefs>
+</ds:datastoreItem>
+</file>
+
+<file path=customXml/itemProps22.xml><?xml version="1.0" encoding="utf-8"?>
+<ds:datastoreItem xmlns:ds="http://schemas.openxmlformats.org/officeDocument/2006/customXml" ds:itemID="{49876BA4-ED70-4F54-946C-7F2FDA8101B3}">
+  <ds:schemaRefs>
+    <ds:schemaRef ds:uri="http://schemas.microsoft.com/VisualStudio/2011/storyboarding/control"/>
+  </ds:schemaRefs>
+</ds:datastoreItem>
+</file>
+
+<file path=customXml/itemProps23.xml><?xml version="1.0" encoding="utf-8"?>
 <ds:datastoreItem xmlns:ds="http://schemas.openxmlformats.org/officeDocument/2006/customXml" ds:itemID="{BA657A7A-162E-460C-9698-741B5BF8D8DB}">
   <ds:schemaRefs>
     <ds:schemaRef ds:uri="http://schemas.microsoft.com/VisualStudio/2011/storyboarding/control"/>
@@ -7641,31 +13613,31 @@
 </ds:datastoreItem>
 </file>
 
-<file path=customXml/itemProps11.xml><?xml version="1.0" encoding="utf-8"?>
-<ds:datastoreItem xmlns:ds="http://schemas.openxmlformats.org/officeDocument/2006/customXml" ds:itemID="{C203A4C3-7CA4-4E41-A180-DCD93F0B08DE}">
+<file path=customXml/itemProps24.xml><?xml version="1.0" encoding="utf-8"?>
+<ds:datastoreItem xmlns:ds="http://schemas.openxmlformats.org/officeDocument/2006/customXml" ds:itemID="{E97CE4A6-9C01-4E1C-AE95-A570F68F4499}">
   <ds:schemaRefs>
     <ds:schemaRef ds:uri="http://schemas.microsoft.com/VisualStudio/2011/storyboarding/control"/>
   </ds:schemaRefs>
 </ds:datastoreItem>
 </file>
 
-<file path=customXml/itemProps12.xml><?xml version="1.0" encoding="utf-8"?>
-<ds:datastoreItem xmlns:ds="http://schemas.openxmlformats.org/officeDocument/2006/customXml" ds:itemID="{776DA967-FF73-4AD2-8CC6-D43089C9FC8F}">
+<file path=customXml/itemProps25.xml><?xml version="1.0" encoding="utf-8"?>
+<ds:datastoreItem xmlns:ds="http://schemas.openxmlformats.org/officeDocument/2006/customXml" ds:itemID="{9A09CA26-6854-4F3C-9516-942B8F58A388}">
   <ds:schemaRefs>
     <ds:schemaRef ds:uri="http://schemas.microsoft.com/VisualStudio/2011/storyboarding/control"/>
   </ds:schemaRefs>
 </ds:datastoreItem>
 </file>
 
-<file path=customXml/itemProps13.xml><?xml version="1.0" encoding="utf-8"?>
-<ds:datastoreItem xmlns:ds="http://schemas.openxmlformats.org/officeDocument/2006/customXml" ds:itemID="{523D9000-2555-42DB-A300-C0E2B61D8403}">
+<file path=customXml/itemProps26.xml><?xml version="1.0" encoding="utf-8"?>
+<ds:datastoreItem xmlns:ds="http://schemas.openxmlformats.org/officeDocument/2006/customXml" ds:itemID="{3D3ECC72-DC24-4791-9CA6-47ECE2A69DDF}">
   <ds:schemaRefs>
     <ds:schemaRef ds:uri="http://schemas.microsoft.com/VisualStudio/2011/storyboarding/control"/>
   </ds:schemaRefs>
 </ds:datastoreItem>
 </file>
 
-<file path=customXml/itemProps14.xml><?xml version="1.0" encoding="utf-8"?>
+<file path=customXml/itemProps27.xml><?xml version="1.0" encoding="utf-8"?>
 <ds:datastoreItem xmlns:ds="http://schemas.openxmlformats.org/officeDocument/2006/customXml" ds:itemID="{DB5FF0E2-44EA-4182-809E-0BD041009B94}">
   <ds:schemaRefs>
     <ds:schemaRef ds:uri="http://schemas.microsoft.com/VisualStudio/2011/storyboarding/control"/>
@@ -7673,31 +13645,23 @@
 </ds:datastoreItem>
 </file>
 
-<file path=customXml/itemProps15.xml><?xml version="1.0" encoding="utf-8"?>
-<ds:datastoreItem xmlns:ds="http://schemas.openxmlformats.org/officeDocument/2006/customXml" ds:itemID="{CA719675-9B71-49B9-BBAE-6093E5AF0C0C}">
+<file path=customXml/itemProps28.xml><?xml version="1.0" encoding="utf-8"?>
+<ds:datastoreItem xmlns:ds="http://schemas.openxmlformats.org/officeDocument/2006/customXml" ds:itemID="{05045935-8ED3-40B0-85FE-7ED7979502AF}">
   <ds:schemaRefs>
     <ds:schemaRef ds:uri="http://schemas.microsoft.com/VisualStudio/2011/storyboarding/control"/>
   </ds:schemaRefs>
 </ds:datastoreItem>
 </file>
 
-<file path=customXml/itemProps16.xml><?xml version="1.0" encoding="utf-8"?>
-<ds:datastoreItem xmlns:ds="http://schemas.openxmlformats.org/officeDocument/2006/customXml" ds:itemID="{2C8A8EDC-6EF7-4522-8694-660C343074D6}">
+<file path=customXml/itemProps29.xml><?xml version="1.0" encoding="utf-8"?>
+<ds:datastoreItem xmlns:ds="http://schemas.openxmlformats.org/officeDocument/2006/customXml" ds:itemID="{0FD6602D-9FF1-45EA-ACC6-2A4C9859DD2B}">
   <ds:schemaRefs>
     <ds:schemaRef ds:uri="http://schemas.microsoft.com/VisualStudio/2011/storyboarding/control"/>
   </ds:schemaRefs>
 </ds:datastoreItem>
 </file>
 
-<file path=customXml/itemProps17.xml><?xml version="1.0" encoding="utf-8"?>
-<ds:datastoreItem xmlns:ds="http://schemas.openxmlformats.org/officeDocument/2006/customXml" ds:itemID="{DACCD0EB-1B7A-4C8A-9B7E-726E900234E0}">
-  <ds:schemaRefs>
-    <ds:schemaRef ds:uri="http://schemas.microsoft.com/VisualStudio/2011/storyboarding/control"/>
-  </ds:schemaRefs>
-</ds:datastoreItem>
-</file>
-
-<file path=customXml/itemProps18.xml><?xml version="1.0" encoding="utf-8"?>
+<file path=customXml/itemProps3.xml><?xml version="1.0" encoding="utf-8"?>
 <ds:datastoreItem xmlns:ds="http://schemas.openxmlformats.org/officeDocument/2006/customXml" ds:itemID="{BB08E1D8-D864-4F18-BB84-C71EFF99EB19}">
   <ds:schemaRefs>
     <ds:schemaRef ds:uri="http://schemas.microsoft.com/VisualStudio/2011/storyboarding/control"/>
@@ -7705,31 +13669,263 @@
 </ds:datastoreItem>
 </file>
 
-<file path=customXml/itemProps19.xml><?xml version="1.0" encoding="utf-8"?>
-<ds:datastoreItem xmlns:ds="http://schemas.openxmlformats.org/officeDocument/2006/customXml" ds:itemID="{E97CE4A6-9C01-4E1C-AE95-A570F68F4499}">
+<file path=customXml/itemProps30.xml><?xml version="1.0" encoding="utf-8"?>
+<ds:datastoreItem xmlns:ds="http://schemas.openxmlformats.org/officeDocument/2006/customXml" ds:itemID="{959EFEAB-6E98-4883-8851-FDCDD017785D}">
   <ds:schemaRefs>
     <ds:schemaRef ds:uri="http://schemas.microsoft.com/VisualStudio/2011/storyboarding/control"/>
   </ds:schemaRefs>
 </ds:datastoreItem>
 </file>
 
-<file path=customXml/itemProps2.xml><?xml version="1.0" encoding="utf-8"?>
-<ds:datastoreItem xmlns:ds="http://schemas.openxmlformats.org/officeDocument/2006/customXml" ds:itemID="{5D493CBE-5446-43DA-A347-222999933AF7}">
+<file path=customXml/itemProps31.xml><?xml version="1.0" encoding="utf-8"?>
+<ds:datastoreItem xmlns:ds="http://schemas.openxmlformats.org/officeDocument/2006/customXml" ds:itemID="{A5FAEA2E-1583-466A-9165-9B35562D5BB9}">
   <ds:schemaRefs>
     <ds:schemaRef ds:uri="http://schemas.microsoft.com/VisualStudio/2011/storyboarding/control"/>
   </ds:schemaRefs>
 </ds:datastoreItem>
 </file>
 
-<file path=customXml/itemProps20.xml><?xml version="1.0" encoding="utf-8"?>
-<ds:datastoreItem xmlns:ds="http://schemas.openxmlformats.org/officeDocument/2006/customXml" ds:itemID="{FF284517-1DEA-483A-AE14-16B53F8C4017}">
+<file path=customXml/itemProps32.xml><?xml version="1.0" encoding="utf-8"?>
+<ds:datastoreItem xmlns:ds="http://schemas.openxmlformats.org/officeDocument/2006/customXml" ds:itemID="{02E88897-49EF-4361-8D4E-72D019AB3952}">
   <ds:schemaRefs>
     <ds:schemaRef ds:uri="http://schemas.microsoft.com/VisualStudio/2011/storyboarding/control"/>
   </ds:schemaRefs>
 </ds:datastoreItem>
 </file>
 
-<file path=customXml/itemProps21.xml><?xml version="1.0" encoding="utf-8"?>
+<file path=customXml/itemProps33.xml><?xml version="1.0" encoding="utf-8"?>
+<ds:datastoreItem xmlns:ds="http://schemas.openxmlformats.org/officeDocument/2006/customXml" ds:itemID="{382FEB9B-65A2-4A08-B9EE-4FF71604DD79}">
+  <ds:schemaRefs>
+    <ds:schemaRef ds:uri="http://schemas.microsoft.com/VisualStudio/2011/storyboarding/control"/>
+  </ds:schemaRefs>
+</ds:datastoreItem>
+</file>
+
+<file path=customXml/itemProps34.xml><?xml version="1.0" encoding="utf-8"?>
+<ds:datastoreItem xmlns:ds="http://schemas.openxmlformats.org/officeDocument/2006/customXml" ds:itemID="{09657BC4-BAFD-4B74-B4A4-6C87A79A3222}">
+  <ds:schemaRefs>
+    <ds:schemaRef ds:uri="http://schemas.microsoft.com/VisualStudio/2011/storyboarding/control"/>
+  </ds:schemaRefs>
+</ds:datastoreItem>
+</file>
+
+<file path=customXml/itemProps35.xml><?xml version="1.0" encoding="utf-8"?>
+<ds:datastoreItem xmlns:ds="http://schemas.openxmlformats.org/officeDocument/2006/customXml" ds:itemID="{8D12B2BB-92BF-4055-BE4B-2BC8F8D34976}">
+  <ds:schemaRefs>
+    <ds:schemaRef ds:uri="http://schemas.microsoft.com/VisualStudio/2011/storyboarding/control"/>
+  </ds:schemaRefs>
+</ds:datastoreItem>
+</file>
+
+<file path=customXml/itemProps36.xml><?xml version="1.0" encoding="utf-8"?>
+<ds:datastoreItem xmlns:ds="http://schemas.openxmlformats.org/officeDocument/2006/customXml" ds:itemID="{AD819D8E-277F-4013-94EC-806D05B4DB13}">
+  <ds:schemaRefs>
+    <ds:schemaRef ds:uri="http://schemas.microsoft.com/VisualStudio/2011/storyboarding/control"/>
+  </ds:schemaRefs>
+</ds:datastoreItem>
+</file>
+
+<file path=customXml/itemProps37.xml><?xml version="1.0" encoding="utf-8"?>
+<ds:datastoreItem xmlns:ds="http://schemas.openxmlformats.org/officeDocument/2006/customXml" ds:itemID="{1EBD2190-5E41-4998-850B-55AA5F2D3A54}">
+  <ds:schemaRefs>
+    <ds:schemaRef ds:uri="http://schemas.microsoft.com/VisualStudio/2011/storyboarding/control"/>
+  </ds:schemaRefs>
+</ds:datastoreItem>
+</file>
+
+<file path=customXml/itemProps38.xml><?xml version="1.0" encoding="utf-8"?>
+<ds:datastoreItem xmlns:ds="http://schemas.openxmlformats.org/officeDocument/2006/customXml" ds:itemID="{B7E375E3-A4EA-40BE-9EF3-2A27665CAD5D}">
+  <ds:schemaRefs>
+    <ds:schemaRef ds:uri="http://schemas.microsoft.com/VisualStudio/2011/storyboarding/control"/>
+  </ds:schemaRefs>
+</ds:datastoreItem>
+</file>
+
+<file path=customXml/itemProps39.xml><?xml version="1.0" encoding="utf-8"?>
+<ds:datastoreItem xmlns:ds="http://schemas.openxmlformats.org/officeDocument/2006/customXml" ds:itemID="{7D0E3FE9-A3BC-4A64-A6E6-11DA64D2EA98}">
+  <ds:schemaRefs>
+    <ds:schemaRef ds:uri="http://schemas.microsoft.com/VisualStudio/2011/storyboarding/control"/>
+  </ds:schemaRefs>
+</ds:datastoreItem>
+</file>
+
+<file path=customXml/itemProps4.xml><?xml version="1.0" encoding="utf-8"?>
+<ds:datastoreItem xmlns:ds="http://schemas.openxmlformats.org/officeDocument/2006/customXml" ds:itemID="{EB2DCAD1-72F1-4D23-97E2-565C0AB7AA19}">
+  <ds:schemaRefs>
+    <ds:schemaRef ds:uri="http://schemas.microsoft.com/VisualStudio/2011/storyboarding/control"/>
+  </ds:schemaRefs>
+</ds:datastoreItem>
+</file>
+
+<file path=customXml/itemProps40.xml><?xml version="1.0" encoding="utf-8"?>
+<ds:datastoreItem xmlns:ds="http://schemas.openxmlformats.org/officeDocument/2006/customXml" ds:itemID="{BB733E3C-AEA1-4813-B64F-A591C90E0449}">
+  <ds:schemaRefs>
+    <ds:schemaRef ds:uri="http://schemas.microsoft.com/VisualStudio/2011/storyboarding/control"/>
+  </ds:schemaRefs>
+</ds:datastoreItem>
+</file>
+
+<file path=customXml/itemProps41.xml><?xml version="1.0" encoding="utf-8"?>
+<ds:datastoreItem xmlns:ds="http://schemas.openxmlformats.org/officeDocument/2006/customXml" ds:itemID="{F7CD6DE8-E3CA-41AD-BDF6-29CE07D429DA}">
+  <ds:schemaRefs>
+    <ds:schemaRef ds:uri="http://schemas.microsoft.com/VisualStudio/2011/storyboarding/control"/>
+  </ds:schemaRefs>
+</ds:datastoreItem>
+</file>
+
+<file path=customXml/itemProps42.xml><?xml version="1.0" encoding="utf-8"?>
+<ds:datastoreItem xmlns:ds="http://schemas.openxmlformats.org/officeDocument/2006/customXml" ds:itemID="{9BF50CE8-CF32-4606-8DE6-3101ABBDD070}">
+  <ds:schemaRefs>
+    <ds:schemaRef ds:uri="http://schemas.microsoft.com/VisualStudio/2011/storyboarding/control"/>
+  </ds:schemaRefs>
+</ds:datastoreItem>
+</file>
+
+<file path=customXml/itemProps43.xml><?xml version="1.0" encoding="utf-8"?>
+<ds:datastoreItem xmlns:ds="http://schemas.openxmlformats.org/officeDocument/2006/customXml" ds:itemID="{D5FEB2A6-E2DE-4A94-92FC-D966BD6E1C55}">
+  <ds:schemaRefs>
+    <ds:schemaRef ds:uri="http://schemas.microsoft.com/VisualStudio/2011/storyboarding/control"/>
+  </ds:schemaRefs>
+</ds:datastoreItem>
+</file>
+
+<file path=customXml/itemProps44.xml><?xml version="1.0" encoding="utf-8"?>
+<ds:datastoreItem xmlns:ds="http://schemas.openxmlformats.org/officeDocument/2006/customXml" ds:itemID="{5F13B48F-437D-49AE-BFB9-EBA82E71BB38}">
+  <ds:schemaRefs>
+    <ds:schemaRef ds:uri="http://schemas.microsoft.com/VisualStudio/2011/storyboarding/control"/>
+  </ds:schemaRefs>
+</ds:datastoreItem>
+</file>
+
+<file path=customXml/itemProps45.xml><?xml version="1.0" encoding="utf-8"?>
+<ds:datastoreItem xmlns:ds="http://schemas.openxmlformats.org/officeDocument/2006/customXml" ds:itemID="{D226A0C3-5037-4DCE-847C-5DB2A993A518}">
+  <ds:schemaRefs>
+    <ds:schemaRef ds:uri="http://schemas.microsoft.com/VisualStudio/2011/storyboarding/control"/>
+  </ds:schemaRefs>
+</ds:datastoreItem>
+</file>
+
+<file path=customXml/itemProps46.xml><?xml version="1.0" encoding="utf-8"?>
+<ds:datastoreItem xmlns:ds="http://schemas.openxmlformats.org/officeDocument/2006/customXml" ds:itemID="{862FA17A-2C6F-4CD8-B507-10CA7CC09A8F}">
+  <ds:schemaRefs>
+    <ds:schemaRef ds:uri="http://schemas.microsoft.com/VisualStudio/2011/storyboarding/control"/>
+  </ds:schemaRefs>
+</ds:datastoreItem>
+</file>
+
+<file path=customXml/itemProps47.xml><?xml version="1.0" encoding="utf-8"?>
+<ds:datastoreItem xmlns:ds="http://schemas.openxmlformats.org/officeDocument/2006/customXml" ds:itemID="{E998C69E-52BE-44B3-B629-486376A2D891}">
+  <ds:schemaRefs>
+    <ds:schemaRef ds:uri="http://schemas.microsoft.com/VisualStudio/2011/storyboarding/control"/>
+  </ds:schemaRefs>
+</ds:datastoreItem>
+</file>
+
+<file path=customXml/itemProps48.xml><?xml version="1.0" encoding="utf-8"?>
+<ds:datastoreItem xmlns:ds="http://schemas.openxmlformats.org/officeDocument/2006/customXml" ds:itemID="{8FA3D93C-F1A3-4B2E-9382-EA20C1D69BAD}">
+  <ds:schemaRefs>
+    <ds:schemaRef ds:uri="http://schemas.microsoft.com/VisualStudio/2011/storyboarding/control"/>
+  </ds:schemaRefs>
+</ds:datastoreItem>
+</file>
+
+<file path=customXml/itemProps49.xml><?xml version="1.0" encoding="utf-8"?>
+<ds:datastoreItem xmlns:ds="http://schemas.openxmlformats.org/officeDocument/2006/customXml" ds:itemID="{E27BBFB1-FB8A-4416-95F7-69ED22360FD0}">
+  <ds:schemaRefs>
+    <ds:schemaRef ds:uri="http://schemas.microsoft.com/VisualStudio/2011/storyboarding/control"/>
+  </ds:schemaRefs>
+</ds:datastoreItem>
+</file>
+
+<file path=customXml/itemProps5.xml><?xml version="1.0" encoding="utf-8"?>
+<ds:datastoreItem xmlns:ds="http://schemas.openxmlformats.org/officeDocument/2006/customXml" ds:itemID="{1639FB28-1EC5-4003-89AB-A9220F614689}">
+  <ds:schemaRefs>
+    <ds:schemaRef ds:uri="http://schemas.microsoft.com/VisualStudio/2011/storyboarding/control"/>
+  </ds:schemaRefs>
+</ds:datastoreItem>
+</file>
+
+<file path=customXml/itemProps50.xml><?xml version="1.0" encoding="utf-8"?>
+<ds:datastoreItem xmlns:ds="http://schemas.openxmlformats.org/officeDocument/2006/customXml" ds:itemID="{D10F67D1-B2C6-4D91-9BEE-407097047766}">
+  <ds:schemaRefs>
+    <ds:schemaRef ds:uri="http://schemas.microsoft.com/VisualStudio/2011/storyboarding/control"/>
+  </ds:schemaRefs>
+</ds:datastoreItem>
+</file>
+
+<file path=customXml/itemProps51.xml><?xml version="1.0" encoding="utf-8"?>
+<ds:datastoreItem xmlns:ds="http://schemas.openxmlformats.org/officeDocument/2006/customXml" ds:itemID="{97E85E79-3453-4406-A138-2BED0C524D02}">
+  <ds:schemaRefs>
+    <ds:schemaRef ds:uri="http://schemas.microsoft.com/VisualStudio/2011/storyboarding/control"/>
+  </ds:schemaRefs>
+</ds:datastoreItem>
+</file>
+
+<file path=customXml/itemProps52.xml><?xml version="1.0" encoding="utf-8"?>
+<ds:datastoreItem xmlns:ds="http://schemas.openxmlformats.org/officeDocument/2006/customXml" ds:itemID="{3C01D0B5-D923-4DB6-9ECA-21B712F90957}">
+  <ds:schemaRefs>
+    <ds:schemaRef ds:uri="http://schemas.microsoft.com/VisualStudio/2011/storyboarding/control"/>
+  </ds:schemaRefs>
+</ds:datastoreItem>
+</file>
+
+<file path=customXml/itemProps53.xml><?xml version="1.0" encoding="utf-8"?>
+<ds:datastoreItem xmlns:ds="http://schemas.openxmlformats.org/officeDocument/2006/customXml" ds:itemID="{BF63BC62-A2B6-4DC4-A6F4-7F46DAD5D502}">
+  <ds:schemaRefs>
+    <ds:schemaRef ds:uri="http://schemas.microsoft.com/VisualStudio/2011/storyboarding/control"/>
+  </ds:schemaRefs>
+</ds:datastoreItem>
+</file>
+
+<file path=customXml/itemProps54.xml><?xml version="1.0" encoding="utf-8"?>
+<ds:datastoreItem xmlns:ds="http://schemas.openxmlformats.org/officeDocument/2006/customXml" ds:itemID="{6D23DAD7-E0D9-4241-A4DB-204A0F380A76}">
+  <ds:schemaRefs>
+    <ds:schemaRef ds:uri="http://schemas.microsoft.com/VisualStudio/2011/storyboarding/control"/>
+  </ds:schemaRefs>
+</ds:datastoreItem>
+</file>
+
+<file path=customXml/itemProps55.xml><?xml version="1.0" encoding="utf-8"?>
+<ds:datastoreItem xmlns:ds="http://schemas.openxmlformats.org/officeDocument/2006/customXml" ds:itemID="{11C14D45-A737-4C48-AAAE-B66C79B7299B}">
+  <ds:schemaRefs>
+    <ds:schemaRef ds:uri="http://schemas.microsoft.com/VisualStudio/2011/storyboarding/control"/>
+  </ds:schemaRefs>
+</ds:datastoreItem>
+</file>
+
+<file path=customXml/itemProps56.xml><?xml version="1.0" encoding="utf-8"?>
+<ds:datastoreItem xmlns:ds="http://schemas.openxmlformats.org/officeDocument/2006/customXml" ds:itemID="{21A90A5F-24FA-4767-A349-8C4CAECFA4AE}">
+  <ds:schemaRefs>
+    <ds:schemaRef ds:uri="http://schemas.microsoft.com/VisualStudio/2011/storyboarding/control"/>
+  </ds:schemaRefs>
+</ds:datastoreItem>
+</file>
+
+<file path=customXml/itemProps57.xml><?xml version="1.0" encoding="utf-8"?>
+<ds:datastoreItem xmlns:ds="http://schemas.openxmlformats.org/officeDocument/2006/customXml" ds:itemID="{9EAD970D-1769-449C-8C12-17B66CF1D5B1}">
+  <ds:schemaRefs>
+    <ds:schemaRef ds:uri="http://schemas.microsoft.com/VisualStudio/2011/storyboarding/control"/>
+  </ds:schemaRefs>
+</ds:datastoreItem>
+</file>
+
+<file path=customXml/itemProps58.xml><?xml version="1.0" encoding="utf-8"?>
+<ds:datastoreItem xmlns:ds="http://schemas.openxmlformats.org/officeDocument/2006/customXml" ds:itemID="{0A1033CC-D5EB-4A43-BF43-B44A6E7530B3}">
+  <ds:schemaRefs>
+    <ds:schemaRef ds:uri="http://schemas.microsoft.com/VisualStudio/2011/storyboarding/control"/>
+  </ds:schemaRefs>
+</ds:datastoreItem>
+</file>
+
+<file path=customXml/itemProps59.xml><?xml version="1.0" encoding="utf-8"?>
+<ds:datastoreItem xmlns:ds="http://schemas.openxmlformats.org/officeDocument/2006/customXml" ds:itemID="{CA4A118F-B9BE-4B9A-ABEA-F0641AD333A0}">
+  <ds:schemaRefs>
+    <ds:schemaRef ds:uri="http://schemas.microsoft.com/VisualStudio/2011/storyboarding/control"/>
+  </ds:schemaRefs>
+</ds:datastoreItem>
+</file>
+
+<file path=customXml/itemProps6.xml><?xml version="1.0" encoding="utf-8"?>
 <ds:datastoreItem xmlns:ds="http://schemas.openxmlformats.org/officeDocument/2006/customXml" ds:itemID="{EDEFCAC1-81E8-4EA1-AF8A-6D8861A55F36}">
   <ds:schemaRefs>
     <ds:schemaRef ds:uri="http://schemas.microsoft.com/VisualStudio/2011/storyboarding/control"/>
@@ -7737,96 +13933,80 @@
 </ds:datastoreItem>
 </file>
 
-<file path=customXml/itemProps22.xml><?xml version="1.0" encoding="utf-8"?>
-<ds:datastoreItem xmlns:ds="http://schemas.openxmlformats.org/officeDocument/2006/customXml" ds:itemID="{05045935-8ED3-40B0-85FE-7ED7979502AF}">
+<file path=customXml/itemProps60.xml><?xml version="1.0" encoding="utf-8"?>
+<ds:datastoreItem xmlns:ds="http://schemas.openxmlformats.org/officeDocument/2006/customXml" ds:itemID="{55B5B6F8-9901-492E-97D6-EAC91518CD9E}">
   <ds:schemaRefs>
     <ds:schemaRef ds:uri="http://schemas.microsoft.com/VisualStudio/2011/storyboarding/control"/>
   </ds:schemaRefs>
 </ds:datastoreItem>
 </file>
 
-<file path=customXml/itemProps23.xml><?xml version="1.0" encoding="utf-8"?>
-<ds:datastoreItem xmlns:ds="http://schemas.openxmlformats.org/officeDocument/2006/customXml" ds:itemID="{7F7B4182-C158-4CF7-BE17-BBC9AB98C52D}">
+<file path=customXml/itemProps61.xml><?xml version="1.0" encoding="utf-8"?>
+<ds:datastoreItem xmlns:ds="http://schemas.openxmlformats.org/officeDocument/2006/customXml" ds:itemID="{88FF388B-936F-494E-A575-6D8128D38F2C}">
   <ds:schemaRefs>
     <ds:schemaRef ds:uri="http://schemas.microsoft.com/VisualStudio/2011/storyboarding/control"/>
   </ds:schemaRefs>
 </ds:datastoreItem>
 </file>
 
-<file path=customXml/itemProps24.xml><?xml version="1.0" encoding="utf-8"?>
-<ds:datastoreItem xmlns:ds="http://schemas.openxmlformats.org/officeDocument/2006/customXml" ds:itemID="{5E6F5FDC-2093-441C-92ED-C35DBC007D0F}">
+<file path=customXml/itemProps62.xml><?xml version="1.0" encoding="utf-8"?>
+<ds:datastoreItem xmlns:ds="http://schemas.openxmlformats.org/officeDocument/2006/customXml" ds:itemID="{B39EB365-64A2-4270-B261-6F581E40AA63}">
   <ds:schemaRefs>
     <ds:schemaRef ds:uri="http://schemas.microsoft.com/VisualStudio/2011/storyboarding/control"/>
   </ds:schemaRefs>
 </ds:datastoreItem>
 </file>
 
-<file path=customXml/itemProps25.xml><?xml version="1.0" encoding="utf-8"?>
-<ds:datastoreItem xmlns:ds="http://schemas.openxmlformats.org/officeDocument/2006/customXml" ds:itemID="{084278B8-A977-4998-90BD-F6C56A123772}">
+<file path=customXml/itemProps63.xml><?xml version="1.0" encoding="utf-8"?>
+<ds:datastoreItem xmlns:ds="http://schemas.openxmlformats.org/officeDocument/2006/customXml" ds:itemID="{CF6A60AE-6D84-4733-81BB-5121E0FFC000}">
   <ds:schemaRefs>
     <ds:schemaRef ds:uri="http://schemas.microsoft.com/VisualStudio/2011/storyboarding/control"/>
   </ds:schemaRefs>
 </ds:datastoreItem>
 </file>
 
-<file path=customXml/itemProps26.xml><?xml version="1.0" encoding="utf-8"?>
-<ds:datastoreItem xmlns:ds="http://schemas.openxmlformats.org/officeDocument/2006/customXml" ds:itemID="{EB2DCAD1-72F1-4D23-97E2-565C0AB7AA19}">
+<file path=customXml/itemProps64.xml><?xml version="1.0" encoding="utf-8"?>
+<ds:datastoreItem xmlns:ds="http://schemas.openxmlformats.org/officeDocument/2006/customXml" ds:itemID="{8DAC1539-EE00-4235-AB6E-3D689442BEDF}">
   <ds:schemaRefs>
     <ds:schemaRef ds:uri="http://schemas.microsoft.com/VisualStudio/2011/storyboarding/control"/>
   </ds:schemaRefs>
 </ds:datastoreItem>
 </file>
 
-<file path=customXml/itemProps27.xml><?xml version="1.0" encoding="utf-8"?>
-<ds:datastoreItem xmlns:ds="http://schemas.openxmlformats.org/officeDocument/2006/customXml" ds:itemID="{0FD6602D-9FF1-45EA-ACC6-2A4C9859DD2B}">
+<file path=customXml/itemProps65.xml><?xml version="1.0" encoding="utf-8"?>
+<ds:datastoreItem xmlns:ds="http://schemas.openxmlformats.org/officeDocument/2006/customXml" ds:itemID="{1DCDD326-8855-4EA9-81F1-29467A7EBF4F}">
   <ds:schemaRefs>
     <ds:schemaRef ds:uri="http://schemas.microsoft.com/VisualStudio/2011/storyboarding/control"/>
   </ds:schemaRefs>
 </ds:datastoreItem>
 </file>
 
-<file path=customXml/itemProps28.xml><?xml version="1.0" encoding="utf-8"?>
-<ds:datastoreItem xmlns:ds="http://schemas.openxmlformats.org/officeDocument/2006/customXml" ds:itemID="{49876BA4-ED70-4F54-946C-7F2FDA8101B3}">
+<file path=customXml/itemProps66.xml><?xml version="1.0" encoding="utf-8"?>
+<ds:datastoreItem xmlns:ds="http://schemas.openxmlformats.org/officeDocument/2006/customXml" ds:itemID="{3D180A80-32EA-4B75-B874-79AE921CE972}">
   <ds:schemaRefs>
     <ds:schemaRef ds:uri="http://schemas.microsoft.com/VisualStudio/2011/storyboarding/control"/>
   </ds:schemaRefs>
 </ds:datastoreItem>
 </file>
 
-<file path=customXml/itemProps29.xml><?xml version="1.0" encoding="utf-8"?>
-<ds:datastoreItem xmlns:ds="http://schemas.openxmlformats.org/officeDocument/2006/customXml" ds:itemID="{3CCD36F2-3425-44F7-9F51-456F0C7CC89C}">
+<file path=customXml/itemProps67.xml><?xml version="1.0" encoding="utf-8"?>
+<ds:datastoreItem xmlns:ds="http://schemas.openxmlformats.org/officeDocument/2006/customXml" ds:itemID="{0112F604-12CF-4AF0-B1B9-DFC27CF2EB39}">
   <ds:schemaRefs>
     <ds:schemaRef ds:uri="http://schemas.microsoft.com/VisualStudio/2011/storyboarding/control"/>
   </ds:schemaRefs>
 </ds:datastoreItem>
 </file>
 
-<file path=customXml/itemProps3.xml><?xml version="1.0" encoding="utf-8"?>
-<ds:datastoreItem xmlns:ds="http://schemas.openxmlformats.org/officeDocument/2006/customXml" ds:itemID="{1639FB28-1EC5-4003-89AB-A9220F614689}">
+<file path=customXml/itemProps68.xml><?xml version="1.0" encoding="utf-8"?>
+<ds:datastoreItem xmlns:ds="http://schemas.openxmlformats.org/officeDocument/2006/customXml" ds:itemID="{BE10085E-8F62-44FE-A6C4-77F3F9B93BFD}">
   <ds:schemaRefs>
     <ds:schemaRef ds:uri="http://schemas.microsoft.com/VisualStudio/2011/storyboarding/control"/>
   </ds:schemaRefs>
 </ds:datastoreItem>
 </file>
 
-<file path=customXml/itemProps4.xml><?xml version="1.0" encoding="utf-8"?>
-<ds:datastoreItem xmlns:ds="http://schemas.openxmlformats.org/officeDocument/2006/customXml" ds:itemID="{9A09CA26-6854-4F3C-9516-942B8F58A388}">
-  <ds:schemaRefs>
-    <ds:schemaRef ds:uri="http://schemas.microsoft.com/VisualStudio/2011/storyboarding/control"/>
-  </ds:schemaRefs>
-</ds:datastoreItem>
-</file>
-
-<file path=customXml/itemProps5.xml><?xml version="1.0" encoding="utf-8"?>
-<ds:datastoreItem xmlns:ds="http://schemas.openxmlformats.org/officeDocument/2006/customXml" ds:itemID="{2CD56508-96A6-4D08-918C-54CB004621AF}">
-  <ds:schemaRefs>
-    <ds:schemaRef ds:uri="http://schemas.microsoft.com/VisualStudio/2011/storyboarding/control"/>
-  </ds:schemaRefs>
-</ds:datastoreItem>
-</file>
-
-<file path=customXml/itemProps6.xml><?xml version="1.0" encoding="utf-8"?>
-<ds:datastoreItem xmlns:ds="http://schemas.openxmlformats.org/officeDocument/2006/customXml" ds:itemID="{5E7928F5-79C4-47ED-99DD-FC8E6DC4851B}">
+<file path=customXml/itemProps69.xml><?xml version="1.0" encoding="utf-8"?>
+<ds:datastoreItem xmlns:ds="http://schemas.openxmlformats.org/officeDocument/2006/customXml" ds:itemID="{E1A30748-A830-4B10-A878-3B4756F506F2}">
   <ds:schemaRefs>
     <ds:schemaRef ds:uri="http://schemas.microsoft.com/VisualStudio/2011/storyboarding/control"/>
   </ds:schemaRefs>
@@ -7841,16 +14021,112 @@
 </ds:datastoreItem>
 </file>
 
-<file path=customXml/itemProps8.xml><?xml version="1.0" encoding="utf-8"?>
-<ds:datastoreItem xmlns:ds="http://schemas.openxmlformats.org/officeDocument/2006/customXml" ds:itemID="{220BC498-0DDF-422A-AC0F-97E589848EC1}">
+<file path=customXml/itemProps70.xml><?xml version="1.0" encoding="utf-8"?>
+<ds:datastoreItem xmlns:ds="http://schemas.openxmlformats.org/officeDocument/2006/customXml" ds:itemID="{C8101F23-7FAA-4BD8-AD2A-421FA377298D}">
   <ds:schemaRefs>
     <ds:schemaRef ds:uri="http://schemas.microsoft.com/VisualStudio/2011/storyboarding/control"/>
   </ds:schemaRefs>
 </ds:datastoreItem>
 </file>
 
+<file path=customXml/itemProps71.xml><?xml version="1.0" encoding="utf-8"?>
+<ds:datastoreItem xmlns:ds="http://schemas.openxmlformats.org/officeDocument/2006/customXml" ds:itemID="{70826E2B-1B9D-49EA-B16E-B2BAED7E59C5}">
+  <ds:schemaRefs>
+    <ds:schemaRef ds:uri="http://schemas.microsoft.com/VisualStudio/2011/storyboarding/control"/>
+  </ds:schemaRefs>
+</ds:datastoreItem>
+</file>
+
+<file path=customXml/itemProps72.xml><?xml version="1.0" encoding="utf-8"?>
+<ds:datastoreItem xmlns:ds="http://schemas.openxmlformats.org/officeDocument/2006/customXml" ds:itemID="{CCEC82DF-3665-44AC-9C20-DBAE83D3306F}">
+  <ds:schemaRefs>
+    <ds:schemaRef ds:uri="http://schemas.microsoft.com/VisualStudio/2011/storyboarding/control"/>
+  </ds:schemaRefs>
+</ds:datastoreItem>
+</file>
+
+<file path=customXml/itemProps73.xml><?xml version="1.0" encoding="utf-8"?>
+<ds:datastoreItem xmlns:ds="http://schemas.openxmlformats.org/officeDocument/2006/customXml" ds:itemID="{551005C4-A1E3-4AC7-8CDB-DC374E6CD181}">
+  <ds:schemaRefs>
+    <ds:schemaRef ds:uri="http://schemas.microsoft.com/VisualStudio/2011/storyboarding/control"/>
+  </ds:schemaRefs>
+</ds:datastoreItem>
+</file>
+
+<file path=customXml/itemProps74.xml><?xml version="1.0" encoding="utf-8"?>
+<ds:datastoreItem xmlns:ds="http://schemas.openxmlformats.org/officeDocument/2006/customXml" ds:itemID="{531ABAD3-B618-40BF-9584-FD7BA346DEDB}">
+  <ds:schemaRefs>
+    <ds:schemaRef ds:uri="http://schemas.microsoft.com/VisualStudio/2011/storyboarding/control"/>
+  </ds:schemaRefs>
+</ds:datastoreItem>
+</file>
+
+<file path=customXml/itemProps75.xml><?xml version="1.0" encoding="utf-8"?>
+<ds:datastoreItem xmlns:ds="http://schemas.openxmlformats.org/officeDocument/2006/customXml" ds:itemID="{DED20389-1C75-4C70-BBCC-27B286CC4C95}">
+  <ds:schemaRefs>
+    <ds:schemaRef ds:uri="http://schemas.microsoft.com/VisualStudio/2011/storyboarding/control"/>
+  </ds:schemaRefs>
+</ds:datastoreItem>
+</file>
+
+<file path=customXml/itemProps76.xml><?xml version="1.0" encoding="utf-8"?>
+<ds:datastoreItem xmlns:ds="http://schemas.openxmlformats.org/officeDocument/2006/customXml" ds:itemID="{BECCCCB7-EF02-4A64-8488-5FAAD84A50D7}">
+  <ds:schemaRefs>
+    <ds:schemaRef ds:uri="http://schemas.microsoft.com/VisualStudio/2011/storyboarding/control"/>
+  </ds:schemaRefs>
+</ds:datastoreItem>
+</file>
+
+<file path=customXml/itemProps77.xml><?xml version="1.0" encoding="utf-8"?>
+<ds:datastoreItem xmlns:ds="http://schemas.openxmlformats.org/officeDocument/2006/customXml" ds:itemID="{BE26F770-6D00-4BDC-830A-6271C798A6B9}">
+  <ds:schemaRefs>
+    <ds:schemaRef ds:uri="http://schemas.microsoft.com/VisualStudio/2011/storyboarding/control"/>
+  </ds:schemaRefs>
+</ds:datastoreItem>
+</file>
+
+<file path=customXml/itemProps78.xml><?xml version="1.0" encoding="utf-8"?>
+<ds:datastoreItem xmlns:ds="http://schemas.openxmlformats.org/officeDocument/2006/customXml" ds:itemID="{62877943-EBF7-4B2F-8C26-9CC99A82D531}">
+  <ds:schemaRefs>
+    <ds:schemaRef ds:uri="http://schemas.microsoft.com/VisualStudio/2011/storyboarding/control"/>
+  </ds:schemaRefs>
+</ds:datastoreItem>
+</file>
+
+<file path=customXml/itemProps79.xml><?xml version="1.0" encoding="utf-8"?>
+<ds:datastoreItem xmlns:ds="http://schemas.openxmlformats.org/officeDocument/2006/customXml" ds:itemID="{E22473B6-028C-4621-B51B-A79A7F2A92EE}">
+  <ds:schemaRefs>
+    <ds:schemaRef ds:uri="http://schemas.microsoft.com/VisualStudio/2011/storyboarding/control"/>
+  </ds:schemaRefs>
+</ds:datastoreItem>
+</file>
+
+<file path=customXml/itemProps8.xml><?xml version="1.0" encoding="utf-8"?>
+<ds:datastoreItem xmlns:ds="http://schemas.openxmlformats.org/officeDocument/2006/customXml" ds:itemID="{776DA967-FF73-4AD2-8CC6-D43089C9FC8F}">
+  <ds:schemaRefs>
+    <ds:schemaRef ds:uri="http://schemas.microsoft.com/VisualStudio/2011/storyboarding/control"/>
+  </ds:schemaRefs>
+</ds:datastoreItem>
+</file>
+
+<file path=customXml/itemProps80.xml><?xml version="1.0" encoding="utf-8"?>
+<ds:datastoreItem xmlns:ds="http://schemas.openxmlformats.org/officeDocument/2006/customXml" ds:itemID="{B165D352-70D4-40FE-85FF-532687BB8AFA}">
+  <ds:schemaRefs>
+    <ds:schemaRef ds:uri="http://schemas.microsoft.com/VisualStudio/2011/storyboarding/control"/>
+  </ds:schemaRefs>
+</ds:datastoreItem>
+</file>
+
+<file path=customXml/itemProps81.xml><?xml version="1.0" encoding="utf-8"?>
+<ds:datastoreItem xmlns:ds="http://schemas.openxmlformats.org/officeDocument/2006/customXml" ds:itemID="{CCE61513-AF07-49B1-B8EA-B5635E280688}">
+  <ds:schemaRefs>
+    <ds:schemaRef ds:uri="http://schemas.microsoft.com/VisualStudio/2011/storyboarding/control"/>
+  </ds:schemaRefs>
+</ds:datastoreItem>
+</file>
+
 <file path=customXml/itemProps9.xml><?xml version="1.0" encoding="utf-8"?>
-<ds:datastoreItem xmlns:ds="http://schemas.openxmlformats.org/officeDocument/2006/customXml" ds:itemID="{3D3ECC72-DC24-4791-9CA6-47ECE2A69DDF}">
+<ds:datastoreItem xmlns:ds="http://schemas.openxmlformats.org/officeDocument/2006/customXml" ds:itemID="{DACCD0EB-1B7A-4C8A-9B7E-726E900234E0}">
   <ds:schemaRefs>
     <ds:schemaRef ds:uri="http://schemas.microsoft.com/VisualStudio/2011/storyboarding/control"/>
   </ds:schemaRefs>

--- a/Презентация1.pptx
+++ b/Презентация1.pptx
@@ -2,15 +2,15 @@
 <file path=ppt/presentation.xml><?xml version="1.0" encoding="utf-8"?>
 <p:presentation xmlns:a="http://schemas.openxmlformats.org/drawingml/2006/main" xmlns:r="http://schemas.openxmlformats.org/officeDocument/2006/relationships" xmlns:p="http://schemas.openxmlformats.org/presentationml/2006/main" saveSubsetFonts="1">
   <p:sldMasterIdLst>
-    <p:sldMasterId id="2147483648" r:id="rId82"/>
+    <p:sldMasterId id="2147483648" r:id="rId115"/>
   </p:sldMasterIdLst>
   <p:notesMasterIdLst>
-    <p:notesMasterId r:id="rId86"/>
+    <p:notesMasterId r:id="rId119"/>
   </p:notesMasterIdLst>
   <p:sldIdLst>
-    <p:sldId id="256" r:id="rId83"/>
-    <p:sldId id="258" r:id="rId84"/>
-    <p:sldId id="257" r:id="rId85"/>
+    <p:sldId id="256" r:id="rId116"/>
+    <p:sldId id="258" r:id="rId117"/>
+    <p:sldId id="257" r:id="rId118"/>
   </p:sldIdLst>
   <p:sldSz cx="6858000" cy="9144000" type="screen4x3"/>
   <p:notesSz cx="6858000" cy="9144000"/>
@@ -194,7 +194,7 @@
           <a:p>
             <a:fld id="{8CC9CF27-251A-4F88-A880-4F4CFE8C571B}" type="datetimeFigureOut">
               <a:rPr lang="ru-RU" smtClean="0"/>
-              <a:t>19.08.2014</a:t>
+              <a:t>20.08.2014</a:t>
             </a:fld>
             <a:endParaRPr lang="ru-RU"/>
           </a:p>
@@ -727,7 +727,7 @@
           <a:p>
             <a:fld id="{2C1C572C-67B0-4CE5-835A-BD766804815C}" type="datetimeFigureOut">
               <a:rPr lang="ru-RU" smtClean="0"/>
-              <a:t>19.08.2014</a:t>
+              <a:t>20.08.2014</a:t>
             </a:fld>
             <a:endParaRPr lang="ru-RU"/>
           </a:p>
@@ -897,7 +897,7 @@
           <a:p>
             <a:fld id="{2C1C572C-67B0-4CE5-835A-BD766804815C}" type="datetimeFigureOut">
               <a:rPr lang="ru-RU" smtClean="0"/>
-              <a:t>19.08.2014</a:t>
+              <a:t>20.08.2014</a:t>
             </a:fld>
             <a:endParaRPr lang="ru-RU"/>
           </a:p>
@@ -1077,7 +1077,7 @@
           <a:p>
             <a:fld id="{2C1C572C-67B0-4CE5-835A-BD766804815C}" type="datetimeFigureOut">
               <a:rPr lang="ru-RU" smtClean="0"/>
-              <a:t>19.08.2014</a:t>
+              <a:t>20.08.2014</a:t>
             </a:fld>
             <a:endParaRPr lang="ru-RU"/>
           </a:p>
@@ -1247,7 +1247,7 @@
           <a:p>
             <a:fld id="{2C1C572C-67B0-4CE5-835A-BD766804815C}" type="datetimeFigureOut">
               <a:rPr lang="ru-RU" smtClean="0"/>
-              <a:t>19.08.2014</a:t>
+              <a:t>20.08.2014</a:t>
             </a:fld>
             <a:endParaRPr lang="ru-RU"/>
           </a:p>
@@ -1493,7 +1493,7 @@
           <a:p>
             <a:fld id="{2C1C572C-67B0-4CE5-835A-BD766804815C}" type="datetimeFigureOut">
               <a:rPr lang="ru-RU" smtClean="0"/>
-              <a:t>19.08.2014</a:t>
+              <a:t>20.08.2014</a:t>
             </a:fld>
             <a:endParaRPr lang="ru-RU"/>
           </a:p>
@@ -1781,7 +1781,7 @@
           <a:p>
             <a:fld id="{2C1C572C-67B0-4CE5-835A-BD766804815C}" type="datetimeFigureOut">
               <a:rPr lang="ru-RU" smtClean="0"/>
-              <a:t>19.08.2014</a:t>
+              <a:t>20.08.2014</a:t>
             </a:fld>
             <a:endParaRPr lang="ru-RU"/>
           </a:p>
@@ -2203,7 +2203,7 @@
           <a:p>
             <a:fld id="{2C1C572C-67B0-4CE5-835A-BD766804815C}" type="datetimeFigureOut">
               <a:rPr lang="ru-RU" smtClean="0"/>
-              <a:t>19.08.2014</a:t>
+              <a:t>20.08.2014</a:t>
             </a:fld>
             <a:endParaRPr lang="ru-RU"/>
           </a:p>
@@ -2321,7 +2321,7 @@
           <a:p>
             <a:fld id="{2C1C572C-67B0-4CE5-835A-BD766804815C}" type="datetimeFigureOut">
               <a:rPr lang="ru-RU" smtClean="0"/>
-              <a:t>19.08.2014</a:t>
+              <a:t>20.08.2014</a:t>
             </a:fld>
             <a:endParaRPr lang="ru-RU"/>
           </a:p>
@@ -2416,7 +2416,7 @@
           <a:p>
             <a:fld id="{2C1C572C-67B0-4CE5-835A-BD766804815C}" type="datetimeFigureOut">
               <a:rPr lang="ru-RU" smtClean="0"/>
-              <a:t>19.08.2014</a:t>
+              <a:t>20.08.2014</a:t>
             </a:fld>
             <a:endParaRPr lang="ru-RU"/>
           </a:p>
@@ -2693,7 +2693,7 @@
           <a:p>
             <a:fld id="{2C1C572C-67B0-4CE5-835A-BD766804815C}" type="datetimeFigureOut">
               <a:rPr lang="ru-RU" smtClean="0"/>
-              <a:t>19.08.2014</a:t>
+              <a:t>20.08.2014</a:t>
             </a:fld>
             <a:endParaRPr lang="ru-RU"/>
           </a:p>
@@ -2946,7 +2946,7 @@
           <a:p>
             <a:fld id="{2C1C572C-67B0-4CE5-835A-BD766804815C}" type="datetimeFigureOut">
               <a:rPr lang="ru-RU" smtClean="0"/>
-              <a:t>19.08.2014</a:t>
+              <a:t>20.08.2014</a:t>
             </a:fld>
             <a:endParaRPr lang="ru-RU"/>
           </a:p>
@@ -3159,7 +3159,7 @@
           <a:p>
             <a:fld id="{2C1C572C-67B0-4CE5-835A-BD766804815C}" type="datetimeFigureOut">
               <a:rPr lang="ru-RU" smtClean="0"/>
-              <a:t>19.08.2014</a:t>
+              <a:t>20.08.2014</a:t>
             </a:fld>
             <a:endParaRPr lang="ru-RU"/>
           </a:p>
@@ -8502,14 +8502,6 @@
               </a:rPr>
               <a:t>:</a:t>
             </a:r>
-            <a:endParaRPr lang="en-US" sz="1200" dirty="0" smtClean="0">
-              <a:solidFill>
-                <a:srgbClr val="000000"/>
-              </a:solidFill>
-              <a:latin typeface="Segoe UI" pitchFamily="34" charset="0"/>
-              <a:ea typeface="Segoe UI" pitchFamily="34" charset="0"/>
-              <a:cs typeface="Segoe UI" pitchFamily="34" charset="0"/>
-            </a:endParaRPr>
           </a:p>
         </p:txBody>
       </p:sp>
@@ -8769,27 +8761,8 @@
                 <a:ea typeface="Segoe UI" pitchFamily="34" charset="0"/>
                 <a:cs typeface="Segoe UI" pitchFamily="34" charset="0"/>
               </a:rPr>
-              <a:t>email</a:t>
+              <a:t>email:</a:t>
             </a:r>
-            <a:r>
-              <a:rPr lang="en-US" sz="1200" dirty="0" smtClean="0">
-                <a:solidFill>
-                  <a:srgbClr val="000000"/>
-                </a:solidFill>
-                <a:latin typeface="Segoe UI" pitchFamily="34" charset="0"/>
-                <a:ea typeface="Segoe UI" pitchFamily="34" charset="0"/>
-                <a:cs typeface="Segoe UI" pitchFamily="34" charset="0"/>
-              </a:rPr>
-              <a:t>:</a:t>
-            </a:r>
-            <a:endParaRPr lang="en-US" sz="1200" dirty="0" smtClean="0">
-              <a:solidFill>
-                <a:srgbClr val="000000"/>
-              </a:solidFill>
-              <a:latin typeface="Segoe UI" pitchFamily="34" charset="0"/>
-              <a:ea typeface="Segoe UI" pitchFamily="34" charset="0"/>
-              <a:cs typeface="Segoe UI" pitchFamily="34" charset="0"/>
-            </a:endParaRPr>
           </a:p>
         </p:txBody>
       </p:sp>
@@ -8912,14 +8885,6 @@
               </a:rPr>
               <a:t>:</a:t>
             </a:r>
-            <a:endParaRPr lang="en-US" sz="1200" dirty="0" smtClean="0">
-              <a:solidFill>
-                <a:srgbClr val="000000"/>
-              </a:solidFill>
-              <a:latin typeface="Segoe UI" pitchFamily="34" charset="0"/>
-              <a:ea typeface="Segoe UI" pitchFamily="34" charset="0"/>
-              <a:cs typeface="Segoe UI" pitchFamily="34" charset="0"/>
-            </a:endParaRPr>
           </a:p>
         </p:txBody>
       </p:sp>
@@ -10250,15 +10215,7 @@
                   <a:ea typeface="Segoe UI" pitchFamily="34" charset="0"/>
                   <a:cs typeface="Segoe UI" pitchFamily="34" charset="0"/>
                 </a:rPr>
-                <a:t>Б</a:t>
-              </a:r>
-              <a:r>
-                <a:rPr lang="ru-RU" sz="1200" dirty="0" smtClean="0">
-                  <a:latin typeface="Segoe UI" pitchFamily="34" charset="0"/>
-                  <a:ea typeface="Segoe UI" pitchFamily="34" charset="0"/>
-                  <a:cs typeface="Segoe UI" pitchFamily="34" charset="0"/>
-                </a:rPr>
-                <a:t>аллы</a:t>
+                <a:t>Баллы</a:t>
               </a:r>
               <a:endParaRPr lang="en-US" sz="1200" dirty="0">
                 <a:latin typeface="Segoe UI" pitchFamily="34" charset="0"/>
@@ -10747,14 +10704,6 @@
               </a:rPr>
               <a:t>:</a:t>
             </a:r>
-            <a:endParaRPr lang="en-US" sz="1200" dirty="0" smtClean="0">
-              <a:solidFill>
-                <a:srgbClr val="000000"/>
-              </a:solidFill>
-              <a:latin typeface="Segoe UI" pitchFamily="34" charset="0"/>
-              <a:ea typeface="Segoe UI" pitchFamily="34" charset="0"/>
-              <a:cs typeface="Segoe UI" pitchFamily="34" charset="0"/>
-            </a:endParaRPr>
           </a:p>
         </p:txBody>
       </p:sp>
@@ -11042,15 +10991,7 @@
                   <a:ea typeface="Segoe UI" pitchFamily="34" charset="0"/>
                   <a:cs typeface="Segoe UI" pitchFamily="34" charset="0"/>
                 </a:rPr>
-                <a:t>Б</a:t>
-              </a:r>
-              <a:r>
-                <a:rPr lang="ru-RU" sz="1200" dirty="0" smtClean="0">
-                  <a:latin typeface="Segoe UI" pitchFamily="34" charset="0"/>
-                  <a:ea typeface="Segoe UI" pitchFamily="34" charset="0"/>
-                  <a:cs typeface="Segoe UI" pitchFamily="34" charset="0"/>
-                </a:rPr>
-                <a:t>аллы</a:t>
+                <a:t>Баллы</a:t>
               </a:r>
               <a:endParaRPr lang="en-US" sz="1200" dirty="0">
                 <a:latin typeface="Segoe UI" pitchFamily="34" charset="0"/>
@@ -11276,14 +11217,6 @@
               </a:rPr>
               <a:t>:</a:t>
             </a:r>
-            <a:endParaRPr lang="en-US" sz="1200" dirty="0" smtClean="0">
-              <a:solidFill>
-                <a:srgbClr val="000000"/>
-              </a:solidFill>
-              <a:latin typeface="Segoe UI" pitchFamily="34" charset="0"/>
-              <a:ea typeface="Segoe UI" pitchFamily="34" charset="0"/>
-              <a:cs typeface="Segoe UI" pitchFamily="34" charset="0"/>
-            </a:endParaRPr>
           </a:p>
         </p:txBody>
       </p:sp>
@@ -11665,20 +11598,1927 @@
           <a:chExt cx="0" cy="0"/>
         </a:xfrm>
       </p:grpSpPr>
+      <p:graphicFrame>
+        <p:nvGraphicFramePr>
+          <p:cNvPr id="14" name="Table"/>
+          <p:cNvGraphicFramePr>
+            <a:graphicFrameLocks noGrp="1"/>
+          </p:cNvGraphicFramePr>
+          <p:nvPr>
+            <p:custDataLst>
+              <p:custData r:id="rId1"/>
+            </p:custDataLst>
+            <p:extLst>
+              <p:ext uri="{D42A27DB-BD31-4B8C-83A1-F6EECF244321}">
+                <p14:modId xmlns:p14="http://schemas.microsoft.com/office/powerpoint/2010/main" val="1577569191"/>
+              </p:ext>
+            </p:extLst>
+          </p:nvPr>
+        </p:nvGraphicFramePr>
+        <p:xfrm>
+          <a:off x="1005788" y="5617935"/>
+          <a:ext cx="4223415" cy="1708120"/>
+        </p:xfrm>
+        <a:graphic>
+          <a:graphicData uri="http://schemas.openxmlformats.org/drawingml/2006/table">
+            <a:tbl>
+              <a:tblPr firstRow="1" bandRow="1">
+                <a:tableStyleId>{8EC20E35-A176-4012-BC5E-935CFFF8708E}</a:tableStyleId>
+              </a:tblPr>
+              <a:tblGrid>
+                <a:gridCol w="970776"/>
+                <a:gridCol w="977496"/>
+                <a:gridCol w="618956"/>
+                <a:gridCol w="1080120"/>
+                <a:gridCol w="576067"/>
+              </a:tblGrid>
+              <a:tr h="192025">
+                <a:tc>
+                  <a:txBody>
+                    <a:bodyPr/>
+                    <a:lstStyle/>
+                    <a:p>
+                      <a:pPr algn="ctr"/>
+                      <a:r>
+                        <a:rPr lang="ru-RU" sz="1100" dirty="0" smtClean="0">
+                          <a:solidFill>
+                            <a:srgbClr val="000000"/>
+                          </a:solidFill>
+                        </a:rPr>
+                        <a:t>Кто</a:t>
+                      </a:r>
+                      <a:r>
+                        <a:rPr lang="ru-RU" sz="1100" baseline="0" dirty="0" smtClean="0">
+                          <a:solidFill>
+                            <a:srgbClr val="000000"/>
+                          </a:solidFill>
+                        </a:rPr>
+                        <a:t> </a:t>
+                      </a:r>
+                      <a:endParaRPr lang="en-US" sz="1100" dirty="0">
+                        <a:solidFill>
+                          <a:srgbClr val="000000"/>
+                        </a:solidFill>
+                      </a:endParaRPr>
+                    </a:p>
+                  </a:txBody>
+                  <a:tcPr marL="56960" marR="56960" marT="0" marB="28480">
+                    <a:lnL w="3175" cap="flat" cmpd="sng" algn="ctr">
+                      <a:solidFill>
+                        <a:srgbClr val="FFFFFF">
+                          <a:lumMod val="50000"/>
+                        </a:srgbClr>
+                      </a:solidFill>
+                      <a:prstDash val="solid"/>
+                      <a:round/>
+                      <a:headEnd type="none" w="med" len="med"/>
+                      <a:tailEnd type="none" w="med" len="med"/>
+                    </a:lnL>
+                    <a:lnR w="3175" cap="flat" cmpd="sng" algn="ctr">
+                      <a:solidFill>
+                        <a:srgbClr val="FFFFFF">
+                          <a:lumMod val="50000"/>
+                        </a:srgbClr>
+                      </a:solidFill>
+                      <a:prstDash val="solid"/>
+                      <a:round/>
+                      <a:headEnd type="none" w="med" len="med"/>
+                      <a:tailEnd type="none" w="med" len="med"/>
+                    </a:lnR>
+                    <a:lnT w="3175" cap="flat" cmpd="sng" algn="ctr">
+                      <a:solidFill>
+                        <a:srgbClr val="FFFFFF">
+                          <a:lumMod val="50000"/>
+                        </a:srgbClr>
+                      </a:solidFill>
+                      <a:prstDash val="solid"/>
+                      <a:round/>
+                      <a:headEnd type="none" w="med" len="med"/>
+                      <a:tailEnd type="none" w="med" len="med"/>
+                    </a:lnT>
+                    <a:lnB w="3175" cap="flat" cmpd="sng" algn="ctr">
+                      <a:solidFill>
+                        <a:srgbClr val="FFFFFF">
+                          <a:lumMod val="50000"/>
+                        </a:srgbClr>
+                      </a:solidFill>
+                      <a:prstDash val="solid"/>
+                      <a:round/>
+                      <a:headEnd type="none" w="med" len="med"/>
+                      <a:tailEnd type="none" w="med" len="med"/>
+                    </a:lnB>
+                    <a:solidFill>
+                      <a:srgbClr val="FFFFFF">
+                        <a:lumMod val="75000"/>
+                      </a:srgbClr>
+                    </a:solidFill>
+                  </a:tcPr>
+                </a:tc>
+                <a:tc>
+                  <a:txBody>
+                    <a:bodyPr/>
+                    <a:lstStyle/>
+                    <a:p>
+                      <a:pPr algn="ctr"/>
+                      <a:r>
+                        <a:rPr lang="ru-RU" sz="1100" dirty="0" smtClean="0">
+                          <a:solidFill>
+                            <a:srgbClr val="000000"/>
+                          </a:solidFill>
+                        </a:rPr>
+                        <a:t>Что </a:t>
+                      </a:r>
+                      <a:endParaRPr lang="en-US" sz="1100" dirty="0">
+                        <a:solidFill>
+                          <a:srgbClr val="000000"/>
+                        </a:solidFill>
+                      </a:endParaRPr>
+                    </a:p>
+                  </a:txBody>
+                  <a:tcPr marL="56960" marR="56960" marT="0" marB="28480">
+                    <a:lnL w="3175" cap="flat" cmpd="sng" algn="ctr">
+                      <a:solidFill>
+                        <a:srgbClr val="FFFFFF">
+                          <a:lumMod val="50000"/>
+                        </a:srgbClr>
+                      </a:solidFill>
+                      <a:prstDash val="solid"/>
+                      <a:round/>
+                      <a:headEnd type="none" w="med" len="med"/>
+                      <a:tailEnd type="none" w="med" len="med"/>
+                    </a:lnL>
+                    <a:lnR w="3175" cap="flat" cmpd="sng" algn="ctr">
+                      <a:solidFill>
+                        <a:srgbClr val="FFFFFF">
+                          <a:lumMod val="50000"/>
+                        </a:srgbClr>
+                      </a:solidFill>
+                      <a:prstDash val="solid"/>
+                      <a:round/>
+                      <a:headEnd type="none" w="med" len="med"/>
+                      <a:tailEnd type="none" w="med" len="med"/>
+                    </a:lnR>
+                    <a:lnT w="3175" cap="flat" cmpd="sng" algn="ctr">
+                      <a:solidFill>
+                        <a:srgbClr val="FFFFFF">
+                          <a:lumMod val="50000"/>
+                        </a:srgbClr>
+                      </a:solidFill>
+                      <a:prstDash val="solid"/>
+                      <a:round/>
+                      <a:headEnd type="none" w="med" len="med"/>
+                      <a:tailEnd type="none" w="med" len="med"/>
+                    </a:lnT>
+                    <a:lnB w="3175" cap="flat" cmpd="sng" algn="ctr">
+                      <a:solidFill>
+                        <a:srgbClr val="FFFFFF">
+                          <a:lumMod val="50000"/>
+                        </a:srgbClr>
+                      </a:solidFill>
+                      <a:prstDash val="solid"/>
+                      <a:round/>
+                      <a:headEnd type="none" w="med" len="med"/>
+                      <a:tailEnd type="none" w="med" len="med"/>
+                    </a:lnB>
+                    <a:solidFill>
+                      <a:srgbClr val="FFFFFF">
+                        <a:lumMod val="75000"/>
+                      </a:srgbClr>
+                    </a:solidFill>
+                  </a:tcPr>
+                </a:tc>
+                <a:tc>
+                  <a:txBody>
+                    <a:bodyPr/>
+                    <a:lstStyle/>
+                    <a:p>
+                      <a:pPr algn="ctr"/>
+                      <a:endParaRPr lang="en-US" sz="1100" dirty="0">
+                        <a:solidFill>
+                          <a:srgbClr val="000000"/>
+                        </a:solidFill>
+                      </a:endParaRPr>
+                    </a:p>
+                  </a:txBody>
+                  <a:tcPr marL="56960" marR="56960" marT="0" marB="28480">
+                    <a:lnL w="3175" cap="flat" cmpd="sng" algn="ctr">
+                      <a:solidFill>
+                        <a:srgbClr val="FFFFFF">
+                          <a:lumMod val="50000"/>
+                        </a:srgbClr>
+                      </a:solidFill>
+                      <a:prstDash val="solid"/>
+                      <a:round/>
+                      <a:headEnd type="none" w="med" len="med"/>
+                      <a:tailEnd type="none" w="med" len="med"/>
+                    </a:lnL>
+                    <a:lnR w="3175" cap="flat" cmpd="sng" algn="ctr">
+                      <a:solidFill>
+                        <a:srgbClr val="FFFFFF">
+                          <a:lumMod val="50000"/>
+                        </a:srgbClr>
+                      </a:solidFill>
+                      <a:prstDash val="solid"/>
+                      <a:round/>
+                      <a:headEnd type="none" w="med" len="med"/>
+                      <a:tailEnd type="none" w="med" len="med"/>
+                    </a:lnR>
+                    <a:lnT w="3175" cap="flat" cmpd="sng" algn="ctr">
+                      <a:solidFill>
+                        <a:srgbClr val="FFFFFF">
+                          <a:lumMod val="50000"/>
+                        </a:srgbClr>
+                      </a:solidFill>
+                      <a:prstDash val="solid"/>
+                      <a:round/>
+                      <a:headEnd type="none" w="med" len="med"/>
+                      <a:tailEnd type="none" w="med" len="med"/>
+                    </a:lnT>
+                    <a:lnB w="3175" cap="flat" cmpd="sng" algn="ctr">
+                      <a:solidFill>
+                        <a:srgbClr val="FFFFFF">
+                          <a:lumMod val="50000"/>
+                        </a:srgbClr>
+                      </a:solidFill>
+                      <a:prstDash val="solid"/>
+                      <a:round/>
+                      <a:headEnd type="none" w="med" len="med"/>
+                      <a:tailEnd type="none" w="med" len="med"/>
+                    </a:lnB>
+                    <a:solidFill>
+                      <a:srgbClr val="FFFFFF">
+                        <a:lumMod val="75000"/>
+                      </a:srgbClr>
+                    </a:solidFill>
+                  </a:tcPr>
+                </a:tc>
+                <a:tc>
+                  <a:txBody>
+                    <a:bodyPr/>
+                    <a:lstStyle/>
+                    <a:p>
+                      <a:pPr algn="ctr"/>
+                      <a:r>
+                        <a:rPr lang="ru-RU" sz="1100" dirty="0" smtClean="0">
+                          <a:solidFill>
+                            <a:srgbClr val="000000"/>
+                          </a:solidFill>
+                        </a:rPr>
+                        <a:t>Стоимость в балах/договор</a:t>
+                      </a:r>
+                      <a:endParaRPr lang="en-US" sz="1100" dirty="0">
+                        <a:solidFill>
+                          <a:srgbClr val="000000"/>
+                        </a:solidFill>
+                      </a:endParaRPr>
+                    </a:p>
+                  </a:txBody>
+                  <a:tcPr marL="56960" marR="56960" marT="0" marB="28480">
+                    <a:lnL w="3175" cap="flat" cmpd="sng" algn="ctr">
+                      <a:solidFill>
+                        <a:srgbClr val="FFFFFF">
+                          <a:lumMod val="50000"/>
+                        </a:srgbClr>
+                      </a:solidFill>
+                      <a:prstDash val="solid"/>
+                      <a:round/>
+                      <a:headEnd type="none" w="med" len="med"/>
+                      <a:tailEnd type="none" w="med" len="med"/>
+                    </a:lnL>
+                    <a:lnR w="3175" cap="flat" cmpd="sng" algn="ctr">
+                      <a:solidFill>
+                        <a:srgbClr val="FFFFFF">
+                          <a:lumMod val="50000"/>
+                        </a:srgbClr>
+                      </a:solidFill>
+                      <a:prstDash val="solid"/>
+                      <a:round/>
+                      <a:headEnd type="none" w="med" len="med"/>
+                      <a:tailEnd type="none" w="med" len="med"/>
+                    </a:lnR>
+                    <a:lnT w="3175" cap="flat" cmpd="sng" algn="ctr">
+                      <a:solidFill>
+                        <a:srgbClr val="FFFFFF">
+                          <a:lumMod val="50000"/>
+                        </a:srgbClr>
+                      </a:solidFill>
+                      <a:prstDash val="solid"/>
+                      <a:round/>
+                      <a:headEnd type="none" w="med" len="med"/>
+                      <a:tailEnd type="none" w="med" len="med"/>
+                    </a:lnT>
+                    <a:lnB w="3175" cap="flat" cmpd="sng" algn="ctr">
+                      <a:solidFill>
+                        <a:srgbClr val="FFFFFF">
+                          <a:lumMod val="50000"/>
+                        </a:srgbClr>
+                      </a:solidFill>
+                      <a:prstDash val="solid"/>
+                      <a:round/>
+                      <a:headEnd type="none" w="med" len="med"/>
+                      <a:tailEnd type="none" w="med" len="med"/>
+                    </a:lnB>
+                    <a:solidFill>
+                      <a:srgbClr val="FFFFFF">
+                        <a:lumMod val="75000"/>
+                      </a:srgbClr>
+                    </a:solidFill>
+                  </a:tcPr>
+                </a:tc>
+                <a:tc>
+                  <a:txBody>
+                    <a:bodyPr/>
+                    <a:lstStyle/>
+                    <a:p>
+                      <a:pPr algn="ctr"/>
+                      <a:endParaRPr lang="en-US" sz="1100" dirty="0">
+                        <a:solidFill>
+                          <a:srgbClr val="000000"/>
+                        </a:solidFill>
+                      </a:endParaRPr>
+                    </a:p>
+                  </a:txBody>
+                  <a:tcPr marL="56960" marR="56960" marT="0" marB="28480">
+                    <a:lnL w="3175" cap="flat" cmpd="sng" algn="ctr">
+                      <a:solidFill>
+                        <a:srgbClr val="FFFFFF">
+                          <a:lumMod val="50000"/>
+                        </a:srgbClr>
+                      </a:solidFill>
+                      <a:prstDash val="solid"/>
+                      <a:round/>
+                      <a:headEnd type="none" w="med" len="med"/>
+                      <a:tailEnd type="none" w="med" len="med"/>
+                    </a:lnL>
+                    <a:lnR w="3175" cap="flat" cmpd="sng" algn="ctr">
+                      <a:solidFill>
+                        <a:srgbClr val="FFFFFF">
+                          <a:lumMod val="50000"/>
+                        </a:srgbClr>
+                      </a:solidFill>
+                      <a:prstDash val="solid"/>
+                      <a:round/>
+                      <a:headEnd type="none" w="med" len="med"/>
+                      <a:tailEnd type="none" w="med" len="med"/>
+                    </a:lnR>
+                    <a:lnT w="3175" cap="flat" cmpd="sng" algn="ctr">
+                      <a:solidFill>
+                        <a:srgbClr val="FFFFFF">
+                          <a:lumMod val="50000"/>
+                        </a:srgbClr>
+                      </a:solidFill>
+                      <a:prstDash val="solid"/>
+                      <a:round/>
+                      <a:headEnd type="none" w="med" len="med"/>
+                      <a:tailEnd type="none" w="med" len="med"/>
+                    </a:lnT>
+                    <a:lnB w="3175" cap="flat" cmpd="sng" algn="ctr">
+                      <a:solidFill>
+                        <a:srgbClr val="FFFFFF">
+                          <a:lumMod val="50000"/>
+                        </a:srgbClr>
+                      </a:solidFill>
+                      <a:prstDash val="solid"/>
+                      <a:round/>
+                      <a:headEnd type="none" w="med" len="med"/>
+                      <a:tailEnd type="none" w="med" len="med"/>
+                    </a:lnB>
+                    <a:solidFill>
+                      <a:srgbClr val="FFFFFF">
+                        <a:lumMod val="75000"/>
+                      </a:srgbClr>
+                    </a:solidFill>
+                  </a:tcPr>
+                </a:tc>
+              </a:tr>
+              <a:tr h="82640">
+                <a:tc>
+                  <a:txBody>
+                    <a:bodyPr/>
+                    <a:lstStyle/>
+                    <a:p>
+                      <a:pPr marL="0" marR="0" indent="0" algn="ctr" defTabSz="914400" rtl="0" eaLnBrk="1" fontAlgn="auto" latinLnBrk="0" hangingPunct="1">
+                        <a:lnSpc>
+                          <a:spcPct val="100000"/>
+                        </a:lnSpc>
+                        <a:spcBef>
+                          <a:spcPts val="0"/>
+                        </a:spcBef>
+                        <a:spcAft>
+                          <a:spcPts val="0"/>
+                        </a:spcAft>
+                        <a:buClrTx/>
+                        <a:buSzTx/>
+                        <a:buFontTx/>
+                        <a:buNone/>
+                        <a:tabLst/>
+                        <a:defRPr/>
+                      </a:pPr>
+                      <a:r>
+                        <a:rPr lang="ru-RU" sz="1100" u="sng" dirty="0" smtClean="0">
+                          <a:solidFill>
+                            <a:srgbClr val="0070C0"/>
+                          </a:solidFill>
+                          <a:uFill>
+                            <a:solidFill>
+                              <a:srgbClr val="0070C0"/>
+                            </a:solidFill>
+                          </a:uFill>
+                          <a:latin typeface="Segoe UI" pitchFamily="34" charset="0"/>
+                          <a:ea typeface="Segoe UI" pitchFamily="34" charset="0"/>
+                          <a:cs typeface="Segoe UI" pitchFamily="34" charset="0"/>
+                        </a:rPr>
+                        <a:t>Вася</a:t>
+                      </a:r>
+                      <a:endParaRPr lang="en-US" sz="1100" u="sng" dirty="0" smtClean="0">
+                        <a:solidFill>
+                          <a:srgbClr val="0070C0"/>
+                        </a:solidFill>
+                        <a:uFill>
+                          <a:solidFill>
+                            <a:srgbClr val="0070C0"/>
+                          </a:solidFill>
+                        </a:uFill>
+                        <a:latin typeface="Segoe UI" pitchFamily="34" charset="0"/>
+                        <a:ea typeface="Segoe UI" pitchFamily="34" charset="0"/>
+                        <a:cs typeface="Segoe UI" pitchFamily="34" charset="0"/>
+                      </a:endParaRPr>
+                    </a:p>
+                    <a:p>
+                      <a:pPr algn="ctr"/>
+                      <a:r>
+                        <a:rPr lang="ru-RU" sz="1100" baseline="0" dirty="0" smtClean="0">
+                          <a:solidFill>
+                            <a:srgbClr val="000000"/>
+                          </a:solidFill>
+                        </a:rPr>
+                        <a:t> </a:t>
+                      </a:r>
+                      <a:endParaRPr lang="en-US" sz="1100" dirty="0">
+                        <a:solidFill>
+                          <a:srgbClr val="000000"/>
+                        </a:solidFill>
+                      </a:endParaRPr>
+                    </a:p>
+                  </a:txBody>
+                  <a:tcPr marL="56960" marR="56960" marT="0" marB="28480">
+                    <a:lnL w="3175" cap="flat" cmpd="sng" algn="ctr">
+                      <a:solidFill>
+                        <a:srgbClr val="FFFFFF">
+                          <a:lumMod val="50000"/>
+                        </a:srgbClr>
+                      </a:solidFill>
+                      <a:prstDash val="solid"/>
+                      <a:round/>
+                      <a:headEnd type="none" w="med" len="med"/>
+                      <a:tailEnd type="none" w="med" len="med"/>
+                    </a:lnL>
+                    <a:lnR w="3175" cap="flat" cmpd="sng" algn="ctr">
+                      <a:solidFill>
+                        <a:srgbClr val="FFFFFF">
+                          <a:lumMod val="50000"/>
+                        </a:srgbClr>
+                      </a:solidFill>
+                      <a:prstDash val="solid"/>
+                      <a:round/>
+                      <a:headEnd type="none" w="med" len="med"/>
+                      <a:tailEnd type="none" w="med" len="med"/>
+                    </a:lnR>
+                    <a:lnT w="3175" cap="flat" cmpd="sng" algn="ctr">
+                      <a:solidFill>
+                        <a:srgbClr val="FFFFFF">
+                          <a:lumMod val="50000"/>
+                        </a:srgbClr>
+                      </a:solidFill>
+                      <a:prstDash val="solid"/>
+                      <a:round/>
+                      <a:headEnd type="none" w="med" len="med"/>
+                      <a:tailEnd type="none" w="med" len="med"/>
+                    </a:lnT>
+                  </a:tcPr>
+                </a:tc>
+                <a:tc>
+                  <a:txBody>
+                    <a:bodyPr/>
+                    <a:lstStyle/>
+                    <a:p>
+                      <a:pPr algn="ctr"/>
+                      <a:r>
+                        <a:rPr lang="ru-RU" sz="1100" dirty="0" smtClean="0">
+                          <a:solidFill>
+                            <a:srgbClr val="000000"/>
+                          </a:solidFill>
+                        </a:rPr>
+                        <a:t>Верстка</a:t>
+                      </a:r>
+                      <a:r>
+                        <a:rPr lang="ru-RU" sz="1100" baseline="0" dirty="0" smtClean="0">
+                          <a:solidFill>
+                            <a:srgbClr val="000000"/>
+                          </a:solidFill>
+                        </a:rPr>
+                        <a:t> страниц</a:t>
+                      </a:r>
+                      <a:endParaRPr lang="en-US" sz="1100" dirty="0">
+                        <a:solidFill>
+                          <a:srgbClr val="000000"/>
+                        </a:solidFill>
+                      </a:endParaRPr>
+                    </a:p>
+                  </a:txBody>
+                  <a:tcPr marL="56960" marR="56960" marT="0" marB="28480">
+                    <a:lnL w="3175" cap="flat" cmpd="sng" algn="ctr">
+                      <a:solidFill>
+                        <a:srgbClr val="FFFFFF">
+                          <a:lumMod val="50000"/>
+                        </a:srgbClr>
+                      </a:solidFill>
+                      <a:prstDash val="solid"/>
+                      <a:round/>
+                      <a:headEnd type="none" w="med" len="med"/>
+                      <a:tailEnd type="none" w="med" len="med"/>
+                    </a:lnL>
+                    <a:lnR w="3175" cap="flat" cmpd="sng" algn="ctr">
+                      <a:solidFill>
+                        <a:srgbClr val="FFFFFF">
+                          <a:lumMod val="50000"/>
+                        </a:srgbClr>
+                      </a:solidFill>
+                      <a:prstDash val="solid"/>
+                      <a:round/>
+                      <a:headEnd type="none" w="med" len="med"/>
+                      <a:tailEnd type="none" w="med" len="med"/>
+                    </a:lnR>
+                    <a:lnT w="3175" cap="flat" cmpd="sng" algn="ctr">
+                      <a:solidFill>
+                        <a:srgbClr val="FFFFFF">
+                          <a:lumMod val="50000"/>
+                        </a:srgbClr>
+                      </a:solidFill>
+                      <a:prstDash val="solid"/>
+                      <a:round/>
+                      <a:headEnd type="none" w="med" len="med"/>
+                      <a:tailEnd type="none" w="med" len="med"/>
+                    </a:lnT>
+                  </a:tcPr>
+                </a:tc>
+                <a:tc>
+                  <a:txBody>
+                    <a:bodyPr/>
+                    <a:lstStyle/>
+                    <a:p>
+                      <a:pPr algn="ctr"/>
+                      <a:endParaRPr lang="en-US" sz="1100" dirty="0">
+                        <a:solidFill>
+                          <a:srgbClr val="000000"/>
+                        </a:solidFill>
+                      </a:endParaRPr>
+                    </a:p>
+                  </a:txBody>
+                  <a:tcPr marL="56960" marR="56960" marT="0" marB="28480">
+                    <a:lnL w="3175" cap="flat" cmpd="sng" algn="ctr">
+                      <a:solidFill>
+                        <a:srgbClr val="FFFFFF">
+                          <a:lumMod val="50000"/>
+                        </a:srgbClr>
+                      </a:solidFill>
+                      <a:prstDash val="solid"/>
+                      <a:round/>
+                      <a:headEnd type="none" w="med" len="med"/>
+                      <a:tailEnd type="none" w="med" len="med"/>
+                    </a:lnL>
+                    <a:lnR w="3175" cap="flat" cmpd="sng" algn="ctr">
+                      <a:solidFill>
+                        <a:srgbClr val="FFFFFF">
+                          <a:lumMod val="50000"/>
+                        </a:srgbClr>
+                      </a:solidFill>
+                      <a:prstDash val="solid"/>
+                      <a:round/>
+                      <a:headEnd type="none" w="med" len="med"/>
+                      <a:tailEnd type="none" w="med" len="med"/>
+                    </a:lnR>
+                    <a:lnT w="3175" cap="flat" cmpd="sng" algn="ctr">
+                      <a:solidFill>
+                        <a:srgbClr val="FFFFFF">
+                          <a:lumMod val="50000"/>
+                        </a:srgbClr>
+                      </a:solidFill>
+                      <a:prstDash val="solid"/>
+                      <a:round/>
+                      <a:headEnd type="none" w="med" len="med"/>
+                      <a:tailEnd type="none" w="med" len="med"/>
+                    </a:lnT>
+                  </a:tcPr>
+                </a:tc>
+                <a:tc>
+                  <a:txBody>
+                    <a:bodyPr/>
+                    <a:lstStyle/>
+                    <a:p>
+                      <a:pPr algn="ctr"/>
+                      <a:r>
+                        <a:rPr lang="ru-RU" sz="1100" dirty="0" smtClean="0">
+                          <a:solidFill>
+                            <a:srgbClr val="000000"/>
+                          </a:solidFill>
+                        </a:rPr>
+                        <a:t>50/час</a:t>
+                      </a:r>
+                      <a:endParaRPr lang="en-US" sz="1100" dirty="0">
+                        <a:solidFill>
+                          <a:srgbClr val="000000"/>
+                        </a:solidFill>
+                      </a:endParaRPr>
+                    </a:p>
+                  </a:txBody>
+                  <a:tcPr marL="56960" marR="56960" marT="0" marB="28480">
+                    <a:lnL w="3175" cap="flat" cmpd="sng" algn="ctr">
+                      <a:solidFill>
+                        <a:srgbClr val="FFFFFF">
+                          <a:lumMod val="50000"/>
+                        </a:srgbClr>
+                      </a:solidFill>
+                      <a:prstDash val="solid"/>
+                      <a:round/>
+                      <a:headEnd type="none" w="med" len="med"/>
+                      <a:tailEnd type="none" w="med" len="med"/>
+                    </a:lnL>
+                    <a:lnR w="3175" cap="flat" cmpd="sng" algn="ctr">
+                      <a:solidFill>
+                        <a:srgbClr val="FFFFFF">
+                          <a:lumMod val="50000"/>
+                        </a:srgbClr>
+                      </a:solidFill>
+                      <a:prstDash val="solid"/>
+                      <a:round/>
+                      <a:headEnd type="none" w="med" len="med"/>
+                      <a:tailEnd type="none" w="med" len="med"/>
+                    </a:lnR>
+                    <a:lnT w="3175" cap="flat" cmpd="sng" algn="ctr">
+                      <a:solidFill>
+                        <a:srgbClr val="FFFFFF">
+                          <a:lumMod val="50000"/>
+                        </a:srgbClr>
+                      </a:solidFill>
+                      <a:prstDash val="solid"/>
+                      <a:round/>
+                      <a:headEnd type="none" w="med" len="med"/>
+                      <a:tailEnd type="none" w="med" len="med"/>
+                    </a:lnT>
+                  </a:tcPr>
+                </a:tc>
+                <a:tc>
+                  <a:txBody>
+                    <a:bodyPr/>
+                    <a:lstStyle/>
+                    <a:p>
+                      <a:pPr algn="ctr"/>
+                      <a:endParaRPr lang="en-US" sz="1100" dirty="0">
+                        <a:solidFill>
+                          <a:srgbClr val="000000"/>
+                        </a:solidFill>
+                      </a:endParaRPr>
+                    </a:p>
+                  </a:txBody>
+                  <a:tcPr marL="56960" marR="56960" marT="0" marB="28480">
+                    <a:lnL w="3175" cap="flat" cmpd="sng" algn="ctr">
+                      <a:solidFill>
+                        <a:srgbClr val="FFFFFF">
+                          <a:lumMod val="50000"/>
+                        </a:srgbClr>
+                      </a:solidFill>
+                      <a:prstDash val="solid"/>
+                      <a:round/>
+                      <a:headEnd type="none" w="med" len="med"/>
+                      <a:tailEnd type="none" w="med" len="med"/>
+                    </a:lnL>
+                    <a:lnR w="3175" cap="flat" cmpd="sng" algn="ctr">
+                      <a:solidFill>
+                        <a:srgbClr val="FFFFFF">
+                          <a:lumMod val="50000"/>
+                        </a:srgbClr>
+                      </a:solidFill>
+                      <a:prstDash val="solid"/>
+                      <a:round/>
+                      <a:headEnd type="none" w="med" len="med"/>
+                      <a:tailEnd type="none" w="med" len="med"/>
+                    </a:lnR>
+                    <a:lnT w="3175" cap="flat" cmpd="sng" algn="ctr">
+                      <a:solidFill>
+                        <a:srgbClr val="FFFFFF">
+                          <a:lumMod val="50000"/>
+                        </a:srgbClr>
+                      </a:solidFill>
+                      <a:prstDash val="solid"/>
+                      <a:round/>
+                      <a:headEnd type="none" w="med" len="med"/>
+                      <a:tailEnd type="none" w="med" len="med"/>
+                    </a:lnT>
+                  </a:tcPr>
+                </a:tc>
+              </a:tr>
+              <a:tr h="88470">
+                <a:tc>
+                  <a:txBody>
+                    <a:bodyPr/>
+                    <a:lstStyle/>
+                    <a:p>
+                      <a:pPr algn="ctr"/>
+                      <a:r>
+                        <a:rPr lang="ru-RU" sz="1100" u="sng" kern="1200" dirty="0" smtClean="0">
+                          <a:solidFill>
+                            <a:srgbClr val="0070C0"/>
+                          </a:solidFill>
+                          <a:uFill>
+                            <a:solidFill>
+                              <a:srgbClr val="0070C0"/>
+                            </a:solidFill>
+                          </a:uFill>
+                          <a:latin typeface="Segoe UI" pitchFamily="34" charset="0"/>
+                          <a:ea typeface="Segoe UI" pitchFamily="34" charset="0"/>
+                          <a:cs typeface="Segoe UI" pitchFamily="34" charset="0"/>
+                        </a:rPr>
+                        <a:t>Анастасия</a:t>
+                      </a:r>
+                      <a:endParaRPr lang="en-US" sz="1100" u="sng" kern="1200" dirty="0">
+                        <a:solidFill>
+                          <a:srgbClr val="0070C0"/>
+                        </a:solidFill>
+                        <a:uFill>
+                          <a:solidFill>
+                            <a:srgbClr val="0070C0"/>
+                          </a:solidFill>
+                        </a:uFill>
+                        <a:latin typeface="Segoe UI" pitchFamily="34" charset="0"/>
+                        <a:ea typeface="Segoe UI" pitchFamily="34" charset="0"/>
+                        <a:cs typeface="Segoe UI" pitchFamily="34" charset="0"/>
+                      </a:endParaRPr>
+                    </a:p>
+                  </a:txBody>
+                  <a:tcPr marL="56960" marR="56960" marT="0" marB="28480">
+                    <a:lnL w="3175" cap="flat" cmpd="sng" algn="ctr">
+                      <a:solidFill>
+                        <a:srgbClr val="FFFFFF">
+                          <a:lumMod val="50000"/>
+                        </a:srgbClr>
+                      </a:solidFill>
+                      <a:prstDash val="solid"/>
+                      <a:round/>
+                      <a:headEnd type="none" w="med" len="med"/>
+                      <a:tailEnd type="none" w="med" len="med"/>
+                    </a:lnL>
+                    <a:lnR w="3175" cap="flat" cmpd="sng" algn="ctr">
+                      <a:solidFill>
+                        <a:srgbClr val="FFFFFF">
+                          <a:lumMod val="50000"/>
+                        </a:srgbClr>
+                      </a:solidFill>
+                      <a:prstDash val="solid"/>
+                      <a:round/>
+                      <a:headEnd type="none" w="med" len="med"/>
+                      <a:tailEnd type="none" w="med" len="med"/>
+                    </a:lnR>
+                  </a:tcPr>
+                </a:tc>
+                <a:tc>
+                  <a:txBody>
+                    <a:bodyPr/>
+                    <a:lstStyle/>
+                    <a:p>
+                      <a:pPr algn="ctr"/>
+                      <a:r>
+                        <a:rPr lang="ru-RU" sz="1100" dirty="0" smtClean="0">
+                          <a:solidFill>
+                            <a:srgbClr val="000000"/>
+                          </a:solidFill>
+                        </a:rPr>
+                        <a:t>Английский</a:t>
+                      </a:r>
+                      <a:endParaRPr lang="en-US" sz="1100" dirty="0">
+                        <a:solidFill>
+                          <a:srgbClr val="000000"/>
+                        </a:solidFill>
+                      </a:endParaRPr>
+                    </a:p>
+                  </a:txBody>
+                  <a:tcPr marL="56960" marR="56960" marT="0" marB="28480">
+                    <a:lnL w="3175" cap="flat" cmpd="sng" algn="ctr">
+                      <a:solidFill>
+                        <a:srgbClr val="FFFFFF">
+                          <a:lumMod val="50000"/>
+                        </a:srgbClr>
+                      </a:solidFill>
+                      <a:prstDash val="solid"/>
+                      <a:round/>
+                      <a:headEnd type="none" w="med" len="med"/>
+                      <a:tailEnd type="none" w="med" len="med"/>
+                    </a:lnL>
+                    <a:lnR w="3175" cap="flat" cmpd="sng" algn="ctr">
+                      <a:solidFill>
+                        <a:srgbClr val="FFFFFF">
+                          <a:lumMod val="50000"/>
+                        </a:srgbClr>
+                      </a:solidFill>
+                      <a:prstDash val="solid"/>
+                      <a:round/>
+                      <a:headEnd type="none" w="med" len="med"/>
+                      <a:tailEnd type="none" w="med" len="med"/>
+                    </a:lnR>
+                  </a:tcPr>
+                </a:tc>
+                <a:tc>
+                  <a:txBody>
+                    <a:bodyPr/>
+                    <a:lstStyle/>
+                    <a:p>
+                      <a:pPr algn="ctr"/>
+                      <a:endParaRPr lang="en-US" sz="1100" dirty="0">
+                        <a:solidFill>
+                          <a:srgbClr val="000000"/>
+                        </a:solidFill>
+                      </a:endParaRPr>
+                    </a:p>
+                  </a:txBody>
+                  <a:tcPr marL="56960" marR="56960" marT="0" marB="28480">
+                    <a:lnL w="3175" cap="flat" cmpd="sng" algn="ctr">
+                      <a:solidFill>
+                        <a:srgbClr val="FFFFFF">
+                          <a:lumMod val="50000"/>
+                        </a:srgbClr>
+                      </a:solidFill>
+                      <a:prstDash val="solid"/>
+                      <a:round/>
+                      <a:headEnd type="none" w="med" len="med"/>
+                      <a:tailEnd type="none" w="med" len="med"/>
+                    </a:lnL>
+                    <a:lnR w="3175" cap="flat" cmpd="sng" algn="ctr">
+                      <a:solidFill>
+                        <a:srgbClr val="FFFFFF">
+                          <a:lumMod val="50000"/>
+                        </a:srgbClr>
+                      </a:solidFill>
+                      <a:prstDash val="solid"/>
+                      <a:round/>
+                      <a:headEnd type="none" w="med" len="med"/>
+                      <a:tailEnd type="none" w="med" len="med"/>
+                    </a:lnR>
+                  </a:tcPr>
+                </a:tc>
+                <a:tc>
+                  <a:txBody>
+                    <a:bodyPr/>
+                    <a:lstStyle/>
+                    <a:p>
+                      <a:pPr algn="ctr"/>
+                      <a:r>
+                        <a:rPr lang="ru-RU" sz="1100" dirty="0" smtClean="0">
+                          <a:solidFill>
+                            <a:srgbClr val="000000"/>
+                          </a:solidFill>
+                        </a:rPr>
+                        <a:t>100/час</a:t>
+                      </a:r>
+                      <a:endParaRPr lang="en-US" sz="1100" dirty="0">
+                        <a:solidFill>
+                          <a:srgbClr val="000000"/>
+                        </a:solidFill>
+                      </a:endParaRPr>
+                    </a:p>
+                  </a:txBody>
+                  <a:tcPr marL="56960" marR="56960" marT="0" marB="28480">
+                    <a:lnL w="3175" cap="flat" cmpd="sng" algn="ctr">
+                      <a:solidFill>
+                        <a:srgbClr val="FFFFFF">
+                          <a:lumMod val="50000"/>
+                        </a:srgbClr>
+                      </a:solidFill>
+                      <a:prstDash val="solid"/>
+                      <a:round/>
+                      <a:headEnd type="none" w="med" len="med"/>
+                      <a:tailEnd type="none" w="med" len="med"/>
+                    </a:lnL>
+                    <a:lnR w="3175" cap="flat" cmpd="sng" algn="ctr">
+                      <a:solidFill>
+                        <a:srgbClr val="FFFFFF">
+                          <a:lumMod val="50000"/>
+                        </a:srgbClr>
+                      </a:solidFill>
+                      <a:prstDash val="solid"/>
+                      <a:round/>
+                      <a:headEnd type="none" w="med" len="med"/>
+                      <a:tailEnd type="none" w="med" len="med"/>
+                    </a:lnR>
+                  </a:tcPr>
+                </a:tc>
+                <a:tc>
+                  <a:txBody>
+                    <a:bodyPr/>
+                    <a:lstStyle/>
+                    <a:p>
+                      <a:pPr algn="ctr"/>
+                      <a:endParaRPr lang="en-US" sz="1100" dirty="0">
+                        <a:solidFill>
+                          <a:srgbClr val="000000"/>
+                        </a:solidFill>
+                      </a:endParaRPr>
+                    </a:p>
+                  </a:txBody>
+                  <a:tcPr marL="56960" marR="56960" marT="0" marB="28480">
+                    <a:lnL w="3175" cap="flat" cmpd="sng" algn="ctr">
+                      <a:solidFill>
+                        <a:srgbClr val="FFFFFF">
+                          <a:lumMod val="50000"/>
+                        </a:srgbClr>
+                      </a:solidFill>
+                      <a:prstDash val="solid"/>
+                      <a:round/>
+                      <a:headEnd type="none" w="med" len="med"/>
+                      <a:tailEnd type="none" w="med" len="med"/>
+                    </a:lnL>
+                    <a:lnR w="3175" cap="flat" cmpd="sng" algn="ctr">
+                      <a:solidFill>
+                        <a:srgbClr val="FFFFFF">
+                          <a:lumMod val="50000"/>
+                        </a:srgbClr>
+                      </a:solidFill>
+                      <a:prstDash val="solid"/>
+                      <a:round/>
+                      <a:headEnd type="none" w="med" len="med"/>
+                      <a:tailEnd type="none" w="med" len="med"/>
+                    </a:lnR>
+                  </a:tcPr>
+                </a:tc>
+              </a:tr>
+              <a:tr h="94300">
+                <a:tc>
+                  <a:txBody>
+                    <a:bodyPr/>
+                    <a:lstStyle/>
+                    <a:p>
+                      <a:pPr algn="ctr"/>
+                      <a:r>
+                        <a:rPr lang="ru-RU" sz="1100" u="sng" kern="1200" dirty="0" smtClean="0">
+                          <a:solidFill>
+                            <a:srgbClr val="0070C0"/>
+                          </a:solidFill>
+                          <a:uFill>
+                            <a:solidFill>
+                              <a:srgbClr val="0070C0"/>
+                            </a:solidFill>
+                          </a:uFill>
+                          <a:latin typeface="Segoe UI" pitchFamily="34" charset="0"/>
+                          <a:ea typeface="Segoe UI" pitchFamily="34" charset="0"/>
+                          <a:cs typeface="Segoe UI" pitchFamily="34" charset="0"/>
+                        </a:rPr>
+                        <a:t>Аля</a:t>
+                      </a:r>
+                      <a:r>
+                        <a:rPr lang="ru-RU" sz="1100" dirty="0" smtClean="0">
+                          <a:solidFill>
+                            <a:srgbClr val="000000"/>
+                          </a:solidFill>
+                        </a:rPr>
+                        <a:t> </a:t>
+                      </a:r>
+                      <a:endParaRPr lang="en-US" sz="1100" dirty="0">
+                        <a:solidFill>
+                          <a:srgbClr val="000000"/>
+                        </a:solidFill>
+                      </a:endParaRPr>
+                    </a:p>
+                  </a:txBody>
+                  <a:tcPr marL="56960" marR="56960" marT="0" marB="28480">
+                    <a:lnL w="3175" cap="flat" cmpd="sng" algn="ctr">
+                      <a:solidFill>
+                        <a:srgbClr val="FFFFFF">
+                          <a:lumMod val="50000"/>
+                        </a:srgbClr>
+                      </a:solidFill>
+                      <a:prstDash val="solid"/>
+                      <a:round/>
+                      <a:headEnd type="none" w="med" len="med"/>
+                      <a:tailEnd type="none" w="med" len="med"/>
+                    </a:lnL>
+                    <a:lnR w="3175" cap="flat" cmpd="sng" algn="ctr">
+                      <a:solidFill>
+                        <a:srgbClr val="FFFFFF">
+                          <a:lumMod val="50000"/>
+                        </a:srgbClr>
+                      </a:solidFill>
+                      <a:prstDash val="solid"/>
+                      <a:round/>
+                      <a:headEnd type="none" w="med" len="med"/>
+                      <a:tailEnd type="none" w="med" len="med"/>
+                    </a:lnR>
+                  </a:tcPr>
+                </a:tc>
+                <a:tc>
+                  <a:txBody>
+                    <a:bodyPr/>
+                    <a:lstStyle/>
+                    <a:p>
+                      <a:pPr algn="ctr"/>
+                      <a:r>
+                        <a:rPr lang="ru-RU" sz="1100" dirty="0" smtClean="0">
+                          <a:solidFill>
+                            <a:srgbClr val="000000"/>
+                          </a:solidFill>
+                        </a:rPr>
+                        <a:t>Французский</a:t>
+                      </a:r>
+                      <a:endParaRPr lang="en-US" sz="1100" dirty="0">
+                        <a:solidFill>
+                          <a:srgbClr val="000000"/>
+                        </a:solidFill>
+                      </a:endParaRPr>
+                    </a:p>
+                  </a:txBody>
+                  <a:tcPr marL="56960" marR="56960" marT="0" marB="28480">
+                    <a:lnL w="3175" cap="flat" cmpd="sng" algn="ctr">
+                      <a:solidFill>
+                        <a:srgbClr val="FFFFFF">
+                          <a:lumMod val="50000"/>
+                        </a:srgbClr>
+                      </a:solidFill>
+                      <a:prstDash val="solid"/>
+                      <a:round/>
+                      <a:headEnd type="none" w="med" len="med"/>
+                      <a:tailEnd type="none" w="med" len="med"/>
+                    </a:lnL>
+                    <a:lnR w="3175" cap="flat" cmpd="sng" algn="ctr">
+                      <a:solidFill>
+                        <a:srgbClr val="FFFFFF">
+                          <a:lumMod val="50000"/>
+                        </a:srgbClr>
+                      </a:solidFill>
+                      <a:prstDash val="solid"/>
+                      <a:round/>
+                      <a:headEnd type="none" w="med" len="med"/>
+                      <a:tailEnd type="none" w="med" len="med"/>
+                    </a:lnR>
+                  </a:tcPr>
+                </a:tc>
+                <a:tc>
+                  <a:txBody>
+                    <a:bodyPr/>
+                    <a:lstStyle/>
+                    <a:p>
+                      <a:pPr algn="ctr"/>
+                      <a:endParaRPr lang="en-US" sz="1100" dirty="0">
+                        <a:solidFill>
+                          <a:srgbClr val="000000"/>
+                        </a:solidFill>
+                      </a:endParaRPr>
+                    </a:p>
+                  </a:txBody>
+                  <a:tcPr marL="56960" marR="56960" marT="0" marB="28480">
+                    <a:lnL w="3175" cap="flat" cmpd="sng" algn="ctr">
+                      <a:solidFill>
+                        <a:srgbClr val="FFFFFF">
+                          <a:lumMod val="50000"/>
+                        </a:srgbClr>
+                      </a:solidFill>
+                      <a:prstDash val="solid"/>
+                      <a:round/>
+                      <a:headEnd type="none" w="med" len="med"/>
+                      <a:tailEnd type="none" w="med" len="med"/>
+                    </a:lnL>
+                    <a:lnR w="3175" cap="flat" cmpd="sng" algn="ctr">
+                      <a:solidFill>
+                        <a:srgbClr val="FFFFFF">
+                          <a:lumMod val="50000"/>
+                        </a:srgbClr>
+                      </a:solidFill>
+                      <a:prstDash val="solid"/>
+                      <a:round/>
+                      <a:headEnd type="none" w="med" len="med"/>
+                      <a:tailEnd type="none" w="med" len="med"/>
+                    </a:lnR>
+                  </a:tcPr>
+                </a:tc>
+                <a:tc>
+                  <a:txBody>
+                    <a:bodyPr/>
+                    <a:lstStyle/>
+                    <a:p>
+                      <a:pPr algn="ctr"/>
+                      <a:r>
+                        <a:rPr lang="ru-RU" sz="1100" dirty="0" smtClean="0">
+                          <a:solidFill>
+                            <a:srgbClr val="000000"/>
+                          </a:solidFill>
+                        </a:rPr>
+                        <a:t>75/час</a:t>
+                      </a:r>
+                      <a:endParaRPr lang="en-US" sz="1100" dirty="0">
+                        <a:solidFill>
+                          <a:srgbClr val="000000"/>
+                        </a:solidFill>
+                      </a:endParaRPr>
+                    </a:p>
+                  </a:txBody>
+                  <a:tcPr marL="56960" marR="56960" marT="0" marB="28480">
+                    <a:lnL w="3175" cap="flat" cmpd="sng" algn="ctr">
+                      <a:solidFill>
+                        <a:srgbClr val="FFFFFF">
+                          <a:lumMod val="50000"/>
+                        </a:srgbClr>
+                      </a:solidFill>
+                      <a:prstDash val="solid"/>
+                      <a:round/>
+                      <a:headEnd type="none" w="med" len="med"/>
+                      <a:tailEnd type="none" w="med" len="med"/>
+                    </a:lnL>
+                    <a:lnR w="3175" cap="flat" cmpd="sng" algn="ctr">
+                      <a:solidFill>
+                        <a:srgbClr val="FFFFFF">
+                          <a:lumMod val="50000"/>
+                        </a:srgbClr>
+                      </a:solidFill>
+                      <a:prstDash val="solid"/>
+                      <a:round/>
+                      <a:headEnd type="none" w="med" len="med"/>
+                      <a:tailEnd type="none" w="med" len="med"/>
+                    </a:lnR>
+                  </a:tcPr>
+                </a:tc>
+                <a:tc>
+                  <a:txBody>
+                    <a:bodyPr/>
+                    <a:lstStyle/>
+                    <a:p>
+                      <a:pPr algn="ctr"/>
+                      <a:endParaRPr lang="en-US" sz="1100" dirty="0">
+                        <a:solidFill>
+                          <a:srgbClr val="000000"/>
+                        </a:solidFill>
+                      </a:endParaRPr>
+                    </a:p>
+                  </a:txBody>
+                  <a:tcPr marL="56960" marR="56960" marT="0" marB="28480">
+                    <a:lnL w="3175" cap="flat" cmpd="sng" algn="ctr">
+                      <a:solidFill>
+                        <a:srgbClr val="FFFFFF">
+                          <a:lumMod val="50000"/>
+                        </a:srgbClr>
+                      </a:solidFill>
+                      <a:prstDash val="solid"/>
+                      <a:round/>
+                      <a:headEnd type="none" w="med" len="med"/>
+                      <a:tailEnd type="none" w="med" len="med"/>
+                    </a:lnL>
+                    <a:lnR w="3175" cap="flat" cmpd="sng" algn="ctr">
+                      <a:solidFill>
+                        <a:srgbClr val="FFFFFF">
+                          <a:lumMod val="50000"/>
+                        </a:srgbClr>
+                      </a:solidFill>
+                      <a:prstDash val="solid"/>
+                      <a:round/>
+                      <a:headEnd type="none" w="med" len="med"/>
+                      <a:tailEnd type="none" w="med" len="med"/>
+                    </a:lnR>
+                  </a:tcPr>
+                </a:tc>
+              </a:tr>
+              <a:tr h="94300">
+                <a:tc>
+                  <a:txBody>
+                    <a:bodyPr/>
+                    <a:lstStyle/>
+                    <a:p>
+                      <a:pPr algn="ctr"/>
+                      <a:r>
+                        <a:rPr lang="ru-RU" sz="1100" u="sng" kern="1200" dirty="0" smtClean="0">
+                          <a:solidFill>
+                            <a:srgbClr val="0070C0"/>
+                          </a:solidFill>
+                          <a:uFill>
+                            <a:solidFill>
+                              <a:srgbClr val="0070C0"/>
+                            </a:solidFill>
+                          </a:uFill>
+                          <a:latin typeface="Segoe UI" pitchFamily="34" charset="0"/>
+                          <a:ea typeface="Segoe UI" pitchFamily="34" charset="0"/>
+                          <a:cs typeface="Segoe UI" pitchFamily="34" charset="0"/>
+                        </a:rPr>
+                        <a:t>Ирина</a:t>
+                      </a:r>
+                      <a:r>
+                        <a:rPr lang="ru-RU" sz="1100" baseline="0" dirty="0" smtClean="0">
+                          <a:solidFill>
+                            <a:srgbClr val="000000"/>
+                          </a:solidFill>
+                        </a:rPr>
+                        <a:t> </a:t>
+                      </a:r>
+                      <a:endParaRPr lang="en-US" sz="1100" dirty="0">
+                        <a:solidFill>
+                          <a:srgbClr val="000000"/>
+                        </a:solidFill>
+                      </a:endParaRPr>
+                    </a:p>
+                  </a:txBody>
+                  <a:tcPr marL="56960" marR="56960" marT="0" marB="28480">
+                    <a:lnL w="3175" cap="flat" cmpd="sng" algn="ctr">
+                      <a:solidFill>
+                        <a:srgbClr val="FFFFFF">
+                          <a:lumMod val="50000"/>
+                        </a:srgbClr>
+                      </a:solidFill>
+                      <a:prstDash val="solid"/>
+                      <a:round/>
+                      <a:headEnd type="none" w="med" len="med"/>
+                      <a:tailEnd type="none" w="med" len="med"/>
+                    </a:lnL>
+                    <a:lnR w="3175" cap="flat" cmpd="sng" algn="ctr">
+                      <a:solidFill>
+                        <a:srgbClr val="FFFFFF">
+                          <a:lumMod val="50000"/>
+                        </a:srgbClr>
+                      </a:solidFill>
+                      <a:prstDash val="solid"/>
+                      <a:round/>
+                      <a:headEnd type="none" w="med" len="med"/>
+                      <a:tailEnd type="none" w="med" len="med"/>
+                    </a:lnR>
+                  </a:tcPr>
+                </a:tc>
+                <a:tc>
+                  <a:txBody>
+                    <a:bodyPr/>
+                    <a:lstStyle/>
+                    <a:p>
+                      <a:pPr algn="ctr"/>
+                      <a:r>
+                        <a:rPr lang="ru-RU" sz="1100" dirty="0" smtClean="0">
+                          <a:solidFill>
+                            <a:srgbClr val="000000"/>
+                          </a:solidFill>
+                        </a:rPr>
+                        <a:t>Музыка </a:t>
+                      </a:r>
+                      <a:endParaRPr lang="en-US" sz="1100" dirty="0">
+                        <a:solidFill>
+                          <a:srgbClr val="000000"/>
+                        </a:solidFill>
+                      </a:endParaRPr>
+                    </a:p>
+                  </a:txBody>
+                  <a:tcPr marL="56960" marR="56960" marT="0" marB="28480">
+                    <a:lnL w="3175" cap="flat" cmpd="sng" algn="ctr">
+                      <a:solidFill>
+                        <a:srgbClr val="FFFFFF">
+                          <a:lumMod val="50000"/>
+                        </a:srgbClr>
+                      </a:solidFill>
+                      <a:prstDash val="solid"/>
+                      <a:round/>
+                      <a:headEnd type="none" w="med" len="med"/>
+                      <a:tailEnd type="none" w="med" len="med"/>
+                    </a:lnL>
+                    <a:lnR w="3175" cap="flat" cmpd="sng" algn="ctr">
+                      <a:solidFill>
+                        <a:srgbClr val="FFFFFF">
+                          <a:lumMod val="50000"/>
+                        </a:srgbClr>
+                      </a:solidFill>
+                      <a:prstDash val="solid"/>
+                      <a:round/>
+                      <a:headEnd type="none" w="med" len="med"/>
+                      <a:tailEnd type="none" w="med" len="med"/>
+                    </a:lnR>
+                  </a:tcPr>
+                </a:tc>
+                <a:tc>
+                  <a:txBody>
+                    <a:bodyPr/>
+                    <a:lstStyle/>
+                    <a:p>
+                      <a:pPr algn="ctr"/>
+                      <a:endParaRPr lang="en-US" sz="1100" dirty="0">
+                        <a:solidFill>
+                          <a:srgbClr val="000000"/>
+                        </a:solidFill>
+                      </a:endParaRPr>
+                    </a:p>
+                  </a:txBody>
+                  <a:tcPr marL="56960" marR="56960" marT="0" marB="28480">
+                    <a:lnL w="3175" cap="flat" cmpd="sng" algn="ctr">
+                      <a:solidFill>
+                        <a:srgbClr val="FFFFFF">
+                          <a:lumMod val="50000"/>
+                        </a:srgbClr>
+                      </a:solidFill>
+                      <a:prstDash val="solid"/>
+                      <a:round/>
+                      <a:headEnd type="none" w="med" len="med"/>
+                      <a:tailEnd type="none" w="med" len="med"/>
+                    </a:lnL>
+                    <a:lnR w="3175" cap="flat" cmpd="sng" algn="ctr">
+                      <a:solidFill>
+                        <a:srgbClr val="FFFFFF">
+                          <a:lumMod val="50000"/>
+                        </a:srgbClr>
+                      </a:solidFill>
+                      <a:prstDash val="solid"/>
+                      <a:round/>
+                      <a:headEnd type="none" w="med" len="med"/>
+                      <a:tailEnd type="none" w="med" len="med"/>
+                    </a:lnR>
+                  </a:tcPr>
+                </a:tc>
+                <a:tc>
+                  <a:txBody>
+                    <a:bodyPr/>
+                    <a:lstStyle/>
+                    <a:p>
+                      <a:pPr algn="ctr"/>
+                      <a:r>
+                        <a:rPr lang="ru-RU" sz="1100" dirty="0" smtClean="0">
+                          <a:solidFill>
+                            <a:srgbClr val="000000"/>
+                          </a:solidFill>
+                        </a:rPr>
+                        <a:t>100/час</a:t>
+                      </a:r>
+                      <a:endParaRPr lang="en-US" sz="1100" dirty="0">
+                        <a:solidFill>
+                          <a:srgbClr val="000000"/>
+                        </a:solidFill>
+                      </a:endParaRPr>
+                    </a:p>
+                  </a:txBody>
+                  <a:tcPr marL="56960" marR="56960" marT="0" marB="28480">
+                    <a:lnL w="3175" cap="flat" cmpd="sng" algn="ctr">
+                      <a:solidFill>
+                        <a:srgbClr val="FFFFFF">
+                          <a:lumMod val="50000"/>
+                        </a:srgbClr>
+                      </a:solidFill>
+                      <a:prstDash val="solid"/>
+                      <a:round/>
+                      <a:headEnd type="none" w="med" len="med"/>
+                      <a:tailEnd type="none" w="med" len="med"/>
+                    </a:lnL>
+                    <a:lnR w="3175" cap="flat" cmpd="sng" algn="ctr">
+                      <a:solidFill>
+                        <a:srgbClr val="FFFFFF">
+                          <a:lumMod val="50000"/>
+                        </a:srgbClr>
+                      </a:solidFill>
+                      <a:prstDash val="solid"/>
+                      <a:round/>
+                      <a:headEnd type="none" w="med" len="med"/>
+                      <a:tailEnd type="none" w="med" len="med"/>
+                    </a:lnR>
+                  </a:tcPr>
+                </a:tc>
+                <a:tc>
+                  <a:txBody>
+                    <a:bodyPr/>
+                    <a:lstStyle/>
+                    <a:p>
+                      <a:pPr algn="ctr"/>
+                      <a:endParaRPr lang="en-US" sz="1100" dirty="0">
+                        <a:solidFill>
+                          <a:srgbClr val="000000"/>
+                        </a:solidFill>
+                      </a:endParaRPr>
+                    </a:p>
+                  </a:txBody>
+                  <a:tcPr marL="56960" marR="56960" marT="0" marB="28480">
+                    <a:lnL w="3175" cap="flat" cmpd="sng" algn="ctr">
+                      <a:solidFill>
+                        <a:srgbClr val="FFFFFF">
+                          <a:lumMod val="50000"/>
+                        </a:srgbClr>
+                      </a:solidFill>
+                      <a:prstDash val="solid"/>
+                      <a:round/>
+                      <a:headEnd type="none" w="med" len="med"/>
+                      <a:tailEnd type="none" w="med" len="med"/>
+                    </a:lnL>
+                    <a:lnR w="3175" cap="flat" cmpd="sng" algn="ctr">
+                      <a:solidFill>
+                        <a:srgbClr val="FFFFFF">
+                          <a:lumMod val="50000"/>
+                        </a:srgbClr>
+                      </a:solidFill>
+                      <a:prstDash val="solid"/>
+                      <a:round/>
+                      <a:headEnd type="none" w="med" len="med"/>
+                      <a:tailEnd type="none" w="med" len="med"/>
+                    </a:lnR>
+                  </a:tcPr>
+                </a:tc>
+              </a:tr>
+              <a:tr h="94300">
+                <a:tc>
+                  <a:txBody>
+                    <a:bodyPr/>
+                    <a:lstStyle/>
+                    <a:p>
+                      <a:pPr algn="ctr"/>
+                      <a:r>
+                        <a:rPr lang="ru-RU" sz="1100" u="sng" kern="1200" dirty="0" smtClean="0">
+                          <a:solidFill>
+                            <a:srgbClr val="0070C0"/>
+                          </a:solidFill>
+                          <a:uFill>
+                            <a:solidFill>
+                              <a:srgbClr val="0070C0"/>
+                            </a:solidFill>
+                          </a:uFill>
+                          <a:latin typeface="Segoe UI" pitchFamily="34" charset="0"/>
+                          <a:ea typeface="Segoe UI" pitchFamily="34" charset="0"/>
+                          <a:cs typeface="Segoe UI" pitchFamily="34" charset="0"/>
+                        </a:rPr>
+                        <a:t>Давид</a:t>
+                      </a:r>
+                      <a:r>
+                        <a:rPr lang="ru-RU" sz="1100" dirty="0" smtClean="0">
+                          <a:solidFill>
+                            <a:srgbClr val="000000"/>
+                          </a:solidFill>
+                        </a:rPr>
+                        <a:t> </a:t>
+                      </a:r>
+                      <a:endParaRPr lang="en-US" sz="1100" dirty="0">
+                        <a:solidFill>
+                          <a:srgbClr val="000000"/>
+                        </a:solidFill>
+                      </a:endParaRPr>
+                    </a:p>
+                  </a:txBody>
+                  <a:tcPr marL="56960" marR="56960" marT="0" marB="28480">
+                    <a:lnL w="3175" cap="flat" cmpd="sng" algn="ctr">
+                      <a:solidFill>
+                        <a:srgbClr val="FFFFFF">
+                          <a:lumMod val="50000"/>
+                        </a:srgbClr>
+                      </a:solidFill>
+                      <a:prstDash val="solid"/>
+                      <a:round/>
+                      <a:headEnd type="none" w="med" len="med"/>
+                      <a:tailEnd type="none" w="med" len="med"/>
+                    </a:lnL>
+                    <a:lnR w="3175" cap="flat" cmpd="sng" algn="ctr">
+                      <a:solidFill>
+                        <a:srgbClr val="FFFFFF">
+                          <a:lumMod val="50000"/>
+                        </a:srgbClr>
+                      </a:solidFill>
+                      <a:prstDash val="solid"/>
+                      <a:round/>
+                      <a:headEnd type="none" w="med" len="med"/>
+                      <a:tailEnd type="none" w="med" len="med"/>
+                    </a:lnR>
+                  </a:tcPr>
+                </a:tc>
+                <a:tc>
+                  <a:txBody>
+                    <a:bodyPr/>
+                    <a:lstStyle/>
+                    <a:p>
+                      <a:pPr algn="ctr"/>
+                      <a:r>
+                        <a:rPr lang="ru-RU" sz="1100" dirty="0" smtClean="0">
+                          <a:solidFill>
+                            <a:srgbClr val="000000"/>
+                          </a:solidFill>
+                        </a:rPr>
+                        <a:t>Музыка</a:t>
+                      </a:r>
+                      <a:r>
+                        <a:rPr lang="ru-RU" sz="1100" baseline="0" dirty="0" smtClean="0">
+                          <a:solidFill>
+                            <a:srgbClr val="000000"/>
+                          </a:solidFill>
+                        </a:rPr>
+                        <a:t> </a:t>
+                      </a:r>
+                      <a:endParaRPr lang="en-US" sz="1100" dirty="0">
+                        <a:solidFill>
+                          <a:srgbClr val="000000"/>
+                        </a:solidFill>
+                      </a:endParaRPr>
+                    </a:p>
+                  </a:txBody>
+                  <a:tcPr marL="56960" marR="56960" marT="0" marB="28480">
+                    <a:lnL w="3175" cap="flat" cmpd="sng" algn="ctr">
+                      <a:solidFill>
+                        <a:srgbClr val="FFFFFF">
+                          <a:lumMod val="50000"/>
+                        </a:srgbClr>
+                      </a:solidFill>
+                      <a:prstDash val="solid"/>
+                      <a:round/>
+                      <a:headEnd type="none" w="med" len="med"/>
+                      <a:tailEnd type="none" w="med" len="med"/>
+                    </a:lnL>
+                    <a:lnR w="3175" cap="flat" cmpd="sng" algn="ctr">
+                      <a:solidFill>
+                        <a:srgbClr val="FFFFFF">
+                          <a:lumMod val="50000"/>
+                        </a:srgbClr>
+                      </a:solidFill>
+                      <a:prstDash val="solid"/>
+                      <a:round/>
+                      <a:headEnd type="none" w="med" len="med"/>
+                      <a:tailEnd type="none" w="med" len="med"/>
+                    </a:lnR>
+                  </a:tcPr>
+                </a:tc>
+                <a:tc>
+                  <a:txBody>
+                    <a:bodyPr/>
+                    <a:lstStyle/>
+                    <a:p>
+                      <a:pPr algn="ctr"/>
+                      <a:endParaRPr lang="en-US" sz="1100" dirty="0">
+                        <a:solidFill>
+                          <a:srgbClr val="000000"/>
+                        </a:solidFill>
+                      </a:endParaRPr>
+                    </a:p>
+                  </a:txBody>
+                  <a:tcPr marL="56960" marR="56960" marT="0" marB="28480">
+                    <a:lnL w="3175" cap="flat" cmpd="sng" algn="ctr">
+                      <a:solidFill>
+                        <a:srgbClr val="FFFFFF">
+                          <a:lumMod val="50000"/>
+                        </a:srgbClr>
+                      </a:solidFill>
+                      <a:prstDash val="solid"/>
+                      <a:round/>
+                      <a:headEnd type="none" w="med" len="med"/>
+                      <a:tailEnd type="none" w="med" len="med"/>
+                    </a:lnL>
+                    <a:lnR w="3175" cap="flat" cmpd="sng" algn="ctr">
+                      <a:solidFill>
+                        <a:srgbClr val="FFFFFF">
+                          <a:lumMod val="50000"/>
+                        </a:srgbClr>
+                      </a:solidFill>
+                      <a:prstDash val="solid"/>
+                      <a:round/>
+                      <a:headEnd type="none" w="med" len="med"/>
+                      <a:tailEnd type="none" w="med" len="med"/>
+                    </a:lnR>
+                  </a:tcPr>
+                </a:tc>
+                <a:tc>
+                  <a:txBody>
+                    <a:bodyPr/>
+                    <a:lstStyle/>
+                    <a:p>
+                      <a:pPr algn="ctr"/>
+                      <a:r>
+                        <a:rPr lang="ru-RU" sz="1100" dirty="0" smtClean="0">
+                          <a:solidFill>
+                            <a:srgbClr val="000000"/>
+                          </a:solidFill>
+                        </a:rPr>
+                        <a:t>100500/час</a:t>
+                      </a:r>
+                      <a:endParaRPr lang="en-US" sz="1100" dirty="0">
+                        <a:solidFill>
+                          <a:srgbClr val="000000"/>
+                        </a:solidFill>
+                      </a:endParaRPr>
+                    </a:p>
+                  </a:txBody>
+                  <a:tcPr marL="56960" marR="56960" marT="0" marB="28480">
+                    <a:lnL w="3175" cap="flat" cmpd="sng" algn="ctr">
+                      <a:solidFill>
+                        <a:srgbClr val="FFFFFF">
+                          <a:lumMod val="50000"/>
+                        </a:srgbClr>
+                      </a:solidFill>
+                      <a:prstDash val="solid"/>
+                      <a:round/>
+                      <a:headEnd type="none" w="med" len="med"/>
+                      <a:tailEnd type="none" w="med" len="med"/>
+                    </a:lnL>
+                    <a:lnR w="3175" cap="flat" cmpd="sng" algn="ctr">
+                      <a:solidFill>
+                        <a:srgbClr val="FFFFFF">
+                          <a:lumMod val="50000"/>
+                        </a:srgbClr>
+                      </a:solidFill>
+                      <a:prstDash val="solid"/>
+                      <a:round/>
+                      <a:headEnd type="none" w="med" len="med"/>
+                      <a:tailEnd type="none" w="med" len="med"/>
+                    </a:lnR>
+                  </a:tcPr>
+                </a:tc>
+                <a:tc>
+                  <a:txBody>
+                    <a:bodyPr/>
+                    <a:lstStyle/>
+                    <a:p>
+                      <a:pPr algn="ctr"/>
+                      <a:endParaRPr lang="en-US" sz="1100" dirty="0">
+                        <a:solidFill>
+                          <a:srgbClr val="000000"/>
+                        </a:solidFill>
+                      </a:endParaRPr>
+                    </a:p>
+                  </a:txBody>
+                  <a:tcPr marL="56960" marR="56960" marT="0" marB="28480">
+                    <a:lnL w="3175" cap="flat" cmpd="sng" algn="ctr">
+                      <a:solidFill>
+                        <a:srgbClr val="FFFFFF">
+                          <a:lumMod val="50000"/>
+                        </a:srgbClr>
+                      </a:solidFill>
+                      <a:prstDash val="solid"/>
+                      <a:round/>
+                      <a:headEnd type="none" w="med" len="med"/>
+                      <a:tailEnd type="none" w="med" len="med"/>
+                    </a:lnL>
+                    <a:lnR w="3175" cap="flat" cmpd="sng" algn="ctr">
+                      <a:solidFill>
+                        <a:srgbClr val="FFFFFF">
+                          <a:lumMod val="50000"/>
+                        </a:srgbClr>
+                      </a:solidFill>
+                      <a:prstDash val="solid"/>
+                      <a:round/>
+                      <a:headEnd type="none" w="med" len="med"/>
+                      <a:tailEnd type="none" w="med" len="med"/>
+                    </a:lnR>
+                  </a:tcPr>
+                </a:tc>
+              </a:tr>
+              <a:tr h="94300">
+                <a:tc>
+                  <a:txBody>
+                    <a:bodyPr/>
+                    <a:lstStyle/>
+                    <a:p>
+                      <a:pPr algn="ctr"/>
+                      <a:endParaRPr lang="en-US" sz="1100" dirty="0">
+                        <a:solidFill>
+                          <a:srgbClr val="000000"/>
+                        </a:solidFill>
+                      </a:endParaRPr>
+                    </a:p>
+                  </a:txBody>
+                  <a:tcPr marL="56960" marR="56960" marT="0" marB="28480">
+                    <a:lnL w="3175" cap="flat" cmpd="sng" algn="ctr">
+                      <a:solidFill>
+                        <a:srgbClr val="FFFFFF">
+                          <a:lumMod val="50000"/>
+                        </a:srgbClr>
+                      </a:solidFill>
+                      <a:prstDash val="solid"/>
+                      <a:round/>
+                      <a:headEnd type="none" w="med" len="med"/>
+                      <a:tailEnd type="none" w="med" len="med"/>
+                    </a:lnL>
+                    <a:lnR w="3175" cap="flat" cmpd="sng" algn="ctr">
+                      <a:solidFill>
+                        <a:srgbClr val="FFFFFF">
+                          <a:lumMod val="50000"/>
+                        </a:srgbClr>
+                      </a:solidFill>
+                      <a:prstDash val="solid"/>
+                      <a:round/>
+                      <a:headEnd type="none" w="med" len="med"/>
+                      <a:tailEnd type="none" w="med" len="med"/>
+                    </a:lnR>
+                    <a:lnB w="3175" cap="flat" cmpd="sng" algn="ctr">
+                      <a:solidFill>
+                        <a:srgbClr val="FFFFFF">
+                          <a:lumMod val="50000"/>
+                        </a:srgbClr>
+                      </a:solidFill>
+                      <a:prstDash val="solid"/>
+                      <a:round/>
+                      <a:headEnd type="none" w="med" len="med"/>
+                      <a:tailEnd type="none" w="med" len="med"/>
+                    </a:lnB>
+                  </a:tcPr>
+                </a:tc>
+                <a:tc>
+                  <a:txBody>
+                    <a:bodyPr/>
+                    <a:lstStyle/>
+                    <a:p>
+                      <a:pPr algn="ctr"/>
+                      <a:endParaRPr lang="en-US" sz="1100" dirty="0">
+                        <a:solidFill>
+                          <a:srgbClr val="000000"/>
+                        </a:solidFill>
+                      </a:endParaRPr>
+                    </a:p>
+                  </a:txBody>
+                  <a:tcPr marL="56960" marR="56960" marT="0" marB="28480">
+                    <a:lnL w="3175" cap="flat" cmpd="sng" algn="ctr">
+                      <a:solidFill>
+                        <a:srgbClr val="FFFFFF">
+                          <a:lumMod val="50000"/>
+                        </a:srgbClr>
+                      </a:solidFill>
+                      <a:prstDash val="solid"/>
+                      <a:round/>
+                      <a:headEnd type="none" w="med" len="med"/>
+                      <a:tailEnd type="none" w="med" len="med"/>
+                    </a:lnL>
+                    <a:lnR w="3175" cap="flat" cmpd="sng" algn="ctr">
+                      <a:solidFill>
+                        <a:srgbClr val="FFFFFF">
+                          <a:lumMod val="50000"/>
+                        </a:srgbClr>
+                      </a:solidFill>
+                      <a:prstDash val="solid"/>
+                      <a:round/>
+                      <a:headEnd type="none" w="med" len="med"/>
+                      <a:tailEnd type="none" w="med" len="med"/>
+                    </a:lnR>
+                    <a:lnB w="3175" cap="flat" cmpd="sng" algn="ctr">
+                      <a:solidFill>
+                        <a:srgbClr val="FFFFFF">
+                          <a:lumMod val="50000"/>
+                        </a:srgbClr>
+                      </a:solidFill>
+                      <a:prstDash val="solid"/>
+                      <a:round/>
+                      <a:headEnd type="none" w="med" len="med"/>
+                      <a:tailEnd type="none" w="med" len="med"/>
+                    </a:lnB>
+                  </a:tcPr>
+                </a:tc>
+                <a:tc>
+                  <a:txBody>
+                    <a:bodyPr/>
+                    <a:lstStyle/>
+                    <a:p>
+                      <a:pPr algn="ctr"/>
+                      <a:endParaRPr lang="en-US" sz="1100" dirty="0">
+                        <a:solidFill>
+                          <a:srgbClr val="000000"/>
+                        </a:solidFill>
+                      </a:endParaRPr>
+                    </a:p>
+                  </a:txBody>
+                  <a:tcPr marL="56960" marR="56960" marT="0" marB="28480">
+                    <a:lnL w="3175" cap="flat" cmpd="sng" algn="ctr">
+                      <a:solidFill>
+                        <a:srgbClr val="FFFFFF">
+                          <a:lumMod val="50000"/>
+                        </a:srgbClr>
+                      </a:solidFill>
+                      <a:prstDash val="solid"/>
+                      <a:round/>
+                      <a:headEnd type="none" w="med" len="med"/>
+                      <a:tailEnd type="none" w="med" len="med"/>
+                    </a:lnL>
+                    <a:lnR w="3175" cap="flat" cmpd="sng" algn="ctr">
+                      <a:solidFill>
+                        <a:srgbClr val="FFFFFF">
+                          <a:lumMod val="50000"/>
+                        </a:srgbClr>
+                      </a:solidFill>
+                      <a:prstDash val="solid"/>
+                      <a:round/>
+                      <a:headEnd type="none" w="med" len="med"/>
+                      <a:tailEnd type="none" w="med" len="med"/>
+                    </a:lnR>
+                    <a:lnB w="3175" cap="flat" cmpd="sng" algn="ctr">
+                      <a:solidFill>
+                        <a:srgbClr val="FFFFFF">
+                          <a:lumMod val="50000"/>
+                        </a:srgbClr>
+                      </a:solidFill>
+                      <a:prstDash val="solid"/>
+                      <a:round/>
+                      <a:headEnd type="none" w="med" len="med"/>
+                      <a:tailEnd type="none" w="med" len="med"/>
+                    </a:lnB>
+                  </a:tcPr>
+                </a:tc>
+                <a:tc>
+                  <a:txBody>
+                    <a:bodyPr/>
+                    <a:lstStyle/>
+                    <a:p>
+                      <a:pPr algn="ctr"/>
+                      <a:endParaRPr lang="en-US" sz="1100" dirty="0">
+                        <a:solidFill>
+                          <a:srgbClr val="000000"/>
+                        </a:solidFill>
+                      </a:endParaRPr>
+                    </a:p>
+                  </a:txBody>
+                  <a:tcPr marL="56960" marR="56960" marT="0" marB="28480">
+                    <a:lnL w="3175" cap="flat" cmpd="sng" algn="ctr">
+                      <a:solidFill>
+                        <a:srgbClr val="FFFFFF">
+                          <a:lumMod val="50000"/>
+                        </a:srgbClr>
+                      </a:solidFill>
+                      <a:prstDash val="solid"/>
+                      <a:round/>
+                      <a:headEnd type="none" w="med" len="med"/>
+                      <a:tailEnd type="none" w="med" len="med"/>
+                    </a:lnL>
+                    <a:lnR w="3175" cap="flat" cmpd="sng" algn="ctr">
+                      <a:solidFill>
+                        <a:srgbClr val="FFFFFF">
+                          <a:lumMod val="50000"/>
+                        </a:srgbClr>
+                      </a:solidFill>
+                      <a:prstDash val="solid"/>
+                      <a:round/>
+                      <a:headEnd type="none" w="med" len="med"/>
+                      <a:tailEnd type="none" w="med" len="med"/>
+                    </a:lnR>
+                    <a:lnB w="3175" cap="flat" cmpd="sng" algn="ctr">
+                      <a:solidFill>
+                        <a:srgbClr val="FFFFFF">
+                          <a:lumMod val="50000"/>
+                        </a:srgbClr>
+                      </a:solidFill>
+                      <a:prstDash val="solid"/>
+                      <a:round/>
+                      <a:headEnd type="none" w="med" len="med"/>
+                      <a:tailEnd type="none" w="med" len="med"/>
+                    </a:lnB>
+                  </a:tcPr>
+                </a:tc>
+                <a:tc>
+                  <a:txBody>
+                    <a:bodyPr/>
+                    <a:lstStyle/>
+                    <a:p>
+                      <a:pPr algn="ctr"/>
+                      <a:endParaRPr lang="en-US" sz="1100" dirty="0">
+                        <a:solidFill>
+                          <a:srgbClr val="000000"/>
+                        </a:solidFill>
+                      </a:endParaRPr>
+                    </a:p>
+                  </a:txBody>
+                  <a:tcPr marL="56960" marR="56960" marT="0" marB="28480">
+                    <a:lnL w="3175" cap="flat" cmpd="sng" algn="ctr">
+                      <a:solidFill>
+                        <a:srgbClr val="FFFFFF">
+                          <a:lumMod val="50000"/>
+                        </a:srgbClr>
+                      </a:solidFill>
+                      <a:prstDash val="solid"/>
+                      <a:round/>
+                      <a:headEnd type="none" w="med" len="med"/>
+                      <a:tailEnd type="none" w="med" len="med"/>
+                    </a:lnL>
+                    <a:lnR w="3175" cap="flat" cmpd="sng" algn="ctr">
+                      <a:solidFill>
+                        <a:srgbClr val="FFFFFF">
+                          <a:lumMod val="50000"/>
+                        </a:srgbClr>
+                      </a:solidFill>
+                      <a:prstDash val="solid"/>
+                      <a:round/>
+                      <a:headEnd type="none" w="med" len="med"/>
+                      <a:tailEnd type="none" w="med" len="med"/>
+                    </a:lnR>
+                    <a:lnB w="3175" cap="flat" cmpd="sng" algn="ctr">
+                      <a:solidFill>
+                        <a:srgbClr val="FFFFFF">
+                          <a:lumMod val="50000"/>
+                        </a:srgbClr>
+                      </a:solidFill>
+                      <a:prstDash val="solid"/>
+                      <a:round/>
+                      <a:headEnd type="none" w="med" len="med"/>
+                      <a:tailEnd type="none" w="med" len="med"/>
+                    </a:lnB>
+                  </a:tcPr>
+                </a:tc>
+              </a:tr>
+            </a:tbl>
+          </a:graphicData>
+        </a:graphic>
+      </p:graphicFrame>
       <p:pic>
         <p:nvPicPr>
-          <p:cNvPr id="5" name="Picture 2" descr="C:\Users\t-dantay\Documents\Placeholders\user.png"/>
+          <p:cNvPr id="15" name="Picture 2" descr="C:\Users\t-dantay\Documents\Placeholders\star.png"/>
           <p:cNvPicPr>
             <a:picLocks noChangeAspect="1" noChangeArrowheads="1"/>
           </p:cNvPicPr>
           <p:nvPr>
             <p:custDataLst>
-              <p:custData r:id="rId1"/>
+              <p:custData r:id="rId2"/>
             </p:custDataLst>
           </p:nvPr>
         </p:nvPicPr>
         <p:blipFill>
-          <a:blip r:embed="rId13" cstate="print">
+          <a:blip r:embed="rId44" cstate="print">
             <a:extLst>
               <a:ext uri="{28A0092B-C50C-407E-A947-70E740481C1C}">
                 <a14:useLocalDpi xmlns:a14="http://schemas.microsoft.com/office/drawing/2010/main" val="0"/>
@@ -11692,8 +13532,413 @@
         </p:blipFill>
         <p:spPr bwMode="auto">
           <a:xfrm>
-            <a:off x="768212" y="959023"/>
-            <a:ext cx="264299" cy="289077"/>
+            <a:off x="4774552" y="6114543"/>
+            <a:ext cx="143883" cy="137138"/>
+          </a:xfrm>
+          <a:prstGeom prst="rect">
+            <a:avLst/>
+          </a:prstGeom>
+          <a:noFill/>
+          <a:extLst>
+            <a:ext uri="{909E8E84-426E-40DD-AFC4-6F175D3DCCD1}">
+              <a14:hiddenFill xmlns:a14="http://schemas.microsoft.com/office/drawing/2010/main">
+                <a:solidFill>
+                  <a:srgbClr val="FFFFFF"/>
+                </a:solidFill>
+              </a14:hiddenFill>
+            </a:ext>
+          </a:extLst>
+        </p:spPr>
+      </p:pic>
+      <p:pic>
+        <p:nvPicPr>
+          <p:cNvPr id="16" name="Picture 2" descr="C:\Users\t-dantay\Documents\Placeholders\star.png"/>
+          <p:cNvPicPr>
+            <a:picLocks noChangeAspect="1" noChangeArrowheads="1"/>
+          </p:cNvPicPr>
+          <p:nvPr>
+            <p:custDataLst>
+              <p:custData r:id="rId3"/>
+            </p:custDataLst>
+          </p:nvPr>
+        </p:nvPicPr>
+        <p:blipFill>
+          <a:blip r:embed="rId44" cstate="print">
+            <a:extLst>
+              <a:ext uri="{28A0092B-C50C-407E-A947-70E740481C1C}">
+                <a14:useLocalDpi xmlns:a14="http://schemas.microsoft.com/office/drawing/2010/main" val="0"/>
+              </a:ext>
+            </a:extLst>
+          </a:blip>
+          <a:srcRect/>
+          <a:stretch>
+            <a:fillRect/>
+          </a:stretch>
+        </p:blipFill>
+        <p:spPr bwMode="auto">
+          <a:xfrm>
+            <a:off x="4774551" y="6366056"/>
+            <a:ext cx="143883" cy="137138"/>
+          </a:xfrm>
+          <a:prstGeom prst="rect">
+            <a:avLst/>
+          </a:prstGeom>
+          <a:noFill/>
+          <a:extLst>
+            <a:ext uri="{909E8E84-426E-40DD-AFC4-6F175D3DCCD1}">
+              <a14:hiddenFill xmlns:a14="http://schemas.microsoft.com/office/drawing/2010/main">
+                <a:solidFill>
+                  <a:srgbClr val="FFFFFF"/>
+                </a:solidFill>
+              </a14:hiddenFill>
+            </a:ext>
+          </a:extLst>
+        </p:spPr>
+      </p:pic>
+      <p:pic>
+        <p:nvPicPr>
+          <p:cNvPr id="19" name="Picture 2" descr="C:\Users\t-dantay\Documents\Placeholders\star.png"/>
+          <p:cNvPicPr>
+            <a:picLocks noChangeAspect="1" noChangeArrowheads="1"/>
+          </p:cNvPicPr>
+          <p:nvPr>
+            <p:custDataLst>
+              <p:custData r:id="rId4"/>
+            </p:custDataLst>
+          </p:nvPr>
+        </p:nvPicPr>
+        <p:blipFill>
+          <a:blip r:embed="rId44" cstate="print">
+            <a:extLst>
+              <a:ext uri="{28A0092B-C50C-407E-A947-70E740481C1C}">
+                <a14:useLocalDpi xmlns:a14="http://schemas.microsoft.com/office/drawing/2010/main" val="0"/>
+              </a:ext>
+            </a:extLst>
+          </a:blip>
+          <a:srcRect/>
+          <a:stretch>
+            <a:fillRect/>
+          </a:stretch>
+        </p:blipFill>
+        <p:spPr bwMode="auto">
+          <a:xfrm>
+            <a:off x="4774550" y="6566585"/>
+            <a:ext cx="143883" cy="137138"/>
+          </a:xfrm>
+          <a:prstGeom prst="rect">
+            <a:avLst/>
+          </a:prstGeom>
+          <a:noFill/>
+          <a:extLst>
+            <a:ext uri="{909E8E84-426E-40DD-AFC4-6F175D3DCCD1}">
+              <a14:hiddenFill xmlns:a14="http://schemas.microsoft.com/office/drawing/2010/main">
+                <a:solidFill>
+                  <a:srgbClr val="FFFFFF"/>
+                </a:solidFill>
+              </a14:hiddenFill>
+            </a:ext>
+          </a:extLst>
+        </p:spPr>
+      </p:pic>
+      <p:pic>
+        <p:nvPicPr>
+          <p:cNvPr id="24" name="Picture 2" descr="C:\Users\t-dantay\Documents\Placeholders\star.png"/>
+          <p:cNvPicPr>
+            <a:picLocks noChangeAspect="1" noChangeArrowheads="1"/>
+          </p:cNvPicPr>
+          <p:nvPr>
+            <p:custDataLst>
+              <p:custData r:id="rId5"/>
+            </p:custDataLst>
+          </p:nvPr>
+        </p:nvPicPr>
+        <p:blipFill>
+          <a:blip r:embed="rId44" cstate="print">
+            <a:extLst>
+              <a:ext uri="{28A0092B-C50C-407E-A947-70E740481C1C}">
+                <a14:useLocalDpi xmlns:a14="http://schemas.microsoft.com/office/drawing/2010/main" val="0"/>
+              </a:ext>
+            </a:extLst>
+          </a:blip>
+          <a:srcRect/>
+          <a:stretch>
+            <a:fillRect/>
+          </a:stretch>
+        </p:blipFill>
+        <p:spPr bwMode="auto">
+          <a:xfrm>
+            <a:off x="4774552" y="6754031"/>
+            <a:ext cx="143883" cy="137138"/>
+          </a:xfrm>
+          <a:prstGeom prst="rect">
+            <a:avLst/>
+          </a:prstGeom>
+          <a:noFill/>
+          <a:extLst>
+            <a:ext uri="{909E8E84-426E-40DD-AFC4-6F175D3DCCD1}">
+              <a14:hiddenFill xmlns:a14="http://schemas.microsoft.com/office/drawing/2010/main">
+                <a:solidFill>
+                  <a:srgbClr val="FFFFFF"/>
+                </a:solidFill>
+              </a14:hiddenFill>
+            </a:ext>
+          </a:extLst>
+        </p:spPr>
+      </p:pic>
+      <p:pic>
+        <p:nvPicPr>
+          <p:cNvPr id="25" name="Picture 2" descr="C:\Users\t-dantay\Documents\Placeholders\star.png"/>
+          <p:cNvPicPr>
+            <a:picLocks noChangeAspect="1" noChangeArrowheads="1"/>
+          </p:cNvPicPr>
+          <p:nvPr>
+            <p:custDataLst>
+              <p:custData r:id="rId6"/>
+            </p:custDataLst>
+          </p:nvPr>
+        </p:nvPicPr>
+        <p:blipFill>
+          <a:blip r:embed="rId44" cstate="print">
+            <a:extLst>
+              <a:ext uri="{28A0092B-C50C-407E-A947-70E740481C1C}">
+                <a14:useLocalDpi xmlns:a14="http://schemas.microsoft.com/office/drawing/2010/main" val="0"/>
+              </a:ext>
+            </a:extLst>
+          </a:blip>
+          <a:srcRect/>
+          <a:stretch>
+            <a:fillRect/>
+          </a:stretch>
+        </p:blipFill>
+        <p:spPr bwMode="auto">
+          <a:xfrm>
+            <a:off x="4774552" y="6959966"/>
+            <a:ext cx="143883" cy="137138"/>
+          </a:xfrm>
+          <a:prstGeom prst="rect">
+            <a:avLst/>
+          </a:prstGeom>
+          <a:noFill/>
+          <a:extLst>
+            <a:ext uri="{909E8E84-426E-40DD-AFC4-6F175D3DCCD1}">
+              <a14:hiddenFill xmlns:a14="http://schemas.microsoft.com/office/drawing/2010/main">
+                <a:solidFill>
+                  <a:srgbClr val="FFFFFF"/>
+                </a:solidFill>
+              </a14:hiddenFill>
+            </a:ext>
+          </a:extLst>
+        </p:spPr>
+      </p:pic>
+      <p:pic>
+        <p:nvPicPr>
+          <p:cNvPr id="28" name="Picture 2" descr="C:\Users\t-dantay\Documents\Placeholders\shoppingcart.png"/>
+          <p:cNvPicPr>
+            <a:picLocks noChangeAspect="1" noChangeArrowheads="1"/>
+          </p:cNvPicPr>
+          <p:nvPr>
+            <p:custDataLst>
+              <p:custData r:id="rId7"/>
+            </p:custDataLst>
+          </p:nvPr>
+        </p:nvPicPr>
+        <p:blipFill>
+          <a:blip r:embed="rId45" cstate="print">
+            <a:extLst>
+              <a:ext uri="{28A0092B-C50C-407E-A947-70E740481C1C}">
+                <a14:useLocalDpi xmlns:a14="http://schemas.microsoft.com/office/drawing/2010/main" val="0"/>
+              </a:ext>
+            </a:extLst>
+          </a:blip>
+          <a:srcRect/>
+          <a:stretch>
+            <a:fillRect/>
+          </a:stretch>
+        </p:blipFill>
+        <p:spPr bwMode="auto">
+          <a:xfrm>
+            <a:off x="4953579" y="6123127"/>
+            <a:ext cx="149590" cy="128554"/>
+          </a:xfrm>
+          <a:prstGeom prst="rect">
+            <a:avLst/>
+          </a:prstGeom>
+          <a:noFill/>
+          <a:extLst>
+            <a:ext uri="{909E8E84-426E-40DD-AFC4-6F175D3DCCD1}">
+              <a14:hiddenFill xmlns:a14="http://schemas.microsoft.com/office/drawing/2010/main">
+                <a:solidFill>
+                  <a:srgbClr val="FFFFFF"/>
+                </a:solidFill>
+              </a14:hiddenFill>
+            </a:ext>
+          </a:extLst>
+        </p:spPr>
+      </p:pic>
+      <p:pic>
+        <p:nvPicPr>
+          <p:cNvPr id="29" name="Picture 2" descr="C:\Users\t-dantay\Documents\Placeholders\shoppingcart.png"/>
+          <p:cNvPicPr>
+            <a:picLocks noChangeAspect="1" noChangeArrowheads="1"/>
+          </p:cNvPicPr>
+          <p:nvPr>
+            <p:custDataLst>
+              <p:custData r:id="rId8"/>
+            </p:custDataLst>
+          </p:nvPr>
+        </p:nvPicPr>
+        <p:blipFill>
+          <a:blip r:embed="rId45" cstate="print">
+            <a:extLst>
+              <a:ext uri="{28A0092B-C50C-407E-A947-70E740481C1C}">
+                <a14:useLocalDpi xmlns:a14="http://schemas.microsoft.com/office/drawing/2010/main" val="0"/>
+              </a:ext>
+            </a:extLst>
+          </a:blip>
+          <a:srcRect/>
+          <a:stretch>
+            <a:fillRect/>
+          </a:stretch>
+        </p:blipFill>
+        <p:spPr bwMode="auto">
+          <a:xfrm>
+            <a:off x="4953579" y="6377957"/>
+            <a:ext cx="149590" cy="128554"/>
+          </a:xfrm>
+          <a:prstGeom prst="rect">
+            <a:avLst/>
+          </a:prstGeom>
+          <a:noFill/>
+          <a:extLst>
+            <a:ext uri="{909E8E84-426E-40DD-AFC4-6F175D3DCCD1}">
+              <a14:hiddenFill xmlns:a14="http://schemas.microsoft.com/office/drawing/2010/main">
+                <a:solidFill>
+                  <a:srgbClr val="FFFFFF"/>
+                </a:solidFill>
+              </a14:hiddenFill>
+            </a:ext>
+          </a:extLst>
+        </p:spPr>
+      </p:pic>
+      <p:pic>
+        <p:nvPicPr>
+          <p:cNvPr id="30" name="Picture 2" descr="C:\Users\t-dantay\Documents\Placeholders\shoppingcart.png"/>
+          <p:cNvPicPr>
+            <a:picLocks noChangeAspect="1" noChangeArrowheads="1"/>
+          </p:cNvPicPr>
+          <p:nvPr>
+            <p:custDataLst>
+              <p:custData r:id="rId9"/>
+            </p:custDataLst>
+          </p:nvPr>
+        </p:nvPicPr>
+        <p:blipFill>
+          <a:blip r:embed="rId45" cstate="print">
+            <a:extLst>
+              <a:ext uri="{28A0092B-C50C-407E-A947-70E740481C1C}">
+                <a14:useLocalDpi xmlns:a14="http://schemas.microsoft.com/office/drawing/2010/main" val="0"/>
+              </a:ext>
+            </a:extLst>
+          </a:blip>
+          <a:srcRect/>
+          <a:stretch>
+            <a:fillRect/>
+          </a:stretch>
+        </p:blipFill>
+        <p:spPr bwMode="auto">
+          <a:xfrm>
+            <a:off x="4953579" y="6583753"/>
+            <a:ext cx="149590" cy="128554"/>
+          </a:xfrm>
+          <a:prstGeom prst="rect">
+            <a:avLst/>
+          </a:prstGeom>
+          <a:noFill/>
+          <a:extLst>
+            <a:ext uri="{909E8E84-426E-40DD-AFC4-6F175D3DCCD1}">
+              <a14:hiddenFill xmlns:a14="http://schemas.microsoft.com/office/drawing/2010/main">
+                <a:solidFill>
+                  <a:srgbClr val="FFFFFF"/>
+                </a:solidFill>
+              </a14:hiddenFill>
+            </a:ext>
+          </a:extLst>
+        </p:spPr>
+      </p:pic>
+      <p:pic>
+        <p:nvPicPr>
+          <p:cNvPr id="31" name="Picture 2" descr="C:\Users\t-dantay\Documents\Placeholders\shoppingcart.png"/>
+          <p:cNvPicPr>
+            <a:picLocks noChangeAspect="1" noChangeArrowheads="1"/>
+          </p:cNvPicPr>
+          <p:nvPr>
+            <p:custDataLst>
+              <p:custData r:id="rId10"/>
+            </p:custDataLst>
+          </p:nvPr>
+        </p:nvPicPr>
+        <p:blipFill>
+          <a:blip r:embed="rId45" cstate="print">
+            <a:extLst>
+              <a:ext uri="{28A0092B-C50C-407E-A947-70E740481C1C}">
+                <a14:useLocalDpi xmlns:a14="http://schemas.microsoft.com/office/drawing/2010/main" val="0"/>
+              </a:ext>
+            </a:extLst>
+          </a:blip>
+          <a:srcRect/>
+          <a:stretch>
+            <a:fillRect/>
+          </a:stretch>
+        </p:blipFill>
+        <p:spPr bwMode="auto">
+          <a:xfrm>
+            <a:off x="4953579" y="6784654"/>
+            <a:ext cx="149590" cy="128554"/>
+          </a:xfrm>
+          <a:prstGeom prst="rect">
+            <a:avLst/>
+          </a:prstGeom>
+          <a:noFill/>
+          <a:extLst>
+            <a:ext uri="{909E8E84-426E-40DD-AFC4-6F175D3DCCD1}">
+              <a14:hiddenFill xmlns:a14="http://schemas.microsoft.com/office/drawing/2010/main">
+                <a:solidFill>
+                  <a:srgbClr val="FFFFFF"/>
+                </a:solidFill>
+              </a14:hiddenFill>
+            </a:ext>
+          </a:extLst>
+        </p:spPr>
+      </p:pic>
+      <p:pic>
+        <p:nvPicPr>
+          <p:cNvPr id="32" name="Picture 2" descr="C:\Users\t-dantay\Documents\Placeholders\shoppingcart.png"/>
+          <p:cNvPicPr>
+            <a:picLocks noChangeAspect="1" noChangeArrowheads="1"/>
+          </p:cNvPicPr>
+          <p:nvPr>
+            <p:custDataLst>
+              <p:custData r:id="rId11"/>
+            </p:custDataLst>
+          </p:nvPr>
+        </p:nvPicPr>
+        <p:blipFill>
+          <a:blip r:embed="rId45" cstate="print">
+            <a:extLst>
+              <a:ext uri="{28A0092B-C50C-407E-A947-70E740481C1C}">
+                <a14:useLocalDpi xmlns:a14="http://schemas.microsoft.com/office/drawing/2010/main" val="0"/>
+              </a:ext>
+            </a:extLst>
+          </a:blip>
+          <a:srcRect/>
+          <a:stretch>
+            <a:fillRect/>
+          </a:stretch>
+        </p:blipFill>
+        <p:spPr bwMode="auto">
+          <a:xfrm>
+            <a:off x="4956389" y="6968550"/>
+            <a:ext cx="149590" cy="128554"/>
           </a:xfrm>
           <a:prstGeom prst="rect">
             <a:avLst/>
@@ -11712,41 +13957,411 @@
       </p:pic>
       <p:sp>
         <p:nvSpPr>
-          <p:cNvPr id="9" name="Прямоугольник 8"/>
+          <p:cNvPr id="33" name="Content"/>
           <p:cNvSpPr/>
-          <p:nvPr/>
+          <p:nvPr>
+            <p:custDataLst>
+              <p:custData r:id="rId12"/>
+            </p:custDataLst>
+          </p:nvPr>
         </p:nvSpPr>
         <p:spPr>
           <a:xfrm>
-            <a:off x="548679" y="611560"/>
-            <a:ext cx="701469" cy="1092696"/>
+            <a:off x="4893543" y="6026102"/>
+            <a:ext cx="671018" cy="193899"/>
+          </a:xfrm>
+          <a:prstGeom prst="rect">
+            <a:avLst/>
+          </a:prstGeom>
+          <a:solidFill>
+            <a:srgbClr val="FFFFFF">
+              <a:lumMod val="95000"/>
+            </a:srgbClr>
+          </a:solidFill>
+          <a:ln w="3175" cap="flat" cmpd="sng" algn="ctr">
+            <a:solidFill>
+              <a:srgbClr val="FFFFFF">
+                <a:lumMod val="50000"/>
+              </a:srgbClr>
+            </a:solidFill>
+            <a:prstDash val="solid"/>
+          </a:ln>
+          <a:effectLst>
+            <a:outerShdw blurRad="50800" dist="12700" dir="2700000" algn="tl" rotWithShape="0">
+              <a:prstClr val="black">
+                <a:alpha val="40000"/>
+              </a:prstClr>
+            </a:outerShdw>
+          </a:effectLst>
+        </p:spPr>
+        <p:txBody>
+          <a:bodyPr rot="0" spcFirstLastPara="0" vertOverflow="overflow" horzOverflow="overflow" vert="horz" wrap="none" lIns="45720" tIns="27432" rIns="45720" bIns="27432" numCol="1" spcCol="0" rtlCol="0" fromWordArt="0" anchor="ctr" anchorCtr="0" forceAA="0" compatLnSpc="1">
+            <a:prstTxWarp prst="textNoShape">
+              <a:avLst/>
+            </a:prstTxWarp>
+            <a:spAutoFit/>
+          </a:bodyPr>
+          <a:lstStyle/>
+          <a:p>
+            <a:pPr marL="0" marR="0" indent="0" defTabSz="914400" eaLnBrk="1" fontAlgn="auto" latinLnBrk="0" hangingPunct="1">
+              <a:lnSpc>
+                <a:spcPct val="100000"/>
+              </a:lnSpc>
+              <a:spcBef>
+                <a:spcPts val="0"/>
+              </a:spcBef>
+              <a:spcAft>
+                <a:spcPts val="0"/>
+              </a:spcAft>
+              <a:buClrTx/>
+              <a:buSzTx/>
+              <a:buFontTx/>
+              <a:buNone/>
+              <a:tabLst/>
+            </a:pPr>
+            <a:r>
+              <a:rPr kumimoji="0" lang="ru-RU" sz="900" b="0" i="0" u="none" strike="noStrike" kern="0" cap="none" spc="0" normalizeH="0" baseline="0" noProof="0" dirty="0" smtClean="0">
+                <a:ln>
+                  <a:noFill/>
+                </a:ln>
+                <a:solidFill>
+                  <a:srgbClr val="000000">
+                    <a:lumMod val="75000"/>
+                    <a:lumOff val="25000"/>
+                  </a:srgbClr>
+                </a:solidFill>
+                <a:effectLst/>
+                <a:uLnTx/>
+                <a:uFillTx/>
+                <a:latin typeface="Segoe UI"/>
+              </a:rPr>
+              <a:t>Запомнить</a:t>
+            </a:r>
+            <a:endParaRPr kumimoji="0" lang="en-US" sz="900" b="0" i="0" u="none" strike="noStrike" kern="0" cap="none" spc="0" normalizeH="0" baseline="0" noProof="0" dirty="0" smtClean="0">
+              <a:ln>
+                <a:noFill/>
+              </a:ln>
+              <a:solidFill>
+                <a:srgbClr val="000000">
+                  <a:lumMod val="75000"/>
+                  <a:lumOff val="25000"/>
+                </a:srgbClr>
+              </a:solidFill>
+              <a:effectLst/>
+              <a:uLnTx/>
+              <a:uFillTx/>
+              <a:latin typeface="Segoe UI"/>
+            </a:endParaRPr>
+          </a:p>
+        </p:txBody>
+      </p:sp>
+      <p:sp>
+        <p:nvSpPr>
+          <p:cNvPr id="34" name="Content"/>
+          <p:cNvSpPr/>
+          <p:nvPr>
+            <p:custDataLst>
+              <p:custData r:id="rId13"/>
+            </p:custDataLst>
+          </p:nvPr>
+        </p:nvSpPr>
+        <p:spPr>
+          <a:xfrm>
+            <a:off x="5105979" y="6838928"/>
+            <a:ext cx="1275349" cy="193899"/>
+          </a:xfrm>
+          <a:prstGeom prst="rect">
+            <a:avLst/>
+          </a:prstGeom>
+          <a:solidFill>
+            <a:srgbClr val="FFFFFF">
+              <a:lumMod val="95000"/>
+            </a:srgbClr>
+          </a:solidFill>
+          <a:ln w="3175" cap="flat" cmpd="sng" algn="ctr">
+            <a:solidFill>
+              <a:srgbClr val="FFFFFF">
+                <a:lumMod val="50000"/>
+              </a:srgbClr>
+            </a:solidFill>
+            <a:prstDash val="solid"/>
+          </a:ln>
+          <a:effectLst>
+            <a:outerShdw blurRad="50800" dist="12700" dir="2700000" algn="tl" rotWithShape="0">
+              <a:prstClr val="black">
+                <a:alpha val="40000"/>
+              </a:prstClr>
+            </a:outerShdw>
+          </a:effectLst>
+        </p:spPr>
+        <p:txBody>
+          <a:bodyPr rot="0" spcFirstLastPara="0" vertOverflow="overflow" horzOverflow="overflow" vert="horz" wrap="none" lIns="45720" tIns="27432" rIns="45720" bIns="27432" numCol="1" spcCol="0" rtlCol="0" fromWordArt="0" anchor="ctr" anchorCtr="0" forceAA="0" compatLnSpc="1">
+            <a:prstTxWarp prst="textNoShape">
+              <a:avLst/>
+            </a:prstTxWarp>
+            <a:spAutoFit/>
+          </a:bodyPr>
+          <a:lstStyle/>
+          <a:p>
+            <a:pPr marL="0" marR="0" indent="0" defTabSz="914400" eaLnBrk="1" fontAlgn="auto" latinLnBrk="0" hangingPunct="1">
+              <a:lnSpc>
+                <a:spcPct val="100000"/>
+              </a:lnSpc>
+              <a:spcBef>
+                <a:spcPts val="0"/>
+              </a:spcBef>
+              <a:spcAft>
+                <a:spcPts val="0"/>
+              </a:spcAft>
+              <a:buClrTx/>
+              <a:buSzTx/>
+              <a:buFontTx/>
+              <a:buNone/>
+              <a:tabLst/>
+            </a:pPr>
+            <a:r>
+              <a:rPr kumimoji="0" lang="ru-RU" sz="900" b="0" i="0" u="none" strike="noStrike" kern="0" cap="none" spc="0" normalizeH="0" baseline="0" noProof="0" dirty="0" smtClean="0">
+                <a:ln>
+                  <a:noFill/>
+                </a:ln>
+                <a:solidFill>
+                  <a:srgbClr val="000000">
+                    <a:lumMod val="75000"/>
+                    <a:lumOff val="25000"/>
+                  </a:srgbClr>
+                </a:solidFill>
+                <a:effectLst/>
+                <a:uLnTx/>
+                <a:uFillTx/>
+                <a:latin typeface="Segoe UI"/>
+              </a:rPr>
+              <a:t>Сделать предложение</a:t>
+            </a:r>
+            <a:endParaRPr kumimoji="0" lang="en-US" sz="900" b="0" i="0" u="none" strike="noStrike" kern="0" cap="none" spc="0" normalizeH="0" baseline="0" noProof="0" dirty="0" smtClean="0">
+              <a:ln>
+                <a:noFill/>
+              </a:ln>
+              <a:solidFill>
+                <a:srgbClr val="000000">
+                  <a:lumMod val="75000"/>
+                  <a:lumOff val="25000"/>
+                </a:srgbClr>
+              </a:solidFill>
+              <a:effectLst/>
+              <a:uLnTx/>
+              <a:uFillTx/>
+              <a:latin typeface="Segoe UI"/>
+            </a:endParaRPr>
+          </a:p>
+        </p:txBody>
+      </p:sp>
+      <p:pic>
+        <p:nvPicPr>
+          <p:cNvPr id="35" name="Picture 2" descr="C:\Users\t-dantay\Documents\First24\cursorhandpointer.png"/>
+          <p:cNvPicPr>
+            <a:picLocks noChangeAspect="1" noChangeArrowheads="1"/>
+          </p:cNvPicPr>
+          <p:nvPr>
+            <p:custDataLst>
+              <p:custData r:id="rId14"/>
+            </p:custDataLst>
+          </p:nvPr>
+        </p:nvPicPr>
+        <p:blipFill>
+          <a:blip r:embed="rId46" cstate="print">
+            <a:extLst>
+              <a:ext uri="{28A0092B-C50C-407E-A947-70E740481C1C}">
+                <a14:useLocalDpi xmlns:a14="http://schemas.microsoft.com/office/drawing/2010/main" val="0"/>
+              </a:ext>
+            </a:extLst>
+          </a:blip>
+          <a:srcRect/>
+          <a:stretch>
+            <a:fillRect/>
+          </a:stretch>
+        </p:blipFill>
+        <p:spPr bwMode="auto">
+          <a:xfrm>
+            <a:off x="4813398" y="6187404"/>
+            <a:ext cx="105035" cy="139499"/>
           </a:xfrm>
           <a:prstGeom prst="rect">
             <a:avLst/>
           </a:prstGeom>
           <a:noFill/>
-          <a:ln w="9525">
+          <a:effectLst>
+            <a:glow rad="63500">
+              <a:schemeClr val="accent3">
+                <a:satMod val="175000"/>
+                <a:alpha val="40000"/>
+              </a:schemeClr>
+            </a:glow>
+          </a:effectLst>
+          <a:extLst>
+            <a:ext uri="{909E8E84-426E-40DD-AFC4-6F175D3DCCD1}">
+              <a14:hiddenFill xmlns:a14="http://schemas.microsoft.com/office/drawing/2010/main">
+                <a:solidFill>
+                  <a:srgbClr val="FFFFFF"/>
+                </a:solidFill>
+              </a14:hiddenFill>
+            </a:ext>
+          </a:extLst>
+        </p:spPr>
+      </p:pic>
+      <p:pic>
+        <p:nvPicPr>
+          <p:cNvPr id="36" name="Picture 2" descr="C:\Users\t-dantay\Documents\First24\cursorhandpointer.png"/>
+          <p:cNvPicPr>
+            <a:picLocks noChangeAspect="1" noChangeArrowheads="1"/>
+          </p:cNvPicPr>
+          <p:nvPr>
+            <p:custDataLst>
+              <p:custData r:id="rId15"/>
+            </p:custDataLst>
+          </p:nvPr>
+        </p:nvPicPr>
+        <p:blipFill>
+          <a:blip r:embed="rId46" cstate="print">
+            <a:extLst>
+              <a:ext uri="{28A0092B-C50C-407E-A947-70E740481C1C}">
+                <a14:useLocalDpi xmlns:a14="http://schemas.microsoft.com/office/drawing/2010/main" val="0"/>
+              </a:ext>
+            </a:extLst>
+          </a:blip>
+          <a:srcRect/>
+          <a:stretch>
+            <a:fillRect/>
+          </a:stretch>
+        </p:blipFill>
+        <p:spPr bwMode="auto">
+          <a:xfrm>
+            <a:off x="5009772" y="7027112"/>
+            <a:ext cx="105035" cy="139499"/>
+          </a:xfrm>
+          <a:prstGeom prst="rect">
+            <a:avLst/>
+          </a:prstGeom>
+          <a:noFill/>
+          <a:effectLst>
+            <a:glow rad="63500">
+              <a:schemeClr val="accent3">
+                <a:satMod val="175000"/>
+                <a:alpha val="40000"/>
+              </a:schemeClr>
+            </a:glow>
+          </a:effectLst>
+          <a:extLst>
+            <a:ext uri="{909E8E84-426E-40DD-AFC4-6F175D3DCCD1}">
+              <a14:hiddenFill xmlns:a14="http://schemas.microsoft.com/office/drawing/2010/main">
+                <a:solidFill>
+                  <a:srgbClr val="FFFFFF"/>
+                </a:solidFill>
+              </a14:hiddenFill>
+            </a:ext>
+          </a:extLst>
+        </p:spPr>
+      </p:pic>
+      <p:pic>
+        <p:nvPicPr>
+          <p:cNvPr id="37" name="Picture 2" descr="C:\Users\t-dantay\Documents\First24\cursorhandpointer.png"/>
+          <p:cNvPicPr>
+            <a:picLocks noChangeAspect="1" noChangeArrowheads="1"/>
+          </p:cNvPicPr>
+          <p:nvPr>
+            <p:custDataLst>
+              <p:custData r:id="rId16"/>
+            </p:custDataLst>
+          </p:nvPr>
+        </p:nvPicPr>
+        <p:blipFill>
+          <a:blip r:embed="rId46" cstate="print">
+            <a:extLst>
+              <a:ext uri="{28A0092B-C50C-407E-A947-70E740481C1C}">
+                <a14:useLocalDpi xmlns:a14="http://schemas.microsoft.com/office/drawing/2010/main" val="0"/>
+              </a:ext>
+            </a:extLst>
+          </a:blip>
+          <a:srcRect/>
+          <a:stretch>
+            <a:fillRect/>
+          </a:stretch>
+        </p:blipFill>
+        <p:spPr bwMode="auto">
+          <a:xfrm>
+            <a:off x="1437835" y="6073978"/>
+            <a:ext cx="105035" cy="139499"/>
+          </a:xfrm>
+          <a:prstGeom prst="rect">
+            <a:avLst/>
+          </a:prstGeom>
+          <a:noFill/>
+          <a:effectLst>
+            <a:glow rad="63500">
+              <a:schemeClr val="accent3">
+                <a:satMod val="175000"/>
+                <a:alpha val="40000"/>
+              </a:schemeClr>
+            </a:glow>
+          </a:effectLst>
+          <a:extLst>
+            <a:ext uri="{909E8E84-426E-40DD-AFC4-6F175D3DCCD1}">
+              <a14:hiddenFill xmlns:a14="http://schemas.microsoft.com/office/drawing/2010/main">
+                <a:solidFill>
+                  <a:srgbClr val="FFFFFF"/>
+                </a:solidFill>
+              </a14:hiddenFill>
+            </a:ext>
+          </a:extLst>
+        </p:spPr>
+      </p:pic>
+      <p:sp>
+        <p:nvSpPr>
+          <p:cNvPr id="38" name="CheckBox"/>
+          <p:cNvSpPr>
+            <a:spLocks/>
+          </p:cNvSpPr>
+          <p:nvPr/>
+        </p:nvSpPr>
+        <p:spPr>
+          <a:xfrm>
+            <a:off x="1797875" y="5652420"/>
+            <a:ext cx="106714" cy="104141"/>
+          </a:xfrm>
+          <a:prstGeom prst="rect">
+            <a:avLst/>
+          </a:prstGeom>
+          <a:solidFill>
+            <a:srgbClr val="FFFFFF"/>
+          </a:solidFill>
+          <a:ln w="3175">
             <a:solidFill>
-              <a:schemeClr val="bg1">
-                <a:lumMod val="50000"/>
-              </a:schemeClr>
+              <a:srgbClr val="FFFFFF">
+                <a:lumMod val="65000"/>
+              </a:srgbClr>
             </a:solidFill>
           </a:ln>
+          <a:effectLst>
+            <a:innerShdw blurRad="63500">
+              <a:prstClr val="black">
+                <a:alpha val="17000"/>
+              </a:prstClr>
+            </a:innerShdw>
+          </a:effectLst>
         </p:spPr>
         <p:style>
           <a:lnRef idx="2">
-            <a:schemeClr val="accent1">
+            <a:srgbClr val="4F81BD">
               <a:shade val="50000"/>
-            </a:schemeClr>
+            </a:srgbClr>
           </a:lnRef>
           <a:fillRef idx="1">
-            <a:schemeClr val="accent1"/>
+            <a:srgbClr val="4F81BD"/>
           </a:fillRef>
           <a:effectRef idx="0">
-            <a:schemeClr val="accent1"/>
+            <a:srgbClr val="4F81BD"/>
           </a:effectRef>
           <a:fontRef idx="minor">
-            <a:schemeClr val="lt1"/>
+            <a:srgbClr val="000000"/>
           </a:fontRef>
         </p:style>
         <p:txBody>
@@ -11754,24 +14369,278 @@
           <a:lstStyle/>
           <a:p>
             <a:pPr algn="ctr"/>
-            <a:endParaRPr lang="ru-RU"/>
+            <a:endParaRPr lang="en-US" dirty="0"/>
           </a:p>
         </p:txBody>
       </p:sp>
+      <p:grpSp>
+        <p:nvGrpSpPr>
+          <p:cNvPr id="39" name="Группа 38"/>
+          <p:cNvGrpSpPr/>
+          <p:nvPr/>
+        </p:nvGrpSpPr>
+        <p:grpSpPr>
+          <a:xfrm>
+            <a:off x="2775359" y="5623704"/>
+            <a:ext cx="182880" cy="182880"/>
+            <a:chOff x="2787278" y="3604633"/>
+            <a:chExt cx="182880" cy="182880"/>
+          </a:xfrm>
+        </p:grpSpPr>
+        <p:sp>
+          <p:nvSpPr>
+            <p:cNvPr id="40" name="CheckBox"/>
+            <p:cNvSpPr>
+              <a:spLocks/>
+            </p:cNvSpPr>
+            <p:nvPr/>
+          </p:nvSpPr>
+          <p:spPr>
+            <a:xfrm>
+              <a:off x="2823460" y="3637654"/>
+              <a:ext cx="106714" cy="104141"/>
+            </a:xfrm>
+            <a:prstGeom prst="rect">
+              <a:avLst/>
+            </a:prstGeom>
+            <a:solidFill>
+              <a:srgbClr val="FFFFFF"/>
+            </a:solidFill>
+            <a:ln w="3175">
+              <a:solidFill>
+                <a:srgbClr val="FFFFFF">
+                  <a:lumMod val="65000"/>
+                </a:srgbClr>
+              </a:solidFill>
+            </a:ln>
+            <a:effectLst>
+              <a:innerShdw blurRad="63500">
+                <a:prstClr val="black">
+                  <a:alpha val="17000"/>
+                </a:prstClr>
+              </a:innerShdw>
+            </a:effectLst>
+          </p:spPr>
+          <p:style>
+            <a:lnRef idx="2">
+              <a:srgbClr val="4F81BD">
+                <a:shade val="50000"/>
+              </a:srgbClr>
+            </a:lnRef>
+            <a:fillRef idx="1">
+              <a:srgbClr val="4F81BD"/>
+            </a:fillRef>
+            <a:effectRef idx="0">
+              <a:srgbClr val="4F81BD"/>
+            </a:effectRef>
+            <a:fontRef idx="minor">
+              <a:srgbClr val="000000"/>
+            </a:fontRef>
+          </p:style>
+          <p:txBody>
+            <a:bodyPr rtlCol="0" anchor="ctr"/>
+            <a:lstStyle/>
+            <a:p>
+              <a:pPr algn="ctr"/>
+              <a:endParaRPr lang="en-US" dirty="0"/>
+            </a:p>
+          </p:txBody>
+        </p:sp>
+        <p:pic>
+          <p:nvPicPr>
+            <p:cNvPr id="41" name="Check" descr="C:\Users\t-dantay\Documents\WPIcons\appbar.check.rest.png"/>
+            <p:cNvPicPr>
+              <a:picLocks noChangeAspect="1" noChangeArrowheads="1"/>
+            </p:cNvPicPr>
+            <p:nvPr/>
+          </p:nvPicPr>
+          <p:blipFill>
+            <a:blip r:embed="rId47" cstate="print">
+              <a:extLst>
+                <a:ext uri="{28A0092B-C50C-407E-A947-70E740481C1C}">
+                  <a14:useLocalDpi xmlns:a14="http://schemas.microsoft.com/office/drawing/2010/main" val="0"/>
+                </a:ext>
+              </a:extLst>
+            </a:blip>
+            <a:srcRect/>
+            <a:stretch>
+              <a:fillRect/>
+            </a:stretch>
+          </p:blipFill>
+          <p:spPr bwMode="auto">
+            <a:xfrm>
+              <a:off x="2787278" y="3604633"/>
+              <a:ext cx="182880" cy="182880"/>
+            </a:xfrm>
+            <a:prstGeom prst="rect">
+              <a:avLst/>
+            </a:prstGeom>
+            <a:noFill/>
+            <a:extLst>
+              <a:ext uri="{909E8E84-426E-40DD-AFC4-6F175D3DCCD1}">
+                <a14:hiddenFill xmlns:a14="http://schemas.microsoft.com/office/drawing/2010/main">
+                  <a:solidFill>
+                    <a:srgbClr val="FFFFFF"/>
+                  </a:solidFill>
+                </a14:hiddenFill>
+              </a:ext>
+            </a:extLst>
+          </p:spPr>
+        </p:pic>
+      </p:grpSp>
+      <p:grpSp>
+        <p:nvGrpSpPr>
+          <p:cNvPr id="44" name="TabGroup"/>
+          <p:cNvGrpSpPr/>
+          <p:nvPr>
+            <p:custDataLst>
+              <p:custData r:id="rId17"/>
+            </p:custDataLst>
+          </p:nvPr>
+        </p:nvGrpSpPr>
+        <p:grpSpPr>
+          <a:xfrm>
+            <a:off x="964281" y="511769"/>
+            <a:ext cx="4702972" cy="3268143"/>
+            <a:chOff x="3138993" y="2878653"/>
+            <a:chExt cx="3513043" cy="4138081"/>
+          </a:xfrm>
+        </p:grpSpPr>
+        <p:sp>
+          <p:nvSpPr>
+            <p:cNvPr id="45" name="Container"/>
+            <p:cNvSpPr>
+              <a:spLocks/>
+            </p:cNvSpPr>
+            <p:nvPr/>
+          </p:nvSpPr>
+          <p:spPr>
+            <a:xfrm>
+              <a:off x="3138993" y="3046984"/>
+              <a:ext cx="3513043" cy="3969750"/>
+            </a:xfrm>
+            <a:prstGeom prst="rect">
+              <a:avLst/>
+            </a:prstGeom>
+            <a:solidFill>
+              <a:sysClr val="window" lastClr="FFFFFF"/>
+            </a:solidFill>
+            <a:ln w="3175" cap="flat" cmpd="sng" algn="ctr">
+              <a:solidFill>
+                <a:srgbClr val="FFFFFF">
+                  <a:lumMod val="50000"/>
+                </a:srgbClr>
+              </a:solidFill>
+              <a:prstDash val="solid"/>
+            </a:ln>
+            <a:effectLst/>
+          </p:spPr>
+          <p:txBody>
+            <a:bodyPr rot="0" spcFirstLastPara="0" vertOverflow="overflow" horzOverflow="overflow" vert="horz" wrap="square" lIns="45720" tIns="45720" rIns="91440" bIns="45720" numCol="1" spcCol="0" rtlCol="0" fromWordArt="0" anchor="ctr" anchorCtr="0" forceAA="0" compatLnSpc="1">
+              <a:prstTxWarp prst="textNoShape">
+                <a:avLst/>
+              </a:prstTxWarp>
+              <a:noAutofit/>
+            </a:bodyPr>
+            <a:lstStyle/>
+            <a:p>
+              <a:pPr marL="0" marR="0" indent="0" algn="ctr" defTabSz="914400" eaLnBrk="1" fontAlgn="auto" latinLnBrk="0" hangingPunct="1">
+                <a:lnSpc>
+                  <a:spcPct val="100000"/>
+                </a:lnSpc>
+                <a:spcBef>
+                  <a:spcPts val="0"/>
+                </a:spcBef>
+                <a:spcAft>
+                  <a:spcPts val="0"/>
+                </a:spcAft>
+                <a:buClrTx/>
+                <a:buSzTx/>
+                <a:buFontTx/>
+                <a:buNone/>
+                <a:tabLst/>
+              </a:pPr>
+              <a:endParaRPr kumimoji="0" lang="en-US" sz="800" b="0" i="0" u="none" strike="noStrike" kern="0" cap="none" spc="0" normalizeH="0" baseline="0" noProof="0" dirty="0" smtClean="0">
+                <a:ln>
+                  <a:noFill/>
+                </a:ln>
+                <a:solidFill>
+                  <a:srgbClr val="000000">
+                    <a:lumMod val="75000"/>
+                    <a:lumOff val="25000"/>
+                  </a:srgbClr>
+                </a:solidFill>
+                <a:effectLst/>
+                <a:uLnTx/>
+                <a:uFillTx/>
+                <a:latin typeface="Segoe UI"/>
+                <a:ea typeface="+mn-ea"/>
+                <a:cs typeface="+mn-cs"/>
+              </a:endParaRPr>
+            </a:p>
+          </p:txBody>
+        </p:sp>
+        <p:sp>
+          <p:nvSpPr>
+            <p:cNvPr id="46" name="ActiveTab"/>
+            <p:cNvSpPr txBox="1">
+              <a:spLocks/>
+            </p:cNvSpPr>
+            <p:nvPr/>
+          </p:nvSpPr>
+          <p:spPr>
+            <a:xfrm>
+              <a:off x="3180638" y="2878653"/>
+              <a:ext cx="672660" cy="312104"/>
+            </a:xfrm>
+            <a:prstGeom prst="rect">
+              <a:avLst/>
+            </a:prstGeom>
+            <a:solidFill>
+              <a:srgbClr val="FFFFFF"/>
+            </a:solidFill>
+            <a:ln w="3175">
+              <a:noFill/>
+            </a:ln>
+          </p:spPr>
+          <p:txBody>
+            <a:bodyPr vertOverflow="ellipsis" lIns="0" tIns="18288" rIns="45720" rtlCol="0">
+              <a:noAutofit/>
+            </a:bodyPr>
+            <a:lstStyle/>
+            <a:p>
+              <a:pPr algn="ctr"/>
+              <a:r>
+                <a:rPr lang="ru-RU" sz="1200" dirty="0" smtClean="0">
+                  <a:latin typeface="Segoe UI" pitchFamily="34" charset="0"/>
+                  <a:ea typeface="Segoe UI" pitchFamily="34" charset="0"/>
+                  <a:cs typeface="Segoe UI" pitchFamily="34" charset="0"/>
+                </a:rPr>
+                <a:t>Фильтр</a:t>
+              </a:r>
+              <a:endParaRPr lang="en-US" sz="1200" dirty="0">
+                <a:latin typeface="Segoe UI" pitchFamily="34" charset="0"/>
+                <a:ea typeface="Segoe UI" pitchFamily="34" charset="0"/>
+                <a:cs typeface="Segoe UI" pitchFamily="34" charset="0"/>
+              </a:endParaRPr>
+            </a:p>
+          </p:txBody>
+        </p:sp>
+      </p:grpSp>
       <p:sp>
         <p:nvSpPr>
-          <p:cNvPr id="10" name="Content"/>
+          <p:cNvPr id="47" name="Content"/>
           <p:cNvSpPr txBox="1"/>
           <p:nvPr>
             <p:custDataLst>
-              <p:custData r:id="rId2"/>
+              <p:custData r:id="rId18"/>
             </p:custDataLst>
           </p:nvPr>
         </p:nvSpPr>
         <p:spPr>
           <a:xfrm>
-            <a:off x="1228502" y="584200"/>
-            <a:ext cx="559769" cy="230832"/>
+            <a:off x="1039327" y="811834"/>
+            <a:ext cx="934871" cy="230832"/>
           </a:xfrm>
           <a:prstGeom prst="rect">
             <a:avLst/>
@@ -11793,31 +14662,9 @@
                 <a:ea typeface="Segoe UI" pitchFamily="34" charset="0"/>
                 <a:cs typeface="Segoe UI" pitchFamily="34" charset="0"/>
               </a:rPr>
-              <a:t>Имя</a:t>
+              <a:t>Название: </a:t>
             </a:r>
-            <a:r>
-              <a:rPr lang="en-US" sz="1200" dirty="0" smtClean="0">
-                <a:solidFill>
-                  <a:srgbClr val="000000"/>
-                </a:solidFill>
-                <a:latin typeface="Segoe UI" pitchFamily="34" charset="0"/>
-                <a:ea typeface="Segoe UI" pitchFamily="34" charset="0"/>
-                <a:cs typeface="Segoe UI" pitchFamily="34" charset="0"/>
-              </a:rPr>
-              <a:t>:</a:t>
-            </a:r>
-            <a:r>
-              <a:rPr lang="ru-RU" sz="1200" dirty="0" smtClean="0">
-                <a:solidFill>
-                  <a:srgbClr val="000000"/>
-                </a:solidFill>
-                <a:latin typeface="Segoe UI" pitchFamily="34" charset="0"/>
-                <a:ea typeface="Segoe UI" pitchFamily="34" charset="0"/>
-                <a:cs typeface="Segoe UI" pitchFamily="34" charset="0"/>
-              </a:rPr>
-              <a:t> </a:t>
-            </a:r>
-            <a:endParaRPr lang="en-US" sz="1200" dirty="0" smtClean="0">
+            <a:endParaRPr lang="ru-RU" sz="1200" dirty="0" smtClean="0">
               <a:solidFill>
                 <a:srgbClr val="000000"/>
               </a:solidFill>
@@ -11830,18 +14677,18 @@
       </p:sp>
       <p:sp>
         <p:nvSpPr>
-          <p:cNvPr id="11" name="Content"/>
+          <p:cNvPr id="48" name="Content"/>
           <p:cNvSpPr txBox="1"/>
           <p:nvPr>
             <p:custDataLst>
-              <p:custData r:id="rId3"/>
+              <p:custData r:id="rId19"/>
             </p:custDataLst>
           </p:nvPr>
         </p:nvSpPr>
         <p:spPr>
           <a:xfrm>
-            <a:off x="1227836" y="868562"/>
-            <a:ext cx="852862" cy="230832"/>
+            <a:off x="1039327" y="1368433"/>
+            <a:ext cx="1045607" cy="415498"/>
           </a:xfrm>
           <a:prstGeom prst="rect">
             <a:avLst/>
@@ -11863,7 +14710,20 @@
                 <a:ea typeface="Segoe UI" pitchFamily="34" charset="0"/>
                 <a:cs typeface="Segoe UI" pitchFamily="34" charset="0"/>
               </a:rPr>
-              <a:t>Фамилия</a:t>
+              <a:t>Предлагает/</a:t>
+            </a:r>
+          </a:p>
+          <a:p>
+            <a:r>
+              <a:rPr lang="ru-RU" sz="1200" dirty="0" smtClean="0">
+                <a:solidFill>
+                  <a:srgbClr val="000000"/>
+                </a:solidFill>
+                <a:latin typeface="Segoe UI" pitchFamily="34" charset="0"/>
+                <a:ea typeface="Segoe UI" pitchFamily="34" charset="0"/>
+                <a:cs typeface="Segoe UI" pitchFamily="34" charset="0"/>
+              </a:rPr>
+              <a:t>просит</a:t>
             </a:r>
             <a:r>
               <a:rPr lang="en-US" sz="1200" dirty="0" smtClean="0">
@@ -11889,18 +14749,18 @@
       </p:sp>
       <p:sp>
         <p:nvSpPr>
-          <p:cNvPr id="17" name="Content"/>
+          <p:cNvPr id="49" name="Content"/>
           <p:cNvSpPr/>
           <p:nvPr>
             <p:custDataLst>
-              <p:custData r:id="rId4"/>
+              <p:custData r:id="rId20"/>
             </p:custDataLst>
           </p:nvPr>
         </p:nvSpPr>
         <p:spPr>
           <a:xfrm>
-            <a:off x="2114746" y="586432"/>
-            <a:ext cx="1665661" cy="228600"/>
+            <a:off x="2243180" y="824534"/>
+            <a:ext cx="2434258" cy="228600"/>
           </a:xfrm>
           <a:prstGeom prst="rect">
             <a:avLst/>
@@ -11942,13 +14802,517 @@
           <a:p>
             <a:r>
               <a:rPr lang="ru-RU" sz="1200" dirty="0" smtClean="0">
+                <a:solidFill>
+                  <a:srgbClr val="000000"/>
+                </a:solidFill>
+                <a:latin typeface="Segoe UI" pitchFamily="34" charset="0"/>
+                <a:cs typeface="Segoe UI" pitchFamily="34" charset="0"/>
+              </a:rPr>
+              <a:t>Гитара</a:t>
+            </a:r>
+            <a:endParaRPr lang="en-US" sz="1200" dirty="0">
+              <a:solidFill>
+                <a:srgbClr val="000000"/>
+              </a:solidFill>
+              <a:latin typeface="Segoe UI" pitchFamily="34" charset="0"/>
+              <a:cs typeface="Segoe UI" pitchFamily="34" charset="0"/>
+            </a:endParaRPr>
+          </a:p>
+        </p:txBody>
+      </p:sp>
+      <p:grpSp>
+        <p:nvGrpSpPr>
+          <p:cNvPr id="50" name="DropdownBox"/>
+          <p:cNvGrpSpPr/>
+          <p:nvPr>
+            <p:custDataLst>
+              <p:custData r:id="rId21"/>
+            </p:custDataLst>
+          </p:nvPr>
+        </p:nvGrpSpPr>
+        <p:grpSpPr>
+          <a:xfrm>
+            <a:off x="2245300" y="1461882"/>
+            <a:ext cx="2431284" cy="228600"/>
+            <a:chOff x="4016824" y="3329200"/>
+            <a:chExt cx="1097652" cy="228600"/>
+          </a:xfrm>
+        </p:grpSpPr>
+        <p:sp>
+          <p:nvSpPr>
+            <p:cNvPr id="51" name="Content"/>
+            <p:cNvSpPr/>
+            <p:nvPr/>
+          </p:nvSpPr>
+          <p:spPr>
+            <a:xfrm>
+              <a:off x="4016824" y="3329200"/>
+              <a:ext cx="1097652" cy="228600"/>
+            </a:xfrm>
+            <a:prstGeom prst="rect">
+              <a:avLst/>
+            </a:prstGeom>
+            <a:solidFill>
+              <a:srgbClr val="FFFFFF"/>
+            </a:solidFill>
+            <a:ln w="3175">
+              <a:solidFill>
+                <a:srgbClr val="FFFFFF">
+                  <a:lumMod val="50000"/>
+                </a:srgbClr>
+              </a:solidFill>
+            </a:ln>
+          </p:spPr>
+          <p:style>
+            <a:lnRef idx="2">
+              <a:srgbClr val="4F81BD">
+                <a:shade val="50000"/>
+              </a:srgbClr>
+            </a:lnRef>
+            <a:fillRef idx="1">
+              <a:srgbClr val="4F81BD"/>
+            </a:fillRef>
+            <a:effectRef idx="0">
+              <a:srgbClr val="4F81BD"/>
+            </a:effectRef>
+            <a:fontRef idx="minor">
+              <a:srgbClr val="000000"/>
+            </a:fontRef>
+          </p:style>
+          <p:txBody>
+            <a:bodyPr lIns="45720" rIns="45720" rtlCol="0" anchor="ctr"/>
+            <a:lstStyle/>
+            <a:p>
+              <a:r>
+                <a:rPr lang="ru-RU" sz="1200" dirty="0" smtClean="0">
+                  <a:solidFill>
+                    <a:srgbClr val="000000"/>
+                  </a:solidFill>
+                  <a:latin typeface="Segoe UI" pitchFamily="34" charset="0"/>
+                  <a:ea typeface="Segoe UI" pitchFamily="34" charset="0"/>
+                  <a:cs typeface="Segoe UI" pitchFamily="34" charset="0"/>
+                </a:rPr>
+                <a:t>Предлагает</a:t>
+              </a:r>
+              <a:endParaRPr lang="en-US" sz="1200" dirty="0">
+                <a:solidFill>
+                  <a:srgbClr val="000000"/>
+                </a:solidFill>
+                <a:latin typeface="Segoe UI" pitchFamily="34" charset="0"/>
+                <a:ea typeface="Segoe UI" pitchFamily="34" charset="0"/>
+                <a:cs typeface="Segoe UI" pitchFamily="34" charset="0"/>
+              </a:endParaRPr>
+            </a:p>
+          </p:txBody>
+        </p:sp>
+        <p:sp>
+          <p:nvSpPr>
+            <p:cNvPr id="52" name="DownArrow"/>
+            <p:cNvSpPr>
+              <a:spLocks noChangeAspect="1"/>
+            </p:cNvSpPr>
+            <p:nvPr/>
+          </p:nvSpPr>
+          <p:spPr>
+            <a:xfrm rot="10800000">
+              <a:off x="5059051" y="3430199"/>
+              <a:ext cx="36708" cy="48767"/>
+            </a:xfrm>
+            <a:prstGeom prst="triangle">
+              <a:avLst/>
+            </a:prstGeom>
+            <a:solidFill>
+              <a:srgbClr val="FFFFFF">
+                <a:lumMod val="75000"/>
+              </a:srgbClr>
+            </a:solidFill>
+            <a:ln>
+              <a:noFill/>
+            </a:ln>
+          </p:spPr>
+          <p:style>
+            <a:lnRef idx="2">
+              <a:srgbClr val="4F81BD">
+                <a:shade val="50000"/>
+              </a:srgbClr>
+            </a:lnRef>
+            <a:fillRef idx="1">
+              <a:srgbClr val="4F81BD"/>
+            </a:fillRef>
+            <a:effectRef idx="0">
+              <a:srgbClr val="4F81BD"/>
+            </a:effectRef>
+            <a:fontRef idx="minor">
+              <a:srgbClr val="000000"/>
+            </a:fontRef>
+          </p:style>
+          <p:txBody>
+            <a:bodyPr wrap="square" rtlCol="0" anchor="ctr"/>
+            <a:lstStyle/>
+            <a:p>
+              <a:pPr algn="ctr"/>
+              <a:endParaRPr lang="en-US" sz="2400" dirty="0"/>
+            </a:p>
+          </p:txBody>
+        </p:sp>
+      </p:grpSp>
+      <p:grpSp>
+        <p:nvGrpSpPr>
+          <p:cNvPr id="53" name="NumericStepper"/>
+          <p:cNvGrpSpPr/>
+          <p:nvPr>
+            <p:custDataLst>
+              <p:custData r:id="rId22"/>
+            </p:custDataLst>
+          </p:nvPr>
+        </p:nvGrpSpPr>
+        <p:grpSpPr>
+          <a:xfrm>
+            <a:off x="2243181" y="2097717"/>
+            <a:ext cx="969302" cy="228600"/>
+            <a:chOff x="4210050" y="3330449"/>
+            <a:chExt cx="639086" cy="228600"/>
+          </a:xfrm>
+        </p:grpSpPr>
+        <p:sp>
+          <p:nvSpPr>
+            <p:cNvPr id="54" name="Content"/>
+            <p:cNvSpPr>
+              <a:spLocks/>
+            </p:cNvSpPr>
+            <p:nvPr/>
+          </p:nvSpPr>
+          <p:spPr>
+            <a:xfrm>
+              <a:off x="4210050" y="3330449"/>
+              <a:ext cx="639086" cy="228600"/>
+            </a:xfrm>
+            <a:prstGeom prst="rect">
+              <a:avLst/>
+            </a:prstGeom>
+            <a:solidFill>
+              <a:srgbClr val="FFFFFF"/>
+            </a:solidFill>
+            <a:ln w="3175">
+              <a:solidFill>
+                <a:srgbClr val="FFFFFF">
+                  <a:lumMod val="50000"/>
+                </a:srgbClr>
+              </a:solidFill>
+            </a:ln>
+          </p:spPr>
+          <p:style>
+            <a:lnRef idx="2">
+              <a:srgbClr val="4F81BD">
+                <a:shade val="50000"/>
+              </a:srgbClr>
+            </a:lnRef>
+            <a:fillRef idx="1">
+              <a:srgbClr val="4F81BD"/>
+            </a:fillRef>
+            <a:effectRef idx="0">
+              <a:srgbClr val="4F81BD"/>
+            </a:effectRef>
+            <a:fontRef idx="minor">
+              <a:srgbClr val="000000"/>
+            </a:fontRef>
+          </p:style>
+          <p:txBody>
+            <a:bodyPr lIns="45720" rIns="182880" rtlCol="0" anchor="ctr"/>
+            <a:lstStyle/>
+            <a:p>
+              <a:r>
+                <a:rPr lang="ru-RU" sz="1200" dirty="0" smtClean="0">
+                  <a:solidFill>
+                    <a:srgbClr val="000000"/>
+                  </a:solidFill>
+                  <a:latin typeface="Segoe UI" pitchFamily="34" charset="0"/>
+                  <a:ea typeface="Segoe UI" pitchFamily="34" charset="0"/>
+                  <a:cs typeface="Segoe UI" pitchFamily="34" charset="0"/>
+                </a:rPr>
+                <a:t>100</a:t>
+              </a:r>
+              <a:endParaRPr lang="en-US" sz="1200" dirty="0">
+                <a:solidFill>
+                  <a:srgbClr val="000000"/>
+                </a:solidFill>
+                <a:latin typeface="Segoe UI" pitchFamily="34" charset="0"/>
+                <a:ea typeface="Segoe UI" pitchFamily="34" charset="0"/>
+                <a:cs typeface="Segoe UI" pitchFamily="34" charset="0"/>
+              </a:endParaRPr>
+            </a:p>
+          </p:txBody>
+        </p:sp>
+        <p:sp>
+          <p:nvSpPr>
+            <p:cNvPr id="55" name="DownBox"/>
+            <p:cNvSpPr>
+              <a:spLocks noChangeAspect="1"/>
+            </p:cNvSpPr>
+            <p:nvPr/>
+          </p:nvSpPr>
+          <p:spPr>
+            <a:xfrm>
+              <a:off x="4740616" y="3444749"/>
+              <a:ext cx="108520" cy="114300"/>
+            </a:xfrm>
+            <a:prstGeom prst="rect">
+              <a:avLst/>
+            </a:prstGeom>
+            <a:solidFill>
+              <a:srgbClr val="FFFFFF">
+                <a:lumMod val="95000"/>
+              </a:srgbClr>
+            </a:solidFill>
+            <a:ln w="3175">
+              <a:solidFill>
+                <a:srgbClr val="000000">
+                  <a:lumMod val="50000"/>
+                  <a:lumOff val="50000"/>
+                </a:srgbClr>
+              </a:solidFill>
+            </a:ln>
+            <a:effectLst/>
+          </p:spPr>
+          <p:style>
+            <a:lnRef idx="2">
+              <a:srgbClr val="4F81BD">
+                <a:shade val="50000"/>
+              </a:srgbClr>
+            </a:lnRef>
+            <a:fillRef idx="1">
+              <a:srgbClr val="4F81BD"/>
+            </a:fillRef>
+            <a:effectRef idx="0">
+              <a:srgbClr val="4F81BD"/>
+            </a:effectRef>
+            <a:fontRef idx="minor">
+              <a:srgbClr val="000000"/>
+            </a:fontRef>
+          </p:style>
+          <p:txBody>
+            <a:bodyPr lIns="91440" tIns="48766" rIns="91440" bIns="48766" rtlCol="0" anchor="ctr"/>
+            <a:lstStyle/>
+            <a:p>
+              <a:pPr algn="ctr"/>
+              <a:endParaRPr lang="en-US" sz="1200" dirty="0">
+                <a:latin typeface="Segoe UI" pitchFamily="34" charset="0"/>
+                <a:ea typeface="Segoe UI" pitchFamily="34" charset="0"/>
+                <a:cs typeface="Segoe UI" pitchFamily="34" charset="0"/>
+              </a:endParaRPr>
+            </a:p>
+          </p:txBody>
+        </p:sp>
+        <p:sp>
+          <p:nvSpPr>
+            <p:cNvPr id="56" name="DownArrow"/>
+            <p:cNvSpPr>
+              <a:spLocks/>
+            </p:cNvSpPr>
+            <p:nvPr/>
+          </p:nvSpPr>
+          <p:spPr>
+            <a:xfrm rot="10800000">
+              <a:off x="4768078" y="3476120"/>
+              <a:ext cx="53607" cy="42414"/>
+            </a:xfrm>
+            <a:prstGeom prst="triangle">
+              <a:avLst/>
+            </a:prstGeom>
+            <a:solidFill>
+              <a:srgbClr val="FFFFFF">
+                <a:lumMod val="75000"/>
+              </a:srgbClr>
+            </a:solidFill>
+            <a:ln>
+              <a:noFill/>
+            </a:ln>
+          </p:spPr>
+          <p:style>
+            <a:lnRef idx="2">
+              <a:srgbClr val="4F81BD">
+                <a:shade val="50000"/>
+              </a:srgbClr>
+            </a:lnRef>
+            <a:fillRef idx="1">
+              <a:srgbClr val="4F81BD"/>
+            </a:fillRef>
+            <a:effectRef idx="0">
+              <a:srgbClr val="4F81BD"/>
+            </a:effectRef>
+            <a:fontRef idx="minor">
+              <a:srgbClr val="000000"/>
+            </a:fontRef>
+          </p:style>
+          <p:txBody>
+            <a:bodyPr rtlCol="0" anchor="ctr"/>
+            <a:lstStyle/>
+            <a:p>
+              <a:pPr algn="ctr"/>
+              <a:endParaRPr lang="en-US" sz="1200" dirty="0">
+                <a:latin typeface="Segoe UI" pitchFamily="34" charset="0"/>
+                <a:ea typeface="Segoe UI" pitchFamily="34" charset="0"/>
+                <a:cs typeface="Segoe UI" pitchFamily="34" charset="0"/>
+              </a:endParaRPr>
+            </a:p>
+          </p:txBody>
+        </p:sp>
+        <p:sp>
+          <p:nvSpPr>
+            <p:cNvPr id="57" name="UpBox"/>
+            <p:cNvSpPr>
+              <a:spLocks noChangeAspect="1"/>
+            </p:cNvSpPr>
+            <p:nvPr/>
+          </p:nvSpPr>
+          <p:spPr>
+            <a:xfrm>
+              <a:off x="4740621" y="3330449"/>
+              <a:ext cx="108515" cy="114300"/>
+            </a:xfrm>
+            <a:prstGeom prst="rect">
+              <a:avLst/>
+            </a:prstGeom>
+            <a:solidFill>
+              <a:srgbClr val="FFFFFF">
+                <a:lumMod val="95000"/>
+              </a:srgbClr>
+            </a:solidFill>
+            <a:ln w="3175">
+              <a:solidFill>
+                <a:srgbClr val="000000">
+                  <a:lumMod val="50000"/>
+                  <a:lumOff val="50000"/>
+                </a:srgbClr>
+              </a:solidFill>
+            </a:ln>
+            <a:effectLst/>
+          </p:spPr>
+          <p:style>
+            <a:lnRef idx="2">
+              <a:srgbClr val="4F81BD">
+                <a:shade val="50000"/>
+              </a:srgbClr>
+            </a:lnRef>
+            <a:fillRef idx="1">
+              <a:srgbClr val="4F81BD"/>
+            </a:fillRef>
+            <a:effectRef idx="0">
+              <a:srgbClr val="4F81BD"/>
+            </a:effectRef>
+            <a:fontRef idx="minor">
+              <a:srgbClr val="000000"/>
+            </a:fontRef>
+          </p:style>
+          <p:txBody>
+            <a:bodyPr lIns="91440" tIns="48766" rIns="91440" bIns="48766" rtlCol="0" anchor="ctr"/>
+            <a:lstStyle/>
+            <a:p>
+              <a:pPr algn="ctr"/>
+              <a:endParaRPr lang="en-US" sz="1200" dirty="0">
+                <a:latin typeface="Segoe UI" pitchFamily="34" charset="0"/>
+                <a:ea typeface="Segoe UI" pitchFamily="34" charset="0"/>
+                <a:cs typeface="Segoe UI" pitchFamily="34" charset="0"/>
+              </a:endParaRPr>
+            </a:p>
+          </p:txBody>
+        </p:sp>
+        <p:sp>
+          <p:nvSpPr>
+            <p:cNvPr id="58" name="UpArrow"/>
+            <p:cNvSpPr>
+              <a:spLocks/>
+            </p:cNvSpPr>
+            <p:nvPr/>
+          </p:nvSpPr>
+          <p:spPr>
+            <a:xfrm>
+              <a:off x="4768073" y="3366392"/>
+              <a:ext cx="53607" cy="42414"/>
+            </a:xfrm>
+            <a:prstGeom prst="triangle">
+              <a:avLst/>
+            </a:prstGeom>
+            <a:solidFill>
+              <a:srgbClr val="FFFFFF">
+                <a:lumMod val="75000"/>
+              </a:srgbClr>
+            </a:solidFill>
+            <a:ln>
+              <a:noFill/>
+            </a:ln>
+          </p:spPr>
+          <p:style>
+            <a:lnRef idx="2">
+              <a:srgbClr val="4F81BD">
+                <a:shade val="50000"/>
+              </a:srgbClr>
+            </a:lnRef>
+            <a:fillRef idx="1">
+              <a:srgbClr val="4F81BD"/>
+            </a:fillRef>
+            <a:effectRef idx="0">
+              <a:srgbClr val="4F81BD"/>
+            </a:effectRef>
+            <a:fontRef idx="minor">
+              <a:srgbClr val="000000"/>
+            </a:fontRef>
+          </p:style>
+          <p:txBody>
+            <a:bodyPr rtlCol="0" anchor="ctr"/>
+            <a:lstStyle/>
+            <a:p>
+              <a:pPr algn="ctr"/>
+              <a:endParaRPr lang="en-US" sz="1200" dirty="0">
+                <a:latin typeface="Segoe UI" pitchFamily="34" charset="0"/>
+                <a:ea typeface="Segoe UI" pitchFamily="34" charset="0"/>
+                <a:cs typeface="Segoe UI" pitchFamily="34" charset="0"/>
+              </a:endParaRPr>
+            </a:p>
+          </p:txBody>
+        </p:sp>
+      </p:grpSp>
+      <p:sp>
+        <p:nvSpPr>
+          <p:cNvPr id="59" name="Content"/>
+          <p:cNvSpPr txBox="1"/>
+          <p:nvPr>
+            <p:custDataLst>
+              <p:custData r:id="rId23"/>
+            </p:custDataLst>
+          </p:nvPr>
+        </p:nvSpPr>
+        <p:spPr>
+          <a:xfrm>
+            <a:off x="1038919" y="2108920"/>
+            <a:ext cx="1147815" cy="230832"/>
+          </a:xfrm>
+          <a:prstGeom prst="rect">
+            <a:avLst/>
+          </a:prstGeom>
+          <a:noFill/>
+        </p:spPr>
+        <p:txBody>
+          <a:bodyPr wrap="none" lIns="91440" tIns="18288" rIns="91440" bIns="27432" rtlCol="0" anchor="ctr" anchorCtr="0">
+            <a:spAutoFit/>
+          </a:bodyPr>
+          <a:lstStyle/>
+          <a:p>
+            <a:r>
+              <a:rPr lang="ru-RU" sz="1200" dirty="0" smtClean="0">
+                <a:solidFill>
+                  <a:srgbClr val="000000"/>
+                </a:solidFill>
                 <a:latin typeface="Segoe UI" pitchFamily="34" charset="0"/>
                 <a:ea typeface="Segoe UI" pitchFamily="34" charset="0"/>
                 <a:cs typeface="Segoe UI" pitchFamily="34" charset="0"/>
               </a:rPr>
-              <a:t>Давид</a:t>
+              <a:t>Стоимость от:</a:t>
             </a:r>
-            <a:endParaRPr lang="en-US" sz="1200" dirty="0">
+            <a:endParaRPr lang="en-US" sz="1200" dirty="0" smtClean="0">
+              <a:solidFill>
+                <a:srgbClr val="000000"/>
+              </a:solidFill>
               <a:latin typeface="Segoe UI" pitchFamily="34" charset="0"/>
               <a:ea typeface="Segoe UI" pitchFamily="34" charset="0"/>
               <a:cs typeface="Segoe UI" pitchFamily="34" charset="0"/>
@@ -11958,24 +15322,26 @@
       </p:sp>
       <p:sp>
         <p:nvSpPr>
-          <p:cNvPr id="18" name="Content"/>
+          <p:cNvPr id="60" name="Content"/>
           <p:cNvSpPr/>
           <p:nvPr>
             <p:custDataLst>
-              <p:custData r:id="rId5"/>
+              <p:custData r:id="rId24"/>
             </p:custDataLst>
           </p:nvPr>
         </p:nvSpPr>
         <p:spPr>
           <a:xfrm>
-            <a:off x="2106114" y="870794"/>
-            <a:ext cx="1674293" cy="228600"/>
+            <a:off x="1067014" y="3419872"/>
+            <a:ext cx="1106592" cy="228600"/>
           </a:xfrm>
-          <a:prstGeom prst="rect">
+          <a:prstGeom prst="roundRect">
             <a:avLst/>
           </a:prstGeom>
           <a:solidFill>
-            <a:sysClr val="window" lastClr="FFFFFF"/>
+            <a:srgbClr val="FFFFFF">
+              <a:lumMod val="95000"/>
+            </a:srgbClr>
           </a:solidFill>
           <a:ln w="3175">
             <a:solidFill>
@@ -12004,22 +15370,27 @@
           </a:fontRef>
         </p:style>
         <p:txBody>
-          <a:bodyPr wrap="none" lIns="45720" tIns="18288" rIns="45720" bIns="18288" rtlCol="0" anchor="ctr">
+          <a:bodyPr wrap="square" lIns="91440" tIns="0" rIns="91440" bIns="9144" rtlCol="0" anchor="ctr">
             <a:noAutofit/>
           </a:bodyPr>
           <a:lstStyle/>
           <a:p>
+            <a:pPr algn="ctr"/>
             <a:r>
-              <a:rPr lang="ru-RU" sz="1200" dirty="0">
+              <a:rPr lang="ru-RU" sz="1200" dirty="0" smtClean="0">
+                <a:solidFill>
+                  <a:srgbClr val="000000"/>
+                </a:solidFill>
                 <a:latin typeface="Segoe UI" pitchFamily="34" charset="0"/>
-                <a:ea typeface="Segoe UI" pitchFamily="34" charset="0"/>
                 <a:cs typeface="Segoe UI" pitchFamily="34" charset="0"/>
               </a:rPr>
-              <a:t>Бояров</a:t>
+              <a:t>Найти</a:t>
             </a:r>
             <a:endParaRPr lang="en-US" sz="1200" dirty="0">
+              <a:solidFill>
+                <a:srgbClr val="000000"/>
+              </a:solidFill>
               <a:latin typeface="Segoe UI" pitchFamily="34" charset="0"/>
-              <a:ea typeface="Segoe UI" pitchFamily="34" charset="0"/>
               <a:cs typeface="Segoe UI" pitchFamily="34" charset="0"/>
             </a:endParaRPr>
           </a:p>
@@ -12027,223 +15398,74 @@
       </p:sp>
       <p:sp>
         <p:nvSpPr>
-          <p:cNvPr id="20" name="Content"/>
+          <p:cNvPr id="61" name="Скругленная прямоугольная выноска 60"/>
           <p:cNvSpPr/>
+          <p:nvPr/>
+        </p:nvSpPr>
+        <p:spPr>
+          <a:xfrm>
+            <a:off x="4575364" y="5220072"/>
+            <a:ext cx="613972" cy="372616"/>
+          </a:xfrm>
+          <a:prstGeom prst="wedgeRoundRectCallout">
+            <a:avLst/>
+          </a:prstGeom>
+          <a:ln>
+            <a:solidFill>
+              <a:schemeClr val="bg1">
+                <a:lumMod val="50000"/>
+              </a:schemeClr>
+            </a:solidFill>
+          </a:ln>
+          <a:effectLst>
+            <a:glow rad="63500">
+              <a:schemeClr val="accent2">
+                <a:satMod val="175000"/>
+                <a:alpha val="40000"/>
+              </a:schemeClr>
+            </a:glow>
+          </a:effectLst>
+        </p:spPr>
+        <p:style>
+          <a:lnRef idx="2">
+            <a:schemeClr val="dk1"/>
+          </a:lnRef>
+          <a:fillRef idx="1">
+            <a:schemeClr val="lt1"/>
+          </a:fillRef>
+          <a:effectRef idx="0">
+            <a:schemeClr val="dk1"/>
+          </a:effectRef>
+          <a:fontRef idx="minor">
+            <a:schemeClr val="dk1"/>
+          </a:fontRef>
+        </p:style>
+        <p:txBody>
+          <a:bodyPr rtlCol="0" anchor="ctr"/>
+          <a:lstStyle/>
+          <a:p>
+            <a:pPr algn="ctr"/>
+            <a:r>
+              <a:rPr lang="ru-RU" sz="700" dirty="0" smtClean="0"/>
+              <a:t>Нужно ли это поле?</a:t>
+            </a:r>
+          </a:p>
+        </p:txBody>
+      </p:sp>
+      <p:sp>
+        <p:nvSpPr>
+          <p:cNvPr id="68" name="Content"/>
+          <p:cNvSpPr txBox="1"/>
           <p:nvPr>
             <p:custDataLst>
-              <p:custData r:id="rId6"/>
+              <p:custData r:id="rId25"/>
             </p:custDataLst>
           </p:nvPr>
         </p:nvSpPr>
         <p:spPr>
           <a:xfrm>
-            <a:off x="2106114" y="1169492"/>
-            <a:ext cx="1674293" cy="228600"/>
-          </a:xfrm>
-          <a:prstGeom prst="rect">
-            <a:avLst/>
-          </a:prstGeom>
-          <a:solidFill>
-            <a:sysClr val="window" lastClr="FFFFFF"/>
-          </a:solidFill>
-          <a:ln w="3175">
-            <a:solidFill>
-              <a:srgbClr val="000000">
-                <a:lumMod val="50000"/>
-                <a:lumOff val="50000"/>
-              </a:srgbClr>
-            </a:solidFill>
-          </a:ln>
-          <a:effectLst/>
-        </p:spPr>
-        <p:style>
-          <a:lnRef idx="2">
-            <a:srgbClr val="4F81BD">
-              <a:shade val="50000"/>
-            </a:srgbClr>
-          </a:lnRef>
-          <a:fillRef idx="1">
-            <a:srgbClr val="4F81BD"/>
-          </a:fillRef>
-          <a:effectRef idx="0">
-            <a:srgbClr val="4F81BD"/>
-          </a:effectRef>
-          <a:fontRef idx="minor">
-            <a:srgbClr val="000000"/>
-          </a:fontRef>
-        </p:style>
-        <p:txBody>
-          <a:bodyPr wrap="none" lIns="45720" tIns="18288" rIns="45720" bIns="18288" rtlCol="0" anchor="ctr">
-            <a:noAutofit/>
-          </a:bodyPr>
-          <a:lstStyle/>
-          <a:p>
-            <a:r>
-              <a:rPr lang="en-US" sz="1200" dirty="0" smtClean="0">
-                <a:latin typeface="Segoe UI" pitchFamily="34" charset="0"/>
-                <a:ea typeface="Segoe UI" pitchFamily="34" charset="0"/>
-                <a:cs typeface="Segoe UI" pitchFamily="34" charset="0"/>
-              </a:rPr>
-              <a:t>boyarovdu@gmail.com</a:t>
-            </a:r>
-            <a:r>
-              <a:rPr lang="ru-RU" sz="1200" dirty="0" smtClean="0">
-                <a:latin typeface="Segoe UI" pitchFamily="34" charset="0"/>
-                <a:ea typeface="Segoe UI" pitchFamily="34" charset="0"/>
-                <a:cs typeface="Segoe UI" pitchFamily="34" charset="0"/>
-              </a:rPr>
-              <a:t> </a:t>
-            </a:r>
-            <a:endParaRPr lang="en-US" sz="1200" dirty="0">
-              <a:latin typeface="Segoe UI" pitchFamily="34" charset="0"/>
-              <a:ea typeface="Segoe UI" pitchFamily="34" charset="0"/>
-              <a:cs typeface="Segoe UI" pitchFamily="34" charset="0"/>
-            </a:endParaRPr>
-          </a:p>
-        </p:txBody>
-      </p:sp>
-      <p:sp>
-        <p:nvSpPr>
-          <p:cNvPr id="21" name="Content"/>
-          <p:cNvSpPr txBox="1"/>
-          <p:nvPr>
-            <p:custDataLst>
-              <p:custData r:id="rId7"/>
-            </p:custDataLst>
-          </p:nvPr>
-        </p:nvSpPr>
-        <p:spPr>
-          <a:xfrm>
-            <a:off x="1240877" y="1169492"/>
-            <a:ext cx="583814" cy="230832"/>
-          </a:xfrm>
-          <a:prstGeom prst="rect">
-            <a:avLst/>
-          </a:prstGeom>
-          <a:noFill/>
-        </p:spPr>
-        <p:txBody>
-          <a:bodyPr wrap="none" lIns="91440" tIns="18288" rIns="91440" bIns="27432" rtlCol="0" anchor="ctr" anchorCtr="0">
-            <a:spAutoFit/>
-          </a:bodyPr>
-          <a:lstStyle/>
-          <a:p>
-            <a:r>
-              <a:rPr lang="en-US" sz="1200" dirty="0" smtClean="0">
-                <a:solidFill>
-                  <a:srgbClr val="000000"/>
-                </a:solidFill>
-                <a:latin typeface="Segoe UI" pitchFamily="34" charset="0"/>
-                <a:ea typeface="Segoe UI" pitchFamily="34" charset="0"/>
-                <a:cs typeface="Segoe UI" pitchFamily="34" charset="0"/>
-              </a:rPr>
-              <a:t>email</a:t>
-            </a:r>
-            <a:r>
-              <a:rPr lang="en-US" sz="1200" dirty="0" smtClean="0">
-                <a:solidFill>
-                  <a:srgbClr val="000000"/>
-                </a:solidFill>
-                <a:latin typeface="Segoe UI" pitchFamily="34" charset="0"/>
-                <a:ea typeface="Segoe UI" pitchFamily="34" charset="0"/>
-                <a:cs typeface="Segoe UI" pitchFamily="34" charset="0"/>
-              </a:rPr>
-              <a:t>:</a:t>
-            </a:r>
-            <a:endParaRPr lang="en-US" sz="1200" dirty="0" smtClean="0">
-              <a:solidFill>
-                <a:srgbClr val="000000"/>
-              </a:solidFill>
-              <a:latin typeface="Segoe UI" pitchFamily="34" charset="0"/>
-              <a:ea typeface="Segoe UI" pitchFamily="34" charset="0"/>
-              <a:cs typeface="Segoe UI" pitchFamily="34" charset="0"/>
-            </a:endParaRPr>
-          </a:p>
-        </p:txBody>
-      </p:sp>
-      <p:sp>
-        <p:nvSpPr>
-          <p:cNvPr id="22" name="Content"/>
-          <p:cNvSpPr/>
-          <p:nvPr>
-            <p:custDataLst>
-              <p:custData r:id="rId8"/>
-            </p:custDataLst>
-          </p:nvPr>
-        </p:nvSpPr>
-        <p:spPr>
-          <a:xfrm>
-            <a:off x="2106114" y="1475656"/>
-            <a:ext cx="1674293" cy="228600"/>
-          </a:xfrm>
-          <a:prstGeom prst="rect">
-            <a:avLst/>
-          </a:prstGeom>
-          <a:solidFill>
-            <a:sysClr val="window" lastClr="FFFFFF"/>
-          </a:solidFill>
-          <a:ln w="3175">
-            <a:solidFill>
-              <a:srgbClr val="000000">
-                <a:lumMod val="50000"/>
-                <a:lumOff val="50000"/>
-              </a:srgbClr>
-            </a:solidFill>
-          </a:ln>
-          <a:effectLst/>
-        </p:spPr>
-        <p:style>
-          <a:lnRef idx="2">
-            <a:srgbClr val="4F81BD">
-              <a:shade val="50000"/>
-            </a:srgbClr>
-          </a:lnRef>
-          <a:fillRef idx="1">
-            <a:srgbClr val="4F81BD"/>
-          </a:fillRef>
-          <a:effectRef idx="0">
-            <a:srgbClr val="4F81BD"/>
-          </a:effectRef>
-          <a:fontRef idx="minor">
-            <a:srgbClr val="000000"/>
-          </a:fontRef>
-        </p:style>
-        <p:txBody>
-          <a:bodyPr wrap="none" lIns="45720" tIns="18288" rIns="45720" bIns="18288" rtlCol="0" anchor="ctr">
-            <a:noAutofit/>
-          </a:bodyPr>
-          <a:lstStyle/>
-          <a:p>
-            <a:r>
-              <a:rPr lang="ru-RU" sz="1200" dirty="0" smtClean="0">
-                <a:latin typeface="Segoe UI" pitchFamily="34" charset="0"/>
-                <a:ea typeface="Segoe UI" pitchFamily="34" charset="0"/>
-                <a:cs typeface="Segoe UI" pitchFamily="34" charset="0"/>
-              </a:rPr>
-              <a:t>(063)101-53-82</a:t>
-            </a:r>
-            <a:endParaRPr lang="en-US" sz="1200" dirty="0">
-              <a:latin typeface="Segoe UI" pitchFamily="34" charset="0"/>
-              <a:ea typeface="Segoe UI" pitchFamily="34" charset="0"/>
-              <a:cs typeface="Segoe UI" pitchFamily="34" charset="0"/>
-            </a:endParaRPr>
-          </a:p>
-        </p:txBody>
-      </p:sp>
-      <p:sp>
-        <p:nvSpPr>
-          <p:cNvPr id="23" name="Content"/>
-          <p:cNvSpPr txBox="1"/>
-          <p:nvPr>
-            <p:custDataLst>
-              <p:custData r:id="rId9"/>
-            </p:custDataLst>
-          </p:nvPr>
-        </p:nvSpPr>
-        <p:spPr>
-          <a:xfrm>
-            <a:off x="1240877" y="1475656"/>
-            <a:ext cx="808235" cy="230832"/>
+            <a:off x="1038919" y="1785870"/>
+            <a:ext cx="1119153" cy="230832"/>
           </a:xfrm>
           <a:prstGeom prst="rect">
             <a:avLst/>
@@ -12265,18 +15487,7 @@
                 <a:ea typeface="Segoe UI" pitchFamily="34" charset="0"/>
                 <a:cs typeface="Segoe UI" pitchFamily="34" charset="0"/>
               </a:rPr>
-              <a:t>Телефон</a:t>
-            </a:r>
-            <a:r>
-              <a:rPr lang="en-US" sz="1200" dirty="0" smtClean="0">
-                <a:solidFill>
-                  <a:srgbClr val="000000"/>
-                </a:solidFill>
-                <a:latin typeface="Segoe UI" pitchFamily="34" charset="0"/>
-                <a:ea typeface="Segoe UI" pitchFamily="34" charset="0"/>
-                <a:cs typeface="Segoe UI" pitchFamily="34" charset="0"/>
-              </a:rPr>
-              <a:t>:</a:t>
+              <a:t>Услуга/Товар:</a:t>
             </a:r>
             <a:endParaRPr lang="en-US" sz="1200" dirty="0" smtClean="0">
               <a:solidFill>
@@ -12289,81 +15500,156 @@
           </a:p>
         </p:txBody>
       </p:sp>
+      <p:grpSp>
+        <p:nvGrpSpPr>
+          <p:cNvPr id="76" name="DropdownBox"/>
+          <p:cNvGrpSpPr/>
+          <p:nvPr>
+            <p:custDataLst>
+              <p:custData r:id="rId26"/>
+            </p:custDataLst>
+          </p:nvPr>
+        </p:nvGrpSpPr>
+        <p:grpSpPr>
+          <a:xfrm>
+            <a:off x="2243181" y="1785870"/>
+            <a:ext cx="2431284" cy="228600"/>
+            <a:chOff x="4016824" y="3329200"/>
+            <a:chExt cx="1097652" cy="228600"/>
+          </a:xfrm>
+        </p:grpSpPr>
+        <p:sp>
+          <p:nvSpPr>
+            <p:cNvPr id="77" name="Content"/>
+            <p:cNvSpPr/>
+            <p:nvPr/>
+          </p:nvSpPr>
+          <p:spPr>
+            <a:xfrm>
+              <a:off x="4016824" y="3329200"/>
+              <a:ext cx="1097652" cy="228600"/>
+            </a:xfrm>
+            <a:prstGeom prst="rect">
+              <a:avLst/>
+            </a:prstGeom>
+            <a:solidFill>
+              <a:srgbClr val="FFFFFF"/>
+            </a:solidFill>
+            <a:ln w="3175">
+              <a:solidFill>
+                <a:srgbClr val="FFFFFF">
+                  <a:lumMod val="50000"/>
+                </a:srgbClr>
+              </a:solidFill>
+            </a:ln>
+          </p:spPr>
+          <p:style>
+            <a:lnRef idx="2">
+              <a:srgbClr val="4F81BD">
+                <a:shade val="50000"/>
+              </a:srgbClr>
+            </a:lnRef>
+            <a:fillRef idx="1">
+              <a:srgbClr val="4F81BD"/>
+            </a:fillRef>
+            <a:effectRef idx="0">
+              <a:srgbClr val="4F81BD"/>
+            </a:effectRef>
+            <a:fontRef idx="minor">
+              <a:srgbClr val="000000"/>
+            </a:fontRef>
+          </p:style>
+          <p:txBody>
+            <a:bodyPr lIns="45720" rIns="45720" rtlCol="0" anchor="ctr"/>
+            <a:lstStyle/>
+            <a:p>
+              <a:r>
+                <a:rPr lang="ru-RU" sz="1200" dirty="0" smtClean="0">
+                  <a:solidFill>
+                    <a:srgbClr val="000000"/>
+                  </a:solidFill>
+                  <a:latin typeface="Segoe UI" pitchFamily="34" charset="0"/>
+                  <a:ea typeface="Segoe UI" pitchFamily="34" charset="0"/>
+                  <a:cs typeface="Segoe UI" pitchFamily="34" charset="0"/>
+                </a:rPr>
+                <a:t>Товар</a:t>
+              </a:r>
+              <a:endParaRPr lang="en-US" sz="1200" dirty="0">
+                <a:solidFill>
+                  <a:srgbClr val="000000"/>
+                </a:solidFill>
+                <a:latin typeface="Segoe UI" pitchFamily="34" charset="0"/>
+                <a:ea typeface="Segoe UI" pitchFamily="34" charset="0"/>
+                <a:cs typeface="Segoe UI" pitchFamily="34" charset="0"/>
+              </a:endParaRPr>
+            </a:p>
+          </p:txBody>
+        </p:sp>
+        <p:sp>
+          <p:nvSpPr>
+            <p:cNvPr id="78" name="DownArrow"/>
+            <p:cNvSpPr>
+              <a:spLocks noChangeAspect="1"/>
+            </p:cNvSpPr>
+            <p:nvPr/>
+          </p:nvSpPr>
+          <p:spPr>
+            <a:xfrm rot="10800000">
+              <a:off x="5059051" y="3430199"/>
+              <a:ext cx="36708" cy="48767"/>
+            </a:xfrm>
+            <a:prstGeom prst="triangle">
+              <a:avLst/>
+            </a:prstGeom>
+            <a:solidFill>
+              <a:srgbClr val="FFFFFF">
+                <a:lumMod val="75000"/>
+              </a:srgbClr>
+            </a:solidFill>
+            <a:ln>
+              <a:noFill/>
+            </a:ln>
+          </p:spPr>
+          <p:style>
+            <a:lnRef idx="2">
+              <a:srgbClr val="4F81BD">
+                <a:shade val="50000"/>
+              </a:srgbClr>
+            </a:lnRef>
+            <a:fillRef idx="1">
+              <a:srgbClr val="4F81BD"/>
+            </a:fillRef>
+            <a:effectRef idx="0">
+              <a:srgbClr val="4F81BD"/>
+            </a:effectRef>
+            <a:fontRef idx="minor">
+              <a:srgbClr val="000000"/>
+            </a:fontRef>
+          </p:style>
+          <p:txBody>
+            <a:bodyPr wrap="square" rtlCol="0" anchor="ctr"/>
+            <a:lstStyle/>
+            <a:p>
+              <a:pPr algn="ctr"/>
+              <a:endParaRPr lang="en-US" sz="2400" dirty="0"/>
+            </a:p>
+          </p:txBody>
+        </p:sp>
+      </p:grpSp>
       <p:sp>
         <p:nvSpPr>
-          <p:cNvPr id="26" name="Content"/>
-          <p:cNvSpPr/>
+          <p:cNvPr id="79" name="Content"/>
+          <p:cNvSpPr txBox="1"/>
           <p:nvPr>
             <p:custDataLst>
-              <p:custData r:id="rId10"/>
+              <p:custData r:id="rId27"/>
             </p:custDataLst>
           </p:nvPr>
         </p:nvSpPr>
         <p:spPr>
           <a:xfrm>
-            <a:off x="2106114" y="1763688"/>
-            <a:ext cx="1674293" cy="720080"/>
-          </a:xfrm>
-          <a:prstGeom prst="rect">
-            <a:avLst/>
-          </a:prstGeom>
-          <a:solidFill>
-            <a:sysClr val="window" lastClr="FFFFFF"/>
-          </a:solidFill>
-          <a:ln w="3175">
-            <a:solidFill>
-              <a:srgbClr val="000000">
-                <a:lumMod val="50000"/>
-                <a:lumOff val="50000"/>
-              </a:srgbClr>
-            </a:solidFill>
-          </a:ln>
-          <a:effectLst/>
-        </p:spPr>
-        <p:style>
-          <a:lnRef idx="2">
-            <a:srgbClr val="4F81BD">
-              <a:shade val="50000"/>
-            </a:srgbClr>
-          </a:lnRef>
-          <a:fillRef idx="1">
-            <a:srgbClr val="4F81BD"/>
-          </a:fillRef>
-          <a:effectRef idx="0">
-            <a:srgbClr val="4F81BD"/>
-          </a:effectRef>
-          <a:fontRef idx="minor">
-            <a:srgbClr val="000000"/>
-          </a:fontRef>
-        </p:style>
-        <p:txBody>
-          <a:bodyPr wrap="none" lIns="45720" tIns="18288" rIns="45720" bIns="18288" rtlCol="0" anchor="ctr">
-            <a:noAutofit/>
-          </a:bodyPr>
-          <a:lstStyle/>
-          <a:p>
-            <a:endParaRPr lang="en-US" sz="1200" dirty="0">
-              <a:latin typeface="Segoe UI" pitchFamily="34" charset="0"/>
-              <a:ea typeface="Segoe UI" pitchFamily="34" charset="0"/>
-              <a:cs typeface="Segoe UI" pitchFamily="34" charset="0"/>
-            </a:endParaRPr>
-          </a:p>
-        </p:txBody>
-      </p:sp>
-      <p:sp>
-        <p:nvSpPr>
-          <p:cNvPr id="27" name="Content"/>
-          <p:cNvSpPr txBox="1"/>
-          <p:nvPr>
-            <p:custDataLst>
-              <p:custData r:id="rId11"/>
-            </p:custDataLst>
-          </p:nvPr>
-        </p:nvSpPr>
-        <p:spPr>
-          <a:xfrm>
-            <a:off x="1250149" y="1763688"/>
-            <a:ext cx="911275" cy="230832"/>
+            <a:off x="1040865" y="1138717"/>
+            <a:ext cx="929357" cy="230832"/>
           </a:xfrm>
           <a:prstGeom prst="rect">
             <a:avLst/>
@@ -12385,18 +15671,7 @@
                 <a:ea typeface="Segoe UI" pitchFamily="34" charset="0"/>
                 <a:cs typeface="Segoe UI" pitchFamily="34" charset="0"/>
               </a:rPr>
-              <a:t>Интересы</a:t>
-            </a:r>
-            <a:r>
-              <a:rPr lang="en-US" sz="1200" dirty="0" smtClean="0">
-                <a:solidFill>
-                  <a:srgbClr val="000000"/>
-                </a:solidFill>
-                <a:latin typeface="Segoe UI" pitchFamily="34" charset="0"/>
-                <a:ea typeface="Segoe UI" pitchFamily="34" charset="0"/>
-                <a:cs typeface="Segoe UI" pitchFamily="34" charset="0"/>
-              </a:rPr>
-              <a:t>:</a:t>
+              <a:t>Категория:</a:t>
             </a:r>
             <a:endParaRPr lang="en-US" sz="1200" dirty="0" smtClean="0">
               <a:solidFill>
@@ -12409,6 +15684,1611 @@
           </a:p>
         </p:txBody>
       </p:sp>
+      <p:grpSp>
+        <p:nvGrpSpPr>
+          <p:cNvPr id="80" name="DropdownBox"/>
+          <p:cNvGrpSpPr/>
+          <p:nvPr>
+            <p:custDataLst>
+              <p:custData r:id="rId28"/>
+            </p:custDataLst>
+          </p:nvPr>
+        </p:nvGrpSpPr>
+        <p:grpSpPr>
+          <a:xfrm>
+            <a:off x="2246838" y="1139833"/>
+            <a:ext cx="2431284" cy="228600"/>
+            <a:chOff x="4016824" y="3329200"/>
+            <a:chExt cx="1097652" cy="228600"/>
+          </a:xfrm>
+        </p:grpSpPr>
+        <p:sp>
+          <p:nvSpPr>
+            <p:cNvPr id="81" name="Content"/>
+            <p:cNvSpPr/>
+            <p:nvPr/>
+          </p:nvSpPr>
+          <p:spPr>
+            <a:xfrm>
+              <a:off x="4016824" y="3329200"/>
+              <a:ext cx="1097652" cy="228600"/>
+            </a:xfrm>
+            <a:prstGeom prst="rect">
+              <a:avLst/>
+            </a:prstGeom>
+            <a:solidFill>
+              <a:srgbClr val="FFFFFF"/>
+            </a:solidFill>
+            <a:ln w="3175">
+              <a:solidFill>
+                <a:srgbClr val="FFFFFF">
+                  <a:lumMod val="50000"/>
+                </a:srgbClr>
+              </a:solidFill>
+            </a:ln>
+          </p:spPr>
+          <p:style>
+            <a:lnRef idx="2">
+              <a:srgbClr val="4F81BD">
+                <a:shade val="50000"/>
+              </a:srgbClr>
+            </a:lnRef>
+            <a:fillRef idx="1">
+              <a:srgbClr val="4F81BD"/>
+            </a:fillRef>
+            <a:effectRef idx="0">
+              <a:srgbClr val="4F81BD"/>
+            </a:effectRef>
+            <a:fontRef idx="minor">
+              <a:srgbClr val="000000"/>
+            </a:fontRef>
+          </p:style>
+          <p:txBody>
+            <a:bodyPr lIns="45720" rIns="45720" rtlCol="0" anchor="ctr"/>
+            <a:lstStyle/>
+            <a:p>
+              <a:r>
+                <a:rPr lang="ru-RU" sz="1200" dirty="0" smtClean="0">
+                  <a:latin typeface="Segoe UI" pitchFamily="34" charset="0"/>
+                  <a:ea typeface="Segoe UI" pitchFamily="34" charset="0"/>
+                  <a:cs typeface="Segoe UI" pitchFamily="34" charset="0"/>
+                </a:rPr>
+                <a:t>Музыка </a:t>
+              </a:r>
+              <a:endParaRPr lang="en-US" sz="1200" dirty="0">
+                <a:solidFill>
+                  <a:srgbClr val="000000"/>
+                </a:solidFill>
+                <a:latin typeface="Segoe UI" pitchFamily="34" charset="0"/>
+                <a:ea typeface="Segoe UI" pitchFamily="34" charset="0"/>
+                <a:cs typeface="Segoe UI" pitchFamily="34" charset="0"/>
+              </a:endParaRPr>
+            </a:p>
+          </p:txBody>
+        </p:sp>
+        <p:sp>
+          <p:nvSpPr>
+            <p:cNvPr id="82" name="DownArrow"/>
+            <p:cNvSpPr>
+              <a:spLocks noChangeAspect="1"/>
+            </p:cNvSpPr>
+            <p:nvPr/>
+          </p:nvSpPr>
+          <p:spPr>
+            <a:xfrm rot="10800000">
+              <a:off x="5059051" y="3430199"/>
+              <a:ext cx="36708" cy="48767"/>
+            </a:xfrm>
+            <a:prstGeom prst="triangle">
+              <a:avLst/>
+            </a:prstGeom>
+            <a:solidFill>
+              <a:srgbClr val="FFFFFF">
+                <a:lumMod val="75000"/>
+              </a:srgbClr>
+            </a:solidFill>
+            <a:ln>
+              <a:noFill/>
+            </a:ln>
+          </p:spPr>
+          <p:style>
+            <a:lnRef idx="2">
+              <a:srgbClr val="4F81BD">
+                <a:shade val="50000"/>
+              </a:srgbClr>
+            </a:lnRef>
+            <a:fillRef idx="1">
+              <a:srgbClr val="4F81BD"/>
+            </a:fillRef>
+            <a:effectRef idx="0">
+              <a:srgbClr val="4F81BD"/>
+            </a:effectRef>
+            <a:fontRef idx="minor">
+              <a:srgbClr val="000000"/>
+            </a:fontRef>
+          </p:style>
+          <p:txBody>
+            <a:bodyPr wrap="square" rtlCol="0" anchor="ctr"/>
+            <a:lstStyle/>
+            <a:p>
+              <a:pPr algn="ctr"/>
+              <a:endParaRPr lang="en-US" sz="2400" dirty="0"/>
+            </a:p>
+          </p:txBody>
+        </p:sp>
+      </p:grpSp>
+      <p:sp>
+        <p:nvSpPr>
+          <p:cNvPr id="83" name="Content"/>
+          <p:cNvSpPr txBox="1"/>
+          <p:nvPr>
+            <p:custDataLst>
+              <p:custData r:id="rId29"/>
+            </p:custDataLst>
+          </p:nvPr>
+        </p:nvSpPr>
+        <p:spPr>
+          <a:xfrm>
+            <a:off x="3259108" y="2108847"/>
+            <a:ext cx="393056" cy="230832"/>
+          </a:xfrm>
+          <a:prstGeom prst="rect">
+            <a:avLst/>
+          </a:prstGeom>
+          <a:noFill/>
+        </p:spPr>
+        <p:txBody>
+          <a:bodyPr wrap="none" lIns="91440" tIns="18288" rIns="91440" bIns="27432" rtlCol="0" anchor="ctr" anchorCtr="0">
+            <a:spAutoFit/>
+          </a:bodyPr>
+          <a:lstStyle/>
+          <a:p>
+            <a:r>
+              <a:rPr lang="ru-RU" sz="1200" dirty="0">
+                <a:solidFill>
+                  <a:srgbClr val="000000"/>
+                </a:solidFill>
+                <a:latin typeface="Segoe UI" pitchFamily="34" charset="0"/>
+                <a:ea typeface="Segoe UI" pitchFamily="34" charset="0"/>
+                <a:cs typeface="Segoe UI" pitchFamily="34" charset="0"/>
+              </a:rPr>
+              <a:t>д</a:t>
+            </a:r>
+            <a:r>
+              <a:rPr lang="ru-RU" sz="1200" dirty="0" smtClean="0">
+                <a:solidFill>
+                  <a:srgbClr val="000000"/>
+                </a:solidFill>
+                <a:latin typeface="Segoe UI" pitchFamily="34" charset="0"/>
+                <a:ea typeface="Segoe UI" pitchFamily="34" charset="0"/>
+                <a:cs typeface="Segoe UI" pitchFamily="34" charset="0"/>
+              </a:rPr>
+              <a:t>о:</a:t>
+            </a:r>
+            <a:endParaRPr lang="en-US" sz="1200" dirty="0" smtClean="0">
+              <a:solidFill>
+                <a:srgbClr val="000000"/>
+              </a:solidFill>
+              <a:latin typeface="Segoe UI" pitchFamily="34" charset="0"/>
+              <a:ea typeface="Segoe UI" pitchFamily="34" charset="0"/>
+              <a:cs typeface="Segoe UI" pitchFamily="34" charset="0"/>
+            </a:endParaRPr>
+          </a:p>
+        </p:txBody>
+      </p:sp>
+      <p:grpSp>
+        <p:nvGrpSpPr>
+          <p:cNvPr id="84" name="NumericStepper"/>
+          <p:cNvGrpSpPr/>
+          <p:nvPr>
+            <p:custDataLst>
+              <p:custData r:id="rId30"/>
+            </p:custDataLst>
+          </p:nvPr>
+        </p:nvGrpSpPr>
+        <p:grpSpPr>
+          <a:xfrm>
+            <a:off x="3705164" y="2108847"/>
+            <a:ext cx="954176" cy="228600"/>
+            <a:chOff x="4210050" y="3330449"/>
+            <a:chExt cx="639086" cy="228600"/>
+          </a:xfrm>
+        </p:grpSpPr>
+        <p:sp>
+          <p:nvSpPr>
+            <p:cNvPr id="85" name="Content"/>
+            <p:cNvSpPr>
+              <a:spLocks/>
+            </p:cNvSpPr>
+            <p:nvPr/>
+          </p:nvSpPr>
+          <p:spPr>
+            <a:xfrm>
+              <a:off x="4210050" y="3330449"/>
+              <a:ext cx="639086" cy="228600"/>
+            </a:xfrm>
+            <a:prstGeom prst="rect">
+              <a:avLst/>
+            </a:prstGeom>
+            <a:solidFill>
+              <a:srgbClr val="FFFFFF"/>
+            </a:solidFill>
+            <a:ln w="3175">
+              <a:solidFill>
+                <a:srgbClr val="FFFFFF">
+                  <a:lumMod val="50000"/>
+                </a:srgbClr>
+              </a:solidFill>
+            </a:ln>
+          </p:spPr>
+          <p:style>
+            <a:lnRef idx="2">
+              <a:srgbClr val="4F81BD">
+                <a:shade val="50000"/>
+              </a:srgbClr>
+            </a:lnRef>
+            <a:fillRef idx="1">
+              <a:srgbClr val="4F81BD"/>
+            </a:fillRef>
+            <a:effectRef idx="0">
+              <a:srgbClr val="4F81BD"/>
+            </a:effectRef>
+            <a:fontRef idx="minor">
+              <a:srgbClr val="000000"/>
+            </a:fontRef>
+          </p:style>
+          <p:txBody>
+            <a:bodyPr lIns="45720" rIns="182880" rtlCol="0" anchor="ctr"/>
+            <a:lstStyle/>
+            <a:p>
+              <a:r>
+                <a:rPr lang="ru-RU" sz="1200" dirty="0" smtClean="0">
+                  <a:solidFill>
+                    <a:srgbClr val="000000"/>
+                  </a:solidFill>
+                  <a:latin typeface="Segoe UI" pitchFamily="34" charset="0"/>
+                  <a:ea typeface="Segoe UI" pitchFamily="34" charset="0"/>
+                  <a:cs typeface="Segoe UI" pitchFamily="34" charset="0"/>
+                </a:rPr>
+                <a:t>200</a:t>
+              </a:r>
+              <a:endParaRPr lang="en-US" sz="1200" dirty="0">
+                <a:solidFill>
+                  <a:srgbClr val="000000"/>
+                </a:solidFill>
+                <a:latin typeface="Segoe UI" pitchFamily="34" charset="0"/>
+                <a:ea typeface="Segoe UI" pitchFamily="34" charset="0"/>
+                <a:cs typeface="Segoe UI" pitchFamily="34" charset="0"/>
+              </a:endParaRPr>
+            </a:p>
+          </p:txBody>
+        </p:sp>
+        <p:sp>
+          <p:nvSpPr>
+            <p:cNvPr id="86" name="DownBox"/>
+            <p:cNvSpPr>
+              <a:spLocks noChangeAspect="1"/>
+            </p:cNvSpPr>
+            <p:nvPr/>
+          </p:nvSpPr>
+          <p:spPr>
+            <a:xfrm>
+              <a:off x="4738896" y="3444749"/>
+              <a:ext cx="110240" cy="114300"/>
+            </a:xfrm>
+            <a:prstGeom prst="rect">
+              <a:avLst/>
+            </a:prstGeom>
+            <a:solidFill>
+              <a:srgbClr val="FFFFFF">
+                <a:lumMod val="95000"/>
+              </a:srgbClr>
+            </a:solidFill>
+            <a:ln w="3175">
+              <a:solidFill>
+                <a:srgbClr val="000000">
+                  <a:lumMod val="50000"/>
+                  <a:lumOff val="50000"/>
+                </a:srgbClr>
+              </a:solidFill>
+            </a:ln>
+            <a:effectLst/>
+          </p:spPr>
+          <p:style>
+            <a:lnRef idx="2">
+              <a:srgbClr val="4F81BD">
+                <a:shade val="50000"/>
+              </a:srgbClr>
+            </a:lnRef>
+            <a:fillRef idx="1">
+              <a:srgbClr val="4F81BD"/>
+            </a:fillRef>
+            <a:effectRef idx="0">
+              <a:srgbClr val="4F81BD"/>
+            </a:effectRef>
+            <a:fontRef idx="minor">
+              <a:srgbClr val="000000"/>
+            </a:fontRef>
+          </p:style>
+          <p:txBody>
+            <a:bodyPr lIns="91440" tIns="48766" rIns="91440" bIns="48766" rtlCol="0" anchor="ctr"/>
+            <a:lstStyle/>
+            <a:p>
+              <a:pPr algn="ctr"/>
+              <a:endParaRPr lang="en-US" sz="1200" dirty="0">
+                <a:latin typeface="Segoe UI" pitchFamily="34" charset="0"/>
+                <a:ea typeface="Segoe UI" pitchFamily="34" charset="0"/>
+                <a:cs typeface="Segoe UI" pitchFamily="34" charset="0"/>
+              </a:endParaRPr>
+            </a:p>
+          </p:txBody>
+        </p:sp>
+        <p:sp>
+          <p:nvSpPr>
+            <p:cNvPr id="87" name="DownArrow"/>
+            <p:cNvSpPr>
+              <a:spLocks/>
+            </p:cNvSpPr>
+            <p:nvPr/>
+          </p:nvSpPr>
+          <p:spPr>
+            <a:xfrm rot="10800000">
+              <a:off x="4766793" y="3476120"/>
+              <a:ext cx="54457" cy="42414"/>
+            </a:xfrm>
+            <a:prstGeom prst="triangle">
+              <a:avLst/>
+            </a:prstGeom>
+            <a:solidFill>
+              <a:srgbClr val="FFFFFF">
+                <a:lumMod val="75000"/>
+              </a:srgbClr>
+            </a:solidFill>
+            <a:ln>
+              <a:noFill/>
+            </a:ln>
+          </p:spPr>
+          <p:style>
+            <a:lnRef idx="2">
+              <a:srgbClr val="4F81BD">
+                <a:shade val="50000"/>
+              </a:srgbClr>
+            </a:lnRef>
+            <a:fillRef idx="1">
+              <a:srgbClr val="4F81BD"/>
+            </a:fillRef>
+            <a:effectRef idx="0">
+              <a:srgbClr val="4F81BD"/>
+            </a:effectRef>
+            <a:fontRef idx="minor">
+              <a:srgbClr val="000000"/>
+            </a:fontRef>
+          </p:style>
+          <p:txBody>
+            <a:bodyPr rtlCol="0" anchor="ctr"/>
+            <a:lstStyle/>
+            <a:p>
+              <a:pPr algn="ctr"/>
+              <a:endParaRPr lang="en-US" sz="1200" dirty="0">
+                <a:latin typeface="Segoe UI" pitchFamily="34" charset="0"/>
+                <a:ea typeface="Segoe UI" pitchFamily="34" charset="0"/>
+                <a:cs typeface="Segoe UI" pitchFamily="34" charset="0"/>
+              </a:endParaRPr>
+            </a:p>
+          </p:txBody>
+        </p:sp>
+        <p:sp>
+          <p:nvSpPr>
+            <p:cNvPr id="88" name="UpBox"/>
+            <p:cNvSpPr>
+              <a:spLocks noChangeAspect="1"/>
+            </p:cNvSpPr>
+            <p:nvPr/>
+          </p:nvSpPr>
+          <p:spPr>
+            <a:xfrm>
+              <a:off x="4738901" y="3330449"/>
+              <a:ext cx="110235" cy="114300"/>
+            </a:xfrm>
+            <a:prstGeom prst="rect">
+              <a:avLst/>
+            </a:prstGeom>
+            <a:solidFill>
+              <a:srgbClr val="FFFFFF">
+                <a:lumMod val="95000"/>
+              </a:srgbClr>
+            </a:solidFill>
+            <a:ln w="3175">
+              <a:solidFill>
+                <a:srgbClr val="000000">
+                  <a:lumMod val="50000"/>
+                  <a:lumOff val="50000"/>
+                </a:srgbClr>
+              </a:solidFill>
+            </a:ln>
+            <a:effectLst/>
+          </p:spPr>
+          <p:style>
+            <a:lnRef idx="2">
+              <a:srgbClr val="4F81BD">
+                <a:shade val="50000"/>
+              </a:srgbClr>
+            </a:lnRef>
+            <a:fillRef idx="1">
+              <a:srgbClr val="4F81BD"/>
+            </a:fillRef>
+            <a:effectRef idx="0">
+              <a:srgbClr val="4F81BD"/>
+            </a:effectRef>
+            <a:fontRef idx="minor">
+              <a:srgbClr val="000000"/>
+            </a:fontRef>
+          </p:style>
+          <p:txBody>
+            <a:bodyPr lIns="91440" tIns="48766" rIns="91440" bIns="48766" rtlCol="0" anchor="ctr"/>
+            <a:lstStyle/>
+            <a:p>
+              <a:pPr algn="ctr"/>
+              <a:endParaRPr lang="en-US" sz="1200" dirty="0">
+                <a:latin typeface="Segoe UI" pitchFamily="34" charset="0"/>
+                <a:ea typeface="Segoe UI" pitchFamily="34" charset="0"/>
+                <a:cs typeface="Segoe UI" pitchFamily="34" charset="0"/>
+              </a:endParaRPr>
+            </a:p>
+          </p:txBody>
+        </p:sp>
+        <p:sp>
+          <p:nvSpPr>
+            <p:cNvPr id="89" name="UpArrow"/>
+            <p:cNvSpPr>
+              <a:spLocks/>
+            </p:cNvSpPr>
+            <p:nvPr/>
+          </p:nvSpPr>
+          <p:spPr>
+            <a:xfrm>
+              <a:off x="4766787" y="3366392"/>
+              <a:ext cx="54457" cy="42414"/>
+            </a:xfrm>
+            <a:prstGeom prst="triangle">
+              <a:avLst/>
+            </a:prstGeom>
+            <a:solidFill>
+              <a:srgbClr val="FFFFFF">
+                <a:lumMod val="75000"/>
+              </a:srgbClr>
+            </a:solidFill>
+            <a:ln>
+              <a:noFill/>
+            </a:ln>
+          </p:spPr>
+          <p:style>
+            <a:lnRef idx="2">
+              <a:srgbClr val="4F81BD">
+                <a:shade val="50000"/>
+              </a:srgbClr>
+            </a:lnRef>
+            <a:fillRef idx="1">
+              <a:srgbClr val="4F81BD"/>
+            </a:fillRef>
+            <a:effectRef idx="0">
+              <a:srgbClr val="4F81BD"/>
+            </a:effectRef>
+            <a:fontRef idx="minor">
+              <a:srgbClr val="000000"/>
+            </a:fontRef>
+          </p:style>
+          <p:txBody>
+            <a:bodyPr rtlCol="0" anchor="ctr"/>
+            <a:lstStyle/>
+            <a:p>
+              <a:pPr algn="ctr"/>
+              <a:endParaRPr lang="en-US" sz="1200" dirty="0">
+                <a:latin typeface="Segoe UI" pitchFamily="34" charset="0"/>
+                <a:ea typeface="Segoe UI" pitchFamily="34" charset="0"/>
+                <a:cs typeface="Segoe UI" pitchFamily="34" charset="0"/>
+              </a:endParaRPr>
+            </a:p>
+          </p:txBody>
+        </p:sp>
+      </p:grpSp>
+      <p:sp>
+        <p:nvSpPr>
+          <p:cNvPr id="90" name="Content"/>
+          <p:cNvSpPr txBox="1"/>
+          <p:nvPr>
+            <p:custDataLst>
+              <p:custData r:id="rId31"/>
+            </p:custDataLst>
+          </p:nvPr>
+        </p:nvSpPr>
+        <p:spPr>
+          <a:xfrm>
+            <a:off x="843215" y="4734453"/>
+            <a:ext cx="2261966" cy="249299"/>
+          </a:xfrm>
+          <a:prstGeom prst="rect">
+            <a:avLst/>
+          </a:prstGeom>
+          <a:noFill/>
+        </p:spPr>
+        <p:txBody>
+          <a:bodyPr wrap="none" lIns="91440" tIns="18288" rIns="91440" bIns="45720" rtlCol="0" anchor="ctr" anchorCtr="0">
+            <a:spAutoFit/>
+          </a:bodyPr>
+          <a:lstStyle/>
+          <a:p>
+            <a:r>
+              <a:rPr lang="ru-RU" sz="1200" dirty="0">
+                <a:solidFill>
+                  <a:srgbClr val="000000"/>
+                </a:solidFill>
+                <a:latin typeface="Segoe UI" pitchFamily="34" charset="0"/>
+                <a:ea typeface="Segoe UI" pitchFamily="34" charset="0"/>
+                <a:cs typeface="Segoe UI" pitchFamily="34" charset="0"/>
+              </a:rPr>
+              <a:t>П</a:t>
+            </a:r>
+            <a:r>
+              <a:rPr lang="ru-RU" sz="1200" dirty="0" smtClean="0">
+                <a:solidFill>
+                  <a:srgbClr val="000000"/>
+                </a:solidFill>
+                <a:latin typeface="Segoe UI" pitchFamily="34" charset="0"/>
+                <a:ea typeface="Segoe UI" pitchFamily="34" charset="0"/>
+                <a:cs typeface="Segoe UI" pitchFamily="34" charset="0"/>
+              </a:rPr>
+              <a:t>редлагаю</a:t>
+            </a:r>
+            <a:r>
+              <a:rPr lang="en-US" sz="1200" dirty="0" smtClean="0">
+                <a:solidFill>
+                  <a:srgbClr val="000000"/>
+                </a:solidFill>
+                <a:latin typeface="Segoe UI" pitchFamily="34" charset="0"/>
+                <a:ea typeface="Segoe UI" pitchFamily="34" charset="0"/>
+                <a:cs typeface="Segoe UI" pitchFamily="34" charset="0"/>
+              </a:rPr>
+              <a:t>&gt; </a:t>
+            </a:r>
+            <a:r>
+              <a:rPr lang="ru-RU" sz="1200" dirty="0" smtClean="0">
+                <a:solidFill>
+                  <a:srgbClr val="000000"/>
+                </a:solidFill>
+                <a:latin typeface="Segoe UI" pitchFamily="34" charset="0"/>
+                <a:ea typeface="Segoe UI" pitchFamily="34" charset="0"/>
+                <a:cs typeface="Segoe UI" pitchFamily="34" charset="0"/>
+              </a:rPr>
+              <a:t>Услуги</a:t>
+            </a:r>
+            <a:r>
+              <a:rPr lang="en-US" sz="1200" dirty="0" smtClean="0">
+                <a:solidFill>
+                  <a:srgbClr val="000000"/>
+                </a:solidFill>
+                <a:latin typeface="Segoe UI" pitchFamily="34" charset="0"/>
+                <a:ea typeface="Segoe UI" pitchFamily="34" charset="0"/>
+                <a:cs typeface="Segoe UI" pitchFamily="34" charset="0"/>
+              </a:rPr>
+              <a:t>&gt; </a:t>
+            </a:r>
+            <a:r>
+              <a:rPr lang="ru-RU" sz="1200" dirty="0">
+                <a:solidFill>
+                  <a:srgbClr val="000000"/>
+                </a:solidFill>
+                <a:latin typeface="Segoe UI" pitchFamily="34" charset="0"/>
+                <a:ea typeface="Segoe UI" pitchFamily="34" charset="0"/>
+                <a:cs typeface="Segoe UI" pitchFamily="34" charset="0"/>
+              </a:rPr>
+              <a:t>Музыка</a:t>
+            </a:r>
+            <a:endParaRPr lang="en-US" sz="1200" dirty="0">
+              <a:solidFill>
+                <a:srgbClr val="000000"/>
+              </a:solidFill>
+              <a:latin typeface="Segoe UI" pitchFamily="34" charset="0"/>
+              <a:ea typeface="Segoe UI" pitchFamily="34" charset="0"/>
+              <a:cs typeface="Segoe UI" pitchFamily="34" charset="0"/>
+            </a:endParaRPr>
+          </a:p>
+        </p:txBody>
+      </p:sp>
+      <p:sp>
+        <p:nvSpPr>
+          <p:cNvPr id="98" name="Content"/>
+          <p:cNvSpPr txBox="1"/>
+          <p:nvPr>
+            <p:custDataLst>
+              <p:custData r:id="rId32"/>
+            </p:custDataLst>
+          </p:nvPr>
+        </p:nvSpPr>
+        <p:spPr>
+          <a:xfrm>
+            <a:off x="1038918" y="2411760"/>
+            <a:ext cx="1234633" cy="230832"/>
+          </a:xfrm>
+          <a:prstGeom prst="rect">
+            <a:avLst/>
+          </a:prstGeom>
+          <a:noFill/>
+        </p:spPr>
+        <p:txBody>
+          <a:bodyPr wrap="none" lIns="91440" tIns="18288" rIns="91440" bIns="27432" rtlCol="0" anchor="ctr" anchorCtr="0">
+            <a:spAutoFit/>
+          </a:bodyPr>
+          <a:lstStyle/>
+          <a:p>
+            <a:r>
+              <a:rPr lang="ru-RU" sz="1200" dirty="0" smtClean="0">
+                <a:solidFill>
+                  <a:srgbClr val="000000"/>
+                </a:solidFill>
+                <a:latin typeface="Segoe UI" pitchFamily="34" charset="0"/>
+                <a:ea typeface="Segoe UI" pitchFamily="34" charset="0"/>
+                <a:cs typeface="Segoe UI" pitchFamily="34" charset="0"/>
+              </a:rPr>
+              <a:t>Дата создания:</a:t>
+            </a:r>
+            <a:endParaRPr lang="en-US" sz="1200" dirty="0" smtClean="0">
+              <a:solidFill>
+                <a:srgbClr val="000000"/>
+              </a:solidFill>
+              <a:latin typeface="Segoe UI" pitchFamily="34" charset="0"/>
+              <a:ea typeface="Segoe UI" pitchFamily="34" charset="0"/>
+              <a:cs typeface="Segoe UI" pitchFamily="34" charset="0"/>
+            </a:endParaRPr>
+          </a:p>
+        </p:txBody>
+      </p:sp>
+      <p:grpSp>
+        <p:nvGrpSpPr>
+          <p:cNvPr id="102" name="DatePicker"/>
+          <p:cNvGrpSpPr/>
+          <p:nvPr>
+            <p:custDataLst>
+              <p:custData r:id="rId33"/>
+            </p:custDataLst>
+          </p:nvPr>
+        </p:nvGrpSpPr>
+        <p:grpSpPr>
+          <a:xfrm>
+            <a:off x="2243181" y="2411760"/>
+            <a:ext cx="969302" cy="228600"/>
+            <a:chOff x="3790801" y="3347719"/>
+            <a:chExt cx="969299" cy="228600"/>
+          </a:xfrm>
+        </p:grpSpPr>
+        <p:sp>
+          <p:nvSpPr>
+            <p:cNvPr id="103" name="Content"/>
+            <p:cNvSpPr/>
+            <p:nvPr/>
+          </p:nvSpPr>
+          <p:spPr>
+            <a:xfrm>
+              <a:off x="3790801" y="3347719"/>
+              <a:ext cx="698655" cy="228600"/>
+            </a:xfrm>
+            <a:prstGeom prst="rect">
+              <a:avLst/>
+            </a:prstGeom>
+            <a:solidFill>
+              <a:sysClr val="window" lastClr="FFFFFF"/>
+            </a:solidFill>
+            <a:ln w="3175">
+              <a:solidFill>
+                <a:srgbClr val="000000">
+                  <a:lumMod val="50000"/>
+                  <a:lumOff val="50000"/>
+                </a:srgbClr>
+              </a:solidFill>
+            </a:ln>
+            <a:effectLst/>
+          </p:spPr>
+          <p:style>
+            <a:lnRef idx="2">
+              <a:srgbClr val="4F81BD">
+                <a:shade val="50000"/>
+              </a:srgbClr>
+            </a:lnRef>
+            <a:fillRef idx="1">
+              <a:srgbClr val="4F81BD"/>
+            </a:fillRef>
+            <a:effectRef idx="0">
+              <a:srgbClr val="4F81BD"/>
+            </a:effectRef>
+            <a:fontRef idx="minor">
+              <a:srgbClr val="000000"/>
+            </a:fontRef>
+          </p:style>
+          <p:txBody>
+            <a:bodyPr lIns="45720" tIns="0" rIns="0" bIns="0" rtlCol="0" anchor="ctr"/>
+            <a:lstStyle/>
+            <a:p>
+              <a:r>
+                <a:rPr lang="ru-RU" sz="1200" dirty="0" smtClean="0">
+                  <a:solidFill>
+                    <a:srgbClr val="000000"/>
+                  </a:solidFill>
+                  <a:latin typeface="Segoe UI" pitchFamily="34" charset="0"/>
+                  <a:cs typeface="Segoe UI" pitchFamily="34" charset="0"/>
+                </a:rPr>
+                <a:t>05</a:t>
+              </a:r>
+              <a:r>
+                <a:rPr lang="en-US" sz="1200" dirty="0" smtClean="0">
+                  <a:solidFill>
+                    <a:srgbClr val="000000"/>
+                  </a:solidFill>
+                  <a:latin typeface="Segoe UI" pitchFamily="34" charset="0"/>
+                  <a:cs typeface="Segoe UI" pitchFamily="34" charset="0"/>
+                </a:rPr>
+                <a:t>/</a:t>
+              </a:r>
+              <a:r>
+                <a:rPr lang="ru-RU" sz="1200" dirty="0" smtClean="0">
+                  <a:solidFill>
+                    <a:srgbClr val="000000"/>
+                  </a:solidFill>
+                  <a:latin typeface="Segoe UI" pitchFamily="34" charset="0"/>
+                  <a:cs typeface="Segoe UI" pitchFamily="34" charset="0"/>
+                </a:rPr>
+                <a:t>03</a:t>
+              </a:r>
+              <a:r>
+                <a:rPr lang="en-US" sz="1200" dirty="0" smtClean="0">
+                  <a:solidFill>
+                    <a:srgbClr val="000000"/>
+                  </a:solidFill>
+                  <a:latin typeface="Segoe UI" pitchFamily="34" charset="0"/>
+                  <a:cs typeface="Segoe UI" pitchFamily="34" charset="0"/>
+                </a:rPr>
+                <a:t>/</a:t>
+              </a:r>
+              <a:r>
+                <a:rPr lang="ru-RU" sz="1200" dirty="0" smtClean="0">
+                  <a:solidFill>
+                    <a:srgbClr val="000000"/>
+                  </a:solidFill>
+                  <a:latin typeface="Segoe UI" pitchFamily="34" charset="0"/>
+                  <a:cs typeface="Segoe UI" pitchFamily="34" charset="0"/>
+                </a:rPr>
+                <a:t>14</a:t>
+              </a:r>
+              <a:r>
+                <a:rPr lang="en-US" sz="1200" dirty="0" smtClean="0">
+                  <a:solidFill>
+                    <a:srgbClr val="000000"/>
+                  </a:solidFill>
+                  <a:latin typeface="Segoe UI" pitchFamily="34" charset="0"/>
+                  <a:cs typeface="Segoe UI" pitchFamily="34" charset="0"/>
+                </a:rPr>
+                <a:t>    </a:t>
+              </a:r>
+              <a:endParaRPr lang="en-US" sz="1200" dirty="0">
+                <a:solidFill>
+                  <a:srgbClr val="000000"/>
+                </a:solidFill>
+                <a:latin typeface="Segoe UI" pitchFamily="34" charset="0"/>
+                <a:cs typeface="Segoe UI" pitchFamily="34" charset="0"/>
+              </a:endParaRPr>
+            </a:p>
+          </p:txBody>
+        </p:sp>
+        <p:pic>
+          <p:nvPicPr>
+            <p:cNvPr id="104" name="Icon" descr="C:\Users\t-dantay\Documents\First24\calendar1.png"/>
+            <p:cNvPicPr>
+              <a:picLocks noChangeAspect="1" noChangeArrowheads="1"/>
+            </p:cNvPicPr>
+            <p:nvPr/>
+          </p:nvPicPr>
+          <p:blipFill>
+            <a:blip r:embed="rId48" cstate="print">
+              <a:extLst>
+                <a:ext uri="{28A0092B-C50C-407E-A947-70E740481C1C}">
+                  <a14:useLocalDpi xmlns:a14="http://schemas.microsoft.com/office/drawing/2010/main" val="0"/>
+                </a:ext>
+              </a:extLst>
+            </a:blip>
+            <a:srcRect/>
+            <a:stretch>
+              <a:fillRect/>
+            </a:stretch>
+          </p:blipFill>
+          <p:spPr bwMode="auto">
+            <a:xfrm>
+              <a:off x="4535017" y="3347719"/>
+              <a:ext cx="225083" cy="228600"/>
+            </a:xfrm>
+            <a:prstGeom prst="rect">
+              <a:avLst/>
+            </a:prstGeom>
+            <a:noFill/>
+            <a:extLst>
+              <a:ext uri="{909E8E84-426E-40DD-AFC4-6F175D3DCCD1}">
+                <a14:hiddenFill xmlns:a14="http://schemas.microsoft.com/office/drawing/2010/main">
+                  <a:solidFill>
+                    <a:srgbClr val="FFFFFF"/>
+                  </a:solidFill>
+                </a14:hiddenFill>
+              </a:ext>
+            </a:extLst>
+          </p:spPr>
+        </p:pic>
+      </p:grpSp>
+      <p:grpSp>
+        <p:nvGrpSpPr>
+          <p:cNvPr id="105" name="DatePicker"/>
+          <p:cNvGrpSpPr/>
+          <p:nvPr>
+            <p:custDataLst>
+              <p:custData r:id="rId34"/>
+            </p:custDataLst>
+          </p:nvPr>
+        </p:nvGrpSpPr>
+        <p:grpSpPr>
+          <a:xfrm>
+            <a:off x="3705163" y="2417987"/>
+            <a:ext cx="969302" cy="228600"/>
+            <a:chOff x="3790801" y="3347719"/>
+            <a:chExt cx="969299" cy="228600"/>
+          </a:xfrm>
+        </p:grpSpPr>
+        <p:sp>
+          <p:nvSpPr>
+            <p:cNvPr id="106" name="Content"/>
+            <p:cNvSpPr/>
+            <p:nvPr/>
+          </p:nvSpPr>
+          <p:spPr>
+            <a:xfrm>
+              <a:off x="3790801" y="3347719"/>
+              <a:ext cx="698655" cy="228600"/>
+            </a:xfrm>
+            <a:prstGeom prst="rect">
+              <a:avLst/>
+            </a:prstGeom>
+            <a:solidFill>
+              <a:sysClr val="window" lastClr="FFFFFF"/>
+            </a:solidFill>
+            <a:ln w="3175">
+              <a:solidFill>
+                <a:srgbClr val="000000">
+                  <a:lumMod val="50000"/>
+                  <a:lumOff val="50000"/>
+                </a:srgbClr>
+              </a:solidFill>
+            </a:ln>
+            <a:effectLst/>
+          </p:spPr>
+          <p:style>
+            <a:lnRef idx="2">
+              <a:srgbClr val="4F81BD">
+                <a:shade val="50000"/>
+              </a:srgbClr>
+            </a:lnRef>
+            <a:fillRef idx="1">
+              <a:srgbClr val="4F81BD"/>
+            </a:fillRef>
+            <a:effectRef idx="0">
+              <a:srgbClr val="4F81BD"/>
+            </a:effectRef>
+            <a:fontRef idx="minor">
+              <a:srgbClr val="000000"/>
+            </a:fontRef>
+          </p:style>
+          <p:txBody>
+            <a:bodyPr lIns="45720" tIns="0" rIns="0" bIns="0" rtlCol="0" anchor="ctr"/>
+            <a:lstStyle/>
+            <a:p>
+              <a:r>
+                <a:rPr lang="ru-RU" sz="1200" dirty="0" smtClean="0">
+                  <a:solidFill>
+                    <a:srgbClr val="000000"/>
+                  </a:solidFill>
+                  <a:latin typeface="Segoe UI" pitchFamily="34" charset="0"/>
+                  <a:cs typeface="Segoe UI" pitchFamily="34" charset="0"/>
+                </a:rPr>
+                <a:t>05</a:t>
+              </a:r>
+              <a:r>
+                <a:rPr lang="en-US" sz="1200" dirty="0" smtClean="0">
+                  <a:solidFill>
+                    <a:srgbClr val="000000"/>
+                  </a:solidFill>
+                  <a:latin typeface="Segoe UI" pitchFamily="34" charset="0"/>
+                  <a:cs typeface="Segoe UI" pitchFamily="34" charset="0"/>
+                </a:rPr>
+                <a:t>/</a:t>
+              </a:r>
+              <a:r>
+                <a:rPr lang="ru-RU" sz="1200" dirty="0" smtClean="0">
+                  <a:solidFill>
+                    <a:srgbClr val="000000"/>
+                  </a:solidFill>
+                  <a:latin typeface="Segoe UI" pitchFamily="34" charset="0"/>
+                  <a:cs typeface="Segoe UI" pitchFamily="34" charset="0"/>
+                </a:rPr>
+                <a:t>03</a:t>
+              </a:r>
+              <a:r>
+                <a:rPr lang="en-US" sz="1200" dirty="0" smtClean="0">
+                  <a:solidFill>
+                    <a:srgbClr val="000000"/>
+                  </a:solidFill>
+                  <a:latin typeface="Segoe UI" pitchFamily="34" charset="0"/>
+                  <a:cs typeface="Segoe UI" pitchFamily="34" charset="0"/>
+                </a:rPr>
+                <a:t>/</a:t>
+              </a:r>
+              <a:r>
+                <a:rPr lang="ru-RU" sz="1200" dirty="0" smtClean="0">
+                  <a:solidFill>
+                    <a:srgbClr val="000000"/>
+                  </a:solidFill>
+                  <a:latin typeface="Segoe UI" pitchFamily="34" charset="0"/>
+                  <a:cs typeface="Segoe UI" pitchFamily="34" charset="0"/>
+                </a:rPr>
+                <a:t>14</a:t>
+              </a:r>
+              <a:r>
+                <a:rPr lang="en-US" sz="1200" dirty="0" smtClean="0">
+                  <a:solidFill>
+                    <a:srgbClr val="000000"/>
+                  </a:solidFill>
+                  <a:latin typeface="Segoe UI" pitchFamily="34" charset="0"/>
+                  <a:cs typeface="Segoe UI" pitchFamily="34" charset="0"/>
+                </a:rPr>
+                <a:t>    </a:t>
+              </a:r>
+              <a:endParaRPr lang="en-US" sz="1200" dirty="0">
+                <a:solidFill>
+                  <a:srgbClr val="000000"/>
+                </a:solidFill>
+                <a:latin typeface="Segoe UI" pitchFamily="34" charset="0"/>
+                <a:cs typeface="Segoe UI" pitchFamily="34" charset="0"/>
+              </a:endParaRPr>
+            </a:p>
+          </p:txBody>
+        </p:sp>
+        <p:pic>
+          <p:nvPicPr>
+            <p:cNvPr id="107" name="Icon" descr="C:\Users\t-dantay\Documents\First24\calendar1.png"/>
+            <p:cNvPicPr>
+              <a:picLocks noChangeAspect="1" noChangeArrowheads="1"/>
+            </p:cNvPicPr>
+            <p:nvPr/>
+          </p:nvPicPr>
+          <p:blipFill>
+            <a:blip r:embed="rId48" cstate="print">
+              <a:extLst>
+                <a:ext uri="{28A0092B-C50C-407E-A947-70E740481C1C}">
+                  <a14:useLocalDpi xmlns:a14="http://schemas.microsoft.com/office/drawing/2010/main" val="0"/>
+                </a:ext>
+              </a:extLst>
+            </a:blip>
+            <a:srcRect/>
+            <a:stretch>
+              <a:fillRect/>
+            </a:stretch>
+          </p:blipFill>
+          <p:spPr bwMode="auto">
+            <a:xfrm>
+              <a:off x="4535017" y="3347719"/>
+              <a:ext cx="225083" cy="228600"/>
+            </a:xfrm>
+            <a:prstGeom prst="rect">
+              <a:avLst/>
+            </a:prstGeom>
+            <a:noFill/>
+            <a:extLst>
+              <a:ext uri="{909E8E84-426E-40DD-AFC4-6F175D3DCCD1}">
+                <a14:hiddenFill xmlns:a14="http://schemas.microsoft.com/office/drawing/2010/main">
+                  <a:solidFill>
+                    <a:srgbClr val="FFFFFF"/>
+                  </a:solidFill>
+                </a14:hiddenFill>
+              </a:ext>
+            </a:extLst>
+          </p:spPr>
+        </p:pic>
+      </p:grpSp>
+      <p:sp>
+        <p:nvSpPr>
+          <p:cNvPr id="108" name="Content"/>
+          <p:cNvSpPr txBox="1"/>
+          <p:nvPr>
+            <p:custDataLst>
+              <p:custData r:id="rId35"/>
+            </p:custDataLst>
+          </p:nvPr>
+        </p:nvSpPr>
+        <p:spPr>
+          <a:xfrm>
+            <a:off x="3259108" y="2415755"/>
+            <a:ext cx="393056" cy="230832"/>
+          </a:xfrm>
+          <a:prstGeom prst="rect">
+            <a:avLst/>
+          </a:prstGeom>
+          <a:noFill/>
+        </p:spPr>
+        <p:txBody>
+          <a:bodyPr wrap="none" lIns="91440" tIns="18288" rIns="91440" bIns="27432" rtlCol="0" anchor="ctr" anchorCtr="0">
+            <a:spAutoFit/>
+          </a:bodyPr>
+          <a:lstStyle/>
+          <a:p>
+            <a:r>
+              <a:rPr lang="ru-RU" sz="1200" dirty="0">
+                <a:solidFill>
+                  <a:srgbClr val="000000"/>
+                </a:solidFill>
+                <a:latin typeface="Segoe UI" pitchFamily="34" charset="0"/>
+                <a:ea typeface="Segoe UI" pitchFamily="34" charset="0"/>
+                <a:cs typeface="Segoe UI" pitchFamily="34" charset="0"/>
+              </a:rPr>
+              <a:t>д</a:t>
+            </a:r>
+            <a:r>
+              <a:rPr lang="ru-RU" sz="1200" dirty="0" smtClean="0">
+                <a:solidFill>
+                  <a:srgbClr val="000000"/>
+                </a:solidFill>
+                <a:latin typeface="Segoe UI" pitchFamily="34" charset="0"/>
+                <a:ea typeface="Segoe UI" pitchFamily="34" charset="0"/>
+                <a:cs typeface="Segoe UI" pitchFamily="34" charset="0"/>
+              </a:rPr>
+              <a:t>о:</a:t>
+            </a:r>
+            <a:endParaRPr lang="en-US" sz="1200" dirty="0" smtClean="0">
+              <a:solidFill>
+                <a:srgbClr val="000000"/>
+              </a:solidFill>
+              <a:latin typeface="Segoe UI" pitchFamily="34" charset="0"/>
+              <a:ea typeface="Segoe UI" pitchFamily="34" charset="0"/>
+              <a:cs typeface="Segoe UI" pitchFamily="34" charset="0"/>
+            </a:endParaRPr>
+          </a:p>
+        </p:txBody>
+      </p:sp>
+      <p:sp>
+        <p:nvSpPr>
+          <p:cNvPr id="109" name="Content"/>
+          <p:cNvSpPr txBox="1"/>
+          <p:nvPr>
+            <p:custDataLst>
+              <p:custData r:id="rId36"/>
+            </p:custDataLst>
+          </p:nvPr>
+        </p:nvSpPr>
+        <p:spPr>
+          <a:xfrm>
+            <a:off x="886536" y="4104451"/>
+            <a:ext cx="1509196" cy="249299"/>
+          </a:xfrm>
+          <a:prstGeom prst="rect">
+            <a:avLst/>
+          </a:prstGeom>
+          <a:noFill/>
+        </p:spPr>
+        <p:txBody>
+          <a:bodyPr wrap="none" lIns="91440" tIns="18288" rIns="91440" bIns="45720" rtlCol="0" anchor="ctr" anchorCtr="0">
+            <a:spAutoFit/>
+          </a:bodyPr>
+          <a:lstStyle/>
+          <a:p>
+            <a:r>
+              <a:rPr lang="ru-RU" sz="1200" u="sng" dirty="0" smtClean="0">
+                <a:solidFill>
+                  <a:srgbClr val="0070C0"/>
+                </a:solidFill>
+                <a:uFill>
+                  <a:solidFill>
+                    <a:srgbClr val="0070C0"/>
+                  </a:solidFill>
+                </a:uFill>
+                <a:latin typeface="Segoe UI" pitchFamily="34" charset="0"/>
+                <a:ea typeface="Segoe UI" pitchFamily="34" charset="0"/>
+                <a:cs typeface="Segoe UI" pitchFamily="34" charset="0"/>
+              </a:rPr>
+              <a:t>Последние товары</a:t>
+            </a:r>
+            <a:endParaRPr lang="en-US" sz="1200" u="sng" dirty="0" smtClean="0">
+              <a:solidFill>
+                <a:srgbClr val="0070C0"/>
+              </a:solidFill>
+              <a:uFill>
+                <a:solidFill>
+                  <a:srgbClr val="0070C0"/>
+                </a:solidFill>
+              </a:uFill>
+              <a:latin typeface="Segoe UI" pitchFamily="34" charset="0"/>
+              <a:ea typeface="Segoe UI" pitchFamily="34" charset="0"/>
+              <a:cs typeface="Segoe UI" pitchFamily="34" charset="0"/>
+            </a:endParaRPr>
+          </a:p>
+        </p:txBody>
+      </p:sp>
+      <p:pic>
+        <p:nvPicPr>
+          <p:cNvPr id="110" name="Picture 2" descr="C:\Users\t-dantay\Documents\First24\arrow1.png"/>
+          <p:cNvPicPr>
+            <a:picLocks noChangeAspect="1" noChangeArrowheads="1"/>
+          </p:cNvPicPr>
+          <p:nvPr>
+            <p:custDataLst>
+              <p:custData r:id="rId37"/>
+            </p:custDataLst>
+          </p:nvPr>
+        </p:nvPicPr>
+        <p:blipFill>
+          <a:blip r:embed="rId49" cstate="print">
+            <a:extLst>
+              <a:ext uri="{28A0092B-C50C-407E-A947-70E740481C1C}">
+                <a14:useLocalDpi xmlns:a14="http://schemas.microsoft.com/office/drawing/2010/main" val="0"/>
+              </a:ext>
+            </a:extLst>
+          </a:blip>
+          <a:srcRect/>
+          <a:stretch>
+            <a:fillRect/>
+          </a:stretch>
+        </p:blipFill>
+        <p:spPr bwMode="auto">
+          <a:xfrm rot="5400000">
+            <a:off x="3027704" y="6052312"/>
+            <a:ext cx="154954" cy="154954"/>
+          </a:xfrm>
+          <a:prstGeom prst="rect">
+            <a:avLst/>
+          </a:prstGeom>
+          <a:noFill/>
+          <a:extLst>
+            <a:ext uri="{909E8E84-426E-40DD-AFC4-6F175D3DCCD1}">
+              <a14:hiddenFill xmlns:a14="http://schemas.microsoft.com/office/drawing/2010/main">
+                <a:solidFill>
+                  <a:srgbClr val="FFFFFF"/>
+                </a:solidFill>
+              </a14:hiddenFill>
+            </a:ext>
+          </a:extLst>
+        </p:spPr>
+      </p:pic>
+      <p:pic>
+        <p:nvPicPr>
+          <p:cNvPr id="1026" name="Picture 2" descr="C:\Users\d.boyarov\Downloads\box_present_5349.png"/>
+          <p:cNvPicPr>
+            <a:picLocks noChangeAspect="1" noChangeArrowheads="1"/>
+          </p:cNvPicPr>
+          <p:nvPr/>
+        </p:nvPicPr>
+        <p:blipFill>
+          <a:blip r:embed="rId50" cstate="print">
+            <a:extLst>
+              <a:ext uri="{28A0092B-C50C-407E-A947-70E740481C1C}">
+                <a14:useLocalDpi xmlns:a14="http://schemas.microsoft.com/office/drawing/2010/main" val="0"/>
+              </a:ext>
+            </a:extLst>
+          </a:blip>
+          <a:srcRect/>
+          <a:stretch>
+            <a:fillRect/>
+          </a:stretch>
+        </p:blipFill>
+        <p:spPr bwMode="auto">
+          <a:xfrm>
+            <a:off x="3287415" y="6359032"/>
+            <a:ext cx="173527" cy="173527"/>
+          </a:xfrm>
+          <a:prstGeom prst="rect">
+            <a:avLst/>
+          </a:prstGeom>
+          <a:noFill/>
+          <a:extLst>
+            <a:ext uri="{909E8E84-426E-40DD-AFC4-6F175D3DCCD1}">
+              <a14:hiddenFill xmlns:a14="http://schemas.microsoft.com/office/drawing/2010/main">
+                <a:solidFill>
+                  <a:srgbClr val="FFFFFF"/>
+                </a:solidFill>
+              </a14:hiddenFill>
+            </a:ext>
+          </a:extLst>
+        </p:spPr>
+      </p:pic>
+      <p:pic>
+        <p:nvPicPr>
+          <p:cNvPr id="1027" name="Picture 3" descr="C:\Users\d.boyarov\Downloads\emblem-work_1481.png"/>
+          <p:cNvPicPr>
+            <a:picLocks noChangeAspect="1" noChangeArrowheads="1"/>
+          </p:cNvPicPr>
+          <p:nvPr/>
+        </p:nvPicPr>
+        <p:blipFill>
+          <a:blip r:embed="rId51" cstate="print">
+            <a:extLst>
+              <a:ext uri="{28A0092B-C50C-407E-A947-70E740481C1C}">
+                <a14:useLocalDpi xmlns:a14="http://schemas.microsoft.com/office/drawing/2010/main" val="0"/>
+              </a:ext>
+            </a:extLst>
+          </a:blip>
+          <a:srcRect/>
+          <a:stretch>
+            <a:fillRect/>
+          </a:stretch>
+        </p:blipFill>
+        <p:spPr bwMode="auto">
+          <a:xfrm>
+            <a:off x="3283887" y="6031329"/>
+            <a:ext cx="171749" cy="171749"/>
+          </a:xfrm>
+          <a:prstGeom prst="rect">
+            <a:avLst/>
+          </a:prstGeom>
+          <a:noFill/>
+          <a:extLst>
+            <a:ext uri="{909E8E84-426E-40DD-AFC4-6F175D3DCCD1}">
+              <a14:hiddenFill xmlns:a14="http://schemas.microsoft.com/office/drawing/2010/main">
+                <a:solidFill>
+                  <a:srgbClr val="FFFFFF"/>
+                </a:solidFill>
+              </a14:hiddenFill>
+            </a:ext>
+          </a:extLst>
+        </p:spPr>
+      </p:pic>
+      <p:pic>
+        <p:nvPicPr>
+          <p:cNvPr id="115" name="Picture 2" descr="C:\Users\t-dantay\Documents\First24\arrow1.png"/>
+          <p:cNvPicPr>
+            <a:picLocks noChangeAspect="1" noChangeArrowheads="1"/>
+          </p:cNvPicPr>
+          <p:nvPr>
+            <p:custDataLst>
+              <p:custData r:id="rId38"/>
+            </p:custDataLst>
+          </p:nvPr>
+        </p:nvPicPr>
+        <p:blipFill>
+          <a:blip r:embed="rId49" cstate="print">
+            <a:extLst>
+              <a:ext uri="{28A0092B-C50C-407E-A947-70E740481C1C}">
+                <a14:useLocalDpi xmlns:a14="http://schemas.microsoft.com/office/drawing/2010/main" val="0"/>
+              </a:ext>
+            </a:extLst>
+          </a:blip>
+          <a:srcRect/>
+          <a:stretch>
+            <a:fillRect/>
+          </a:stretch>
+        </p:blipFill>
+        <p:spPr bwMode="auto">
+          <a:xfrm rot="16200000">
+            <a:off x="3033616" y="6357148"/>
+            <a:ext cx="154954" cy="154954"/>
+          </a:xfrm>
+          <a:prstGeom prst="rect">
+            <a:avLst/>
+          </a:prstGeom>
+          <a:noFill/>
+          <a:extLst>
+            <a:ext uri="{909E8E84-426E-40DD-AFC4-6F175D3DCCD1}">
+              <a14:hiddenFill xmlns:a14="http://schemas.microsoft.com/office/drawing/2010/main">
+                <a:solidFill>
+                  <a:srgbClr val="FFFFFF"/>
+                </a:solidFill>
+              </a14:hiddenFill>
+            </a:ext>
+          </a:extLst>
+        </p:spPr>
+      </p:pic>
+      <p:pic>
+        <p:nvPicPr>
+          <p:cNvPr id="118" name="Picture 2" descr="C:\Users\t-dantay\Documents\First24\arrowcurved1.png"/>
+          <p:cNvPicPr>
+            <a:picLocks noChangeAspect="1" noChangeArrowheads="1"/>
+          </p:cNvPicPr>
+          <p:nvPr>
+            <p:custDataLst>
+              <p:custData r:id="rId39"/>
+            </p:custDataLst>
+          </p:nvPr>
+        </p:nvPicPr>
+        <p:blipFill>
+          <a:blip r:embed="rId52" cstate="print">
+            <a:extLst>
+              <a:ext uri="{28A0092B-C50C-407E-A947-70E740481C1C}">
+                <a14:useLocalDpi xmlns:a14="http://schemas.microsoft.com/office/drawing/2010/main" val="0"/>
+              </a:ext>
+            </a:extLst>
+          </a:blip>
+          <a:srcRect/>
+          <a:stretch>
+            <a:fillRect/>
+          </a:stretch>
+        </p:blipFill>
+        <p:spPr bwMode="auto">
+          <a:xfrm>
+            <a:off x="3027189" y="6523808"/>
+            <a:ext cx="145504" cy="145504"/>
+          </a:xfrm>
+          <a:prstGeom prst="rect">
+            <a:avLst/>
+          </a:prstGeom>
+          <a:noFill/>
+          <a:extLst>
+            <a:ext uri="{909E8E84-426E-40DD-AFC4-6F175D3DCCD1}">
+              <a14:hiddenFill xmlns:a14="http://schemas.microsoft.com/office/drawing/2010/main">
+                <a:solidFill>
+                  <a:srgbClr val="FFFFFF"/>
+                </a:solidFill>
+              </a14:hiddenFill>
+            </a:ext>
+          </a:extLst>
+        </p:spPr>
+      </p:pic>
+      <p:pic>
+        <p:nvPicPr>
+          <p:cNvPr id="119" name="Picture 2" descr="C:\Users\t-dantay\Documents\First24\arrowcurved1.png"/>
+          <p:cNvPicPr>
+            <a:picLocks noChangeAspect="1" noChangeArrowheads="1"/>
+          </p:cNvPicPr>
+          <p:nvPr>
+            <p:custDataLst>
+              <p:custData r:id="rId40"/>
+            </p:custDataLst>
+          </p:nvPr>
+        </p:nvPicPr>
+        <p:blipFill>
+          <a:blip r:embed="rId52" cstate="print">
+            <a:extLst>
+              <a:ext uri="{28A0092B-C50C-407E-A947-70E740481C1C}">
+                <a14:useLocalDpi xmlns:a14="http://schemas.microsoft.com/office/drawing/2010/main" val="0"/>
+              </a:ext>
+            </a:extLst>
+          </a:blip>
+          <a:srcRect/>
+          <a:stretch>
+            <a:fillRect/>
+          </a:stretch>
+        </p:blipFill>
+        <p:spPr bwMode="auto">
+          <a:xfrm rot="10800000">
+            <a:off x="3027189" y="6612708"/>
+            <a:ext cx="145504" cy="145504"/>
+          </a:xfrm>
+          <a:prstGeom prst="rect">
+            <a:avLst/>
+          </a:prstGeom>
+          <a:noFill/>
+          <a:extLst>
+            <a:ext uri="{909E8E84-426E-40DD-AFC4-6F175D3DCCD1}">
+              <a14:hiddenFill xmlns:a14="http://schemas.microsoft.com/office/drawing/2010/main">
+                <a:solidFill>
+                  <a:srgbClr val="FFFFFF"/>
+                </a:solidFill>
+              </a14:hiddenFill>
+            </a:ext>
+          </a:extLst>
+        </p:spPr>
+      </p:pic>
+      <p:pic>
+        <p:nvPicPr>
+          <p:cNvPr id="120" name="Picture 3" descr="C:\Users\d.boyarov\Downloads\emblem-work_1481.png"/>
+          <p:cNvPicPr>
+            <a:picLocks noChangeAspect="1" noChangeArrowheads="1"/>
+          </p:cNvPicPr>
+          <p:nvPr/>
+        </p:nvPicPr>
+        <p:blipFill>
+          <a:blip r:embed="rId51" cstate="print">
+            <a:extLst>
+              <a:ext uri="{28A0092B-C50C-407E-A947-70E740481C1C}">
+                <a14:useLocalDpi xmlns:a14="http://schemas.microsoft.com/office/drawing/2010/main" val="0"/>
+              </a:ext>
+            </a:extLst>
+          </a:blip>
+          <a:srcRect/>
+          <a:stretch>
+            <a:fillRect/>
+          </a:stretch>
+        </p:blipFill>
+        <p:spPr bwMode="auto">
+          <a:xfrm>
+            <a:off x="3287074" y="6549279"/>
+            <a:ext cx="171749" cy="171749"/>
+          </a:xfrm>
+          <a:prstGeom prst="rect">
+            <a:avLst/>
+          </a:prstGeom>
+          <a:noFill/>
+          <a:extLst>
+            <a:ext uri="{909E8E84-426E-40DD-AFC4-6F175D3DCCD1}">
+              <a14:hiddenFill xmlns:a14="http://schemas.microsoft.com/office/drawing/2010/main">
+                <a:solidFill>
+                  <a:srgbClr val="FFFFFF"/>
+                </a:solidFill>
+              </a14:hiddenFill>
+            </a:ext>
+          </a:extLst>
+        </p:spPr>
+      </p:pic>
+      <p:pic>
+        <p:nvPicPr>
+          <p:cNvPr id="121" name="Picture 2" descr="C:\Users\d.boyarov\Downloads\box_present_5349.png"/>
+          <p:cNvPicPr>
+            <a:picLocks noChangeAspect="1" noChangeArrowheads="1"/>
+          </p:cNvPicPr>
+          <p:nvPr/>
+        </p:nvPicPr>
+        <p:blipFill>
+          <a:blip r:embed="rId50" cstate="print">
+            <a:extLst>
+              <a:ext uri="{28A0092B-C50C-407E-A947-70E740481C1C}">
+                <a14:useLocalDpi xmlns:a14="http://schemas.microsoft.com/office/drawing/2010/main" val="0"/>
+              </a:ext>
+            </a:extLst>
+          </a:blip>
+          <a:srcRect/>
+          <a:stretch>
+            <a:fillRect/>
+          </a:stretch>
+        </p:blipFill>
+        <p:spPr bwMode="auto">
+          <a:xfrm>
+            <a:off x="3280988" y="6765684"/>
+            <a:ext cx="173527" cy="173527"/>
+          </a:xfrm>
+          <a:prstGeom prst="rect">
+            <a:avLst/>
+          </a:prstGeom>
+          <a:noFill/>
+          <a:extLst>
+            <a:ext uri="{909E8E84-426E-40DD-AFC4-6F175D3DCCD1}">
+              <a14:hiddenFill xmlns:a14="http://schemas.microsoft.com/office/drawing/2010/main">
+                <a:solidFill>
+                  <a:srgbClr val="FFFFFF"/>
+                </a:solidFill>
+              </a14:hiddenFill>
+            </a:ext>
+          </a:extLst>
+        </p:spPr>
+      </p:pic>
+      <p:pic>
+        <p:nvPicPr>
+          <p:cNvPr id="122" name="Picture 2" descr="C:\Users\t-dantay\Documents\First24\arrow1.png"/>
+          <p:cNvPicPr>
+            <a:picLocks noChangeAspect="1" noChangeArrowheads="1"/>
+          </p:cNvPicPr>
+          <p:nvPr>
+            <p:custDataLst>
+              <p:custData r:id="rId41"/>
+            </p:custDataLst>
+          </p:nvPr>
+        </p:nvPicPr>
+        <p:blipFill>
+          <a:blip r:embed="rId49" cstate="print">
+            <a:extLst>
+              <a:ext uri="{28A0092B-C50C-407E-A947-70E740481C1C}">
+                <a14:useLocalDpi xmlns:a14="http://schemas.microsoft.com/office/drawing/2010/main" val="0"/>
+              </a:ext>
+            </a:extLst>
+          </a:blip>
+          <a:srcRect/>
+          <a:stretch>
+            <a:fillRect/>
+          </a:stretch>
+        </p:blipFill>
+        <p:spPr bwMode="auto">
+          <a:xfrm rot="16200000">
+            <a:off x="3027189" y="6763800"/>
+            <a:ext cx="154954" cy="154954"/>
+          </a:xfrm>
+          <a:prstGeom prst="rect">
+            <a:avLst/>
+          </a:prstGeom>
+          <a:noFill/>
+          <a:extLst>
+            <a:ext uri="{909E8E84-426E-40DD-AFC4-6F175D3DCCD1}">
+              <a14:hiddenFill xmlns:a14="http://schemas.microsoft.com/office/drawing/2010/main">
+                <a:solidFill>
+                  <a:srgbClr val="FFFFFF"/>
+                </a:solidFill>
+              </a14:hiddenFill>
+            </a:ext>
+          </a:extLst>
+        </p:spPr>
+      </p:pic>
+      <p:pic>
+        <p:nvPicPr>
+          <p:cNvPr id="123" name="Picture 2" descr="C:\Users\t-dantay\Documents\First24\arrow1.png"/>
+          <p:cNvPicPr>
+            <a:picLocks noChangeAspect="1" noChangeArrowheads="1"/>
+          </p:cNvPicPr>
+          <p:nvPr>
+            <p:custDataLst>
+              <p:custData r:id="rId42"/>
+            </p:custDataLst>
+          </p:nvPr>
+        </p:nvPicPr>
+        <p:blipFill>
+          <a:blip r:embed="rId49" cstate="print">
+            <a:extLst>
+              <a:ext uri="{28A0092B-C50C-407E-A947-70E740481C1C}">
+                <a14:useLocalDpi xmlns:a14="http://schemas.microsoft.com/office/drawing/2010/main" val="0"/>
+              </a:ext>
+            </a:extLst>
+          </a:blip>
+          <a:srcRect/>
+          <a:stretch>
+            <a:fillRect/>
+          </a:stretch>
+        </p:blipFill>
+        <p:spPr bwMode="auto">
+          <a:xfrm rot="5400000">
+            <a:off x="3015894" y="6972426"/>
+            <a:ext cx="154954" cy="154954"/>
+          </a:xfrm>
+          <a:prstGeom prst="rect">
+            <a:avLst/>
+          </a:prstGeom>
+          <a:noFill/>
+          <a:extLst>
+            <a:ext uri="{909E8E84-426E-40DD-AFC4-6F175D3DCCD1}">
+              <a14:hiddenFill xmlns:a14="http://schemas.microsoft.com/office/drawing/2010/main">
+                <a:solidFill>
+                  <a:srgbClr val="FFFFFF"/>
+                </a:solidFill>
+              </a14:hiddenFill>
+            </a:ext>
+          </a:extLst>
+        </p:spPr>
+      </p:pic>
+      <p:pic>
+        <p:nvPicPr>
+          <p:cNvPr id="127" name="Picture 2" descr="C:\Users\d.boyarov\Downloads\box_present_5349.png"/>
+          <p:cNvPicPr>
+            <a:picLocks noChangeAspect="1" noChangeArrowheads="1"/>
+          </p:cNvPicPr>
+          <p:nvPr/>
+        </p:nvPicPr>
+        <p:blipFill>
+          <a:blip r:embed="rId50" cstate="print">
+            <a:extLst>
+              <a:ext uri="{28A0092B-C50C-407E-A947-70E740481C1C}">
+                <a14:useLocalDpi xmlns:a14="http://schemas.microsoft.com/office/drawing/2010/main" val="0"/>
+              </a:ext>
+            </a:extLst>
+          </a:blip>
+          <a:srcRect/>
+          <a:stretch>
+            <a:fillRect/>
+          </a:stretch>
+        </p:blipFill>
+        <p:spPr bwMode="auto">
+          <a:xfrm>
+            <a:off x="3283887" y="6959263"/>
+            <a:ext cx="173527" cy="173527"/>
+          </a:xfrm>
+          <a:prstGeom prst="rect">
+            <a:avLst/>
+          </a:prstGeom>
+          <a:noFill/>
+          <a:extLst>
+            <a:ext uri="{909E8E84-426E-40DD-AFC4-6F175D3DCCD1}">
+              <a14:hiddenFill xmlns:a14="http://schemas.microsoft.com/office/drawing/2010/main">
+                <a:solidFill>
+                  <a:srgbClr val="FFFFFF"/>
+                </a:solidFill>
+              </a14:hiddenFill>
+            </a:ext>
+          </a:extLst>
+        </p:spPr>
+      </p:pic>
     </p:spTree>
     <p:extLst>
       <p:ext uri="{BB962C8B-B14F-4D97-AF65-F5344CB8AC3E}">
@@ -13001,103 +17881,193 @@
 
 <file path=customXml/item1.xml><?xml version="1.0" encoding="utf-8"?>
 <Control xmlns="http://schemas.microsoft.com/VisualStudio/2011/storyboarding/control">
-  <Id Name="System.Storyboarding.Icons.ShoppingCart" Revision="1" Stencil="System.Storyboarding.Icons" StencilVersion="0.1"/>
+  <Id Name="System.Storyboarding.Common.TabGroup" Revision="1" Stencil="System.Storyboarding.Common" StencilVersion="0.1"/>
 </Control>
 </file>
 
 <file path=customXml/item10.xml><?xml version="1.0" encoding="utf-8"?>
+<Control xmlns="http://schemas.microsoft.com/VisualStudio/2011/storyboarding/control">
+  <Id Name="System.Storyboarding.Common.Text" Revision="1" Stencil="System.Storyboarding.Common" StencilVersion="0.1"/>
+</Control>
+</file>
+
+<file path=customXml/item100.xml><?xml version="1.0" encoding="utf-8"?>
 <Control xmlns="http://schemas.microsoft.com/VisualStudio/2011/storyboarding/control">
   <Id Name="System.Storyboarding.Common.NumericStepper" Revision="1" Stencil="System.Storyboarding.Common" StencilVersion="0.1"/>
 </Control>
 </file>
 
+<file path=customXml/item101.xml><?xml version="1.0" encoding="utf-8"?>
+<Control xmlns="http://schemas.microsoft.com/VisualStudio/2011/storyboarding/control">
+  <Id Name="System.Storyboarding.Common.Breadcrumb" Revision="1" Stencil="System.Storyboarding.Common" StencilVersion="0.1"/>
+</Control>
+</file>
+
+<file path=customXml/item102.xml><?xml version="1.0" encoding="utf-8"?>
+<Control xmlns="http://schemas.microsoft.com/VisualStudio/2011/storyboarding/control">
+  <Id Name="System.Storyboarding.Common.Text" Revision="1" Stencil="System.Storyboarding.Common" StencilVersion="0.1"/>
+</Control>
+</file>
+
+<file path=customXml/item103.xml><?xml version="1.0" encoding="utf-8"?>
+<Control xmlns="http://schemas.microsoft.com/VisualStudio/2011/storyboarding/control">
+  <Id Name="System.Storyboarding.Common.DatePicker" Revision="1" Stencil="System.Storyboarding.Common" StencilVersion="0.1"/>
+</Control>
+</file>
+
+<file path=customXml/item104.xml><?xml version="1.0" encoding="utf-8"?>
+<Control xmlns="http://schemas.microsoft.com/VisualStudio/2011/storyboarding/control">
+  <Id Name="System.Storyboarding.Common.DatePicker" Revision="1" Stencil="System.Storyboarding.Common" StencilVersion="0.1"/>
+</Control>
+</file>
+
+<file path=customXml/item105.xml><?xml version="1.0" encoding="utf-8"?>
+<Control xmlns="http://schemas.microsoft.com/VisualStudio/2011/storyboarding/control">
+  <Id Name="System.Storyboarding.Common.Text" Revision="1" Stencil="System.Storyboarding.Common" StencilVersion="0.1"/>
+</Control>
+</file>
+
+<file path=customXml/item106.xml><?xml version="1.0" encoding="utf-8"?>
+<Control xmlns="http://schemas.microsoft.com/VisualStudio/2011/storyboarding/control">
+  <Id Name="System.Storyboarding.Common.Hyperlink" Revision="1" Stencil="System.Storyboarding.Common" StencilVersion="0.1"/>
+</Control>
+</file>
+
+<file path=customXml/item107.xml><?xml version="1.0" encoding="utf-8"?>
+<Control xmlns="http://schemas.microsoft.com/VisualStudio/2011/storyboarding/control">
+  <Id Name="System.Storyboarding.Icons.DownArrow" Revision="1" Stencil="System.Storyboarding.Icons" StencilVersion="0.1"/>
+</Control>
+</file>
+
+<file path=customXml/item108.xml><?xml version="1.0" encoding="utf-8"?>
+<Control xmlns="http://schemas.microsoft.com/VisualStudio/2011/storyboarding/control">
+  <Id Name="System.Storyboarding.Icons.CurvedArrow" Revision="1" Stencil="System.Storyboarding.Icons" StencilVersion="0.1"/>
+</Control>
+</file>
+
+<file path=customXml/item109.xml><?xml version="1.0" encoding="utf-8"?>
+<Control xmlns="http://schemas.microsoft.com/VisualStudio/2011/storyboarding/control">
+  <Id Name="System.Storyboarding.Icons.CurvedArrow" Revision="1" Stencil="System.Storyboarding.Icons" StencilVersion="0.1"/>
+</Control>
+</file>
+
 <file path=customXml/item11.xml><?xml version="1.0" encoding="utf-8"?>
+<Control xmlns="http://schemas.microsoft.com/VisualStudio/2011/storyboarding/control">
+  <Id Name="System.Storyboarding.Common.TextArea" Revision="1" Stencil="System.Storyboarding.Common" StencilVersion="0.1"/>
+</Control>
+</file>
+
+<file path=customXml/item110.xml><?xml version="1.0" encoding="utf-8"?>
+<Control xmlns="http://schemas.microsoft.com/VisualStudio/2011/storyboarding/control">
+  <Id Name="System.Storyboarding.Icons.DownArrow" Revision="1" Stencil="System.Storyboarding.Icons" StencilVersion="0.1"/>
+</Control>
+</file>
+
+<file path=customXml/item111.xml><?xml version="1.0" encoding="utf-8"?>
+<Control xmlns="http://schemas.microsoft.com/VisualStudio/2011/storyboarding/control">
+  <Id Name="System.Storyboarding.Icons.CurvedArrow" Revision="1" Stencil="System.Storyboarding.Icons" StencilVersion="0.1"/>
+</Control>
+</file>
+
+<file path=customXml/item112.xml><?xml version="1.0" encoding="utf-8"?>
+<Control xmlns="http://schemas.microsoft.com/VisualStudio/2011/storyboarding/control">
+  <Id Name="System.Storyboarding.Icons.CurvedArrow" Revision="1" Stencil="System.Storyboarding.Icons" StencilVersion="0.1"/>
+</Control>
+</file>
+
+<file path=customXml/item113.xml><?xml version="1.0" encoding="utf-8"?>
+<Control xmlns="http://schemas.microsoft.com/VisualStudio/2011/storyboarding/control">
+  <Id Name="System.Storyboarding.Icons.DownArrow" Revision="1" Stencil="System.Storyboarding.Icons" StencilVersion="0.1"/>
+</Control>
+</file>
+
+<file path=customXml/item114.xml><?xml version="1.0" encoding="utf-8"?>
+<Control xmlns="http://schemas.microsoft.com/VisualStudio/2011/storyboarding/control">
+  <Id Name="System.Storyboarding.Icons.DownArrow" Revision="1" Stencil="System.Storyboarding.Icons" StencilVersion="0.1"/>
+</Control>
+</file>
+
+<file path=customXml/item12.xml><?xml version="1.0" encoding="utf-8"?>
+<Control xmlns="http://schemas.microsoft.com/VisualStudio/2011/storyboarding/control">
+  <Id Name="System.Storyboarding.Icons.Star" Revision="1" Stencil="System.Storyboarding.Icons" StencilVersion="0.1"/>
+</Control>
+</file>
+
+<file path=customXml/item13.xml><?xml version="1.0" encoding="utf-8"?>
+<Control xmlns="http://schemas.microsoft.com/VisualStudio/2011/storyboarding/control">
+  <Id Name="System.Storyboarding.Common.RadioButtonSelected" Revision="1" Stencil="System.Storyboarding.Common" StencilVersion="0.1"/>
+</Control>
+</file>
+
+<file path=customXml/item14.xml><?xml version="1.0" encoding="utf-8"?>
+<Control xmlns="http://schemas.microsoft.com/VisualStudio/2011/storyboarding/control">
+  <Id Name="System.Storyboarding.WindowsDesktop.ToolTip" Revision="1" Stencil="System.Storyboarding.WindowsDesktop" StencilVersion="0.1"/>
+</Control>
+</file>
+
+<file path=customXml/item15.xml><?xml version="1.0" encoding="utf-8"?>
+<Control xmlns="http://schemas.microsoft.com/VisualStudio/2011/storyboarding/control">
+  <Id Name="System.Storyboarding.Icons.Star" Revision="1" Stencil="System.Storyboarding.Icons" StencilVersion="0.1"/>
+</Control>
+</file>
+
+<file path=customXml/item16.xml><?xml version="1.0" encoding="utf-8"?>
+<Control xmlns="http://schemas.microsoft.com/VisualStudio/2011/storyboarding/control">
+  <Id Name="System.Storyboarding.Common.Button" Revision="1" Stencil="System.Storyboarding.Common" StencilVersion="0.1"/>
+</Control>
+</file>
+
+<file path=customXml/item17.xml><?xml version="1.0" encoding="utf-8"?>
 <Control xmlns="http://schemas.microsoft.com/VisualStudio/2011/storyboarding/control">
   <Id Name="System.Storyboarding.Common.DataGrid" Revision="1" Stencil="System.Storyboarding.Common" StencilVersion="0.1"/>
 </Control>
 </file>
 
-<file path=customXml/item12.xml><?xml version="1.0" encoding="utf-8"?>
+<file path=customXml/item18.xml><?xml version="1.0" encoding="utf-8"?>
 <Control xmlns="http://schemas.microsoft.com/VisualStudio/2011/storyboarding/control">
-  <Id Name="System.Storyboarding.Icons.HandPointer" Revision="1" Stencil="System.Storyboarding.Icons" StencilVersion="0.1"/>
+  <Id Name="System.Storyboarding.Common.CheckBoxChecked" Revision="1" Stencil="System.Storyboarding.Common" StencilVersion="0.1"/>
 </Control>
 </file>
 
-<file path=customXml/item13.xml><?xml version="1.0" encoding="utf-8"?>
+<file path=customXml/item19.xml><?xml version="1.0" encoding="utf-8"?>
 <Control xmlns="http://schemas.microsoft.com/VisualStudio/2011/storyboarding/control">
-  <Id Name="System.Storyboarding.Common.TabGroup" Revision="1" Stencil="System.Storyboarding.Common" StencilVersion="0.1"/>
+  <Id Name="System.Storyboarding.Common.TextInput" Revision="1" Stencil="System.Storyboarding.Common" StencilVersion="0.1"/>
 </Control>
 </file>
 
-<file path=customXml/item14.xml><?xml version="1.0" encoding="utf-8"?>
+<file path=customXml/item2.xml><?xml version="1.0" encoding="utf-8"?>
 <Control xmlns="http://schemas.microsoft.com/VisualStudio/2011/storyboarding/control">
-  <Id Name="System.Storyboarding.Icons.Warning" Revision="1" Stencil="System.Storyboarding.Icons" StencilVersion="0.1"/>
+  <Id Name="System.Storyboarding.Common.DropdownBox" Revision="1" Stencil="System.Storyboarding.Common" StencilVersion="0.1"/>
 </Control>
 </file>
 
-<file path=customXml/item15.xml><?xml version="1.0" encoding="utf-8"?>
+<file path=customXml/item20.xml><?xml version="1.0" encoding="utf-8"?>
 <Control xmlns="http://schemas.microsoft.com/VisualStudio/2011/storyboarding/control">
-  <Id Name="System.Storyboarding.Common.DragSelection" Revision="1" Stencil="System.Storyboarding.Common" StencilVersion="0.1"/>
+  <Id Name="System.Storyboarding.Icons.SpeechBubble" Revision="1" Stencil="System.Storyboarding.Icons" StencilVersion="0.1"/>
 </Control>
 </file>
 
-<file path=customXml/item16.xml><?xml version="1.0" encoding="utf-8"?>
+<file path=customXml/item21.xml><?xml version="1.0" encoding="utf-8"?>
 <Control xmlns="http://schemas.microsoft.com/VisualStudio/2011/storyboarding/control">
   <Id Name="System.Storyboarding.Icons.Star" Revision="1" Stencil="System.Storyboarding.Icons" StencilVersion="0.1"/>
 </Control>
 </file>
 
-<file path=customXml/item17.xml><?xml version="1.0" encoding="utf-8"?>
-<Control xmlns="http://schemas.microsoft.com/VisualStudio/2011/storyboarding/control">
-  <Id Name="System.Storyboarding.Icons.ShoppingCart" Revision="1" Stencil="System.Storyboarding.Icons" StencilVersion="0.1"/>
-</Control>
-</file>
-
-<file path=customXml/item18.xml><?xml version="1.0" encoding="utf-8"?>
-<Control xmlns="http://schemas.microsoft.com/VisualStudio/2011/storyboarding/control">
-  <Id Name="System.Storyboarding.Common.DropdownBox" Revision="1" Stencil="System.Storyboarding.Common" StencilVersion="0.1"/>
-</Control>
-</file>
-
-<file path=customXml/item19.xml><?xml version="1.0" encoding="utf-8"?>
-<Control xmlns="http://schemas.microsoft.com/VisualStudio/2011/storyboarding/control">
-  <Id Name="System.Storyboarding.Icons.Star" Revision="1" Stencil="System.Storyboarding.Icons" StencilVersion="0.1"/>
-</Control>
-</file>
-
-<file path=customXml/item2.xml><?xml version="1.0" encoding="utf-8"?>
-<Control xmlns="http://schemas.microsoft.com/VisualStudio/2011/storyboarding/control">
-  <Id Name="System.Storyboarding.WindowsDesktop.ToolTip" Revision="1" Stencil="System.Storyboarding.WindowsDesktop" StencilVersion="0.1"/>
-</Control>
-</file>
-
-<file path=customXml/item20.xml><?xml version="1.0" encoding="utf-8"?>
-<Control xmlns="http://schemas.microsoft.com/VisualStudio/2011/storyboarding/control">
-  <Id Name="System.Storyboarding.Icons.HandPointer" Revision="1" Stencil="System.Storyboarding.Icons" StencilVersion="0.1"/>
-</Control>
-</file>
-
-<file path=customXml/item21.xml><?xml version="1.0" encoding="utf-8"?>
+<file path=customXml/item22.xml><?xml version="1.0" encoding="utf-8"?>
 <Control xmlns="http://schemas.microsoft.com/VisualStudio/2011/storyboarding/control">
   <Id Name="System.Storyboarding.Common.TextInput" Revision="1" Stencil="System.Storyboarding.Common" StencilVersion="0.1"/>
 </Control>
 </file>
 
-<file path=customXml/item22.xml><?xml version="1.0" encoding="utf-8"?>
-<Control xmlns="http://schemas.microsoft.com/VisualStudio/2011/storyboarding/control">
-  <Id Name="System.Storyboarding.Icons.Warning" Revision="1" Stencil="System.Storyboarding.Icons" StencilVersion="0.1"/>
-</Control>
-</file>
-
 <file path=customXml/item23.xml><?xml version="1.0" encoding="utf-8"?>
 <Control xmlns="http://schemas.microsoft.com/VisualStudio/2011/storyboarding/control">
-  <Id Name="System.Storyboarding.Icons.ShoppingCart" Revision="1" Stencil="System.Storyboarding.Icons" StencilVersion="0.1"/>
+  <Id Name="System.Storyboarding.Common.TextArea" Revision="1" Stencil="System.Storyboarding.Common" StencilVersion="0.1"/>
 </Control>
 </file>
 
 <file path=customXml/item24.xml><?xml version="1.0" encoding="utf-8"?>
 <Control xmlns="http://schemas.microsoft.com/VisualStudio/2011/storyboarding/control">
-  <Id Name="System.Storyboarding.Common.CheckBoxChecked" Revision="1" Stencil="System.Storyboarding.Common" StencilVersion="0.1"/>
+  <Id Name="System.Storyboarding.Common.TextInput" Revision="1" Stencil="System.Storyboarding.Common" StencilVersion="0.1"/>
 </Control>
 </file>
 
@@ -13109,13 +18079,13 @@
 
 <file path=customXml/item26.xml><?xml version="1.0" encoding="utf-8"?>
 <Control xmlns="http://schemas.microsoft.com/VisualStudio/2011/storyboarding/control">
-  <Id Name="System.Storyboarding.Icons.ShoppingCart" Revision="1" Stencil="System.Storyboarding.Icons" StencilVersion="0.1"/>
+  <Id Name="System.Storyboarding.WindowsDesktop.ToolTip" Revision="1" Stencil="System.Storyboarding.WindowsDesktop" StencilVersion="0.1"/>
 </Control>
 </file>
 
 <file path=customXml/item27.xml><?xml version="1.0" encoding="utf-8"?>
 <Control xmlns="http://schemas.microsoft.com/VisualStudio/2011/storyboarding/control">
-  <Id Name="System.Storyboarding.WindowsDesktop.ToolTip" Revision="1" Stencil="System.Storyboarding.WindowsDesktop" StencilVersion="0.1"/>
+  <Id Name="System.Storyboarding.Icons.Star" Revision="1" Stencil="System.Storyboarding.Icons" StencilVersion="0.1"/>
 </Control>
 </file>
 
@@ -13127,37 +18097,37 @@
 
 <file path=customXml/item29.xml><?xml version="1.0" encoding="utf-8"?>
 <Control xmlns="http://schemas.microsoft.com/VisualStudio/2011/storyboarding/control">
-  <Id Name="System.Storyboarding.Common.Button" Revision="1" Stencil="System.Storyboarding.Common" StencilVersion="0.1"/>
+  <Id Name="System.Storyboarding.Icons.HandPointer" Revision="1" Stencil="System.Storyboarding.Icons" StencilVersion="0.1"/>
 </Control>
 </file>
 
 <file path=customXml/item3.xml><?xml version="1.0" encoding="utf-8"?>
 <Control xmlns="http://schemas.microsoft.com/VisualStudio/2011/storyboarding/control">
-  <Id Name="System.Storyboarding.Common.CheckBoxUnchecked" Revision="1" Stencil="System.Storyboarding.Common" StencilVersion="0.1"/>
+  <Id Name="System.Storyboarding.Icons.ShoppingCart" Revision="1" Stencil="System.Storyboarding.Icons" StencilVersion="0.1"/>
 </Control>
 </file>
 
 <file path=customXml/item30.xml><?xml version="1.0" encoding="utf-8"?>
 <Control xmlns="http://schemas.microsoft.com/VisualStudio/2011/storyboarding/control">
-  <Id Name="System.Storyboarding.Icons.User" Revision="1" Stencil="System.Storyboarding.Icons" StencilVersion="0.1"/>
+  <Id Name="System.Storyboarding.Icons.Warning" Revision="1" Stencil="System.Storyboarding.Icons" StencilVersion="0.1"/>
 </Control>
 </file>
 
 <file path=customXml/item31.xml><?xml version="1.0" encoding="utf-8"?>
 <Control xmlns="http://schemas.microsoft.com/VisualStudio/2011/storyboarding/control">
-  <Id Name="System.Storyboarding.Common.Text" Revision="1" Stencil="System.Storyboarding.Common" StencilVersion="0.1"/>
+  <Id Name="System.Storyboarding.Icons.Warning" Revision="1" Stencil="System.Storyboarding.Icons" StencilVersion="0.1"/>
 </Control>
 </file>
 
 <file path=customXml/item32.xml><?xml version="1.0" encoding="utf-8"?>
 <Control xmlns="http://schemas.microsoft.com/VisualStudio/2011/storyboarding/control">
-  <Id Name="System.Storyboarding.Common.Text" Revision="1" Stencil="System.Storyboarding.Common" StencilVersion="0.1"/>
+  <Id Name="System.Storyboarding.WindowsDesktop.ToolTip" Revision="1" Stencil="System.Storyboarding.WindowsDesktop" StencilVersion="0.1"/>
 </Control>
 </file>
 
 <file path=customXml/item33.xml><?xml version="1.0" encoding="utf-8"?>
 <Control xmlns="http://schemas.microsoft.com/VisualStudio/2011/storyboarding/control">
-  <Id Name="System.Storyboarding.Common.TextInput" Revision="1" Stencil="System.Storyboarding.Common" StencilVersion="0.1"/>
+  <Id Name="System.Storyboarding.Common.Text" Revision="1" Stencil="System.Storyboarding.Common" StencilVersion="0.1"/>
 </Control>
 </file>
 
@@ -13169,13 +18139,13 @@
 
 <file path=customXml/item35.xml><?xml version="1.0" encoding="utf-8"?>
 <Control xmlns="http://schemas.microsoft.com/VisualStudio/2011/storyboarding/control">
-  <Id Name="System.Storyboarding.Common.TextInput" Revision="1" Stencil="System.Storyboarding.Common" StencilVersion="0.1"/>
+  <Id Name="System.Storyboarding.Icons.Star" Revision="1" Stencil="System.Storyboarding.Icons" StencilVersion="0.1"/>
 </Control>
 </file>
 
 <file path=customXml/item36.xml><?xml version="1.0" encoding="utf-8"?>
 <Control xmlns="http://schemas.microsoft.com/VisualStudio/2011/storyboarding/control">
-  <Id Name="System.Storyboarding.Common.Text" Revision="1" Stencil="System.Storyboarding.Common" StencilVersion="0.1"/>
+  <Id Name="System.Storyboarding.WindowsDesktop.ToolTip" Revision="1" Stencil="System.Storyboarding.WindowsDesktop" StencilVersion="0.1"/>
 </Control>
 </file>
 
@@ -13187,19 +18157,19 @@
 
 <file path=customXml/item38.xml><?xml version="1.0" encoding="utf-8"?>
 <Control xmlns="http://schemas.microsoft.com/VisualStudio/2011/storyboarding/control">
-  <Id Name="System.Storyboarding.Common.Text" Revision="1" Stencil="System.Storyboarding.Common" StencilVersion="0.1"/>
+  <Id Name="System.Storyboarding.Common.RadioButtonSelected" Revision="1" Stencil="System.Storyboarding.Common" StencilVersion="0.1"/>
 </Control>
 </file>
 
 <file path=customXml/item39.xml><?xml version="1.0" encoding="utf-8"?>
 <Control xmlns="http://schemas.microsoft.com/VisualStudio/2011/storyboarding/control">
-  <Id Name="System.Storyboarding.Common.TextInput" Revision="1" Stencil="System.Storyboarding.Common" StencilVersion="0.1"/>
+  <Id Name="System.Storyboarding.Icons.ShoppingCart" Revision="1" Stencil="System.Storyboarding.Icons" StencilVersion="0.1"/>
 </Control>
 </file>
 
 <file path=customXml/item4.xml><?xml version="1.0" encoding="utf-8"?>
 <Control xmlns="http://schemas.microsoft.com/VisualStudio/2011/storyboarding/control">
-  <Id Name="System.Storyboarding.Common.Text" Revision="1" Stencil="System.Storyboarding.Common" StencilVersion="0.1"/>
+  <Id Name="System.Storyboarding.Common.TextInput" Revision="1" Stencil="System.Storyboarding.Common" StencilVersion="0.1"/>
 </Control>
 </file>
 
@@ -13211,121 +18181,121 @@
 
 <file path=customXml/item41.xml><?xml version="1.0" encoding="utf-8"?>
 <Control xmlns="http://schemas.microsoft.com/VisualStudio/2011/storyboarding/control">
-  <Id Name="System.Storyboarding.Icons.User" Revision="1" Stencil="System.Storyboarding.Icons" StencilVersion="0.1"/>
+  <Id Name="System.Storyboarding.Common.NumericStepper" Revision="1" Stencil="System.Storyboarding.Common" StencilVersion="0.1"/>
 </Control>
 </file>
 
 <file path=customXml/item42.xml><?xml version="1.0" encoding="utf-8"?>
+<Control xmlns="http://schemas.microsoft.com/VisualStudio/2011/storyboarding/control">
+  <Id Name="System.Storyboarding.Common.Button" Revision="1" Stencil="System.Storyboarding.Common" StencilVersion="0.1"/>
+</Control>
+</file>
+
+<file path=customXml/item43.xml><?xml version="1.0" encoding="utf-8"?>
+<Control xmlns="http://schemas.microsoft.com/VisualStudio/2011/storyboarding/control">
+  <Id Name="System.Storyboarding.Common.CheckBoxUnchecked" Revision="1" Stencil="System.Storyboarding.Common" StencilVersion="0.1"/>
+</Control>
+</file>
+
+<file path=customXml/item44.xml><?xml version="1.0" encoding="utf-8"?>
+<Control xmlns="http://schemas.microsoft.com/VisualStudio/2011/storyboarding/control">
+  <Id Name="System.Storyboarding.Icons.HandPointer" Revision="1" Stencil="System.Storyboarding.Icons" StencilVersion="0.1"/>
+</Control>
+</file>
+
+<file path=customXml/item45.xml><?xml version="1.0" encoding="utf-8"?>
+<Control xmlns="http://schemas.microsoft.com/VisualStudio/2011/storyboarding/control">
+  <Id Name="System.Storyboarding.Icons.ShoppingCart" Revision="1" Stencil="System.Storyboarding.Icons" StencilVersion="0.1"/>
+</Control>
+</file>
+
+<file path=customXml/item46.xml><?xml version="1.0" encoding="utf-8"?>
+<Control xmlns="http://schemas.microsoft.com/VisualStudio/2011/storyboarding/control">
+  <Id Name="System.Storyboarding.Icons.Star" Revision="1" Stencil="System.Storyboarding.Icons" StencilVersion="0.1"/>
+</Control>
+</file>
+
+<file path=customXml/item47.xml><?xml version="1.0" encoding="utf-8"?>
+<Control xmlns="http://schemas.microsoft.com/VisualStudio/2011/storyboarding/control">
+  <Id Name="System.Storyboarding.Common.TextInput" Revision="1" Stencil="System.Storyboarding.Common" StencilVersion="0.1"/>
+</Control>
+</file>
+
+<file path=customXml/item48.xml><?xml version="1.0" encoding="utf-8"?>
+<Control xmlns="http://schemas.microsoft.com/VisualStudio/2011/storyboarding/control">
+  <Id Name="System.Storyboarding.Icons.Star" Revision="1" Stencil="System.Storyboarding.Icons" StencilVersion="0.1"/>
+</Control>
+</file>
+
+<file path=customXml/item49.xml><?xml version="1.0" encoding="utf-8"?>
+<Control xmlns="http://schemas.microsoft.com/VisualStudio/2011/storyboarding/control">
+  <Id Name="System.Storyboarding.Icons.ShoppingCart" Revision="1" Stencil="System.Storyboarding.Icons" StencilVersion="0.1"/>
+</Control>
+</file>
+
+<file path=customXml/item5.xml><?xml version="1.0" encoding="utf-8"?>
 <Control xmlns="http://schemas.microsoft.com/VisualStudio/2011/storyboarding/control">
   <Id Name="System.Storyboarding.Common.Text" Revision="1" Stencil="System.Storyboarding.Common" StencilVersion="0.1"/>
 </Control>
 </file>
 
-<file path=customXml/item43.xml><?xml version="1.0" encoding="utf-8"?>
+<file path=customXml/item50.xml><?xml version="1.0" encoding="utf-8"?>
+<Control xmlns="http://schemas.microsoft.com/VisualStudio/2011/storyboarding/control">
+  <Id Name="System.Storyboarding.Icons.HandPointer" Revision="1" Stencil="System.Storyboarding.Icons" StencilVersion="0.1"/>
+</Control>
+</file>
+
+<file path=customXml/item51.xml><?xml version="1.0" encoding="utf-8"?>
+<Control xmlns="http://schemas.microsoft.com/VisualStudio/2011/storyboarding/control">
+  <Id Name="System.Storyboarding.Icons.User" Revision="1" Stencil="System.Storyboarding.Icons" StencilVersion="0.1"/>
+</Control>
+</file>
+
+<file path=customXml/item52.xml><?xml version="1.0" encoding="utf-8"?>
+<Control xmlns="http://schemas.microsoft.com/VisualStudio/2011/storyboarding/control">
+  <Id Name="System.Storyboarding.WindowsDesktop.ToolTip" Revision="1" Stencil="System.Storyboarding.WindowsDesktop" StencilVersion="0.1"/>
+</Control>
+</file>
+
+<file path=customXml/item53.xml><?xml version="1.0" encoding="utf-8"?>
+<Control xmlns="http://schemas.microsoft.com/VisualStudio/2011/storyboarding/control">
+  <Id Name="System.Storyboarding.Icons.HandPointer" Revision="1" Stencil="System.Storyboarding.Icons" StencilVersion="0.1"/>
+</Control>
+</file>
+
+<file path=customXml/item54.xml><?xml version="1.0" encoding="utf-8"?>
+<Control xmlns="http://schemas.microsoft.com/VisualStudio/2011/storyboarding/control">
+  <Id Name="System.Storyboarding.Common.RadioButtonUnselected" Revision="1" Stencil="System.Storyboarding.Common" StencilVersion="0.1"/>
+</Control>
+</file>
+
+<file path=customXml/item55.xml><?xml version="1.0" encoding="utf-8"?>
 <Control xmlns="http://schemas.microsoft.com/VisualStudio/2011/storyboarding/control">
   <Id Name="System.Storyboarding.Common.Text" Revision="1" Stencil="System.Storyboarding.Common" StencilVersion="0.1"/>
 </Control>
 </file>
 
-<file path=customXml/item44.xml><?xml version="1.0" encoding="utf-8"?>
+<file path=customXml/item56.xml><?xml version="1.0" encoding="utf-8"?>
 <Control xmlns="http://schemas.microsoft.com/VisualStudio/2011/storyboarding/control">
-  <Id Name="System.Storyboarding.Common.TextInput" Revision="1" Stencil="System.Storyboarding.Common" StencilVersion="0.1"/>
+  <Id Name="System.Storyboarding.Icons.ShoppingCart" Revision="1" Stencil="System.Storyboarding.Icons" StencilVersion="0.1"/>
 </Control>
 </file>
 
-<file path=customXml/item45.xml><?xml version="1.0" encoding="utf-8"?>
-<Control xmlns="http://schemas.microsoft.com/VisualStudio/2011/storyboarding/control">
-  <Id Name="System.Storyboarding.Common.TextInput" Revision="1" Stencil="System.Storyboarding.Common" StencilVersion="0.1"/>
-</Control>
-</file>
-
-<file path=customXml/item46.xml><?xml version="1.0" encoding="utf-8"?>
-<Control xmlns="http://schemas.microsoft.com/VisualStudio/2011/storyboarding/control">
-  <Id Name="System.Storyboarding.Common.TextInput" Revision="1" Stencil="System.Storyboarding.Common" StencilVersion="0.1"/>
-</Control>
-</file>
-
-<file path=customXml/item47.xml><?xml version="1.0" encoding="utf-8"?>
+<file path=customXml/item57.xml><?xml version="1.0" encoding="utf-8"?>
 <Control xmlns="http://schemas.microsoft.com/VisualStudio/2011/storyboarding/control">
   <Id Name="System.Storyboarding.Common.Text" Revision="1" Stencil="System.Storyboarding.Common" StencilVersion="0.1"/>
 </Control>
 </file>
 
-<file path=customXml/item48.xml><?xml version="1.0" encoding="utf-8"?>
-<Control xmlns="http://schemas.microsoft.com/VisualStudio/2011/storyboarding/control">
-  <Id Name="System.Storyboarding.Common.TextInput" Revision="1" Stencil="System.Storyboarding.Common" StencilVersion="0.1"/>
-</Control>
-</file>
-
-<file path=customXml/item49.xml><?xml version="1.0" encoding="utf-8"?>
-<Control xmlns="http://schemas.microsoft.com/VisualStudio/2011/storyboarding/control">
-  <Id Name="System.Storyboarding.Common.Text" Revision="1" Stencil="System.Storyboarding.Common" StencilVersion="0.1"/>
-</Control>
-</file>
-
-<file path=customXml/item5.xml><?xml version="1.0" encoding="utf-8"?>
-<Control xmlns="http://schemas.microsoft.com/VisualStudio/2011/storyboarding/control">
-  <Id Name="System.Storyboarding.Icons.Star" Revision="1" Stencil="System.Storyboarding.Icons" StencilVersion="0.1"/>
-</Control>
-</file>
-
-<file path=customXml/item50.xml><?xml version="1.0" encoding="utf-8"?>
-<Control xmlns="http://schemas.microsoft.com/VisualStudio/2011/storyboarding/control">
-  <Id Name="System.Storyboarding.Common.TabGroup" Revision="1" Stencil="System.Storyboarding.Common" StencilVersion="0.1"/>
-</Control>
-</file>
-
-<file path=customXml/item51.xml><?xml version="1.0" encoding="utf-8"?>
-<Control xmlns="http://schemas.microsoft.com/VisualStudio/2011/storyboarding/control">
-  <Id Name="System.Storyboarding.Common.Text" Revision="1" Stencil="System.Storyboarding.Common" StencilVersion="0.1"/>
-</Control>
-</file>
-
-<file path=customXml/item52.xml><?xml version="1.0" encoding="utf-8"?>
-<Control xmlns="http://schemas.microsoft.com/VisualStudio/2011/storyboarding/control">
-  <Id Name="System.Storyboarding.Common.TextInput" Revision="1" Stencil="System.Storyboarding.Common" StencilVersion="0.1"/>
-</Control>
-</file>
-
-<file path=customXml/item53.xml><?xml version="1.0" encoding="utf-8"?>
-<Control xmlns="http://schemas.microsoft.com/VisualStudio/2011/storyboarding/control">
-  <Id Name="System.Storyboarding.Icons.SpeechBubble" Revision="1" Stencil="System.Storyboarding.Icons" StencilVersion="0.1"/>
-</Control>
-</file>
-
-<file path=customXml/item54.xml><?xml version="1.0" encoding="utf-8"?>
-<Control xmlns="http://schemas.microsoft.com/VisualStudio/2011/storyboarding/control">
-  <Id Name="System.Storyboarding.WindowsDesktop.ToolTip" Revision="1" Stencil="System.Storyboarding.WindowsDesktop" StencilVersion="0.1"/>
-</Control>
-</file>
-
-<file path=customXml/item55.xml><?xml version="1.0" encoding="utf-8"?>
-<Control xmlns="http://schemas.microsoft.com/VisualStudio/2011/storyboarding/control">
-  <Id Name="System.Storyboarding.Icons.HandPointer" Revision="1" Stencil="System.Storyboarding.Icons" StencilVersion="0.1"/>
-</Control>
-</file>
-
-<file path=customXml/item56.xml><?xml version="1.0" encoding="utf-8"?>
-<Control xmlns="http://schemas.microsoft.com/VisualStudio/2011/storyboarding/control">
-  <Id Name="System.Storyboarding.Icons.Star" Revision="1" Stencil="System.Storyboarding.Icons" StencilVersion="0.1"/>
-</Control>
-</file>
-
-<file path=customXml/item57.xml><?xml version="1.0" encoding="utf-8"?>
-<Control xmlns="http://schemas.microsoft.com/VisualStudio/2011/storyboarding/control">
-  <Id Name="System.Storyboarding.Icons.Star" Revision="1" Stencil="System.Storyboarding.Icons" StencilVersion="0.1"/>
-</Control>
-</file>
-
 <file path=customXml/item58.xml><?xml version="1.0" encoding="utf-8"?>
 <Control xmlns="http://schemas.microsoft.com/VisualStudio/2011/storyboarding/control">
-  <Id Name="System.Storyboarding.Icons.Star" Revision="1" Stencil="System.Storyboarding.Icons" StencilVersion="0.1"/>
+  <Id Name="System.Storyboarding.Common.DragSelection" Revision="1" Stencil="System.Storyboarding.Common" StencilVersion="0.1"/>
 </Control>
 </file>
 
 <file path=customXml/item59.xml><?xml version="1.0" encoding="utf-8"?>
 <Control xmlns="http://schemas.microsoft.com/VisualStudio/2011/storyboarding/control">
-  <Id Name="System.Storyboarding.Icons.Star" Revision="1" Stencil="System.Storyboarding.Icons" StencilVersion="0.1"/>
+  <Id Name="System.Storyboarding.Icons.ShoppingCart" Revision="1" Stencil="System.Storyboarding.Icons" StencilVersion="0.1"/>
 </Control>
 </file>
 
@@ -13337,49 +18307,49 @@
 
 <file path=customXml/item60.xml><?xml version="1.0" encoding="utf-8"?>
 <Control xmlns="http://schemas.microsoft.com/VisualStudio/2011/storyboarding/control">
-  <Id Name="System.Storyboarding.Icons.Envelope" Revision="1" Stencil="System.Storyboarding.Icons" StencilVersion="0.1"/>
+  <Id Name="System.Storyboarding.Common.Text" Revision="1" Stencil="System.Storyboarding.Common" StencilVersion="0.1"/>
 </Control>
 </file>
 
 <file path=customXml/item61.xml><?xml version="1.0" encoding="utf-8"?>
-<Control xmlns="http://schemas.microsoft.com/VisualStudio/2011/storyboarding/control">
-  <Id Name="System.Storyboarding.WindowsDesktop.ToolTip" Revision="1" Stencil="System.Storyboarding.WindowsDesktop" StencilVersion="0.1"/>
-</Control>
-</file>
-
-<file path=customXml/item62.xml><?xml version="1.0" encoding="utf-8"?>
-<Control xmlns="http://schemas.microsoft.com/VisualStudio/2011/storyboarding/control">
-  <Id Name="System.Storyboarding.Icons.HandPointer" Revision="1" Stencil="System.Storyboarding.Icons" StencilVersion="0.1"/>
-</Control>
-</file>
-
-<file path=customXml/item63.xml><?xml version="1.0" encoding="utf-8"?>
-<Control xmlns="http://schemas.microsoft.com/VisualStudio/2011/storyboarding/control">
-  <Id Name="System.Storyboarding.Icons.HandPointer" Revision="1" Stencil="System.Storyboarding.Icons" StencilVersion="0.1"/>
-</Control>
-</file>
-
-<file path=customXml/item64.xml><?xml version="1.0" encoding="utf-8"?>
-<Control xmlns="http://schemas.microsoft.com/VisualStudio/2011/storyboarding/control">
-  <Id Name="System.Storyboarding.WindowsDesktop.ToolTip" Revision="1" Stencil="System.Storyboarding.WindowsDesktop" StencilVersion="0.1"/>
-</Control>
-</file>
-
-<file path=customXml/item65.xml><?xml version="1.0" encoding="utf-8"?>
 <Control xmlns="http://schemas.microsoft.com/VisualStudio/2011/storyboarding/control">
   <Id Name="System.Storyboarding.Common.Text" Revision="1" Stencil="System.Storyboarding.Common" StencilVersion="0.1"/>
 </Control>
 </file>
 
-<file path=customXml/item66.xml><?xml version="1.0" encoding="utf-8"?>
+<file path=customXml/item62.xml><?xml version="1.0" encoding="utf-8"?>
+<Control xmlns="http://schemas.microsoft.com/VisualStudio/2011/storyboarding/control">
+  <Id Name="System.Storyboarding.Icons.Star" Revision="1" Stencil="System.Storyboarding.Icons" StencilVersion="0.1"/>
+</Control>
+</file>
+
+<file path=customXml/item63.xml><?xml version="1.0" encoding="utf-8"?>
+<Control xmlns="http://schemas.microsoft.com/VisualStudio/2011/storyboarding/control">
+  <Id Name="System.Storyboarding.Common.NumericStepper" Revision="1" Stencil="System.Storyboarding.Common" StencilVersion="0.1"/>
+</Control>
+</file>
+
+<file path=customXml/item64.xml><?xml version="1.0" encoding="utf-8"?>
 <Control xmlns="http://schemas.microsoft.com/VisualStudio/2011/storyboarding/control">
   <Id Name="System.Storyboarding.Common.TextInput" Revision="1" Stencil="System.Storyboarding.Common" StencilVersion="0.1"/>
 </Control>
 </file>
 
+<file path=customXml/item65.xml><?xml version="1.0" encoding="utf-8"?>
+<Control xmlns="http://schemas.microsoft.com/VisualStudio/2011/storyboarding/control">
+  <Id Name="System.Storyboarding.Common.TextInput" Revision="1" Stencil="System.Storyboarding.Common" StencilVersion="0.1"/>
+</Control>
+</file>
+
+<file path=customXml/item66.xml><?xml version="1.0" encoding="utf-8"?>
+<Control xmlns="http://schemas.microsoft.com/VisualStudio/2011/storyboarding/control">
+  <Id Name="System.Storyboarding.Icons.Envelope" Revision="1" Stencil="System.Storyboarding.Icons" StencilVersion="0.1"/>
+</Control>
+</file>
+
 <file path=customXml/item67.xml><?xml version="1.0" encoding="utf-8"?>
 <Control xmlns="http://schemas.microsoft.com/VisualStudio/2011/storyboarding/control">
-  <Id Name="System.Storyboarding.Icons.ShoppingCart" Revision="1" Stencil="System.Storyboarding.Icons" StencilVersion="0.1"/>
+  <Id Name="System.Storyboarding.Common.Text" Revision="1" Stencil="System.Storyboarding.Common" StencilVersion="0.1"/>
 </Control>
 </file>
 
@@ -13391,91 +18361,139 @@
 
 <file path=customXml/item69.xml><?xml version="1.0" encoding="utf-8"?>
 <Control xmlns="http://schemas.microsoft.com/VisualStudio/2011/storyboarding/control">
-  <Id Name="System.Storyboarding.Common.TextInput" Revision="1" Stencil="System.Storyboarding.Common" StencilVersion="0.1"/>
+  <Id Name="System.Storyboarding.Common.RadioButtonUnselected" Revision="1" Stencil="System.Storyboarding.Common" StencilVersion="0.1"/>
 </Control>
 </file>
 
 <file path=customXml/item7.xml><?xml version="1.0" encoding="utf-8"?>
+<Control xmlns="http://schemas.microsoft.com/VisualStudio/2011/storyboarding/control">
+  <Id Name="System.Storyboarding.Common.TabGroup" Revision="1" Stencil="System.Storyboarding.Common" StencilVersion="0.1"/>
+</Control>
+</file>
+
+<file path=customXml/item70.xml><?xml version="1.0" encoding="utf-8"?>
+<Control xmlns="http://schemas.microsoft.com/VisualStudio/2011/storyboarding/control">
+  <Id Name="System.Storyboarding.Common.Button" Revision="1" Stencil="System.Storyboarding.Common" StencilVersion="0.1"/>
+</Control>
+</file>
+
+<file path=customXml/item71.xml><?xml version="1.0" encoding="utf-8"?>
+<Control xmlns="http://schemas.microsoft.com/VisualStudio/2011/storyboarding/control">
+  <Id Name="System.Storyboarding.Common.DataGrid" Revision="1" Stencil="System.Storyboarding.Common" StencilVersion="0.1"/>
+</Control>
+</file>
+
+<file path=customXml/item72.xml><?xml version="1.0" encoding="utf-8"?>
 <Control xmlns="http://schemas.microsoft.com/VisualStudio/2011/storyboarding/control">
   <Id Name="System.Storyboarding.Icons.Star" Revision="1" Stencil="System.Storyboarding.Icons" StencilVersion="0.1"/>
 </Control>
 </file>
 
-<file path=customXml/item70.xml><?xml version="1.0" encoding="utf-8"?>
+<file path=customXml/item73.xml><?xml version="1.0" encoding="utf-8"?>
 <Control xmlns="http://schemas.microsoft.com/VisualStudio/2011/storyboarding/control">
-  <Id Name="System.Storyboarding.Common.RadioButtonUnselected" Revision="1" Stencil="System.Storyboarding.Common" StencilVersion="0.1"/>
+  <Id Name="System.Storyboarding.Icons.Star" Revision="1" Stencil="System.Storyboarding.Icons" StencilVersion="0.1"/>
 </Control>
 </file>
 
-<file path=customXml/item71.xml><?xml version="1.0" encoding="utf-8"?>
+<file path=customXml/item74.xml><?xml version="1.0" encoding="utf-8"?>
 <Control xmlns="http://schemas.microsoft.com/VisualStudio/2011/storyboarding/control">
-  <Id Name="System.Storyboarding.Common.RadioButtonSelected" Revision="1" Stencil="System.Storyboarding.Common" StencilVersion="0.1"/>
+  <Id Name="System.Storyboarding.Icons.Star" Revision="1" Stencil="System.Storyboarding.Icons" StencilVersion="0.1"/>
 </Control>
 </file>
 
-<file path=customXml/item72.xml><?xml version="1.0" encoding="utf-8"?>
+<file path=customXml/item75.xml><?xml version="1.0" encoding="utf-8"?>
 <Control xmlns="http://schemas.microsoft.com/VisualStudio/2011/storyboarding/control">
-  <Id Name="System.Storyboarding.Common.NumericStepper" Revision="1" Stencil="System.Storyboarding.Common" StencilVersion="0.1"/>
+  <Id Name="System.Storyboarding.Icons.Star" Revision="1" Stencil="System.Storyboarding.Icons" StencilVersion="0.1"/>
 </Control>
 </file>
 
-<file path=customXml/item73.xml><?xml version="1.0" encoding="utf-8"?>
+<file path=customXml/item76.xml><?xml version="1.0" encoding="utf-8"?>
+<Control xmlns="http://schemas.microsoft.com/VisualStudio/2011/storyboarding/control">
+  <Id Name="System.Storyboarding.Icons.Star" Revision="1" Stencil="System.Storyboarding.Icons" StencilVersion="0.1"/>
+</Control>
+</file>
+
+<file path=customXml/item77.xml><?xml version="1.0" encoding="utf-8"?>
+<Control xmlns="http://schemas.microsoft.com/VisualStudio/2011/storyboarding/control">
+  <Id Name="System.Storyboarding.Icons.ShoppingCart" Revision="1" Stencil="System.Storyboarding.Icons" StencilVersion="0.1"/>
+</Control>
+</file>
+
+<file path=customXml/item78.xml><?xml version="1.0" encoding="utf-8"?>
+<Control xmlns="http://schemas.microsoft.com/VisualStudio/2011/storyboarding/control">
+  <Id Name="System.Storyboarding.Icons.ShoppingCart" Revision="1" Stencil="System.Storyboarding.Icons" StencilVersion="0.1"/>
+</Control>
+</file>
+
+<file path=customXml/item79.xml><?xml version="1.0" encoding="utf-8"?>
+<Control xmlns="http://schemas.microsoft.com/VisualStudio/2011/storyboarding/control">
+  <Id Name="System.Storyboarding.Icons.ShoppingCart" Revision="1" Stencil="System.Storyboarding.Icons" StencilVersion="0.1"/>
+</Control>
+</file>
+
+<file path=customXml/item8.xml><?xml version="1.0" encoding="utf-8"?>
+<Control xmlns="http://schemas.microsoft.com/VisualStudio/2011/storyboarding/control">
+  <Id Name="System.Storyboarding.Icons.HandPointer" Revision="1" Stencil="System.Storyboarding.Icons" StencilVersion="0.1"/>
+</Control>
+</file>
+
+<file path=customXml/item80.xml><?xml version="1.0" encoding="utf-8"?>
+<Control xmlns="http://schemas.microsoft.com/VisualStudio/2011/storyboarding/control">
+  <Id Name="System.Storyboarding.Icons.ShoppingCart" Revision="1" Stencil="System.Storyboarding.Icons" StencilVersion="0.1"/>
+</Control>
+</file>
+
+<file path=customXml/item81.xml><?xml version="1.0" encoding="utf-8"?>
+<Control xmlns="http://schemas.microsoft.com/VisualStudio/2011/storyboarding/control">
+  <Id Name="System.Storyboarding.Icons.ShoppingCart" Revision="1" Stencil="System.Storyboarding.Icons" StencilVersion="0.1"/>
+</Control>
+</file>
+
+<file path=customXml/item82.xml><?xml version="1.0" encoding="utf-8"?>
+<Control xmlns="http://schemas.microsoft.com/VisualStudio/2011/storyboarding/control">
+  <Id Name="System.Storyboarding.WindowsDesktop.ToolTip" Revision="1" Stencil="System.Storyboarding.WindowsDesktop" StencilVersion="0.1"/>
+</Control>
+</file>
+
+<file path=customXml/item83.xml><?xml version="1.0" encoding="utf-8"?>
+<Control xmlns="http://schemas.microsoft.com/VisualStudio/2011/storyboarding/control">
+  <Id Name="System.Storyboarding.WindowsDesktop.ToolTip" Revision="1" Stencil="System.Storyboarding.WindowsDesktop" StencilVersion="0.1"/>
+</Control>
+</file>
+
+<file path=customXml/item84.xml><?xml version="1.0" encoding="utf-8"?>
+<Control xmlns="http://schemas.microsoft.com/VisualStudio/2011/storyboarding/control">
+  <Id Name="System.Storyboarding.Icons.HandPointer" Revision="1" Stencil="System.Storyboarding.Icons" StencilVersion="0.1"/>
+</Control>
+</file>
+
+<file path=customXml/item85.xml><?xml version="1.0" encoding="utf-8"?>
+<Control xmlns="http://schemas.microsoft.com/VisualStudio/2011/storyboarding/control">
+  <Id Name="System.Storyboarding.Icons.HandPointer" Revision="1" Stencil="System.Storyboarding.Icons" StencilVersion="0.1"/>
+</Control>
+</file>
+
+<file path=customXml/item86.xml><?xml version="1.0" encoding="utf-8"?>
+<Control xmlns="http://schemas.microsoft.com/VisualStudio/2011/storyboarding/control">
+  <Id Name="System.Storyboarding.Icons.HandPointer" Revision="1" Stencil="System.Storyboarding.Icons" StencilVersion="0.1"/>
+</Control>
+</file>
+
+<file path=customXml/item87.xml><?xml version="1.0" encoding="utf-8"?>
+<Control xmlns="http://schemas.microsoft.com/VisualStudio/2011/storyboarding/control">
+  <Id Name="System.Storyboarding.Common.TabGroup" Revision="1" Stencil="System.Storyboarding.Common" StencilVersion="0.1"/>
+</Control>
+</file>
+
+<file path=customXml/item88.xml><?xml version="1.0" encoding="utf-8"?>
 <Control xmlns="http://schemas.microsoft.com/VisualStudio/2011/storyboarding/control">
   <Id Name="System.Storyboarding.Common.Text" Revision="1" Stencil="System.Storyboarding.Common" StencilVersion="0.1"/>
 </Control>
 </file>
 
-<file path=customXml/item74.xml><?xml version="1.0" encoding="utf-8"?>
-<Control xmlns="http://schemas.microsoft.com/VisualStudio/2011/storyboarding/control">
-  <Id Name="System.Storyboarding.Common.TextArea" Revision="1" Stencil="System.Storyboarding.Common" StencilVersion="0.1"/>
-</Control>
-</file>
-
-<file path=customXml/item75.xml><?xml version="1.0" encoding="utf-8"?>
+<file path=customXml/item89.xml><?xml version="1.0" encoding="utf-8"?>
 <Control xmlns="http://schemas.microsoft.com/VisualStudio/2011/storyboarding/control">
   <Id Name="System.Storyboarding.Common.Text" Revision="1" Stencil="System.Storyboarding.Common" StencilVersion="0.1"/>
-</Control>
-</file>
-
-<file path=customXml/item76.xml><?xml version="1.0" encoding="utf-8"?>
-<Control xmlns="http://schemas.microsoft.com/VisualStudio/2011/storyboarding/control">
-  <Id Name="System.Storyboarding.Common.TextArea" Revision="1" Stencil="System.Storyboarding.Common" StencilVersion="0.1"/>
-</Control>
-</file>
-
-<file path=customXml/item77.xml><?xml version="1.0" encoding="utf-8"?>
-<Control xmlns="http://schemas.microsoft.com/VisualStudio/2011/storyboarding/control">
-  <Id Name="System.Storyboarding.Common.RadioButtonSelected" Revision="1" Stencil="System.Storyboarding.Common" StencilVersion="0.1"/>
-</Control>
-</file>
-
-<file path=customXml/item78.xml><?xml version="1.0" encoding="utf-8"?>
-<Control xmlns="http://schemas.microsoft.com/VisualStudio/2011/storyboarding/control">
-  <Id Name="System.Storyboarding.Common.RadioButtonUnselected" Revision="1" Stencil="System.Storyboarding.Common" StencilVersion="0.1"/>
-</Control>
-</file>
-
-<file path=customXml/item79.xml><?xml version="1.0" encoding="utf-8"?>
-<Control xmlns="http://schemas.microsoft.com/VisualStudio/2011/storyboarding/control">
-  <Id Name="System.Storyboarding.Common.TextInput" Revision="1" Stencil="System.Storyboarding.Common" StencilVersion="0.1"/>
-</Control>
-</file>
-
-<file path=customXml/item8.xml><?xml version="1.0" encoding="utf-8"?>
-<Control xmlns="http://schemas.microsoft.com/VisualStudio/2011/storyboarding/control">
-  <Id Name="System.Storyboarding.Icons.ShoppingCart" Revision="1" Stencil="System.Storyboarding.Icons" StencilVersion="0.1"/>
-</Control>
-</file>
-
-<file path=customXml/item80.xml><?xml version="1.0" encoding="utf-8"?>
-<Control xmlns="http://schemas.microsoft.com/VisualStudio/2011/storyboarding/control">
-  <Id Name="System.Storyboarding.Common.Button" Revision="1" Stencil="System.Storyboarding.Common" StencilVersion="0.1"/>
-</Control>
-</file>
-
-<file path=customXml/item81.xml><?xml version="1.0" encoding="utf-8"?>
-<Control xmlns="http://schemas.microsoft.com/VisualStudio/2011/storyboarding/control">
-  <Id Name="System.Storyboarding.Common.Button" Revision="1" Stencil="System.Storyboarding.Common" StencilVersion="0.1"/>
 </Control>
 </file>
 
@@ -13485,7 +18503,595 @@
 </Control>
 </file>
 
+<file path=customXml/item90.xml><?xml version="1.0" encoding="utf-8"?>
+<Control xmlns="http://schemas.microsoft.com/VisualStudio/2011/storyboarding/control">
+  <Id Name="System.Storyboarding.Common.TextInput" Revision="1" Stencil="System.Storyboarding.Common" StencilVersion="0.1"/>
+</Control>
+</file>
+
+<file path=customXml/item91.xml><?xml version="1.0" encoding="utf-8"?>
+<Control xmlns="http://schemas.microsoft.com/VisualStudio/2011/storyboarding/control">
+  <Id Name="System.Storyboarding.Common.DropdownBox" Revision="1" Stencil="System.Storyboarding.Common" StencilVersion="0.1"/>
+</Control>
+</file>
+
+<file path=customXml/item92.xml><?xml version="1.0" encoding="utf-8"?>
+<Control xmlns="http://schemas.microsoft.com/VisualStudio/2011/storyboarding/control">
+  <Id Name="System.Storyboarding.Common.NumericStepper" Revision="1" Stencil="System.Storyboarding.Common" StencilVersion="0.1"/>
+</Control>
+</file>
+
+<file path=customXml/item93.xml><?xml version="1.0" encoding="utf-8"?>
+<Control xmlns="http://schemas.microsoft.com/VisualStudio/2011/storyboarding/control">
+  <Id Name="System.Storyboarding.Common.Text" Revision="1" Stencil="System.Storyboarding.Common" StencilVersion="0.1"/>
+</Control>
+</file>
+
+<file path=customXml/item94.xml><?xml version="1.0" encoding="utf-8"?>
+<Control xmlns="http://schemas.microsoft.com/VisualStudio/2011/storyboarding/control">
+  <Id Name="System.Storyboarding.Common.Button" Revision="1" Stencil="System.Storyboarding.Common" StencilVersion="0.1"/>
+</Control>
+</file>
+
+<file path=customXml/item95.xml><?xml version="1.0" encoding="utf-8"?>
+<Control xmlns="http://schemas.microsoft.com/VisualStudio/2011/storyboarding/control">
+  <Id Name="System.Storyboarding.Common.Text" Revision="1" Stencil="System.Storyboarding.Common" StencilVersion="0.1"/>
+</Control>
+</file>
+
+<file path=customXml/item96.xml><?xml version="1.0" encoding="utf-8"?>
+<Control xmlns="http://schemas.microsoft.com/VisualStudio/2011/storyboarding/control">
+  <Id Name="System.Storyboarding.Common.DropdownBox" Revision="1" Stencil="System.Storyboarding.Common" StencilVersion="0.1"/>
+</Control>
+</file>
+
+<file path=customXml/item97.xml><?xml version="1.0" encoding="utf-8"?>
+<Control xmlns="http://schemas.microsoft.com/VisualStudio/2011/storyboarding/control">
+  <Id Name="System.Storyboarding.Common.Text" Revision="1" Stencil="System.Storyboarding.Common" StencilVersion="0.1"/>
+</Control>
+</file>
+
+<file path=customXml/item98.xml><?xml version="1.0" encoding="utf-8"?>
+<Control xmlns="http://schemas.microsoft.com/VisualStudio/2011/storyboarding/control">
+  <Id Name="System.Storyboarding.Common.DropdownBox" Revision="1" Stencil="System.Storyboarding.Common" StencilVersion="0.1"/>
+</Control>
+</file>
+
+<file path=customXml/item99.xml><?xml version="1.0" encoding="utf-8"?>
+<Control xmlns="http://schemas.microsoft.com/VisualStudio/2011/storyboarding/control">
+  <Id Name="System.Storyboarding.Common.Text" Revision="1" Stencil="System.Storyboarding.Common" StencilVersion="0.1"/>
+</Control>
+</file>
+
 <file path=customXml/itemProps1.xml><?xml version="1.0" encoding="utf-8"?>
+<ds:datastoreItem xmlns:ds="http://schemas.openxmlformats.org/officeDocument/2006/customXml" ds:itemID="{FF284517-1DEA-483A-AE14-16B53F8C4017}">
+  <ds:schemaRefs>
+    <ds:schemaRef ds:uri="http://schemas.microsoft.com/VisualStudio/2011/storyboarding/control"/>
+  </ds:schemaRefs>
+</ds:datastoreItem>
+</file>
+
+<file path=customXml/itemProps10.xml><?xml version="1.0" encoding="utf-8"?>
+<ds:datastoreItem xmlns:ds="http://schemas.openxmlformats.org/officeDocument/2006/customXml" ds:itemID="{BE10085E-8F62-44FE-A6C4-77F3F9B93BFD}">
+  <ds:schemaRefs>
+    <ds:schemaRef ds:uri="http://schemas.microsoft.com/VisualStudio/2011/storyboarding/control"/>
+  </ds:schemaRefs>
+</ds:datastoreItem>
+</file>
+
+<file path=customXml/itemProps100.xml><?xml version="1.0" encoding="utf-8"?>
+<ds:datastoreItem xmlns:ds="http://schemas.openxmlformats.org/officeDocument/2006/customXml" ds:itemID="{E4B5B485-683D-4DEA-B56B-01CED7BABF5B}">
+  <ds:schemaRefs>
+    <ds:schemaRef ds:uri="http://schemas.microsoft.com/VisualStudio/2011/storyboarding/control"/>
+  </ds:schemaRefs>
+</ds:datastoreItem>
+</file>
+
+<file path=customXml/itemProps101.xml><?xml version="1.0" encoding="utf-8"?>
+<ds:datastoreItem xmlns:ds="http://schemas.openxmlformats.org/officeDocument/2006/customXml" ds:itemID="{1E5188A6-4CE6-4435-8719-E23B8CDB9429}">
+  <ds:schemaRefs>
+    <ds:schemaRef ds:uri="http://schemas.microsoft.com/VisualStudio/2011/storyboarding/control"/>
+  </ds:schemaRefs>
+</ds:datastoreItem>
+</file>
+
+<file path=customXml/itemProps102.xml><?xml version="1.0" encoding="utf-8"?>
+<ds:datastoreItem xmlns:ds="http://schemas.openxmlformats.org/officeDocument/2006/customXml" ds:itemID="{D5205093-BB2B-40C2-98A8-A9F6399BA396}">
+  <ds:schemaRefs>
+    <ds:schemaRef ds:uri="http://schemas.microsoft.com/VisualStudio/2011/storyboarding/control"/>
+  </ds:schemaRefs>
+</ds:datastoreItem>
+</file>
+
+<file path=customXml/itemProps103.xml><?xml version="1.0" encoding="utf-8"?>
+<ds:datastoreItem xmlns:ds="http://schemas.openxmlformats.org/officeDocument/2006/customXml" ds:itemID="{9A9FC5EF-7BAE-4716-8A24-B85392335D82}">
+  <ds:schemaRefs>
+    <ds:schemaRef ds:uri="http://schemas.microsoft.com/VisualStudio/2011/storyboarding/control"/>
+  </ds:schemaRefs>
+</ds:datastoreItem>
+</file>
+
+<file path=customXml/itemProps104.xml><?xml version="1.0" encoding="utf-8"?>
+<ds:datastoreItem xmlns:ds="http://schemas.openxmlformats.org/officeDocument/2006/customXml" ds:itemID="{A147C2B5-40E8-429C-BE34-7938697C5C66}">
+  <ds:schemaRefs>
+    <ds:schemaRef ds:uri="http://schemas.microsoft.com/VisualStudio/2011/storyboarding/control"/>
+  </ds:schemaRefs>
+</ds:datastoreItem>
+</file>
+
+<file path=customXml/itemProps105.xml><?xml version="1.0" encoding="utf-8"?>
+<ds:datastoreItem xmlns:ds="http://schemas.openxmlformats.org/officeDocument/2006/customXml" ds:itemID="{CC090315-C3EF-4E31-9BC2-E49164C00556}">
+  <ds:schemaRefs>
+    <ds:schemaRef ds:uri="http://schemas.microsoft.com/VisualStudio/2011/storyboarding/control"/>
+  </ds:schemaRefs>
+</ds:datastoreItem>
+</file>
+
+<file path=customXml/itemProps106.xml><?xml version="1.0" encoding="utf-8"?>
+<ds:datastoreItem xmlns:ds="http://schemas.openxmlformats.org/officeDocument/2006/customXml" ds:itemID="{AFE23348-B39F-4C03-8ACB-304CB849E116}">
+  <ds:schemaRefs>
+    <ds:schemaRef ds:uri="http://schemas.microsoft.com/VisualStudio/2011/storyboarding/control"/>
+  </ds:schemaRefs>
+</ds:datastoreItem>
+</file>
+
+<file path=customXml/itemProps107.xml><?xml version="1.0" encoding="utf-8"?>
+<ds:datastoreItem xmlns:ds="http://schemas.openxmlformats.org/officeDocument/2006/customXml" ds:itemID="{5D8B0E09-8918-4A3B-A8C3-C8F08ABA4428}">
+  <ds:schemaRefs>
+    <ds:schemaRef ds:uri="http://schemas.microsoft.com/VisualStudio/2011/storyboarding/control"/>
+  </ds:schemaRefs>
+</ds:datastoreItem>
+</file>
+
+<file path=customXml/itemProps108.xml><?xml version="1.0" encoding="utf-8"?>
+<ds:datastoreItem xmlns:ds="http://schemas.openxmlformats.org/officeDocument/2006/customXml" ds:itemID="{221B0244-0801-4967-9891-48EEB15F2F18}">
+  <ds:schemaRefs>
+    <ds:schemaRef ds:uri="http://schemas.microsoft.com/VisualStudio/2011/storyboarding/control"/>
+  </ds:schemaRefs>
+</ds:datastoreItem>
+</file>
+
+<file path=customXml/itemProps109.xml><?xml version="1.0" encoding="utf-8"?>
+<ds:datastoreItem xmlns:ds="http://schemas.openxmlformats.org/officeDocument/2006/customXml" ds:itemID="{368C58DE-69E5-468F-8FEE-B8D0683E2F32}">
+  <ds:schemaRefs>
+    <ds:schemaRef ds:uri="http://schemas.microsoft.com/VisualStudio/2011/storyboarding/control"/>
+  </ds:schemaRefs>
+</ds:datastoreItem>
+</file>
+
+<file path=customXml/itemProps11.xml><?xml version="1.0" encoding="utf-8"?>
+<ds:datastoreItem xmlns:ds="http://schemas.openxmlformats.org/officeDocument/2006/customXml" ds:itemID="{BECCCCB7-EF02-4A64-8488-5FAAD84A50D7}">
+  <ds:schemaRefs>
+    <ds:schemaRef ds:uri="http://schemas.microsoft.com/VisualStudio/2011/storyboarding/control"/>
+  </ds:schemaRefs>
+</ds:datastoreItem>
+</file>
+
+<file path=customXml/itemProps110.xml><?xml version="1.0" encoding="utf-8"?>
+<ds:datastoreItem xmlns:ds="http://schemas.openxmlformats.org/officeDocument/2006/customXml" ds:itemID="{791F2DB3-CC8F-4C15-8743-590F26544D6B}">
+  <ds:schemaRefs>
+    <ds:schemaRef ds:uri="http://schemas.microsoft.com/VisualStudio/2011/storyboarding/control"/>
+  </ds:schemaRefs>
+</ds:datastoreItem>
+</file>
+
+<file path=customXml/itemProps111.xml><?xml version="1.0" encoding="utf-8"?>
+<ds:datastoreItem xmlns:ds="http://schemas.openxmlformats.org/officeDocument/2006/customXml" ds:itemID="{2977091A-9111-44B4-B4DF-963BAE7F865F}">
+  <ds:schemaRefs>
+    <ds:schemaRef ds:uri="http://schemas.microsoft.com/VisualStudio/2011/storyboarding/control"/>
+  </ds:schemaRefs>
+</ds:datastoreItem>
+</file>
+
+<file path=customXml/itemProps112.xml><?xml version="1.0" encoding="utf-8"?>
+<ds:datastoreItem xmlns:ds="http://schemas.openxmlformats.org/officeDocument/2006/customXml" ds:itemID="{69B9D210-FF34-458C-8F82-69A376856F63}">
+  <ds:schemaRefs>
+    <ds:schemaRef ds:uri="http://schemas.microsoft.com/VisualStudio/2011/storyboarding/control"/>
+  </ds:schemaRefs>
+</ds:datastoreItem>
+</file>
+
+<file path=customXml/itemProps113.xml><?xml version="1.0" encoding="utf-8"?>
+<ds:datastoreItem xmlns:ds="http://schemas.openxmlformats.org/officeDocument/2006/customXml" ds:itemID="{BADD27A4-6D52-45F6-89F8-60CDCE29D043}">
+  <ds:schemaRefs>
+    <ds:schemaRef ds:uri="http://schemas.microsoft.com/VisualStudio/2011/storyboarding/control"/>
+  </ds:schemaRefs>
+</ds:datastoreItem>
+</file>
+
+<file path=customXml/itemProps114.xml><?xml version="1.0" encoding="utf-8"?>
+<ds:datastoreItem xmlns:ds="http://schemas.openxmlformats.org/officeDocument/2006/customXml" ds:itemID="{3C0EDA36-C841-4260-B5CC-AA8A3556D85B}">
+  <ds:schemaRefs>
+    <ds:schemaRef ds:uri="http://schemas.microsoft.com/VisualStudio/2011/storyboarding/control"/>
+  </ds:schemaRefs>
+</ds:datastoreItem>
+</file>
+
+<file path=customXml/itemProps12.xml><?xml version="1.0" encoding="utf-8"?>
+<ds:datastoreItem xmlns:ds="http://schemas.openxmlformats.org/officeDocument/2006/customXml" ds:itemID="{18EFF3F4-83A2-4349-9694-C2396C8AF441}">
+  <ds:schemaRefs>
+    <ds:schemaRef ds:uri="http://schemas.microsoft.com/VisualStudio/2011/storyboarding/control"/>
+  </ds:schemaRefs>
+</ds:datastoreItem>
+</file>
+
+<file path=customXml/itemProps13.xml><?xml version="1.0" encoding="utf-8"?>
+<ds:datastoreItem xmlns:ds="http://schemas.openxmlformats.org/officeDocument/2006/customXml" ds:itemID="{70826E2B-1B9D-49EA-B16E-B2BAED7E59C5}">
+  <ds:schemaRefs>
+    <ds:schemaRef ds:uri="http://schemas.microsoft.com/VisualStudio/2011/storyboarding/control"/>
+  </ds:schemaRefs>
+</ds:datastoreItem>
+</file>
+
+<file path=customXml/itemProps14.xml><?xml version="1.0" encoding="utf-8"?>
+<ds:datastoreItem xmlns:ds="http://schemas.openxmlformats.org/officeDocument/2006/customXml" ds:itemID="{523D9000-2555-42DB-A300-C0E2B61D8403}">
+  <ds:schemaRefs>
+    <ds:schemaRef ds:uri="http://schemas.microsoft.com/VisualStudio/2011/storyboarding/control"/>
+  </ds:schemaRefs>
+</ds:datastoreItem>
+</file>
+
+<file path=customXml/itemProps15.xml><?xml version="1.0" encoding="utf-8"?>
+<ds:datastoreItem xmlns:ds="http://schemas.openxmlformats.org/officeDocument/2006/customXml" ds:itemID="{5E7928F5-79C4-47ED-99DD-FC8E6DC4851B}">
+  <ds:schemaRefs>
+    <ds:schemaRef ds:uri="http://schemas.microsoft.com/VisualStudio/2011/storyboarding/control"/>
+  </ds:schemaRefs>
+</ds:datastoreItem>
+</file>
+
+<file path=customXml/itemProps16.xml><?xml version="1.0" encoding="utf-8"?>
+<ds:datastoreItem xmlns:ds="http://schemas.openxmlformats.org/officeDocument/2006/customXml" ds:itemID="{0FD6602D-9FF1-45EA-ACC6-2A4C9859DD2B}">
+  <ds:schemaRefs>
+    <ds:schemaRef ds:uri="http://schemas.microsoft.com/VisualStudio/2011/storyboarding/control"/>
+  </ds:schemaRefs>
+</ds:datastoreItem>
+</file>
+
+<file path=customXml/itemProps17.xml><?xml version="1.0" encoding="utf-8"?>
+<ds:datastoreItem xmlns:ds="http://schemas.openxmlformats.org/officeDocument/2006/customXml" ds:itemID="{5D493CBE-5446-43DA-A347-222999933AF7}">
+  <ds:schemaRefs>
+    <ds:schemaRef ds:uri="http://schemas.microsoft.com/VisualStudio/2011/storyboarding/control"/>
+  </ds:schemaRefs>
+</ds:datastoreItem>
+</file>
+
+<file path=customXml/itemProps18.xml><?xml version="1.0" encoding="utf-8"?>
+<ds:datastoreItem xmlns:ds="http://schemas.openxmlformats.org/officeDocument/2006/customXml" ds:itemID="{E97CE4A6-9C01-4E1C-AE95-A570F68F4499}">
+  <ds:schemaRefs>
+    <ds:schemaRef ds:uri="http://schemas.microsoft.com/VisualStudio/2011/storyboarding/control"/>
+  </ds:schemaRefs>
+</ds:datastoreItem>
+</file>
+
+<file path=customXml/itemProps19.xml><?xml version="1.0" encoding="utf-8"?>
+<ds:datastoreItem xmlns:ds="http://schemas.openxmlformats.org/officeDocument/2006/customXml" ds:itemID="{D226A0C3-5037-4DCE-847C-5DB2A993A518}">
+  <ds:schemaRefs>
+    <ds:schemaRef ds:uri="http://schemas.microsoft.com/VisualStudio/2011/storyboarding/control"/>
+  </ds:schemaRefs>
+</ds:datastoreItem>
+</file>
+
+<file path=customXml/itemProps2.xml><?xml version="1.0" encoding="utf-8"?>
+<ds:datastoreItem xmlns:ds="http://schemas.openxmlformats.org/officeDocument/2006/customXml" ds:itemID="{5E6F5FDC-2093-441C-92ED-C35DBC007D0F}">
+  <ds:schemaRefs>
+    <ds:schemaRef ds:uri="http://schemas.microsoft.com/VisualStudio/2011/storyboarding/control"/>
+  </ds:schemaRefs>
+</ds:datastoreItem>
+</file>
+
+<file path=customXml/itemProps20.xml><?xml version="1.0" encoding="utf-8"?>
+<ds:datastoreItem xmlns:ds="http://schemas.openxmlformats.org/officeDocument/2006/customXml" ds:itemID="{BF63BC62-A2B6-4DC4-A6F4-7F46DAD5D502}">
+  <ds:schemaRefs>
+    <ds:schemaRef ds:uri="http://schemas.microsoft.com/VisualStudio/2011/storyboarding/control"/>
+  </ds:schemaRefs>
+</ds:datastoreItem>
+</file>
+
+<file path=customXml/itemProps21.xml><?xml version="1.0" encoding="utf-8"?>
+<ds:datastoreItem xmlns:ds="http://schemas.openxmlformats.org/officeDocument/2006/customXml" ds:itemID="{0A1033CC-D5EB-4A43-BF43-B44A6E7530B3}">
+  <ds:schemaRefs>
+    <ds:schemaRef ds:uri="http://schemas.microsoft.com/VisualStudio/2011/storyboarding/control"/>
+  </ds:schemaRefs>
+</ds:datastoreItem>
+</file>
+
+<file path=customXml/itemProps22.xml><?xml version="1.0" encoding="utf-8"?>
+<ds:datastoreItem xmlns:ds="http://schemas.openxmlformats.org/officeDocument/2006/customXml" ds:itemID="{3D180A80-32EA-4B75-B874-79AE921CE972}">
+  <ds:schemaRefs>
+    <ds:schemaRef ds:uri="http://schemas.microsoft.com/VisualStudio/2011/storyboarding/control"/>
+  </ds:schemaRefs>
+</ds:datastoreItem>
+</file>
+
+<file path=customXml/itemProps23.xml><?xml version="1.0" encoding="utf-8"?>
+<ds:datastoreItem xmlns:ds="http://schemas.openxmlformats.org/officeDocument/2006/customXml" ds:itemID="{531ABAD3-B618-40BF-9584-FD7BA346DEDB}">
+  <ds:schemaRefs>
+    <ds:schemaRef ds:uri="http://schemas.microsoft.com/VisualStudio/2011/storyboarding/control"/>
+  </ds:schemaRefs>
+</ds:datastoreItem>
+</file>
+
+<file path=customXml/itemProps24.xml><?xml version="1.0" encoding="utf-8"?>
+<ds:datastoreItem xmlns:ds="http://schemas.openxmlformats.org/officeDocument/2006/customXml" ds:itemID="{E22473B6-028C-4621-B51B-A79A7F2A92EE}">
+  <ds:schemaRefs>
+    <ds:schemaRef ds:uri="http://schemas.microsoft.com/VisualStudio/2011/storyboarding/control"/>
+  </ds:schemaRefs>
+</ds:datastoreItem>
+</file>
+
+<file path=customXml/itemProps25.xml><?xml version="1.0" encoding="utf-8"?>
+<ds:datastoreItem xmlns:ds="http://schemas.openxmlformats.org/officeDocument/2006/customXml" ds:itemID="{1639FB28-1EC5-4003-89AB-A9220F614689}">
+  <ds:schemaRefs>
+    <ds:schemaRef ds:uri="http://schemas.microsoft.com/VisualStudio/2011/storyboarding/control"/>
+  </ds:schemaRefs>
+</ds:datastoreItem>
+</file>
+
+<file path=customXml/itemProps26.xml><?xml version="1.0" encoding="utf-8"?>
+<ds:datastoreItem xmlns:ds="http://schemas.openxmlformats.org/officeDocument/2006/customXml" ds:itemID="{88FF388B-936F-494E-A575-6D8128D38F2C}">
+  <ds:schemaRefs>
+    <ds:schemaRef ds:uri="http://schemas.microsoft.com/VisualStudio/2011/storyboarding/control"/>
+  </ds:schemaRefs>
+</ds:datastoreItem>
+</file>
+
+<file path=customXml/itemProps27.xml><?xml version="1.0" encoding="utf-8"?>
+<ds:datastoreItem xmlns:ds="http://schemas.openxmlformats.org/officeDocument/2006/customXml" ds:itemID="{2CD56508-96A6-4D08-918C-54CB004621AF}">
+  <ds:schemaRefs>
+    <ds:schemaRef ds:uri="http://schemas.microsoft.com/VisualStudio/2011/storyboarding/control"/>
+  </ds:schemaRefs>
+</ds:datastoreItem>
+</file>
+
+<file path=customXml/itemProps28.xml><?xml version="1.0" encoding="utf-8"?>
+<ds:datastoreItem xmlns:ds="http://schemas.openxmlformats.org/officeDocument/2006/customXml" ds:itemID="{EB2DCAD1-72F1-4D23-97E2-565C0AB7AA19}">
+  <ds:schemaRefs>
+    <ds:schemaRef ds:uri="http://schemas.microsoft.com/VisualStudio/2011/storyboarding/control"/>
+  </ds:schemaRefs>
+</ds:datastoreItem>
+</file>
+
+<file path=customXml/itemProps29.xml><?xml version="1.0" encoding="utf-8"?>
+<ds:datastoreItem xmlns:ds="http://schemas.openxmlformats.org/officeDocument/2006/customXml" ds:itemID="{DACCD0EB-1B7A-4C8A-9B7E-726E900234E0}">
+  <ds:schemaRefs>
+    <ds:schemaRef ds:uri="http://schemas.microsoft.com/VisualStudio/2011/storyboarding/control"/>
+  </ds:schemaRefs>
+</ds:datastoreItem>
+</file>
+
+<file path=customXml/itemProps3.xml><?xml version="1.0" encoding="utf-8"?>
+<ds:datastoreItem xmlns:ds="http://schemas.openxmlformats.org/officeDocument/2006/customXml" ds:itemID="{3D3ECC72-DC24-4791-9CA6-47ECE2A69DDF}">
+  <ds:schemaRefs>
+    <ds:schemaRef ds:uri="http://schemas.microsoft.com/VisualStudio/2011/storyboarding/control"/>
+  </ds:schemaRefs>
+</ds:datastoreItem>
+</file>
+
+<file path=customXml/itemProps30.xml><?xml version="1.0" encoding="utf-8"?>
+<ds:datastoreItem xmlns:ds="http://schemas.openxmlformats.org/officeDocument/2006/customXml" ds:itemID="{3CCD36F2-3425-44F7-9F51-456F0C7CC89C}">
+  <ds:schemaRefs>
+    <ds:schemaRef ds:uri="http://schemas.microsoft.com/VisualStudio/2011/storyboarding/control"/>
+  </ds:schemaRefs>
+</ds:datastoreItem>
+</file>
+
+<file path=customXml/itemProps31.xml><?xml version="1.0" encoding="utf-8"?>
+<ds:datastoreItem xmlns:ds="http://schemas.openxmlformats.org/officeDocument/2006/customXml" ds:itemID="{49876BA4-ED70-4F54-946C-7F2FDA8101B3}">
+  <ds:schemaRefs>
+    <ds:schemaRef ds:uri="http://schemas.microsoft.com/VisualStudio/2011/storyboarding/control"/>
+  </ds:schemaRefs>
+</ds:datastoreItem>
+</file>
+
+<file path=customXml/itemProps32.xml><?xml version="1.0" encoding="utf-8"?>
+<ds:datastoreItem xmlns:ds="http://schemas.openxmlformats.org/officeDocument/2006/customXml" ds:itemID="{DB5FF0E2-44EA-4182-809E-0BD041009B94}">
+  <ds:schemaRefs>
+    <ds:schemaRef ds:uri="http://schemas.microsoft.com/VisualStudio/2011/storyboarding/control"/>
+  </ds:schemaRefs>
+</ds:datastoreItem>
+</file>
+
+<file path=customXml/itemProps33.xml><?xml version="1.0" encoding="utf-8"?>
+<ds:datastoreItem xmlns:ds="http://schemas.openxmlformats.org/officeDocument/2006/customXml" ds:itemID="{D5FEB2A6-E2DE-4A94-92FC-D966BD6E1C55}">
+  <ds:schemaRefs>
+    <ds:schemaRef ds:uri="http://schemas.microsoft.com/VisualStudio/2011/storyboarding/control"/>
+  </ds:schemaRefs>
+</ds:datastoreItem>
+</file>
+
+<file path=customXml/itemProps34.xml><?xml version="1.0" encoding="utf-8"?>
+<ds:datastoreItem xmlns:ds="http://schemas.openxmlformats.org/officeDocument/2006/customXml" ds:itemID="{8FA3D93C-F1A3-4B2E-9382-EA20C1D69BAD}">
+  <ds:schemaRefs>
+    <ds:schemaRef ds:uri="http://schemas.microsoft.com/VisualStudio/2011/storyboarding/control"/>
+  </ds:schemaRefs>
+</ds:datastoreItem>
+</file>
+
+<file path=customXml/itemProps35.xml><?xml version="1.0" encoding="utf-8"?>
+<ds:datastoreItem xmlns:ds="http://schemas.openxmlformats.org/officeDocument/2006/customXml" ds:itemID="{21A90A5F-24FA-4767-A349-8C4CAECFA4AE}">
+  <ds:schemaRefs>
+    <ds:schemaRef ds:uri="http://schemas.microsoft.com/VisualStudio/2011/storyboarding/control"/>
+  </ds:schemaRefs>
+</ds:datastoreItem>
+</file>
+
+<file path=customXml/itemProps36.xml><?xml version="1.0" encoding="utf-8"?>
+<ds:datastoreItem xmlns:ds="http://schemas.openxmlformats.org/officeDocument/2006/customXml" ds:itemID="{8DAC1539-EE00-4235-AB6E-3D689442BEDF}">
+  <ds:schemaRefs>
+    <ds:schemaRef ds:uri="http://schemas.microsoft.com/VisualStudio/2011/storyboarding/control"/>
+  </ds:schemaRefs>
+</ds:datastoreItem>
+</file>
+
+<file path=customXml/itemProps37.xml><?xml version="1.0" encoding="utf-8"?>
+<ds:datastoreItem xmlns:ds="http://schemas.openxmlformats.org/officeDocument/2006/customXml" ds:itemID="{E1A30748-A830-4B10-A878-3B4756F506F2}">
+  <ds:schemaRefs>
+    <ds:schemaRef ds:uri="http://schemas.microsoft.com/VisualStudio/2011/storyboarding/control"/>
+  </ds:schemaRefs>
+</ds:datastoreItem>
+</file>
+
+<file path=customXml/itemProps38.xml><?xml version="1.0" encoding="utf-8"?>
+<ds:datastoreItem xmlns:ds="http://schemas.openxmlformats.org/officeDocument/2006/customXml" ds:itemID="{BE26F770-6D00-4BDC-830A-6271C798A6B9}">
+  <ds:schemaRefs>
+    <ds:schemaRef ds:uri="http://schemas.microsoft.com/VisualStudio/2011/storyboarding/control"/>
+  </ds:schemaRefs>
+</ds:datastoreItem>
+</file>
+
+<file path=customXml/itemProps39.xml><?xml version="1.0" encoding="utf-8"?>
+<ds:datastoreItem xmlns:ds="http://schemas.openxmlformats.org/officeDocument/2006/customXml" ds:itemID="{776DA967-FF73-4AD2-8CC6-D43089C9FC8F}">
+  <ds:schemaRefs>
+    <ds:schemaRef ds:uri="http://schemas.microsoft.com/VisualStudio/2011/storyboarding/control"/>
+  </ds:schemaRefs>
+</ds:datastoreItem>
+</file>
+
+<file path=customXml/itemProps4.xml><?xml version="1.0" encoding="utf-8"?>
+<ds:datastoreItem xmlns:ds="http://schemas.openxmlformats.org/officeDocument/2006/customXml" ds:itemID="{7F7B4182-C158-4CF7-BE17-BBC9AB98C52D}">
+  <ds:schemaRefs>
+    <ds:schemaRef ds:uri="http://schemas.microsoft.com/VisualStudio/2011/storyboarding/control"/>
+  </ds:schemaRefs>
+</ds:datastoreItem>
+</file>
+
+<file path=customXml/itemProps40.xml><?xml version="1.0" encoding="utf-8"?>
+<ds:datastoreItem xmlns:ds="http://schemas.openxmlformats.org/officeDocument/2006/customXml" ds:itemID="{97E85E79-3453-4406-A138-2BED0C524D02}">
+  <ds:schemaRefs>
+    <ds:schemaRef ds:uri="http://schemas.microsoft.com/VisualStudio/2011/storyboarding/control"/>
+  </ds:schemaRefs>
+</ds:datastoreItem>
+</file>
+
+<file path=customXml/itemProps41.xml><?xml version="1.0" encoding="utf-8"?>
+<ds:datastoreItem xmlns:ds="http://schemas.openxmlformats.org/officeDocument/2006/customXml" ds:itemID="{CCEC82DF-3665-44AC-9C20-DBAE83D3306F}">
+  <ds:schemaRefs>
+    <ds:schemaRef ds:uri="http://schemas.microsoft.com/VisualStudio/2011/storyboarding/control"/>
+  </ds:schemaRefs>
+</ds:datastoreItem>
+</file>
+
+<file path=customXml/itemProps42.xml><?xml version="1.0" encoding="utf-8"?>
+<ds:datastoreItem xmlns:ds="http://schemas.openxmlformats.org/officeDocument/2006/customXml" ds:itemID="{B165D352-70D4-40FE-85FF-532687BB8AFA}">
+  <ds:schemaRefs>
+    <ds:schemaRef ds:uri="http://schemas.microsoft.com/VisualStudio/2011/storyboarding/control"/>
+  </ds:schemaRefs>
+</ds:datastoreItem>
+</file>
+
+<file path=customXml/itemProps43.xml><?xml version="1.0" encoding="utf-8"?>
+<ds:datastoreItem xmlns:ds="http://schemas.openxmlformats.org/officeDocument/2006/customXml" ds:itemID="{BB08E1D8-D864-4F18-BB84-C71EFF99EB19}">
+  <ds:schemaRefs>
+    <ds:schemaRef ds:uri="http://schemas.microsoft.com/VisualStudio/2011/storyboarding/control"/>
+  </ds:schemaRefs>
+</ds:datastoreItem>
+</file>
+
+<file path=customXml/itemProps44.xml><?xml version="1.0" encoding="utf-8"?>
+<ds:datastoreItem xmlns:ds="http://schemas.openxmlformats.org/officeDocument/2006/customXml" ds:itemID="{2C8A8EDC-6EF7-4522-8694-660C343074D6}">
+  <ds:schemaRefs>
+    <ds:schemaRef ds:uri="http://schemas.microsoft.com/VisualStudio/2011/storyboarding/control"/>
+  </ds:schemaRefs>
+</ds:datastoreItem>
+</file>
+
+<file path=customXml/itemProps45.xml><?xml version="1.0" encoding="utf-8"?>
+<ds:datastoreItem xmlns:ds="http://schemas.openxmlformats.org/officeDocument/2006/customXml" ds:itemID="{C203A4C3-7CA4-4E41-A180-DCD93F0B08DE}">
+  <ds:schemaRefs>
+    <ds:schemaRef ds:uri="http://schemas.microsoft.com/VisualStudio/2011/storyboarding/control"/>
+  </ds:schemaRefs>
+</ds:datastoreItem>
+</file>
+
+<file path=customXml/itemProps46.xml><?xml version="1.0" encoding="utf-8"?>
+<ds:datastoreItem xmlns:ds="http://schemas.openxmlformats.org/officeDocument/2006/customXml" ds:itemID="{9A09CA26-6854-4F3C-9516-942B8F58A388}">
+  <ds:schemaRefs>
+    <ds:schemaRef ds:uri="http://schemas.microsoft.com/VisualStudio/2011/storyboarding/control"/>
+  </ds:schemaRefs>
+</ds:datastoreItem>
+</file>
+
+<file path=customXml/itemProps47.xml><?xml version="1.0" encoding="utf-8"?>
+<ds:datastoreItem xmlns:ds="http://schemas.openxmlformats.org/officeDocument/2006/customXml" ds:itemID="{862FA17A-2C6F-4CD8-B507-10CA7CC09A8F}">
+  <ds:schemaRefs>
+    <ds:schemaRef ds:uri="http://schemas.microsoft.com/VisualStudio/2011/storyboarding/control"/>
+  </ds:schemaRefs>
+</ds:datastoreItem>
+</file>
+
+<file path=customXml/itemProps48.xml><?xml version="1.0" encoding="utf-8"?>
+<ds:datastoreItem xmlns:ds="http://schemas.openxmlformats.org/officeDocument/2006/customXml" ds:itemID="{CA4A118F-B9BE-4B9A-ABEA-F0641AD333A0}">
+  <ds:schemaRefs>
+    <ds:schemaRef ds:uri="http://schemas.microsoft.com/VisualStudio/2011/storyboarding/control"/>
+  </ds:schemaRefs>
+</ds:datastoreItem>
+</file>
+
+<file path=customXml/itemProps49.xml><?xml version="1.0" encoding="utf-8"?>
+<ds:datastoreItem xmlns:ds="http://schemas.openxmlformats.org/officeDocument/2006/customXml" ds:itemID="{0112F604-12CF-4AF0-B1B9-DFC27CF2EB39}">
+  <ds:schemaRefs>
+    <ds:schemaRef ds:uri="http://schemas.microsoft.com/VisualStudio/2011/storyboarding/control"/>
+  </ds:schemaRefs>
+</ds:datastoreItem>
+</file>
+
+<file path=customXml/itemProps5.xml><?xml version="1.0" encoding="utf-8"?>
+<ds:datastoreItem xmlns:ds="http://schemas.openxmlformats.org/officeDocument/2006/customXml" ds:itemID="{9BF50CE8-CF32-4606-8DE6-3101ABBDD070}">
+  <ds:schemaRefs>
+    <ds:schemaRef ds:uri="http://schemas.microsoft.com/VisualStudio/2011/storyboarding/control"/>
+  </ds:schemaRefs>
+</ds:datastoreItem>
+</file>
+
+<file path=customXml/itemProps50.xml><?xml version="1.0" encoding="utf-8"?>
+<ds:datastoreItem xmlns:ds="http://schemas.openxmlformats.org/officeDocument/2006/customXml" ds:itemID="{CA719675-9B71-49B9-BBAE-6093E5AF0C0C}">
+  <ds:schemaRefs>
+    <ds:schemaRef ds:uri="http://schemas.microsoft.com/VisualStudio/2011/storyboarding/control"/>
+  </ds:schemaRefs>
+</ds:datastoreItem>
+</file>
+
+<file path=customXml/itemProps51.xml><?xml version="1.0" encoding="utf-8"?>
+<ds:datastoreItem xmlns:ds="http://schemas.openxmlformats.org/officeDocument/2006/customXml" ds:itemID="{F7CD6DE8-E3CA-41AD-BDF6-29CE07D429DA}">
+  <ds:schemaRefs>
+    <ds:schemaRef ds:uri="http://schemas.microsoft.com/VisualStudio/2011/storyboarding/control"/>
+  </ds:schemaRefs>
+</ds:datastoreItem>
+</file>
+
+<file path=customXml/itemProps52.xml><?xml version="1.0" encoding="utf-8"?>
+<ds:datastoreItem xmlns:ds="http://schemas.openxmlformats.org/officeDocument/2006/customXml" ds:itemID="{6D23DAD7-E0D9-4241-A4DB-204A0F380A76}">
+  <ds:schemaRefs>
+    <ds:schemaRef ds:uri="http://schemas.microsoft.com/VisualStudio/2011/storyboarding/control"/>
+  </ds:schemaRefs>
+</ds:datastoreItem>
+</file>
+
+<file path=customXml/itemProps53.xml><?xml version="1.0" encoding="utf-8"?>
+<ds:datastoreItem xmlns:ds="http://schemas.openxmlformats.org/officeDocument/2006/customXml" ds:itemID="{B39EB365-64A2-4270-B261-6F581E40AA63}">
+  <ds:schemaRefs>
+    <ds:schemaRef ds:uri="http://schemas.microsoft.com/VisualStudio/2011/storyboarding/control"/>
+  </ds:schemaRefs>
+</ds:datastoreItem>
+</file>
+
+<file path=customXml/itemProps54.xml><?xml version="1.0" encoding="utf-8"?>
+<ds:datastoreItem xmlns:ds="http://schemas.openxmlformats.org/officeDocument/2006/customXml" ds:itemID="{C8101F23-7FAA-4BD8-AD2A-421FA377298D}">
+  <ds:schemaRefs>
+    <ds:schemaRef ds:uri="http://schemas.microsoft.com/VisualStudio/2011/storyboarding/control"/>
+  </ds:schemaRefs>
+</ds:datastoreItem>
+</file>
+
+<file path=customXml/itemProps55.xml><?xml version="1.0" encoding="utf-8"?>
+<ds:datastoreItem xmlns:ds="http://schemas.openxmlformats.org/officeDocument/2006/customXml" ds:itemID="{DED20389-1C75-4C70-BBCC-27B286CC4C95}">
+  <ds:schemaRefs>
+    <ds:schemaRef ds:uri="http://schemas.microsoft.com/VisualStudio/2011/storyboarding/control"/>
+  </ds:schemaRefs>
+</ds:datastoreItem>
+</file>
+
+<file path=customXml/itemProps56.xml><?xml version="1.0" encoding="utf-8"?>
 <ds:datastoreItem xmlns:ds="http://schemas.openxmlformats.org/officeDocument/2006/customXml" ds:itemID="{220BC498-0DDF-422A-AC0F-97E589848EC1}">
   <ds:schemaRefs>
     <ds:schemaRef ds:uri="http://schemas.microsoft.com/VisualStudio/2011/storyboarding/control"/>
@@ -13493,7 +19099,63 @@
 </ds:datastoreItem>
 </file>
 
-<file path=customXml/itemProps10.xml><?xml version="1.0" encoding="utf-8"?>
+<file path=customXml/itemProps57.xml><?xml version="1.0" encoding="utf-8"?>
+<ds:datastoreItem xmlns:ds="http://schemas.openxmlformats.org/officeDocument/2006/customXml" ds:itemID="{EDEFCAC1-81E8-4EA1-AF8A-6D8861A55F36}">
+  <ds:schemaRefs>
+    <ds:schemaRef ds:uri="http://schemas.microsoft.com/VisualStudio/2011/storyboarding/control"/>
+  </ds:schemaRefs>
+</ds:datastoreItem>
+</file>
+
+<file path=customXml/itemProps58.xml><?xml version="1.0" encoding="utf-8"?>
+<ds:datastoreItem xmlns:ds="http://schemas.openxmlformats.org/officeDocument/2006/customXml" ds:itemID="{CEF68D64-8D51-42AA-8C2A-0AF1FD5D33EE}">
+  <ds:schemaRefs>
+    <ds:schemaRef ds:uri="http://schemas.microsoft.com/VisualStudio/2011/storyboarding/control"/>
+  </ds:schemaRefs>
+</ds:datastoreItem>
+</file>
+
+<file path=customXml/itemProps59.xml><?xml version="1.0" encoding="utf-8"?>
+<ds:datastoreItem xmlns:ds="http://schemas.openxmlformats.org/officeDocument/2006/customXml" ds:itemID="{BA657A7A-162E-460C-9698-741B5BF8D8DB}">
+  <ds:schemaRefs>
+    <ds:schemaRef ds:uri="http://schemas.microsoft.com/VisualStudio/2011/storyboarding/control"/>
+  </ds:schemaRefs>
+</ds:datastoreItem>
+</file>
+
+<file path=customXml/itemProps6.xml><?xml version="1.0" encoding="utf-8"?>
+<ds:datastoreItem xmlns:ds="http://schemas.openxmlformats.org/officeDocument/2006/customXml" ds:itemID="{E998C69E-52BE-44B3-B629-486376A2D891}">
+  <ds:schemaRefs>
+    <ds:schemaRef ds:uri="http://schemas.microsoft.com/VisualStudio/2011/storyboarding/control"/>
+  </ds:schemaRefs>
+</ds:datastoreItem>
+</file>
+
+<file path=customXml/itemProps60.xml><?xml version="1.0" encoding="utf-8"?>
+<ds:datastoreItem xmlns:ds="http://schemas.openxmlformats.org/officeDocument/2006/customXml" ds:itemID="{05045935-8ED3-40B0-85FE-7ED7979502AF}">
+  <ds:schemaRefs>
+    <ds:schemaRef ds:uri="http://schemas.microsoft.com/VisualStudio/2011/storyboarding/control"/>
+  </ds:schemaRefs>
+</ds:datastoreItem>
+</file>
+
+<file path=customXml/itemProps61.xml><?xml version="1.0" encoding="utf-8"?>
+<ds:datastoreItem xmlns:ds="http://schemas.openxmlformats.org/officeDocument/2006/customXml" ds:itemID="{E27BBFB1-FB8A-4416-95F7-69ED22360FD0}">
+  <ds:schemaRefs>
+    <ds:schemaRef ds:uri="http://schemas.microsoft.com/VisualStudio/2011/storyboarding/control"/>
+  </ds:schemaRefs>
+</ds:datastoreItem>
+</file>
+
+<file path=customXml/itemProps62.xml><?xml version="1.0" encoding="utf-8"?>
+<ds:datastoreItem xmlns:ds="http://schemas.openxmlformats.org/officeDocument/2006/customXml" ds:itemID="{9EAD970D-1769-449C-8C12-17B66CF1D5B1}">
+  <ds:schemaRefs>
+    <ds:schemaRef ds:uri="http://schemas.microsoft.com/VisualStudio/2011/storyboarding/control"/>
+  </ds:schemaRefs>
+</ds:datastoreItem>
+</file>
+
+<file path=customXml/itemProps63.xml><?xml version="1.0" encoding="utf-8"?>
 <ds:datastoreItem xmlns:ds="http://schemas.openxmlformats.org/officeDocument/2006/customXml" ds:itemID="{084278B8-A977-4998-90BD-F6C56A123772}">
   <ds:schemaRefs>
     <ds:schemaRef ds:uri="http://schemas.microsoft.com/VisualStudio/2011/storyboarding/control"/>
@@ -13501,295 +19163,7 @@
 </ds:datastoreItem>
 </file>
 
-<file path=customXml/itemProps11.xml><?xml version="1.0" encoding="utf-8"?>
-<ds:datastoreItem xmlns:ds="http://schemas.openxmlformats.org/officeDocument/2006/customXml" ds:itemID="{5D493CBE-5446-43DA-A347-222999933AF7}">
-  <ds:schemaRefs>
-    <ds:schemaRef ds:uri="http://schemas.microsoft.com/VisualStudio/2011/storyboarding/control"/>
-  </ds:schemaRefs>
-</ds:datastoreItem>
-</file>
-
-<file path=customXml/itemProps12.xml><?xml version="1.0" encoding="utf-8"?>
-<ds:datastoreItem xmlns:ds="http://schemas.openxmlformats.org/officeDocument/2006/customXml" ds:itemID="{2C8A8EDC-6EF7-4522-8694-660C343074D6}">
-  <ds:schemaRefs>
-    <ds:schemaRef ds:uri="http://schemas.microsoft.com/VisualStudio/2011/storyboarding/control"/>
-  </ds:schemaRefs>
-</ds:datastoreItem>
-</file>
-
-<file path=customXml/itemProps13.xml><?xml version="1.0" encoding="utf-8"?>
-<ds:datastoreItem xmlns:ds="http://schemas.openxmlformats.org/officeDocument/2006/customXml" ds:itemID="{FF284517-1DEA-483A-AE14-16B53F8C4017}">
-  <ds:schemaRefs>
-    <ds:schemaRef ds:uri="http://schemas.microsoft.com/VisualStudio/2011/storyboarding/control"/>
-  </ds:schemaRefs>
-</ds:datastoreItem>
-</file>
-
-<file path=customXml/itemProps14.xml><?xml version="1.0" encoding="utf-8"?>
-<ds:datastoreItem xmlns:ds="http://schemas.openxmlformats.org/officeDocument/2006/customXml" ds:itemID="{3CCD36F2-3425-44F7-9F51-456F0C7CC89C}">
-  <ds:schemaRefs>
-    <ds:schemaRef ds:uri="http://schemas.microsoft.com/VisualStudio/2011/storyboarding/control"/>
-  </ds:schemaRefs>
-</ds:datastoreItem>
-</file>
-
-<file path=customXml/itemProps15.xml><?xml version="1.0" encoding="utf-8"?>
-<ds:datastoreItem xmlns:ds="http://schemas.openxmlformats.org/officeDocument/2006/customXml" ds:itemID="{CEF68D64-8D51-42AA-8C2A-0AF1FD5D33EE}">
-  <ds:schemaRefs>
-    <ds:schemaRef ds:uri="http://schemas.microsoft.com/VisualStudio/2011/storyboarding/control"/>
-  </ds:schemaRefs>
-</ds:datastoreItem>
-</file>
-
-<file path=customXml/itemProps16.xml><?xml version="1.0" encoding="utf-8"?>
-<ds:datastoreItem xmlns:ds="http://schemas.openxmlformats.org/officeDocument/2006/customXml" ds:itemID="{5E7928F5-79C4-47ED-99DD-FC8E6DC4851B}">
-  <ds:schemaRefs>
-    <ds:schemaRef ds:uri="http://schemas.microsoft.com/VisualStudio/2011/storyboarding/control"/>
-  </ds:schemaRefs>
-</ds:datastoreItem>
-</file>
-
-<file path=customXml/itemProps17.xml><?xml version="1.0" encoding="utf-8"?>
-<ds:datastoreItem xmlns:ds="http://schemas.openxmlformats.org/officeDocument/2006/customXml" ds:itemID="{C203A4C3-7CA4-4E41-A180-DCD93F0B08DE}">
-  <ds:schemaRefs>
-    <ds:schemaRef ds:uri="http://schemas.microsoft.com/VisualStudio/2011/storyboarding/control"/>
-  </ds:schemaRefs>
-</ds:datastoreItem>
-</file>
-
-<file path=customXml/itemProps18.xml><?xml version="1.0" encoding="utf-8"?>
-<ds:datastoreItem xmlns:ds="http://schemas.openxmlformats.org/officeDocument/2006/customXml" ds:itemID="{5E6F5FDC-2093-441C-92ED-C35DBC007D0F}">
-  <ds:schemaRefs>
-    <ds:schemaRef ds:uri="http://schemas.microsoft.com/VisualStudio/2011/storyboarding/control"/>
-  </ds:schemaRefs>
-</ds:datastoreItem>
-</file>
-
-<file path=customXml/itemProps19.xml><?xml version="1.0" encoding="utf-8"?>
-<ds:datastoreItem xmlns:ds="http://schemas.openxmlformats.org/officeDocument/2006/customXml" ds:itemID="{2CD56508-96A6-4D08-918C-54CB004621AF}">
-  <ds:schemaRefs>
-    <ds:schemaRef ds:uri="http://schemas.microsoft.com/VisualStudio/2011/storyboarding/control"/>
-  </ds:schemaRefs>
-</ds:datastoreItem>
-</file>
-
-<file path=customXml/itemProps2.xml><?xml version="1.0" encoding="utf-8"?>
-<ds:datastoreItem xmlns:ds="http://schemas.openxmlformats.org/officeDocument/2006/customXml" ds:itemID="{523D9000-2555-42DB-A300-C0E2B61D8403}">
-  <ds:schemaRefs>
-    <ds:schemaRef ds:uri="http://schemas.microsoft.com/VisualStudio/2011/storyboarding/control"/>
-  </ds:schemaRefs>
-</ds:datastoreItem>
-</file>
-
-<file path=customXml/itemProps20.xml><?xml version="1.0" encoding="utf-8"?>
-<ds:datastoreItem xmlns:ds="http://schemas.openxmlformats.org/officeDocument/2006/customXml" ds:itemID="{CA719675-9B71-49B9-BBAE-6093E5AF0C0C}">
-  <ds:schemaRefs>
-    <ds:schemaRef ds:uri="http://schemas.microsoft.com/VisualStudio/2011/storyboarding/control"/>
-  </ds:schemaRefs>
-</ds:datastoreItem>
-</file>
-
-<file path=customXml/itemProps21.xml><?xml version="1.0" encoding="utf-8"?>
-<ds:datastoreItem xmlns:ds="http://schemas.openxmlformats.org/officeDocument/2006/customXml" ds:itemID="{7F7B4182-C158-4CF7-BE17-BBC9AB98C52D}">
-  <ds:schemaRefs>
-    <ds:schemaRef ds:uri="http://schemas.microsoft.com/VisualStudio/2011/storyboarding/control"/>
-  </ds:schemaRefs>
-</ds:datastoreItem>
-</file>
-
-<file path=customXml/itemProps22.xml><?xml version="1.0" encoding="utf-8"?>
-<ds:datastoreItem xmlns:ds="http://schemas.openxmlformats.org/officeDocument/2006/customXml" ds:itemID="{49876BA4-ED70-4F54-946C-7F2FDA8101B3}">
-  <ds:schemaRefs>
-    <ds:schemaRef ds:uri="http://schemas.microsoft.com/VisualStudio/2011/storyboarding/control"/>
-  </ds:schemaRefs>
-</ds:datastoreItem>
-</file>
-
-<file path=customXml/itemProps23.xml><?xml version="1.0" encoding="utf-8"?>
-<ds:datastoreItem xmlns:ds="http://schemas.openxmlformats.org/officeDocument/2006/customXml" ds:itemID="{BA657A7A-162E-460C-9698-741B5BF8D8DB}">
-  <ds:schemaRefs>
-    <ds:schemaRef ds:uri="http://schemas.microsoft.com/VisualStudio/2011/storyboarding/control"/>
-  </ds:schemaRefs>
-</ds:datastoreItem>
-</file>
-
-<file path=customXml/itemProps24.xml><?xml version="1.0" encoding="utf-8"?>
-<ds:datastoreItem xmlns:ds="http://schemas.openxmlformats.org/officeDocument/2006/customXml" ds:itemID="{E97CE4A6-9C01-4E1C-AE95-A570F68F4499}">
-  <ds:schemaRefs>
-    <ds:schemaRef ds:uri="http://schemas.microsoft.com/VisualStudio/2011/storyboarding/control"/>
-  </ds:schemaRefs>
-</ds:datastoreItem>
-</file>
-
-<file path=customXml/itemProps25.xml><?xml version="1.0" encoding="utf-8"?>
-<ds:datastoreItem xmlns:ds="http://schemas.openxmlformats.org/officeDocument/2006/customXml" ds:itemID="{9A09CA26-6854-4F3C-9516-942B8F58A388}">
-  <ds:schemaRefs>
-    <ds:schemaRef ds:uri="http://schemas.microsoft.com/VisualStudio/2011/storyboarding/control"/>
-  </ds:schemaRefs>
-</ds:datastoreItem>
-</file>
-
-<file path=customXml/itemProps26.xml><?xml version="1.0" encoding="utf-8"?>
-<ds:datastoreItem xmlns:ds="http://schemas.openxmlformats.org/officeDocument/2006/customXml" ds:itemID="{3D3ECC72-DC24-4791-9CA6-47ECE2A69DDF}">
-  <ds:schemaRefs>
-    <ds:schemaRef ds:uri="http://schemas.microsoft.com/VisualStudio/2011/storyboarding/control"/>
-  </ds:schemaRefs>
-</ds:datastoreItem>
-</file>
-
-<file path=customXml/itemProps27.xml><?xml version="1.0" encoding="utf-8"?>
-<ds:datastoreItem xmlns:ds="http://schemas.openxmlformats.org/officeDocument/2006/customXml" ds:itemID="{DB5FF0E2-44EA-4182-809E-0BD041009B94}">
-  <ds:schemaRefs>
-    <ds:schemaRef ds:uri="http://schemas.microsoft.com/VisualStudio/2011/storyboarding/control"/>
-  </ds:schemaRefs>
-</ds:datastoreItem>
-</file>
-
-<file path=customXml/itemProps28.xml><?xml version="1.0" encoding="utf-8"?>
-<ds:datastoreItem xmlns:ds="http://schemas.openxmlformats.org/officeDocument/2006/customXml" ds:itemID="{05045935-8ED3-40B0-85FE-7ED7979502AF}">
-  <ds:schemaRefs>
-    <ds:schemaRef ds:uri="http://schemas.microsoft.com/VisualStudio/2011/storyboarding/control"/>
-  </ds:schemaRefs>
-</ds:datastoreItem>
-</file>
-
-<file path=customXml/itemProps29.xml><?xml version="1.0" encoding="utf-8"?>
-<ds:datastoreItem xmlns:ds="http://schemas.openxmlformats.org/officeDocument/2006/customXml" ds:itemID="{0FD6602D-9FF1-45EA-ACC6-2A4C9859DD2B}">
-  <ds:schemaRefs>
-    <ds:schemaRef ds:uri="http://schemas.microsoft.com/VisualStudio/2011/storyboarding/control"/>
-  </ds:schemaRefs>
-</ds:datastoreItem>
-</file>
-
-<file path=customXml/itemProps3.xml><?xml version="1.0" encoding="utf-8"?>
-<ds:datastoreItem xmlns:ds="http://schemas.openxmlformats.org/officeDocument/2006/customXml" ds:itemID="{BB08E1D8-D864-4F18-BB84-C71EFF99EB19}">
-  <ds:schemaRefs>
-    <ds:schemaRef ds:uri="http://schemas.microsoft.com/VisualStudio/2011/storyboarding/control"/>
-  </ds:schemaRefs>
-</ds:datastoreItem>
-</file>
-
-<file path=customXml/itemProps30.xml><?xml version="1.0" encoding="utf-8"?>
-<ds:datastoreItem xmlns:ds="http://schemas.openxmlformats.org/officeDocument/2006/customXml" ds:itemID="{959EFEAB-6E98-4883-8851-FDCDD017785D}">
-  <ds:schemaRefs>
-    <ds:schemaRef ds:uri="http://schemas.microsoft.com/VisualStudio/2011/storyboarding/control"/>
-  </ds:schemaRefs>
-</ds:datastoreItem>
-</file>
-
-<file path=customXml/itemProps31.xml><?xml version="1.0" encoding="utf-8"?>
-<ds:datastoreItem xmlns:ds="http://schemas.openxmlformats.org/officeDocument/2006/customXml" ds:itemID="{A5FAEA2E-1583-466A-9165-9B35562D5BB9}">
-  <ds:schemaRefs>
-    <ds:schemaRef ds:uri="http://schemas.microsoft.com/VisualStudio/2011/storyboarding/control"/>
-  </ds:schemaRefs>
-</ds:datastoreItem>
-</file>
-
-<file path=customXml/itemProps32.xml><?xml version="1.0" encoding="utf-8"?>
-<ds:datastoreItem xmlns:ds="http://schemas.openxmlformats.org/officeDocument/2006/customXml" ds:itemID="{02E88897-49EF-4361-8D4E-72D019AB3952}">
-  <ds:schemaRefs>
-    <ds:schemaRef ds:uri="http://schemas.microsoft.com/VisualStudio/2011/storyboarding/control"/>
-  </ds:schemaRefs>
-</ds:datastoreItem>
-</file>
-
-<file path=customXml/itemProps33.xml><?xml version="1.0" encoding="utf-8"?>
-<ds:datastoreItem xmlns:ds="http://schemas.openxmlformats.org/officeDocument/2006/customXml" ds:itemID="{382FEB9B-65A2-4A08-B9EE-4FF71604DD79}">
-  <ds:schemaRefs>
-    <ds:schemaRef ds:uri="http://schemas.microsoft.com/VisualStudio/2011/storyboarding/control"/>
-  </ds:schemaRefs>
-</ds:datastoreItem>
-</file>
-
-<file path=customXml/itemProps34.xml><?xml version="1.0" encoding="utf-8"?>
-<ds:datastoreItem xmlns:ds="http://schemas.openxmlformats.org/officeDocument/2006/customXml" ds:itemID="{09657BC4-BAFD-4B74-B4A4-6C87A79A3222}">
-  <ds:schemaRefs>
-    <ds:schemaRef ds:uri="http://schemas.microsoft.com/VisualStudio/2011/storyboarding/control"/>
-  </ds:schemaRefs>
-</ds:datastoreItem>
-</file>
-
-<file path=customXml/itemProps35.xml><?xml version="1.0" encoding="utf-8"?>
-<ds:datastoreItem xmlns:ds="http://schemas.openxmlformats.org/officeDocument/2006/customXml" ds:itemID="{8D12B2BB-92BF-4055-BE4B-2BC8F8D34976}">
-  <ds:schemaRefs>
-    <ds:schemaRef ds:uri="http://schemas.microsoft.com/VisualStudio/2011/storyboarding/control"/>
-  </ds:schemaRefs>
-</ds:datastoreItem>
-</file>
-
-<file path=customXml/itemProps36.xml><?xml version="1.0" encoding="utf-8"?>
-<ds:datastoreItem xmlns:ds="http://schemas.openxmlformats.org/officeDocument/2006/customXml" ds:itemID="{AD819D8E-277F-4013-94EC-806D05B4DB13}">
-  <ds:schemaRefs>
-    <ds:schemaRef ds:uri="http://schemas.microsoft.com/VisualStudio/2011/storyboarding/control"/>
-  </ds:schemaRefs>
-</ds:datastoreItem>
-</file>
-
-<file path=customXml/itemProps37.xml><?xml version="1.0" encoding="utf-8"?>
-<ds:datastoreItem xmlns:ds="http://schemas.openxmlformats.org/officeDocument/2006/customXml" ds:itemID="{1EBD2190-5E41-4998-850B-55AA5F2D3A54}">
-  <ds:schemaRefs>
-    <ds:schemaRef ds:uri="http://schemas.microsoft.com/VisualStudio/2011/storyboarding/control"/>
-  </ds:schemaRefs>
-</ds:datastoreItem>
-</file>
-
-<file path=customXml/itemProps38.xml><?xml version="1.0" encoding="utf-8"?>
-<ds:datastoreItem xmlns:ds="http://schemas.openxmlformats.org/officeDocument/2006/customXml" ds:itemID="{B7E375E3-A4EA-40BE-9EF3-2A27665CAD5D}">
-  <ds:schemaRefs>
-    <ds:schemaRef ds:uri="http://schemas.microsoft.com/VisualStudio/2011/storyboarding/control"/>
-  </ds:schemaRefs>
-</ds:datastoreItem>
-</file>
-
-<file path=customXml/itemProps39.xml><?xml version="1.0" encoding="utf-8"?>
-<ds:datastoreItem xmlns:ds="http://schemas.openxmlformats.org/officeDocument/2006/customXml" ds:itemID="{7D0E3FE9-A3BC-4A64-A6E6-11DA64D2EA98}">
-  <ds:schemaRefs>
-    <ds:schemaRef ds:uri="http://schemas.microsoft.com/VisualStudio/2011/storyboarding/control"/>
-  </ds:schemaRefs>
-</ds:datastoreItem>
-</file>
-
-<file path=customXml/itemProps4.xml><?xml version="1.0" encoding="utf-8"?>
-<ds:datastoreItem xmlns:ds="http://schemas.openxmlformats.org/officeDocument/2006/customXml" ds:itemID="{EB2DCAD1-72F1-4D23-97E2-565C0AB7AA19}">
-  <ds:schemaRefs>
-    <ds:schemaRef ds:uri="http://schemas.microsoft.com/VisualStudio/2011/storyboarding/control"/>
-  </ds:schemaRefs>
-</ds:datastoreItem>
-</file>
-
-<file path=customXml/itemProps40.xml><?xml version="1.0" encoding="utf-8"?>
-<ds:datastoreItem xmlns:ds="http://schemas.openxmlformats.org/officeDocument/2006/customXml" ds:itemID="{BB733E3C-AEA1-4813-B64F-A591C90E0449}">
-  <ds:schemaRefs>
-    <ds:schemaRef ds:uri="http://schemas.microsoft.com/VisualStudio/2011/storyboarding/control"/>
-  </ds:schemaRefs>
-</ds:datastoreItem>
-</file>
-
-<file path=customXml/itemProps41.xml><?xml version="1.0" encoding="utf-8"?>
-<ds:datastoreItem xmlns:ds="http://schemas.openxmlformats.org/officeDocument/2006/customXml" ds:itemID="{F7CD6DE8-E3CA-41AD-BDF6-29CE07D429DA}">
-  <ds:schemaRefs>
-    <ds:schemaRef ds:uri="http://schemas.microsoft.com/VisualStudio/2011/storyboarding/control"/>
-  </ds:schemaRefs>
-</ds:datastoreItem>
-</file>
-
-<file path=customXml/itemProps42.xml><?xml version="1.0" encoding="utf-8"?>
-<ds:datastoreItem xmlns:ds="http://schemas.openxmlformats.org/officeDocument/2006/customXml" ds:itemID="{9BF50CE8-CF32-4606-8DE6-3101ABBDD070}">
-  <ds:schemaRefs>
-    <ds:schemaRef ds:uri="http://schemas.microsoft.com/VisualStudio/2011/storyboarding/control"/>
-  </ds:schemaRefs>
-</ds:datastoreItem>
-</file>
-
-<file path=customXml/itemProps43.xml><?xml version="1.0" encoding="utf-8"?>
-<ds:datastoreItem xmlns:ds="http://schemas.openxmlformats.org/officeDocument/2006/customXml" ds:itemID="{D5FEB2A6-E2DE-4A94-92FC-D966BD6E1C55}">
-  <ds:schemaRefs>
-    <ds:schemaRef ds:uri="http://schemas.microsoft.com/VisualStudio/2011/storyboarding/control"/>
-  </ds:schemaRefs>
-</ds:datastoreItem>
-</file>
-
-<file path=customXml/itemProps44.xml><?xml version="1.0" encoding="utf-8"?>
+<file path=customXml/itemProps64.xml><?xml version="1.0" encoding="utf-8"?>
 <ds:datastoreItem xmlns:ds="http://schemas.openxmlformats.org/officeDocument/2006/customXml" ds:itemID="{5F13B48F-437D-49AE-BFB9-EBA82E71BB38}">
   <ds:schemaRefs>
     <ds:schemaRef ds:uri="http://schemas.microsoft.com/VisualStudio/2011/storyboarding/control"/>
@@ -13797,55 +19171,47 @@
 </ds:datastoreItem>
 </file>
 
-<file path=customXml/itemProps45.xml><?xml version="1.0" encoding="utf-8"?>
-<ds:datastoreItem xmlns:ds="http://schemas.openxmlformats.org/officeDocument/2006/customXml" ds:itemID="{D226A0C3-5037-4DCE-847C-5DB2A993A518}">
+<file path=customXml/itemProps65.xml><?xml version="1.0" encoding="utf-8"?>
+<ds:datastoreItem xmlns:ds="http://schemas.openxmlformats.org/officeDocument/2006/customXml" ds:itemID="{3C01D0B5-D923-4DB6-9ECA-21B712F90957}">
   <ds:schemaRefs>
     <ds:schemaRef ds:uri="http://schemas.microsoft.com/VisualStudio/2011/storyboarding/control"/>
   </ds:schemaRefs>
 </ds:datastoreItem>
 </file>
 
-<file path=customXml/itemProps46.xml><?xml version="1.0" encoding="utf-8"?>
-<ds:datastoreItem xmlns:ds="http://schemas.openxmlformats.org/officeDocument/2006/customXml" ds:itemID="{862FA17A-2C6F-4CD8-B507-10CA7CC09A8F}">
+<file path=customXml/itemProps66.xml><?xml version="1.0" encoding="utf-8"?>
+<ds:datastoreItem xmlns:ds="http://schemas.openxmlformats.org/officeDocument/2006/customXml" ds:itemID="{55B5B6F8-9901-492E-97D6-EAC91518CD9E}">
   <ds:schemaRefs>
     <ds:schemaRef ds:uri="http://schemas.microsoft.com/VisualStudio/2011/storyboarding/control"/>
   </ds:schemaRefs>
 </ds:datastoreItem>
 </file>
 
-<file path=customXml/itemProps47.xml><?xml version="1.0" encoding="utf-8"?>
-<ds:datastoreItem xmlns:ds="http://schemas.openxmlformats.org/officeDocument/2006/customXml" ds:itemID="{E998C69E-52BE-44B3-B629-486376A2D891}">
+<file path=customXml/itemProps67.xml><?xml version="1.0" encoding="utf-8"?>
+<ds:datastoreItem xmlns:ds="http://schemas.openxmlformats.org/officeDocument/2006/customXml" ds:itemID="{1DCDD326-8855-4EA9-81F1-29467A7EBF4F}">
   <ds:schemaRefs>
     <ds:schemaRef ds:uri="http://schemas.microsoft.com/VisualStudio/2011/storyboarding/control"/>
   </ds:schemaRefs>
 </ds:datastoreItem>
 </file>
 
-<file path=customXml/itemProps48.xml><?xml version="1.0" encoding="utf-8"?>
-<ds:datastoreItem xmlns:ds="http://schemas.openxmlformats.org/officeDocument/2006/customXml" ds:itemID="{8FA3D93C-F1A3-4B2E-9382-EA20C1D69BAD}">
+<file path=customXml/itemProps68.xml><?xml version="1.0" encoding="utf-8"?>
+<ds:datastoreItem xmlns:ds="http://schemas.openxmlformats.org/officeDocument/2006/customXml" ds:itemID="{551005C4-A1E3-4AC7-8CDB-DC374E6CD181}">
   <ds:schemaRefs>
     <ds:schemaRef ds:uri="http://schemas.microsoft.com/VisualStudio/2011/storyboarding/control"/>
   </ds:schemaRefs>
 </ds:datastoreItem>
 </file>
 
-<file path=customXml/itemProps49.xml><?xml version="1.0" encoding="utf-8"?>
-<ds:datastoreItem xmlns:ds="http://schemas.openxmlformats.org/officeDocument/2006/customXml" ds:itemID="{E27BBFB1-FB8A-4416-95F7-69ED22360FD0}">
+<file path=customXml/itemProps69.xml><?xml version="1.0" encoding="utf-8"?>
+<ds:datastoreItem xmlns:ds="http://schemas.openxmlformats.org/officeDocument/2006/customXml" ds:itemID="{62877943-EBF7-4B2F-8C26-9CC99A82D531}">
   <ds:schemaRefs>
     <ds:schemaRef ds:uri="http://schemas.microsoft.com/VisualStudio/2011/storyboarding/control"/>
   </ds:schemaRefs>
 </ds:datastoreItem>
 </file>
 
-<file path=customXml/itemProps5.xml><?xml version="1.0" encoding="utf-8"?>
-<ds:datastoreItem xmlns:ds="http://schemas.openxmlformats.org/officeDocument/2006/customXml" ds:itemID="{1639FB28-1EC5-4003-89AB-A9220F614689}">
-  <ds:schemaRefs>
-    <ds:schemaRef ds:uri="http://schemas.microsoft.com/VisualStudio/2011/storyboarding/control"/>
-  </ds:schemaRefs>
-</ds:datastoreItem>
-</file>
-
-<file path=customXml/itemProps50.xml><?xml version="1.0" encoding="utf-8"?>
+<file path=customXml/itemProps7.xml><?xml version="1.0" encoding="utf-8"?>
 <ds:datastoreItem xmlns:ds="http://schemas.openxmlformats.org/officeDocument/2006/customXml" ds:itemID="{D10F67D1-B2C6-4D91-9BEE-407097047766}">
   <ds:schemaRefs>
     <ds:schemaRef ds:uri="http://schemas.microsoft.com/VisualStudio/2011/storyboarding/control"/>
@@ -13853,39 +19219,87 @@
 </ds:datastoreItem>
 </file>
 
-<file path=customXml/itemProps51.xml><?xml version="1.0" encoding="utf-8"?>
-<ds:datastoreItem xmlns:ds="http://schemas.openxmlformats.org/officeDocument/2006/customXml" ds:itemID="{97E85E79-3453-4406-A138-2BED0C524D02}">
+<file path=customXml/itemProps70.xml><?xml version="1.0" encoding="utf-8"?>
+<ds:datastoreItem xmlns:ds="http://schemas.openxmlformats.org/officeDocument/2006/customXml" ds:itemID="{CCE61513-AF07-49B1-B8EA-B5635E280688}">
   <ds:schemaRefs>
     <ds:schemaRef ds:uri="http://schemas.microsoft.com/VisualStudio/2011/storyboarding/control"/>
   </ds:schemaRefs>
 </ds:datastoreItem>
 </file>
 
-<file path=customXml/itemProps52.xml><?xml version="1.0" encoding="utf-8"?>
-<ds:datastoreItem xmlns:ds="http://schemas.openxmlformats.org/officeDocument/2006/customXml" ds:itemID="{3C01D0B5-D923-4DB6-9ECA-21B712F90957}">
+<file path=customXml/itemProps71.xml><?xml version="1.0" encoding="utf-8"?>
+<ds:datastoreItem xmlns:ds="http://schemas.openxmlformats.org/officeDocument/2006/customXml" ds:itemID="{42063805-6CB9-4EB6-A3CE-140E342850A1}">
   <ds:schemaRefs>
     <ds:schemaRef ds:uri="http://schemas.microsoft.com/VisualStudio/2011/storyboarding/control"/>
   </ds:schemaRefs>
 </ds:datastoreItem>
 </file>
 
-<file path=customXml/itemProps53.xml><?xml version="1.0" encoding="utf-8"?>
-<ds:datastoreItem xmlns:ds="http://schemas.openxmlformats.org/officeDocument/2006/customXml" ds:itemID="{BF63BC62-A2B6-4DC4-A6F4-7F46DAD5D502}">
+<file path=customXml/itemProps72.xml><?xml version="1.0" encoding="utf-8"?>
+<ds:datastoreItem xmlns:ds="http://schemas.openxmlformats.org/officeDocument/2006/customXml" ds:itemID="{06F9B291-5871-4D41-84EA-E759ADCB386D}">
   <ds:schemaRefs>
     <ds:schemaRef ds:uri="http://schemas.microsoft.com/VisualStudio/2011/storyboarding/control"/>
   </ds:schemaRefs>
 </ds:datastoreItem>
 </file>
 
-<file path=customXml/itemProps54.xml><?xml version="1.0" encoding="utf-8"?>
-<ds:datastoreItem xmlns:ds="http://schemas.openxmlformats.org/officeDocument/2006/customXml" ds:itemID="{6D23DAD7-E0D9-4241-A4DB-204A0F380A76}">
+<file path=customXml/itemProps73.xml><?xml version="1.0" encoding="utf-8"?>
+<ds:datastoreItem xmlns:ds="http://schemas.openxmlformats.org/officeDocument/2006/customXml" ds:itemID="{DB2AB7B1-45B1-4AA1-905D-207599224759}">
   <ds:schemaRefs>
     <ds:schemaRef ds:uri="http://schemas.microsoft.com/VisualStudio/2011/storyboarding/control"/>
   </ds:schemaRefs>
 </ds:datastoreItem>
 </file>
 
-<file path=customXml/itemProps55.xml><?xml version="1.0" encoding="utf-8"?>
+<file path=customXml/itemProps74.xml><?xml version="1.0" encoding="utf-8"?>
+<ds:datastoreItem xmlns:ds="http://schemas.openxmlformats.org/officeDocument/2006/customXml" ds:itemID="{1F0E1F79-632F-4EB0-82C0-5A1AFD1072FB}">
+  <ds:schemaRefs>
+    <ds:schemaRef ds:uri="http://schemas.microsoft.com/VisualStudio/2011/storyboarding/control"/>
+  </ds:schemaRefs>
+</ds:datastoreItem>
+</file>
+
+<file path=customXml/itemProps75.xml><?xml version="1.0" encoding="utf-8"?>
+<ds:datastoreItem xmlns:ds="http://schemas.openxmlformats.org/officeDocument/2006/customXml" ds:itemID="{BCBCF373-CB4D-4BEC-8AF3-991F699ECE33}">
+  <ds:schemaRefs>
+    <ds:schemaRef ds:uri="http://schemas.microsoft.com/VisualStudio/2011/storyboarding/control"/>
+  </ds:schemaRefs>
+</ds:datastoreItem>
+</file>
+
+<file path=customXml/itemProps76.xml><?xml version="1.0" encoding="utf-8"?>
+<ds:datastoreItem xmlns:ds="http://schemas.openxmlformats.org/officeDocument/2006/customXml" ds:itemID="{BFEF8C4D-1E27-426E-B1CF-BF65C7F7B0A0}">
+  <ds:schemaRefs>
+    <ds:schemaRef ds:uri="http://schemas.microsoft.com/VisualStudio/2011/storyboarding/control"/>
+  </ds:schemaRefs>
+</ds:datastoreItem>
+</file>
+
+<file path=customXml/itemProps77.xml><?xml version="1.0" encoding="utf-8"?>
+<ds:datastoreItem xmlns:ds="http://schemas.openxmlformats.org/officeDocument/2006/customXml" ds:itemID="{A29EBE93-BDB6-42E1-AF9D-ECEC34CCBD22}">
+  <ds:schemaRefs>
+    <ds:schemaRef ds:uri="http://schemas.microsoft.com/VisualStudio/2011/storyboarding/control"/>
+  </ds:schemaRefs>
+</ds:datastoreItem>
+</file>
+
+<file path=customXml/itemProps78.xml><?xml version="1.0" encoding="utf-8"?>
+<ds:datastoreItem xmlns:ds="http://schemas.openxmlformats.org/officeDocument/2006/customXml" ds:itemID="{183171CA-D024-44C6-BA60-C3C1FBC455B0}">
+  <ds:schemaRefs>
+    <ds:schemaRef ds:uri="http://schemas.microsoft.com/VisualStudio/2011/storyboarding/control"/>
+  </ds:schemaRefs>
+</ds:datastoreItem>
+</file>
+
+<file path=customXml/itemProps79.xml><?xml version="1.0" encoding="utf-8"?>
+<ds:datastoreItem xmlns:ds="http://schemas.openxmlformats.org/officeDocument/2006/customXml" ds:itemID="{E3A1C028-05DB-4953-AA73-C22DBE13D6E4}">
+  <ds:schemaRefs>
+    <ds:schemaRef ds:uri="http://schemas.microsoft.com/VisualStudio/2011/storyboarding/control"/>
+  </ds:schemaRefs>
+</ds:datastoreItem>
+</file>
+
+<file path=customXml/itemProps8.xml><?xml version="1.0" encoding="utf-8"?>
 <ds:datastoreItem xmlns:ds="http://schemas.openxmlformats.org/officeDocument/2006/customXml" ds:itemID="{11C14D45-A737-4C48-AAAE-B66C79B7299B}">
   <ds:schemaRefs>
     <ds:schemaRef ds:uri="http://schemas.microsoft.com/VisualStudio/2011/storyboarding/control"/>
@@ -13893,71 +19307,87 @@
 </ds:datastoreItem>
 </file>
 
-<file path=customXml/itemProps56.xml><?xml version="1.0" encoding="utf-8"?>
-<ds:datastoreItem xmlns:ds="http://schemas.openxmlformats.org/officeDocument/2006/customXml" ds:itemID="{21A90A5F-24FA-4767-A349-8C4CAECFA4AE}">
+<file path=customXml/itemProps80.xml><?xml version="1.0" encoding="utf-8"?>
+<ds:datastoreItem xmlns:ds="http://schemas.openxmlformats.org/officeDocument/2006/customXml" ds:itemID="{9A9F71E7-630C-41F7-9E54-34C094B490EC}">
   <ds:schemaRefs>
     <ds:schemaRef ds:uri="http://schemas.microsoft.com/VisualStudio/2011/storyboarding/control"/>
   </ds:schemaRefs>
 </ds:datastoreItem>
 </file>
 
-<file path=customXml/itemProps57.xml><?xml version="1.0" encoding="utf-8"?>
-<ds:datastoreItem xmlns:ds="http://schemas.openxmlformats.org/officeDocument/2006/customXml" ds:itemID="{9EAD970D-1769-449C-8C12-17B66CF1D5B1}">
+<file path=customXml/itemProps81.xml><?xml version="1.0" encoding="utf-8"?>
+<ds:datastoreItem xmlns:ds="http://schemas.openxmlformats.org/officeDocument/2006/customXml" ds:itemID="{030F3597-04BD-4953-9DA5-E7FAED854AAD}">
   <ds:schemaRefs>
     <ds:schemaRef ds:uri="http://schemas.microsoft.com/VisualStudio/2011/storyboarding/control"/>
   </ds:schemaRefs>
 </ds:datastoreItem>
 </file>
 
-<file path=customXml/itemProps58.xml><?xml version="1.0" encoding="utf-8"?>
-<ds:datastoreItem xmlns:ds="http://schemas.openxmlformats.org/officeDocument/2006/customXml" ds:itemID="{0A1033CC-D5EB-4A43-BF43-B44A6E7530B3}">
+<file path=customXml/itemProps82.xml><?xml version="1.0" encoding="utf-8"?>
+<ds:datastoreItem xmlns:ds="http://schemas.openxmlformats.org/officeDocument/2006/customXml" ds:itemID="{2DFA9120-1703-4454-A33D-C7C738B921CC}">
   <ds:schemaRefs>
     <ds:schemaRef ds:uri="http://schemas.microsoft.com/VisualStudio/2011/storyboarding/control"/>
   </ds:schemaRefs>
 </ds:datastoreItem>
 </file>
 
-<file path=customXml/itemProps59.xml><?xml version="1.0" encoding="utf-8"?>
-<ds:datastoreItem xmlns:ds="http://schemas.openxmlformats.org/officeDocument/2006/customXml" ds:itemID="{CA4A118F-B9BE-4B9A-ABEA-F0641AD333A0}">
+<file path=customXml/itemProps83.xml><?xml version="1.0" encoding="utf-8"?>
+<ds:datastoreItem xmlns:ds="http://schemas.openxmlformats.org/officeDocument/2006/customXml" ds:itemID="{5935B25C-B0FA-447B-B017-3612A77273CA}">
   <ds:schemaRefs>
     <ds:schemaRef ds:uri="http://schemas.microsoft.com/VisualStudio/2011/storyboarding/control"/>
   </ds:schemaRefs>
 </ds:datastoreItem>
 </file>
 
-<file path=customXml/itemProps6.xml><?xml version="1.0" encoding="utf-8"?>
-<ds:datastoreItem xmlns:ds="http://schemas.openxmlformats.org/officeDocument/2006/customXml" ds:itemID="{EDEFCAC1-81E8-4EA1-AF8A-6D8861A55F36}">
+<file path=customXml/itemProps84.xml><?xml version="1.0" encoding="utf-8"?>
+<ds:datastoreItem xmlns:ds="http://schemas.openxmlformats.org/officeDocument/2006/customXml" ds:itemID="{D10417C0-CFC7-4198-A12F-567D0881B21B}">
   <ds:schemaRefs>
     <ds:schemaRef ds:uri="http://schemas.microsoft.com/VisualStudio/2011/storyboarding/control"/>
   </ds:schemaRefs>
 </ds:datastoreItem>
 </file>
 
-<file path=customXml/itemProps60.xml><?xml version="1.0" encoding="utf-8"?>
-<ds:datastoreItem xmlns:ds="http://schemas.openxmlformats.org/officeDocument/2006/customXml" ds:itemID="{55B5B6F8-9901-492E-97D6-EAC91518CD9E}">
+<file path=customXml/itemProps85.xml><?xml version="1.0" encoding="utf-8"?>
+<ds:datastoreItem xmlns:ds="http://schemas.openxmlformats.org/officeDocument/2006/customXml" ds:itemID="{395183EE-0496-47AF-AD2A-1DA50A4837A0}">
   <ds:schemaRefs>
     <ds:schemaRef ds:uri="http://schemas.microsoft.com/VisualStudio/2011/storyboarding/control"/>
   </ds:schemaRefs>
 </ds:datastoreItem>
 </file>
 
-<file path=customXml/itemProps61.xml><?xml version="1.0" encoding="utf-8"?>
-<ds:datastoreItem xmlns:ds="http://schemas.openxmlformats.org/officeDocument/2006/customXml" ds:itemID="{88FF388B-936F-494E-A575-6D8128D38F2C}">
+<file path=customXml/itemProps86.xml><?xml version="1.0" encoding="utf-8"?>
+<ds:datastoreItem xmlns:ds="http://schemas.openxmlformats.org/officeDocument/2006/customXml" ds:itemID="{974C45C0-2A3F-42F7-AD70-188C11EC76CD}">
   <ds:schemaRefs>
     <ds:schemaRef ds:uri="http://schemas.microsoft.com/VisualStudio/2011/storyboarding/control"/>
   </ds:schemaRefs>
 </ds:datastoreItem>
 </file>
 
-<file path=customXml/itemProps62.xml><?xml version="1.0" encoding="utf-8"?>
-<ds:datastoreItem xmlns:ds="http://schemas.openxmlformats.org/officeDocument/2006/customXml" ds:itemID="{B39EB365-64A2-4270-B261-6F581E40AA63}">
+<file path=customXml/itemProps87.xml><?xml version="1.0" encoding="utf-8"?>
+<ds:datastoreItem xmlns:ds="http://schemas.openxmlformats.org/officeDocument/2006/customXml" ds:itemID="{BFC4E313-8525-46BB-B2EA-19B4922B00C8}">
   <ds:schemaRefs>
     <ds:schemaRef ds:uri="http://schemas.microsoft.com/VisualStudio/2011/storyboarding/control"/>
   </ds:schemaRefs>
 </ds:datastoreItem>
 </file>
 
-<file path=customXml/itemProps63.xml><?xml version="1.0" encoding="utf-8"?>
+<file path=customXml/itemProps88.xml><?xml version="1.0" encoding="utf-8"?>
+<ds:datastoreItem xmlns:ds="http://schemas.openxmlformats.org/officeDocument/2006/customXml" ds:itemID="{10D299E8-14A9-4F76-A58E-935086DED687}">
+  <ds:schemaRefs>
+    <ds:schemaRef ds:uri="http://schemas.microsoft.com/VisualStudio/2011/storyboarding/control"/>
+  </ds:schemaRefs>
+</ds:datastoreItem>
+</file>
+
+<file path=customXml/itemProps89.xml><?xml version="1.0" encoding="utf-8"?>
+<ds:datastoreItem xmlns:ds="http://schemas.openxmlformats.org/officeDocument/2006/customXml" ds:itemID="{B26B6A26-396F-4D0F-A263-FAD705C1B8A8}">
+  <ds:schemaRefs>
+    <ds:schemaRef ds:uri="http://schemas.microsoft.com/VisualStudio/2011/storyboarding/control"/>
+  </ds:schemaRefs>
+</ds:datastoreItem>
+</file>
+
+<file path=customXml/itemProps9.xml><?xml version="1.0" encoding="utf-8"?>
 <ds:datastoreItem xmlns:ds="http://schemas.openxmlformats.org/officeDocument/2006/customXml" ds:itemID="{CF6A60AE-6D84-4733-81BB-5121E0FFC000}">
   <ds:schemaRefs>
     <ds:schemaRef ds:uri="http://schemas.microsoft.com/VisualStudio/2011/storyboarding/control"/>
@@ -13965,168 +19395,80 @@
 </ds:datastoreItem>
 </file>
 
-<file path=customXml/itemProps64.xml><?xml version="1.0" encoding="utf-8"?>
-<ds:datastoreItem xmlns:ds="http://schemas.openxmlformats.org/officeDocument/2006/customXml" ds:itemID="{8DAC1539-EE00-4235-AB6E-3D689442BEDF}">
+<file path=customXml/itemProps90.xml><?xml version="1.0" encoding="utf-8"?>
+<ds:datastoreItem xmlns:ds="http://schemas.openxmlformats.org/officeDocument/2006/customXml" ds:itemID="{EF61CF87-912E-42E7-83EA-9D0202326A8A}">
   <ds:schemaRefs>
     <ds:schemaRef ds:uri="http://schemas.microsoft.com/VisualStudio/2011/storyboarding/control"/>
   </ds:schemaRefs>
 </ds:datastoreItem>
 </file>
 
-<file path=customXml/itemProps65.xml><?xml version="1.0" encoding="utf-8"?>
-<ds:datastoreItem xmlns:ds="http://schemas.openxmlformats.org/officeDocument/2006/customXml" ds:itemID="{1DCDD326-8855-4EA9-81F1-29467A7EBF4F}">
+<file path=customXml/itemProps91.xml><?xml version="1.0" encoding="utf-8"?>
+<ds:datastoreItem xmlns:ds="http://schemas.openxmlformats.org/officeDocument/2006/customXml" ds:itemID="{2FE08BCD-9E20-4AE0-918E-8580D5DC7CAA}">
   <ds:schemaRefs>
     <ds:schemaRef ds:uri="http://schemas.microsoft.com/VisualStudio/2011/storyboarding/control"/>
   </ds:schemaRefs>
 </ds:datastoreItem>
 </file>
 
-<file path=customXml/itemProps66.xml><?xml version="1.0" encoding="utf-8"?>
-<ds:datastoreItem xmlns:ds="http://schemas.openxmlformats.org/officeDocument/2006/customXml" ds:itemID="{3D180A80-32EA-4B75-B874-79AE921CE972}">
+<file path=customXml/itemProps92.xml><?xml version="1.0" encoding="utf-8"?>
+<ds:datastoreItem xmlns:ds="http://schemas.openxmlformats.org/officeDocument/2006/customXml" ds:itemID="{3F432E18-CBCB-42D0-A7E7-33B1387D14AE}">
   <ds:schemaRefs>
     <ds:schemaRef ds:uri="http://schemas.microsoft.com/VisualStudio/2011/storyboarding/control"/>
   </ds:schemaRefs>
 </ds:datastoreItem>
 </file>
 
-<file path=customXml/itemProps67.xml><?xml version="1.0" encoding="utf-8"?>
-<ds:datastoreItem xmlns:ds="http://schemas.openxmlformats.org/officeDocument/2006/customXml" ds:itemID="{0112F604-12CF-4AF0-B1B9-DFC27CF2EB39}">
+<file path=customXml/itemProps93.xml><?xml version="1.0" encoding="utf-8"?>
+<ds:datastoreItem xmlns:ds="http://schemas.openxmlformats.org/officeDocument/2006/customXml" ds:itemID="{A59E3C97-FCC2-46B8-899A-F7C74E57512A}">
   <ds:schemaRefs>
     <ds:schemaRef ds:uri="http://schemas.microsoft.com/VisualStudio/2011/storyboarding/control"/>
   </ds:schemaRefs>
 </ds:datastoreItem>
 </file>
 
-<file path=customXml/itemProps68.xml><?xml version="1.0" encoding="utf-8"?>
-<ds:datastoreItem xmlns:ds="http://schemas.openxmlformats.org/officeDocument/2006/customXml" ds:itemID="{BE10085E-8F62-44FE-A6C4-77F3F9B93BFD}">
+<file path=customXml/itemProps94.xml><?xml version="1.0" encoding="utf-8"?>
+<ds:datastoreItem xmlns:ds="http://schemas.openxmlformats.org/officeDocument/2006/customXml" ds:itemID="{687349BA-BFEC-42A4-8F54-F6E41F0DBFC0}">
   <ds:schemaRefs>
     <ds:schemaRef ds:uri="http://schemas.microsoft.com/VisualStudio/2011/storyboarding/control"/>
   </ds:schemaRefs>
 </ds:datastoreItem>
 </file>
 
-<file path=customXml/itemProps69.xml><?xml version="1.0" encoding="utf-8"?>
-<ds:datastoreItem xmlns:ds="http://schemas.openxmlformats.org/officeDocument/2006/customXml" ds:itemID="{E1A30748-A830-4B10-A878-3B4756F506F2}">
+<file path=customXml/itemProps95.xml><?xml version="1.0" encoding="utf-8"?>
+<ds:datastoreItem xmlns:ds="http://schemas.openxmlformats.org/officeDocument/2006/customXml" ds:itemID="{FC644C14-B034-48B9-80E3-0CB00A432CE7}">
   <ds:schemaRefs>
     <ds:schemaRef ds:uri="http://schemas.microsoft.com/VisualStudio/2011/storyboarding/control"/>
   </ds:schemaRefs>
 </ds:datastoreItem>
 </file>
 
-<file path=customXml/itemProps7.xml><?xml version="1.0" encoding="utf-8"?>
-<ds:datastoreItem xmlns:ds="http://schemas.openxmlformats.org/officeDocument/2006/customXml" ds:itemID="{18EFF3F4-83A2-4349-9694-C2396C8AF441}">
+<file path=customXml/itemProps96.xml><?xml version="1.0" encoding="utf-8"?>
+<ds:datastoreItem xmlns:ds="http://schemas.openxmlformats.org/officeDocument/2006/customXml" ds:itemID="{77DE4C39-3FB1-4D02-AB13-E2FD2FB0785B}">
   <ds:schemaRefs>
     <ds:schemaRef ds:uri="http://schemas.microsoft.com/VisualStudio/2011/storyboarding/control"/>
   </ds:schemaRefs>
 </ds:datastoreItem>
 </file>
 
-<file path=customXml/itemProps70.xml><?xml version="1.0" encoding="utf-8"?>
-<ds:datastoreItem xmlns:ds="http://schemas.openxmlformats.org/officeDocument/2006/customXml" ds:itemID="{C8101F23-7FAA-4BD8-AD2A-421FA377298D}">
+<file path=customXml/itemProps97.xml><?xml version="1.0" encoding="utf-8"?>
+<ds:datastoreItem xmlns:ds="http://schemas.openxmlformats.org/officeDocument/2006/customXml" ds:itemID="{47D5C557-1651-48F6-8155-1FB19872772E}">
   <ds:schemaRefs>
     <ds:schemaRef ds:uri="http://schemas.microsoft.com/VisualStudio/2011/storyboarding/control"/>
   </ds:schemaRefs>
 </ds:datastoreItem>
 </file>
 
-<file path=customXml/itemProps71.xml><?xml version="1.0" encoding="utf-8"?>
-<ds:datastoreItem xmlns:ds="http://schemas.openxmlformats.org/officeDocument/2006/customXml" ds:itemID="{70826E2B-1B9D-49EA-B16E-B2BAED7E59C5}">
+<file path=customXml/itemProps98.xml><?xml version="1.0" encoding="utf-8"?>
+<ds:datastoreItem xmlns:ds="http://schemas.openxmlformats.org/officeDocument/2006/customXml" ds:itemID="{4EF6D473-291D-4120-AF79-ACFED919F292}">
   <ds:schemaRefs>
     <ds:schemaRef ds:uri="http://schemas.microsoft.com/VisualStudio/2011/storyboarding/control"/>
   </ds:schemaRefs>
 </ds:datastoreItem>
 </file>
 
-<file path=customXml/itemProps72.xml><?xml version="1.0" encoding="utf-8"?>
-<ds:datastoreItem xmlns:ds="http://schemas.openxmlformats.org/officeDocument/2006/customXml" ds:itemID="{CCEC82DF-3665-44AC-9C20-DBAE83D3306F}">
-  <ds:schemaRefs>
-    <ds:schemaRef ds:uri="http://schemas.microsoft.com/VisualStudio/2011/storyboarding/control"/>
-  </ds:schemaRefs>
-</ds:datastoreItem>
-</file>
-
-<file path=customXml/itemProps73.xml><?xml version="1.0" encoding="utf-8"?>
-<ds:datastoreItem xmlns:ds="http://schemas.openxmlformats.org/officeDocument/2006/customXml" ds:itemID="{551005C4-A1E3-4AC7-8CDB-DC374E6CD181}">
-  <ds:schemaRefs>
-    <ds:schemaRef ds:uri="http://schemas.microsoft.com/VisualStudio/2011/storyboarding/control"/>
-  </ds:schemaRefs>
-</ds:datastoreItem>
-</file>
-
-<file path=customXml/itemProps74.xml><?xml version="1.0" encoding="utf-8"?>
-<ds:datastoreItem xmlns:ds="http://schemas.openxmlformats.org/officeDocument/2006/customXml" ds:itemID="{531ABAD3-B618-40BF-9584-FD7BA346DEDB}">
-  <ds:schemaRefs>
-    <ds:schemaRef ds:uri="http://schemas.microsoft.com/VisualStudio/2011/storyboarding/control"/>
-  </ds:schemaRefs>
-</ds:datastoreItem>
-</file>
-
-<file path=customXml/itemProps75.xml><?xml version="1.0" encoding="utf-8"?>
-<ds:datastoreItem xmlns:ds="http://schemas.openxmlformats.org/officeDocument/2006/customXml" ds:itemID="{DED20389-1C75-4C70-BBCC-27B286CC4C95}">
-  <ds:schemaRefs>
-    <ds:schemaRef ds:uri="http://schemas.microsoft.com/VisualStudio/2011/storyboarding/control"/>
-  </ds:schemaRefs>
-</ds:datastoreItem>
-</file>
-
-<file path=customXml/itemProps76.xml><?xml version="1.0" encoding="utf-8"?>
-<ds:datastoreItem xmlns:ds="http://schemas.openxmlformats.org/officeDocument/2006/customXml" ds:itemID="{BECCCCB7-EF02-4A64-8488-5FAAD84A50D7}">
-  <ds:schemaRefs>
-    <ds:schemaRef ds:uri="http://schemas.microsoft.com/VisualStudio/2011/storyboarding/control"/>
-  </ds:schemaRefs>
-</ds:datastoreItem>
-</file>
-
-<file path=customXml/itemProps77.xml><?xml version="1.0" encoding="utf-8"?>
-<ds:datastoreItem xmlns:ds="http://schemas.openxmlformats.org/officeDocument/2006/customXml" ds:itemID="{BE26F770-6D00-4BDC-830A-6271C798A6B9}">
-  <ds:schemaRefs>
-    <ds:schemaRef ds:uri="http://schemas.microsoft.com/VisualStudio/2011/storyboarding/control"/>
-  </ds:schemaRefs>
-</ds:datastoreItem>
-</file>
-
-<file path=customXml/itemProps78.xml><?xml version="1.0" encoding="utf-8"?>
-<ds:datastoreItem xmlns:ds="http://schemas.openxmlformats.org/officeDocument/2006/customXml" ds:itemID="{62877943-EBF7-4B2F-8C26-9CC99A82D531}">
-  <ds:schemaRefs>
-    <ds:schemaRef ds:uri="http://schemas.microsoft.com/VisualStudio/2011/storyboarding/control"/>
-  </ds:schemaRefs>
-</ds:datastoreItem>
-</file>
-
-<file path=customXml/itemProps79.xml><?xml version="1.0" encoding="utf-8"?>
-<ds:datastoreItem xmlns:ds="http://schemas.openxmlformats.org/officeDocument/2006/customXml" ds:itemID="{E22473B6-028C-4621-B51B-A79A7F2A92EE}">
-  <ds:schemaRefs>
-    <ds:schemaRef ds:uri="http://schemas.microsoft.com/VisualStudio/2011/storyboarding/control"/>
-  </ds:schemaRefs>
-</ds:datastoreItem>
-</file>
-
-<file path=customXml/itemProps8.xml><?xml version="1.0" encoding="utf-8"?>
-<ds:datastoreItem xmlns:ds="http://schemas.openxmlformats.org/officeDocument/2006/customXml" ds:itemID="{776DA967-FF73-4AD2-8CC6-D43089C9FC8F}">
-  <ds:schemaRefs>
-    <ds:schemaRef ds:uri="http://schemas.microsoft.com/VisualStudio/2011/storyboarding/control"/>
-  </ds:schemaRefs>
-</ds:datastoreItem>
-</file>
-
-<file path=customXml/itemProps80.xml><?xml version="1.0" encoding="utf-8"?>
-<ds:datastoreItem xmlns:ds="http://schemas.openxmlformats.org/officeDocument/2006/customXml" ds:itemID="{B165D352-70D4-40FE-85FF-532687BB8AFA}">
-  <ds:schemaRefs>
-    <ds:schemaRef ds:uri="http://schemas.microsoft.com/VisualStudio/2011/storyboarding/control"/>
-  </ds:schemaRefs>
-</ds:datastoreItem>
-</file>
-
-<file path=customXml/itemProps81.xml><?xml version="1.0" encoding="utf-8"?>
-<ds:datastoreItem xmlns:ds="http://schemas.openxmlformats.org/officeDocument/2006/customXml" ds:itemID="{CCE61513-AF07-49B1-B8EA-B5635E280688}">
-  <ds:schemaRefs>
-    <ds:schemaRef ds:uri="http://schemas.microsoft.com/VisualStudio/2011/storyboarding/control"/>
-  </ds:schemaRefs>
-</ds:datastoreItem>
-</file>
-
-<file path=customXml/itemProps9.xml><?xml version="1.0" encoding="utf-8"?>
-<ds:datastoreItem xmlns:ds="http://schemas.openxmlformats.org/officeDocument/2006/customXml" ds:itemID="{DACCD0EB-1B7A-4C8A-9B7E-726E900234E0}">
+<file path=customXml/itemProps99.xml><?xml version="1.0" encoding="utf-8"?>
+<ds:datastoreItem xmlns:ds="http://schemas.openxmlformats.org/officeDocument/2006/customXml" ds:itemID="{7387757C-924F-48E4-BB13-EE3C0DC40C7C}">
   <ds:schemaRefs>
     <ds:schemaRef ds:uri="http://schemas.microsoft.com/VisualStudio/2011/storyboarding/control"/>
   </ds:schemaRefs>

--- a/Презентация1.pptx
+++ b/Презентация1.pptx
@@ -2,15 +2,16 @@
 <file path=ppt/presentation.xml><?xml version="1.0" encoding="utf-8"?>
 <p:presentation xmlns:a="http://schemas.openxmlformats.org/drawingml/2006/main" xmlns:r="http://schemas.openxmlformats.org/officeDocument/2006/relationships" xmlns:p="http://schemas.openxmlformats.org/presentationml/2006/main" saveSubsetFonts="1">
   <p:sldMasterIdLst>
-    <p:sldMasterId id="2147483648" r:id="rId115"/>
+    <p:sldMasterId id="2147483648" r:id="rId123"/>
   </p:sldMasterIdLst>
   <p:notesMasterIdLst>
-    <p:notesMasterId r:id="rId119"/>
+    <p:notesMasterId r:id="rId128"/>
   </p:notesMasterIdLst>
   <p:sldIdLst>
-    <p:sldId id="256" r:id="rId116"/>
-    <p:sldId id="258" r:id="rId117"/>
-    <p:sldId id="257" r:id="rId118"/>
+    <p:sldId id="256" r:id="rId124"/>
+    <p:sldId id="258" r:id="rId125"/>
+    <p:sldId id="257" r:id="rId126"/>
+    <p:sldId id="259" r:id="rId127"/>
   </p:sldIdLst>
   <p:sldSz cx="6858000" cy="9144000" type="screen4x3"/>
   <p:notesSz cx="6858000" cy="9144000"/>
@@ -194,7 +195,7 @@
           <a:p>
             <a:fld id="{8CC9CF27-251A-4F88-A880-4F4CFE8C571B}" type="datetimeFigureOut">
               <a:rPr lang="ru-RU" smtClean="0"/>
-              <a:t>20.08.2014</a:t>
+              <a:t>21.08.2014</a:t>
             </a:fld>
             <a:endParaRPr lang="ru-RU"/>
           </a:p>
@@ -727,7 +728,7 @@
           <a:p>
             <a:fld id="{2C1C572C-67B0-4CE5-835A-BD766804815C}" type="datetimeFigureOut">
               <a:rPr lang="ru-RU" smtClean="0"/>
-              <a:t>20.08.2014</a:t>
+              <a:t>21.08.2014</a:t>
             </a:fld>
             <a:endParaRPr lang="ru-RU"/>
           </a:p>
@@ -897,7 +898,7 @@
           <a:p>
             <a:fld id="{2C1C572C-67B0-4CE5-835A-BD766804815C}" type="datetimeFigureOut">
               <a:rPr lang="ru-RU" smtClean="0"/>
-              <a:t>20.08.2014</a:t>
+              <a:t>21.08.2014</a:t>
             </a:fld>
             <a:endParaRPr lang="ru-RU"/>
           </a:p>
@@ -1077,7 +1078,7 @@
           <a:p>
             <a:fld id="{2C1C572C-67B0-4CE5-835A-BD766804815C}" type="datetimeFigureOut">
               <a:rPr lang="ru-RU" smtClean="0"/>
-              <a:t>20.08.2014</a:t>
+              <a:t>21.08.2014</a:t>
             </a:fld>
             <a:endParaRPr lang="ru-RU"/>
           </a:p>
@@ -1247,7 +1248,7 @@
           <a:p>
             <a:fld id="{2C1C572C-67B0-4CE5-835A-BD766804815C}" type="datetimeFigureOut">
               <a:rPr lang="ru-RU" smtClean="0"/>
-              <a:t>20.08.2014</a:t>
+              <a:t>21.08.2014</a:t>
             </a:fld>
             <a:endParaRPr lang="ru-RU"/>
           </a:p>
@@ -1493,7 +1494,7 @@
           <a:p>
             <a:fld id="{2C1C572C-67B0-4CE5-835A-BD766804815C}" type="datetimeFigureOut">
               <a:rPr lang="ru-RU" smtClean="0"/>
-              <a:t>20.08.2014</a:t>
+              <a:t>21.08.2014</a:t>
             </a:fld>
             <a:endParaRPr lang="ru-RU"/>
           </a:p>
@@ -1781,7 +1782,7 @@
           <a:p>
             <a:fld id="{2C1C572C-67B0-4CE5-835A-BD766804815C}" type="datetimeFigureOut">
               <a:rPr lang="ru-RU" smtClean="0"/>
-              <a:t>20.08.2014</a:t>
+              <a:t>21.08.2014</a:t>
             </a:fld>
             <a:endParaRPr lang="ru-RU"/>
           </a:p>
@@ -2203,7 +2204,7 @@
           <a:p>
             <a:fld id="{2C1C572C-67B0-4CE5-835A-BD766804815C}" type="datetimeFigureOut">
               <a:rPr lang="ru-RU" smtClean="0"/>
-              <a:t>20.08.2014</a:t>
+              <a:t>21.08.2014</a:t>
             </a:fld>
             <a:endParaRPr lang="ru-RU"/>
           </a:p>
@@ -2321,7 +2322,7 @@
           <a:p>
             <a:fld id="{2C1C572C-67B0-4CE5-835A-BD766804815C}" type="datetimeFigureOut">
               <a:rPr lang="ru-RU" smtClean="0"/>
-              <a:t>20.08.2014</a:t>
+              <a:t>21.08.2014</a:t>
             </a:fld>
             <a:endParaRPr lang="ru-RU"/>
           </a:p>
@@ -2416,7 +2417,7 @@
           <a:p>
             <a:fld id="{2C1C572C-67B0-4CE5-835A-BD766804815C}" type="datetimeFigureOut">
               <a:rPr lang="ru-RU" smtClean="0"/>
-              <a:t>20.08.2014</a:t>
+              <a:t>21.08.2014</a:t>
             </a:fld>
             <a:endParaRPr lang="ru-RU"/>
           </a:p>
@@ -2693,7 +2694,7 @@
           <a:p>
             <a:fld id="{2C1C572C-67B0-4CE5-835A-BD766804815C}" type="datetimeFigureOut">
               <a:rPr lang="ru-RU" smtClean="0"/>
-              <a:t>20.08.2014</a:t>
+              <a:t>21.08.2014</a:t>
             </a:fld>
             <a:endParaRPr lang="ru-RU"/>
           </a:p>
@@ -2946,7 +2947,7 @@
           <a:p>
             <a:fld id="{2C1C572C-67B0-4CE5-835A-BD766804815C}" type="datetimeFigureOut">
               <a:rPr lang="ru-RU" smtClean="0"/>
-              <a:t>20.08.2014</a:t>
+              <a:t>21.08.2014</a:t>
             </a:fld>
             <a:endParaRPr lang="ru-RU"/>
           </a:p>
@@ -3159,7 +3160,7 @@
           <a:p>
             <a:fld id="{2C1C572C-67B0-4CE5-835A-BD766804815C}" type="datetimeFigureOut">
               <a:rPr lang="ru-RU" smtClean="0"/>
-              <a:t>20.08.2014</a:t>
+              <a:t>21.08.2014</a:t>
             </a:fld>
             <a:endParaRPr lang="ru-RU"/>
           </a:p>
@@ -7976,7 +7977,7 @@
         </p:nvSpPr>
         <p:spPr>
           <a:xfrm>
-            <a:off x="398800" y="4572000"/>
+            <a:off x="352716" y="5170136"/>
             <a:ext cx="3069261" cy="2448272"/>
           </a:xfrm>
           <a:prstGeom prst="rect">
@@ -8049,7 +8050,7 @@
         <p:spPr>
           <a:xfrm>
             <a:off x="398800" y="2513641"/>
-            <a:ext cx="3513043" cy="1554303"/>
+            <a:ext cx="3513043" cy="1986351"/>
           </a:xfrm>
           <a:prstGeom prst="rect">
             <a:avLst/>
@@ -8304,7 +8305,7 @@
           </p:nvPr>
         </p:nvPicPr>
         <p:blipFill>
-          <a:blip r:embed="rId42" cstate="print">
+          <a:blip r:embed="rId45" cstate="print">
             <a:extLst>
               <a:ext uri="{28A0092B-C50C-407E-A947-70E740481C1C}">
                 <a14:useLocalDpi xmlns:a14="http://schemas.microsoft.com/office/drawing/2010/main" val="0"/>
@@ -8999,7 +9000,7 @@
                 <a:latin typeface="Segoe UI" pitchFamily="34" charset="0"/>
                 <a:cs typeface="Segoe UI" pitchFamily="34" charset="0"/>
               </a:rPr>
-              <a:t>Уроки гитары</a:t>
+              <a:t>Английский</a:t>
             </a:r>
             <a:endParaRPr lang="en-US" sz="1200" dirty="0">
               <a:solidFill>
@@ -9024,7 +9025,7 @@
           </p:nvPr>
         </p:nvPicPr>
         <p:blipFill>
-          <a:blip r:embed="rId43" cstate="print">
+          <a:blip r:embed="rId46" cstate="print">
             <a:extLst>
               <a:ext uri="{28A0092B-C50C-407E-A947-70E740481C1C}">
                 <a14:useLocalDpi xmlns:a14="http://schemas.microsoft.com/office/drawing/2010/main" val="0"/>
@@ -9163,7 +9164,7 @@
           </p:nvPr>
         </p:nvPicPr>
         <p:blipFill>
-          <a:blip r:embed="rId44" cstate="print">
+          <a:blip r:embed="rId47" cstate="print">
             <a:extLst>
               <a:ext uri="{28A0092B-C50C-407E-A947-70E740481C1C}">
                 <a14:useLocalDpi xmlns:a14="http://schemas.microsoft.com/office/drawing/2010/main" val="0"/>
@@ -9205,7 +9206,7 @@
       </p:pic>
       <p:pic>
         <p:nvPicPr>
-          <p:cNvPr id="69" name="Picture 2" descr="C:\Users\t-dantay\Documents\Placeholders\star.png"/>
+          <p:cNvPr id="73" name="Picture 2" descr="C:\Users\t-dantay\Documents\First24\envelope1.png"/>
           <p:cNvPicPr>
             <a:picLocks noChangeAspect="1" noChangeArrowheads="1"/>
           </p:cNvPicPr>
@@ -9216,187 +9217,7 @@
           </p:nvPr>
         </p:nvPicPr>
         <p:blipFill>
-          <a:blip r:embed="rId45" cstate="print">
-            <a:extLst>
-              <a:ext uri="{28A0092B-C50C-407E-A947-70E740481C1C}">
-                <a14:useLocalDpi xmlns:a14="http://schemas.microsoft.com/office/drawing/2010/main" val="0"/>
-              </a:ext>
-            </a:extLst>
-          </a:blip>
-          <a:srcRect/>
-          <a:stretch>
-            <a:fillRect/>
-          </a:stretch>
-        </p:blipFill>
-        <p:spPr bwMode="auto">
-          <a:xfrm>
-            <a:off x="1059832" y="1724931"/>
-            <a:ext cx="114300" cy="108942"/>
-          </a:xfrm>
-          <a:prstGeom prst="rect">
-            <a:avLst/>
-          </a:prstGeom>
-          <a:noFill/>
-          <a:extLst>
-            <a:ext uri="{909E8E84-426E-40DD-AFC4-6F175D3DCCD1}">
-              <a14:hiddenFill xmlns:a14="http://schemas.microsoft.com/office/drawing/2010/main">
-                <a:solidFill>
-                  <a:srgbClr val="FFFFFF"/>
-                </a:solidFill>
-              </a14:hiddenFill>
-            </a:ext>
-          </a:extLst>
-        </p:spPr>
-      </p:pic>
-      <p:pic>
-        <p:nvPicPr>
-          <p:cNvPr id="70" name="Picture 2" descr="C:\Users\t-dantay\Documents\Placeholders\star.png"/>
-          <p:cNvPicPr>
-            <a:picLocks noChangeAspect="1" noChangeArrowheads="1"/>
-          </p:cNvPicPr>
-          <p:nvPr>
-            <p:custDataLst>
-              <p:custData r:id="rId17"/>
-            </p:custDataLst>
-          </p:nvPr>
-        </p:nvPicPr>
-        <p:blipFill>
-          <a:blip r:embed="rId45" cstate="print">
-            <a:extLst>
-              <a:ext uri="{28A0092B-C50C-407E-A947-70E740481C1C}">
-                <a14:useLocalDpi xmlns:a14="http://schemas.microsoft.com/office/drawing/2010/main" val="0"/>
-              </a:ext>
-            </a:extLst>
-          </a:blip>
-          <a:srcRect/>
-          <a:stretch>
-            <a:fillRect/>
-          </a:stretch>
-        </p:blipFill>
-        <p:spPr bwMode="auto">
-          <a:xfrm>
-            <a:off x="915171" y="1724931"/>
-            <a:ext cx="114300" cy="108942"/>
-          </a:xfrm>
-          <a:prstGeom prst="rect">
-            <a:avLst/>
-          </a:prstGeom>
-          <a:noFill/>
-          <a:extLst>
-            <a:ext uri="{909E8E84-426E-40DD-AFC4-6F175D3DCCD1}">
-              <a14:hiddenFill xmlns:a14="http://schemas.microsoft.com/office/drawing/2010/main">
-                <a:solidFill>
-                  <a:srgbClr val="FFFFFF"/>
-                </a:solidFill>
-              </a14:hiddenFill>
-            </a:ext>
-          </a:extLst>
-        </p:spPr>
-      </p:pic>
-      <p:pic>
-        <p:nvPicPr>
-          <p:cNvPr id="71" name="Picture 2" descr="C:\Users\t-dantay\Documents\Placeholders\star.png"/>
-          <p:cNvPicPr>
-            <a:picLocks noChangeAspect="1" noChangeArrowheads="1"/>
-          </p:cNvPicPr>
-          <p:nvPr>
-            <p:custDataLst>
-              <p:custData r:id="rId18"/>
-            </p:custDataLst>
-          </p:nvPr>
-        </p:nvPicPr>
-        <p:blipFill>
-          <a:blip r:embed="rId45" cstate="print">
-            <a:extLst>
-              <a:ext uri="{28A0092B-C50C-407E-A947-70E740481C1C}">
-                <a14:useLocalDpi xmlns:a14="http://schemas.microsoft.com/office/drawing/2010/main" val="0"/>
-              </a:ext>
-            </a:extLst>
-          </a:blip>
-          <a:srcRect/>
-          <a:stretch>
-            <a:fillRect/>
-          </a:stretch>
-        </p:blipFill>
-        <p:spPr bwMode="auto">
-          <a:xfrm>
-            <a:off x="775992" y="1724931"/>
-            <a:ext cx="114300" cy="108942"/>
-          </a:xfrm>
-          <a:prstGeom prst="rect">
-            <a:avLst/>
-          </a:prstGeom>
-          <a:noFill/>
-          <a:extLst>
-            <a:ext uri="{909E8E84-426E-40DD-AFC4-6F175D3DCCD1}">
-              <a14:hiddenFill xmlns:a14="http://schemas.microsoft.com/office/drawing/2010/main">
-                <a:solidFill>
-                  <a:srgbClr val="FFFFFF"/>
-                </a:solidFill>
-              </a14:hiddenFill>
-            </a:ext>
-          </a:extLst>
-        </p:spPr>
-      </p:pic>
-      <p:pic>
-        <p:nvPicPr>
-          <p:cNvPr id="72" name="Picture 2" descr="C:\Users\t-dantay\Documents\Placeholders\star.png"/>
-          <p:cNvPicPr>
-            <a:picLocks noChangeAspect="1" noChangeArrowheads="1"/>
-          </p:cNvPicPr>
-          <p:nvPr>
-            <p:custDataLst>
-              <p:custData r:id="rId19"/>
-            </p:custDataLst>
-          </p:nvPr>
-        </p:nvPicPr>
-        <p:blipFill>
-          <a:blip r:embed="rId45" cstate="print">
-            <a:extLst>
-              <a:ext uri="{28A0092B-C50C-407E-A947-70E740481C1C}">
-                <a14:useLocalDpi xmlns:a14="http://schemas.microsoft.com/office/drawing/2010/main" val="0"/>
-              </a:ext>
-            </a:extLst>
-          </a:blip>
-          <a:srcRect/>
-          <a:stretch>
-            <a:fillRect/>
-          </a:stretch>
-        </p:blipFill>
-        <p:spPr bwMode="auto">
-          <a:xfrm>
-            <a:off x="629421" y="1724931"/>
-            <a:ext cx="114300" cy="108942"/>
-          </a:xfrm>
-          <a:prstGeom prst="rect">
-            <a:avLst/>
-          </a:prstGeom>
-          <a:noFill/>
-          <a:extLst>
-            <a:ext uri="{909E8E84-426E-40DD-AFC4-6F175D3DCCD1}">
-              <a14:hiddenFill xmlns:a14="http://schemas.microsoft.com/office/drawing/2010/main">
-                <a:solidFill>
-                  <a:srgbClr val="FFFFFF"/>
-                </a:solidFill>
-              </a14:hiddenFill>
-            </a:ext>
-          </a:extLst>
-        </p:spPr>
-      </p:pic>
-      <p:pic>
-        <p:nvPicPr>
-          <p:cNvPr id="73" name="Picture 2" descr="C:\Users\t-dantay\Documents\First24\envelope1.png"/>
-          <p:cNvPicPr>
-            <a:picLocks noChangeAspect="1" noChangeArrowheads="1"/>
-          </p:cNvPicPr>
-          <p:nvPr>
-            <p:custDataLst>
-              <p:custData r:id="rId20"/>
-            </p:custDataLst>
-          </p:nvPr>
-        </p:nvPicPr>
-        <p:blipFill>
-          <a:blip r:embed="rId46" cstate="print">
+          <a:blip r:embed="rId48" cstate="print">
             <a:extLst>
               <a:ext uri="{28A0092B-C50C-407E-A947-70E740481C1C}">
                 <a14:useLocalDpi xmlns:a14="http://schemas.microsoft.com/office/drawing/2010/main" val="0"/>
@@ -9434,7 +9255,7 @@
           <p:cNvSpPr/>
           <p:nvPr>
             <p:custDataLst>
-              <p:custData r:id="rId21"/>
+              <p:custData r:id="rId17"/>
             </p:custDataLst>
           </p:nvPr>
         </p:nvSpPr>
@@ -9530,12 +9351,12 @@
           </p:cNvPicPr>
           <p:nvPr>
             <p:custDataLst>
-              <p:custData r:id="rId22"/>
+              <p:custData r:id="rId18"/>
             </p:custDataLst>
           </p:nvPr>
         </p:nvPicPr>
         <p:blipFill>
-          <a:blip r:embed="rId44" cstate="print">
+          <a:blip r:embed="rId47" cstate="print">
             <a:extLst>
               <a:ext uri="{28A0092B-C50C-407E-A947-70E740481C1C}">
                 <a14:useLocalDpi xmlns:a14="http://schemas.microsoft.com/office/drawing/2010/main" val="0"/>
@@ -9583,12 +9404,12 @@
           </p:cNvPicPr>
           <p:nvPr>
             <p:custDataLst>
-              <p:custData r:id="rId23"/>
+              <p:custData r:id="rId19"/>
             </p:custDataLst>
           </p:nvPr>
         </p:nvPicPr>
         <p:blipFill>
-          <a:blip r:embed="rId44" cstate="print">
+          <a:blip r:embed="rId47" cstate="print">
             <a:extLst>
               <a:ext uri="{28A0092B-C50C-407E-A947-70E740481C1C}">
                 <a14:useLocalDpi xmlns:a14="http://schemas.microsoft.com/office/drawing/2010/main" val="0"/>
@@ -9634,7 +9455,7 @@
           <p:cNvSpPr/>
           <p:nvPr>
             <p:custDataLst>
-              <p:custData r:id="rId24"/>
+              <p:custData r:id="rId20"/>
             </p:custDataLst>
           </p:nvPr>
         </p:nvSpPr>
@@ -9728,7 +9549,7 @@
           <p:cNvSpPr txBox="1"/>
           <p:nvPr>
             <p:custDataLst>
-              <p:custData r:id="rId25"/>
+              <p:custData r:id="rId21"/>
             </p:custDataLst>
           </p:nvPr>
         </p:nvSpPr>
@@ -9776,7 +9597,7 @@
           <p:cNvSpPr/>
           <p:nvPr>
             <p:custDataLst>
-              <p:custData r:id="rId26"/>
+              <p:custData r:id="rId22"/>
             </p:custDataLst>
           </p:nvPr>
         </p:nvSpPr>
@@ -9853,12 +9674,12 @@
           </p:cNvPicPr>
           <p:nvPr>
             <p:custDataLst>
-              <p:custData r:id="rId27"/>
+              <p:custData r:id="rId23"/>
             </p:custDataLst>
           </p:nvPr>
         </p:nvPicPr>
         <p:blipFill>
-          <a:blip r:embed="rId47" cstate="print">
+          <a:blip r:embed="rId49" cstate="print">
             <a:extLst>
               <a:ext uri="{28A0092B-C50C-407E-A947-70E740481C1C}">
                 <a14:useLocalDpi xmlns:a14="http://schemas.microsoft.com/office/drawing/2010/main" val="0"/>
@@ -9944,7 +9765,7 @@
           <p:cNvSpPr txBox="1"/>
           <p:nvPr>
             <p:custDataLst>
-              <p:custData r:id="rId28"/>
+              <p:custData r:id="rId24"/>
             </p:custDataLst>
           </p:nvPr>
         </p:nvSpPr>
@@ -9992,7 +9813,7 @@
           <p:cNvSpPr/>
           <p:nvPr>
             <p:custDataLst>
-              <p:custData r:id="rId29"/>
+              <p:custData r:id="rId25"/>
             </p:custDataLst>
           </p:nvPr>
         </p:nvSpPr>
@@ -10049,7 +9870,7 @@
                 <a:latin typeface="Segoe UI" pitchFamily="34" charset="0"/>
                 <a:cs typeface="Segoe UI" pitchFamily="34" charset="0"/>
               </a:rPr>
-              <a:t>Английский</a:t>
+              <a:t>Уроки гитары</a:t>
             </a:r>
             <a:endParaRPr lang="en-US" sz="1200" dirty="0">
               <a:solidFill>
@@ -10067,13 +9888,13 @@
           <p:cNvGrpSpPr/>
           <p:nvPr>
             <p:custDataLst>
-              <p:custData r:id="rId30"/>
+              <p:custData r:id="rId26"/>
             </p:custDataLst>
           </p:nvPr>
         </p:nvGrpSpPr>
         <p:grpSpPr>
           <a:xfrm>
-            <a:off x="562621" y="4784540"/>
+            <a:off x="516537" y="5382676"/>
             <a:ext cx="1149354" cy="230832"/>
             <a:chOff x="4356895" y="3334651"/>
             <a:chExt cx="1149354" cy="230832"/>
@@ -10175,13 +9996,13 @@
           <p:cNvGrpSpPr/>
           <p:nvPr>
             <p:custDataLst>
-              <p:custData r:id="rId31"/>
+              <p:custData r:id="rId27"/>
             </p:custDataLst>
           </p:nvPr>
         </p:nvGrpSpPr>
         <p:grpSpPr>
           <a:xfrm>
-            <a:off x="550115" y="5038232"/>
+            <a:off x="504031" y="5636368"/>
             <a:ext cx="651589" cy="230832"/>
             <a:chOff x="4356895" y="3334651"/>
             <a:chExt cx="651589" cy="230832"/>
@@ -10346,13 +10167,13 @@
           <p:cNvGrpSpPr/>
           <p:nvPr>
             <p:custDataLst>
-              <p:custData r:id="rId32"/>
+              <p:custData r:id="rId28"/>
             </p:custDataLst>
           </p:nvPr>
         </p:nvGrpSpPr>
         <p:grpSpPr>
           <a:xfrm>
-            <a:off x="1485918" y="5336372"/>
+            <a:off x="1439834" y="5934508"/>
             <a:ext cx="985641" cy="228600"/>
             <a:chOff x="4210050" y="3330449"/>
             <a:chExt cx="639086" cy="228600"/>
@@ -10662,13 +10483,13 @@
           <p:cNvSpPr txBox="1"/>
           <p:nvPr>
             <p:custDataLst>
-              <p:custData r:id="rId33"/>
+              <p:custData r:id="rId29"/>
             </p:custDataLst>
           </p:nvPr>
         </p:nvSpPr>
         <p:spPr>
           <a:xfrm>
-            <a:off x="466152" y="5334140"/>
+            <a:off x="420068" y="5932276"/>
             <a:ext cx="1038618" cy="230832"/>
           </a:xfrm>
           <a:prstGeom prst="rect">
@@ -10713,13 +10534,13 @@
           <p:cNvSpPr/>
           <p:nvPr>
             <p:custDataLst>
-              <p:custData r:id="rId34"/>
+              <p:custData r:id="rId30"/>
             </p:custDataLst>
           </p:nvPr>
         </p:nvSpPr>
         <p:spPr>
           <a:xfrm>
-            <a:off x="544251" y="5697700"/>
+            <a:off x="498167" y="6295836"/>
             <a:ext cx="2020653" cy="818516"/>
           </a:xfrm>
           <a:prstGeom prst="rect">
@@ -10790,7 +10611,7 @@
         </p:nvSpPr>
         <p:spPr>
           <a:xfrm>
-            <a:off x="516192" y="4442925"/>
+            <a:off x="470108" y="5041061"/>
             <a:ext cx="992194" cy="258149"/>
           </a:xfrm>
           <a:prstGeom prst="rect">
@@ -10834,8 +10655,8 @@
         </p:nvSpPr>
         <p:spPr>
           <a:xfrm>
-            <a:off x="3620461" y="4580102"/>
-            <a:ext cx="3069261" cy="2440170"/>
+            <a:off x="3574377" y="5178238"/>
+            <a:ext cx="3069261" cy="3282194"/>
           </a:xfrm>
           <a:prstGeom prst="rect">
             <a:avLst/>
@@ -10906,7 +10727,7 @@
         </p:nvGrpSpPr>
         <p:grpSpPr>
           <a:xfrm>
-            <a:off x="3781901" y="5054049"/>
+            <a:off x="3735817" y="5652185"/>
             <a:ext cx="677475" cy="230832"/>
             <a:chOff x="3781901" y="5054049"/>
             <a:chExt cx="677475" cy="230832"/>
@@ -11010,7 +10831,7 @@
         </p:nvGrpSpPr>
         <p:grpSpPr>
           <a:xfrm>
-            <a:off x="3784282" y="4792642"/>
+            <a:off x="3738198" y="5390778"/>
             <a:ext cx="1149354" cy="230832"/>
             <a:chOff x="3784282" y="4792642"/>
             <a:chExt cx="1149354" cy="230832"/>
@@ -11175,14 +10996,14 @@
           <p:cNvSpPr txBox="1"/>
           <p:nvPr>
             <p:custDataLst>
-              <p:custData r:id="rId35"/>
+              <p:custData r:id="rId31"/>
             </p:custDataLst>
           </p:nvPr>
         </p:nvSpPr>
         <p:spPr>
           <a:xfrm>
-            <a:off x="3687813" y="5342242"/>
-            <a:ext cx="1119153" cy="230832"/>
+            <a:off x="3641729" y="5940378"/>
+            <a:ext cx="893193" cy="230832"/>
           </a:xfrm>
           <a:prstGeom prst="rect">
             <a:avLst/>
@@ -11204,7 +11025,7 @@
                 <a:ea typeface="Segoe UI" pitchFamily="34" charset="0"/>
                 <a:cs typeface="Segoe UI" pitchFamily="34" charset="0"/>
               </a:rPr>
-              <a:t>Товар/Услуга</a:t>
+              <a:t>Название</a:t>
             </a:r>
             <a:r>
               <a:rPr lang="en-US" sz="1200" dirty="0" smtClean="0">
@@ -11217,6 +11038,14 @@
               </a:rPr>
               <a:t>:</a:t>
             </a:r>
+            <a:endParaRPr lang="en-US" sz="1200" dirty="0" smtClean="0">
+              <a:solidFill>
+                <a:srgbClr val="000000"/>
+              </a:solidFill>
+              <a:latin typeface="Segoe UI" pitchFamily="34" charset="0"/>
+              <a:ea typeface="Segoe UI" pitchFamily="34" charset="0"/>
+              <a:cs typeface="Segoe UI" pitchFamily="34" charset="0"/>
+            </a:endParaRPr>
           </a:p>
         </p:txBody>
       </p:sp>
@@ -11226,13 +11055,13 @@
           <p:cNvSpPr/>
           <p:nvPr>
             <p:custDataLst>
-              <p:custData r:id="rId36"/>
+              <p:custData r:id="rId32"/>
             </p:custDataLst>
           </p:nvPr>
         </p:nvSpPr>
         <p:spPr>
           <a:xfrm>
-            <a:off x="3765912" y="5705802"/>
+            <a:off x="3719828" y="7133386"/>
             <a:ext cx="2230428" cy="818516"/>
           </a:xfrm>
           <a:prstGeom prst="rect">
@@ -11303,7 +11132,7 @@
         </p:nvSpPr>
         <p:spPr>
           <a:xfrm>
-            <a:off x="3737853" y="4451027"/>
+            <a:off x="3691769" y="5049163"/>
             <a:ext cx="992194" cy="258149"/>
           </a:xfrm>
           <a:prstGeom prst="rect">
@@ -11345,13 +11174,13 @@
           <p:cNvSpPr/>
           <p:nvPr>
             <p:custDataLst>
-              <p:custData r:id="rId37"/>
+              <p:custData r:id="rId33"/>
             </p:custDataLst>
           </p:nvPr>
         </p:nvSpPr>
         <p:spPr>
           <a:xfrm>
-            <a:off x="4776238" y="5344474"/>
+            <a:off x="4730154" y="5942610"/>
             <a:ext cx="1220102" cy="228600"/>
           </a:xfrm>
           <a:prstGeom prst="rect">
@@ -11418,13 +11247,13 @@
           <p:cNvSpPr/>
           <p:nvPr>
             <p:custDataLst>
-              <p:custData r:id="rId38"/>
+              <p:custData r:id="rId34"/>
             </p:custDataLst>
           </p:nvPr>
         </p:nvSpPr>
         <p:spPr>
           <a:xfrm>
-            <a:off x="3774534" y="6660232"/>
+            <a:off x="3728450" y="8087816"/>
             <a:ext cx="1106592" cy="228600"/>
           </a:xfrm>
           <a:prstGeom prst="roundRect">
@@ -11491,13 +11320,13 @@
           <p:cNvSpPr/>
           <p:nvPr>
             <p:custDataLst>
-              <p:custData r:id="rId39"/>
+              <p:custData r:id="rId35"/>
             </p:custDataLst>
           </p:nvPr>
         </p:nvSpPr>
         <p:spPr>
           <a:xfrm>
-            <a:off x="544251" y="6660232"/>
+            <a:off x="498167" y="7258368"/>
             <a:ext cx="1106592" cy="228600"/>
           </a:xfrm>
           <a:prstGeom prst="roundRect">
@@ -11561,6 +11390,624 @@
           </a:p>
         </p:txBody>
       </p:sp>
+      <p:sp>
+        <p:nvSpPr>
+          <p:cNvPr id="81" name="Content"/>
+          <p:cNvSpPr txBox="1"/>
+          <p:nvPr>
+            <p:custDataLst>
+              <p:custData r:id="rId36"/>
+            </p:custDataLst>
+          </p:nvPr>
+        </p:nvSpPr>
+        <p:spPr>
+          <a:xfrm>
+            <a:off x="670359" y="1675899"/>
+            <a:ext cx="441146" cy="200055"/>
+          </a:xfrm>
+          <a:prstGeom prst="rect">
+            <a:avLst/>
+          </a:prstGeom>
+          <a:noFill/>
+        </p:spPr>
+        <p:txBody>
+          <a:bodyPr wrap="none" lIns="91440" tIns="18288" rIns="91440" bIns="27432" rtlCol="0" anchor="ctr" anchorCtr="0">
+            <a:spAutoFit/>
+          </a:bodyPr>
+          <a:lstStyle/>
+          <a:p>
+            <a:r>
+              <a:rPr lang="ru-RU" sz="1000" dirty="0" smtClean="0">
+                <a:solidFill>
+                  <a:srgbClr val="00B050"/>
+                </a:solidFill>
+                <a:latin typeface="Segoe UI" pitchFamily="34" charset="0"/>
+                <a:ea typeface="Segoe UI" pitchFamily="34" charset="0"/>
+                <a:cs typeface="Segoe UI" pitchFamily="34" charset="0"/>
+              </a:rPr>
+              <a:t>10</a:t>
+            </a:r>
+            <a:r>
+              <a:rPr lang="ru-RU" sz="1000" dirty="0" smtClean="0">
+                <a:solidFill>
+                  <a:srgbClr val="000000"/>
+                </a:solidFill>
+                <a:latin typeface="Segoe UI" pitchFamily="34" charset="0"/>
+                <a:ea typeface="Segoe UI" pitchFamily="34" charset="0"/>
+                <a:cs typeface="Segoe UI" pitchFamily="34" charset="0"/>
+              </a:rPr>
+              <a:t>/</a:t>
+            </a:r>
+            <a:r>
+              <a:rPr lang="ru-RU" sz="1000" dirty="0" smtClean="0">
+                <a:solidFill>
+                  <a:srgbClr val="FF0000"/>
+                </a:solidFill>
+                <a:latin typeface="Segoe UI" pitchFamily="34" charset="0"/>
+                <a:ea typeface="Segoe UI" pitchFamily="34" charset="0"/>
+                <a:cs typeface="Segoe UI" pitchFamily="34" charset="0"/>
+              </a:rPr>
+              <a:t>1</a:t>
+            </a:r>
+            <a:endParaRPr lang="en-US" sz="1000" dirty="0" smtClean="0">
+              <a:solidFill>
+                <a:srgbClr val="FF0000"/>
+              </a:solidFill>
+              <a:latin typeface="Segoe UI" pitchFamily="34" charset="0"/>
+              <a:ea typeface="Segoe UI" pitchFamily="34" charset="0"/>
+              <a:cs typeface="Segoe UI" pitchFamily="34" charset="0"/>
+            </a:endParaRPr>
+          </a:p>
+        </p:txBody>
+      </p:sp>
+      <p:sp>
+        <p:nvSpPr>
+          <p:cNvPr id="87" name="Content"/>
+          <p:cNvSpPr txBox="1"/>
+          <p:nvPr>
+            <p:custDataLst>
+              <p:custData r:id="rId37"/>
+            </p:custDataLst>
+          </p:nvPr>
+        </p:nvSpPr>
+        <p:spPr>
+          <a:xfrm>
+            <a:off x="1203583" y="3684702"/>
+            <a:ext cx="926857" cy="230832"/>
+          </a:xfrm>
+          <a:prstGeom prst="rect">
+            <a:avLst/>
+          </a:prstGeom>
+          <a:noFill/>
+        </p:spPr>
+        <p:txBody>
+          <a:bodyPr wrap="none" lIns="91440" tIns="18288" rIns="91440" bIns="27432" rtlCol="0" anchor="ctr" anchorCtr="0">
+            <a:spAutoFit/>
+          </a:bodyPr>
+          <a:lstStyle/>
+          <a:p>
+            <a:r>
+              <a:rPr lang="ru-RU" sz="1200" dirty="0" smtClean="0">
+                <a:solidFill>
+                  <a:srgbClr val="000000"/>
+                </a:solidFill>
+                <a:latin typeface="Segoe UI" pitchFamily="34" charset="0"/>
+                <a:ea typeface="Segoe UI" pitchFamily="34" charset="0"/>
+                <a:cs typeface="Segoe UI" pitchFamily="34" charset="0"/>
+              </a:rPr>
+              <a:t>Описание</a:t>
+            </a:r>
+            <a:r>
+              <a:rPr lang="ru-RU" sz="1200" dirty="0" smtClean="0">
+                <a:solidFill>
+                  <a:srgbClr val="000000"/>
+                </a:solidFill>
+                <a:latin typeface="Segoe UI" pitchFamily="34" charset="0"/>
+                <a:ea typeface="Segoe UI" pitchFamily="34" charset="0"/>
+                <a:cs typeface="Segoe UI" pitchFamily="34" charset="0"/>
+              </a:rPr>
+              <a:t> </a:t>
+            </a:r>
+            <a:endParaRPr lang="en-US" sz="1200" dirty="0" smtClean="0">
+              <a:solidFill>
+                <a:srgbClr val="000000"/>
+              </a:solidFill>
+              <a:latin typeface="Segoe UI" pitchFamily="34" charset="0"/>
+              <a:ea typeface="Segoe UI" pitchFamily="34" charset="0"/>
+              <a:cs typeface="Segoe UI" pitchFamily="34" charset="0"/>
+            </a:endParaRPr>
+          </a:p>
+        </p:txBody>
+      </p:sp>
+      <p:sp>
+        <p:nvSpPr>
+          <p:cNvPr id="88" name="Content"/>
+          <p:cNvSpPr/>
+          <p:nvPr>
+            <p:custDataLst>
+              <p:custData r:id="rId38"/>
+            </p:custDataLst>
+          </p:nvPr>
+        </p:nvSpPr>
+        <p:spPr>
+          <a:xfrm>
+            <a:off x="2112945" y="3686934"/>
+            <a:ext cx="1610918" cy="669042"/>
+          </a:xfrm>
+          <a:prstGeom prst="rect">
+            <a:avLst/>
+          </a:prstGeom>
+          <a:solidFill>
+            <a:schemeClr val="bg1">
+              <a:lumMod val="95000"/>
+            </a:schemeClr>
+          </a:solidFill>
+          <a:ln w="3175">
+            <a:solidFill>
+              <a:srgbClr val="000000">
+                <a:lumMod val="50000"/>
+                <a:lumOff val="50000"/>
+              </a:srgbClr>
+            </a:solidFill>
+          </a:ln>
+          <a:effectLst/>
+        </p:spPr>
+        <p:style>
+          <a:lnRef idx="2">
+            <a:srgbClr val="4F81BD">
+              <a:shade val="50000"/>
+            </a:srgbClr>
+          </a:lnRef>
+          <a:fillRef idx="1">
+            <a:srgbClr val="4F81BD"/>
+          </a:fillRef>
+          <a:effectRef idx="0">
+            <a:srgbClr val="4F81BD"/>
+          </a:effectRef>
+          <a:fontRef idx="minor">
+            <a:srgbClr val="000000"/>
+          </a:fontRef>
+        </p:style>
+        <p:txBody>
+          <a:bodyPr wrap="none" lIns="45720" tIns="18288" rIns="45720" bIns="18288" rtlCol="0" anchor="t">
+            <a:noAutofit/>
+          </a:bodyPr>
+          <a:lstStyle/>
+          <a:p>
+            <a:r>
+              <a:rPr lang="ru-RU" sz="1200" dirty="0" smtClean="0">
+                <a:solidFill>
+                  <a:srgbClr val="000000"/>
+                </a:solidFill>
+                <a:latin typeface="Segoe UI" pitchFamily="34" charset="0"/>
+                <a:cs typeface="Segoe UI" pitchFamily="34" charset="0"/>
+              </a:rPr>
+              <a:t>Английский для всех! </a:t>
+            </a:r>
+          </a:p>
+          <a:p>
+            <a:r>
+              <a:rPr lang="ru-RU" sz="1200" dirty="0" smtClean="0">
+                <a:solidFill>
+                  <a:srgbClr val="000000"/>
+                </a:solidFill>
+                <a:latin typeface="Segoe UI" pitchFamily="34" charset="0"/>
+                <a:cs typeface="Segoe UI" pitchFamily="34" charset="0"/>
+              </a:rPr>
+              <a:t>Опыт преподавания </a:t>
+            </a:r>
+          </a:p>
+          <a:p>
+            <a:r>
+              <a:rPr lang="ru-RU" sz="1200" dirty="0" smtClean="0">
+                <a:solidFill>
+                  <a:srgbClr val="000000"/>
+                </a:solidFill>
+                <a:latin typeface="Segoe UI" pitchFamily="34" charset="0"/>
+                <a:cs typeface="Segoe UI" pitchFamily="34" charset="0"/>
+              </a:rPr>
+              <a:t>2 года! </a:t>
+            </a:r>
+            <a:endParaRPr lang="en-US" sz="1200" dirty="0">
+              <a:solidFill>
+                <a:srgbClr val="000000"/>
+              </a:solidFill>
+              <a:latin typeface="Segoe UI" pitchFamily="34" charset="0"/>
+              <a:cs typeface="Segoe UI" pitchFamily="34" charset="0"/>
+            </a:endParaRPr>
+          </a:p>
+        </p:txBody>
+      </p:sp>
+      <p:sp>
+        <p:nvSpPr>
+          <p:cNvPr id="94" name="Content"/>
+          <p:cNvSpPr txBox="1"/>
+          <p:nvPr>
+            <p:custDataLst>
+              <p:custData r:id="rId39"/>
+            </p:custDataLst>
+          </p:nvPr>
+        </p:nvSpPr>
+        <p:spPr>
+          <a:xfrm>
+            <a:off x="3644852" y="6638896"/>
+            <a:ext cx="1119153" cy="230832"/>
+          </a:xfrm>
+          <a:prstGeom prst="rect">
+            <a:avLst/>
+          </a:prstGeom>
+          <a:noFill/>
+        </p:spPr>
+        <p:txBody>
+          <a:bodyPr wrap="none" lIns="91440" tIns="18288" rIns="91440" bIns="27432" rtlCol="0" anchor="ctr" anchorCtr="0">
+            <a:spAutoFit/>
+          </a:bodyPr>
+          <a:lstStyle/>
+          <a:p>
+            <a:r>
+              <a:rPr lang="ru-RU" sz="1200" dirty="0" smtClean="0">
+                <a:solidFill>
+                  <a:srgbClr val="000000"/>
+                </a:solidFill>
+                <a:latin typeface="Segoe UI" pitchFamily="34" charset="0"/>
+                <a:ea typeface="Segoe UI" pitchFamily="34" charset="0"/>
+                <a:cs typeface="Segoe UI" pitchFamily="34" charset="0"/>
+              </a:rPr>
+              <a:t>Товар/Услуга</a:t>
+            </a:r>
+            <a:r>
+              <a:rPr lang="en-US" sz="1200" dirty="0" smtClean="0">
+                <a:solidFill>
+                  <a:srgbClr val="000000"/>
+                </a:solidFill>
+                <a:latin typeface="Segoe UI" pitchFamily="34" charset="0"/>
+                <a:ea typeface="Segoe UI" pitchFamily="34" charset="0"/>
+                <a:cs typeface="Segoe UI" pitchFamily="34" charset="0"/>
+              </a:rPr>
+              <a:t>:</a:t>
+            </a:r>
+            <a:endParaRPr lang="en-US" sz="1200" dirty="0" smtClean="0">
+              <a:solidFill>
+                <a:srgbClr val="000000"/>
+              </a:solidFill>
+              <a:latin typeface="Segoe UI" pitchFamily="34" charset="0"/>
+              <a:ea typeface="Segoe UI" pitchFamily="34" charset="0"/>
+              <a:cs typeface="Segoe UI" pitchFamily="34" charset="0"/>
+            </a:endParaRPr>
+          </a:p>
+        </p:txBody>
+      </p:sp>
+      <p:grpSp>
+        <p:nvGrpSpPr>
+          <p:cNvPr id="96" name="DropdownBox"/>
+          <p:cNvGrpSpPr/>
+          <p:nvPr>
+            <p:custDataLst>
+              <p:custData r:id="rId40"/>
+            </p:custDataLst>
+          </p:nvPr>
+        </p:nvGrpSpPr>
+        <p:grpSpPr>
+          <a:xfrm>
+            <a:off x="4730154" y="6649979"/>
+            <a:ext cx="1220102" cy="228600"/>
+            <a:chOff x="4016824" y="3329200"/>
+            <a:chExt cx="1097652" cy="228600"/>
+          </a:xfrm>
+        </p:grpSpPr>
+        <p:sp>
+          <p:nvSpPr>
+            <p:cNvPr id="97" name="Content"/>
+            <p:cNvSpPr/>
+            <p:nvPr/>
+          </p:nvSpPr>
+          <p:spPr>
+            <a:xfrm>
+              <a:off x="4016824" y="3329200"/>
+              <a:ext cx="1097652" cy="228600"/>
+            </a:xfrm>
+            <a:prstGeom prst="rect">
+              <a:avLst/>
+            </a:prstGeom>
+            <a:solidFill>
+              <a:srgbClr val="FFFFFF"/>
+            </a:solidFill>
+            <a:ln w="3175">
+              <a:solidFill>
+                <a:srgbClr val="FFFFFF">
+                  <a:lumMod val="50000"/>
+                </a:srgbClr>
+              </a:solidFill>
+            </a:ln>
+          </p:spPr>
+          <p:style>
+            <a:lnRef idx="2">
+              <a:srgbClr val="4F81BD">
+                <a:shade val="50000"/>
+              </a:srgbClr>
+            </a:lnRef>
+            <a:fillRef idx="1">
+              <a:srgbClr val="4F81BD"/>
+            </a:fillRef>
+            <a:effectRef idx="0">
+              <a:srgbClr val="4F81BD"/>
+            </a:effectRef>
+            <a:fontRef idx="minor">
+              <a:srgbClr val="000000"/>
+            </a:fontRef>
+          </p:style>
+          <p:txBody>
+            <a:bodyPr lIns="45720" rIns="45720" rtlCol="0" anchor="ctr"/>
+            <a:lstStyle/>
+            <a:p>
+              <a:r>
+                <a:rPr lang="ru-RU" sz="1200" dirty="0" smtClean="0">
+                  <a:solidFill>
+                    <a:srgbClr val="000000"/>
+                  </a:solidFill>
+                  <a:latin typeface="Segoe UI" pitchFamily="34" charset="0"/>
+                  <a:ea typeface="Segoe UI" pitchFamily="34" charset="0"/>
+                  <a:cs typeface="Segoe UI" pitchFamily="34" charset="0"/>
+                </a:rPr>
+                <a:t>Услуга</a:t>
+              </a:r>
+              <a:endParaRPr lang="en-US" sz="1200" dirty="0">
+                <a:solidFill>
+                  <a:srgbClr val="000000"/>
+                </a:solidFill>
+                <a:latin typeface="Segoe UI" pitchFamily="34" charset="0"/>
+                <a:ea typeface="Segoe UI" pitchFamily="34" charset="0"/>
+                <a:cs typeface="Segoe UI" pitchFamily="34" charset="0"/>
+              </a:endParaRPr>
+            </a:p>
+          </p:txBody>
+        </p:sp>
+        <p:sp>
+          <p:nvSpPr>
+            <p:cNvPr id="98" name="DownArrow"/>
+            <p:cNvSpPr>
+              <a:spLocks noChangeAspect="1"/>
+            </p:cNvSpPr>
+            <p:nvPr/>
+          </p:nvSpPr>
+          <p:spPr>
+            <a:xfrm rot="10800000">
+              <a:off x="5004031" y="3430199"/>
+              <a:ext cx="73147" cy="48767"/>
+            </a:xfrm>
+            <a:prstGeom prst="triangle">
+              <a:avLst/>
+            </a:prstGeom>
+            <a:solidFill>
+              <a:srgbClr val="FFFFFF">
+                <a:lumMod val="75000"/>
+              </a:srgbClr>
+            </a:solidFill>
+            <a:ln>
+              <a:noFill/>
+            </a:ln>
+          </p:spPr>
+          <p:style>
+            <a:lnRef idx="2">
+              <a:srgbClr val="4F81BD">
+                <a:shade val="50000"/>
+              </a:srgbClr>
+            </a:lnRef>
+            <a:fillRef idx="1">
+              <a:srgbClr val="4F81BD"/>
+            </a:fillRef>
+            <a:effectRef idx="0">
+              <a:srgbClr val="4F81BD"/>
+            </a:effectRef>
+            <a:fontRef idx="minor">
+              <a:srgbClr val="000000"/>
+            </a:fontRef>
+          </p:style>
+          <p:txBody>
+            <a:bodyPr wrap="square" rtlCol="0" anchor="ctr"/>
+            <a:lstStyle/>
+            <a:p>
+              <a:pPr algn="ctr"/>
+              <a:endParaRPr lang="en-US" sz="2400" dirty="0"/>
+            </a:p>
+          </p:txBody>
+        </p:sp>
+      </p:grpSp>
+      <p:sp>
+        <p:nvSpPr>
+          <p:cNvPr id="115" name="Content"/>
+          <p:cNvSpPr txBox="1"/>
+          <p:nvPr>
+            <p:custDataLst>
+              <p:custData r:id="rId41"/>
+            </p:custDataLst>
+          </p:nvPr>
+        </p:nvSpPr>
+        <p:spPr>
+          <a:xfrm>
+            <a:off x="3650817" y="6278856"/>
+            <a:ext cx="929357" cy="230832"/>
+          </a:xfrm>
+          <a:prstGeom prst="rect">
+            <a:avLst/>
+          </a:prstGeom>
+          <a:noFill/>
+        </p:spPr>
+        <p:txBody>
+          <a:bodyPr wrap="none" lIns="91440" tIns="18288" rIns="91440" bIns="27432" rtlCol="0" anchor="ctr" anchorCtr="0">
+            <a:spAutoFit/>
+          </a:bodyPr>
+          <a:lstStyle/>
+          <a:p>
+            <a:r>
+              <a:rPr lang="ru-RU" sz="1200" dirty="0" smtClean="0">
+                <a:solidFill>
+                  <a:srgbClr val="000000"/>
+                </a:solidFill>
+                <a:latin typeface="Segoe UI" pitchFamily="34" charset="0"/>
+                <a:ea typeface="Segoe UI" pitchFamily="34" charset="0"/>
+                <a:cs typeface="Segoe UI" pitchFamily="34" charset="0"/>
+              </a:rPr>
+              <a:t>Категория</a:t>
+            </a:r>
+            <a:r>
+              <a:rPr lang="en-US" sz="1200" dirty="0" smtClean="0">
+                <a:solidFill>
+                  <a:srgbClr val="000000"/>
+                </a:solidFill>
+                <a:latin typeface="Segoe UI" pitchFamily="34" charset="0"/>
+                <a:ea typeface="Segoe UI" pitchFamily="34" charset="0"/>
+                <a:cs typeface="Segoe UI" pitchFamily="34" charset="0"/>
+              </a:rPr>
+              <a:t>:</a:t>
+            </a:r>
+            <a:endParaRPr lang="en-US" sz="1200" dirty="0" smtClean="0">
+              <a:solidFill>
+                <a:srgbClr val="000000"/>
+              </a:solidFill>
+              <a:latin typeface="Segoe UI" pitchFamily="34" charset="0"/>
+              <a:ea typeface="Segoe UI" pitchFamily="34" charset="0"/>
+              <a:cs typeface="Segoe UI" pitchFamily="34" charset="0"/>
+            </a:endParaRPr>
+          </a:p>
+        </p:txBody>
+      </p:sp>
+      <p:grpSp>
+        <p:nvGrpSpPr>
+          <p:cNvPr id="123" name="DropdownBox"/>
+          <p:cNvGrpSpPr/>
+          <p:nvPr>
+            <p:custDataLst>
+              <p:custData r:id="rId42"/>
+            </p:custDataLst>
+          </p:nvPr>
+        </p:nvGrpSpPr>
+        <p:grpSpPr>
+          <a:xfrm>
+            <a:off x="4728739" y="6295836"/>
+            <a:ext cx="1220102" cy="228600"/>
+            <a:chOff x="4016824" y="3329200"/>
+            <a:chExt cx="1097652" cy="228600"/>
+          </a:xfrm>
+        </p:grpSpPr>
+        <p:sp>
+          <p:nvSpPr>
+            <p:cNvPr id="124" name="Content"/>
+            <p:cNvSpPr/>
+            <p:nvPr/>
+          </p:nvSpPr>
+          <p:spPr>
+            <a:xfrm>
+              <a:off x="4016824" y="3329200"/>
+              <a:ext cx="1097652" cy="228600"/>
+            </a:xfrm>
+            <a:prstGeom prst="rect">
+              <a:avLst/>
+            </a:prstGeom>
+            <a:solidFill>
+              <a:srgbClr val="FFFFFF"/>
+            </a:solidFill>
+            <a:ln w="3175">
+              <a:solidFill>
+                <a:srgbClr val="FFFFFF">
+                  <a:lumMod val="50000"/>
+                </a:srgbClr>
+              </a:solidFill>
+            </a:ln>
+          </p:spPr>
+          <p:style>
+            <a:lnRef idx="2">
+              <a:srgbClr val="4F81BD">
+                <a:shade val="50000"/>
+              </a:srgbClr>
+            </a:lnRef>
+            <a:fillRef idx="1">
+              <a:srgbClr val="4F81BD"/>
+            </a:fillRef>
+            <a:effectRef idx="0">
+              <a:srgbClr val="4F81BD"/>
+            </a:effectRef>
+            <a:fontRef idx="minor">
+              <a:srgbClr val="000000"/>
+            </a:fontRef>
+          </p:style>
+          <p:txBody>
+            <a:bodyPr lIns="45720" rIns="45720" rtlCol="0" anchor="ctr"/>
+            <a:lstStyle/>
+            <a:p>
+              <a:r>
+                <a:rPr lang="ru-RU" sz="1200" dirty="0" smtClean="0">
+                  <a:solidFill>
+                    <a:srgbClr val="000000"/>
+                  </a:solidFill>
+                  <a:latin typeface="Segoe UI" pitchFamily="34" charset="0"/>
+                  <a:ea typeface="Segoe UI" pitchFamily="34" charset="0"/>
+                  <a:cs typeface="Segoe UI" pitchFamily="34" charset="0"/>
+                </a:rPr>
+                <a:t>Услуга</a:t>
+              </a:r>
+              <a:endParaRPr lang="en-US" sz="1200" dirty="0">
+                <a:solidFill>
+                  <a:srgbClr val="000000"/>
+                </a:solidFill>
+                <a:latin typeface="Segoe UI" pitchFamily="34" charset="0"/>
+                <a:ea typeface="Segoe UI" pitchFamily="34" charset="0"/>
+                <a:cs typeface="Segoe UI" pitchFamily="34" charset="0"/>
+              </a:endParaRPr>
+            </a:p>
+          </p:txBody>
+        </p:sp>
+        <p:sp>
+          <p:nvSpPr>
+            <p:cNvPr id="125" name="DownArrow"/>
+            <p:cNvSpPr>
+              <a:spLocks noChangeAspect="1"/>
+            </p:cNvSpPr>
+            <p:nvPr/>
+          </p:nvSpPr>
+          <p:spPr>
+            <a:xfrm rot="10800000">
+              <a:off x="5004031" y="3430199"/>
+              <a:ext cx="73147" cy="48767"/>
+            </a:xfrm>
+            <a:prstGeom prst="triangle">
+              <a:avLst/>
+            </a:prstGeom>
+            <a:solidFill>
+              <a:srgbClr val="FFFFFF">
+                <a:lumMod val="75000"/>
+              </a:srgbClr>
+            </a:solidFill>
+            <a:ln>
+              <a:noFill/>
+            </a:ln>
+          </p:spPr>
+          <p:style>
+            <a:lnRef idx="2">
+              <a:srgbClr val="4F81BD">
+                <a:shade val="50000"/>
+              </a:srgbClr>
+            </a:lnRef>
+            <a:fillRef idx="1">
+              <a:srgbClr val="4F81BD"/>
+            </a:fillRef>
+            <a:effectRef idx="0">
+              <a:srgbClr val="4F81BD"/>
+            </a:effectRef>
+            <a:fontRef idx="minor">
+              <a:srgbClr val="000000"/>
+            </a:fontRef>
+          </p:style>
+          <p:txBody>
+            <a:bodyPr wrap="square" rtlCol="0" anchor="ctr"/>
+            <a:lstStyle/>
+            <a:p>
+              <a:pPr algn="ctr"/>
+              <a:endParaRPr lang="en-US" sz="2400" dirty="0"/>
+            </a:p>
+          </p:txBody>
+        </p:sp>
+      </p:grpSp>
     </p:spTree>
     <p:extLst>
       <p:ext uri="{BB962C8B-B14F-4D97-AF65-F5344CB8AC3E}">
@@ -11610,14 +12057,14 @@
             </p:custDataLst>
             <p:extLst>
               <p:ext uri="{D42A27DB-BD31-4B8C-83A1-F6EECF244321}">
-                <p14:modId xmlns:p14="http://schemas.microsoft.com/office/powerpoint/2010/main" val="1577569191"/>
+                <p14:modId xmlns:p14="http://schemas.microsoft.com/office/powerpoint/2010/main" val="1143229821"/>
               </p:ext>
             </p:extLst>
           </p:nvPr>
         </p:nvGraphicFramePr>
         <p:xfrm>
-          <a:off x="1005788" y="5617935"/>
-          <a:ext cx="4223415" cy="1708120"/>
+          <a:off x="981024" y="4714723"/>
+          <a:ext cx="4707992" cy="1540480"/>
         </p:xfrm>
         <a:graphic>
           <a:graphicData uri="http://schemas.openxmlformats.org/drawingml/2006/table">
@@ -11626,13 +12073,79 @@
                 <a:tableStyleId>{8EC20E35-A176-4012-BC5E-935CFFF8708E}</a:tableStyleId>
               </a:tblPr>
               <a:tblGrid>
-                <a:gridCol w="970776"/>
-                <a:gridCol w="977496"/>
-                <a:gridCol w="618956"/>
-                <a:gridCol w="1080120"/>
-                <a:gridCol w="576067"/>
+                <a:gridCol w="531528"/>
+                <a:gridCol w="864096"/>
+                <a:gridCol w="977863"/>
+                <a:gridCol w="822337"/>
+                <a:gridCol w="1008112"/>
+                <a:gridCol w="504056"/>
               </a:tblGrid>
               <a:tr h="192025">
+                <a:tc>
+                  <a:txBody>
+                    <a:bodyPr/>
+                    <a:lstStyle/>
+                    <a:p>
+                      <a:pPr algn="ctr"/>
+                      <a:endParaRPr lang="en-US" sz="1100" dirty="0">
+                        <a:solidFill>
+                          <a:srgbClr val="000000"/>
+                        </a:solidFill>
+                      </a:endParaRPr>
+                    </a:p>
+                  </a:txBody>
+                  <a:tcPr marL="56960" marR="56960" marT="0" marB="28480">
+                    <a:lnL w="3175" cap="flat" cmpd="sng" algn="ctr">
+                      <a:solidFill>
+                        <a:srgbClr val="FFFFFF">
+                          <a:lumMod val="50000"/>
+                        </a:srgbClr>
+                      </a:solidFill>
+                      <a:prstDash val="solid"/>
+                      <a:round/>
+                      <a:headEnd type="none" w="med" len="med"/>
+                      <a:tailEnd type="none" w="med" len="med"/>
+                    </a:lnL>
+                    <a:lnR w="3175" cap="flat" cmpd="sng" algn="ctr">
+                      <a:solidFill>
+                        <a:srgbClr val="FFFFFF">
+                          <a:lumMod val="50000"/>
+                        </a:srgbClr>
+                      </a:solidFill>
+                      <a:prstDash val="solid"/>
+                      <a:round/>
+                      <a:headEnd type="none" w="med" len="med"/>
+                      <a:tailEnd type="none" w="med" len="med"/>
+                    </a:lnR>
+                    <a:lnT w="3175" cap="flat" cmpd="sng" algn="ctr">
+                      <a:solidFill>
+                        <a:srgbClr val="FFFFFF">
+                          <a:lumMod val="50000"/>
+                        </a:srgbClr>
+                      </a:solidFill>
+                      <a:prstDash val="solid"/>
+                      <a:round/>
+                      <a:headEnd type="none" w="med" len="med"/>
+                      <a:tailEnd type="none" w="med" len="med"/>
+                    </a:lnT>
+                    <a:lnB w="3175" cap="flat" cmpd="sng" algn="ctr">
+                      <a:solidFill>
+                        <a:srgbClr val="FFFFFF">
+                          <a:lumMod val="50000"/>
+                        </a:srgbClr>
+                      </a:solidFill>
+                      <a:prstDash val="solid"/>
+                      <a:round/>
+                      <a:headEnd type="none" w="med" len="med"/>
+                      <a:tailEnd type="none" w="med" len="med"/>
+                    </a:lnB>
+                    <a:solidFill>
+                      <a:srgbClr val="FFFFFF">
+                        <a:lumMod val="75000"/>
+                      </a:srgbClr>
+                    </a:solidFill>
+                  </a:tcPr>
+                </a:tc>
                 <a:tc>
                   <a:txBody>
                     <a:bodyPr/>
@@ -11793,6 +12306,14 @@
                     <a:lstStyle/>
                     <a:p>
                       <a:pPr algn="ctr"/>
+                      <a:r>
+                        <a:rPr lang="ru-RU" sz="1100" dirty="0" smtClean="0">
+                          <a:solidFill>
+                            <a:srgbClr val="000000"/>
+                          </a:solidFill>
+                        </a:rPr>
+                        <a:t>Категория</a:t>
+                      </a:r>
                       <a:endParaRPr lang="en-US" sz="1100" dirty="0">
                         <a:solidFill>
                           <a:srgbClr val="000000"/>
@@ -11864,7 +12385,7 @@
                             <a:srgbClr val="000000"/>
                           </a:solidFill>
                         </a:rPr>
-                        <a:t>Стоимость в балах/договор</a:t>
+                        <a:t>Стоимость</a:t>
                       </a:r>
                       <a:endParaRPr lang="en-US" sz="1100" dirty="0">
                         <a:solidFill>
@@ -11992,6 +12513,55 @@
                 </a:tc>
               </a:tr>
               <a:tr h="82640">
+                <a:tc>
+                  <a:txBody>
+                    <a:bodyPr/>
+                    <a:lstStyle/>
+                    <a:p>
+                      <a:pPr algn="ctr"/>
+                      <a:endParaRPr lang="en-US" sz="1100" dirty="0">
+                        <a:solidFill>
+                          <a:srgbClr val="000000"/>
+                        </a:solidFill>
+                      </a:endParaRPr>
+                    </a:p>
+                  </a:txBody>
+                  <a:tcPr marL="56960" marR="56960" marT="0" marB="28480">
+                    <a:lnL w="3175" cap="flat" cmpd="sng" algn="ctr">
+                      <a:solidFill>
+                        <a:srgbClr val="FFFFFF">
+                          <a:lumMod val="50000"/>
+                        </a:srgbClr>
+                      </a:solidFill>
+                      <a:prstDash val="solid"/>
+                      <a:round/>
+                      <a:headEnd type="none" w="med" len="med"/>
+                      <a:tailEnd type="none" w="med" len="med"/>
+                    </a:lnL>
+                    <a:lnR w="3175" cap="flat" cmpd="sng" algn="ctr">
+                      <a:solidFill>
+                        <a:srgbClr val="FFFFFF">
+                          <a:lumMod val="50000"/>
+                        </a:srgbClr>
+                      </a:solidFill>
+                      <a:prstDash val="solid"/>
+                      <a:round/>
+                      <a:headEnd type="none" w="med" len="med"/>
+                      <a:tailEnd type="none" w="med" len="med"/>
+                    </a:lnR>
+                    <a:lnT w="3175" cap="flat" cmpd="sng" algn="ctr">
+                      <a:solidFill>
+                        <a:srgbClr val="FFFFFF">
+                          <a:lumMod val="50000"/>
+                        </a:srgbClr>
+                      </a:solidFill>
+                      <a:prstDash val="solid"/>
+                      <a:round/>
+                      <a:headEnd type="none" w="med" len="med"/>
+                      <a:tailEnd type="none" w="med" len="med"/>
+                    </a:lnT>
+                  </a:tcPr>
+                </a:tc>
                 <a:tc>
                   <a:txBody>
                     <a:bodyPr/>
@@ -12168,6 +12738,14 @@
                     <a:lstStyle/>
                     <a:p>
                       <a:pPr algn="ctr"/>
+                      <a:r>
+                        <a:rPr lang="ru-RU" sz="1100" dirty="0" smtClean="0">
+                          <a:solidFill>
+                            <a:srgbClr val="000000"/>
+                          </a:solidFill>
+                        </a:rPr>
+                        <a:t>Обучение</a:t>
+                      </a:r>
                       <a:endParaRPr lang="en-US" sz="1100" dirty="0">
                         <a:solidFill>
                           <a:srgbClr val="000000"/>
@@ -12319,6 +12897,52 @@
                 </a:tc>
               </a:tr>
               <a:tr h="88470">
+                <a:tc>
+                  <a:txBody>
+                    <a:bodyPr/>
+                    <a:lstStyle/>
+                    <a:p>
+                      <a:pPr algn="ctr"/>
+                      <a:endParaRPr lang="en-US" sz="1100" u="sng" kern="1200" dirty="0">
+                        <a:solidFill>
+                          <a:srgbClr val="0070C0"/>
+                        </a:solidFill>
+                        <a:uFill>
+                          <a:solidFill>
+                            <a:srgbClr val="0070C0"/>
+                          </a:solidFill>
+                        </a:uFill>
+                        <a:latin typeface="Segoe UI" pitchFamily="34" charset="0"/>
+                        <a:ea typeface="Segoe UI" pitchFamily="34" charset="0"/>
+                        <a:cs typeface="Segoe UI" pitchFamily="34" charset="0"/>
+                      </a:endParaRPr>
+                    </a:p>
+                  </a:txBody>
+                  <a:tcPr marL="56960" marR="56960" marT="0" marB="28480">
+                    <a:lnL w="3175" cap="flat" cmpd="sng" algn="ctr">
+                      <a:solidFill>
+                        <a:srgbClr val="FFFFFF">
+                          <a:lumMod val="50000"/>
+                        </a:srgbClr>
+                      </a:solidFill>
+                      <a:prstDash val="solid"/>
+                      <a:round/>
+                      <a:headEnd type="none" w="med" len="med"/>
+                      <a:tailEnd type="none" w="med" len="med"/>
+                    </a:lnL>
+                    <a:lnR w="3175" cap="flat" cmpd="sng" algn="ctr">
+                      <a:solidFill>
+                        <a:srgbClr val="FFFFFF">
+                          <a:lumMod val="50000"/>
+                        </a:srgbClr>
+                      </a:solidFill>
+                      <a:prstDash val="solid"/>
+                      <a:round/>
+                      <a:headEnd type="none" w="med" len="med"/>
+                      <a:tailEnd type="none" w="med" len="med"/>
+                    </a:lnR>
+                  </a:tcPr>
+                </a:tc>
                 <a:tc>
                   <a:txBody>
                     <a:bodyPr/>
@@ -12433,6 +13057,14 @@
                     <a:lstStyle/>
                     <a:p>
                       <a:pPr algn="ctr"/>
+                      <a:r>
+                        <a:rPr lang="ru-RU" sz="1100" dirty="0" smtClean="0">
+                          <a:solidFill>
+                            <a:srgbClr val="000000"/>
+                          </a:solidFill>
+                        </a:rPr>
+                        <a:t>Обучение</a:t>
+                      </a:r>
                       <a:endParaRPr lang="en-US" sz="1100" dirty="0">
                         <a:solidFill>
                           <a:srgbClr val="000000"/>
@@ -12551,6 +13183,44 @@
                 </a:tc>
               </a:tr>
               <a:tr h="94300">
+                <a:tc>
+                  <a:txBody>
+                    <a:bodyPr/>
+                    <a:lstStyle/>
+                    <a:p>
+                      <a:pPr algn="ctr"/>
+                      <a:endParaRPr lang="en-US" sz="1100" dirty="0">
+                        <a:solidFill>
+                          <a:srgbClr val="000000"/>
+                        </a:solidFill>
+                      </a:endParaRPr>
+                    </a:p>
+                  </a:txBody>
+                  <a:tcPr marL="56960" marR="56960" marT="0" marB="28480">
+                    <a:lnL w="3175" cap="flat" cmpd="sng" algn="ctr">
+                      <a:solidFill>
+                        <a:srgbClr val="FFFFFF">
+                          <a:lumMod val="50000"/>
+                        </a:srgbClr>
+                      </a:solidFill>
+                      <a:prstDash val="solid"/>
+                      <a:round/>
+                      <a:headEnd type="none" w="med" len="med"/>
+                      <a:tailEnd type="none" w="med" len="med"/>
+                    </a:lnL>
+                    <a:lnR w="3175" cap="flat" cmpd="sng" algn="ctr">
+                      <a:solidFill>
+                        <a:srgbClr val="FFFFFF">
+                          <a:lumMod val="50000"/>
+                        </a:srgbClr>
+                      </a:solidFill>
+                      <a:prstDash val="solid"/>
+                      <a:round/>
+                      <a:headEnd type="none" w="med" len="med"/>
+                      <a:tailEnd type="none" w="med" len="med"/>
+                    </a:lnR>
+                  </a:tcPr>
+                </a:tc>
                 <a:tc>
                   <a:txBody>
                     <a:bodyPr/>
@@ -12665,6 +13335,14 @@
                     <a:lstStyle/>
                     <a:p>
                       <a:pPr algn="ctr"/>
+                      <a:r>
+                        <a:rPr lang="ru-RU" sz="1100" dirty="0" smtClean="0">
+                          <a:solidFill>
+                            <a:srgbClr val="000000"/>
+                          </a:solidFill>
+                        </a:rPr>
+                        <a:t>Обучение</a:t>
+                      </a:r>
                       <a:endParaRPr lang="en-US" sz="1100" dirty="0">
                         <a:solidFill>
                           <a:srgbClr val="000000"/>
@@ -12783,6 +13461,44 @@
                 </a:tc>
               </a:tr>
               <a:tr h="94300">
+                <a:tc>
+                  <a:txBody>
+                    <a:bodyPr/>
+                    <a:lstStyle/>
+                    <a:p>
+                      <a:pPr algn="ctr"/>
+                      <a:endParaRPr lang="en-US" sz="1100" dirty="0">
+                        <a:solidFill>
+                          <a:srgbClr val="000000"/>
+                        </a:solidFill>
+                      </a:endParaRPr>
+                    </a:p>
+                  </a:txBody>
+                  <a:tcPr marL="56960" marR="56960" marT="0" marB="28480">
+                    <a:lnL w="3175" cap="flat" cmpd="sng" algn="ctr">
+                      <a:solidFill>
+                        <a:srgbClr val="FFFFFF">
+                          <a:lumMod val="50000"/>
+                        </a:srgbClr>
+                      </a:solidFill>
+                      <a:prstDash val="solid"/>
+                      <a:round/>
+                      <a:headEnd type="none" w="med" len="med"/>
+                      <a:tailEnd type="none" w="med" len="med"/>
+                    </a:lnL>
+                    <a:lnR w="3175" cap="flat" cmpd="sng" algn="ctr">
+                      <a:solidFill>
+                        <a:srgbClr val="FFFFFF">
+                          <a:lumMod val="50000"/>
+                        </a:srgbClr>
+                      </a:solidFill>
+                      <a:prstDash val="solid"/>
+                      <a:round/>
+                      <a:headEnd type="none" w="med" len="med"/>
+                      <a:tailEnd type="none" w="med" len="med"/>
+                    </a:lnR>
+                  </a:tcPr>
+                </a:tc>
                 <a:tc>
                   <a:txBody>
                     <a:bodyPr/>
@@ -12897,6 +13613,14 @@
                     <a:lstStyle/>
                     <a:p>
                       <a:pPr algn="ctr"/>
+                      <a:r>
+                        <a:rPr lang="ru-RU" sz="1100" dirty="0" smtClean="0">
+                          <a:solidFill>
+                            <a:srgbClr val="000000"/>
+                          </a:solidFill>
+                        </a:rPr>
+                        <a:t>Обучение</a:t>
+                      </a:r>
                       <a:endParaRPr lang="en-US" sz="1100" dirty="0">
                         <a:solidFill>
                           <a:srgbClr val="000000"/>
@@ -13015,6 +13739,44 @@
                 </a:tc>
               </a:tr>
               <a:tr h="94300">
+                <a:tc>
+                  <a:txBody>
+                    <a:bodyPr/>
+                    <a:lstStyle/>
+                    <a:p>
+                      <a:pPr algn="ctr"/>
+                      <a:endParaRPr lang="en-US" sz="1100" dirty="0">
+                        <a:solidFill>
+                          <a:srgbClr val="000000"/>
+                        </a:solidFill>
+                      </a:endParaRPr>
+                    </a:p>
+                  </a:txBody>
+                  <a:tcPr marL="56960" marR="56960" marT="0" marB="28480">
+                    <a:lnL w="3175" cap="flat" cmpd="sng" algn="ctr">
+                      <a:solidFill>
+                        <a:srgbClr val="FFFFFF">
+                          <a:lumMod val="50000"/>
+                        </a:srgbClr>
+                      </a:solidFill>
+                      <a:prstDash val="solid"/>
+                      <a:round/>
+                      <a:headEnd type="none" w="med" len="med"/>
+                      <a:tailEnd type="none" w="med" len="med"/>
+                    </a:lnL>
+                    <a:lnR w="3175" cap="flat" cmpd="sng" algn="ctr">
+                      <a:solidFill>
+                        <a:srgbClr val="FFFFFF">
+                          <a:lumMod val="50000"/>
+                        </a:srgbClr>
+                      </a:solidFill>
+                      <a:prstDash val="solid"/>
+                      <a:round/>
+                      <a:headEnd type="none" w="med" len="med"/>
+                      <a:tailEnd type="none" w="med" len="med"/>
+                    </a:lnR>
+                  </a:tcPr>
+                </a:tc>
                 <a:tc>
                   <a:txBody>
                     <a:bodyPr/>
@@ -13137,6 +13899,14 @@
                     <a:lstStyle/>
                     <a:p>
                       <a:pPr algn="ctr"/>
+                      <a:r>
+                        <a:rPr lang="ru-RU" sz="1100" dirty="0" smtClean="0">
+                          <a:solidFill>
+                            <a:srgbClr val="000000"/>
+                          </a:solidFill>
+                        </a:rPr>
+                        <a:t>Обучение </a:t>
+                      </a:r>
                       <a:endParaRPr lang="en-US" sz="1100" dirty="0">
                         <a:solidFill>
                           <a:srgbClr val="000000"/>
@@ -13500,6 +14270,55 @@
                     </a:lnB>
                   </a:tcPr>
                 </a:tc>
+                <a:tc>
+                  <a:txBody>
+                    <a:bodyPr/>
+                    <a:lstStyle/>
+                    <a:p>
+                      <a:pPr algn="ctr"/>
+                      <a:endParaRPr lang="en-US" sz="1100" dirty="0">
+                        <a:solidFill>
+                          <a:srgbClr val="000000"/>
+                        </a:solidFill>
+                      </a:endParaRPr>
+                    </a:p>
+                  </a:txBody>
+                  <a:tcPr marL="56960" marR="56960" marT="0" marB="28480">
+                    <a:lnL w="3175" cap="flat" cmpd="sng" algn="ctr">
+                      <a:solidFill>
+                        <a:srgbClr val="FFFFFF">
+                          <a:lumMod val="50000"/>
+                        </a:srgbClr>
+                      </a:solidFill>
+                      <a:prstDash val="solid"/>
+                      <a:round/>
+                      <a:headEnd type="none" w="med" len="med"/>
+                      <a:tailEnd type="none" w="med" len="med"/>
+                    </a:lnL>
+                    <a:lnR w="3175" cap="flat" cmpd="sng" algn="ctr">
+                      <a:solidFill>
+                        <a:srgbClr val="FFFFFF">
+                          <a:lumMod val="50000"/>
+                        </a:srgbClr>
+                      </a:solidFill>
+                      <a:prstDash val="solid"/>
+                      <a:round/>
+                      <a:headEnd type="none" w="med" len="med"/>
+                      <a:tailEnd type="none" w="med" len="med"/>
+                    </a:lnR>
+                    <a:lnB w="3175" cap="flat" cmpd="sng" algn="ctr">
+                      <a:solidFill>
+                        <a:srgbClr val="FFFFFF">
+                          <a:lumMod val="50000"/>
+                        </a:srgbClr>
+                      </a:solidFill>
+                      <a:prstDash val="solid"/>
+                      <a:round/>
+                      <a:headEnd type="none" w="med" len="med"/>
+                      <a:tailEnd type="none" w="med" len="med"/>
+                    </a:lnB>
+                  </a:tcPr>
+                </a:tc>
               </a:tr>
             </a:tbl>
           </a:graphicData>
@@ -13518,7 +14337,7 @@
           </p:nvPr>
         </p:nvPicPr>
         <p:blipFill>
-          <a:blip r:embed="rId44" cstate="print">
+          <a:blip r:embed="rId49" cstate="print">
             <a:extLst>
               <a:ext uri="{28A0092B-C50C-407E-A947-70E740481C1C}">
                 <a14:useLocalDpi xmlns:a14="http://schemas.microsoft.com/office/drawing/2010/main" val="0"/>
@@ -13532,7 +14351,7 @@
         </p:blipFill>
         <p:spPr bwMode="auto">
           <a:xfrm>
-            <a:off x="4774552" y="6114543"/>
+            <a:off x="5306376" y="5044836"/>
             <a:ext cx="143883" cy="137138"/>
           </a:xfrm>
           <a:prstGeom prst="rect">
@@ -13563,7 +14382,7 @@
           </p:nvPr>
         </p:nvPicPr>
         <p:blipFill>
-          <a:blip r:embed="rId44" cstate="print">
+          <a:blip r:embed="rId49" cstate="print">
             <a:extLst>
               <a:ext uri="{28A0092B-C50C-407E-A947-70E740481C1C}">
                 <a14:useLocalDpi xmlns:a14="http://schemas.microsoft.com/office/drawing/2010/main" val="0"/>
@@ -13577,7 +14396,7 @@
         </p:blipFill>
         <p:spPr bwMode="auto">
           <a:xfrm>
-            <a:off x="4774551" y="6366056"/>
+            <a:off x="5306375" y="5296349"/>
             <a:ext cx="143883" cy="137138"/>
           </a:xfrm>
           <a:prstGeom prst="rect">
@@ -13608,7 +14427,7 @@
           </p:nvPr>
         </p:nvPicPr>
         <p:blipFill>
-          <a:blip r:embed="rId44" cstate="print">
+          <a:blip r:embed="rId49" cstate="print">
             <a:extLst>
               <a:ext uri="{28A0092B-C50C-407E-A947-70E740481C1C}">
                 <a14:useLocalDpi xmlns:a14="http://schemas.microsoft.com/office/drawing/2010/main" val="0"/>
@@ -13622,7 +14441,7 @@
         </p:blipFill>
         <p:spPr bwMode="auto">
           <a:xfrm>
-            <a:off x="4774550" y="6566585"/>
+            <a:off x="5306374" y="5496878"/>
             <a:ext cx="143883" cy="137138"/>
           </a:xfrm>
           <a:prstGeom prst="rect">
@@ -13653,7 +14472,7 @@
           </p:nvPr>
         </p:nvPicPr>
         <p:blipFill>
-          <a:blip r:embed="rId44" cstate="print">
+          <a:blip r:embed="rId49" cstate="print">
             <a:extLst>
               <a:ext uri="{28A0092B-C50C-407E-A947-70E740481C1C}">
                 <a14:useLocalDpi xmlns:a14="http://schemas.microsoft.com/office/drawing/2010/main" val="0"/>
@@ -13667,7 +14486,7 @@
         </p:blipFill>
         <p:spPr bwMode="auto">
           <a:xfrm>
-            <a:off x="4774552" y="6754031"/>
+            <a:off x="5306376" y="5684324"/>
             <a:ext cx="143883" cy="137138"/>
           </a:xfrm>
           <a:prstGeom prst="rect">
@@ -13698,7 +14517,7 @@
           </p:nvPr>
         </p:nvPicPr>
         <p:blipFill>
-          <a:blip r:embed="rId44" cstate="print">
+          <a:blip r:embed="rId49" cstate="print">
             <a:extLst>
               <a:ext uri="{28A0092B-C50C-407E-A947-70E740481C1C}">
                 <a14:useLocalDpi xmlns:a14="http://schemas.microsoft.com/office/drawing/2010/main" val="0"/>
@@ -13712,7 +14531,7 @@
         </p:blipFill>
         <p:spPr bwMode="auto">
           <a:xfrm>
-            <a:off x="4774552" y="6959966"/>
+            <a:off x="5306376" y="5890259"/>
             <a:ext cx="143883" cy="137138"/>
           </a:xfrm>
           <a:prstGeom prst="rect">
@@ -13743,7 +14562,7 @@
           </p:nvPr>
         </p:nvPicPr>
         <p:blipFill>
-          <a:blip r:embed="rId45" cstate="print">
+          <a:blip r:embed="rId50" cstate="print">
             <a:extLst>
               <a:ext uri="{28A0092B-C50C-407E-A947-70E740481C1C}">
                 <a14:useLocalDpi xmlns:a14="http://schemas.microsoft.com/office/drawing/2010/main" val="0"/>
@@ -13757,7 +14576,7 @@
         </p:blipFill>
         <p:spPr bwMode="auto">
           <a:xfrm>
-            <a:off x="4953579" y="6123127"/>
+            <a:off x="5485403" y="5053420"/>
             <a:ext cx="149590" cy="128554"/>
           </a:xfrm>
           <a:prstGeom prst="rect">
@@ -13788,7 +14607,7 @@
           </p:nvPr>
         </p:nvPicPr>
         <p:blipFill>
-          <a:blip r:embed="rId45" cstate="print">
+          <a:blip r:embed="rId50" cstate="print">
             <a:extLst>
               <a:ext uri="{28A0092B-C50C-407E-A947-70E740481C1C}">
                 <a14:useLocalDpi xmlns:a14="http://schemas.microsoft.com/office/drawing/2010/main" val="0"/>
@@ -13802,7 +14621,7 @@
         </p:blipFill>
         <p:spPr bwMode="auto">
           <a:xfrm>
-            <a:off x="4953579" y="6377957"/>
+            <a:off x="5485403" y="5308250"/>
             <a:ext cx="149590" cy="128554"/>
           </a:xfrm>
           <a:prstGeom prst="rect">
@@ -13833,7 +14652,7 @@
           </p:nvPr>
         </p:nvPicPr>
         <p:blipFill>
-          <a:blip r:embed="rId45" cstate="print">
+          <a:blip r:embed="rId50" cstate="print">
             <a:extLst>
               <a:ext uri="{28A0092B-C50C-407E-A947-70E740481C1C}">
                 <a14:useLocalDpi xmlns:a14="http://schemas.microsoft.com/office/drawing/2010/main" val="0"/>
@@ -13847,7 +14666,7 @@
         </p:blipFill>
         <p:spPr bwMode="auto">
           <a:xfrm>
-            <a:off x="4953579" y="6583753"/>
+            <a:off x="5485403" y="5514046"/>
             <a:ext cx="149590" cy="128554"/>
           </a:xfrm>
           <a:prstGeom prst="rect">
@@ -13878,7 +14697,7 @@
           </p:nvPr>
         </p:nvPicPr>
         <p:blipFill>
-          <a:blip r:embed="rId45" cstate="print">
+          <a:blip r:embed="rId50" cstate="print">
             <a:extLst>
               <a:ext uri="{28A0092B-C50C-407E-A947-70E740481C1C}">
                 <a14:useLocalDpi xmlns:a14="http://schemas.microsoft.com/office/drawing/2010/main" val="0"/>
@@ -13892,7 +14711,7 @@
         </p:blipFill>
         <p:spPr bwMode="auto">
           <a:xfrm>
-            <a:off x="4953579" y="6784654"/>
+            <a:off x="5485403" y="5714947"/>
             <a:ext cx="149590" cy="128554"/>
           </a:xfrm>
           <a:prstGeom prst="rect">
@@ -13923,7 +14742,7 @@
           </p:nvPr>
         </p:nvPicPr>
         <p:blipFill>
-          <a:blip r:embed="rId45" cstate="print">
+          <a:blip r:embed="rId50" cstate="print">
             <a:extLst>
               <a:ext uri="{28A0092B-C50C-407E-A947-70E740481C1C}">
                 <a14:useLocalDpi xmlns:a14="http://schemas.microsoft.com/office/drawing/2010/main" val="0"/>
@@ -13937,7 +14756,7 @@
         </p:blipFill>
         <p:spPr bwMode="auto">
           <a:xfrm>
-            <a:off x="4956389" y="6968550"/>
+            <a:off x="5488213" y="5898843"/>
             <a:ext cx="149590" cy="128554"/>
           </a:xfrm>
           <a:prstGeom prst="rect">
@@ -13967,7 +14786,7 @@
         </p:nvSpPr>
         <p:spPr>
           <a:xfrm>
-            <a:off x="4893543" y="6026102"/>
+            <a:off x="5425367" y="4956395"/>
             <a:ext cx="671018" cy="193899"/>
           </a:xfrm>
           <a:prstGeom prst="rect">
@@ -14067,7 +14886,7 @@
         </p:nvSpPr>
         <p:spPr>
           <a:xfrm>
-            <a:off x="5105979" y="6838928"/>
+            <a:off x="5637803" y="5769221"/>
             <a:ext cx="1275349" cy="193899"/>
           </a:xfrm>
           <a:prstGeom prst="rect">
@@ -14168,7 +14987,7 @@
           </p:nvPr>
         </p:nvPicPr>
         <p:blipFill>
-          <a:blip r:embed="rId46" cstate="print">
+          <a:blip r:embed="rId51" cstate="print">
             <a:extLst>
               <a:ext uri="{28A0092B-C50C-407E-A947-70E740481C1C}">
                 <a14:useLocalDpi xmlns:a14="http://schemas.microsoft.com/office/drawing/2010/main" val="0"/>
@@ -14182,7 +15001,7 @@
         </p:blipFill>
         <p:spPr bwMode="auto">
           <a:xfrm>
-            <a:off x="4813398" y="6187404"/>
+            <a:off x="5345222" y="5117697"/>
             <a:ext cx="105035" cy="139499"/>
           </a:xfrm>
           <a:prstGeom prst="rect">
@@ -14221,7 +15040,7 @@
           </p:nvPr>
         </p:nvPicPr>
         <p:blipFill>
-          <a:blip r:embed="rId46" cstate="print">
+          <a:blip r:embed="rId51" cstate="print">
             <a:extLst>
               <a:ext uri="{28A0092B-C50C-407E-A947-70E740481C1C}">
                 <a14:useLocalDpi xmlns:a14="http://schemas.microsoft.com/office/drawing/2010/main" val="0"/>
@@ -14235,7 +15054,7 @@
         </p:blipFill>
         <p:spPr bwMode="auto">
           <a:xfrm>
-            <a:off x="5009772" y="7027112"/>
+            <a:off x="5541596" y="5957405"/>
             <a:ext cx="105035" cy="139499"/>
           </a:xfrm>
           <a:prstGeom prst="rect">
@@ -14274,7 +15093,7 @@
           </p:nvPr>
         </p:nvPicPr>
         <p:blipFill>
-          <a:blip r:embed="rId46" cstate="print">
+          <a:blip r:embed="rId51" cstate="print">
             <a:extLst>
               <a:ext uri="{28A0092B-C50C-407E-A947-70E740481C1C}">
                 <a14:useLocalDpi xmlns:a14="http://schemas.microsoft.com/office/drawing/2010/main" val="0"/>
@@ -14288,7 +15107,7 @@
         </p:blipFill>
         <p:spPr bwMode="auto">
           <a:xfrm>
-            <a:off x="1437835" y="6073978"/>
+            <a:off x="1993552" y="4984860"/>
             <a:ext cx="105035" cy="139499"/>
           </a:xfrm>
           <a:prstGeom prst="rect">
@@ -14324,7 +15143,7 @@
         </p:nvSpPr>
         <p:spPr>
           <a:xfrm>
-            <a:off x="1797875" y="5652420"/>
+            <a:off x="2217301" y="4747022"/>
             <a:ext cx="106714" cy="104141"/>
           </a:xfrm>
           <a:prstGeom prst="rect">
@@ -14381,7 +15200,7 @@
         </p:nvGrpSpPr>
         <p:grpSpPr>
           <a:xfrm>
-            <a:off x="2775359" y="5623704"/>
+            <a:off x="3183036" y="4720492"/>
             <a:ext cx="182880" cy="182880"/>
             <a:chOff x="2787278" y="3604633"/>
             <a:chExt cx="182880" cy="182880"/>
@@ -14455,7 +15274,7 @@
             <p:nvPr/>
           </p:nvPicPr>
           <p:blipFill>
-            <a:blip r:embed="rId47" cstate="print">
+            <a:blip r:embed="rId52" cstate="print">
               <a:extLst>
                 <a:ext uri="{28A0092B-C50C-407E-A947-70E740481C1C}">
                   <a14:useLocalDpi xmlns:a14="http://schemas.microsoft.com/office/drawing/2010/main" val="0"/>
@@ -14501,9 +15320,9 @@
         <p:grpSpPr>
           <a:xfrm>
             <a:off x="964281" y="511769"/>
-            <a:ext cx="4702972" cy="3268143"/>
+            <a:ext cx="4702972" cy="2620071"/>
             <a:chOff x="3138993" y="2878653"/>
-            <a:chExt cx="3513043" cy="4138081"/>
+            <a:chExt cx="3513043" cy="4138082"/>
           </a:xfrm>
         </p:grpSpPr>
         <p:sp>
@@ -14516,7 +15335,7 @@
           </p:nvSpPr>
           <p:spPr>
             <a:xfrm>
-              <a:off x="3138993" y="3046984"/>
+              <a:off x="3138993" y="3046985"/>
               <a:ext cx="3513043" cy="3969750"/>
             </a:xfrm>
             <a:prstGeom prst="rect">
@@ -14664,14 +15483,6 @@
               </a:rPr>
               <a:t>Название: </a:t>
             </a:r>
-            <a:endParaRPr lang="ru-RU" sz="1200" dirty="0" smtClean="0">
-              <a:solidFill>
-                <a:srgbClr val="000000"/>
-              </a:solidFill>
-              <a:latin typeface="Segoe UI" pitchFamily="34" charset="0"/>
-              <a:ea typeface="Segoe UI" pitchFamily="34" charset="0"/>
-              <a:cs typeface="Segoe UI" pitchFamily="34" charset="0"/>
-            </a:endParaRPr>
           </a:p>
         </p:txBody>
       </p:sp>
@@ -14736,14 +15547,6 @@
               </a:rPr>
               <a:t>:</a:t>
             </a:r>
-            <a:endParaRPr lang="en-US" sz="1200" dirty="0" smtClean="0">
-              <a:solidFill>
-                <a:srgbClr val="000000"/>
-              </a:solidFill>
-              <a:latin typeface="Segoe UI" pitchFamily="34" charset="0"/>
-              <a:ea typeface="Segoe UI" pitchFamily="34" charset="0"/>
-              <a:cs typeface="Segoe UI" pitchFamily="34" charset="0"/>
-            </a:endParaRPr>
           </a:p>
         </p:txBody>
       </p:sp>
@@ -14802,13 +15605,10 @@
           <a:p>
             <a:r>
               <a:rPr lang="ru-RU" sz="1200" dirty="0" smtClean="0">
-                <a:solidFill>
-                  <a:srgbClr val="000000"/>
-                </a:solidFill>
                 <a:latin typeface="Segoe UI" pitchFamily="34" charset="0"/>
                 <a:cs typeface="Segoe UI" pitchFamily="34" charset="0"/>
               </a:rPr>
-              <a:t>Гитара</a:t>
+              <a:t>Уроки гитары </a:t>
             </a:r>
             <a:endParaRPr lang="en-US" sz="1200" dirty="0">
               <a:solidFill>
@@ -15332,7 +16132,7 @@
         </p:nvSpPr>
         <p:spPr>
           <a:xfrm>
-            <a:off x="1067014" y="3419872"/>
+            <a:off x="1067014" y="2771800"/>
             <a:ext cx="1106592" cy="228600"/>
           </a:xfrm>
           <a:prstGeom prst="roundRect">
@@ -15404,7 +16204,7 @@
         </p:nvSpPr>
         <p:spPr>
           <a:xfrm>
-            <a:off x="4575364" y="5220072"/>
+            <a:off x="4550600" y="4316860"/>
             <a:ext cx="613972" cy="372616"/>
           </a:xfrm>
           <a:prstGeom prst="wedgeRoundRectCallout">
@@ -15572,7 +16372,7 @@
                   <a:ea typeface="Segoe UI" pitchFamily="34" charset="0"/>
                   <a:cs typeface="Segoe UI" pitchFamily="34" charset="0"/>
                 </a:rPr>
-                <a:t>Товар</a:t>
+                <a:t>Услуга</a:t>
               </a:r>
               <a:endParaRPr lang="en-US" sz="1200" dirty="0">
                 <a:solidFill>
@@ -16194,114 +16994,11 @@
       </p:grpSp>
       <p:sp>
         <p:nvSpPr>
-          <p:cNvPr id="90" name="Content"/>
+          <p:cNvPr id="98" name="Content"/>
           <p:cNvSpPr txBox="1"/>
           <p:nvPr>
             <p:custDataLst>
               <p:custData r:id="rId31"/>
-            </p:custDataLst>
-          </p:nvPr>
-        </p:nvSpPr>
-        <p:spPr>
-          <a:xfrm>
-            <a:off x="843215" y="4734453"/>
-            <a:ext cx="2261966" cy="249299"/>
-          </a:xfrm>
-          <a:prstGeom prst="rect">
-            <a:avLst/>
-          </a:prstGeom>
-          <a:noFill/>
-        </p:spPr>
-        <p:txBody>
-          <a:bodyPr wrap="none" lIns="91440" tIns="18288" rIns="91440" bIns="45720" rtlCol="0" anchor="ctr" anchorCtr="0">
-            <a:spAutoFit/>
-          </a:bodyPr>
-          <a:lstStyle/>
-          <a:p>
-            <a:r>
-              <a:rPr lang="ru-RU" sz="1200" dirty="0">
-                <a:solidFill>
-                  <a:srgbClr val="000000"/>
-                </a:solidFill>
-                <a:latin typeface="Segoe UI" pitchFamily="34" charset="0"/>
-                <a:ea typeface="Segoe UI" pitchFamily="34" charset="0"/>
-                <a:cs typeface="Segoe UI" pitchFamily="34" charset="0"/>
-              </a:rPr>
-              <a:t>П</a:t>
-            </a:r>
-            <a:r>
-              <a:rPr lang="ru-RU" sz="1200" dirty="0" smtClean="0">
-                <a:solidFill>
-                  <a:srgbClr val="000000"/>
-                </a:solidFill>
-                <a:latin typeface="Segoe UI" pitchFamily="34" charset="0"/>
-                <a:ea typeface="Segoe UI" pitchFamily="34" charset="0"/>
-                <a:cs typeface="Segoe UI" pitchFamily="34" charset="0"/>
-              </a:rPr>
-              <a:t>редлагаю</a:t>
-            </a:r>
-            <a:r>
-              <a:rPr lang="en-US" sz="1200" dirty="0" smtClean="0">
-                <a:solidFill>
-                  <a:srgbClr val="000000"/>
-                </a:solidFill>
-                <a:latin typeface="Segoe UI" pitchFamily="34" charset="0"/>
-                <a:ea typeface="Segoe UI" pitchFamily="34" charset="0"/>
-                <a:cs typeface="Segoe UI" pitchFamily="34" charset="0"/>
-              </a:rPr>
-              <a:t>&gt; </a:t>
-            </a:r>
-            <a:r>
-              <a:rPr lang="ru-RU" sz="1200" dirty="0" smtClean="0">
-                <a:solidFill>
-                  <a:srgbClr val="000000"/>
-                </a:solidFill>
-                <a:latin typeface="Segoe UI" pitchFamily="34" charset="0"/>
-                <a:ea typeface="Segoe UI" pitchFamily="34" charset="0"/>
-                <a:cs typeface="Segoe UI" pitchFamily="34" charset="0"/>
-              </a:rPr>
-              <a:t>Услуги</a:t>
-            </a:r>
-            <a:r>
-              <a:rPr lang="en-US" sz="1200" dirty="0" smtClean="0">
-                <a:solidFill>
-                  <a:srgbClr val="000000"/>
-                </a:solidFill>
-                <a:latin typeface="Segoe UI" pitchFamily="34" charset="0"/>
-                <a:ea typeface="Segoe UI" pitchFamily="34" charset="0"/>
-                <a:cs typeface="Segoe UI" pitchFamily="34" charset="0"/>
-              </a:rPr>
-              <a:t>&gt; </a:t>
-            </a:r>
-            <a:r>
-              <a:rPr lang="ru-RU" sz="1200" dirty="0">
-                <a:solidFill>
-                  <a:srgbClr val="000000"/>
-                </a:solidFill>
-                <a:latin typeface="Segoe UI" pitchFamily="34" charset="0"/>
-                <a:ea typeface="Segoe UI" pitchFamily="34" charset="0"/>
-                <a:cs typeface="Segoe UI" pitchFamily="34" charset="0"/>
-              </a:rPr>
-              <a:t>Музыка</a:t>
-            </a:r>
-            <a:endParaRPr lang="en-US" sz="1200" dirty="0">
-              <a:solidFill>
-                <a:srgbClr val="000000"/>
-              </a:solidFill>
-              <a:latin typeface="Segoe UI" pitchFamily="34" charset="0"/>
-              <a:ea typeface="Segoe UI" pitchFamily="34" charset="0"/>
-              <a:cs typeface="Segoe UI" pitchFamily="34" charset="0"/>
-            </a:endParaRPr>
-          </a:p>
-        </p:txBody>
-      </p:sp>
-      <p:sp>
-        <p:nvSpPr>
-          <p:cNvPr id="98" name="Content"/>
-          <p:cNvSpPr txBox="1"/>
-          <p:nvPr>
-            <p:custDataLst>
-              <p:custData r:id="rId32"/>
             </p:custDataLst>
           </p:nvPr>
         </p:nvSpPr>
@@ -16349,7 +17046,7 @@
           <p:cNvGrpSpPr/>
           <p:nvPr>
             <p:custDataLst>
-              <p:custData r:id="rId33"/>
+              <p:custData r:id="rId32"/>
             </p:custDataLst>
           </p:nvPr>
         </p:nvGrpSpPr>
@@ -16487,7 +17184,7 @@
             <p:nvPr/>
           </p:nvPicPr>
           <p:blipFill>
-            <a:blip r:embed="rId48" cstate="print">
+            <a:blip r:embed="rId53" cstate="print">
               <a:extLst>
                 <a:ext uri="{28A0092B-C50C-407E-A947-70E740481C1C}">
                   <a14:useLocalDpi xmlns:a14="http://schemas.microsoft.com/office/drawing/2010/main" val="0"/>
@@ -16526,7 +17223,7 @@
           <p:cNvGrpSpPr/>
           <p:nvPr>
             <p:custDataLst>
-              <p:custData r:id="rId34"/>
+              <p:custData r:id="rId33"/>
             </p:custDataLst>
           </p:nvPr>
         </p:nvGrpSpPr>
@@ -16664,7 +17361,7 @@
             <p:nvPr/>
           </p:nvPicPr>
           <p:blipFill>
-            <a:blip r:embed="rId48" cstate="print">
+            <a:blip r:embed="rId53" cstate="print">
               <a:extLst>
                 <a:ext uri="{28A0092B-C50C-407E-A947-70E740481C1C}">
                   <a14:useLocalDpi xmlns:a14="http://schemas.microsoft.com/office/drawing/2010/main" val="0"/>
@@ -16703,7 +17400,7 @@
           <p:cNvSpPr txBox="1"/>
           <p:nvPr>
             <p:custDataLst>
-              <p:custData r:id="rId35"/>
+              <p:custData r:id="rId34"/>
             </p:custDataLst>
           </p:nvPr>
         </p:nvSpPr>
@@ -16762,13 +17459,13 @@
           <p:cNvSpPr txBox="1"/>
           <p:nvPr>
             <p:custDataLst>
-              <p:custData r:id="rId36"/>
+              <p:custData r:id="rId35"/>
             </p:custDataLst>
           </p:nvPr>
         </p:nvSpPr>
         <p:spPr>
           <a:xfrm>
-            <a:off x="886536" y="4104451"/>
+            <a:off x="2044976" y="3793624"/>
             <a:ext cx="1509196" cy="249299"/>
           </a:xfrm>
           <a:prstGeom prst="rect">
@@ -16822,12 +17519,12 @@
           </p:cNvPicPr>
           <p:nvPr>
             <p:custDataLst>
-              <p:custData r:id="rId37"/>
+              <p:custData r:id="rId36"/>
             </p:custDataLst>
           </p:nvPr>
         </p:nvPicPr>
         <p:blipFill>
-          <a:blip r:embed="rId49" cstate="print">
+          <a:blip r:embed="rId54" cstate="print">
             <a:extLst>
               <a:ext uri="{28A0092B-C50C-407E-A947-70E740481C1C}">
                 <a14:useLocalDpi xmlns:a14="http://schemas.microsoft.com/office/drawing/2010/main" val="0"/>
@@ -16841,7 +17538,7 @@
         </p:blipFill>
         <p:spPr bwMode="auto">
           <a:xfrm rot="5400000">
-            <a:off x="3027704" y="6052312"/>
+            <a:off x="1030927" y="4969405"/>
             <a:ext cx="154954" cy="154954"/>
           </a:xfrm>
           <a:prstGeom prst="rect">
@@ -16868,7 +17565,7 @@
           <p:nvPr/>
         </p:nvPicPr>
         <p:blipFill>
-          <a:blip r:embed="rId50" cstate="print">
+          <a:blip r:embed="rId55" cstate="print">
             <a:extLst>
               <a:ext uri="{28A0092B-C50C-407E-A947-70E740481C1C}">
                 <a14:useLocalDpi xmlns:a14="http://schemas.microsoft.com/office/drawing/2010/main" val="0"/>
@@ -16882,7 +17579,7 @@
         </p:blipFill>
         <p:spPr bwMode="auto">
           <a:xfrm>
-            <a:off x="3287415" y="6359032"/>
+            <a:off x="1290638" y="5276125"/>
             <a:ext cx="173527" cy="173527"/>
           </a:xfrm>
           <a:prstGeom prst="rect">
@@ -16909,7 +17606,7 @@
           <p:nvPr/>
         </p:nvPicPr>
         <p:blipFill>
-          <a:blip r:embed="rId51" cstate="print">
+          <a:blip r:embed="rId56" cstate="print">
             <a:extLst>
               <a:ext uri="{28A0092B-C50C-407E-A947-70E740481C1C}">
                 <a14:useLocalDpi xmlns:a14="http://schemas.microsoft.com/office/drawing/2010/main" val="0"/>
@@ -16923,7 +17620,7 @@
         </p:blipFill>
         <p:spPr bwMode="auto">
           <a:xfrm>
-            <a:off x="3283887" y="6031329"/>
+            <a:off x="1287110" y="4948422"/>
             <a:ext cx="171749" cy="171749"/>
           </a:xfrm>
           <a:prstGeom prst="rect">
@@ -16949,12 +17646,12 @@
           </p:cNvPicPr>
           <p:nvPr>
             <p:custDataLst>
-              <p:custData r:id="rId38"/>
+              <p:custData r:id="rId37"/>
             </p:custDataLst>
           </p:nvPr>
         </p:nvPicPr>
         <p:blipFill>
-          <a:blip r:embed="rId49" cstate="print">
+          <a:blip r:embed="rId54" cstate="print">
             <a:extLst>
               <a:ext uri="{28A0092B-C50C-407E-A947-70E740481C1C}">
                 <a14:useLocalDpi xmlns:a14="http://schemas.microsoft.com/office/drawing/2010/main" val="0"/>
@@ -16968,7 +17665,7 @@
         </p:blipFill>
         <p:spPr bwMode="auto">
           <a:xfrm rot="16200000">
-            <a:off x="3033616" y="6357148"/>
+            <a:off x="1036839" y="5274241"/>
             <a:ext cx="154954" cy="154954"/>
           </a:xfrm>
           <a:prstGeom prst="rect">
@@ -16994,12 +17691,12 @@
           </p:cNvPicPr>
           <p:nvPr>
             <p:custDataLst>
-              <p:custData r:id="rId39"/>
+              <p:custData r:id="rId38"/>
             </p:custDataLst>
           </p:nvPr>
         </p:nvPicPr>
         <p:blipFill>
-          <a:blip r:embed="rId52" cstate="print">
+          <a:blip r:embed="rId57" cstate="print">
             <a:extLst>
               <a:ext uri="{28A0092B-C50C-407E-A947-70E740481C1C}">
                 <a14:useLocalDpi xmlns:a14="http://schemas.microsoft.com/office/drawing/2010/main" val="0"/>
@@ -17013,7 +17710,7 @@
         </p:blipFill>
         <p:spPr bwMode="auto">
           <a:xfrm>
-            <a:off x="3027189" y="6523808"/>
+            <a:off x="1030412" y="5440901"/>
             <a:ext cx="145504" cy="145504"/>
           </a:xfrm>
           <a:prstGeom prst="rect">
@@ -17039,12 +17736,12 @@
           </p:cNvPicPr>
           <p:nvPr>
             <p:custDataLst>
-              <p:custData r:id="rId40"/>
+              <p:custData r:id="rId39"/>
             </p:custDataLst>
           </p:nvPr>
         </p:nvPicPr>
         <p:blipFill>
-          <a:blip r:embed="rId52" cstate="print">
+          <a:blip r:embed="rId57" cstate="print">
             <a:extLst>
               <a:ext uri="{28A0092B-C50C-407E-A947-70E740481C1C}">
                 <a14:useLocalDpi xmlns:a14="http://schemas.microsoft.com/office/drawing/2010/main" val="0"/>
@@ -17058,7 +17755,7 @@
         </p:blipFill>
         <p:spPr bwMode="auto">
           <a:xfrm rot="10800000">
-            <a:off x="3027189" y="6612708"/>
+            <a:off x="1030412" y="5529801"/>
             <a:ext cx="145504" cy="145504"/>
           </a:xfrm>
           <a:prstGeom prst="rect">
@@ -17085,7 +17782,7 @@
           <p:nvPr/>
         </p:nvPicPr>
         <p:blipFill>
-          <a:blip r:embed="rId51" cstate="print">
+          <a:blip r:embed="rId56" cstate="print">
             <a:extLst>
               <a:ext uri="{28A0092B-C50C-407E-A947-70E740481C1C}">
                 <a14:useLocalDpi xmlns:a14="http://schemas.microsoft.com/office/drawing/2010/main" val="0"/>
@@ -17099,7 +17796,7 @@
         </p:blipFill>
         <p:spPr bwMode="auto">
           <a:xfrm>
-            <a:off x="3287074" y="6549279"/>
+            <a:off x="1290297" y="5466372"/>
             <a:ext cx="171749" cy="171749"/>
           </a:xfrm>
           <a:prstGeom prst="rect">
@@ -17126,7 +17823,7 @@
           <p:nvPr/>
         </p:nvPicPr>
         <p:blipFill>
-          <a:blip r:embed="rId50" cstate="print">
+          <a:blip r:embed="rId55" cstate="print">
             <a:extLst>
               <a:ext uri="{28A0092B-C50C-407E-A947-70E740481C1C}">
                 <a14:useLocalDpi xmlns:a14="http://schemas.microsoft.com/office/drawing/2010/main" val="0"/>
@@ -17140,7 +17837,7 @@
         </p:blipFill>
         <p:spPr bwMode="auto">
           <a:xfrm>
-            <a:off x="3280988" y="6765684"/>
+            <a:off x="1284211" y="5682777"/>
             <a:ext cx="173527" cy="173527"/>
           </a:xfrm>
           <a:prstGeom prst="rect">
@@ -17166,12 +17863,12 @@
           </p:cNvPicPr>
           <p:nvPr>
             <p:custDataLst>
-              <p:custData r:id="rId41"/>
+              <p:custData r:id="rId40"/>
             </p:custDataLst>
           </p:nvPr>
         </p:nvPicPr>
         <p:blipFill>
-          <a:blip r:embed="rId49" cstate="print">
+          <a:blip r:embed="rId54" cstate="print">
             <a:extLst>
               <a:ext uri="{28A0092B-C50C-407E-A947-70E740481C1C}">
                 <a14:useLocalDpi xmlns:a14="http://schemas.microsoft.com/office/drawing/2010/main" val="0"/>
@@ -17185,7 +17882,7 @@
         </p:blipFill>
         <p:spPr bwMode="auto">
           <a:xfrm rot="16200000">
-            <a:off x="3027189" y="6763800"/>
+            <a:off x="1030412" y="5680893"/>
             <a:ext cx="154954" cy="154954"/>
           </a:xfrm>
           <a:prstGeom prst="rect">
@@ -17211,12 +17908,12 @@
           </p:cNvPicPr>
           <p:nvPr>
             <p:custDataLst>
-              <p:custData r:id="rId42"/>
+              <p:custData r:id="rId41"/>
             </p:custDataLst>
           </p:nvPr>
         </p:nvPicPr>
         <p:blipFill>
-          <a:blip r:embed="rId49" cstate="print">
+          <a:blip r:embed="rId54" cstate="print">
             <a:extLst>
               <a:ext uri="{28A0092B-C50C-407E-A947-70E740481C1C}">
                 <a14:useLocalDpi xmlns:a14="http://schemas.microsoft.com/office/drawing/2010/main" val="0"/>
@@ -17230,7 +17927,7 @@
         </p:blipFill>
         <p:spPr bwMode="auto">
           <a:xfrm rot="5400000">
-            <a:off x="3015894" y="6972426"/>
+            <a:off x="1019117" y="5889519"/>
             <a:ext cx="154954" cy="154954"/>
           </a:xfrm>
           <a:prstGeom prst="rect">
@@ -17257,7 +17954,7 @@
           <p:nvPr/>
         </p:nvPicPr>
         <p:blipFill>
-          <a:blip r:embed="rId50" cstate="print">
+          <a:blip r:embed="rId55" cstate="print">
             <a:extLst>
               <a:ext uri="{28A0092B-C50C-407E-A947-70E740481C1C}">
                 <a14:useLocalDpi xmlns:a14="http://schemas.microsoft.com/office/drawing/2010/main" val="0"/>
@@ -17271,7 +17968,7 @@
         </p:blipFill>
         <p:spPr bwMode="auto">
           <a:xfrm>
-            <a:off x="3283887" y="6959263"/>
+            <a:off x="1287110" y="5876356"/>
             <a:ext cx="173527" cy="173527"/>
           </a:xfrm>
           <a:prstGeom prst="rect">
@@ -17289,10 +17986,451 @@
           </a:extLst>
         </p:spPr>
       </p:pic>
+      <p:sp>
+        <p:nvSpPr>
+          <p:cNvPr id="91" name="Content"/>
+          <p:cNvSpPr txBox="1"/>
+          <p:nvPr>
+            <p:custDataLst>
+              <p:custData r:id="rId42"/>
+            </p:custDataLst>
+          </p:nvPr>
+        </p:nvSpPr>
+        <p:spPr>
+          <a:xfrm>
+            <a:off x="886536" y="3563888"/>
+            <a:ext cx="465192" cy="249299"/>
+          </a:xfrm>
+          <a:prstGeom prst="rect">
+            <a:avLst/>
+          </a:prstGeom>
+          <a:noFill/>
+        </p:spPr>
+        <p:txBody>
+          <a:bodyPr wrap="none" lIns="91440" tIns="18288" rIns="91440" bIns="45720" rtlCol="0" anchor="ctr" anchorCtr="0">
+            <a:spAutoFit/>
+          </a:bodyPr>
+          <a:lstStyle/>
+          <a:p>
+            <a:r>
+              <a:rPr lang="ru-RU" sz="1200" u="sng" dirty="0" smtClean="0">
+                <a:solidFill>
+                  <a:srgbClr val="0070C0"/>
+                </a:solidFill>
+                <a:uFill>
+                  <a:solidFill>
+                    <a:srgbClr val="0070C0"/>
+                  </a:solidFill>
+                </a:uFill>
+                <a:latin typeface="Segoe UI" pitchFamily="34" charset="0"/>
+                <a:ea typeface="Segoe UI" pitchFamily="34" charset="0"/>
+                <a:cs typeface="Segoe UI" pitchFamily="34" charset="0"/>
+              </a:rPr>
+              <a:t>Все </a:t>
+            </a:r>
+            <a:endParaRPr lang="en-US" sz="1200" u="sng" dirty="0" smtClean="0">
+              <a:solidFill>
+                <a:srgbClr val="0070C0"/>
+              </a:solidFill>
+              <a:uFill>
+                <a:solidFill>
+                  <a:srgbClr val="0070C0"/>
+                </a:solidFill>
+              </a:uFill>
+              <a:latin typeface="Segoe UI" pitchFamily="34" charset="0"/>
+              <a:ea typeface="Segoe UI" pitchFamily="34" charset="0"/>
+              <a:cs typeface="Segoe UI" pitchFamily="34" charset="0"/>
+            </a:endParaRPr>
+          </a:p>
+        </p:txBody>
+      </p:sp>
+      <p:sp>
+        <p:nvSpPr>
+          <p:cNvPr id="92" name="Content"/>
+          <p:cNvSpPr txBox="1"/>
+          <p:nvPr>
+            <p:custDataLst>
+              <p:custData r:id="rId43"/>
+            </p:custDataLst>
+          </p:nvPr>
+        </p:nvSpPr>
+        <p:spPr>
+          <a:xfrm>
+            <a:off x="2040872" y="4055497"/>
+            <a:ext cx="1490344" cy="249299"/>
+          </a:xfrm>
+          <a:prstGeom prst="rect">
+            <a:avLst/>
+          </a:prstGeom>
+          <a:noFill/>
+        </p:spPr>
+        <p:txBody>
+          <a:bodyPr wrap="none" lIns="91440" tIns="18288" rIns="91440" bIns="45720" rtlCol="0" anchor="ctr" anchorCtr="0">
+            <a:spAutoFit/>
+          </a:bodyPr>
+          <a:lstStyle/>
+          <a:p>
+            <a:r>
+              <a:rPr lang="ru-RU" sz="1200" u="sng" dirty="0" smtClean="0">
+                <a:solidFill>
+                  <a:srgbClr val="0070C0"/>
+                </a:solidFill>
+                <a:uFill>
+                  <a:solidFill>
+                    <a:srgbClr val="0070C0"/>
+                  </a:solidFill>
+                </a:uFill>
+                <a:latin typeface="Segoe UI" pitchFamily="34" charset="0"/>
+                <a:ea typeface="Segoe UI" pitchFamily="34" charset="0"/>
+                <a:cs typeface="Segoe UI" pitchFamily="34" charset="0"/>
+              </a:rPr>
+              <a:t>Последние услуги </a:t>
+            </a:r>
+            <a:endParaRPr lang="en-US" sz="1200" u="sng" dirty="0" smtClean="0">
+              <a:solidFill>
+                <a:srgbClr val="0070C0"/>
+              </a:solidFill>
+              <a:uFill>
+                <a:solidFill>
+                  <a:srgbClr val="0070C0"/>
+                </a:solidFill>
+              </a:uFill>
+              <a:latin typeface="Segoe UI" pitchFamily="34" charset="0"/>
+              <a:ea typeface="Segoe UI" pitchFamily="34" charset="0"/>
+              <a:cs typeface="Segoe UI" pitchFamily="34" charset="0"/>
+            </a:endParaRPr>
+          </a:p>
+        </p:txBody>
+      </p:sp>
+      <p:sp>
+        <p:nvSpPr>
+          <p:cNvPr id="93" name="Content"/>
+          <p:cNvSpPr txBox="1"/>
+          <p:nvPr>
+            <p:custDataLst>
+              <p:custData r:id="rId44"/>
+            </p:custDataLst>
+          </p:nvPr>
+        </p:nvSpPr>
+        <p:spPr>
+          <a:xfrm>
+            <a:off x="886536" y="3780416"/>
+            <a:ext cx="1000595" cy="249299"/>
+          </a:xfrm>
+          <a:prstGeom prst="rect">
+            <a:avLst/>
+          </a:prstGeom>
+          <a:noFill/>
+        </p:spPr>
+        <p:txBody>
+          <a:bodyPr wrap="none" lIns="91440" tIns="18288" rIns="91440" bIns="45720" rtlCol="0" anchor="ctr" anchorCtr="0">
+            <a:spAutoFit/>
+          </a:bodyPr>
+          <a:lstStyle/>
+          <a:p>
+            <a:r>
+              <a:rPr lang="ru-RU" sz="1200" u="sng" dirty="0" smtClean="0">
+                <a:solidFill>
+                  <a:srgbClr val="0070C0"/>
+                </a:solidFill>
+                <a:uFill>
+                  <a:solidFill>
+                    <a:srgbClr val="0070C0"/>
+                  </a:solidFill>
+                </a:uFill>
+                <a:latin typeface="Segoe UI" pitchFamily="34" charset="0"/>
+                <a:ea typeface="Segoe UI" pitchFamily="34" charset="0"/>
+                <a:cs typeface="Segoe UI" pitchFamily="34" charset="0"/>
+              </a:rPr>
+              <a:t>Последние </a:t>
+            </a:r>
+            <a:endParaRPr lang="en-US" sz="1200" u="sng" dirty="0" smtClean="0">
+              <a:solidFill>
+                <a:srgbClr val="0070C0"/>
+              </a:solidFill>
+              <a:uFill>
+                <a:solidFill>
+                  <a:srgbClr val="0070C0"/>
+                </a:solidFill>
+              </a:uFill>
+              <a:latin typeface="Segoe UI" pitchFamily="34" charset="0"/>
+              <a:ea typeface="Segoe UI" pitchFamily="34" charset="0"/>
+              <a:cs typeface="Segoe UI" pitchFamily="34" charset="0"/>
+            </a:endParaRPr>
+          </a:p>
+        </p:txBody>
+      </p:sp>
+      <p:sp>
+        <p:nvSpPr>
+          <p:cNvPr id="94" name="Content"/>
+          <p:cNvSpPr txBox="1"/>
+          <p:nvPr>
+            <p:custDataLst>
+              <p:custData r:id="rId45"/>
+            </p:custDataLst>
+          </p:nvPr>
+        </p:nvSpPr>
+        <p:spPr>
+          <a:xfrm>
+            <a:off x="882432" y="4055693"/>
+            <a:ext cx="973793" cy="249299"/>
+          </a:xfrm>
+          <a:prstGeom prst="rect">
+            <a:avLst/>
+          </a:prstGeom>
+          <a:noFill/>
+        </p:spPr>
+        <p:txBody>
+          <a:bodyPr wrap="none" lIns="91440" tIns="18288" rIns="91440" bIns="45720" rtlCol="0" anchor="ctr" anchorCtr="0">
+            <a:spAutoFit/>
+          </a:bodyPr>
+          <a:lstStyle/>
+          <a:p>
+            <a:r>
+              <a:rPr lang="ru-RU" sz="1200" u="sng" dirty="0" smtClean="0">
+                <a:solidFill>
+                  <a:srgbClr val="0070C0"/>
+                </a:solidFill>
+                <a:uFill>
+                  <a:solidFill>
+                    <a:srgbClr val="0070C0"/>
+                  </a:solidFill>
+                </a:uFill>
+                <a:latin typeface="Segoe UI" pitchFamily="34" charset="0"/>
+                <a:ea typeface="Segoe UI" pitchFamily="34" charset="0"/>
+                <a:cs typeface="Segoe UI" pitchFamily="34" charset="0"/>
+              </a:rPr>
+              <a:t>Все товары</a:t>
+            </a:r>
+            <a:endParaRPr lang="en-US" sz="1200" u="sng" dirty="0" smtClean="0">
+              <a:solidFill>
+                <a:srgbClr val="0070C0"/>
+              </a:solidFill>
+              <a:uFill>
+                <a:solidFill>
+                  <a:srgbClr val="0070C0"/>
+                </a:solidFill>
+              </a:uFill>
+              <a:latin typeface="Segoe UI" pitchFamily="34" charset="0"/>
+              <a:ea typeface="Segoe UI" pitchFamily="34" charset="0"/>
+              <a:cs typeface="Segoe UI" pitchFamily="34" charset="0"/>
+            </a:endParaRPr>
+          </a:p>
+        </p:txBody>
+      </p:sp>
+      <p:sp>
+        <p:nvSpPr>
+          <p:cNvPr id="95" name="Content"/>
+          <p:cNvSpPr txBox="1"/>
+          <p:nvPr>
+            <p:custDataLst>
+              <p:custData r:id="rId46"/>
+            </p:custDataLst>
+          </p:nvPr>
+        </p:nvSpPr>
+        <p:spPr>
+          <a:xfrm>
+            <a:off x="2044976" y="3565349"/>
+            <a:ext cx="913263" cy="249299"/>
+          </a:xfrm>
+          <a:prstGeom prst="rect">
+            <a:avLst/>
+          </a:prstGeom>
+          <a:noFill/>
+        </p:spPr>
+        <p:txBody>
+          <a:bodyPr wrap="none" lIns="91440" tIns="18288" rIns="91440" bIns="45720" rtlCol="0" anchor="ctr" anchorCtr="0">
+            <a:spAutoFit/>
+          </a:bodyPr>
+          <a:lstStyle/>
+          <a:p>
+            <a:r>
+              <a:rPr lang="ru-RU" sz="1200" u="sng" dirty="0" smtClean="0">
+                <a:solidFill>
+                  <a:srgbClr val="0070C0"/>
+                </a:solidFill>
+                <a:uFill>
+                  <a:solidFill>
+                    <a:srgbClr val="0070C0"/>
+                  </a:solidFill>
+                </a:uFill>
+                <a:latin typeface="Segoe UI" pitchFamily="34" charset="0"/>
+                <a:ea typeface="Segoe UI" pitchFamily="34" charset="0"/>
+                <a:cs typeface="Segoe UI" pitchFamily="34" charset="0"/>
+              </a:rPr>
+              <a:t>Все услуги</a:t>
+            </a:r>
+            <a:endParaRPr lang="en-US" sz="1200" u="sng" dirty="0" smtClean="0">
+              <a:solidFill>
+                <a:srgbClr val="0070C0"/>
+              </a:solidFill>
+              <a:uFill>
+                <a:solidFill>
+                  <a:srgbClr val="0070C0"/>
+                </a:solidFill>
+              </a:uFill>
+              <a:latin typeface="Segoe UI" pitchFamily="34" charset="0"/>
+              <a:ea typeface="Segoe UI" pitchFamily="34" charset="0"/>
+              <a:cs typeface="Segoe UI" pitchFamily="34" charset="0"/>
+            </a:endParaRPr>
+          </a:p>
+        </p:txBody>
+      </p:sp>
+      <p:sp>
+        <p:nvSpPr>
+          <p:cNvPr id="97" name="Content"/>
+          <p:cNvSpPr txBox="1"/>
+          <p:nvPr>
+            <p:custDataLst>
+              <p:custData r:id="rId47"/>
+            </p:custDataLst>
+          </p:nvPr>
+        </p:nvSpPr>
+        <p:spPr>
+          <a:xfrm>
+            <a:off x="5020873" y="6307088"/>
+            <a:ext cx="753732" cy="249299"/>
+          </a:xfrm>
+          <a:prstGeom prst="rect">
+            <a:avLst/>
+          </a:prstGeom>
+          <a:noFill/>
+        </p:spPr>
+        <p:txBody>
+          <a:bodyPr wrap="none" lIns="91440" tIns="18288" rIns="91440" bIns="45720" rtlCol="0" anchor="ctr" anchorCtr="0">
+            <a:spAutoFit/>
+          </a:bodyPr>
+          <a:lstStyle/>
+          <a:p>
+            <a:r>
+              <a:rPr lang="ru-RU" sz="1200" dirty="0" smtClean="0">
+                <a:solidFill>
+                  <a:srgbClr val="0070C0"/>
+                </a:solidFill>
+                <a:latin typeface="Segoe UI" pitchFamily="34" charset="0"/>
+                <a:ea typeface="Segoe UI" pitchFamily="34" charset="0"/>
+                <a:cs typeface="Segoe UI" pitchFamily="34" charset="0"/>
+              </a:rPr>
+              <a:t>1</a:t>
+            </a:r>
+            <a:r>
+              <a:rPr lang="en-US" sz="1200" dirty="0" smtClean="0">
+                <a:solidFill>
+                  <a:srgbClr val="000000"/>
+                </a:solidFill>
+                <a:latin typeface="Segoe UI" pitchFamily="34" charset="0"/>
+                <a:ea typeface="Segoe UI" pitchFamily="34" charset="0"/>
+                <a:cs typeface="Segoe UI" pitchFamily="34" charset="0"/>
+              </a:rPr>
+              <a:t>| </a:t>
+            </a:r>
+            <a:r>
+              <a:rPr lang="ru-RU" sz="1200" u="sng" dirty="0" smtClean="0">
+                <a:solidFill>
+                  <a:srgbClr val="0070C0"/>
+                </a:solidFill>
+                <a:latin typeface="Segoe UI" pitchFamily="34" charset="0"/>
+                <a:ea typeface="Segoe UI" pitchFamily="34" charset="0"/>
+                <a:cs typeface="Segoe UI" pitchFamily="34" charset="0"/>
+              </a:rPr>
+              <a:t>2</a:t>
+            </a:r>
+            <a:r>
+              <a:rPr lang="en-US" sz="1200" dirty="0" smtClean="0">
+                <a:solidFill>
+                  <a:srgbClr val="000000"/>
+                </a:solidFill>
+                <a:latin typeface="Segoe UI" pitchFamily="34" charset="0"/>
+                <a:ea typeface="Segoe UI" pitchFamily="34" charset="0"/>
+                <a:cs typeface="Segoe UI" pitchFamily="34" charset="0"/>
+              </a:rPr>
+              <a:t>| </a:t>
+            </a:r>
+            <a:r>
+              <a:rPr lang="ru-RU" sz="1200" dirty="0" smtClean="0">
+                <a:solidFill>
+                  <a:srgbClr val="0070C0"/>
+                </a:solidFill>
+                <a:latin typeface="Segoe UI" pitchFamily="34" charset="0"/>
+                <a:ea typeface="Segoe UI" pitchFamily="34" charset="0"/>
+                <a:cs typeface="Segoe UI" pitchFamily="34" charset="0"/>
+              </a:rPr>
+              <a:t>3</a:t>
+            </a:r>
+            <a:r>
+              <a:rPr lang="en-US" sz="1200" dirty="0" smtClean="0">
+                <a:solidFill>
+                  <a:srgbClr val="000000"/>
+                </a:solidFill>
+                <a:latin typeface="Segoe UI" pitchFamily="34" charset="0"/>
+                <a:ea typeface="Segoe UI" pitchFamily="34" charset="0"/>
+                <a:cs typeface="Segoe UI" pitchFamily="34" charset="0"/>
+              </a:rPr>
+              <a:t>| </a:t>
+            </a:r>
+            <a:r>
+              <a:rPr lang="ru-RU" sz="1200" dirty="0" smtClean="0">
+                <a:solidFill>
+                  <a:srgbClr val="0070C0"/>
+                </a:solidFill>
+                <a:latin typeface="Segoe UI" pitchFamily="34" charset="0"/>
+                <a:ea typeface="Segoe UI" pitchFamily="34" charset="0"/>
+                <a:cs typeface="Segoe UI" pitchFamily="34" charset="0"/>
+              </a:rPr>
+              <a:t>4</a:t>
+            </a:r>
+            <a:endParaRPr lang="en-US" sz="1200" dirty="0" smtClean="0">
+              <a:solidFill>
+                <a:srgbClr val="0070C0"/>
+              </a:solidFill>
+              <a:latin typeface="Segoe UI" pitchFamily="34" charset="0"/>
+              <a:ea typeface="Segoe UI" pitchFamily="34" charset="0"/>
+              <a:cs typeface="Segoe UI" pitchFamily="34" charset="0"/>
+            </a:endParaRPr>
+          </a:p>
+        </p:txBody>
+      </p:sp>
     </p:spTree>
     <p:extLst>
       <p:ext uri="{BB962C8B-B14F-4D97-AF65-F5344CB8AC3E}">
         <p14:creationId xmlns:p14="http://schemas.microsoft.com/office/powerpoint/2010/main" val="459623886"/>
+      </p:ext>
+    </p:extLst>
+  </p:cSld>
+  <p:clrMapOvr>
+    <a:masterClrMapping/>
+  </p:clrMapOvr>
+  <p:timing>
+    <p:tnLst>
+      <p:par>
+        <p:cTn id="1" dur="indefinite" restart="never" nodeType="tmRoot"/>
+      </p:par>
+    </p:tnLst>
+  </p:timing>
+</p:sld>
+</file>
+
+<file path=ppt/slides/slide4.xml><?xml version="1.0" encoding="utf-8"?>
+<p:sld xmlns:a="http://schemas.openxmlformats.org/drawingml/2006/main" xmlns:r="http://schemas.openxmlformats.org/officeDocument/2006/relationships" xmlns:p="http://schemas.openxmlformats.org/presentationml/2006/main">
+  <p:cSld>
+    <p:spTree>
+      <p:nvGrpSpPr>
+        <p:cNvPr id="1" name=""/>
+        <p:cNvGrpSpPr/>
+        <p:nvPr/>
+      </p:nvGrpSpPr>
+      <p:grpSpPr>
+        <a:xfrm>
+          <a:off x="0" y="0"/>
+          <a:ext cx="0" cy="0"/>
+          <a:chOff x="0" y="0"/>
+          <a:chExt cx="0" cy="0"/>
+        </a:xfrm>
+      </p:grpSpPr>
+    </p:spTree>
+    <p:extLst>
+      <p:ext uri="{BB962C8B-B14F-4D97-AF65-F5344CB8AC3E}">
+        <p14:creationId xmlns:p14="http://schemas.microsoft.com/office/powerpoint/2010/main" val="4201737867"/>
       </p:ext>
     </p:extLst>
   </p:cSld>
@@ -17881,43 +19019,43 @@
 
 <file path=customXml/item1.xml><?xml version="1.0" encoding="utf-8"?>
 <Control xmlns="http://schemas.microsoft.com/VisualStudio/2011/storyboarding/control">
-  <Id Name="System.Storyboarding.Common.TabGroup" Revision="1" Stencil="System.Storyboarding.Common" StencilVersion="0.1"/>
+  <Id Name="System.Storyboarding.WindowsDesktop.ToolTip" Revision="1" Stencil="System.Storyboarding.WindowsDesktop" StencilVersion="0.1"/>
 </Control>
 </file>
 
 <file path=customXml/item10.xml><?xml version="1.0" encoding="utf-8"?>
 <Control xmlns="http://schemas.microsoft.com/VisualStudio/2011/storyboarding/control">
-  <Id Name="System.Storyboarding.Common.Text" Revision="1" Stencil="System.Storyboarding.Common" StencilVersion="0.1"/>
+  <Id Name="System.Storyboarding.Icons.DownArrow" Revision="1" Stencil="System.Storyboarding.Icons" StencilVersion="0.1"/>
 </Control>
 </file>
 
 <file path=customXml/item100.xml><?xml version="1.0" encoding="utf-8"?>
+<Control xmlns="http://schemas.microsoft.com/VisualStudio/2011/storyboarding/control">
+  <Id Name="System.Storyboarding.Common.DataGrid" Revision="1" Stencil="System.Storyboarding.Common" StencilVersion="0.1"/>
+</Control>
+</file>
+
+<file path=customXml/item101.xml><?xml version="1.0" encoding="utf-8"?>
 <Control xmlns="http://schemas.microsoft.com/VisualStudio/2011/storyboarding/control">
   <Id Name="System.Storyboarding.Common.NumericStepper" Revision="1" Stencil="System.Storyboarding.Common" StencilVersion="0.1"/>
 </Control>
 </file>
 
-<file path=customXml/item101.xml><?xml version="1.0" encoding="utf-8"?>
-<Control xmlns="http://schemas.microsoft.com/VisualStudio/2011/storyboarding/control">
-  <Id Name="System.Storyboarding.Common.Breadcrumb" Revision="1" Stencil="System.Storyboarding.Common" StencilVersion="0.1"/>
-</Control>
-</file>
-
 <file path=customXml/item102.xml><?xml version="1.0" encoding="utf-8"?>
 <Control xmlns="http://schemas.microsoft.com/VisualStudio/2011/storyboarding/control">
-  <Id Name="System.Storyboarding.Common.Text" Revision="1" Stencil="System.Storyboarding.Common" StencilVersion="0.1"/>
+  <Id Name="System.Storyboarding.Common.DropdownBox" Revision="1" Stencil="System.Storyboarding.Common" StencilVersion="0.1"/>
 </Control>
 </file>
 
 <file path=customXml/item103.xml><?xml version="1.0" encoding="utf-8"?>
 <Control xmlns="http://schemas.microsoft.com/VisualStudio/2011/storyboarding/control">
-  <Id Name="System.Storyboarding.Common.DatePicker" Revision="1" Stencil="System.Storyboarding.Common" StencilVersion="0.1"/>
+  <Id Name="System.Storyboarding.Icons.HandPointer" Revision="1" Stencil="System.Storyboarding.Icons" StencilVersion="0.1"/>
 </Control>
 </file>
 
 <file path=customXml/item104.xml><?xml version="1.0" encoding="utf-8"?>
 <Control xmlns="http://schemas.microsoft.com/VisualStudio/2011/storyboarding/control">
-  <Id Name="System.Storyboarding.Common.DatePicker" Revision="1" Stencil="System.Storyboarding.Common" StencilVersion="0.1"/>
+  <Id Name="System.Storyboarding.Common.TextInput" Revision="1" Stencil="System.Storyboarding.Common" StencilVersion="0.1"/>
 </Control>
 </file>
 
@@ -17929,25 +19067,25 @@
 
 <file path=customXml/item106.xml><?xml version="1.0" encoding="utf-8"?>
 <Control xmlns="http://schemas.microsoft.com/VisualStudio/2011/storyboarding/control">
-  <Id Name="System.Storyboarding.Common.Hyperlink" Revision="1" Stencil="System.Storyboarding.Common" StencilVersion="0.1"/>
+  <Id Name="System.Storyboarding.Icons.ShoppingCart" Revision="1" Stencil="System.Storyboarding.Icons" StencilVersion="0.1"/>
 </Control>
 </file>
 
 <file path=customXml/item107.xml><?xml version="1.0" encoding="utf-8"?>
 <Control xmlns="http://schemas.microsoft.com/VisualStudio/2011/storyboarding/control">
-  <Id Name="System.Storyboarding.Icons.DownArrow" Revision="1" Stencil="System.Storyboarding.Icons" StencilVersion="0.1"/>
+  <Id Name="System.Storyboarding.Icons.Envelope" Revision="1" Stencil="System.Storyboarding.Icons" StencilVersion="0.1"/>
 </Control>
 </file>
 
 <file path=customXml/item108.xml><?xml version="1.0" encoding="utf-8"?>
 <Control xmlns="http://schemas.microsoft.com/VisualStudio/2011/storyboarding/control">
-  <Id Name="System.Storyboarding.Icons.CurvedArrow" Revision="1" Stencil="System.Storyboarding.Icons" StencilVersion="0.1"/>
+  <Id Name="System.Storyboarding.Common.TabGroup" Revision="1" Stencil="System.Storyboarding.Common" StencilVersion="0.1"/>
 </Control>
 </file>
 
 <file path=customXml/item109.xml><?xml version="1.0" encoding="utf-8"?>
 <Control xmlns="http://schemas.microsoft.com/VisualStudio/2011/storyboarding/control">
-  <Id Name="System.Storyboarding.Icons.CurvedArrow" Revision="1" Stencil="System.Storyboarding.Icons" StencilVersion="0.1"/>
+  <Id Name="System.Storyboarding.Icons.DownArrow" Revision="1" Stencil="System.Storyboarding.Icons" StencilVersion="0.1"/>
 </Control>
 </file>
 
@@ -17959,97 +19097,145 @@
 
 <file path=customXml/item110.xml><?xml version="1.0" encoding="utf-8"?>
 <Control xmlns="http://schemas.microsoft.com/VisualStudio/2011/storyboarding/control">
-  <Id Name="System.Storyboarding.Icons.DownArrow" Revision="1" Stencil="System.Storyboarding.Icons" StencilVersion="0.1"/>
+  <Id Name="System.Storyboarding.Common.Hyperlink" Revision="1" Stencil="System.Storyboarding.Common" StencilVersion="0.1"/>
 </Control>
 </file>
 
 <file path=customXml/item111.xml><?xml version="1.0" encoding="utf-8"?>
 <Control xmlns="http://schemas.microsoft.com/VisualStudio/2011/storyboarding/control">
-  <Id Name="System.Storyboarding.Icons.CurvedArrow" Revision="1" Stencil="System.Storyboarding.Icons" StencilVersion="0.1"/>
+  <Id Name="System.Storyboarding.Common.Hyperlink" Revision="1" Stencil="System.Storyboarding.Common" StencilVersion="0.1"/>
 </Control>
 </file>
 
 <file path=customXml/item112.xml><?xml version="1.0" encoding="utf-8"?>
 <Control xmlns="http://schemas.microsoft.com/VisualStudio/2011/storyboarding/control">
-  <Id Name="System.Storyboarding.Icons.CurvedArrow" Revision="1" Stencil="System.Storyboarding.Icons" StencilVersion="0.1"/>
+  <Id Name="System.Storyboarding.Common.Hyperlink" Revision="1" Stencil="System.Storyboarding.Common" StencilVersion="0.1"/>
 </Control>
 </file>
 
 <file path=customXml/item113.xml><?xml version="1.0" encoding="utf-8"?>
 <Control xmlns="http://schemas.microsoft.com/VisualStudio/2011/storyboarding/control">
-  <Id Name="System.Storyboarding.Icons.DownArrow" Revision="1" Stencil="System.Storyboarding.Icons" StencilVersion="0.1"/>
+  <Id Name="System.Storyboarding.Common.Hyperlink" Revision="1" Stencil="System.Storyboarding.Common" StencilVersion="0.1"/>
 </Control>
 </file>
 
 <file path=customXml/item114.xml><?xml version="1.0" encoding="utf-8"?>
 <Control xmlns="http://schemas.microsoft.com/VisualStudio/2011/storyboarding/control">
-  <Id Name="System.Storyboarding.Icons.DownArrow" Revision="1" Stencil="System.Storyboarding.Icons" StencilVersion="0.1"/>
+  <Id Name="System.Storyboarding.Common.Hyperlink" Revision="1" Stencil="System.Storyboarding.Common" StencilVersion="0.1"/>
 </Control>
 </file>
 
+<file path=customXml/item115.xml><?xml version="1.0" encoding="utf-8"?>
+<Control xmlns="http://schemas.microsoft.com/VisualStudio/2011/storyboarding/control">
+  <Id Name="System.Storyboarding.Common.Text" Revision="1" Stencil="System.Storyboarding.Common" StencilVersion="0.1"/>
+</Control>
+</file>
+
+<file path=customXml/item116.xml><?xml version="1.0" encoding="utf-8"?>
+<Control xmlns="http://schemas.microsoft.com/VisualStudio/2011/storyboarding/control">
+  <Id Name="System.Storyboarding.Common.Text" Revision="1" Stencil="System.Storyboarding.Common" StencilVersion="0.1"/>
+</Control>
+</file>
+
+<file path=customXml/item117.xml><?xml version="1.0" encoding="utf-8"?>
+<Control xmlns="http://schemas.microsoft.com/VisualStudio/2011/storyboarding/control">
+  <Id Name="System.Storyboarding.Common.TextInput" Revision="1" Stencil="System.Storyboarding.Common" StencilVersion="0.1"/>
+</Control>
+</file>
+
+<file path=customXml/item118.xml><?xml version="1.0" encoding="utf-8"?>
+<Control xmlns="http://schemas.microsoft.com/VisualStudio/2011/storyboarding/control">
+  <Id Name="System.Storyboarding.Common.Text" Revision="1" Stencil="System.Storyboarding.Common" StencilVersion="0.1"/>
+</Control>
+</file>
+
+<file path=customXml/item119.xml><?xml version="1.0" encoding="utf-8"?>
+<Control xmlns="http://schemas.microsoft.com/VisualStudio/2011/storyboarding/control">
+  <Id Name="System.Storyboarding.Common.DropdownBox" Revision="1" Stencil="System.Storyboarding.Common" StencilVersion="0.1"/>
+</Control>
+</file>
+
 <file path=customXml/item12.xml><?xml version="1.0" encoding="utf-8"?>
+<Control xmlns="http://schemas.microsoft.com/VisualStudio/2011/storyboarding/control">
+  <Id Name="System.Storyboarding.WindowsDesktop.ToolTip" Revision="1" Stencil="System.Storyboarding.WindowsDesktop" StencilVersion="0.1"/>
+</Control>
+</file>
+
+<file path=customXml/item120.xml><?xml version="1.0" encoding="utf-8"?>
+<Control xmlns="http://schemas.microsoft.com/VisualStudio/2011/storyboarding/control">
+  <Id Name="System.Storyboarding.Common.Text" Revision="1" Stencil="System.Storyboarding.Common" StencilVersion="0.1"/>
+</Control>
+</file>
+
+<file path=customXml/item121.xml><?xml version="1.0" encoding="utf-8"?>
+<Control xmlns="http://schemas.microsoft.com/VisualStudio/2011/storyboarding/control">
+  <Id Name="System.Storyboarding.Common.DropdownBox" Revision="1" Stencil="System.Storyboarding.Common" StencilVersion="0.1"/>
+</Control>
+</file>
+
+<file path=customXml/item122.xml><?xml version="1.0" encoding="utf-8"?>
+<Control xmlns="http://schemas.microsoft.com/VisualStudio/2011/storyboarding/control">
+  <Id Name="System.Storyboarding.Common.LinkBar" Revision="1" Stencil="System.Storyboarding.Common" StencilVersion="0.1"/>
+</Control>
+</file>
+
+<file path=customXml/item13.xml><?xml version="1.0" encoding="utf-8"?>
+<Control xmlns="http://schemas.microsoft.com/VisualStudio/2011/storyboarding/control">
+  <Id Name="System.Storyboarding.Common.TextInput" Revision="1" Stencil="System.Storyboarding.Common" StencilVersion="0.1"/>
+</Control>
+</file>
+
+<file path=customXml/item14.xml><?xml version="1.0" encoding="utf-8"?>
+<Control xmlns="http://schemas.microsoft.com/VisualStudio/2011/storyboarding/control">
+  <Id Name="System.Storyboarding.Icons.HandPointer" Revision="1" Stencil="System.Storyboarding.Icons" StencilVersion="0.1"/>
+</Control>
+</file>
+
+<file path=customXml/item15.xml><?xml version="1.0" encoding="utf-8"?>
+<Control xmlns="http://schemas.microsoft.com/VisualStudio/2011/storyboarding/control">
+  <Id Name="System.Storyboarding.Common.DragSelection" Revision="1" Stencil="System.Storyboarding.Common" StencilVersion="0.1"/>
+</Control>
+</file>
+
+<file path=customXml/item16.xml><?xml version="1.0" encoding="utf-8"?>
 <Control xmlns="http://schemas.microsoft.com/VisualStudio/2011/storyboarding/control">
   <Id Name="System.Storyboarding.Icons.Star" Revision="1" Stencil="System.Storyboarding.Icons" StencilVersion="0.1"/>
 </Control>
 </file>
 
-<file path=customXml/item13.xml><?xml version="1.0" encoding="utf-8"?>
+<file path=customXml/item17.xml><?xml version="1.0" encoding="utf-8"?>
 <Control xmlns="http://schemas.microsoft.com/VisualStudio/2011/storyboarding/control">
-  <Id Name="System.Storyboarding.Common.RadioButtonSelected" Revision="1" Stencil="System.Storyboarding.Common" StencilVersion="0.1"/>
+  <Id Name="System.Storyboarding.Icons.ShoppingCart" Revision="1" Stencil="System.Storyboarding.Icons" StencilVersion="0.1"/>
 </Control>
 </file>
 
-<file path=customXml/item14.xml><?xml version="1.0" encoding="utf-8"?>
+<file path=customXml/item18.xml><?xml version="1.0" encoding="utf-8"?>
 <Control xmlns="http://schemas.microsoft.com/VisualStudio/2011/storyboarding/control">
-  <Id Name="System.Storyboarding.WindowsDesktop.ToolTip" Revision="1" Stencil="System.Storyboarding.WindowsDesktop" StencilVersion="0.1"/>
+  <Id Name="System.Storyboarding.Common.Text" Revision="1" Stencil="System.Storyboarding.Common" StencilVersion="0.1"/>
 </Control>
 </file>
 
-<file path=customXml/item15.xml><?xml version="1.0" encoding="utf-8"?>
+<file path=customXml/item19.xml><?xml version="1.0" encoding="utf-8"?>
 <Control xmlns="http://schemas.microsoft.com/VisualStudio/2011/storyboarding/control">
-  <Id Name="System.Storyboarding.Icons.Star" Revision="1" Stencil="System.Storyboarding.Icons" StencilVersion="0.1"/>
+  <Id Name="System.Storyboarding.Common.Text" Revision="1" Stencil="System.Storyboarding.Common" StencilVersion="0.1"/>
 </Control>
 </file>
 
-<file path=customXml/item16.xml><?xml version="1.0" encoding="utf-8"?>
+<file path=customXml/item2.xml><?xml version="1.0" encoding="utf-8"?>
 <Control xmlns="http://schemas.microsoft.com/VisualStudio/2011/storyboarding/control">
   <Id Name="System.Storyboarding.Common.Button" Revision="1" Stencil="System.Storyboarding.Common" StencilVersion="0.1"/>
 </Control>
 </file>
 
-<file path=customXml/item17.xml><?xml version="1.0" encoding="utf-8"?>
-<Control xmlns="http://schemas.microsoft.com/VisualStudio/2011/storyboarding/control">
-  <Id Name="System.Storyboarding.Common.DataGrid" Revision="1" Stencil="System.Storyboarding.Common" StencilVersion="0.1"/>
-</Control>
-</file>
-
-<file path=customXml/item18.xml><?xml version="1.0" encoding="utf-8"?>
-<Control xmlns="http://schemas.microsoft.com/VisualStudio/2011/storyboarding/control">
-  <Id Name="System.Storyboarding.Common.CheckBoxChecked" Revision="1" Stencil="System.Storyboarding.Common" StencilVersion="0.1"/>
-</Control>
-</file>
-
-<file path=customXml/item19.xml><?xml version="1.0" encoding="utf-8"?>
-<Control xmlns="http://schemas.microsoft.com/VisualStudio/2011/storyboarding/control">
-  <Id Name="System.Storyboarding.Common.TextInput" Revision="1" Stencil="System.Storyboarding.Common" StencilVersion="0.1"/>
-</Control>
-</file>
-
-<file path=customXml/item2.xml><?xml version="1.0" encoding="utf-8"?>
-<Control xmlns="http://schemas.microsoft.com/VisualStudio/2011/storyboarding/control">
-  <Id Name="System.Storyboarding.Common.DropdownBox" Revision="1" Stencil="System.Storyboarding.Common" StencilVersion="0.1"/>
-</Control>
-</file>
-
 <file path=customXml/item20.xml><?xml version="1.0" encoding="utf-8"?>
 <Control xmlns="http://schemas.microsoft.com/VisualStudio/2011/storyboarding/control">
-  <Id Name="System.Storyboarding.Icons.SpeechBubble" Revision="1" Stencil="System.Storyboarding.Icons" StencilVersion="0.1"/>
+  <Id Name="System.Storyboarding.Common.Text" Revision="1" Stencil="System.Storyboarding.Common" StencilVersion="0.1"/>
 </Control>
 </file>
 
 <file path=customXml/item21.xml><?xml version="1.0" encoding="utf-8"?>
 <Control xmlns="http://schemas.microsoft.com/VisualStudio/2011/storyboarding/control">
-  <Id Name="System.Storyboarding.Icons.Star" Revision="1" Stencil="System.Storyboarding.Icons" StencilVersion="0.1"/>
+  <Id Name="System.Storyboarding.WindowsDesktop.ToolTip" Revision="1" Stencil="System.Storyboarding.WindowsDesktop" StencilVersion="0.1"/>
 </Control>
 </file>
 
@@ -18061,7 +19247,7 @@
 
 <file path=customXml/item23.xml><?xml version="1.0" encoding="utf-8"?>
 <Control xmlns="http://schemas.microsoft.com/VisualStudio/2011/storyboarding/control">
-  <Id Name="System.Storyboarding.Common.TextArea" Revision="1" Stencil="System.Storyboarding.Common" StencilVersion="0.1"/>
+  <Id Name="System.Storyboarding.Common.Text" Revision="1" Stencil="System.Storyboarding.Common" StencilVersion="0.1"/>
 </Control>
 </file>
 
@@ -18073,13 +19259,13 @@
 
 <file path=customXml/item25.xml><?xml version="1.0" encoding="utf-8"?>
 <Control xmlns="http://schemas.microsoft.com/VisualStudio/2011/storyboarding/control">
-  <Id Name="System.Storyboarding.Icons.Star" Revision="1" Stencil="System.Storyboarding.Icons" StencilVersion="0.1"/>
+  <Id Name="System.Storyboarding.WindowsDesktop.ToolTip" Revision="1" Stencil="System.Storyboarding.WindowsDesktop" StencilVersion="0.1"/>
 </Control>
 </file>
 
 <file path=customXml/item26.xml><?xml version="1.0" encoding="utf-8"?>
 <Control xmlns="http://schemas.microsoft.com/VisualStudio/2011/storyboarding/control">
-  <Id Name="System.Storyboarding.WindowsDesktop.ToolTip" Revision="1" Stencil="System.Storyboarding.WindowsDesktop" StencilVersion="0.1"/>
+  <Id Name="System.Storyboarding.Common.TextInput" Revision="1" Stencil="System.Storyboarding.Common" StencilVersion="0.1"/>
 </Control>
 </file>
 
@@ -18091,145 +19277,145 @@
 
 <file path=customXml/item28.xml><?xml version="1.0" encoding="utf-8"?>
 <Control xmlns="http://schemas.microsoft.com/VisualStudio/2011/storyboarding/control">
+  <Id Name="System.Storyboarding.Icons.Warning" Revision="1" Stencil="System.Storyboarding.Icons" StencilVersion="0.1"/>
+</Control>
+</file>
+
+<file path=customXml/item29.xml><?xml version="1.0" encoding="utf-8"?>
+<Control xmlns="http://schemas.microsoft.com/VisualStudio/2011/storyboarding/control">
+  <Id Name="System.Storyboarding.Common.CheckBoxUnchecked" Revision="1" Stencil="System.Storyboarding.Common" StencilVersion="0.1"/>
+</Control>
+</file>
+
+<file path=customXml/item3.xml><?xml version="1.0" encoding="utf-8"?>
+<Control xmlns="http://schemas.microsoft.com/VisualStudio/2011/storyboarding/control">
+  <Id Name="System.Storyboarding.Common.TextInput" Revision="1" Stencil="System.Storyboarding.Common" StencilVersion="0.1"/>
+</Control>
+</file>
+
+<file path=customXml/item30.xml><?xml version="1.0" encoding="utf-8"?>
+<Control xmlns="http://schemas.microsoft.com/VisualStudio/2011/storyboarding/control">
+  <Id Name="System.Storyboarding.Icons.ShoppingCart" Revision="1" Stencil="System.Storyboarding.Icons" StencilVersion="0.1"/>
+</Control>
+</file>
+
+<file path=customXml/item31.xml><?xml version="1.0" encoding="utf-8"?>
+<Control xmlns="http://schemas.microsoft.com/VisualStudio/2011/storyboarding/control">
+  <Id Name="System.Storyboarding.Common.TextInput" Revision="1" Stencil="System.Storyboarding.Common" StencilVersion="0.1"/>
+</Control>
+</file>
+
+<file path=customXml/item32.xml><?xml version="1.0" encoding="utf-8"?>
+<Control xmlns="http://schemas.microsoft.com/VisualStudio/2011/storyboarding/control">
+  <Id Name="System.Storyboarding.Common.RadioButtonUnselected" Revision="1" Stencil="System.Storyboarding.Common" StencilVersion="0.1"/>
+</Control>
+</file>
+
+<file path=customXml/item33.xml><?xml version="1.0" encoding="utf-8"?>
+<Control xmlns="http://schemas.microsoft.com/VisualStudio/2011/storyboarding/control">
+  <Id Name="System.Storyboarding.Icons.ShoppingCart" Revision="1" Stencil="System.Storyboarding.Icons" StencilVersion="0.1"/>
+</Control>
+</file>
+
+<file path=customXml/item34.xml><?xml version="1.0" encoding="utf-8"?>
+<Control xmlns="http://schemas.microsoft.com/VisualStudio/2011/storyboarding/control">
+  <Id Name="System.Storyboarding.Common.NumericStepper" Revision="1" Stencil="System.Storyboarding.Common" StencilVersion="0.1"/>
+</Control>
+</file>
+
+<file path=customXml/item35.xml><?xml version="1.0" encoding="utf-8"?>
+<Control xmlns="http://schemas.microsoft.com/VisualStudio/2011/storyboarding/control">
   <Id Name="System.Storyboarding.Common.Text" Revision="1" Stencil="System.Storyboarding.Common" StencilVersion="0.1"/>
 </Control>
 </file>
 
-<file path=customXml/item29.xml><?xml version="1.0" encoding="utf-8"?>
+<file path=customXml/item36.xml><?xml version="1.0" encoding="utf-8"?>
+<Control xmlns="http://schemas.microsoft.com/VisualStudio/2011/storyboarding/control">
+  <Id Name="System.Storyboarding.Icons.DownArrow" Revision="1" Stencil="System.Storyboarding.Icons" StencilVersion="0.1"/>
+</Control>
+</file>
+
+<file path=customXml/item37.xml><?xml version="1.0" encoding="utf-8"?>
 <Control xmlns="http://schemas.microsoft.com/VisualStudio/2011/storyboarding/control">
   <Id Name="System.Storyboarding.Icons.HandPointer" Revision="1" Stencil="System.Storyboarding.Icons" StencilVersion="0.1"/>
 </Control>
 </file>
 
-<file path=customXml/item3.xml><?xml version="1.0" encoding="utf-8"?>
+<file path=customXml/item38.xml><?xml version="1.0" encoding="utf-8"?>
+<Control xmlns="http://schemas.microsoft.com/VisualStudio/2011/storyboarding/control">
+  <Id Name="System.Storyboarding.Icons.User" Revision="1" Stencil="System.Storyboarding.Icons" StencilVersion="0.1"/>
+</Control>
+</file>
+
+<file path=customXml/item39.xml><?xml version="1.0" encoding="utf-8"?>
+<Control xmlns="http://schemas.microsoft.com/VisualStudio/2011/storyboarding/control">
+  <Id Name="System.Storyboarding.Icons.Star" Revision="1" Stencil="System.Storyboarding.Icons" StencilVersion="0.1"/>
+</Control>
+</file>
+
+<file path=customXml/item4.xml><?xml version="1.0" encoding="utf-8"?>
+<Control xmlns="http://schemas.microsoft.com/VisualStudio/2011/storyboarding/control">
+  <Id Name="System.Storyboarding.Common.NumericStepper" Revision="1" Stencil="System.Storyboarding.Common" StencilVersion="0.1"/>
+</Control>
+</file>
+
+<file path=customXml/item40.xml><?xml version="1.0" encoding="utf-8"?>
 <Control xmlns="http://schemas.microsoft.com/VisualStudio/2011/storyboarding/control">
   <Id Name="System.Storyboarding.Icons.ShoppingCart" Revision="1" Stencil="System.Storyboarding.Icons" StencilVersion="0.1"/>
 </Control>
 </file>
 
-<file path=customXml/item30.xml><?xml version="1.0" encoding="utf-8"?>
+<file path=customXml/item41.xml><?xml version="1.0" encoding="utf-8"?>
 <Control xmlns="http://schemas.microsoft.com/VisualStudio/2011/storyboarding/control">
-  <Id Name="System.Storyboarding.Icons.Warning" Revision="1" Stencil="System.Storyboarding.Icons" StencilVersion="0.1"/>
+  <Id Name="System.Storyboarding.Icons.HandPointer" Revision="1" Stencil="System.Storyboarding.Icons" StencilVersion="0.1"/>
 </Control>
 </file>
 
-<file path=customXml/item31.xml><?xml version="1.0" encoding="utf-8"?>
-<Control xmlns="http://schemas.microsoft.com/VisualStudio/2011/storyboarding/control">
-  <Id Name="System.Storyboarding.Icons.Warning" Revision="1" Stencil="System.Storyboarding.Icons" StencilVersion="0.1"/>
-</Control>
-</file>
-
-<file path=customXml/item32.xml><?xml version="1.0" encoding="utf-8"?>
-<Control xmlns="http://schemas.microsoft.com/VisualStudio/2011/storyboarding/control">
-  <Id Name="System.Storyboarding.WindowsDesktop.ToolTip" Revision="1" Stencil="System.Storyboarding.WindowsDesktop" StencilVersion="0.1"/>
-</Control>
-</file>
-
-<file path=customXml/item33.xml><?xml version="1.0" encoding="utf-8"?>
+<file path=customXml/item42.xml><?xml version="1.0" encoding="utf-8"?>
 <Control xmlns="http://schemas.microsoft.com/VisualStudio/2011/storyboarding/control">
   <Id Name="System.Storyboarding.Common.Text" Revision="1" Stencil="System.Storyboarding.Common" StencilVersion="0.1"/>
 </Control>
 </file>
 
-<file path=customXml/item34.xml><?xml version="1.0" encoding="utf-8"?>
+<file path=customXml/item43.xml><?xml version="1.0" encoding="utf-8"?>
 <Control xmlns="http://schemas.microsoft.com/VisualStudio/2011/storyboarding/control">
-  <Id Name="System.Storyboarding.Common.TextInput" Revision="1" Stencil="System.Storyboarding.Common" StencilVersion="0.1"/>
+  <Id Name="System.Storyboarding.Common.DropdownBox" Revision="1" Stencil="System.Storyboarding.Common" StencilVersion="0.1"/>
 </Control>
 </file>
 
-<file path=customXml/item35.xml><?xml version="1.0" encoding="utf-8"?>
+<file path=customXml/item44.xml><?xml version="1.0" encoding="utf-8"?>
+<Control xmlns="http://schemas.microsoft.com/VisualStudio/2011/storyboarding/control">
+  <Id Name="System.Storyboarding.Icons.ShoppingCart" Revision="1" Stencil="System.Storyboarding.Icons" StencilVersion="0.1"/>
+</Control>
+</file>
+
+<file path=customXml/item45.xml><?xml version="1.0" encoding="utf-8"?>
 <Control xmlns="http://schemas.microsoft.com/VisualStudio/2011/storyboarding/control">
   <Id Name="System.Storyboarding.Icons.Star" Revision="1" Stencil="System.Storyboarding.Icons" StencilVersion="0.1"/>
 </Control>
 </file>
 
-<file path=customXml/item36.xml><?xml version="1.0" encoding="utf-8"?>
+<file path=customXml/item46.xml><?xml version="1.0" encoding="utf-8"?>
 <Control xmlns="http://schemas.microsoft.com/VisualStudio/2011/storyboarding/control">
-  <Id Name="System.Storyboarding.WindowsDesktop.ToolTip" Revision="1" Stencil="System.Storyboarding.WindowsDesktop" StencilVersion="0.1"/>
+  <Id Name="System.Storyboarding.Common.DataGrid" Revision="1" Stencil="System.Storyboarding.Common" StencilVersion="0.1"/>
 </Control>
 </file>
 
-<file path=customXml/item37.xml><?xml version="1.0" encoding="utf-8"?>
+<file path=customXml/item47.xml><?xml version="1.0" encoding="utf-8"?>
 <Control xmlns="http://schemas.microsoft.com/VisualStudio/2011/storyboarding/control">
-  <Id Name="System.Storyboarding.Common.TextInput" Revision="1" Stencil="System.Storyboarding.Common" StencilVersion="0.1"/>
+  <Id Name="System.Storyboarding.Icons.Star" Revision="1" Stencil="System.Storyboarding.Icons" StencilVersion="0.1"/>
 </Control>
 </file>
 
-<file path=customXml/item38.xml><?xml version="1.0" encoding="utf-8"?>
-<Control xmlns="http://schemas.microsoft.com/VisualStudio/2011/storyboarding/control">
-  <Id Name="System.Storyboarding.Common.RadioButtonSelected" Revision="1" Stencil="System.Storyboarding.Common" StencilVersion="0.1"/>
-</Control>
-</file>
-
-<file path=customXml/item39.xml><?xml version="1.0" encoding="utf-8"?>
-<Control xmlns="http://schemas.microsoft.com/VisualStudio/2011/storyboarding/control">
-  <Id Name="System.Storyboarding.Icons.ShoppingCart" Revision="1" Stencil="System.Storyboarding.Icons" StencilVersion="0.1"/>
-</Control>
-</file>
-
-<file path=customXml/item4.xml><?xml version="1.0" encoding="utf-8"?>
-<Control xmlns="http://schemas.microsoft.com/VisualStudio/2011/storyboarding/control">
-  <Id Name="System.Storyboarding.Common.TextInput" Revision="1" Stencil="System.Storyboarding.Common" StencilVersion="0.1"/>
-</Control>
-</file>
-
-<file path=customXml/item40.xml><?xml version="1.0" encoding="utf-8"?>
+<file path=customXml/item48.xml><?xml version="1.0" encoding="utf-8"?>
 <Control xmlns="http://schemas.microsoft.com/VisualStudio/2011/storyboarding/control">
   <Id Name="System.Storyboarding.Common.Text" Revision="1" Stencil="System.Storyboarding.Common" StencilVersion="0.1"/>
 </Control>
 </file>
 
-<file path=customXml/item41.xml><?xml version="1.0" encoding="utf-8"?>
-<Control xmlns="http://schemas.microsoft.com/VisualStudio/2011/storyboarding/control">
-  <Id Name="System.Storyboarding.Common.NumericStepper" Revision="1" Stencil="System.Storyboarding.Common" StencilVersion="0.1"/>
-</Control>
-</file>
-
-<file path=customXml/item42.xml><?xml version="1.0" encoding="utf-8"?>
-<Control xmlns="http://schemas.microsoft.com/VisualStudio/2011/storyboarding/control">
-  <Id Name="System.Storyboarding.Common.Button" Revision="1" Stencil="System.Storyboarding.Common" StencilVersion="0.1"/>
-</Control>
-</file>
-
-<file path=customXml/item43.xml><?xml version="1.0" encoding="utf-8"?>
-<Control xmlns="http://schemas.microsoft.com/VisualStudio/2011/storyboarding/control">
-  <Id Name="System.Storyboarding.Common.CheckBoxUnchecked" Revision="1" Stencil="System.Storyboarding.Common" StencilVersion="0.1"/>
-</Control>
-</file>
-
-<file path=customXml/item44.xml><?xml version="1.0" encoding="utf-8"?>
-<Control xmlns="http://schemas.microsoft.com/VisualStudio/2011/storyboarding/control">
-  <Id Name="System.Storyboarding.Icons.HandPointer" Revision="1" Stencil="System.Storyboarding.Icons" StencilVersion="0.1"/>
-</Control>
-</file>
-
-<file path=customXml/item45.xml><?xml version="1.0" encoding="utf-8"?>
-<Control xmlns="http://schemas.microsoft.com/VisualStudio/2011/storyboarding/control">
-  <Id Name="System.Storyboarding.Icons.ShoppingCart" Revision="1" Stencil="System.Storyboarding.Icons" StencilVersion="0.1"/>
-</Control>
-</file>
-
-<file path=customXml/item46.xml><?xml version="1.0" encoding="utf-8"?>
-<Control xmlns="http://schemas.microsoft.com/VisualStudio/2011/storyboarding/control">
-  <Id Name="System.Storyboarding.Icons.Star" Revision="1" Stencil="System.Storyboarding.Icons" StencilVersion="0.1"/>
-</Control>
-</file>
-
-<file path=customXml/item47.xml><?xml version="1.0" encoding="utf-8"?>
-<Control xmlns="http://schemas.microsoft.com/VisualStudio/2011/storyboarding/control">
-  <Id Name="System.Storyboarding.Common.TextInput" Revision="1" Stencil="System.Storyboarding.Common" StencilVersion="0.1"/>
-</Control>
-</file>
-
-<file path=customXml/item48.xml><?xml version="1.0" encoding="utf-8"?>
-<Control xmlns="http://schemas.microsoft.com/VisualStudio/2011/storyboarding/control">
-  <Id Name="System.Storyboarding.Icons.Star" Revision="1" Stencil="System.Storyboarding.Icons" StencilVersion="0.1"/>
-</Control>
-</file>
-
 <file path=customXml/item49.xml><?xml version="1.0" encoding="utf-8"?>
 <Control xmlns="http://schemas.microsoft.com/VisualStudio/2011/storyboarding/control">
-  <Id Name="System.Storyboarding.Icons.ShoppingCart" Revision="1" Stencil="System.Storyboarding.Icons" StencilVersion="0.1"/>
+  <Id Name="System.Storyboarding.Common.RadioButtonSelected" Revision="1" Stencil="System.Storyboarding.Common" StencilVersion="0.1"/>
 </Control>
 </file>
 
@@ -18241,73 +19427,73 @@
 
 <file path=customXml/item50.xml><?xml version="1.0" encoding="utf-8"?>
 <Control xmlns="http://schemas.microsoft.com/VisualStudio/2011/storyboarding/control">
-  <Id Name="System.Storyboarding.Icons.HandPointer" Revision="1" Stencil="System.Storyboarding.Icons" StencilVersion="0.1"/>
+  <Id Name="System.Storyboarding.Icons.Star" Revision="1" Stencil="System.Storyboarding.Icons" StencilVersion="0.1"/>
 </Control>
 </file>
 
 <file path=customXml/item51.xml><?xml version="1.0" encoding="utf-8"?>
 <Control xmlns="http://schemas.microsoft.com/VisualStudio/2011/storyboarding/control">
-  <Id Name="System.Storyboarding.Icons.User" Revision="1" Stencil="System.Storyboarding.Icons" StencilVersion="0.1"/>
+  <Id Name="System.Storyboarding.Icons.ShoppingCart" Revision="1" Stencil="System.Storyboarding.Icons" StencilVersion="0.1"/>
 </Control>
 </file>
 
 <file path=customXml/item52.xml><?xml version="1.0" encoding="utf-8"?>
 <Control xmlns="http://schemas.microsoft.com/VisualStudio/2011/storyboarding/control">
-  <Id Name="System.Storyboarding.WindowsDesktop.ToolTip" Revision="1" Stencil="System.Storyboarding.WindowsDesktop" StencilVersion="0.1"/>
+  <Id Name="System.Storyboarding.Common.Text" Revision="1" Stencil="System.Storyboarding.Common" StencilVersion="0.1"/>
 </Control>
 </file>
 
 <file path=customXml/item53.xml><?xml version="1.0" encoding="utf-8"?>
+<Control xmlns="http://schemas.microsoft.com/VisualStudio/2011/storyboarding/control">
+  <Id Name="System.Storyboarding.Common.DatePicker" Revision="1" Stencil="System.Storyboarding.Common" StencilVersion="0.1"/>
+</Control>
+</file>
+
+<file path=customXml/item54.xml><?xml version="1.0" encoding="utf-8"?>
+<Control xmlns="http://schemas.microsoft.com/VisualStudio/2011/storyboarding/control">
+  <Id Name="System.Storyboarding.Icons.CurvedArrow" Revision="1" Stencil="System.Storyboarding.Icons" StencilVersion="0.1"/>
+</Control>
+</file>
+
+<file path=customXml/item55.xml><?xml version="1.0" encoding="utf-8"?>
+<Control xmlns="http://schemas.microsoft.com/VisualStudio/2011/storyboarding/control">
+  <Id Name="System.Storyboarding.Icons.SpeechBubble" Revision="1" Stencil="System.Storyboarding.Icons" StencilVersion="0.1"/>
+</Control>
+</file>
+
+<file path=customXml/item56.xml><?xml version="1.0" encoding="utf-8"?>
+<Control xmlns="http://schemas.microsoft.com/VisualStudio/2011/storyboarding/control">
+  <Id Name="System.Storyboarding.Common.NumericStepper" Revision="1" Stencil="System.Storyboarding.Common" StencilVersion="0.1"/>
+</Control>
+</file>
+
+<file path=customXml/item57.xml><?xml version="1.0" encoding="utf-8"?>
+<Control xmlns="http://schemas.microsoft.com/VisualStudio/2011/storyboarding/control">
+  <Id Name="System.Storyboarding.Common.RadioButtonUnselected" Revision="1" Stencil="System.Storyboarding.Common" StencilVersion="0.1"/>
+</Control>
+</file>
+
+<file path=customXml/item58.xml><?xml version="1.0" encoding="utf-8"?>
+<Control xmlns="http://schemas.microsoft.com/VisualStudio/2011/storyboarding/control">
+  <Id Name="System.Storyboarding.Common.Button" Revision="1" Stencil="System.Storyboarding.Common" StencilVersion="0.1"/>
+</Control>
+</file>
+
+<file path=customXml/item59.xml><?xml version="1.0" encoding="utf-8"?>
+<Control xmlns="http://schemas.microsoft.com/VisualStudio/2011/storyboarding/control">
+  <Id Name="System.Storyboarding.Icons.Star" Revision="1" Stencil="System.Storyboarding.Icons" StencilVersion="0.1"/>
+</Control>
+</file>
+
+<file path=customXml/item6.xml><?xml version="1.0" encoding="utf-8"?>
 <Control xmlns="http://schemas.microsoft.com/VisualStudio/2011/storyboarding/control">
   <Id Name="System.Storyboarding.Icons.HandPointer" Revision="1" Stencil="System.Storyboarding.Icons" StencilVersion="0.1"/>
 </Control>
 </file>
 
-<file path=customXml/item54.xml><?xml version="1.0" encoding="utf-8"?>
-<Control xmlns="http://schemas.microsoft.com/VisualStudio/2011/storyboarding/control">
-  <Id Name="System.Storyboarding.Common.RadioButtonUnselected" Revision="1" Stencil="System.Storyboarding.Common" StencilVersion="0.1"/>
-</Control>
-</file>
-
-<file path=customXml/item55.xml><?xml version="1.0" encoding="utf-8"?>
-<Control xmlns="http://schemas.microsoft.com/VisualStudio/2011/storyboarding/control">
-  <Id Name="System.Storyboarding.Common.Text" Revision="1" Stencil="System.Storyboarding.Common" StencilVersion="0.1"/>
-</Control>
-</file>
-
-<file path=customXml/item56.xml><?xml version="1.0" encoding="utf-8"?>
-<Control xmlns="http://schemas.microsoft.com/VisualStudio/2011/storyboarding/control">
-  <Id Name="System.Storyboarding.Icons.ShoppingCart" Revision="1" Stencil="System.Storyboarding.Icons" StencilVersion="0.1"/>
-</Control>
-</file>
-
-<file path=customXml/item57.xml><?xml version="1.0" encoding="utf-8"?>
-<Control xmlns="http://schemas.microsoft.com/VisualStudio/2011/storyboarding/control">
-  <Id Name="System.Storyboarding.Common.Text" Revision="1" Stencil="System.Storyboarding.Common" StencilVersion="0.1"/>
-</Control>
-</file>
-
-<file path=customXml/item58.xml><?xml version="1.0" encoding="utf-8"?>
-<Control xmlns="http://schemas.microsoft.com/VisualStudio/2011/storyboarding/control">
-  <Id Name="System.Storyboarding.Common.DragSelection" Revision="1" Stencil="System.Storyboarding.Common" StencilVersion="0.1"/>
-</Control>
-</file>
-
-<file path=customXml/item59.xml><?xml version="1.0" encoding="utf-8"?>
-<Control xmlns="http://schemas.microsoft.com/VisualStudio/2011/storyboarding/control">
-  <Id Name="System.Storyboarding.Icons.ShoppingCart" Revision="1" Stencil="System.Storyboarding.Icons" StencilVersion="0.1"/>
-</Control>
-</file>
-
-<file path=customXml/item6.xml><?xml version="1.0" encoding="utf-8"?>
-<Control xmlns="http://schemas.microsoft.com/VisualStudio/2011/storyboarding/control">
-  <Id Name="System.Storyboarding.Common.Text" Revision="1" Stencil="System.Storyboarding.Common" StencilVersion="0.1"/>
-</Control>
-</file>
-
 <file path=customXml/item60.xml><?xml version="1.0" encoding="utf-8"?>
 <Control xmlns="http://schemas.microsoft.com/VisualStudio/2011/storyboarding/control">
-  <Id Name="System.Storyboarding.Common.Text" Revision="1" Stencil="System.Storyboarding.Common" StencilVersion="0.1"/>
+  <Id Name="System.Storyboarding.WindowsDesktop.ToolTip" Revision="1" Stencil="System.Storyboarding.WindowsDesktop" StencilVersion="0.1"/>
 </Control>
 </file>
 
@@ -18319,145 +19505,145 @@
 
 <file path=customXml/item62.xml><?xml version="1.0" encoding="utf-8"?>
 <Control xmlns="http://schemas.microsoft.com/VisualStudio/2011/storyboarding/control">
+  <Id Name="System.Storyboarding.Common.DropdownBox" Revision="1" Stencil="System.Storyboarding.Common" StencilVersion="0.1"/>
+</Control>
+</file>
+
+<file path=customXml/item63.xml><?xml version="1.0" encoding="utf-8"?>
+<Control xmlns="http://schemas.microsoft.com/VisualStudio/2011/storyboarding/control">
+  <Id Name="System.Storyboarding.Common.DropdownBox" Revision="1" Stencil="System.Storyboarding.Common" StencilVersion="0.1"/>
+</Control>
+</file>
+
+<file path=customXml/item64.xml><?xml version="1.0" encoding="utf-8"?>
+<Control xmlns="http://schemas.microsoft.com/VisualStudio/2011/storyboarding/control">
+  <Id Name="System.Storyboarding.Icons.CurvedArrow" Revision="1" Stencil="System.Storyboarding.Icons" StencilVersion="0.1"/>
+</Control>
+</file>
+
+<file path=customXml/item65.xml><?xml version="1.0" encoding="utf-8"?>
+<Control xmlns="http://schemas.microsoft.com/VisualStudio/2011/storyboarding/control">
+  <Id Name="System.Storyboarding.Common.TabGroup" Revision="1" Stencil="System.Storyboarding.Common" StencilVersion="0.1"/>
+</Control>
+</file>
+
+<file path=customXml/item66.xml><?xml version="1.0" encoding="utf-8"?>
+<Control xmlns="http://schemas.microsoft.com/VisualStudio/2011/storyboarding/control">
+  <Id Name="System.Storyboarding.Common.Text" Revision="1" Stencil="System.Storyboarding.Common" StencilVersion="0.1"/>
+</Control>
+</file>
+
+<file path=customXml/item67.xml><?xml version="1.0" encoding="utf-8"?>
+<Control xmlns="http://schemas.microsoft.com/VisualStudio/2011/storyboarding/control">
   <Id Name="System.Storyboarding.Icons.Star" Revision="1" Stencil="System.Storyboarding.Icons" StencilVersion="0.1"/>
 </Control>
 </file>
 
-<file path=customXml/item63.xml><?xml version="1.0" encoding="utf-8"?>
+<file path=customXml/item68.xml><?xml version="1.0" encoding="utf-8"?>
 <Control xmlns="http://schemas.microsoft.com/VisualStudio/2011/storyboarding/control">
-  <Id Name="System.Storyboarding.Common.NumericStepper" Revision="1" Stencil="System.Storyboarding.Common" StencilVersion="0.1"/>
+  <Id Name="System.Storyboarding.Common.TextArea" Revision="1" Stencil="System.Storyboarding.Common" StencilVersion="0.1"/>
 </Control>
 </file>
 
-<file path=customXml/item64.xml><?xml version="1.0" encoding="utf-8"?>
+<file path=customXml/item69.xml><?xml version="1.0" encoding="utf-8"?>
+<Control xmlns="http://schemas.microsoft.com/VisualStudio/2011/storyboarding/control">
+  <Id Name="System.Storyboarding.Common.Text" Revision="1" Stencil="System.Storyboarding.Common" StencilVersion="0.1"/>
+</Control>
+</file>
+
+<file path=customXml/item7.xml><?xml version="1.0" encoding="utf-8"?>
+<Control xmlns="http://schemas.microsoft.com/VisualStudio/2011/storyboarding/control">
+  <Id Name="System.Storyboarding.Common.Text" Revision="1" Stencil="System.Storyboarding.Common" StencilVersion="0.1"/>
+</Control>
+</file>
+
+<file path=customXml/item70.xml><?xml version="1.0" encoding="utf-8"?>
+<Control xmlns="http://schemas.microsoft.com/VisualStudio/2011/storyboarding/control">
+  <Id Name="System.Storyboarding.WindowsDesktop.ToolTip" Revision="1" Stencil="System.Storyboarding.WindowsDesktop" StencilVersion="0.1"/>
+</Control>
+</file>
+
+<file path=customXml/item71.xml><?xml version="1.0" encoding="utf-8"?>
+<Control xmlns="http://schemas.microsoft.com/VisualStudio/2011/storyboarding/control">
+  <Id Name="System.Storyboarding.Icons.ShoppingCart" Revision="1" Stencil="System.Storyboarding.Icons" StencilVersion="0.1"/>
+</Control>
+</file>
+
+<file path=customXml/item72.xml><?xml version="1.0" encoding="utf-8"?>
+<Control xmlns="http://schemas.microsoft.com/VisualStudio/2011/storyboarding/control">
+  <Id Name="System.Storyboarding.Common.Text" Revision="1" Stencil="System.Storyboarding.Common" StencilVersion="0.1"/>
+</Control>
+</file>
+
+<file path=customXml/item73.xml><?xml version="1.0" encoding="utf-8"?>
+<Control xmlns="http://schemas.microsoft.com/VisualStudio/2011/storyboarding/control">
+  <Id Name="System.Storyboarding.Common.Hyperlink" Revision="1" Stencil="System.Storyboarding.Common" StencilVersion="0.1"/>
+</Control>
+</file>
+
+<file path=customXml/item74.xml><?xml version="1.0" encoding="utf-8"?>
+<Control xmlns="http://schemas.microsoft.com/VisualStudio/2011/storyboarding/control">
+  <Id Name="System.Storyboarding.Icons.DownArrow" Revision="1" Stencil="System.Storyboarding.Icons" StencilVersion="0.1"/>
+</Control>
+</file>
+
+<file path=customXml/item75.xml><?xml version="1.0" encoding="utf-8"?>
+<Control xmlns="http://schemas.microsoft.com/VisualStudio/2011/storyboarding/control">
+  <Id Name="System.Storyboarding.Common.Text" Revision="1" Stencil="System.Storyboarding.Common" StencilVersion="0.1"/>
+</Control>
+</file>
+
+<file path=customXml/item76.xml><?xml version="1.0" encoding="utf-8"?>
+<Control xmlns="http://schemas.microsoft.com/VisualStudio/2011/storyboarding/control">
+  <Id Name="System.Storyboarding.Icons.Warning" Revision="1" Stencil="System.Storyboarding.Icons" StencilVersion="0.1"/>
+</Control>
+</file>
+
+<file path=customXml/item77.xml><?xml version="1.0" encoding="utf-8"?>
+<Control xmlns="http://schemas.microsoft.com/VisualStudio/2011/storyboarding/control">
+  <Id Name="System.Storyboarding.Icons.HandPointer" Revision="1" Stencil="System.Storyboarding.Icons" StencilVersion="0.1"/>
+</Control>
+</file>
+
+<file path=customXml/item78.xml><?xml version="1.0" encoding="utf-8"?>
+<Control xmlns="http://schemas.microsoft.com/VisualStudio/2011/storyboarding/control">
+  <Id Name="System.Storyboarding.WindowsDesktop.ToolTip" Revision="1" Stencil="System.Storyboarding.WindowsDesktop" StencilVersion="0.1"/>
+</Control>
+</file>
+
+<file path=customXml/item79.xml><?xml version="1.0" encoding="utf-8"?>
+<Control xmlns="http://schemas.microsoft.com/VisualStudio/2011/storyboarding/control">
+  <Id Name="System.Storyboarding.Common.Text" Revision="1" Stencil="System.Storyboarding.Common" StencilVersion="0.1"/>
+</Control>
+</file>
+
+<file path=customXml/item8.xml><?xml version="1.0" encoding="utf-8"?>
+<Control xmlns="http://schemas.microsoft.com/VisualStudio/2011/storyboarding/control">
+  <Id Name="System.Storyboarding.Icons.CurvedArrow" Revision="1" Stencil="System.Storyboarding.Icons" StencilVersion="0.1"/>
+</Control>
+</file>
+
+<file path=customXml/item80.xml><?xml version="1.0" encoding="utf-8"?>
 <Control xmlns="http://schemas.microsoft.com/VisualStudio/2011/storyboarding/control">
   <Id Name="System.Storyboarding.Common.TextInput" Revision="1" Stencil="System.Storyboarding.Common" StencilVersion="0.1"/>
 </Control>
 </file>
 
-<file path=customXml/item65.xml><?xml version="1.0" encoding="utf-8"?>
-<Control xmlns="http://schemas.microsoft.com/VisualStudio/2011/storyboarding/control">
-  <Id Name="System.Storyboarding.Common.TextInput" Revision="1" Stencil="System.Storyboarding.Common" StencilVersion="0.1"/>
-</Control>
-</file>
-
-<file path=customXml/item66.xml><?xml version="1.0" encoding="utf-8"?>
-<Control xmlns="http://schemas.microsoft.com/VisualStudio/2011/storyboarding/control">
-  <Id Name="System.Storyboarding.Icons.Envelope" Revision="1" Stencil="System.Storyboarding.Icons" StencilVersion="0.1"/>
-</Control>
-</file>
-
-<file path=customXml/item67.xml><?xml version="1.0" encoding="utf-8"?>
-<Control xmlns="http://schemas.microsoft.com/VisualStudio/2011/storyboarding/control">
-  <Id Name="System.Storyboarding.Common.Text" Revision="1" Stencil="System.Storyboarding.Common" StencilVersion="0.1"/>
-</Control>
-</file>
-
-<file path=customXml/item68.xml><?xml version="1.0" encoding="utf-8"?>
-<Control xmlns="http://schemas.microsoft.com/VisualStudio/2011/storyboarding/control">
-  <Id Name="System.Storyboarding.Common.Text" Revision="1" Stencil="System.Storyboarding.Common" StencilVersion="0.1"/>
-</Control>
-</file>
-
-<file path=customXml/item69.xml><?xml version="1.0" encoding="utf-8"?>
-<Control xmlns="http://schemas.microsoft.com/VisualStudio/2011/storyboarding/control">
-  <Id Name="System.Storyboarding.Common.RadioButtonUnselected" Revision="1" Stencil="System.Storyboarding.Common" StencilVersion="0.1"/>
-</Control>
-</file>
-
-<file path=customXml/item7.xml><?xml version="1.0" encoding="utf-8"?>
-<Control xmlns="http://schemas.microsoft.com/VisualStudio/2011/storyboarding/control">
-  <Id Name="System.Storyboarding.Common.TabGroup" Revision="1" Stencil="System.Storyboarding.Common" StencilVersion="0.1"/>
-</Control>
-</file>
-
-<file path=customXml/item70.xml><?xml version="1.0" encoding="utf-8"?>
-<Control xmlns="http://schemas.microsoft.com/VisualStudio/2011/storyboarding/control">
-  <Id Name="System.Storyboarding.Common.Button" Revision="1" Stencil="System.Storyboarding.Common" StencilVersion="0.1"/>
-</Control>
-</file>
-
-<file path=customXml/item71.xml><?xml version="1.0" encoding="utf-8"?>
-<Control xmlns="http://schemas.microsoft.com/VisualStudio/2011/storyboarding/control">
-  <Id Name="System.Storyboarding.Common.DataGrid" Revision="1" Stencil="System.Storyboarding.Common" StencilVersion="0.1"/>
-</Control>
-</file>
-
-<file path=customXml/item72.xml><?xml version="1.0" encoding="utf-8"?>
+<file path=customXml/item81.xml><?xml version="1.0" encoding="utf-8"?>
 <Control xmlns="http://schemas.microsoft.com/VisualStudio/2011/storyboarding/control">
   <Id Name="System.Storyboarding.Icons.Star" Revision="1" Stencil="System.Storyboarding.Icons" StencilVersion="0.1"/>
 </Control>
 </file>
 
-<file path=customXml/item73.xml><?xml version="1.0" encoding="utf-8"?>
-<Control xmlns="http://schemas.microsoft.com/VisualStudio/2011/storyboarding/control">
-  <Id Name="System.Storyboarding.Icons.Star" Revision="1" Stencil="System.Storyboarding.Icons" StencilVersion="0.1"/>
-</Control>
-</file>
-
-<file path=customXml/item74.xml><?xml version="1.0" encoding="utf-8"?>
-<Control xmlns="http://schemas.microsoft.com/VisualStudio/2011/storyboarding/control">
-  <Id Name="System.Storyboarding.Icons.Star" Revision="1" Stencil="System.Storyboarding.Icons" StencilVersion="0.1"/>
-</Control>
-</file>
-
-<file path=customXml/item75.xml><?xml version="1.0" encoding="utf-8"?>
-<Control xmlns="http://schemas.microsoft.com/VisualStudio/2011/storyboarding/control">
-  <Id Name="System.Storyboarding.Icons.Star" Revision="1" Stencil="System.Storyboarding.Icons" StencilVersion="0.1"/>
-</Control>
-</file>
-
-<file path=customXml/item76.xml><?xml version="1.0" encoding="utf-8"?>
-<Control xmlns="http://schemas.microsoft.com/VisualStudio/2011/storyboarding/control">
-  <Id Name="System.Storyboarding.Icons.Star" Revision="1" Stencil="System.Storyboarding.Icons" StencilVersion="0.1"/>
-</Control>
-</file>
-
-<file path=customXml/item77.xml><?xml version="1.0" encoding="utf-8"?>
+<file path=customXml/item82.xml><?xml version="1.0" encoding="utf-8"?>
 <Control xmlns="http://schemas.microsoft.com/VisualStudio/2011/storyboarding/control">
   <Id Name="System.Storyboarding.Icons.ShoppingCart" Revision="1" Stencil="System.Storyboarding.Icons" StencilVersion="0.1"/>
 </Control>
 </file>
 
-<file path=customXml/item78.xml><?xml version="1.0" encoding="utf-8"?>
+<file path=customXml/item83.xml><?xml version="1.0" encoding="utf-8"?>
 <Control xmlns="http://schemas.microsoft.com/VisualStudio/2011/storyboarding/control">
   <Id Name="System.Storyboarding.Icons.ShoppingCart" Revision="1" Stencil="System.Storyboarding.Icons" StencilVersion="0.1"/>
-</Control>
-</file>
-
-<file path=customXml/item79.xml><?xml version="1.0" encoding="utf-8"?>
-<Control xmlns="http://schemas.microsoft.com/VisualStudio/2011/storyboarding/control">
-  <Id Name="System.Storyboarding.Icons.ShoppingCart" Revision="1" Stencil="System.Storyboarding.Icons" StencilVersion="0.1"/>
-</Control>
-</file>
-
-<file path=customXml/item8.xml><?xml version="1.0" encoding="utf-8"?>
-<Control xmlns="http://schemas.microsoft.com/VisualStudio/2011/storyboarding/control">
-  <Id Name="System.Storyboarding.Icons.HandPointer" Revision="1" Stencil="System.Storyboarding.Icons" StencilVersion="0.1"/>
-</Control>
-</file>
-
-<file path=customXml/item80.xml><?xml version="1.0" encoding="utf-8"?>
-<Control xmlns="http://schemas.microsoft.com/VisualStudio/2011/storyboarding/control">
-  <Id Name="System.Storyboarding.Icons.ShoppingCart" Revision="1" Stencil="System.Storyboarding.Icons" StencilVersion="0.1"/>
-</Control>
-</file>
-
-<file path=customXml/item81.xml><?xml version="1.0" encoding="utf-8"?>
-<Control xmlns="http://schemas.microsoft.com/VisualStudio/2011/storyboarding/control">
-  <Id Name="System.Storyboarding.Icons.ShoppingCart" Revision="1" Stencil="System.Storyboarding.Icons" StencilVersion="0.1"/>
-</Control>
-</file>
-
-<file path=customXml/item82.xml><?xml version="1.0" encoding="utf-8"?>
-<Control xmlns="http://schemas.microsoft.com/VisualStudio/2011/storyboarding/control">
-  <Id Name="System.Storyboarding.WindowsDesktop.ToolTip" Revision="1" Stencil="System.Storyboarding.WindowsDesktop" StencilVersion="0.1"/>
-</Control>
-</file>
-
-<file path=customXml/item83.xml><?xml version="1.0" encoding="utf-8"?>
-<Control xmlns="http://schemas.microsoft.com/VisualStudio/2011/storyboarding/control">
-  <Id Name="System.Storyboarding.WindowsDesktop.ToolTip" Revision="1" Stencil="System.Storyboarding.WindowsDesktop" StencilVersion="0.1"/>
 </Control>
 </file>
 
@@ -18469,67 +19655,67 @@
 
 <file path=customXml/item85.xml><?xml version="1.0" encoding="utf-8"?>
 <Control xmlns="http://schemas.microsoft.com/VisualStudio/2011/storyboarding/control">
-  <Id Name="System.Storyboarding.Icons.HandPointer" Revision="1" Stencil="System.Storyboarding.Icons" StencilVersion="0.1"/>
+  <Id Name="System.Storyboarding.Common.Button" Revision="1" Stencil="System.Storyboarding.Common" StencilVersion="0.1"/>
 </Control>
 </file>
 
 <file path=customXml/item86.xml><?xml version="1.0" encoding="utf-8"?>
+<Control xmlns="http://schemas.microsoft.com/VisualStudio/2011/storyboarding/control">
+  <Id Name="System.Storyboarding.Common.Text" Revision="1" Stencil="System.Storyboarding.Common" StencilVersion="0.1"/>
+</Control>
+</file>
+
+<file path=customXml/item87.xml><?xml version="1.0" encoding="utf-8"?>
+<Control xmlns="http://schemas.microsoft.com/VisualStudio/2011/storyboarding/control">
+  <Id Name="System.Storyboarding.Common.TextInput" Revision="1" Stencil="System.Storyboarding.Common" StencilVersion="0.1"/>
+</Control>
+</file>
+
+<file path=customXml/item88.xml><?xml version="1.0" encoding="utf-8"?>
 <Control xmlns="http://schemas.microsoft.com/VisualStudio/2011/storyboarding/control">
   <Id Name="System.Storyboarding.Icons.HandPointer" Revision="1" Stencil="System.Storyboarding.Icons" StencilVersion="0.1"/>
 </Control>
 </file>
 
-<file path=customXml/item87.xml><?xml version="1.0" encoding="utf-8"?>
-<Control xmlns="http://schemas.microsoft.com/VisualStudio/2011/storyboarding/control">
-  <Id Name="System.Storyboarding.Common.TabGroup" Revision="1" Stencil="System.Storyboarding.Common" StencilVersion="0.1"/>
-</Control>
-</file>
-
-<file path=customXml/item88.xml><?xml version="1.0" encoding="utf-8"?>
-<Control xmlns="http://schemas.microsoft.com/VisualStudio/2011/storyboarding/control">
-  <Id Name="System.Storyboarding.Common.Text" Revision="1" Stencil="System.Storyboarding.Common" StencilVersion="0.1"/>
-</Control>
-</file>
-
 <file path=customXml/item89.xml><?xml version="1.0" encoding="utf-8"?>
 <Control xmlns="http://schemas.microsoft.com/VisualStudio/2011/storyboarding/control">
-  <Id Name="System.Storyboarding.Common.Text" Revision="1" Stencil="System.Storyboarding.Common" StencilVersion="0.1"/>
+  <Id Name="System.Storyboarding.Common.RadioButtonSelected" Revision="1" Stencil="System.Storyboarding.Common" StencilVersion="0.1"/>
 </Control>
 </file>
 
 <file path=customXml/item9.xml><?xml version="1.0" encoding="utf-8"?>
 <Control xmlns="http://schemas.microsoft.com/VisualStudio/2011/storyboarding/control">
-  <Id Name="System.Storyboarding.Icons.HandPointer" Revision="1" Stencil="System.Storyboarding.Icons" StencilVersion="0.1"/>
+  <Id Name="System.Storyboarding.Common.Button" Revision="1" Stencil="System.Storyboarding.Common" StencilVersion="0.1"/>
 </Control>
 </file>
 
 <file path=customXml/item90.xml><?xml version="1.0" encoding="utf-8"?>
+<Control xmlns="http://schemas.microsoft.com/VisualStudio/2011/storyboarding/control">
+  <Id Name="System.Storyboarding.Common.CheckBoxChecked" Revision="1" Stencil="System.Storyboarding.Common" StencilVersion="0.1"/>
+</Control>
+</file>
+
+<file path=customXml/item91.xml><?xml version="1.0" encoding="utf-8"?>
+<Control xmlns="http://schemas.microsoft.com/VisualStudio/2011/storyboarding/control">
+  <Id Name="System.Storyboarding.Icons.ShoppingCart" Revision="1" Stencil="System.Storyboarding.Icons" StencilVersion="0.1"/>
+</Control>
+</file>
+
+<file path=customXml/item92.xml><?xml version="1.0" encoding="utf-8"?>
+<Control xmlns="http://schemas.microsoft.com/VisualStudio/2011/storyboarding/control">
+  <Id Name="System.Storyboarding.Icons.CurvedArrow" Revision="1" Stencil="System.Storyboarding.Icons" StencilVersion="0.1"/>
+</Control>
+</file>
+
+<file path=customXml/item93.xml><?xml version="1.0" encoding="utf-8"?>
 <Control xmlns="http://schemas.microsoft.com/VisualStudio/2011/storyboarding/control">
   <Id Name="System.Storyboarding.Common.TextInput" Revision="1" Stencil="System.Storyboarding.Common" StencilVersion="0.1"/>
 </Control>
 </file>
 
-<file path=customXml/item91.xml><?xml version="1.0" encoding="utf-8"?>
-<Control xmlns="http://schemas.microsoft.com/VisualStudio/2011/storyboarding/control">
-  <Id Name="System.Storyboarding.Common.DropdownBox" Revision="1" Stencil="System.Storyboarding.Common" StencilVersion="0.1"/>
-</Control>
-</file>
-
-<file path=customXml/item92.xml><?xml version="1.0" encoding="utf-8"?>
-<Control xmlns="http://schemas.microsoft.com/VisualStudio/2011/storyboarding/control">
-  <Id Name="System.Storyboarding.Common.NumericStepper" Revision="1" Stencil="System.Storyboarding.Common" StencilVersion="0.1"/>
-</Control>
-</file>
-
-<file path=customXml/item93.xml><?xml version="1.0" encoding="utf-8"?>
-<Control xmlns="http://schemas.microsoft.com/VisualStudio/2011/storyboarding/control">
-  <Id Name="System.Storyboarding.Common.Text" Revision="1" Stencil="System.Storyboarding.Common" StencilVersion="0.1"/>
-</Control>
-</file>
-
 <file path=customXml/item94.xml><?xml version="1.0" encoding="utf-8"?>
 <Control xmlns="http://schemas.microsoft.com/VisualStudio/2011/storyboarding/control">
-  <Id Name="System.Storyboarding.Common.Button" Revision="1" Stencil="System.Storyboarding.Common" StencilVersion="0.1"/>
+  <Id Name="System.Storyboarding.Icons.HandPointer" Revision="1" Stencil="System.Storyboarding.Icons" StencilVersion="0.1"/>
 </Control>
 </file>
 
@@ -18541,7 +19727,7 @@
 
 <file path=customXml/item96.xml><?xml version="1.0" encoding="utf-8"?>
 <Control xmlns="http://schemas.microsoft.com/VisualStudio/2011/storyboarding/control">
-  <Id Name="System.Storyboarding.Common.DropdownBox" Revision="1" Stencil="System.Storyboarding.Common" StencilVersion="0.1"/>
+  <Id Name="System.Storyboarding.Icons.Star" Revision="1" Stencil="System.Storyboarding.Icons" StencilVersion="0.1"/>
 </Control>
 </file>
 
@@ -18553,18 +19739,18 @@
 
 <file path=customXml/item98.xml><?xml version="1.0" encoding="utf-8"?>
 <Control xmlns="http://schemas.microsoft.com/VisualStudio/2011/storyboarding/control">
-  <Id Name="System.Storyboarding.Common.DropdownBox" Revision="1" Stencil="System.Storyboarding.Common" StencilVersion="0.1"/>
+  <Id Name="System.Storyboarding.Common.DatePicker" Revision="1" Stencil="System.Storyboarding.Common" StencilVersion="0.1"/>
 </Control>
 </file>
 
 <file path=customXml/item99.xml><?xml version="1.0" encoding="utf-8"?>
 <Control xmlns="http://schemas.microsoft.com/VisualStudio/2011/storyboarding/control">
-  <Id Name="System.Storyboarding.Common.Text" Revision="1" Stencil="System.Storyboarding.Common" StencilVersion="0.1"/>
+  <Id Name="System.Storyboarding.Common.TabGroup" Revision="1" Stencil="System.Storyboarding.Common" StencilVersion="0.1"/>
 </Control>
 </file>
 
 <file path=customXml/itemProps1.xml><?xml version="1.0" encoding="utf-8"?>
-<ds:datastoreItem xmlns:ds="http://schemas.openxmlformats.org/officeDocument/2006/customXml" ds:itemID="{FF284517-1DEA-483A-AE14-16B53F8C4017}">
+<ds:datastoreItem xmlns:ds="http://schemas.openxmlformats.org/officeDocument/2006/customXml" ds:itemID="{88FF388B-936F-494E-A575-6D8128D38F2C}">
   <ds:schemaRefs>
     <ds:schemaRef ds:uri="http://schemas.microsoft.com/VisualStudio/2011/storyboarding/control"/>
   </ds:schemaRefs>
@@ -18572,70 +19758,6 @@
 </file>
 
 <file path=customXml/itemProps10.xml><?xml version="1.0" encoding="utf-8"?>
-<ds:datastoreItem xmlns:ds="http://schemas.openxmlformats.org/officeDocument/2006/customXml" ds:itemID="{BE10085E-8F62-44FE-A6C4-77F3F9B93BFD}">
-  <ds:schemaRefs>
-    <ds:schemaRef ds:uri="http://schemas.microsoft.com/VisualStudio/2011/storyboarding/control"/>
-  </ds:schemaRefs>
-</ds:datastoreItem>
-</file>
-
-<file path=customXml/itemProps100.xml><?xml version="1.0" encoding="utf-8"?>
-<ds:datastoreItem xmlns:ds="http://schemas.openxmlformats.org/officeDocument/2006/customXml" ds:itemID="{E4B5B485-683D-4DEA-B56B-01CED7BABF5B}">
-  <ds:schemaRefs>
-    <ds:schemaRef ds:uri="http://schemas.microsoft.com/VisualStudio/2011/storyboarding/control"/>
-  </ds:schemaRefs>
-</ds:datastoreItem>
-</file>
-
-<file path=customXml/itemProps101.xml><?xml version="1.0" encoding="utf-8"?>
-<ds:datastoreItem xmlns:ds="http://schemas.openxmlformats.org/officeDocument/2006/customXml" ds:itemID="{1E5188A6-4CE6-4435-8719-E23B8CDB9429}">
-  <ds:schemaRefs>
-    <ds:schemaRef ds:uri="http://schemas.microsoft.com/VisualStudio/2011/storyboarding/control"/>
-  </ds:schemaRefs>
-</ds:datastoreItem>
-</file>
-
-<file path=customXml/itemProps102.xml><?xml version="1.0" encoding="utf-8"?>
-<ds:datastoreItem xmlns:ds="http://schemas.openxmlformats.org/officeDocument/2006/customXml" ds:itemID="{D5205093-BB2B-40C2-98A8-A9F6399BA396}">
-  <ds:schemaRefs>
-    <ds:schemaRef ds:uri="http://schemas.microsoft.com/VisualStudio/2011/storyboarding/control"/>
-  </ds:schemaRefs>
-</ds:datastoreItem>
-</file>
-
-<file path=customXml/itemProps103.xml><?xml version="1.0" encoding="utf-8"?>
-<ds:datastoreItem xmlns:ds="http://schemas.openxmlformats.org/officeDocument/2006/customXml" ds:itemID="{9A9FC5EF-7BAE-4716-8A24-B85392335D82}">
-  <ds:schemaRefs>
-    <ds:schemaRef ds:uri="http://schemas.microsoft.com/VisualStudio/2011/storyboarding/control"/>
-  </ds:schemaRefs>
-</ds:datastoreItem>
-</file>
-
-<file path=customXml/itemProps104.xml><?xml version="1.0" encoding="utf-8"?>
-<ds:datastoreItem xmlns:ds="http://schemas.openxmlformats.org/officeDocument/2006/customXml" ds:itemID="{A147C2B5-40E8-429C-BE34-7938697C5C66}">
-  <ds:schemaRefs>
-    <ds:schemaRef ds:uri="http://schemas.microsoft.com/VisualStudio/2011/storyboarding/control"/>
-  </ds:schemaRefs>
-</ds:datastoreItem>
-</file>
-
-<file path=customXml/itemProps105.xml><?xml version="1.0" encoding="utf-8"?>
-<ds:datastoreItem xmlns:ds="http://schemas.openxmlformats.org/officeDocument/2006/customXml" ds:itemID="{CC090315-C3EF-4E31-9BC2-E49164C00556}">
-  <ds:schemaRefs>
-    <ds:schemaRef ds:uri="http://schemas.microsoft.com/VisualStudio/2011/storyboarding/control"/>
-  </ds:schemaRefs>
-</ds:datastoreItem>
-</file>
-
-<file path=customXml/itemProps106.xml><?xml version="1.0" encoding="utf-8"?>
-<ds:datastoreItem xmlns:ds="http://schemas.openxmlformats.org/officeDocument/2006/customXml" ds:itemID="{AFE23348-B39F-4C03-8ACB-304CB849E116}">
-  <ds:schemaRefs>
-    <ds:schemaRef ds:uri="http://schemas.microsoft.com/VisualStudio/2011/storyboarding/control"/>
-  </ds:schemaRefs>
-</ds:datastoreItem>
-</file>
-
-<file path=customXml/itemProps107.xml><?xml version="1.0" encoding="utf-8"?>
 <ds:datastoreItem xmlns:ds="http://schemas.openxmlformats.org/officeDocument/2006/customXml" ds:itemID="{5D8B0E09-8918-4A3B-A8C3-C8F08ABA4428}">
   <ds:schemaRefs>
     <ds:schemaRef ds:uri="http://schemas.microsoft.com/VisualStudio/2011/storyboarding/control"/>
@@ -18643,16 +19765,80 @@
 </ds:datastoreItem>
 </file>
 
-<file path=customXml/itemProps108.xml><?xml version="1.0" encoding="utf-8"?>
-<ds:datastoreItem xmlns:ds="http://schemas.openxmlformats.org/officeDocument/2006/customXml" ds:itemID="{221B0244-0801-4967-9891-48EEB15F2F18}">
+<file path=customXml/itemProps100.xml><?xml version="1.0" encoding="utf-8"?>
+<ds:datastoreItem xmlns:ds="http://schemas.openxmlformats.org/officeDocument/2006/customXml" ds:itemID="{42063805-6CB9-4EB6-A3CE-140E342850A1}">
   <ds:schemaRefs>
     <ds:schemaRef ds:uri="http://schemas.microsoft.com/VisualStudio/2011/storyboarding/control"/>
   </ds:schemaRefs>
 </ds:datastoreItem>
 </file>
 
+<file path=customXml/itemProps101.xml><?xml version="1.0" encoding="utf-8"?>
+<ds:datastoreItem xmlns:ds="http://schemas.openxmlformats.org/officeDocument/2006/customXml" ds:itemID="{3F432E18-CBCB-42D0-A7E7-33B1387D14AE}">
+  <ds:schemaRefs>
+    <ds:schemaRef ds:uri="http://schemas.microsoft.com/VisualStudio/2011/storyboarding/control"/>
+  </ds:schemaRefs>
+</ds:datastoreItem>
+</file>
+
+<file path=customXml/itemProps102.xml><?xml version="1.0" encoding="utf-8"?>
+<ds:datastoreItem xmlns:ds="http://schemas.openxmlformats.org/officeDocument/2006/customXml" ds:itemID="{5E6F5FDC-2093-441C-92ED-C35DBC007D0F}">
+  <ds:schemaRefs>
+    <ds:schemaRef ds:uri="http://schemas.microsoft.com/VisualStudio/2011/storyboarding/control"/>
+  </ds:schemaRefs>
+</ds:datastoreItem>
+</file>
+
+<file path=customXml/itemProps103.xml><?xml version="1.0" encoding="utf-8"?>
+<ds:datastoreItem xmlns:ds="http://schemas.openxmlformats.org/officeDocument/2006/customXml" ds:itemID="{DACCD0EB-1B7A-4C8A-9B7E-726E900234E0}">
+  <ds:schemaRefs>
+    <ds:schemaRef ds:uri="http://schemas.microsoft.com/VisualStudio/2011/storyboarding/control"/>
+  </ds:schemaRefs>
+</ds:datastoreItem>
+</file>
+
+<file path=customXml/itemProps104.xml><?xml version="1.0" encoding="utf-8"?>
+<ds:datastoreItem xmlns:ds="http://schemas.openxmlformats.org/officeDocument/2006/customXml" ds:itemID="{E22473B6-028C-4621-B51B-A79A7F2A92EE}">
+  <ds:schemaRefs>
+    <ds:schemaRef ds:uri="http://schemas.microsoft.com/VisualStudio/2011/storyboarding/control"/>
+  </ds:schemaRefs>
+</ds:datastoreItem>
+</file>
+
+<file path=customXml/itemProps105.xml><?xml version="1.0" encoding="utf-8"?>
+<ds:datastoreItem xmlns:ds="http://schemas.openxmlformats.org/officeDocument/2006/customXml" ds:itemID="{97E85E79-3453-4406-A138-2BED0C524D02}">
+  <ds:schemaRefs>
+    <ds:schemaRef ds:uri="http://schemas.microsoft.com/VisualStudio/2011/storyboarding/control"/>
+  </ds:schemaRefs>
+</ds:datastoreItem>
+</file>
+
+<file path=customXml/itemProps106.xml><?xml version="1.0" encoding="utf-8"?>
+<ds:datastoreItem xmlns:ds="http://schemas.openxmlformats.org/officeDocument/2006/customXml" ds:itemID="{C203A4C3-7CA4-4E41-A180-DCD93F0B08DE}">
+  <ds:schemaRefs>
+    <ds:schemaRef ds:uri="http://schemas.microsoft.com/VisualStudio/2011/storyboarding/control"/>
+  </ds:schemaRefs>
+</ds:datastoreItem>
+</file>
+
+<file path=customXml/itemProps107.xml><?xml version="1.0" encoding="utf-8"?>
+<ds:datastoreItem xmlns:ds="http://schemas.openxmlformats.org/officeDocument/2006/customXml" ds:itemID="{55B5B6F8-9901-492E-97D6-EAC91518CD9E}">
+  <ds:schemaRefs>
+    <ds:schemaRef ds:uri="http://schemas.microsoft.com/VisualStudio/2011/storyboarding/control"/>
+  </ds:schemaRefs>
+</ds:datastoreItem>
+</file>
+
+<file path=customXml/itemProps108.xml><?xml version="1.0" encoding="utf-8"?>
+<ds:datastoreItem xmlns:ds="http://schemas.openxmlformats.org/officeDocument/2006/customXml" ds:itemID="{BFC4E313-8525-46BB-B2EA-19B4922B00C8}">
+  <ds:schemaRefs>
+    <ds:schemaRef ds:uri="http://schemas.microsoft.com/VisualStudio/2011/storyboarding/control"/>
+  </ds:schemaRefs>
+</ds:datastoreItem>
+</file>
+
 <file path=customXml/itemProps109.xml><?xml version="1.0" encoding="utf-8"?>
-<ds:datastoreItem xmlns:ds="http://schemas.openxmlformats.org/officeDocument/2006/customXml" ds:itemID="{368C58DE-69E5-468F-8FEE-B8D0683E2F32}">
+<ds:datastoreItem xmlns:ds="http://schemas.openxmlformats.org/officeDocument/2006/customXml" ds:itemID="{791F2DB3-CC8F-4C15-8743-590F26544D6B}">
   <ds:schemaRefs>
     <ds:schemaRef ds:uri="http://schemas.microsoft.com/VisualStudio/2011/storyboarding/control"/>
   </ds:schemaRefs>
@@ -18668,7 +19854,7 @@
 </file>
 
 <file path=customXml/itemProps110.xml><?xml version="1.0" encoding="utf-8"?>
-<ds:datastoreItem xmlns:ds="http://schemas.openxmlformats.org/officeDocument/2006/customXml" ds:itemID="{791F2DB3-CC8F-4C15-8743-590F26544D6B}">
+<ds:datastoreItem xmlns:ds="http://schemas.openxmlformats.org/officeDocument/2006/customXml" ds:itemID="{4E01388C-A924-4BE8-985B-79D263B16D05}">
   <ds:schemaRefs>
     <ds:schemaRef ds:uri="http://schemas.microsoft.com/VisualStudio/2011/storyboarding/control"/>
   </ds:schemaRefs>
@@ -18676,7 +19862,7 @@
 </file>
 
 <file path=customXml/itemProps111.xml><?xml version="1.0" encoding="utf-8"?>
-<ds:datastoreItem xmlns:ds="http://schemas.openxmlformats.org/officeDocument/2006/customXml" ds:itemID="{2977091A-9111-44B4-B4DF-963BAE7F865F}">
+<ds:datastoreItem xmlns:ds="http://schemas.openxmlformats.org/officeDocument/2006/customXml" ds:itemID="{C7A8CFC0-4556-4E25-A269-74548695F78A}">
   <ds:schemaRefs>
     <ds:schemaRef ds:uri="http://schemas.microsoft.com/VisualStudio/2011/storyboarding/control"/>
   </ds:schemaRefs>
@@ -18684,7 +19870,7 @@
 </file>
 
 <file path=customXml/itemProps112.xml><?xml version="1.0" encoding="utf-8"?>
-<ds:datastoreItem xmlns:ds="http://schemas.openxmlformats.org/officeDocument/2006/customXml" ds:itemID="{69B9D210-FF34-458C-8F82-69A376856F63}">
+<ds:datastoreItem xmlns:ds="http://schemas.openxmlformats.org/officeDocument/2006/customXml" ds:itemID="{CD63B274-1815-48D1-99A0-018FC57DD355}">
   <ds:schemaRefs>
     <ds:schemaRef ds:uri="http://schemas.microsoft.com/VisualStudio/2011/storyboarding/control"/>
   </ds:schemaRefs>
@@ -18692,7 +19878,7 @@
 </file>
 
 <file path=customXml/itemProps113.xml><?xml version="1.0" encoding="utf-8"?>
-<ds:datastoreItem xmlns:ds="http://schemas.openxmlformats.org/officeDocument/2006/customXml" ds:itemID="{BADD27A4-6D52-45F6-89F8-60CDCE29D043}">
+<ds:datastoreItem xmlns:ds="http://schemas.openxmlformats.org/officeDocument/2006/customXml" ds:itemID="{C5FE7D1A-2B63-4C2F-9939-081E0C3BEDA0}">
   <ds:schemaRefs>
     <ds:schemaRef ds:uri="http://schemas.microsoft.com/VisualStudio/2011/storyboarding/control"/>
   </ds:schemaRefs>
@@ -18700,30 +19886,190 @@
 </file>
 
 <file path=customXml/itemProps114.xml><?xml version="1.0" encoding="utf-8"?>
-<ds:datastoreItem xmlns:ds="http://schemas.openxmlformats.org/officeDocument/2006/customXml" ds:itemID="{3C0EDA36-C841-4260-B5CC-AA8A3556D85B}">
+<ds:datastoreItem xmlns:ds="http://schemas.openxmlformats.org/officeDocument/2006/customXml" ds:itemID="{1C398AC1-4638-4A46-8F3B-259DD202478E}">
   <ds:schemaRefs>
     <ds:schemaRef ds:uri="http://schemas.microsoft.com/VisualStudio/2011/storyboarding/control"/>
   </ds:schemaRefs>
 </ds:datastoreItem>
 </file>
 
-<file path=customXml/itemProps12.xml><?xml version="1.0" encoding="utf-8"?>
-<ds:datastoreItem xmlns:ds="http://schemas.openxmlformats.org/officeDocument/2006/customXml" ds:itemID="{18EFF3F4-83A2-4349-9694-C2396C8AF441}">
+<file path=customXml/itemProps115.xml><?xml version="1.0" encoding="utf-8"?>
+<ds:datastoreItem xmlns:ds="http://schemas.openxmlformats.org/officeDocument/2006/customXml" ds:itemID="{E8F31494-C899-453C-ACB3-FDC9145B9D91}">
   <ds:schemaRefs>
     <ds:schemaRef ds:uri="http://schemas.microsoft.com/VisualStudio/2011/storyboarding/control"/>
   </ds:schemaRefs>
 </ds:datastoreItem>
 </file>
 
-<file path=customXml/itemProps13.xml><?xml version="1.0" encoding="utf-8"?>
-<ds:datastoreItem xmlns:ds="http://schemas.openxmlformats.org/officeDocument/2006/customXml" ds:itemID="{70826E2B-1B9D-49EA-B16E-B2BAED7E59C5}">
+<file path=customXml/itemProps116.xml><?xml version="1.0" encoding="utf-8"?>
+<ds:datastoreItem xmlns:ds="http://schemas.openxmlformats.org/officeDocument/2006/customXml" ds:itemID="{7DF39149-FE61-41DB-A273-C2A27AB1224B}">
   <ds:schemaRefs>
     <ds:schemaRef ds:uri="http://schemas.microsoft.com/VisualStudio/2011/storyboarding/control"/>
   </ds:schemaRefs>
 </ds:datastoreItem>
 </file>
 
+<file path=customXml/itemProps117.xml><?xml version="1.0" encoding="utf-8"?>
+<ds:datastoreItem xmlns:ds="http://schemas.openxmlformats.org/officeDocument/2006/customXml" ds:itemID="{4089D504-89F9-4F40-B2EF-0FBBE4651254}">
+  <ds:schemaRefs>
+    <ds:schemaRef ds:uri="http://schemas.microsoft.com/VisualStudio/2011/storyboarding/control"/>
+  </ds:schemaRefs>
+</ds:datastoreItem>
+</file>
+
+<file path=customXml/itemProps118.xml><?xml version="1.0" encoding="utf-8"?>
+<ds:datastoreItem xmlns:ds="http://schemas.openxmlformats.org/officeDocument/2006/customXml" ds:itemID="{19DB9CD9-4F1E-4EAD-9F17-B753EAABF3E0}">
+  <ds:schemaRefs>
+    <ds:schemaRef ds:uri="http://schemas.microsoft.com/VisualStudio/2011/storyboarding/control"/>
+  </ds:schemaRefs>
+</ds:datastoreItem>
+</file>
+
+<file path=customXml/itemProps119.xml><?xml version="1.0" encoding="utf-8"?>
+<ds:datastoreItem xmlns:ds="http://schemas.openxmlformats.org/officeDocument/2006/customXml" ds:itemID="{B3A3E765-0B20-4BD8-AFE8-23C5B6760A99}">
+  <ds:schemaRefs>
+    <ds:schemaRef ds:uri="http://schemas.microsoft.com/VisualStudio/2011/storyboarding/control"/>
+  </ds:schemaRefs>
+</ds:datastoreItem>
+</file>
+
+<file path=customXml/itemProps12.xml><?xml version="1.0" encoding="utf-8"?>
+<ds:datastoreItem xmlns:ds="http://schemas.openxmlformats.org/officeDocument/2006/customXml" ds:itemID="{DB5FF0E2-44EA-4182-809E-0BD041009B94}">
+  <ds:schemaRefs>
+    <ds:schemaRef ds:uri="http://schemas.microsoft.com/VisualStudio/2011/storyboarding/control"/>
+  </ds:schemaRefs>
+</ds:datastoreItem>
+</file>
+
+<file path=customXml/itemProps120.xml><?xml version="1.0" encoding="utf-8"?>
+<ds:datastoreItem xmlns:ds="http://schemas.openxmlformats.org/officeDocument/2006/customXml" ds:itemID="{F3A30563-1C38-472B-9DE8-7FE3C78EAD2C}">
+  <ds:schemaRefs>
+    <ds:schemaRef ds:uri="http://schemas.microsoft.com/VisualStudio/2011/storyboarding/control"/>
+  </ds:schemaRefs>
+</ds:datastoreItem>
+</file>
+
+<file path=customXml/itemProps121.xml><?xml version="1.0" encoding="utf-8"?>
+<ds:datastoreItem xmlns:ds="http://schemas.openxmlformats.org/officeDocument/2006/customXml" ds:itemID="{47D04C9B-C617-48BE-9BD4-9A6BF3FE75C5}">
+  <ds:schemaRefs>
+    <ds:schemaRef ds:uri="http://schemas.microsoft.com/VisualStudio/2011/storyboarding/control"/>
+  </ds:schemaRefs>
+</ds:datastoreItem>
+</file>
+
+<file path=customXml/itemProps122.xml><?xml version="1.0" encoding="utf-8"?>
+<ds:datastoreItem xmlns:ds="http://schemas.openxmlformats.org/officeDocument/2006/customXml" ds:itemID="{C45ADD74-D966-4389-AA66-C66380EA72AE}">
+  <ds:schemaRefs>
+    <ds:schemaRef ds:uri="http://schemas.microsoft.com/VisualStudio/2011/storyboarding/control"/>
+  </ds:schemaRefs>
+</ds:datastoreItem>
+</file>
+
+<file path=customXml/itemProps13.xml><?xml version="1.0" encoding="utf-8"?>
+<ds:datastoreItem xmlns:ds="http://schemas.openxmlformats.org/officeDocument/2006/customXml" ds:itemID="{E1A30748-A830-4B10-A878-3B4756F506F2}">
+  <ds:schemaRefs>
+    <ds:schemaRef ds:uri="http://schemas.microsoft.com/VisualStudio/2011/storyboarding/control"/>
+  </ds:schemaRefs>
+</ds:datastoreItem>
+</file>
+
 <file path=customXml/itemProps14.xml><?xml version="1.0" encoding="utf-8"?>
+<ds:datastoreItem xmlns:ds="http://schemas.openxmlformats.org/officeDocument/2006/customXml" ds:itemID="{B39EB365-64A2-4270-B261-6F581E40AA63}">
+  <ds:schemaRefs>
+    <ds:schemaRef ds:uri="http://schemas.microsoft.com/VisualStudio/2011/storyboarding/control"/>
+  </ds:schemaRefs>
+</ds:datastoreItem>
+</file>
+
+<file path=customXml/itemProps15.xml><?xml version="1.0" encoding="utf-8"?>
+<ds:datastoreItem xmlns:ds="http://schemas.openxmlformats.org/officeDocument/2006/customXml" ds:itemID="{CEF68D64-8D51-42AA-8C2A-0AF1FD5D33EE}">
+  <ds:schemaRefs>
+    <ds:schemaRef ds:uri="http://schemas.microsoft.com/VisualStudio/2011/storyboarding/control"/>
+  </ds:schemaRefs>
+</ds:datastoreItem>
+</file>
+
+<file path=customXml/itemProps16.xml><?xml version="1.0" encoding="utf-8"?>
+<ds:datastoreItem xmlns:ds="http://schemas.openxmlformats.org/officeDocument/2006/customXml" ds:itemID="{1F0E1F79-632F-4EB0-82C0-5A1AFD1072FB}">
+  <ds:schemaRefs>
+    <ds:schemaRef ds:uri="http://schemas.microsoft.com/VisualStudio/2011/storyboarding/control"/>
+  </ds:schemaRefs>
+</ds:datastoreItem>
+</file>
+
+<file path=customXml/itemProps17.xml><?xml version="1.0" encoding="utf-8"?>
+<ds:datastoreItem xmlns:ds="http://schemas.openxmlformats.org/officeDocument/2006/customXml" ds:itemID="{E3A1C028-05DB-4953-AA73-C22DBE13D6E4}">
+  <ds:schemaRefs>
+    <ds:schemaRef ds:uri="http://schemas.microsoft.com/VisualStudio/2011/storyboarding/control"/>
+  </ds:schemaRefs>
+</ds:datastoreItem>
+</file>
+
+<file path=customXml/itemProps18.xml><?xml version="1.0" encoding="utf-8"?>
+<ds:datastoreItem xmlns:ds="http://schemas.openxmlformats.org/officeDocument/2006/customXml" ds:itemID="{D5205093-BB2B-40C2-98A8-A9F6399BA396}">
+  <ds:schemaRefs>
+    <ds:schemaRef ds:uri="http://schemas.microsoft.com/VisualStudio/2011/storyboarding/control"/>
+  </ds:schemaRefs>
+</ds:datastoreItem>
+</file>
+
+<file path=customXml/itemProps19.xml><?xml version="1.0" encoding="utf-8"?>
+<ds:datastoreItem xmlns:ds="http://schemas.openxmlformats.org/officeDocument/2006/customXml" ds:itemID="{9BF50CE8-CF32-4606-8DE6-3101ABBDD070}">
+  <ds:schemaRefs>
+    <ds:schemaRef ds:uri="http://schemas.microsoft.com/VisualStudio/2011/storyboarding/control"/>
+  </ds:schemaRefs>
+</ds:datastoreItem>
+</file>
+
+<file path=customXml/itemProps2.xml><?xml version="1.0" encoding="utf-8"?>
+<ds:datastoreItem xmlns:ds="http://schemas.openxmlformats.org/officeDocument/2006/customXml" ds:itemID="{B165D352-70D4-40FE-85FF-532687BB8AFA}">
+  <ds:schemaRefs>
+    <ds:schemaRef ds:uri="http://schemas.microsoft.com/VisualStudio/2011/storyboarding/control"/>
+  </ds:schemaRefs>
+</ds:datastoreItem>
+</file>
+
+<file path=customXml/itemProps20.xml><?xml version="1.0" encoding="utf-8"?>
+<ds:datastoreItem xmlns:ds="http://schemas.openxmlformats.org/officeDocument/2006/customXml" ds:itemID="{E27BBFB1-FB8A-4416-95F7-69ED22360FD0}">
+  <ds:schemaRefs>
+    <ds:schemaRef ds:uri="http://schemas.microsoft.com/VisualStudio/2011/storyboarding/control"/>
+  </ds:schemaRefs>
+</ds:datastoreItem>
+</file>
+
+<file path=customXml/itemProps21.xml><?xml version="1.0" encoding="utf-8"?>
+<ds:datastoreItem xmlns:ds="http://schemas.openxmlformats.org/officeDocument/2006/customXml" ds:itemID="{2DFA9120-1703-4454-A33D-C7C738B921CC}">
+  <ds:schemaRefs>
+    <ds:schemaRef ds:uri="http://schemas.microsoft.com/VisualStudio/2011/storyboarding/control"/>
+  </ds:schemaRefs>
+</ds:datastoreItem>
+</file>
+
+<file path=customXml/itemProps22.xml><?xml version="1.0" encoding="utf-8"?>
+<ds:datastoreItem xmlns:ds="http://schemas.openxmlformats.org/officeDocument/2006/customXml" ds:itemID="{EF61CF87-912E-42E7-83EA-9D0202326A8A}">
+  <ds:schemaRefs>
+    <ds:schemaRef ds:uri="http://schemas.microsoft.com/VisualStudio/2011/storyboarding/control"/>
+  </ds:schemaRefs>
+</ds:datastoreItem>
+</file>
+
+<file path=customXml/itemProps23.xml><?xml version="1.0" encoding="utf-8"?>
+<ds:datastoreItem xmlns:ds="http://schemas.openxmlformats.org/officeDocument/2006/customXml" ds:itemID="{FC644C14-B034-48B9-80E3-0CB00A432CE7}">
+  <ds:schemaRefs>
+    <ds:schemaRef ds:uri="http://schemas.microsoft.com/VisualStudio/2011/storyboarding/control"/>
+  </ds:schemaRefs>
+</ds:datastoreItem>
+</file>
+
+<file path=customXml/itemProps24.xml><?xml version="1.0" encoding="utf-8"?>
+<ds:datastoreItem xmlns:ds="http://schemas.openxmlformats.org/officeDocument/2006/customXml" ds:itemID="{D226A0C3-5037-4DCE-847C-5DB2A993A518}">
+  <ds:schemaRefs>
+    <ds:schemaRef ds:uri="http://schemas.microsoft.com/VisualStudio/2011/storyboarding/control"/>
+  </ds:schemaRefs>
+</ds:datastoreItem>
+</file>
+
+<file path=customXml/itemProps25.xml><?xml version="1.0" encoding="utf-8"?>
 <ds:datastoreItem xmlns:ds="http://schemas.openxmlformats.org/officeDocument/2006/customXml" ds:itemID="{523D9000-2555-42DB-A300-C0E2B61D8403}">
   <ds:schemaRefs>
     <ds:schemaRef ds:uri="http://schemas.microsoft.com/VisualStudio/2011/storyboarding/control"/>
@@ -18731,104 +20077,8 @@
 </ds:datastoreItem>
 </file>
 
-<file path=customXml/itemProps15.xml><?xml version="1.0" encoding="utf-8"?>
-<ds:datastoreItem xmlns:ds="http://schemas.openxmlformats.org/officeDocument/2006/customXml" ds:itemID="{5E7928F5-79C4-47ED-99DD-FC8E6DC4851B}">
-  <ds:schemaRefs>
-    <ds:schemaRef ds:uri="http://schemas.microsoft.com/VisualStudio/2011/storyboarding/control"/>
-  </ds:schemaRefs>
-</ds:datastoreItem>
-</file>
-
-<file path=customXml/itemProps16.xml><?xml version="1.0" encoding="utf-8"?>
-<ds:datastoreItem xmlns:ds="http://schemas.openxmlformats.org/officeDocument/2006/customXml" ds:itemID="{0FD6602D-9FF1-45EA-ACC6-2A4C9859DD2B}">
-  <ds:schemaRefs>
-    <ds:schemaRef ds:uri="http://schemas.microsoft.com/VisualStudio/2011/storyboarding/control"/>
-  </ds:schemaRefs>
-</ds:datastoreItem>
-</file>
-
-<file path=customXml/itemProps17.xml><?xml version="1.0" encoding="utf-8"?>
-<ds:datastoreItem xmlns:ds="http://schemas.openxmlformats.org/officeDocument/2006/customXml" ds:itemID="{5D493CBE-5446-43DA-A347-222999933AF7}">
-  <ds:schemaRefs>
-    <ds:schemaRef ds:uri="http://schemas.microsoft.com/VisualStudio/2011/storyboarding/control"/>
-  </ds:schemaRefs>
-</ds:datastoreItem>
-</file>
-
-<file path=customXml/itemProps18.xml><?xml version="1.0" encoding="utf-8"?>
-<ds:datastoreItem xmlns:ds="http://schemas.openxmlformats.org/officeDocument/2006/customXml" ds:itemID="{E97CE4A6-9C01-4E1C-AE95-A570F68F4499}">
-  <ds:schemaRefs>
-    <ds:schemaRef ds:uri="http://schemas.microsoft.com/VisualStudio/2011/storyboarding/control"/>
-  </ds:schemaRefs>
-</ds:datastoreItem>
-</file>
-
-<file path=customXml/itemProps19.xml><?xml version="1.0" encoding="utf-8"?>
-<ds:datastoreItem xmlns:ds="http://schemas.openxmlformats.org/officeDocument/2006/customXml" ds:itemID="{D226A0C3-5037-4DCE-847C-5DB2A993A518}">
-  <ds:schemaRefs>
-    <ds:schemaRef ds:uri="http://schemas.microsoft.com/VisualStudio/2011/storyboarding/control"/>
-  </ds:schemaRefs>
-</ds:datastoreItem>
-</file>
-
-<file path=customXml/itemProps2.xml><?xml version="1.0" encoding="utf-8"?>
-<ds:datastoreItem xmlns:ds="http://schemas.openxmlformats.org/officeDocument/2006/customXml" ds:itemID="{5E6F5FDC-2093-441C-92ED-C35DBC007D0F}">
-  <ds:schemaRefs>
-    <ds:schemaRef ds:uri="http://schemas.microsoft.com/VisualStudio/2011/storyboarding/control"/>
-  </ds:schemaRefs>
-</ds:datastoreItem>
-</file>
-
-<file path=customXml/itemProps20.xml><?xml version="1.0" encoding="utf-8"?>
-<ds:datastoreItem xmlns:ds="http://schemas.openxmlformats.org/officeDocument/2006/customXml" ds:itemID="{BF63BC62-A2B6-4DC4-A6F4-7F46DAD5D502}">
-  <ds:schemaRefs>
-    <ds:schemaRef ds:uri="http://schemas.microsoft.com/VisualStudio/2011/storyboarding/control"/>
-  </ds:schemaRefs>
-</ds:datastoreItem>
-</file>
-
-<file path=customXml/itemProps21.xml><?xml version="1.0" encoding="utf-8"?>
-<ds:datastoreItem xmlns:ds="http://schemas.openxmlformats.org/officeDocument/2006/customXml" ds:itemID="{0A1033CC-D5EB-4A43-BF43-B44A6E7530B3}">
-  <ds:schemaRefs>
-    <ds:schemaRef ds:uri="http://schemas.microsoft.com/VisualStudio/2011/storyboarding/control"/>
-  </ds:schemaRefs>
-</ds:datastoreItem>
-</file>
-
-<file path=customXml/itemProps22.xml><?xml version="1.0" encoding="utf-8"?>
+<file path=customXml/itemProps26.xml><?xml version="1.0" encoding="utf-8"?>
 <ds:datastoreItem xmlns:ds="http://schemas.openxmlformats.org/officeDocument/2006/customXml" ds:itemID="{3D180A80-32EA-4B75-B874-79AE921CE972}">
-  <ds:schemaRefs>
-    <ds:schemaRef ds:uri="http://schemas.microsoft.com/VisualStudio/2011/storyboarding/control"/>
-  </ds:schemaRefs>
-</ds:datastoreItem>
-</file>
-
-<file path=customXml/itemProps23.xml><?xml version="1.0" encoding="utf-8"?>
-<ds:datastoreItem xmlns:ds="http://schemas.openxmlformats.org/officeDocument/2006/customXml" ds:itemID="{531ABAD3-B618-40BF-9584-FD7BA346DEDB}">
-  <ds:schemaRefs>
-    <ds:schemaRef ds:uri="http://schemas.microsoft.com/VisualStudio/2011/storyboarding/control"/>
-  </ds:schemaRefs>
-</ds:datastoreItem>
-</file>
-
-<file path=customXml/itemProps24.xml><?xml version="1.0" encoding="utf-8"?>
-<ds:datastoreItem xmlns:ds="http://schemas.openxmlformats.org/officeDocument/2006/customXml" ds:itemID="{E22473B6-028C-4621-B51B-A79A7F2A92EE}">
-  <ds:schemaRefs>
-    <ds:schemaRef ds:uri="http://schemas.microsoft.com/VisualStudio/2011/storyboarding/control"/>
-  </ds:schemaRefs>
-</ds:datastoreItem>
-</file>
-
-<file path=customXml/itemProps25.xml><?xml version="1.0" encoding="utf-8"?>
-<ds:datastoreItem xmlns:ds="http://schemas.openxmlformats.org/officeDocument/2006/customXml" ds:itemID="{1639FB28-1EC5-4003-89AB-A9220F614689}">
-  <ds:schemaRefs>
-    <ds:schemaRef ds:uri="http://schemas.microsoft.com/VisualStudio/2011/storyboarding/control"/>
-  </ds:schemaRefs>
-</ds:datastoreItem>
-</file>
-
-<file path=customXml/itemProps26.xml><?xml version="1.0" encoding="utf-8"?>
-<ds:datastoreItem xmlns:ds="http://schemas.openxmlformats.org/officeDocument/2006/customXml" ds:itemID="{88FF388B-936F-494E-A575-6D8128D38F2C}">
   <ds:schemaRefs>
     <ds:schemaRef ds:uri="http://schemas.microsoft.com/VisualStudio/2011/storyboarding/control"/>
   </ds:schemaRefs>
@@ -18844,6 +20094,366 @@
 </file>
 
 <file path=customXml/itemProps28.xml><?xml version="1.0" encoding="utf-8"?>
+<ds:datastoreItem xmlns:ds="http://schemas.openxmlformats.org/officeDocument/2006/customXml" ds:itemID="{3CCD36F2-3425-44F7-9F51-456F0C7CC89C}">
+  <ds:schemaRefs>
+    <ds:schemaRef ds:uri="http://schemas.microsoft.com/VisualStudio/2011/storyboarding/control"/>
+  </ds:schemaRefs>
+</ds:datastoreItem>
+</file>
+
+<file path=customXml/itemProps29.xml><?xml version="1.0" encoding="utf-8"?>
+<ds:datastoreItem xmlns:ds="http://schemas.openxmlformats.org/officeDocument/2006/customXml" ds:itemID="{BB08E1D8-D864-4F18-BB84-C71EFF99EB19}">
+  <ds:schemaRefs>
+    <ds:schemaRef ds:uri="http://schemas.microsoft.com/VisualStudio/2011/storyboarding/control"/>
+  </ds:schemaRefs>
+</ds:datastoreItem>
+</file>
+
+<file path=customXml/itemProps3.xml><?xml version="1.0" encoding="utf-8"?>
+<ds:datastoreItem xmlns:ds="http://schemas.openxmlformats.org/officeDocument/2006/customXml" ds:itemID="{862FA17A-2C6F-4CD8-B507-10CA7CC09A8F}">
+  <ds:schemaRefs>
+    <ds:schemaRef ds:uri="http://schemas.microsoft.com/VisualStudio/2011/storyboarding/control"/>
+  </ds:schemaRefs>
+</ds:datastoreItem>
+</file>
+
+<file path=customXml/itemProps30.xml><?xml version="1.0" encoding="utf-8"?>
+<ds:datastoreItem xmlns:ds="http://schemas.openxmlformats.org/officeDocument/2006/customXml" ds:itemID="{220BC498-0DDF-422A-AC0F-97E589848EC1}">
+  <ds:schemaRefs>
+    <ds:schemaRef ds:uri="http://schemas.microsoft.com/VisualStudio/2011/storyboarding/control"/>
+  </ds:schemaRefs>
+</ds:datastoreItem>
+</file>
+
+<file path=customXml/itemProps31.xml><?xml version="1.0" encoding="utf-8"?>
+<ds:datastoreItem xmlns:ds="http://schemas.openxmlformats.org/officeDocument/2006/customXml" ds:itemID="{5F13B48F-437D-49AE-BFB9-EBA82E71BB38}">
+  <ds:schemaRefs>
+    <ds:schemaRef ds:uri="http://schemas.microsoft.com/VisualStudio/2011/storyboarding/control"/>
+  </ds:schemaRefs>
+</ds:datastoreItem>
+</file>
+
+<file path=customXml/itemProps32.xml><?xml version="1.0" encoding="utf-8"?>
+<ds:datastoreItem xmlns:ds="http://schemas.openxmlformats.org/officeDocument/2006/customXml" ds:itemID="{62877943-EBF7-4B2F-8C26-9CC99A82D531}">
+  <ds:schemaRefs>
+    <ds:schemaRef ds:uri="http://schemas.microsoft.com/VisualStudio/2011/storyboarding/control"/>
+  </ds:schemaRefs>
+</ds:datastoreItem>
+</file>
+
+<file path=customXml/itemProps33.xml><?xml version="1.0" encoding="utf-8"?>
+<ds:datastoreItem xmlns:ds="http://schemas.openxmlformats.org/officeDocument/2006/customXml" ds:itemID="{A29EBE93-BDB6-42E1-AF9D-ECEC34CCBD22}">
+  <ds:schemaRefs>
+    <ds:schemaRef ds:uri="http://schemas.microsoft.com/VisualStudio/2011/storyboarding/control"/>
+  </ds:schemaRefs>
+</ds:datastoreItem>
+</file>
+
+<file path=customXml/itemProps34.xml><?xml version="1.0" encoding="utf-8"?>
+<ds:datastoreItem xmlns:ds="http://schemas.openxmlformats.org/officeDocument/2006/customXml" ds:itemID="{E4B5B485-683D-4DEA-B56B-01CED7BABF5B}">
+  <ds:schemaRefs>
+    <ds:schemaRef ds:uri="http://schemas.microsoft.com/VisualStudio/2011/storyboarding/control"/>
+  </ds:schemaRefs>
+</ds:datastoreItem>
+</file>
+
+<file path=customXml/itemProps35.xml><?xml version="1.0" encoding="utf-8"?>
+<ds:datastoreItem xmlns:ds="http://schemas.openxmlformats.org/officeDocument/2006/customXml" ds:itemID="{CC090315-C3EF-4E31-9BC2-E49164C00556}">
+  <ds:schemaRefs>
+    <ds:schemaRef ds:uri="http://schemas.microsoft.com/VisualStudio/2011/storyboarding/control"/>
+  </ds:schemaRefs>
+</ds:datastoreItem>
+</file>
+
+<file path=customXml/itemProps36.xml><?xml version="1.0" encoding="utf-8"?>
+<ds:datastoreItem xmlns:ds="http://schemas.openxmlformats.org/officeDocument/2006/customXml" ds:itemID="{BADD27A4-6D52-45F6-89F8-60CDCE29D043}">
+  <ds:schemaRefs>
+    <ds:schemaRef ds:uri="http://schemas.microsoft.com/VisualStudio/2011/storyboarding/control"/>
+  </ds:schemaRefs>
+</ds:datastoreItem>
+</file>
+
+<file path=customXml/itemProps37.xml><?xml version="1.0" encoding="utf-8"?>
+<ds:datastoreItem xmlns:ds="http://schemas.openxmlformats.org/officeDocument/2006/customXml" ds:itemID="{11C14D45-A737-4C48-AAAE-B66C79B7299B}">
+  <ds:schemaRefs>
+    <ds:schemaRef ds:uri="http://schemas.microsoft.com/VisualStudio/2011/storyboarding/control"/>
+  </ds:schemaRefs>
+</ds:datastoreItem>
+</file>
+
+<file path=customXml/itemProps38.xml><?xml version="1.0" encoding="utf-8"?>
+<ds:datastoreItem xmlns:ds="http://schemas.openxmlformats.org/officeDocument/2006/customXml" ds:itemID="{F7CD6DE8-E3CA-41AD-BDF6-29CE07D429DA}">
+  <ds:schemaRefs>
+    <ds:schemaRef ds:uri="http://schemas.microsoft.com/VisualStudio/2011/storyboarding/control"/>
+  </ds:schemaRefs>
+</ds:datastoreItem>
+</file>
+
+<file path=customXml/itemProps39.xml><?xml version="1.0" encoding="utf-8"?>
+<ds:datastoreItem xmlns:ds="http://schemas.openxmlformats.org/officeDocument/2006/customXml" ds:itemID="{06F9B291-5871-4D41-84EA-E759ADCB386D}">
+  <ds:schemaRefs>
+    <ds:schemaRef ds:uri="http://schemas.microsoft.com/VisualStudio/2011/storyboarding/control"/>
+  </ds:schemaRefs>
+</ds:datastoreItem>
+</file>
+
+<file path=customXml/itemProps4.xml><?xml version="1.0" encoding="utf-8"?>
+<ds:datastoreItem xmlns:ds="http://schemas.openxmlformats.org/officeDocument/2006/customXml" ds:itemID="{084278B8-A977-4998-90BD-F6C56A123772}">
+  <ds:schemaRefs>
+    <ds:schemaRef ds:uri="http://schemas.microsoft.com/VisualStudio/2011/storyboarding/control"/>
+  </ds:schemaRefs>
+</ds:datastoreItem>
+</file>
+
+<file path=customXml/itemProps40.xml><?xml version="1.0" encoding="utf-8"?>
+<ds:datastoreItem xmlns:ds="http://schemas.openxmlformats.org/officeDocument/2006/customXml" ds:itemID="{9A9F71E7-630C-41F7-9E54-34C094B490EC}">
+  <ds:schemaRefs>
+    <ds:schemaRef ds:uri="http://schemas.microsoft.com/VisualStudio/2011/storyboarding/control"/>
+  </ds:schemaRefs>
+</ds:datastoreItem>
+</file>
+
+<file path=customXml/itemProps41.xml><?xml version="1.0" encoding="utf-8"?>
+<ds:datastoreItem xmlns:ds="http://schemas.openxmlformats.org/officeDocument/2006/customXml" ds:itemID="{395183EE-0496-47AF-AD2A-1DA50A4837A0}">
+  <ds:schemaRefs>
+    <ds:schemaRef ds:uri="http://schemas.microsoft.com/VisualStudio/2011/storyboarding/control"/>
+  </ds:schemaRefs>
+</ds:datastoreItem>
+</file>
+
+<file path=customXml/itemProps42.xml><?xml version="1.0" encoding="utf-8"?>
+<ds:datastoreItem xmlns:ds="http://schemas.openxmlformats.org/officeDocument/2006/customXml" ds:itemID="{A59E3C97-FCC2-46B8-899A-F7C74E57512A}">
+  <ds:schemaRefs>
+    <ds:schemaRef ds:uri="http://schemas.microsoft.com/VisualStudio/2011/storyboarding/control"/>
+  </ds:schemaRefs>
+</ds:datastoreItem>
+</file>
+
+<file path=customXml/itemProps43.xml><?xml version="1.0" encoding="utf-8"?>
+<ds:datastoreItem xmlns:ds="http://schemas.openxmlformats.org/officeDocument/2006/customXml" ds:itemID="{4EF6D473-291D-4120-AF79-ACFED919F292}">
+  <ds:schemaRefs>
+    <ds:schemaRef ds:uri="http://schemas.microsoft.com/VisualStudio/2011/storyboarding/control"/>
+  </ds:schemaRefs>
+</ds:datastoreItem>
+</file>
+
+<file path=customXml/itemProps44.xml><?xml version="1.0" encoding="utf-8"?>
+<ds:datastoreItem xmlns:ds="http://schemas.openxmlformats.org/officeDocument/2006/customXml" ds:itemID="{3D3ECC72-DC24-4791-9CA6-47ECE2A69DDF}">
+  <ds:schemaRefs>
+    <ds:schemaRef ds:uri="http://schemas.microsoft.com/VisualStudio/2011/storyboarding/control"/>
+  </ds:schemaRefs>
+</ds:datastoreItem>
+</file>
+
+<file path=customXml/itemProps45.xml><?xml version="1.0" encoding="utf-8"?>
+<ds:datastoreItem xmlns:ds="http://schemas.openxmlformats.org/officeDocument/2006/customXml" ds:itemID="{18EFF3F4-83A2-4349-9694-C2396C8AF441}">
+  <ds:schemaRefs>
+    <ds:schemaRef ds:uri="http://schemas.microsoft.com/VisualStudio/2011/storyboarding/control"/>
+  </ds:schemaRefs>
+</ds:datastoreItem>
+</file>
+
+<file path=customXml/itemProps46.xml><?xml version="1.0" encoding="utf-8"?>
+<ds:datastoreItem xmlns:ds="http://schemas.openxmlformats.org/officeDocument/2006/customXml" ds:itemID="{5D493CBE-5446-43DA-A347-222999933AF7}">
+  <ds:schemaRefs>
+    <ds:schemaRef ds:uri="http://schemas.microsoft.com/VisualStudio/2011/storyboarding/control"/>
+  </ds:schemaRefs>
+</ds:datastoreItem>
+</file>
+
+<file path=customXml/itemProps47.xml><?xml version="1.0" encoding="utf-8"?>
+<ds:datastoreItem xmlns:ds="http://schemas.openxmlformats.org/officeDocument/2006/customXml" ds:itemID="{1639FB28-1EC5-4003-89AB-A9220F614689}">
+  <ds:schemaRefs>
+    <ds:schemaRef ds:uri="http://schemas.microsoft.com/VisualStudio/2011/storyboarding/control"/>
+  </ds:schemaRefs>
+</ds:datastoreItem>
+</file>
+
+<file path=customXml/itemProps48.xml><?xml version="1.0" encoding="utf-8"?>
+<ds:datastoreItem xmlns:ds="http://schemas.openxmlformats.org/officeDocument/2006/customXml" ds:itemID="{D5FEB2A6-E2DE-4A94-92FC-D966BD6E1C55}">
+  <ds:schemaRefs>
+    <ds:schemaRef ds:uri="http://schemas.microsoft.com/VisualStudio/2011/storyboarding/control"/>
+  </ds:schemaRefs>
+</ds:datastoreItem>
+</file>
+
+<file path=customXml/itemProps49.xml><?xml version="1.0" encoding="utf-8"?>
+<ds:datastoreItem xmlns:ds="http://schemas.openxmlformats.org/officeDocument/2006/customXml" ds:itemID="{BE26F770-6D00-4BDC-830A-6271C798A6B9}">
+  <ds:schemaRefs>
+    <ds:schemaRef ds:uri="http://schemas.microsoft.com/VisualStudio/2011/storyboarding/control"/>
+  </ds:schemaRefs>
+</ds:datastoreItem>
+</file>
+
+<file path=customXml/itemProps5.xml><?xml version="1.0" encoding="utf-8"?>
+<ds:datastoreItem xmlns:ds="http://schemas.openxmlformats.org/officeDocument/2006/customXml" ds:itemID="{551005C4-A1E3-4AC7-8CDB-DC374E6CD181}">
+  <ds:schemaRefs>
+    <ds:schemaRef ds:uri="http://schemas.microsoft.com/VisualStudio/2011/storyboarding/control"/>
+  </ds:schemaRefs>
+</ds:datastoreItem>
+</file>
+
+<file path=customXml/itemProps50.xml><?xml version="1.0" encoding="utf-8"?>
+<ds:datastoreItem xmlns:ds="http://schemas.openxmlformats.org/officeDocument/2006/customXml" ds:itemID="{9A09CA26-6854-4F3C-9516-942B8F58A388}">
+  <ds:schemaRefs>
+    <ds:schemaRef ds:uri="http://schemas.microsoft.com/VisualStudio/2011/storyboarding/control"/>
+  </ds:schemaRefs>
+</ds:datastoreItem>
+</file>
+
+<file path=customXml/itemProps51.xml><?xml version="1.0" encoding="utf-8"?>
+<ds:datastoreItem xmlns:ds="http://schemas.openxmlformats.org/officeDocument/2006/customXml" ds:itemID="{BA657A7A-162E-460C-9698-741B5BF8D8DB}">
+  <ds:schemaRefs>
+    <ds:schemaRef ds:uri="http://schemas.microsoft.com/VisualStudio/2011/storyboarding/control"/>
+  </ds:schemaRefs>
+</ds:datastoreItem>
+</file>
+
+<file path=customXml/itemProps52.xml><?xml version="1.0" encoding="utf-8"?>
+<ds:datastoreItem xmlns:ds="http://schemas.openxmlformats.org/officeDocument/2006/customXml" ds:itemID="{1DCDD326-8855-4EA9-81F1-29467A7EBF4F}">
+  <ds:schemaRefs>
+    <ds:schemaRef ds:uri="http://schemas.microsoft.com/VisualStudio/2011/storyboarding/control"/>
+  </ds:schemaRefs>
+</ds:datastoreItem>
+</file>
+
+<file path=customXml/itemProps53.xml><?xml version="1.0" encoding="utf-8"?>
+<ds:datastoreItem xmlns:ds="http://schemas.openxmlformats.org/officeDocument/2006/customXml" ds:itemID="{9A9FC5EF-7BAE-4716-8A24-B85392335D82}">
+  <ds:schemaRefs>
+    <ds:schemaRef ds:uri="http://schemas.microsoft.com/VisualStudio/2011/storyboarding/control"/>
+  </ds:schemaRefs>
+</ds:datastoreItem>
+</file>
+
+<file path=customXml/itemProps54.xml><?xml version="1.0" encoding="utf-8"?>
+<ds:datastoreItem xmlns:ds="http://schemas.openxmlformats.org/officeDocument/2006/customXml" ds:itemID="{221B0244-0801-4967-9891-48EEB15F2F18}">
+  <ds:schemaRefs>
+    <ds:schemaRef ds:uri="http://schemas.microsoft.com/VisualStudio/2011/storyboarding/control"/>
+  </ds:schemaRefs>
+</ds:datastoreItem>
+</file>
+
+<file path=customXml/itemProps55.xml><?xml version="1.0" encoding="utf-8"?>
+<ds:datastoreItem xmlns:ds="http://schemas.openxmlformats.org/officeDocument/2006/customXml" ds:itemID="{BF63BC62-A2B6-4DC4-A6F4-7F46DAD5D502}">
+  <ds:schemaRefs>
+    <ds:schemaRef ds:uri="http://schemas.microsoft.com/VisualStudio/2011/storyboarding/control"/>
+  </ds:schemaRefs>
+</ds:datastoreItem>
+</file>
+
+<file path=customXml/itemProps56.xml><?xml version="1.0" encoding="utf-8"?>
+<ds:datastoreItem xmlns:ds="http://schemas.openxmlformats.org/officeDocument/2006/customXml" ds:itemID="{CCEC82DF-3665-44AC-9C20-DBAE83D3306F}">
+  <ds:schemaRefs>
+    <ds:schemaRef ds:uri="http://schemas.microsoft.com/VisualStudio/2011/storyboarding/control"/>
+  </ds:schemaRefs>
+</ds:datastoreItem>
+</file>
+
+<file path=customXml/itemProps57.xml><?xml version="1.0" encoding="utf-8"?>
+<ds:datastoreItem xmlns:ds="http://schemas.openxmlformats.org/officeDocument/2006/customXml" ds:itemID="{C8101F23-7FAA-4BD8-AD2A-421FA377298D}">
+  <ds:schemaRefs>
+    <ds:schemaRef ds:uri="http://schemas.microsoft.com/VisualStudio/2011/storyboarding/control"/>
+  </ds:schemaRefs>
+</ds:datastoreItem>
+</file>
+
+<file path=customXml/itemProps58.xml><?xml version="1.0" encoding="utf-8"?>
+<ds:datastoreItem xmlns:ds="http://schemas.openxmlformats.org/officeDocument/2006/customXml" ds:itemID="{CCE61513-AF07-49B1-B8EA-B5635E280688}">
+  <ds:schemaRefs>
+    <ds:schemaRef ds:uri="http://schemas.microsoft.com/VisualStudio/2011/storyboarding/control"/>
+  </ds:schemaRefs>
+</ds:datastoreItem>
+</file>
+
+<file path=customXml/itemProps59.xml><?xml version="1.0" encoding="utf-8"?>
+<ds:datastoreItem xmlns:ds="http://schemas.openxmlformats.org/officeDocument/2006/customXml" ds:itemID="{BCBCF373-CB4D-4BEC-8AF3-991F699ECE33}">
+  <ds:schemaRefs>
+    <ds:schemaRef ds:uri="http://schemas.microsoft.com/VisualStudio/2011/storyboarding/control"/>
+  </ds:schemaRefs>
+</ds:datastoreItem>
+</file>
+
+<file path=customXml/itemProps6.xml><?xml version="1.0" encoding="utf-8"?>
+<ds:datastoreItem xmlns:ds="http://schemas.openxmlformats.org/officeDocument/2006/customXml" ds:itemID="{D10417C0-CFC7-4198-A12F-567D0881B21B}">
+  <ds:schemaRefs>
+    <ds:schemaRef ds:uri="http://schemas.microsoft.com/VisualStudio/2011/storyboarding/control"/>
+  </ds:schemaRefs>
+</ds:datastoreItem>
+</file>
+
+<file path=customXml/itemProps60.xml><?xml version="1.0" encoding="utf-8"?>
+<ds:datastoreItem xmlns:ds="http://schemas.openxmlformats.org/officeDocument/2006/customXml" ds:itemID="{5935B25C-B0FA-447B-B017-3612A77273CA}">
+  <ds:schemaRefs>
+    <ds:schemaRef ds:uri="http://schemas.microsoft.com/VisualStudio/2011/storyboarding/control"/>
+  </ds:schemaRefs>
+</ds:datastoreItem>
+</file>
+
+<file path=customXml/itemProps61.xml><?xml version="1.0" encoding="utf-8"?>
+<ds:datastoreItem xmlns:ds="http://schemas.openxmlformats.org/officeDocument/2006/customXml" ds:itemID="{10D299E8-14A9-4F76-A58E-935086DED687}">
+  <ds:schemaRefs>
+    <ds:schemaRef ds:uri="http://schemas.microsoft.com/VisualStudio/2011/storyboarding/control"/>
+  </ds:schemaRefs>
+</ds:datastoreItem>
+</file>
+
+<file path=customXml/itemProps62.xml><?xml version="1.0" encoding="utf-8"?>
+<ds:datastoreItem xmlns:ds="http://schemas.openxmlformats.org/officeDocument/2006/customXml" ds:itemID="{2FE08BCD-9E20-4AE0-918E-8580D5DC7CAA}">
+  <ds:schemaRefs>
+    <ds:schemaRef ds:uri="http://schemas.microsoft.com/VisualStudio/2011/storyboarding/control"/>
+  </ds:schemaRefs>
+</ds:datastoreItem>
+</file>
+
+<file path=customXml/itemProps63.xml><?xml version="1.0" encoding="utf-8"?>
+<ds:datastoreItem xmlns:ds="http://schemas.openxmlformats.org/officeDocument/2006/customXml" ds:itemID="{77DE4C39-3FB1-4D02-AB13-E2FD2FB0785B}">
+  <ds:schemaRefs>
+    <ds:schemaRef ds:uri="http://schemas.microsoft.com/VisualStudio/2011/storyboarding/control"/>
+  </ds:schemaRefs>
+</ds:datastoreItem>
+</file>
+
+<file path=customXml/itemProps64.xml><?xml version="1.0" encoding="utf-8"?>
+<ds:datastoreItem xmlns:ds="http://schemas.openxmlformats.org/officeDocument/2006/customXml" ds:itemID="{2977091A-9111-44B4-B4DF-963BAE7F865F}">
+  <ds:schemaRefs>
+    <ds:schemaRef ds:uri="http://schemas.microsoft.com/VisualStudio/2011/storyboarding/control"/>
+  </ds:schemaRefs>
+</ds:datastoreItem>
+</file>
+
+<file path=customXml/itemProps65.xml><?xml version="1.0" encoding="utf-8"?>
+<ds:datastoreItem xmlns:ds="http://schemas.openxmlformats.org/officeDocument/2006/customXml" ds:itemID="{FF284517-1DEA-483A-AE14-16B53F8C4017}">
+  <ds:schemaRefs>
+    <ds:schemaRef ds:uri="http://schemas.microsoft.com/VisualStudio/2011/storyboarding/control"/>
+  </ds:schemaRefs>
+</ds:datastoreItem>
+</file>
+
+<file path=customXml/itemProps66.xml><?xml version="1.0" encoding="utf-8"?>
+<ds:datastoreItem xmlns:ds="http://schemas.openxmlformats.org/officeDocument/2006/customXml" ds:itemID="{E998C69E-52BE-44B3-B629-486376A2D891}">
+  <ds:schemaRefs>
+    <ds:schemaRef ds:uri="http://schemas.microsoft.com/VisualStudio/2011/storyboarding/control"/>
+  </ds:schemaRefs>
+</ds:datastoreItem>
+</file>
+
+<file path=customXml/itemProps67.xml><?xml version="1.0" encoding="utf-8"?>
+<ds:datastoreItem xmlns:ds="http://schemas.openxmlformats.org/officeDocument/2006/customXml" ds:itemID="{5E7928F5-79C4-47ED-99DD-FC8E6DC4851B}">
+  <ds:schemaRefs>
+    <ds:schemaRef ds:uri="http://schemas.microsoft.com/VisualStudio/2011/storyboarding/control"/>
+  </ds:schemaRefs>
+</ds:datastoreItem>
+</file>
+
+<file path=customXml/itemProps68.xml><?xml version="1.0" encoding="utf-8"?>
+<ds:datastoreItem xmlns:ds="http://schemas.openxmlformats.org/officeDocument/2006/customXml" ds:itemID="{531ABAD3-B618-40BF-9584-FD7BA346DEDB}">
+  <ds:schemaRefs>
+    <ds:schemaRef ds:uri="http://schemas.microsoft.com/VisualStudio/2011/storyboarding/control"/>
+  </ds:schemaRefs>
+</ds:datastoreItem>
+</file>
+
+<file path=customXml/itemProps69.xml><?xml version="1.0" encoding="utf-8"?>
 <ds:datastoreItem xmlns:ds="http://schemas.openxmlformats.org/officeDocument/2006/customXml" ds:itemID="{EB2DCAD1-72F1-4D23-97E2-565C0AB7AA19}">
   <ds:schemaRefs>
     <ds:schemaRef ds:uri="http://schemas.microsoft.com/VisualStudio/2011/storyboarding/control"/>
@@ -18851,31 +20461,63 @@
 </ds:datastoreItem>
 </file>
 
-<file path=customXml/itemProps29.xml><?xml version="1.0" encoding="utf-8"?>
-<ds:datastoreItem xmlns:ds="http://schemas.openxmlformats.org/officeDocument/2006/customXml" ds:itemID="{DACCD0EB-1B7A-4C8A-9B7E-726E900234E0}">
+<file path=customXml/itemProps7.xml><?xml version="1.0" encoding="utf-8"?>
+<ds:datastoreItem xmlns:ds="http://schemas.openxmlformats.org/officeDocument/2006/customXml" ds:itemID="{B26B6A26-396F-4D0F-A263-FAD705C1B8A8}">
   <ds:schemaRefs>
     <ds:schemaRef ds:uri="http://schemas.microsoft.com/VisualStudio/2011/storyboarding/control"/>
   </ds:schemaRefs>
 </ds:datastoreItem>
 </file>
 
-<file path=customXml/itemProps3.xml><?xml version="1.0" encoding="utf-8"?>
-<ds:datastoreItem xmlns:ds="http://schemas.openxmlformats.org/officeDocument/2006/customXml" ds:itemID="{3D3ECC72-DC24-4791-9CA6-47ECE2A69DDF}">
+<file path=customXml/itemProps70.xml><?xml version="1.0" encoding="utf-8"?>
+<ds:datastoreItem xmlns:ds="http://schemas.openxmlformats.org/officeDocument/2006/customXml" ds:itemID="{8DAC1539-EE00-4235-AB6E-3D689442BEDF}">
   <ds:schemaRefs>
     <ds:schemaRef ds:uri="http://schemas.microsoft.com/VisualStudio/2011/storyboarding/control"/>
   </ds:schemaRefs>
 </ds:datastoreItem>
 </file>
 
-<file path=customXml/itemProps30.xml><?xml version="1.0" encoding="utf-8"?>
-<ds:datastoreItem xmlns:ds="http://schemas.openxmlformats.org/officeDocument/2006/customXml" ds:itemID="{3CCD36F2-3425-44F7-9F51-456F0C7CC89C}">
+<file path=customXml/itemProps71.xml><?xml version="1.0" encoding="utf-8"?>
+<ds:datastoreItem xmlns:ds="http://schemas.openxmlformats.org/officeDocument/2006/customXml" ds:itemID="{0112F604-12CF-4AF0-B1B9-DFC27CF2EB39}">
   <ds:schemaRefs>
     <ds:schemaRef ds:uri="http://schemas.microsoft.com/VisualStudio/2011/storyboarding/control"/>
   </ds:schemaRefs>
 </ds:datastoreItem>
 </file>
 
-<file path=customXml/itemProps31.xml><?xml version="1.0" encoding="utf-8"?>
+<file path=customXml/itemProps72.xml><?xml version="1.0" encoding="utf-8"?>
+<ds:datastoreItem xmlns:ds="http://schemas.openxmlformats.org/officeDocument/2006/customXml" ds:itemID="{EDEFCAC1-81E8-4EA1-AF8A-6D8861A55F36}">
+  <ds:schemaRefs>
+    <ds:schemaRef ds:uri="http://schemas.microsoft.com/VisualStudio/2011/storyboarding/control"/>
+  </ds:schemaRefs>
+</ds:datastoreItem>
+</file>
+
+<file path=customXml/itemProps73.xml><?xml version="1.0" encoding="utf-8"?>
+<ds:datastoreItem xmlns:ds="http://schemas.openxmlformats.org/officeDocument/2006/customXml" ds:itemID="{AFE23348-B39F-4C03-8ACB-304CB849E116}">
+  <ds:schemaRefs>
+    <ds:schemaRef ds:uri="http://schemas.microsoft.com/VisualStudio/2011/storyboarding/control"/>
+  </ds:schemaRefs>
+</ds:datastoreItem>
+</file>
+
+<file path=customXml/itemProps74.xml><?xml version="1.0" encoding="utf-8"?>
+<ds:datastoreItem xmlns:ds="http://schemas.openxmlformats.org/officeDocument/2006/customXml" ds:itemID="{3C0EDA36-C841-4260-B5CC-AA8A3556D85B}">
+  <ds:schemaRefs>
+    <ds:schemaRef ds:uri="http://schemas.microsoft.com/VisualStudio/2011/storyboarding/control"/>
+  </ds:schemaRefs>
+</ds:datastoreItem>
+</file>
+
+<file path=customXml/itemProps75.xml><?xml version="1.0" encoding="utf-8"?>
+<ds:datastoreItem xmlns:ds="http://schemas.openxmlformats.org/officeDocument/2006/customXml" ds:itemID="{BE10085E-8F62-44FE-A6C4-77F3F9B93BFD}">
+  <ds:schemaRefs>
+    <ds:schemaRef ds:uri="http://schemas.microsoft.com/VisualStudio/2011/storyboarding/control"/>
+  </ds:schemaRefs>
+</ds:datastoreItem>
+</file>
+
+<file path=customXml/itemProps76.xml><?xml version="1.0" encoding="utf-8"?>
 <ds:datastoreItem xmlns:ds="http://schemas.openxmlformats.org/officeDocument/2006/customXml" ds:itemID="{49876BA4-ED70-4F54-946C-7F2FDA8101B3}">
   <ds:schemaRefs>
     <ds:schemaRef ds:uri="http://schemas.microsoft.com/VisualStudio/2011/storyboarding/control"/>
@@ -18883,23 +20525,151 @@
 </ds:datastoreItem>
 </file>
 
-<file path=customXml/itemProps32.xml><?xml version="1.0" encoding="utf-8"?>
-<ds:datastoreItem xmlns:ds="http://schemas.openxmlformats.org/officeDocument/2006/customXml" ds:itemID="{DB5FF0E2-44EA-4182-809E-0BD041009B94}">
+<file path=customXml/itemProps77.xml><?xml version="1.0" encoding="utf-8"?>
+<ds:datastoreItem xmlns:ds="http://schemas.openxmlformats.org/officeDocument/2006/customXml" ds:itemID="{2C8A8EDC-6EF7-4522-8694-660C343074D6}">
   <ds:schemaRefs>
     <ds:schemaRef ds:uri="http://schemas.microsoft.com/VisualStudio/2011/storyboarding/control"/>
   </ds:schemaRefs>
 </ds:datastoreItem>
 </file>
 
-<file path=customXml/itemProps33.xml><?xml version="1.0" encoding="utf-8"?>
-<ds:datastoreItem xmlns:ds="http://schemas.openxmlformats.org/officeDocument/2006/customXml" ds:itemID="{D5FEB2A6-E2DE-4A94-92FC-D966BD6E1C55}">
+<file path=customXml/itemProps78.xml><?xml version="1.0" encoding="utf-8"?>
+<ds:datastoreItem xmlns:ds="http://schemas.openxmlformats.org/officeDocument/2006/customXml" ds:itemID="{6D23DAD7-E0D9-4241-A4DB-204A0F380A76}">
   <ds:schemaRefs>
     <ds:schemaRef ds:uri="http://schemas.microsoft.com/VisualStudio/2011/storyboarding/control"/>
   </ds:schemaRefs>
 </ds:datastoreItem>
 </file>
 
-<file path=customXml/itemProps34.xml><?xml version="1.0" encoding="utf-8"?>
+<file path=customXml/itemProps79.xml><?xml version="1.0" encoding="utf-8"?>
+<ds:datastoreItem xmlns:ds="http://schemas.openxmlformats.org/officeDocument/2006/customXml" ds:itemID="{05045935-8ED3-40B0-85FE-7ED7979502AF}">
+  <ds:schemaRefs>
+    <ds:schemaRef ds:uri="http://schemas.microsoft.com/VisualStudio/2011/storyboarding/control"/>
+  </ds:schemaRefs>
+</ds:datastoreItem>
+</file>
+
+<file path=customXml/itemProps8.xml><?xml version="1.0" encoding="utf-8"?>
+<ds:datastoreItem xmlns:ds="http://schemas.openxmlformats.org/officeDocument/2006/customXml" ds:itemID="{69B9D210-FF34-458C-8F82-69A376856F63}">
+  <ds:schemaRefs>
+    <ds:schemaRef ds:uri="http://schemas.microsoft.com/VisualStudio/2011/storyboarding/control"/>
+  </ds:schemaRefs>
+</ds:datastoreItem>
+</file>
+
+<file path=customXml/itemProps80.xml><?xml version="1.0" encoding="utf-8"?>
+<ds:datastoreItem xmlns:ds="http://schemas.openxmlformats.org/officeDocument/2006/customXml" ds:itemID="{3C01D0B5-D923-4DB6-9ECA-21B712F90957}">
+  <ds:schemaRefs>
+    <ds:schemaRef ds:uri="http://schemas.microsoft.com/VisualStudio/2011/storyboarding/control"/>
+  </ds:schemaRefs>
+</ds:datastoreItem>
+</file>
+
+<file path=customXml/itemProps81.xml><?xml version="1.0" encoding="utf-8"?>
+<ds:datastoreItem xmlns:ds="http://schemas.openxmlformats.org/officeDocument/2006/customXml" ds:itemID="{DB2AB7B1-45B1-4AA1-905D-207599224759}">
+  <ds:schemaRefs>
+    <ds:schemaRef ds:uri="http://schemas.microsoft.com/VisualStudio/2011/storyboarding/control"/>
+  </ds:schemaRefs>
+</ds:datastoreItem>
+</file>
+
+<file path=customXml/itemProps82.xml><?xml version="1.0" encoding="utf-8"?>
+<ds:datastoreItem xmlns:ds="http://schemas.openxmlformats.org/officeDocument/2006/customXml" ds:itemID="{183171CA-D024-44C6-BA60-C3C1FBC455B0}">
+  <ds:schemaRefs>
+    <ds:schemaRef ds:uri="http://schemas.microsoft.com/VisualStudio/2011/storyboarding/control"/>
+  </ds:schemaRefs>
+</ds:datastoreItem>
+</file>
+
+<file path=customXml/itemProps83.xml><?xml version="1.0" encoding="utf-8"?>
+<ds:datastoreItem xmlns:ds="http://schemas.openxmlformats.org/officeDocument/2006/customXml" ds:itemID="{030F3597-04BD-4953-9DA5-E7FAED854AAD}">
+  <ds:schemaRefs>
+    <ds:schemaRef ds:uri="http://schemas.microsoft.com/VisualStudio/2011/storyboarding/control"/>
+  </ds:schemaRefs>
+</ds:datastoreItem>
+</file>
+
+<file path=customXml/itemProps84.xml><?xml version="1.0" encoding="utf-8"?>
+<ds:datastoreItem xmlns:ds="http://schemas.openxmlformats.org/officeDocument/2006/customXml" ds:itemID="{974C45C0-2A3F-42F7-AD70-188C11EC76CD}">
+  <ds:schemaRefs>
+    <ds:schemaRef ds:uri="http://schemas.microsoft.com/VisualStudio/2011/storyboarding/control"/>
+  </ds:schemaRefs>
+</ds:datastoreItem>
+</file>
+
+<file path=customXml/itemProps85.xml><?xml version="1.0" encoding="utf-8"?>
+<ds:datastoreItem xmlns:ds="http://schemas.openxmlformats.org/officeDocument/2006/customXml" ds:itemID="{687349BA-BFEC-42A4-8F54-F6E41F0DBFC0}">
+  <ds:schemaRefs>
+    <ds:schemaRef ds:uri="http://schemas.microsoft.com/VisualStudio/2011/storyboarding/control"/>
+  </ds:schemaRefs>
+</ds:datastoreItem>
+</file>
+
+<file path=customXml/itemProps86.xml><?xml version="1.0" encoding="utf-8"?>
+<ds:datastoreItem xmlns:ds="http://schemas.openxmlformats.org/officeDocument/2006/customXml" ds:itemID="{7387757C-924F-48E4-BB13-EE3C0DC40C7C}">
+  <ds:schemaRefs>
+    <ds:schemaRef ds:uri="http://schemas.microsoft.com/VisualStudio/2011/storyboarding/control"/>
+  </ds:schemaRefs>
+</ds:datastoreItem>
+</file>
+
+<file path=customXml/itemProps87.xml><?xml version="1.0" encoding="utf-8"?>
+<ds:datastoreItem xmlns:ds="http://schemas.openxmlformats.org/officeDocument/2006/customXml" ds:itemID="{7F7B4182-C158-4CF7-BE17-BBC9AB98C52D}">
+  <ds:schemaRefs>
+    <ds:schemaRef ds:uri="http://schemas.microsoft.com/VisualStudio/2011/storyboarding/control"/>
+  </ds:schemaRefs>
+</ds:datastoreItem>
+</file>
+
+<file path=customXml/itemProps88.xml><?xml version="1.0" encoding="utf-8"?>
+<ds:datastoreItem xmlns:ds="http://schemas.openxmlformats.org/officeDocument/2006/customXml" ds:itemID="{CF6A60AE-6D84-4733-81BB-5121E0FFC000}">
+  <ds:schemaRefs>
+    <ds:schemaRef ds:uri="http://schemas.microsoft.com/VisualStudio/2011/storyboarding/control"/>
+  </ds:schemaRefs>
+</ds:datastoreItem>
+</file>
+
+<file path=customXml/itemProps89.xml><?xml version="1.0" encoding="utf-8"?>
+<ds:datastoreItem xmlns:ds="http://schemas.openxmlformats.org/officeDocument/2006/customXml" ds:itemID="{70826E2B-1B9D-49EA-B16E-B2BAED7E59C5}">
+  <ds:schemaRefs>
+    <ds:schemaRef ds:uri="http://schemas.microsoft.com/VisualStudio/2011/storyboarding/control"/>
+  </ds:schemaRefs>
+</ds:datastoreItem>
+</file>
+
+<file path=customXml/itemProps9.xml><?xml version="1.0" encoding="utf-8"?>
+<ds:datastoreItem xmlns:ds="http://schemas.openxmlformats.org/officeDocument/2006/customXml" ds:itemID="{0FD6602D-9FF1-45EA-ACC6-2A4C9859DD2B}">
+  <ds:schemaRefs>
+    <ds:schemaRef ds:uri="http://schemas.microsoft.com/VisualStudio/2011/storyboarding/control"/>
+  </ds:schemaRefs>
+</ds:datastoreItem>
+</file>
+
+<file path=customXml/itemProps90.xml><?xml version="1.0" encoding="utf-8"?>
+<ds:datastoreItem xmlns:ds="http://schemas.openxmlformats.org/officeDocument/2006/customXml" ds:itemID="{E97CE4A6-9C01-4E1C-AE95-A570F68F4499}">
+  <ds:schemaRefs>
+    <ds:schemaRef ds:uri="http://schemas.microsoft.com/VisualStudio/2011/storyboarding/control"/>
+  </ds:schemaRefs>
+</ds:datastoreItem>
+</file>
+
+<file path=customXml/itemProps91.xml><?xml version="1.0" encoding="utf-8"?>
+<ds:datastoreItem xmlns:ds="http://schemas.openxmlformats.org/officeDocument/2006/customXml" ds:itemID="{776DA967-FF73-4AD2-8CC6-D43089C9FC8F}">
+  <ds:schemaRefs>
+    <ds:schemaRef ds:uri="http://schemas.microsoft.com/VisualStudio/2011/storyboarding/control"/>
+  </ds:schemaRefs>
+</ds:datastoreItem>
+</file>
+
+<file path=customXml/itemProps92.xml><?xml version="1.0" encoding="utf-8"?>
+<ds:datastoreItem xmlns:ds="http://schemas.openxmlformats.org/officeDocument/2006/customXml" ds:itemID="{368C58DE-69E5-468F-8FEE-B8D0683E2F32}">
+  <ds:schemaRefs>
+    <ds:schemaRef ds:uri="http://schemas.microsoft.com/VisualStudio/2011/storyboarding/control"/>
+  </ds:schemaRefs>
+</ds:datastoreItem>
+</file>
+
+<file path=customXml/itemProps93.xml><?xml version="1.0" encoding="utf-8"?>
 <ds:datastoreItem xmlns:ds="http://schemas.openxmlformats.org/officeDocument/2006/customXml" ds:itemID="{8FA3D93C-F1A3-4B2E-9382-EA20C1D69BAD}">
   <ds:schemaRefs>
     <ds:schemaRef ds:uri="http://schemas.microsoft.com/VisualStudio/2011/storyboarding/control"/>
@@ -18907,143 +20677,7 @@
 </ds:datastoreItem>
 </file>
 
-<file path=customXml/itemProps35.xml><?xml version="1.0" encoding="utf-8"?>
-<ds:datastoreItem xmlns:ds="http://schemas.openxmlformats.org/officeDocument/2006/customXml" ds:itemID="{21A90A5F-24FA-4767-A349-8C4CAECFA4AE}">
-  <ds:schemaRefs>
-    <ds:schemaRef ds:uri="http://schemas.microsoft.com/VisualStudio/2011/storyboarding/control"/>
-  </ds:schemaRefs>
-</ds:datastoreItem>
-</file>
-
-<file path=customXml/itemProps36.xml><?xml version="1.0" encoding="utf-8"?>
-<ds:datastoreItem xmlns:ds="http://schemas.openxmlformats.org/officeDocument/2006/customXml" ds:itemID="{8DAC1539-EE00-4235-AB6E-3D689442BEDF}">
-  <ds:schemaRefs>
-    <ds:schemaRef ds:uri="http://schemas.microsoft.com/VisualStudio/2011/storyboarding/control"/>
-  </ds:schemaRefs>
-</ds:datastoreItem>
-</file>
-
-<file path=customXml/itemProps37.xml><?xml version="1.0" encoding="utf-8"?>
-<ds:datastoreItem xmlns:ds="http://schemas.openxmlformats.org/officeDocument/2006/customXml" ds:itemID="{E1A30748-A830-4B10-A878-3B4756F506F2}">
-  <ds:schemaRefs>
-    <ds:schemaRef ds:uri="http://schemas.microsoft.com/VisualStudio/2011/storyboarding/control"/>
-  </ds:schemaRefs>
-</ds:datastoreItem>
-</file>
-
-<file path=customXml/itemProps38.xml><?xml version="1.0" encoding="utf-8"?>
-<ds:datastoreItem xmlns:ds="http://schemas.openxmlformats.org/officeDocument/2006/customXml" ds:itemID="{BE26F770-6D00-4BDC-830A-6271C798A6B9}">
-  <ds:schemaRefs>
-    <ds:schemaRef ds:uri="http://schemas.microsoft.com/VisualStudio/2011/storyboarding/control"/>
-  </ds:schemaRefs>
-</ds:datastoreItem>
-</file>
-
-<file path=customXml/itemProps39.xml><?xml version="1.0" encoding="utf-8"?>
-<ds:datastoreItem xmlns:ds="http://schemas.openxmlformats.org/officeDocument/2006/customXml" ds:itemID="{776DA967-FF73-4AD2-8CC6-D43089C9FC8F}">
-  <ds:schemaRefs>
-    <ds:schemaRef ds:uri="http://schemas.microsoft.com/VisualStudio/2011/storyboarding/control"/>
-  </ds:schemaRefs>
-</ds:datastoreItem>
-</file>
-
-<file path=customXml/itemProps4.xml><?xml version="1.0" encoding="utf-8"?>
-<ds:datastoreItem xmlns:ds="http://schemas.openxmlformats.org/officeDocument/2006/customXml" ds:itemID="{7F7B4182-C158-4CF7-BE17-BBC9AB98C52D}">
-  <ds:schemaRefs>
-    <ds:schemaRef ds:uri="http://schemas.microsoft.com/VisualStudio/2011/storyboarding/control"/>
-  </ds:schemaRefs>
-</ds:datastoreItem>
-</file>
-
-<file path=customXml/itemProps40.xml><?xml version="1.0" encoding="utf-8"?>
-<ds:datastoreItem xmlns:ds="http://schemas.openxmlformats.org/officeDocument/2006/customXml" ds:itemID="{97E85E79-3453-4406-A138-2BED0C524D02}">
-  <ds:schemaRefs>
-    <ds:schemaRef ds:uri="http://schemas.microsoft.com/VisualStudio/2011/storyboarding/control"/>
-  </ds:schemaRefs>
-</ds:datastoreItem>
-</file>
-
-<file path=customXml/itemProps41.xml><?xml version="1.0" encoding="utf-8"?>
-<ds:datastoreItem xmlns:ds="http://schemas.openxmlformats.org/officeDocument/2006/customXml" ds:itemID="{CCEC82DF-3665-44AC-9C20-DBAE83D3306F}">
-  <ds:schemaRefs>
-    <ds:schemaRef ds:uri="http://schemas.microsoft.com/VisualStudio/2011/storyboarding/control"/>
-  </ds:schemaRefs>
-</ds:datastoreItem>
-</file>
-
-<file path=customXml/itemProps42.xml><?xml version="1.0" encoding="utf-8"?>
-<ds:datastoreItem xmlns:ds="http://schemas.openxmlformats.org/officeDocument/2006/customXml" ds:itemID="{B165D352-70D4-40FE-85FF-532687BB8AFA}">
-  <ds:schemaRefs>
-    <ds:schemaRef ds:uri="http://schemas.microsoft.com/VisualStudio/2011/storyboarding/control"/>
-  </ds:schemaRefs>
-</ds:datastoreItem>
-</file>
-
-<file path=customXml/itemProps43.xml><?xml version="1.0" encoding="utf-8"?>
-<ds:datastoreItem xmlns:ds="http://schemas.openxmlformats.org/officeDocument/2006/customXml" ds:itemID="{BB08E1D8-D864-4F18-BB84-C71EFF99EB19}">
-  <ds:schemaRefs>
-    <ds:schemaRef ds:uri="http://schemas.microsoft.com/VisualStudio/2011/storyboarding/control"/>
-  </ds:schemaRefs>
-</ds:datastoreItem>
-</file>
-
-<file path=customXml/itemProps44.xml><?xml version="1.0" encoding="utf-8"?>
-<ds:datastoreItem xmlns:ds="http://schemas.openxmlformats.org/officeDocument/2006/customXml" ds:itemID="{2C8A8EDC-6EF7-4522-8694-660C343074D6}">
-  <ds:schemaRefs>
-    <ds:schemaRef ds:uri="http://schemas.microsoft.com/VisualStudio/2011/storyboarding/control"/>
-  </ds:schemaRefs>
-</ds:datastoreItem>
-</file>
-
-<file path=customXml/itemProps45.xml><?xml version="1.0" encoding="utf-8"?>
-<ds:datastoreItem xmlns:ds="http://schemas.openxmlformats.org/officeDocument/2006/customXml" ds:itemID="{C203A4C3-7CA4-4E41-A180-DCD93F0B08DE}">
-  <ds:schemaRefs>
-    <ds:schemaRef ds:uri="http://schemas.microsoft.com/VisualStudio/2011/storyboarding/control"/>
-  </ds:schemaRefs>
-</ds:datastoreItem>
-</file>
-
-<file path=customXml/itemProps46.xml><?xml version="1.0" encoding="utf-8"?>
-<ds:datastoreItem xmlns:ds="http://schemas.openxmlformats.org/officeDocument/2006/customXml" ds:itemID="{9A09CA26-6854-4F3C-9516-942B8F58A388}">
-  <ds:schemaRefs>
-    <ds:schemaRef ds:uri="http://schemas.microsoft.com/VisualStudio/2011/storyboarding/control"/>
-  </ds:schemaRefs>
-</ds:datastoreItem>
-</file>
-
-<file path=customXml/itemProps47.xml><?xml version="1.0" encoding="utf-8"?>
-<ds:datastoreItem xmlns:ds="http://schemas.openxmlformats.org/officeDocument/2006/customXml" ds:itemID="{862FA17A-2C6F-4CD8-B507-10CA7CC09A8F}">
-  <ds:schemaRefs>
-    <ds:schemaRef ds:uri="http://schemas.microsoft.com/VisualStudio/2011/storyboarding/control"/>
-  </ds:schemaRefs>
-</ds:datastoreItem>
-</file>
-
-<file path=customXml/itemProps48.xml><?xml version="1.0" encoding="utf-8"?>
-<ds:datastoreItem xmlns:ds="http://schemas.openxmlformats.org/officeDocument/2006/customXml" ds:itemID="{CA4A118F-B9BE-4B9A-ABEA-F0641AD333A0}">
-  <ds:schemaRefs>
-    <ds:schemaRef ds:uri="http://schemas.microsoft.com/VisualStudio/2011/storyboarding/control"/>
-  </ds:schemaRefs>
-</ds:datastoreItem>
-</file>
-
-<file path=customXml/itemProps49.xml><?xml version="1.0" encoding="utf-8"?>
-<ds:datastoreItem xmlns:ds="http://schemas.openxmlformats.org/officeDocument/2006/customXml" ds:itemID="{0112F604-12CF-4AF0-B1B9-DFC27CF2EB39}">
-  <ds:schemaRefs>
-    <ds:schemaRef ds:uri="http://schemas.microsoft.com/VisualStudio/2011/storyboarding/control"/>
-  </ds:schemaRefs>
-</ds:datastoreItem>
-</file>
-
-<file path=customXml/itemProps5.xml><?xml version="1.0" encoding="utf-8"?>
-<ds:datastoreItem xmlns:ds="http://schemas.openxmlformats.org/officeDocument/2006/customXml" ds:itemID="{9BF50CE8-CF32-4606-8DE6-3101ABBDD070}">
-  <ds:schemaRefs>
-    <ds:schemaRef ds:uri="http://schemas.microsoft.com/VisualStudio/2011/storyboarding/control"/>
-  </ds:schemaRefs>
-</ds:datastoreItem>
-</file>
-
-<file path=customXml/itemProps50.xml><?xml version="1.0" encoding="utf-8"?>
+<file path=customXml/itemProps94.xml><?xml version="1.0" encoding="utf-8"?>
 <ds:datastoreItem xmlns:ds="http://schemas.openxmlformats.org/officeDocument/2006/customXml" ds:itemID="{CA719675-9B71-49B9-BBAE-6093E5AF0C0C}">
   <ds:schemaRefs>
     <ds:schemaRef ds:uri="http://schemas.microsoft.com/VisualStudio/2011/storyboarding/control"/>
@@ -19051,39 +20685,7 @@
 </ds:datastoreItem>
 </file>
 
-<file path=customXml/itemProps51.xml><?xml version="1.0" encoding="utf-8"?>
-<ds:datastoreItem xmlns:ds="http://schemas.openxmlformats.org/officeDocument/2006/customXml" ds:itemID="{F7CD6DE8-E3CA-41AD-BDF6-29CE07D429DA}">
-  <ds:schemaRefs>
-    <ds:schemaRef ds:uri="http://schemas.microsoft.com/VisualStudio/2011/storyboarding/control"/>
-  </ds:schemaRefs>
-</ds:datastoreItem>
-</file>
-
-<file path=customXml/itemProps52.xml><?xml version="1.0" encoding="utf-8"?>
-<ds:datastoreItem xmlns:ds="http://schemas.openxmlformats.org/officeDocument/2006/customXml" ds:itemID="{6D23DAD7-E0D9-4241-A4DB-204A0F380A76}">
-  <ds:schemaRefs>
-    <ds:schemaRef ds:uri="http://schemas.microsoft.com/VisualStudio/2011/storyboarding/control"/>
-  </ds:schemaRefs>
-</ds:datastoreItem>
-</file>
-
-<file path=customXml/itemProps53.xml><?xml version="1.0" encoding="utf-8"?>
-<ds:datastoreItem xmlns:ds="http://schemas.openxmlformats.org/officeDocument/2006/customXml" ds:itemID="{B39EB365-64A2-4270-B261-6F581E40AA63}">
-  <ds:schemaRefs>
-    <ds:schemaRef ds:uri="http://schemas.microsoft.com/VisualStudio/2011/storyboarding/control"/>
-  </ds:schemaRefs>
-</ds:datastoreItem>
-</file>
-
-<file path=customXml/itemProps54.xml><?xml version="1.0" encoding="utf-8"?>
-<ds:datastoreItem xmlns:ds="http://schemas.openxmlformats.org/officeDocument/2006/customXml" ds:itemID="{C8101F23-7FAA-4BD8-AD2A-421FA377298D}">
-  <ds:schemaRefs>
-    <ds:schemaRef ds:uri="http://schemas.microsoft.com/VisualStudio/2011/storyboarding/control"/>
-  </ds:schemaRefs>
-</ds:datastoreItem>
-</file>
-
-<file path=customXml/itemProps55.xml><?xml version="1.0" encoding="utf-8"?>
+<file path=customXml/itemProps95.xml><?xml version="1.0" encoding="utf-8"?>
 <ds:datastoreItem xmlns:ds="http://schemas.openxmlformats.org/officeDocument/2006/customXml" ds:itemID="{DED20389-1C75-4C70-BBCC-27B286CC4C95}">
   <ds:schemaRefs>
     <ds:schemaRef ds:uri="http://schemas.microsoft.com/VisualStudio/2011/storyboarding/control"/>
@@ -19091,360 +20693,8 @@
 </ds:datastoreItem>
 </file>
 
-<file path=customXml/itemProps56.xml><?xml version="1.0" encoding="utf-8"?>
-<ds:datastoreItem xmlns:ds="http://schemas.openxmlformats.org/officeDocument/2006/customXml" ds:itemID="{220BC498-0DDF-422A-AC0F-97E589848EC1}">
-  <ds:schemaRefs>
-    <ds:schemaRef ds:uri="http://schemas.microsoft.com/VisualStudio/2011/storyboarding/control"/>
-  </ds:schemaRefs>
-</ds:datastoreItem>
-</file>
-
-<file path=customXml/itemProps57.xml><?xml version="1.0" encoding="utf-8"?>
-<ds:datastoreItem xmlns:ds="http://schemas.openxmlformats.org/officeDocument/2006/customXml" ds:itemID="{EDEFCAC1-81E8-4EA1-AF8A-6D8861A55F36}">
-  <ds:schemaRefs>
-    <ds:schemaRef ds:uri="http://schemas.microsoft.com/VisualStudio/2011/storyboarding/control"/>
-  </ds:schemaRefs>
-</ds:datastoreItem>
-</file>
-
-<file path=customXml/itemProps58.xml><?xml version="1.0" encoding="utf-8"?>
-<ds:datastoreItem xmlns:ds="http://schemas.openxmlformats.org/officeDocument/2006/customXml" ds:itemID="{CEF68D64-8D51-42AA-8C2A-0AF1FD5D33EE}">
-  <ds:schemaRefs>
-    <ds:schemaRef ds:uri="http://schemas.microsoft.com/VisualStudio/2011/storyboarding/control"/>
-  </ds:schemaRefs>
-</ds:datastoreItem>
-</file>
-
-<file path=customXml/itemProps59.xml><?xml version="1.0" encoding="utf-8"?>
-<ds:datastoreItem xmlns:ds="http://schemas.openxmlformats.org/officeDocument/2006/customXml" ds:itemID="{BA657A7A-162E-460C-9698-741B5BF8D8DB}">
-  <ds:schemaRefs>
-    <ds:schemaRef ds:uri="http://schemas.microsoft.com/VisualStudio/2011/storyboarding/control"/>
-  </ds:schemaRefs>
-</ds:datastoreItem>
-</file>
-
-<file path=customXml/itemProps6.xml><?xml version="1.0" encoding="utf-8"?>
-<ds:datastoreItem xmlns:ds="http://schemas.openxmlformats.org/officeDocument/2006/customXml" ds:itemID="{E998C69E-52BE-44B3-B629-486376A2D891}">
-  <ds:schemaRefs>
-    <ds:schemaRef ds:uri="http://schemas.microsoft.com/VisualStudio/2011/storyboarding/control"/>
-  </ds:schemaRefs>
-</ds:datastoreItem>
-</file>
-
-<file path=customXml/itemProps60.xml><?xml version="1.0" encoding="utf-8"?>
-<ds:datastoreItem xmlns:ds="http://schemas.openxmlformats.org/officeDocument/2006/customXml" ds:itemID="{05045935-8ED3-40B0-85FE-7ED7979502AF}">
-  <ds:schemaRefs>
-    <ds:schemaRef ds:uri="http://schemas.microsoft.com/VisualStudio/2011/storyboarding/control"/>
-  </ds:schemaRefs>
-</ds:datastoreItem>
-</file>
-
-<file path=customXml/itemProps61.xml><?xml version="1.0" encoding="utf-8"?>
-<ds:datastoreItem xmlns:ds="http://schemas.openxmlformats.org/officeDocument/2006/customXml" ds:itemID="{E27BBFB1-FB8A-4416-95F7-69ED22360FD0}">
-  <ds:schemaRefs>
-    <ds:schemaRef ds:uri="http://schemas.microsoft.com/VisualStudio/2011/storyboarding/control"/>
-  </ds:schemaRefs>
-</ds:datastoreItem>
-</file>
-
-<file path=customXml/itemProps62.xml><?xml version="1.0" encoding="utf-8"?>
-<ds:datastoreItem xmlns:ds="http://schemas.openxmlformats.org/officeDocument/2006/customXml" ds:itemID="{9EAD970D-1769-449C-8C12-17B66CF1D5B1}">
-  <ds:schemaRefs>
-    <ds:schemaRef ds:uri="http://schemas.microsoft.com/VisualStudio/2011/storyboarding/control"/>
-  </ds:schemaRefs>
-</ds:datastoreItem>
-</file>
-
-<file path=customXml/itemProps63.xml><?xml version="1.0" encoding="utf-8"?>
-<ds:datastoreItem xmlns:ds="http://schemas.openxmlformats.org/officeDocument/2006/customXml" ds:itemID="{084278B8-A977-4998-90BD-F6C56A123772}">
-  <ds:schemaRefs>
-    <ds:schemaRef ds:uri="http://schemas.microsoft.com/VisualStudio/2011/storyboarding/control"/>
-  </ds:schemaRefs>
-</ds:datastoreItem>
-</file>
-
-<file path=customXml/itemProps64.xml><?xml version="1.0" encoding="utf-8"?>
-<ds:datastoreItem xmlns:ds="http://schemas.openxmlformats.org/officeDocument/2006/customXml" ds:itemID="{5F13B48F-437D-49AE-BFB9-EBA82E71BB38}">
-  <ds:schemaRefs>
-    <ds:schemaRef ds:uri="http://schemas.microsoft.com/VisualStudio/2011/storyboarding/control"/>
-  </ds:schemaRefs>
-</ds:datastoreItem>
-</file>
-
-<file path=customXml/itemProps65.xml><?xml version="1.0" encoding="utf-8"?>
-<ds:datastoreItem xmlns:ds="http://schemas.openxmlformats.org/officeDocument/2006/customXml" ds:itemID="{3C01D0B5-D923-4DB6-9ECA-21B712F90957}">
-  <ds:schemaRefs>
-    <ds:schemaRef ds:uri="http://schemas.microsoft.com/VisualStudio/2011/storyboarding/control"/>
-  </ds:schemaRefs>
-</ds:datastoreItem>
-</file>
-
-<file path=customXml/itemProps66.xml><?xml version="1.0" encoding="utf-8"?>
-<ds:datastoreItem xmlns:ds="http://schemas.openxmlformats.org/officeDocument/2006/customXml" ds:itemID="{55B5B6F8-9901-492E-97D6-EAC91518CD9E}">
-  <ds:schemaRefs>
-    <ds:schemaRef ds:uri="http://schemas.microsoft.com/VisualStudio/2011/storyboarding/control"/>
-  </ds:schemaRefs>
-</ds:datastoreItem>
-</file>
-
-<file path=customXml/itemProps67.xml><?xml version="1.0" encoding="utf-8"?>
-<ds:datastoreItem xmlns:ds="http://schemas.openxmlformats.org/officeDocument/2006/customXml" ds:itemID="{1DCDD326-8855-4EA9-81F1-29467A7EBF4F}">
-  <ds:schemaRefs>
-    <ds:schemaRef ds:uri="http://schemas.microsoft.com/VisualStudio/2011/storyboarding/control"/>
-  </ds:schemaRefs>
-</ds:datastoreItem>
-</file>
-
-<file path=customXml/itemProps68.xml><?xml version="1.0" encoding="utf-8"?>
-<ds:datastoreItem xmlns:ds="http://schemas.openxmlformats.org/officeDocument/2006/customXml" ds:itemID="{551005C4-A1E3-4AC7-8CDB-DC374E6CD181}">
-  <ds:schemaRefs>
-    <ds:schemaRef ds:uri="http://schemas.microsoft.com/VisualStudio/2011/storyboarding/control"/>
-  </ds:schemaRefs>
-</ds:datastoreItem>
-</file>
-
-<file path=customXml/itemProps69.xml><?xml version="1.0" encoding="utf-8"?>
-<ds:datastoreItem xmlns:ds="http://schemas.openxmlformats.org/officeDocument/2006/customXml" ds:itemID="{62877943-EBF7-4B2F-8C26-9CC99A82D531}">
-  <ds:schemaRefs>
-    <ds:schemaRef ds:uri="http://schemas.microsoft.com/VisualStudio/2011/storyboarding/control"/>
-  </ds:schemaRefs>
-</ds:datastoreItem>
-</file>
-
-<file path=customXml/itemProps7.xml><?xml version="1.0" encoding="utf-8"?>
-<ds:datastoreItem xmlns:ds="http://schemas.openxmlformats.org/officeDocument/2006/customXml" ds:itemID="{D10F67D1-B2C6-4D91-9BEE-407097047766}">
-  <ds:schemaRefs>
-    <ds:schemaRef ds:uri="http://schemas.microsoft.com/VisualStudio/2011/storyboarding/control"/>
-  </ds:schemaRefs>
-</ds:datastoreItem>
-</file>
-
-<file path=customXml/itemProps70.xml><?xml version="1.0" encoding="utf-8"?>
-<ds:datastoreItem xmlns:ds="http://schemas.openxmlformats.org/officeDocument/2006/customXml" ds:itemID="{CCE61513-AF07-49B1-B8EA-B5635E280688}">
-  <ds:schemaRefs>
-    <ds:schemaRef ds:uri="http://schemas.microsoft.com/VisualStudio/2011/storyboarding/control"/>
-  </ds:schemaRefs>
-</ds:datastoreItem>
-</file>
-
-<file path=customXml/itemProps71.xml><?xml version="1.0" encoding="utf-8"?>
-<ds:datastoreItem xmlns:ds="http://schemas.openxmlformats.org/officeDocument/2006/customXml" ds:itemID="{42063805-6CB9-4EB6-A3CE-140E342850A1}">
-  <ds:schemaRefs>
-    <ds:schemaRef ds:uri="http://schemas.microsoft.com/VisualStudio/2011/storyboarding/control"/>
-  </ds:schemaRefs>
-</ds:datastoreItem>
-</file>
-
-<file path=customXml/itemProps72.xml><?xml version="1.0" encoding="utf-8"?>
-<ds:datastoreItem xmlns:ds="http://schemas.openxmlformats.org/officeDocument/2006/customXml" ds:itemID="{06F9B291-5871-4D41-84EA-E759ADCB386D}">
-  <ds:schemaRefs>
-    <ds:schemaRef ds:uri="http://schemas.microsoft.com/VisualStudio/2011/storyboarding/control"/>
-  </ds:schemaRefs>
-</ds:datastoreItem>
-</file>
-
-<file path=customXml/itemProps73.xml><?xml version="1.0" encoding="utf-8"?>
-<ds:datastoreItem xmlns:ds="http://schemas.openxmlformats.org/officeDocument/2006/customXml" ds:itemID="{DB2AB7B1-45B1-4AA1-905D-207599224759}">
-  <ds:schemaRefs>
-    <ds:schemaRef ds:uri="http://schemas.microsoft.com/VisualStudio/2011/storyboarding/control"/>
-  </ds:schemaRefs>
-</ds:datastoreItem>
-</file>
-
-<file path=customXml/itemProps74.xml><?xml version="1.0" encoding="utf-8"?>
-<ds:datastoreItem xmlns:ds="http://schemas.openxmlformats.org/officeDocument/2006/customXml" ds:itemID="{1F0E1F79-632F-4EB0-82C0-5A1AFD1072FB}">
-  <ds:schemaRefs>
-    <ds:schemaRef ds:uri="http://schemas.microsoft.com/VisualStudio/2011/storyboarding/control"/>
-  </ds:schemaRefs>
-</ds:datastoreItem>
-</file>
-
-<file path=customXml/itemProps75.xml><?xml version="1.0" encoding="utf-8"?>
-<ds:datastoreItem xmlns:ds="http://schemas.openxmlformats.org/officeDocument/2006/customXml" ds:itemID="{BCBCF373-CB4D-4BEC-8AF3-991F699ECE33}">
-  <ds:schemaRefs>
-    <ds:schemaRef ds:uri="http://schemas.microsoft.com/VisualStudio/2011/storyboarding/control"/>
-  </ds:schemaRefs>
-</ds:datastoreItem>
-</file>
-
-<file path=customXml/itemProps76.xml><?xml version="1.0" encoding="utf-8"?>
+<file path=customXml/itemProps96.xml><?xml version="1.0" encoding="utf-8"?>
 <ds:datastoreItem xmlns:ds="http://schemas.openxmlformats.org/officeDocument/2006/customXml" ds:itemID="{BFEF8C4D-1E27-426E-B1CF-BF65C7F7B0A0}">
-  <ds:schemaRefs>
-    <ds:schemaRef ds:uri="http://schemas.microsoft.com/VisualStudio/2011/storyboarding/control"/>
-  </ds:schemaRefs>
-</ds:datastoreItem>
-</file>
-
-<file path=customXml/itemProps77.xml><?xml version="1.0" encoding="utf-8"?>
-<ds:datastoreItem xmlns:ds="http://schemas.openxmlformats.org/officeDocument/2006/customXml" ds:itemID="{A29EBE93-BDB6-42E1-AF9D-ECEC34CCBD22}">
-  <ds:schemaRefs>
-    <ds:schemaRef ds:uri="http://schemas.microsoft.com/VisualStudio/2011/storyboarding/control"/>
-  </ds:schemaRefs>
-</ds:datastoreItem>
-</file>
-
-<file path=customXml/itemProps78.xml><?xml version="1.0" encoding="utf-8"?>
-<ds:datastoreItem xmlns:ds="http://schemas.openxmlformats.org/officeDocument/2006/customXml" ds:itemID="{183171CA-D024-44C6-BA60-C3C1FBC455B0}">
-  <ds:schemaRefs>
-    <ds:schemaRef ds:uri="http://schemas.microsoft.com/VisualStudio/2011/storyboarding/control"/>
-  </ds:schemaRefs>
-</ds:datastoreItem>
-</file>
-
-<file path=customXml/itemProps79.xml><?xml version="1.0" encoding="utf-8"?>
-<ds:datastoreItem xmlns:ds="http://schemas.openxmlformats.org/officeDocument/2006/customXml" ds:itemID="{E3A1C028-05DB-4953-AA73-C22DBE13D6E4}">
-  <ds:schemaRefs>
-    <ds:schemaRef ds:uri="http://schemas.microsoft.com/VisualStudio/2011/storyboarding/control"/>
-  </ds:schemaRefs>
-</ds:datastoreItem>
-</file>
-
-<file path=customXml/itemProps8.xml><?xml version="1.0" encoding="utf-8"?>
-<ds:datastoreItem xmlns:ds="http://schemas.openxmlformats.org/officeDocument/2006/customXml" ds:itemID="{11C14D45-A737-4C48-AAAE-B66C79B7299B}">
-  <ds:schemaRefs>
-    <ds:schemaRef ds:uri="http://schemas.microsoft.com/VisualStudio/2011/storyboarding/control"/>
-  </ds:schemaRefs>
-</ds:datastoreItem>
-</file>
-
-<file path=customXml/itemProps80.xml><?xml version="1.0" encoding="utf-8"?>
-<ds:datastoreItem xmlns:ds="http://schemas.openxmlformats.org/officeDocument/2006/customXml" ds:itemID="{9A9F71E7-630C-41F7-9E54-34C094B490EC}">
-  <ds:schemaRefs>
-    <ds:schemaRef ds:uri="http://schemas.microsoft.com/VisualStudio/2011/storyboarding/control"/>
-  </ds:schemaRefs>
-</ds:datastoreItem>
-</file>
-
-<file path=customXml/itemProps81.xml><?xml version="1.0" encoding="utf-8"?>
-<ds:datastoreItem xmlns:ds="http://schemas.openxmlformats.org/officeDocument/2006/customXml" ds:itemID="{030F3597-04BD-4953-9DA5-E7FAED854AAD}">
-  <ds:schemaRefs>
-    <ds:schemaRef ds:uri="http://schemas.microsoft.com/VisualStudio/2011/storyboarding/control"/>
-  </ds:schemaRefs>
-</ds:datastoreItem>
-</file>
-
-<file path=customXml/itemProps82.xml><?xml version="1.0" encoding="utf-8"?>
-<ds:datastoreItem xmlns:ds="http://schemas.openxmlformats.org/officeDocument/2006/customXml" ds:itemID="{2DFA9120-1703-4454-A33D-C7C738B921CC}">
-  <ds:schemaRefs>
-    <ds:schemaRef ds:uri="http://schemas.microsoft.com/VisualStudio/2011/storyboarding/control"/>
-  </ds:schemaRefs>
-</ds:datastoreItem>
-</file>
-
-<file path=customXml/itemProps83.xml><?xml version="1.0" encoding="utf-8"?>
-<ds:datastoreItem xmlns:ds="http://schemas.openxmlformats.org/officeDocument/2006/customXml" ds:itemID="{5935B25C-B0FA-447B-B017-3612A77273CA}">
-  <ds:schemaRefs>
-    <ds:schemaRef ds:uri="http://schemas.microsoft.com/VisualStudio/2011/storyboarding/control"/>
-  </ds:schemaRefs>
-</ds:datastoreItem>
-</file>
-
-<file path=customXml/itemProps84.xml><?xml version="1.0" encoding="utf-8"?>
-<ds:datastoreItem xmlns:ds="http://schemas.openxmlformats.org/officeDocument/2006/customXml" ds:itemID="{D10417C0-CFC7-4198-A12F-567D0881B21B}">
-  <ds:schemaRefs>
-    <ds:schemaRef ds:uri="http://schemas.microsoft.com/VisualStudio/2011/storyboarding/control"/>
-  </ds:schemaRefs>
-</ds:datastoreItem>
-</file>
-
-<file path=customXml/itemProps85.xml><?xml version="1.0" encoding="utf-8"?>
-<ds:datastoreItem xmlns:ds="http://schemas.openxmlformats.org/officeDocument/2006/customXml" ds:itemID="{395183EE-0496-47AF-AD2A-1DA50A4837A0}">
-  <ds:schemaRefs>
-    <ds:schemaRef ds:uri="http://schemas.microsoft.com/VisualStudio/2011/storyboarding/control"/>
-  </ds:schemaRefs>
-</ds:datastoreItem>
-</file>
-
-<file path=customXml/itemProps86.xml><?xml version="1.0" encoding="utf-8"?>
-<ds:datastoreItem xmlns:ds="http://schemas.openxmlformats.org/officeDocument/2006/customXml" ds:itemID="{974C45C0-2A3F-42F7-AD70-188C11EC76CD}">
-  <ds:schemaRefs>
-    <ds:schemaRef ds:uri="http://schemas.microsoft.com/VisualStudio/2011/storyboarding/control"/>
-  </ds:schemaRefs>
-</ds:datastoreItem>
-</file>
-
-<file path=customXml/itemProps87.xml><?xml version="1.0" encoding="utf-8"?>
-<ds:datastoreItem xmlns:ds="http://schemas.openxmlformats.org/officeDocument/2006/customXml" ds:itemID="{BFC4E313-8525-46BB-B2EA-19B4922B00C8}">
-  <ds:schemaRefs>
-    <ds:schemaRef ds:uri="http://schemas.microsoft.com/VisualStudio/2011/storyboarding/control"/>
-  </ds:schemaRefs>
-</ds:datastoreItem>
-</file>
-
-<file path=customXml/itemProps88.xml><?xml version="1.0" encoding="utf-8"?>
-<ds:datastoreItem xmlns:ds="http://schemas.openxmlformats.org/officeDocument/2006/customXml" ds:itemID="{10D299E8-14A9-4F76-A58E-935086DED687}">
-  <ds:schemaRefs>
-    <ds:schemaRef ds:uri="http://schemas.microsoft.com/VisualStudio/2011/storyboarding/control"/>
-  </ds:schemaRefs>
-</ds:datastoreItem>
-</file>
-
-<file path=customXml/itemProps89.xml><?xml version="1.0" encoding="utf-8"?>
-<ds:datastoreItem xmlns:ds="http://schemas.openxmlformats.org/officeDocument/2006/customXml" ds:itemID="{B26B6A26-396F-4D0F-A263-FAD705C1B8A8}">
-  <ds:schemaRefs>
-    <ds:schemaRef ds:uri="http://schemas.microsoft.com/VisualStudio/2011/storyboarding/control"/>
-  </ds:schemaRefs>
-</ds:datastoreItem>
-</file>
-
-<file path=customXml/itemProps9.xml><?xml version="1.0" encoding="utf-8"?>
-<ds:datastoreItem xmlns:ds="http://schemas.openxmlformats.org/officeDocument/2006/customXml" ds:itemID="{CF6A60AE-6D84-4733-81BB-5121E0FFC000}">
-  <ds:schemaRefs>
-    <ds:schemaRef ds:uri="http://schemas.microsoft.com/VisualStudio/2011/storyboarding/control"/>
-  </ds:schemaRefs>
-</ds:datastoreItem>
-</file>
-
-<file path=customXml/itemProps90.xml><?xml version="1.0" encoding="utf-8"?>
-<ds:datastoreItem xmlns:ds="http://schemas.openxmlformats.org/officeDocument/2006/customXml" ds:itemID="{EF61CF87-912E-42E7-83EA-9D0202326A8A}">
-  <ds:schemaRefs>
-    <ds:schemaRef ds:uri="http://schemas.microsoft.com/VisualStudio/2011/storyboarding/control"/>
-  </ds:schemaRefs>
-</ds:datastoreItem>
-</file>
-
-<file path=customXml/itemProps91.xml><?xml version="1.0" encoding="utf-8"?>
-<ds:datastoreItem xmlns:ds="http://schemas.openxmlformats.org/officeDocument/2006/customXml" ds:itemID="{2FE08BCD-9E20-4AE0-918E-8580D5DC7CAA}">
-  <ds:schemaRefs>
-    <ds:schemaRef ds:uri="http://schemas.microsoft.com/VisualStudio/2011/storyboarding/control"/>
-  </ds:schemaRefs>
-</ds:datastoreItem>
-</file>
-
-<file path=customXml/itemProps92.xml><?xml version="1.0" encoding="utf-8"?>
-<ds:datastoreItem xmlns:ds="http://schemas.openxmlformats.org/officeDocument/2006/customXml" ds:itemID="{3F432E18-CBCB-42D0-A7E7-33B1387D14AE}">
-  <ds:schemaRefs>
-    <ds:schemaRef ds:uri="http://schemas.microsoft.com/VisualStudio/2011/storyboarding/control"/>
-  </ds:schemaRefs>
-</ds:datastoreItem>
-</file>
-
-<file path=customXml/itemProps93.xml><?xml version="1.0" encoding="utf-8"?>
-<ds:datastoreItem xmlns:ds="http://schemas.openxmlformats.org/officeDocument/2006/customXml" ds:itemID="{A59E3C97-FCC2-46B8-899A-F7C74E57512A}">
-  <ds:schemaRefs>
-    <ds:schemaRef ds:uri="http://schemas.microsoft.com/VisualStudio/2011/storyboarding/control"/>
-  </ds:schemaRefs>
-</ds:datastoreItem>
-</file>
-
-<file path=customXml/itemProps94.xml><?xml version="1.0" encoding="utf-8"?>
-<ds:datastoreItem xmlns:ds="http://schemas.openxmlformats.org/officeDocument/2006/customXml" ds:itemID="{687349BA-BFEC-42A4-8F54-F6E41F0DBFC0}">
-  <ds:schemaRefs>
-    <ds:schemaRef ds:uri="http://schemas.microsoft.com/VisualStudio/2011/storyboarding/control"/>
-  </ds:schemaRefs>
-</ds:datastoreItem>
-</file>
-
-<file path=customXml/itemProps95.xml><?xml version="1.0" encoding="utf-8"?>
-<ds:datastoreItem xmlns:ds="http://schemas.openxmlformats.org/officeDocument/2006/customXml" ds:itemID="{FC644C14-B034-48B9-80E3-0CB00A432CE7}">
-  <ds:schemaRefs>
-    <ds:schemaRef ds:uri="http://schemas.microsoft.com/VisualStudio/2011/storyboarding/control"/>
-  </ds:schemaRefs>
-</ds:datastoreItem>
-</file>
-
-<file path=customXml/itemProps96.xml><?xml version="1.0" encoding="utf-8"?>
-<ds:datastoreItem xmlns:ds="http://schemas.openxmlformats.org/officeDocument/2006/customXml" ds:itemID="{77DE4C39-3FB1-4D02-AB13-E2FD2FB0785B}">
   <ds:schemaRefs>
     <ds:schemaRef ds:uri="http://schemas.microsoft.com/VisualStudio/2011/storyboarding/control"/>
   </ds:schemaRefs>
@@ -19460,7 +20710,7 @@
 </file>
 
 <file path=customXml/itemProps98.xml><?xml version="1.0" encoding="utf-8"?>
-<ds:datastoreItem xmlns:ds="http://schemas.openxmlformats.org/officeDocument/2006/customXml" ds:itemID="{4EF6D473-291D-4120-AF79-ACFED919F292}">
+<ds:datastoreItem xmlns:ds="http://schemas.openxmlformats.org/officeDocument/2006/customXml" ds:itemID="{A147C2B5-40E8-429C-BE34-7938697C5C66}">
   <ds:schemaRefs>
     <ds:schemaRef ds:uri="http://schemas.microsoft.com/VisualStudio/2011/storyboarding/control"/>
   </ds:schemaRefs>
@@ -19468,7 +20718,7 @@
 </file>
 
 <file path=customXml/itemProps99.xml><?xml version="1.0" encoding="utf-8"?>
-<ds:datastoreItem xmlns:ds="http://schemas.openxmlformats.org/officeDocument/2006/customXml" ds:itemID="{7387757C-924F-48E4-BB13-EE3C0DC40C7C}">
+<ds:datastoreItem xmlns:ds="http://schemas.openxmlformats.org/officeDocument/2006/customXml" ds:itemID="{D10F67D1-B2C6-4D91-9BEE-407097047766}">
   <ds:schemaRefs>
     <ds:schemaRef ds:uri="http://schemas.microsoft.com/VisualStudio/2011/storyboarding/control"/>
   </ds:schemaRefs>

--- a/Презентация1.pptx
+++ b/Презентация1.pptx
@@ -2,16 +2,17 @@
 <file path=ppt/presentation.xml><?xml version="1.0" encoding="utf-8"?>
 <p:presentation xmlns:a="http://schemas.openxmlformats.org/drawingml/2006/main" xmlns:r="http://schemas.openxmlformats.org/officeDocument/2006/relationships" xmlns:p="http://schemas.openxmlformats.org/presentationml/2006/main" saveSubsetFonts="1">
   <p:sldMasterIdLst>
-    <p:sldMasterId id="2147483648" r:id="rId123"/>
+    <p:sldMasterId id="2147483648" r:id="rId168"/>
   </p:sldMasterIdLst>
   <p:notesMasterIdLst>
-    <p:notesMasterId r:id="rId128"/>
+    <p:notesMasterId r:id="rId174"/>
   </p:notesMasterIdLst>
   <p:sldIdLst>
-    <p:sldId id="256" r:id="rId124"/>
-    <p:sldId id="258" r:id="rId125"/>
-    <p:sldId id="257" r:id="rId126"/>
-    <p:sldId id="259" r:id="rId127"/>
+    <p:sldId id="256" r:id="rId169"/>
+    <p:sldId id="258" r:id="rId170"/>
+    <p:sldId id="257" r:id="rId171"/>
+    <p:sldId id="260" r:id="rId172"/>
+    <p:sldId id="261" r:id="rId173"/>
   </p:sldIdLst>
   <p:sldSz cx="6858000" cy="9144000" type="screen4x3"/>
   <p:notesSz cx="6858000" cy="9144000"/>
@@ -195,7 +196,7 @@
           <a:p>
             <a:fld id="{8CC9CF27-251A-4F88-A880-4F4CFE8C571B}" type="datetimeFigureOut">
               <a:rPr lang="ru-RU" smtClean="0"/>
-              <a:t>21.08.2014</a:t>
+              <a:t>22.08.2014</a:t>
             </a:fld>
             <a:endParaRPr lang="ru-RU"/>
           </a:p>
@@ -728,7 +729,7 @@
           <a:p>
             <a:fld id="{2C1C572C-67B0-4CE5-835A-BD766804815C}" type="datetimeFigureOut">
               <a:rPr lang="ru-RU" smtClean="0"/>
-              <a:t>21.08.2014</a:t>
+              <a:t>22.08.2014</a:t>
             </a:fld>
             <a:endParaRPr lang="ru-RU"/>
           </a:p>
@@ -898,7 +899,7 @@
           <a:p>
             <a:fld id="{2C1C572C-67B0-4CE5-835A-BD766804815C}" type="datetimeFigureOut">
               <a:rPr lang="ru-RU" smtClean="0"/>
-              <a:t>21.08.2014</a:t>
+              <a:t>22.08.2014</a:t>
             </a:fld>
             <a:endParaRPr lang="ru-RU"/>
           </a:p>
@@ -1078,7 +1079,7 @@
           <a:p>
             <a:fld id="{2C1C572C-67B0-4CE5-835A-BD766804815C}" type="datetimeFigureOut">
               <a:rPr lang="ru-RU" smtClean="0"/>
-              <a:t>21.08.2014</a:t>
+              <a:t>22.08.2014</a:t>
             </a:fld>
             <a:endParaRPr lang="ru-RU"/>
           </a:p>
@@ -1248,7 +1249,7 @@
           <a:p>
             <a:fld id="{2C1C572C-67B0-4CE5-835A-BD766804815C}" type="datetimeFigureOut">
               <a:rPr lang="ru-RU" smtClean="0"/>
-              <a:t>21.08.2014</a:t>
+              <a:t>22.08.2014</a:t>
             </a:fld>
             <a:endParaRPr lang="ru-RU"/>
           </a:p>
@@ -1494,7 +1495,7 @@
           <a:p>
             <a:fld id="{2C1C572C-67B0-4CE5-835A-BD766804815C}" type="datetimeFigureOut">
               <a:rPr lang="ru-RU" smtClean="0"/>
-              <a:t>21.08.2014</a:t>
+              <a:t>22.08.2014</a:t>
             </a:fld>
             <a:endParaRPr lang="ru-RU"/>
           </a:p>
@@ -1782,7 +1783,7 @@
           <a:p>
             <a:fld id="{2C1C572C-67B0-4CE5-835A-BD766804815C}" type="datetimeFigureOut">
               <a:rPr lang="ru-RU" smtClean="0"/>
-              <a:t>21.08.2014</a:t>
+              <a:t>22.08.2014</a:t>
             </a:fld>
             <a:endParaRPr lang="ru-RU"/>
           </a:p>
@@ -2204,7 +2205,7 @@
           <a:p>
             <a:fld id="{2C1C572C-67B0-4CE5-835A-BD766804815C}" type="datetimeFigureOut">
               <a:rPr lang="ru-RU" smtClean="0"/>
-              <a:t>21.08.2014</a:t>
+              <a:t>22.08.2014</a:t>
             </a:fld>
             <a:endParaRPr lang="ru-RU"/>
           </a:p>
@@ -2322,7 +2323,7 @@
           <a:p>
             <a:fld id="{2C1C572C-67B0-4CE5-835A-BD766804815C}" type="datetimeFigureOut">
               <a:rPr lang="ru-RU" smtClean="0"/>
-              <a:t>21.08.2014</a:t>
+              <a:t>22.08.2014</a:t>
             </a:fld>
             <a:endParaRPr lang="ru-RU"/>
           </a:p>
@@ -2417,7 +2418,7 @@
           <a:p>
             <a:fld id="{2C1C572C-67B0-4CE5-835A-BD766804815C}" type="datetimeFigureOut">
               <a:rPr lang="ru-RU" smtClean="0"/>
-              <a:t>21.08.2014</a:t>
+              <a:t>22.08.2014</a:t>
             </a:fld>
             <a:endParaRPr lang="ru-RU"/>
           </a:p>
@@ -2694,7 +2695,7 @@
           <a:p>
             <a:fld id="{2C1C572C-67B0-4CE5-835A-BD766804815C}" type="datetimeFigureOut">
               <a:rPr lang="ru-RU" smtClean="0"/>
-              <a:t>21.08.2014</a:t>
+              <a:t>22.08.2014</a:t>
             </a:fld>
             <a:endParaRPr lang="ru-RU"/>
           </a:p>
@@ -2947,7 +2948,7 @@
           <a:p>
             <a:fld id="{2C1C572C-67B0-4CE5-835A-BD766804815C}" type="datetimeFigureOut">
               <a:rPr lang="ru-RU" smtClean="0"/>
-              <a:t>21.08.2014</a:t>
+              <a:t>22.08.2014</a:t>
             </a:fld>
             <a:endParaRPr lang="ru-RU"/>
           </a:p>
@@ -3160,7 +3161,7 @@
           <a:p>
             <a:fld id="{2C1C572C-67B0-4CE5-835A-BD766804815C}" type="datetimeFigureOut">
               <a:rPr lang="ru-RU" smtClean="0"/>
-              <a:t>21.08.2014</a:t>
+              <a:t>22.08.2014</a:t>
             </a:fld>
             <a:endParaRPr lang="ru-RU"/>
           </a:p>
@@ -11038,14 +11039,6 @@
               </a:rPr>
               <a:t>:</a:t>
             </a:r>
-            <a:endParaRPr lang="en-US" sz="1200" dirty="0" smtClean="0">
-              <a:solidFill>
-                <a:srgbClr val="000000"/>
-              </a:solidFill>
-              <a:latin typeface="Segoe UI" pitchFamily="34" charset="0"/>
-              <a:ea typeface="Segoe UI" pitchFamily="34" charset="0"/>
-              <a:cs typeface="Segoe UI" pitchFamily="34" charset="0"/>
-            </a:endParaRPr>
           </a:p>
         </p:txBody>
       </p:sp>
@@ -11495,18 +11488,7 @@
                 <a:ea typeface="Segoe UI" pitchFamily="34" charset="0"/>
                 <a:cs typeface="Segoe UI" pitchFamily="34" charset="0"/>
               </a:rPr>
-              <a:t>Описание</a:t>
-            </a:r>
-            <a:r>
-              <a:rPr lang="ru-RU" sz="1200" dirty="0" smtClean="0">
-                <a:solidFill>
-                  <a:srgbClr val="000000"/>
-                </a:solidFill>
-                <a:latin typeface="Segoe UI" pitchFamily="34" charset="0"/>
-                <a:ea typeface="Segoe UI" pitchFamily="34" charset="0"/>
-                <a:cs typeface="Segoe UI" pitchFamily="34" charset="0"/>
-              </a:rPr>
-              <a:t> </a:t>
+              <a:t>Описание </a:t>
             </a:r>
             <a:endParaRPr lang="en-US" sz="1200" dirty="0" smtClean="0">
               <a:solidFill>
@@ -11666,14 +11648,6 @@
               </a:rPr>
               <a:t>:</a:t>
             </a:r>
-            <a:endParaRPr lang="en-US" sz="1200" dirty="0" smtClean="0">
-              <a:solidFill>
-                <a:srgbClr val="000000"/>
-              </a:solidFill>
-              <a:latin typeface="Segoe UI" pitchFamily="34" charset="0"/>
-              <a:ea typeface="Segoe UI" pitchFamily="34" charset="0"/>
-              <a:cs typeface="Segoe UI" pitchFamily="34" charset="0"/>
-            </a:endParaRPr>
           </a:p>
         </p:txBody>
       </p:sp>
@@ -11861,14 +11835,6 @@
               </a:rPr>
               <a:t>:</a:t>
             </a:r>
-            <a:endParaRPr lang="en-US" sz="1200" dirty="0" smtClean="0">
-              <a:solidFill>
-                <a:srgbClr val="000000"/>
-              </a:solidFill>
-              <a:latin typeface="Segoe UI" pitchFamily="34" charset="0"/>
-              <a:ea typeface="Segoe UI" pitchFamily="34" charset="0"/>
-              <a:cs typeface="Segoe UI" pitchFamily="34" charset="0"/>
-            </a:endParaRPr>
           </a:p>
         </p:txBody>
       </p:sp>
@@ -18427,10 +18393,5897 @@
           <a:chExt cx="0" cy="0"/>
         </a:xfrm>
       </p:grpSpPr>
+      <p:sp>
+        <p:nvSpPr>
+          <p:cNvPr id="4" name="Content"/>
+          <p:cNvSpPr txBox="1"/>
+          <p:nvPr>
+            <p:custDataLst>
+              <p:custData r:id="rId1"/>
+            </p:custDataLst>
+          </p:nvPr>
+        </p:nvSpPr>
+        <p:spPr>
+          <a:xfrm>
+            <a:off x="5085184" y="95916"/>
+            <a:ext cx="1704313" cy="292388"/>
+          </a:xfrm>
+          <a:prstGeom prst="rect">
+            <a:avLst/>
+          </a:prstGeom>
+          <a:noFill/>
+        </p:spPr>
+        <p:txBody>
+          <a:bodyPr wrap="none" lIns="91440" tIns="18288" rIns="91440" bIns="27432" rtlCol="0" anchor="ctr" anchorCtr="0">
+            <a:spAutoFit/>
+          </a:bodyPr>
+          <a:lstStyle/>
+          <a:p>
+            <a:r>
+              <a:rPr lang="ru-RU" sz="1200" dirty="0" smtClean="0">
+                <a:solidFill>
+                  <a:srgbClr val="000000"/>
+                </a:solidFill>
+                <a:latin typeface="Segoe UI" pitchFamily="34" charset="0"/>
+                <a:ea typeface="Segoe UI" pitchFamily="34" charset="0"/>
+                <a:cs typeface="Segoe UI" pitchFamily="34" charset="0"/>
+              </a:rPr>
+              <a:t>Ваши балы: </a:t>
+            </a:r>
+            <a:r>
+              <a:rPr lang="ru-RU" sz="1600" dirty="0" smtClean="0">
+                <a:solidFill>
+                  <a:srgbClr val="000000"/>
+                </a:solidFill>
+                <a:latin typeface="Segoe UI" pitchFamily="34" charset="0"/>
+                <a:ea typeface="Segoe UI" pitchFamily="34" charset="0"/>
+                <a:cs typeface="Segoe UI" pitchFamily="34" charset="0"/>
+              </a:rPr>
+              <a:t>100500</a:t>
+            </a:r>
+            <a:endParaRPr lang="en-US" sz="1200" dirty="0" smtClean="0">
+              <a:solidFill>
+                <a:srgbClr val="000000"/>
+              </a:solidFill>
+              <a:latin typeface="Segoe UI" pitchFamily="34" charset="0"/>
+              <a:ea typeface="Segoe UI" pitchFamily="34" charset="0"/>
+              <a:cs typeface="Segoe UI" pitchFamily="34" charset="0"/>
+            </a:endParaRPr>
+          </a:p>
+        </p:txBody>
+      </p:sp>
+      <p:graphicFrame>
+        <p:nvGraphicFramePr>
+          <p:cNvPr id="5" name="Table"/>
+          <p:cNvGraphicFramePr>
+            <a:graphicFrameLocks noGrp="1"/>
+          </p:cNvGraphicFramePr>
+          <p:nvPr>
+            <p:custDataLst>
+              <p:custData r:id="rId2"/>
+            </p:custDataLst>
+            <p:extLst>
+              <p:ext uri="{D42A27DB-BD31-4B8C-83A1-F6EECF244321}">
+                <p14:modId xmlns:p14="http://schemas.microsoft.com/office/powerpoint/2010/main" val="3871205842"/>
+              </p:ext>
+            </p:extLst>
+          </p:nvPr>
+        </p:nvGraphicFramePr>
+        <p:xfrm>
+          <a:off x="548679" y="1331640"/>
+          <a:ext cx="5184577" cy="1736600"/>
+        </p:xfrm>
+        <a:graphic>
+          <a:graphicData uri="http://schemas.openxmlformats.org/drawingml/2006/table">
+            <a:tbl>
+              <a:tblPr firstRow="1" bandRow="1">
+                <a:tableStyleId>{8EC20E35-A176-4012-BC5E-935CFFF8708E}</a:tableStyleId>
+              </a:tblPr>
+              <a:tblGrid>
+                <a:gridCol w="827256"/>
+                <a:gridCol w="827256"/>
+                <a:gridCol w="1018159"/>
+                <a:gridCol w="763619"/>
+                <a:gridCol w="1018159"/>
+                <a:gridCol w="730128"/>
+              </a:tblGrid>
+              <a:tr h="0">
+                <a:tc>
+                  <a:txBody>
+                    <a:bodyPr/>
+                    <a:lstStyle/>
+                    <a:p>
+                      <a:pPr algn="ctr"/>
+                      <a:endParaRPr lang="en-US" sz="1100" dirty="0">
+                        <a:solidFill>
+                          <a:srgbClr val="000000"/>
+                        </a:solidFill>
+                      </a:endParaRPr>
+                    </a:p>
+                  </a:txBody>
+                  <a:tcPr marL="56960" marR="56960" marT="0" marB="28480">
+                    <a:lnL w="3175" cap="flat" cmpd="sng" algn="ctr">
+                      <a:solidFill>
+                        <a:srgbClr val="FFFFFF">
+                          <a:lumMod val="50000"/>
+                        </a:srgbClr>
+                      </a:solidFill>
+                      <a:prstDash val="solid"/>
+                      <a:round/>
+                      <a:headEnd type="none" w="med" len="med"/>
+                      <a:tailEnd type="none" w="med" len="med"/>
+                    </a:lnL>
+                    <a:lnR w="3175" cap="flat" cmpd="sng" algn="ctr">
+                      <a:solidFill>
+                        <a:srgbClr val="FFFFFF">
+                          <a:lumMod val="50000"/>
+                        </a:srgbClr>
+                      </a:solidFill>
+                      <a:prstDash val="solid"/>
+                      <a:round/>
+                      <a:headEnd type="none" w="med" len="med"/>
+                      <a:tailEnd type="none" w="med" len="med"/>
+                    </a:lnR>
+                    <a:lnT w="3175" cap="flat" cmpd="sng" algn="ctr">
+                      <a:solidFill>
+                        <a:srgbClr val="FFFFFF">
+                          <a:lumMod val="50000"/>
+                        </a:srgbClr>
+                      </a:solidFill>
+                      <a:prstDash val="solid"/>
+                      <a:round/>
+                      <a:headEnd type="none" w="med" len="med"/>
+                      <a:tailEnd type="none" w="med" len="med"/>
+                    </a:lnT>
+                    <a:lnB w="3175" cap="flat" cmpd="sng" algn="ctr">
+                      <a:solidFill>
+                        <a:srgbClr val="FFFFFF">
+                          <a:lumMod val="50000"/>
+                        </a:srgbClr>
+                      </a:solidFill>
+                      <a:prstDash val="solid"/>
+                      <a:round/>
+                      <a:headEnd type="none" w="med" len="med"/>
+                      <a:tailEnd type="none" w="med" len="med"/>
+                    </a:lnB>
+                    <a:solidFill>
+                      <a:srgbClr val="FFFFFF">
+                        <a:lumMod val="75000"/>
+                      </a:srgbClr>
+                    </a:solidFill>
+                  </a:tcPr>
+                </a:tc>
+                <a:tc>
+                  <a:txBody>
+                    <a:bodyPr/>
+                    <a:lstStyle/>
+                    <a:p>
+                      <a:pPr algn="ctr"/>
+                      <a:r>
+                        <a:rPr lang="ru-RU" sz="1100" dirty="0" smtClean="0">
+                          <a:solidFill>
+                            <a:srgbClr val="000000"/>
+                          </a:solidFill>
+                        </a:rPr>
+                        <a:t>Название</a:t>
+                      </a:r>
+                      <a:r>
+                        <a:rPr lang="ru-RU" sz="1100" baseline="0" dirty="0" smtClean="0">
+                          <a:solidFill>
+                            <a:srgbClr val="000000"/>
+                          </a:solidFill>
+                        </a:rPr>
+                        <a:t> </a:t>
+                      </a:r>
+                      <a:endParaRPr lang="en-US" sz="1100" dirty="0">
+                        <a:solidFill>
+                          <a:srgbClr val="000000"/>
+                        </a:solidFill>
+                      </a:endParaRPr>
+                    </a:p>
+                  </a:txBody>
+                  <a:tcPr marL="56960" marR="56960" marT="0" marB="28480">
+                    <a:lnL w="3175" cap="flat" cmpd="sng" algn="ctr">
+                      <a:solidFill>
+                        <a:srgbClr val="FFFFFF">
+                          <a:lumMod val="50000"/>
+                        </a:srgbClr>
+                      </a:solidFill>
+                      <a:prstDash val="solid"/>
+                      <a:round/>
+                      <a:headEnd type="none" w="med" len="med"/>
+                      <a:tailEnd type="none" w="med" len="med"/>
+                    </a:lnL>
+                    <a:lnR w="3175" cap="flat" cmpd="sng" algn="ctr">
+                      <a:solidFill>
+                        <a:srgbClr val="FFFFFF">
+                          <a:lumMod val="50000"/>
+                        </a:srgbClr>
+                      </a:solidFill>
+                      <a:prstDash val="solid"/>
+                      <a:round/>
+                      <a:headEnd type="none" w="med" len="med"/>
+                      <a:tailEnd type="none" w="med" len="med"/>
+                    </a:lnR>
+                    <a:lnT w="3175" cap="flat" cmpd="sng" algn="ctr">
+                      <a:solidFill>
+                        <a:srgbClr val="FFFFFF">
+                          <a:lumMod val="50000"/>
+                        </a:srgbClr>
+                      </a:solidFill>
+                      <a:prstDash val="solid"/>
+                      <a:round/>
+                      <a:headEnd type="none" w="med" len="med"/>
+                      <a:tailEnd type="none" w="med" len="med"/>
+                    </a:lnT>
+                    <a:lnB w="3175" cap="flat" cmpd="sng" algn="ctr">
+                      <a:solidFill>
+                        <a:srgbClr val="FFFFFF">
+                          <a:lumMod val="50000"/>
+                        </a:srgbClr>
+                      </a:solidFill>
+                      <a:prstDash val="solid"/>
+                      <a:round/>
+                      <a:headEnd type="none" w="med" len="med"/>
+                      <a:tailEnd type="none" w="med" len="med"/>
+                    </a:lnB>
+                    <a:solidFill>
+                      <a:srgbClr val="FFFFFF">
+                        <a:lumMod val="75000"/>
+                      </a:srgbClr>
+                    </a:solidFill>
+                  </a:tcPr>
+                </a:tc>
+                <a:tc>
+                  <a:txBody>
+                    <a:bodyPr/>
+                    <a:lstStyle/>
+                    <a:p>
+                      <a:pPr algn="ctr"/>
+                      <a:r>
+                        <a:rPr lang="ru-RU" sz="1100" dirty="0" smtClean="0">
+                          <a:solidFill>
+                            <a:srgbClr val="000000"/>
+                          </a:solidFill>
+                        </a:rPr>
+                        <a:t>Категория </a:t>
+                      </a:r>
+                      <a:endParaRPr lang="en-US" sz="1100" dirty="0">
+                        <a:solidFill>
+                          <a:srgbClr val="000000"/>
+                        </a:solidFill>
+                      </a:endParaRPr>
+                    </a:p>
+                  </a:txBody>
+                  <a:tcPr marL="56960" marR="56960" marT="0" marB="28480">
+                    <a:lnL w="3175" cap="flat" cmpd="sng" algn="ctr">
+                      <a:solidFill>
+                        <a:srgbClr val="FFFFFF">
+                          <a:lumMod val="50000"/>
+                        </a:srgbClr>
+                      </a:solidFill>
+                      <a:prstDash val="solid"/>
+                      <a:round/>
+                      <a:headEnd type="none" w="med" len="med"/>
+                      <a:tailEnd type="none" w="med" len="med"/>
+                    </a:lnL>
+                    <a:lnR w="3175" cap="flat" cmpd="sng" algn="ctr">
+                      <a:solidFill>
+                        <a:srgbClr val="FFFFFF">
+                          <a:lumMod val="50000"/>
+                        </a:srgbClr>
+                      </a:solidFill>
+                      <a:prstDash val="solid"/>
+                      <a:round/>
+                      <a:headEnd type="none" w="med" len="med"/>
+                      <a:tailEnd type="none" w="med" len="med"/>
+                    </a:lnR>
+                    <a:lnT w="3175" cap="flat" cmpd="sng" algn="ctr">
+                      <a:solidFill>
+                        <a:srgbClr val="FFFFFF">
+                          <a:lumMod val="50000"/>
+                        </a:srgbClr>
+                      </a:solidFill>
+                      <a:prstDash val="solid"/>
+                      <a:round/>
+                      <a:headEnd type="none" w="med" len="med"/>
+                      <a:tailEnd type="none" w="med" len="med"/>
+                    </a:lnT>
+                    <a:lnB w="3175" cap="flat" cmpd="sng" algn="ctr">
+                      <a:solidFill>
+                        <a:srgbClr val="FFFFFF">
+                          <a:lumMod val="50000"/>
+                        </a:srgbClr>
+                      </a:solidFill>
+                      <a:prstDash val="solid"/>
+                      <a:round/>
+                      <a:headEnd type="none" w="med" len="med"/>
+                      <a:tailEnd type="none" w="med" len="med"/>
+                    </a:lnB>
+                    <a:solidFill>
+                      <a:srgbClr val="FFFFFF">
+                        <a:lumMod val="75000"/>
+                      </a:srgbClr>
+                    </a:solidFill>
+                  </a:tcPr>
+                </a:tc>
+                <a:tc>
+                  <a:txBody>
+                    <a:bodyPr/>
+                    <a:lstStyle/>
+                    <a:p>
+                      <a:pPr algn="ctr"/>
+                      <a:r>
+                        <a:rPr lang="ru-RU" sz="1100" dirty="0" smtClean="0">
+                          <a:solidFill>
+                            <a:srgbClr val="000000"/>
+                          </a:solidFill>
+                        </a:rPr>
+                        <a:t>Стоимость </a:t>
+                      </a:r>
+                      <a:endParaRPr lang="en-US" sz="1100" dirty="0">
+                        <a:solidFill>
+                          <a:srgbClr val="000000"/>
+                        </a:solidFill>
+                      </a:endParaRPr>
+                    </a:p>
+                  </a:txBody>
+                  <a:tcPr marL="56960" marR="56960" marT="0" marB="28480">
+                    <a:lnL w="3175" cap="flat" cmpd="sng" algn="ctr">
+                      <a:solidFill>
+                        <a:srgbClr val="FFFFFF">
+                          <a:lumMod val="50000"/>
+                        </a:srgbClr>
+                      </a:solidFill>
+                      <a:prstDash val="solid"/>
+                      <a:round/>
+                      <a:headEnd type="none" w="med" len="med"/>
+                      <a:tailEnd type="none" w="med" len="med"/>
+                    </a:lnL>
+                    <a:lnR w="3175" cap="flat" cmpd="sng" algn="ctr">
+                      <a:solidFill>
+                        <a:srgbClr val="FFFFFF">
+                          <a:lumMod val="50000"/>
+                        </a:srgbClr>
+                      </a:solidFill>
+                      <a:prstDash val="solid"/>
+                      <a:round/>
+                      <a:headEnd type="none" w="med" len="med"/>
+                      <a:tailEnd type="none" w="med" len="med"/>
+                    </a:lnR>
+                    <a:lnT w="3175" cap="flat" cmpd="sng" algn="ctr">
+                      <a:solidFill>
+                        <a:srgbClr val="FFFFFF">
+                          <a:lumMod val="50000"/>
+                        </a:srgbClr>
+                      </a:solidFill>
+                      <a:prstDash val="solid"/>
+                      <a:round/>
+                      <a:headEnd type="none" w="med" len="med"/>
+                      <a:tailEnd type="none" w="med" len="med"/>
+                    </a:lnT>
+                    <a:lnB w="3175" cap="flat" cmpd="sng" algn="ctr">
+                      <a:solidFill>
+                        <a:srgbClr val="FFFFFF">
+                          <a:lumMod val="50000"/>
+                        </a:srgbClr>
+                      </a:solidFill>
+                      <a:prstDash val="solid"/>
+                      <a:round/>
+                      <a:headEnd type="none" w="med" len="med"/>
+                      <a:tailEnd type="none" w="med" len="med"/>
+                    </a:lnB>
+                    <a:solidFill>
+                      <a:srgbClr val="FFFFFF">
+                        <a:lumMod val="75000"/>
+                      </a:srgbClr>
+                    </a:solidFill>
+                  </a:tcPr>
+                </a:tc>
+                <a:tc>
+                  <a:txBody>
+                    <a:bodyPr/>
+                    <a:lstStyle/>
+                    <a:p>
+                      <a:pPr algn="ctr"/>
+                      <a:r>
+                        <a:rPr lang="ru-RU" sz="1100" dirty="0" smtClean="0">
+                          <a:solidFill>
+                            <a:srgbClr val="000000"/>
+                          </a:solidFill>
+                        </a:rPr>
+                        <a:t>Дата создания </a:t>
+                      </a:r>
+                      <a:endParaRPr lang="en-US" sz="1100" dirty="0">
+                        <a:solidFill>
+                          <a:srgbClr val="000000"/>
+                        </a:solidFill>
+                      </a:endParaRPr>
+                    </a:p>
+                  </a:txBody>
+                  <a:tcPr marL="56960" marR="56960" marT="0" marB="28480">
+                    <a:lnL w="3175" cap="flat" cmpd="sng" algn="ctr">
+                      <a:solidFill>
+                        <a:srgbClr val="FFFFFF">
+                          <a:lumMod val="50000"/>
+                        </a:srgbClr>
+                      </a:solidFill>
+                      <a:prstDash val="solid"/>
+                      <a:round/>
+                      <a:headEnd type="none" w="med" len="med"/>
+                      <a:tailEnd type="none" w="med" len="med"/>
+                    </a:lnL>
+                    <a:lnR w="3175" cap="flat" cmpd="sng" algn="ctr">
+                      <a:solidFill>
+                        <a:srgbClr val="FFFFFF">
+                          <a:lumMod val="50000"/>
+                        </a:srgbClr>
+                      </a:solidFill>
+                      <a:prstDash val="solid"/>
+                      <a:round/>
+                      <a:headEnd type="none" w="med" len="med"/>
+                      <a:tailEnd type="none" w="med" len="med"/>
+                    </a:lnR>
+                    <a:lnT w="3175" cap="flat" cmpd="sng" algn="ctr">
+                      <a:solidFill>
+                        <a:srgbClr val="FFFFFF">
+                          <a:lumMod val="50000"/>
+                        </a:srgbClr>
+                      </a:solidFill>
+                      <a:prstDash val="solid"/>
+                      <a:round/>
+                      <a:headEnd type="none" w="med" len="med"/>
+                      <a:tailEnd type="none" w="med" len="med"/>
+                    </a:lnT>
+                    <a:lnB w="3175" cap="flat" cmpd="sng" algn="ctr">
+                      <a:solidFill>
+                        <a:srgbClr val="FFFFFF">
+                          <a:lumMod val="50000"/>
+                        </a:srgbClr>
+                      </a:solidFill>
+                      <a:prstDash val="solid"/>
+                      <a:round/>
+                      <a:headEnd type="none" w="med" len="med"/>
+                      <a:tailEnd type="none" w="med" len="med"/>
+                    </a:lnB>
+                    <a:solidFill>
+                      <a:srgbClr val="FFFFFF">
+                        <a:lumMod val="75000"/>
+                      </a:srgbClr>
+                    </a:solidFill>
+                  </a:tcPr>
+                </a:tc>
+                <a:tc>
+                  <a:txBody>
+                    <a:bodyPr/>
+                    <a:lstStyle/>
+                    <a:p>
+                      <a:pPr algn="ctr"/>
+                      <a:endParaRPr lang="en-US" sz="1100" dirty="0">
+                        <a:solidFill>
+                          <a:srgbClr val="000000"/>
+                        </a:solidFill>
+                      </a:endParaRPr>
+                    </a:p>
+                  </a:txBody>
+                  <a:tcPr marL="56960" marR="56960" marT="0" marB="28480">
+                    <a:lnL w="3175" cap="flat" cmpd="sng" algn="ctr">
+                      <a:solidFill>
+                        <a:srgbClr val="FFFFFF">
+                          <a:lumMod val="50000"/>
+                        </a:srgbClr>
+                      </a:solidFill>
+                      <a:prstDash val="solid"/>
+                      <a:round/>
+                      <a:headEnd type="none" w="med" len="med"/>
+                      <a:tailEnd type="none" w="med" len="med"/>
+                    </a:lnL>
+                    <a:lnR w="3175" cap="flat" cmpd="sng" algn="ctr">
+                      <a:solidFill>
+                        <a:srgbClr val="FFFFFF">
+                          <a:lumMod val="50000"/>
+                        </a:srgbClr>
+                      </a:solidFill>
+                      <a:prstDash val="solid"/>
+                      <a:round/>
+                      <a:headEnd type="none" w="med" len="med"/>
+                      <a:tailEnd type="none" w="med" len="med"/>
+                    </a:lnR>
+                    <a:lnT w="3175" cap="flat" cmpd="sng" algn="ctr">
+                      <a:solidFill>
+                        <a:srgbClr val="FFFFFF">
+                          <a:lumMod val="50000"/>
+                        </a:srgbClr>
+                      </a:solidFill>
+                      <a:prstDash val="solid"/>
+                      <a:round/>
+                      <a:headEnd type="none" w="med" len="med"/>
+                      <a:tailEnd type="none" w="med" len="med"/>
+                    </a:lnT>
+                    <a:lnB w="3175" cap="flat" cmpd="sng" algn="ctr">
+                      <a:solidFill>
+                        <a:srgbClr val="FFFFFF">
+                          <a:lumMod val="50000"/>
+                        </a:srgbClr>
+                      </a:solidFill>
+                      <a:prstDash val="solid"/>
+                      <a:round/>
+                      <a:headEnd type="none" w="med" len="med"/>
+                      <a:tailEnd type="none" w="med" len="med"/>
+                    </a:lnB>
+                    <a:solidFill>
+                      <a:srgbClr val="FFFFFF">
+                        <a:lumMod val="75000"/>
+                      </a:srgbClr>
+                    </a:solidFill>
+                  </a:tcPr>
+                </a:tc>
+              </a:tr>
+              <a:tr h="82640">
+                <a:tc>
+                  <a:txBody>
+                    <a:bodyPr/>
+                    <a:lstStyle/>
+                    <a:p>
+                      <a:pPr algn="ctr"/>
+                      <a:endParaRPr lang="en-US" sz="1100" dirty="0">
+                        <a:solidFill>
+                          <a:srgbClr val="000000"/>
+                        </a:solidFill>
+                      </a:endParaRPr>
+                    </a:p>
+                  </a:txBody>
+                  <a:tcPr marL="56960" marR="56960" marT="0" marB="28480">
+                    <a:lnL w="3175" cap="flat" cmpd="sng" algn="ctr">
+                      <a:solidFill>
+                        <a:srgbClr val="FFFFFF">
+                          <a:lumMod val="50000"/>
+                        </a:srgbClr>
+                      </a:solidFill>
+                      <a:prstDash val="solid"/>
+                      <a:round/>
+                      <a:headEnd type="none" w="med" len="med"/>
+                      <a:tailEnd type="none" w="med" len="med"/>
+                    </a:lnL>
+                    <a:lnR w="3175" cap="flat" cmpd="sng" algn="ctr">
+                      <a:solidFill>
+                        <a:srgbClr val="FFFFFF">
+                          <a:lumMod val="50000"/>
+                        </a:srgbClr>
+                      </a:solidFill>
+                      <a:prstDash val="solid"/>
+                      <a:round/>
+                      <a:headEnd type="none" w="med" len="med"/>
+                      <a:tailEnd type="none" w="med" len="med"/>
+                    </a:lnR>
+                    <a:lnT w="3175" cap="flat" cmpd="sng" algn="ctr">
+                      <a:solidFill>
+                        <a:srgbClr val="FFFFFF">
+                          <a:lumMod val="50000"/>
+                        </a:srgbClr>
+                      </a:solidFill>
+                      <a:prstDash val="solid"/>
+                      <a:round/>
+                      <a:headEnd type="none" w="med" len="med"/>
+                      <a:tailEnd type="none" w="med" len="med"/>
+                    </a:lnT>
+                  </a:tcPr>
+                </a:tc>
+                <a:tc>
+                  <a:txBody>
+                    <a:bodyPr/>
+                    <a:lstStyle/>
+                    <a:p>
+                      <a:pPr algn="ctr"/>
+                      <a:r>
+                        <a:rPr lang="ru-RU" sz="1100" dirty="0" smtClean="0">
+                          <a:solidFill>
+                            <a:srgbClr val="000000"/>
+                          </a:solidFill>
+                        </a:rPr>
+                        <a:t>Уроки гитары</a:t>
+                      </a:r>
+                      <a:endParaRPr lang="en-US" sz="1100" dirty="0">
+                        <a:solidFill>
+                          <a:srgbClr val="000000"/>
+                        </a:solidFill>
+                      </a:endParaRPr>
+                    </a:p>
+                  </a:txBody>
+                  <a:tcPr marL="56960" marR="56960" marT="0" marB="28480">
+                    <a:lnL w="3175" cap="flat" cmpd="sng" algn="ctr">
+                      <a:solidFill>
+                        <a:srgbClr val="FFFFFF">
+                          <a:lumMod val="50000"/>
+                        </a:srgbClr>
+                      </a:solidFill>
+                      <a:prstDash val="solid"/>
+                      <a:round/>
+                      <a:headEnd type="none" w="med" len="med"/>
+                      <a:tailEnd type="none" w="med" len="med"/>
+                    </a:lnL>
+                    <a:lnR w="3175" cap="flat" cmpd="sng" algn="ctr">
+                      <a:solidFill>
+                        <a:srgbClr val="FFFFFF">
+                          <a:lumMod val="50000"/>
+                        </a:srgbClr>
+                      </a:solidFill>
+                      <a:prstDash val="solid"/>
+                      <a:round/>
+                      <a:headEnd type="none" w="med" len="med"/>
+                      <a:tailEnd type="none" w="med" len="med"/>
+                    </a:lnR>
+                    <a:lnT w="3175" cap="flat" cmpd="sng" algn="ctr">
+                      <a:solidFill>
+                        <a:srgbClr val="FFFFFF">
+                          <a:lumMod val="50000"/>
+                        </a:srgbClr>
+                      </a:solidFill>
+                      <a:prstDash val="solid"/>
+                      <a:round/>
+                      <a:headEnd type="none" w="med" len="med"/>
+                      <a:tailEnd type="none" w="med" len="med"/>
+                    </a:lnT>
+                  </a:tcPr>
+                </a:tc>
+                <a:tc>
+                  <a:txBody>
+                    <a:bodyPr/>
+                    <a:lstStyle/>
+                    <a:p>
+                      <a:pPr algn="ctr"/>
+                      <a:r>
+                        <a:rPr lang="ru-RU" sz="1100" dirty="0" smtClean="0">
+                          <a:solidFill>
+                            <a:srgbClr val="000000"/>
+                          </a:solidFill>
+                        </a:rPr>
+                        <a:t>Обучение</a:t>
+                      </a:r>
+                      <a:r>
+                        <a:rPr lang="ru-RU" sz="1100" baseline="0" dirty="0" smtClean="0">
+                          <a:solidFill>
+                            <a:srgbClr val="000000"/>
+                          </a:solidFill>
+                        </a:rPr>
+                        <a:t> </a:t>
+                      </a:r>
+                      <a:endParaRPr lang="en-US" sz="1100" dirty="0">
+                        <a:solidFill>
+                          <a:srgbClr val="000000"/>
+                        </a:solidFill>
+                      </a:endParaRPr>
+                    </a:p>
+                  </a:txBody>
+                  <a:tcPr marL="56960" marR="56960" marT="0" marB="28480">
+                    <a:lnL w="3175" cap="flat" cmpd="sng" algn="ctr">
+                      <a:solidFill>
+                        <a:srgbClr val="FFFFFF">
+                          <a:lumMod val="50000"/>
+                        </a:srgbClr>
+                      </a:solidFill>
+                      <a:prstDash val="solid"/>
+                      <a:round/>
+                      <a:headEnd type="none" w="med" len="med"/>
+                      <a:tailEnd type="none" w="med" len="med"/>
+                    </a:lnL>
+                    <a:lnR w="3175" cap="flat" cmpd="sng" algn="ctr">
+                      <a:solidFill>
+                        <a:srgbClr val="FFFFFF">
+                          <a:lumMod val="50000"/>
+                        </a:srgbClr>
+                      </a:solidFill>
+                      <a:prstDash val="solid"/>
+                      <a:round/>
+                      <a:headEnd type="none" w="med" len="med"/>
+                      <a:tailEnd type="none" w="med" len="med"/>
+                    </a:lnR>
+                    <a:lnT w="3175" cap="flat" cmpd="sng" algn="ctr">
+                      <a:solidFill>
+                        <a:srgbClr val="FFFFFF">
+                          <a:lumMod val="50000"/>
+                        </a:srgbClr>
+                      </a:solidFill>
+                      <a:prstDash val="solid"/>
+                      <a:round/>
+                      <a:headEnd type="none" w="med" len="med"/>
+                      <a:tailEnd type="none" w="med" len="med"/>
+                    </a:lnT>
+                  </a:tcPr>
+                </a:tc>
+                <a:tc>
+                  <a:txBody>
+                    <a:bodyPr/>
+                    <a:lstStyle/>
+                    <a:p>
+                      <a:pPr algn="ctr"/>
+                      <a:r>
+                        <a:rPr lang="ru-RU" sz="1100" dirty="0" smtClean="0">
+                          <a:solidFill>
+                            <a:srgbClr val="000000"/>
+                          </a:solidFill>
+                        </a:rPr>
+                        <a:t>100/час </a:t>
+                      </a:r>
+                      <a:endParaRPr lang="en-US" sz="1100" dirty="0">
+                        <a:solidFill>
+                          <a:srgbClr val="000000"/>
+                        </a:solidFill>
+                      </a:endParaRPr>
+                    </a:p>
+                  </a:txBody>
+                  <a:tcPr marL="56960" marR="56960" marT="0" marB="28480">
+                    <a:lnL w="3175" cap="flat" cmpd="sng" algn="ctr">
+                      <a:solidFill>
+                        <a:srgbClr val="FFFFFF">
+                          <a:lumMod val="50000"/>
+                        </a:srgbClr>
+                      </a:solidFill>
+                      <a:prstDash val="solid"/>
+                      <a:round/>
+                      <a:headEnd type="none" w="med" len="med"/>
+                      <a:tailEnd type="none" w="med" len="med"/>
+                    </a:lnL>
+                    <a:lnR w="3175" cap="flat" cmpd="sng" algn="ctr">
+                      <a:solidFill>
+                        <a:srgbClr val="FFFFFF">
+                          <a:lumMod val="50000"/>
+                        </a:srgbClr>
+                      </a:solidFill>
+                      <a:prstDash val="solid"/>
+                      <a:round/>
+                      <a:headEnd type="none" w="med" len="med"/>
+                      <a:tailEnd type="none" w="med" len="med"/>
+                    </a:lnR>
+                    <a:lnT w="3175" cap="flat" cmpd="sng" algn="ctr">
+                      <a:solidFill>
+                        <a:srgbClr val="FFFFFF">
+                          <a:lumMod val="50000"/>
+                        </a:srgbClr>
+                      </a:solidFill>
+                      <a:prstDash val="solid"/>
+                      <a:round/>
+                      <a:headEnd type="none" w="med" len="med"/>
+                      <a:tailEnd type="none" w="med" len="med"/>
+                    </a:lnT>
+                  </a:tcPr>
+                </a:tc>
+                <a:tc>
+                  <a:txBody>
+                    <a:bodyPr/>
+                    <a:lstStyle/>
+                    <a:p>
+                      <a:pPr algn="ctr"/>
+                      <a:r>
+                        <a:rPr lang="ru-RU" sz="1100" dirty="0" smtClean="0">
+                          <a:solidFill>
+                            <a:srgbClr val="000000"/>
+                          </a:solidFill>
+                        </a:rPr>
+                        <a:t>10</a:t>
+                      </a:r>
+                      <a:r>
+                        <a:rPr lang="en-US" sz="1100" dirty="0" smtClean="0">
+                          <a:solidFill>
+                            <a:srgbClr val="000000"/>
+                          </a:solidFill>
+                        </a:rPr>
+                        <a:t>.02.2014</a:t>
+                      </a:r>
+                      <a:endParaRPr lang="en-US" sz="1100" dirty="0">
+                        <a:solidFill>
+                          <a:srgbClr val="000000"/>
+                        </a:solidFill>
+                      </a:endParaRPr>
+                    </a:p>
+                  </a:txBody>
+                  <a:tcPr marL="56960" marR="56960" marT="0" marB="28480">
+                    <a:lnL w="3175" cap="flat" cmpd="sng" algn="ctr">
+                      <a:solidFill>
+                        <a:srgbClr val="FFFFFF">
+                          <a:lumMod val="50000"/>
+                        </a:srgbClr>
+                      </a:solidFill>
+                      <a:prstDash val="solid"/>
+                      <a:round/>
+                      <a:headEnd type="none" w="med" len="med"/>
+                      <a:tailEnd type="none" w="med" len="med"/>
+                    </a:lnL>
+                    <a:lnR w="3175" cap="flat" cmpd="sng" algn="ctr">
+                      <a:solidFill>
+                        <a:srgbClr val="FFFFFF">
+                          <a:lumMod val="50000"/>
+                        </a:srgbClr>
+                      </a:solidFill>
+                      <a:prstDash val="solid"/>
+                      <a:round/>
+                      <a:headEnd type="none" w="med" len="med"/>
+                      <a:tailEnd type="none" w="med" len="med"/>
+                    </a:lnR>
+                    <a:lnT w="3175" cap="flat" cmpd="sng" algn="ctr">
+                      <a:solidFill>
+                        <a:srgbClr val="FFFFFF">
+                          <a:lumMod val="50000"/>
+                        </a:srgbClr>
+                      </a:solidFill>
+                      <a:prstDash val="solid"/>
+                      <a:round/>
+                      <a:headEnd type="none" w="med" len="med"/>
+                      <a:tailEnd type="none" w="med" len="med"/>
+                    </a:lnT>
+                  </a:tcPr>
+                </a:tc>
+                <a:tc>
+                  <a:txBody>
+                    <a:bodyPr/>
+                    <a:lstStyle/>
+                    <a:p>
+                      <a:pPr algn="ctr"/>
+                      <a:endParaRPr lang="en-US" sz="1100" dirty="0">
+                        <a:solidFill>
+                          <a:srgbClr val="000000"/>
+                        </a:solidFill>
+                      </a:endParaRPr>
+                    </a:p>
+                  </a:txBody>
+                  <a:tcPr marL="56960" marR="56960" marT="0" marB="28480">
+                    <a:lnL w="3175" cap="flat" cmpd="sng" algn="ctr">
+                      <a:solidFill>
+                        <a:srgbClr val="FFFFFF">
+                          <a:lumMod val="50000"/>
+                        </a:srgbClr>
+                      </a:solidFill>
+                      <a:prstDash val="solid"/>
+                      <a:round/>
+                      <a:headEnd type="none" w="med" len="med"/>
+                      <a:tailEnd type="none" w="med" len="med"/>
+                    </a:lnL>
+                    <a:lnR w="3175" cap="flat" cmpd="sng" algn="ctr">
+                      <a:solidFill>
+                        <a:srgbClr val="FFFFFF">
+                          <a:lumMod val="50000"/>
+                        </a:srgbClr>
+                      </a:solidFill>
+                      <a:prstDash val="solid"/>
+                      <a:round/>
+                      <a:headEnd type="none" w="med" len="med"/>
+                      <a:tailEnd type="none" w="med" len="med"/>
+                    </a:lnR>
+                    <a:lnT w="3175" cap="flat" cmpd="sng" algn="ctr">
+                      <a:solidFill>
+                        <a:srgbClr val="FFFFFF">
+                          <a:lumMod val="50000"/>
+                        </a:srgbClr>
+                      </a:solidFill>
+                      <a:prstDash val="solid"/>
+                      <a:round/>
+                      <a:headEnd type="none" w="med" len="med"/>
+                      <a:tailEnd type="none" w="med" len="med"/>
+                    </a:lnT>
+                  </a:tcPr>
+                </a:tc>
+              </a:tr>
+              <a:tr h="88470">
+                <a:tc>
+                  <a:txBody>
+                    <a:bodyPr/>
+                    <a:lstStyle/>
+                    <a:p>
+                      <a:pPr algn="ctr"/>
+                      <a:endParaRPr lang="en-US" sz="1100" dirty="0">
+                        <a:solidFill>
+                          <a:srgbClr val="000000"/>
+                        </a:solidFill>
+                      </a:endParaRPr>
+                    </a:p>
+                  </a:txBody>
+                  <a:tcPr marL="56960" marR="56960" marT="0" marB="28480">
+                    <a:lnL w="3175" cap="flat" cmpd="sng" algn="ctr">
+                      <a:solidFill>
+                        <a:srgbClr val="FFFFFF">
+                          <a:lumMod val="50000"/>
+                        </a:srgbClr>
+                      </a:solidFill>
+                      <a:prstDash val="solid"/>
+                      <a:round/>
+                      <a:headEnd type="none" w="med" len="med"/>
+                      <a:tailEnd type="none" w="med" len="med"/>
+                    </a:lnL>
+                    <a:lnR w="3175" cap="flat" cmpd="sng" algn="ctr">
+                      <a:solidFill>
+                        <a:srgbClr val="FFFFFF">
+                          <a:lumMod val="50000"/>
+                        </a:srgbClr>
+                      </a:solidFill>
+                      <a:prstDash val="solid"/>
+                      <a:round/>
+                      <a:headEnd type="none" w="med" len="med"/>
+                      <a:tailEnd type="none" w="med" len="med"/>
+                    </a:lnR>
+                  </a:tcPr>
+                </a:tc>
+                <a:tc>
+                  <a:txBody>
+                    <a:bodyPr/>
+                    <a:lstStyle/>
+                    <a:p>
+                      <a:pPr algn="ctr"/>
+                      <a:r>
+                        <a:rPr lang="ru-RU" sz="1100" dirty="0" smtClean="0">
+                          <a:solidFill>
+                            <a:srgbClr val="000000"/>
+                          </a:solidFill>
+                        </a:rPr>
+                        <a:t>английский</a:t>
+                      </a:r>
+                      <a:endParaRPr lang="en-US" sz="1100" dirty="0">
+                        <a:solidFill>
+                          <a:srgbClr val="000000"/>
+                        </a:solidFill>
+                      </a:endParaRPr>
+                    </a:p>
+                  </a:txBody>
+                  <a:tcPr marL="56960" marR="56960" marT="0" marB="28480">
+                    <a:lnL w="3175" cap="flat" cmpd="sng" algn="ctr">
+                      <a:solidFill>
+                        <a:srgbClr val="FFFFFF">
+                          <a:lumMod val="50000"/>
+                        </a:srgbClr>
+                      </a:solidFill>
+                      <a:prstDash val="solid"/>
+                      <a:round/>
+                      <a:headEnd type="none" w="med" len="med"/>
+                      <a:tailEnd type="none" w="med" len="med"/>
+                    </a:lnL>
+                    <a:lnR w="3175" cap="flat" cmpd="sng" algn="ctr">
+                      <a:solidFill>
+                        <a:srgbClr val="FFFFFF">
+                          <a:lumMod val="50000"/>
+                        </a:srgbClr>
+                      </a:solidFill>
+                      <a:prstDash val="solid"/>
+                      <a:round/>
+                      <a:headEnd type="none" w="med" len="med"/>
+                      <a:tailEnd type="none" w="med" len="med"/>
+                    </a:lnR>
+                  </a:tcPr>
+                </a:tc>
+                <a:tc>
+                  <a:txBody>
+                    <a:bodyPr/>
+                    <a:lstStyle/>
+                    <a:p>
+                      <a:pPr algn="ctr"/>
+                      <a:r>
+                        <a:rPr lang="ru-RU" sz="1100" dirty="0" smtClean="0">
+                          <a:solidFill>
+                            <a:srgbClr val="000000"/>
+                          </a:solidFill>
+                        </a:rPr>
+                        <a:t>Обучение </a:t>
+                      </a:r>
+                      <a:endParaRPr lang="en-US" sz="1100" dirty="0">
+                        <a:solidFill>
+                          <a:srgbClr val="000000"/>
+                        </a:solidFill>
+                      </a:endParaRPr>
+                    </a:p>
+                  </a:txBody>
+                  <a:tcPr marL="56960" marR="56960" marT="0" marB="28480">
+                    <a:lnL w="3175" cap="flat" cmpd="sng" algn="ctr">
+                      <a:solidFill>
+                        <a:srgbClr val="FFFFFF">
+                          <a:lumMod val="50000"/>
+                        </a:srgbClr>
+                      </a:solidFill>
+                      <a:prstDash val="solid"/>
+                      <a:round/>
+                      <a:headEnd type="none" w="med" len="med"/>
+                      <a:tailEnd type="none" w="med" len="med"/>
+                    </a:lnL>
+                    <a:lnR w="3175" cap="flat" cmpd="sng" algn="ctr">
+                      <a:solidFill>
+                        <a:srgbClr val="FFFFFF">
+                          <a:lumMod val="50000"/>
+                        </a:srgbClr>
+                      </a:solidFill>
+                      <a:prstDash val="solid"/>
+                      <a:round/>
+                      <a:headEnd type="none" w="med" len="med"/>
+                      <a:tailEnd type="none" w="med" len="med"/>
+                    </a:lnR>
+                  </a:tcPr>
+                </a:tc>
+                <a:tc>
+                  <a:txBody>
+                    <a:bodyPr/>
+                    <a:lstStyle/>
+                    <a:p>
+                      <a:pPr algn="ctr"/>
+                      <a:r>
+                        <a:rPr lang="ru-RU" sz="1100" dirty="0" smtClean="0">
+                          <a:solidFill>
+                            <a:srgbClr val="000000"/>
+                          </a:solidFill>
+                        </a:rPr>
+                        <a:t>20/час </a:t>
+                      </a:r>
+                      <a:endParaRPr lang="en-US" sz="1100" dirty="0">
+                        <a:solidFill>
+                          <a:srgbClr val="000000"/>
+                        </a:solidFill>
+                      </a:endParaRPr>
+                    </a:p>
+                  </a:txBody>
+                  <a:tcPr marL="56960" marR="56960" marT="0" marB="28480">
+                    <a:lnL w="3175" cap="flat" cmpd="sng" algn="ctr">
+                      <a:solidFill>
+                        <a:srgbClr val="FFFFFF">
+                          <a:lumMod val="50000"/>
+                        </a:srgbClr>
+                      </a:solidFill>
+                      <a:prstDash val="solid"/>
+                      <a:round/>
+                      <a:headEnd type="none" w="med" len="med"/>
+                      <a:tailEnd type="none" w="med" len="med"/>
+                    </a:lnL>
+                    <a:lnR w="3175" cap="flat" cmpd="sng" algn="ctr">
+                      <a:solidFill>
+                        <a:srgbClr val="FFFFFF">
+                          <a:lumMod val="50000"/>
+                        </a:srgbClr>
+                      </a:solidFill>
+                      <a:prstDash val="solid"/>
+                      <a:round/>
+                      <a:headEnd type="none" w="med" len="med"/>
+                      <a:tailEnd type="none" w="med" len="med"/>
+                    </a:lnR>
+                  </a:tcPr>
+                </a:tc>
+                <a:tc>
+                  <a:txBody>
+                    <a:bodyPr/>
+                    <a:lstStyle/>
+                    <a:p>
+                      <a:pPr algn="ctr"/>
+                      <a:r>
+                        <a:rPr lang="ru-RU" sz="1100" dirty="0" smtClean="0">
+                          <a:solidFill>
+                            <a:srgbClr val="000000"/>
+                          </a:solidFill>
+                        </a:rPr>
+                        <a:t>12.07.2013</a:t>
+                      </a:r>
+                      <a:endParaRPr lang="en-US" sz="1100" dirty="0">
+                        <a:solidFill>
+                          <a:srgbClr val="000000"/>
+                        </a:solidFill>
+                      </a:endParaRPr>
+                    </a:p>
+                  </a:txBody>
+                  <a:tcPr marL="56960" marR="56960" marT="0" marB="28480">
+                    <a:lnL w="3175" cap="flat" cmpd="sng" algn="ctr">
+                      <a:solidFill>
+                        <a:srgbClr val="FFFFFF">
+                          <a:lumMod val="50000"/>
+                        </a:srgbClr>
+                      </a:solidFill>
+                      <a:prstDash val="solid"/>
+                      <a:round/>
+                      <a:headEnd type="none" w="med" len="med"/>
+                      <a:tailEnd type="none" w="med" len="med"/>
+                    </a:lnL>
+                    <a:lnR w="3175" cap="flat" cmpd="sng" algn="ctr">
+                      <a:solidFill>
+                        <a:srgbClr val="FFFFFF">
+                          <a:lumMod val="50000"/>
+                        </a:srgbClr>
+                      </a:solidFill>
+                      <a:prstDash val="solid"/>
+                      <a:round/>
+                      <a:headEnd type="none" w="med" len="med"/>
+                      <a:tailEnd type="none" w="med" len="med"/>
+                    </a:lnR>
+                  </a:tcPr>
+                </a:tc>
+                <a:tc>
+                  <a:txBody>
+                    <a:bodyPr/>
+                    <a:lstStyle/>
+                    <a:p>
+                      <a:pPr algn="ctr"/>
+                      <a:endParaRPr lang="en-US" sz="1100" dirty="0">
+                        <a:solidFill>
+                          <a:srgbClr val="000000"/>
+                        </a:solidFill>
+                      </a:endParaRPr>
+                    </a:p>
+                  </a:txBody>
+                  <a:tcPr marL="56960" marR="56960" marT="0" marB="28480">
+                    <a:lnL w="3175" cap="flat" cmpd="sng" algn="ctr">
+                      <a:solidFill>
+                        <a:srgbClr val="FFFFFF">
+                          <a:lumMod val="50000"/>
+                        </a:srgbClr>
+                      </a:solidFill>
+                      <a:prstDash val="solid"/>
+                      <a:round/>
+                      <a:headEnd type="none" w="med" len="med"/>
+                      <a:tailEnd type="none" w="med" len="med"/>
+                    </a:lnL>
+                    <a:lnR w="3175" cap="flat" cmpd="sng" algn="ctr">
+                      <a:solidFill>
+                        <a:srgbClr val="FFFFFF">
+                          <a:lumMod val="50000"/>
+                        </a:srgbClr>
+                      </a:solidFill>
+                      <a:prstDash val="solid"/>
+                      <a:round/>
+                      <a:headEnd type="none" w="med" len="med"/>
+                      <a:tailEnd type="none" w="med" len="med"/>
+                    </a:lnR>
+                  </a:tcPr>
+                </a:tc>
+              </a:tr>
+              <a:tr h="180104">
+                <a:tc>
+                  <a:txBody>
+                    <a:bodyPr/>
+                    <a:lstStyle/>
+                    <a:p>
+                      <a:pPr algn="ctr"/>
+                      <a:endParaRPr lang="en-US" sz="1100" dirty="0">
+                        <a:solidFill>
+                          <a:srgbClr val="000000"/>
+                        </a:solidFill>
+                      </a:endParaRPr>
+                    </a:p>
+                  </a:txBody>
+                  <a:tcPr marL="56960" marR="56960" marT="0" marB="28480">
+                    <a:lnL w="3175" cap="flat" cmpd="sng" algn="ctr">
+                      <a:solidFill>
+                        <a:srgbClr val="FFFFFF">
+                          <a:lumMod val="50000"/>
+                        </a:srgbClr>
+                      </a:solidFill>
+                      <a:prstDash val="solid"/>
+                      <a:round/>
+                      <a:headEnd type="none" w="med" len="med"/>
+                      <a:tailEnd type="none" w="med" len="med"/>
+                    </a:lnL>
+                    <a:lnR w="3175" cap="flat" cmpd="sng" algn="ctr">
+                      <a:solidFill>
+                        <a:srgbClr val="FFFFFF">
+                          <a:lumMod val="50000"/>
+                        </a:srgbClr>
+                      </a:solidFill>
+                      <a:prstDash val="solid"/>
+                      <a:round/>
+                      <a:headEnd type="none" w="med" len="med"/>
+                      <a:tailEnd type="none" w="med" len="med"/>
+                    </a:lnR>
+                  </a:tcPr>
+                </a:tc>
+                <a:tc>
+                  <a:txBody>
+                    <a:bodyPr/>
+                    <a:lstStyle/>
+                    <a:p>
+                      <a:pPr algn="ctr"/>
+                      <a:r>
+                        <a:rPr lang="ru-RU" sz="1100" dirty="0" smtClean="0">
+                          <a:solidFill>
+                            <a:srgbClr val="000000"/>
+                          </a:solidFill>
+                        </a:rPr>
+                        <a:t>Вещи </a:t>
+                      </a:r>
+                      <a:endParaRPr lang="en-US" sz="1100" dirty="0">
+                        <a:solidFill>
+                          <a:srgbClr val="000000"/>
+                        </a:solidFill>
+                      </a:endParaRPr>
+                    </a:p>
+                  </a:txBody>
+                  <a:tcPr marL="56960" marR="56960" marT="0" marB="28480">
+                    <a:lnL w="3175" cap="flat" cmpd="sng" algn="ctr">
+                      <a:solidFill>
+                        <a:srgbClr val="FFFFFF">
+                          <a:lumMod val="50000"/>
+                        </a:srgbClr>
+                      </a:solidFill>
+                      <a:prstDash val="solid"/>
+                      <a:round/>
+                      <a:headEnd type="none" w="med" len="med"/>
+                      <a:tailEnd type="none" w="med" len="med"/>
+                    </a:lnL>
+                    <a:lnR w="3175" cap="flat" cmpd="sng" algn="ctr">
+                      <a:solidFill>
+                        <a:srgbClr val="FFFFFF">
+                          <a:lumMod val="50000"/>
+                        </a:srgbClr>
+                      </a:solidFill>
+                      <a:prstDash val="solid"/>
+                      <a:round/>
+                      <a:headEnd type="none" w="med" len="med"/>
+                      <a:tailEnd type="none" w="med" len="med"/>
+                    </a:lnR>
+                  </a:tcPr>
+                </a:tc>
+                <a:tc>
+                  <a:txBody>
+                    <a:bodyPr/>
+                    <a:lstStyle/>
+                    <a:p>
+                      <a:pPr algn="ctr"/>
+                      <a:r>
+                        <a:rPr lang="ru-RU" sz="1100" dirty="0" smtClean="0">
+                          <a:solidFill>
+                            <a:srgbClr val="000000"/>
+                          </a:solidFill>
+                        </a:rPr>
+                        <a:t>Одежда</a:t>
+                      </a:r>
+                      <a:endParaRPr lang="en-US" sz="1100" dirty="0">
+                        <a:solidFill>
+                          <a:srgbClr val="000000"/>
+                        </a:solidFill>
+                      </a:endParaRPr>
+                    </a:p>
+                  </a:txBody>
+                  <a:tcPr marL="56960" marR="56960" marT="0" marB="28480">
+                    <a:lnL w="3175" cap="flat" cmpd="sng" algn="ctr">
+                      <a:solidFill>
+                        <a:srgbClr val="FFFFFF">
+                          <a:lumMod val="50000"/>
+                        </a:srgbClr>
+                      </a:solidFill>
+                      <a:prstDash val="solid"/>
+                      <a:round/>
+                      <a:headEnd type="none" w="med" len="med"/>
+                      <a:tailEnd type="none" w="med" len="med"/>
+                    </a:lnL>
+                    <a:lnR w="3175" cap="flat" cmpd="sng" algn="ctr">
+                      <a:solidFill>
+                        <a:srgbClr val="FFFFFF">
+                          <a:lumMod val="50000"/>
+                        </a:srgbClr>
+                      </a:solidFill>
+                      <a:prstDash val="solid"/>
+                      <a:round/>
+                      <a:headEnd type="none" w="med" len="med"/>
+                      <a:tailEnd type="none" w="med" len="med"/>
+                    </a:lnR>
+                  </a:tcPr>
+                </a:tc>
+                <a:tc>
+                  <a:txBody>
+                    <a:bodyPr/>
+                    <a:lstStyle/>
+                    <a:p>
+                      <a:pPr algn="ctr"/>
+                      <a:r>
+                        <a:rPr lang="ru-RU" sz="1100" dirty="0" smtClean="0">
+                          <a:solidFill>
+                            <a:srgbClr val="000000"/>
+                          </a:solidFill>
+                        </a:rPr>
+                        <a:t>200</a:t>
+                      </a:r>
+                      <a:endParaRPr lang="en-US" sz="1100" dirty="0">
+                        <a:solidFill>
+                          <a:srgbClr val="000000"/>
+                        </a:solidFill>
+                      </a:endParaRPr>
+                    </a:p>
+                  </a:txBody>
+                  <a:tcPr marL="56960" marR="56960" marT="0" marB="28480">
+                    <a:lnL w="3175" cap="flat" cmpd="sng" algn="ctr">
+                      <a:solidFill>
+                        <a:srgbClr val="FFFFFF">
+                          <a:lumMod val="50000"/>
+                        </a:srgbClr>
+                      </a:solidFill>
+                      <a:prstDash val="solid"/>
+                      <a:round/>
+                      <a:headEnd type="none" w="med" len="med"/>
+                      <a:tailEnd type="none" w="med" len="med"/>
+                    </a:lnL>
+                    <a:lnR w="3175" cap="flat" cmpd="sng" algn="ctr">
+                      <a:solidFill>
+                        <a:srgbClr val="FFFFFF">
+                          <a:lumMod val="50000"/>
+                        </a:srgbClr>
+                      </a:solidFill>
+                      <a:prstDash val="solid"/>
+                      <a:round/>
+                      <a:headEnd type="none" w="med" len="med"/>
+                      <a:tailEnd type="none" w="med" len="med"/>
+                    </a:lnR>
+                  </a:tcPr>
+                </a:tc>
+                <a:tc>
+                  <a:txBody>
+                    <a:bodyPr/>
+                    <a:lstStyle/>
+                    <a:p>
+                      <a:pPr algn="ctr"/>
+                      <a:r>
+                        <a:rPr lang="ru-RU" sz="1100" dirty="0" smtClean="0">
+                          <a:solidFill>
+                            <a:srgbClr val="000000"/>
+                          </a:solidFill>
+                        </a:rPr>
+                        <a:t>05.12.2014</a:t>
+                      </a:r>
+                      <a:endParaRPr lang="en-US" sz="1100" dirty="0">
+                        <a:solidFill>
+                          <a:srgbClr val="000000"/>
+                        </a:solidFill>
+                      </a:endParaRPr>
+                    </a:p>
+                  </a:txBody>
+                  <a:tcPr marL="56960" marR="56960" marT="0" marB="28480">
+                    <a:lnL w="3175" cap="flat" cmpd="sng" algn="ctr">
+                      <a:solidFill>
+                        <a:srgbClr val="FFFFFF">
+                          <a:lumMod val="50000"/>
+                        </a:srgbClr>
+                      </a:solidFill>
+                      <a:prstDash val="solid"/>
+                      <a:round/>
+                      <a:headEnd type="none" w="med" len="med"/>
+                      <a:tailEnd type="none" w="med" len="med"/>
+                    </a:lnL>
+                    <a:lnR w="3175" cap="flat" cmpd="sng" algn="ctr">
+                      <a:solidFill>
+                        <a:srgbClr val="FFFFFF">
+                          <a:lumMod val="50000"/>
+                        </a:srgbClr>
+                      </a:solidFill>
+                      <a:prstDash val="solid"/>
+                      <a:round/>
+                      <a:headEnd type="none" w="med" len="med"/>
+                      <a:tailEnd type="none" w="med" len="med"/>
+                    </a:lnR>
+                  </a:tcPr>
+                </a:tc>
+                <a:tc>
+                  <a:txBody>
+                    <a:bodyPr/>
+                    <a:lstStyle/>
+                    <a:p>
+                      <a:pPr algn="ctr"/>
+                      <a:endParaRPr lang="en-US" sz="1100" dirty="0">
+                        <a:solidFill>
+                          <a:srgbClr val="000000"/>
+                        </a:solidFill>
+                      </a:endParaRPr>
+                    </a:p>
+                  </a:txBody>
+                  <a:tcPr marL="56960" marR="56960" marT="0" marB="28480">
+                    <a:lnL w="3175" cap="flat" cmpd="sng" algn="ctr">
+                      <a:solidFill>
+                        <a:srgbClr val="FFFFFF">
+                          <a:lumMod val="50000"/>
+                        </a:srgbClr>
+                      </a:solidFill>
+                      <a:prstDash val="solid"/>
+                      <a:round/>
+                      <a:headEnd type="none" w="med" len="med"/>
+                      <a:tailEnd type="none" w="med" len="med"/>
+                    </a:lnL>
+                    <a:lnR w="3175" cap="flat" cmpd="sng" algn="ctr">
+                      <a:solidFill>
+                        <a:srgbClr val="FFFFFF">
+                          <a:lumMod val="50000"/>
+                        </a:srgbClr>
+                      </a:solidFill>
+                      <a:prstDash val="solid"/>
+                      <a:round/>
+                      <a:headEnd type="none" w="med" len="med"/>
+                      <a:tailEnd type="none" w="med" len="med"/>
+                    </a:lnR>
+                  </a:tcPr>
+                </a:tc>
+              </a:tr>
+              <a:tr h="94300">
+                <a:tc>
+                  <a:txBody>
+                    <a:bodyPr/>
+                    <a:lstStyle/>
+                    <a:p>
+                      <a:pPr algn="ctr"/>
+                      <a:endParaRPr lang="en-US" sz="1100" dirty="0">
+                        <a:solidFill>
+                          <a:srgbClr val="000000"/>
+                        </a:solidFill>
+                      </a:endParaRPr>
+                    </a:p>
+                  </a:txBody>
+                  <a:tcPr marL="56960" marR="56960" marT="0" marB="28480">
+                    <a:lnL w="3175" cap="flat" cmpd="sng" algn="ctr">
+                      <a:solidFill>
+                        <a:srgbClr val="FFFFFF">
+                          <a:lumMod val="50000"/>
+                        </a:srgbClr>
+                      </a:solidFill>
+                      <a:prstDash val="solid"/>
+                      <a:round/>
+                      <a:headEnd type="none" w="med" len="med"/>
+                      <a:tailEnd type="none" w="med" len="med"/>
+                    </a:lnL>
+                    <a:lnR w="3175" cap="flat" cmpd="sng" algn="ctr">
+                      <a:solidFill>
+                        <a:srgbClr val="FFFFFF">
+                          <a:lumMod val="50000"/>
+                        </a:srgbClr>
+                      </a:solidFill>
+                      <a:prstDash val="solid"/>
+                      <a:round/>
+                      <a:headEnd type="none" w="med" len="med"/>
+                      <a:tailEnd type="none" w="med" len="med"/>
+                    </a:lnR>
+                  </a:tcPr>
+                </a:tc>
+                <a:tc>
+                  <a:txBody>
+                    <a:bodyPr/>
+                    <a:lstStyle/>
+                    <a:p>
+                      <a:pPr algn="ctr"/>
+                      <a:r>
+                        <a:rPr lang="ru-RU" sz="1100" dirty="0" smtClean="0">
+                          <a:solidFill>
+                            <a:srgbClr val="000000"/>
+                          </a:solidFill>
+                        </a:rPr>
+                        <a:t>Хинди</a:t>
+                      </a:r>
+                      <a:endParaRPr lang="en-US" sz="1100" dirty="0">
+                        <a:solidFill>
+                          <a:srgbClr val="000000"/>
+                        </a:solidFill>
+                      </a:endParaRPr>
+                    </a:p>
+                  </a:txBody>
+                  <a:tcPr marL="56960" marR="56960" marT="0" marB="28480">
+                    <a:lnL w="3175" cap="flat" cmpd="sng" algn="ctr">
+                      <a:solidFill>
+                        <a:srgbClr val="FFFFFF">
+                          <a:lumMod val="50000"/>
+                        </a:srgbClr>
+                      </a:solidFill>
+                      <a:prstDash val="solid"/>
+                      <a:round/>
+                      <a:headEnd type="none" w="med" len="med"/>
+                      <a:tailEnd type="none" w="med" len="med"/>
+                    </a:lnL>
+                    <a:lnR w="3175" cap="flat" cmpd="sng" algn="ctr">
+                      <a:solidFill>
+                        <a:srgbClr val="FFFFFF">
+                          <a:lumMod val="50000"/>
+                        </a:srgbClr>
+                      </a:solidFill>
+                      <a:prstDash val="solid"/>
+                      <a:round/>
+                      <a:headEnd type="none" w="med" len="med"/>
+                      <a:tailEnd type="none" w="med" len="med"/>
+                    </a:lnR>
+                  </a:tcPr>
+                </a:tc>
+                <a:tc>
+                  <a:txBody>
+                    <a:bodyPr/>
+                    <a:lstStyle/>
+                    <a:p>
+                      <a:pPr algn="ctr"/>
+                      <a:r>
+                        <a:rPr lang="ru-RU" sz="1100" dirty="0" smtClean="0">
+                          <a:solidFill>
+                            <a:srgbClr val="000000"/>
+                          </a:solidFill>
+                        </a:rPr>
+                        <a:t>Обучение </a:t>
+                      </a:r>
+                      <a:endParaRPr lang="en-US" sz="1100" dirty="0">
+                        <a:solidFill>
+                          <a:srgbClr val="000000"/>
+                        </a:solidFill>
+                      </a:endParaRPr>
+                    </a:p>
+                  </a:txBody>
+                  <a:tcPr marL="56960" marR="56960" marT="0" marB="28480">
+                    <a:lnL w="3175" cap="flat" cmpd="sng" algn="ctr">
+                      <a:solidFill>
+                        <a:srgbClr val="FFFFFF">
+                          <a:lumMod val="50000"/>
+                        </a:srgbClr>
+                      </a:solidFill>
+                      <a:prstDash val="solid"/>
+                      <a:round/>
+                      <a:headEnd type="none" w="med" len="med"/>
+                      <a:tailEnd type="none" w="med" len="med"/>
+                    </a:lnL>
+                    <a:lnR w="3175" cap="flat" cmpd="sng" algn="ctr">
+                      <a:solidFill>
+                        <a:srgbClr val="FFFFFF">
+                          <a:lumMod val="50000"/>
+                        </a:srgbClr>
+                      </a:solidFill>
+                      <a:prstDash val="solid"/>
+                      <a:round/>
+                      <a:headEnd type="none" w="med" len="med"/>
+                      <a:tailEnd type="none" w="med" len="med"/>
+                    </a:lnR>
+                  </a:tcPr>
+                </a:tc>
+                <a:tc>
+                  <a:txBody>
+                    <a:bodyPr/>
+                    <a:lstStyle/>
+                    <a:p>
+                      <a:pPr algn="ctr"/>
+                      <a:r>
+                        <a:rPr lang="ru-RU" sz="1100" dirty="0" smtClean="0">
+                          <a:solidFill>
+                            <a:srgbClr val="000000"/>
+                          </a:solidFill>
+                        </a:rPr>
+                        <a:t>50/час </a:t>
+                      </a:r>
+                      <a:endParaRPr lang="en-US" sz="1100" dirty="0">
+                        <a:solidFill>
+                          <a:srgbClr val="000000"/>
+                        </a:solidFill>
+                      </a:endParaRPr>
+                    </a:p>
+                  </a:txBody>
+                  <a:tcPr marL="56960" marR="56960" marT="0" marB="28480">
+                    <a:lnL w="3175" cap="flat" cmpd="sng" algn="ctr">
+                      <a:solidFill>
+                        <a:srgbClr val="FFFFFF">
+                          <a:lumMod val="50000"/>
+                        </a:srgbClr>
+                      </a:solidFill>
+                      <a:prstDash val="solid"/>
+                      <a:round/>
+                      <a:headEnd type="none" w="med" len="med"/>
+                      <a:tailEnd type="none" w="med" len="med"/>
+                    </a:lnL>
+                    <a:lnR w="3175" cap="flat" cmpd="sng" algn="ctr">
+                      <a:solidFill>
+                        <a:srgbClr val="FFFFFF">
+                          <a:lumMod val="50000"/>
+                        </a:srgbClr>
+                      </a:solidFill>
+                      <a:prstDash val="solid"/>
+                      <a:round/>
+                      <a:headEnd type="none" w="med" len="med"/>
+                      <a:tailEnd type="none" w="med" len="med"/>
+                    </a:lnR>
+                  </a:tcPr>
+                </a:tc>
+                <a:tc>
+                  <a:txBody>
+                    <a:bodyPr/>
+                    <a:lstStyle/>
+                    <a:p>
+                      <a:pPr algn="ctr"/>
+                      <a:r>
+                        <a:rPr lang="ru-RU" sz="1100" dirty="0" smtClean="0">
+                          <a:solidFill>
+                            <a:srgbClr val="000000"/>
+                          </a:solidFill>
+                        </a:rPr>
+                        <a:t>12.07.2013</a:t>
+                      </a:r>
+                      <a:endParaRPr lang="en-US" sz="1100" dirty="0">
+                        <a:solidFill>
+                          <a:srgbClr val="000000"/>
+                        </a:solidFill>
+                      </a:endParaRPr>
+                    </a:p>
+                  </a:txBody>
+                  <a:tcPr marL="56960" marR="56960" marT="0" marB="28480">
+                    <a:lnL w="3175" cap="flat" cmpd="sng" algn="ctr">
+                      <a:solidFill>
+                        <a:srgbClr val="FFFFFF">
+                          <a:lumMod val="50000"/>
+                        </a:srgbClr>
+                      </a:solidFill>
+                      <a:prstDash val="solid"/>
+                      <a:round/>
+                      <a:headEnd type="none" w="med" len="med"/>
+                      <a:tailEnd type="none" w="med" len="med"/>
+                    </a:lnL>
+                    <a:lnR w="3175" cap="flat" cmpd="sng" algn="ctr">
+                      <a:solidFill>
+                        <a:srgbClr val="FFFFFF">
+                          <a:lumMod val="50000"/>
+                        </a:srgbClr>
+                      </a:solidFill>
+                      <a:prstDash val="solid"/>
+                      <a:round/>
+                      <a:headEnd type="none" w="med" len="med"/>
+                      <a:tailEnd type="none" w="med" len="med"/>
+                    </a:lnR>
+                  </a:tcPr>
+                </a:tc>
+                <a:tc>
+                  <a:txBody>
+                    <a:bodyPr/>
+                    <a:lstStyle/>
+                    <a:p>
+                      <a:pPr algn="ctr"/>
+                      <a:endParaRPr lang="en-US" sz="1100" dirty="0">
+                        <a:solidFill>
+                          <a:srgbClr val="000000"/>
+                        </a:solidFill>
+                      </a:endParaRPr>
+                    </a:p>
+                  </a:txBody>
+                  <a:tcPr marL="56960" marR="56960" marT="0" marB="28480">
+                    <a:lnL w="3175" cap="flat" cmpd="sng" algn="ctr">
+                      <a:solidFill>
+                        <a:srgbClr val="FFFFFF">
+                          <a:lumMod val="50000"/>
+                        </a:srgbClr>
+                      </a:solidFill>
+                      <a:prstDash val="solid"/>
+                      <a:round/>
+                      <a:headEnd type="none" w="med" len="med"/>
+                      <a:tailEnd type="none" w="med" len="med"/>
+                    </a:lnL>
+                    <a:lnR w="3175" cap="flat" cmpd="sng" algn="ctr">
+                      <a:solidFill>
+                        <a:srgbClr val="FFFFFF">
+                          <a:lumMod val="50000"/>
+                        </a:srgbClr>
+                      </a:solidFill>
+                      <a:prstDash val="solid"/>
+                      <a:round/>
+                      <a:headEnd type="none" w="med" len="med"/>
+                      <a:tailEnd type="none" w="med" len="med"/>
+                    </a:lnR>
+                  </a:tcPr>
+                </a:tc>
+              </a:tr>
+              <a:tr h="94300">
+                <a:tc>
+                  <a:txBody>
+                    <a:bodyPr/>
+                    <a:lstStyle/>
+                    <a:p>
+                      <a:pPr algn="ctr"/>
+                      <a:endParaRPr lang="en-US" sz="1100" dirty="0">
+                        <a:solidFill>
+                          <a:srgbClr val="000000"/>
+                        </a:solidFill>
+                      </a:endParaRPr>
+                    </a:p>
+                  </a:txBody>
+                  <a:tcPr marL="56960" marR="56960" marT="0" marB="28480">
+                    <a:lnL w="3175" cap="flat" cmpd="sng" algn="ctr">
+                      <a:solidFill>
+                        <a:srgbClr val="FFFFFF">
+                          <a:lumMod val="50000"/>
+                        </a:srgbClr>
+                      </a:solidFill>
+                      <a:prstDash val="solid"/>
+                      <a:round/>
+                      <a:headEnd type="none" w="med" len="med"/>
+                      <a:tailEnd type="none" w="med" len="med"/>
+                    </a:lnL>
+                    <a:lnR w="3175" cap="flat" cmpd="sng" algn="ctr">
+                      <a:solidFill>
+                        <a:srgbClr val="FFFFFF">
+                          <a:lumMod val="50000"/>
+                        </a:srgbClr>
+                      </a:solidFill>
+                      <a:prstDash val="solid"/>
+                      <a:round/>
+                      <a:headEnd type="none" w="med" len="med"/>
+                      <a:tailEnd type="none" w="med" len="med"/>
+                    </a:lnR>
+                  </a:tcPr>
+                </a:tc>
+                <a:tc>
+                  <a:txBody>
+                    <a:bodyPr/>
+                    <a:lstStyle/>
+                    <a:p>
+                      <a:pPr algn="ctr"/>
+                      <a:r>
+                        <a:rPr lang="ru-RU" sz="1100" dirty="0" smtClean="0">
+                          <a:solidFill>
+                            <a:srgbClr val="000000"/>
+                          </a:solidFill>
+                        </a:rPr>
+                        <a:t>английский</a:t>
+                      </a:r>
+                      <a:endParaRPr lang="en-US" sz="1100" dirty="0">
+                        <a:solidFill>
+                          <a:srgbClr val="000000"/>
+                        </a:solidFill>
+                      </a:endParaRPr>
+                    </a:p>
+                  </a:txBody>
+                  <a:tcPr marL="56960" marR="56960" marT="0" marB="28480">
+                    <a:lnL w="3175" cap="flat" cmpd="sng" algn="ctr">
+                      <a:solidFill>
+                        <a:srgbClr val="FFFFFF">
+                          <a:lumMod val="50000"/>
+                        </a:srgbClr>
+                      </a:solidFill>
+                      <a:prstDash val="solid"/>
+                      <a:round/>
+                      <a:headEnd type="none" w="med" len="med"/>
+                      <a:tailEnd type="none" w="med" len="med"/>
+                    </a:lnL>
+                    <a:lnR w="3175" cap="flat" cmpd="sng" algn="ctr">
+                      <a:solidFill>
+                        <a:srgbClr val="FFFFFF">
+                          <a:lumMod val="50000"/>
+                        </a:srgbClr>
+                      </a:solidFill>
+                      <a:prstDash val="solid"/>
+                      <a:round/>
+                      <a:headEnd type="none" w="med" len="med"/>
+                      <a:tailEnd type="none" w="med" len="med"/>
+                    </a:lnR>
+                  </a:tcPr>
+                </a:tc>
+                <a:tc>
+                  <a:txBody>
+                    <a:bodyPr/>
+                    <a:lstStyle/>
+                    <a:p>
+                      <a:pPr algn="ctr"/>
+                      <a:r>
+                        <a:rPr lang="ru-RU" sz="1100" dirty="0" smtClean="0">
+                          <a:solidFill>
+                            <a:srgbClr val="000000"/>
+                          </a:solidFill>
+                        </a:rPr>
+                        <a:t>Обучение </a:t>
+                      </a:r>
+                      <a:endParaRPr lang="en-US" sz="1100" dirty="0">
+                        <a:solidFill>
+                          <a:srgbClr val="000000"/>
+                        </a:solidFill>
+                      </a:endParaRPr>
+                    </a:p>
+                  </a:txBody>
+                  <a:tcPr marL="56960" marR="56960" marT="0" marB="28480">
+                    <a:lnL w="3175" cap="flat" cmpd="sng" algn="ctr">
+                      <a:solidFill>
+                        <a:srgbClr val="FFFFFF">
+                          <a:lumMod val="50000"/>
+                        </a:srgbClr>
+                      </a:solidFill>
+                      <a:prstDash val="solid"/>
+                      <a:round/>
+                      <a:headEnd type="none" w="med" len="med"/>
+                      <a:tailEnd type="none" w="med" len="med"/>
+                    </a:lnL>
+                    <a:lnR w="3175" cap="flat" cmpd="sng" algn="ctr">
+                      <a:solidFill>
+                        <a:srgbClr val="FFFFFF">
+                          <a:lumMod val="50000"/>
+                        </a:srgbClr>
+                      </a:solidFill>
+                      <a:prstDash val="solid"/>
+                      <a:round/>
+                      <a:headEnd type="none" w="med" len="med"/>
+                      <a:tailEnd type="none" w="med" len="med"/>
+                    </a:lnR>
+                  </a:tcPr>
+                </a:tc>
+                <a:tc>
+                  <a:txBody>
+                    <a:bodyPr/>
+                    <a:lstStyle/>
+                    <a:p>
+                      <a:pPr algn="ctr"/>
+                      <a:r>
+                        <a:rPr lang="ru-RU" sz="1100" dirty="0" smtClean="0">
+                          <a:solidFill>
+                            <a:srgbClr val="000000"/>
+                          </a:solidFill>
+                        </a:rPr>
+                        <a:t>20/час </a:t>
+                      </a:r>
+                      <a:endParaRPr lang="en-US" sz="1100" dirty="0">
+                        <a:solidFill>
+                          <a:srgbClr val="000000"/>
+                        </a:solidFill>
+                      </a:endParaRPr>
+                    </a:p>
+                  </a:txBody>
+                  <a:tcPr marL="56960" marR="56960" marT="0" marB="28480">
+                    <a:lnL w="3175" cap="flat" cmpd="sng" algn="ctr">
+                      <a:solidFill>
+                        <a:srgbClr val="FFFFFF">
+                          <a:lumMod val="50000"/>
+                        </a:srgbClr>
+                      </a:solidFill>
+                      <a:prstDash val="solid"/>
+                      <a:round/>
+                      <a:headEnd type="none" w="med" len="med"/>
+                      <a:tailEnd type="none" w="med" len="med"/>
+                    </a:lnL>
+                    <a:lnR w="3175" cap="flat" cmpd="sng" algn="ctr">
+                      <a:solidFill>
+                        <a:srgbClr val="FFFFFF">
+                          <a:lumMod val="50000"/>
+                        </a:srgbClr>
+                      </a:solidFill>
+                      <a:prstDash val="solid"/>
+                      <a:round/>
+                      <a:headEnd type="none" w="med" len="med"/>
+                      <a:tailEnd type="none" w="med" len="med"/>
+                    </a:lnR>
+                  </a:tcPr>
+                </a:tc>
+                <a:tc>
+                  <a:txBody>
+                    <a:bodyPr/>
+                    <a:lstStyle/>
+                    <a:p>
+                      <a:pPr algn="ctr"/>
+                      <a:r>
+                        <a:rPr lang="ru-RU" sz="1100" dirty="0" smtClean="0">
+                          <a:solidFill>
+                            <a:srgbClr val="000000"/>
+                          </a:solidFill>
+                        </a:rPr>
+                        <a:t>12.07.2013</a:t>
+                      </a:r>
+                      <a:endParaRPr lang="en-US" sz="1100" dirty="0">
+                        <a:solidFill>
+                          <a:srgbClr val="000000"/>
+                        </a:solidFill>
+                      </a:endParaRPr>
+                    </a:p>
+                  </a:txBody>
+                  <a:tcPr marL="56960" marR="56960" marT="0" marB="28480">
+                    <a:lnL w="3175" cap="flat" cmpd="sng" algn="ctr">
+                      <a:solidFill>
+                        <a:srgbClr val="FFFFFF">
+                          <a:lumMod val="50000"/>
+                        </a:srgbClr>
+                      </a:solidFill>
+                      <a:prstDash val="solid"/>
+                      <a:round/>
+                      <a:headEnd type="none" w="med" len="med"/>
+                      <a:tailEnd type="none" w="med" len="med"/>
+                    </a:lnL>
+                    <a:lnR w="3175" cap="flat" cmpd="sng" algn="ctr">
+                      <a:solidFill>
+                        <a:srgbClr val="FFFFFF">
+                          <a:lumMod val="50000"/>
+                        </a:srgbClr>
+                      </a:solidFill>
+                      <a:prstDash val="solid"/>
+                      <a:round/>
+                      <a:headEnd type="none" w="med" len="med"/>
+                      <a:tailEnd type="none" w="med" len="med"/>
+                    </a:lnR>
+                  </a:tcPr>
+                </a:tc>
+                <a:tc>
+                  <a:txBody>
+                    <a:bodyPr/>
+                    <a:lstStyle/>
+                    <a:p>
+                      <a:pPr algn="ctr"/>
+                      <a:endParaRPr lang="en-US" sz="1100" dirty="0">
+                        <a:solidFill>
+                          <a:srgbClr val="000000"/>
+                        </a:solidFill>
+                      </a:endParaRPr>
+                    </a:p>
+                  </a:txBody>
+                  <a:tcPr marL="56960" marR="56960" marT="0" marB="28480">
+                    <a:lnL w="3175" cap="flat" cmpd="sng" algn="ctr">
+                      <a:solidFill>
+                        <a:srgbClr val="FFFFFF">
+                          <a:lumMod val="50000"/>
+                        </a:srgbClr>
+                      </a:solidFill>
+                      <a:prstDash val="solid"/>
+                      <a:round/>
+                      <a:headEnd type="none" w="med" len="med"/>
+                      <a:tailEnd type="none" w="med" len="med"/>
+                    </a:lnL>
+                    <a:lnR w="3175" cap="flat" cmpd="sng" algn="ctr">
+                      <a:solidFill>
+                        <a:srgbClr val="FFFFFF">
+                          <a:lumMod val="50000"/>
+                        </a:srgbClr>
+                      </a:solidFill>
+                      <a:prstDash val="solid"/>
+                      <a:round/>
+                      <a:headEnd type="none" w="med" len="med"/>
+                      <a:tailEnd type="none" w="med" len="med"/>
+                    </a:lnR>
+                  </a:tcPr>
+                </a:tc>
+              </a:tr>
+              <a:tr h="94300">
+                <a:tc>
+                  <a:txBody>
+                    <a:bodyPr/>
+                    <a:lstStyle/>
+                    <a:p>
+                      <a:pPr algn="ctr"/>
+                      <a:endParaRPr lang="en-US" sz="1100" dirty="0">
+                        <a:solidFill>
+                          <a:srgbClr val="000000"/>
+                        </a:solidFill>
+                      </a:endParaRPr>
+                    </a:p>
+                  </a:txBody>
+                  <a:tcPr marL="56960" marR="56960" marT="0" marB="28480">
+                    <a:lnL w="3175" cap="flat" cmpd="sng" algn="ctr">
+                      <a:solidFill>
+                        <a:srgbClr val="FFFFFF">
+                          <a:lumMod val="50000"/>
+                        </a:srgbClr>
+                      </a:solidFill>
+                      <a:prstDash val="solid"/>
+                      <a:round/>
+                      <a:headEnd type="none" w="med" len="med"/>
+                      <a:tailEnd type="none" w="med" len="med"/>
+                    </a:lnL>
+                    <a:lnR w="3175" cap="flat" cmpd="sng" algn="ctr">
+                      <a:solidFill>
+                        <a:srgbClr val="FFFFFF">
+                          <a:lumMod val="50000"/>
+                        </a:srgbClr>
+                      </a:solidFill>
+                      <a:prstDash val="solid"/>
+                      <a:round/>
+                      <a:headEnd type="none" w="med" len="med"/>
+                      <a:tailEnd type="none" w="med" len="med"/>
+                    </a:lnR>
+                  </a:tcPr>
+                </a:tc>
+                <a:tc>
+                  <a:txBody>
+                    <a:bodyPr/>
+                    <a:lstStyle/>
+                    <a:p>
+                      <a:pPr algn="ctr"/>
+                      <a:endParaRPr lang="en-US" sz="1100" dirty="0">
+                        <a:solidFill>
+                          <a:srgbClr val="000000"/>
+                        </a:solidFill>
+                      </a:endParaRPr>
+                    </a:p>
+                  </a:txBody>
+                  <a:tcPr marL="56960" marR="56960" marT="0" marB="28480">
+                    <a:lnL w="3175" cap="flat" cmpd="sng" algn="ctr">
+                      <a:solidFill>
+                        <a:srgbClr val="FFFFFF">
+                          <a:lumMod val="50000"/>
+                        </a:srgbClr>
+                      </a:solidFill>
+                      <a:prstDash val="solid"/>
+                      <a:round/>
+                      <a:headEnd type="none" w="med" len="med"/>
+                      <a:tailEnd type="none" w="med" len="med"/>
+                    </a:lnL>
+                    <a:lnR w="3175" cap="flat" cmpd="sng" algn="ctr">
+                      <a:solidFill>
+                        <a:srgbClr val="FFFFFF">
+                          <a:lumMod val="50000"/>
+                        </a:srgbClr>
+                      </a:solidFill>
+                      <a:prstDash val="solid"/>
+                      <a:round/>
+                      <a:headEnd type="none" w="med" len="med"/>
+                      <a:tailEnd type="none" w="med" len="med"/>
+                    </a:lnR>
+                  </a:tcPr>
+                </a:tc>
+                <a:tc>
+                  <a:txBody>
+                    <a:bodyPr/>
+                    <a:lstStyle/>
+                    <a:p>
+                      <a:pPr algn="ctr"/>
+                      <a:endParaRPr lang="en-US" sz="1100" dirty="0">
+                        <a:solidFill>
+                          <a:srgbClr val="000000"/>
+                        </a:solidFill>
+                      </a:endParaRPr>
+                    </a:p>
+                  </a:txBody>
+                  <a:tcPr marL="56960" marR="56960" marT="0" marB="28480">
+                    <a:lnL w="3175" cap="flat" cmpd="sng" algn="ctr">
+                      <a:solidFill>
+                        <a:srgbClr val="FFFFFF">
+                          <a:lumMod val="50000"/>
+                        </a:srgbClr>
+                      </a:solidFill>
+                      <a:prstDash val="solid"/>
+                      <a:round/>
+                      <a:headEnd type="none" w="med" len="med"/>
+                      <a:tailEnd type="none" w="med" len="med"/>
+                    </a:lnL>
+                    <a:lnR w="3175" cap="flat" cmpd="sng" algn="ctr">
+                      <a:solidFill>
+                        <a:srgbClr val="FFFFFF">
+                          <a:lumMod val="50000"/>
+                        </a:srgbClr>
+                      </a:solidFill>
+                      <a:prstDash val="solid"/>
+                      <a:round/>
+                      <a:headEnd type="none" w="med" len="med"/>
+                      <a:tailEnd type="none" w="med" len="med"/>
+                    </a:lnR>
+                  </a:tcPr>
+                </a:tc>
+                <a:tc>
+                  <a:txBody>
+                    <a:bodyPr/>
+                    <a:lstStyle/>
+                    <a:p>
+                      <a:pPr algn="ctr"/>
+                      <a:endParaRPr lang="en-US" sz="1100" dirty="0">
+                        <a:solidFill>
+                          <a:srgbClr val="000000"/>
+                        </a:solidFill>
+                      </a:endParaRPr>
+                    </a:p>
+                  </a:txBody>
+                  <a:tcPr marL="56960" marR="56960" marT="0" marB="28480">
+                    <a:lnL w="3175" cap="flat" cmpd="sng" algn="ctr">
+                      <a:solidFill>
+                        <a:srgbClr val="FFFFFF">
+                          <a:lumMod val="50000"/>
+                        </a:srgbClr>
+                      </a:solidFill>
+                      <a:prstDash val="solid"/>
+                      <a:round/>
+                      <a:headEnd type="none" w="med" len="med"/>
+                      <a:tailEnd type="none" w="med" len="med"/>
+                    </a:lnL>
+                    <a:lnR w="3175" cap="flat" cmpd="sng" algn="ctr">
+                      <a:solidFill>
+                        <a:srgbClr val="FFFFFF">
+                          <a:lumMod val="50000"/>
+                        </a:srgbClr>
+                      </a:solidFill>
+                      <a:prstDash val="solid"/>
+                      <a:round/>
+                      <a:headEnd type="none" w="med" len="med"/>
+                      <a:tailEnd type="none" w="med" len="med"/>
+                    </a:lnR>
+                  </a:tcPr>
+                </a:tc>
+                <a:tc>
+                  <a:txBody>
+                    <a:bodyPr/>
+                    <a:lstStyle/>
+                    <a:p>
+                      <a:pPr algn="ctr"/>
+                      <a:endParaRPr lang="en-US" sz="1100" dirty="0">
+                        <a:solidFill>
+                          <a:srgbClr val="000000"/>
+                        </a:solidFill>
+                      </a:endParaRPr>
+                    </a:p>
+                  </a:txBody>
+                  <a:tcPr marL="56960" marR="56960" marT="0" marB="28480">
+                    <a:lnL w="3175" cap="flat" cmpd="sng" algn="ctr">
+                      <a:solidFill>
+                        <a:srgbClr val="FFFFFF">
+                          <a:lumMod val="50000"/>
+                        </a:srgbClr>
+                      </a:solidFill>
+                      <a:prstDash val="solid"/>
+                      <a:round/>
+                      <a:headEnd type="none" w="med" len="med"/>
+                      <a:tailEnd type="none" w="med" len="med"/>
+                    </a:lnL>
+                    <a:lnR w="3175" cap="flat" cmpd="sng" algn="ctr">
+                      <a:solidFill>
+                        <a:srgbClr val="FFFFFF">
+                          <a:lumMod val="50000"/>
+                        </a:srgbClr>
+                      </a:solidFill>
+                      <a:prstDash val="solid"/>
+                      <a:round/>
+                      <a:headEnd type="none" w="med" len="med"/>
+                      <a:tailEnd type="none" w="med" len="med"/>
+                    </a:lnR>
+                  </a:tcPr>
+                </a:tc>
+                <a:tc>
+                  <a:txBody>
+                    <a:bodyPr/>
+                    <a:lstStyle/>
+                    <a:p>
+                      <a:pPr algn="ctr"/>
+                      <a:endParaRPr lang="en-US" sz="1100" dirty="0">
+                        <a:solidFill>
+                          <a:srgbClr val="000000"/>
+                        </a:solidFill>
+                      </a:endParaRPr>
+                    </a:p>
+                  </a:txBody>
+                  <a:tcPr marL="56960" marR="56960" marT="0" marB="28480">
+                    <a:lnL w="3175" cap="flat" cmpd="sng" algn="ctr">
+                      <a:solidFill>
+                        <a:srgbClr val="FFFFFF">
+                          <a:lumMod val="50000"/>
+                        </a:srgbClr>
+                      </a:solidFill>
+                      <a:prstDash val="solid"/>
+                      <a:round/>
+                      <a:headEnd type="none" w="med" len="med"/>
+                      <a:tailEnd type="none" w="med" len="med"/>
+                    </a:lnL>
+                    <a:lnR w="3175" cap="flat" cmpd="sng" algn="ctr">
+                      <a:solidFill>
+                        <a:srgbClr val="FFFFFF">
+                          <a:lumMod val="50000"/>
+                        </a:srgbClr>
+                      </a:solidFill>
+                      <a:prstDash val="solid"/>
+                      <a:round/>
+                      <a:headEnd type="none" w="med" len="med"/>
+                      <a:tailEnd type="none" w="med" len="med"/>
+                    </a:lnR>
+                  </a:tcPr>
+                </a:tc>
+              </a:tr>
+              <a:tr h="94300">
+                <a:tc>
+                  <a:txBody>
+                    <a:bodyPr/>
+                    <a:lstStyle/>
+                    <a:p>
+                      <a:pPr algn="ctr"/>
+                      <a:endParaRPr lang="en-US" sz="1100" dirty="0">
+                        <a:solidFill>
+                          <a:srgbClr val="000000"/>
+                        </a:solidFill>
+                      </a:endParaRPr>
+                    </a:p>
+                  </a:txBody>
+                  <a:tcPr marL="56960" marR="56960" marT="0" marB="28480">
+                    <a:lnL w="3175" cap="flat" cmpd="sng" algn="ctr">
+                      <a:solidFill>
+                        <a:srgbClr val="FFFFFF">
+                          <a:lumMod val="50000"/>
+                        </a:srgbClr>
+                      </a:solidFill>
+                      <a:prstDash val="solid"/>
+                      <a:round/>
+                      <a:headEnd type="none" w="med" len="med"/>
+                      <a:tailEnd type="none" w="med" len="med"/>
+                    </a:lnL>
+                    <a:lnR w="3175" cap="flat" cmpd="sng" algn="ctr">
+                      <a:solidFill>
+                        <a:srgbClr val="FFFFFF">
+                          <a:lumMod val="50000"/>
+                        </a:srgbClr>
+                      </a:solidFill>
+                      <a:prstDash val="solid"/>
+                      <a:round/>
+                      <a:headEnd type="none" w="med" len="med"/>
+                      <a:tailEnd type="none" w="med" len="med"/>
+                    </a:lnR>
+                    <a:lnB w="3175" cap="flat" cmpd="sng" algn="ctr">
+                      <a:solidFill>
+                        <a:srgbClr val="FFFFFF">
+                          <a:lumMod val="50000"/>
+                        </a:srgbClr>
+                      </a:solidFill>
+                      <a:prstDash val="solid"/>
+                      <a:round/>
+                      <a:headEnd type="none" w="med" len="med"/>
+                      <a:tailEnd type="none" w="med" len="med"/>
+                    </a:lnB>
+                  </a:tcPr>
+                </a:tc>
+                <a:tc>
+                  <a:txBody>
+                    <a:bodyPr/>
+                    <a:lstStyle/>
+                    <a:p>
+                      <a:pPr algn="ctr"/>
+                      <a:endParaRPr lang="en-US" sz="1100" dirty="0">
+                        <a:solidFill>
+                          <a:srgbClr val="000000"/>
+                        </a:solidFill>
+                      </a:endParaRPr>
+                    </a:p>
+                  </a:txBody>
+                  <a:tcPr marL="56960" marR="56960" marT="0" marB="28480">
+                    <a:lnL w="3175" cap="flat" cmpd="sng" algn="ctr">
+                      <a:solidFill>
+                        <a:srgbClr val="FFFFFF">
+                          <a:lumMod val="50000"/>
+                        </a:srgbClr>
+                      </a:solidFill>
+                      <a:prstDash val="solid"/>
+                      <a:round/>
+                      <a:headEnd type="none" w="med" len="med"/>
+                      <a:tailEnd type="none" w="med" len="med"/>
+                    </a:lnL>
+                    <a:lnR w="3175" cap="flat" cmpd="sng" algn="ctr">
+                      <a:solidFill>
+                        <a:srgbClr val="FFFFFF">
+                          <a:lumMod val="50000"/>
+                        </a:srgbClr>
+                      </a:solidFill>
+                      <a:prstDash val="solid"/>
+                      <a:round/>
+                      <a:headEnd type="none" w="med" len="med"/>
+                      <a:tailEnd type="none" w="med" len="med"/>
+                    </a:lnR>
+                    <a:lnB w="3175" cap="flat" cmpd="sng" algn="ctr">
+                      <a:solidFill>
+                        <a:srgbClr val="FFFFFF">
+                          <a:lumMod val="50000"/>
+                        </a:srgbClr>
+                      </a:solidFill>
+                      <a:prstDash val="solid"/>
+                      <a:round/>
+                      <a:headEnd type="none" w="med" len="med"/>
+                      <a:tailEnd type="none" w="med" len="med"/>
+                    </a:lnB>
+                  </a:tcPr>
+                </a:tc>
+                <a:tc>
+                  <a:txBody>
+                    <a:bodyPr/>
+                    <a:lstStyle/>
+                    <a:p>
+                      <a:pPr algn="ctr"/>
+                      <a:endParaRPr lang="en-US" sz="1100" dirty="0">
+                        <a:solidFill>
+                          <a:srgbClr val="000000"/>
+                        </a:solidFill>
+                      </a:endParaRPr>
+                    </a:p>
+                  </a:txBody>
+                  <a:tcPr marL="56960" marR="56960" marT="0" marB="28480">
+                    <a:lnL w="3175" cap="flat" cmpd="sng" algn="ctr">
+                      <a:solidFill>
+                        <a:srgbClr val="FFFFFF">
+                          <a:lumMod val="50000"/>
+                        </a:srgbClr>
+                      </a:solidFill>
+                      <a:prstDash val="solid"/>
+                      <a:round/>
+                      <a:headEnd type="none" w="med" len="med"/>
+                      <a:tailEnd type="none" w="med" len="med"/>
+                    </a:lnL>
+                    <a:lnR w="3175" cap="flat" cmpd="sng" algn="ctr">
+                      <a:solidFill>
+                        <a:srgbClr val="FFFFFF">
+                          <a:lumMod val="50000"/>
+                        </a:srgbClr>
+                      </a:solidFill>
+                      <a:prstDash val="solid"/>
+                      <a:round/>
+                      <a:headEnd type="none" w="med" len="med"/>
+                      <a:tailEnd type="none" w="med" len="med"/>
+                    </a:lnR>
+                    <a:lnB w="3175" cap="flat" cmpd="sng" algn="ctr">
+                      <a:solidFill>
+                        <a:srgbClr val="FFFFFF">
+                          <a:lumMod val="50000"/>
+                        </a:srgbClr>
+                      </a:solidFill>
+                      <a:prstDash val="solid"/>
+                      <a:round/>
+                      <a:headEnd type="none" w="med" len="med"/>
+                      <a:tailEnd type="none" w="med" len="med"/>
+                    </a:lnB>
+                  </a:tcPr>
+                </a:tc>
+                <a:tc>
+                  <a:txBody>
+                    <a:bodyPr/>
+                    <a:lstStyle/>
+                    <a:p>
+                      <a:pPr algn="ctr"/>
+                      <a:endParaRPr lang="en-US" sz="1100" dirty="0">
+                        <a:solidFill>
+                          <a:srgbClr val="000000"/>
+                        </a:solidFill>
+                      </a:endParaRPr>
+                    </a:p>
+                  </a:txBody>
+                  <a:tcPr marL="56960" marR="56960" marT="0" marB="28480">
+                    <a:lnL w="3175" cap="flat" cmpd="sng" algn="ctr">
+                      <a:solidFill>
+                        <a:srgbClr val="FFFFFF">
+                          <a:lumMod val="50000"/>
+                        </a:srgbClr>
+                      </a:solidFill>
+                      <a:prstDash val="solid"/>
+                      <a:round/>
+                      <a:headEnd type="none" w="med" len="med"/>
+                      <a:tailEnd type="none" w="med" len="med"/>
+                    </a:lnL>
+                    <a:lnR w="3175" cap="flat" cmpd="sng" algn="ctr">
+                      <a:solidFill>
+                        <a:srgbClr val="FFFFFF">
+                          <a:lumMod val="50000"/>
+                        </a:srgbClr>
+                      </a:solidFill>
+                      <a:prstDash val="solid"/>
+                      <a:round/>
+                      <a:headEnd type="none" w="med" len="med"/>
+                      <a:tailEnd type="none" w="med" len="med"/>
+                    </a:lnR>
+                    <a:lnB w="3175" cap="flat" cmpd="sng" algn="ctr">
+                      <a:solidFill>
+                        <a:srgbClr val="FFFFFF">
+                          <a:lumMod val="50000"/>
+                        </a:srgbClr>
+                      </a:solidFill>
+                      <a:prstDash val="solid"/>
+                      <a:round/>
+                      <a:headEnd type="none" w="med" len="med"/>
+                      <a:tailEnd type="none" w="med" len="med"/>
+                    </a:lnB>
+                  </a:tcPr>
+                </a:tc>
+                <a:tc>
+                  <a:txBody>
+                    <a:bodyPr/>
+                    <a:lstStyle/>
+                    <a:p>
+                      <a:pPr algn="ctr"/>
+                      <a:endParaRPr lang="en-US" sz="1100" dirty="0">
+                        <a:solidFill>
+                          <a:srgbClr val="000000"/>
+                        </a:solidFill>
+                      </a:endParaRPr>
+                    </a:p>
+                  </a:txBody>
+                  <a:tcPr marL="56960" marR="56960" marT="0" marB="28480">
+                    <a:lnL w="3175" cap="flat" cmpd="sng" algn="ctr">
+                      <a:solidFill>
+                        <a:srgbClr val="FFFFFF">
+                          <a:lumMod val="50000"/>
+                        </a:srgbClr>
+                      </a:solidFill>
+                      <a:prstDash val="solid"/>
+                      <a:round/>
+                      <a:headEnd type="none" w="med" len="med"/>
+                      <a:tailEnd type="none" w="med" len="med"/>
+                    </a:lnL>
+                    <a:lnR w="3175" cap="flat" cmpd="sng" algn="ctr">
+                      <a:solidFill>
+                        <a:srgbClr val="FFFFFF">
+                          <a:lumMod val="50000"/>
+                        </a:srgbClr>
+                      </a:solidFill>
+                      <a:prstDash val="solid"/>
+                      <a:round/>
+                      <a:headEnd type="none" w="med" len="med"/>
+                      <a:tailEnd type="none" w="med" len="med"/>
+                    </a:lnR>
+                    <a:lnB w="3175" cap="flat" cmpd="sng" algn="ctr">
+                      <a:solidFill>
+                        <a:srgbClr val="FFFFFF">
+                          <a:lumMod val="50000"/>
+                        </a:srgbClr>
+                      </a:solidFill>
+                      <a:prstDash val="solid"/>
+                      <a:round/>
+                      <a:headEnd type="none" w="med" len="med"/>
+                      <a:tailEnd type="none" w="med" len="med"/>
+                    </a:lnB>
+                  </a:tcPr>
+                </a:tc>
+                <a:tc>
+                  <a:txBody>
+                    <a:bodyPr/>
+                    <a:lstStyle/>
+                    <a:p>
+                      <a:pPr algn="ctr"/>
+                      <a:endParaRPr lang="en-US" sz="1100" dirty="0">
+                        <a:solidFill>
+                          <a:srgbClr val="000000"/>
+                        </a:solidFill>
+                      </a:endParaRPr>
+                    </a:p>
+                  </a:txBody>
+                  <a:tcPr marL="56960" marR="56960" marT="0" marB="28480">
+                    <a:lnL w="3175" cap="flat" cmpd="sng" algn="ctr">
+                      <a:solidFill>
+                        <a:srgbClr val="FFFFFF">
+                          <a:lumMod val="50000"/>
+                        </a:srgbClr>
+                      </a:solidFill>
+                      <a:prstDash val="solid"/>
+                      <a:round/>
+                      <a:headEnd type="none" w="med" len="med"/>
+                      <a:tailEnd type="none" w="med" len="med"/>
+                    </a:lnL>
+                    <a:lnR w="3175" cap="flat" cmpd="sng" algn="ctr">
+                      <a:solidFill>
+                        <a:srgbClr val="FFFFFF">
+                          <a:lumMod val="50000"/>
+                        </a:srgbClr>
+                      </a:solidFill>
+                      <a:prstDash val="solid"/>
+                      <a:round/>
+                      <a:headEnd type="none" w="med" len="med"/>
+                      <a:tailEnd type="none" w="med" len="med"/>
+                    </a:lnR>
+                    <a:lnB w="3175" cap="flat" cmpd="sng" algn="ctr">
+                      <a:solidFill>
+                        <a:srgbClr val="FFFFFF">
+                          <a:lumMod val="50000"/>
+                        </a:srgbClr>
+                      </a:solidFill>
+                      <a:prstDash val="solid"/>
+                      <a:round/>
+                      <a:headEnd type="none" w="med" len="med"/>
+                      <a:tailEnd type="none" w="med" len="med"/>
+                    </a:lnB>
+                  </a:tcPr>
+                </a:tc>
+              </a:tr>
+            </a:tbl>
+          </a:graphicData>
+        </a:graphic>
+      </p:graphicFrame>
+      <p:pic>
+        <p:nvPicPr>
+          <p:cNvPr id="6" name="Picture 2" descr="C:\Users\t-dantay\Documents\First24\arrow1.png"/>
+          <p:cNvPicPr>
+            <a:picLocks noChangeAspect="1" noChangeArrowheads="1"/>
+          </p:cNvPicPr>
+          <p:nvPr>
+            <p:custDataLst>
+              <p:custData r:id="rId3"/>
+            </p:custDataLst>
+          </p:nvPr>
+        </p:nvPicPr>
+        <p:blipFill>
+          <a:blip r:embed="rId46" cstate="print">
+            <a:extLst>
+              <a:ext uri="{28A0092B-C50C-407E-A947-70E740481C1C}">
+                <a14:useLocalDpi xmlns:a14="http://schemas.microsoft.com/office/drawing/2010/main" val="0"/>
+              </a:ext>
+            </a:extLst>
+          </a:blip>
+          <a:srcRect/>
+          <a:stretch>
+            <a:fillRect/>
+          </a:stretch>
+        </p:blipFill>
+        <p:spPr bwMode="auto">
+          <a:xfrm rot="5400000">
+            <a:off x="763514" y="1583887"/>
+            <a:ext cx="154954" cy="154954"/>
+          </a:xfrm>
+          <a:prstGeom prst="rect">
+            <a:avLst/>
+          </a:prstGeom>
+          <a:noFill/>
+          <a:extLst>
+            <a:ext uri="{909E8E84-426E-40DD-AFC4-6F175D3DCCD1}">
+              <a14:hiddenFill xmlns:a14="http://schemas.microsoft.com/office/drawing/2010/main">
+                <a:solidFill>
+                  <a:srgbClr val="FFFFFF"/>
+                </a:solidFill>
+              </a14:hiddenFill>
+            </a:ext>
+          </a:extLst>
+        </p:spPr>
+      </p:pic>
+      <p:pic>
+        <p:nvPicPr>
+          <p:cNvPr id="7" name="Picture 2" descr="C:\Users\d.boyarov\Downloads\box_present_5349.png"/>
+          <p:cNvPicPr>
+            <a:picLocks noChangeAspect="1" noChangeArrowheads="1"/>
+          </p:cNvPicPr>
+          <p:nvPr/>
+        </p:nvPicPr>
+        <p:blipFill>
+          <a:blip r:embed="rId47" cstate="print">
+            <a:extLst>
+              <a:ext uri="{28A0092B-C50C-407E-A947-70E740481C1C}">
+                <a14:useLocalDpi xmlns:a14="http://schemas.microsoft.com/office/drawing/2010/main" val="0"/>
+              </a:ext>
+            </a:extLst>
+          </a:blip>
+          <a:srcRect/>
+          <a:stretch>
+            <a:fillRect/>
+          </a:stretch>
+        </p:blipFill>
+        <p:spPr bwMode="auto">
+          <a:xfrm>
+            <a:off x="1023225" y="1890607"/>
+            <a:ext cx="173527" cy="173527"/>
+          </a:xfrm>
+          <a:prstGeom prst="rect">
+            <a:avLst/>
+          </a:prstGeom>
+          <a:noFill/>
+          <a:extLst>
+            <a:ext uri="{909E8E84-426E-40DD-AFC4-6F175D3DCCD1}">
+              <a14:hiddenFill xmlns:a14="http://schemas.microsoft.com/office/drawing/2010/main">
+                <a:solidFill>
+                  <a:srgbClr val="FFFFFF"/>
+                </a:solidFill>
+              </a14:hiddenFill>
+            </a:ext>
+          </a:extLst>
+        </p:spPr>
+      </p:pic>
+      <p:pic>
+        <p:nvPicPr>
+          <p:cNvPr id="8" name="Picture 3" descr="C:\Users\d.boyarov\Downloads\emblem-work_1481.png"/>
+          <p:cNvPicPr>
+            <a:picLocks noChangeAspect="1" noChangeArrowheads="1"/>
+          </p:cNvPicPr>
+          <p:nvPr/>
+        </p:nvPicPr>
+        <p:blipFill>
+          <a:blip r:embed="rId48" cstate="print">
+            <a:extLst>
+              <a:ext uri="{28A0092B-C50C-407E-A947-70E740481C1C}">
+                <a14:useLocalDpi xmlns:a14="http://schemas.microsoft.com/office/drawing/2010/main" val="0"/>
+              </a:ext>
+            </a:extLst>
+          </a:blip>
+          <a:srcRect/>
+          <a:stretch>
+            <a:fillRect/>
+          </a:stretch>
+        </p:blipFill>
+        <p:spPr bwMode="auto">
+          <a:xfrm>
+            <a:off x="1019697" y="1562904"/>
+            <a:ext cx="171749" cy="171749"/>
+          </a:xfrm>
+          <a:prstGeom prst="rect">
+            <a:avLst/>
+          </a:prstGeom>
+          <a:noFill/>
+          <a:extLst>
+            <a:ext uri="{909E8E84-426E-40DD-AFC4-6F175D3DCCD1}">
+              <a14:hiddenFill xmlns:a14="http://schemas.microsoft.com/office/drawing/2010/main">
+                <a:solidFill>
+                  <a:srgbClr val="FFFFFF"/>
+                </a:solidFill>
+              </a14:hiddenFill>
+            </a:ext>
+          </a:extLst>
+        </p:spPr>
+      </p:pic>
+      <p:pic>
+        <p:nvPicPr>
+          <p:cNvPr id="9" name="Picture 2" descr="C:\Users\t-dantay\Documents\First24\arrow1.png"/>
+          <p:cNvPicPr>
+            <a:picLocks noChangeAspect="1" noChangeArrowheads="1"/>
+          </p:cNvPicPr>
+          <p:nvPr>
+            <p:custDataLst>
+              <p:custData r:id="rId4"/>
+            </p:custDataLst>
+          </p:nvPr>
+        </p:nvPicPr>
+        <p:blipFill>
+          <a:blip r:embed="rId46" cstate="print">
+            <a:extLst>
+              <a:ext uri="{28A0092B-C50C-407E-A947-70E740481C1C}">
+                <a14:useLocalDpi xmlns:a14="http://schemas.microsoft.com/office/drawing/2010/main" val="0"/>
+              </a:ext>
+            </a:extLst>
+          </a:blip>
+          <a:srcRect/>
+          <a:stretch>
+            <a:fillRect/>
+          </a:stretch>
+        </p:blipFill>
+        <p:spPr bwMode="auto">
+          <a:xfrm rot="16200000">
+            <a:off x="769426" y="1888723"/>
+            <a:ext cx="154954" cy="154954"/>
+          </a:xfrm>
+          <a:prstGeom prst="rect">
+            <a:avLst/>
+          </a:prstGeom>
+          <a:noFill/>
+          <a:extLst>
+            <a:ext uri="{909E8E84-426E-40DD-AFC4-6F175D3DCCD1}">
+              <a14:hiddenFill xmlns:a14="http://schemas.microsoft.com/office/drawing/2010/main">
+                <a:solidFill>
+                  <a:srgbClr val="FFFFFF"/>
+                </a:solidFill>
+              </a14:hiddenFill>
+            </a:ext>
+          </a:extLst>
+        </p:spPr>
+      </p:pic>
+      <p:pic>
+        <p:nvPicPr>
+          <p:cNvPr id="10" name="Picture 2" descr="C:\Users\t-dantay\Documents\First24\arrowcurved1.png"/>
+          <p:cNvPicPr>
+            <a:picLocks noChangeAspect="1" noChangeArrowheads="1"/>
+          </p:cNvPicPr>
+          <p:nvPr>
+            <p:custDataLst>
+              <p:custData r:id="rId5"/>
+            </p:custDataLst>
+          </p:nvPr>
+        </p:nvPicPr>
+        <p:blipFill>
+          <a:blip r:embed="rId49" cstate="print">
+            <a:extLst>
+              <a:ext uri="{28A0092B-C50C-407E-A947-70E740481C1C}">
+                <a14:useLocalDpi xmlns:a14="http://schemas.microsoft.com/office/drawing/2010/main" val="0"/>
+              </a:ext>
+            </a:extLst>
+          </a:blip>
+          <a:srcRect/>
+          <a:stretch>
+            <a:fillRect/>
+          </a:stretch>
+        </p:blipFill>
+        <p:spPr bwMode="auto">
+          <a:xfrm>
+            <a:off x="762999" y="2055383"/>
+            <a:ext cx="145504" cy="145504"/>
+          </a:xfrm>
+          <a:prstGeom prst="rect">
+            <a:avLst/>
+          </a:prstGeom>
+          <a:noFill/>
+          <a:extLst>
+            <a:ext uri="{909E8E84-426E-40DD-AFC4-6F175D3DCCD1}">
+              <a14:hiddenFill xmlns:a14="http://schemas.microsoft.com/office/drawing/2010/main">
+                <a:solidFill>
+                  <a:srgbClr val="FFFFFF"/>
+                </a:solidFill>
+              </a14:hiddenFill>
+            </a:ext>
+          </a:extLst>
+        </p:spPr>
+      </p:pic>
+      <p:pic>
+        <p:nvPicPr>
+          <p:cNvPr id="11" name="Picture 2" descr="C:\Users\t-dantay\Documents\First24\arrowcurved1.png"/>
+          <p:cNvPicPr>
+            <a:picLocks noChangeAspect="1" noChangeArrowheads="1"/>
+          </p:cNvPicPr>
+          <p:nvPr>
+            <p:custDataLst>
+              <p:custData r:id="rId6"/>
+            </p:custDataLst>
+          </p:nvPr>
+        </p:nvPicPr>
+        <p:blipFill>
+          <a:blip r:embed="rId49" cstate="print">
+            <a:extLst>
+              <a:ext uri="{28A0092B-C50C-407E-A947-70E740481C1C}">
+                <a14:useLocalDpi xmlns:a14="http://schemas.microsoft.com/office/drawing/2010/main" val="0"/>
+              </a:ext>
+            </a:extLst>
+          </a:blip>
+          <a:srcRect/>
+          <a:stretch>
+            <a:fillRect/>
+          </a:stretch>
+        </p:blipFill>
+        <p:spPr bwMode="auto">
+          <a:xfrm rot="10800000">
+            <a:off x="762999" y="2144283"/>
+            <a:ext cx="145504" cy="145504"/>
+          </a:xfrm>
+          <a:prstGeom prst="rect">
+            <a:avLst/>
+          </a:prstGeom>
+          <a:noFill/>
+          <a:extLst>
+            <a:ext uri="{909E8E84-426E-40DD-AFC4-6F175D3DCCD1}">
+              <a14:hiddenFill xmlns:a14="http://schemas.microsoft.com/office/drawing/2010/main">
+                <a:solidFill>
+                  <a:srgbClr val="FFFFFF"/>
+                </a:solidFill>
+              </a14:hiddenFill>
+            </a:ext>
+          </a:extLst>
+        </p:spPr>
+      </p:pic>
+      <p:pic>
+        <p:nvPicPr>
+          <p:cNvPr id="12" name="Picture 3" descr="C:\Users\d.boyarov\Downloads\emblem-work_1481.png"/>
+          <p:cNvPicPr>
+            <a:picLocks noChangeAspect="1" noChangeArrowheads="1"/>
+          </p:cNvPicPr>
+          <p:nvPr/>
+        </p:nvPicPr>
+        <p:blipFill>
+          <a:blip r:embed="rId48" cstate="print">
+            <a:extLst>
+              <a:ext uri="{28A0092B-C50C-407E-A947-70E740481C1C}">
+                <a14:useLocalDpi xmlns:a14="http://schemas.microsoft.com/office/drawing/2010/main" val="0"/>
+              </a:ext>
+            </a:extLst>
+          </a:blip>
+          <a:srcRect/>
+          <a:stretch>
+            <a:fillRect/>
+          </a:stretch>
+        </p:blipFill>
+        <p:spPr bwMode="auto">
+          <a:xfrm>
+            <a:off x="1022884" y="2080854"/>
+            <a:ext cx="171749" cy="171749"/>
+          </a:xfrm>
+          <a:prstGeom prst="rect">
+            <a:avLst/>
+          </a:prstGeom>
+          <a:noFill/>
+          <a:extLst>
+            <a:ext uri="{909E8E84-426E-40DD-AFC4-6F175D3DCCD1}">
+              <a14:hiddenFill xmlns:a14="http://schemas.microsoft.com/office/drawing/2010/main">
+                <a:solidFill>
+                  <a:srgbClr val="FFFFFF"/>
+                </a:solidFill>
+              </a14:hiddenFill>
+            </a:ext>
+          </a:extLst>
+        </p:spPr>
+      </p:pic>
+      <p:pic>
+        <p:nvPicPr>
+          <p:cNvPr id="13" name="Picture 2" descr="C:\Users\d.boyarov\Downloads\box_present_5349.png"/>
+          <p:cNvPicPr>
+            <a:picLocks noChangeAspect="1" noChangeArrowheads="1"/>
+          </p:cNvPicPr>
+          <p:nvPr/>
+        </p:nvPicPr>
+        <p:blipFill>
+          <a:blip r:embed="rId47" cstate="print">
+            <a:extLst>
+              <a:ext uri="{28A0092B-C50C-407E-A947-70E740481C1C}">
+                <a14:useLocalDpi xmlns:a14="http://schemas.microsoft.com/office/drawing/2010/main" val="0"/>
+              </a:ext>
+            </a:extLst>
+          </a:blip>
+          <a:srcRect/>
+          <a:stretch>
+            <a:fillRect/>
+          </a:stretch>
+        </p:blipFill>
+        <p:spPr bwMode="auto">
+          <a:xfrm>
+            <a:off x="1016798" y="2297259"/>
+            <a:ext cx="173527" cy="173527"/>
+          </a:xfrm>
+          <a:prstGeom prst="rect">
+            <a:avLst/>
+          </a:prstGeom>
+          <a:noFill/>
+          <a:extLst>
+            <a:ext uri="{909E8E84-426E-40DD-AFC4-6F175D3DCCD1}">
+              <a14:hiddenFill xmlns:a14="http://schemas.microsoft.com/office/drawing/2010/main">
+                <a:solidFill>
+                  <a:srgbClr val="FFFFFF"/>
+                </a:solidFill>
+              </a14:hiddenFill>
+            </a:ext>
+          </a:extLst>
+        </p:spPr>
+      </p:pic>
+      <p:pic>
+        <p:nvPicPr>
+          <p:cNvPr id="14" name="Picture 2" descr="C:\Users\t-dantay\Documents\First24\arrow1.png"/>
+          <p:cNvPicPr>
+            <a:picLocks noChangeAspect="1" noChangeArrowheads="1"/>
+          </p:cNvPicPr>
+          <p:nvPr>
+            <p:custDataLst>
+              <p:custData r:id="rId7"/>
+            </p:custDataLst>
+          </p:nvPr>
+        </p:nvPicPr>
+        <p:blipFill>
+          <a:blip r:embed="rId46" cstate="print">
+            <a:extLst>
+              <a:ext uri="{28A0092B-C50C-407E-A947-70E740481C1C}">
+                <a14:useLocalDpi xmlns:a14="http://schemas.microsoft.com/office/drawing/2010/main" val="0"/>
+              </a:ext>
+            </a:extLst>
+          </a:blip>
+          <a:srcRect/>
+          <a:stretch>
+            <a:fillRect/>
+          </a:stretch>
+        </p:blipFill>
+        <p:spPr bwMode="auto">
+          <a:xfrm rot="16200000">
+            <a:off x="762999" y="2295375"/>
+            <a:ext cx="154954" cy="154954"/>
+          </a:xfrm>
+          <a:prstGeom prst="rect">
+            <a:avLst/>
+          </a:prstGeom>
+          <a:noFill/>
+          <a:extLst>
+            <a:ext uri="{909E8E84-426E-40DD-AFC4-6F175D3DCCD1}">
+              <a14:hiddenFill xmlns:a14="http://schemas.microsoft.com/office/drawing/2010/main">
+                <a:solidFill>
+                  <a:srgbClr val="FFFFFF"/>
+                </a:solidFill>
+              </a14:hiddenFill>
+            </a:ext>
+          </a:extLst>
+        </p:spPr>
+      </p:pic>
+      <p:pic>
+        <p:nvPicPr>
+          <p:cNvPr id="15" name="Picture 2" descr="C:\Users\t-dantay\Documents\First24\arrow1.png"/>
+          <p:cNvPicPr>
+            <a:picLocks noChangeAspect="1" noChangeArrowheads="1"/>
+          </p:cNvPicPr>
+          <p:nvPr>
+            <p:custDataLst>
+              <p:custData r:id="rId8"/>
+            </p:custDataLst>
+          </p:nvPr>
+        </p:nvPicPr>
+        <p:blipFill>
+          <a:blip r:embed="rId46" cstate="print">
+            <a:extLst>
+              <a:ext uri="{28A0092B-C50C-407E-A947-70E740481C1C}">
+                <a14:useLocalDpi xmlns:a14="http://schemas.microsoft.com/office/drawing/2010/main" val="0"/>
+              </a:ext>
+            </a:extLst>
+          </a:blip>
+          <a:srcRect/>
+          <a:stretch>
+            <a:fillRect/>
+          </a:stretch>
+        </p:blipFill>
+        <p:spPr bwMode="auto">
+          <a:xfrm rot="5400000">
+            <a:off x="751704" y="2504001"/>
+            <a:ext cx="154954" cy="154954"/>
+          </a:xfrm>
+          <a:prstGeom prst="rect">
+            <a:avLst/>
+          </a:prstGeom>
+          <a:noFill/>
+          <a:extLst>
+            <a:ext uri="{909E8E84-426E-40DD-AFC4-6F175D3DCCD1}">
+              <a14:hiddenFill xmlns:a14="http://schemas.microsoft.com/office/drawing/2010/main">
+                <a:solidFill>
+                  <a:srgbClr val="FFFFFF"/>
+                </a:solidFill>
+              </a14:hiddenFill>
+            </a:ext>
+          </a:extLst>
+        </p:spPr>
+      </p:pic>
+      <p:pic>
+        <p:nvPicPr>
+          <p:cNvPr id="16" name="Picture 2" descr="C:\Users\d.boyarov\Downloads\box_present_5349.png"/>
+          <p:cNvPicPr>
+            <a:picLocks noChangeAspect="1" noChangeArrowheads="1"/>
+          </p:cNvPicPr>
+          <p:nvPr/>
+        </p:nvPicPr>
+        <p:blipFill>
+          <a:blip r:embed="rId47" cstate="print">
+            <a:extLst>
+              <a:ext uri="{28A0092B-C50C-407E-A947-70E740481C1C}">
+                <a14:useLocalDpi xmlns:a14="http://schemas.microsoft.com/office/drawing/2010/main" val="0"/>
+              </a:ext>
+            </a:extLst>
+          </a:blip>
+          <a:srcRect/>
+          <a:stretch>
+            <a:fillRect/>
+          </a:stretch>
+        </p:blipFill>
+        <p:spPr bwMode="auto">
+          <a:xfrm>
+            <a:off x="1019697" y="2490838"/>
+            <a:ext cx="173527" cy="173527"/>
+          </a:xfrm>
+          <a:prstGeom prst="rect">
+            <a:avLst/>
+          </a:prstGeom>
+          <a:noFill/>
+          <a:extLst>
+            <a:ext uri="{909E8E84-426E-40DD-AFC4-6F175D3DCCD1}">
+              <a14:hiddenFill xmlns:a14="http://schemas.microsoft.com/office/drawing/2010/main">
+                <a:solidFill>
+                  <a:srgbClr val="FFFFFF"/>
+                </a:solidFill>
+              </a14:hiddenFill>
+            </a:ext>
+          </a:extLst>
+        </p:spPr>
+      </p:pic>
+      <p:pic>
+        <p:nvPicPr>
+          <p:cNvPr id="18" name="Picture 2" descr="C:\Users\t-dantay\Documents\First24\brush1.png"/>
+          <p:cNvPicPr>
+            <a:picLocks noChangeAspect="1" noChangeArrowheads="1"/>
+          </p:cNvPicPr>
+          <p:nvPr>
+            <p:custDataLst>
+              <p:custData r:id="rId9"/>
+            </p:custDataLst>
+          </p:nvPr>
+        </p:nvPicPr>
+        <p:blipFill>
+          <a:blip r:embed="rId50" cstate="print">
+            <a:extLst>
+              <a:ext uri="{28A0092B-C50C-407E-A947-70E740481C1C}">
+                <a14:useLocalDpi xmlns:a14="http://schemas.microsoft.com/office/drawing/2010/main" val="0"/>
+              </a:ext>
+            </a:extLst>
+          </a:blip>
+          <a:srcRect/>
+          <a:stretch>
+            <a:fillRect/>
+          </a:stretch>
+        </p:blipFill>
+        <p:spPr bwMode="auto">
+          <a:xfrm>
+            <a:off x="5140832" y="1668984"/>
+            <a:ext cx="141942" cy="141942"/>
+          </a:xfrm>
+          <a:prstGeom prst="rect">
+            <a:avLst/>
+          </a:prstGeom>
+          <a:noFill/>
+          <a:extLst>
+            <a:ext uri="{909E8E84-426E-40DD-AFC4-6F175D3DCCD1}">
+              <a14:hiddenFill xmlns:a14="http://schemas.microsoft.com/office/drawing/2010/main">
+                <a:solidFill>
+                  <a:srgbClr val="FFFFFF"/>
+                </a:solidFill>
+              </a14:hiddenFill>
+            </a:ext>
+          </a:extLst>
+        </p:spPr>
+      </p:pic>
+      <p:pic>
+        <p:nvPicPr>
+          <p:cNvPr id="19" name="Picture 2" descr="C:\Users\t-dantay\Documents\Placeholders\trash.png"/>
+          <p:cNvPicPr>
+            <a:picLocks noChangeAspect="1" noChangeArrowheads="1"/>
+          </p:cNvPicPr>
+          <p:nvPr>
+            <p:custDataLst>
+              <p:custData r:id="rId10"/>
+            </p:custDataLst>
+          </p:nvPr>
+        </p:nvPicPr>
+        <p:blipFill>
+          <a:blip r:embed="rId51" cstate="print">
+            <a:extLst>
+              <a:ext uri="{28A0092B-C50C-407E-A947-70E740481C1C}">
+                <a14:useLocalDpi xmlns:a14="http://schemas.microsoft.com/office/drawing/2010/main" val="0"/>
+              </a:ext>
+            </a:extLst>
+          </a:blip>
+          <a:srcRect/>
+          <a:stretch>
+            <a:fillRect/>
+          </a:stretch>
+        </p:blipFill>
+        <p:spPr bwMode="auto">
+          <a:xfrm>
+            <a:off x="5331688" y="1668984"/>
+            <a:ext cx="136606" cy="141942"/>
+          </a:xfrm>
+          <a:prstGeom prst="rect">
+            <a:avLst/>
+          </a:prstGeom>
+          <a:noFill/>
+          <a:extLst>
+            <a:ext uri="{909E8E84-426E-40DD-AFC4-6F175D3DCCD1}">
+              <a14:hiddenFill xmlns:a14="http://schemas.microsoft.com/office/drawing/2010/main">
+                <a:solidFill>
+                  <a:srgbClr val="FFFFFF"/>
+                </a:solidFill>
+              </a14:hiddenFill>
+            </a:ext>
+          </a:extLst>
+        </p:spPr>
+      </p:pic>
+      <p:pic>
+        <p:nvPicPr>
+          <p:cNvPr id="20" name="Picture 2" descr="C:\Users\t-dantay\Documents\First24\brush1.png"/>
+          <p:cNvPicPr>
+            <a:picLocks noChangeAspect="1" noChangeArrowheads="1"/>
+          </p:cNvPicPr>
+          <p:nvPr>
+            <p:custDataLst>
+              <p:custData r:id="rId11"/>
+            </p:custDataLst>
+          </p:nvPr>
+        </p:nvPicPr>
+        <p:blipFill>
+          <a:blip r:embed="rId50" cstate="print">
+            <a:extLst>
+              <a:ext uri="{28A0092B-C50C-407E-A947-70E740481C1C}">
+                <a14:useLocalDpi xmlns:a14="http://schemas.microsoft.com/office/drawing/2010/main" val="0"/>
+              </a:ext>
+            </a:extLst>
+          </a:blip>
+          <a:srcRect/>
+          <a:stretch>
+            <a:fillRect/>
+          </a:stretch>
+        </p:blipFill>
+        <p:spPr bwMode="auto">
+          <a:xfrm>
+            <a:off x="5140832" y="1921897"/>
+            <a:ext cx="141942" cy="141942"/>
+          </a:xfrm>
+          <a:prstGeom prst="rect">
+            <a:avLst/>
+          </a:prstGeom>
+          <a:noFill/>
+          <a:extLst>
+            <a:ext uri="{909E8E84-426E-40DD-AFC4-6F175D3DCCD1}">
+              <a14:hiddenFill xmlns:a14="http://schemas.microsoft.com/office/drawing/2010/main">
+                <a:solidFill>
+                  <a:srgbClr val="FFFFFF"/>
+                </a:solidFill>
+              </a14:hiddenFill>
+            </a:ext>
+          </a:extLst>
+        </p:spPr>
+      </p:pic>
+      <p:pic>
+        <p:nvPicPr>
+          <p:cNvPr id="21" name="Picture 2" descr="C:\Users\t-dantay\Documents\Placeholders\trash.png"/>
+          <p:cNvPicPr>
+            <a:picLocks noChangeAspect="1" noChangeArrowheads="1"/>
+          </p:cNvPicPr>
+          <p:nvPr>
+            <p:custDataLst>
+              <p:custData r:id="rId12"/>
+            </p:custDataLst>
+          </p:nvPr>
+        </p:nvPicPr>
+        <p:blipFill>
+          <a:blip r:embed="rId51" cstate="print">
+            <a:extLst>
+              <a:ext uri="{28A0092B-C50C-407E-A947-70E740481C1C}">
+                <a14:useLocalDpi xmlns:a14="http://schemas.microsoft.com/office/drawing/2010/main" val="0"/>
+              </a:ext>
+            </a:extLst>
+          </a:blip>
+          <a:srcRect/>
+          <a:stretch>
+            <a:fillRect/>
+          </a:stretch>
+        </p:blipFill>
+        <p:spPr bwMode="auto">
+          <a:xfrm>
+            <a:off x="5331688" y="1921897"/>
+            <a:ext cx="136606" cy="141942"/>
+          </a:xfrm>
+          <a:prstGeom prst="rect">
+            <a:avLst/>
+          </a:prstGeom>
+          <a:noFill/>
+          <a:extLst>
+            <a:ext uri="{909E8E84-426E-40DD-AFC4-6F175D3DCCD1}">
+              <a14:hiddenFill xmlns:a14="http://schemas.microsoft.com/office/drawing/2010/main">
+                <a:solidFill>
+                  <a:srgbClr val="FFFFFF"/>
+                </a:solidFill>
+              </a14:hiddenFill>
+            </a:ext>
+          </a:extLst>
+        </p:spPr>
+      </p:pic>
+      <p:pic>
+        <p:nvPicPr>
+          <p:cNvPr id="22" name="Picture 2" descr="C:\Users\t-dantay\Documents\First24\brush1.png"/>
+          <p:cNvPicPr>
+            <a:picLocks noChangeAspect="1" noChangeArrowheads="1"/>
+          </p:cNvPicPr>
+          <p:nvPr>
+            <p:custDataLst>
+              <p:custData r:id="rId13"/>
+            </p:custDataLst>
+          </p:nvPr>
+        </p:nvPicPr>
+        <p:blipFill>
+          <a:blip r:embed="rId50" cstate="print">
+            <a:extLst>
+              <a:ext uri="{28A0092B-C50C-407E-A947-70E740481C1C}">
+                <a14:useLocalDpi xmlns:a14="http://schemas.microsoft.com/office/drawing/2010/main" val="0"/>
+              </a:ext>
+            </a:extLst>
+          </a:blip>
+          <a:srcRect/>
+          <a:stretch>
+            <a:fillRect/>
+          </a:stretch>
+        </p:blipFill>
+        <p:spPr bwMode="auto">
+          <a:xfrm>
+            <a:off x="5145863" y="2104797"/>
+            <a:ext cx="141942" cy="141942"/>
+          </a:xfrm>
+          <a:prstGeom prst="rect">
+            <a:avLst/>
+          </a:prstGeom>
+          <a:noFill/>
+          <a:extLst>
+            <a:ext uri="{909E8E84-426E-40DD-AFC4-6F175D3DCCD1}">
+              <a14:hiddenFill xmlns:a14="http://schemas.microsoft.com/office/drawing/2010/main">
+                <a:solidFill>
+                  <a:srgbClr val="FFFFFF"/>
+                </a:solidFill>
+              </a14:hiddenFill>
+            </a:ext>
+          </a:extLst>
+        </p:spPr>
+      </p:pic>
+      <p:pic>
+        <p:nvPicPr>
+          <p:cNvPr id="23" name="Picture 2" descr="C:\Users\t-dantay\Documents\Placeholders\trash.png"/>
+          <p:cNvPicPr>
+            <a:picLocks noChangeAspect="1" noChangeArrowheads="1"/>
+          </p:cNvPicPr>
+          <p:nvPr>
+            <p:custDataLst>
+              <p:custData r:id="rId14"/>
+            </p:custDataLst>
+          </p:nvPr>
+        </p:nvPicPr>
+        <p:blipFill>
+          <a:blip r:embed="rId51" cstate="print">
+            <a:extLst>
+              <a:ext uri="{28A0092B-C50C-407E-A947-70E740481C1C}">
+                <a14:useLocalDpi xmlns:a14="http://schemas.microsoft.com/office/drawing/2010/main" val="0"/>
+              </a:ext>
+            </a:extLst>
+          </a:blip>
+          <a:srcRect/>
+          <a:stretch>
+            <a:fillRect/>
+          </a:stretch>
+        </p:blipFill>
+        <p:spPr bwMode="auto">
+          <a:xfrm>
+            <a:off x="5336719" y="2104797"/>
+            <a:ext cx="136606" cy="141942"/>
+          </a:xfrm>
+          <a:prstGeom prst="rect">
+            <a:avLst/>
+          </a:prstGeom>
+          <a:noFill/>
+          <a:extLst>
+            <a:ext uri="{909E8E84-426E-40DD-AFC4-6F175D3DCCD1}">
+              <a14:hiddenFill xmlns:a14="http://schemas.microsoft.com/office/drawing/2010/main">
+                <a:solidFill>
+                  <a:srgbClr val="FFFFFF"/>
+                </a:solidFill>
+              </a14:hiddenFill>
+            </a:ext>
+          </a:extLst>
+        </p:spPr>
+      </p:pic>
+      <p:pic>
+        <p:nvPicPr>
+          <p:cNvPr id="24" name="Picture 2" descr="C:\Users\t-dantay\Documents\First24\brush1.png"/>
+          <p:cNvPicPr>
+            <a:picLocks noChangeAspect="1" noChangeArrowheads="1"/>
+          </p:cNvPicPr>
+          <p:nvPr>
+            <p:custDataLst>
+              <p:custData r:id="rId15"/>
+            </p:custDataLst>
+          </p:nvPr>
+        </p:nvPicPr>
+        <p:blipFill>
+          <a:blip r:embed="rId50" cstate="print">
+            <a:extLst>
+              <a:ext uri="{28A0092B-C50C-407E-A947-70E740481C1C}">
+                <a14:useLocalDpi xmlns:a14="http://schemas.microsoft.com/office/drawing/2010/main" val="0"/>
+              </a:ext>
+            </a:extLst>
+          </a:blip>
+          <a:srcRect/>
+          <a:stretch>
+            <a:fillRect/>
+          </a:stretch>
+        </p:blipFill>
+        <p:spPr bwMode="auto">
+          <a:xfrm>
+            <a:off x="5140832" y="2302543"/>
+            <a:ext cx="141942" cy="141942"/>
+          </a:xfrm>
+          <a:prstGeom prst="rect">
+            <a:avLst/>
+          </a:prstGeom>
+          <a:noFill/>
+          <a:extLst>
+            <a:ext uri="{909E8E84-426E-40DD-AFC4-6F175D3DCCD1}">
+              <a14:hiddenFill xmlns:a14="http://schemas.microsoft.com/office/drawing/2010/main">
+                <a:solidFill>
+                  <a:srgbClr val="FFFFFF"/>
+                </a:solidFill>
+              </a14:hiddenFill>
+            </a:ext>
+          </a:extLst>
+        </p:spPr>
+      </p:pic>
+      <p:pic>
+        <p:nvPicPr>
+          <p:cNvPr id="25" name="Picture 2" descr="C:\Users\t-dantay\Documents\Placeholders\trash.png"/>
+          <p:cNvPicPr>
+            <a:picLocks noChangeAspect="1" noChangeArrowheads="1"/>
+          </p:cNvPicPr>
+          <p:nvPr>
+            <p:custDataLst>
+              <p:custData r:id="rId16"/>
+            </p:custDataLst>
+          </p:nvPr>
+        </p:nvPicPr>
+        <p:blipFill>
+          <a:blip r:embed="rId51" cstate="print">
+            <a:extLst>
+              <a:ext uri="{28A0092B-C50C-407E-A947-70E740481C1C}">
+                <a14:useLocalDpi xmlns:a14="http://schemas.microsoft.com/office/drawing/2010/main" val="0"/>
+              </a:ext>
+            </a:extLst>
+          </a:blip>
+          <a:srcRect/>
+          <a:stretch>
+            <a:fillRect/>
+          </a:stretch>
+        </p:blipFill>
+        <p:spPr bwMode="auto">
+          <a:xfrm>
+            <a:off x="5331688" y="2302543"/>
+            <a:ext cx="136606" cy="141942"/>
+          </a:xfrm>
+          <a:prstGeom prst="rect">
+            <a:avLst/>
+          </a:prstGeom>
+          <a:noFill/>
+          <a:extLst>
+            <a:ext uri="{909E8E84-426E-40DD-AFC4-6F175D3DCCD1}">
+              <a14:hiddenFill xmlns:a14="http://schemas.microsoft.com/office/drawing/2010/main">
+                <a:solidFill>
+                  <a:srgbClr val="FFFFFF"/>
+                </a:solidFill>
+              </a14:hiddenFill>
+            </a:ext>
+          </a:extLst>
+        </p:spPr>
+      </p:pic>
+      <p:pic>
+        <p:nvPicPr>
+          <p:cNvPr id="26" name="Picture 2" descr="C:\Users\t-dantay\Documents\First24\brush1.png"/>
+          <p:cNvPicPr>
+            <a:picLocks noChangeAspect="1" noChangeArrowheads="1"/>
+          </p:cNvPicPr>
+          <p:nvPr>
+            <p:custDataLst>
+              <p:custData r:id="rId17"/>
+            </p:custDataLst>
+          </p:nvPr>
+        </p:nvPicPr>
+        <p:blipFill>
+          <a:blip r:embed="rId50" cstate="print">
+            <a:extLst>
+              <a:ext uri="{28A0092B-C50C-407E-A947-70E740481C1C}">
+                <a14:useLocalDpi xmlns:a14="http://schemas.microsoft.com/office/drawing/2010/main" val="0"/>
+              </a:ext>
+            </a:extLst>
+          </a:blip>
+          <a:srcRect/>
+          <a:stretch>
+            <a:fillRect/>
+          </a:stretch>
+        </p:blipFill>
+        <p:spPr bwMode="auto">
+          <a:xfrm>
+            <a:off x="5145863" y="2504001"/>
+            <a:ext cx="141942" cy="141942"/>
+          </a:xfrm>
+          <a:prstGeom prst="rect">
+            <a:avLst/>
+          </a:prstGeom>
+          <a:noFill/>
+          <a:extLst>
+            <a:ext uri="{909E8E84-426E-40DD-AFC4-6F175D3DCCD1}">
+              <a14:hiddenFill xmlns:a14="http://schemas.microsoft.com/office/drawing/2010/main">
+                <a:solidFill>
+                  <a:srgbClr val="FFFFFF"/>
+                </a:solidFill>
+              </a14:hiddenFill>
+            </a:ext>
+          </a:extLst>
+        </p:spPr>
+      </p:pic>
+      <p:pic>
+        <p:nvPicPr>
+          <p:cNvPr id="27" name="Picture 2" descr="C:\Users\t-dantay\Documents\Placeholders\trash.png"/>
+          <p:cNvPicPr>
+            <a:picLocks noChangeAspect="1" noChangeArrowheads="1"/>
+          </p:cNvPicPr>
+          <p:nvPr>
+            <p:custDataLst>
+              <p:custData r:id="rId18"/>
+            </p:custDataLst>
+          </p:nvPr>
+        </p:nvPicPr>
+        <p:blipFill>
+          <a:blip r:embed="rId51" cstate="print">
+            <a:extLst>
+              <a:ext uri="{28A0092B-C50C-407E-A947-70E740481C1C}">
+                <a14:useLocalDpi xmlns:a14="http://schemas.microsoft.com/office/drawing/2010/main" val="0"/>
+              </a:ext>
+            </a:extLst>
+          </a:blip>
+          <a:srcRect/>
+          <a:stretch>
+            <a:fillRect/>
+          </a:stretch>
+        </p:blipFill>
+        <p:spPr bwMode="auto">
+          <a:xfrm>
+            <a:off x="5336719" y="2504001"/>
+            <a:ext cx="136606" cy="141942"/>
+          </a:xfrm>
+          <a:prstGeom prst="rect">
+            <a:avLst/>
+          </a:prstGeom>
+          <a:noFill/>
+          <a:extLst>
+            <a:ext uri="{909E8E84-426E-40DD-AFC4-6F175D3DCCD1}">
+              <a14:hiddenFill xmlns:a14="http://schemas.microsoft.com/office/drawing/2010/main">
+                <a:solidFill>
+                  <a:srgbClr val="FFFFFF"/>
+                </a:solidFill>
+              </a14:hiddenFill>
+            </a:ext>
+          </a:extLst>
+        </p:spPr>
+      </p:pic>
+      <p:pic>
+        <p:nvPicPr>
+          <p:cNvPr id="28" name="Picture 2" descr="C:\Users\t-dantay\Documents\First24\error1.png"/>
+          <p:cNvPicPr>
+            <a:picLocks noChangeAspect="1" noChangeArrowheads="1"/>
+          </p:cNvPicPr>
+          <p:nvPr>
+            <p:custDataLst>
+              <p:custData r:id="rId19"/>
+            </p:custDataLst>
+          </p:nvPr>
+        </p:nvPicPr>
+        <p:blipFill>
+          <a:blip r:embed="rId52" cstate="print">
+            <a:extLst>
+              <a:ext uri="{28A0092B-C50C-407E-A947-70E740481C1C}">
+                <a14:useLocalDpi xmlns:a14="http://schemas.microsoft.com/office/drawing/2010/main" val="0"/>
+              </a:ext>
+            </a:extLst>
+          </a:blip>
+          <a:srcRect/>
+          <a:stretch>
+            <a:fillRect/>
+          </a:stretch>
+        </p:blipFill>
+        <p:spPr bwMode="auto">
+          <a:xfrm rot="2637729">
+            <a:off x="584231" y="1079159"/>
+            <a:ext cx="171750" cy="171750"/>
+          </a:xfrm>
+          <a:prstGeom prst="rect">
+            <a:avLst/>
+          </a:prstGeom>
+          <a:noFill/>
+          <a:extLst>
+            <a:ext uri="{909E8E84-426E-40DD-AFC4-6F175D3DCCD1}">
+              <a14:hiddenFill xmlns:a14="http://schemas.microsoft.com/office/drawing/2010/main">
+                <a:solidFill>
+                  <a:srgbClr val="FFFFFF"/>
+                </a:solidFill>
+              </a14:hiddenFill>
+            </a:ext>
+          </a:extLst>
+        </p:spPr>
+      </p:pic>
+      <p:sp>
+        <p:nvSpPr>
+          <p:cNvPr id="29" name="Content"/>
+          <p:cNvSpPr/>
+          <p:nvPr>
+            <p:custDataLst>
+              <p:custData r:id="rId20"/>
+            </p:custDataLst>
+          </p:nvPr>
+        </p:nvSpPr>
+        <p:spPr>
+          <a:xfrm>
+            <a:off x="766642" y="1055408"/>
+            <a:ext cx="600485" cy="193899"/>
+          </a:xfrm>
+          <a:prstGeom prst="rect">
+            <a:avLst/>
+          </a:prstGeom>
+          <a:solidFill>
+            <a:srgbClr val="FFFFFF">
+              <a:lumMod val="95000"/>
+            </a:srgbClr>
+          </a:solidFill>
+          <a:ln w="3175" cap="flat" cmpd="sng" algn="ctr">
+            <a:solidFill>
+              <a:srgbClr val="FFFFFF">
+                <a:lumMod val="50000"/>
+              </a:srgbClr>
+            </a:solidFill>
+            <a:prstDash val="solid"/>
+          </a:ln>
+          <a:effectLst>
+            <a:outerShdw blurRad="50800" dist="12700" dir="2700000" algn="tl" rotWithShape="0">
+              <a:prstClr val="black">
+                <a:alpha val="40000"/>
+              </a:prstClr>
+            </a:outerShdw>
+          </a:effectLst>
+        </p:spPr>
+        <p:txBody>
+          <a:bodyPr rot="0" spcFirstLastPara="0" vertOverflow="overflow" horzOverflow="overflow" vert="horz" wrap="none" lIns="45720" tIns="27432" rIns="45720" bIns="27432" numCol="1" spcCol="0" rtlCol="0" fromWordArt="0" anchor="ctr" anchorCtr="0" forceAA="0" compatLnSpc="1">
+            <a:prstTxWarp prst="textNoShape">
+              <a:avLst/>
+            </a:prstTxWarp>
+            <a:spAutoFit/>
+          </a:bodyPr>
+          <a:lstStyle/>
+          <a:p>
+            <a:pPr marL="0" marR="0" indent="0" defTabSz="914400" eaLnBrk="1" fontAlgn="auto" latinLnBrk="0" hangingPunct="1">
+              <a:lnSpc>
+                <a:spcPct val="100000"/>
+              </a:lnSpc>
+              <a:spcBef>
+                <a:spcPts val="0"/>
+              </a:spcBef>
+              <a:spcAft>
+                <a:spcPts val="0"/>
+              </a:spcAft>
+              <a:buClrTx/>
+              <a:buSzTx/>
+              <a:buFontTx/>
+              <a:buNone/>
+              <a:tabLst/>
+            </a:pPr>
+            <a:r>
+              <a:rPr kumimoji="0" lang="ru-RU" sz="900" b="0" i="0" u="none" strike="noStrike" kern="0" cap="none" spc="0" normalizeH="0" baseline="0" noProof="0" dirty="0" smtClean="0">
+                <a:ln>
+                  <a:noFill/>
+                </a:ln>
+                <a:solidFill>
+                  <a:srgbClr val="000000">
+                    <a:lumMod val="75000"/>
+                    <a:lumOff val="25000"/>
+                  </a:srgbClr>
+                </a:solidFill>
+                <a:effectLst/>
+                <a:uLnTx/>
+                <a:uFillTx/>
+                <a:latin typeface="Segoe UI"/>
+              </a:rPr>
+              <a:t>Добавить</a:t>
+            </a:r>
+            <a:endParaRPr kumimoji="0" lang="en-US" sz="900" b="0" i="0" u="none" strike="noStrike" kern="0" cap="none" spc="0" normalizeH="0" baseline="0" noProof="0" dirty="0" smtClean="0">
+              <a:ln>
+                <a:noFill/>
+              </a:ln>
+              <a:solidFill>
+                <a:srgbClr val="000000">
+                  <a:lumMod val="75000"/>
+                  <a:lumOff val="25000"/>
+                </a:srgbClr>
+              </a:solidFill>
+              <a:effectLst/>
+              <a:uLnTx/>
+              <a:uFillTx/>
+              <a:latin typeface="Segoe UI"/>
+            </a:endParaRPr>
+          </a:p>
+        </p:txBody>
+      </p:sp>
+      <p:pic>
+        <p:nvPicPr>
+          <p:cNvPr id="30" name="Picture 2" descr="C:\Users\t-dantay\Documents\First24\cursorhandpointer.png"/>
+          <p:cNvPicPr>
+            <a:picLocks noChangeAspect="1" noChangeArrowheads="1"/>
+          </p:cNvPicPr>
+          <p:nvPr>
+            <p:custDataLst>
+              <p:custData r:id="rId21"/>
+            </p:custDataLst>
+          </p:nvPr>
+        </p:nvPicPr>
+        <p:blipFill>
+          <a:blip r:embed="rId53" cstate="print">
+            <a:extLst>
+              <a:ext uri="{28A0092B-C50C-407E-A947-70E740481C1C}">
+                <a14:useLocalDpi xmlns:a14="http://schemas.microsoft.com/office/drawing/2010/main" val="0"/>
+              </a:ext>
+            </a:extLst>
+          </a:blip>
+          <a:srcRect/>
+          <a:stretch>
+            <a:fillRect/>
+          </a:stretch>
+        </p:blipFill>
+        <p:spPr bwMode="auto">
+          <a:xfrm>
+            <a:off x="686497" y="1216710"/>
+            <a:ext cx="105035" cy="139499"/>
+          </a:xfrm>
+          <a:prstGeom prst="rect">
+            <a:avLst/>
+          </a:prstGeom>
+          <a:noFill/>
+          <a:effectLst>
+            <a:glow rad="63500">
+              <a:schemeClr val="accent3">
+                <a:satMod val="175000"/>
+                <a:alpha val="40000"/>
+              </a:schemeClr>
+            </a:glow>
+          </a:effectLst>
+          <a:extLst>
+            <a:ext uri="{909E8E84-426E-40DD-AFC4-6F175D3DCCD1}">
+              <a14:hiddenFill xmlns:a14="http://schemas.microsoft.com/office/drawing/2010/main">
+                <a:solidFill>
+                  <a:srgbClr val="FFFFFF"/>
+                </a:solidFill>
+              </a14:hiddenFill>
+            </a:ext>
+          </a:extLst>
+        </p:spPr>
+      </p:pic>
+      <p:sp>
+        <p:nvSpPr>
+          <p:cNvPr id="31" name="Container"/>
+          <p:cNvSpPr/>
+          <p:nvPr/>
+        </p:nvSpPr>
+        <p:spPr>
+          <a:xfrm>
+            <a:off x="566217" y="3684702"/>
+            <a:ext cx="4086919" cy="3551594"/>
+          </a:xfrm>
+          <a:prstGeom prst="rect">
+            <a:avLst/>
+          </a:prstGeom>
+          <a:noFill/>
+          <a:ln w="3175" cap="flat" cmpd="sng" algn="ctr">
+            <a:solidFill>
+              <a:srgbClr val="FFFFFF">
+                <a:lumMod val="50000"/>
+              </a:srgbClr>
+            </a:solidFill>
+            <a:prstDash val="solid"/>
+          </a:ln>
+          <a:effectLst/>
+        </p:spPr>
+        <p:txBody>
+          <a:bodyPr rot="0" spcFirstLastPara="0" vertOverflow="overflow" horzOverflow="overflow" vert="horz" wrap="square" lIns="45720" tIns="45720" rIns="91440" bIns="45720" numCol="1" spcCol="0" rtlCol="0" fromWordArt="0" anchor="ctr" anchorCtr="0" forceAA="0" compatLnSpc="1">
+            <a:prstTxWarp prst="textNoShape">
+              <a:avLst/>
+            </a:prstTxWarp>
+            <a:noAutofit/>
+          </a:bodyPr>
+          <a:lstStyle/>
+          <a:p>
+            <a:pPr marL="0" marR="0" indent="0" algn="ctr" defTabSz="914400" eaLnBrk="1" fontAlgn="auto" latinLnBrk="0" hangingPunct="1">
+              <a:lnSpc>
+                <a:spcPct val="100000"/>
+              </a:lnSpc>
+              <a:spcBef>
+                <a:spcPts val="0"/>
+              </a:spcBef>
+              <a:spcAft>
+                <a:spcPts val="0"/>
+              </a:spcAft>
+              <a:buClrTx/>
+              <a:buSzTx/>
+              <a:buFontTx/>
+              <a:buNone/>
+              <a:tabLst/>
+            </a:pPr>
+            <a:endParaRPr kumimoji="0" lang="en-US" sz="800" b="0" i="0" u="none" strike="noStrike" kern="0" cap="none" spc="0" normalizeH="0" baseline="0" noProof="0" dirty="0" smtClean="0">
+              <a:ln>
+                <a:noFill/>
+              </a:ln>
+              <a:solidFill>
+                <a:srgbClr val="000000">
+                  <a:lumMod val="75000"/>
+                  <a:lumOff val="25000"/>
+                </a:srgbClr>
+              </a:solidFill>
+              <a:effectLst/>
+              <a:uLnTx/>
+              <a:uFillTx/>
+              <a:latin typeface="Segoe UI"/>
+              <a:ea typeface="+mn-ea"/>
+              <a:cs typeface="+mn-cs"/>
+            </a:endParaRPr>
+          </a:p>
+        </p:txBody>
+      </p:sp>
+      <p:sp>
+        <p:nvSpPr>
+          <p:cNvPr id="32" name="ActiveTab"/>
+          <p:cNvSpPr txBox="1"/>
+          <p:nvPr/>
+        </p:nvSpPr>
+        <p:spPr>
+          <a:xfrm>
+            <a:off x="601032" y="3555627"/>
+            <a:ext cx="1103818" cy="258149"/>
+          </a:xfrm>
+          <a:prstGeom prst="rect">
+            <a:avLst/>
+          </a:prstGeom>
+          <a:solidFill>
+            <a:srgbClr val="FFFFFF"/>
+          </a:solidFill>
+          <a:ln w="3175">
+            <a:noFill/>
+          </a:ln>
+        </p:spPr>
+        <p:txBody>
+          <a:bodyPr vertOverflow="ellipsis" lIns="0" tIns="18288" rIns="45720" rtlCol="0">
+            <a:noAutofit/>
+          </a:bodyPr>
+          <a:lstStyle/>
+          <a:p>
+            <a:pPr algn="ctr"/>
+            <a:r>
+              <a:rPr lang="ru-RU" sz="1200" dirty="0" smtClean="0">
+                <a:latin typeface="Segoe UI" pitchFamily="34" charset="0"/>
+                <a:ea typeface="Segoe UI" pitchFamily="34" charset="0"/>
+                <a:cs typeface="Segoe UI" pitchFamily="34" charset="0"/>
+              </a:rPr>
+              <a:t>Услуга</a:t>
+            </a:r>
+            <a:endParaRPr lang="en-US" sz="1200" dirty="0">
+              <a:latin typeface="Segoe UI" pitchFamily="34" charset="0"/>
+              <a:ea typeface="Segoe UI" pitchFamily="34" charset="0"/>
+              <a:cs typeface="Segoe UI" pitchFamily="34" charset="0"/>
+            </a:endParaRPr>
+          </a:p>
+        </p:txBody>
+      </p:sp>
+      <p:sp>
+        <p:nvSpPr>
+          <p:cNvPr id="33" name="Content"/>
+          <p:cNvSpPr txBox="1"/>
+          <p:nvPr>
+            <p:custDataLst>
+              <p:custData r:id="rId22"/>
+            </p:custDataLst>
+          </p:nvPr>
+        </p:nvSpPr>
+        <p:spPr>
+          <a:xfrm>
+            <a:off x="1364169" y="3979820"/>
+            <a:ext cx="739241" cy="230832"/>
+          </a:xfrm>
+          <a:prstGeom prst="rect">
+            <a:avLst/>
+          </a:prstGeom>
+          <a:noFill/>
+        </p:spPr>
+        <p:txBody>
+          <a:bodyPr wrap="none" lIns="91440" tIns="18288" rIns="91440" bIns="27432" rtlCol="0" anchor="ctr" anchorCtr="0">
+            <a:spAutoFit/>
+          </a:bodyPr>
+          <a:lstStyle/>
+          <a:p>
+            <a:r>
+              <a:rPr lang="ru-RU" sz="1200" dirty="0" smtClean="0">
+                <a:solidFill>
+                  <a:srgbClr val="000000"/>
+                </a:solidFill>
+                <a:latin typeface="Segoe UI" pitchFamily="34" charset="0"/>
+                <a:ea typeface="Segoe UI" pitchFamily="34" charset="0"/>
+                <a:cs typeface="Segoe UI" pitchFamily="34" charset="0"/>
+              </a:rPr>
+              <a:t>Услуга:  </a:t>
+            </a:r>
+            <a:endParaRPr lang="en-US" sz="1200" dirty="0" smtClean="0">
+              <a:solidFill>
+                <a:srgbClr val="000000"/>
+              </a:solidFill>
+              <a:latin typeface="Segoe UI" pitchFamily="34" charset="0"/>
+              <a:ea typeface="Segoe UI" pitchFamily="34" charset="0"/>
+              <a:cs typeface="Segoe UI" pitchFamily="34" charset="0"/>
+            </a:endParaRPr>
+          </a:p>
+        </p:txBody>
+      </p:sp>
+      <p:sp>
+        <p:nvSpPr>
+          <p:cNvPr id="34" name="Content"/>
+          <p:cNvSpPr/>
+          <p:nvPr>
+            <p:custDataLst>
+              <p:custData r:id="rId23"/>
+            </p:custDataLst>
+          </p:nvPr>
+        </p:nvSpPr>
+        <p:spPr>
+          <a:xfrm>
+            <a:off x="2273531" y="3982052"/>
+            <a:ext cx="2228758" cy="228600"/>
+          </a:xfrm>
+          <a:prstGeom prst="rect">
+            <a:avLst/>
+          </a:prstGeom>
+          <a:noFill/>
+          <a:ln w="3175">
+            <a:solidFill>
+              <a:srgbClr val="000000">
+                <a:lumMod val="50000"/>
+                <a:lumOff val="50000"/>
+              </a:srgbClr>
+            </a:solidFill>
+          </a:ln>
+          <a:effectLst/>
+        </p:spPr>
+        <p:style>
+          <a:lnRef idx="2">
+            <a:srgbClr val="4F81BD">
+              <a:shade val="50000"/>
+            </a:srgbClr>
+          </a:lnRef>
+          <a:fillRef idx="1">
+            <a:srgbClr val="4F81BD"/>
+          </a:fillRef>
+          <a:effectRef idx="0">
+            <a:srgbClr val="4F81BD"/>
+          </a:effectRef>
+          <a:fontRef idx="minor">
+            <a:srgbClr val="000000"/>
+          </a:fontRef>
+        </p:style>
+        <p:txBody>
+          <a:bodyPr wrap="none" lIns="45720" tIns="18288" rIns="45720" bIns="18288" rtlCol="0" anchor="ctr">
+            <a:noAutofit/>
+          </a:bodyPr>
+          <a:lstStyle/>
+          <a:p>
+            <a:r>
+              <a:rPr lang="ru-RU" sz="1200" dirty="0" smtClean="0">
+                <a:solidFill>
+                  <a:srgbClr val="000000"/>
+                </a:solidFill>
+                <a:latin typeface="Segoe UI" pitchFamily="34" charset="0"/>
+                <a:cs typeface="Segoe UI" pitchFamily="34" charset="0"/>
+              </a:rPr>
+              <a:t>Английский</a:t>
+            </a:r>
+            <a:endParaRPr lang="en-US" sz="1200" dirty="0">
+              <a:solidFill>
+                <a:srgbClr val="000000"/>
+              </a:solidFill>
+              <a:latin typeface="Segoe UI" pitchFamily="34" charset="0"/>
+              <a:cs typeface="Segoe UI" pitchFamily="34" charset="0"/>
+            </a:endParaRPr>
+          </a:p>
+        </p:txBody>
+      </p:sp>
+      <p:sp>
+        <p:nvSpPr>
+          <p:cNvPr id="35" name="Content"/>
+          <p:cNvSpPr txBox="1"/>
+          <p:nvPr>
+            <p:custDataLst>
+              <p:custData r:id="rId24"/>
+            </p:custDataLst>
+          </p:nvPr>
+        </p:nvSpPr>
+        <p:spPr>
+          <a:xfrm>
+            <a:off x="1364169" y="4615433"/>
+            <a:ext cx="1039965" cy="230832"/>
+          </a:xfrm>
+          <a:prstGeom prst="rect">
+            <a:avLst/>
+          </a:prstGeom>
+          <a:noFill/>
+        </p:spPr>
+        <p:txBody>
+          <a:bodyPr wrap="none" lIns="91440" tIns="18288" rIns="91440" bIns="27432" rtlCol="0" anchor="ctr" anchorCtr="0">
+            <a:spAutoFit/>
+          </a:bodyPr>
+          <a:lstStyle/>
+          <a:p>
+            <a:r>
+              <a:rPr lang="ru-RU" sz="1200" dirty="0" smtClean="0">
+                <a:solidFill>
+                  <a:srgbClr val="000000"/>
+                </a:solidFill>
+                <a:latin typeface="Segoe UI" pitchFamily="34" charset="0"/>
+                <a:ea typeface="Segoe UI" pitchFamily="34" charset="0"/>
+                <a:cs typeface="Segoe UI" pitchFamily="34" charset="0"/>
+              </a:rPr>
+              <a:t>Стоимость:  </a:t>
+            </a:r>
+            <a:endParaRPr lang="en-US" sz="1200" dirty="0" smtClean="0">
+              <a:solidFill>
+                <a:srgbClr val="000000"/>
+              </a:solidFill>
+              <a:latin typeface="Segoe UI" pitchFamily="34" charset="0"/>
+              <a:ea typeface="Segoe UI" pitchFamily="34" charset="0"/>
+              <a:cs typeface="Segoe UI" pitchFamily="34" charset="0"/>
+            </a:endParaRPr>
+          </a:p>
+        </p:txBody>
+      </p:sp>
+      <p:pic>
+        <p:nvPicPr>
+          <p:cNvPr id="37" name="Picture 2" descr="C:\Users\t-dantay\Documents\Placeholders\shoppingcart.png"/>
+          <p:cNvPicPr>
+            <a:picLocks noChangeAspect="1" noChangeArrowheads="1"/>
+          </p:cNvPicPr>
+          <p:nvPr>
+            <p:custDataLst>
+              <p:custData r:id="rId25"/>
+            </p:custDataLst>
+          </p:nvPr>
+        </p:nvPicPr>
+        <p:blipFill>
+          <a:blip r:embed="rId54" cstate="print">
+            <a:extLst>
+              <a:ext uri="{28A0092B-C50C-407E-A947-70E740481C1C}">
+                <a14:useLocalDpi xmlns:a14="http://schemas.microsoft.com/office/drawing/2010/main" val="0"/>
+              </a:ext>
+            </a:extLst>
+          </a:blip>
+          <a:srcRect/>
+          <a:stretch>
+            <a:fillRect/>
+          </a:stretch>
+        </p:blipFill>
+        <p:spPr bwMode="auto">
+          <a:xfrm>
+            <a:off x="782278" y="4405575"/>
+            <a:ext cx="390519" cy="335602"/>
+          </a:xfrm>
+          <a:prstGeom prst="rect">
+            <a:avLst/>
+          </a:prstGeom>
+          <a:noFill/>
+          <a:extLst>
+            <a:ext uri="{909E8E84-426E-40DD-AFC4-6F175D3DCCD1}">
+              <a14:hiddenFill xmlns:a14="http://schemas.microsoft.com/office/drawing/2010/main">
+                <a:solidFill>
+                  <a:srgbClr val="FFFFFF"/>
+                </a:solidFill>
+              </a14:hiddenFill>
+            </a:ext>
+          </a:extLst>
+        </p:spPr>
+      </p:pic>
+      <p:sp>
+        <p:nvSpPr>
+          <p:cNvPr id="38" name="Прямоугольник 37"/>
+          <p:cNvSpPr/>
+          <p:nvPr/>
+        </p:nvSpPr>
+        <p:spPr>
+          <a:xfrm>
+            <a:off x="664276" y="3978704"/>
+            <a:ext cx="692197" cy="1080120"/>
+          </a:xfrm>
+          <a:prstGeom prst="rect">
+            <a:avLst/>
+          </a:prstGeom>
+          <a:noFill/>
+          <a:ln w="9525">
+            <a:solidFill>
+              <a:schemeClr val="bg1">
+                <a:lumMod val="50000"/>
+              </a:schemeClr>
+            </a:solidFill>
+          </a:ln>
+        </p:spPr>
+        <p:style>
+          <a:lnRef idx="2">
+            <a:schemeClr val="accent1">
+              <a:shade val="50000"/>
+            </a:schemeClr>
+          </a:lnRef>
+          <a:fillRef idx="1">
+            <a:schemeClr val="accent1"/>
+          </a:fillRef>
+          <a:effectRef idx="0">
+            <a:schemeClr val="accent1"/>
+          </a:effectRef>
+          <a:fontRef idx="minor">
+            <a:schemeClr val="lt1"/>
+          </a:fontRef>
+        </p:style>
+        <p:txBody>
+          <a:bodyPr rtlCol="0" anchor="ctr"/>
+          <a:lstStyle/>
+          <a:p>
+            <a:pPr algn="ctr"/>
+            <a:endParaRPr lang="ru-RU"/>
+          </a:p>
+        </p:txBody>
+      </p:sp>
+      <p:sp>
+        <p:nvSpPr>
+          <p:cNvPr id="39" name="Content"/>
+          <p:cNvSpPr txBox="1"/>
+          <p:nvPr>
+            <p:custDataLst>
+              <p:custData r:id="rId26"/>
+            </p:custDataLst>
+          </p:nvPr>
+        </p:nvSpPr>
+        <p:spPr>
+          <a:xfrm>
+            <a:off x="1364169" y="4283968"/>
+            <a:ext cx="1012713" cy="230832"/>
+          </a:xfrm>
+          <a:prstGeom prst="rect">
+            <a:avLst/>
+          </a:prstGeom>
+          <a:noFill/>
+        </p:spPr>
+        <p:txBody>
+          <a:bodyPr wrap="none" lIns="91440" tIns="18288" rIns="91440" bIns="27432" rtlCol="0" anchor="ctr" anchorCtr="0">
+            <a:spAutoFit/>
+          </a:bodyPr>
+          <a:lstStyle/>
+          <a:p>
+            <a:r>
+              <a:rPr lang="ru-RU" sz="1200" dirty="0" smtClean="0">
+                <a:solidFill>
+                  <a:srgbClr val="000000"/>
+                </a:solidFill>
+                <a:latin typeface="Segoe UI" pitchFamily="34" charset="0"/>
+                <a:ea typeface="Segoe UI" pitchFamily="34" charset="0"/>
+                <a:cs typeface="Segoe UI" pitchFamily="34" charset="0"/>
+              </a:rPr>
+              <a:t>Категория:  </a:t>
+            </a:r>
+            <a:endParaRPr lang="en-US" sz="1200" dirty="0" smtClean="0">
+              <a:solidFill>
+                <a:srgbClr val="000000"/>
+              </a:solidFill>
+              <a:latin typeface="Segoe UI" pitchFamily="34" charset="0"/>
+              <a:ea typeface="Segoe UI" pitchFamily="34" charset="0"/>
+              <a:cs typeface="Segoe UI" pitchFamily="34" charset="0"/>
+            </a:endParaRPr>
+          </a:p>
+        </p:txBody>
+      </p:sp>
+      <p:sp>
+        <p:nvSpPr>
+          <p:cNvPr id="41" name="Content"/>
+          <p:cNvSpPr txBox="1"/>
+          <p:nvPr>
+            <p:custDataLst>
+              <p:custData r:id="rId27"/>
+            </p:custDataLst>
+          </p:nvPr>
+        </p:nvSpPr>
+        <p:spPr>
+          <a:xfrm>
+            <a:off x="1371000" y="4960615"/>
+            <a:ext cx="960519" cy="230832"/>
+          </a:xfrm>
+          <a:prstGeom prst="rect">
+            <a:avLst/>
+          </a:prstGeom>
+          <a:noFill/>
+        </p:spPr>
+        <p:txBody>
+          <a:bodyPr wrap="none" lIns="91440" tIns="18288" rIns="91440" bIns="27432" rtlCol="0" anchor="ctr" anchorCtr="0">
+            <a:spAutoFit/>
+          </a:bodyPr>
+          <a:lstStyle/>
+          <a:p>
+            <a:r>
+              <a:rPr lang="ru-RU" sz="1200" dirty="0" smtClean="0">
+                <a:solidFill>
+                  <a:srgbClr val="000000"/>
+                </a:solidFill>
+                <a:latin typeface="Segoe UI" pitchFamily="34" charset="0"/>
+                <a:ea typeface="Segoe UI" pitchFamily="34" charset="0"/>
+                <a:cs typeface="Segoe UI" pitchFamily="34" charset="0"/>
+              </a:rPr>
+              <a:t>Описание: </a:t>
+            </a:r>
+            <a:endParaRPr lang="en-US" sz="1200" dirty="0" smtClean="0">
+              <a:solidFill>
+                <a:srgbClr val="000000"/>
+              </a:solidFill>
+              <a:latin typeface="Segoe UI" pitchFamily="34" charset="0"/>
+              <a:ea typeface="Segoe UI" pitchFamily="34" charset="0"/>
+              <a:cs typeface="Segoe UI" pitchFamily="34" charset="0"/>
+            </a:endParaRPr>
+          </a:p>
+        </p:txBody>
+      </p:sp>
+      <p:sp>
+        <p:nvSpPr>
+          <p:cNvPr id="42" name="Content"/>
+          <p:cNvSpPr/>
+          <p:nvPr>
+            <p:custDataLst>
+              <p:custData r:id="rId28"/>
+            </p:custDataLst>
+          </p:nvPr>
+        </p:nvSpPr>
+        <p:spPr>
+          <a:xfrm>
+            <a:off x="2280362" y="4962847"/>
+            <a:ext cx="2228758" cy="669042"/>
+          </a:xfrm>
+          <a:prstGeom prst="rect">
+            <a:avLst/>
+          </a:prstGeom>
+          <a:noFill/>
+          <a:ln w="3175">
+            <a:solidFill>
+              <a:srgbClr val="000000">
+                <a:lumMod val="50000"/>
+                <a:lumOff val="50000"/>
+              </a:srgbClr>
+            </a:solidFill>
+          </a:ln>
+          <a:effectLst/>
+        </p:spPr>
+        <p:style>
+          <a:lnRef idx="2">
+            <a:srgbClr val="4F81BD">
+              <a:shade val="50000"/>
+            </a:srgbClr>
+          </a:lnRef>
+          <a:fillRef idx="1">
+            <a:srgbClr val="4F81BD"/>
+          </a:fillRef>
+          <a:effectRef idx="0">
+            <a:srgbClr val="4F81BD"/>
+          </a:effectRef>
+          <a:fontRef idx="minor">
+            <a:srgbClr val="000000"/>
+          </a:fontRef>
+        </p:style>
+        <p:txBody>
+          <a:bodyPr wrap="none" lIns="45720" tIns="18288" rIns="45720" bIns="18288" rtlCol="0" anchor="t">
+            <a:noAutofit/>
+          </a:bodyPr>
+          <a:lstStyle/>
+          <a:p>
+            <a:r>
+              <a:rPr lang="ru-RU" sz="1200" dirty="0" smtClean="0">
+                <a:solidFill>
+                  <a:srgbClr val="000000"/>
+                </a:solidFill>
+                <a:latin typeface="Segoe UI" pitchFamily="34" charset="0"/>
+                <a:cs typeface="Segoe UI" pitchFamily="34" charset="0"/>
+              </a:rPr>
+              <a:t>Английский для всех! </a:t>
+            </a:r>
+          </a:p>
+          <a:p>
+            <a:r>
+              <a:rPr lang="ru-RU" sz="1200" dirty="0" smtClean="0">
+                <a:solidFill>
+                  <a:srgbClr val="000000"/>
+                </a:solidFill>
+                <a:latin typeface="Segoe UI" pitchFamily="34" charset="0"/>
+                <a:cs typeface="Segoe UI" pitchFamily="34" charset="0"/>
+              </a:rPr>
+              <a:t>Опыт преподавания </a:t>
+            </a:r>
+          </a:p>
+          <a:p>
+            <a:r>
+              <a:rPr lang="ru-RU" sz="1200" dirty="0" smtClean="0">
+                <a:solidFill>
+                  <a:srgbClr val="000000"/>
+                </a:solidFill>
+                <a:latin typeface="Segoe UI" pitchFamily="34" charset="0"/>
+                <a:cs typeface="Segoe UI" pitchFamily="34" charset="0"/>
+              </a:rPr>
+              <a:t>2 года! </a:t>
+            </a:r>
+            <a:endParaRPr lang="en-US" sz="1200" dirty="0">
+              <a:solidFill>
+                <a:srgbClr val="000000"/>
+              </a:solidFill>
+              <a:latin typeface="Segoe UI" pitchFamily="34" charset="0"/>
+              <a:cs typeface="Segoe UI" pitchFamily="34" charset="0"/>
+            </a:endParaRPr>
+          </a:p>
+        </p:txBody>
+      </p:sp>
+      <p:grpSp>
+        <p:nvGrpSpPr>
+          <p:cNvPr id="43" name="NumericStepper"/>
+          <p:cNvGrpSpPr/>
+          <p:nvPr>
+            <p:custDataLst>
+              <p:custData r:id="rId29"/>
+            </p:custDataLst>
+          </p:nvPr>
+        </p:nvGrpSpPr>
+        <p:grpSpPr>
+          <a:xfrm>
+            <a:off x="2273529" y="4626877"/>
+            <a:ext cx="2238209" cy="228600"/>
+            <a:chOff x="4199980" y="3330449"/>
+            <a:chExt cx="649156" cy="228600"/>
+          </a:xfrm>
+        </p:grpSpPr>
+        <p:sp>
+          <p:nvSpPr>
+            <p:cNvPr id="44" name="Content"/>
+            <p:cNvSpPr>
+              <a:spLocks/>
+            </p:cNvSpPr>
+            <p:nvPr/>
+          </p:nvSpPr>
+          <p:spPr>
+            <a:xfrm>
+              <a:off x="4199980" y="3330449"/>
+              <a:ext cx="649156" cy="228600"/>
+            </a:xfrm>
+            <a:prstGeom prst="rect">
+              <a:avLst/>
+            </a:prstGeom>
+            <a:solidFill>
+              <a:srgbClr val="FFFFFF"/>
+            </a:solidFill>
+            <a:ln w="3175">
+              <a:solidFill>
+                <a:srgbClr val="FFFFFF">
+                  <a:lumMod val="50000"/>
+                </a:srgbClr>
+              </a:solidFill>
+            </a:ln>
+          </p:spPr>
+          <p:style>
+            <a:lnRef idx="2">
+              <a:srgbClr val="4F81BD">
+                <a:shade val="50000"/>
+              </a:srgbClr>
+            </a:lnRef>
+            <a:fillRef idx="1">
+              <a:srgbClr val="4F81BD"/>
+            </a:fillRef>
+            <a:effectRef idx="0">
+              <a:srgbClr val="4F81BD"/>
+            </a:effectRef>
+            <a:fontRef idx="minor">
+              <a:srgbClr val="000000"/>
+            </a:fontRef>
+          </p:style>
+          <p:txBody>
+            <a:bodyPr lIns="45720" rIns="182880" rtlCol="0" anchor="ctr"/>
+            <a:lstStyle/>
+            <a:p>
+              <a:r>
+                <a:rPr lang="ru-RU" sz="1200" dirty="0" smtClean="0">
+                  <a:solidFill>
+                    <a:srgbClr val="000000"/>
+                  </a:solidFill>
+                  <a:latin typeface="Segoe UI" pitchFamily="34" charset="0"/>
+                  <a:ea typeface="Segoe UI" pitchFamily="34" charset="0"/>
+                  <a:cs typeface="Segoe UI" pitchFamily="34" charset="0"/>
+                </a:rPr>
+                <a:t>100</a:t>
+              </a:r>
+              <a:endParaRPr lang="en-US" sz="1200" dirty="0">
+                <a:solidFill>
+                  <a:srgbClr val="000000"/>
+                </a:solidFill>
+                <a:latin typeface="Segoe UI" pitchFamily="34" charset="0"/>
+                <a:ea typeface="Segoe UI" pitchFamily="34" charset="0"/>
+                <a:cs typeface="Segoe UI" pitchFamily="34" charset="0"/>
+              </a:endParaRPr>
+            </a:p>
+          </p:txBody>
+        </p:sp>
+        <p:sp>
+          <p:nvSpPr>
+            <p:cNvPr id="45" name="DownBox"/>
+            <p:cNvSpPr>
+              <a:spLocks noChangeAspect="1"/>
+            </p:cNvSpPr>
+            <p:nvPr/>
+          </p:nvSpPr>
+          <p:spPr>
+            <a:xfrm>
+              <a:off x="4801399" y="3444749"/>
+              <a:ext cx="47737" cy="114300"/>
+            </a:xfrm>
+            <a:prstGeom prst="rect">
+              <a:avLst/>
+            </a:prstGeom>
+            <a:solidFill>
+              <a:srgbClr val="FFFFFF">
+                <a:lumMod val="95000"/>
+              </a:srgbClr>
+            </a:solidFill>
+            <a:ln w="3175">
+              <a:solidFill>
+                <a:srgbClr val="000000">
+                  <a:lumMod val="50000"/>
+                  <a:lumOff val="50000"/>
+                </a:srgbClr>
+              </a:solidFill>
+            </a:ln>
+            <a:effectLst/>
+          </p:spPr>
+          <p:style>
+            <a:lnRef idx="2">
+              <a:srgbClr val="4F81BD">
+                <a:shade val="50000"/>
+              </a:srgbClr>
+            </a:lnRef>
+            <a:fillRef idx="1">
+              <a:srgbClr val="4F81BD"/>
+            </a:fillRef>
+            <a:effectRef idx="0">
+              <a:srgbClr val="4F81BD"/>
+            </a:effectRef>
+            <a:fontRef idx="minor">
+              <a:srgbClr val="000000"/>
+            </a:fontRef>
+          </p:style>
+          <p:txBody>
+            <a:bodyPr lIns="91440" tIns="48766" rIns="91440" bIns="48766" rtlCol="0" anchor="ctr"/>
+            <a:lstStyle/>
+            <a:p>
+              <a:pPr algn="ctr"/>
+              <a:endParaRPr lang="en-US" sz="1200" dirty="0">
+                <a:latin typeface="Segoe UI" pitchFamily="34" charset="0"/>
+                <a:ea typeface="Segoe UI" pitchFamily="34" charset="0"/>
+                <a:cs typeface="Segoe UI" pitchFamily="34" charset="0"/>
+              </a:endParaRPr>
+            </a:p>
+          </p:txBody>
+        </p:sp>
+        <p:sp>
+          <p:nvSpPr>
+            <p:cNvPr id="46" name="DownArrow"/>
+            <p:cNvSpPr>
+              <a:spLocks/>
+            </p:cNvSpPr>
+            <p:nvPr/>
+          </p:nvSpPr>
+          <p:spPr>
+            <a:xfrm rot="10800000">
+              <a:off x="4813479" y="3476120"/>
+              <a:ext cx="23581" cy="42414"/>
+            </a:xfrm>
+            <a:prstGeom prst="triangle">
+              <a:avLst/>
+            </a:prstGeom>
+            <a:solidFill>
+              <a:srgbClr val="FFFFFF">
+                <a:lumMod val="75000"/>
+              </a:srgbClr>
+            </a:solidFill>
+            <a:ln>
+              <a:noFill/>
+            </a:ln>
+          </p:spPr>
+          <p:style>
+            <a:lnRef idx="2">
+              <a:srgbClr val="4F81BD">
+                <a:shade val="50000"/>
+              </a:srgbClr>
+            </a:lnRef>
+            <a:fillRef idx="1">
+              <a:srgbClr val="4F81BD"/>
+            </a:fillRef>
+            <a:effectRef idx="0">
+              <a:srgbClr val="4F81BD"/>
+            </a:effectRef>
+            <a:fontRef idx="minor">
+              <a:srgbClr val="000000"/>
+            </a:fontRef>
+          </p:style>
+          <p:txBody>
+            <a:bodyPr rtlCol="0" anchor="ctr"/>
+            <a:lstStyle/>
+            <a:p>
+              <a:pPr algn="ctr"/>
+              <a:endParaRPr lang="en-US" sz="1200" dirty="0">
+                <a:latin typeface="Segoe UI" pitchFamily="34" charset="0"/>
+                <a:ea typeface="Segoe UI" pitchFamily="34" charset="0"/>
+                <a:cs typeface="Segoe UI" pitchFamily="34" charset="0"/>
+              </a:endParaRPr>
+            </a:p>
+          </p:txBody>
+        </p:sp>
+        <p:sp>
+          <p:nvSpPr>
+            <p:cNvPr id="47" name="UpBox"/>
+            <p:cNvSpPr>
+              <a:spLocks noChangeAspect="1"/>
+            </p:cNvSpPr>
+            <p:nvPr/>
+          </p:nvSpPr>
+          <p:spPr>
+            <a:xfrm>
+              <a:off x="4801401" y="3330449"/>
+              <a:ext cx="47735" cy="114300"/>
+            </a:xfrm>
+            <a:prstGeom prst="rect">
+              <a:avLst/>
+            </a:prstGeom>
+            <a:solidFill>
+              <a:srgbClr val="FFFFFF">
+                <a:lumMod val="95000"/>
+              </a:srgbClr>
+            </a:solidFill>
+            <a:ln w="3175">
+              <a:solidFill>
+                <a:srgbClr val="000000">
+                  <a:lumMod val="50000"/>
+                  <a:lumOff val="50000"/>
+                </a:srgbClr>
+              </a:solidFill>
+            </a:ln>
+            <a:effectLst/>
+          </p:spPr>
+          <p:style>
+            <a:lnRef idx="2">
+              <a:srgbClr val="4F81BD">
+                <a:shade val="50000"/>
+              </a:srgbClr>
+            </a:lnRef>
+            <a:fillRef idx="1">
+              <a:srgbClr val="4F81BD"/>
+            </a:fillRef>
+            <a:effectRef idx="0">
+              <a:srgbClr val="4F81BD"/>
+            </a:effectRef>
+            <a:fontRef idx="minor">
+              <a:srgbClr val="000000"/>
+            </a:fontRef>
+          </p:style>
+          <p:txBody>
+            <a:bodyPr lIns="91440" tIns="48766" rIns="91440" bIns="48766" rtlCol="0" anchor="ctr"/>
+            <a:lstStyle/>
+            <a:p>
+              <a:pPr algn="ctr"/>
+              <a:endParaRPr lang="en-US" sz="1200" dirty="0">
+                <a:latin typeface="Segoe UI" pitchFamily="34" charset="0"/>
+                <a:ea typeface="Segoe UI" pitchFamily="34" charset="0"/>
+                <a:cs typeface="Segoe UI" pitchFamily="34" charset="0"/>
+              </a:endParaRPr>
+            </a:p>
+          </p:txBody>
+        </p:sp>
+        <p:sp>
+          <p:nvSpPr>
+            <p:cNvPr id="48" name="UpArrow"/>
+            <p:cNvSpPr>
+              <a:spLocks/>
+            </p:cNvSpPr>
+            <p:nvPr/>
+          </p:nvSpPr>
+          <p:spPr>
+            <a:xfrm>
+              <a:off x="4813477" y="3366392"/>
+              <a:ext cx="23581" cy="42414"/>
+            </a:xfrm>
+            <a:prstGeom prst="triangle">
+              <a:avLst/>
+            </a:prstGeom>
+            <a:solidFill>
+              <a:srgbClr val="FFFFFF">
+                <a:lumMod val="75000"/>
+              </a:srgbClr>
+            </a:solidFill>
+            <a:ln>
+              <a:noFill/>
+            </a:ln>
+          </p:spPr>
+          <p:style>
+            <a:lnRef idx="2">
+              <a:srgbClr val="4F81BD">
+                <a:shade val="50000"/>
+              </a:srgbClr>
+            </a:lnRef>
+            <a:fillRef idx="1">
+              <a:srgbClr val="4F81BD"/>
+            </a:fillRef>
+            <a:effectRef idx="0">
+              <a:srgbClr val="4F81BD"/>
+            </a:effectRef>
+            <a:fontRef idx="minor">
+              <a:srgbClr val="000000"/>
+            </a:fontRef>
+          </p:style>
+          <p:txBody>
+            <a:bodyPr rtlCol="0" anchor="ctr"/>
+            <a:lstStyle/>
+            <a:p>
+              <a:pPr algn="ctr"/>
+              <a:endParaRPr lang="en-US" sz="1200" dirty="0">
+                <a:latin typeface="Segoe UI" pitchFamily="34" charset="0"/>
+                <a:ea typeface="Segoe UI" pitchFamily="34" charset="0"/>
+                <a:cs typeface="Segoe UI" pitchFamily="34" charset="0"/>
+              </a:endParaRPr>
+            </a:p>
+          </p:txBody>
+        </p:sp>
+      </p:grpSp>
+      <p:grpSp>
+        <p:nvGrpSpPr>
+          <p:cNvPr id="49" name="DropdownBox"/>
+          <p:cNvGrpSpPr/>
+          <p:nvPr>
+            <p:custDataLst>
+              <p:custData r:id="rId30"/>
+            </p:custDataLst>
+          </p:nvPr>
+        </p:nvGrpSpPr>
+        <p:grpSpPr>
+          <a:xfrm>
+            <a:off x="2273529" y="4302358"/>
+            <a:ext cx="2228760" cy="228600"/>
+            <a:chOff x="4016824" y="3329200"/>
+            <a:chExt cx="1097652" cy="228600"/>
+          </a:xfrm>
+        </p:grpSpPr>
+        <p:sp>
+          <p:nvSpPr>
+            <p:cNvPr id="50" name="Content"/>
+            <p:cNvSpPr/>
+            <p:nvPr/>
+          </p:nvSpPr>
+          <p:spPr>
+            <a:xfrm>
+              <a:off x="4016824" y="3329200"/>
+              <a:ext cx="1097652" cy="228600"/>
+            </a:xfrm>
+            <a:prstGeom prst="rect">
+              <a:avLst/>
+            </a:prstGeom>
+            <a:solidFill>
+              <a:srgbClr val="FFFFFF"/>
+            </a:solidFill>
+            <a:ln w="3175">
+              <a:solidFill>
+                <a:srgbClr val="FFFFFF">
+                  <a:lumMod val="50000"/>
+                </a:srgbClr>
+              </a:solidFill>
+            </a:ln>
+          </p:spPr>
+          <p:style>
+            <a:lnRef idx="2">
+              <a:srgbClr val="4F81BD">
+                <a:shade val="50000"/>
+              </a:srgbClr>
+            </a:lnRef>
+            <a:fillRef idx="1">
+              <a:srgbClr val="4F81BD"/>
+            </a:fillRef>
+            <a:effectRef idx="0">
+              <a:srgbClr val="4F81BD"/>
+            </a:effectRef>
+            <a:fontRef idx="minor">
+              <a:srgbClr val="000000"/>
+            </a:fontRef>
+          </p:style>
+          <p:txBody>
+            <a:bodyPr lIns="45720" rIns="45720" rtlCol="0" anchor="ctr"/>
+            <a:lstStyle/>
+            <a:p>
+              <a:r>
+                <a:rPr lang="ru-RU" sz="1200" dirty="0" smtClean="0">
+                  <a:latin typeface="Segoe UI" pitchFamily="34" charset="0"/>
+                  <a:ea typeface="Segoe UI" pitchFamily="34" charset="0"/>
+                  <a:cs typeface="Segoe UI" pitchFamily="34" charset="0"/>
+                </a:rPr>
+                <a:t>Музыка </a:t>
+              </a:r>
+              <a:endParaRPr lang="en-US" sz="1200" dirty="0">
+                <a:solidFill>
+                  <a:srgbClr val="000000"/>
+                </a:solidFill>
+                <a:latin typeface="Segoe UI" pitchFamily="34" charset="0"/>
+                <a:ea typeface="Segoe UI" pitchFamily="34" charset="0"/>
+                <a:cs typeface="Segoe UI" pitchFamily="34" charset="0"/>
+              </a:endParaRPr>
+            </a:p>
+          </p:txBody>
+        </p:sp>
+        <p:sp>
+          <p:nvSpPr>
+            <p:cNvPr id="51" name="DownArrow"/>
+            <p:cNvSpPr>
+              <a:spLocks noChangeAspect="1"/>
+            </p:cNvSpPr>
+            <p:nvPr/>
+          </p:nvSpPr>
+          <p:spPr>
+            <a:xfrm rot="10800000">
+              <a:off x="5054014" y="3430199"/>
+              <a:ext cx="40043" cy="48767"/>
+            </a:xfrm>
+            <a:prstGeom prst="triangle">
+              <a:avLst/>
+            </a:prstGeom>
+            <a:solidFill>
+              <a:srgbClr val="FFFFFF">
+                <a:lumMod val="75000"/>
+              </a:srgbClr>
+            </a:solidFill>
+            <a:ln>
+              <a:noFill/>
+            </a:ln>
+          </p:spPr>
+          <p:style>
+            <a:lnRef idx="2">
+              <a:srgbClr val="4F81BD">
+                <a:shade val="50000"/>
+              </a:srgbClr>
+            </a:lnRef>
+            <a:fillRef idx="1">
+              <a:srgbClr val="4F81BD"/>
+            </a:fillRef>
+            <a:effectRef idx="0">
+              <a:srgbClr val="4F81BD"/>
+            </a:effectRef>
+            <a:fontRef idx="minor">
+              <a:srgbClr val="000000"/>
+            </a:fontRef>
+          </p:style>
+          <p:txBody>
+            <a:bodyPr wrap="square" rtlCol="0" anchor="ctr"/>
+            <a:lstStyle/>
+            <a:p>
+              <a:pPr algn="ctr"/>
+              <a:endParaRPr lang="en-US" sz="2400" dirty="0"/>
+            </a:p>
+          </p:txBody>
+        </p:sp>
+      </p:grpSp>
+      <p:grpSp>
+        <p:nvGrpSpPr>
+          <p:cNvPr id="55" name="CheckBoxChecked"/>
+          <p:cNvGrpSpPr/>
+          <p:nvPr>
+            <p:custDataLst>
+              <p:custData r:id="rId31"/>
+            </p:custDataLst>
+          </p:nvPr>
+        </p:nvGrpSpPr>
+        <p:grpSpPr>
+          <a:xfrm>
+            <a:off x="1453094" y="5735964"/>
+            <a:ext cx="1468309" cy="230832"/>
+            <a:chOff x="4317072" y="3312427"/>
+            <a:chExt cx="1468309" cy="230832"/>
+          </a:xfrm>
+        </p:grpSpPr>
+        <p:grpSp>
+          <p:nvGrpSpPr>
+            <p:cNvPr id="56" name="Group 2"/>
+            <p:cNvGrpSpPr/>
+            <p:nvPr/>
+          </p:nvGrpSpPr>
+          <p:grpSpPr>
+            <a:xfrm>
+              <a:off x="4354476" y="3312427"/>
+              <a:ext cx="1430905" cy="230832"/>
+              <a:chOff x="5179843" y="2087451"/>
+              <a:chExt cx="1341039" cy="216403"/>
+            </a:xfrm>
+          </p:grpSpPr>
+          <p:sp>
+            <p:nvSpPr>
+              <p:cNvPr id="58" name="Content"/>
+              <p:cNvSpPr txBox="1"/>
+              <p:nvPr/>
+            </p:nvSpPr>
+            <p:spPr>
+              <a:xfrm>
+                <a:off x="5179843" y="2087451"/>
+                <a:ext cx="1341039" cy="216403"/>
+              </a:xfrm>
+              <a:prstGeom prst="rect">
+                <a:avLst/>
+              </a:prstGeom>
+              <a:noFill/>
+            </p:spPr>
+            <p:txBody>
+              <a:bodyPr wrap="none" lIns="164592" tIns="18288" rIns="45720" bIns="27432" rtlCol="0" anchor="ctr" anchorCtr="0">
+                <a:spAutoFit/>
+              </a:bodyPr>
+              <a:lstStyle/>
+              <a:p>
+                <a:r>
+                  <a:rPr lang="ru-RU" sz="1200" dirty="0" smtClean="0">
+                    <a:latin typeface="Segoe UI" pitchFamily="34" charset="0"/>
+                    <a:ea typeface="Segoe UI" pitchFamily="34" charset="0"/>
+                    <a:cs typeface="Segoe UI" pitchFamily="34" charset="0"/>
+                  </a:rPr>
+                  <a:t>Возможен обмен</a:t>
+                </a:r>
+                <a:endParaRPr lang="en-US" sz="1200" dirty="0" smtClean="0">
+                  <a:latin typeface="Segoe UI" pitchFamily="34" charset="0"/>
+                  <a:ea typeface="Segoe UI" pitchFamily="34" charset="0"/>
+                  <a:cs typeface="Segoe UI" pitchFamily="34" charset="0"/>
+                </a:endParaRPr>
+              </a:p>
+            </p:txBody>
+          </p:sp>
+          <p:sp>
+            <p:nvSpPr>
+              <p:cNvPr id="59" name="CheckBox"/>
+              <p:cNvSpPr/>
+              <p:nvPr/>
+            </p:nvSpPr>
+            <p:spPr>
+              <a:xfrm>
+                <a:off x="5179843" y="2150902"/>
+                <a:ext cx="100012" cy="97631"/>
+              </a:xfrm>
+              <a:prstGeom prst="rect">
+                <a:avLst/>
+              </a:prstGeom>
+              <a:solidFill>
+                <a:srgbClr val="FFFFFF"/>
+              </a:solidFill>
+              <a:ln w="3175">
+                <a:solidFill>
+                  <a:srgbClr val="FFFFFF">
+                    <a:lumMod val="65000"/>
+                  </a:srgbClr>
+                </a:solidFill>
+              </a:ln>
+              <a:effectLst>
+                <a:innerShdw blurRad="63500">
+                  <a:prstClr val="black">
+                    <a:alpha val="17000"/>
+                  </a:prstClr>
+                </a:innerShdw>
+              </a:effectLst>
+            </p:spPr>
+            <p:style>
+              <a:lnRef idx="2">
+                <a:srgbClr val="4F81BD">
+                  <a:shade val="50000"/>
+                </a:srgbClr>
+              </a:lnRef>
+              <a:fillRef idx="1">
+                <a:srgbClr val="4F81BD"/>
+              </a:fillRef>
+              <a:effectRef idx="0">
+                <a:srgbClr val="4F81BD"/>
+              </a:effectRef>
+              <a:fontRef idx="minor">
+                <a:srgbClr val="000000"/>
+              </a:fontRef>
+            </p:style>
+            <p:txBody>
+              <a:bodyPr rtlCol="0" anchor="ctr"/>
+              <a:lstStyle/>
+              <a:p>
+                <a:pPr algn="ctr"/>
+                <a:endParaRPr lang="en-US" dirty="0"/>
+              </a:p>
+            </p:txBody>
+          </p:sp>
+        </p:grpSp>
+        <p:pic>
+          <p:nvPicPr>
+            <p:cNvPr id="57" name="Check" descr="C:\Users\t-dantay\Documents\WPIcons\appbar.check.rest.png"/>
+            <p:cNvPicPr>
+              <a:picLocks noChangeAspect="1" noChangeArrowheads="1"/>
+            </p:cNvPicPr>
+            <p:nvPr/>
+          </p:nvPicPr>
+          <p:blipFill>
+            <a:blip r:embed="rId55" cstate="print">
+              <a:extLst>
+                <a:ext uri="{28A0092B-C50C-407E-A947-70E740481C1C}">
+                  <a14:useLocalDpi xmlns:a14="http://schemas.microsoft.com/office/drawing/2010/main" val="0"/>
+                </a:ext>
+              </a:extLst>
+            </a:blip>
+            <a:srcRect/>
+            <a:stretch>
+              <a:fillRect/>
+            </a:stretch>
+          </p:blipFill>
+          <p:spPr bwMode="auto">
+            <a:xfrm>
+              <a:off x="4317072" y="3344359"/>
+              <a:ext cx="182880" cy="182880"/>
+            </a:xfrm>
+            <a:prstGeom prst="rect">
+              <a:avLst/>
+            </a:prstGeom>
+            <a:noFill/>
+            <a:extLst>
+              <a:ext uri="{909E8E84-426E-40DD-AFC4-6F175D3DCCD1}">
+                <a14:hiddenFill xmlns:a14="http://schemas.microsoft.com/office/drawing/2010/main">
+                  <a:solidFill>
+                    <a:srgbClr val="FFFFFF"/>
+                  </a:solidFill>
+                </a14:hiddenFill>
+              </a:ext>
+            </a:extLst>
+          </p:spPr>
+        </p:pic>
+      </p:grpSp>
+      <p:sp>
+        <p:nvSpPr>
+          <p:cNvPr id="60" name="Content"/>
+          <p:cNvSpPr txBox="1"/>
+          <p:nvPr>
+            <p:custDataLst>
+              <p:custData r:id="rId32"/>
+            </p:custDataLst>
+          </p:nvPr>
+        </p:nvSpPr>
+        <p:spPr>
+          <a:xfrm>
+            <a:off x="1413376" y="6084168"/>
+            <a:ext cx="918841" cy="230832"/>
+          </a:xfrm>
+          <a:prstGeom prst="rect">
+            <a:avLst/>
+          </a:prstGeom>
+          <a:noFill/>
+        </p:spPr>
+        <p:txBody>
+          <a:bodyPr wrap="none" lIns="91440" tIns="18288" rIns="91440" bIns="27432" rtlCol="0" anchor="ctr" anchorCtr="0">
+            <a:spAutoFit/>
+          </a:bodyPr>
+          <a:lstStyle/>
+          <a:p>
+            <a:r>
+              <a:rPr lang="ru-RU" sz="1200" dirty="0" smtClean="0">
+                <a:solidFill>
+                  <a:srgbClr val="000000"/>
+                </a:solidFill>
+                <a:latin typeface="Segoe UI" pitchFamily="34" charset="0"/>
+                <a:ea typeface="Segoe UI" pitchFamily="34" charset="0"/>
+                <a:cs typeface="Segoe UI" pitchFamily="34" charset="0"/>
+              </a:rPr>
+              <a:t>Описание:</a:t>
+            </a:r>
+            <a:endParaRPr lang="en-US" sz="1200" dirty="0" smtClean="0">
+              <a:solidFill>
+                <a:srgbClr val="000000"/>
+              </a:solidFill>
+              <a:latin typeface="Segoe UI" pitchFamily="34" charset="0"/>
+              <a:ea typeface="Segoe UI" pitchFamily="34" charset="0"/>
+              <a:cs typeface="Segoe UI" pitchFamily="34" charset="0"/>
+            </a:endParaRPr>
+          </a:p>
+        </p:txBody>
+      </p:sp>
+      <p:sp>
+        <p:nvSpPr>
+          <p:cNvPr id="61" name="Content"/>
+          <p:cNvSpPr/>
+          <p:nvPr>
+            <p:custDataLst>
+              <p:custData r:id="rId33"/>
+            </p:custDataLst>
+          </p:nvPr>
+        </p:nvSpPr>
+        <p:spPr>
+          <a:xfrm>
+            <a:off x="2273530" y="6086400"/>
+            <a:ext cx="2228760" cy="669042"/>
+          </a:xfrm>
+          <a:prstGeom prst="rect">
+            <a:avLst/>
+          </a:prstGeom>
+          <a:noFill/>
+          <a:ln w="3175">
+            <a:solidFill>
+              <a:srgbClr val="000000">
+                <a:lumMod val="50000"/>
+                <a:lumOff val="50000"/>
+              </a:srgbClr>
+            </a:solidFill>
+          </a:ln>
+          <a:effectLst/>
+        </p:spPr>
+        <p:style>
+          <a:lnRef idx="2">
+            <a:srgbClr val="4F81BD">
+              <a:shade val="50000"/>
+            </a:srgbClr>
+          </a:lnRef>
+          <a:fillRef idx="1">
+            <a:srgbClr val="4F81BD"/>
+          </a:fillRef>
+          <a:effectRef idx="0">
+            <a:srgbClr val="4F81BD"/>
+          </a:effectRef>
+          <a:fontRef idx="minor">
+            <a:srgbClr val="000000"/>
+          </a:fontRef>
+        </p:style>
+        <p:txBody>
+          <a:bodyPr wrap="none" lIns="45720" tIns="18288" rIns="45720" bIns="18288" rtlCol="0" anchor="t">
+            <a:noAutofit/>
+          </a:bodyPr>
+          <a:lstStyle/>
+          <a:p>
+            <a:r>
+              <a:rPr lang="ru-RU" sz="1200" dirty="0" smtClean="0">
+                <a:latin typeface="Segoe UI" pitchFamily="34" charset="0"/>
+                <a:cs typeface="Segoe UI" pitchFamily="34" charset="0"/>
+              </a:rPr>
+              <a:t>Или обменяю на </a:t>
+            </a:r>
+          </a:p>
+          <a:p>
+            <a:r>
+              <a:rPr lang="ru-RU" sz="1200" dirty="0" smtClean="0">
+                <a:latin typeface="Segoe UI" pitchFamily="34" charset="0"/>
+                <a:cs typeface="Segoe UI" pitchFamily="34" charset="0"/>
+              </a:rPr>
+              <a:t>выгул собаки</a:t>
+            </a:r>
+            <a:endParaRPr lang="en-US" sz="1200" dirty="0">
+              <a:solidFill>
+                <a:srgbClr val="000000"/>
+              </a:solidFill>
+              <a:latin typeface="Segoe UI" pitchFamily="34" charset="0"/>
+              <a:cs typeface="Segoe UI" pitchFamily="34" charset="0"/>
+            </a:endParaRPr>
+          </a:p>
+        </p:txBody>
+      </p:sp>
+      <p:pic>
+        <p:nvPicPr>
+          <p:cNvPr id="62" name="Picture 2" descr="C:\Users\t-dantay\Documents\First24\arrow1.png"/>
+          <p:cNvPicPr>
+            <a:picLocks noChangeAspect="1" noChangeArrowheads="1"/>
+          </p:cNvPicPr>
+          <p:nvPr>
+            <p:custDataLst>
+              <p:custData r:id="rId34"/>
+            </p:custDataLst>
+          </p:nvPr>
+        </p:nvPicPr>
+        <p:blipFill>
+          <a:blip r:embed="rId56" cstate="print">
+            <a:extLst>
+              <a:ext uri="{28A0092B-C50C-407E-A947-70E740481C1C}">
+                <a14:useLocalDpi xmlns:a14="http://schemas.microsoft.com/office/drawing/2010/main" val="0"/>
+              </a:ext>
+            </a:extLst>
+          </a:blip>
+          <a:srcRect/>
+          <a:stretch>
+            <a:fillRect/>
+          </a:stretch>
+        </p:blipFill>
+        <p:spPr bwMode="auto">
+          <a:xfrm flipV="1">
+            <a:off x="675449" y="5113379"/>
+            <a:ext cx="156136" cy="156136"/>
+          </a:xfrm>
+          <a:prstGeom prst="rect">
+            <a:avLst/>
+          </a:prstGeom>
+          <a:noFill/>
+          <a:extLst>
+            <a:ext uri="{909E8E84-426E-40DD-AFC4-6F175D3DCCD1}">
+              <a14:hiddenFill xmlns:a14="http://schemas.microsoft.com/office/drawing/2010/main">
+                <a:solidFill>
+                  <a:srgbClr val="FFFFFF"/>
+                </a:solidFill>
+              </a14:hiddenFill>
+            </a:ext>
+          </a:extLst>
+        </p:spPr>
+      </p:pic>
+      <p:pic>
+        <p:nvPicPr>
+          <p:cNvPr id="64" name="Picture 2" descr="C:\Users\t-dantay\Documents\Placeholders\trash.png"/>
+          <p:cNvPicPr>
+            <a:picLocks noChangeAspect="1" noChangeArrowheads="1"/>
+          </p:cNvPicPr>
+          <p:nvPr>
+            <p:custDataLst>
+              <p:custData r:id="rId35"/>
+            </p:custDataLst>
+          </p:nvPr>
+        </p:nvPicPr>
+        <p:blipFill>
+          <a:blip r:embed="rId57" cstate="print">
+            <a:extLst>
+              <a:ext uri="{28A0092B-C50C-407E-A947-70E740481C1C}">
+                <a14:useLocalDpi xmlns:a14="http://schemas.microsoft.com/office/drawing/2010/main" val="0"/>
+              </a:ext>
+            </a:extLst>
+          </a:blip>
+          <a:srcRect/>
+          <a:stretch>
+            <a:fillRect/>
+          </a:stretch>
+        </p:blipFill>
+        <p:spPr bwMode="auto">
+          <a:xfrm>
+            <a:off x="843004" y="5127746"/>
+            <a:ext cx="127308" cy="132282"/>
+          </a:xfrm>
+          <a:prstGeom prst="rect">
+            <a:avLst/>
+          </a:prstGeom>
+          <a:noFill/>
+          <a:extLst>
+            <a:ext uri="{909E8E84-426E-40DD-AFC4-6F175D3DCCD1}">
+              <a14:hiddenFill xmlns:a14="http://schemas.microsoft.com/office/drawing/2010/main">
+                <a:solidFill>
+                  <a:srgbClr val="FFFFFF"/>
+                </a:solidFill>
+              </a14:hiddenFill>
+            </a:ext>
+          </a:extLst>
+        </p:spPr>
+      </p:pic>
+      <p:sp>
+        <p:nvSpPr>
+          <p:cNvPr id="65" name="Content"/>
+          <p:cNvSpPr/>
+          <p:nvPr>
+            <p:custDataLst>
+              <p:custData r:id="rId36"/>
+            </p:custDataLst>
+          </p:nvPr>
+        </p:nvSpPr>
+        <p:spPr>
+          <a:xfrm>
+            <a:off x="988865" y="5135295"/>
+            <a:ext cx="513923" cy="193899"/>
+          </a:xfrm>
+          <a:prstGeom prst="rect">
+            <a:avLst/>
+          </a:prstGeom>
+          <a:solidFill>
+            <a:srgbClr val="FFFFFF">
+              <a:lumMod val="95000"/>
+            </a:srgbClr>
+          </a:solidFill>
+          <a:ln w="3175" cap="flat" cmpd="sng" algn="ctr">
+            <a:solidFill>
+              <a:srgbClr val="FFFFFF">
+                <a:lumMod val="50000"/>
+              </a:srgbClr>
+            </a:solidFill>
+            <a:prstDash val="solid"/>
+          </a:ln>
+          <a:effectLst>
+            <a:outerShdw blurRad="50800" dist="12700" dir="2700000" algn="tl" rotWithShape="0">
+              <a:prstClr val="black">
+                <a:alpha val="40000"/>
+              </a:prstClr>
+            </a:outerShdw>
+          </a:effectLst>
+        </p:spPr>
+        <p:txBody>
+          <a:bodyPr rot="0" spcFirstLastPara="0" vertOverflow="overflow" horzOverflow="overflow" vert="horz" wrap="none" lIns="45720" tIns="27432" rIns="45720" bIns="27432" numCol="1" spcCol="0" rtlCol="0" fromWordArt="0" anchor="ctr" anchorCtr="0" forceAA="0" compatLnSpc="1">
+            <a:prstTxWarp prst="textNoShape">
+              <a:avLst/>
+            </a:prstTxWarp>
+            <a:spAutoFit/>
+          </a:bodyPr>
+          <a:lstStyle/>
+          <a:p>
+            <a:pPr marL="0" marR="0" indent="0" defTabSz="914400" eaLnBrk="1" fontAlgn="auto" latinLnBrk="0" hangingPunct="1">
+              <a:lnSpc>
+                <a:spcPct val="100000"/>
+              </a:lnSpc>
+              <a:spcBef>
+                <a:spcPts val="0"/>
+              </a:spcBef>
+              <a:spcAft>
+                <a:spcPts val="0"/>
+              </a:spcAft>
+              <a:buClrTx/>
+              <a:buSzTx/>
+              <a:buFontTx/>
+              <a:buNone/>
+              <a:tabLst/>
+            </a:pPr>
+            <a:r>
+              <a:rPr kumimoji="0" lang="ru-RU" sz="900" b="0" i="0" u="none" strike="noStrike" kern="0" cap="none" spc="0" normalizeH="0" baseline="0" noProof="0" dirty="0" smtClean="0">
+                <a:ln>
+                  <a:noFill/>
+                </a:ln>
+                <a:solidFill>
+                  <a:srgbClr val="000000">
+                    <a:lumMod val="75000"/>
+                    <a:lumOff val="25000"/>
+                  </a:srgbClr>
+                </a:solidFill>
+                <a:effectLst/>
+                <a:uLnTx/>
+                <a:uFillTx/>
+                <a:latin typeface="Segoe UI"/>
+              </a:rPr>
+              <a:t>Удалить</a:t>
+            </a:r>
+            <a:endParaRPr kumimoji="0" lang="en-US" sz="900" b="0" i="0" u="none" strike="noStrike" kern="0" cap="none" spc="0" normalizeH="0" baseline="0" noProof="0" dirty="0" smtClean="0">
+              <a:ln>
+                <a:noFill/>
+              </a:ln>
+              <a:solidFill>
+                <a:srgbClr val="000000">
+                  <a:lumMod val="75000"/>
+                  <a:lumOff val="25000"/>
+                </a:srgbClr>
+              </a:solidFill>
+              <a:effectLst/>
+              <a:uLnTx/>
+              <a:uFillTx/>
+              <a:latin typeface="Segoe UI"/>
+            </a:endParaRPr>
+          </a:p>
+        </p:txBody>
+      </p:sp>
+      <p:pic>
+        <p:nvPicPr>
+          <p:cNvPr id="66" name="Picture 2" descr="C:\Users\t-dantay\Documents\First24\cursorhandpointer.png"/>
+          <p:cNvPicPr>
+            <a:picLocks noChangeAspect="1" noChangeArrowheads="1"/>
+          </p:cNvPicPr>
+          <p:nvPr>
+            <p:custDataLst>
+              <p:custData r:id="rId37"/>
+            </p:custDataLst>
+          </p:nvPr>
+        </p:nvPicPr>
+        <p:blipFill>
+          <a:blip r:embed="rId53" cstate="print">
+            <a:extLst>
+              <a:ext uri="{28A0092B-C50C-407E-A947-70E740481C1C}">
+                <a14:useLocalDpi xmlns:a14="http://schemas.microsoft.com/office/drawing/2010/main" val="0"/>
+              </a:ext>
+            </a:extLst>
+          </a:blip>
+          <a:srcRect/>
+          <a:stretch>
+            <a:fillRect/>
+          </a:stretch>
+        </p:blipFill>
+        <p:spPr bwMode="auto">
+          <a:xfrm>
+            <a:off x="908720" y="5296597"/>
+            <a:ext cx="105035" cy="139499"/>
+          </a:xfrm>
+          <a:prstGeom prst="rect">
+            <a:avLst/>
+          </a:prstGeom>
+          <a:noFill/>
+          <a:effectLst>
+            <a:glow rad="63500">
+              <a:schemeClr val="accent3">
+                <a:satMod val="175000"/>
+                <a:alpha val="40000"/>
+              </a:schemeClr>
+            </a:glow>
+          </a:effectLst>
+          <a:extLst>
+            <a:ext uri="{909E8E84-426E-40DD-AFC4-6F175D3DCCD1}">
+              <a14:hiddenFill xmlns:a14="http://schemas.microsoft.com/office/drawing/2010/main">
+                <a:solidFill>
+                  <a:srgbClr val="FFFFFF"/>
+                </a:solidFill>
+              </a14:hiddenFill>
+            </a:ext>
+          </a:extLst>
+        </p:spPr>
+      </p:pic>
+      <p:sp>
+        <p:nvSpPr>
+          <p:cNvPr id="67" name="Content"/>
+          <p:cNvSpPr/>
+          <p:nvPr>
+            <p:custDataLst>
+              <p:custData r:id="rId38"/>
+            </p:custDataLst>
+          </p:nvPr>
+        </p:nvSpPr>
+        <p:spPr>
+          <a:xfrm>
+            <a:off x="59695" y="5103828"/>
+            <a:ext cx="606897" cy="193899"/>
+          </a:xfrm>
+          <a:prstGeom prst="rect">
+            <a:avLst/>
+          </a:prstGeom>
+          <a:solidFill>
+            <a:srgbClr val="FFFFFF">
+              <a:lumMod val="95000"/>
+            </a:srgbClr>
+          </a:solidFill>
+          <a:ln w="3175" cap="flat" cmpd="sng" algn="ctr">
+            <a:solidFill>
+              <a:srgbClr val="FFFFFF">
+                <a:lumMod val="50000"/>
+              </a:srgbClr>
+            </a:solidFill>
+            <a:prstDash val="solid"/>
+          </a:ln>
+          <a:effectLst>
+            <a:outerShdw blurRad="50800" dist="12700" dir="2700000" algn="tl" rotWithShape="0">
+              <a:prstClr val="black">
+                <a:alpha val="40000"/>
+              </a:prstClr>
+            </a:outerShdw>
+          </a:effectLst>
+        </p:spPr>
+        <p:txBody>
+          <a:bodyPr rot="0" spcFirstLastPara="0" vertOverflow="overflow" horzOverflow="overflow" vert="horz" wrap="none" lIns="45720" tIns="27432" rIns="45720" bIns="27432" numCol="1" spcCol="0" rtlCol="0" fromWordArt="0" anchor="ctr" anchorCtr="0" forceAA="0" compatLnSpc="1">
+            <a:prstTxWarp prst="textNoShape">
+              <a:avLst/>
+            </a:prstTxWarp>
+            <a:spAutoFit/>
+          </a:bodyPr>
+          <a:lstStyle/>
+          <a:p>
+            <a:pPr marL="0" marR="0" indent="0" defTabSz="914400" eaLnBrk="1" fontAlgn="auto" latinLnBrk="0" hangingPunct="1">
+              <a:lnSpc>
+                <a:spcPct val="100000"/>
+              </a:lnSpc>
+              <a:spcBef>
+                <a:spcPts val="0"/>
+              </a:spcBef>
+              <a:spcAft>
+                <a:spcPts val="0"/>
+              </a:spcAft>
+              <a:buClrTx/>
+              <a:buSzTx/>
+              <a:buFontTx/>
+              <a:buNone/>
+              <a:tabLst/>
+            </a:pPr>
+            <a:r>
+              <a:rPr kumimoji="0" lang="ru-RU" sz="900" b="0" i="0" u="none" strike="noStrike" kern="0" cap="none" spc="0" normalizeH="0" baseline="0" noProof="0" dirty="0" smtClean="0">
+                <a:ln>
+                  <a:noFill/>
+                </a:ln>
+                <a:solidFill>
+                  <a:srgbClr val="000000">
+                    <a:lumMod val="75000"/>
+                    <a:lumOff val="25000"/>
+                  </a:srgbClr>
+                </a:solidFill>
+                <a:effectLst/>
+                <a:uLnTx/>
+                <a:uFillTx/>
+                <a:latin typeface="Segoe UI"/>
+              </a:rPr>
+              <a:t>Загрузить</a:t>
+            </a:r>
+            <a:endParaRPr kumimoji="0" lang="en-US" sz="900" b="0" i="0" u="none" strike="noStrike" kern="0" cap="none" spc="0" normalizeH="0" baseline="0" noProof="0" dirty="0" smtClean="0">
+              <a:ln>
+                <a:noFill/>
+              </a:ln>
+              <a:solidFill>
+                <a:srgbClr val="000000">
+                  <a:lumMod val="75000"/>
+                  <a:lumOff val="25000"/>
+                </a:srgbClr>
+              </a:solidFill>
+              <a:effectLst/>
+              <a:uLnTx/>
+              <a:uFillTx/>
+              <a:latin typeface="Segoe UI"/>
+            </a:endParaRPr>
+          </a:p>
+        </p:txBody>
+      </p:sp>
+      <p:pic>
+        <p:nvPicPr>
+          <p:cNvPr id="68" name="Picture 2" descr="C:\Users\t-dantay\Documents\First24\cursorhandpointer.png"/>
+          <p:cNvPicPr>
+            <a:picLocks noChangeAspect="1" noChangeArrowheads="1"/>
+          </p:cNvPicPr>
+          <p:nvPr>
+            <p:custDataLst>
+              <p:custData r:id="rId39"/>
+            </p:custDataLst>
+          </p:nvPr>
+        </p:nvPicPr>
+        <p:blipFill>
+          <a:blip r:embed="rId53" cstate="print">
+            <a:extLst>
+              <a:ext uri="{28A0092B-C50C-407E-A947-70E740481C1C}">
+                <a14:useLocalDpi xmlns:a14="http://schemas.microsoft.com/office/drawing/2010/main" val="0"/>
+              </a:ext>
+            </a:extLst>
+          </a:blip>
+          <a:srcRect/>
+          <a:stretch>
+            <a:fillRect/>
+          </a:stretch>
+        </p:blipFill>
+        <p:spPr bwMode="auto">
+          <a:xfrm>
+            <a:off x="677600" y="5265741"/>
+            <a:ext cx="105035" cy="139499"/>
+          </a:xfrm>
+          <a:prstGeom prst="rect">
+            <a:avLst/>
+          </a:prstGeom>
+          <a:noFill/>
+          <a:effectLst>
+            <a:glow rad="63500">
+              <a:schemeClr val="accent3">
+                <a:satMod val="175000"/>
+                <a:alpha val="40000"/>
+              </a:schemeClr>
+            </a:glow>
+          </a:effectLst>
+          <a:extLst>
+            <a:ext uri="{909E8E84-426E-40DD-AFC4-6F175D3DCCD1}">
+              <a14:hiddenFill xmlns:a14="http://schemas.microsoft.com/office/drawing/2010/main">
+                <a:solidFill>
+                  <a:srgbClr val="FFFFFF"/>
+                </a:solidFill>
+              </a14:hiddenFill>
+            </a:ext>
+          </a:extLst>
+        </p:spPr>
+      </p:pic>
+      <p:pic>
+        <p:nvPicPr>
+          <p:cNvPr id="74" name="Picture 2" descr="C:\Users\t-dantay\Documents\First24\checkcircle1.png"/>
+          <p:cNvPicPr>
+            <a:picLocks noChangeAspect="1" noChangeArrowheads="1"/>
+          </p:cNvPicPr>
+          <p:nvPr>
+            <p:custDataLst>
+              <p:custData r:id="rId40"/>
+            </p:custDataLst>
+          </p:nvPr>
+        </p:nvPicPr>
+        <p:blipFill>
+          <a:blip r:embed="rId58" cstate="print">
+            <a:extLst>
+              <a:ext uri="{28A0092B-C50C-407E-A947-70E740481C1C}">
+                <a14:useLocalDpi xmlns:a14="http://schemas.microsoft.com/office/drawing/2010/main" val="0"/>
+              </a:ext>
+            </a:extLst>
+          </a:blip>
+          <a:srcRect/>
+          <a:stretch>
+            <a:fillRect/>
+          </a:stretch>
+        </p:blipFill>
+        <p:spPr bwMode="auto">
+          <a:xfrm>
+            <a:off x="662871" y="3791474"/>
+            <a:ext cx="143296" cy="143296"/>
+          </a:xfrm>
+          <a:prstGeom prst="rect">
+            <a:avLst/>
+          </a:prstGeom>
+          <a:noFill/>
+          <a:extLst>
+            <a:ext uri="{909E8E84-426E-40DD-AFC4-6F175D3DCCD1}">
+              <a14:hiddenFill xmlns:a14="http://schemas.microsoft.com/office/drawing/2010/main">
+                <a:solidFill>
+                  <a:srgbClr val="FFFFFF"/>
+                </a:solidFill>
+              </a14:hiddenFill>
+            </a:ext>
+          </a:extLst>
+        </p:spPr>
+      </p:pic>
+      <p:sp>
+        <p:nvSpPr>
+          <p:cNvPr id="75" name="Content"/>
+          <p:cNvSpPr/>
+          <p:nvPr>
+            <p:custDataLst>
+              <p:custData r:id="rId41"/>
+            </p:custDataLst>
+          </p:nvPr>
+        </p:nvSpPr>
+        <p:spPr>
+          <a:xfrm>
+            <a:off x="3492684" y="6918960"/>
+            <a:ext cx="977417" cy="228600"/>
+          </a:xfrm>
+          <a:prstGeom prst="roundRect">
+            <a:avLst/>
+          </a:prstGeom>
+          <a:solidFill>
+            <a:srgbClr val="FFFFFF">
+              <a:lumMod val="95000"/>
+            </a:srgbClr>
+          </a:solidFill>
+          <a:ln w="3175">
+            <a:solidFill>
+              <a:srgbClr val="000000">
+                <a:lumMod val="50000"/>
+                <a:lumOff val="50000"/>
+              </a:srgbClr>
+            </a:solidFill>
+          </a:ln>
+          <a:effectLst/>
+        </p:spPr>
+        <p:style>
+          <a:lnRef idx="2">
+            <a:srgbClr val="4F81BD">
+              <a:shade val="50000"/>
+            </a:srgbClr>
+          </a:lnRef>
+          <a:fillRef idx="1">
+            <a:srgbClr val="4F81BD"/>
+          </a:fillRef>
+          <a:effectRef idx="0">
+            <a:srgbClr val="4F81BD"/>
+          </a:effectRef>
+          <a:fontRef idx="minor">
+            <a:srgbClr val="000000"/>
+          </a:fontRef>
+        </p:style>
+        <p:txBody>
+          <a:bodyPr wrap="square" lIns="91440" tIns="0" rIns="91440" bIns="9144" rtlCol="0" anchor="ctr">
+            <a:noAutofit/>
+          </a:bodyPr>
+          <a:lstStyle/>
+          <a:p>
+            <a:pPr algn="ctr"/>
+            <a:r>
+              <a:rPr lang="ru-RU" sz="1200" dirty="0" smtClean="0">
+                <a:latin typeface="Segoe UI" pitchFamily="34" charset="0"/>
+                <a:cs typeface="Segoe UI" pitchFamily="34" charset="0"/>
+              </a:rPr>
+              <a:t>Сохранить</a:t>
+            </a:r>
+            <a:endParaRPr lang="en-US" sz="1200" dirty="0">
+              <a:solidFill>
+                <a:srgbClr val="000000"/>
+              </a:solidFill>
+              <a:latin typeface="Segoe UI" pitchFamily="34" charset="0"/>
+              <a:cs typeface="Segoe UI" pitchFamily="34" charset="0"/>
+            </a:endParaRPr>
+          </a:p>
+        </p:txBody>
+      </p:sp>
+      <p:pic>
+        <p:nvPicPr>
+          <p:cNvPr id="76" name="Picture 2" descr="C:\Users\t-dantay\Documents\First24\checkcircle1.png"/>
+          <p:cNvPicPr>
+            <a:picLocks noChangeAspect="1" noChangeArrowheads="1"/>
+          </p:cNvPicPr>
+          <p:nvPr>
+            <p:custDataLst>
+              <p:custData r:id="rId42"/>
+            </p:custDataLst>
+          </p:nvPr>
+        </p:nvPicPr>
+        <p:blipFill>
+          <a:blip r:embed="rId58" cstate="print">
+            <a:extLst>
+              <a:ext uri="{28A0092B-C50C-407E-A947-70E740481C1C}">
+                <a14:useLocalDpi xmlns:a14="http://schemas.microsoft.com/office/drawing/2010/main" val="0"/>
+              </a:ext>
+            </a:extLst>
+          </a:blip>
+          <a:srcRect/>
+          <a:stretch>
+            <a:fillRect/>
+          </a:stretch>
+        </p:blipFill>
+        <p:spPr bwMode="auto">
+          <a:xfrm>
+            <a:off x="4797152" y="3711035"/>
+            <a:ext cx="143296" cy="143296"/>
+          </a:xfrm>
+          <a:prstGeom prst="rect">
+            <a:avLst/>
+          </a:prstGeom>
+          <a:noFill/>
+          <a:extLst>
+            <a:ext uri="{909E8E84-426E-40DD-AFC4-6F175D3DCCD1}">
+              <a14:hiddenFill xmlns:a14="http://schemas.microsoft.com/office/drawing/2010/main">
+                <a:solidFill>
+                  <a:srgbClr val="FFFFFF"/>
+                </a:solidFill>
+              </a14:hiddenFill>
+            </a:ext>
+          </a:extLst>
+        </p:spPr>
+      </p:pic>
+      <p:grpSp>
+        <p:nvGrpSpPr>
+          <p:cNvPr id="77" name="List"/>
+          <p:cNvGrpSpPr/>
+          <p:nvPr>
+            <p:custDataLst>
+              <p:custData r:id="rId43"/>
+            </p:custDataLst>
+          </p:nvPr>
+        </p:nvGrpSpPr>
+        <p:grpSpPr>
+          <a:xfrm>
+            <a:off x="4884249" y="3837687"/>
+            <a:ext cx="1651415" cy="493101"/>
+            <a:chOff x="4610405" y="3047458"/>
+            <a:chExt cx="1651415" cy="1533688"/>
+          </a:xfrm>
+        </p:grpSpPr>
+        <p:grpSp>
+          <p:nvGrpSpPr>
+            <p:cNvPr id="78" name="Group 2"/>
+            <p:cNvGrpSpPr/>
+            <p:nvPr/>
+          </p:nvGrpSpPr>
+          <p:grpSpPr>
+            <a:xfrm>
+              <a:off x="4610405" y="3047458"/>
+              <a:ext cx="1651415" cy="1533688"/>
+              <a:chOff x="4648810" y="3359442"/>
+              <a:chExt cx="713680" cy="756305"/>
+            </a:xfrm>
+          </p:grpSpPr>
+          <p:sp>
+            <p:nvSpPr>
+              <p:cNvPr id="84" name="Background"/>
+              <p:cNvSpPr>
+                <a:spLocks/>
+              </p:cNvSpPr>
+              <p:nvPr/>
+            </p:nvSpPr>
+            <p:spPr>
+              <a:xfrm>
+                <a:off x="4648810" y="3359442"/>
+                <a:ext cx="713680" cy="756305"/>
+              </a:xfrm>
+              <a:prstGeom prst="rect">
+                <a:avLst/>
+              </a:prstGeom>
+              <a:solidFill>
+                <a:srgbClr val="FFFFFF"/>
+              </a:solidFill>
+              <a:ln w="3175" cap="flat" cmpd="sng" algn="ctr">
+                <a:solidFill>
+                  <a:srgbClr val="FFFFFF">
+                    <a:lumMod val="50000"/>
+                  </a:srgbClr>
+                </a:solidFill>
+                <a:prstDash val="solid"/>
+              </a:ln>
+              <a:effectLst/>
+            </p:spPr>
+            <p:txBody>
+              <a:bodyPr rot="0" spcFirstLastPara="0" vertOverflow="overflow" horzOverflow="overflow" vert="horz" wrap="square" lIns="45720" tIns="0" rIns="91440" bIns="0" numCol="1" spcCol="0" rtlCol="0" fromWordArt="0" anchor="ctr" anchorCtr="0" forceAA="0" compatLnSpc="1">
+                <a:prstTxWarp prst="textNoShape">
+                  <a:avLst/>
+                </a:prstTxWarp>
+                <a:noAutofit/>
+              </a:bodyPr>
+              <a:lstStyle/>
+              <a:p>
+                <a:pPr marL="0" marR="0" indent="0" algn="ctr" defTabSz="914400" eaLnBrk="1" fontAlgn="auto" latinLnBrk="0" hangingPunct="1">
+                  <a:lnSpc>
+                    <a:spcPct val="100000"/>
+                  </a:lnSpc>
+                  <a:spcBef>
+                    <a:spcPts val="0"/>
+                  </a:spcBef>
+                  <a:spcAft>
+                    <a:spcPts val="0"/>
+                  </a:spcAft>
+                  <a:buClrTx/>
+                  <a:buSzTx/>
+                  <a:buFontTx/>
+                  <a:buNone/>
+                  <a:tabLst/>
+                </a:pPr>
+                <a:endParaRPr kumimoji="0" lang="en-US" sz="1050" b="0" i="0" u="none" strike="noStrike" kern="0" cap="none" spc="0" normalizeH="0" baseline="0" noProof="0" dirty="0" smtClean="0">
+                  <a:ln>
+                    <a:noFill/>
+                  </a:ln>
+                  <a:solidFill>
+                    <a:srgbClr val="000000">
+                      <a:lumMod val="75000"/>
+                      <a:lumOff val="25000"/>
+                    </a:srgbClr>
+                  </a:solidFill>
+                  <a:effectLst/>
+                  <a:uLnTx/>
+                  <a:uFillTx/>
+                  <a:latin typeface="Segoe UI"/>
+                  <a:ea typeface="+mn-ea"/>
+                  <a:cs typeface="+mn-cs"/>
+                </a:endParaRPr>
+              </a:p>
+            </p:txBody>
+          </p:sp>
+          <p:sp>
+            <p:nvSpPr>
+              <p:cNvPr id="85" name="Content"/>
+              <p:cNvSpPr/>
+              <p:nvPr/>
+            </p:nvSpPr>
+            <p:spPr>
+              <a:xfrm>
+                <a:off x="4648810" y="3359442"/>
+                <a:ext cx="713680" cy="711496"/>
+              </a:xfrm>
+              <a:prstGeom prst="rect">
+                <a:avLst/>
+              </a:prstGeom>
+              <a:noFill/>
+              <a:ln w="3175">
+                <a:noFill/>
+              </a:ln>
+              <a:effectLst/>
+            </p:spPr>
+            <p:style>
+              <a:lnRef idx="2">
+                <a:srgbClr val="4F81BD">
+                  <a:shade val="50000"/>
+                </a:srgbClr>
+              </a:lnRef>
+              <a:fillRef idx="1">
+                <a:srgbClr val="4F81BD"/>
+              </a:fillRef>
+              <a:effectRef idx="0">
+                <a:srgbClr val="4F81BD"/>
+              </a:effectRef>
+              <a:fontRef idx="minor">
+                <a:srgbClr val="000000"/>
+              </a:fontRef>
+            </p:style>
+            <p:txBody>
+              <a:bodyPr lIns="45720" tIns="0" rIns="0" bIns="18288" rtlCol="0" anchor="t" anchorCtr="0">
+                <a:spAutoFit/>
+              </a:bodyPr>
+              <a:lstStyle/>
+              <a:p>
+                <a:r>
+                  <a:rPr lang="ru-RU" sz="1200" dirty="0" smtClean="0">
+                    <a:solidFill>
+                      <a:sysClr val="windowText" lastClr="000000"/>
+                    </a:solidFill>
+                    <a:latin typeface="Segoe UI" pitchFamily="34" charset="0"/>
+                    <a:cs typeface="Segoe UI" pitchFamily="34" charset="0"/>
+                  </a:rPr>
+                  <a:t>Запустить</a:t>
+                </a:r>
+              </a:p>
+              <a:p>
+                <a:r>
+                  <a:rPr lang="ru-RU" sz="1200" dirty="0" smtClean="0">
+                    <a:solidFill>
+                      <a:sysClr val="windowText" lastClr="000000"/>
+                    </a:solidFill>
+                    <a:latin typeface="Segoe UI" pitchFamily="34" charset="0"/>
+                    <a:cs typeface="Segoe UI" pitchFamily="34" charset="0"/>
+                  </a:rPr>
+                  <a:t>Приостановить</a:t>
+                </a:r>
+                <a:endParaRPr lang="ru-RU" sz="1200" dirty="0" smtClean="0">
+                  <a:solidFill>
+                    <a:sysClr val="windowText" lastClr="000000"/>
+                  </a:solidFill>
+                  <a:latin typeface="Segoe UI" pitchFamily="34" charset="0"/>
+                  <a:cs typeface="Segoe UI" pitchFamily="34" charset="0"/>
+                </a:endParaRPr>
+              </a:p>
+              <a:p>
+                <a:endParaRPr lang="en-US" sz="1200" dirty="0" smtClean="0">
+                  <a:solidFill>
+                    <a:sysClr val="windowText" lastClr="000000"/>
+                  </a:solidFill>
+                  <a:latin typeface="Segoe UI" pitchFamily="34" charset="0"/>
+                  <a:cs typeface="Segoe UI" pitchFamily="34" charset="0"/>
+                </a:endParaRPr>
+              </a:p>
+            </p:txBody>
+          </p:sp>
+        </p:grpSp>
+        <p:grpSp>
+          <p:nvGrpSpPr>
+            <p:cNvPr id="79" name="Group 3"/>
+            <p:cNvGrpSpPr/>
+            <p:nvPr>
+              <p:custDataLst>
+                <p:custData r:id="rId44"/>
+              </p:custDataLst>
+            </p:nvPr>
+          </p:nvGrpSpPr>
+          <p:grpSpPr>
+            <a:xfrm>
+              <a:off x="6113828" y="3047458"/>
+              <a:ext cx="147992" cy="1533688"/>
+              <a:chOff x="4496659" y="1543110"/>
+              <a:chExt cx="147992" cy="3562287"/>
+            </a:xfrm>
+          </p:grpSpPr>
+          <p:sp>
+            <p:nvSpPr>
+              <p:cNvPr id="80" name="ScrollBar"/>
+              <p:cNvSpPr>
+                <a:spLocks/>
+              </p:cNvSpPr>
+              <p:nvPr/>
+            </p:nvSpPr>
+            <p:spPr>
+              <a:xfrm>
+                <a:off x="4496659" y="1543110"/>
+                <a:ext cx="147992" cy="3562287"/>
+              </a:xfrm>
+              <a:prstGeom prst="rect">
+                <a:avLst/>
+              </a:prstGeom>
+              <a:solidFill>
+                <a:srgbClr val="FFFFFF">
+                  <a:lumMod val="95000"/>
+                </a:srgbClr>
+              </a:solidFill>
+              <a:ln w="3175">
+                <a:solidFill>
+                  <a:srgbClr val="FFFFFF">
+                    <a:lumMod val="50000"/>
+                  </a:srgbClr>
+                </a:solidFill>
+              </a:ln>
+            </p:spPr>
+            <p:style>
+              <a:lnRef idx="2">
+                <a:srgbClr val="4F81BD">
+                  <a:shade val="50000"/>
+                </a:srgbClr>
+              </a:lnRef>
+              <a:fillRef idx="1001">
+                <a:srgbClr val="000000"/>
+              </a:fillRef>
+              <a:effectRef idx="0">
+                <a:srgbClr val="4F81BD"/>
+              </a:effectRef>
+              <a:fontRef idx="minor">
+                <a:srgbClr val="000000"/>
+              </a:fontRef>
+            </p:style>
+            <p:txBody>
+              <a:bodyPr lIns="97548" tIns="48774" rIns="97548" bIns="48774" rtlCol="0" anchor="ctr"/>
+              <a:lstStyle/>
+              <a:p>
+                <a:pPr algn="ctr" defTabSz="913915"/>
+                <a:endParaRPr lang="en-US" dirty="0"/>
+              </a:p>
+            </p:txBody>
+          </p:sp>
+          <p:sp>
+            <p:nvSpPr>
+              <p:cNvPr id="82" name="UpArrow"/>
+              <p:cNvSpPr>
+                <a:spLocks/>
+              </p:cNvSpPr>
+              <p:nvPr/>
+            </p:nvSpPr>
+            <p:spPr>
+              <a:xfrm>
+                <a:off x="4538651" y="1723869"/>
+                <a:ext cx="64008" cy="314967"/>
+              </a:xfrm>
+              <a:prstGeom prst="triangle">
+                <a:avLst/>
+              </a:prstGeom>
+              <a:solidFill>
+                <a:srgbClr val="FFFFFF">
+                  <a:lumMod val="50000"/>
+                  <a:alpha val="99000"/>
+                </a:srgbClr>
+              </a:solidFill>
+              <a:ln>
+                <a:noFill/>
+              </a:ln>
+            </p:spPr>
+            <p:style>
+              <a:lnRef idx="2">
+                <a:srgbClr val="4F81BD">
+                  <a:shade val="50000"/>
+                </a:srgbClr>
+              </a:lnRef>
+              <a:fillRef idx="1">
+                <a:srgbClr val="4F81BD"/>
+              </a:fillRef>
+              <a:effectRef idx="0">
+                <a:srgbClr val="4F81BD"/>
+              </a:effectRef>
+              <a:fontRef idx="minor">
+                <a:srgbClr val="000000"/>
+              </a:fontRef>
+            </p:style>
+            <p:txBody>
+              <a:bodyPr lIns="97548" tIns="48774" rIns="97548" bIns="48774" rtlCol="0" anchor="ctr"/>
+              <a:lstStyle/>
+              <a:p>
+                <a:pPr algn="ctr"/>
+                <a:endParaRPr lang="en-US" dirty="0"/>
+              </a:p>
+            </p:txBody>
+          </p:sp>
+          <p:sp>
+            <p:nvSpPr>
+              <p:cNvPr id="83" name="DownArrow"/>
+              <p:cNvSpPr>
+                <a:spLocks/>
+              </p:cNvSpPr>
+              <p:nvPr/>
+            </p:nvSpPr>
+            <p:spPr>
+              <a:xfrm rot="10800000">
+                <a:off x="4538651" y="4629659"/>
+                <a:ext cx="64008" cy="314967"/>
+              </a:xfrm>
+              <a:prstGeom prst="triangle">
+                <a:avLst/>
+              </a:prstGeom>
+              <a:solidFill>
+                <a:srgbClr val="FFFFFF">
+                  <a:lumMod val="50000"/>
+                  <a:alpha val="99000"/>
+                </a:srgbClr>
+              </a:solidFill>
+              <a:ln>
+                <a:noFill/>
+              </a:ln>
+            </p:spPr>
+            <p:style>
+              <a:lnRef idx="2">
+                <a:srgbClr val="4F81BD">
+                  <a:shade val="50000"/>
+                </a:srgbClr>
+              </a:lnRef>
+              <a:fillRef idx="1">
+                <a:srgbClr val="4F81BD"/>
+              </a:fillRef>
+              <a:effectRef idx="0">
+                <a:srgbClr val="4F81BD"/>
+              </a:effectRef>
+              <a:fontRef idx="minor">
+                <a:srgbClr val="000000"/>
+              </a:fontRef>
+            </p:style>
+            <p:txBody>
+              <a:bodyPr lIns="97548" tIns="48774" rIns="97548" bIns="48774" rtlCol="0" anchor="ctr"/>
+              <a:lstStyle/>
+              <a:p>
+                <a:pPr algn="ctr"/>
+                <a:endParaRPr lang="en-US" dirty="0"/>
+              </a:p>
+            </p:txBody>
+          </p:sp>
+        </p:grpSp>
+      </p:grpSp>
     </p:spTree>
     <p:extLst>
       <p:ext uri="{BB962C8B-B14F-4D97-AF65-F5344CB8AC3E}">
-        <p14:creationId xmlns:p14="http://schemas.microsoft.com/office/powerpoint/2010/main" val="4201737867"/>
+        <p14:creationId xmlns:p14="http://schemas.microsoft.com/office/powerpoint/2010/main" val="4147783834"/>
+      </p:ext>
+    </p:extLst>
+  </p:cSld>
+  <p:clrMapOvr>
+    <a:masterClrMapping/>
+  </p:clrMapOvr>
+  <p:timing>
+    <p:tnLst>
+      <p:par>
+        <p:cTn id="1" dur="indefinite" restart="never" nodeType="tmRoot"/>
+      </p:par>
+    </p:tnLst>
+  </p:timing>
+</p:sld>
+</file>
+
+<file path=ppt/slides/slide5.xml><?xml version="1.0" encoding="utf-8"?>
+<p:sld xmlns:a="http://schemas.openxmlformats.org/drawingml/2006/main" xmlns:r="http://schemas.openxmlformats.org/officeDocument/2006/relationships" xmlns:p="http://schemas.openxmlformats.org/presentationml/2006/main">
+  <p:cSld>
+    <p:spTree>
+      <p:nvGrpSpPr>
+        <p:cNvPr id="1" name=""/>
+        <p:cNvGrpSpPr/>
+        <p:nvPr/>
+      </p:nvGrpSpPr>
+      <p:grpSpPr>
+        <a:xfrm>
+          <a:off x="0" y="0"/>
+          <a:ext cx="0" cy="0"/>
+          <a:chOff x="0" y="0"/>
+          <a:chExt cx="0" cy="0"/>
+        </a:xfrm>
+      </p:grpSpPr>
+      <p:pic>
+        <p:nvPicPr>
+          <p:cNvPr id="71" name="Picture 2" descr="C:\Users\t-dantay\Documents\Placeholders\star.png"/>
+          <p:cNvPicPr>
+            <a:picLocks noChangeAspect="1" noChangeArrowheads="1"/>
+          </p:cNvPicPr>
+          <p:nvPr>
+            <p:custDataLst>
+              <p:custData r:id="rId1"/>
+            </p:custDataLst>
+          </p:nvPr>
+        </p:nvPicPr>
+        <p:blipFill>
+          <a:blip r:embed="rId3" cstate="print">
+            <a:extLst>
+              <a:ext uri="{28A0092B-C50C-407E-A947-70E740481C1C}">
+                <a14:useLocalDpi xmlns:a14="http://schemas.microsoft.com/office/drawing/2010/main" val="0"/>
+              </a:ext>
+            </a:extLst>
+          </a:blip>
+          <a:srcRect/>
+          <a:stretch>
+            <a:fillRect/>
+          </a:stretch>
+        </p:blipFill>
+        <p:spPr bwMode="auto">
+          <a:xfrm>
+            <a:off x="417687" y="319321"/>
+            <a:ext cx="228600" cy="217884"/>
+          </a:xfrm>
+          <a:prstGeom prst="rect">
+            <a:avLst/>
+          </a:prstGeom>
+          <a:noFill/>
+          <a:extLst>
+            <a:ext uri="{909E8E84-426E-40DD-AFC4-6F175D3DCCD1}">
+              <a14:hiddenFill xmlns:a14="http://schemas.microsoft.com/office/drawing/2010/main">
+                <a:solidFill>
+                  <a:srgbClr val="FFFFFF"/>
+                </a:solidFill>
+              </a14:hiddenFill>
+            </a:ext>
+          </a:extLst>
+        </p:spPr>
+      </p:pic>
+    </p:spTree>
+    <p:extLst>
+      <p:ext uri="{BB962C8B-B14F-4D97-AF65-F5344CB8AC3E}">
+        <p14:creationId xmlns:p14="http://schemas.microsoft.com/office/powerpoint/2010/main" val="1658657288"/>
       </p:ext>
     </p:extLst>
   </p:cSld>
@@ -19019,145 +24872,145 @@
 
 <file path=customXml/item1.xml><?xml version="1.0" encoding="utf-8"?>
 <Control xmlns="http://schemas.microsoft.com/VisualStudio/2011/storyboarding/control">
-  <Id Name="System.Storyboarding.WindowsDesktop.ToolTip" Revision="1" Stencil="System.Storyboarding.WindowsDesktop" StencilVersion="0.1"/>
+  <Id Name="System.Storyboarding.Common.TextInput" Revision="1" Stencil="System.Storyboarding.Common" StencilVersion="0.1"/>
 </Control>
 </file>
 
 <file path=customXml/item10.xml><?xml version="1.0" encoding="utf-8"?>
+<Control xmlns="http://schemas.microsoft.com/VisualStudio/2011/storyboarding/control">
+  <Id Name="System.Storyboarding.Common.Hyperlink" Revision="1" Stencil="System.Storyboarding.Common" StencilVersion="0.1"/>
+</Control>
+</file>
+
+<file path=customXml/item100.xml><?xml version="1.0" encoding="utf-8"?>
+<Control xmlns="http://schemas.microsoft.com/VisualStudio/2011/storyboarding/control">
+  <Id Name="System.Storyboarding.Icons.Star" Revision="1" Stencil="System.Storyboarding.Icons" StencilVersion="0.1"/>
+</Control>
+</file>
+
+<file path=customXml/item101.xml><?xml version="1.0" encoding="utf-8"?>
 <Control xmlns="http://schemas.microsoft.com/VisualStudio/2011/storyboarding/control">
   <Id Name="System.Storyboarding.Icons.DownArrow" Revision="1" Stencil="System.Storyboarding.Icons" StencilVersion="0.1"/>
 </Control>
 </file>
 
-<file path=customXml/item100.xml><?xml version="1.0" encoding="utf-8"?>
-<Control xmlns="http://schemas.microsoft.com/VisualStudio/2011/storyboarding/control">
-  <Id Name="System.Storyboarding.Common.DataGrid" Revision="1" Stencil="System.Storyboarding.Common" StencilVersion="0.1"/>
-</Control>
-</file>
-
-<file path=customXml/item101.xml><?xml version="1.0" encoding="utf-8"?>
+<file path=customXml/item102.xml><?xml version="1.0" encoding="utf-8"?>
 <Control xmlns="http://schemas.microsoft.com/VisualStudio/2011/storyboarding/control">
   <Id Name="System.Storyboarding.Common.NumericStepper" Revision="1" Stencil="System.Storyboarding.Common" StencilVersion="0.1"/>
 </Control>
 </file>
 
-<file path=customXml/item102.xml><?xml version="1.0" encoding="utf-8"?>
-<Control xmlns="http://schemas.microsoft.com/VisualStudio/2011/storyboarding/control">
-  <Id Name="System.Storyboarding.Common.DropdownBox" Revision="1" Stencil="System.Storyboarding.Common" StencilVersion="0.1"/>
-</Control>
-</file>
-
 <file path=customXml/item103.xml><?xml version="1.0" encoding="utf-8"?>
 <Control xmlns="http://schemas.microsoft.com/VisualStudio/2011/storyboarding/control">
-  <Id Name="System.Storyboarding.Icons.HandPointer" Revision="1" Stencil="System.Storyboarding.Icons" StencilVersion="0.1"/>
+  <Id Name="System.Storyboarding.Icons.Star" Revision="1" Stencil="System.Storyboarding.Icons" StencilVersion="0.1"/>
 </Control>
 </file>
 
 <file path=customXml/item104.xml><?xml version="1.0" encoding="utf-8"?>
+<Control xmlns="http://schemas.microsoft.com/VisualStudio/2011/storyboarding/control">
+  <Id Name="System.Storyboarding.Icons.SpeechBubble" Revision="1" Stencil="System.Storyboarding.Icons" StencilVersion="0.1"/>
+</Control>
+</file>
+
+<file path=customXml/item105.xml><?xml version="1.0" encoding="utf-8"?>
+<Control xmlns="http://schemas.microsoft.com/VisualStudio/2011/storyboarding/control">
+  <Id Name="System.Storyboarding.Icons.Warning" Revision="1" Stencil="System.Storyboarding.Icons" StencilVersion="0.1"/>
+</Control>
+</file>
+
+<file path=customXml/item106.xml><?xml version="1.0" encoding="utf-8"?>
+<Control xmlns="http://schemas.microsoft.com/VisualStudio/2011/storyboarding/control">
+  <Id Name="System.Storyboarding.Common.Text" Revision="1" Stencil="System.Storyboarding.Common" StencilVersion="0.1"/>
+</Control>
+</file>
+
+<file path=customXml/item107.xml><?xml version="1.0" encoding="utf-8"?>
 <Control xmlns="http://schemas.microsoft.com/VisualStudio/2011/storyboarding/control">
   <Id Name="System.Storyboarding.Common.TextInput" Revision="1" Stencil="System.Storyboarding.Common" StencilVersion="0.1"/>
 </Control>
 </file>
 
-<file path=customXml/item105.xml><?xml version="1.0" encoding="utf-8"?>
+<file path=customXml/item108.xml><?xml version="1.0" encoding="utf-8"?>
 <Control xmlns="http://schemas.microsoft.com/VisualStudio/2011/storyboarding/control">
   <Id Name="System.Storyboarding.Common.Text" Revision="1" Stencil="System.Storyboarding.Common" StencilVersion="0.1"/>
 </Control>
 </file>
 
-<file path=customXml/item106.xml><?xml version="1.0" encoding="utf-8"?>
+<file path=customXml/item109.xml><?xml version="1.0" encoding="utf-8"?>
+<Control xmlns="http://schemas.microsoft.com/VisualStudio/2011/storyboarding/control">
+  <Id Name="System.Storyboarding.Common.Text" Revision="1" Stencil="System.Storyboarding.Common" StencilVersion="0.1"/>
+</Control>
+</file>
+
+<file path=customXml/item11.xml><?xml version="1.0" encoding="utf-8"?>
+<Control xmlns="http://schemas.microsoft.com/VisualStudio/2011/storyboarding/control">
+  <Id Name="System.Storyboarding.Icons.Star" Revision="1" Stencil="System.Storyboarding.Icons" StencilVersion="0.1"/>
+</Control>
+</file>
+
+<file path=customXml/item110.xml><?xml version="1.0" encoding="utf-8"?>
 <Control xmlns="http://schemas.microsoft.com/VisualStudio/2011/storyboarding/control">
   <Id Name="System.Storyboarding.Icons.ShoppingCart" Revision="1" Stencil="System.Storyboarding.Icons" StencilVersion="0.1"/>
 </Control>
 </file>
 
-<file path=customXml/item107.xml><?xml version="1.0" encoding="utf-8"?>
+<file path=customXml/item111.xml><?xml version="1.0" encoding="utf-8"?>
 <Control xmlns="http://schemas.microsoft.com/VisualStudio/2011/storyboarding/control">
-  <Id Name="System.Storyboarding.Icons.Envelope" Revision="1" Stencil="System.Storyboarding.Icons" StencilVersion="0.1"/>
+  <Id Name="System.Storyboarding.Icons.CurvedArrow" Revision="1" Stencil="System.Storyboarding.Icons" StencilVersion="0.1"/>
 </Control>
 </file>
 
-<file path=customXml/item108.xml><?xml version="1.0" encoding="utf-8"?>
+<file path=customXml/item112.xml><?xml version="1.0" encoding="utf-8"?>
 <Control xmlns="http://schemas.microsoft.com/VisualStudio/2011/storyboarding/control">
-  <Id Name="System.Storyboarding.Common.TabGroup" Revision="1" Stencil="System.Storyboarding.Common" StencilVersion="0.1"/>
+  <Id Name="System.Storyboarding.Common.Button" Revision="1" Stencil="System.Storyboarding.Common" StencilVersion="0.1"/>
 </Control>
 </file>
 
-<file path=customXml/item109.xml><?xml version="1.0" encoding="utf-8"?>
+<file path=customXml/item113.xml><?xml version="1.0" encoding="utf-8"?>
 <Control xmlns="http://schemas.microsoft.com/VisualStudio/2011/storyboarding/control">
-  <Id Name="System.Storyboarding.Icons.DownArrow" Revision="1" Stencil="System.Storyboarding.Icons" StencilVersion="0.1"/>
+  <Id Name="System.Storyboarding.Common.CheckBoxUnchecked" Revision="1" Stencil="System.Storyboarding.Common" StencilVersion="0.1"/>
 </Control>
 </file>
 
-<file path=customXml/item11.xml><?xml version="1.0" encoding="utf-8"?>
+<file path=customXml/item114.xml><?xml version="1.0" encoding="utf-8"?>
 <Control xmlns="http://schemas.microsoft.com/VisualStudio/2011/storyboarding/control">
-  <Id Name="System.Storyboarding.Common.TextArea" Revision="1" Stencil="System.Storyboarding.Common" StencilVersion="0.1"/>
+  <Id Name="System.Storyboarding.Common.TextInput" Revision="1" Stencil="System.Storyboarding.Common" StencilVersion="0.1"/>
 </Control>
 </file>
 
-<file path=customXml/item110.xml><?xml version="1.0" encoding="utf-8"?>
+<file path=customXml/item115.xml><?xml version="1.0" encoding="utf-8"?>
+<Control xmlns="http://schemas.microsoft.com/VisualStudio/2011/storyboarding/control">
+  <Id Name="System.Storyboarding.Icons.ShoppingCart" Revision="1" Stencil="System.Storyboarding.Icons" StencilVersion="0.1"/>
+</Control>
+</file>
+
+<file path=customXml/item116.xml><?xml version="1.0" encoding="utf-8"?>
+<Control xmlns="http://schemas.microsoft.com/VisualStudio/2011/storyboarding/control">
+  <Id Name="System.Storyboarding.Icons.Star" Revision="1" Stencil="System.Storyboarding.Icons" StencilVersion="0.1"/>
+</Control>
+</file>
+
+<file path=customXml/item117.xml><?xml version="1.0" encoding="utf-8"?>
+<Control xmlns="http://schemas.microsoft.com/VisualStudio/2011/storyboarding/control">
+  <Id Name="System.Storyboarding.Common.Text" Revision="1" Stencil="System.Storyboarding.Common" StencilVersion="0.1"/>
+</Control>
+</file>
+
+<file path=customXml/item118.xml><?xml version="1.0" encoding="utf-8"?>
+<Control xmlns="http://schemas.microsoft.com/VisualStudio/2011/storyboarding/control">
+  <Id Name="System.Storyboarding.Common.TextInput" Revision="1" Stencil="System.Storyboarding.Common" StencilVersion="0.1"/>
+</Control>
+</file>
+
+<file path=customXml/item119.xml><?xml version="1.0" encoding="utf-8"?>
 <Control xmlns="http://schemas.microsoft.com/VisualStudio/2011/storyboarding/control">
   <Id Name="System.Storyboarding.Common.Hyperlink" Revision="1" Stencil="System.Storyboarding.Common" StencilVersion="0.1"/>
 </Control>
 </file>
 
-<file path=customXml/item111.xml><?xml version="1.0" encoding="utf-8"?>
-<Control xmlns="http://schemas.microsoft.com/VisualStudio/2011/storyboarding/control">
-  <Id Name="System.Storyboarding.Common.Hyperlink" Revision="1" Stencil="System.Storyboarding.Common" StencilVersion="0.1"/>
-</Control>
-</file>
-
-<file path=customXml/item112.xml><?xml version="1.0" encoding="utf-8"?>
-<Control xmlns="http://schemas.microsoft.com/VisualStudio/2011/storyboarding/control">
-  <Id Name="System.Storyboarding.Common.Hyperlink" Revision="1" Stencil="System.Storyboarding.Common" StencilVersion="0.1"/>
-</Control>
-</file>
-
-<file path=customXml/item113.xml><?xml version="1.0" encoding="utf-8"?>
-<Control xmlns="http://schemas.microsoft.com/VisualStudio/2011/storyboarding/control">
-  <Id Name="System.Storyboarding.Common.Hyperlink" Revision="1" Stencil="System.Storyboarding.Common" StencilVersion="0.1"/>
-</Control>
-</file>
-
-<file path=customXml/item114.xml><?xml version="1.0" encoding="utf-8"?>
-<Control xmlns="http://schemas.microsoft.com/VisualStudio/2011/storyboarding/control">
-  <Id Name="System.Storyboarding.Common.Hyperlink" Revision="1" Stencil="System.Storyboarding.Common" StencilVersion="0.1"/>
-</Control>
-</file>
-
-<file path=customXml/item115.xml><?xml version="1.0" encoding="utf-8"?>
-<Control xmlns="http://schemas.microsoft.com/VisualStudio/2011/storyboarding/control">
-  <Id Name="System.Storyboarding.Common.Text" Revision="1" Stencil="System.Storyboarding.Common" StencilVersion="0.1"/>
-</Control>
-</file>
-
-<file path=customXml/item116.xml><?xml version="1.0" encoding="utf-8"?>
-<Control xmlns="http://schemas.microsoft.com/VisualStudio/2011/storyboarding/control">
-  <Id Name="System.Storyboarding.Common.Text" Revision="1" Stencil="System.Storyboarding.Common" StencilVersion="0.1"/>
-</Control>
-</file>
-
-<file path=customXml/item117.xml><?xml version="1.0" encoding="utf-8"?>
-<Control xmlns="http://schemas.microsoft.com/VisualStudio/2011/storyboarding/control">
-  <Id Name="System.Storyboarding.Common.TextInput" Revision="1" Stencil="System.Storyboarding.Common" StencilVersion="0.1"/>
-</Control>
-</file>
-
-<file path=customXml/item118.xml><?xml version="1.0" encoding="utf-8"?>
-<Control xmlns="http://schemas.microsoft.com/VisualStudio/2011/storyboarding/control">
-  <Id Name="System.Storyboarding.Common.Text" Revision="1" Stencil="System.Storyboarding.Common" StencilVersion="0.1"/>
-</Control>
-</file>
-
-<file path=customXml/item119.xml><?xml version="1.0" encoding="utf-8"?>
-<Control xmlns="http://schemas.microsoft.com/VisualStudio/2011/storyboarding/control">
-  <Id Name="System.Storyboarding.Common.DropdownBox" Revision="1" Stencil="System.Storyboarding.Common" StencilVersion="0.1"/>
-</Control>
-</file>
-
 <file path=customXml/item12.xml><?xml version="1.0" encoding="utf-8"?>
 <Control xmlns="http://schemas.microsoft.com/VisualStudio/2011/storyboarding/control">
-  <Id Name="System.Storyboarding.WindowsDesktop.ToolTip" Revision="1" Stencil="System.Storyboarding.WindowsDesktop" StencilVersion="0.1"/>
+  <Id Name="System.Storyboarding.Icons.Envelope" Revision="1" Stencil="System.Storyboarding.Icons" StencilVersion="0.1"/>
 </Control>
 </file>
 
@@ -19169,35 +25022,305 @@
 
 <file path=customXml/item121.xml><?xml version="1.0" encoding="utf-8"?>
 <Control xmlns="http://schemas.microsoft.com/VisualStudio/2011/storyboarding/control">
-  <Id Name="System.Storyboarding.Common.DropdownBox" Revision="1" Stencil="System.Storyboarding.Common" StencilVersion="0.1"/>
+  <Id Name="System.Storyboarding.Common.Text" Revision="1" Stencil="System.Storyboarding.Common" StencilVersion="0.1"/>
 </Control>
 </file>
 
 <file path=customXml/item122.xml><?xml version="1.0" encoding="utf-8"?>
 <Control xmlns="http://schemas.microsoft.com/VisualStudio/2011/storyboarding/control">
-  <Id Name="System.Storyboarding.Common.LinkBar" Revision="1" Stencil="System.Storyboarding.Common" StencilVersion="0.1"/>
+  <Id Name="System.Storyboarding.Icons.ShoppingCart" Revision="1" Stencil="System.Storyboarding.Icons" StencilVersion="0.1"/>
 </Control>
 </file>
 
+<file path=customXml/item123.xml><?xml version="1.0" encoding="utf-8"?>
+<Control xmlns="http://schemas.microsoft.com/VisualStudio/2011/storyboarding/control">
+  <Id Name="System.Storyboarding.Common.Text" Revision="1" Stencil="System.Storyboarding.Common" StencilVersion="0.1"/>
+</Control>
+</file>
+
+<file path=customXml/item124.xml><?xml version="1.0" encoding="utf-8"?>
+<Control xmlns="http://schemas.microsoft.com/VisualStudio/2011/storyboarding/control">
+  <Id Name="System.Storyboarding.Common.DataGrid" Revision="1" Stencil="System.Storyboarding.Common" StencilVersion="0.1"/>
+</Control>
+</file>
+
+<file path=customXml/item125.xml><?xml version="1.0" encoding="utf-8"?>
+<Control xmlns="http://schemas.microsoft.com/VisualStudio/2011/storyboarding/control">
+  <Id Name="System.Storyboarding.Icons.DownArrow" Revision="1" Stencil="System.Storyboarding.Icons" StencilVersion="0.1"/>
+</Control>
+</file>
+
+<file path=customXml/item126.xml><?xml version="1.0" encoding="utf-8"?>
+<Control xmlns="http://schemas.microsoft.com/VisualStudio/2011/storyboarding/control">
+  <Id Name="System.Storyboarding.Icons.DownArrow" Revision="1" Stencil="System.Storyboarding.Icons" StencilVersion="0.1"/>
+</Control>
+</file>
+
+<file path=customXml/item127.xml><?xml version="1.0" encoding="utf-8"?>
+<Control xmlns="http://schemas.microsoft.com/VisualStudio/2011/storyboarding/control">
+  <Id Name="System.Storyboarding.Icons.CurvedArrow" Revision="1" Stencil="System.Storyboarding.Icons" StencilVersion="0.1"/>
+</Control>
+</file>
+
+<file path=customXml/item128.xml><?xml version="1.0" encoding="utf-8"?>
+<Control xmlns="http://schemas.microsoft.com/VisualStudio/2011/storyboarding/control">
+  <Id Name="System.Storyboarding.Icons.CurvedArrow" Revision="1" Stencil="System.Storyboarding.Icons" StencilVersion="0.1"/>
+</Control>
+</file>
+
+<file path=customXml/item129.xml><?xml version="1.0" encoding="utf-8"?>
+<Control xmlns="http://schemas.microsoft.com/VisualStudio/2011/storyboarding/control">
+  <Id Name="System.Storyboarding.Icons.DownArrow" Revision="1" Stencil="System.Storyboarding.Icons" StencilVersion="0.1"/>
+</Control>
+</file>
+
 <file path=customXml/item13.xml><?xml version="1.0" encoding="utf-8"?>
+<Control xmlns="http://schemas.microsoft.com/VisualStudio/2011/storyboarding/control">
+  <Id Name="System.Storyboarding.Common.TextArea" Revision="1" Stencil="System.Storyboarding.Common" StencilVersion="0.1"/>
+</Control>
+</file>
+
+<file path=customXml/item130.xml><?xml version="1.0" encoding="utf-8"?>
+<Control xmlns="http://schemas.microsoft.com/VisualStudio/2011/storyboarding/control">
+  <Id Name="System.Storyboarding.Icons.DownArrow" Revision="1" Stencil="System.Storyboarding.Icons" StencilVersion="0.1"/>
+</Control>
+</file>
+
+<file path=customXml/item131.xml><?xml version="1.0" encoding="utf-8"?>
+<Control xmlns="http://schemas.microsoft.com/VisualStudio/2011/storyboarding/control">
+  <Id Name="System.Storyboarding.Icons.Brush" Revision="1" Stencil="System.Storyboarding.Icons" StencilVersion="0.1"/>
+</Control>
+</file>
+
+<file path=customXml/item132.xml><?xml version="1.0" encoding="utf-8"?>
+<Control xmlns="http://schemas.microsoft.com/VisualStudio/2011/storyboarding/control">
+  <Id Name="System.Storyboarding.Icons.TrashCan" Revision="1" Stencil="System.Storyboarding.Icons" StencilVersion="0.1"/>
+</Control>
+</file>
+
+<file path=customXml/item133.xml><?xml version="1.0" encoding="utf-8"?>
+<Control xmlns="http://schemas.microsoft.com/VisualStudio/2011/storyboarding/control">
+  <Id Name="System.Storyboarding.Icons.Brush" Revision="1" Stencil="System.Storyboarding.Icons" StencilVersion="0.1"/>
+</Control>
+</file>
+
+<file path=customXml/item134.xml><?xml version="1.0" encoding="utf-8"?>
+<Control xmlns="http://schemas.microsoft.com/VisualStudio/2011/storyboarding/control">
+  <Id Name="System.Storyboarding.Icons.TrashCan" Revision="1" Stencil="System.Storyboarding.Icons" StencilVersion="0.1"/>
+</Control>
+</file>
+
+<file path=customXml/item135.xml><?xml version="1.0" encoding="utf-8"?>
+<Control xmlns="http://schemas.microsoft.com/VisualStudio/2011/storyboarding/control">
+  <Id Name="System.Storyboarding.Icons.Brush" Revision="1" Stencil="System.Storyboarding.Icons" StencilVersion="0.1"/>
+</Control>
+</file>
+
+<file path=customXml/item136.xml><?xml version="1.0" encoding="utf-8"?>
+<Control xmlns="http://schemas.microsoft.com/VisualStudio/2011/storyboarding/control">
+  <Id Name="System.Storyboarding.Icons.TrashCan" Revision="1" Stencil="System.Storyboarding.Icons" StencilVersion="0.1"/>
+</Control>
+</file>
+
+<file path=customXml/item137.xml><?xml version="1.0" encoding="utf-8"?>
+<Control xmlns="http://schemas.microsoft.com/VisualStudio/2011/storyboarding/control">
+  <Id Name="System.Storyboarding.Icons.Brush" Revision="1" Stencil="System.Storyboarding.Icons" StencilVersion="0.1"/>
+</Control>
+</file>
+
+<file path=customXml/item138.xml><?xml version="1.0" encoding="utf-8"?>
+<Control xmlns="http://schemas.microsoft.com/VisualStudio/2011/storyboarding/control">
+  <Id Name="System.Storyboarding.Icons.TrashCan" Revision="1" Stencil="System.Storyboarding.Icons" StencilVersion="0.1"/>
+</Control>
+</file>
+
+<file path=customXml/item139.xml><?xml version="1.0" encoding="utf-8"?>
+<Control xmlns="http://schemas.microsoft.com/VisualStudio/2011/storyboarding/control">
+  <Id Name="System.Storyboarding.Icons.Brush" Revision="1" Stencil="System.Storyboarding.Icons" StencilVersion="0.1"/>
+</Control>
+</file>
+
+<file path=customXml/item14.xml><?xml version="1.0" encoding="utf-8"?>
+<Control xmlns="http://schemas.microsoft.com/VisualStudio/2011/storyboarding/control">
+  <Id Name="System.Storyboarding.Common.RadioButtonUnselected" Revision="1" Stencil="System.Storyboarding.Common" StencilVersion="0.1"/>
+</Control>
+</file>
+
+<file path=customXml/item140.xml><?xml version="1.0" encoding="utf-8"?>
+<Control xmlns="http://schemas.microsoft.com/VisualStudio/2011/storyboarding/control">
+  <Id Name="System.Storyboarding.Icons.TrashCan" Revision="1" Stencil="System.Storyboarding.Icons" StencilVersion="0.1"/>
+</Control>
+</file>
+
+<file path=customXml/item141.xml><?xml version="1.0" encoding="utf-8"?>
+<Control xmlns="http://schemas.microsoft.com/VisualStudio/2011/storyboarding/control">
+  <Id Name="System.Storyboarding.Icons.Error" Revision="1" Stencil="System.Storyboarding.Icons" StencilVersion="0.1"/>
+</Control>
+</file>
+
+<file path=customXml/item142.xml><?xml version="1.0" encoding="utf-8"?>
+<Control xmlns="http://schemas.microsoft.com/VisualStudio/2011/storyboarding/control">
+  <Id Name="System.Storyboarding.WindowsDesktop.ToolTip" Revision="1" Stencil="System.Storyboarding.WindowsDesktop" StencilVersion="0.1"/>
+</Control>
+</file>
+
+<file path=customXml/item143.xml><?xml version="1.0" encoding="utf-8"?>
+<Control xmlns="http://schemas.microsoft.com/VisualStudio/2011/storyboarding/control">
+  <Id Name="System.Storyboarding.Icons.HandPointer" Revision="1" Stencil="System.Storyboarding.Icons" StencilVersion="0.1"/>
+</Control>
+</file>
+
+<file path=customXml/item144.xml><?xml version="1.0" encoding="utf-8"?>
+<Control xmlns="http://schemas.microsoft.com/VisualStudio/2011/storyboarding/control">
+  <Id Name="System.Storyboarding.Common.Text" Revision="1" Stencil="System.Storyboarding.Common" StencilVersion="0.1"/>
+</Control>
+</file>
+
+<file path=customXml/item145.xml><?xml version="1.0" encoding="utf-8"?>
 <Control xmlns="http://schemas.microsoft.com/VisualStudio/2011/storyboarding/control">
   <Id Name="System.Storyboarding.Common.TextInput" Revision="1" Stencil="System.Storyboarding.Common" StencilVersion="0.1"/>
 </Control>
 </file>
 
-<file path=customXml/item14.xml><?xml version="1.0" encoding="utf-8"?>
+<file path=customXml/item146.xml><?xml version="1.0" encoding="utf-8"?>
+<Control xmlns="http://schemas.microsoft.com/VisualStudio/2011/storyboarding/control">
+  <Id Name="System.Storyboarding.Common.Text" Revision="1" Stencil="System.Storyboarding.Common" StencilVersion="0.1"/>
+</Control>
+</file>
+
+<file path=customXml/item147.xml><?xml version="1.0" encoding="utf-8"?>
+<Control xmlns="http://schemas.microsoft.com/VisualStudio/2011/storyboarding/control">
+  <Id Name="System.Storyboarding.Icons.ShoppingCart" Revision="1" Stencil="System.Storyboarding.Icons" StencilVersion="0.1"/>
+</Control>
+</file>
+
+<file path=customXml/item148.xml><?xml version="1.0" encoding="utf-8"?>
+<Control xmlns="http://schemas.microsoft.com/VisualStudio/2011/storyboarding/control">
+  <Id Name="System.Storyboarding.Common.Text" Revision="1" Stencil="System.Storyboarding.Common" StencilVersion="0.1"/>
+</Control>
+</file>
+
+<file path=customXml/item149.xml><?xml version="1.0" encoding="utf-8"?>
+<Control xmlns="http://schemas.microsoft.com/VisualStudio/2011/storyboarding/control">
+  <Id Name="System.Storyboarding.Common.Text" Revision="1" Stencil="System.Storyboarding.Common" StencilVersion="0.1"/>
+</Control>
+</file>
+
+<file path=customXml/item15.xml><?xml version="1.0" encoding="utf-8"?>
 <Control xmlns="http://schemas.microsoft.com/VisualStudio/2011/storyboarding/control">
   <Id Name="System.Storyboarding.Icons.HandPointer" Revision="1" Stencil="System.Storyboarding.Icons" StencilVersion="0.1"/>
 </Control>
 </file>
 
-<file path=customXml/item15.xml><?xml version="1.0" encoding="utf-8"?>
+<file path=customXml/item150.xml><?xml version="1.0" encoding="utf-8"?>
 <Control xmlns="http://schemas.microsoft.com/VisualStudio/2011/storyboarding/control">
-  <Id Name="System.Storyboarding.Common.DragSelection" Revision="1" Stencil="System.Storyboarding.Common" StencilVersion="0.1"/>
+  <Id Name="System.Storyboarding.Common.TextInput" Revision="1" Stencil="System.Storyboarding.Common" StencilVersion="0.1"/>
 </Control>
 </file>
 
+<file path=customXml/item151.xml><?xml version="1.0" encoding="utf-8"?>
+<Control xmlns="http://schemas.microsoft.com/VisualStudio/2011/storyboarding/control">
+  <Id Name="System.Storyboarding.Common.NumericStepper" Revision="1" Stencil="System.Storyboarding.Common" StencilVersion="0.1"/>
+</Control>
+</file>
+
+<file path=customXml/item152.xml><?xml version="1.0" encoding="utf-8"?>
+<Control xmlns="http://schemas.microsoft.com/VisualStudio/2011/storyboarding/control">
+  <Id Name="System.Storyboarding.Common.DropdownBox" Revision="1" Stencil="System.Storyboarding.Common" StencilVersion="0.1"/>
+</Control>
+</file>
+
+<file path=customXml/item153.xml><?xml version="1.0" encoding="utf-8"?>
+<Control xmlns="http://schemas.microsoft.com/VisualStudio/2011/storyboarding/control">
+  <Id Name="System.Storyboarding.Common.CheckBoxChecked" Revision="1" Stencil="System.Storyboarding.Common" StencilVersion="0.1"/>
+</Control>
+</file>
+
+<file path=customXml/item154.xml><?xml version="1.0" encoding="utf-8"?>
+<Control xmlns="http://schemas.microsoft.com/VisualStudio/2011/storyboarding/control">
+  <Id Name="System.Storyboarding.Common.Text" Revision="1" Stencil="System.Storyboarding.Common" StencilVersion="0.1"/>
+</Control>
+</file>
+
+<file path=customXml/item155.xml><?xml version="1.0" encoding="utf-8"?>
+<Control xmlns="http://schemas.microsoft.com/VisualStudio/2011/storyboarding/control">
+  <Id Name="System.Storyboarding.Common.TextInput" Revision="1" Stencil="System.Storyboarding.Common" StencilVersion="0.1"/>
+</Control>
+</file>
+
+<file path=customXml/item156.xml><?xml version="1.0" encoding="utf-8"?>
+<Control xmlns="http://schemas.microsoft.com/VisualStudio/2011/storyboarding/control">
+  <Id Name="System.Storyboarding.Icons.DownArrow" Revision="1" Stencil="System.Storyboarding.Icons" StencilVersion="0.1"/>
+</Control>
+</file>
+
+<file path=customXml/item157.xml><?xml version="1.0" encoding="utf-8"?>
+<Control xmlns="http://schemas.microsoft.com/VisualStudio/2011/storyboarding/control">
+  <Id Name="System.Storyboarding.Icons.TrashCan" Revision="1" Stencil="System.Storyboarding.Icons" StencilVersion="0.1"/>
+</Control>
+</file>
+
+<file path=customXml/item158.xml><?xml version="1.0" encoding="utf-8"?>
+<Control xmlns="http://schemas.microsoft.com/VisualStudio/2011/storyboarding/control">
+  <Id Name="System.Storyboarding.WindowsDesktop.ToolTip" Revision="1" Stencil="System.Storyboarding.WindowsDesktop" StencilVersion="0.1"/>
+</Control>
+</file>
+
+<file path=customXml/item159.xml><?xml version="1.0" encoding="utf-8"?>
+<Control xmlns="http://schemas.microsoft.com/VisualStudio/2011/storyboarding/control">
+  <Id Name="System.Storyboarding.Icons.HandPointer" Revision="1" Stencil="System.Storyboarding.Icons" StencilVersion="0.1"/>
+</Control>
+</file>
+
 <file path=customXml/item16.xml><?xml version="1.0" encoding="utf-8"?>
+<Control xmlns="http://schemas.microsoft.com/VisualStudio/2011/storyboarding/control">
+  <Id Name="System.Storyboarding.Common.DatePicker" Revision="1" Stencil="System.Storyboarding.Common" StencilVersion="0.1"/>
+</Control>
+</file>
+
+<file path=customXml/item160.xml><?xml version="1.0" encoding="utf-8"?>
+<Control xmlns="http://schemas.microsoft.com/VisualStudio/2011/storyboarding/control">
+  <Id Name="System.Storyboarding.WindowsDesktop.ToolTip" Revision="1" Stencil="System.Storyboarding.WindowsDesktop" StencilVersion="0.1"/>
+</Control>
+</file>
+
+<file path=customXml/item161.xml><?xml version="1.0" encoding="utf-8"?>
+<Control xmlns="http://schemas.microsoft.com/VisualStudio/2011/storyboarding/control">
+  <Id Name="System.Storyboarding.Icons.HandPointer" Revision="1" Stencil="System.Storyboarding.Icons" StencilVersion="0.1"/>
+</Control>
+</file>
+
+<file path=customXml/item162.xml><?xml version="1.0" encoding="utf-8"?>
+<Control xmlns="http://schemas.microsoft.com/VisualStudio/2011/storyboarding/control">
+  <Id Name="System.Storyboarding.Icons.CheckCircle" Revision="1" Stencil="System.Storyboarding.Icons" StencilVersion="0.1"/>
+</Control>
+</file>
+
+<file path=customXml/item163.xml><?xml version="1.0" encoding="utf-8"?>
+<Control xmlns="http://schemas.microsoft.com/VisualStudio/2011/storyboarding/control">
+  <Id Name="System.Storyboarding.Common.Button" Revision="1" Stencil="System.Storyboarding.Common" StencilVersion="0.1"/>
+</Control>
+</file>
+
+<file path=customXml/item164.xml><?xml version="1.0" encoding="utf-8"?>
+<Control xmlns="http://schemas.microsoft.com/VisualStudio/2011/storyboarding/control">
+  <Id Name="System.Storyboarding.Icons.CheckCircle" Revision="1" Stencil="System.Storyboarding.Icons" StencilVersion="0.1"/>
+</Control>
+</file>
+
+<file path=customXml/item165.xml><?xml version="1.0" encoding="utf-8"?>
+<Control xmlns="http://schemas.microsoft.com/VisualStudio/2011/storyboarding/control">
+  <Id Name="System.Storyboarding.Common.ScrollbarVertical" RevisionId="68ea164d-c1de-47a5-804f-d4d1290fa524" Stencil="System.Storyboarding.Common" StencilRevisionId="68ea164d-c1de-47a5-804f-d4d1290fa524" StencilVersion="0.1"/>
+</Control>
+</file>
+
+<file path=customXml/item166.xml><?xml version="1.0" encoding="utf-8"?>
+<Control xmlns="http://schemas.microsoft.com/VisualStudio/2011/storyboarding/control">
+  <Id Name="System.Storyboarding.Common.List" Revision="1" Stencil="System.Storyboarding.Common" StencilVersion="0.1"/>
+</Control>
+</file>
+
+<file path=customXml/item167.xml><?xml version="1.0" encoding="utf-8"?>
 <Control xmlns="http://schemas.microsoft.com/VisualStudio/2011/storyboarding/control">
   <Id Name="System.Storyboarding.Icons.Star" Revision="1" Stencil="System.Storyboarding.Icons" StencilVersion="0.1"/>
 </Control>
@@ -19205,13 +25328,13 @@
 
 <file path=customXml/item17.xml><?xml version="1.0" encoding="utf-8"?>
 <Control xmlns="http://schemas.microsoft.com/VisualStudio/2011/storyboarding/control">
-  <Id Name="System.Storyboarding.Icons.ShoppingCart" Revision="1" Stencil="System.Storyboarding.Icons" StencilVersion="0.1"/>
+  <Id Name="System.Storyboarding.Common.Button" Revision="1" Stencil="System.Storyboarding.Common" StencilVersion="0.1"/>
 </Control>
 </file>
 
 <file path=customXml/item18.xml><?xml version="1.0" encoding="utf-8"?>
 <Control xmlns="http://schemas.microsoft.com/VisualStudio/2011/storyboarding/control">
-  <Id Name="System.Storyboarding.Common.Text" Revision="1" Stencil="System.Storyboarding.Common" StencilVersion="0.1"/>
+  <Id Name="System.Storyboarding.Icons.DownArrow" Revision="1" Stencil="System.Storyboarding.Icons" StencilVersion="0.1"/>
 </Control>
 </file>
 
@@ -19223,25 +25346,25 @@
 
 <file path=customXml/item2.xml><?xml version="1.0" encoding="utf-8"?>
 <Control xmlns="http://schemas.microsoft.com/VisualStudio/2011/storyboarding/control">
-  <Id Name="System.Storyboarding.Common.Button" Revision="1" Stencil="System.Storyboarding.Common" StencilVersion="0.1"/>
+  <Id Name="System.Storyboarding.Common.TextInput" Revision="1" Stencil="System.Storyboarding.Common" StencilVersion="0.1"/>
 </Control>
 </file>
 
 <file path=customXml/item20.xml><?xml version="1.0" encoding="utf-8"?>
+<Control xmlns="http://schemas.microsoft.com/VisualStudio/2011/storyboarding/control">
+  <Id Name="System.Storyboarding.Common.DropdownBox" Revision="1" Stencil="System.Storyboarding.Common" StencilVersion="0.1"/>
+</Control>
+</file>
+
+<file path=customXml/item21.xml><?xml version="1.0" encoding="utf-8"?>
 <Control xmlns="http://schemas.microsoft.com/VisualStudio/2011/storyboarding/control">
   <Id Name="System.Storyboarding.Common.Text" Revision="1" Stencil="System.Storyboarding.Common" StencilVersion="0.1"/>
 </Control>
 </file>
 
-<file path=customXml/item21.xml><?xml version="1.0" encoding="utf-8"?>
-<Control xmlns="http://schemas.microsoft.com/VisualStudio/2011/storyboarding/control">
-  <Id Name="System.Storyboarding.WindowsDesktop.ToolTip" Revision="1" Stencil="System.Storyboarding.WindowsDesktop" StencilVersion="0.1"/>
-</Control>
-</file>
-
 <file path=customXml/item22.xml><?xml version="1.0" encoding="utf-8"?>
 <Control xmlns="http://schemas.microsoft.com/VisualStudio/2011/storyboarding/control">
-  <Id Name="System.Storyboarding.Common.TextInput" Revision="1" Stencil="System.Storyboarding.Common" StencilVersion="0.1"/>
+  <Id Name="System.Storyboarding.Common.CheckBoxChecked" Revision="1" Stencil="System.Storyboarding.Common" StencilVersion="0.1"/>
 </Control>
 </file>
 
@@ -19253,13 +25376,13 @@
 
 <file path=customXml/item24.xml><?xml version="1.0" encoding="utf-8"?>
 <Control xmlns="http://schemas.microsoft.com/VisualStudio/2011/storyboarding/control">
-  <Id Name="System.Storyboarding.Common.TextInput" Revision="1" Stencil="System.Storyboarding.Common" StencilVersion="0.1"/>
+  <Id Name="System.Storyboarding.Common.Text" Revision="1" Stencil="System.Storyboarding.Common" StencilVersion="0.1"/>
 </Control>
 </file>
 
 <file path=customXml/item25.xml><?xml version="1.0" encoding="utf-8"?>
 <Control xmlns="http://schemas.microsoft.com/VisualStudio/2011/storyboarding/control">
-  <Id Name="System.Storyboarding.WindowsDesktop.ToolTip" Revision="1" Stencil="System.Storyboarding.WindowsDesktop" StencilVersion="0.1"/>
+  <Id Name="System.Storyboarding.Icons.HandPointer" Revision="1" Stencil="System.Storyboarding.Icons" StencilVersion="0.1"/>
 </Control>
 </file>
 
@@ -19277,97 +25400,97 @@
 
 <file path=customXml/item28.xml><?xml version="1.0" encoding="utf-8"?>
 <Control xmlns="http://schemas.microsoft.com/VisualStudio/2011/storyboarding/control">
-  <Id Name="System.Storyboarding.Icons.Warning" Revision="1" Stencil="System.Storyboarding.Icons" StencilVersion="0.1"/>
+  <Id Name="System.Storyboarding.Icons.ShoppingCart" Revision="1" Stencil="System.Storyboarding.Icons" StencilVersion="0.1"/>
 </Control>
 </file>
 
 <file path=customXml/item29.xml><?xml version="1.0" encoding="utf-8"?>
 <Control xmlns="http://schemas.microsoft.com/VisualStudio/2011/storyboarding/control">
-  <Id Name="System.Storyboarding.Common.CheckBoxUnchecked" Revision="1" Stencil="System.Storyboarding.Common" StencilVersion="0.1"/>
+  <Id Name="System.Storyboarding.Common.Text" Revision="1" Stencil="System.Storyboarding.Common" StencilVersion="0.1"/>
 </Control>
 </file>
 
 <file path=customXml/item3.xml><?xml version="1.0" encoding="utf-8"?>
 <Control xmlns="http://schemas.microsoft.com/VisualStudio/2011/storyboarding/control">
-  <Id Name="System.Storyboarding.Common.TextInput" Revision="1" Stencil="System.Storyboarding.Common" StencilVersion="0.1"/>
+  <Id Name="System.Storyboarding.WindowsDesktop.ToolTip" Revision="1" Stencil="System.Storyboarding.WindowsDesktop" StencilVersion="0.1"/>
 </Control>
 </file>
 
 <file path=customXml/item30.xml><?xml version="1.0" encoding="utf-8"?>
 <Control xmlns="http://schemas.microsoft.com/VisualStudio/2011/storyboarding/control">
-  <Id Name="System.Storyboarding.Icons.ShoppingCart" Revision="1" Stencil="System.Storyboarding.Icons" StencilVersion="0.1"/>
+  <Id Name="System.Storyboarding.Common.DropdownBox" Revision="1" Stencil="System.Storyboarding.Common" StencilVersion="0.1"/>
 </Control>
 </file>
 
 <file path=customXml/item31.xml><?xml version="1.0" encoding="utf-8"?>
 <Control xmlns="http://schemas.microsoft.com/VisualStudio/2011/storyboarding/control">
-  <Id Name="System.Storyboarding.Common.TextInput" Revision="1" Stencil="System.Storyboarding.Common" StencilVersion="0.1"/>
+  <Id Name="System.Storyboarding.Common.Text" Revision="1" Stencil="System.Storyboarding.Common" StencilVersion="0.1"/>
 </Control>
 </file>
 
 <file path=customXml/item32.xml><?xml version="1.0" encoding="utf-8"?>
-<Control xmlns="http://schemas.microsoft.com/VisualStudio/2011/storyboarding/control">
-  <Id Name="System.Storyboarding.Common.RadioButtonUnselected" Revision="1" Stencil="System.Storyboarding.Common" StencilVersion="0.1"/>
-</Control>
-</file>
-
-<file path=customXml/item33.xml><?xml version="1.0" encoding="utf-8"?>
-<Control xmlns="http://schemas.microsoft.com/VisualStudio/2011/storyboarding/control">
-  <Id Name="System.Storyboarding.Icons.ShoppingCart" Revision="1" Stencil="System.Storyboarding.Icons" StencilVersion="0.1"/>
-</Control>
-</file>
-
-<file path=customXml/item34.xml><?xml version="1.0" encoding="utf-8"?>
 <Control xmlns="http://schemas.microsoft.com/VisualStudio/2011/storyboarding/control">
   <Id Name="System.Storyboarding.Common.NumericStepper" Revision="1" Stencil="System.Storyboarding.Common" StencilVersion="0.1"/>
 </Control>
 </file>
 
-<file path=customXml/item35.xml><?xml version="1.0" encoding="utf-8"?>
+<file path=customXml/item33.xml><?xml version="1.0" encoding="utf-8"?>
+<Control xmlns="http://schemas.microsoft.com/VisualStudio/2011/storyboarding/control">
+  <Id Name="System.Storyboarding.Icons.CurvedArrow" Revision="1" Stencil="System.Storyboarding.Icons" StencilVersion="0.1"/>
+</Control>
+</file>
+
+<file path=customXml/item34.xml><?xml version="1.0" encoding="utf-8"?>
 <Control xmlns="http://schemas.microsoft.com/VisualStudio/2011/storyboarding/control">
   <Id Name="System.Storyboarding.Common.Text" Revision="1" Stencil="System.Storyboarding.Common" StencilVersion="0.1"/>
 </Control>
 </file>
 
-<file path=customXml/item36.xml><?xml version="1.0" encoding="utf-8"?>
-<Control xmlns="http://schemas.microsoft.com/VisualStudio/2011/storyboarding/control">
-  <Id Name="System.Storyboarding.Icons.DownArrow" Revision="1" Stencil="System.Storyboarding.Icons" StencilVersion="0.1"/>
-</Control>
-</file>
-
-<file path=customXml/item37.xml><?xml version="1.0" encoding="utf-8"?>
+<file path=customXml/item35.xml><?xml version="1.0" encoding="utf-8"?>
 <Control xmlns="http://schemas.microsoft.com/VisualStudio/2011/storyboarding/control">
   <Id Name="System.Storyboarding.Icons.HandPointer" Revision="1" Stencil="System.Storyboarding.Icons" StencilVersion="0.1"/>
 </Control>
 </file>
 
+<file path=customXml/item36.xml><?xml version="1.0" encoding="utf-8"?>
+<Control xmlns="http://schemas.microsoft.com/VisualStudio/2011/storyboarding/control">
+  <Id Name="System.Storyboarding.Common.DataGrid" Revision="1" Stencil="System.Storyboarding.Common" StencilVersion="0.1"/>
+</Control>
+</file>
+
+<file path=customXml/item37.xml><?xml version="1.0" encoding="utf-8"?>
+<Control xmlns="http://schemas.microsoft.com/VisualStudio/2011/storyboarding/control">
+  <Id Name="System.Storyboarding.Common.Text" Revision="1" Stencil="System.Storyboarding.Common" StencilVersion="0.1"/>
+</Control>
+</file>
+
 <file path=customXml/item38.xml><?xml version="1.0" encoding="utf-8"?>
 <Control xmlns="http://schemas.microsoft.com/VisualStudio/2011/storyboarding/control">
-  <Id Name="System.Storyboarding.Icons.User" Revision="1" Stencil="System.Storyboarding.Icons" StencilVersion="0.1"/>
+  <Id Name="System.Storyboarding.Common.Hyperlink" Revision="1" Stencil="System.Storyboarding.Common" StencilVersion="0.1"/>
 </Control>
 </file>
 
 <file path=customXml/item39.xml><?xml version="1.0" encoding="utf-8"?>
 <Control xmlns="http://schemas.microsoft.com/VisualStudio/2011/storyboarding/control">
-  <Id Name="System.Storyboarding.Icons.Star" Revision="1" Stencil="System.Storyboarding.Icons" StencilVersion="0.1"/>
+  <Id Name="System.Storyboarding.Common.Text" Revision="1" Stencil="System.Storyboarding.Common" StencilVersion="0.1"/>
 </Control>
 </file>
 
 <file path=customXml/item4.xml><?xml version="1.0" encoding="utf-8"?>
 <Control xmlns="http://schemas.microsoft.com/VisualStudio/2011/storyboarding/control">
-  <Id Name="System.Storyboarding.Common.NumericStepper" Revision="1" Stencil="System.Storyboarding.Common" StencilVersion="0.1"/>
+  <Id Name="System.Storyboarding.Common.Text" Revision="1" Stencil="System.Storyboarding.Common" StencilVersion="0.1"/>
 </Control>
 </file>
 
 <file path=customXml/item40.xml><?xml version="1.0" encoding="utf-8"?>
 <Control xmlns="http://schemas.microsoft.com/VisualStudio/2011/storyboarding/control">
-  <Id Name="System.Storyboarding.Icons.ShoppingCart" Revision="1" Stencil="System.Storyboarding.Icons" StencilVersion="0.1"/>
+  <Id Name="System.Storyboarding.Icons.CurvedArrow" Revision="1" Stencil="System.Storyboarding.Icons" StencilVersion="0.1"/>
 </Control>
 </file>
 
 <file path=customXml/item41.xml><?xml version="1.0" encoding="utf-8"?>
 <Control xmlns="http://schemas.microsoft.com/VisualStudio/2011/storyboarding/control">
-  <Id Name="System.Storyboarding.Icons.HandPointer" Revision="1" Stencil="System.Storyboarding.Icons" StencilVersion="0.1"/>
+  <Id Name="System.Storyboarding.Icons.ShoppingCart" Revision="1" Stencil="System.Storyboarding.Icons" StencilVersion="0.1"/>
 </Control>
 </file>
 
@@ -19379,133 +25502,133 @@
 
 <file path=customXml/item43.xml><?xml version="1.0" encoding="utf-8"?>
 <Control xmlns="http://schemas.microsoft.com/VisualStudio/2011/storyboarding/control">
+  <Id Name="System.Storyboarding.Common.TextInput" Revision="1" Stencil="System.Storyboarding.Common" StencilVersion="0.1"/>
+</Control>
+</file>
+
+<file path=customXml/item44.xml><?xml version="1.0" encoding="utf-8"?>
+<Control xmlns="http://schemas.microsoft.com/VisualStudio/2011/storyboarding/control">
+  <Id Name="System.Storyboarding.Common.Button" Revision="1" Stencil="System.Storyboarding.Common" StencilVersion="0.1"/>
+</Control>
+</file>
+
+<file path=customXml/item45.xml><?xml version="1.0" encoding="utf-8"?>
+<Control xmlns="http://schemas.microsoft.com/VisualStudio/2011/storyboarding/control">
+  <Id Name="System.Storyboarding.Common.TextInput" Revision="1" Stencil="System.Storyboarding.Common" StencilVersion="0.1"/>
+</Control>
+</file>
+
+<file path=customXml/item46.xml><?xml version="1.0" encoding="utf-8"?>
+<Control xmlns="http://schemas.microsoft.com/VisualStudio/2011/storyboarding/control">
+  <Id Name="System.Storyboarding.Common.DatePicker" Revision="1" Stencil="System.Storyboarding.Common" StencilVersion="0.1"/>
+</Control>
+</file>
+
+<file path=customXml/item47.xml><?xml version="1.0" encoding="utf-8"?>
+<Control xmlns="http://schemas.microsoft.com/VisualStudio/2011/storyboarding/control">
   <Id Name="System.Storyboarding.Common.DropdownBox" Revision="1" Stencil="System.Storyboarding.Common" StencilVersion="0.1"/>
 </Control>
 </file>
 
-<file path=customXml/item44.xml><?xml version="1.0" encoding="utf-8"?>
+<file path=customXml/item48.xml><?xml version="1.0" encoding="utf-8"?>
+<Control xmlns="http://schemas.microsoft.com/VisualStudio/2011/storyboarding/control">
+  <Id Name="System.Storyboarding.Common.TextInput" Revision="1" Stencil="System.Storyboarding.Common" StencilVersion="0.1"/>
+</Control>
+</file>
+
+<file path=customXml/item49.xml><?xml version="1.0" encoding="utf-8"?>
+<Control xmlns="http://schemas.microsoft.com/VisualStudio/2011/storyboarding/control">
+  <Id Name="System.Storyboarding.WindowsDesktop.ToolTip" Revision="1" Stencil="System.Storyboarding.WindowsDesktop" StencilVersion="0.1"/>
+</Control>
+</file>
+
+<file path=customXml/item5.xml><?xml version="1.0" encoding="utf-8"?>
+<Control xmlns="http://schemas.microsoft.com/VisualStudio/2011/storyboarding/control">
+  <Id Name="System.Storyboarding.Icons.Star" Revision="1" Stencil="System.Storyboarding.Icons" StencilVersion="0.1"/>
+</Control>
+</file>
+
+<file path=customXml/item50.xml><?xml version="1.0" encoding="utf-8"?>
 <Control xmlns="http://schemas.microsoft.com/VisualStudio/2011/storyboarding/control">
   <Id Name="System.Storyboarding.Icons.ShoppingCart" Revision="1" Stencil="System.Storyboarding.Icons" StencilVersion="0.1"/>
 </Control>
 </file>
 
-<file path=customXml/item45.xml><?xml version="1.0" encoding="utf-8"?>
+<file path=customXml/item51.xml><?xml version="1.0" encoding="utf-8"?>
+<Control xmlns="http://schemas.microsoft.com/VisualStudio/2011/storyboarding/control">
+  <Id Name="System.Storyboarding.WindowsDesktop.ToolTip" Revision="1" Stencil="System.Storyboarding.WindowsDesktop" StencilVersion="0.1"/>
+</Control>
+</file>
+
+<file path=customXml/item52.xml><?xml version="1.0" encoding="utf-8"?>
+<Control xmlns="http://schemas.microsoft.com/VisualStudio/2011/storyboarding/control">
+  <Id Name="System.Storyboarding.Icons.ShoppingCart" Revision="1" Stencil="System.Storyboarding.Icons" StencilVersion="0.1"/>
+</Control>
+</file>
+
+<file path=customXml/item53.xml><?xml version="1.0" encoding="utf-8"?>
+<Control xmlns="http://schemas.microsoft.com/VisualStudio/2011/storyboarding/control">
+  <Id Name="System.Storyboarding.Icons.User" Revision="1" Stencil="System.Storyboarding.Icons" StencilVersion="0.1"/>
+</Control>
+</file>
+
+<file path=customXml/item54.xml><?xml version="1.0" encoding="utf-8"?>
+<Control xmlns="http://schemas.microsoft.com/VisualStudio/2011/storyboarding/control">
+  <Id Name="System.Storyboarding.Common.DataGrid" Revision="1" Stencil="System.Storyboarding.Common" StencilVersion="0.1"/>
+</Control>
+</file>
+
+<file path=customXml/item55.xml><?xml version="1.0" encoding="utf-8"?>
 <Control xmlns="http://schemas.microsoft.com/VisualStudio/2011/storyboarding/control">
   <Id Name="System.Storyboarding.Icons.Star" Revision="1" Stencil="System.Storyboarding.Icons" StencilVersion="0.1"/>
 </Control>
 </file>
 
-<file path=customXml/item46.xml><?xml version="1.0" encoding="utf-8"?>
-<Control xmlns="http://schemas.microsoft.com/VisualStudio/2011/storyboarding/control">
-  <Id Name="System.Storyboarding.Common.DataGrid" Revision="1" Stencil="System.Storyboarding.Common" StencilVersion="0.1"/>
-</Control>
-</file>
-
-<file path=customXml/item47.xml><?xml version="1.0" encoding="utf-8"?>
+<file path=customXml/item56.xml><?xml version="1.0" encoding="utf-8"?>
 <Control xmlns="http://schemas.microsoft.com/VisualStudio/2011/storyboarding/control">
   <Id Name="System.Storyboarding.Icons.Star" Revision="1" Stencil="System.Storyboarding.Icons" StencilVersion="0.1"/>
 </Control>
 </file>
 
-<file path=customXml/item48.xml><?xml version="1.0" encoding="utf-8"?>
+<file path=customXml/item57.xml><?xml version="1.0" encoding="utf-8"?>
+<Control xmlns="http://schemas.microsoft.com/VisualStudio/2011/storyboarding/control">
+  <Id Name="System.Storyboarding.Icons.HandPointer" Revision="1" Stencil="System.Storyboarding.Icons" StencilVersion="0.1"/>
+</Control>
+</file>
+
+<file path=customXml/item58.xml><?xml version="1.0" encoding="utf-8"?>
+<Control xmlns="http://schemas.microsoft.com/VisualStudio/2011/storyboarding/control">
+  <Id Name="System.Storyboarding.Common.TabGroup" Revision="1" Stencil="System.Storyboarding.Common" StencilVersion="0.1"/>
+</Control>
+</file>
+
+<file path=customXml/item59.xml><?xml version="1.0" encoding="utf-8"?>
 <Control xmlns="http://schemas.microsoft.com/VisualStudio/2011/storyboarding/control">
   <Id Name="System.Storyboarding.Common.Text" Revision="1" Stencil="System.Storyboarding.Common" StencilVersion="0.1"/>
 </Control>
 </file>
 
-<file path=customXml/item49.xml><?xml version="1.0" encoding="utf-8"?>
+<file path=customXml/item6.xml><?xml version="1.0" encoding="utf-8"?>
 <Control xmlns="http://schemas.microsoft.com/VisualStudio/2011/storyboarding/control">
-  <Id Name="System.Storyboarding.Common.RadioButtonSelected" Revision="1" Stencil="System.Storyboarding.Common" StencilVersion="0.1"/>
+  <Id Name="System.Storyboarding.Common.DropdownBox" Revision="1" Stencil="System.Storyboarding.Common" StencilVersion="0.1"/>
 </Control>
 </file>
 
-<file path=customXml/item5.xml><?xml version="1.0" encoding="utf-8"?>
+<file path=customXml/item60.xml><?xml version="1.0" encoding="utf-8"?>
 <Control xmlns="http://schemas.microsoft.com/VisualStudio/2011/storyboarding/control">
   <Id Name="System.Storyboarding.Common.Text" Revision="1" Stencil="System.Storyboarding.Common" StencilVersion="0.1"/>
 </Control>
 </file>
 
-<file path=customXml/item50.xml><?xml version="1.0" encoding="utf-8"?>
-<Control xmlns="http://schemas.microsoft.com/VisualStudio/2011/storyboarding/control">
-  <Id Name="System.Storyboarding.Icons.Star" Revision="1" Stencil="System.Storyboarding.Icons" StencilVersion="0.1"/>
-</Control>
-</file>
-
-<file path=customXml/item51.xml><?xml version="1.0" encoding="utf-8"?>
-<Control xmlns="http://schemas.microsoft.com/VisualStudio/2011/storyboarding/control">
-  <Id Name="System.Storyboarding.Icons.ShoppingCart" Revision="1" Stencil="System.Storyboarding.Icons" StencilVersion="0.1"/>
-</Control>
-</file>
-
-<file path=customXml/item52.xml><?xml version="1.0" encoding="utf-8"?>
-<Control xmlns="http://schemas.microsoft.com/VisualStudio/2011/storyboarding/control">
-  <Id Name="System.Storyboarding.Common.Text" Revision="1" Stencil="System.Storyboarding.Common" StencilVersion="0.1"/>
-</Control>
-</file>
-
-<file path=customXml/item53.xml><?xml version="1.0" encoding="utf-8"?>
-<Control xmlns="http://schemas.microsoft.com/VisualStudio/2011/storyboarding/control">
-  <Id Name="System.Storyboarding.Common.DatePicker" Revision="1" Stencil="System.Storyboarding.Common" StencilVersion="0.1"/>
-</Control>
-</file>
-
-<file path=customXml/item54.xml><?xml version="1.0" encoding="utf-8"?>
-<Control xmlns="http://schemas.microsoft.com/VisualStudio/2011/storyboarding/control">
-  <Id Name="System.Storyboarding.Icons.CurvedArrow" Revision="1" Stencil="System.Storyboarding.Icons" StencilVersion="0.1"/>
-</Control>
-</file>
-
-<file path=customXml/item55.xml><?xml version="1.0" encoding="utf-8"?>
-<Control xmlns="http://schemas.microsoft.com/VisualStudio/2011/storyboarding/control">
-  <Id Name="System.Storyboarding.Icons.SpeechBubble" Revision="1" Stencil="System.Storyboarding.Icons" StencilVersion="0.1"/>
-</Control>
-</file>
-
-<file path=customXml/item56.xml><?xml version="1.0" encoding="utf-8"?>
-<Control xmlns="http://schemas.microsoft.com/VisualStudio/2011/storyboarding/control">
-  <Id Name="System.Storyboarding.Common.NumericStepper" Revision="1" Stencil="System.Storyboarding.Common" StencilVersion="0.1"/>
-</Control>
-</file>
-
-<file path=customXml/item57.xml><?xml version="1.0" encoding="utf-8"?>
-<Control xmlns="http://schemas.microsoft.com/VisualStudio/2011/storyboarding/control">
-  <Id Name="System.Storyboarding.Common.RadioButtonUnselected" Revision="1" Stencil="System.Storyboarding.Common" StencilVersion="0.1"/>
-</Control>
-</file>
-
-<file path=customXml/item58.xml><?xml version="1.0" encoding="utf-8"?>
-<Control xmlns="http://schemas.microsoft.com/VisualStudio/2011/storyboarding/control">
-  <Id Name="System.Storyboarding.Common.Button" Revision="1" Stencil="System.Storyboarding.Common" StencilVersion="0.1"/>
-</Control>
-</file>
-
-<file path=customXml/item59.xml><?xml version="1.0" encoding="utf-8"?>
-<Control xmlns="http://schemas.microsoft.com/VisualStudio/2011/storyboarding/control">
-  <Id Name="System.Storyboarding.Icons.Star" Revision="1" Stencil="System.Storyboarding.Icons" StencilVersion="0.1"/>
-</Control>
-</file>
-
-<file path=customXml/item6.xml><?xml version="1.0" encoding="utf-8"?>
+<file path=customXml/item61.xml><?xml version="1.0" encoding="utf-8"?>
 <Control xmlns="http://schemas.microsoft.com/VisualStudio/2011/storyboarding/control">
   <Id Name="System.Storyboarding.Icons.HandPointer" Revision="1" Stencil="System.Storyboarding.Icons" StencilVersion="0.1"/>
 </Control>
 </file>
 
-<file path=customXml/item60.xml><?xml version="1.0" encoding="utf-8"?>
-<Control xmlns="http://schemas.microsoft.com/VisualStudio/2011/storyboarding/control">
-  <Id Name="System.Storyboarding.WindowsDesktop.ToolTip" Revision="1" Stencil="System.Storyboarding.WindowsDesktop" StencilVersion="0.1"/>
-</Control>
-</file>
-
-<file path=customXml/item61.xml><?xml version="1.0" encoding="utf-8"?>
-<Control xmlns="http://schemas.microsoft.com/VisualStudio/2011/storyboarding/control">
-  <Id Name="System.Storyboarding.Common.Text" Revision="1" Stencil="System.Storyboarding.Common" StencilVersion="0.1"/>
-</Control>
-</file>
-
 <file path=customXml/item62.xml><?xml version="1.0" encoding="utf-8"?>
 <Control xmlns="http://schemas.microsoft.com/VisualStudio/2011/storyboarding/control">
-  <Id Name="System.Storyboarding.Common.DropdownBox" Revision="1" Stencil="System.Storyboarding.Common" StencilVersion="0.1"/>
+  <Id Name="System.Storyboarding.Icons.CurvedArrow" Revision="1" Stencil="System.Storyboarding.Icons" StencilVersion="0.1"/>
 </Control>
 </file>
 
@@ -19517,240 +25640,240 @@
 
 <file path=customXml/item64.xml><?xml version="1.0" encoding="utf-8"?>
 <Control xmlns="http://schemas.microsoft.com/VisualStudio/2011/storyboarding/control">
-  <Id Name="System.Storyboarding.Icons.CurvedArrow" Revision="1" Stencil="System.Storyboarding.Icons" StencilVersion="0.1"/>
+  <Id Name="System.Storyboarding.WindowsDesktop.ToolTip" Revision="1" Stencil="System.Storyboarding.WindowsDesktop" StencilVersion="0.1"/>
 </Control>
 </file>
 
 <file path=customXml/item65.xml><?xml version="1.0" encoding="utf-8"?>
+<Control xmlns="http://schemas.microsoft.com/VisualStudio/2011/storyboarding/control">
+  <Id Name="System.Storyboarding.Common.Text" Revision="1" Stencil="System.Storyboarding.Common" StencilVersion="0.1"/>
+</Control>
+</file>
+
+<file path=customXml/item66.xml><?xml version="1.0" encoding="utf-8"?>
+<Control xmlns="http://schemas.microsoft.com/VisualStudio/2011/storyboarding/control">
+  <Id Name="System.Storyboarding.Icons.ShoppingCart" Revision="1" Stencil="System.Storyboarding.Icons" StencilVersion="0.1"/>
+</Control>
+</file>
+
+<file path=customXml/item67.xml><?xml version="1.0" encoding="utf-8"?>
+<Control xmlns="http://schemas.microsoft.com/VisualStudio/2011/storyboarding/control">
+  <Id Name="System.Storyboarding.Icons.HandPointer" Revision="1" Stencil="System.Storyboarding.Icons" StencilVersion="0.1"/>
+</Control>
+</file>
+
+<file path=customXml/item68.xml><?xml version="1.0" encoding="utf-8"?>
+<Control xmlns="http://schemas.microsoft.com/VisualStudio/2011/storyboarding/control">
+  <Id Name="System.Storyboarding.Icons.ShoppingCart" Revision="1" Stencil="System.Storyboarding.Icons" StencilVersion="0.1"/>
+</Control>
+</file>
+
+<file path=customXml/item69.xml><?xml version="1.0" encoding="utf-8"?>
+<Control xmlns="http://schemas.microsoft.com/VisualStudio/2011/storyboarding/control">
+  <Id Name="System.Storyboarding.Icons.Star" Revision="1" Stencil="System.Storyboarding.Icons" StencilVersion="0.1"/>
+</Control>
+</file>
+
+<file path=customXml/item7.xml><?xml version="1.0" encoding="utf-8"?>
+<Control xmlns="http://schemas.microsoft.com/VisualStudio/2011/storyboarding/control">
+  <Id Name="System.Storyboarding.Common.TextArea" Revision="1" Stencil="System.Storyboarding.Common" StencilVersion="0.1"/>
+</Control>
+</file>
+
+<file path=customXml/item70.xml><?xml version="1.0" encoding="utf-8"?>
+<Control xmlns="http://schemas.microsoft.com/VisualStudio/2011/storyboarding/control">
+  <Id Name="System.Storyboarding.Common.Hyperlink" Revision="1" Stencil="System.Storyboarding.Common" StencilVersion="0.1"/>
+</Control>
+</file>
+
+<file path=customXml/item71.xml><?xml version="1.0" encoding="utf-8"?>
+<Control xmlns="http://schemas.microsoft.com/VisualStudio/2011/storyboarding/control">
+  <Id Name="System.Storyboarding.WindowsDesktop.ToolTip" Revision="1" Stencil="System.Storyboarding.WindowsDesktop" StencilVersion="0.1"/>
+</Control>
+</file>
+
+<file path=customXml/item72.xml><?xml version="1.0" encoding="utf-8"?>
+<Control xmlns="http://schemas.microsoft.com/VisualStudio/2011/storyboarding/control">
+  <Id Name="System.Storyboarding.Icons.HandPointer" Revision="1" Stencil="System.Storyboarding.Icons" StencilVersion="0.1"/>
+</Control>
+</file>
+
+<file path=customXml/item73.xml><?xml version="1.0" encoding="utf-8"?>
+<Control xmlns="http://schemas.microsoft.com/VisualStudio/2011/storyboarding/control">
+  <Id Name="System.Storyboarding.Common.DragSelection" Revision="1" Stencil="System.Storyboarding.Common" StencilVersion="0.1"/>
+</Control>
+</file>
+
+<file path=customXml/item74.xml><?xml version="1.0" encoding="utf-8"?>
+<Control xmlns="http://schemas.microsoft.com/VisualStudio/2011/storyboarding/control">
+  <Id Name="System.Storyboarding.Common.Text" Revision="1" Stencil="System.Storyboarding.Common" StencilVersion="0.1"/>
+</Control>
+</file>
+
+<file path=customXml/item75.xml><?xml version="1.0" encoding="utf-8"?>
+<Control xmlns="http://schemas.microsoft.com/VisualStudio/2011/storyboarding/control">
+  <Id Name="System.Storyboarding.Icons.Warning" Revision="1" Stencil="System.Storyboarding.Icons" StencilVersion="0.1"/>
+</Control>
+</file>
+
+<file path=customXml/item76.xml><?xml version="1.0" encoding="utf-8"?>
+<Control xmlns="http://schemas.microsoft.com/VisualStudio/2011/storyboarding/control">
+  <Id Name="System.Storyboarding.Icons.DownArrow" Revision="1" Stencil="System.Storyboarding.Icons" StencilVersion="0.1"/>
+</Control>
+</file>
+
+<file path=customXml/item77.xml><?xml version="1.0" encoding="utf-8"?>
+<Control xmlns="http://schemas.microsoft.com/VisualStudio/2011/storyboarding/control">
+  <Id Name="System.Storyboarding.Common.RadioButtonSelected" Revision="1" Stencil="System.Storyboarding.Common" StencilVersion="0.1"/>
+</Control>
+</file>
+
+<file path=customXml/item78.xml><?xml version="1.0" encoding="utf-8"?>
+<Control xmlns="http://schemas.microsoft.com/VisualStudio/2011/storyboarding/control">
+  <Id Name="System.Storyboarding.Common.RadioButtonUnselected" Revision="1" Stencil="System.Storyboarding.Common" StencilVersion="0.1"/>
+</Control>
+</file>
+
+<file path=customXml/item79.xml><?xml version="1.0" encoding="utf-8"?>
+<Control xmlns="http://schemas.microsoft.com/VisualStudio/2011/storyboarding/control">
+  <Id Name="System.Storyboarding.Icons.ShoppingCart" Revision="1" Stencil="System.Storyboarding.Icons" StencilVersion="0.1"/>
+</Control>
+</file>
+
+<file path=customXml/item8.xml><?xml version="1.0" encoding="utf-8"?>
+<Control xmlns="http://schemas.microsoft.com/VisualStudio/2011/storyboarding/control">
+  <Id Name="System.Storyboarding.Icons.HandPointer" Revision="1" Stencil="System.Storyboarding.Icons" StencilVersion="0.1"/>
+</Control>
+</file>
+
+<file path=customXml/item80.xml><?xml version="1.0" encoding="utf-8"?>
+<Control xmlns="http://schemas.microsoft.com/VisualStudio/2011/storyboarding/control">
+  <Id Name="System.Storyboarding.Common.Hyperlink" Revision="1" Stencil="System.Storyboarding.Common" StencilVersion="0.1"/>
+</Control>
+</file>
+
+<file path=customXml/item81.xml><?xml version="1.0" encoding="utf-8"?>
+<Control xmlns="http://schemas.microsoft.com/VisualStudio/2011/storyboarding/control">
+  <Id Name="System.Storyboarding.Common.DropdownBox" Revision="1" Stencil="System.Storyboarding.Common" StencilVersion="0.1"/>
+</Control>
+</file>
+
+<file path=customXml/item82.xml><?xml version="1.0" encoding="utf-8"?>
+<Control xmlns="http://schemas.microsoft.com/VisualStudio/2011/storyboarding/control">
+  <Id Name="System.Storyboarding.Icons.DownArrow" Revision="1" Stencil="System.Storyboarding.Icons" StencilVersion="0.1"/>
+</Control>
+</file>
+
+<file path=customXml/item83.xml><?xml version="1.0" encoding="utf-8"?>
+<Control xmlns="http://schemas.microsoft.com/VisualStudio/2011/storyboarding/control">
+  <Id Name="System.Storyboarding.Common.TextInput" Revision="1" Stencil="System.Storyboarding.Common" StencilVersion="0.1"/>
+</Control>
+</file>
+
+<file path=customXml/item84.xml><?xml version="1.0" encoding="utf-8"?>
+<Control xmlns="http://schemas.microsoft.com/VisualStudio/2011/storyboarding/control">
+  <Id Name="System.Storyboarding.Icons.ShoppingCart" Revision="1" Stencil="System.Storyboarding.Icons" StencilVersion="0.1"/>
+</Control>
+</file>
+
+<file path=customXml/item85.xml><?xml version="1.0" encoding="utf-8"?>
+<Control xmlns="http://schemas.microsoft.com/VisualStudio/2011/storyboarding/control">
+  <Id Name="System.Storyboarding.Common.Text" Revision="1" Stencil="System.Storyboarding.Common" StencilVersion="0.1"/>
+</Control>
+</file>
+
+<file path=customXml/item86.xml><?xml version="1.0" encoding="utf-8"?>
+<Control xmlns="http://schemas.microsoft.com/VisualStudio/2011/storyboarding/control">
+  <Id Name="System.Storyboarding.WindowsDesktop.ToolTip" Revision="1" Stencil="System.Storyboarding.WindowsDesktop" StencilVersion="0.1"/>
+</Control>
+</file>
+
+<file path=customXml/item87.xml><?xml version="1.0" encoding="utf-8"?>
 <Control xmlns="http://schemas.microsoft.com/VisualStudio/2011/storyboarding/control">
   <Id Name="System.Storyboarding.Common.TabGroup" Revision="1" Stencil="System.Storyboarding.Common" StencilVersion="0.1"/>
 </Control>
 </file>
 
-<file path=customXml/item66.xml><?xml version="1.0" encoding="utf-8"?>
+<file path=customXml/item88.xml><?xml version="1.0" encoding="utf-8"?>
+<Control xmlns="http://schemas.microsoft.com/VisualStudio/2011/storyboarding/control">
+  <Id Name="System.Storyboarding.Common.Hyperlink" Revision="1" Stencil="System.Storyboarding.Common" StencilVersion="0.1"/>
+</Control>
+</file>
+
+<file path=customXml/item89.xml><?xml version="1.0" encoding="utf-8"?>
+<Control xmlns="http://schemas.microsoft.com/VisualStudio/2011/storyboarding/control">
+  <Id Name="System.Storyboarding.WindowsDesktop.ToolTip" Revision="1" Stencil="System.Storyboarding.WindowsDesktop" StencilVersion="0.1"/>
+</Control>
+</file>
+
+<file path=customXml/item9.xml><?xml version="1.0" encoding="utf-8"?>
+<Control xmlns="http://schemas.microsoft.com/VisualStudio/2011/storyboarding/control">
+  <Id Name="System.Storyboarding.Common.RadioButtonSelected" Revision="1" Stencil="System.Storyboarding.Common" StencilVersion="0.1"/>
+</Control>
+</file>
+
+<file path=customXml/item90.xml><?xml version="1.0" encoding="utf-8"?>
+<Control xmlns="http://schemas.microsoft.com/VisualStudio/2011/storyboarding/control">
+  <Id Name="System.Storyboarding.Icons.Star" Revision="1" Stencil="System.Storyboarding.Icons" StencilVersion="0.1"/>
+</Control>
+</file>
+
+<file path=customXml/item91.xml><?xml version="1.0" encoding="utf-8"?>
 <Control xmlns="http://schemas.microsoft.com/VisualStudio/2011/storyboarding/control">
   <Id Name="System.Storyboarding.Common.Text" Revision="1" Stencil="System.Storyboarding.Common" StencilVersion="0.1"/>
 </Control>
 </file>
 
-<file path=customXml/item67.xml><?xml version="1.0" encoding="utf-8"?>
+<file path=customXml/item92.xml><?xml version="1.0" encoding="utf-8"?>
 <Control xmlns="http://schemas.microsoft.com/VisualStudio/2011/storyboarding/control">
-  <Id Name="System.Storyboarding.Icons.Star" Revision="1" Stencil="System.Storyboarding.Icons" StencilVersion="0.1"/>
+  <Id Name="System.Storyboarding.Icons.HandPointer" Revision="1" Stencil="System.Storyboarding.Icons" StencilVersion="0.1"/>
 </Control>
 </file>
 
-<file path=customXml/item68.xml><?xml version="1.0" encoding="utf-8"?>
+<file path=customXml/item93.xml><?xml version="1.0" encoding="utf-8"?>
 <Control xmlns="http://schemas.microsoft.com/VisualStudio/2011/storyboarding/control">
-  <Id Name="System.Storyboarding.Common.TextArea" Revision="1" Stencil="System.Storyboarding.Common" StencilVersion="0.1"/>
+  <Id Name="System.Storyboarding.Common.TabGroup" Revision="1" Stencil="System.Storyboarding.Common" StencilVersion="0.1"/>
 </Control>
 </file>
 
-<file path=customXml/item69.xml><?xml version="1.0" encoding="utf-8"?>
+<file path=customXml/item94.xml><?xml version="1.0" encoding="utf-8"?>
+<Control xmlns="http://schemas.microsoft.com/VisualStudio/2011/storyboarding/control">
+  <Id Name="System.Storyboarding.Common.NumericStepper" Revision="1" Stencil="System.Storyboarding.Common" StencilVersion="0.1"/>
+</Control>
+</file>
+
+<file path=customXml/item95.xml><?xml version="1.0" encoding="utf-8"?>
+<Control xmlns="http://schemas.microsoft.com/VisualStudio/2011/storyboarding/control">
+  <Id Name="System.Storyboarding.Common.LinkBar" Revision="1" Stencil="System.Storyboarding.Common" StencilVersion="0.1"/>
+</Control>
+</file>
+
+<file path=customXml/item96.xml><?xml version="1.0" encoding="utf-8"?>
+<Control xmlns="http://schemas.microsoft.com/VisualStudio/2011/storyboarding/control">
+  <Id Name="System.Storyboarding.Common.NumericStepper" Revision="1" Stencil="System.Storyboarding.Common" StencilVersion="0.1"/>
+</Control>
+</file>
+
+<file path=customXml/item97.xml><?xml version="1.0" encoding="utf-8"?>
+<Control xmlns="http://schemas.microsoft.com/VisualStudio/2011/storyboarding/control">
+  <Id Name="System.Storyboarding.Common.Button" Revision="1" Stencil="System.Storyboarding.Common" StencilVersion="0.1"/>
+</Control>
+</file>
+
+<file path=customXml/item98.xml><?xml version="1.0" encoding="utf-8"?>
+<Control xmlns="http://schemas.microsoft.com/VisualStudio/2011/storyboarding/control">
+  <Id Name="System.Storyboarding.Common.TextInput" Revision="1" Stencil="System.Storyboarding.Common" StencilVersion="0.1"/>
+</Control>
+</file>
+
+<file path=customXml/item99.xml><?xml version="1.0" encoding="utf-8"?>
 <Control xmlns="http://schemas.microsoft.com/VisualStudio/2011/storyboarding/control">
   <Id Name="System.Storyboarding.Common.Text" Revision="1" Stencil="System.Storyboarding.Common" StencilVersion="0.1"/>
 </Control>
 </file>
 
-<file path=customXml/item7.xml><?xml version="1.0" encoding="utf-8"?>
-<Control xmlns="http://schemas.microsoft.com/VisualStudio/2011/storyboarding/control">
-  <Id Name="System.Storyboarding.Common.Text" Revision="1" Stencil="System.Storyboarding.Common" StencilVersion="0.1"/>
-</Control>
-</file>
-
-<file path=customXml/item70.xml><?xml version="1.0" encoding="utf-8"?>
-<Control xmlns="http://schemas.microsoft.com/VisualStudio/2011/storyboarding/control">
-  <Id Name="System.Storyboarding.WindowsDesktop.ToolTip" Revision="1" Stencil="System.Storyboarding.WindowsDesktop" StencilVersion="0.1"/>
-</Control>
-</file>
-
-<file path=customXml/item71.xml><?xml version="1.0" encoding="utf-8"?>
-<Control xmlns="http://schemas.microsoft.com/VisualStudio/2011/storyboarding/control">
-  <Id Name="System.Storyboarding.Icons.ShoppingCart" Revision="1" Stencil="System.Storyboarding.Icons" StencilVersion="0.1"/>
-</Control>
-</file>
-
-<file path=customXml/item72.xml><?xml version="1.0" encoding="utf-8"?>
-<Control xmlns="http://schemas.microsoft.com/VisualStudio/2011/storyboarding/control">
-  <Id Name="System.Storyboarding.Common.Text" Revision="1" Stencil="System.Storyboarding.Common" StencilVersion="0.1"/>
-</Control>
-</file>
-
-<file path=customXml/item73.xml><?xml version="1.0" encoding="utf-8"?>
-<Control xmlns="http://schemas.microsoft.com/VisualStudio/2011/storyboarding/control">
-  <Id Name="System.Storyboarding.Common.Hyperlink" Revision="1" Stencil="System.Storyboarding.Common" StencilVersion="0.1"/>
-</Control>
-</file>
-
-<file path=customXml/item74.xml><?xml version="1.0" encoding="utf-8"?>
-<Control xmlns="http://schemas.microsoft.com/VisualStudio/2011/storyboarding/control">
-  <Id Name="System.Storyboarding.Icons.DownArrow" Revision="1" Stencil="System.Storyboarding.Icons" StencilVersion="0.1"/>
-</Control>
-</file>
-
-<file path=customXml/item75.xml><?xml version="1.0" encoding="utf-8"?>
-<Control xmlns="http://schemas.microsoft.com/VisualStudio/2011/storyboarding/control">
-  <Id Name="System.Storyboarding.Common.Text" Revision="1" Stencil="System.Storyboarding.Common" StencilVersion="0.1"/>
-</Control>
-</file>
-
-<file path=customXml/item76.xml><?xml version="1.0" encoding="utf-8"?>
-<Control xmlns="http://schemas.microsoft.com/VisualStudio/2011/storyboarding/control">
-  <Id Name="System.Storyboarding.Icons.Warning" Revision="1" Stencil="System.Storyboarding.Icons" StencilVersion="0.1"/>
-</Control>
-</file>
-
-<file path=customXml/item77.xml><?xml version="1.0" encoding="utf-8"?>
-<Control xmlns="http://schemas.microsoft.com/VisualStudio/2011/storyboarding/control">
-  <Id Name="System.Storyboarding.Icons.HandPointer" Revision="1" Stencil="System.Storyboarding.Icons" StencilVersion="0.1"/>
-</Control>
-</file>
-
-<file path=customXml/item78.xml><?xml version="1.0" encoding="utf-8"?>
-<Control xmlns="http://schemas.microsoft.com/VisualStudio/2011/storyboarding/control">
-  <Id Name="System.Storyboarding.WindowsDesktop.ToolTip" Revision="1" Stencil="System.Storyboarding.WindowsDesktop" StencilVersion="0.1"/>
-</Control>
-</file>
-
-<file path=customXml/item79.xml><?xml version="1.0" encoding="utf-8"?>
-<Control xmlns="http://schemas.microsoft.com/VisualStudio/2011/storyboarding/control">
-  <Id Name="System.Storyboarding.Common.Text" Revision="1" Stencil="System.Storyboarding.Common" StencilVersion="0.1"/>
-</Control>
-</file>
-
-<file path=customXml/item8.xml><?xml version="1.0" encoding="utf-8"?>
-<Control xmlns="http://schemas.microsoft.com/VisualStudio/2011/storyboarding/control">
-  <Id Name="System.Storyboarding.Icons.CurvedArrow" Revision="1" Stencil="System.Storyboarding.Icons" StencilVersion="0.1"/>
-</Control>
-</file>
-
-<file path=customXml/item80.xml><?xml version="1.0" encoding="utf-8"?>
-<Control xmlns="http://schemas.microsoft.com/VisualStudio/2011/storyboarding/control">
-  <Id Name="System.Storyboarding.Common.TextInput" Revision="1" Stencil="System.Storyboarding.Common" StencilVersion="0.1"/>
-</Control>
-</file>
-
-<file path=customXml/item81.xml><?xml version="1.0" encoding="utf-8"?>
-<Control xmlns="http://schemas.microsoft.com/VisualStudio/2011/storyboarding/control">
-  <Id Name="System.Storyboarding.Icons.Star" Revision="1" Stencil="System.Storyboarding.Icons" StencilVersion="0.1"/>
-</Control>
-</file>
-
-<file path=customXml/item82.xml><?xml version="1.0" encoding="utf-8"?>
-<Control xmlns="http://schemas.microsoft.com/VisualStudio/2011/storyboarding/control">
-  <Id Name="System.Storyboarding.Icons.ShoppingCart" Revision="1" Stencil="System.Storyboarding.Icons" StencilVersion="0.1"/>
-</Control>
-</file>
-
-<file path=customXml/item83.xml><?xml version="1.0" encoding="utf-8"?>
-<Control xmlns="http://schemas.microsoft.com/VisualStudio/2011/storyboarding/control">
-  <Id Name="System.Storyboarding.Icons.ShoppingCart" Revision="1" Stencil="System.Storyboarding.Icons" StencilVersion="0.1"/>
-</Control>
-</file>
-
-<file path=customXml/item84.xml><?xml version="1.0" encoding="utf-8"?>
-<Control xmlns="http://schemas.microsoft.com/VisualStudio/2011/storyboarding/control">
-  <Id Name="System.Storyboarding.Icons.HandPointer" Revision="1" Stencil="System.Storyboarding.Icons" StencilVersion="0.1"/>
-</Control>
-</file>
-
-<file path=customXml/item85.xml><?xml version="1.0" encoding="utf-8"?>
-<Control xmlns="http://schemas.microsoft.com/VisualStudio/2011/storyboarding/control">
-  <Id Name="System.Storyboarding.Common.Button" Revision="1" Stencil="System.Storyboarding.Common" StencilVersion="0.1"/>
-</Control>
-</file>
-
-<file path=customXml/item86.xml><?xml version="1.0" encoding="utf-8"?>
-<Control xmlns="http://schemas.microsoft.com/VisualStudio/2011/storyboarding/control">
-  <Id Name="System.Storyboarding.Common.Text" Revision="1" Stencil="System.Storyboarding.Common" StencilVersion="0.1"/>
-</Control>
-</file>
-
-<file path=customXml/item87.xml><?xml version="1.0" encoding="utf-8"?>
-<Control xmlns="http://schemas.microsoft.com/VisualStudio/2011/storyboarding/control">
-  <Id Name="System.Storyboarding.Common.TextInput" Revision="1" Stencil="System.Storyboarding.Common" StencilVersion="0.1"/>
-</Control>
-</file>
-
-<file path=customXml/item88.xml><?xml version="1.0" encoding="utf-8"?>
-<Control xmlns="http://schemas.microsoft.com/VisualStudio/2011/storyboarding/control">
-  <Id Name="System.Storyboarding.Icons.HandPointer" Revision="1" Stencil="System.Storyboarding.Icons" StencilVersion="0.1"/>
-</Control>
-</file>
-
-<file path=customXml/item89.xml><?xml version="1.0" encoding="utf-8"?>
-<Control xmlns="http://schemas.microsoft.com/VisualStudio/2011/storyboarding/control">
-  <Id Name="System.Storyboarding.Common.RadioButtonSelected" Revision="1" Stencil="System.Storyboarding.Common" StencilVersion="0.1"/>
-</Control>
-</file>
-
-<file path=customXml/item9.xml><?xml version="1.0" encoding="utf-8"?>
-<Control xmlns="http://schemas.microsoft.com/VisualStudio/2011/storyboarding/control">
-  <Id Name="System.Storyboarding.Common.Button" Revision="1" Stencil="System.Storyboarding.Common" StencilVersion="0.1"/>
-</Control>
-</file>
-
-<file path=customXml/item90.xml><?xml version="1.0" encoding="utf-8"?>
-<Control xmlns="http://schemas.microsoft.com/VisualStudio/2011/storyboarding/control">
-  <Id Name="System.Storyboarding.Common.CheckBoxChecked" Revision="1" Stencil="System.Storyboarding.Common" StencilVersion="0.1"/>
-</Control>
-</file>
-
-<file path=customXml/item91.xml><?xml version="1.0" encoding="utf-8"?>
-<Control xmlns="http://schemas.microsoft.com/VisualStudio/2011/storyboarding/control">
-  <Id Name="System.Storyboarding.Icons.ShoppingCart" Revision="1" Stencil="System.Storyboarding.Icons" StencilVersion="0.1"/>
-</Control>
-</file>
-
-<file path=customXml/item92.xml><?xml version="1.0" encoding="utf-8"?>
-<Control xmlns="http://schemas.microsoft.com/VisualStudio/2011/storyboarding/control">
-  <Id Name="System.Storyboarding.Icons.CurvedArrow" Revision="1" Stencil="System.Storyboarding.Icons" StencilVersion="0.1"/>
-</Control>
-</file>
-
-<file path=customXml/item93.xml><?xml version="1.0" encoding="utf-8"?>
-<Control xmlns="http://schemas.microsoft.com/VisualStudio/2011/storyboarding/control">
-  <Id Name="System.Storyboarding.Common.TextInput" Revision="1" Stencil="System.Storyboarding.Common" StencilVersion="0.1"/>
-</Control>
-</file>
-
-<file path=customXml/item94.xml><?xml version="1.0" encoding="utf-8"?>
-<Control xmlns="http://schemas.microsoft.com/VisualStudio/2011/storyboarding/control">
-  <Id Name="System.Storyboarding.Icons.HandPointer" Revision="1" Stencil="System.Storyboarding.Icons" StencilVersion="0.1"/>
-</Control>
-</file>
-
-<file path=customXml/item95.xml><?xml version="1.0" encoding="utf-8"?>
-<Control xmlns="http://schemas.microsoft.com/VisualStudio/2011/storyboarding/control">
-  <Id Name="System.Storyboarding.Common.Text" Revision="1" Stencil="System.Storyboarding.Common" StencilVersion="0.1"/>
-</Control>
-</file>
-
-<file path=customXml/item96.xml><?xml version="1.0" encoding="utf-8"?>
-<Control xmlns="http://schemas.microsoft.com/VisualStudio/2011/storyboarding/control">
-  <Id Name="System.Storyboarding.Icons.Star" Revision="1" Stencil="System.Storyboarding.Icons" StencilVersion="0.1"/>
-</Control>
-</file>
-
-<file path=customXml/item97.xml><?xml version="1.0" encoding="utf-8"?>
-<Control xmlns="http://schemas.microsoft.com/VisualStudio/2011/storyboarding/control">
-  <Id Name="System.Storyboarding.Common.Text" Revision="1" Stencil="System.Storyboarding.Common" StencilVersion="0.1"/>
-</Control>
-</file>
-
-<file path=customXml/item98.xml><?xml version="1.0" encoding="utf-8"?>
-<Control xmlns="http://schemas.microsoft.com/VisualStudio/2011/storyboarding/control">
-  <Id Name="System.Storyboarding.Common.DatePicker" Revision="1" Stencil="System.Storyboarding.Common" StencilVersion="0.1"/>
-</Control>
-</file>
-
-<file path=customXml/item99.xml><?xml version="1.0" encoding="utf-8"?>
-<Control xmlns="http://schemas.microsoft.com/VisualStudio/2011/storyboarding/control">
-  <Id Name="System.Storyboarding.Common.TabGroup" Revision="1" Stencil="System.Storyboarding.Common" StencilVersion="0.1"/>
-</Control>
-</file>
-
 <file path=customXml/itemProps1.xml><?xml version="1.0" encoding="utf-8"?>
-<ds:datastoreItem xmlns:ds="http://schemas.openxmlformats.org/officeDocument/2006/customXml" ds:itemID="{88FF388B-936F-494E-A575-6D8128D38F2C}">
+<ds:datastoreItem xmlns:ds="http://schemas.openxmlformats.org/officeDocument/2006/customXml" ds:itemID="{3D180A80-32EA-4B75-B874-79AE921CE972}">
   <ds:schemaRefs>
     <ds:schemaRef ds:uri="http://schemas.microsoft.com/VisualStudio/2011/storyboarding/control"/>
   </ds:schemaRefs>
@@ -19758,7 +25881,7 @@
 </file>
 
 <file path=customXml/itemProps10.xml><?xml version="1.0" encoding="utf-8"?>
-<ds:datastoreItem xmlns:ds="http://schemas.openxmlformats.org/officeDocument/2006/customXml" ds:itemID="{5D8B0E09-8918-4A3B-A8C3-C8F08ABA4428}">
+<ds:datastoreItem xmlns:ds="http://schemas.openxmlformats.org/officeDocument/2006/customXml" ds:itemID="{CD63B274-1815-48D1-99A0-018FC57DD355}">
   <ds:schemaRefs>
     <ds:schemaRef ds:uri="http://schemas.microsoft.com/VisualStudio/2011/storyboarding/control"/>
   </ds:schemaRefs>
@@ -19766,7 +25889,7 @@
 </file>
 
 <file path=customXml/itemProps100.xml><?xml version="1.0" encoding="utf-8"?>
-<ds:datastoreItem xmlns:ds="http://schemas.openxmlformats.org/officeDocument/2006/customXml" ds:itemID="{42063805-6CB9-4EB6-A3CE-140E342850A1}">
+<ds:datastoreItem xmlns:ds="http://schemas.openxmlformats.org/officeDocument/2006/customXml" ds:itemID="{06F9B291-5871-4D41-84EA-E759ADCB386D}">
   <ds:schemaRefs>
     <ds:schemaRef ds:uri="http://schemas.microsoft.com/VisualStudio/2011/storyboarding/control"/>
   </ds:schemaRefs>
@@ -19774,7 +25897,7 @@
 </file>
 
 <file path=customXml/itemProps101.xml><?xml version="1.0" encoding="utf-8"?>
-<ds:datastoreItem xmlns:ds="http://schemas.openxmlformats.org/officeDocument/2006/customXml" ds:itemID="{3F432E18-CBCB-42D0-A7E7-33B1387D14AE}">
+<ds:datastoreItem xmlns:ds="http://schemas.openxmlformats.org/officeDocument/2006/customXml" ds:itemID="{791F2DB3-CC8F-4C15-8743-590F26544D6B}">
   <ds:schemaRefs>
     <ds:schemaRef ds:uri="http://schemas.microsoft.com/VisualStudio/2011/storyboarding/control"/>
   </ds:schemaRefs>
@@ -19782,6 +25905,614 @@
 </file>
 
 <file path=customXml/itemProps102.xml><?xml version="1.0" encoding="utf-8"?>
+<ds:datastoreItem xmlns:ds="http://schemas.openxmlformats.org/officeDocument/2006/customXml" ds:itemID="{E4B5B485-683D-4DEA-B56B-01CED7BABF5B}">
+  <ds:schemaRefs>
+    <ds:schemaRef ds:uri="http://schemas.microsoft.com/VisualStudio/2011/storyboarding/control"/>
+  </ds:schemaRefs>
+</ds:datastoreItem>
+</file>
+
+<file path=customXml/itemProps103.xml><?xml version="1.0" encoding="utf-8"?>
+<ds:datastoreItem xmlns:ds="http://schemas.openxmlformats.org/officeDocument/2006/customXml" ds:itemID="{9A09CA26-6854-4F3C-9516-942B8F58A388}">
+  <ds:schemaRefs>
+    <ds:schemaRef ds:uri="http://schemas.microsoft.com/VisualStudio/2011/storyboarding/control"/>
+  </ds:schemaRefs>
+</ds:datastoreItem>
+</file>
+
+<file path=customXml/itemProps104.xml><?xml version="1.0" encoding="utf-8"?>
+<ds:datastoreItem xmlns:ds="http://schemas.openxmlformats.org/officeDocument/2006/customXml" ds:itemID="{BF63BC62-A2B6-4DC4-A6F4-7F46DAD5D502}">
+  <ds:schemaRefs>
+    <ds:schemaRef ds:uri="http://schemas.microsoft.com/VisualStudio/2011/storyboarding/control"/>
+  </ds:schemaRefs>
+</ds:datastoreItem>
+</file>
+
+<file path=customXml/itemProps105.xml><?xml version="1.0" encoding="utf-8"?>
+<ds:datastoreItem xmlns:ds="http://schemas.openxmlformats.org/officeDocument/2006/customXml" ds:itemID="{49876BA4-ED70-4F54-946C-7F2FDA8101B3}">
+  <ds:schemaRefs>
+    <ds:schemaRef ds:uri="http://schemas.microsoft.com/VisualStudio/2011/storyboarding/control"/>
+  </ds:schemaRefs>
+</ds:datastoreItem>
+</file>
+
+<file path=customXml/itemProps106.xml><?xml version="1.0" encoding="utf-8"?>
+<ds:datastoreItem xmlns:ds="http://schemas.openxmlformats.org/officeDocument/2006/customXml" ds:itemID="{47D5C557-1651-48F6-8155-1FB19872772E}">
+  <ds:schemaRefs>
+    <ds:schemaRef ds:uri="http://schemas.microsoft.com/VisualStudio/2011/storyboarding/control"/>
+  </ds:schemaRefs>
+</ds:datastoreItem>
+</file>
+
+<file path=customXml/itemProps107.xml><?xml version="1.0" encoding="utf-8"?>
+<ds:datastoreItem xmlns:ds="http://schemas.openxmlformats.org/officeDocument/2006/customXml" ds:itemID="{E22473B6-028C-4621-B51B-A79A7F2A92EE}">
+  <ds:schemaRefs>
+    <ds:schemaRef ds:uri="http://schemas.microsoft.com/VisualStudio/2011/storyboarding/control"/>
+  </ds:schemaRefs>
+</ds:datastoreItem>
+</file>
+
+<file path=customXml/itemProps108.xml><?xml version="1.0" encoding="utf-8"?>
+<ds:datastoreItem xmlns:ds="http://schemas.openxmlformats.org/officeDocument/2006/customXml" ds:itemID="{F3A30563-1C38-472B-9DE8-7FE3C78EAD2C}">
+  <ds:schemaRefs>
+    <ds:schemaRef ds:uri="http://schemas.microsoft.com/VisualStudio/2011/storyboarding/control"/>
+  </ds:schemaRefs>
+</ds:datastoreItem>
+</file>
+
+<file path=customXml/itemProps109.xml><?xml version="1.0" encoding="utf-8"?>
+<ds:datastoreItem xmlns:ds="http://schemas.openxmlformats.org/officeDocument/2006/customXml" ds:itemID="{B26B6A26-396F-4D0F-A263-FAD705C1B8A8}">
+  <ds:schemaRefs>
+    <ds:schemaRef ds:uri="http://schemas.microsoft.com/VisualStudio/2011/storyboarding/control"/>
+  </ds:schemaRefs>
+</ds:datastoreItem>
+</file>
+
+<file path=customXml/itemProps11.xml><?xml version="1.0" encoding="utf-8"?>
+<ds:datastoreItem xmlns:ds="http://schemas.openxmlformats.org/officeDocument/2006/customXml" ds:itemID="{1F0E1F79-632F-4EB0-82C0-5A1AFD1072FB}">
+  <ds:schemaRefs>
+    <ds:schemaRef ds:uri="http://schemas.microsoft.com/VisualStudio/2011/storyboarding/control"/>
+  </ds:schemaRefs>
+</ds:datastoreItem>
+</file>
+
+<file path=customXml/itemProps110.xml><?xml version="1.0" encoding="utf-8"?>
+<ds:datastoreItem xmlns:ds="http://schemas.openxmlformats.org/officeDocument/2006/customXml" ds:itemID="{0112F604-12CF-4AF0-B1B9-DFC27CF2EB39}">
+  <ds:schemaRefs>
+    <ds:schemaRef ds:uri="http://schemas.microsoft.com/VisualStudio/2011/storyboarding/control"/>
+  </ds:schemaRefs>
+</ds:datastoreItem>
+</file>
+
+<file path=customXml/itemProps111.xml><?xml version="1.0" encoding="utf-8"?>
+<ds:datastoreItem xmlns:ds="http://schemas.openxmlformats.org/officeDocument/2006/customXml" ds:itemID="{368C58DE-69E5-468F-8FEE-B8D0683E2F32}">
+  <ds:schemaRefs>
+    <ds:schemaRef ds:uri="http://schemas.microsoft.com/VisualStudio/2011/storyboarding/control"/>
+  </ds:schemaRefs>
+</ds:datastoreItem>
+</file>
+
+<file path=customXml/itemProps112.xml><?xml version="1.0" encoding="utf-8"?>
+<ds:datastoreItem xmlns:ds="http://schemas.openxmlformats.org/officeDocument/2006/customXml" ds:itemID="{B165D352-70D4-40FE-85FF-532687BB8AFA}">
+  <ds:schemaRefs>
+    <ds:schemaRef ds:uri="http://schemas.microsoft.com/VisualStudio/2011/storyboarding/control"/>
+  </ds:schemaRefs>
+</ds:datastoreItem>
+</file>
+
+<file path=customXml/itemProps113.xml><?xml version="1.0" encoding="utf-8"?>
+<ds:datastoreItem xmlns:ds="http://schemas.openxmlformats.org/officeDocument/2006/customXml" ds:itemID="{BB08E1D8-D864-4F18-BB84-C71EFF99EB19}">
+  <ds:schemaRefs>
+    <ds:schemaRef ds:uri="http://schemas.microsoft.com/VisualStudio/2011/storyboarding/control"/>
+  </ds:schemaRefs>
+</ds:datastoreItem>
+</file>
+
+<file path=customXml/itemProps114.xml><?xml version="1.0" encoding="utf-8"?>
+<ds:datastoreItem xmlns:ds="http://schemas.openxmlformats.org/officeDocument/2006/customXml" ds:itemID="{D226A0C3-5037-4DCE-847C-5DB2A993A518}">
+  <ds:schemaRefs>
+    <ds:schemaRef ds:uri="http://schemas.microsoft.com/VisualStudio/2011/storyboarding/control"/>
+  </ds:schemaRefs>
+</ds:datastoreItem>
+</file>
+
+<file path=customXml/itemProps115.xml><?xml version="1.0" encoding="utf-8"?>
+<ds:datastoreItem xmlns:ds="http://schemas.openxmlformats.org/officeDocument/2006/customXml" ds:itemID="{9A9F71E7-630C-41F7-9E54-34C094B490EC}">
+  <ds:schemaRefs>
+    <ds:schemaRef ds:uri="http://schemas.microsoft.com/VisualStudio/2011/storyboarding/control"/>
+  </ds:schemaRefs>
+</ds:datastoreItem>
+</file>
+
+<file path=customXml/itemProps116.xml><?xml version="1.0" encoding="utf-8"?>
+<ds:datastoreItem xmlns:ds="http://schemas.openxmlformats.org/officeDocument/2006/customXml" ds:itemID="{18EFF3F4-83A2-4349-9694-C2396C8AF441}">
+  <ds:schemaRefs>
+    <ds:schemaRef ds:uri="http://schemas.microsoft.com/VisualStudio/2011/storyboarding/control"/>
+  </ds:schemaRefs>
+</ds:datastoreItem>
+</file>
+
+<file path=customXml/itemProps117.xml><?xml version="1.0" encoding="utf-8"?>
+<ds:datastoreItem xmlns:ds="http://schemas.openxmlformats.org/officeDocument/2006/customXml" ds:itemID="{E998C69E-52BE-44B3-B629-486376A2D891}">
+  <ds:schemaRefs>
+    <ds:schemaRef ds:uri="http://schemas.microsoft.com/VisualStudio/2011/storyboarding/control"/>
+  </ds:schemaRefs>
+</ds:datastoreItem>
+</file>
+
+<file path=customXml/itemProps118.xml><?xml version="1.0" encoding="utf-8"?>
+<ds:datastoreItem xmlns:ds="http://schemas.openxmlformats.org/officeDocument/2006/customXml" ds:itemID="{7F7B4182-C158-4CF7-BE17-BBC9AB98C52D}">
+  <ds:schemaRefs>
+    <ds:schemaRef ds:uri="http://schemas.microsoft.com/VisualStudio/2011/storyboarding/control"/>
+  </ds:schemaRefs>
+</ds:datastoreItem>
+</file>
+
+<file path=customXml/itemProps119.xml><?xml version="1.0" encoding="utf-8"?>
+<ds:datastoreItem xmlns:ds="http://schemas.openxmlformats.org/officeDocument/2006/customXml" ds:itemID="{4E01388C-A924-4BE8-985B-79D263B16D05}">
+  <ds:schemaRefs>
+    <ds:schemaRef ds:uri="http://schemas.microsoft.com/VisualStudio/2011/storyboarding/control"/>
+  </ds:schemaRefs>
+</ds:datastoreItem>
+</file>
+
+<file path=customXml/itemProps12.xml><?xml version="1.0" encoding="utf-8"?>
+<ds:datastoreItem xmlns:ds="http://schemas.openxmlformats.org/officeDocument/2006/customXml" ds:itemID="{55B5B6F8-9901-492E-97D6-EAC91518CD9E}">
+  <ds:schemaRefs>
+    <ds:schemaRef ds:uri="http://schemas.microsoft.com/VisualStudio/2011/storyboarding/control"/>
+  </ds:schemaRefs>
+</ds:datastoreItem>
+</file>
+
+<file path=customXml/itemProps120.xml><?xml version="1.0" encoding="utf-8"?>
+<ds:datastoreItem xmlns:ds="http://schemas.openxmlformats.org/officeDocument/2006/customXml" ds:itemID="{E8F31494-C899-453C-ACB3-FDC9145B9D91}">
+  <ds:schemaRefs>
+    <ds:schemaRef ds:uri="http://schemas.microsoft.com/VisualStudio/2011/storyboarding/control"/>
+  </ds:schemaRefs>
+</ds:datastoreItem>
+</file>
+
+<file path=customXml/itemProps121.xml><?xml version="1.0" encoding="utf-8"?>
+<ds:datastoreItem xmlns:ds="http://schemas.openxmlformats.org/officeDocument/2006/customXml" ds:itemID="{10D299E8-14A9-4F76-A58E-935086DED687}">
+  <ds:schemaRefs>
+    <ds:schemaRef ds:uri="http://schemas.microsoft.com/VisualStudio/2011/storyboarding/control"/>
+  </ds:schemaRefs>
+</ds:datastoreItem>
+</file>
+
+<file path=customXml/itemProps122.xml><?xml version="1.0" encoding="utf-8"?>
+<ds:datastoreItem xmlns:ds="http://schemas.openxmlformats.org/officeDocument/2006/customXml" ds:itemID="{183171CA-D024-44C6-BA60-C3C1FBC455B0}">
+  <ds:schemaRefs>
+    <ds:schemaRef ds:uri="http://schemas.microsoft.com/VisualStudio/2011/storyboarding/control"/>
+  </ds:schemaRefs>
+</ds:datastoreItem>
+</file>
+
+<file path=customXml/itemProps123.xml><?xml version="1.0" encoding="utf-8"?>
+<ds:datastoreItem xmlns:ds="http://schemas.openxmlformats.org/officeDocument/2006/customXml" ds:itemID="{C7C80165-2D84-497A-9DCA-307579EA80EF}">
+  <ds:schemaRefs>
+    <ds:schemaRef ds:uri="http://schemas.microsoft.com/VisualStudio/2011/storyboarding/control"/>
+  </ds:schemaRefs>
+</ds:datastoreItem>
+</file>
+
+<file path=customXml/itemProps124.xml><?xml version="1.0" encoding="utf-8"?>
+<ds:datastoreItem xmlns:ds="http://schemas.openxmlformats.org/officeDocument/2006/customXml" ds:itemID="{13E6BBC8-B658-48E7-A464-249B862EC920}">
+  <ds:schemaRefs>
+    <ds:schemaRef ds:uri="http://schemas.microsoft.com/VisualStudio/2011/storyboarding/control"/>
+  </ds:schemaRefs>
+</ds:datastoreItem>
+</file>
+
+<file path=customXml/itemProps125.xml><?xml version="1.0" encoding="utf-8"?>
+<ds:datastoreItem xmlns:ds="http://schemas.openxmlformats.org/officeDocument/2006/customXml" ds:itemID="{A8A90C2C-BBC2-4B86-BB21-BB46CA7DE058}">
+  <ds:schemaRefs>
+    <ds:schemaRef ds:uri="http://schemas.microsoft.com/VisualStudio/2011/storyboarding/control"/>
+  </ds:schemaRefs>
+</ds:datastoreItem>
+</file>
+
+<file path=customXml/itemProps126.xml><?xml version="1.0" encoding="utf-8"?>
+<ds:datastoreItem xmlns:ds="http://schemas.openxmlformats.org/officeDocument/2006/customXml" ds:itemID="{190B5A55-C46E-427C-8110-28892E409808}">
+  <ds:schemaRefs>
+    <ds:schemaRef ds:uri="http://schemas.microsoft.com/VisualStudio/2011/storyboarding/control"/>
+  </ds:schemaRefs>
+</ds:datastoreItem>
+</file>
+
+<file path=customXml/itemProps127.xml><?xml version="1.0" encoding="utf-8"?>
+<ds:datastoreItem xmlns:ds="http://schemas.openxmlformats.org/officeDocument/2006/customXml" ds:itemID="{DA9B892E-86E2-413D-B85B-E45654500C0A}">
+  <ds:schemaRefs>
+    <ds:schemaRef ds:uri="http://schemas.microsoft.com/VisualStudio/2011/storyboarding/control"/>
+  </ds:schemaRefs>
+</ds:datastoreItem>
+</file>
+
+<file path=customXml/itemProps128.xml><?xml version="1.0" encoding="utf-8"?>
+<ds:datastoreItem xmlns:ds="http://schemas.openxmlformats.org/officeDocument/2006/customXml" ds:itemID="{5ADFE433-8876-45D0-93E4-BC281C529072}">
+  <ds:schemaRefs>
+    <ds:schemaRef ds:uri="http://schemas.microsoft.com/VisualStudio/2011/storyboarding/control"/>
+  </ds:schemaRefs>
+</ds:datastoreItem>
+</file>
+
+<file path=customXml/itemProps129.xml><?xml version="1.0" encoding="utf-8"?>
+<ds:datastoreItem xmlns:ds="http://schemas.openxmlformats.org/officeDocument/2006/customXml" ds:itemID="{B6FC55A9-93FE-483A-B9B8-07F654237C45}">
+  <ds:schemaRefs>
+    <ds:schemaRef ds:uri="http://schemas.microsoft.com/VisualStudio/2011/storyboarding/control"/>
+  </ds:schemaRefs>
+</ds:datastoreItem>
+</file>
+
+<file path=customXml/itemProps13.xml><?xml version="1.0" encoding="utf-8"?>
+<ds:datastoreItem xmlns:ds="http://schemas.openxmlformats.org/officeDocument/2006/customXml" ds:itemID="{BECCCCB7-EF02-4A64-8488-5FAAD84A50D7}">
+  <ds:schemaRefs>
+    <ds:schemaRef ds:uri="http://schemas.microsoft.com/VisualStudio/2011/storyboarding/control"/>
+  </ds:schemaRefs>
+</ds:datastoreItem>
+</file>
+
+<file path=customXml/itemProps130.xml><?xml version="1.0" encoding="utf-8"?>
+<ds:datastoreItem xmlns:ds="http://schemas.openxmlformats.org/officeDocument/2006/customXml" ds:itemID="{1149E04B-3E8B-4296-B732-8CEB5AC1664A}">
+  <ds:schemaRefs>
+    <ds:schemaRef ds:uri="http://schemas.microsoft.com/VisualStudio/2011/storyboarding/control"/>
+  </ds:schemaRefs>
+</ds:datastoreItem>
+</file>
+
+<file path=customXml/itemProps131.xml><?xml version="1.0" encoding="utf-8"?>
+<ds:datastoreItem xmlns:ds="http://schemas.openxmlformats.org/officeDocument/2006/customXml" ds:itemID="{4F64FD6B-9172-4B1B-9866-57A2F12A3AA1}">
+  <ds:schemaRefs>
+    <ds:schemaRef ds:uri="http://schemas.microsoft.com/VisualStudio/2011/storyboarding/control"/>
+  </ds:schemaRefs>
+</ds:datastoreItem>
+</file>
+
+<file path=customXml/itemProps132.xml><?xml version="1.0" encoding="utf-8"?>
+<ds:datastoreItem xmlns:ds="http://schemas.openxmlformats.org/officeDocument/2006/customXml" ds:itemID="{F834A593-E284-4A7C-80ED-D42372AD3AFF}">
+  <ds:schemaRefs>
+    <ds:schemaRef ds:uri="http://schemas.microsoft.com/VisualStudio/2011/storyboarding/control"/>
+  </ds:schemaRefs>
+</ds:datastoreItem>
+</file>
+
+<file path=customXml/itemProps133.xml><?xml version="1.0" encoding="utf-8"?>
+<ds:datastoreItem xmlns:ds="http://schemas.openxmlformats.org/officeDocument/2006/customXml" ds:itemID="{CC7D7D72-AFCC-4840-8AC7-25CD6679F99F}">
+  <ds:schemaRefs>
+    <ds:schemaRef ds:uri="http://schemas.microsoft.com/VisualStudio/2011/storyboarding/control"/>
+  </ds:schemaRefs>
+</ds:datastoreItem>
+</file>
+
+<file path=customXml/itemProps134.xml><?xml version="1.0" encoding="utf-8"?>
+<ds:datastoreItem xmlns:ds="http://schemas.openxmlformats.org/officeDocument/2006/customXml" ds:itemID="{37CE81D8-9C4B-4E15-A141-0DD4074A0D38}">
+  <ds:schemaRefs>
+    <ds:schemaRef ds:uri="http://schemas.microsoft.com/VisualStudio/2011/storyboarding/control"/>
+  </ds:schemaRefs>
+</ds:datastoreItem>
+</file>
+
+<file path=customXml/itemProps135.xml><?xml version="1.0" encoding="utf-8"?>
+<ds:datastoreItem xmlns:ds="http://schemas.openxmlformats.org/officeDocument/2006/customXml" ds:itemID="{09A37E20-1DEC-4709-9BEF-4CAA872D75A0}">
+  <ds:schemaRefs>
+    <ds:schemaRef ds:uri="http://schemas.microsoft.com/VisualStudio/2011/storyboarding/control"/>
+  </ds:schemaRefs>
+</ds:datastoreItem>
+</file>
+
+<file path=customXml/itemProps136.xml><?xml version="1.0" encoding="utf-8"?>
+<ds:datastoreItem xmlns:ds="http://schemas.openxmlformats.org/officeDocument/2006/customXml" ds:itemID="{4EF85945-0603-4338-9A87-6BBEC29A645F}">
+  <ds:schemaRefs>
+    <ds:schemaRef ds:uri="http://schemas.microsoft.com/VisualStudio/2011/storyboarding/control"/>
+  </ds:schemaRefs>
+</ds:datastoreItem>
+</file>
+
+<file path=customXml/itemProps137.xml><?xml version="1.0" encoding="utf-8"?>
+<ds:datastoreItem xmlns:ds="http://schemas.openxmlformats.org/officeDocument/2006/customXml" ds:itemID="{01BDDC00-BCFC-4C55-8216-87EFFFB4B0EF}">
+  <ds:schemaRefs>
+    <ds:schemaRef ds:uri="http://schemas.microsoft.com/VisualStudio/2011/storyboarding/control"/>
+  </ds:schemaRefs>
+</ds:datastoreItem>
+</file>
+
+<file path=customXml/itemProps138.xml><?xml version="1.0" encoding="utf-8"?>
+<ds:datastoreItem xmlns:ds="http://schemas.openxmlformats.org/officeDocument/2006/customXml" ds:itemID="{1E781AEC-D03E-4BA8-BA32-4906E66428A6}">
+  <ds:schemaRefs>
+    <ds:schemaRef ds:uri="http://schemas.microsoft.com/VisualStudio/2011/storyboarding/control"/>
+  </ds:schemaRefs>
+</ds:datastoreItem>
+</file>
+
+<file path=customXml/itemProps139.xml><?xml version="1.0" encoding="utf-8"?>
+<ds:datastoreItem xmlns:ds="http://schemas.openxmlformats.org/officeDocument/2006/customXml" ds:itemID="{43336618-5276-4473-80F1-81F0F17F91C1}">
+  <ds:schemaRefs>
+    <ds:schemaRef ds:uri="http://schemas.microsoft.com/VisualStudio/2011/storyboarding/control"/>
+  </ds:schemaRefs>
+</ds:datastoreItem>
+</file>
+
+<file path=customXml/itemProps14.xml><?xml version="1.0" encoding="utf-8"?>
+<ds:datastoreItem xmlns:ds="http://schemas.openxmlformats.org/officeDocument/2006/customXml" ds:itemID="{62877943-EBF7-4B2F-8C26-9CC99A82D531}">
+  <ds:schemaRefs>
+    <ds:schemaRef ds:uri="http://schemas.microsoft.com/VisualStudio/2011/storyboarding/control"/>
+  </ds:schemaRefs>
+</ds:datastoreItem>
+</file>
+
+<file path=customXml/itemProps140.xml><?xml version="1.0" encoding="utf-8"?>
+<ds:datastoreItem xmlns:ds="http://schemas.openxmlformats.org/officeDocument/2006/customXml" ds:itemID="{7AA672EF-7A11-4398-838B-2152312F45B8}">
+  <ds:schemaRefs>
+    <ds:schemaRef ds:uri="http://schemas.microsoft.com/VisualStudio/2011/storyboarding/control"/>
+  </ds:schemaRefs>
+</ds:datastoreItem>
+</file>
+
+<file path=customXml/itemProps141.xml><?xml version="1.0" encoding="utf-8"?>
+<ds:datastoreItem xmlns:ds="http://schemas.openxmlformats.org/officeDocument/2006/customXml" ds:itemID="{B81612EC-0AB3-4E55-BA68-07192BFEF590}">
+  <ds:schemaRefs>
+    <ds:schemaRef ds:uri="http://schemas.microsoft.com/VisualStudio/2011/storyboarding/control"/>
+  </ds:schemaRefs>
+</ds:datastoreItem>
+</file>
+
+<file path=customXml/itemProps142.xml><?xml version="1.0" encoding="utf-8"?>
+<ds:datastoreItem xmlns:ds="http://schemas.openxmlformats.org/officeDocument/2006/customXml" ds:itemID="{16148647-754A-4A79-8420-ADA32F29D1AE}">
+  <ds:schemaRefs>
+    <ds:schemaRef ds:uri="http://schemas.microsoft.com/VisualStudio/2011/storyboarding/control"/>
+  </ds:schemaRefs>
+</ds:datastoreItem>
+</file>
+
+<file path=customXml/itemProps143.xml><?xml version="1.0" encoding="utf-8"?>
+<ds:datastoreItem xmlns:ds="http://schemas.openxmlformats.org/officeDocument/2006/customXml" ds:itemID="{6D1FD146-E493-41D7-B9FE-E113E5E0907E}">
+  <ds:schemaRefs>
+    <ds:schemaRef ds:uri="http://schemas.microsoft.com/VisualStudio/2011/storyboarding/control"/>
+  </ds:schemaRefs>
+</ds:datastoreItem>
+</file>
+
+<file path=customXml/itemProps144.xml><?xml version="1.0" encoding="utf-8"?>
+<ds:datastoreItem xmlns:ds="http://schemas.openxmlformats.org/officeDocument/2006/customXml" ds:itemID="{D834E1DB-AFE3-45CA-A0E0-B4DFA8D73792}">
+  <ds:schemaRefs>
+    <ds:schemaRef ds:uri="http://schemas.microsoft.com/VisualStudio/2011/storyboarding/control"/>
+  </ds:schemaRefs>
+</ds:datastoreItem>
+</file>
+
+<file path=customXml/itemProps145.xml><?xml version="1.0" encoding="utf-8"?>
+<ds:datastoreItem xmlns:ds="http://schemas.openxmlformats.org/officeDocument/2006/customXml" ds:itemID="{CCEFF071-20E9-4479-8AD3-888151395FEA}">
+  <ds:schemaRefs>
+    <ds:schemaRef ds:uri="http://schemas.microsoft.com/VisualStudio/2011/storyboarding/control"/>
+  </ds:schemaRefs>
+</ds:datastoreItem>
+</file>
+
+<file path=customXml/itemProps146.xml><?xml version="1.0" encoding="utf-8"?>
+<ds:datastoreItem xmlns:ds="http://schemas.openxmlformats.org/officeDocument/2006/customXml" ds:itemID="{4827173D-226F-42EC-A6EE-8DACFB97DA40}">
+  <ds:schemaRefs>
+    <ds:schemaRef ds:uri="http://schemas.microsoft.com/VisualStudio/2011/storyboarding/control"/>
+  </ds:schemaRefs>
+</ds:datastoreItem>
+</file>
+
+<file path=customXml/itemProps147.xml><?xml version="1.0" encoding="utf-8"?>
+<ds:datastoreItem xmlns:ds="http://schemas.openxmlformats.org/officeDocument/2006/customXml" ds:itemID="{0EAF2948-FD94-49F5-B377-DA8EBE204475}">
+  <ds:schemaRefs>
+    <ds:schemaRef ds:uri="http://schemas.microsoft.com/VisualStudio/2011/storyboarding/control"/>
+  </ds:schemaRefs>
+</ds:datastoreItem>
+</file>
+
+<file path=customXml/itemProps148.xml><?xml version="1.0" encoding="utf-8"?>
+<ds:datastoreItem xmlns:ds="http://schemas.openxmlformats.org/officeDocument/2006/customXml" ds:itemID="{112D8468-F75E-46D9-BF86-CF193261424D}">
+  <ds:schemaRefs>
+    <ds:schemaRef ds:uri="http://schemas.microsoft.com/VisualStudio/2011/storyboarding/control"/>
+  </ds:schemaRefs>
+</ds:datastoreItem>
+</file>
+
+<file path=customXml/itemProps149.xml><?xml version="1.0" encoding="utf-8"?>
+<ds:datastoreItem xmlns:ds="http://schemas.openxmlformats.org/officeDocument/2006/customXml" ds:itemID="{46BCF9EF-DC37-4FCD-85C7-E3BE49B5BBE1}">
+  <ds:schemaRefs>
+    <ds:schemaRef ds:uri="http://schemas.microsoft.com/VisualStudio/2011/storyboarding/control"/>
+  </ds:schemaRefs>
+</ds:datastoreItem>
+</file>
+
+<file path=customXml/itemProps15.xml><?xml version="1.0" encoding="utf-8"?>
+<ds:datastoreItem xmlns:ds="http://schemas.openxmlformats.org/officeDocument/2006/customXml" ds:itemID="{11C14D45-A737-4C48-AAAE-B66C79B7299B}">
+  <ds:schemaRefs>
+    <ds:schemaRef ds:uri="http://schemas.microsoft.com/VisualStudio/2011/storyboarding/control"/>
+  </ds:schemaRefs>
+</ds:datastoreItem>
+</file>
+
+<file path=customXml/itemProps150.xml><?xml version="1.0" encoding="utf-8"?>
+<ds:datastoreItem xmlns:ds="http://schemas.openxmlformats.org/officeDocument/2006/customXml" ds:itemID="{1A3141E3-77A5-4D7B-A648-67A53E097886}">
+  <ds:schemaRefs>
+    <ds:schemaRef ds:uri="http://schemas.microsoft.com/VisualStudio/2011/storyboarding/control"/>
+  </ds:schemaRefs>
+</ds:datastoreItem>
+</file>
+
+<file path=customXml/itemProps151.xml><?xml version="1.0" encoding="utf-8"?>
+<ds:datastoreItem xmlns:ds="http://schemas.openxmlformats.org/officeDocument/2006/customXml" ds:itemID="{D317B771-A0E2-4E64-8DB6-4A1DAFFBC0D4}">
+  <ds:schemaRefs>
+    <ds:schemaRef ds:uri="http://schemas.microsoft.com/VisualStudio/2011/storyboarding/control"/>
+  </ds:schemaRefs>
+</ds:datastoreItem>
+</file>
+
+<file path=customXml/itemProps152.xml><?xml version="1.0" encoding="utf-8"?>
+<ds:datastoreItem xmlns:ds="http://schemas.openxmlformats.org/officeDocument/2006/customXml" ds:itemID="{D44A0BFC-FCD5-4E25-9402-7C3669681F61}">
+  <ds:schemaRefs>
+    <ds:schemaRef ds:uri="http://schemas.microsoft.com/VisualStudio/2011/storyboarding/control"/>
+  </ds:schemaRefs>
+</ds:datastoreItem>
+</file>
+
+<file path=customXml/itemProps153.xml><?xml version="1.0" encoding="utf-8"?>
+<ds:datastoreItem xmlns:ds="http://schemas.openxmlformats.org/officeDocument/2006/customXml" ds:itemID="{D59F002E-70DD-4433-838F-AE958AFFFAF5}">
+  <ds:schemaRefs>
+    <ds:schemaRef ds:uri="http://schemas.microsoft.com/VisualStudio/2011/storyboarding/control"/>
+  </ds:schemaRefs>
+</ds:datastoreItem>
+</file>
+
+<file path=customXml/itemProps154.xml><?xml version="1.0" encoding="utf-8"?>
+<ds:datastoreItem xmlns:ds="http://schemas.openxmlformats.org/officeDocument/2006/customXml" ds:itemID="{307CC8CE-1E22-476C-A822-C241E51683EB}">
+  <ds:schemaRefs>
+    <ds:schemaRef ds:uri="http://schemas.microsoft.com/VisualStudio/2011/storyboarding/control"/>
+  </ds:schemaRefs>
+</ds:datastoreItem>
+</file>
+
+<file path=customXml/itemProps155.xml><?xml version="1.0" encoding="utf-8"?>
+<ds:datastoreItem xmlns:ds="http://schemas.openxmlformats.org/officeDocument/2006/customXml" ds:itemID="{41EE4082-0EEC-4541-ACC5-B84A36EDE554}">
+  <ds:schemaRefs>
+    <ds:schemaRef ds:uri="http://schemas.microsoft.com/VisualStudio/2011/storyboarding/control"/>
+  </ds:schemaRefs>
+</ds:datastoreItem>
+</file>
+
+<file path=customXml/itemProps156.xml><?xml version="1.0" encoding="utf-8"?>
+<ds:datastoreItem xmlns:ds="http://schemas.openxmlformats.org/officeDocument/2006/customXml" ds:itemID="{5A85C3B7-6C9D-42E0-8B08-4473CA0722DF}">
+  <ds:schemaRefs>
+    <ds:schemaRef ds:uri="http://schemas.microsoft.com/VisualStudio/2011/storyboarding/control"/>
+  </ds:schemaRefs>
+</ds:datastoreItem>
+</file>
+
+<file path=customXml/itemProps157.xml><?xml version="1.0" encoding="utf-8"?>
+<ds:datastoreItem xmlns:ds="http://schemas.openxmlformats.org/officeDocument/2006/customXml" ds:itemID="{27BC9990-CADA-45E4-8D2C-621D363CA1D2}">
+  <ds:schemaRefs>
+    <ds:schemaRef ds:uri="http://schemas.microsoft.com/VisualStudio/2011/storyboarding/control"/>
+  </ds:schemaRefs>
+</ds:datastoreItem>
+</file>
+
+<file path=customXml/itemProps158.xml><?xml version="1.0" encoding="utf-8"?>
+<ds:datastoreItem xmlns:ds="http://schemas.openxmlformats.org/officeDocument/2006/customXml" ds:itemID="{73A1BCFC-48D4-421E-B82B-AD1F06F839DB}">
+  <ds:schemaRefs>
+    <ds:schemaRef ds:uri="http://schemas.microsoft.com/VisualStudio/2011/storyboarding/control"/>
+  </ds:schemaRefs>
+</ds:datastoreItem>
+</file>
+
+<file path=customXml/itemProps159.xml><?xml version="1.0" encoding="utf-8"?>
+<ds:datastoreItem xmlns:ds="http://schemas.openxmlformats.org/officeDocument/2006/customXml" ds:itemID="{9BFD28BC-F5E3-43AD-9A6E-07C9D177A3A7}">
+  <ds:schemaRefs>
+    <ds:schemaRef ds:uri="http://schemas.microsoft.com/VisualStudio/2011/storyboarding/control"/>
+  </ds:schemaRefs>
+</ds:datastoreItem>
+</file>
+
+<file path=customXml/itemProps16.xml><?xml version="1.0" encoding="utf-8"?>
+<ds:datastoreItem xmlns:ds="http://schemas.openxmlformats.org/officeDocument/2006/customXml" ds:itemID="{9A9FC5EF-7BAE-4716-8A24-B85392335D82}">
+  <ds:schemaRefs>
+    <ds:schemaRef ds:uri="http://schemas.microsoft.com/VisualStudio/2011/storyboarding/control"/>
+  </ds:schemaRefs>
+</ds:datastoreItem>
+</file>
+
+<file path=customXml/itemProps160.xml><?xml version="1.0" encoding="utf-8"?>
+<ds:datastoreItem xmlns:ds="http://schemas.openxmlformats.org/officeDocument/2006/customXml" ds:itemID="{07F23B51-ED1D-4CDC-AEE4-3AF7B8CF537D}">
+  <ds:schemaRefs>
+    <ds:schemaRef ds:uri="http://schemas.microsoft.com/VisualStudio/2011/storyboarding/control"/>
+  </ds:schemaRefs>
+</ds:datastoreItem>
+</file>
+
+<file path=customXml/itemProps161.xml><?xml version="1.0" encoding="utf-8"?>
+<ds:datastoreItem xmlns:ds="http://schemas.openxmlformats.org/officeDocument/2006/customXml" ds:itemID="{53A2D4D3-ADE1-45AF-A3AC-1604F1E12AB8}">
+  <ds:schemaRefs>
+    <ds:schemaRef ds:uri="http://schemas.microsoft.com/VisualStudio/2011/storyboarding/control"/>
+  </ds:schemaRefs>
+</ds:datastoreItem>
+</file>
+
+<file path=customXml/itemProps162.xml><?xml version="1.0" encoding="utf-8"?>
+<ds:datastoreItem xmlns:ds="http://schemas.openxmlformats.org/officeDocument/2006/customXml" ds:itemID="{7DADA5E2-03E5-49B3-9E3C-4AF206A22159}">
+  <ds:schemaRefs>
+    <ds:schemaRef ds:uri="http://schemas.microsoft.com/VisualStudio/2011/storyboarding/control"/>
+  </ds:schemaRefs>
+</ds:datastoreItem>
+</file>
+
+<file path=customXml/itemProps163.xml><?xml version="1.0" encoding="utf-8"?>
+<ds:datastoreItem xmlns:ds="http://schemas.openxmlformats.org/officeDocument/2006/customXml" ds:itemID="{64F776B7-BF0B-4B8B-9932-CD4D10025A5C}">
+  <ds:schemaRefs>
+    <ds:schemaRef ds:uri="http://schemas.microsoft.com/VisualStudio/2011/storyboarding/control"/>
+  </ds:schemaRefs>
+</ds:datastoreItem>
+</file>
+
+<file path=customXml/itemProps164.xml><?xml version="1.0" encoding="utf-8"?>
+<ds:datastoreItem xmlns:ds="http://schemas.openxmlformats.org/officeDocument/2006/customXml" ds:itemID="{5171EEF1-3252-442A-B2D5-5766A844DAC7}">
+  <ds:schemaRefs>
+    <ds:schemaRef ds:uri="http://schemas.microsoft.com/VisualStudio/2011/storyboarding/control"/>
+  </ds:schemaRefs>
+</ds:datastoreItem>
+</file>
+
+<file path=customXml/itemProps165.xml><?xml version="1.0" encoding="utf-8"?>
+<ds:datastoreItem xmlns:ds="http://schemas.openxmlformats.org/officeDocument/2006/customXml" ds:itemID="{65EE52E7-AEEE-4D15-87D5-5F3E901BD57D}">
+  <ds:schemaRefs>
+    <ds:schemaRef ds:uri="http://schemas.microsoft.com/VisualStudio/2011/storyboarding/control"/>
+  </ds:schemaRefs>
+</ds:datastoreItem>
+</file>
+
+<file path=customXml/itemProps166.xml><?xml version="1.0" encoding="utf-8"?>
+<ds:datastoreItem xmlns:ds="http://schemas.openxmlformats.org/officeDocument/2006/customXml" ds:itemID="{8F4AEAB7-A1F2-4C56-BB84-85C7FC9250AF}">
+  <ds:schemaRefs>
+    <ds:schemaRef ds:uri="http://schemas.microsoft.com/VisualStudio/2011/storyboarding/control"/>
+  </ds:schemaRefs>
+</ds:datastoreItem>
+</file>
+
+<file path=customXml/itemProps167.xml><?xml version="1.0" encoding="utf-8"?>
+<ds:datastoreItem xmlns:ds="http://schemas.openxmlformats.org/officeDocument/2006/customXml" ds:itemID="{030BC6F2-F87F-496B-BFDB-80D352B977C9}">
+  <ds:schemaRefs>
+    <ds:schemaRef ds:uri="http://schemas.microsoft.com/VisualStudio/2011/storyboarding/control"/>
+  </ds:schemaRefs>
+</ds:datastoreItem>
+</file>
+
+<file path=customXml/itemProps17.xml><?xml version="1.0" encoding="utf-8"?>
+<ds:datastoreItem xmlns:ds="http://schemas.openxmlformats.org/officeDocument/2006/customXml" ds:itemID="{CCE61513-AF07-49B1-B8EA-B5635E280688}">
+  <ds:schemaRefs>
+    <ds:schemaRef ds:uri="http://schemas.microsoft.com/VisualStudio/2011/storyboarding/control"/>
+  </ds:schemaRefs>
+</ds:datastoreItem>
+</file>
+
+<file path=customXml/itemProps18.xml><?xml version="1.0" encoding="utf-8"?>
+<ds:datastoreItem xmlns:ds="http://schemas.openxmlformats.org/officeDocument/2006/customXml" ds:itemID="{3C0EDA36-C841-4260-B5CC-AA8A3556D85B}">
+  <ds:schemaRefs>
+    <ds:schemaRef ds:uri="http://schemas.microsoft.com/VisualStudio/2011/storyboarding/control"/>
+  </ds:schemaRefs>
+</ds:datastoreItem>
+</file>
+
+<file path=customXml/itemProps19.xml><?xml version="1.0" encoding="utf-8"?>
+<ds:datastoreItem xmlns:ds="http://schemas.openxmlformats.org/officeDocument/2006/customXml" ds:itemID="{05045935-8ED3-40B0-85FE-7ED7979502AF}">
+  <ds:schemaRefs>
+    <ds:schemaRef ds:uri="http://schemas.microsoft.com/VisualStudio/2011/storyboarding/control"/>
+  </ds:schemaRefs>
+</ds:datastoreItem>
+</file>
+
+<file path=customXml/itemProps2.xml><?xml version="1.0" encoding="utf-8"?>
+<ds:datastoreItem xmlns:ds="http://schemas.openxmlformats.org/officeDocument/2006/customXml" ds:itemID="{4089D504-89F9-4F40-B2EF-0FBBE4651254}">
+  <ds:schemaRefs>
+    <ds:schemaRef ds:uri="http://schemas.microsoft.com/VisualStudio/2011/storyboarding/control"/>
+  </ds:schemaRefs>
+</ds:datastoreItem>
+</file>
+
+<file path=customXml/itemProps20.xml><?xml version="1.0" encoding="utf-8"?>
 <ds:datastoreItem xmlns:ds="http://schemas.openxmlformats.org/officeDocument/2006/customXml" ds:itemID="{5E6F5FDC-2093-441C-92ED-C35DBC007D0F}">
   <ds:schemaRefs>
     <ds:schemaRef ds:uri="http://schemas.microsoft.com/VisualStudio/2011/storyboarding/control"/>
@@ -19789,191 +26520,39 @@
 </ds:datastoreItem>
 </file>
 
-<file path=customXml/itemProps103.xml><?xml version="1.0" encoding="utf-8"?>
-<ds:datastoreItem xmlns:ds="http://schemas.openxmlformats.org/officeDocument/2006/customXml" ds:itemID="{DACCD0EB-1B7A-4C8A-9B7E-726E900234E0}">
+<file path=customXml/itemProps21.xml><?xml version="1.0" encoding="utf-8"?>
+<ds:datastoreItem xmlns:ds="http://schemas.openxmlformats.org/officeDocument/2006/customXml" ds:itemID="{551005C4-A1E3-4AC7-8CDB-DC374E6CD181}">
   <ds:schemaRefs>
     <ds:schemaRef ds:uri="http://schemas.microsoft.com/VisualStudio/2011/storyboarding/control"/>
   </ds:schemaRefs>
 </ds:datastoreItem>
 </file>
 
-<file path=customXml/itemProps104.xml><?xml version="1.0" encoding="utf-8"?>
-<ds:datastoreItem xmlns:ds="http://schemas.openxmlformats.org/officeDocument/2006/customXml" ds:itemID="{E22473B6-028C-4621-B51B-A79A7F2A92EE}">
+<file path=customXml/itemProps22.xml><?xml version="1.0" encoding="utf-8"?>
+<ds:datastoreItem xmlns:ds="http://schemas.openxmlformats.org/officeDocument/2006/customXml" ds:itemID="{E97CE4A6-9C01-4E1C-AE95-A570F68F4499}">
   <ds:schemaRefs>
     <ds:schemaRef ds:uri="http://schemas.microsoft.com/VisualStudio/2011/storyboarding/control"/>
   </ds:schemaRefs>
 </ds:datastoreItem>
 </file>
 
-<file path=customXml/itemProps105.xml><?xml version="1.0" encoding="utf-8"?>
-<ds:datastoreItem xmlns:ds="http://schemas.openxmlformats.org/officeDocument/2006/customXml" ds:itemID="{97E85E79-3453-4406-A138-2BED0C524D02}">
+<file path=customXml/itemProps23.xml><?xml version="1.0" encoding="utf-8"?>
+<ds:datastoreItem xmlns:ds="http://schemas.openxmlformats.org/officeDocument/2006/customXml" ds:itemID="{DED20389-1C75-4C70-BBCC-27B286CC4C95}">
   <ds:schemaRefs>
     <ds:schemaRef ds:uri="http://schemas.microsoft.com/VisualStudio/2011/storyboarding/control"/>
   </ds:schemaRefs>
 </ds:datastoreItem>
 </file>
 
-<file path=customXml/itemProps106.xml><?xml version="1.0" encoding="utf-8"?>
-<ds:datastoreItem xmlns:ds="http://schemas.openxmlformats.org/officeDocument/2006/customXml" ds:itemID="{C203A4C3-7CA4-4E41-A180-DCD93F0B08DE}">
+<file path=customXml/itemProps24.xml><?xml version="1.0" encoding="utf-8"?>
+<ds:datastoreItem xmlns:ds="http://schemas.openxmlformats.org/officeDocument/2006/customXml" ds:itemID="{9BF50CE8-CF32-4606-8DE6-3101ABBDD070}">
   <ds:schemaRefs>
     <ds:schemaRef ds:uri="http://schemas.microsoft.com/VisualStudio/2011/storyboarding/control"/>
   </ds:schemaRefs>
 </ds:datastoreItem>
 </file>
 
-<file path=customXml/itemProps107.xml><?xml version="1.0" encoding="utf-8"?>
-<ds:datastoreItem xmlns:ds="http://schemas.openxmlformats.org/officeDocument/2006/customXml" ds:itemID="{55B5B6F8-9901-492E-97D6-EAC91518CD9E}">
-  <ds:schemaRefs>
-    <ds:schemaRef ds:uri="http://schemas.microsoft.com/VisualStudio/2011/storyboarding/control"/>
-  </ds:schemaRefs>
-</ds:datastoreItem>
-</file>
-
-<file path=customXml/itemProps108.xml><?xml version="1.0" encoding="utf-8"?>
-<ds:datastoreItem xmlns:ds="http://schemas.openxmlformats.org/officeDocument/2006/customXml" ds:itemID="{BFC4E313-8525-46BB-B2EA-19B4922B00C8}">
-  <ds:schemaRefs>
-    <ds:schemaRef ds:uri="http://schemas.microsoft.com/VisualStudio/2011/storyboarding/control"/>
-  </ds:schemaRefs>
-</ds:datastoreItem>
-</file>
-
-<file path=customXml/itemProps109.xml><?xml version="1.0" encoding="utf-8"?>
-<ds:datastoreItem xmlns:ds="http://schemas.openxmlformats.org/officeDocument/2006/customXml" ds:itemID="{791F2DB3-CC8F-4C15-8743-590F26544D6B}">
-  <ds:schemaRefs>
-    <ds:schemaRef ds:uri="http://schemas.microsoft.com/VisualStudio/2011/storyboarding/control"/>
-  </ds:schemaRefs>
-</ds:datastoreItem>
-</file>
-
-<file path=customXml/itemProps11.xml><?xml version="1.0" encoding="utf-8"?>
-<ds:datastoreItem xmlns:ds="http://schemas.openxmlformats.org/officeDocument/2006/customXml" ds:itemID="{BECCCCB7-EF02-4A64-8488-5FAAD84A50D7}">
-  <ds:schemaRefs>
-    <ds:schemaRef ds:uri="http://schemas.microsoft.com/VisualStudio/2011/storyboarding/control"/>
-  </ds:schemaRefs>
-</ds:datastoreItem>
-</file>
-
-<file path=customXml/itemProps110.xml><?xml version="1.0" encoding="utf-8"?>
-<ds:datastoreItem xmlns:ds="http://schemas.openxmlformats.org/officeDocument/2006/customXml" ds:itemID="{4E01388C-A924-4BE8-985B-79D263B16D05}">
-  <ds:schemaRefs>
-    <ds:schemaRef ds:uri="http://schemas.microsoft.com/VisualStudio/2011/storyboarding/control"/>
-  </ds:schemaRefs>
-</ds:datastoreItem>
-</file>
-
-<file path=customXml/itemProps111.xml><?xml version="1.0" encoding="utf-8"?>
-<ds:datastoreItem xmlns:ds="http://schemas.openxmlformats.org/officeDocument/2006/customXml" ds:itemID="{C7A8CFC0-4556-4E25-A269-74548695F78A}">
-  <ds:schemaRefs>
-    <ds:schemaRef ds:uri="http://schemas.microsoft.com/VisualStudio/2011/storyboarding/control"/>
-  </ds:schemaRefs>
-</ds:datastoreItem>
-</file>
-
-<file path=customXml/itemProps112.xml><?xml version="1.0" encoding="utf-8"?>
-<ds:datastoreItem xmlns:ds="http://schemas.openxmlformats.org/officeDocument/2006/customXml" ds:itemID="{CD63B274-1815-48D1-99A0-018FC57DD355}">
-  <ds:schemaRefs>
-    <ds:schemaRef ds:uri="http://schemas.microsoft.com/VisualStudio/2011/storyboarding/control"/>
-  </ds:schemaRefs>
-</ds:datastoreItem>
-</file>
-
-<file path=customXml/itemProps113.xml><?xml version="1.0" encoding="utf-8"?>
-<ds:datastoreItem xmlns:ds="http://schemas.openxmlformats.org/officeDocument/2006/customXml" ds:itemID="{C5FE7D1A-2B63-4C2F-9939-081E0C3BEDA0}">
-  <ds:schemaRefs>
-    <ds:schemaRef ds:uri="http://schemas.microsoft.com/VisualStudio/2011/storyboarding/control"/>
-  </ds:schemaRefs>
-</ds:datastoreItem>
-</file>
-
-<file path=customXml/itemProps114.xml><?xml version="1.0" encoding="utf-8"?>
-<ds:datastoreItem xmlns:ds="http://schemas.openxmlformats.org/officeDocument/2006/customXml" ds:itemID="{1C398AC1-4638-4A46-8F3B-259DD202478E}">
-  <ds:schemaRefs>
-    <ds:schemaRef ds:uri="http://schemas.microsoft.com/VisualStudio/2011/storyboarding/control"/>
-  </ds:schemaRefs>
-</ds:datastoreItem>
-</file>
-
-<file path=customXml/itemProps115.xml><?xml version="1.0" encoding="utf-8"?>
-<ds:datastoreItem xmlns:ds="http://schemas.openxmlformats.org/officeDocument/2006/customXml" ds:itemID="{E8F31494-C899-453C-ACB3-FDC9145B9D91}">
-  <ds:schemaRefs>
-    <ds:schemaRef ds:uri="http://schemas.microsoft.com/VisualStudio/2011/storyboarding/control"/>
-  </ds:schemaRefs>
-</ds:datastoreItem>
-</file>
-
-<file path=customXml/itemProps116.xml><?xml version="1.0" encoding="utf-8"?>
-<ds:datastoreItem xmlns:ds="http://schemas.openxmlformats.org/officeDocument/2006/customXml" ds:itemID="{7DF39149-FE61-41DB-A273-C2A27AB1224B}">
-  <ds:schemaRefs>
-    <ds:schemaRef ds:uri="http://schemas.microsoft.com/VisualStudio/2011/storyboarding/control"/>
-  </ds:schemaRefs>
-</ds:datastoreItem>
-</file>
-
-<file path=customXml/itemProps117.xml><?xml version="1.0" encoding="utf-8"?>
-<ds:datastoreItem xmlns:ds="http://schemas.openxmlformats.org/officeDocument/2006/customXml" ds:itemID="{4089D504-89F9-4F40-B2EF-0FBBE4651254}">
-  <ds:schemaRefs>
-    <ds:schemaRef ds:uri="http://schemas.microsoft.com/VisualStudio/2011/storyboarding/control"/>
-  </ds:schemaRefs>
-</ds:datastoreItem>
-</file>
-
-<file path=customXml/itemProps118.xml><?xml version="1.0" encoding="utf-8"?>
-<ds:datastoreItem xmlns:ds="http://schemas.openxmlformats.org/officeDocument/2006/customXml" ds:itemID="{19DB9CD9-4F1E-4EAD-9F17-B753EAABF3E0}">
-  <ds:schemaRefs>
-    <ds:schemaRef ds:uri="http://schemas.microsoft.com/VisualStudio/2011/storyboarding/control"/>
-  </ds:schemaRefs>
-</ds:datastoreItem>
-</file>
-
-<file path=customXml/itemProps119.xml><?xml version="1.0" encoding="utf-8"?>
-<ds:datastoreItem xmlns:ds="http://schemas.openxmlformats.org/officeDocument/2006/customXml" ds:itemID="{B3A3E765-0B20-4BD8-AFE8-23C5B6760A99}">
-  <ds:schemaRefs>
-    <ds:schemaRef ds:uri="http://schemas.microsoft.com/VisualStudio/2011/storyboarding/control"/>
-  </ds:schemaRefs>
-</ds:datastoreItem>
-</file>
-
-<file path=customXml/itemProps12.xml><?xml version="1.0" encoding="utf-8"?>
-<ds:datastoreItem xmlns:ds="http://schemas.openxmlformats.org/officeDocument/2006/customXml" ds:itemID="{DB5FF0E2-44EA-4182-809E-0BD041009B94}">
-  <ds:schemaRefs>
-    <ds:schemaRef ds:uri="http://schemas.microsoft.com/VisualStudio/2011/storyboarding/control"/>
-  </ds:schemaRefs>
-</ds:datastoreItem>
-</file>
-
-<file path=customXml/itemProps120.xml><?xml version="1.0" encoding="utf-8"?>
-<ds:datastoreItem xmlns:ds="http://schemas.openxmlformats.org/officeDocument/2006/customXml" ds:itemID="{F3A30563-1C38-472B-9DE8-7FE3C78EAD2C}">
-  <ds:schemaRefs>
-    <ds:schemaRef ds:uri="http://schemas.microsoft.com/VisualStudio/2011/storyboarding/control"/>
-  </ds:schemaRefs>
-</ds:datastoreItem>
-</file>
-
-<file path=customXml/itemProps121.xml><?xml version="1.0" encoding="utf-8"?>
-<ds:datastoreItem xmlns:ds="http://schemas.openxmlformats.org/officeDocument/2006/customXml" ds:itemID="{47D04C9B-C617-48BE-9BD4-9A6BF3FE75C5}">
-  <ds:schemaRefs>
-    <ds:schemaRef ds:uri="http://schemas.microsoft.com/VisualStudio/2011/storyboarding/control"/>
-  </ds:schemaRefs>
-</ds:datastoreItem>
-</file>
-
-<file path=customXml/itemProps122.xml><?xml version="1.0" encoding="utf-8"?>
-<ds:datastoreItem xmlns:ds="http://schemas.openxmlformats.org/officeDocument/2006/customXml" ds:itemID="{C45ADD74-D966-4389-AA66-C66380EA72AE}">
-  <ds:schemaRefs>
-    <ds:schemaRef ds:uri="http://schemas.microsoft.com/VisualStudio/2011/storyboarding/control"/>
-  </ds:schemaRefs>
-</ds:datastoreItem>
-</file>
-
-<file path=customXml/itemProps13.xml><?xml version="1.0" encoding="utf-8"?>
-<ds:datastoreItem xmlns:ds="http://schemas.openxmlformats.org/officeDocument/2006/customXml" ds:itemID="{E1A30748-A830-4B10-A878-3B4756F506F2}">
-  <ds:schemaRefs>
-    <ds:schemaRef ds:uri="http://schemas.microsoft.com/VisualStudio/2011/storyboarding/control"/>
-  </ds:schemaRefs>
-</ds:datastoreItem>
-</file>
-
-<file path=customXml/itemProps14.xml><?xml version="1.0" encoding="utf-8"?>
+<file path=customXml/itemProps25.xml><?xml version="1.0" encoding="utf-8"?>
 <ds:datastoreItem xmlns:ds="http://schemas.openxmlformats.org/officeDocument/2006/customXml" ds:itemID="{B39EB365-64A2-4270-B261-6F581E40AA63}">
   <ds:schemaRefs>
     <ds:schemaRef ds:uri="http://schemas.microsoft.com/VisualStudio/2011/storyboarding/control"/>
@@ -19981,104 +26560,8 @@
 </ds:datastoreItem>
 </file>
 
-<file path=customXml/itemProps15.xml><?xml version="1.0" encoding="utf-8"?>
-<ds:datastoreItem xmlns:ds="http://schemas.openxmlformats.org/officeDocument/2006/customXml" ds:itemID="{CEF68D64-8D51-42AA-8C2A-0AF1FD5D33EE}">
-  <ds:schemaRefs>
-    <ds:schemaRef ds:uri="http://schemas.microsoft.com/VisualStudio/2011/storyboarding/control"/>
-  </ds:schemaRefs>
-</ds:datastoreItem>
-</file>
-
-<file path=customXml/itemProps16.xml><?xml version="1.0" encoding="utf-8"?>
-<ds:datastoreItem xmlns:ds="http://schemas.openxmlformats.org/officeDocument/2006/customXml" ds:itemID="{1F0E1F79-632F-4EB0-82C0-5A1AFD1072FB}">
-  <ds:schemaRefs>
-    <ds:schemaRef ds:uri="http://schemas.microsoft.com/VisualStudio/2011/storyboarding/control"/>
-  </ds:schemaRefs>
-</ds:datastoreItem>
-</file>
-
-<file path=customXml/itemProps17.xml><?xml version="1.0" encoding="utf-8"?>
-<ds:datastoreItem xmlns:ds="http://schemas.openxmlformats.org/officeDocument/2006/customXml" ds:itemID="{E3A1C028-05DB-4953-AA73-C22DBE13D6E4}">
-  <ds:schemaRefs>
-    <ds:schemaRef ds:uri="http://schemas.microsoft.com/VisualStudio/2011/storyboarding/control"/>
-  </ds:schemaRefs>
-</ds:datastoreItem>
-</file>
-
-<file path=customXml/itemProps18.xml><?xml version="1.0" encoding="utf-8"?>
-<ds:datastoreItem xmlns:ds="http://schemas.openxmlformats.org/officeDocument/2006/customXml" ds:itemID="{D5205093-BB2B-40C2-98A8-A9F6399BA396}">
-  <ds:schemaRefs>
-    <ds:schemaRef ds:uri="http://schemas.microsoft.com/VisualStudio/2011/storyboarding/control"/>
-  </ds:schemaRefs>
-</ds:datastoreItem>
-</file>
-
-<file path=customXml/itemProps19.xml><?xml version="1.0" encoding="utf-8"?>
-<ds:datastoreItem xmlns:ds="http://schemas.openxmlformats.org/officeDocument/2006/customXml" ds:itemID="{9BF50CE8-CF32-4606-8DE6-3101ABBDD070}">
-  <ds:schemaRefs>
-    <ds:schemaRef ds:uri="http://schemas.microsoft.com/VisualStudio/2011/storyboarding/control"/>
-  </ds:schemaRefs>
-</ds:datastoreItem>
-</file>
-
-<file path=customXml/itemProps2.xml><?xml version="1.0" encoding="utf-8"?>
-<ds:datastoreItem xmlns:ds="http://schemas.openxmlformats.org/officeDocument/2006/customXml" ds:itemID="{B165D352-70D4-40FE-85FF-532687BB8AFA}">
-  <ds:schemaRefs>
-    <ds:schemaRef ds:uri="http://schemas.microsoft.com/VisualStudio/2011/storyboarding/control"/>
-  </ds:schemaRefs>
-</ds:datastoreItem>
-</file>
-
-<file path=customXml/itemProps20.xml><?xml version="1.0" encoding="utf-8"?>
-<ds:datastoreItem xmlns:ds="http://schemas.openxmlformats.org/officeDocument/2006/customXml" ds:itemID="{E27BBFB1-FB8A-4416-95F7-69ED22360FD0}">
-  <ds:schemaRefs>
-    <ds:schemaRef ds:uri="http://schemas.microsoft.com/VisualStudio/2011/storyboarding/control"/>
-  </ds:schemaRefs>
-</ds:datastoreItem>
-</file>
-
-<file path=customXml/itemProps21.xml><?xml version="1.0" encoding="utf-8"?>
-<ds:datastoreItem xmlns:ds="http://schemas.openxmlformats.org/officeDocument/2006/customXml" ds:itemID="{2DFA9120-1703-4454-A33D-C7C738B921CC}">
-  <ds:schemaRefs>
-    <ds:schemaRef ds:uri="http://schemas.microsoft.com/VisualStudio/2011/storyboarding/control"/>
-  </ds:schemaRefs>
-</ds:datastoreItem>
-</file>
-
-<file path=customXml/itemProps22.xml><?xml version="1.0" encoding="utf-8"?>
+<file path=customXml/itemProps26.xml><?xml version="1.0" encoding="utf-8"?>
 <ds:datastoreItem xmlns:ds="http://schemas.openxmlformats.org/officeDocument/2006/customXml" ds:itemID="{EF61CF87-912E-42E7-83EA-9D0202326A8A}">
-  <ds:schemaRefs>
-    <ds:schemaRef ds:uri="http://schemas.microsoft.com/VisualStudio/2011/storyboarding/control"/>
-  </ds:schemaRefs>
-</ds:datastoreItem>
-</file>
-
-<file path=customXml/itemProps23.xml><?xml version="1.0" encoding="utf-8"?>
-<ds:datastoreItem xmlns:ds="http://schemas.openxmlformats.org/officeDocument/2006/customXml" ds:itemID="{FC644C14-B034-48B9-80E3-0CB00A432CE7}">
-  <ds:schemaRefs>
-    <ds:schemaRef ds:uri="http://schemas.microsoft.com/VisualStudio/2011/storyboarding/control"/>
-  </ds:schemaRefs>
-</ds:datastoreItem>
-</file>
-
-<file path=customXml/itemProps24.xml><?xml version="1.0" encoding="utf-8"?>
-<ds:datastoreItem xmlns:ds="http://schemas.openxmlformats.org/officeDocument/2006/customXml" ds:itemID="{D226A0C3-5037-4DCE-847C-5DB2A993A518}">
-  <ds:schemaRefs>
-    <ds:schemaRef ds:uri="http://schemas.microsoft.com/VisualStudio/2011/storyboarding/control"/>
-  </ds:schemaRefs>
-</ds:datastoreItem>
-</file>
-
-<file path=customXml/itemProps25.xml><?xml version="1.0" encoding="utf-8"?>
-<ds:datastoreItem xmlns:ds="http://schemas.openxmlformats.org/officeDocument/2006/customXml" ds:itemID="{523D9000-2555-42DB-A300-C0E2B61D8403}">
-  <ds:schemaRefs>
-    <ds:schemaRef ds:uri="http://schemas.microsoft.com/VisualStudio/2011/storyboarding/control"/>
-  </ds:schemaRefs>
-</ds:datastoreItem>
-</file>
-
-<file path=customXml/itemProps26.xml><?xml version="1.0" encoding="utf-8"?>
-<ds:datastoreItem xmlns:ds="http://schemas.openxmlformats.org/officeDocument/2006/customXml" ds:itemID="{3D180A80-32EA-4B75-B874-79AE921CE972}">
   <ds:schemaRefs>
     <ds:schemaRef ds:uri="http://schemas.microsoft.com/VisualStudio/2011/storyboarding/control"/>
   </ds:schemaRefs>
@@ -20094,6 +26577,422 @@
 </file>
 
 <file path=customXml/itemProps28.xml><?xml version="1.0" encoding="utf-8"?>
+<ds:datastoreItem xmlns:ds="http://schemas.openxmlformats.org/officeDocument/2006/customXml" ds:itemID="{220BC498-0DDF-422A-AC0F-97E589848EC1}">
+  <ds:schemaRefs>
+    <ds:schemaRef ds:uri="http://schemas.microsoft.com/VisualStudio/2011/storyboarding/control"/>
+  </ds:schemaRefs>
+</ds:datastoreItem>
+</file>
+
+<file path=customXml/itemProps29.xml><?xml version="1.0" encoding="utf-8"?>
+<ds:datastoreItem xmlns:ds="http://schemas.openxmlformats.org/officeDocument/2006/customXml" ds:itemID="{CC090315-C3EF-4E31-9BC2-E49164C00556}">
+  <ds:schemaRefs>
+    <ds:schemaRef ds:uri="http://schemas.microsoft.com/VisualStudio/2011/storyboarding/control"/>
+  </ds:schemaRefs>
+</ds:datastoreItem>
+</file>
+
+<file path=customXml/itemProps3.xml><?xml version="1.0" encoding="utf-8"?>
+<ds:datastoreItem xmlns:ds="http://schemas.openxmlformats.org/officeDocument/2006/customXml" ds:itemID="{2DFA9120-1703-4454-A33D-C7C738B921CC}">
+  <ds:schemaRefs>
+    <ds:schemaRef ds:uri="http://schemas.microsoft.com/VisualStudio/2011/storyboarding/control"/>
+  </ds:schemaRefs>
+</ds:datastoreItem>
+</file>
+
+<file path=customXml/itemProps30.xml><?xml version="1.0" encoding="utf-8"?>
+<ds:datastoreItem xmlns:ds="http://schemas.openxmlformats.org/officeDocument/2006/customXml" ds:itemID="{4EF6D473-291D-4120-AF79-ACFED919F292}">
+  <ds:schemaRefs>
+    <ds:schemaRef ds:uri="http://schemas.microsoft.com/VisualStudio/2011/storyboarding/control"/>
+  </ds:schemaRefs>
+</ds:datastoreItem>
+</file>
+
+<file path=customXml/itemProps31.xml><?xml version="1.0" encoding="utf-8"?>
+<ds:datastoreItem xmlns:ds="http://schemas.openxmlformats.org/officeDocument/2006/customXml" ds:itemID="{D5FEB2A6-E2DE-4A94-92FC-D966BD6E1C55}">
+  <ds:schemaRefs>
+    <ds:schemaRef ds:uri="http://schemas.microsoft.com/VisualStudio/2011/storyboarding/control"/>
+  </ds:schemaRefs>
+</ds:datastoreItem>
+</file>
+
+<file path=customXml/itemProps32.xml><?xml version="1.0" encoding="utf-8"?>
+<ds:datastoreItem xmlns:ds="http://schemas.openxmlformats.org/officeDocument/2006/customXml" ds:itemID="{CCEC82DF-3665-44AC-9C20-DBAE83D3306F}">
+  <ds:schemaRefs>
+    <ds:schemaRef ds:uri="http://schemas.microsoft.com/VisualStudio/2011/storyboarding/control"/>
+  </ds:schemaRefs>
+</ds:datastoreItem>
+</file>
+
+<file path=customXml/itemProps33.xml><?xml version="1.0" encoding="utf-8"?>
+<ds:datastoreItem xmlns:ds="http://schemas.openxmlformats.org/officeDocument/2006/customXml" ds:itemID="{2977091A-9111-44B4-B4DF-963BAE7F865F}">
+  <ds:schemaRefs>
+    <ds:schemaRef ds:uri="http://schemas.microsoft.com/VisualStudio/2011/storyboarding/control"/>
+  </ds:schemaRefs>
+</ds:datastoreItem>
+</file>
+
+<file path=customXml/itemProps34.xml><?xml version="1.0" encoding="utf-8"?>
+<ds:datastoreItem xmlns:ds="http://schemas.openxmlformats.org/officeDocument/2006/customXml" ds:itemID="{EB2DCAD1-72F1-4D23-97E2-565C0AB7AA19}">
+  <ds:schemaRefs>
+    <ds:schemaRef ds:uri="http://schemas.microsoft.com/VisualStudio/2011/storyboarding/control"/>
+  </ds:schemaRefs>
+</ds:datastoreItem>
+</file>
+
+<file path=customXml/itemProps35.xml><?xml version="1.0" encoding="utf-8"?>
+<ds:datastoreItem xmlns:ds="http://schemas.openxmlformats.org/officeDocument/2006/customXml" ds:itemID="{2C8A8EDC-6EF7-4522-8694-660C343074D6}">
+  <ds:schemaRefs>
+    <ds:schemaRef ds:uri="http://schemas.microsoft.com/VisualStudio/2011/storyboarding/control"/>
+  </ds:schemaRefs>
+</ds:datastoreItem>
+</file>
+
+<file path=customXml/itemProps36.xml><?xml version="1.0" encoding="utf-8"?>
+<ds:datastoreItem xmlns:ds="http://schemas.openxmlformats.org/officeDocument/2006/customXml" ds:itemID="{42063805-6CB9-4EB6-A3CE-140E342850A1}">
+  <ds:schemaRefs>
+    <ds:schemaRef ds:uri="http://schemas.microsoft.com/VisualStudio/2011/storyboarding/control"/>
+  </ds:schemaRefs>
+</ds:datastoreItem>
+</file>
+
+<file path=customXml/itemProps37.xml><?xml version="1.0" encoding="utf-8"?>
+<ds:datastoreItem xmlns:ds="http://schemas.openxmlformats.org/officeDocument/2006/customXml" ds:itemID="{97E85E79-3453-4406-A138-2BED0C524D02}">
+  <ds:schemaRefs>
+    <ds:schemaRef ds:uri="http://schemas.microsoft.com/VisualStudio/2011/storyboarding/control"/>
+  </ds:schemaRefs>
+</ds:datastoreItem>
+</file>
+
+<file path=customXml/itemProps38.xml><?xml version="1.0" encoding="utf-8"?>
+<ds:datastoreItem xmlns:ds="http://schemas.openxmlformats.org/officeDocument/2006/customXml" ds:itemID="{C5FE7D1A-2B63-4C2F-9939-081E0C3BEDA0}">
+  <ds:schemaRefs>
+    <ds:schemaRef ds:uri="http://schemas.microsoft.com/VisualStudio/2011/storyboarding/control"/>
+  </ds:schemaRefs>
+</ds:datastoreItem>
+</file>
+
+<file path=customXml/itemProps39.xml><?xml version="1.0" encoding="utf-8"?>
+<ds:datastoreItem xmlns:ds="http://schemas.openxmlformats.org/officeDocument/2006/customXml" ds:itemID="{19DB9CD9-4F1E-4EAD-9F17-B753EAABF3E0}">
+  <ds:schemaRefs>
+    <ds:schemaRef ds:uri="http://schemas.microsoft.com/VisualStudio/2011/storyboarding/control"/>
+  </ds:schemaRefs>
+</ds:datastoreItem>
+</file>
+
+<file path=customXml/itemProps4.xml><?xml version="1.0" encoding="utf-8"?>
+<ds:datastoreItem xmlns:ds="http://schemas.openxmlformats.org/officeDocument/2006/customXml" ds:itemID="{A59E3C97-FCC2-46B8-899A-F7C74E57512A}">
+  <ds:schemaRefs>
+    <ds:schemaRef ds:uri="http://schemas.microsoft.com/VisualStudio/2011/storyboarding/control"/>
+  </ds:schemaRefs>
+</ds:datastoreItem>
+</file>
+
+<file path=customXml/itemProps40.xml><?xml version="1.0" encoding="utf-8"?>
+<ds:datastoreItem xmlns:ds="http://schemas.openxmlformats.org/officeDocument/2006/customXml" ds:itemID="{69B9D210-FF34-458C-8F82-69A376856F63}">
+  <ds:schemaRefs>
+    <ds:schemaRef ds:uri="http://schemas.microsoft.com/VisualStudio/2011/storyboarding/control"/>
+  </ds:schemaRefs>
+</ds:datastoreItem>
+</file>
+
+<file path=customXml/itemProps41.xml><?xml version="1.0" encoding="utf-8"?>
+<ds:datastoreItem xmlns:ds="http://schemas.openxmlformats.org/officeDocument/2006/customXml" ds:itemID="{BA657A7A-162E-460C-9698-741B5BF8D8DB}">
+  <ds:schemaRefs>
+    <ds:schemaRef ds:uri="http://schemas.microsoft.com/VisualStudio/2011/storyboarding/control"/>
+  </ds:schemaRefs>
+</ds:datastoreItem>
+</file>
+
+<file path=customXml/itemProps42.xml><?xml version="1.0" encoding="utf-8"?>
+<ds:datastoreItem xmlns:ds="http://schemas.openxmlformats.org/officeDocument/2006/customXml" ds:itemID="{EDEFCAC1-81E8-4EA1-AF8A-6D8861A55F36}">
+  <ds:schemaRefs>
+    <ds:schemaRef ds:uri="http://schemas.microsoft.com/VisualStudio/2011/storyboarding/control"/>
+  </ds:schemaRefs>
+</ds:datastoreItem>
+</file>
+
+<file path=customXml/itemProps43.xml><?xml version="1.0" encoding="utf-8"?>
+<ds:datastoreItem xmlns:ds="http://schemas.openxmlformats.org/officeDocument/2006/customXml" ds:itemID="{3C01D0B5-D923-4DB6-9ECA-21B712F90957}">
+  <ds:schemaRefs>
+    <ds:schemaRef ds:uri="http://schemas.microsoft.com/VisualStudio/2011/storyboarding/control"/>
+  </ds:schemaRefs>
+</ds:datastoreItem>
+</file>
+
+<file path=customXml/itemProps44.xml><?xml version="1.0" encoding="utf-8"?>
+<ds:datastoreItem xmlns:ds="http://schemas.openxmlformats.org/officeDocument/2006/customXml" ds:itemID="{687349BA-BFEC-42A4-8F54-F6E41F0DBFC0}">
+  <ds:schemaRefs>
+    <ds:schemaRef ds:uri="http://schemas.microsoft.com/VisualStudio/2011/storyboarding/control"/>
+  </ds:schemaRefs>
+</ds:datastoreItem>
+</file>
+
+<file path=customXml/itemProps45.xml><?xml version="1.0" encoding="utf-8"?>
+<ds:datastoreItem xmlns:ds="http://schemas.openxmlformats.org/officeDocument/2006/customXml" ds:itemID="{8FA3D93C-F1A3-4B2E-9382-EA20C1D69BAD}">
+  <ds:schemaRefs>
+    <ds:schemaRef ds:uri="http://schemas.microsoft.com/VisualStudio/2011/storyboarding/control"/>
+  </ds:schemaRefs>
+</ds:datastoreItem>
+</file>
+
+<file path=customXml/itemProps46.xml><?xml version="1.0" encoding="utf-8"?>
+<ds:datastoreItem xmlns:ds="http://schemas.openxmlformats.org/officeDocument/2006/customXml" ds:itemID="{A147C2B5-40E8-429C-BE34-7938697C5C66}">
+  <ds:schemaRefs>
+    <ds:schemaRef ds:uri="http://schemas.microsoft.com/VisualStudio/2011/storyboarding/control"/>
+  </ds:schemaRefs>
+</ds:datastoreItem>
+</file>
+
+<file path=customXml/itemProps47.xml><?xml version="1.0" encoding="utf-8"?>
+<ds:datastoreItem xmlns:ds="http://schemas.openxmlformats.org/officeDocument/2006/customXml" ds:itemID="{47D04C9B-C617-48BE-9BD4-9A6BF3FE75C5}">
+  <ds:schemaRefs>
+    <ds:schemaRef ds:uri="http://schemas.microsoft.com/VisualStudio/2011/storyboarding/control"/>
+  </ds:schemaRefs>
+</ds:datastoreItem>
+</file>
+
+<file path=customXml/itemProps48.xml><?xml version="1.0" encoding="utf-8"?>
+<ds:datastoreItem xmlns:ds="http://schemas.openxmlformats.org/officeDocument/2006/customXml" ds:itemID="{862FA17A-2C6F-4CD8-B507-10CA7CC09A8F}">
+  <ds:schemaRefs>
+    <ds:schemaRef ds:uri="http://schemas.microsoft.com/VisualStudio/2011/storyboarding/control"/>
+  </ds:schemaRefs>
+</ds:datastoreItem>
+</file>
+
+<file path=customXml/itemProps49.xml><?xml version="1.0" encoding="utf-8"?>
+<ds:datastoreItem xmlns:ds="http://schemas.openxmlformats.org/officeDocument/2006/customXml" ds:itemID="{DB5FF0E2-44EA-4182-809E-0BD041009B94}">
+  <ds:schemaRefs>
+    <ds:schemaRef ds:uri="http://schemas.microsoft.com/VisualStudio/2011/storyboarding/control"/>
+  </ds:schemaRefs>
+</ds:datastoreItem>
+</file>
+
+<file path=customXml/itemProps5.xml><?xml version="1.0" encoding="utf-8"?>
+<ds:datastoreItem xmlns:ds="http://schemas.openxmlformats.org/officeDocument/2006/customXml" ds:itemID="{1639FB28-1EC5-4003-89AB-A9220F614689}">
+  <ds:schemaRefs>
+    <ds:schemaRef ds:uri="http://schemas.microsoft.com/VisualStudio/2011/storyboarding/control"/>
+  </ds:schemaRefs>
+</ds:datastoreItem>
+</file>
+
+<file path=customXml/itemProps50.xml><?xml version="1.0" encoding="utf-8"?>
+<ds:datastoreItem xmlns:ds="http://schemas.openxmlformats.org/officeDocument/2006/customXml" ds:itemID="{E3A1C028-05DB-4953-AA73-C22DBE13D6E4}">
+  <ds:schemaRefs>
+    <ds:schemaRef ds:uri="http://schemas.microsoft.com/VisualStudio/2011/storyboarding/control"/>
+  </ds:schemaRefs>
+</ds:datastoreItem>
+</file>
+
+<file path=customXml/itemProps51.xml><?xml version="1.0" encoding="utf-8"?>
+<ds:datastoreItem xmlns:ds="http://schemas.openxmlformats.org/officeDocument/2006/customXml" ds:itemID="{523D9000-2555-42DB-A300-C0E2B61D8403}">
+  <ds:schemaRefs>
+    <ds:schemaRef ds:uri="http://schemas.microsoft.com/VisualStudio/2011/storyboarding/control"/>
+  </ds:schemaRefs>
+</ds:datastoreItem>
+</file>
+
+<file path=customXml/itemProps52.xml><?xml version="1.0" encoding="utf-8"?>
+<ds:datastoreItem xmlns:ds="http://schemas.openxmlformats.org/officeDocument/2006/customXml" ds:itemID="{A29EBE93-BDB6-42E1-AF9D-ECEC34CCBD22}">
+  <ds:schemaRefs>
+    <ds:schemaRef ds:uri="http://schemas.microsoft.com/VisualStudio/2011/storyboarding/control"/>
+  </ds:schemaRefs>
+</ds:datastoreItem>
+</file>
+
+<file path=customXml/itemProps53.xml><?xml version="1.0" encoding="utf-8"?>
+<ds:datastoreItem xmlns:ds="http://schemas.openxmlformats.org/officeDocument/2006/customXml" ds:itemID="{F7CD6DE8-E3CA-41AD-BDF6-29CE07D429DA}">
+  <ds:schemaRefs>
+    <ds:schemaRef ds:uri="http://schemas.microsoft.com/VisualStudio/2011/storyboarding/control"/>
+  </ds:schemaRefs>
+</ds:datastoreItem>
+</file>
+
+<file path=customXml/itemProps54.xml><?xml version="1.0" encoding="utf-8"?>
+<ds:datastoreItem xmlns:ds="http://schemas.openxmlformats.org/officeDocument/2006/customXml" ds:itemID="{5D493CBE-5446-43DA-A347-222999933AF7}">
+  <ds:schemaRefs>
+    <ds:schemaRef ds:uri="http://schemas.microsoft.com/VisualStudio/2011/storyboarding/control"/>
+  </ds:schemaRefs>
+</ds:datastoreItem>
+</file>
+
+<file path=customXml/itemProps55.xml><?xml version="1.0" encoding="utf-8"?>
+<ds:datastoreItem xmlns:ds="http://schemas.openxmlformats.org/officeDocument/2006/customXml" ds:itemID="{BCBCF373-CB4D-4BEC-8AF3-991F699ECE33}">
+  <ds:schemaRefs>
+    <ds:schemaRef ds:uri="http://schemas.microsoft.com/VisualStudio/2011/storyboarding/control"/>
+  </ds:schemaRefs>
+</ds:datastoreItem>
+</file>
+
+<file path=customXml/itemProps56.xml><?xml version="1.0" encoding="utf-8"?>
+<ds:datastoreItem xmlns:ds="http://schemas.openxmlformats.org/officeDocument/2006/customXml" ds:itemID="{5E7928F5-79C4-47ED-99DD-FC8E6DC4851B}">
+  <ds:schemaRefs>
+    <ds:schemaRef ds:uri="http://schemas.microsoft.com/VisualStudio/2011/storyboarding/control"/>
+  </ds:schemaRefs>
+</ds:datastoreItem>
+</file>
+
+<file path=customXml/itemProps57.xml><?xml version="1.0" encoding="utf-8"?>
+<ds:datastoreItem xmlns:ds="http://schemas.openxmlformats.org/officeDocument/2006/customXml" ds:itemID="{DACCD0EB-1B7A-4C8A-9B7E-726E900234E0}">
+  <ds:schemaRefs>
+    <ds:schemaRef ds:uri="http://schemas.microsoft.com/VisualStudio/2011/storyboarding/control"/>
+  </ds:schemaRefs>
+</ds:datastoreItem>
+</file>
+
+<file path=customXml/itemProps58.xml><?xml version="1.0" encoding="utf-8"?>
+<ds:datastoreItem xmlns:ds="http://schemas.openxmlformats.org/officeDocument/2006/customXml" ds:itemID="{BFC4E313-8525-46BB-B2EA-19B4922B00C8}">
+  <ds:schemaRefs>
+    <ds:schemaRef ds:uri="http://schemas.microsoft.com/VisualStudio/2011/storyboarding/control"/>
+  </ds:schemaRefs>
+</ds:datastoreItem>
+</file>
+
+<file path=customXml/itemProps59.xml><?xml version="1.0" encoding="utf-8"?>
+<ds:datastoreItem xmlns:ds="http://schemas.openxmlformats.org/officeDocument/2006/customXml" ds:itemID="{7DF39149-FE61-41DB-A273-C2A27AB1224B}">
+  <ds:schemaRefs>
+    <ds:schemaRef ds:uri="http://schemas.microsoft.com/VisualStudio/2011/storyboarding/control"/>
+  </ds:schemaRefs>
+</ds:datastoreItem>
+</file>
+
+<file path=customXml/itemProps6.xml><?xml version="1.0" encoding="utf-8"?>
+<ds:datastoreItem xmlns:ds="http://schemas.openxmlformats.org/officeDocument/2006/customXml" ds:itemID="{77DE4C39-3FB1-4D02-AB13-E2FD2FB0785B}">
+  <ds:schemaRefs>
+    <ds:schemaRef ds:uri="http://schemas.microsoft.com/VisualStudio/2011/storyboarding/control"/>
+  </ds:schemaRefs>
+</ds:datastoreItem>
+</file>
+
+<file path=customXml/itemProps60.xml><?xml version="1.0" encoding="utf-8"?>
+<ds:datastoreItem xmlns:ds="http://schemas.openxmlformats.org/officeDocument/2006/customXml" ds:itemID="{E27BBFB1-FB8A-4416-95F7-69ED22360FD0}">
+  <ds:schemaRefs>
+    <ds:schemaRef ds:uri="http://schemas.microsoft.com/VisualStudio/2011/storyboarding/control"/>
+  </ds:schemaRefs>
+</ds:datastoreItem>
+</file>
+
+<file path=customXml/itemProps61.xml><?xml version="1.0" encoding="utf-8"?>
+<ds:datastoreItem xmlns:ds="http://schemas.openxmlformats.org/officeDocument/2006/customXml" ds:itemID="{395183EE-0496-47AF-AD2A-1DA50A4837A0}">
+  <ds:schemaRefs>
+    <ds:schemaRef ds:uri="http://schemas.microsoft.com/VisualStudio/2011/storyboarding/control"/>
+  </ds:schemaRefs>
+</ds:datastoreItem>
+</file>
+
+<file path=customXml/itemProps62.xml><?xml version="1.0" encoding="utf-8"?>
+<ds:datastoreItem xmlns:ds="http://schemas.openxmlformats.org/officeDocument/2006/customXml" ds:itemID="{221B0244-0801-4967-9891-48EEB15F2F18}">
+  <ds:schemaRefs>
+    <ds:schemaRef ds:uri="http://schemas.microsoft.com/VisualStudio/2011/storyboarding/control"/>
+  </ds:schemaRefs>
+</ds:datastoreItem>
+</file>
+
+<file path=customXml/itemProps63.xml><?xml version="1.0" encoding="utf-8"?>
+<ds:datastoreItem xmlns:ds="http://schemas.openxmlformats.org/officeDocument/2006/customXml" ds:itemID="{2FE08BCD-9E20-4AE0-918E-8580D5DC7CAA}">
+  <ds:schemaRefs>
+    <ds:schemaRef ds:uri="http://schemas.microsoft.com/VisualStudio/2011/storyboarding/control"/>
+  </ds:schemaRefs>
+</ds:datastoreItem>
+</file>
+
+<file path=customXml/itemProps64.xml><?xml version="1.0" encoding="utf-8"?>
+<ds:datastoreItem xmlns:ds="http://schemas.openxmlformats.org/officeDocument/2006/customXml" ds:itemID="{8DAC1539-EE00-4235-AB6E-3D689442BEDF}">
+  <ds:schemaRefs>
+    <ds:schemaRef ds:uri="http://schemas.microsoft.com/VisualStudio/2011/storyboarding/control"/>
+  </ds:schemaRefs>
+</ds:datastoreItem>
+</file>
+
+<file path=customXml/itemProps65.xml><?xml version="1.0" encoding="utf-8"?>
+<ds:datastoreItem xmlns:ds="http://schemas.openxmlformats.org/officeDocument/2006/customXml" ds:itemID="{BE10085E-8F62-44FE-A6C4-77F3F9B93BFD}">
+  <ds:schemaRefs>
+    <ds:schemaRef ds:uri="http://schemas.microsoft.com/VisualStudio/2011/storyboarding/control"/>
+  </ds:schemaRefs>
+</ds:datastoreItem>
+</file>
+
+<file path=customXml/itemProps66.xml><?xml version="1.0" encoding="utf-8"?>
+<ds:datastoreItem xmlns:ds="http://schemas.openxmlformats.org/officeDocument/2006/customXml" ds:itemID="{030F3597-04BD-4953-9DA5-E7FAED854AAD}">
+  <ds:schemaRefs>
+    <ds:schemaRef ds:uri="http://schemas.microsoft.com/VisualStudio/2011/storyboarding/control"/>
+  </ds:schemaRefs>
+</ds:datastoreItem>
+</file>
+
+<file path=customXml/itemProps67.xml><?xml version="1.0" encoding="utf-8"?>
+<ds:datastoreItem xmlns:ds="http://schemas.openxmlformats.org/officeDocument/2006/customXml" ds:itemID="{CF6A60AE-6D84-4733-81BB-5121E0FFC000}">
+  <ds:schemaRefs>
+    <ds:schemaRef ds:uri="http://schemas.microsoft.com/VisualStudio/2011/storyboarding/control"/>
+  </ds:schemaRefs>
+</ds:datastoreItem>
+</file>
+
+<file path=customXml/itemProps68.xml><?xml version="1.0" encoding="utf-8"?>
+<ds:datastoreItem xmlns:ds="http://schemas.openxmlformats.org/officeDocument/2006/customXml" ds:itemID="{776DA967-FF73-4AD2-8CC6-D43089C9FC8F}">
+  <ds:schemaRefs>
+    <ds:schemaRef ds:uri="http://schemas.microsoft.com/VisualStudio/2011/storyboarding/control"/>
+  </ds:schemaRefs>
+</ds:datastoreItem>
+</file>
+
+<file path=customXml/itemProps69.xml><?xml version="1.0" encoding="utf-8"?>
+<ds:datastoreItem xmlns:ds="http://schemas.openxmlformats.org/officeDocument/2006/customXml" ds:itemID="{BFEF8C4D-1E27-426E-B1CF-BF65C7F7B0A0}">
+  <ds:schemaRefs>
+    <ds:schemaRef ds:uri="http://schemas.microsoft.com/VisualStudio/2011/storyboarding/control"/>
+  </ds:schemaRefs>
+</ds:datastoreItem>
+</file>
+
+<file path=customXml/itemProps7.xml><?xml version="1.0" encoding="utf-8"?>
+<ds:datastoreItem xmlns:ds="http://schemas.openxmlformats.org/officeDocument/2006/customXml" ds:itemID="{531ABAD3-B618-40BF-9584-FD7BA346DEDB}">
+  <ds:schemaRefs>
+    <ds:schemaRef ds:uri="http://schemas.microsoft.com/VisualStudio/2011/storyboarding/control"/>
+  </ds:schemaRefs>
+</ds:datastoreItem>
+</file>
+
+<file path=customXml/itemProps70.xml><?xml version="1.0" encoding="utf-8"?>
+<ds:datastoreItem xmlns:ds="http://schemas.openxmlformats.org/officeDocument/2006/customXml" ds:itemID="{C7A8CFC0-4556-4E25-A269-74548695F78A}">
+  <ds:schemaRefs>
+    <ds:schemaRef ds:uri="http://schemas.microsoft.com/VisualStudio/2011/storyboarding/control"/>
+  </ds:schemaRefs>
+</ds:datastoreItem>
+</file>
+
+<file path=customXml/itemProps71.xml><?xml version="1.0" encoding="utf-8"?>
+<ds:datastoreItem xmlns:ds="http://schemas.openxmlformats.org/officeDocument/2006/customXml" ds:itemID="{88FF388B-936F-494E-A575-6D8128D38F2C}">
+  <ds:schemaRefs>
+    <ds:schemaRef ds:uri="http://schemas.microsoft.com/VisualStudio/2011/storyboarding/control"/>
+  </ds:schemaRefs>
+</ds:datastoreItem>
+</file>
+
+<file path=customXml/itemProps72.xml><?xml version="1.0" encoding="utf-8"?>
+<ds:datastoreItem xmlns:ds="http://schemas.openxmlformats.org/officeDocument/2006/customXml" ds:itemID="{D10417C0-CFC7-4198-A12F-567D0881B21B}">
+  <ds:schemaRefs>
+    <ds:schemaRef ds:uri="http://schemas.microsoft.com/VisualStudio/2011/storyboarding/control"/>
+  </ds:schemaRefs>
+</ds:datastoreItem>
+</file>
+
+<file path=customXml/itemProps73.xml><?xml version="1.0" encoding="utf-8"?>
+<ds:datastoreItem xmlns:ds="http://schemas.openxmlformats.org/officeDocument/2006/customXml" ds:itemID="{CEF68D64-8D51-42AA-8C2A-0AF1FD5D33EE}">
+  <ds:schemaRefs>
+    <ds:schemaRef ds:uri="http://schemas.microsoft.com/VisualStudio/2011/storyboarding/control"/>
+  </ds:schemaRefs>
+</ds:datastoreItem>
+</file>
+
+<file path=customXml/itemProps74.xml><?xml version="1.0" encoding="utf-8"?>
+<ds:datastoreItem xmlns:ds="http://schemas.openxmlformats.org/officeDocument/2006/customXml" ds:itemID="{FC644C14-B034-48B9-80E3-0CB00A432CE7}">
+  <ds:schemaRefs>
+    <ds:schemaRef ds:uri="http://schemas.microsoft.com/VisualStudio/2011/storyboarding/control"/>
+  </ds:schemaRefs>
+</ds:datastoreItem>
+</file>
+
+<file path=customXml/itemProps75.xml><?xml version="1.0" encoding="utf-8"?>
 <ds:datastoreItem xmlns:ds="http://schemas.openxmlformats.org/officeDocument/2006/customXml" ds:itemID="{3CCD36F2-3425-44F7-9F51-456F0C7CC89C}">
   <ds:schemaRefs>
     <ds:schemaRef ds:uri="http://schemas.microsoft.com/VisualStudio/2011/storyboarding/control"/>
@@ -20101,31 +27000,71 @@
 </ds:datastoreItem>
 </file>
 
-<file path=customXml/itemProps29.xml><?xml version="1.0" encoding="utf-8"?>
-<ds:datastoreItem xmlns:ds="http://schemas.openxmlformats.org/officeDocument/2006/customXml" ds:itemID="{BB08E1D8-D864-4F18-BB84-C71EFF99EB19}">
+<file path=customXml/itemProps76.xml><?xml version="1.0" encoding="utf-8"?>
+<ds:datastoreItem xmlns:ds="http://schemas.openxmlformats.org/officeDocument/2006/customXml" ds:itemID="{BADD27A4-6D52-45F6-89F8-60CDCE29D043}">
   <ds:schemaRefs>
     <ds:schemaRef ds:uri="http://schemas.microsoft.com/VisualStudio/2011/storyboarding/control"/>
   </ds:schemaRefs>
 </ds:datastoreItem>
 </file>
 
-<file path=customXml/itemProps3.xml><?xml version="1.0" encoding="utf-8"?>
-<ds:datastoreItem xmlns:ds="http://schemas.openxmlformats.org/officeDocument/2006/customXml" ds:itemID="{862FA17A-2C6F-4CD8-B507-10CA7CC09A8F}">
+<file path=customXml/itemProps77.xml><?xml version="1.0" encoding="utf-8"?>
+<ds:datastoreItem xmlns:ds="http://schemas.openxmlformats.org/officeDocument/2006/customXml" ds:itemID="{BE26F770-6D00-4BDC-830A-6271C798A6B9}">
   <ds:schemaRefs>
     <ds:schemaRef ds:uri="http://schemas.microsoft.com/VisualStudio/2011/storyboarding/control"/>
   </ds:schemaRefs>
 </ds:datastoreItem>
 </file>
 
-<file path=customXml/itemProps30.xml><?xml version="1.0" encoding="utf-8"?>
-<ds:datastoreItem xmlns:ds="http://schemas.openxmlformats.org/officeDocument/2006/customXml" ds:itemID="{220BC498-0DDF-422A-AC0F-97E589848EC1}">
+<file path=customXml/itemProps78.xml><?xml version="1.0" encoding="utf-8"?>
+<ds:datastoreItem xmlns:ds="http://schemas.openxmlformats.org/officeDocument/2006/customXml" ds:itemID="{C8101F23-7FAA-4BD8-AD2A-421FA377298D}">
   <ds:schemaRefs>
     <ds:schemaRef ds:uri="http://schemas.microsoft.com/VisualStudio/2011/storyboarding/control"/>
   </ds:schemaRefs>
 </ds:datastoreItem>
 </file>
 
-<file path=customXml/itemProps31.xml><?xml version="1.0" encoding="utf-8"?>
+<file path=customXml/itemProps79.xml><?xml version="1.0" encoding="utf-8"?>
+<ds:datastoreItem xmlns:ds="http://schemas.openxmlformats.org/officeDocument/2006/customXml" ds:itemID="{C203A4C3-7CA4-4E41-A180-DCD93F0B08DE}">
+  <ds:schemaRefs>
+    <ds:schemaRef ds:uri="http://schemas.microsoft.com/VisualStudio/2011/storyboarding/control"/>
+  </ds:schemaRefs>
+</ds:datastoreItem>
+</file>
+
+<file path=customXml/itemProps8.xml><?xml version="1.0" encoding="utf-8"?>
+<ds:datastoreItem xmlns:ds="http://schemas.openxmlformats.org/officeDocument/2006/customXml" ds:itemID="{974C45C0-2A3F-42F7-AD70-188C11EC76CD}">
+  <ds:schemaRefs>
+    <ds:schemaRef ds:uri="http://schemas.microsoft.com/VisualStudio/2011/storyboarding/control"/>
+  </ds:schemaRefs>
+</ds:datastoreItem>
+</file>
+
+<file path=customXml/itemProps80.xml><?xml version="1.0" encoding="utf-8"?>
+<ds:datastoreItem xmlns:ds="http://schemas.openxmlformats.org/officeDocument/2006/customXml" ds:itemID="{1C398AC1-4638-4A46-8F3B-259DD202478E}">
+  <ds:schemaRefs>
+    <ds:schemaRef ds:uri="http://schemas.microsoft.com/VisualStudio/2011/storyboarding/control"/>
+  </ds:schemaRefs>
+</ds:datastoreItem>
+</file>
+
+<file path=customXml/itemProps81.xml><?xml version="1.0" encoding="utf-8"?>
+<ds:datastoreItem xmlns:ds="http://schemas.openxmlformats.org/officeDocument/2006/customXml" ds:itemID="{B3A3E765-0B20-4BD8-AFE8-23C5B6760A99}">
+  <ds:schemaRefs>
+    <ds:schemaRef ds:uri="http://schemas.microsoft.com/VisualStudio/2011/storyboarding/control"/>
+  </ds:schemaRefs>
+</ds:datastoreItem>
+</file>
+
+<file path=customXml/itemProps82.xml><?xml version="1.0" encoding="utf-8"?>
+<ds:datastoreItem xmlns:ds="http://schemas.openxmlformats.org/officeDocument/2006/customXml" ds:itemID="{5D8B0E09-8918-4A3B-A8C3-C8F08ABA4428}">
+  <ds:schemaRefs>
+    <ds:schemaRef ds:uri="http://schemas.microsoft.com/VisualStudio/2011/storyboarding/control"/>
+  </ds:schemaRefs>
+</ds:datastoreItem>
+</file>
+
+<file path=customXml/itemProps83.xml><?xml version="1.0" encoding="utf-8"?>
 <ds:datastoreItem xmlns:ds="http://schemas.openxmlformats.org/officeDocument/2006/customXml" ds:itemID="{5F13B48F-437D-49AE-BFB9-EBA82E71BB38}">
   <ds:schemaRefs>
     <ds:schemaRef ds:uri="http://schemas.microsoft.com/VisualStudio/2011/storyboarding/control"/>
@@ -20133,71 +27072,111 @@
 </ds:datastoreItem>
 </file>
 
-<file path=customXml/itemProps32.xml><?xml version="1.0" encoding="utf-8"?>
-<ds:datastoreItem xmlns:ds="http://schemas.openxmlformats.org/officeDocument/2006/customXml" ds:itemID="{62877943-EBF7-4B2F-8C26-9CC99A82D531}">
+<file path=customXml/itemProps84.xml><?xml version="1.0" encoding="utf-8"?>
+<ds:datastoreItem xmlns:ds="http://schemas.openxmlformats.org/officeDocument/2006/customXml" ds:itemID="{3D3ECC72-DC24-4791-9CA6-47ECE2A69DDF}">
   <ds:schemaRefs>
     <ds:schemaRef ds:uri="http://schemas.microsoft.com/VisualStudio/2011/storyboarding/control"/>
   </ds:schemaRefs>
 </ds:datastoreItem>
 </file>
 
-<file path=customXml/itemProps33.xml><?xml version="1.0" encoding="utf-8"?>
-<ds:datastoreItem xmlns:ds="http://schemas.openxmlformats.org/officeDocument/2006/customXml" ds:itemID="{A29EBE93-BDB6-42E1-AF9D-ECEC34CCBD22}">
+<file path=customXml/itemProps85.xml><?xml version="1.0" encoding="utf-8"?>
+<ds:datastoreItem xmlns:ds="http://schemas.openxmlformats.org/officeDocument/2006/customXml" ds:itemID="{1DCDD326-8855-4EA9-81F1-29467A7EBF4F}">
   <ds:schemaRefs>
     <ds:schemaRef ds:uri="http://schemas.microsoft.com/VisualStudio/2011/storyboarding/control"/>
   </ds:schemaRefs>
 </ds:datastoreItem>
 </file>
 
-<file path=customXml/itemProps34.xml><?xml version="1.0" encoding="utf-8"?>
-<ds:datastoreItem xmlns:ds="http://schemas.openxmlformats.org/officeDocument/2006/customXml" ds:itemID="{E4B5B485-683D-4DEA-B56B-01CED7BABF5B}">
+<file path=customXml/itemProps86.xml><?xml version="1.0" encoding="utf-8"?>
+<ds:datastoreItem xmlns:ds="http://schemas.openxmlformats.org/officeDocument/2006/customXml" ds:itemID="{5935B25C-B0FA-447B-B017-3612A77273CA}">
   <ds:schemaRefs>
     <ds:schemaRef ds:uri="http://schemas.microsoft.com/VisualStudio/2011/storyboarding/control"/>
   </ds:schemaRefs>
 </ds:datastoreItem>
 </file>
 
-<file path=customXml/itemProps35.xml><?xml version="1.0" encoding="utf-8"?>
-<ds:datastoreItem xmlns:ds="http://schemas.openxmlformats.org/officeDocument/2006/customXml" ds:itemID="{CC090315-C3EF-4E31-9BC2-E49164C00556}">
+<file path=customXml/itemProps87.xml><?xml version="1.0" encoding="utf-8"?>
+<ds:datastoreItem xmlns:ds="http://schemas.openxmlformats.org/officeDocument/2006/customXml" ds:itemID="{FF284517-1DEA-483A-AE14-16B53F8C4017}">
   <ds:schemaRefs>
     <ds:schemaRef ds:uri="http://schemas.microsoft.com/VisualStudio/2011/storyboarding/control"/>
   </ds:schemaRefs>
 </ds:datastoreItem>
 </file>
 
-<file path=customXml/itemProps36.xml><?xml version="1.0" encoding="utf-8"?>
-<ds:datastoreItem xmlns:ds="http://schemas.openxmlformats.org/officeDocument/2006/customXml" ds:itemID="{BADD27A4-6D52-45F6-89F8-60CDCE29D043}">
+<file path=customXml/itemProps88.xml><?xml version="1.0" encoding="utf-8"?>
+<ds:datastoreItem xmlns:ds="http://schemas.openxmlformats.org/officeDocument/2006/customXml" ds:itemID="{AFE23348-B39F-4C03-8ACB-304CB849E116}">
   <ds:schemaRefs>
     <ds:schemaRef ds:uri="http://schemas.microsoft.com/VisualStudio/2011/storyboarding/control"/>
   </ds:schemaRefs>
 </ds:datastoreItem>
 </file>
 
-<file path=customXml/itemProps37.xml><?xml version="1.0" encoding="utf-8"?>
-<ds:datastoreItem xmlns:ds="http://schemas.openxmlformats.org/officeDocument/2006/customXml" ds:itemID="{11C14D45-A737-4C48-AAAE-B66C79B7299B}">
+<file path=customXml/itemProps89.xml><?xml version="1.0" encoding="utf-8"?>
+<ds:datastoreItem xmlns:ds="http://schemas.openxmlformats.org/officeDocument/2006/customXml" ds:itemID="{6D23DAD7-E0D9-4241-A4DB-204A0F380A76}">
   <ds:schemaRefs>
     <ds:schemaRef ds:uri="http://schemas.microsoft.com/VisualStudio/2011/storyboarding/control"/>
   </ds:schemaRefs>
 </ds:datastoreItem>
 </file>
 
-<file path=customXml/itemProps38.xml><?xml version="1.0" encoding="utf-8"?>
-<ds:datastoreItem xmlns:ds="http://schemas.openxmlformats.org/officeDocument/2006/customXml" ds:itemID="{F7CD6DE8-E3CA-41AD-BDF6-29CE07D429DA}">
+<file path=customXml/itemProps9.xml><?xml version="1.0" encoding="utf-8"?>
+<ds:datastoreItem xmlns:ds="http://schemas.openxmlformats.org/officeDocument/2006/customXml" ds:itemID="{70826E2B-1B9D-49EA-B16E-B2BAED7E59C5}">
   <ds:schemaRefs>
     <ds:schemaRef ds:uri="http://schemas.microsoft.com/VisualStudio/2011/storyboarding/control"/>
   </ds:schemaRefs>
 </ds:datastoreItem>
 </file>
 
-<file path=customXml/itemProps39.xml><?xml version="1.0" encoding="utf-8"?>
-<ds:datastoreItem xmlns:ds="http://schemas.openxmlformats.org/officeDocument/2006/customXml" ds:itemID="{06F9B291-5871-4D41-84EA-E759ADCB386D}">
+<file path=customXml/itemProps90.xml><?xml version="1.0" encoding="utf-8"?>
+<ds:datastoreItem xmlns:ds="http://schemas.openxmlformats.org/officeDocument/2006/customXml" ds:itemID="{DB2AB7B1-45B1-4AA1-905D-207599224759}">
   <ds:schemaRefs>
     <ds:schemaRef ds:uri="http://schemas.microsoft.com/VisualStudio/2011/storyboarding/control"/>
   </ds:schemaRefs>
 </ds:datastoreItem>
 </file>
 
-<file path=customXml/itemProps4.xml><?xml version="1.0" encoding="utf-8"?>
+<file path=customXml/itemProps91.xml><?xml version="1.0" encoding="utf-8"?>
+<ds:datastoreItem xmlns:ds="http://schemas.openxmlformats.org/officeDocument/2006/customXml" ds:itemID="{7387757C-924F-48E4-BB13-EE3C0DC40C7C}">
+  <ds:schemaRefs>
+    <ds:schemaRef ds:uri="http://schemas.microsoft.com/VisualStudio/2011/storyboarding/control"/>
+  </ds:schemaRefs>
+</ds:datastoreItem>
+</file>
+
+<file path=customXml/itemProps92.xml><?xml version="1.0" encoding="utf-8"?>
+<ds:datastoreItem xmlns:ds="http://schemas.openxmlformats.org/officeDocument/2006/customXml" ds:itemID="{CA719675-9B71-49B9-BBAE-6093E5AF0C0C}">
+  <ds:schemaRefs>
+    <ds:schemaRef ds:uri="http://schemas.microsoft.com/VisualStudio/2011/storyboarding/control"/>
+  </ds:schemaRefs>
+</ds:datastoreItem>
+</file>
+
+<file path=customXml/itemProps93.xml><?xml version="1.0" encoding="utf-8"?>
+<ds:datastoreItem xmlns:ds="http://schemas.openxmlformats.org/officeDocument/2006/customXml" ds:itemID="{D10F67D1-B2C6-4D91-9BEE-407097047766}">
+  <ds:schemaRefs>
+    <ds:schemaRef ds:uri="http://schemas.microsoft.com/VisualStudio/2011/storyboarding/control"/>
+  </ds:schemaRefs>
+</ds:datastoreItem>
+</file>
+
+<file path=customXml/itemProps94.xml><?xml version="1.0" encoding="utf-8"?>
+<ds:datastoreItem xmlns:ds="http://schemas.openxmlformats.org/officeDocument/2006/customXml" ds:itemID="{3F432E18-CBCB-42D0-A7E7-33B1387D14AE}">
+  <ds:schemaRefs>
+    <ds:schemaRef ds:uri="http://schemas.microsoft.com/VisualStudio/2011/storyboarding/control"/>
+  </ds:schemaRefs>
+</ds:datastoreItem>
+</file>
+
+<file path=customXml/itemProps95.xml><?xml version="1.0" encoding="utf-8"?>
+<ds:datastoreItem xmlns:ds="http://schemas.openxmlformats.org/officeDocument/2006/customXml" ds:itemID="{C45ADD74-D966-4389-AA66-C66380EA72AE}">
+  <ds:schemaRefs>
+    <ds:schemaRef ds:uri="http://schemas.microsoft.com/VisualStudio/2011/storyboarding/control"/>
+  </ds:schemaRefs>
+</ds:datastoreItem>
+</file>
+
+<file path=customXml/itemProps96.xml><?xml version="1.0" encoding="utf-8"?>
 <ds:datastoreItem xmlns:ds="http://schemas.openxmlformats.org/officeDocument/2006/customXml" ds:itemID="{084278B8-A977-4998-90BD-F6C56A123772}">
   <ds:schemaRefs>
     <ds:schemaRef ds:uri="http://schemas.microsoft.com/VisualStudio/2011/storyboarding/control"/>
@@ -20205,439 +27184,7 @@
 </ds:datastoreItem>
 </file>
 
-<file path=customXml/itemProps40.xml><?xml version="1.0" encoding="utf-8"?>
-<ds:datastoreItem xmlns:ds="http://schemas.openxmlformats.org/officeDocument/2006/customXml" ds:itemID="{9A9F71E7-630C-41F7-9E54-34C094B490EC}">
-  <ds:schemaRefs>
-    <ds:schemaRef ds:uri="http://schemas.microsoft.com/VisualStudio/2011/storyboarding/control"/>
-  </ds:schemaRefs>
-</ds:datastoreItem>
-</file>
-
-<file path=customXml/itemProps41.xml><?xml version="1.0" encoding="utf-8"?>
-<ds:datastoreItem xmlns:ds="http://schemas.openxmlformats.org/officeDocument/2006/customXml" ds:itemID="{395183EE-0496-47AF-AD2A-1DA50A4837A0}">
-  <ds:schemaRefs>
-    <ds:schemaRef ds:uri="http://schemas.microsoft.com/VisualStudio/2011/storyboarding/control"/>
-  </ds:schemaRefs>
-</ds:datastoreItem>
-</file>
-
-<file path=customXml/itemProps42.xml><?xml version="1.0" encoding="utf-8"?>
-<ds:datastoreItem xmlns:ds="http://schemas.openxmlformats.org/officeDocument/2006/customXml" ds:itemID="{A59E3C97-FCC2-46B8-899A-F7C74E57512A}">
-  <ds:schemaRefs>
-    <ds:schemaRef ds:uri="http://schemas.microsoft.com/VisualStudio/2011/storyboarding/control"/>
-  </ds:schemaRefs>
-</ds:datastoreItem>
-</file>
-
-<file path=customXml/itemProps43.xml><?xml version="1.0" encoding="utf-8"?>
-<ds:datastoreItem xmlns:ds="http://schemas.openxmlformats.org/officeDocument/2006/customXml" ds:itemID="{4EF6D473-291D-4120-AF79-ACFED919F292}">
-  <ds:schemaRefs>
-    <ds:schemaRef ds:uri="http://schemas.microsoft.com/VisualStudio/2011/storyboarding/control"/>
-  </ds:schemaRefs>
-</ds:datastoreItem>
-</file>
-
-<file path=customXml/itemProps44.xml><?xml version="1.0" encoding="utf-8"?>
-<ds:datastoreItem xmlns:ds="http://schemas.openxmlformats.org/officeDocument/2006/customXml" ds:itemID="{3D3ECC72-DC24-4791-9CA6-47ECE2A69DDF}">
-  <ds:schemaRefs>
-    <ds:schemaRef ds:uri="http://schemas.microsoft.com/VisualStudio/2011/storyboarding/control"/>
-  </ds:schemaRefs>
-</ds:datastoreItem>
-</file>
-
-<file path=customXml/itemProps45.xml><?xml version="1.0" encoding="utf-8"?>
-<ds:datastoreItem xmlns:ds="http://schemas.openxmlformats.org/officeDocument/2006/customXml" ds:itemID="{18EFF3F4-83A2-4349-9694-C2396C8AF441}">
-  <ds:schemaRefs>
-    <ds:schemaRef ds:uri="http://schemas.microsoft.com/VisualStudio/2011/storyboarding/control"/>
-  </ds:schemaRefs>
-</ds:datastoreItem>
-</file>
-
-<file path=customXml/itemProps46.xml><?xml version="1.0" encoding="utf-8"?>
-<ds:datastoreItem xmlns:ds="http://schemas.openxmlformats.org/officeDocument/2006/customXml" ds:itemID="{5D493CBE-5446-43DA-A347-222999933AF7}">
-  <ds:schemaRefs>
-    <ds:schemaRef ds:uri="http://schemas.microsoft.com/VisualStudio/2011/storyboarding/control"/>
-  </ds:schemaRefs>
-</ds:datastoreItem>
-</file>
-
-<file path=customXml/itemProps47.xml><?xml version="1.0" encoding="utf-8"?>
-<ds:datastoreItem xmlns:ds="http://schemas.openxmlformats.org/officeDocument/2006/customXml" ds:itemID="{1639FB28-1EC5-4003-89AB-A9220F614689}">
-  <ds:schemaRefs>
-    <ds:schemaRef ds:uri="http://schemas.microsoft.com/VisualStudio/2011/storyboarding/control"/>
-  </ds:schemaRefs>
-</ds:datastoreItem>
-</file>
-
-<file path=customXml/itemProps48.xml><?xml version="1.0" encoding="utf-8"?>
-<ds:datastoreItem xmlns:ds="http://schemas.openxmlformats.org/officeDocument/2006/customXml" ds:itemID="{D5FEB2A6-E2DE-4A94-92FC-D966BD6E1C55}">
-  <ds:schemaRefs>
-    <ds:schemaRef ds:uri="http://schemas.microsoft.com/VisualStudio/2011/storyboarding/control"/>
-  </ds:schemaRefs>
-</ds:datastoreItem>
-</file>
-
-<file path=customXml/itemProps49.xml><?xml version="1.0" encoding="utf-8"?>
-<ds:datastoreItem xmlns:ds="http://schemas.openxmlformats.org/officeDocument/2006/customXml" ds:itemID="{BE26F770-6D00-4BDC-830A-6271C798A6B9}">
-  <ds:schemaRefs>
-    <ds:schemaRef ds:uri="http://schemas.microsoft.com/VisualStudio/2011/storyboarding/control"/>
-  </ds:schemaRefs>
-</ds:datastoreItem>
-</file>
-
-<file path=customXml/itemProps5.xml><?xml version="1.0" encoding="utf-8"?>
-<ds:datastoreItem xmlns:ds="http://schemas.openxmlformats.org/officeDocument/2006/customXml" ds:itemID="{551005C4-A1E3-4AC7-8CDB-DC374E6CD181}">
-  <ds:schemaRefs>
-    <ds:schemaRef ds:uri="http://schemas.microsoft.com/VisualStudio/2011/storyboarding/control"/>
-  </ds:schemaRefs>
-</ds:datastoreItem>
-</file>
-
-<file path=customXml/itemProps50.xml><?xml version="1.0" encoding="utf-8"?>
-<ds:datastoreItem xmlns:ds="http://schemas.openxmlformats.org/officeDocument/2006/customXml" ds:itemID="{9A09CA26-6854-4F3C-9516-942B8F58A388}">
-  <ds:schemaRefs>
-    <ds:schemaRef ds:uri="http://schemas.microsoft.com/VisualStudio/2011/storyboarding/control"/>
-  </ds:schemaRefs>
-</ds:datastoreItem>
-</file>
-
-<file path=customXml/itemProps51.xml><?xml version="1.0" encoding="utf-8"?>
-<ds:datastoreItem xmlns:ds="http://schemas.openxmlformats.org/officeDocument/2006/customXml" ds:itemID="{BA657A7A-162E-460C-9698-741B5BF8D8DB}">
-  <ds:schemaRefs>
-    <ds:schemaRef ds:uri="http://schemas.microsoft.com/VisualStudio/2011/storyboarding/control"/>
-  </ds:schemaRefs>
-</ds:datastoreItem>
-</file>
-
-<file path=customXml/itemProps52.xml><?xml version="1.0" encoding="utf-8"?>
-<ds:datastoreItem xmlns:ds="http://schemas.openxmlformats.org/officeDocument/2006/customXml" ds:itemID="{1DCDD326-8855-4EA9-81F1-29467A7EBF4F}">
-  <ds:schemaRefs>
-    <ds:schemaRef ds:uri="http://schemas.microsoft.com/VisualStudio/2011/storyboarding/control"/>
-  </ds:schemaRefs>
-</ds:datastoreItem>
-</file>
-
-<file path=customXml/itemProps53.xml><?xml version="1.0" encoding="utf-8"?>
-<ds:datastoreItem xmlns:ds="http://schemas.openxmlformats.org/officeDocument/2006/customXml" ds:itemID="{9A9FC5EF-7BAE-4716-8A24-B85392335D82}">
-  <ds:schemaRefs>
-    <ds:schemaRef ds:uri="http://schemas.microsoft.com/VisualStudio/2011/storyboarding/control"/>
-  </ds:schemaRefs>
-</ds:datastoreItem>
-</file>
-
-<file path=customXml/itemProps54.xml><?xml version="1.0" encoding="utf-8"?>
-<ds:datastoreItem xmlns:ds="http://schemas.openxmlformats.org/officeDocument/2006/customXml" ds:itemID="{221B0244-0801-4967-9891-48EEB15F2F18}">
-  <ds:schemaRefs>
-    <ds:schemaRef ds:uri="http://schemas.microsoft.com/VisualStudio/2011/storyboarding/control"/>
-  </ds:schemaRefs>
-</ds:datastoreItem>
-</file>
-
-<file path=customXml/itemProps55.xml><?xml version="1.0" encoding="utf-8"?>
-<ds:datastoreItem xmlns:ds="http://schemas.openxmlformats.org/officeDocument/2006/customXml" ds:itemID="{BF63BC62-A2B6-4DC4-A6F4-7F46DAD5D502}">
-  <ds:schemaRefs>
-    <ds:schemaRef ds:uri="http://schemas.microsoft.com/VisualStudio/2011/storyboarding/control"/>
-  </ds:schemaRefs>
-</ds:datastoreItem>
-</file>
-
-<file path=customXml/itemProps56.xml><?xml version="1.0" encoding="utf-8"?>
-<ds:datastoreItem xmlns:ds="http://schemas.openxmlformats.org/officeDocument/2006/customXml" ds:itemID="{CCEC82DF-3665-44AC-9C20-DBAE83D3306F}">
-  <ds:schemaRefs>
-    <ds:schemaRef ds:uri="http://schemas.microsoft.com/VisualStudio/2011/storyboarding/control"/>
-  </ds:schemaRefs>
-</ds:datastoreItem>
-</file>
-
-<file path=customXml/itemProps57.xml><?xml version="1.0" encoding="utf-8"?>
-<ds:datastoreItem xmlns:ds="http://schemas.openxmlformats.org/officeDocument/2006/customXml" ds:itemID="{C8101F23-7FAA-4BD8-AD2A-421FA377298D}">
-  <ds:schemaRefs>
-    <ds:schemaRef ds:uri="http://schemas.microsoft.com/VisualStudio/2011/storyboarding/control"/>
-  </ds:schemaRefs>
-</ds:datastoreItem>
-</file>
-
-<file path=customXml/itemProps58.xml><?xml version="1.0" encoding="utf-8"?>
-<ds:datastoreItem xmlns:ds="http://schemas.openxmlformats.org/officeDocument/2006/customXml" ds:itemID="{CCE61513-AF07-49B1-B8EA-B5635E280688}">
-  <ds:schemaRefs>
-    <ds:schemaRef ds:uri="http://schemas.microsoft.com/VisualStudio/2011/storyboarding/control"/>
-  </ds:schemaRefs>
-</ds:datastoreItem>
-</file>
-
-<file path=customXml/itemProps59.xml><?xml version="1.0" encoding="utf-8"?>
-<ds:datastoreItem xmlns:ds="http://schemas.openxmlformats.org/officeDocument/2006/customXml" ds:itemID="{BCBCF373-CB4D-4BEC-8AF3-991F699ECE33}">
-  <ds:schemaRefs>
-    <ds:schemaRef ds:uri="http://schemas.microsoft.com/VisualStudio/2011/storyboarding/control"/>
-  </ds:schemaRefs>
-</ds:datastoreItem>
-</file>
-
-<file path=customXml/itemProps6.xml><?xml version="1.0" encoding="utf-8"?>
-<ds:datastoreItem xmlns:ds="http://schemas.openxmlformats.org/officeDocument/2006/customXml" ds:itemID="{D10417C0-CFC7-4198-A12F-567D0881B21B}">
-  <ds:schemaRefs>
-    <ds:schemaRef ds:uri="http://schemas.microsoft.com/VisualStudio/2011/storyboarding/control"/>
-  </ds:schemaRefs>
-</ds:datastoreItem>
-</file>
-
-<file path=customXml/itemProps60.xml><?xml version="1.0" encoding="utf-8"?>
-<ds:datastoreItem xmlns:ds="http://schemas.openxmlformats.org/officeDocument/2006/customXml" ds:itemID="{5935B25C-B0FA-447B-B017-3612A77273CA}">
-  <ds:schemaRefs>
-    <ds:schemaRef ds:uri="http://schemas.microsoft.com/VisualStudio/2011/storyboarding/control"/>
-  </ds:schemaRefs>
-</ds:datastoreItem>
-</file>
-
-<file path=customXml/itemProps61.xml><?xml version="1.0" encoding="utf-8"?>
-<ds:datastoreItem xmlns:ds="http://schemas.openxmlformats.org/officeDocument/2006/customXml" ds:itemID="{10D299E8-14A9-4F76-A58E-935086DED687}">
-  <ds:schemaRefs>
-    <ds:schemaRef ds:uri="http://schemas.microsoft.com/VisualStudio/2011/storyboarding/control"/>
-  </ds:schemaRefs>
-</ds:datastoreItem>
-</file>
-
-<file path=customXml/itemProps62.xml><?xml version="1.0" encoding="utf-8"?>
-<ds:datastoreItem xmlns:ds="http://schemas.openxmlformats.org/officeDocument/2006/customXml" ds:itemID="{2FE08BCD-9E20-4AE0-918E-8580D5DC7CAA}">
-  <ds:schemaRefs>
-    <ds:schemaRef ds:uri="http://schemas.microsoft.com/VisualStudio/2011/storyboarding/control"/>
-  </ds:schemaRefs>
-</ds:datastoreItem>
-</file>
-
-<file path=customXml/itemProps63.xml><?xml version="1.0" encoding="utf-8"?>
-<ds:datastoreItem xmlns:ds="http://schemas.openxmlformats.org/officeDocument/2006/customXml" ds:itemID="{77DE4C39-3FB1-4D02-AB13-E2FD2FB0785B}">
-  <ds:schemaRefs>
-    <ds:schemaRef ds:uri="http://schemas.microsoft.com/VisualStudio/2011/storyboarding/control"/>
-  </ds:schemaRefs>
-</ds:datastoreItem>
-</file>
-
-<file path=customXml/itemProps64.xml><?xml version="1.0" encoding="utf-8"?>
-<ds:datastoreItem xmlns:ds="http://schemas.openxmlformats.org/officeDocument/2006/customXml" ds:itemID="{2977091A-9111-44B4-B4DF-963BAE7F865F}">
-  <ds:schemaRefs>
-    <ds:schemaRef ds:uri="http://schemas.microsoft.com/VisualStudio/2011/storyboarding/control"/>
-  </ds:schemaRefs>
-</ds:datastoreItem>
-</file>
-
-<file path=customXml/itemProps65.xml><?xml version="1.0" encoding="utf-8"?>
-<ds:datastoreItem xmlns:ds="http://schemas.openxmlformats.org/officeDocument/2006/customXml" ds:itemID="{FF284517-1DEA-483A-AE14-16B53F8C4017}">
-  <ds:schemaRefs>
-    <ds:schemaRef ds:uri="http://schemas.microsoft.com/VisualStudio/2011/storyboarding/control"/>
-  </ds:schemaRefs>
-</ds:datastoreItem>
-</file>
-
-<file path=customXml/itemProps66.xml><?xml version="1.0" encoding="utf-8"?>
-<ds:datastoreItem xmlns:ds="http://schemas.openxmlformats.org/officeDocument/2006/customXml" ds:itemID="{E998C69E-52BE-44B3-B629-486376A2D891}">
-  <ds:schemaRefs>
-    <ds:schemaRef ds:uri="http://schemas.microsoft.com/VisualStudio/2011/storyboarding/control"/>
-  </ds:schemaRefs>
-</ds:datastoreItem>
-</file>
-
-<file path=customXml/itemProps67.xml><?xml version="1.0" encoding="utf-8"?>
-<ds:datastoreItem xmlns:ds="http://schemas.openxmlformats.org/officeDocument/2006/customXml" ds:itemID="{5E7928F5-79C4-47ED-99DD-FC8E6DC4851B}">
-  <ds:schemaRefs>
-    <ds:schemaRef ds:uri="http://schemas.microsoft.com/VisualStudio/2011/storyboarding/control"/>
-  </ds:schemaRefs>
-</ds:datastoreItem>
-</file>
-
-<file path=customXml/itemProps68.xml><?xml version="1.0" encoding="utf-8"?>
-<ds:datastoreItem xmlns:ds="http://schemas.openxmlformats.org/officeDocument/2006/customXml" ds:itemID="{531ABAD3-B618-40BF-9584-FD7BA346DEDB}">
-  <ds:schemaRefs>
-    <ds:schemaRef ds:uri="http://schemas.microsoft.com/VisualStudio/2011/storyboarding/control"/>
-  </ds:schemaRefs>
-</ds:datastoreItem>
-</file>
-
-<file path=customXml/itemProps69.xml><?xml version="1.0" encoding="utf-8"?>
-<ds:datastoreItem xmlns:ds="http://schemas.openxmlformats.org/officeDocument/2006/customXml" ds:itemID="{EB2DCAD1-72F1-4D23-97E2-565C0AB7AA19}">
-  <ds:schemaRefs>
-    <ds:schemaRef ds:uri="http://schemas.microsoft.com/VisualStudio/2011/storyboarding/control"/>
-  </ds:schemaRefs>
-</ds:datastoreItem>
-</file>
-
-<file path=customXml/itemProps7.xml><?xml version="1.0" encoding="utf-8"?>
-<ds:datastoreItem xmlns:ds="http://schemas.openxmlformats.org/officeDocument/2006/customXml" ds:itemID="{B26B6A26-396F-4D0F-A263-FAD705C1B8A8}">
-  <ds:schemaRefs>
-    <ds:schemaRef ds:uri="http://schemas.microsoft.com/VisualStudio/2011/storyboarding/control"/>
-  </ds:schemaRefs>
-</ds:datastoreItem>
-</file>
-
-<file path=customXml/itemProps70.xml><?xml version="1.0" encoding="utf-8"?>
-<ds:datastoreItem xmlns:ds="http://schemas.openxmlformats.org/officeDocument/2006/customXml" ds:itemID="{8DAC1539-EE00-4235-AB6E-3D689442BEDF}">
-  <ds:schemaRefs>
-    <ds:schemaRef ds:uri="http://schemas.microsoft.com/VisualStudio/2011/storyboarding/control"/>
-  </ds:schemaRefs>
-</ds:datastoreItem>
-</file>
-
-<file path=customXml/itemProps71.xml><?xml version="1.0" encoding="utf-8"?>
-<ds:datastoreItem xmlns:ds="http://schemas.openxmlformats.org/officeDocument/2006/customXml" ds:itemID="{0112F604-12CF-4AF0-B1B9-DFC27CF2EB39}">
-  <ds:schemaRefs>
-    <ds:schemaRef ds:uri="http://schemas.microsoft.com/VisualStudio/2011/storyboarding/control"/>
-  </ds:schemaRefs>
-</ds:datastoreItem>
-</file>
-
-<file path=customXml/itemProps72.xml><?xml version="1.0" encoding="utf-8"?>
-<ds:datastoreItem xmlns:ds="http://schemas.openxmlformats.org/officeDocument/2006/customXml" ds:itemID="{EDEFCAC1-81E8-4EA1-AF8A-6D8861A55F36}">
-  <ds:schemaRefs>
-    <ds:schemaRef ds:uri="http://schemas.microsoft.com/VisualStudio/2011/storyboarding/control"/>
-  </ds:schemaRefs>
-</ds:datastoreItem>
-</file>
-
-<file path=customXml/itemProps73.xml><?xml version="1.0" encoding="utf-8"?>
-<ds:datastoreItem xmlns:ds="http://schemas.openxmlformats.org/officeDocument/2006/customXml" ds:itemID="{AFE23348-B39F-4C03-8ACB-304CB849E116}">
-  <ds:schemaRefs>
-    <ds:schemaRef ds:uri="http://schemas.microsoft.com/VisualStudio/2011/storyboarding/control"/>
-  </ds:schemaRefs>
-</ds:datastoreItem>
-</file>
-
-<file path=customXml/itemProps74.xml><?xml version="1.0" encoding="utf-8"?>
-<ds:datastoreItem xmlns:ds="http://schemas.openxmlformats.org/officeDocument/2006/customXml" ds:itemID="{3C0EDA36-C841-4260-B5CC-AA8A3556D85B}">
-  <ds:schemaRefs>
-    <ds:schemaRef ds:uri="http://schemas.microsoft.com/VisualStudio/2011/storyboarding/control"/>
-  </ds:schemaRefs>
-</ds:datastoreItem>
-</file>
-
-<file path=customXml/itemProps75.xml><?xml version="1.0" encoding="utf-8"?>
-<ds:datastoreItem xmlns:ds="http://schemas.openxmlformats.org/officeDocument/2006/customXml" ds:itemID="{BE10085E-8F62-44FE-A6C4-77F3F9B93BFD}">
-  <ds:schemaRefs>
-    <ds:schemaRef ds:uri="http://schemas.microsoft.com/VisualStudio/2011/storyboarding/control"/>
-  </ds:schemaRefs>
-</ds:datastoreItem>
-</file>
-
-<file path=customXml/itemProps76.xml><?xml version="1.0" encoding="utf-8"?>
-<ds:datastoreItem xmlns:ds="http://schemas.openxmlformats.org/officeDocument/2006/customXml" ds:itemID="{49876BA4-ED70-4F54-946C-7F2FDA8101B3}">
-  <ds:schemaRefs>
-    <ds:schemaRef ds:uri="http://schemas.microsoft.com/VisualStudio/2011/storyboarding/control"/>
-  </ds:schemaRefs>
-</ds:datastoreItem>
-</file>
-
-<file path=customXml/itemProps77.xml><?xml version="1.0" encoding="utf-8"?>
-<ds:datastoreItem xmlns:ds="http://schemas.openxmlformats.org/officeDocument/2006/customXml" ds:itemID="{2C8A8EDC-6EF7-4522-8694-660C343074D6}">
-  <ds:schemaRefs>
-    <ds:schemaRef ds:uri="http://schemas.microsoft.com/VisualStudio/2011/storyboarding/control"/>
-  </ds:schemaRefs>
-</ds:datastoreItem>
-</file>
-
-<file path=customXml/itemProps78.xml><?xml version="1.0" encoding="utf-8"?>
-<ds:datastoreItem xmlns:ds="http://schemas.openxmlformats.org/officeDocument/2006/customXml" ds:itemID="{6D23DAD7-E0D9-4241-A4DB-204A0F380A76}">
-  <ds:schemaRefs>
-    <ds:schemaRef ds:uri="http://schemas.microsoft.com/VisualStudio/2011/storyboarding/control"/>
-  </ds:schemaRefs>
-</ds:datastoreItem>
-</file>
-
-<file path=customXml/itemProps79.xml><?xml version="1.0" encoding="utf-8"?>
-<ds:datastoreItem xmlns:ds="http://schemas.openxmlformats.org/officeDocument/2006/customXml" ds:itemID="{05045935-8ED3-40B0-85FE-7ED7979502AF}">
-  <ds:schemaRefs>
-    <ds:schemaRef ds:uri="http://schemas.microsoft.com/VisualStudio/2011/storyboarding/control"/>
-  </ds:schemaRefs>
-</ds:datastoreItem>
-</file>
-
-<file path=customXml/itemProps8.xml><?xml version="1.0" encoding="utf-8"?>
-<ds:datastoreItem xmlns:ds="http://schemas.openxmlformats.org/officeDocument/2006/customXml" ds:itemID="{69B9D210-FF34-458C-8F82-69A376856F63}">
-  <ds:schemaRefs>
-    <ds:schemaRef ds:uri="http://schemas.microsoft.com/VisualStudio/2011/storyboarding/control"/>
-  </ds:schemaRefs>
-</ds:datastoreItem>
-</file>
-
-<file path=customXml/itemProps80.xml><?xml version="1.0" encoding="utf-8"?>
-<ds:datastoreItem xmlns:ds="http://schemas.openxmlformats.org/officeDocument/2006/customXml" ds:itemID="{3C01D0B5-D923-4DB6-9ECA-21B712F90957}">
-  <ds:schemaRefs>
-    <ds:schemaRef ds:uri="http://schemas.microsoft.com/VisualStudio/2011/storyboarding/control"/>
-  </ds:schemaRefs>
-</ds:datastoreItem>
-</file>
-
-<file path=customXml/itemProps81.xml><?xml version="1.0" encoding="utf-8"?>
-<ds:datastoreItem xmlns:ds="http://schemas.openxmlformats.org/officeDocument/2006/customXml" ds:itemID="{DB2AB7B1-45B1-4AA1-905D-207599224759}">
-  <ds:schemaRefs>
-    <ds:schemaRef ds:uri="http://schemas.microsoft.com/VisualStudio/2011/storyboarding/control"/>
-  </ds:schemaRefs>
-</ds:datastoreItem>
-</file>
-
-<file path=customXml/itemProps82.xml><?xml version="1.0" encoding="utf-8"?>
-<ds:datastoreItem xmlns:ds="http://schemas.openxmlformats.org/officeDocument/2006/customXml" ds:itemID="{183171CA-D024-44C6-BA60-C3C1FBC455B0}">
-  <ds:schemaRefs>
-    <ds:schemaRef ds:uri="http://schemas.microsoft.com/VisualStudio/2011/storyboarding/control"/>
-  </ds:schemaRefs>
-</ds:datastoreItem>
-</file>
-
-<file path=customXml/itemProps83.xml><?xml version="1.0" encoding="utf-8"?>
-<ds:datastoreItem xmlns:ds="http://schemas.openxmlformats.org/officeDocument/2006/customXml" ds:itemID="{030F3597-04BD-4953-9DA5-E7FAED854AAD}">
-  <ds:schemaRefs>
-    <ds:schemaRef ds:uri="http://schemas.microsoft.com/VisualStudio/2011/storyboarding/control"/>
-  </ds:schemaRefs>
-</ds:datastoreItem>
-</file>
-
-<file path=customXml/itemProps84.xml><?xml version="1.0" encoding="utf-8"?>
-<ds:datastoreItem xmlns:ds="http://schemas.openxmlformats.org/officeDocument/2006/customXml" ds:itemID="{974C45C0-2A3F-42F7-AD70-188C11EC76CD}">
-  <ds:schemaRefs>
-    <ds:schemaRef ds:uri="http://schemas.microsoft.com/VisualStudio/2011/storyboarding/control"/>
-  </ds:schemaRefs>
-</ds:datastoreItem>
-</file>
-
-<file path=customXml/itemProps85.xml><?xml version="1.0" encoding="utf-8"?>
-<ds:datastoreItem xmlns:ds="http://schemas.openxmlformats.org/officeDocument/2006/customXml" ds:itemID="{687349BA-BFEC-42A4-8F54-F6E41F0DBFC0}">
-  <ds:schemaRefs>
-    <ds:schemaRef ds:uri="http://schemas.microsoft.com/VisualStudio/2011/storyboarding/control"/>
-  </ds:schemaRefs>
-</ds:datastoreItem>
-</file>
-
-<file path=customXml/itemProps86.xml><?xml version="1.0" encoding="utf-8"?>
-<ds:datastoreItem xmlns:ds="http://schemas.openxmlformats.org/officeDocument/2006/customXml" ds:itemID="{7387757C-924F-48E4-BB13-EE3C0DC40C7C}">
-  <ds:schemaRefs>
-    <ds:schemaRef ds:uri="http://schemas.microsoft.com/VisualStudio/2011/storyboarding/control"/>
-  </ds:schemaRefs>
-</ds:datastoreItem>
-</file>
-
-<file path=customXml/itemProps87.xml><?xml version="1.0" encoding="utf-8"?>
-<ds:datastoreItem xmlns:ds="http://schemas.openxmlformats.org/officeDocument/2006/customXml" ds:itemID="{7F7B4182-C158-4CF7-BE17-BBC9AB98C52D}">
-  <ds:schemaRefs>
-    <ds:schemaRef ds:uri="http://schemas.microsoft.com/VisualStudio/2011/storyboarding/control"/>
-  </ds:schemaRefs>
-</ds:datastoreItem>
-</file>
-
-<file path=customXml/itemProps88.xml><?xml version="1.0" encoding="utf-8"?>
-<ds:datastoreItem xmlns:ds="http://schemas.openxmlformats.org/officeDocument/2006/customXml" ds:itemID="{CF6A60AE-6D84-4733-81BB-5121E0FFC000}">
-  <ds:schemaRefs>
-    <ds:schemaRef ds:uri="http://schemas.microsoft.com/VisualStudio/2011/storyboarding/control"/>
-  </ds:schemaRefs>
-</ds:datastoreItem>
-</file>
-
-<file path=customXml/itemProps89.xml><?xml version="1.0" encoding="utf-8"?>
-<ds:datastoreItem xmlns:ds="http://schemas.openxmlformats.org/officeDocument/2006/customXml" ds:itemID="{70826E2B-1B9D-49EA-B16E-B2BAED7E59C5}">
-  <ds:schemaRefs>
-    <ds:schemaRef ds:uri="http://schemas.microsoft.com/VisualStudio/2011/storyboarding/control"/>
-  </ds:schemaRefs>
-</ds:datastoreItem>
-</file>
-
-<file path=customXml/itemProps9.xml><?xml version="1.0" encoding="utf-8"?>
+<file path=customXml/itemProps97.xml><?xml version="1.0" encoding="utf-8"?>
 <ds:datastoreItem xmlns:ds="http://schemas.openxmlformats.org/officeDocument/2006/customXml" ds:itemID="{0FD6602D-9FF1-45EA-ACC6-2A4C9859DD2B}">
   <ds:schemaRefs>
     <ds:schemaRef ds:uri="http://schemas.microsoft.com/VisualStudio/2011/storyboarding/control"/>
@@ -20645,80 +27192,16 @@
 </ds:datastoreItem>
 </file>
 
-<file path=customXml/itemProps90.xml><?xml version="1.0" encoding="utf-8"?>
-<ds:datastoreItem xmlns:ds="http://schemas.openxmlformats.org/officeDocument/2006/customXml" ds:itemID="{E97CE4A6-9C01-4E1C-AE95-A570F68F4499}">
+<file path=customXml/itemProps98.xml><?xml version="1.0" encoding="utf-8"?>
+<ds:datastoreItem xmlns:ds="http://schemas.openxmlformats.org/officeDocument/2006/customXml" ds:itemID="{E1A30748-A830-4B10-A878-3B4756F506F2}">
   <ds:schemaRefs>
     <ds:schemaRef ds:uri="http://schemas.microsoft.com/VisualStudio/2011/storyboarding/control"/>
   </ds:schemaRefs>
 </ds:datastoreItem>
 </file>
 
-<file path=customXml/itemProps91.xml><?xml version="1.0" encoding="utf-8"?>
-<ds:datastoreItem xmlns:ds="http://schemas.openxmlformats.org/officeDocument/2006/customXml" ds:itemID="{776DA967-FF73-4AD2-8CC6-D43089C9FC8F}">
-  <ds:schemaRefs>
-    <ds:schemaRef ds:uri="http://schemas.microsoft.com/VisualStudio/2011/storyboarding/control"/>
-  </ds:schemaRefs>
-</ds:datastoreItem>
-</file>
-
-<file path=customXml/itemProps92.xml><?xml version="1.0" encoding="utf-8"?>
-<ds:datastoreItem xmlns:ds="http://schemas.openxmlformats.org/officeDocument/2006/customXml" ds:itemID="{368C58DE-69E5-468F-8FEE-B8D0683E2F32}">
-  <ds:schemaRefs>
-    <ds:schemaRef ds:uri="http://schemas.microsoft.com/VisualStudio/2011/storyboarding/control"/>
-  </ds:schemaRefs>
-</ds:datastoreItem>
-</file>
-
-<file path=customXml/itemProps93.xml><?xml version="1.0" encoding="utf-8"?>
-<ds:datastoreItem xmlns:ds="http://schemas.openxmlformats.org/officeDocument/2006/customXml" ds:itemID="{8FA3D93C-F1A3-4B2E-9382-EA20C1D69BAD}">
-  <ds:schemaRefs>
-    <ds:schemaRef ds:uri="http://schemas.microsoft.com/VisualStudio/2011/storyboarding/control"/>
-  </ds:schemaRefs>
-</ds:datastoreItem>
-</file>
-
-<file path=customXml/itemProps94.xml><?xml version="1.0" encoding="utf-8"?>
-<ds:datastoreItem xmlns:ds="http://schemas.openxmlformats.org/officeDocument/2006/customXml" ds:itemID="{CA719675-9B71-49B9-BBAE-6093E5AF0C0C}">
-  <ds:schemaRefs>
-    <ds:schemaRef ds:uri="http://schemas.microsoft.com/VisualStudio/2011/storyboarding/control"/>
-  </ds:schemaRefs>
-</ds:datastoreItem>
-</file>
-
-<file path=customXml/itemProps95.xml><?xml version="1.0" encoding="utf-8"?>
-<ds:datastoreItem xmlns:ds="http://schemas.openxmlformats.org/officeDocument/2006/customXml" ds:itemID="{DED20389-1C75-4C70-BBCC-27B286CC4C95}">
-  <ds:schemaRefs>
-    <ds:schemaRef ds:uri="http://schemas.microsoft.com/VisualStudio/2011/storyboarding/control"/>
-  </ds:schemaRefs>
-</ds:datastoreItem>
-</file>
-
-<file path=customXml/itemProps96.xml><?xml version="1.0" encoding="utf-8"?>
-<ds:datastoreItem xmlns:ds="http://schemas.openxmlformats.org/officeDocument/2006/customXml" ds:itemID="{BFEF8C4D-1E27-426E-B1CF-BF65C7F7B0A0}">
-  <ds:schemaRefs>
-    <ds:schemaRef ds:uri="http://schemas.microsoft.com/VisualStudio/2011/storyboarding/control"/>
-  </ds:schemaRefs>
-</ds:datastoreItem>
-</file>
-
-<file path=customXml/itemProps97.xml><?xml version="1.0" encoding="utf-8"?>
-<ds:datastoreItem xmlns:ds="http://schemas.openxmlformats.org/officeDocument/2006/customXml" ds:itemID="{47D5C557-1651-48F6-8155-1FB19872772E}">
-  <ds:schemaRefs>
-    <ds:schemaRef ds:uri="http://schemas.microsoft.com/VisualStudio/2011/storyboarding/control"/>
-  </ds:schemaRefs>
-</ds:datastoreItem>
-</file>
-
-<file path=customXml/itemProps98.xml><?xml version="1.0" encoding="utf-8"?>
-<ds:datastoreItem xmlns:ds="http://schemas.openxmlformats.org/officeDocument/2006/customXml" ds:itemID="{A147C2B5-40E8-429C-BE34-7938697C5C66}">
-  <ds:schemaRefs>
-    <ds:schemaRef ds:uri="http://schemas.microsoft.com/VisualStudio/2011/storyboarding/control"/>
-  </ds:schemaRefs>
-</ds:datastoreItem>
-</file>
-
 <file path=customXml/itemProps99.xml><?xml version="1.0" encoding="utf-8"?>
-<ds:datastoreItem xmlns:ds="http://schemas.openxmlformats.org/officeDocument/2006/customXml" ds:itemID="{D10F67D1-B2C6-4D91-9BEE-407097047766}">
+<ds:datastoreItem xmlns:ds="http://schemas.openxmlformats.org/officeDocument/2006/customXml" ds:itemID="{D5205093-BB2B-40C2-98A8-A9F6399BA396}">
   <ds:schemaRefs>
     <ds:schemaRef ds:uri="http://schemas.microsoft.com/VisualStudio/2011/storyboarding/control"/>
   </ds:schemaRefs>

--- a/Презентация1.pptx
+++ b/Презентация1.pptx
@@ -2,18 +2,18 @@
 <file path=ppt/presentation.xml><?xml version="1.0" encoding="utf-8"?>
 <p:presentation xmlns:a="http://schemas.openxmlformats.org/drawingml/2006/main" xmlns:r="http://schemas.openxmlformats.org/officeDocument/2006/relationships" xmlns:p="http://schemas.openxmlformats.org/presentationml/2006/main" saveSubsetFonts="1">
   <p:sldMasterIdLst>
-    <p:sldMasterId id="2147483672" r:id="rId229"/>
+    <p:sldMasterId id="2147483672" r:id="rId223"/>
   </p:sldMasterIdLst>
   <p:notesMasterIdLst>
-    <p:notesMasterId r:id="rId236"/>
+    <p:notesMasterId r:id="rId230"/>
   </p:notesMasterIdLst>
   <p:sldIdLst>
-    <p:sldId id="258" r:id="rId230"/>
-    <p:sldId id="257" r:id="rId231"/>
-    <p:sldId id="260" r:id="rId232"/>
-    <p:sldId id="261" r:id="rId233"/>
-    <p:sldId id="262" r:id="rId234"/>
-    <p:sldId id="263" r:id="rId235"/>
+    <p:sldId id="258" r:id="rId224"/>
+    <p:sldId id="257" r:id="rId225"/>
+    <p:sldId id="260" r:id="rId226"/>
+    <p:sldId id="261" r:id="rId227"/>
+    <p:sldId id="262" r:id="rId228"/>
+    <p:sldId id="263" r:id="rId229"/>
   </p:sldIdLst>
   <p:sldSz cx="6858000" cy="9144000" type="screen4x3"/>
   <p:notesSz cx="6858000" cy="9144000"/>
@@ -197,7 +197,7 @@
           <a:p>
             <a:fld id="{8CC9CF27-251A-4F88-A880-4F4CFE8C571B}" type="datetimeFigureOut">
               <a:rPr lang="ru-RU" smtClean="0"/>
-              <a:t>24.08.2014</a:t>
+              <a:t>26.08.2014</a:t>
             </a:fld>
             <a:endParaRPr lang="ru-RU"/>
           </a:p>
@@ -824,7 +824,7 @@
           <a:p>
             <a:fld id="{2C1C572C-67B0-4CE5-835A-BD766804815C}" type="datetimeFigureOut">
               <a:rPr lang="ru-RU" smtClean="0"/>
-              <a:t>24.08.2014</a:t>
+              <a:t>26.08.2014</a:t>
             </a:fld>
             <a:endParaRPr lang="ru-RU"/>
           </a:p>
@@ -994,7 +994,7 @@
           <a:p>
             <a:fld id="{2C1C572C-67B0-4CE5-835A-BD766804815C}" type="datetimeFigureOut">
               <a:rPr lang="ru-RU" smtClean="0"/>
-              <a:t>24.08.2014</a:t>
+              <a:t>26.08.2014</a:t>
             </a:fld>
             <a:endParaRPr lang="ru-RU"/>
           </a:p>
@@ -1174,7 +1174,7 @@
           <a:p>
             <a:fld id="{2C1C572C-67B0-4CE5-835A-BD766804815C}" type="datetimeFigureOut">
               <a:rPr lang="ru-RU" smtClean="0"/>
-              <a:t>24.08.2014</a:t>
+              <a:t>26.08.2014</a:t>
             </a:fld>
             <a:endParaRPr lang="ru-RU"/>
           </a:p>
@@ -1344,7 +1344,7 @@
           <a:p>
             <a:fld id="{2C1C572C-67B0-4CE5-835A-BD766804815C}" type="datetimeFigureOut">
               <a:rPr lang="ru-RU" smtClean="0"/>
-              <a:t>24.08.2014</a:t>
+              <a:t>26.08.2014</a:t>
             </a:fld>
             <a:endParaRPr lang="ru-RU"/>
           </a:p>
@@ -1590,7 +1590,7 @@
           <a:p>
             <a:fld id="{2C1C572C-67B0-4CE5-835A-BD766804815C}" type="datetimeFigureOut">
               <a:rPr lang="ru-RU" smtClean="0"/>
-              <a:t>24.08.2014</a:t>
+              <a:t>26.08.2014</a:t>
             </a:fld>
             <a:endParaRPr lang="ru-RU"/>
           </a:p>
@@ -1878,7 +1878,7 @@
           <a:p>
             <a:fld id="{2C1C572C-67B0-4CE5-835A-BD766804815C}" type="datetimeFigureOut">
               <a:rPr lang="ru-RU" smtClean="0"/>
-              <a:t>24.08.2014</a:t>
+              <a:t>26.08.2014</a:t>
             </a:fld>
             <a:endParaRPr lang="ru-RU"/>
           </a:p>
@@ -2300,7 +2300,7 @@
           <a:p>
             <a:fld id="{2C1C572C-67B0-4CE5-835A-BD766804815C}" type="datetimeFigureOut">
               <a:rPr lang="ru-RU" smtClean="0"/>
-              <a:t>24.08.2014</a:t>
+              <a:t>26.08.2014</a:t>
             </a:fld>
             <a:endParaRPr lang="ru-RU"/>
           </a:p>
@@ -2418,7 +2418,7 @@
           <a:p>
             <a:fld id="{2C1C572C-67B0-4CE5-835A-BD766804815C}" type="datetimeFigureOut">
               <a:rPr lang="ru-RU" smtClean="0"/>
-              <a:t>24.08.2014</a:t>
+              <a:t>26.08.2014</a:t>
             </a:fld>
             <a:endParaRPr lang="ru-RU"/>
           </a:p>
@@ -2513,7 +2513,7 @@
           <a:p>
             <a:fld id="{2C1C572C-67B0-4CE5-835A-BD766804815C}" type="datetimeFigureOut">
               <a:rPr lang="ru-RU" smtClean="0"/>
-              <a:t>24.08.2014</a:t>
+              <a:t>26.08.2014</a:t>
             </a:fld>
             <a:endParaRPr lang="ru-RU"/>
           </a:p>
@@ -2790,7 +2790,7 @@
           <a:p>
             <a:fld id="{2C1C572C-67B0-4CE5-835A-BD766804815C}" type="datetimeFigureOut">
               <a:rPr lang="ru-RU" smtClean="0"/>
-              <a:t>24.08.2014</a:t>
+              <a:t>26.08.2014</a:t>
             </a:fld>
             <a:endParaRPr lang="ru-RU"/>
           </a:p>
@@ -3043,7 +3043,7 @@
           <a:p>
             <a:fld id="{2C1C572C-67B0-4CE5-835A-BD766804815C}" type="datetimeFigureOut">
               <a:rPr lang="ru-RU" smtClean="0"/>
-              <a:t>24.08.2014</a:t>
+              <a:t>26.08.2014</a:t>
             </a:fld>
             <a:endParaRPr lang="ru-RU"/>
           </a:p>
@@ -3256,7 +3256,7 @@
           <a:p>
             <a:fld id="{2C1C572C-67B0-4CE5-835A-BD766804815C}" type="datetimeFigureOut">
               <a:rPr lang="ru-RU" smtClean="0"/>
-              <a:t>24.08.2014</a:t>
+              <a:t>26.08.2014</a:t>
             </a:fld>
             <a:endParaRPr lang="ru-RU"/>
           </a:p>
@@ -6725,14 +6725,6 @@
               </a:rPr>
               <a:t>:</a:t>
             </a:r>
-            <a:endParaRPr lang="en-US" sz="1200" dirty="0" smtClean="0">
-              <a:solidFill>
-                <a:srgbClr val="000000"/>
-              </a:solidFill>
-              <a:latin typeface="Segoe UI" pitchFamily="34" charset="0"/>
-              <a:ea typeface="Segoe UI" pitchFamily="34" charset="0"/>
-              <a:cs typeface="Segoe UI" pitchFamily="34" charset="0"/>
-            </a:endParaRPr>
           </a:p>
         </p:txBody>
       </p:sp>
@@ -6998,6 +6990,26 @@
               <a:buNone/>
               <a:tabLst/>
             </a:pPr>
+            <a:r>
+              <a:rPr kumimoji="0" lang="ru-RU" sz="800" b="0" i="0" u="none" strike="noStrike" kern="0" cap="none" spc="0" normalizeH="0" baseline="0" noProof="0" dirty="0" smtClean="0">
+                <a:ln>
+                  <a:noFill/>
+                </a:ln>
+                <a:solidFill>
+                  <a:srgbClr val="000000">
+                    <a:lumMod val="75000"/>
+                    <a:lumOff val="25000"/>
+                  </a:srgbClr>
+                </a:solidFill>
+                <a:effectLst/>
+                <a:uLnTx/>
+                <a:uFillTx/>
+                <a:latin typeface="Segoe UI"/>
+                <a:ea typeface="+mn-ea"/>
+                <a:cs typeface="+mn-cs"/>
+              </a:rPr>
+              <a:t>Ы</a:t>
+            </a:r>
             <a:endParaRPr kumimoji="0" lang="en-US" sz="800" b="0" i="0" u="none" strike="noStrike" kern="0" cap="none" spc="0" normalizeH="0" baseline="0" noProof="0" dirty="0" smtClean="0">
               <a:ln>
                 <a:noFill/>
@@ -7302,7 +7314,7 @@
         <p:spPr>
           <a:xfrm>
             <a:off x="3719828" y="6502583"/>
-            <a:ext cx="2230428" cy="818516"/>
+            <a:ext cx="2411568" cy="818516"/>
           </a:xfrm>
           <a:prstGeom prst="rect">
             <a:avLst/>
@@ -7493,7 +7505,7 @@
         </p:nvGrpSpPr>
         <p:grpSpPr>
           <a:xfrm>
-            <a:off x="5013176" y="6164403"/>
+            <a:off x="4691236" y="6164403"/>
             <a:ext cx="1440160" cy="228600"/>
             <a:chOff x="4016824" y="3329201"/>
             <a:chExt cx="1097652" cy="160603"/>
@@ -7628,8 +7640,8 @@
         </p:nvSpPr>
         <p:spPr>
           <a:xfrm>
-            <a:off x="3571758" y="6164403"/>
-            <a:ext cx="1531317" cy="230832"/>
+            <a:off x="3619383" y="6164403"/>
+            <a:ext cx="1156214" cy="230832"/>
           </a:xfrm>
           <a:prstGeom prst="rect">
             <a:avLst/>
@@ -7643,6 +7655,17 @@
           <a:lstStyle/>
           <a:p>
             <a:r>
+              <a:rPr lang="en-US" sz="1200" dirty="0" smtClean="0">
+                <a:solidFill>
+                  <a:srgbClr val="000000"/>
+                </a:solidFill>
+                <a:latin typeface="Segoe UI" pitchFamily="34" charset="0"/>
+                <a:ea typeface="Segoe UI" pitchFamily="34" charset="0"/>
+                <a:cs typeface="Segoe UI" pitchFamily="34" charset="0"/>
+              </a:rPr>
+              <a:t> </a:t>
+            </a:r>
+            <a:r>
               <a:rPr lang="ru-RU" sz="1200" dirty="0" smtClean="0">
                 <a:solidFill>
                   <a:srgbClr val="000000"/>
@@ -7651,7 +7674,7 @@
                 <a:ea typeface="Segoe UI" pitchFamily="34" charset="0"/>
                 <a:cs typeface="Segoe UI" pitchFamily="34" charset="0"/>
               </a:rPr>
-              <a:t>Мое предложение</a:t>
+              <a:t>Я предлагаю</a:t>
             </a:r>
             <a:r>
               <a:rPr lang="en-US" sz="1200" dirty="0" smtClean="0">
@@ -7675,6 +7698,41 @@
           </a:p>
         </p:txBody>
       </p:sp>
+      <p:cxnSp>
+        <p:nvCxnSpPr>
+          <p:cNvPr id="4" name="Прямая соединительная линия 3"/>
+          <p:cNvCxnSpPr/>
+          <p:nvPr/>
+        </p:nvCxnSpPr>
+        <p:spPr>
+          <a:xfrm flipH="1">
+            <a:off x="3525880" y="2342173"/>
+            <a:ext cx="1098681" cy="23706"/>
+          </a:xfrm>
+          <a:prstGeom prst="line">
+            <a:avLst/>
+          </a:prstGeom>
+          <a:ln w="22225">
+            <a:solidFill>
+              <a:srgbClr val="FF0000"/>
+            </a:solidFill>
+          </a:ln>
+        </p:spPr>
+        <p:style>
+          <a:lnRef idx="1">
+            <a:schemeClr val="accent1"/>
+          </a:lnRef>
+          <a:fillRef idx="0">
+            <a:schemeClr val="accent1"/>
+          </a:fillRef>
+          <a:effectRef idx="0">
+            <a:schemeClr val="accent1"/>
+          </a:effectRef>
+          <a:fontRef idx="minor">
+            <a:schemeClr val="tx1"/>
+          </a:fontRef>
+        </p:style>
+      </p:cxnSp>
     </p:spTree>
     <p:extLst>
       <p:ext uri="{BB962C8B-B14F-4D97-AF65-F5344CB8AC3E}">
@@ -7724,14 +7782,14 @@
             </p:custDataLst>
             <p:extLst>
               <p:ext uri="{D42A27DB-BD31-4B8C-83A1-F6EECF244321}">
-                <p14:modId xmlns:p14="http://schemas.microsoft.com/office/powerpoint/2010/main" val="2165153397"/>
+                <p14:modId xmlns:p14="http://schemas.microsoft.com/office/powerpoint/2010/main" val="2238587001"/>
               </p:ext>
             </p:extLst>
           </p:nvPr>
         </p:nvGraphicFramePr>
         <p:xfrm>
-          <a:off x="980728" y="5466637"/>
-          <a:ext cx="5400600" cy="1540480"/>
+          <a:off x="908719" y="5682661"/>
+          <a:ext cx="5184576" cy="1540480"/>
         </p:xfrm>
         <a:graphic>
           <a:graphicData uri="http://schemas.openxmlformats.org/drawingml/2006/table">
@@ -7740,7 +7798,7 @@
                 <a:tableStyleId>{8EC20E35-A176-4012-BC5E-935CFFF8708E}</a:tableStyleId>
               </a:tblPr>
               <a:tblGrid>
-                <a:gridCol w="557760"/>
+                <a:gridCol w="341736"/>
                 <a:gridCol w="894063"/>
                 <a:gridCol w="1011776"/>
                 <a:gridCol w="850855"/>
@@ -8373,9 +8431,33 @@
                         </a:rPr>
                         <a:t> </a:t>
                       </a:r>
+                      <a:r>
+                        <a:rPr lang="ru-RU" sz="1100" baseline="0" dirty="0" smtClean="0">
+                          <a:solidFill>
+                            <a:srgbClr val="00B050"/>
+                          </a:solidFill>
+                        </a:rPr>
+                        <a:t>10</a:t>
+                      </a:r>
+                      <a:r>
+                        <a:rPr lang="ru-RU" sz="1100" baseline="0" dirty="0" smtClean="0">
+                          <a:solidFill>
+                            <a:srgbClr val="000000"/>
+                          </a:solidFill>
+                        </a:rPr>
+                        <a:t>/</a:t>
+                      </a:r>
+                      <a:r>
+                        <a:rPr lang="ru-RU" sz="1100" baseline="0" dirty="0" smtClean="0">
+                          <a:solidFill>
+                            <a:srgbClr val="FF0000"/>
+                          </a:solidFill>
+                        </a:rPr>
+                        <a:t>1</a:t>
+                      </a:r>
                       <a:endParaRPr lang="en-US" sz="1100" dirty="0">
                         <a:solidFill>
-                          <a:srgbClr val="000000"/>
+                          <a:srgbClr val="FF0000"/>
                         </a:solidFill>
                       </a:endParaRPr>
                     </a:p>
@@ -10440,7 +10522,7 @@
           </p:nvPr>
         </p:nvPicPr>
         <p:blipFill>
-          <a:blip r:embed="rId50" cstate="print">
+          <a:blip r:embed="rId42" cstate="print">
             <a:extLst>
               <a:ext uri="{28A0092B-C50C-407E-A947-70E740481C1C}">
                 <a14:useLocalDpi xmlns:a14="http://schemas.microsoft.com/office/drawing/2010/main" val="0"/>
@@ -10454,7 +10536,7 @@
         </p:blipFill>
         <p:spPr bwMode="auto">
           <a:xfrm>
-            <a:off x="5998688" y="5796750"/>
+            <a:off x="5710655" y="6012774"/>
             <a:ext cx="143883" cy="137139"/>
           </a:xfrm>
           <a:prstGeom prst="rect">
@@ -10485,7 +10567,7 @@
           </p:nvPr>
         </p:nvPicPr>
         <p:blipFill>
-          <a:blip r:embed="rId50" cstate="print">
+          <a:blip r:embed="rId42" cstate="print">
             <a:extLst>
               <a:ext uri="{28A0092B-C50C-407E-A947-70E740481C1C}">
                 <a14:useLocalDpi xmlns:a14="http://schemas.microsoft.com/office/drawing/2010/main" val="0"/>
@@ -10499,7 +10581,7 @@
         </p:blipFill>
         <p:spPr bwMode="auto">
           <a:xfrm>
-            <a:off x="5998688" y="6048262"/>
+            <a:off x="5710655" y="6264286"/>
             <a:ext cx="143883" cy="137139"/>
           </a:xfrm>
           <a:prstGeom prst="rect">
@@ -10530,7 +10612,7 @@
           </p:nvPr>
         </p:nvPicPr>
         <p:blipFill>
-          <a:blip r:embed="rId50" cstate="print">
+          <a:blip r:embed="rId42" cstate="print">
             <a:extLst>
               <a:ext uri="{28A0092B-C50C-407E-A947-70E740481C1C}">
                 <a14:useLocalDpi xmlns:a14="http://schemas.microsoft.com/office/drawing/2010/main" val="0"/>
@@ -10544,7 +10626,7 @@
         </p:blipFill>
         <p:spPr bwMode="auto">
           <a:xfrm>
-            <a:off x="5998687" y="6248791"/>
+            <a:off x="5710654" y="6464815"/>
             <a:ext cx="143883" cy="137139"/>
           </a:xfrm>
           <a:prstGeom prst="rect">
@@ -10575,7 +10657,7 @@
           </p:nvPr>
         </p:nvPicPr>
         <p:blipFill>
-          <a:blip r:embed="rId50" cstate="print">
+          <a:blip r:embed="rId42" cstate="print">
             <a:extLst>
               <a:ext uri="{28A0092B-C50C-407E-A947-70E740481C1C}">
                 <a14:useLocalDpi xmlns:a14="http://schemas.microsoft.com/office/drawing/2010/main" val="0"/>
@@ -10589,7 +10671,7 @@
         </p:blipFill>
         <p:spPr bwMode="auto">
           <a:xfrm>
-            <a:off x="5998688" y="6436238"/>
+            <a:off x="5710655" y="6652262"/>
             <a:ext cx="143883" cy="137139"/>
           </a:xfrm>
           <a:prstGeom prst="rect">
@@ -10620,7 +10702,7 @@
           </p:nvPr>
         </p:nvPicPr>
         <p:blipFill>
-          <a:blip r:embed="rId50" cstate="print">
+          <a:blip r:embed="rId42" cstate="print">
             <a:extLst>
               <a:ext uri="{28A0092B-C50C-407E-A947-70E740481C1C}">
                 <a14:useLocalDpi xmlns:a14="http://schemas.microsoft.com/office/drawing/2010/main" val="0"/>
@@ -10634,7 +10716,7 @@
         </p:blipFill>
         <p:spPr bwMode="auto">
           <a:xfrm>
-            <a:off x="5998688" y="6642173"/>
+            <a:off x="5710655" y="6858197"/>
             <a:ext cx="143883" cy="137139"/>
           </a:xfrm>
           <a:prstGeom prst="rect">
@@ -10665,7 +10747,7 @@
           </p:nvPr>
         </p:nvPicPr>
         <p:blipFill>
-          <a:blip r:embed="rId51" cstate="print">
+          <a:blip r:embed="rId43" cstate="print">
             <a:extLst>
               <a:ext uri="{28A0092B-C50C-407E-A947-70E740481C1C}">
                 <a14:useLocalDpi xmlns:a14="http://schemas.microsoft.com/office/drawing/2010/main" val="0"/>
@@ -10679,7 +10761,7 @@
         </p:blipFill>
         <p:spPr bwMode="auto">
           <a:xfrm>
-            <a:off x="6177716" y="5805334"/>
+            <a:off x="5889683" y="6021358"/>
             <a:ext cx="149590" cy="128555"/>
           </a:xfrm>
           <a:prstGeom prst="rect">
@@ -10710,7 +10792,7 @@
           </p:nvPr>
         </p:nvPicPr>
         <p:blipFill>
-          <a:blip r:embed="rId51" cstate="print">
+          <a:blip r:embed="rId43" cstate="print">
             <a:extLst>
               <a:ext uri="{28A0092B-C50C-407E-A947-70E740481C1C}">
                 <a14:useLocalDpi xmlns:a14="http://schemas.microsoft.com/office/drawing/2010/main" val="0"/>
@@ -10724,7 +10806,7 @@
         </p:blipFill>
         <p:spPr bwMode="auto">
           <a:xfrm>
-            <a:off x="6177716" y="6060163"/>
+            <a:off x="5889683" y="6276187"/>
             <a:ext cx="149590" cy="128555"/>
           </a:xfrm>
           <a:prstGeom prst="rect">
@@ -10755,7 +10837,7 @@
           </p:nvPr>
         </p:nvPicPr>
         <p:blipFill>
-          <a:blip r:embed="rId51" cstate="print">
+          <a:blip r:embed="rId43" cstate="print">
             <a:extLst>
               <a:ext uri="{28A0092B-C50C-407E-A947-70E740481C1C}">
                 <a14:useLocalDpi xmlns:a14="http://schemas.microsoft.com/office/drawing/2010/main" val="0"/>
@@ -10769,7 +10851,7 @@
         </p:blipFill>
         <p:spPr bwMode="auto">
           <a:xfrm>
-            <a:off x="6177716" y="6265959"/>
+            <a:off x="5889683" y="6481983"/>
             <a:ext cx="149590" cy="128555"/>
           </a:xfrm>
           <a:prstGeom prst="rect">
@@ -10800,7 +10882,7 @@
           </p:nvPr>
         </p:nvPicPr>
         <p:blipFill>
-          <a:blip r:embed="rId51" cstate="print">
+          <a:blip r:embed="rId43" cstate="print">
             <a:extLst>
               <a:ext uri="{28A0092B-C50C-407E-A947-70E740481C1C}">
                 <a14:useLocalDpi xmlns:a14="http://schemas.microsoft.com/office/drawing/2010/main" val="0"/>
@@ -10814,7 +10896,7 @@
         </p:blipFill>
         <p:spPr bwMode="auto">
           <a:xfrm>
-            <a:off x="6177716" y="6466861"/>
+            <a:off x="5889683" y="6682885"/>
             <a:ext cx="149590" cy="128555"/>
           </a:xfrm>
           <a:prstGeom prst="rect">
@@ -10845,7 +10927,7 @@
           </p:nvPr>
         </p:nvPicPr>
         <p:blipFill>
-          <a:blip r:embed="rId51" cstate="print">
+          <a:blip r:embed="rId43" cstate="print">
             <a:extLst>
               <a:ext uri="{28A0092B-C50C-407E-A947-70E740481C1C}">
                 <a14:useLocalDpi xmlns:a14="http://schemas.microsoft.com/office/drawing/2010/main" val="0"/>
@@ -10859,7 +10941,7 @@
         </p:blipFill>
         <p:spPr bwMode="auto">
           <a:xfrm>
-            <a:off x="6180525" y="6650757"/>
+            <a:off x="5892492" y="6866781"/>
             <a:ext cx="149590" cy="128555"/>
           </a:xfrm>
           <a:prstGeom prst="rect">
@@ -10889,7 +10971,7 @@
         </p:nvSpPr>
         <p:spPr>
           <a:xfrm>
-            <a:off x="6117679" y="5708311"/>
+            <a:off x="5829646" y="5924335"/>
             <a:ext cx="671018" cy="193899"/>
           </a:xfrm>
           <a:prstGeom prst="rect">
@@ -10989,7 +11071,7 @@
         </p:nvSpPr>
         <p:spPr>
           <a:xfrm>
-            <a:off x="6330116" y="6521136"/>
+            <a:off x="6042083" y="6737160"/>
             <a:ext cx="1275349" cy="193899"/>
           </a:xfrm>
           <a:prstGeom prst="rect">
@@ -11090,7 +11172,7 @@
           </p:nvPr>
         </p:nvPicPr>
         <p:blipFill>
-          <a:blip r:embed="rId52" cstate="print">
+          <a:blip r:embed="rId44" cstate="print">
             <a:extLst>
               <a:ext uri="{28A0092B-C50C-407E-A947-70E740481C1C}">
                 <a14:useLocalDpi xmlns:a14="http://schemas.microsoft.com/office/drawing/2010/main" val="0"/>
@@ -11104,7 +11186,7 @@
         </p:blipFill>
         <p:spPr bwMode="auto">
           <a:xfrm>
-            <a:off x="6037535" y="5869611"/>
+            <a:off x="5749502" y="6085635"/>
             <a:ext cx="105035" cy="139499"/>
           </a:xfrm>
           <a:prstGeom prst="rect">
@@ -11143,7 +11225,7 @@
           </p:nvPr>
         </p:nvPicPr>
         <p:blipFill>
-          <a:blip r:embed="rId52" cstate="print">
+          <a:blip r:embed="rId44" cstate="print">
             <a:extLst>
               <a:ext uri="{28A0092B-C50C-407E-A947-70E740481C1C}">
                 <a14:useLocalDpi xmlns:a14="http://schemas.microsoft.com/office/drawing/2010/main" val="0"/>
@@ -11157,7 +11239,7 @@
         </p:blipFill>
         <p:spPr bwMode="auto">
           <a:xfrm>
-            <a:off x="6233909" y="6709319"/>
+            <a:off x="5945876" y="6925343"/>
             <a:ext cx="105035" cy="139499"/>
           </a:xfrm>
           <a:prstGeom prst="rect">
@@ -11196,7 +11278,7 @@
           </p:nvPr>
         </p:nvPicPr>
         <p:blipFill>
-          <a:blip r:embed="rId52" cstate="print">
+          <a:blip r:embed="rId44" cstate="print">
             <a:extLst>
               <a:ext uri="{28A0092B-C50C-407E-A947-70E740481C1C}">
                 <a14:useLocalDpi xmlns:a14="http://schemas.microsoft.com/office/drawing/2010/main" val="0"/>
@@ -11210,7 +11292,7 @@
         </p:blipFill>
         <p:spPr bwMode="auto">
           <a:xfrm>
-            <a:off x="1993553" y="5736774"/>
+            <a:off x="1853770" y="6380685"/>
             <a:ext cx="105035" cy="139499"/>
           </a:xfrm>
           <a:prstGeom prst="rect">
@@ -11246,7 +11328,7 @@
         </p:nvSpPr>
         <p:spPr>
           <a:xfrm>
-            <a:off x="2217302" y="5498937"/>
+            <a:off x="1929269" y="5714961"/>
             <a:ext cx="106714" cy="104141"/>
           </a:xfrm>
           <a:prstGeom prst="rect">
@@ -11303,7 +11385,7 @@
         </p:nvGrpSpPr>
         <p:grpSpPr>
           <a:xfrm>
-            <a:off x="3183036" y="5472406"/>
+            <a:off x="2895003" y="5688430"/>
             <a:ext cx="182880" cy="182880"/>
             <a:chOff x="2787278" y="3604633"/>
             <a:chExt cx="182880" cy="182880"/>
@@ -11377,7 +11459,7 @@
             <p:nvPr/>
           </p:nvPicPr>
           <p:blipFill>
-            <a:blip r:embed="rId53" cstate="print">
+            <a:blip r:embed="rId45" cstate="print">
               <a:extLst>
                 <a:ext uri="{28A0092B-C50C-407E-A947-70E740481C1C}">
                   <a14:useLocalDpi xmlns:a14="http://schemas.microsoft.com/office/drawing/2010/main" val="0"/>
@@ -11422,8 +11504,8 @@
         </p:nvGrpSpPr>
         <p:grpSpPr>
           <a:xfrm>
-            <a:off x="964281" y="1263684"/>
-            <a:ext cx="4702972" cy="2620071"/>
+            <a:off x="964281" y="1263685"/>
+            <a:ext cx="4702972" cy="2228196"/>
             <a:chOff x="3138993" y="2878653"/>
             <a:chExt cx="3513043" cy="4138082"/>
           </a:xfrm>
@@ -11591,75 +11673,11 @@
       </p:sp>
       <p:sp>
         <p:nvSpPr>
-          <p:cNvPr id="48" name="Content"/>
-          <p:cNvSpPr txBox="1"/>
-          <p:nvPr>
-            <p:custDataLst>
-              <p:custData r:id="rId19"/>
-            </p:custDataLst>
-          </p:nvPr>
-        </p:nvSpPr>
-        <p:spPr>
-          <a:xfrm>
-            <a:off x="1039328" y="2120347"/>
-            <a:ext cx="1045607" cy="415498"/>
-          </a:xfrm>
-          <a:prstGeom prst="rect">
-            <a:avLst/>
-          </a:prstGeom>
-          <a:noFill/>
-        </p:spPr>
-        <p:txBody>
-          <a:bodyPr wrap="none" lIns="91440" tIns="18288" rIns="91440" bIns="27432" rtlCol="0" anchor="ctr" anchorCtr="0">
-            <a:spAutoFit/>
-          </a:bodyPr>
-          <a:lstStyle/>
-          <a:p>
-            <a:r>
-              <a:rPr lang="ru-RU" sz="1200" dirty="0" smtClean="0">
-                <a:solidFill>
-                  <a:srgbClr val="000000"/>
-                </a:solidFill>
-                <a:latin typeface="Segoe UI" pitchFamily="34" charset="0"/>
-                <a:ea typeface="Segoe UI" pitchFamily="34" charset="0"/>
-                <a:cs typeface="Segoe UI" pitchFamily="34" charset="0"/>
-              </a:rPr>
-              <a:t>Предлагает/</a:t>
-            </a:r>
-          </a:p>
-          <a:p>
-            <a:r>
-              <a:rPr lang="ru-RU" sz="1200" dirty="0" smtClean="0">
-                <a:solidFill>
-                  <a:srgbClr val="000000"/>
-                </a:solidFill>
-                <a:latin typeface="Segoe UI" pitchFamily="34" charset="0"/>
-                <a:ea typeface="Segoe UI" pitchFamily="34" charset="0"/>
-                <a:cs typeface="Segoe UI" pitchFamily="34" charset="0"/>
-              </a:rPr>
-              <a:t>просит</a:t>
-            </a:r>
-            <a:r>
-              <a:rPr lang="en-US" sz="1200" dirty="0" smtClean="0">
-                <a:solidFill>
-                  <a:srgbClr val="000000"/>
-                </a:solidFill>
-                <a:latin typeface="Segoe UI" pitchFamily="34" charset="0"/>
-                <a:ea typeface="Segoe UI" pitchFamily="34" charset="0"/>
-                <a:cs typeface="Segoe UI" pitchFamily="34" charset="0"/>
-              </a:rPr>
-              <a:t>:</a:t>
-            </a:r>
-          </a:p>
-        </p:txBody>
-      </p:sp>
-      <p:sp>
-        <p:nvSpPr>
           <p:cNvPr id="49" name="Content"/>
           <p:cNvSpPr/>
           <p:nvPr>
             <p:custDataLst>
-              <p:custData r:id="rId20"/>
+              <p:custData r:id="rId19"/>
             </p:custDataLst>
           </p:nvPr>
         </p:nvSpPr>
@@ -11725,153 +11743,17 @@
       </p:sp>
       <p:grpSp>
         <p:nvGrpSpPr>
-          <p:cNvPr id="50" name="DropdownBox"/>
+          <p:cNvPr id="53" name="NumericStepper"/>
           <p:cNvGrpSpPr/>
           <p:nvPr>
             <p:custDataLst>
-              <p:custData r:id="rId21"/>
+              <p:custData r:id="rId20"/>
             </p:custDataLst>
           </p:nvPr>
         </p:nvGrpSpPr>
         <p:grpSpPr>
           <a:xfrm>
-            <a:off x="2245300" y="2213797"/>
-            <a:ext cx="2431284" cy="228600"/>
-            <a:chOff x="4016824" y="3329200"/>
-            <a:chExt cx="1097652" cy="228600"/>
-          </a:xfrm>
-        </p:grpSpPr>
-        <p:sp>
-          <p:nvSpPr>
-            <p:cNvPr id="51" name="Content"/>
-            <p:cNvSpPr/>
-            <p:nvPr/>
-          </p:nvSpPr>
-          <p:spPr>
-            <a:xfrm>
-              <a:off x="4016824" y="3329200"/>
-              <a:ext cx="1097652" cy="228600"/>
-            </a:xfrm>
-            <a:prstGeom prst="rect">
-              <a:avLst/>
-            </a:prstGeom>
-            <a:solidFill>
-              <a:srgbClr val="FFFFFF"/>
-            </a:solidFill>
-            <a:ln w="3175">
-              <a:solidFill>
-                <a:srgbClr val="FFFFFF">
-                  <a:lumMod val="50000"/>
-                </a:srgbClr>
-              </a:solidFill>
-            </a:ln>
-          </p:spPr>
-          <p:style>
-            <a:lnRef idx="2">
-              <a:srgbClr val="4F81BD">
-                <a:shade val="50000"/>
-              </a:srgbClr>
-            </a:lnRef>
-            <a:fillRef idx="1">
-              <a:srgbClr val="4F81BD"/>
-            </a:fillRef>
-            <a:effectRef idx="0">
-              <a:srgbClr val="4F81BD"/>
-            </a:effectRef>
-            <a:fontRef idx="minor">
-              <a:srgbClr val="000000"/>
-            </a:fontRef>
-          </p:style>
-          <p:txBody>
-            <a:bodyPr lIns="45720" rIns="45720" rtlCol="0" anchor="ctr"/>
-            <a:lstStyle/>
-            <a:p>
-              <a:r>
-                <a:rPr lang="ru-RU" sz="1200" dirty="0" smtClean="0">
-                  <a:solidFill>
-                    <a:srgbClr val="000000"/>
-                  </a:solidFill>
-                  <a:latin typeface="Segoe UI" pitchFamily="34" charset="0"/>
-                  <a:ea typeface="Segoe UI" pitchFamily="34" charset="0"/>
-                  <a:cs typeface="Segoe UI" pitchFamily="34" charset="0"/>
-                </a:rPr>
-                <a:t>Предлагает</a:t>
-              </a:r>
-              <a:endParaRPr lang="en-US" sz="1200" dirty="0">
-                <a:solidFill>
-                  <a:srgbClr val="000000"/>
-                </a:solidFill>
-                <a:latin typeface="Segoe UI" pitchFamily="34" charset="0"/>
-                <a:ea typeface="Segoe UI" pitchFamily="34" charset="0"/>
-                <a:cs typeface="Segoe UI" pitchFamily="34" charset="0"/>
-              </a:endParaRPr>
-            </a:p>
-          </p:txBody>
-        </p:sp>
-        <p:sp>
-          <p:nvSpPr>
-            <p:cNvPr id="52" name="DownArrow"/>
-            <p:cNvSpPr>
-              <a:spLocks noChangeAspect="1"/>
-            </p:cNvSpPr>
-            <p:nvPr/>
-          </p:nvSpPr>
-          <p:spPr>
-            <a:xfrm rot="10800000">
-              <a:off x="5059051" y="3430199"/>
-              <a:ext cx="36708" cy="48767"/>
-            </a:xfrm>
-            <a:prstGeom prst="triangle">
-              <a:avLst/>
-            </a:prstGeom>
-            <a:solidFill>
-              <a:srgbClr val="FFFFFF">
-                <a:lumMod val="75000"/>
-              </a:srgbClr>
-            </a:solidFill>
-            <a:ln>
-              <a:noFill/>
-            </a:ln>
-          </p:spPr>
-          <p:style>
-            <a:lnRef idx="2">
-              <a:srgbClr val="4F81BD">
-                <a:shade val="50000"/>
-              </a:srgbClr>
-            </a:lnRef>
-            <a:fillRef idx="1">
-              <a:srgbClr val="4F81BD"/>
-            </a:fillRef>
-            <a:effectRef idx="0">
-              <a:srgbClr val="4F81BD"/>
-            </a:effectRef>
-            <a:fontRef idx="minor">
-              <a:srgbClr val="000000"/>
-            </a:fontRef>
-          </p:style>
-          <p:txBody>
-            <a:bodyPr wrap="square" rtlCol="0" anchor="ctr"/>
-            <a:lstStyle/>
-            <a:p>
-              <a:pPr algn="ctr"/>
-              <a:endParaRPr lang="en-US" sz="2400" dirty="0"/>
-            </a:p>
-          </p:txBody>
-        </p:sp>
-      </p:grpSp>
-      <p:grpSp>
-        <p:nvGrpSpPr>
-          <p:cNvPr id="53" name="NumericStepper"/>
-          <p:cNvGrpSpPr/>
-          <p:nvPr>
-            <p:custDataLst>
-              <p:custData r:id="rId22"/>
-            </p:custDataLst>
-          </p:nvPr>
-        </p:nvGrpSpPr>
-        <p:grpSpPr>
-          <a:xfrm>
-            <a:off x="2243182" y="2849631"/>
+            <a:off x="2243182" y="2507582"/>
             <a:ext cx="969302" cy="228600"/>
             <a:chOff x="4210050" y="3330449"/>
             <a:chExt cx="639086" cy="228600"/>
@@ -12181,13 +12063,13 @@
           <p:cNvSpPr txBox="1"/>
           <p:nvPr>
             <p:custDataLst>
-              <p:custData r:id="rId23"/>
+              <p:custData r:id="rId21"/>
             </p:custDataLst>
           </p:nvPr>
         </p:nvSpPr>
         <p:spPr>
           <a:xfrm>
-            <a:off x="1038920" y="2860834"/>
+            <a:off x="1038920" y="2518785"/>
             <a:ext cx="1147815" cy="230832"/>
           </a:xfrm>
           <a:prstGeom prst="rect">
@@ -12229,13 +12111,13 @@
           <p:cNvSpPr/>
           <p:nvPr>
             <p:custDataLst>
-              <p:custData r:id="rId24"/>
+              <p:custData r:id="rId22"/>
             </p:custDataLst>
           </p:nvPr>
         </p:nvSpPr>
         <p:spPr>
           <a:xfrm>
-            <a:off x="1067014" y="3523714"/>
+            <a:off x="1067014" y="3181665"/>
             <a:ext cx="1106592" cy="228600"/>
           </a:xfrm>
           <a:prstGeom prst="roundRect">
@@ -12307,8 +12189,8 @@
         </p:nvSpPr>
         <p:spPr>
           <a:xfrm>
-            <a:off x="4550601" y="5068774"/>
-            <a:ext cx="613972" cy="372616"/>
+            <a:off x="1332277" y="5272932"/>
+            <a:ext cx="812986" cy="372616"/>
           </a:xfrm>
           <a:prstGeom prst="wedgeRoundRectCallout">
             <a:avLst/>
@@ -12350,8 +12232,9 @@
             <a:pPr algn="ctr"/>
             <a:r>
               <a:rPr lang="ru-RU" sz="700" dirty="0" smtClean="0"/>
-              <a:t>Нужно ли это поле?</a:t>
+              <a:t>Сортировка по рейтингу</a:t>
             </a:r>
+            <a:endParaRPr lang="ru-RU" sz="700" dirty="0" smtClean="0"/>
           </a:p>
         </p:txBody>
       </p:sp>
@@ -12361,13 +12244,13 @@
           <p:cNvSpPr txBox="1"/>
           <p:nvPr>
             <p:custDataLst>
-              <p:custData r:id="rId25"/>
+              <p:custData r:id="rId23"/>
             </p:custDataLst>
           </p:nvPr>
         </p:nvSpPr>
         <p:spPr>
           <a:xfrm>
-            <a:off x="1038920" y="2537785"/>
+            <a:off x="1038920" y="2195736"/>
             <a:ext cx="1119153" cy="230832"/>
           </a:xfrm>
           <a:prstGeom prst="rect">
@@ -12409,13 +12292,13 @@
           <p:cNvGrpSpPr/>
           <p:nvPr>
             <p:custDataLst>
-              <p:custData r:id="rId26"/>
+              <p:custData r:id="rId24"/>
             </p:custDataLst>
           </p:nvPr>
         </p:nvGrpSpPr>
         <p:grpSpPr>
           <a:xfrm>
-            <a:off x="2243181" y="2537785"/>
+            <a:off x="2243181" y="2195736"/>
             <a:ext cx="2431284" cy="228600"/>
             <a:chOff x="4016824" y="3329200"/>
             <a:chExt cx="1097652" cy="228600"/>
@@ -12545,7 +12428,7 @@
           <p:cNvSpPr txBox="1"/>
           <p:nvPr>
             <p:custDataLst>
-              <p:custData r:id="rId27"/>
+              <p:custData r:id="rId25"/>
             </p:custDataLst>
           </p:nvPr>
         </p:nvSpPr>
@@ -12593,7 +12476,7 @@
           <p:cNvGrpSpPr/>
           <p:nvPr>
             <p:custDataLst>
-              <p:custData r:id="rId28"/>
+              <p:custData r:id="rId26"/>
             </p:custDataLst>
           </p:nvPr>
         </p:nvGrpSpPr>
@@ -12726,13 +12609,13 @@
           <p:cNvSpPr txBox="1"/>
           <p:nvPr>
             <p:custDataLst>
-              <p:custData r:id="rId29"/>
+              <p:custData r:id="rId27"/>
             </p:custDataLst>
           </p:nvPr>
         </p:nvSpPr>
         <p:spPr>
           <a:xfrm>
-            <a:off x="3259108" y="2860761"/>
+            <a:off x="3259108" y="2518712"/>
             <a:ext cx="393056" cy="230832"/>
           </a:xfrm>
           <a:prstGeom prst="rect">
@@ -12785,13 +12668,13 @@
           <p:cNvGrpSpPr/>
           <p:nvPr>
             <p:custDataLst>
-              <p:custData r:id="rId30"/>
+              <p:custData r:id="rId28"/>
             </p:custDataLst>
           </p:nvPr>
         </p:nvGrpSpPr>
         <p:grpSpPr>
           <a:xfrm>
-            <a:off x="3705164" y="2860761"/>
+            <a:off x="3705164" y="2518712"/>
             <a:ext cx="954176" cy="228600"/>
             <a:chOff x="4210050" y="3330449"/>
             <a:chExt cx="639086" cy="228600"/>
@@ -13101,13 +12984,13 @@
           <p:cNvSpPr txBox="1"/>
           <p:nvPr>
             <p:custDataLst>
-              <p:custData r:id="rId31"/>
+              <p:custData r:id="rId29"/>
             </p:custDataLst>
           </p:nvPr>
         </p:nvSpPr>
         <p:spPr>
           <a:xfrm>
-            <a:off x="1038919" y="3163674"/>
+            <a:off x="1038919" y="2821625"/>
             <a:ext cx="1234633" cy="230832"/>
           </a:xfrm>
           <a:prstGeom prst="rect">
@@ -13149,13 +13032,13 @@
           <p:cNvGrpSpPr/>
           <p:nvPr>
             <p:custDataLst>
-              <p:custData r:id="rId32"/>
+              <p:custData r:id="rId30"/>
             </p:custDataLst>
           </p:nvPr>
         </p:nvGrpSpPr>
         <p:grpSpPr>
           <a:xfrm>
-            <a:off x="2243182" y="3163674"/>
+            <a:off x="2243182" y="2821625"/>
             <a:ext cx="969302" cy="228600"/>
             <a:chOff x="3790801" y="3347719"/>
             <a:chExt cx="969299" cy="228600"/>
@@ -13287,7 +13170,7 @@
             <p:nvPr/>
           </p:nvPicPr>
           <p:blipFill>
-            <a:blip r:embed="rId54" cstate="print">
+            <a:blip r:embed="rId46" cstate="print">
               <a:extLst>
                 <a:ext uri="{28A0092B-C50C-407E-A947-70E740481C1C}">
                   <a14:useLocalDpi xmlns:a14="http://schemas.microsoft.com/office/drawing/2010/main" val="0"/>
@@ -13326,13 +13209,13 @@
           <p:cNvGrpSpPr/>
           <p:nvPr>
             <p:custDataLst>
-              <p:custData r:id="rId33"/>
+              <p:custData r:id="rId31"/>
             </p:custDataLst>
           </p:nvPr>
         </p:nvGrpSpPr>
         <p:grpSpPr>
           <a:xfrm>
-            <a:off x="3705163" y="3169901"/>
+            <a:off x="3705163" y="2827852"/>
             <a:ext cx="969302" cy="228600"/>
             <a:chOff x="3790801" y="3347719"/>
             <a:chExt cx="969299" cy="228600"/>
@@ -13464,7 +13347,7 @@
             <p:nvPr/>
           </p:nvPicPr>
           <p:blipFill>
-            <a:blip r:embed="rId54" cstate="print">
+            <a:blip r:embed="rId46" cstate="print">
               <a:extLst>
                 <a:ext uri="{28A0092B-C50C-407E-A947-70E740481C1C}">
                   <a14:useLocalDpi xmlns:a14="http://schemas.microsoft.com/office/drawing/2010/main" val="0"/>
@@ -13503,13 +13386,13 @@
           <p:cNvSpPr txBox="1"/>
           <p:nvPr>
             <p:custDataLst>
-              <p:custData r:id="rId34"/>
+              <p:custData r:id="rId32"/>
             </p:custDataLst>
           </p:nvPr>
         </p:nvSpPr>
         <p:spPr>
           <a:xfrm>
-            <a:off x="3259108" y="3167669"/>
+            <a:off x="3259108" y="2825620"/>
             <a:ext cx="393056" cy="230832"/>
           </a:xfrm>
           <a:prstGeom prst="rect">
@@ -13562,13 +13445,13 @@
           <p:cNvSpPr txBox="1"/>
           <p:nvPr>
             <p:custDataLst>
-              <p:custData r:id="rId35"/>
+              <p:custData r:id="rId33"/>
             </p:custDataLst>
           </p:nvPr>
         </p:nvSpPr>
         <p:spPr>
           <a:xfrm>
-            <a:off x="2044976" y="4545541"/>
+            <a:off x="2044976" y="4369688"/>
             <a:ext cx="1509196" cy="249299"/>
           </a:xfrm>
           <a:prstGeom prst="rect">
@@ -13616,51 +13499,6 @@
       </p:sp>
       <p:pic>
         <p:nvPicPr>
-          <p:cNvPr id="110" name="Picture 2" descr="C:\Users\t-dantay\Documents\First24\arrow1.png"/>
-          <p:cNvPicPr>
-            <a:picLocks noChangeAspect="1" noChangeArrowheads="1"/>
-          </p:cNvPicPr>
-          <p:nvPr>
-            <p:custDataLst>
-              <p:custData r:id="rId36"/>
-            </p:custDataLst>
-          </p:nvPr>
-        </p:nvPicPr>
-        <p:blipFill>
-          <a:blip r:embed="rId55" cstate="print">
-            <a:extLst>
-              <a:ext uri="{28A0092B-C50C-407E-A947-70E740481C1C}">
-                <a14:useLocalDpi xmlns:a14="http://schemas.microsoft.com/office/drawing/2010/main" val="0"/>
-              </a:ext>
-            </a:extLst>
-          </a:blip>
-          <a:srcRect/>
-          <a:stretch>
-            <a:fillRect/>
-          </a:stretch>
-        </p:blipFill>
-        <p:spPr bwMode="auto">
-          <a:xfrm rot="5400000">
-            <a:off x="1030927" y="5721320"/>
-            <a:ext cx="154955" cy="154954"/>
-          </a:xfrm>
-          <a:prstGeom prst="rect">
-            <a:avLst/>
-          </a:prstGeom>
-          <a:noFill/>
-          <a:extLst>
-            <a:ext uri="{909E8E84-426E-40DD-AFC4-6F175D3DCCD1}">
-              <a14:hiddenFill xmlns:a14="http://schemas.microsoft.com/office/drawing/2010/main">
-                <a:solidFill>
-                  <a:srgbClr val="FFFFFF"/>
-                </a:solidFill>
-              </a14:hiddenFill>
-            </a:ext>
-          </a:extLst>
-        </p:spPr>
-      </p:pic>
-      <p:pic>
-        <p:nvPicPr>
           <p:cNvPr id="1026" name="Picture 2" descr="C:\Users\d.boyarov\Downloads\box_present_5349.png"/>
           <p:cNvPicPr>
             <a:picLocks noChangeAspect="1" noChangeArrowheads="1"/>
@@ -13668,7 +13506,7 @@
           <p:nvPr/>
         </p:nvPicPr>
         <p:blipFill>
-          <a:blip r:embed="rId56" cstate="print">
+          <a:blip r:embed="rId47" cstate="print">
             <a:extLst>
               <a:ext uri="{28A0092B-C50C-407E-A947-70E740481C1C}">
                 <a14:useLocalDpi xmlns:a14="http://schemas.microsoft.com/office/drawing/2010/main" val="0"/>
@@ -13682,7 +13520,7 @@
         </p:blipFill>
         <p:spPr bwMode="auto">
           <a:xfrm>
-            <a:off x="1290639" y="6028040"/>
+            <a:off x="1002606" y="6244064"/>
             <a:ext cx="173527" cy="173527"/>
           </a:xfrm>
           <a:prstGeom prst="rect">
@@ -13709,7 +13547,7 @@
           <p:nvPr/>
         </p:nvPicPr>
         <p:blipFill>
-          <a:blip r:embed="rId57" cstate="print">
+          <a:blip r:embed="rId48" cstate="print">
             <a:extLst>
               <a:ext uri="{28A0092B-C50C-407E-A947-70E740481C1C}">
                 <a14:useLocalDpi xmlns:a14="http://schemas.microsoft.com/office/drawing/2010/main" val="0"/>
@@ -13723,143 +13561,8 @@
         </p:blipFill>
         <p:spPr bwMode="auto">
           <a:xfrm>
-            <a:off x="1287111" y="5700337"/>
+            <a:off x="999078" y="5916361"/>
             <a:ext cx="171749" cy="171749"/>
-          </a:xfrm>
-          <a:prstGeom prst="rect">
-            <a:avLst/>
-          </a:prstGeom>
-          <a:noFill/>
-          <a:extLst>
-            <a:ext uri="{909E8E84-426E-40DD-AFC4-6F175D3DCCD1}">
-              <a14:hiddenFill xmlns:a14="http://schemas.microsoft.com/office/drawing/2010/main">
-                <a:solidFill>
-                  <a:srgbClr val="FFFFFF"/>
-                </a:solidFill>
-              </a14:hiddenFill>
-            </a:ext>
-          </a:extLst>
-        </p:spPr>
-      </p:pic>
-      <p:pic>
-        <p:nvPicPr>
-          <p:cNvPr id="115" name="Picture 2" descr="C:\Users\t-dantay\Documents\First24\arrow1.png"/>
-          <p:cNvPicPr>
-            <a:picLocks noChangeAspect="1" noChangeArrowheads="1"/>
-          </p:cNvPicPr>
-          <p:nvPr>
-            <p:custDataLst>
-              <p:custData r:id="rId37"/>
-            </p:custDataLst>
-          </p:nvPr>
-        </p:nvPicPr>
-        <p:blipFill>
-          <a:blip r:embed="rId55" cstate="print">
-            <a:extLst>
-              <a:ext uri="{28A0092B-C50C-407E-A947-70E740481C1C}">
-                <a14:useLocalDpi xmlns:a14="http://schemas.microsoft.com/office/drawing/2010/main" val="0"/>
-              </a:ext>
-            </a:extLst>
-          </a:blip>
-          <a:srcRect/>
-          <a:stretch>
-            <a:fillRect/>
-          </a:stretch>
-        </p:blipFill>
-        <p:spPr bwMode="auto">
-          <a:xfrm rot="16200000">
-            <a:off x="1036839" y="6026156"/>
-            <a:ext cx="154955" cy="154954"/>
-          </a:xfrm>
-          <a:prstGeom prst="rect">
-            <a:avLst/>
-          </a:prstGeom>
-          <a:noFill/>
-          <a:extLst>
-            <a:ext uri="{909E8E84-426E-40DD-AFC4-6F175D3DCCD1}">
-              <a14:hiddenFill xmlns:a14="http://schemas.microsoft.com/office/drawing/2010/main">
-                <a:solidFill>
-                  <a:srgbClr val="FFFFFF"/>
-                </a:solidFill>
-              </a14:hiddenFill>
-            </a:ext>
-          </a:extLst>
-        </p:spPr>
-      </p:pic>
-      <p:pic>
-        <p:nvPicPr>
-          <p:cNvPr id="118" name="Picture 2" descr="C:\Users\t-dantay\Documents\First24\arrowcurved1.png"/>
-          <p:cNvPicPr>
-            <a:picLocks noChangeAspect="1" noChangeArrowheads="1"/>
-          </p:cNvPicPr>
-          <p:nvPr>
-            <p:custDataLst>
-              <p:custData r:id="rId38"/>
-            </p:custDataLst>
-          </p:nvPr>
-        </p:nvPicPr>
-        <p:blipFill>
-          <a:blip r:embed="rId58" cstate="print">
-            <a:extLst>
-              <a:ext uri="{28A0092B-C50C-407E-A947-70E740481C1C}">
-                <a14:useLocalDpi xmlns:a14="http://schemas.microsoft.com/office/drawing/2010/main" val="0"/>
-              </a:ext>
-            </a:extLst>
-          </a:blip>
-          <a:srcRect/>
-          <a:stretch>
-            <a:fillRect/>
-          </a:stretch>
-        </p:blipFill>
-        <p:spPr bwMode="auto">
-          <a:xfrm>
-            <a:off x="1030413" y="6192815"/>
-            <a:ext cx="145504" cy="145504"/>
-          </a:xfrm>
-          <a:prstGeom prst="rect">
-            <a:avLst/>
-          </a:prstGeom>
-          <a:noFill/>
-          <a:extLst>
-            <a:ext uri="{909E8E84-426E-40DD-AFC4-6F175D3DCCD1}">
-              <a14:hiddenFill xmlns:a14="http://schemas.microsoft.com/office/drawing/2010/main">
-                <a:solidFill>
-                  <a:srgbClr val="FFFFFF"/>
-                </a:solidFill>
-              </a14:hiddenFill>
-            </a:ext>
-          </a:extLst>
-        </p:spPr>
-      </p:pic>
-      <p:pic>
-        <p:nvPicPr>
-          <p:cNvPr id="119" name="Picture 2" descr="C:\Users\t-dantay\Documents\First24\arrowcurved1.png"/>
-          <p:cNvPicPr>
-            <a:picLocks noChangeAspect="1" noChangeArrowheads="1"/>
-          </p:cNvPicPr>
-          <p:nvPr>
-            <p:custDataLst>
-              <p:custData r:id="rId39"/>
-            </p:custDataLst>
-          </p:nvPr>
-        </p:nvPicPr>
-        <p:blipFill>
-          <a:blip r:embed="rId58" cstate="print">
-            <a:extLst>
-              <a:ext uri="{28A0092B-C50C-407E-A947-70E740481C1C}">
-                <a14:useLocalDpi xmlns:a14="http://schemas.microsoft.com/office/drawing/2010/main" val="0"/>
-              </a:ext>
-            </a:extLst>
-          </a:blip>
-          <a:srcRect/>
-          <a:stretch>
-            <a:fillRect/>
-          </a:stretch>
-        </p:blipFill>
-        <p:spPr bwMode="auto">
-          <a:xfrm rot="10800000">
-            <a:off x="1030413" y="6281715"/>
-            <a:ext cx="145504" cy="145504"/>
           </a:xfrm>
           <a:prstGeom prst="rect">
             <a:avLst/>
@@ -13885,7 +13588,7 @@
           <p:nvPr/>
         </p:nvPicPr>
         <p:blipFill>
-          <a:blip r:embed="rId57" cstate="print">
+          <a:blip r:embed="rId48" cstate="print">
             <a:extLst>
               <a:ext uri="{28A0092B-C50C-407E-A947-70E740481C1C}">
                 <a14:useLocalDpi xmlns:a14="http://schemas.microsoft.com/office/drawing/2010/main" val="0"/>
@@ -13899,7 +13602,7 @@
         </p:blipFill>
         <p:spPr bwMode="auto">
           <a:xfrm>
-            <a:off x="1290298" y="6218286"/>
+            <a:off x="1002265" y="6434310"/>
             <a:ext cx="171749" cy="171749"/>
           </a:xfrm>
           <a:prstGeom prst="rect">
@@ -13926,7 +13629,7 @@
           <p:nvPr/>
         </p:nvPicPr>
         <p:blipFill>
-          <a:blip r:embed="rId56" cstate="print">
+          <a:blip r:embed="rId47" cstate="print">
             <a:extLst>
               <a:ext uri="{28A0092B-C50C-407E-A947-70E740481C1C}">
                 <a14:useLocalDpi xmlns:a14="http://schemas.microsoft.com/office/drawing/2010/main" val="0"/>
@@ -13940,98 +13643,8 @@
         </p:blipFill>
         <p:spPr bwMode="auto">
           <a:xfrm>
-            <a:off x="1284212" y="6434692"/>
+            <a:off x="996179" y="6650716"/>
             <a:ext cx="173527" cy="173527"/>
-          </a:xfrm>
-          <a:prstGeom prst="rect">
-            <a:avLst/>
-          </a:prstGeom>
-          <a:noFill/>
-          <a:extLst>
-            <a:ext uri="{909E8E84-426E-40DD-AFC4-6F175D3DCCD1}">
-              <a14:hiddenFill xmlns:a14="http://schemas.microsoft.com/office/drawing/2010/main">
-                <a:solidFill>
-                  <a:srgbClr val="FFFFFF"/>
-                </a:solidFill>
-              </a14:hiddenFill>
-            </a:ext>
-          </a:extLst>
-        </p:spPr>
-      </p:pic>
-      <p:pic>
-        <p:nvPicPr>
-          <p:cNvPr id="122" name="Picture 2" descr="C:\Users\t-dantay\Documents\First24\arrow1.png"/>
-          <p:cNvPicPr>
-            <a:picLocks noChangeAspect="1" noChangeArrowheads="1"/>
-          </p:cNvPicPr>
-          <p:nvPr>
-            <p:custDataLst>
-              <p:custData r:id="rId40"/>
-            </p:custDataLst>
-          </p:nvPr>
-        </p:nvPicPr>
-        <p:blipFill>
-          <a:blip r:embed="rId55" cstate="print">
-            <a:extLst>
-              <a:ext uri="{28A0092B-C50C-407E-A947-70E740481C1C}">
-                <a14:useLocalDpi xmlns:a14="http://schemas.microsoft.com/office/drawing/2010/main" val="0"/>
-              </a:ext>
-            </a:extLst>
-          </a:blip>
-          <a:srcRect/>
-          <a:stretch>
-            <a:fillRect/>
-          </a:stretch>
-        </p:blipFill>
-        <p:spPr bwMode="auto">
-          <a:xfrm rot="16200000">
-            <a:off x="1030411" y="6432808"/>
-            <a:ext cx="154955" cy="154954"/>
-          </a:xfrm>
-          <a:prstGeom prst="rect">
-            <a:avLst/>
-          </a:prstGeom>
-          <a:noFill/>
-          <a:extLst>
-            <a:ext uri="{909E8E84-426E-40DD-AFC4-6F175D3DCCD1}">
-              <a14:hiddenFill xmlns:a14="http://schemas.microsoft.com/office/drawing/2010/main">
-                <a:solidFill>
-                  <a:srgbClr val="FFFFFF"/>
-                </a:solidFill>
-              </a14:hiddenFill>
-            </a:ext>
-          </a:extLst>
-        </p:spPr>
-      </p:pic>
-      <p:pic>
-        <p:nvPicPr>
-          <p:cNvPr id="123" name="Picture 2" descr="C:\Users\t-dantay\Documents\First24\arrow1.png"/>
-          <p:cNvPicPr>
-            <a:picLocks noChangeAspect="1" noChangeArrowheads="1"/>
-          </p:cNvPicPr>
-          <p:nvPr>
-            <p:custDataLst>
-              <p:custData r:id="rId41"/>
-            </p:custDataLst>
-          </p:nvPr>
-        </p:nvPicPr>
-        <p:blipFill>
-          <a:blip r:embed="rId55" cstate="print">
-            <a:extLst>
-              <a:ext uri="{28A0092B-C50C-407E-A947-70E740481C1C}">
-                <a14:useLocalDpi xmlns:a14="http://schemas.microsoft.com/office/drawing/2010/main" val="0"/>
-              </a:ext>
-            </a:extLst>
-          </a:blip>
-          <a:srcRect/>
-          <a:stretch>
-            <a:fillRect/>
-          </a:stretch>
-        </p:blipFill>
-        <p:spPr bwMode="auto">
-          <a:xfrm rot="5400000">
-            <a:off x="1019116" y="6641434"/>
-            <a:ext cx="154955" cy="154954"/>
           </a:xfrm>
           <a:prstGeom prst="rect">
             <a:avLst/>
@@ -14057,7 +13670,7 @@
           <p:nvPr/>
         </p:nvPicPr>
         <p:blipFill>
-          <a:blip r:embed="rId56" cstate="print">
+          <a:blip r:embed="rId47" cstate="print">
             <a:extLst>
               <a:ext uri="{28A0092B-C50C-407E-A947-70E740481C1C}">
                 <a14:useLocalDpi xmlns:a14="http://schemas.microsoft.com/office/drawing/2010/main" val="0"/>
@@ -14071,7 +13684,7 @@
         </p:blipFill>
         <p:spPr bwMode="auto">
           <a:xfrm>
-            <a:off x="1287111" y="6628272"/>
+            <a:off x="999078" y="6844296"/>
             <a:ext cx="173527" cy="173527"/>
           </a:xfrm>
           <a:prstGeom prst="rect">
@@ -14095,13 +13708,13 @@
           <p:cNvSpPr txBox="1"/>
           <p:nvPr>
             <p:custDataLst>
-              <p:custData r:id="rId42"/>
+              <p:custData r:id="rId34"/>
             </p:custDataLst>
           </p:nvPr>
         </p:nvSpPr>
         <p:spPr>
           <a:xfrm>
-            <a:off x="886536" y="4315805"/>
+            <a:off x="886536" y="4139952"/>
             <a:ext cx="465192" cy="249299"/>
           </a:xfrm>
           <a:prstGeom prst="rect">
@@ -14153,13 +13766,13 @@
           <p:cNvSpPr txBox="1"/>
           <p:nvPr>
             <p:custDataLst>
-              <p:custData r:id="rId43"/>
+              <p:custData r:id="rId35"/>
             </p:custDataLst>
           </p:nvPr>
         </p:nvSpPr>
         <p:spPr>
           <a:xfrm>
-            <a:off x="2040872" y="4807413"/>
+            <a:off x="2040872" y="4631560"/>
             <a:ext cx="1490344" cy="249299"/>
           </a:xfrm>
           <a:prstGeom prst="rect">
@@ -14211,13 +13824,13 @@
           <p:cNvSpPr txBox="1"/>
           <p:nvPr>
             <p:custDataLst>
-              <p:custData r:id="rId44"/>
+              <p:custData r:id="rId36"/>
             </p:custDataLst>
           </p:nvPr>
         </p:nvSpPr>
         <p:spPr>
           <a:xfrm>
-            <a:off x="886537" y="4532333"/>
+            <a:off x="886537" y="4356480"/>
             <a:ext cx="1000595" cy="249299"/>
           </a:xfrm>
           <a:prstGeom prst="rect">
@@ -14269,13 +13882,13 @@
           <p:cNvSpPr txBox="1"/>
           <p:nvPr>
             <p:custDataLst>
-              <p:custData r:id="rId45"/>
+              <p:custData r:id="rId37"/>
             </p:custDataLst>
           </p:nvPr>
         </p:nvSpPr>
         <p:spPr>
           <a:xfrm>
-            <a:off x="882433" y="4807609"/>
+            <a:off x="882433" y="4631756"/>
             <a:ext cx="973793" cy="249299"/>
           </a:xfrm>
           <a:prstGeom prst="rect">
@@ -14327,13 +13940,13 @@
           <p:cNvSpPr txBox="1"/>
           <p:nvPr>
             <p:custDataLst>
-              <p:custData r:id="rId46"/>
+              <p:custData r:id="rId38"/>
             </p:custDataLst>
           </p:nvPr>
         </p:nvSpPr>
         <p:spPr>
           <a:xfrm>
-            <a:off x="2044977" y="4317265"/>
+            <a:off x="2044977" y="4141412"/>
             <a:ext cx="913263" cy="249299"/>
           </a:xfrm>
           <a:prstGeom prst="rect">
@@ -14385,13 +13998,13 @@
           <p:cNvSpPr txBox="1"/>
           <p:nvPr>
             <p:custDataLst>
-              <p:custData r:id="rId47"/>
+              <p:custData r:id="rId39"/>
             </p:custDataLst>
           </p:nvPr>
         </p:nvSpPr>
         <p:spPr>
           <a:xfrm>
-            <a:off x="5020873" y="7059005"/>
+            <a:off x="5333788" y="7275029"/>
             <a:ext cx="753732" cy="249299"/>
           </a:xfrm>
           <a:prstGeom prst="rect">
@@ -14501,12 +14114,12 @@
           </p:cNvPicPr>
           <p:nvPr>
             <p:custDataLst>
-              <p:custData r:id="rId48"/>
+              <p:custData r:id="rId40"/>
             </p:custDataLst>
           </p:nvPr>
         </p:nvPicPr>
         <p:blipFill>
-          <a:blip r:embed="rId59" cstate="print">
+          <a:blip r:embed="rId49" cstate="print">
             <a:extLst>
               <a:ext uri="{28A0092B-C50C-407E-A947-70E740481C1C}">
                 <a14:useLocalDpi xmlns:a14="http://schemas.microsoft.com/office/drawing/2010/main" val="0"/>
@@ -14520,7 +14133,7 @@
         </p:blipFill>
         <p:spPr bwMode="auto">
           <a:xfrm>
-            <a:off x="2224224" y="5511062"/>
+            <a:off x="1936191" y="5727086"/>
             <a:ext cx="92869" cy="92869"/>
           </a:xfrm>
           <a:prstGeom prst="rect">
@@ -14670,18 +14283,7 @@
                 <a:ea typeface="Segoe UI" pitchFamily="34" charset="0"/>
                 <a:cs typeface="Segoe UI" pitchFamily="34" charset="0"/>
               </a:rPr>
-              <a:t>Ваши </a:t>
-            </a:r>
-            <a:r>
-              <a:rPr lang="ru-RU" sz="1200" dirty="0" smtClean="0">
-                <a:solidFill>
-                  <a:srgbClr val="000000"/>
-                </a:solidFill>
-                <a:latin typeface="Segoe UI" pitchFamily="34" charset="0"/>
-                <a:ea typeface="Segoe UI" pitchFamily="34" charset="0"/>
-                <a:cs typeface="Segoe UI" pitchFamily="34" charset="0"/>
-              </a:rPr>
-              <a:t>баллы: </a:t>
+              <a:t>Ваши баллы: </a:t>
             </a:r>
             <a:r>
               <a:rPr lang="ru-RU" sz="1600" dirty="0" smtClean="0">
@@ -14717,14 +14319,14 @@
             </p:custDataLst>
             <p:extLst>
               <p:ext uri="{D42A27DB-BD31-4B8C-83A1-F6EECF244321}">
-                <p14:modId xmlns:p14="http://schemas.microsoft.com/office/powerpoint/2010/main" val="3871205842"/>
+                <p14:modId xmlns:p14="http://schemas.microsoft.com/office/powerpoint/2010/main" val="780251495"/>
               </p:ext>
             </p:extLst>
           </p:nvPr>
         </p:nvGraphicFramePr>
         <p:xfrm>
-          <a:off x="548680" y="1331640"/>
-          <a:ext cx="5184577" cy="1736600"/>
+          <a:off x="908720" y="1331640"/>
+          <a:ext cx="4824537" cy="1736600"/>
         </p:xfrm>
         <a:graphic>
           <a:graphicData uri="http://schemas.openxmlformats.org/drawingml/2006/table">
@@ -14733,7 +14335,7 @@
                 <a:tableStyleId>{8EC20E35-A176-4012-BC5E-935CFFF8708E}</a:tableStyleId>
               </a:tblPr>
               <a:tblGrid>
-                <a:gridCol w="827256"/>
+                <a:gridCol w="467216"/>
                 <a:gridCol w="827256"/>
                 <a:gridCol w="1018159"/>
                 <a:gridCol w="763619"/>
@@ -17096,51 +16698,6 @@
       </p:graphicFrame>
       <p:pic>
         <p:nvPicPr>
-          <p:cNvPr id="6" name="Picture 2" descr="C:\Users\t-dantay\Documents\First24\arrow1.png"/>
-          <p:cNvPicPr>
-            <a:picLocks noChangeAspect="1" noChangeArrowheads="1"/>
-          </p:cNvPicPr>
-          <p:nvPr>
-            <p:custDataLst>
-              <p:custData r:id="rId3"/>
-            </p:custDataLst>
-          </p:nvPr>
-        </p:nvPicPr>
-        <p:blipFill>
-          <a:blip r:embed="rId46" cstate="print">
-            <a:extLst>
-              <a:ext uri="{28A0092B-C50C-407E-A947-70E740481C1C}">
-                <a14:useLocalDpi xmlns:a14="http://schemas.microsoft.com/office/drawing/2010/main" val="0"/>
-              </a:ext>
-            </a:extLst>
-          </a:blip>
-          <a:srcRect/>
-          <a:stretch>
-            <a:fillRect/>
-          </a:stretch>
-        </p:blipFill>
-        <p:spPr bwMode="auto">
-          <a:xfrm rot="5400000">
-            <a:off x="763513" y="1583888"/>
-            <a:ext cx="154955" cy="154954"/>
-          </a:xfrm>
-          <a:prstGeom prst="rect">
-            <a:avLst/>
-          </a:prstGeom>
-          <a:noFill/>
-          <a:extLst>
-            <a:ext uri="{909E8E84-426E-40DD-AFC4-6F175D3DCCD1}">
-              <a14:hiddenFill xmlns:a14="http://schemas.microsoft.com/office/drawing/2010/main">
-                <a:solidFill>
-                  <a:srgbClr val="FFFFFF"/>
-                </a:solidFill>
-              </a14:hiddenFill>
-            </a:ext>
-          </a:extLst>
-        </p:spPr>
-      </p:pic>
-      <p:pic>
-        <p:nvPicPr>
           <p:cNvPr id="7" name="Picture 2" descr="C:\Users\d.boyarov\Downloads\box_present_5349.png"/>
           <p:cNvPicPr>
             <a:picLocks noChangeAspect="1" noChangeArrowheads="1"/>
@@ -17148,7 +16705,7 @@
           <p:nvPr/>
         </p:nvPicPr>
         <p:blipFill>
-          <a:blip r:embed="rId47" cstate="print">
+          <a:blip r:embed="rId40" cstate="print">
             <a:extLst>
               <a:ext uri="{28A0092B-C50C-407E-A947-70E740481C1C}">
                 <a14:useLocalDpi xmlns:a14="http://schemas.microsoft.com/office/drawing/2010/main" val="0"/>
@@ -17189,7 +16746,7 @@
           <p:nvPr/>
         </p:nvPicPr>
         <p:blipFill>
-          <a:blip r:embed="rId48" cstate="print">
+          <a:blip r:embed="rId41" cstate="print">
             <a:extLst>
               <a:ext uri="{28A0092B-C50C-407E-A947-70E740481C1C}">
                 <a14:useLocalDpi xmlns:a14="http://schemas.microsoft.com/office/drawing/2010/main" val="0"/>
@@ -17223,141 +16780,6 @@
       </p:pic>
       <p:pic>
         <p:nvPicPr>
-          <p:cNvPr id="9" name="Picture 2" descr="C:\Users\t-dantay\Documents\First24\arrow1.png"/>
-          <p:cNvPicPr>
-            <a:picLocks noChangeAspect="1" noChangeArrowheads="1"/>
-          </p:cNvPicPr>
-          <p:nvPr>
-            <p:custDataLst>
-              <p:custData r:id="rId4"/>
-            </p:custDataLst>
-          </p:nvPr>
-        </p:nvPicPr>
-        <p:blipFill>
-          <a:blip r:embed="rId46" cstate="print">
-            <a:extLst>
-              <a:ext uri="{28A0092B-C50C-407E-A947-70E740481C1C}">
-                <a14:useLocalDpi xmlns:a14="http://schemas.microsoft.com/office/drawing/2010/main" val="0"/>
-              </a:ext>
-            </a:extLst>
-          </a:blip>
-          <a:srcRect/>
-          <a:stretch>
-            <a:fillRect/>
-          </a:stretch>
-        </p:blipFill>
-        <p:spPr bwMode="auto">
-          <a:xfrm rot="16200000">
-            <a:off x="769426" y="1888724"/>
-            <a:ext cx="154955" cy="154954"/>
-          </a:xfrm>
-          <a:prstGeom prst="rect">
-            <a:avLst/>
-          </a:prstGeom>
-          <a:noFill/>
-          <a:extLst>
-            <a:ext uri="{909E8E84-426E-40DD-AFC4-6F175D3DCCD1}">
-              <a14:hiddenFill xmlns:a14="http://schemas.microsoft.com/office/drawing/2010/main">
-                <a:solidFill>
-                  <a:srgbClr val="FFFFFF"/>
-                </a:solidFill>
-              </a14:hiddenFill>
-            </a:ext>
-          </a:extLst>
-        </p:spPr>
-      </p:pic>
-      <p:pic>
-        <p:nvPicPr>
-          <p:cNvPr id="10" name="Picture 2" descr="C:\Users\t-dantay\Documents\First24\arrowcurved1.png"/>
-          <p:cNvPicPr>
-            <a:picLocks noChangeAspect="1" noChangeArrowheads="1"/>
-          </p:cNvPicPr>
-          <p:nvPr>
-            <p:custDataLst>
-              <p:custData r:id="rId5"/>
-            </p:custDataLst>
-          </p:nvPr>
-        </p:nvPicPr>
-        <p:blipFill>
-          <a:blip r:embed="rId49" cstate="print">
-            <a:extLst>
-              <a:ext uri="{28A0092B-C50C-407E-A947-70E740481C1C}">
-                <a14:useLocalDpi xmlns:a14="http://schemas.microsoft.com/office/drawing/2010/main" val="0"/>
-              </a:ext>
-            </a:extLst>
-          </a:blip>
-          <a:srcRect/>
-          <a:stretch>
-            <a:fillRect/>
-          </a:stretch>
-        </p:blipFill>
-        <p:spPr bwMode="auto">
-          <a:xfrm>
-            <a:off x="762999" y="2055383"/>
-            <a:ext cx="145504" cy="145504"/>
-          </a:xfrm>
-          <a:prstGeom prst="rect">
-            <a:avLst/>
-          </a:prstGeom>
-          <a:noFill/>
-          <a:extLst>
-            <a:ext uri="{909E8E84-426E-40DD-AFC4-6F175D3DCCD1}">
-              <a14:hiddenFill xmlns:a14="http://schemas.microsoft.com/office/drawing/2010/main">
-                <a:solidFill>
-                  <a:srgbClr val="FFFFFF"/>
-                </a:solidFill>
-              </a14:hiddenFill>
-            </a:ext>
-          </a:extLst>
-        </p:spPr>
-      </p:pic>
-      <p:pic>
-        <p:nvPicPr>
-          <p:cNvPr id="11" name="Picture 2" descr="C:\Users\t-dantay\Documents\First24\arrowcurved1.png"/>
-          <p:cNvPicPr>
-            <a:picLocks noChangeAspect="1" noChangeArrowheads="1"/>
-          </p:cNvPicPr>
-          <p:nvPr>
-            <p:custDataLst>
-              <p:custData r:id="rId6"/>
-            </p:custDataLst>
-          </p:nvPr>
-        </p:nvPicPr>
-        <p:blipFill>
-          <a:blip r:embed="rId49" cstate="print">
-            <a:extLst>
-              <a:ext uri="{28A0092B-C50C-407E-A947-70E740481C1C}">
-                <a14:useLocalDpi xmlns:a14="http://schemas.microsoft.com/office/drawing/2010/main" val="0"/>
-              </a:ext>
-            </a:extLst>
-          </a:blip>
-          <a:srcRect/>
-          <a:stretch>
-            <a:fillRect/>
-          </a:stretch>
-        </p:blipFill>
-        <p:spPr bwMode="auto">
-          <a:xfrm rot="10800000">
-            <a:off x="762999" y="2144283"/>
-            <a:ext cx="145504" cy="145504"/>
-          </a:xfrm>
-          <a:prstGeom prst="rect">
-            <a:avLst/>
-          </a:prstGeom>
-          <a:noFill/>
-          <a:extLst>
-            <a:ext uri="{909E8E84-426E-40DD-AFC4-6F175D3DCCD1}">
-              <a14:hiddenFill xmlns:a14="http://schemas.microsoft.com/office/drawing/2010/main">
-                <a:solidFill>
-                  <a:srgbClr val="FFFFFF"/>
-                </a:solidFill>
-              </a14:hiddenFill>
-            </a:ext>
-          </a:extLst>
-        </p:spPr>
-      </p:pic>
-      <p:pic>
-        <p:nvPicPr>
           <p:cNvPr id="12" name="Picture 3" descr="C:\Users\d.boyarov\Downloads\emblem-work_1481.png"/>
           <p:cNvPicPr>
             <a:picLocks noChangeAspect="1" noChangeArrowheads="1"/>
@@ -17365,7 +16787,7 @@
           <p:nvPr/>
         </p:nvPicPr>
         <p:blipFill>
-          <a:blip r:embed="rId48" cstate="print">
+          <a:blip r:embed="rId41" cstate="print">
             <a:extLst>
               <a:ext uri="{28A0092B-C50C-407E-A947-70E740481C1C}">
                 <a14:useLocalDpi xmlns:a14="http://schemas.microsoft.com/office/drawing/2010/main" val="0"/>
@@ -17406,7 +16828,7 @@
           <p:nvPr/>
         </p:nvPicPr>
         <p:blipFill>
-          <a:blip r:embed="rId47" cstate="print">
+          <a:blip r:embed="rId40" cstate="print">
             <a:extLst>
               <a:ext uri="{28A0092B-C50C-407E-A947-70E740481C1C}">
                 <a14:useLocalDpi xmlns:a14="http://schemas.microsoft.com/office/drawing/2010/main" val="0"/>
@@ -17440,96 +16862,6 @@
       </p:pic>
       <p:pic>
         <p:nvPicPr>
-          <p:cNvPr id="14" name="Picture 2" descr="C:\Users\t-dantay\Documents\First24\arrow1.png"/>
-          <p:cNvPicPr>
-            <a:picLocks noChangeAspect="1" noChangeArrowheads="1"/>
-          </p:cNvPicPr>
-          <p:nvPr>
-            <p:custDataLst>
-              <p:custData r:id="rId7"/>
-            </p:custDataLst>
-          </p:nvPr>
-        </p:nvPicPr>
-        <p:blipFill>
-          <a:blip r:embed="rId46" cstate="print">
-            <a:extLst>
-              <a:ext uri="{28A0092B-C50C-407E-A947-70E740481C1C}">
-                <a14:useLocalDpi xmlns:a14="http://schemas.microsoft.com/office/drawing/2010/main" val="0"/>
-              </a:ext>
-            </a:extLst>
-          </a:blip>
-          <a:srcRect/>
-          <a:stretch>
-            <a:fillRect/>
-          </a:stretch>
-        </p:blipFill>
-        <p:spPr bwMode="auto">
-          <a:xfrm rot="16200000">
-            <a:off x="762999" y="2295375"/>
-            <a:ext cx="154955" cy="154954"/>
-          </a:xfrm>
-          <a:prstGeom prst="rect">
-            <a:avLst/>
-          </a:prstGeom>
-          <a:noFill/>
-          <a:extLst>
-            <a:ext uri="{909E8E84-426E-40DD-AFC4-6F175D3DCCD1}">
-              <a14:hiddenFill xmlns:a14="http://schemas.microsoft.com/office/drawing/2010/main">
-                <a:solidFill>
-                  <a:srgbClr val="FFFFFF"/>
-                </a:solidFill>
-              </a14:hiddenFill>
-            </a:ext>
-          </a:extLst>
-        </p:spPr>
-      </p:pic>
-      <p:pic>
-        <p:nvPicPr>
-          <p:cNvPr id="15" name="Picture 2" descr="C:\Users\t-dantay\Documents\First24\arrow1.png"/>
-          <p:cNvPicPr>
-            <a:picLocks noChangeAspect="1" noChangeArrowheads="1"/>
-          </p:cNvPicPr>
-          <p:nvPr>
-            <p:custDataLst>
-              <p:custData r:id="rId8"/>
-            </p:custDataLst>
-          </p:nvPr>
-        </p:nvPicPr>
-        <p:blipFill>
-          <a:blip r:embed="rId46" cstate="print">
-            <a:extLst>
-              <a:ext uri="{28A0092B-C50C-407E-A947-70E740481C1C}">
-                <a14:useLocalDpi xmlns:a14="http://schemas.microsoft.com/office/drawing/2010/main" val="0"/>
-              </a:ext>
-            </a:extLst>
-          </a:blip>
-          <a:srcRect/>
-          <a:stretch>
-            <a:fillRect/>
-          </a:stretch>
-        </p:blipFill>
-        <p:spPr bwMode="auto">
-          <a:xfrm rot="5400000">
-            <a:off x="751704" y="2504002"/>
-            <a:ext cx="154955" cy="154954"/>
-          </a:xfrm>
-          <a:prstGeom prst="rect">
-            <a:avLst/>
-          </a:prstGeom>
-          <a:noFill/>
-          <a:extLst>
-            <a:ext uri="{909E8E84-426E-40DD-AFC4-6F175D3DCCD1}">
-              <a14:hiddenFill xmlns:a14="http://schemas.microsoft.com/office/drawing/2010/main">
-                <a:solidFill>
-                  <a:srgbClr val="FFFFFF"/>
-                </a:solidFill>
-              </a14:hiddenFill>
-            </a:ext>
-          </a:extLst>
-        </p:spPr>
-      </p:pic>
-      <p:pic>
-        <p:nvPicPr>
           <p:cNvPr id="16" name="Picture 2" descr="C:\Users\d.boyarov\Downloads\box_present_5349.png"/>
           <p:cNvPicPr>
             <a:picLocks noChangeAspect="1" noChangeArrowheads="1"/>
@@ -17537,7 +16869,7 @@
           <p:nvPr/>
         </p:nvPicPr>
         <p:blipFill>
-          <a:blip r:embed="rId47" cstate="print">
+          <a:blip r:embed="rId40" cstate="print">
             <a:extLst>
               <a:ext uri="{28A0092B-C50C-407E-A947-70E740481C1C}">
                 <a14:useLocalDpi xmlns:a14="http://schemas.microsoft.com/office/drawing/2010/main" val="0"/>
@@ -17577,12 +16909,12 @@
           </p:cNvPicPr>
           <p:nvPr>
             <p:custDataLst>
-              <p:custData r:id="rId9"/>
+              <p:custData r:id="rId3"/>
             </p:custDataLst>
           </p:nvPr>
         </p:nvPicPr>
         <p:blipFill>
-          <a:blip r:embed="rId50" cstate="print">
+          <a:blip r:embed="rId42" cstate="print">
             <a:extLst>
               <a:ext uri="{28A0092B-C50C-407E-A947-70E740481C1C}">
                 <a14:useLocalDpi xmlns:a14="http://schemas.microsoft.com/office/drawing/2010/main" val="0"/>
@@ -17622,12 +16954,12 @@
           </p:cNvPicPr>
           <p:nvPr>
             <p:custDataLst>
-              <p:custData r:id="rId10"/>
+              <p:custData r:id="rId4"/>
             </p:custDataLst>
           </p:nvPr>
         </p:nvPicPr>
         <p:blipFill>
-          <a:blip r:embed="rId51" cstate="print">
+          <a:blip r:embed="rId43" cstate="print">
             <a:extLst>
               <a:ext uri="{28A0092B-C50C-407E-A947-70E740481C1C}">
                 <a14:useLocalDpi xmlns:a14="http://schemas.microsoft.com/office/drawing/2010/main" val="0"/>
@@ -17667,12 +16999,12 @@
           </p:cNvPicPr>
           <p:nvPr>
             <p:custDataLst>
-              <p:custData r:id="rId11"/>
+              <p:custData r:id="rId5"/>
             </p:custDataLst>
           </p:nvPr>
         </p:nvPicPr>
         <p:blipFill>
-          <a:blip r:embed="rId50" cstate="print">
+          <a:blip r:embed="rId42" cstate="print">
             <a:extLst>
               <a:ext uri="{28A0092B-C50C-407E-A947-70E740481C1C}">
                 <a14:useLocalDpi xmlns:a14="http://schemas.microsoft.com/office/drawing/2010/main" val="0"/>
@@ -17712,12 +17044,12 @@
           </p:cNvPicPr>
           <p:nvPr>
             <p:custDataLst>
-              <p:custData r:id="rId12"/>
+              <p:custData r:id="rId6"/>
             </p:custDataLst>
           </p:nvPr>
         </p:nvPicPr>
         <p:blipFill>
-          <a:blip r:embed="rId51" cstate="print">
+          <a:blip r:embed="rId43" cstate="print">
             <a:extLst>
               <a:ext uri="{28A0092B-C50C-407E-A947-70E740481C1C}">
                 <a14:useLocalDpi xmlns:a14="http://schemas.microsoft.com/office/drawing/2010/main" val="0"/>
@@ -17757,12 +17089,12 @@
           </p:cNvPicPr>
           <p:nvPr>
             <p:custDataLst>
-              <p:custData r:id="rId13"/>
+              <p:custData r:id="rId7"/>
             </p:custDataLst>
           </p:nvPr>
         </p:nvPicPr>
         <p:blipFill>
-          <a:blip r:embed="rId50" cstate="print">
+          <a:blip r:embed="rId42" cstate="print">
             <a:extLst>
               <a:ext uri="{28A0092B-C50C-407E-A947-70E740481C1C}">
                 <a14:useLocalDpi xmlns:a14="http://schemas.microsoft.com/office/drawing/2010/main" val="0"/>
@@ -17802,12 +17134,12 @@
           </p:cNvPicPr>
           <p:nvPr>
             <p:custDataLst>
-              <p:custData r:id="rId14"/>
+              <p:custData r:id="rId8"/>
             </p:custDataLst>
           </p:nvPr>
         </p:nvPicPr>
         <p:blipFill>
-          <a:blip r:embed="rId51" cstate="print">
+          <a:blip r:embed="rId43" cstate="print">
             <a:extLst>
               <a:ext uri="{28A0092B-C50C-407E-A947-70E740481C1C}">
                 <a14:useLocalDpi xmlns:a14="http://schemas.microsoft.com/office/drawing/2010/main" val="0"/>
@@ -17847,12 +17179,12 @@
           </p:cNvPicPr>
           <p:nvPr>
             <p:custDataLst>
-              <p:custData r:id="rId15"/>
+              <p:custData r:id="rId9"/>
             </p:custDataLst>
           </p:nvPr>
         </p:nvPicPr>
         <p:blipFill>
-          <a:blip r:embed="rId50" cstate="print">
+          <a:blip r:embed="rId42" cstate="print">
             <a:extLst>
               <a:ext uri="{28A0092B-C50C-407E-A947-70E740481C1C}">
                 <a14:useLocalDpi xmlns:a14="http://schemas.microsoft.com/office/drawing/2010/main" val="0"/>
@@ -17892,12 +17224,12 @@
           </p:cNvPicPr>
           <p:nvPr>
             <p:custDataLst>
-              <p:custData r:id="rId16"/>
+              <p:custData r:id="rId10"/>
             </p:custDataLst>
           </p:nvPr>
         </p:nvPicPr>
         <p:blipFill>
-          <a:blip r:embed="rId51" cstate="print">
+          <a:blip r:embed="rId43" cstate="print">
             <a:extLst>
               <a:ext uri="{28A0092B-C50C-407E-A947-70E740481C1C}">
                 <a14:useLocalDpi xmlns:a14="http://schemas.microsoft.com/office/drawing/2010/main" val="0"/>
@@ -17937,12 +17269,12 @@
           </p:cNvPicPr>
           <p:nvPr>
             <p:custDataLst>
-              <p:custData r:id="rId17"/>
+              <p:custData r:id="rId11"/>
             </p:custDataLst>
           </p:nvPr>
         </p:nvPicPr>
         <p:blipFill>
-          <a:blip r:embed="rId50" cstate="print">
+          <a:blip r:embed="rId42" cstate="print">
             <a:extLst>
               <a:ext uri="{28A0092B-C50C-407E-A947-70E740481C1C}">
                 <a14:useLocalDpi xmlns:a14="http://schemas.microsoft.com/office/drawing/2010/main" val="0"/>
@@ -17982,12 +17314,12 @@
           </p:cNvPicPr>
           <p:nvPr>
             <p:custDataLst>
-              <p:custData r:id="rId18"/>
+              <p:custData r:id="rId12"/>
             </p:custDataLst>
           </p:nvPr>
         </p:nvPicPr>
         <p:blipFill>
-          <a:blip r:embed="rId51" cstate="print">
+          <a:blip r:embed="rId43" cstate="print">
             <a:extLst>
               <a:ext uri="{28A0092B-C50C-407E-A947-70E740481C1C}">
                 <a14:useLocalDpi xmlns:a14="http://schemas.microsoft.com/office/drawing/2010/main" val="0"/>
@@ -18027,12 +17359,12 @@
           </p:cNvPicPr>
           <p:nvPr>
             <p:custDataLst>
-              <p:custData r:id="rId19"/>
+              <p:custData r:id="rId13"/>
             </p:custDataLst>
           </p:nvPr>
         </p:nvPicPr>
         <p:blipFill>
-          <a:blip r:embed="rId52" cstate="print">
+          <a:blip r:embed="rId44" cstate="print">
             <a:extLst>
               <a:ext uri="{28A0092B-C50C-407E-A947-70E740481C1C}">
                 <a14:useLocalDpi xmlns:a14="http://schemas.microsoft.com/office/drawing/2010/main" val="0"/>
@@ -18046,7 +17378,7 @@
         </p:blipFill>
         <p:spPr bwMode="auto">
           <a:xfrm rot="2637729">
-            <a:off x="584231" y="1079159"/>
+            <a:off x="917911" y="1079159"/>
             <a:ext cx="171750" cy="171751"/>
           </a:xfrm>
           <a:prstGeom prst="rect">
@@ -18070,13 +17402,13 @@
           <p:cNvSpPr/>
           <p:nvPr>
             <p:custDataLst>
-              <p:custData r:id="rId20"/>
+              <p:custData r:id="rId14"/>
             </p:custDataLst>
           </p:nvPr>
         </p:nvSpPr>
         <p:spPr>
           <a:xfrm>
-            <a:off x="766643" y="1055410"/>
+            <a:off x="1100323" y="1055410"/>
             <a:ext cx="600485" cy="193899"/>
           </a:xfrm>
           <a:prstGeom prst="rect">
@@ -18172,12 +17504,12 @@
           </p:cNvPicPr>
           <p:nvPr>
             <p:custDataLst>
-              <p:custData r:id="rId21"/>
+              <p:custData r:id="rId15"/>
             </p:custDataLst>
           </p:nvPr>
         </p:nvPicPr>
         <p:blipFill>
-          <a:blip r:embed="rId53" cstate="print">
+          <a:blip r:embed="rId45" cstate="print">
             <a:extLst>
               <a:ext uri="{28A0092B-C50C-407E-A947-70E740481C1C}">
                 <a14:useLocalDpi xmlns:a14="http://schemas.microsoft.com/office/drawing/2010/main" val="0"/>
@@ -18191,7 +17523,7 @@
         </p:blipFill>
         <p:spPr bwMode="auto">
           <a:xfrm>
-            <a:off x="686498" y="1216711"/>
+            <a:off x="1020178" y="1216711"/>
             <a:ext cx="105035" cy="139499"/>
           </a:xfrm>
           <a:prstGeom prst="rect">
@@ -18337,7 +17669,7 @@
           <p:cNvSpPr txBox="1"/>
           <p:nvPr>
             <p:custDataLst>
-              <p:custData r:id="rId22"/>
+              <p:custData r:id="rId16"/>
             </p:custDataLst>
           </p:nvPr>
         </p:nvSpPr>
@@ -18385,7 +17717,7 @@
           <p:cNvSpPr/>
           <p:nvPr>
             <p:custDataLst>
-              <p:custData r:id="rId23"/>
+              <p:custData r:id="rId17"/>
             </p:custDataLst>
           </p:nvPr>
         </p:nvSpPr>
@@ -18456,7 +17788,7 @@
           <p:cNvSpPr txBox="1"/>
           <p:nvPr>
             <p:custDataLst>
-              <p:custData r:id="rId24"/>
+              <p:custData r:id="rId18"/>
             </p:custDataLst>
           </p:nvPr>
         </p:nvSpPr>
@@ -18506,12 +17838,12 @@
           </p:cNvPicPr>
           <p:nvPr>
             <p:custDataLst>
-              <p:custData r:id="rId25"/>
+              <p:custData r:id="rId19"/>
             </p:custDataLst>
           </p:nvPr>
         </p:nvPicPr>
         <p:blipFill>
-          <a:blip r:embed="rId54" cstate="print">
+          <a:blip r:embed="rId46" cstate="print">
             <a:extLst>
               <a:ext uri="{28A0092B-C50C-407E-A947-70E740481C1C}">
                 <a14:useLocalDpi xmlns:a14="http://schemas.microsoft.com/office/drawing/2010/main" val="0"/>
@@ -18597,7 +17929,7 @@
           <p:cNvSpPr txBox="1"/>
           <p:nvPr>
             <p:custDataLst>
-              <p:custData r:id="rId26"/>
+              <p:custData r:id="rId20"/>
             </p:custDataLst>
           </p:nvPr>
         </p:nvSpPr>
@@ -18645,7 +17977,7 @@
           <p:cNvSpPr txBox="1"/>
           <p:nvPr>
             <p:custDataLst>
-              <p:custData r:id="rId27"/>
+              <p:custData r:id="rId21"/>
             </p:custDataLst>
           </p:nvPr>
         </p:nvSpPr>
@@ -18693,7 +18025,7 @@
           <p:cNvSpPr/>
           <p:nvPr>
             <p:custDataLst>
-              <p:custData r:id="rId28"/>
+              <p:custData r:id="rId22"/>
             </p:custDataLst>
           </p:nvPr>
         </p:nvSpPr>
@@ -18788,7 +18120,7 @@
           <p:cNvGrpSpPr/>
           <p:nvPr>
             <p:custDataLst>
-              <p:custData r:id="rId29"/>
+              <p:custData r:id="rId23"/>
             </p:custDataLst>
           </p:nvPr>
         </p:nvGrpSpPr>
@@ -19104,7 +18436,7 @@
           <p:cNvGrpSpPr/>
           <p:nvPr>
             <p:custDataLst>
-              <p:custData r:id="rId30"/>
+              <p:custData r:id="rId24"/>
             </p:custDataLst>
           </p:nvPr>
         </p:nvGrpSpPr>
@@ -19237,7 +18569,7 @@
           <p:cNvGrpSpPr/>
           <p:nvPr>
             <p:custDataLst>
-              <p:custData r:id="rId31"/>
+              <p:custData r:id="rId25"/>
             </p:custDataLst>
           </p:nvPr>
         </p:nvGrpSpPr>
@@ -19368,7 +18700,7 @@
             <p:nvPr/>
           </p:nvPicPr>
           <p:blipFill>
-            <a:blip r:embed="rId55" cstate="print">
+            <a:blip r:embed="rId47" cstate="print">
               <a:extLst>
                 <a:ext uri="{28A0092B-C50C-407E-A947-70E740481C1C}">
                   <a14:useLocalDpi xmlns:a14="http://schemas.microsoft.com/office/drawing/2010/main" val="0"/>
@@ -19407,7 +18739,7 @@
           <p:cNvSpPr txBox="1"/>
           <p:nvPr>
             <p:custDataLst>
-              <p:custData r:id="rId32"/>
+              <p:custData r:id="rId26"/>
             </p:custDataLst>
           </p:nvPr>
         </p:nvSpPr>
@@ -19455,7 +18787,7 @@
           <p:cNvSpPr/>
           <p:nvPr>
             <p:custDataLst>
-              <p:custData r:id="rId33"/>
+              <p:custData r:id="rId27"/>
             </p:custDataLst>
           </p:nvPr>
         </p:nvSpPr>
@@ -19534,12 +18866,12 @@
           </p:cNvPicPr>
           <p:nvPr>
             <p:custDataLst>
-              <p:custData r:id="rId34"/>
+              <p:custData r:id="rId28"/>
             </p:custDataLst>
           </p:nvPr>
         </p:nvPicPr>
         <p:blipFill>
-          <a:blip r:embed="rId56" cstate="print">
+          <a:blip r:embed="rId48" cstate="print">
             <a:extLst>
               <a:ext uri="{28A0092B-C50C-407E-A947-70E740481C1C}">
                 <a14:useLocalDpi xmlns:a14="http://schemas.microsoft.com/office/drawing/2010/main" val="0"/>
@@ -19579,12 +18911,12 @@
           </p:cNvPicPr>
           <p:nvPr>
             <p:custDataLst>
-              <p:custData r:id="rId35"/>
+              <p:custData r:id="rId29"/>
             </p:custDataLst>
           </p:nvPr>
         </p:nvPicPr>
         <p:blipFill>
-          <a:blip r:embed="rId57" cstate="print">
+          <a:blip r:embed="rId49" cstate="print">
             <a:extLst>
               <a:ext uri="{28A0092B-C50C-407E-A947-70E740481C1C}">
                 <a14:useLocalDpi xmlns:a14="http://schemas.microsoft.com/office/drawing/2010/main" val="0"/>
@@ -19622,7 +18954,7 @@
           <p:cNvSpPr/>
           <p:nvPr>
             <p:custDataLst>
-              <p:custData r:id="rId36"/>
+              <p:custData r:id="rId30"/>
             </p:custDataLst>
           </p:nvPr>
         </p:nvSpPr>
@@ -19724,12 +19056,12 @@
           </p:cNvPicPr>
           <p:nvPr>
             <p:custDataLst>
-              <p:custData r:id="rId37"/>
+              <p:custData r:id="rId31"/>
             </p:custDataLst>
           </p:nvPr>
         </p:nvPicPr>
         <p:blipFill>
-          <a:blip r:embed="rId53" cstate="print">
+          <a:blip r:embed="rId45" cstate="print">
             <a:extLst>
               <a:ext uri="{28A0092B-C50C-407E-A947-70E740481C1C}">
                 <a14:useLocalDpi xmlns:a14="http://schemas.microsoft.com/office/drawing/2010/main" val="0"/>
@@ -19775,7 +19107,7 @@
           <p:cNvSpPr/>
           <p:nvPr>
             <p:custDataLst>
-              <p:custData r:id="rId38"/>
+              <p:custData r:id="rId32"/>
             </p:custDataLst>
           </p:nvPr>
         </p:nvSpPr>
@@ -19877,12 +19209,12 @@
           </p:cNvPicPr>
           <p:nvPr>
             <p:custDataLst>
-              <p:custData r:id="rId39"/>
+              <p:custData r:id="rId33"/>
             </p:custDataLst>
           </p:nvPr>
         </p:nvPicPr>
         <p:blipFill>
-          <a:blip r:embed="rId53" cstate="print">
+          <a:blip r:embed="rId45" cstate="print">
             <a:extLst>
               <a:ext uri="{28A0092B-C50C-407E-A947-70E740481C1C}">
                 <a14:useLocalDpi xmlns:a14="http://schemas.microsoft.com/office/drawing/2010/main" val="0"/>
@@ -19930,12 +19262,12 @@
           </p:cNvPicPr>
           <p:nvPr>
             <p:custDataLst>
-              <p:custData r:id="rId40"/>
+              <p:custData r:id="rId34"/>
             </p:custDataLst>
           </p:nvPr>
         </p:nvPicPr>
         <p:blipFill>
-          <a:blip r:embed="rId58" cstate="print">
+          <a:blip r:embed="rId50" cstate="print">
             <a:extLst>
               <a:ext uri="{28A0092B-C50C-407E-A947-70E740481C1C}">
                 <a14:useLocalDpi xmlns:a14="http://schemas.microsoft.com/office/drawing/2010/main" val="0"/>
@@ -19973,7 +19305,7 @@
           <p:cNvSpPr/>
           <p:nvPr>
             <p:custDataLst>
-              <p:custData r:id="rId41"/>
+              <p:custData r:id="rId35"/>
             </p:custDataLst>
           </p:nvPr>
         </p:nvSpPr>
@@ -20048,12 +19380,12 @@
           </p:cNvPicPr>
           <p:nvPr>
             <p:custDataLst>
-              <p:custData r:id="rId42"/>
+              <p:custData r:id="rId36"/>
             </p:custDataLst>
           </p:nvPr>
         </p:nvPicPr>
         <p:blipFill>
-          <a:blip r:embed="rId58" cstate="print">
+          <a:blip r:embed="rId50" cstate="print">
             <a:extLst>
               <a:ext uri="{28A0092B-C50C-407E-A947-70E740481C1C}">
                 <a14:useLocalDpi xmlns:a14="http://schemas.microsoft.com/office/drawing/2010/main" val="0"/>
@@ -20091,7 +19423,7 @@
           <p:cNvGrpSpPr/>
           <p:nvPr>
             <p:custDataLst>
-              <p:custData r:id="rId43"/>
+              <p:custData r:id="rId37"/>
             </p:custDataLst>
           </p:nvPr>
         </p:nvGrpSpPr>
@@ -20267,13 +19599,6 @@
                   </a:rPr>
                   <a:t>Не видимый</a:t>
                 </a:r>
-                <a:endParaRPr lang="ru-RU" sz="1200" dirty="0" smtClean="0">
-                  <a:solidFill>
-                    <a:sysClr val="windowText" lastClr="000000"/>
-                  </a:solidFill>
-                  <a:latin typeface="Segoe UI" pitchFamily="34" charset="0"/>
-                  <a:cs typeface="Segoe UI" pitchFamily="34" charset="0"/>
-                </a:endParaRPr>
               </a:p>
               <a:p>
                 <a:endParaRPr lang="en-US" sz="1200" dirty="0" smtClean="0">
@@ -20293,7 +19618,7 @@
             <p:cNvGrpSpPr/>
             <p:nvPr>
               <p:custDataLst>
-                <p:custData r:id="rId44"/>
+                <p:custData r:id="rId38"/>
               </p:custDataLst>
             </p:nvPr>
           </p:nvGrpSpPr>
@@ -21674,14 +20999,6 @@
               </a:rPr>
               <a:t>:</a:t>
             </a:r>
-            <a:endParaRPr lang="en-US" sz="1200" dirty="0" smtClean="0">
-              <a:solidFill>
-                <a:srgbClr val="000000"/>
-              </a:solidFill>
-              <a:latin typeface="Segoe UI" pitchFamily="34" charset="0"/>
-              <a:ea typeface="Segoe UI" pitchFamily="34" charset="0"/>
-              <a:cs typeface="Segoe UI" pitchFamily="34" charset="0"/>
-            </a:endParaRPr>
           </a:p>
         </p:txBody>
       </p:sp>
@@ -21883,14 +21200,6 @@
               </a:rPr>
               <a:t>:</a:t>
             </a:r>
-            <a:endParaRPr lang="en-US" sz="1200" dirty="0" smtClean="0">
-              <a:solidFill>
-                <a:srgbClr val="000000"/>
-              </a:solidFill>
-              <a:latin typeface="Segoe UI" pitchFamily="34" charset="0"/>
-              <a:ea typeface="Segoe UI" pitchFamily="34" charset="0"/>
-              <a:cs typeface="Segoe UI" pitchFamily="34" charset="0"/>
-            </a:endParaRPr>
           </a:p>
         </p:txBody>
       </p:sp>
@@ -22039,8 +21348,8 @@
         </p:nvSpPr>
         <p:spPr>
           <a:xfrm>
-            <a:off x="1245192" y="2814836"/>
-            <a:ext cx="764505" cy="230832"/>
+            <a:off x="1226142" y="2760603"/>
+            <a:ext cx="974498" cy="415498"/>
           </a:xfrm>
           <a:prstGeom prst="rect">
             <a:avLst/>
@@ -22062,7 +21371,20 @@
                 <a:ea typeface="Segoe UI" pitchFamily="34" charset="0"/>
                 <a:cs typeface="Segoe UI" pitchFamily="34" charset="0"/>
               </a:rPr>
-              <a:t>Возраст</a:t>
+              <a:t>Возрастная</a:t>
+            </a:r>
+          </a:p>
+          <a:p>
+            <a:r>
+              <a:rPr lang="ru-RU" sz="1200" dirty="0" smtClean="0">
+                <a:solidFill>
+                  <a:srgbClr val="000000"/>
+                </a:solidFill>
+                <a:latin typeface="Segoe UI" pitchFamily="34" charset="0"/>
+                <a:ea typeface="Segoe UI" pitchFamily="34" charset="0"/>
+                <a:cs typeface="Segoe UI" pitchFamily="34" charset="0"/>
+              </a:rPr>
+              <a:t>категория</a:t>
             </a:r>
             <a:r>
               <a:rPr lang="en-US" sz="1200" dirty="0" smtClean="0">
@@ -22098,7 +21420,7 @@
         </p:nvGrpSpPr>
         <p:grpSpPr>
           <a:xfrm>
-            <a:off x="2106110" y="2814836"/>
+            <a:off x="2106110" y="2852936"/>
             <a:ext cx="3051081" cy="228600"/>
             <a:chOff x="4199980" y="3330449"/>
             <a:chExt cx="649157" cy="228600"/>
@@ -22160,7 +21482,7 @@
                   <a:ea typeface="Segoe UI" pitchFamily="34" charset="0"/>
                   <a:cs typeface="Segoe UI" pitchFamily="34" charset="0"/>
                 </a:rPr>
-                <a:t>100</a:t>
+                <a:t>Новорожденный(1-6 месяцев)</a:t>
               </a:r>
               <a:endParaRPr lang="en-US" sz="1200" dirty="0">
                 <a:solidFill>
@@ -22414,7 +21736,7 @@
         </p:nvSpPr>
         <p:spPr>
           <a:xfrm>
-            <a:off x="1245958" y="3129608"/>
+            <a:off x="1245958" y="3234383"/>
             <a:ext cx="696024" cy="230832"/>
           </a:xfrm>
           <a:prstGeom prst="rect">
@@ -22462,7 +21784,7 @@
         </p:nvSpPr>
         <p:spPr>
           <a:xfrm>
-            <a:off x="2106111" y="3131840"/>
+            <a:off x="2106111" y="3236615"/>
             <a:ext cx="3051076" cy="669043"/>
           </a:xfrm>
           <a:prstGeom prst="rect">
@@ -28031,44 +27353,6 @@
       </p:pic>
       <p:sp>
         <p:nvSpPr>
-          <p:cNvPr id="109" name="Овал 108"/>
-          <p:cNvSpPr/>
-          <p:nvPr/>
-        </p:nvSpPr>
-        <p:spPr>
-          <a:xfrm>
-            <a:off x="706767" y="4592123"/>
-            <a:ext cx="144016" cy="144016"/>
-          </a:xfrm>
-          <a:prstGeom prst="ellipse">
-            <a:avLst/>
-          </a:prstGeom>
-        </p:spPr>
-        <p:style>
-          <a:lnRef idx="0">
-            <a:schemeClr val="accent3"/>
-          </a:lnRef>
-          <a:fillRef idx="3">
-            <a:schemeClr val="accent3"/>
-          </a:fillRef>
-          <a:effectRef idx="3">
-            <a:schemeClr val="accent3"/>
-          </a:effectRef>
-          <a:fontRef idx="minor">
-            <a:schemeClr val="lt1"/>
-          </a:fontRef>
-        </p:style>
-        <p:txBody>
-          <a:bodyPr rtlCol="0" anchor="ctr"/>
-          <a:lstStyle/>
-          <a:p>
-            <a:pPr algn="ctr"/>
-            <a:endParaRPr lang="ru-RU"/>
-          </a:p>
-        </p:txBody>
-      </p:sp>
-      <p:sp>
-        <p:nvSpPr>
           <p:cNvPr id="110" name="Овал 109"/>
           <p:cNvSpPr/>
           <p:nvPr/>
@@ -28558,7 +27842,7 @@
           </p:nvPr>
         </p:nvPicPr>
         <p:blipFill>
-          <a:blip r:embed="rId47" cstate="print">
+          <a:blip r:embed="rId49" cstate="print">
             <a:extLst>
               <a:ext uri="{28A0092B-C50C-407E-A947-70E740481C1C}">
                 <a14:useLocalDpi xmlns:a14="http://schemas.microsoft.com/office/drawing/2010/main" val="0"/>
@@ -29278,7 +28562,7 @@
           </p:nvPr>
         </p:nvPicPr>
         <p:blipFill>
-          <a:blip r:embed="rId48" cstate="print">
+          <a:blip r:embed="rId50" cstate="print">
             <a:extLst>
               <a:ext uri="{28A0092B-C50C-407E-A947-70E740481C1C}">
                 <a14:useLocalDpi xmlns:a14="http://schemas.microsoft.com/office/drawing/2010/main" val="0"/>
@@ -29417,7 +28701,7 @@
           </p:nvPr>
         </p:nvPicPr>
         <p:blipFill>
-          <a:blip r:embed="rId49" cstate="print">
+          <a:blip r:embed="rId51" cstate="print">
             <a:extLst>
               <a:ext uri="{28A0092B-C50C-407E-A947-70E740481C1C}">
                 <a14:useLocalDpi xmlns:a14="http://schemas.microsoft.com/office/drawing/2010/main" val="0"/>
@@ -29470,7 +28754,7 @@
           </p:nvPr>
         </p:nvPicPr>
         <p:blipFill>
-          <a:blip r:embed="rId50" cstate="print">
+          <a:blip r:embed="rId52" cstate="print">
             <a:extLst>
               <a:ext uri="{28A0092B-C50C-407E-A947-70E740481C1C}">
                 <a14:useLocalDpi xmlns:a14="http://schemas.microsoft.com/office/drawing/2010/main" val="0"/>
@@ -29609,7 +28893,7 @@
           </p:nvPr>
         </p:nvPicPr>
         <p:blipFill>
-          <a:blip r:embed="rId49" cstate="print">
+          <a:blip r:embed="rId51" cstate="print">
             <a:extLst>
               <a:ext uri="{28A0092B-C50C-407E-A947-70E740481C1C}">
                 <a14:useLocalDpi xmlns:a14="http://schemas.microsoft.com/office/drawing/2010/main" val="0"/>
@@ -29662,7 +28946,7 @@
           </p:nvPr>
         </p:nvPicPr>
         <p:blipFill>
-          <a:blip r:embed="rId49" cstate="print">
+          <a:blip r:embed="rId51" cstate="print">
             <a:extLst>
               <a:ext uri="{28A0092B-C50C-407E-A947-70E740481C1C}">
                 <a14:useLocalDpi xmlns:a14="http://schemas.microsoft.com/office/drawing/2010/main" val="0"/>
@@ -29932,7 +29216,7 @@
           </p:nvPr>
         </p:nvPicPr>
         <p:blipFill>
-          <a:blip r:embed="rId51" cstate="print">
+          <a:blip r:embed="rId53" cstate="print">
             <a:extLst>
               <a:ext uri="{28A0092B-C50C-407E-A947-70E740481C1C}">
                 <a14:useLocalDpi xmlns:a14="http://schemas.microsoft.com/office/drawing/2010/main" val="0"/>
@@ -31847,14 +31131,6 @@
               </a:rPr>
               <a:t>:</a:t>
             </a:r>
-            <a:endParaRPr lang="en-US" sz="1200" dirty="0" smtClean="0">
-              <a:solidFill>
-                <a:srgbClr val="000000"/>
-              </a:solidFill>
-              <a:latin typeface="Segoe UI" pitchFamily="34" charset="0"/>
-              <a:ea typeface="Segoe UI" pitchFamily="34" charset="0"/>
-              <a:cs typeface="Segoe UI" pitchFamily="34" charset="0"/>
-            </a:endParaRPr>
           </a:p>
         </p:txBody>
       </p:sp>
@@ -32056,7 +31332,7 @@
         </p:nvSpPr>
         <p:spPr>
           <a:xfrm>
-            <a:off x="5605187" y="8763000"/>
+            <a:off x="5605187" y="8489909"/>
             <a:ext cx="992165" cy="228600"/>
           </a:xfrm>
           <a:prstGeom prst="roundRect">
@@ -32117,39 +31393,6 @@
           </a:p>
         </p:txBody>
       </p:sp>
-      <p:cxnSp>
-        <p:nvCxnSpPr>
-          <p:cNvPr id="9" name="Прямая со стрелкой 8"/>
-          <p:cNvCxnSpPr/>
-          <p:nvPr/>
-        </p:nvCxnSpPr>
-        <p:spPr>
-          <a:xfrm flipH="1">
-            <a:off x="6453336" y="7437378"/>
-            <a:ext cx="1152128" cy="1325622"/>
-          </a:xfrm>
-          <a:prstGeom prst="straightConnector1">
-            <a:avLst/>
-          </a:prstGeom>
-          <a:ln>
-            <a:tailEnd type="arrow"/>
-          </a:ln>
-        </p:spPr>
-        <p:style>
-          <a:lnRef idx="1">
-            <a:schemeClr val="accent1"/>
-          </a:lnRef>
-          <a:fillRef idx="0">
-            <a:schemeClr val="accent1"/>
-          </a:fillRef>
-          <a:effectRef idx="0">
-            <a:schemeClr val="accent1"/>
-          </a:effectRef>
-          <a:fontRef idx="minor">
-            <a:schemeClr val="tx1"/>
-          </a:fontRef>
-        </p:style>
-      </p:cxnSp>
       <p:sp>
         <p:nvSpPr>
           <p:cNvPr id="128" name="Content"/>
@@ -32162,7 +31405,7 @@
         </p:nvSpPr>
         <p:spPr>
           <a:xfrm>
-            <a:off x="7245424" y="6933323"/>
+            <a:off x="7245424" y="6660232"/>
             <a:ext cx="2230428" cy="818516"/>
           </a:xfrm>
           <a:prstGeom prst="rect">
@@ -32237,7 +31480,7 @@
         </p:nvSpPr>
         <p:spPr>
           <a:xfrm>
-            <a:off x="4652182" y="8777039"/>
+            <a:off x="4652182" y="8484898"/>
             <a:ext cx="849921" cy="228600"/>
           </a:xfrm>
           <a:prstGeom prst="roundRect">
@@ -32314,7 +31557,7 @@
         <p:spPr>
           <a:xfrm>
             <a:off x="352716" y="7544696"/>
-            <a:ext cx="6244635" cy="1110986"/>
+            <a:ext cx="6244635" cy="843728"/>
           </a:xfrm>
           <a:prstGeom prst="rect">
             <a:avLst/>
@@ -32597,17 +31840,191 @@
               </a:rPr>
               <a:t>:</a:t>
             </a:r>
-            <a:endParaRPr lang="en-US" sz="1200" dirty="0" smtClean="0">
+          </a:p>
+        </p:txBody>
+      </p:sp>
+      <p:sp>
+        <p:nvSpPr>
+          <p:cNvPr id="94" name="Content"/>
+          <p:cNvSpPr/>
+          <p:nvPr>
+            <p:custDataLst>
+              <p:custData r:id="rId45"/>
+            </p:custDataLst>
+          </p:nvPr>
+        </p:nvSpPr>
+        <p:spPr>
+          <a:xfrm>
+            <a:off x="5589883" y="8820472"/>
+            <a:ext cx="992165" cy="228600"/>
+          </a:xfrm>
+          <a:prstGeom prst="roundRect">
+            <a:avLst/>
+          </a:prstGeom>
+          <a:solidFill>
+            <a:srgbClr val="FFFFFF">
+              <a:lumMod val="95000"/>
+            </a:srgbClr>
+          </a:solidFill>
+          <a:ln w="3175">
+            <a:solidFill>
+              <a:srgbClr val="000000">
+                <a:lumMod val="50000"/>
+                <a:lumOff val="50000"/>
+              </a:srgbClr>
+            </a:solidFill>
+          </a:ln>
+          <a:effectLst/>
+        </p:spPr>
+        <p:style>
+          <a:lnRef idx="2">
+            <a:srgbClr val="4F81BD">
+              <a:shade val="50000"/>
+            </a:srgbClr>
+          </a:lnRef>
+          <a:fillRef idx="1">
+            <a:srgbClr val="4F81BD"/>
+          </a:fillRef>
+          <a:effectRef idx="0">
+            <a:srgbClr val="4F81BD"/>
+          </a:effectRef>
+          <a:fontRef idx="minor">
+            <a:srgbClr val="000000"/>
+          </a:fontRef>
+        </p:style>
+        <p:txBody>
+          <a:bodyPr wrap="square" lIns="91440" tIns="0" rIns="91440" bIns="9144" rtlCol="0" anchor="ctr">
+            <a:noAutofit/>
+          </a:bodyPr>
+          <a:lstStyle/>
+          <a:p>
+            <a:pPr algn="ctr"/>
+            <a:r>
+              <a:rPr lang="ru-RU" sz="1200" dirty="0" smtClean="0">
+                <a:latin typeface="Segoe UI" pitchFamily="34" charset="0"/>
+                <a:cs typeface="Segoe UI" pitchFamily="34" charset="0"/>
+              </a:rPr>
+              <a:t>Отклонить</a:t>
+            </a:r>
+            <a:endParaRPr lang="en-US" sz="1200" dirty="0">
               <a:solidFill>
                 <a:srgbClr val="000000"/>
               </a:solidFill>
               <a:latin typeface="Segoe UI" pitchFamily="34" charset="0"/>
-              <a:ea typeface="Segoe UI" pitchFamily="34" charset="0"/>
               <a:cs typeface="Segoe UI" pitchFamily="34" charset="0"/>
             </a:endParaRPr>
           </a:p>
         </p:txBody>
       </p:sp>
+      <p:sp>
+        <p:nvSpPr>
+          <p:cNvPr id="96" name="Content"/>
+          <p:cNvSpPr/>
+          <p:nvPr>
+            <p:custDataLst>
+              <p:custData r:id="rId46"/>
+            </p:custDataLst>
+          </p:nvPr>
+        </p:nvSpPr>
+        <p:spPr>
+          <a:xfrm>
+            <a:off x="4479303" y="8815461"/>
+            <a:ext cx="1028404" cy="228600"/>
+          </a:xfrm>
+          <a:prstGeom prst="roundRect">
+            <a:avLst/>
+          </a:prstGeom>
+          <a:solidFill>
+            <a:srgbClr val="FFFFFF">
+              <a:lumMod val="95000"/>
+            </a:srgbClr>
+          </a:solidFill>
+          <a:ln w="3175">
+            <a:solidFill>
+              <a:srgbClr val="000000">
+                <a:lumMod val="50000"/>
+                <a:lumOff val="50000"/>
+              </a:srgbClr>
+            </a:solidFill>
+          </a:ln>
+          <a:effectLst/>
+        </p:spPr>
+        <p:style>
+          <a:lnRef idx="2">
+            <a:srgbClr val="4F81BD">
+              <a:shade val="50000"/>
+            </a:srgbClr>
+          </a:lnRef>
+          <a:fillRef idx="1">
+            <a:srgbClr val="4F81BD"/>
+          </a:fillRef>
+          <a:effectRef idx="0">
+            <a:srgbClr val="4F81BD"/>
+          </a:effectRef>
+          <a:fontRef idx="minor">
+            <a:srgbClr val="000000"/>
+          </a:fontRef>
+        </p:style>
+        <p:txBody>
+          <a:bodyPr wrap="square" lIns="91440" tIns="0" rIns="91440" bIns="9144" rtlCol="0" anchor="ctr">
+            <a:noAutofit/>
+          </a:bodyPr>
+          <a:lstStyle/>
+          <a:p>
+            <a:pPr algn="ctr"/>
+            <a:r>
+              <a:rPr lang="ru-RU" sz="1200" dirty="0" smtClean="0">
+                <a:solidFill>
+                  <a:srgbClr val="000000"/>
+                </a:solidFill>
+                <a:latin typeface="Segoe UI" pitchFamily="34" charset="0"/>
+                <a:cs typeface="Segoe UI" pitchFamily="34" charset="0"/>
+              </a:rPr>
+              <a:t>Подтверди</a:t>
+            </a:r>
+            <a:endParaRPr lang="en-US" sz="1200" dirty="0">
+              <a:solidFill>
+                <a:srgbClr val="000000"/>
+              </a:solidFill>
+              <a:latin typeface="Segoe UI" pitchFamily="34" charset="0"/>
+              <a:cs typeface="Segoe UI" pitchFamily="34" charset="0"/>
+            </a:endParaRPr>
+          </a:p>
+        </p:txBody>
+      </p:sp>
+      <p:cxnSp>
+        <p:nvCxnSpPr>
+          <p:cNvPr id="9" name="Прямая со стрелкой 8"/>
+          <p:cNvCxnSpPr/>
+          <p:nvPr/>
+        </p:nvCxnSpPr>
+        <p:spPr>
+          <a:xfrm flipH="1">
+            <a:off x="6453336" y="7478748"/>
+            <a:ext cx="792088" cy="1011161"/>
+          </a:xfrm>
+          <a:prstGeom prst="straightConnector1">
+            <a:avLst/>
+          </a:prstGeom>
+          <a:ln>
+            <a:tailEnd type="arrow"/>
+          </a:ln>
+        </p:spPr>
+        <p:style>
+          <a:lnRef idx="1">
+            <a:schemeClr val="accent1"/>
+          </a:lnRef>
+          <a:fillRef idx="0">
+            <a:schemeClr val="accent1"/>
+          </a:fillRef>
+          <a:effectRef idx="0">
+            <a:schemeClr val="accent1"/>
+          </a:effectRef>
+          <a:fontRef idx="minor">
+            <a:schemeClr val="tx1"/>
+          </a:fontRef>
+        </p:style>
+      </p:cxnSp>
     </p:spTree>
     <p:extLst>
       <p:ext uri="{BB962C8B-B14F-4D97-AF65-F5344CB8AC3E}">
@@ -33206,79 +32623,79 @@
 
 <file path=customXml/item10.xml><?xml version="1.0" encoding="utf-8"?>
 <Control xmlns="http://schemas.microsoft.com/VisualStudio/2011/storyboarding/control">
+  <Id Name="System.Storyboarding.Common.Button" Revision="1" Stencil="System.Storyboarding.Common" StencilVersion="0.1"/>
+</Control>
+</file>
+
+<file path=customXml/item100.xml><?xml version="1.0" encoding="utf-8"?>
+<Control xmlns="http://schemas.microsoft.com/VisualStudio/2011/storyboarding/control">
+  <Id Name="System.Storyboarding.Icons.HandPointer" Revision="1" Stencil="System.Storyboarding.Icons" StencilVersion="0.1"/>
+</Control>
+</file>
+
+<file path=customXml/item101.xml><?xml version="1.0" encoding="utf-8"?>
+<Control xmlns="http://schemas.microsoft.com/VisualStudio/2011/storyboarding/control">
+  <Id Name="System.Storyboarding.Common.Button" Revision="1" Stencil="System.Storyboarding.Common" StencilVersion="0.1"/>
+</Control>
+</file>
+
+<file path=customXml/item102.xml><?xml version="1.0" encoding="utf-8"?>
+<Control xmlns="http://schemas.microsoft.com/VisualStudio/2011/storyboarding/control">
   <Id Name="System.Storyboarding.Icons.CurvedArrow" Revision="1" Stencil="System.Storyboarding.Icons" StencilVersion="0.1"/>
 </Control>
 </file>
 
-<file path=customXml/item100.xml><?xml version="1.0" encoding="utf-8"?>
+<file path=customXml/item103.xml><?xml version="1.0" encoding="utf-8"?>
+<Control xmlns="http://schemas.microsoft.com/VisualStudio/2011/storyboarding/control">
+  <Id Name="System.Storyboarding.Common.TextArea" Revision="1" Stencil="System.Storyboarding.Common" StencilVersion="0.1"/>
+</Control>
+</file>
+
+<file path=customXml/item104.xml><?xml version="1.0" encoding="utf-8"?>
+<Control xmlns="http://schemas.microsoft.com/VisualStudio/2011/storyboarding/control">
+  <Id Name="System.Storyboarding.Common.TextInput" Revision="1" Stencil="System.Storyboarding.Common" StencilVersion="0.1"/>
+</Control>
+</file>
+
+<file path=customXml/item105.xml><?xml version="1.0" encoding="utf-8"?>
+<Control xmlns="http://schemas.microsoft.com/VisualStudio/2011/storyboarding/control">
+  <Id Name="System.Storyboarding.Icons.DownArrow" Revision="1" Stencil="System.Storyboarding.Icons" StencilVersion="0.1"/>
+</Control>
+</file>
+
+<file path=customXml/item106.xml><?xml version="1.0" encoding="utf-8"?>
+<Control xmlns="http://schemas.microsoft.com/VisualStudio/2011/storyboarding/control">
+  <Id Name="System.Storyboarding.Icons.ShoppingCart" Revision="1" Stencil="System.Storyboarding.Icons" StencilVersion="0.1"/>
+</Control>
+</file>
+
+<file path=customXml/item107.xml><?xml version="1.0" encoding="utf-8"?>
 <Control xmlns="http://schemas.microsoft.com/VisualStudio/2011/storyboarding/control">
   <Id Name="System.Storyboarding.Common.Text" Revision="1" Stencil="System.Storyboarding.Common" StencilVersion="0.1"/>
 </Control>
 </file>
 
-<file path=customXml/item101.xml><?xml version="1.0" encoding="utf-8"?>
+<file path=customXml/item108.xml><?xml version="1.0" encoding="utf-8"?>
 <Control xmlns="http://schemas.microsoft.com/VisualStudio/2011/storyboarding/control">
-  <Id Name="System.Storyboarding.Icons.DownArrow" Revision="1" Stencil="System.Storyboarding.Icons" StencilVersion="0.1"/>
+  <Id Name="System.Storyboarding.Common.Hyperlink" Revision="1" Stencil="System.Storyboarding.Common" StencilVersion="0.1"/>
 </Control>
 </file>
 
-<file path=customXml/item102.xml><?xml version="1.0" encoding="utf-8"?>
+<file path=customXml/item109.xml><?xml version="1.0" encoding="utf-8"?>
 <Control xmlns="http://schemas.microsoft.com/VisualStudio/2011/storyboarding/control">
-  <Id Name="System.Storyboarding.Icons.ShoppingCart" Revision="1" Stencil="System.Storyboarding.Icons" StencilVersion="0.1"/>
+  <Id Name="System.Storyboarding.Icons.CurvedArrow" Revision="1" Stencil="System.Storyboarding.Icons" StencilVersion="0.1"/>
 </Control>
 </file>
 
-<file path=customXml/item103.xml><?xml version="1.0" encoding="utf-8"?>
-<Control xmlns="http://schemas.microsoft.com/VisualStudio/2011/storyboarding/control">
-  <Id Name="System.Storyboarding.Icons.HandPointer" Revision="1" Stencil="System.Storyboarding.Icons" StencilVersion="0.1"/>
-</Control>
-</file>
-
-<file path=customXml/item104.xml><?xml version="1.0" encoding="utf-8"?>
-<Control xmlns="http://schemas.microsoft.com/VisualStudio/2011/storyboarding/control">
-  <Id Name="System.Storyboarding.Common.Text" Revision="1" Stencil="System.Storyboarding.Common" StencilVersion="0.1"/>
-</Control>
-</file>
-
-<file path=customXml/item105.xml><?xml version="1.0" encoding="utf-8"?>
-<Control xmlns="http://schemas.microsoft.com/VisualStudio/2011/storyboarding/control">
-  <Id Name="System.Storyboarding.Icons.CheckCircle" Revision="1" Stencil="System.Storyboarding.Icons" StencilVersion="0.1"/>
-</Control>
-</file>
-
-<file path=customXml/item106.xml><?xml version="1.0" encoding="utf-8"?>
-<Control xmlns="http://schemas.microsoft.com/VisualStudio/2011/storyboarding/control">
-  <Id Name="System.Storyboarding.Common.Text" Revision="1" Stencil="System.Storyboarding.Common" StencilVersion="0.1"/>
-</Control>
-</file>
-
-<file path=customXml/item107.xml><?xml version="1.0" encoding="utf-8"?>
+<file path=customXml/item11.xml><?xml version="1.0" encoding="utf-8"?>
 <Control xmlns="http://schemas.microsoft.com/VisualStudio/2011/storyboarding/control">
   <Id Name="System.Storyboarding.Common.RadioButtonSelected" Revision="1" Stencil="System.Storyboarding.Common" StencilVersion="0.1"/>
 </Control>
 </file>
 
-<file path=customXml/item108.xml><?xml version="1.0" encoding="utf-8"?>
-<Control xmlns="http://schemas.microsoft.com/VisualStudio/2011/storyboarding/control">
-  <Id Name="System.Storyboarding.Common.TextInput" Revision="1" Stencil="System.Storyboarding.Common" StencilVersion="0.1"/>
-</Control>
-</file>
-
-<file path=customXml/item109.xml><?xml version="1.0" encoding="utf-8"?>
-<Control xmlns="http://schemas.microsoft.com/VisualStudio/2011/storyboarding/control">
-  <Id Name="System.Storyboarding.WindowsDesktop.ToolTip" Revision="1" Stencil="System.Storyboarding.WindowsDesktop" StencilVersion="0.1"/>
-</Control>
-</file>
-
-<file path=customXml/item11.xml><?xml version="1.0" encoding="utf-8"?>
+<file path=customXml/item110.xml><?xml version="1.0" encoding="utf-8"?>
 <Control xmlns="http://schemas.microsoft.com/VisualStudio/2011/storyboarding/control">
   <Id Name="System.Storyboarding.Common.Text" Revision="1" Stencil="System.Storyboarding.Common" StencilVersion="0.1"/>
-</Control>
-</file>
-
-<file path=customXml/item110.xml><?xml version="1.0" encoding="utf-8"?>
-<Control xmlns="http://schemas.microsoft.com/VisualStudio/2011/storyboarding/control">
-  <Id Name="System.Storyboarding.Icons.Brush" Revision="1" Stencil="System.Storyboarding.Icons" StencilVersion="0.1"/>
 </Control>
 </file>
 
@@ -33290,19 +32707,19 @@
 
 <file path=customXml/item112.xml><?xml version="1.0" encoding="utf-8"?>
 <Control xmlns="http://schemas.microsoft.com/VisualStudio/2011/storyboarding/control">
-  <Id Name="System.Storyboarding.Common.DatePicker" Revision="1" Stencil="System.Storyboarding.Common" StencilVersion="0.1"/>
+  <Id Name="System.Storyboarding.Common.TabGroup" Revision="1" Stencil="System.Storyboarding.Common" StencilVersion="0.1"/>
 </Control>
 </file>
 
 <file path=customXml/item113.xml><?xml version="1.0" encoding="utf-8"?>
 <Control xmlns="http://schemas.microsoft.com/VisualStudio/2011/storyboarding/control">
-  <Id Name="System.Storyboarding.Common.Text" Revision="1" Stencil="System.Storyboarding.Common" StencilVersion="0.1"/>
+  <Id Name="System.Storyboarding.WindowsDesktop.ToolTip" Revision="1" Stencil="System.Storyboarding.WindowsDesktop" StencilVersion="0.1"/>
 </Control>
 </file>
 
 <file path=customXml/item114.xml><?xml version="1.0" encoding="utf-8"?>
 <Control xmlns="http://schemas.microsoft.com/VisualStudio/2011/storyboarding/control">
-  <Id Name="System.Storyboarding.Common.TabGroup" Revision="1" Stencil="System.Storyboarding.Common" StencilVersion="0.1"/>
+  <Id Name="System.Storyboarding.Common.Hyperlink" Revision="1" Stencil="System.Storyboarding.Common" StencilVersion="0.1"/>
 </Control>
 </file>
 
@@ -33314,91 +32731,91 @@
 
 <file path=customXml/item116.xml><?xml version="1.0" encoding="utf-8"?>
 <Control xmlns="http://schemas.microsoft.com/VisualStudio/2011/storyboarding/control">
-  <Id Name="System.Storyboarding.Common.Text" Revision="1" Stencil="System.Storyboarding.Common" StencilVersion="0.1"/>
+  <Id Name="System.Storyboarding.Common.CheckBoxUnchecked" Revision="1" Stencil="System.Storyboarding.Common" StencilVersion="0.1"/>
 </Control>
 </file>
 
 <file path=customXml/item117.xml><?xml version="1.0" encoding="utf-8"?>
+<Control xmlns="http://schemas.microsoft.com/VisualStudio/2011/storyboarding/control">
+  <Id Name="System.Storyboarding.Common.TextInput" Revision="1" Stencil="System.Storyboarding.Common" StencilVersion="0.1"/>
+</Control>
+</file>
+
+<file path=customXml/item118.xml><?xml version="1.0" encoding="utf-8"?>
+<Control xmlns="http://schemas.microsoft.com/VisualStudio/2011/storyboarding/control">
+  <Id Name="System.Storyboarding.Icons.SpeechBubble" Revision="1" Stencil="System.Storyboarding.Icons" StencilVersion="0.1"/>
+</Control>
+</file>
+
+<file path=customXml/item119.xml><?xml version="1.0" encoding="utf-8"?>
+<Control xmlns="http://schemas.microsoft.com/VisualStudio/2011/storyboarding/control">
+  <Id Name="System.Storyboarding.Common.DataGrid" Revision="1" Stencil="System.Storyboarding.Common" StencilVersion="0.1"/>
+</Control>
+</file>
+
+<file path=customXml/item12.xml><?xml version="1.0" encoding="utf-8"?>
 <Control xmlns="http://schemas.microsoft.com/VisualStudio/2011/storyboarding/control">
   <Id Name="System.Storyboarding.Common.Text" Revision="1" Stencil="System.Storyboarding.Common" StencilVersion="0.1"/>
 </Control>
 </file>
 
-<file path=customXml/item118.xml><?xml version="1.0" encoding="utf-8"?>
+<file path=customXml/item120.xml><?xml version="1.0" encoding="utf-8"?>
 <Control xmlns="http://schemas.microsoft.com/VisualStudio/2011/storyboarding/control">
-  <Id Name="System.Storyboarding.Icons.Star" Revision="1" Stencil="System.Storyboarding.Icons" StencilVersion="0.1"/>
+  <Id Name="System.Storyboarding.Icons.CurvedArrow" Revision="1" Stencil="System.Storyboarding.Icons" StencilVersion="0.1"/>
 </Control>
 </file>
 
-<file path=customXml/item119.xml><?xml version="1.0" encoding="utf-8"?>
+<file path=customXml/item121.xml><?xml version="1.0" encoding="utf-8"?>
 <Control xmlns="http://schemas.microsoft.com/VisualStudio/2011/storyboarding/control">
-  <Id Name="System.Storyboarding.Common.ScrollbarVertical" RevisionId="68ea164d-c1de-47a5-804f-d4d1290fa524" Stencil="System.Storyboarding.Common" StencilRevisionId="68ea164d-c1de-47a5-804f-d4d1290fa524" StencilVersion="0.1"/>
+  <Id Name="System.Storyboarding.Icons.SpeechBubble" Revision="1" Stencil="System.Storyboarding.Icons" StencilVersion="0.1"/>
 </Control>
 </file>
 
-<file path=customXml/item12.xml><?xml version="1.0" encoding="utf-8"?>
+<file path=customXml/item122.xml><?xml version="1.0" encoding="utf-8"?>
+<Control xmlns="http://schemas.microsoft.com/VisualStudio/2011/storyboarding/control">
+  <Id Name="System.Storyboarding.Icons.TrashCan" Revision="1" Stencil="System.Storyboarding.Icons" StencilVersion="0.1"/>
+</Control>
+</file>
+
+<file path=customXml/item123.xml><?xml version="1.0" encoding="utf-8"?>
+<Control xmlns="http://schemas.microsoft.com/VisualStudio/2011/storyboarding/control">
+  <Id Name="System.Storyboarding.Common.Text" Revision="1" Stencil="System.Storyboarding.Common" StencilVersion="0.1"/>
+</Control>
+</file>
+
+<file path=customXml/item124.xml><?xml version="1.0" encoding="utf-8"?>
+<Control xmlns="http://schemas.microsoft.com/VisualStudio/2011/storyboarding/control">
+  <Id Name="System.Storyboarding.Common.Text" Revision="1" Stencil="System.Storyboarding.Common" StencilVersion="0.1"/>
+</Control>
+</file>
+
+<file path=customXml/item125.xml><?xml version="1.0" encoding="utf-8"?>
+<Control xmlns="http://schemas.microsoft.com/VisualStudio/2011/storyboarding/control">
+  <Id Name="System.Storyboarding.Common.Text" Revision="1" Stencil="System.Storyboarding.Common" StencilVersion="0.1"/>
+</Control>
+</file>
+
+<file path=customXml/item126.xml><?xml version="1.0" encoding="utf-8"?>
 <Control xmlns="http://schemas.microsoft.com/VisualStudio/2011/storyboarding/control">
   <Id Name="System.Storyboarding.Common.LinkBar" Revision="1" Stencil="System.Storyboarding.Common" StencilVersion="0.1"/>
 </Control>
 </file>
 
-<file path=customXml/item120.xml><?xml version="1.0" encoding="utf-8"?>
-<Control xmlns="http://schemas.microsoft.com/VisualStudio/2011/storyboarding/control">
-  <Id Name="System.Storyboarding.Common.TextInput" Revision="1" Stencil="System.Storyboarding.Common" StencilVersion="0.1"/>
-</Control>
-</file>
-
-<file path=customXml/item121.xml><?xml version="1.0" encoding="utf-8"?>
-<Control xmlns="http://schemas.microsoft.com/VisualStudio/2011/storyboarding/control">
-  <Id Name="System.Storyboarding.Icons.Star" Revision="1" Stencil="System.Storyboarding.Icons" StencilVersion="0.1"/>
-</Control>
-</file>
-
-<file path=customXml/item122.xml><?xml version="1.0" encoding="utf-8"?>
-<Control xmlns="http://schemas.microsoft.com/VisualStudio/2011/storyboarding/control">
-  <Id Name="System.Storyboarding.Common.CheckBoxUnchecked" Revision="1" Stencil="System.Storyboarding.Common" StencilVersion="0.1"/>
-</Control>
-</file>
-
-<file path=customXml/item123.xml><?xml version="1.0" encoding="utf-8"?>
-<Control xmlns="http://schemas.microsoft.com/VisualStudio/2011/storyboarding/control">
-  <Id Name="System.Storyboarding.Icons.TrashCan" Revision="1" Stencil="System.Storyboarding.Icons" StencilVersion="0.1"/>
-</Control>
-</file>
-
-<file path=customXml/item124.xml><?xml version="1.0" encoding="utf-8"?>
-<Control xmlns="http://schemas.microsoft.com/VisualStudio/2011/storyboarding/control">
-  <Id Name="System.Storyboarding.Common.Hyperlink" Revision="1" Stencil="System.Storyboarding.Common" StencilVersion="0.1"/>
-</Control>
-</file>
-
-<file path=customXml/item125.xml><?xml version="1.0" encoding="utf-8"?>
-<Control xmlns="http://schemas.microsoft.com/VisualStudio/2011/storyboarding/control">
-  <Id Name="System.Storyboarding.Common.TextInput" Revision="1" Stencil="System.Storyboarding.Common" StencilVersion="0.1"/>
-</Control>
-</file>
-
-<file path=customXml/item126.xml><?xml version="1.0" encoding="utf-8"?>
-<Control xmlns="http://schemas.microsoft.com/VisualStudio/2011/storyboarding/control">
-  <Id Name="System.Storyboarding.Common.Button" Revision="1" Stencil="System.Storyboarding.Common" StencilVersion="0.1"/>
-</Control>
-</file>
-
 <file path=customXml/item127.xml><?xml version="1.0" encoding="utf-8"?>
 <Control xmlns="http://schemas.microsoft.com/VisualStudio/2011/storyboarding/control">
-  <Id Name="System.Storyboarding.Common.Hyperlink" Revision="1" Stencil="System.Storyboarding.Common" StencilVersion="0.1"/>
+  <Id Name="System.Storyboarding.Common.DropdownBox" Revision="1" Stencil="System.Storyboarding.Common" StencilVersion="0.1"/>
 </Control>
 </file>
 
 <file path=customXml/item128.xml><?xml version="1.0" encoding="utf-8"?>
 <Control xmlns="http://schemas.microsoft.com/VisualStudio/2011/storyboarding/control">
-  <Id Name="System.Storyboarding.Common.Text" Revision="1" Stencil="System.Storyboarding.Common" StencilVersion="0.1"/>
+  <Id Name="System.Storyboarding.Common.TextArea" Revision="1" Stencil="System.Storyboarding.Common" StencilVersion="0.1"/>
 </Control>
 </file>
 
 <file path=customXml/item129.xml><?xml version="1.0" encoding="utf-8"?>
 <Control xmlns="http://schemas.microsoft.com/VisualStudio/2011/storyboarding/control">
-  <Id Name="System.Storyboarding.Common.DataGrid" Revision="1" Stencil="System.Storyboarding.Common" StencilVersion="0.1"/>
+  <Id Name="System.Storyboarding.Icons.Warning" Revision="1" Stencil="System.Storyboarding.Icons" StencilVersion="0.1"/>
 </Control>
 </file>
 
@@ -33410,85 +32827,85 @@
 
 <file path=customXml/item130.xml><?xml version="1.0" encoding="utf-8"?>
 <Control xmlns="http://schemas.microsoft.com/VisualStudio/2011/storyboarding/control">
-  <Id Name="System.Storyboarding.Common.Hyperlink" Revision="1" Stencil="System.Storyboarding.Common" StencilVersion="0.1"/>
+  <Id Name="System.Storyboarding.Common.CheckBoxChecked" Revision="1" Stencil="System.Storyboarding.Common" StencilVersion="0.1"/>
 </Control>
 </file>
 
 <file path=customXml/item131.xml><?xml version="1.0" encoding="utf-8"?>
+<Control xmlns="http://schemas.microsoft.com/VisualStudio/2011/storyboarding/control">
+  <Id Name="System.Storyboarding.Common.DatePicker" Revision="1" Stencil="System.Storyboarding.Common" StencilVersion="0.1"/>
+</Control>
+</file>
+
+<file path=customXml/item132.xml><?xml version="1.0" encoding="utf-8"?>
+<Control xmlns="http://schemas.microsoft.com/VisualStudio/2011/storyboarding/control">
+  <Id Name="System.Storyboarding.Common.List" Revision="1" Stencil="System.Storyboarding.Common" StencilVersion="0.1"/>
+</Control>
+</file>
+
+<file path=customXml/item133.xml><?xml version="1.0" encoding="utf-8"?>
+<Control xmlns="http://schemas.microsoft.com/VisualStudio/2011/storyboarding/control">
+  <Id Name="System.Storyboarding.Icons.TrashCan" Revision="1" Stencil="System.Storyboarding.Icons" StencilVersion="0.1"/>
+</Control>
+</file>
+
+<file path=customXml/item134.xml><?xml version="1.0" encoding="utf-8"?>
 <Control xmlns="http://schemas.microsoft.com/VisualStudio/2011/storyboarding/control">
   <Id Name="System.Storyboarding.Common.Text" Revision="1" Stencil="System.Storyboarding.Common" StencilVersion="0.1"/>
 </Control>
 </file>
 
-<file path=customXml/item132.xml><?xml version="1.0" encoding="utf-8"?>
+<file path=customXml/item135.xml><?xml version="1.0" encoding="utf-8"?>
+<Control xmlns="http://schemas.microsoft.com/VisualStudio/2011/storyboarding/control">
+  <Id Name="System.Storyboarding.Common.Text" Revision="1" Stencil="System.Storyboarding.Common" StencilVersion="0.1"/>
+</Control>
+</file>
+
+<file path=customXml/item136.xml><?xml version="1.0" encoding="utf-8"?>
+<Control xmlns="http://schemas.microsoft.com/VisualStudio/2011/storyboarding/control">
+  <Id Name="System.Storyboarding.Common.NumericStepper" Revision="1" Stencil="System.Storyboarding.Common" StencilVersion="0.1"/>
+</Control>
+</file>
+
+<file path=customXml/item137.xml><?xml version="1.0" encoding="utf-8"?>
+<Control xmlns="http://schemas.microsoft.com/VisualStudio/2011/storyboarding/control">
+  <Id Name="System.Storyboarding.WindowsDesktop.ToolTip" Revision="1" Stencil="System.Storyboarding.WindowsDesktop" StencilVersion="0.1"/>
+</Control>
+</file>
+
+<file path=customXml/item138.xml><?xml version="1.0" encoding="utf-8"?>
+<Control xmlns="http://schemas.microsoft.com/VisualStudio/2011/storyboarding/control">
+  <Id Name="System.Storyboarding.Icons.CurvedArrow" Revision="1" Stencil="System.Storyboarding.Icons" StencilVersion="0.1"/>
+</Control>
+</file>
+
+<file path=customXml/item139.xml><?xml version="1.0" encoding="utf-8"?>
+<Control xmlns="http://schemas.microsoft.com/VisualStudio/2011/storyboarding/control">
+  <Id Name="System.Storyboarding.Icons.Brush" Revision="1" Stencil="System.Storyboarding.Icons" StencilVersion="0.1"/>
+</Control>
+</file>
+
+<file path=customXml/item14.xml><?xml version="1.0" encoding="utf-8"?>
 <Control xmlns="http://schemas.microsoft.com/VisualStudio/2011/storyboarding/control">
   <Id Name="System.Storyboarding.Common.TextInput" Revision="1" Stencil="System.Storyboarding.Common" StencilVersion="0.1"/>
 </Control>
 </file>
 
-<file path=customXml/item133.xml><?xml version="1.0" encoding="utf-8"?>
-<Control xmlns="http://schemas.microsoft.com/VisualStudio/2011/storyboarding/control">
-  <Id Name="System.Storyboarding.Common.List" Revision="1" Stencil="System.Storyboarding.Common" StencilVersion="0.1"/>
-</Control>
-</file>
-
-<file path=customXml/item134.xml><?xml version="1.0" encoding="utf-8"?>
-<Control xmlns="http://schemas.microsoft.com/VisualStudio/2011/storyboarding/control">
-  <Id Name="System.Storyboarding.Common.TextInput" Revision="1" Stencil="System.Storyboarding.Common" StencilVersion="0.1"/>
-</Control>
-</file>
-
-<file path=customXml/item135.xml><?xml version="1.0" encoding="utf-8"?>
-<Control xmlns="http://schemas.microsoft.com/VisualStudio/2011/storyboarding/control">
-  <Id Name="System.Storyboarding.Icons.DownArrow" Revision="1" Stencil="System.Storyboarding.Icons" StencilVersion="0.1"/>
-</Control>
-</file>
-
-<file path=customXml/item136.xml><?xml version="1.0" encoding="utf-8"?>
-<Control xmlns="http://schemas.microsoft.com/VisualStudio/2011/storyboarding/control">
-  <Id Name="System.Storyboarding.Common.TextInput" Revision="1" Stencil="System.Storyboarding.Common" StencilVersion="0.1"/>
-</Control>
-</file>
-
-<file path=customXml/item137.xml><?xml version="1.0" encoding="utf-8"?>
-<Control xmlns="http://schemas.microsoft.com/VisualStudio/2011/storyboarding/control">
-  <Id Name="System.Storyboarding.Common.Text" Revision="1" Stencil="System.Storyboarding.Common" StencilVersion="0.1"/>
-</Control>
-</file>
-
-<file path=customXml/item138.xml><?xml version="1.0" encoding="utf-8"?>
-<Control xmlns="http://schemas.microsoft.com/VisualStudio/2011/storyboarding/control">
-  <Id Name="System.Storyboarding.Common.TabGroup" Revision="1" Stencil="System.Storyboarding.Common" StencilVersion="0.1"/>
-</Control>
-</file>
-
-<file path=customXml/item139.xml><?xml version="1.0" encoding="utf-8"?>
-<Control xmlns="http://schemas.microsoft.com/VisualStudio/2011/storyboarding/control">
-  <Id Name="System.Storyboarding.Icons.User" Revision="1" Stencil="System.Storyboarding.Icons" StencilVersion="0.1"/>
-</Control>
-</file>
-
-<file path=customXml/item14.xml><?xml version="1.0" encoding="utf-8"?>
-<Control xmlns="http://schemas.microsoft.com/VisualStudio/2011/storyboarding/control">
-  <Id Name="System.Storyboarding.Common.CheckBoxChecked" Revision="1" Stencil="System.Storyboarding.Common" StencilVersion="0.1"/>
-</Control>
-</file>
-
 <file path=customXml/item140.xml><?xml version="1.0" encoding="utf-8"?>
 <Control xmlns="http://schemas.microsoft.com/VisualStudio/2011/storyboarding/control">
-  <Id Name="System.Storyboarding.Common.Text" Revision="1" Stencil="System.Storyboarding.Common" StencilVersion="0.1"/>
+  <Id Name="System.Storyboarding.Icons.HandPointer" Revision="1" Stencil="System.Storyboarding.Icons" StencilVersion="0.1"/>
 </Control>
 </file>
 
 <file path=customXml/item141.xml><?xml version="1.0" encoding="utf-8"?>
 <Control xmlns="http://schemas.microsoft.com/VisualStudio/2011/storyboarding/control">
-  <Id Name="System.Storyboarding.Common.Text" Revision="1" Stencil="System.Storyboarding.Common" StencilVersion="0.1"/>
+  <Id Name="System.Storyboarding.Icons.ShoppingCart" Revision="1" Stencil="System.Storyboarding.Icons" StencilVersion="0.1"/>
 </Control>
 </file>
 
 <file path=customXml/item142.xml><?xml version="1.0" encoding="utf-8"?>
 <Control xmlns="http://schemas.microsoft.com/VisualStudio/2011/storyboarding/control">
-  <Id Name="System.Storyboarding.Common.TextInput" Revision="1" Stencil="System.Storyboarding.Common" StencilVersion="0.1"/>
+  <Id Name="System.Storyboarding.Icons.TrashCan" Revision="1" Stencil="System.Storyboarding.Icons" StencilVersion="0.1"/>
 </Control>
 </file>
 
@@ -33500,31 +32917,31 @@
 
 <file path=customXml/item144.xml><?xml version="1.0" encoding="utf-8"?>
 <Control xmlns="http://schemas.microsoft.com/VisualStudio/2011/storyboarding/control">
-  <Id Name="System.Storyboarding.Common.TextInput" Revision="1" Stencil="System.Storyboarding.Common" StencilVersion="0.1"/>
+  <Id Name="System.Storyboarding.Icons.HandPointer" Revision="1" Stencil="System.Storyboarding.Icons" StencilVersion="0.1"/>
 </Control>
 </file>
 
 <file path=customXml/item145.xml><?xml version="1.0" encoding="utf-8"?>
 <Control xmlns="http://schemas.microsoft.com/VisualStudio/2011/storyboarding/control">
-  <Id Name="System.Storyboarding.Common.Text" Revision="1" Stencil="System.Storyboarding.Common" StencilVersion="0.1"/>
+  <Id Name="System.Storyboarding.Icons.HandPointer" Revision="1" Stencil="System.Storyboarding.Icons" StencilVersion="0.1"/>
 </Control>
 </file>
 
 <file path=customXml/item146.xml><?xml version="1.0" encoding="utf-8"?>
 <Control xmlns="http://schemas.microsoft.com/VisualStudio/2011/storyboarding/control">
-  <Id Name="System.Storyboarding.Common.TextInput" Revision="1" Stencil="System.Storyboarding.Common" StencilVersion="0.1"/>
+  <Id Name="System.Storyboarding.WindowsDesktop.ToolTip" Revision="1" Stencil="System.Storyboarding.WindowsDesktop" StencilVersion="0.1"/>
 </Control>
 </file>
 
 <file path=customXml/item147.xml><?xml version="1.0" encoding="utf-8"?>
 <Control xmlns="http://schemas.microsoft.com/VisualStudio/2011/storyboarding/control">
-  <Id Name="System.Storyboarding.Common.Text" Revision="1" Stencil="System.Storyboarding.Common" StencilVersion="0.1"/>
+  <Id Name="System.Storyboarding.Common.Button" Revision="1" Stencil="System.Storyboarding.Common" StencilVersion="0.1"/>
 </Control>
 </file>
 
 <file path=customXml/item148.xml><?xml version="1.0" encoding="utf-8"?>
 <Control xmlns="http://schemas.microsoft.com/VisualStudio/2011/storyboarding/control">
-  <Id Name="System.Storyboarding.Icons.SpeechBubble" Revision="1" Stencil="System.Storyboarding.Icons" StencilVersion="0.1"/>
+  <Id Name="System.Storyboarding.Common.TextInput" Revision="1" Stencil="System.Storyboarding.Common" StencilVersion="0.1"/>
 </Control>
 </file>
 
@@ -33536,37 +32953,37 @@
 
 <file path=customXml/item15.xml><?xml version="1.0" encoding="utf-8"?>
 <Control xmlns="http://schemas.microsoft.com/VisualStudio/2011/storyboarding/control">
-  <Id Name="System.Storyboarding.Common.TextInput" Revision="1" Stencil="System.Storyboarding.Common" StencilVersion="0.1"/>
+  <Id Name="System.Storyboarding.Common.Text" Revision="1" Stencil="System.Storyboarding.Common" StencilVersion="0.1"/>
 </Control>
 </file>
 
 <file path=customXml/item150.xml><?xml version="1.0" encoding="utf-8"?>
+<Control xmlns="http://schemas.microsoft.com/VisualStudio/2011/storyboarding/control">
+  <Id Name="System.Storyboarding.Icons.DownArrow" Revision="1" Stencil="System.Storyboarding.Icons" StencilVersion="0.1"/>
+</Control>
+</file>
+
+<file path=customXml/item151.xml><?xml version="1.0" encoding="utf-8"?>
 <Control xmlns="http://schemas.microsoft.com/VisualStudio/2011/storyboarding/control">
   <Id Name="System.Storyboarding.Common.Text" Revision="1" Stencil="System.Storyboarding.Common" StencilVersion="0.1"/>
 </Control>
 </file>
 
-<file path=customXml/item151.xml><?xml version="1.0" encoding="utf-8"?>
+<file path=customXml/item152.xml><?xml version="1.0" encoding="utf-8"?>
 <Control xmlns="http://schemas.microsoft.com/VisualStudio/2011/storyboarding/control">
   <Id Name="System.Storyboarding.Common.TextInput" Revision="1" Stencil="System.Storyboarding.Common" StencilVersion="0.1"/>
 </Control>
 </file>
 
-<file path=customXml/item152.xml><?xml version="1.0" encoding="utf-8"?>
+<file path=customXml/item153.xml><?xml version="1.0" encoding="utf-8"?>
+<Control xmlns="http://schemas.microsoft.com/VisualStudio/2011/storyboarding/control">
+  <Id Name="System.Storyboarding.Common.DatePicker" Revision="1" Stencil="System.Storyboarding.Common" StencilVersion="0.1"/>
+</Control>
+</file>
+
+<file path=customXml/item154.xml><?xml version="1.0" encoding="utf-8"?>
 <Control xmlns="http://schemas.microsoft.com/VisualStudio/2011/storyboarding/control">
   <Id Name="System.Storyboarding.Common.Text" Revision="1" Stencil="System.Storyboarding.Common" StencilVersion="0.1"/>
-</Control>
-</file>
-
-<file path=customXml/item153.xml><?xml version="1.0" encoding="utf-8"?>
-<Control xmlns="http://schemas.microsoft.com/VisualStudio/2011/storyboarding/control">
-  <Id Name="System.Storyboarding.Icons.DownArrow" Revision="1" Stencil="System.Storyboarding.Icons" StencilVersion="0.1"/>
-</Control>
-</file>
-
-<file path=customXml/item154.xml><?xml version="1.0" encoding="utf-8"?>
-<Control xmlns="http://schemas.microsoft.com/VisualStudio/2011/storyboarding/control">
-  <Id Name="System.Storyboarding.Icons.TrashCan" Revision="1" Stencil="System.Storyboarding.Icons" StencilVersion="0.1"/>
 </Control>
 </file>
 
@@ -33578,7 +32995,7 @@
 
 <file path=customXml/item156.xml><?xml version="1.0" encoding="utf-8"?>
 <Control xmlns="http://schemas.microsoft.com/VisualStudio/2011/storyboarding/control">
-  <Id Name="System.Storyboarding.Common.DropdownBox" Revision="1" Stencil="System.Storyboarding.Common" StencilVersion="0.1"/>
+  <Id Name="System.Storyboarding.Common.TextInput" Revision="1" Stencil="System.Storyboarding.Common" StencilVersion="0.1"/>
 </Control>
 </file>
 
@@ -33590,13 +33007,13 @@
 
 <file path=customXml/item158.xml><?xml version="1.0" encoding="utf-8"?>
 <Control xmlns="http://schemas.microsoft.com/VisualStudio/2011/storyboarding/control">
-  <Id Name="System.Storyboarding.Common.NumericStepper" Revision="1" Stencil="System.Storyboarding.Common" StencilVersion="0.1"/>
+  <Id Name="System.Storyboarding.Common.TextArea" Revision="1" Stencil="System.Storyboarding.Common" StencilVersion="0.1"/>
 </Control>
 </file>
 
 <file path=customXml/item159.xml><?xml version="1.0" encoding="utf-8"?>
 <Control xmlns="http://schemas.microsoft.com/VisualStudio/2011/storyboarding/control">
-  <Id Name="System.Storyboarding.Common.Text" Revision="1" Stencil="System.Storyboarding.Common" StencilVersion="0.1"/>
+  <Id Name="System.Storyboarding.Icons.Brush" Revision="1" Stencil="System.Storyboarding.Icons" StencilVersion="0.1"/>
 </Control>
 </file>
 
@@ -33608,25 +33025,25 @@
 
 <file path=customXml/item160.xml><?xml version="1.0" encoding="utf-8"?>
 <Control xmlns="http://schemas.microsoft.com/VisualStudio/2011/storyboarding/control">
-  <Id Name="System.Storyboarding.Common.TextInput" Revision="1" Stencil="System.Storyboarding.Common" StencilVersion="0.1"/>
+  <Id Name="System.Storyboarding.Icons.TrashCan" Revision="1" Stencil="System.Storyboarding.Icons" StencilVersion="0.1"/>
 </Control>
 </file>
 
 <file path=customXml/item161.xml><?xml version="1.0" encoding="utf-8"?>
 <Control xmlns="http://schemas.microsoft.com/VisualStudio/2011/storyboarding/control">
-  <Id Name="System.Storyboarding.Common.Button" Revision="1" Stencil="System.Storyboarding.Common" StencilVersion="0.1"/>
+  <Id Name="System.Storyboarding.Icons.HandPointer" Revision="1" Stencil="System.Storyboarding.Icons" StencilVersion="0.1"/>
 </Control>
 </file>
 
 <file path=customXml/item162.xml><?xml version="1.0" encoding="utf-8"?>
 <Control xmlns="http://schemas.microsoft.com/VisualStudio/2011/storyboarding/control">
-  <Id Name="System.Storyboarding.Icons.ShoppingCart" Revision="1" Stencil="System.Storyboarding.Icons" StencilVersion="0.1"/>
+  <Id Name="System.Storyboarding.Common.Hyperlink" Revision="1" Stencil="System.Storyboarding.Common" StencilVersion="0.1"/>
 </Control>
 </file>
 
 <file path=customXml/item163.xml><?xml version="1.0" encoding="utf-8"?>
 <Control xmlns="http://schemas.microsoft.com/VisualStudio/2011/storyboarding/control">
-  <Id Name="System.Storyboarding.WindowsDesktop.ToolTip" Revision="1" Stencil="System.Storyboarding.WindowsDesktop" StencilVersion="0.1"/>
+  <Id Name="System.Storyboarding.Icons.ShoppingCart" Revision="1" Stencil="System.Storyboarding.Icons" StencilVersion="0.1"/>
 </Control>
 </file>
 
@@ -33638,7 +33055,7 @@
 
 <file path=customXml/item165.xml><?xml version="1.0" encoding="utf-8"?>
 <Control xmlns="http://schemas.microsoft.com/VisualStudio/2011/storyboarding/control">
-  <Id Name="System.Storyboarding.Icons.HandPointer" Revision="1" Stencil="System.Storyboarding.Icons" StencilVersion="0.1"/>
+  <Id Name="System.Storyboarding.Common.Text" Revision="1" Stencil="System.Storyboarding.Common" StencilVersion="0.1"/>
 </Control>
 </file>
 
@@ -33650,67 +33067,67 @@
 
 <file path=customXml/item167.xml><?xml version="1.0" encoding="utf-8"?>
 <Control xmlns="http://schemas.microsoft.com/VisualStudio/2011/storyboarding/control">
-  <Id Name="System.Storyboarding.Icons.DownArrow" Revision="1" Stencil="System.Storyboarding.Icons" StencilVersion="0.1"/>
+  <Id Name="System.Storyboarding.Icons.HandPointer" Revision="1" Stencil="System.Storyboarding.Icons" StencilVersion="0.1"/>
 </Control>
 </file>
 
 <file path=customXml/item168.xml><?xml version="1.0" encoding="utf-8"?>
 <Control xmlns="http://schemas.microsoft.com/VisualStudio/2011/storyboarding/control">
-  <Id Name="System.Storyboarding.Icons.CurvedArrow" Revision="1" Stencil="System.Storyboarding.Icons" StencilVersion="0.1"/>
+  <Id Name="System.Storyboarding.Common.Text" Revision="1" Stencil="System.Storyboarding.Common" StencilVersion="0.1"/>
 </Control>
 </file>
 
 <file path=customXml/item169.xml><?xml version="1.0" encoding="utf-8"?>
 <Control xmlns="http://schemas.microsoft.com/VisualStudio/2011/storyboarding/control">
-  <Id Name="System.Storyboarding.Icons.CurvedArrow" Revision="1" Stencil="System.Storyboarding.Icons" StencilVersion="0.1"/>
+  <Id Name="System.Storyboarding.Common.TextArea" Revision="1" Stencil="System.Storyboarding.Common" StencilVersion="0.1"/>
 </Control>
 </file>
 
 <file path=customXml/item17.xml><?xml version="1.0" encoding="utf-8"?>
 <Control xmlns="http://schemas.microsoft.com/VisualStudio/2011/storyboarding/control">
-  <Id Name="System.Storyboarding.Icons.Brush" Revision="1" Stencil="System.Storyboarding.Icons" StencilVersion="0.1"/>
+  <Id Name="System.Storyboarding.Icons.HandPointer" Revision="1" Stencil="System.Storyboarding.Icons" StencilVersion="0.1"/>
 </Control>
 </file>
 
 <file path=customXml/item170.xml><?xml version="1.0" encoding="utf-8"?>
 <Control xmlns="http://schemas.microsoft.com/VisualStudio/2011/storyboarding/control">
-  <Id Name="System.Storyboarding.Icons.CurvedArrow" Revision="1" Stencil="System.Storyboarding.Icons" StencilVersion="0.1"/>
+  <Id Name="System.Storyboarding.Common.Hyperlink" Revision="1" Stencil="System.Storyboarding.Common" StencilVersion="0.1"/>
 </Control>
 </file>
 
 <file path=customXml/item171.xml><?xml version="1.0" encoding="utf-8"?>
 <Control xmlns="http://schemas.microsoft.com/VisualStudio/2011/storyboarding/control">
-  <Id Name="System.Storyboarding.Icons.CurvedArrow" Revision="1" Stencil="System.Storyboarding.Icons" StencilVersion="0.1"/>
+  <Id Name="System.Storyboarding.Icons.CheckCircle" Revision="1" Stencil="System.Storyboarding.Icons" StencilVersion="0.1"/>
 </Control>
 </file>
 
 <file path=customXml/item172.xml><?xml version="1.0" encoding="utf-8"?>
-<Control xmlns="http://schemas.microsoft.com/VisualStudio/2011/storyboarding/control">
-  <Id Name="System.Storyboarding.Icons.CurvedArrow" Revision="1" Stencil="System.Storyboarding.Icons" StencilVersion="0.1"/>
-</Control>
-</file>
-
-<file path=customXml/item173.xml><?xml version="1.0" encoding="utf-8"?>
 <Control xmlns="http://schemas.microsoft.com/VisualStudio/2011/storyboarding/control">
   <Id Name="System.Storyboarding.Common.TabGroup" Revision="1" Stencil="System.Storyboarding.Common" StencilVersion="0.1"/>
 </Control>
 </file>
 
+<file path=customXml/item173.xml><?xml version="1.0" encoding="utf-8"?>
+<Control xmlns="http://schemas.microsoft.com/VisualStudio/2011/storyboarding/control">
+  <Id Name="System.Storyboarding.Icons.TrashCan" Revision="1" Stencil="System.Storyboarding.Icons" StencilVersion="0.1"/>
+</Control>
+</file>
+
 <file path=customXml/item174.xml><?xml version="1.0" encoding="utf-8"?>
 <Control xmlns="http://schemas.microsoft.com/VisualStudio/2011/storyboarding/control">
-  <Id Name="System.Storyboarding.Icons.User" Revision="1" Stencil="System.Storyboarding.Icons" StencilVersion="0.1"/>
+  <Id Name="System.Storyboarding.Icons.HandPointer" Revision="1" Stencil="System.Storyboarding.Icons" StencilVersion="0.1"/>
 </Control>
 </file>
 
 <file path=customXml/item175.xml><?xml version="1.0" encoding="utf-8"?>
 <Control xmlns="http://schemas.microsoft.com/VisualStudio/2011/storyboarding/control">
-  <Id Name="System.Storyboarding.Common.Text" Revision="1" Stencil="System.Storyboarding.Common" StencilVersion="0.1"/>
+  <Id Name="System.Storyboarding.Icons.DownArrow" Revision="1" Stencil="System.Storyboarding.Icons" StencilVersion="0.1"/>
 </Control>
 </file>
 
 <file path=customXml/item176.xml><?xml version="1.0" encoding="utf-8"?>
 <Control xmlns="http://schemas.microsoft.com/VisualStudio/2011/storyboarding/control">
-  <Id Name="System.Storyboarding.Common.Text" Revision="1" Stencil="System.Storyboarding.Common" StencilVersion="0.1"/>
+  <Id Name="System.Storyboarding.Common.DropdownBox" Revision="1" Stencil="System.Storyboarding.Common" StencilVersion="0.1"/>
 </Control>
 </file>
 
@@ -33722,13 +33139,13 @@
 
 <file path=customXml/item178.xml><?xml version="1.0" encoding="utf-8"?>
 <Control xmlns="http://schemas.microsoft.com/VisualStudio/2011/storyboarding/control">
-  <Id Name="System.Storyboarding.Common.TextInput" Revision="1" Stencil="System.Storyboarding.Common" StencilVersion="0.1"/>
+  <Id Name="System.Storyboarding.Common.RadioButtonUnselected" Revision="1" Stencil="System.Storyboarding.Common" StencilVersion="0.1"/>
 </Control>
 </file>
 
 <file path=customXml/item179.xml><?xml version="1.0" encoding="utf-8"?>
 <Control xmlns="http://schemas.microsoft.com/VisualStudio/2011/storyboarding/control">
-  <Id Name="System.Storyboarding.Common.TextInput" Revision="1" Stencil="System.Storyboarding.Common" StencilVersion="0.1"/>
+  <Id Name="System.Storyboarding.Common.TextArea" Revision="1" Stencil="System.Storyboarding.Common" StencilVersion="0.1"/>
 </Control>
 </file>
 
@@ -33740,49 +33157,49 @@
 
 <file path=customXml/item180.xml><?xml version="1.0" encoding="utf-8"?>
 <Control xmlns="http://schemas.microsoft.com/VisualStudio/2011/storyboarding/control">
+  <Id Name="System.Storyboarding.Common.DropdownBox" Revision="1" Stencil="System.Storyboarding.Common" StencilVersion="0.1"/>
+</Control>
+</file>
+
+<file path=customXml/item181.xml><?xml version="1.0" encoding="utf-8"?>
+<Control xmlns="http://schemas.microsoft.com/VisualStudio/2011/storyboarding/control">
   <Id Name="System.Storyboarding.Common.Text" Revision="1" Stencil="System.Storyboarding.Common" StencilVersion="0.1"/>
 </Control>
 </file>
 
-<file path=customXml/item181.xml><?xml version="1.0" encoding="utf-8"?>
+<file path=customXml/item182.xml><?xml version="1.0" encoding="utf-8"?>
+<Control xmlns="http://schemas.microsoft.com/VisualStudio/2011/storyboarding/control">
+  <Id Name="System.Storyboarding.Icons.ShoppingCart" Revision="1" Stencil="System.Storyboarding.Icons" StencilVersion="0.1"/>
+</Control>
+</file>
+
+<file path=customXml/item183.xml><?xml version="1.0" encoding="utf-8"?>
 <Control xmlns="http://schemas.microsoft.com/VisualStudio/2011/storyboarding/control">
   <Id Name="System.Storyboarding.Common.TextInput" Revision="1" Stencil="System.Storyboarding.Common" StencilVersion="0.1"/>
 </Control>
 </file>
 
-<file path=customXml/item182.xml><?xml version="1.0" encoding="utf-8"?>
+<file path=customXml/item184.xml><?xml version="1.0" encoding="utf-8"?>
 <Control xmlns="http://schemas.microsoft.com/VisualStudio/2011/storyboarding/control">
   <Id Name="System.Storyboarding.Common.Text" Revision="1" Stencil="System.Storyboarding.Common" StencilVersion="0.1"/>
 </Control>
 </file>
 
-<file path=customXml/item183.xml><?xml version="1.0" encoding="utf-8"?>
-<Control xmlns="http://schemas.microsoft.com/VisualStudio/2011/storyboarding/control">
-  <Id Name="System.Storyboarding.Common.Text" Revision="1" Stencil="System.Storyboarding.Common" StencilVersion="0.1"/>
-</Control>
-</file>
-
-<file path=customXml/item184.xml><?xml version="1.0" encoding="utf-8"?>
+<file path=customXml/item185.xml><?xml version="1.0" encoding="utf-8"?>
 <Control xmlns="http://schemas.microsoft.com/VisualStudio/2011/storyboarding/control">
   <Id Name="System.Storyboarding.Common.TextInput" Revision="1" Stencil="System.Storyboarding.Common" StencilVersion="0.1"/>
 </Control>
 </file>
 
-<file path=customXml/item185.xml><?xml version="1.0" encoding="utf-8"?>
-<Control xmlns="http://schemas.microsoft.com/VisualStudio/2011/storyboarding/control">
-  <Id Name="System.Storyboarding.Icons.SpeechBubble" Revision="1" Stencil="System.Storyboarding.Icons" StencilVersion="0.1"/>
-</Control>
-</file>
-
 <file path=customXml/item186.xml><?xml version="1.0" encoding="utf-8"?>
 <Control xmlns="http://schemas.microsoft.com/VisualStudio/2011/storyboarding/control">
-  <Id Name="System.Storyboarding.WindowsDesktop.ToolTip" Revision="1" Stencil="System.Storyboarding.WindowsDesktop" StencilVersion="0.1"/>
+  <Id Name="System.Storyboarding.Common.TextInput" Revision="1" Stencil="System.Storyboarding.Common" StencilVersion="0.1"/>
 </Control>
 </file>
 
 <file path=customXml/item187.xml><?xml version="1.0" encoding="utf-8"?>
 <Control xmlns="http://schemas.microsoft.com/VisualStudio/2011/storyboarding/control">
-  <Id Name="System.Storyboarding.Icons.HandPointer" Revision="1" Stencil="System.Storyboarding.Icons" StencilVersion="0.1"/>
+  <Id Name="System.Storyboarding.Icons.DownArrow" Revision="1" Stencil="System.Storyboarding.Icons" StencilVersion="0.1"/>
 </Control>
 </file>
 
@@ -33794,7 +33211,7 @@
 
 <file path=customXml/item189.xml><?xml version="1.0" encoding="utf-8"?>
 <Control xmlns="http://schemas.microsoft.com/VisualStudio/2011/storyboarding/control">
-  <Id Name="System.Storyboarding.WindowsDesktop.ToolTip" Revision="1" Stencil="System.Storyboarding.WindowsDesktop" StencilVersion="0.1"/>
+  <Id Name="System.Storyboarding.Icons.HandPointer" Revision="1" Stencil="System.Storyboarding.Icons" StencilVersion="0.1"/>
 </Control>
 </file>
 
@@ -33806,85 +33223,85 @@
 
 <file path=customXml/item190.xml><?xml version="1.0" encoding="utf-8"?>
 <Control xmlns="http://schemas.microsoft.com/VisualStudio/2011/storyboarding/control">
-  <Id Name="System.Storyboarding.Icons.HandPointer" Revision="1" Stencil="System.Storyboarding.Icons" StencilVersion="0.1"/>
+  <Id Name="System.Storyboarding.Common.Text" Revision="1" Stencil="System.Storyboarding.Common" StencilVersion="0.1"/>
 </Control>
 </file>
 
 <file path=customXml/item191.xml><?xml version="1.0" encoding="utf-8"?>
+<Control xmlns="http://schemas.microsoft.com/VisualStudio/2011/storyboarding/control">
+  <Id Name="System.Storyboarding.Common.Button" Revision="1" Stencil="System.Storyboarding.Common" StencilVersion="0.1"/>
+</Control>
+</file>
+
+<file path=customXml/item192.xml><?xml version="1.0" encoding="utf-8"?>
+<Control xmlns="http://schemas.microsoft.com/VisualStudio/2011/storyboarding/control">
+  <Id Name="System.Storyboarding.Common.Text" Revision="1" Stencil="System.Storyboarding.Common" StencilVersion="0.1"/>
+</Control>
+</file>
+
+<file path=customXml/item193.xml><?xml version="1.0" encoding="utf-8"?>
+<Control xmlns="http://schemas.microsoft.com/VisualStudio/2011/storyboarding/control">
+  <Id Name="System.Storyboarding.Common.Button" Revision="1" Stencil="System.Storyboarding.Common" StencilVersion="0.1"/>
+</Control>
+</file>
+
+<file path=customXml/item194.xml><?xml version="1.0" encoding="utf-8"?>
+<Control xmlns="http://schemas.microsoft.com/VisualStudio/2011/storyboarding/control">
+  <Id Name="System.Storyboarding.Icons.Star" Revision="1" Stencil="System.Storyboarding.Icons" StencilVersion="0.1"/>
+</Control>
+</file>
+
+<file path=customXml/item195.xml><?xml version="1.0" encoding="utf-8"?>
+<Control xmlns="http://schemas.microsoft.com/VisualStudio/2011/storyboarding/control">
+  <Id Name="System.Storyboarding.Common.NumericStepper" Revision="1" Stencil="System.Storyboarding.Common" StencilVersion="0.1"/>
+</Control>
+</file>
+
+<file path=customXml/item196.xml><?xml version="1.0" encoding="utf-8"?>
+<Control xmlns="http://schemas.microsoft.com/VisualStudio/2011/storyboarding/control">
+  <Id Name="System.Storyboarding.Common.TextInput" Revision="1" Stencil="System.Storyboarding.Common" StencilVersion="0.1"/>
+</Control>
+</file>
+
+<file path=customXml/item197.xml><?xml version="1.0" encoding="utf-8"?>
+<Control xmlns="http://schemas.microsoft.com/VisualStudio/2011/storyboarding/control">
+  <Id Name="System.Storyboarding.Common.Text" Revision="1" Stencil="System.Storyboarding.Common" StencilVersion="0.1"/>
+</Control>
+</file>
+
+<file path=customXml/item198.xml><?xml version="1.0" encoding="utf-8"?>
+<Control xmlns="http://schemas.microsoft.com/VisualStudio/2011/storyboarding/control">
+  <Id Name="System.Storyboarding.Common.TextInput" Revision="1" Stencil="System.Storyboarding.Common" StencilVersion="0.1"/>
+</Control>
+</file>
+
+<file path=customXml/item199.xml><?xml version="1.0" encoding="utf-8"?>
 <Control xmlns="http://schemas.microsoft.com/VisualStudio/2011/storyboarding/control">
   <Id Name="System.Storyboarding.Icons.HandPointer" Revision="1" Stencil="System.Storyboarding.Icons" StencilVersion="0.1"/>
 </Control>
 </file>
 
-<file path=customXml/item192.xml><?xml version="1.0" encoding="utf-8"?>
+<file path=customXml/item2.xml><?xml version="1.0" encoding="utf-8"?>
 <Control xmlns="http://schemas.microsoft.com/VisualStudio/2011/storyboarding/control">
-  <Id Name="System.Storyboarding.WindowsDesktop.ToolTip" Revision="1" Stencil="System.Storyboarding.WindowsDesktop" StencilVersion="0.1"/>
+  <Id Name="System.Storyboarding.Icons.SpeechBubble" Revision="1" Stencil="System.Storyboarding.Icons" StencilVersion="0.1"/>
 </Control>
 </file>
 
-<file path=customXml/item193.xml><?xml version="1.0" encoding="utf-8"?>
-<Control xmlns="http://schemas.microsoft.com/VisualStudio/2011/storyboarding/control">
-  <Id Name="System.Storyboarding.Common.Text" Revision="1" Stencil="System.Storyboarding.Common" StencilVersion="0.1"/>
-</Control>
-</file>
-
-<file path=customXml/item194.xml><?xml version="1.0" encoding="utf-8"?>
+<file path=customXml/item20.xml><?xml version="1.0" encoding="utf-8"?>
 <Control xmlns="http://schemas.microsoft.com/VisualStudio/2011/storyboarding/control">
   <Id Name="System.Storyboarding.Common.TextInput" Revision="1" Stencil="System.Storyboarding.Common" StencilVersion="0.1"/>
 </Control>
 </file>
 
-<file path=customXml/item195.xml><?xml version="1.0" encoding="utf-8"?>
+<file path=customXml/item200.xml><?xml version="1.0" encoding="utf-8"?>
 <Control xmlns="http://schemas.microsoft.com/VisualStudio/2011/storyboarding/control">
-  <Id Name="System.Storyboarding.Icons.ShoppingCart" Revision="1" Stencil="System.Storyboarding.Icons" StencilVersion="0.1"/>
+  <Id Name="System.Storyboarding.Icons.Brush" Revision="1" Stencil="System.Storyboarding.Icons" StencilVersion="0.1"/>
 </Control>
 </file>
 
-<file path=customXml/item196.xml><?xml version="1.0" encoding="utf-8"?>
-<Control xmlns="http://schemas.microsoft.com/VisualStudio/2011/storyboarding/control">
-  <Id Name="System.Storyboarding.Common.Text" Revision="1" Stencil="System.Storyboarding.Common" StencilVersion="0.1"/>
-</Control>
-</file>
-
-<file path=customXml/item197.xml><?xml version="1.0" encoding="utf-8"?>
-<Control xmlns="http://schemas.microsoft.com/VisualStudio/2011/storyboarding/control">
-  <Id Name="System.Storyboarding.Common.TextInput" Revision="1" Stencil="System.Storyboarding.Common" StencilVersion="0.1"/>
-</Control>
-</file>
-
-<file path=customXml/item198.xml><?xml version="1.0" encoding="utf-8"?>
-<Control xmlns="http://schemas.microsoft.com/VisualStudio/2011/storyboarding/control">
-  <Id Name="System.Storyboarding.Common.RadioButtonUnselected" Revision="1" Stencil="System.Storyboarding.Common" StencilVersion="0.1"/>
-</Control>
-</file>
-
-<file path=customXml/item199.xml><?xml version="1.0" encoding="utf-8"?>
+<file path=customXml/item201.xml><?xml version="1.0" encoding="utf-8"?>
 <Control xmlns="http://schemas.microsoft.com/VisualStudio/2011/storyboarding/control">
   <Id Name="System.Storyboarding.Common.RadioButtonSelected" Revision="1" Stencil="System.Storyboarding.Common" StencilVersion="0.1"/>
-</Control>
-</file>
-
-<file path=customXml/item2.xml><?xml version="1.0" encoding="utf-8"?>
-<Control xmlns="http://schemas.microsoft.com/VisualStudio/2011/storyboarding/control">
-  <Id Name="System.Storyboarding.Common.Text" Revision="1" Stencil="System.Storyboarding.Common" StencilVersion="0.1"/>
-</Control>
-</file>
-
-<file path=customXml/item20.xml><?xml version="1.0" encoding="utf-8"?>
-<Control xmlns="http://schemas.microsoft.com/VisualStudio/2011/storyboarding/control">
-  <Id Name="System.Storyboarding.Icons.Envelope" Revision="1" Stencil="System.Storyboarding.Icons" StencilVersion="0.1"/>
-</Control>
-</file>
-
-<file path=customXml/item200.xml><?xml version="1.0" encoding="utf-8"?>
-<Control xmlns="http://schemas.microsoft.com/VisualStudio/2011/storyboarding/control">
-  <Id Name="System.Storyboarding.Common.NumericStepper" Revision="1" Stencil="System.Storyboarding.Common" StencilVersion="0.1"/>
-</Control>
-</file>
-
-<file path=customXml/item201.xml><?xml version="1.0" encoding="utf-8"?>
-<Control xmlns="http://schemas.microsoft.com/VisualStudio/2011/storyboarding/control">
-  <Id Name="System.Storyboarding.Common.Text" Revision="1" Stencil="System.Storyboarding.Common" StencilVersion="0.1"/>
 </Control>
 </file>
 
@@ -33896,49 +33313,49 @@
 
 <file path=customXml/item203.xml><?xml version="1.0" encoding="utf-8"?>
 <Control xmlns="http://schemas.microsoft.com/VisualStudio/2011/storyboarding/control">
-  <Id Name="System.Storyboarding.Common.TextArea" Revision="1" Stencil="System.Storyboarding.Common" StencilVersion="0.1"/>
+  <Id Name="System.Storyboarding.Common.TextInput" Revision="1" Stencil="System.Storyboarding.Common" StencilVersion="0.1"/>
 </Control>
 </file>
 
 <file path=customXml/item204.xml><?xml version="1.0" encoding="utf-8"?>
+<Control xmlns="http://schemas.microsoft.com/VisualStudio/2011/storyboarding/control">
+  <Id Name="System.Storyboarding.Common.Text" Revision="1" Stencil="System.Storyboarding.Common" StencilVersion="0.1"/>
+</Control>
+</file>
+
+<file path=customXml/item205.xml><?xml version="1.0" encoding="utf-8"?>
+<Control xmlns="http://schemas.microsoft.com/VisualStudio/2011/storyboarding/control">
+  <Id Name="System.Storyboarding.Common.Text" Revision="1" Stencil="System.Storyboarding.Common" StencilVersion="0.1"/>
+</Control>
+</file>
+
+<file path=customXml/item206.xml><?xml version="1.0" encoding="utf-8"?>
+<Control xmlns="http://schemas.microsoft.com/VisualStudio/2011/storyboarding/control">
+  <Id Name="System.Storyboarding.Icons.CheckCircle" Revision="1" Stencil="System.Storyboarding.Icons" StencilVersion="0.1"/>
+</Control>
+</file>
+
+<file path=customXml/item207.xml><?xml version="1.0" encoding="utf-8"?>
 <Control xmlns="http://schemas.microsoft.com/VisualStudio/2011/storyboarding/control">
   <Id Name="System.Storyboarding.Common.Button" Revision="1" Stencil="System.Storyboarding.Common" StencilVersion="0.1"/>
 </Control>
 </file>
 
-<file path=customXml/item205.xml><?xml version="1.0" encoding="utf-8"?>
-<Control xmlns="http://schemas.microsoft.com/VisualStudio/2011/storyboarding/control">
-  <Id Name="System.Storyboarding.Common.Button" Revision="1" Stencil="System.Storyboarding.Common" StencilVersion="0.1"/>
-</Control>
-</file>
-
-<file path=customXml/item206.xml><?xml version="1.0" encoding="utf-8"?>
+<file path=customXml/item208.xml><?xml version="1.0" encoding="utf-8"?>
 <Control xmlns="http://schemas.microsoft.com/VisualStudio/2011/storyboarding/control">
   <Id Name="System.Storyboarding.Common.Text" Revision="1" Stencil="System.Storyboarding.Common" StencilVersion="0.1"/>
 </Control>
 </file>
 
-<file path=customXml/item207.xml><?xml version="1.0" encoding="utf-8"?>
-<Control xmlns="http://schemas.microsoft.com/VisualStudio/2011/storyboarding/control">
-  <Id Name="System.Storyboarding.Common.Text" Revision="1" Stencil="System.Storyboarding.Common" StencilVersion="0.1"/>
-</Control>
-</file>
-
-<file path=customXml/item208.xml><?xml version="1.0" encoding="utf-8"?>
-<Control xmlns="http://schemas.microsoft.com/VisualStudio/2011/storyboarding/control">
-  <Id Name="System.Storyboarding.Common.TextInput" Revision="1" Stencil="System.Storyboarding.Common" StencilVersion="0.1"/>
-</Control>
-</file>
-
 <file path=customXml/item209.xml><?xml version="1.0" encoding="utf-8"?>
 <Control xmlns="http://schemas.microsoft.com/VisualStudio/2011/storyboarding/control">
-  <Id Name="System.Storyboarding.Common.TextInput" Revision="1" Stencil="System.Storyboarding.Common" StencilVersion="0.1"/>
+  <Id Name="System.Storyboarding.Icons.CurvedArrow" Revision="1" Stencil="System.Storyboarding.Icons" StencilVersion="0.1"/>
 </Control>
 </file>
 
 <file path=customXml/item21.xml><?xml version="1.0" encoding="utf-8"?>
 <Control xmlns="http://schemas.microsoft.com/VisualStudio/2011/storyboarding/control">
-  <Id Name="System.Storyboarding.Icons.CurvedArrow" Revision="1" Stencil="System.Storyboarding.Icons" StencilVersion="0.1"/>
+  <Id Name="System.Storyboarding.Icons.DownArrow" Revision="1" Stencil="System.Storyboarding.Icons" StencilVersion="0.1"/>
 </Control>
 </file>
 
@@ -33950,19 +33367,19 @@
 
 <file path=customXml/item211.xml><?xml version="1.0" encoding="utf-8"?>
 <Control xmlns="http://schemas.microsoft.com/VisualStudio/2011/storyboarding/control">
-  <Id Name="System.Storyboarding.Common.Button" Revision="1" Stencil="System.Storyboarding.Common" StencilVersion="0.1"/>
+  <Id Name="System.Storyboarding.Icons.HandPointer" Revision="1" Stencil="System.Storyboarding.Icons" StencilVersion="0.1"/>
 </Control>
 </file>
 
 <file path=customXml/item212.xml><?xml version="1.0" encoding="utf-8"?>
 <Control xmlns="http://schemas.microsoft.com/VisualStudio/2011/storyboarding/control">
-  <Id Name="System.Storyboarding.Common.TextArea" Revision="1" Stencil="System.Storyboarding.Common" StencilVersion="0.1"/>
+  <Id Name="System.Storyboarding.Icons.CurvedArrow" Revision="1" Stencil="System.Storyboarding.Icons" StencilVersion="0.1"/>
 </Control>
 </file>
 
 <file path=customXml/item213.xml><?xml version="1.0" encoding="utf-8"?>
 <Control xmlns="http://schemas.microsoft.com/VisualStudio/2011/storyboarding/control">
-  <Id Name="System.Storyboarding.Common.Button" Revision="1" Stencil="System.Storyboarding.Common" StencilVersion="0.1"/>
+  <Id Name="System.Storyboarding.WindowsDesktop.ToolTip" Revision="1" Stencil="System.Storyboarding.WindowsDesktop" StencilVersion="0.1"/>
 </Control>
 </file>
 
@@ -33974,31 +33391,31 @@
 
 <file path=customXml/item215.xml><?xml version="1.0" encoding="utf-8"?>
 <Control xmlns="http://schemas.microsoft.com/VisualStudio/2011/storyboarding/control">
-  <Id Name="System.Storyboarding.Common.LinkBar" Revision="1" Stencil="System.Storyboarding.Common" StencilVersion="0.1"/>
+  <Id Name="System.Storyboarding.Common.Text" Revision="1" Stencil="System.Storyboarding.Common" StencilVersion="0.1"/>
 </Control>
 </file>
 
 <file path=customXml/item216.xml><?xml version="1.0" encoding="utf-8"?>
 <Control xmlns="http://schemas.microsoft.com/VisualStudio/2011/storyboarding/control">
-  <Id Name="System.Storyboarding.Icons.DownArrow" Revision="1" Stencil="System.Storyboarding.Icons" StencilVersion="0.1"/>
+  <Id Name="System.Storyboarding.Common.Text" Revision="1" Stencil="System.Storyboarding.Common" StencilVersion="0.1"/>
 </Control>
 </file>
 
 <file path=customXml/item217.xml><?xml version="1.0" encoding="utf-8"?>
 <Control xmlns="http://schemas.microsoft.com/VisualStudio/2011/storyboarding/control">
-  <Id Name="System.Storyboarding.Icons.CurvedArrow" Revision="1" Stencil="System.Storyboarding.Icons" StencilVersion="0.1"/>
+  <Id Name="System.Storyboarding.Common.NumericStepper" Revision="1" Stencil="System.Storyboarding.Common" StencilVersion="0.1"/>
 </Control>
 </file>
 
 <file path=customXml/item218.xml><?xml version="1.0" encoding="utf-8"?>
 <Control xmlns="http://schemas.microsoft.com/VisualStudio/2011/storyboarding/control">
-  <Id Name="System.Storyboarding.Icons.CurvedArrow" Revision="1" Stencil="System.Storyboarding.Icons" StencilVersion="0.1"/>
+  <Id Name="System.Storyboarding.Icons.Envelope" Revision="1" Stencil="System.Storyboarding.Icons" StencilVersion="0.1"/>
 </Control>
 </file>
 
 <file path=customXml/item219.xml><?xml version="1.0" encoding="utf-8"?>
 <Control xmlns="http://schemas.microsoft.com/VisualStudio/2011/storyboarding/control">
-  <Id Name="System.Storyboarding.Icons.CurvedArrow" Revision="1" Stencil="System.Storyboarding.Icons" StencilVersion="0.1"/>
+  <Id Name="System.Storyboarding.WindowsDesktop.ToolTip" Revision="1" Stencil="System.Storyboarding.WindowsDesktop" StencilVersion="0.1"/>
 </Control>
 </file>
 
@@ -34010,79 +33427,43 @@
 
 <file path=customXml/item220.xml><?xml version="1.0" encoding="utf-8"?>
 <Control xmlns="http://schemas.microsoft.com/VisualStudio/2011/storyboarding/control">
-  <Id Name="System.Storyboarding.Icons.CurvedArrow" Revision="1" Stencil="System.Storyboarding.Icons" StencilVersion="0.1"/>
+  <Id Name="System.Storyboarding.Common.TextInput" Revision="1" Stencil="System.Storyboarding.Common" StencilVersion="0.1"/>
 </Control>
 </file>
 
 <file path=customXml/item221.xml><?xml version="1.0" encoding="utf-8"?>
 <Control xmlns="http://schemas.microsoft.com/VisualStudio/2011/storyboarding/control">
-  <Id Name="System.Storyboarding.Icons.CurvedArrow" Revision="1" Stencil="System.Storyboarding.Icons" StencilVersion="0.1"/>
+  <Id Name="System.Storyboarding.Common.Button" Revision="1" Stencil="System.Storyboarding.Common" StencilVersion="0.1"/>
 </Control>
 </file>
 
 <file path=customXml/item222.xml><?xml version="1.0" encoding="utf-8"?>
 <Control xmlns="http://schemas.microsoft.com/VisualStudio/2011/storyboarding/control">
-  <Id Name="System.Storyboarding.Common.TextArea" Revision="1" Stencil="System.Storyboarding.Common" StencilVersion="0.1"/>
+  <Id Name="System.Storyboarding.Common.Button" Revision="1" Stencil="System.Storyboarding.Common" StencilVersion="0.1"/>
 </Control>
 </file>
 
-<file path=customXml/item223.xml><?xml version="1.0" encoding="utf-8"?>
-<Control xmlns="http://schemas.microsoft.com/VisualStudio/2011/storyboarding/control">
-  <Id Name="System.Storyboarding.Common.DropdownBox" Revision="1" Stencil="System.Storyboarding.Common" StencilVersion="0.1"/>
-</Control>
-</file>
-
-<file path=customXml/item224.xml><?xml version="1.0" encoding="utf-8"?>
+<file path=customXml/item23.xml><?xml version="1.0" encoding="utf-8"?>
 <Control xmlns="http://schemas.microsoft.com/VisualStudio/2011/storyboarding/control">
   <Id Name="System.Storyboarding.Common.Text" Revision="1" Stencil="System.Storyboarding.Common" StencilVersion="0.1"/>
 </Control>
 </file>
 
-<file path=customXml/item225.xml><?xml version="1.0" encoding="utf-8"?>
-<Control xmlns="http://schemas.microsoft.com/VisualStudio/2011/storyboarding/control">
-  <Id Name="System.Storyboarding.Common.TextArea" Revision="1" Stencil="System.Storyboarding.Common" StencilVersion="0.1"/>
-</Control>
-</file>
-
-<file path=customXml/item226.xml><?xml version="1.0" encoding="utf-8"?>
-<Control xmlns="http://schemas.microsoft.com/VisualStudio/2011/storyboarding/control">
-  <Id Name="System.Storyboarding.Common.Button" Revision="1" Stencil="System.Storyboarding.Common" StencilVersion="0.1"/>
-</Control>
-</file>
-
-<file path=customXml/item227.xml><?xml version="1.0" encoding="utf-8"?>
-<Control xmlns="http://schemas.microsoft.com/VisualStudio/2011/storyboarding/control">
-  <Id Name="System.Storyboarding.Common.DropdownBox" Revision="1" Stencil="System.Storyboarding.Common" StencilVersion="0.1"/>
-</Control>
-</file>
-
-<file path=customXml/item228.xml><?xml version="1.0" encoding="utf-8"?>
-<Control xmlns="http://schemas.microsoft.com/VisualStudio/2011/storyboarding/control">
-  <Id Name="System.Storyboarding.Common.Text" Revision="1" Stencil="System.Storyboarding.Common" StencilVersion="0.1"/>
-</Control>
-</file>
-
-<file path=customXml/item23.xml><?xml version="1.0" encoding="utf-8"?>
-<Control xmlns="http://schemas.microsoft.com/VisualStudio/2011/storyboarding/control">
-  <Id Name="System.Storyboarding.Icons.Warning" Revision="1" Stencil="System.Storyboarding.Icons" StencilVersion="0.1"/>
-</Control>
-</file>
-
 <file path=customXml/item24.xml><?xml version="1.0" encoding="utf-8"?>
 <Control xmlns="http://schemas.microsoft.com/VisualStudio/2011/storyboarding/control">
-  <Id Name="System.Storyboarding.Icons.TrashCan" Revision="1" Stencil="System.Storyboarding.Icons" StencilVersion="0.1"/>
+  <Id Name="System.Storyboarding.Common.RadioButtonUnselected" Revision="1" Stencil="System.Storyboarding.Common" StencilVersion="0.1"/>
 </Control>
 </file>
 
 <file path=customXml/item25.xml><?xml version="1.0" encoding="utf-8"?>
 <Control xmlns="http://schemas.microsoft.com/VisualStudio/2011/storyboarding/control">
-  <Id Name="System.Storyboarding.Icons.HandPointer" Revision="1" Stencil="System.Storyboarding.Icons" StencilVersion="0.1"/>
+  <Id Name="System.Storyboarding.Icons.Star" Revision="1" Stencil="System.Storyboarding.Icons" StencilVersion="0.1"/>
 </Control>
 </file>
 
 <file path=customXml/item26.xml><?xml version="1.0" encoding="utf-8"?>
 <Control xmlns="http://schemas.microsoft.com/VisualStudio/2011/storyboarding/control">
-  <Id Name="System.Storyboarding.Common.DropdownBox" Revision="1" Stencil="System.Storyboarding.Common" StencilVersion="0.1"/>
+  <Id Name="System.Storyboarding.Icons.User" Revision="1" Stencil="System.Storyboarding.Icons" StencilVersion="0.1"/>
 </Control>
 </file>
 
@@ -34094,13 +33475,13 @@
 
 <file path=customXml/item28.xml><?xml version="1.0" encoding="utf-8"?>
 <Control xmlns="http://schemas.microsoft.com/VisualStudio/2011/storyboarding/control">
-  <Id Name="System.Storyboarding.Common.Hyperlink" Revision="1" Stencil="System.Storyboarding.Common" StencilVersion="0.1"/>
+  <Id Name="System.Storyboarding.Common.Text" Revision="1" Stencil="System.Storyboarding.Common" StencilVersion="0.1"/>
 </Control>
 </file>
 
 <file path=customXml/item29.xml><?xml version="1.0" encoding="utf-8"?>
 <Control xmlns="http://schemas.microsoft.com/VisualStudio/2011/storyboarding/control">
-  <Id Name="System.Storyboarding.Common.Button" Revision="1" Stencil="System.Storyboarding.Common" StencilVersion="0.1"/>
+  <Id Name="System.Storyboarding.Icons.CurvedArrow" Revision="1" Stencil="System.Storyboarding.Icons" StencilVersion="0.1"/>
 </Control>
 </file>
 
@@ -34112,7 +33493,7 @@
 
 <file path=customXml/item30.xml><?xml version="1.0" encoding="utf-8"?>
 <Control xmlns="http://schemas.microsoft.com/VisualStudio/2011/storyboarding/control">
-  <Id Name="System.Storyboarding.Common.Text" Revision="1" Stencil="System.Storyboarding.Common" StencilVersion="0.1"/>
+  <Id Name="System.Storyboarding.WindowsDesktop.ToolTip" Revision="1" Stencil="System.Storyboarding.WindowsDesktop" StencilVersion="0.1"/>
 </Control>
 </file>
 
@@ -34124,37 +33505,37 @@
 
 <file path=customXml/item32.xml><?xml version="1.0" encoding="utf-8"?>
 <Control xmlns="http://schemas.microsoft.com/VisualStudio/2011/storyboarding/control">
-  <Id Name="System.Storyboarding.WindowsDesktop.ToolTip" Revision="1" Stencil="System.Storyboarding.WindowsDesktop" StencilVersion="0.1"/>
+  <Id Name="System.Storyboarding.Common.DropdownBox" Revision="1" Stencil="System.Storyboarding.Common" StencilVersion="0.1"/>
 </Control>
 </file>
 
 <file path=customXml/item33.xml><?xml version="1.0" encoding="utf-8"?>
+<Control xmlns="http://schemas.microsoft.com/VisualStudio/2011/storyboarding/control">
+  <Id Name="System.Storyboarding.Common.LinkBar" Revision="1" Stencil="System.Storyboarding.Common" StencilVersion="0.1"/>
+</Control>
+</file>
+
+<file path=customXml/item34.xml><?xml version="1.0" encoding="utf-8"?>
 <Control xmlns="http://schemas.microsoft.com/VisualStudio/2011/storyboarding/control">
   <Id Name="System.Storyboarding.Icons.DownArrow" Revision="1" Stencil="System.Storyboarding.Icons" StencilVersion="0.1"/>
 </Control>
 </file>
 
-<file path=customXml/item34.xml><?xml version="1.0" encoding="utf-8"?>
-<Control xmlns="http://schemas.microsoft.com/VisualStudio/2011/storyboarding/control">
-  <Id Name="System.Storyboarding.Icons.Brush" Revision="1" Stencil="System.Storyboarding.Icons" StencilVersion="0.1"/>
-</Control>
-</file>
-
 <file path=customXml/item35.xml><?xml version="1.0" encoding="utf-8"?>
 <Control xmlns="http://schemas.microsoft.com/VisualStudio/2011/storyboarding/control">
-  <Id Name="System.Storyboarding.Common.NumericStepper" Revision="1" Stencil="System.Storyboarding.Common" StencilVersion="0.1"/>
+  <Id Name="System.Storyboarding.Common.TextInput" Revision="1" Stencil="System.Storyboarding.Common" StencilVersion="0.1"/>
 </Control>
 </file>
 
 <file path=customXml/item36.xml><?xml version="1.0" encoding="utf-8"?>
 <Control xmlns="http://schemas.microsoft.com/VisualStudio/2011/storyboarding/control">
-  <Id Name="System.Storyboarding.Icons.DownArrow" Revision="1" Stencil="System.Storyboarding.Icons" StencilVersion="0.1"/>
+  <Id Name="System.Storyboarding.Common.DataGrid" Revision="1" Stencil="System.Storyboarding.Common" StencilVersion="0.1"/>
 </Control>
 </file>
 
 <file path=customXml/item37.xml><?xml version="1.0" encoding="utf-8"?>
 <Control xmlns="http://schemas.microsoft.com/VisualStudio/2011/storyboarding/control">
-  <Id Name="System.Storyboarding.Icons.DownArrow" Revision="1" Stencil="System.Storyboarding.Icons" StencilVersion="0.1"/>
+  <Id Name="System.Storyboarding.Common.TextInput" Revision="1" Stencil="System.Storyboarding.Common" StencilVersion="0.1"/>
 </Control>
 </file>
 
@@ -34172,121 +33553,121 @@
 
 <file path=customXml/item4.xml><?xml version="1.0" encoding="utf-8"?>
 <Control xmlns="http://schemas.microsoft.com/VisualStudio/2011/storyboarding/control">
-  <Id Name="System.Storyboarding.Icons.TrashCan" Revision="1" Stencil="System.Storyboarding.Icons" StencilVersion="0.1"/>
+  <Id Name="System.Storyboarding.Icons.CurvedArrow" Revision="1" Stencil="System.Storyboarding.Icons" StencilVersion="0.1"/>
 </Control>
 </file>
 
 <file path=customXml/item40.xml><?xml version="1.0" encoding="utf-8"?>
+<Control xmlns="http://schemas.microsoft.com/VisualStudio/2011/storyboarding/control">
+  <Id Name="System.Storyboarding.Common.Text" Revision="1" Stencil="System.Storyboarding.Common" StencilVersion="0.1"/>
+</Control>
+</file>
+
+<file path=customXml/item41.xml><?xml version="1.0" encoding="utf-8"?>
+<Control xmlns="http://schemas.microsoft.com/VisualStudio/2011/storyboarding/control">
+  <Id Name="System.Storyboarding.Common.Button" Revision="1" Stencil="System.Storyboarding.Common" StencilVersion="0.1"/>
+</Control>
+</file>
+
+<file path=customXml/item42.xml><?xml version="1.0" encoding="utf-8"?>
+<Control xmlns="http://schemas.microsoft.com/VisualStudio/2011/storyboarding/control">
+  <Id Name="System.Storyboarding.Common.Text" Revision="1" Stencil="System.Storyboarding.Common" StencilVersion="0.1"/>
+</Control>
+</file>
+
+<file path=customXml/item43.xml><?xml version="1.0" encoding="utf-8"?>
+<Control xmlns="http://schemas.microsoft.com/VisualStudio/2011/storyboarding/control">
+  <Id Name="System.Storyboarding.Icons.CurvedArrow" Revision="1" Stencil="System.Storyboarding.Icons" StencilVersion="0.1"/>
+</Control>
+</file>
+
+<file path=customXml/item44.xml><?xml version="1.0" encoding="utf-8"?>
 <Control xmlns="http://schemas.microsoft.com/VisualStudio/2011/storyboarding/control">
   <Id Name="System.Storyboarding.Icons.Star" Revision="1" Stencil="System.Storyboarding.Icons" StencilVersion="0.1"/>
 </Control>
 </file>
 
-<file path=customXml/item41.xml><?xml version="1.0" encoding="utf-8"?>
+<file path=customXml/item45.xml><?xml version="1.0" encoding="utf-8"?>
+<Control xmlns="http://schemas.microsoft.com/VisualStudio/2011/storyboarding/control">
+  <Id Name="System.Storyboarding.Icons.Warning" Revision="1" Stencil="System.Storyboarding.Icons" StencilVersion="0.1"/>
+</Control>
+</file>
+
+<file path=customXml/item46.xml><?xml version="1.0" encoding="utf-8"?>
+<Control xmlns="http://schemas.microsoft.com/VisualStudio/2011/storyboarding/control">
+  <Id Name="System.Storyboarding.Common.ScrollbarVertical" RevisionId="68ea164d-c1de-47a5-804f-d4d1290fa524" Stencil="System.Storyboarding.Common" StencilRevisionId="68ea164d-c1de-47a5-804f-d4d1290fa524" StencilVersion="0.1"/>
+</Control>
+</file>
+
+<file path=customXml/item47.xml><?xml version="1.0" encoding="utf-8"?>
 <Control xmlns="http://schemas.microsoft.com/VisualStudio/2011/storyboarding/control">
   <Id Name="System.Storyboarding.Icons.DownArrow" Revision="1" Stencil="System.Storyboarding.Icons" StencilVersion="0.1"/>
 </Control>
 </file>
 
-<file path=customXml/item42.xml><?xml version="1.0" encoding="utf-8"?>
+<file path=customXml/item48.xml><?xml version="1.0" encoding="utf-8"?>
 <Control xmlns="http://schemas.microsoft.com/VisualStudio/2011/storyboarding/control">
-  <Id Name="System.Storyboarding.Icons.SpeechBubble" Revision="1" Stencil="System.Storyboarding.Icons" StencilVersion="0.1"/>
+  <Id Name="System.Storyboarding.Common.DropdownBox" Revision="1" Stencil="System.Storyboarding.Common" StencilVersion="0.1"/>
 </Control>
 </file>
 
-<file path=customXml/item43.xml><?xml version="1.0" encoding="utf-8"?>
+<file path=customXml/item49.xml><?xml version="1.0" encoding="utf-8"?>
+<Control xmlns="http://schemas.microsoft.com/VisualStudio/2011/storyboarding/control">
+  <Id Name="System.Storyboarding.Common.Hyperlink" Revision="1" Stencil="System.Storyboarding.Common" StencilVersion="0.1"/>
+</Control>
+</file>
+
+<file path=customXml/item5.xml><?xml version="1.0" encoding="utf-8"?>
+<Control xmlns="http://schemas.microsoft.com/VisualStudio/2011/storyboarding/control">
+  <Id Name="System.Storyboarding.Common.TabGroup" Revision="1" Stencil="System.Storyboarding.Common" StencilVersion="0.1"/>
+</Control>
+</file>
+
+<file path=customXml/item50.xml><?xml version="1.0" encoding="utf-8"?>
+<Control xmlns="http://schemas.microsoft.com/VisualStudio/2011/storyboarding/control">
+  <Id Name="System.Storyboarding.Common.Hyperlink" Revision="1" Stencil="System.Storyboarding.Common" StencilVersion="0.1"/>
+</Control>
+</file>
+
+<file path=customXml/item51.xml><?xml version="1.0" encoding="utf-8"?>
+<Control xmlns="http://schemas.microsoft.com/VisualStudio/2011/storyboarding/control">
+  <Id Name="System.Storyboarding.Common.TextInput" Revision="1" Stencil="System.Storyboarding.Common" StencilVersion="0.1"/>
+</Control>
+</file>
+
+<file path=customXml/item52.xml><?xml version="1.0" encoding="utf-8"?>
+<Control xmlns="http://schemas.microsoft.com/VisualStudio/2011/storyboarding/control">
+  <Id Name="System.Storyboarding.Icons.CurvedArrow" Revision="1" Stencil="System.Storyboarding.Icons" StencilVersion="0.1"/>
+</Control>
+</file>
+
+<file path=customXml/item53.xml><?xml version="1.0" encoding="utf-8"?>
 <Control xmlns="http://schemas.microsoft.com/VisualStudio/2011/storyboarding/control">
   <Id Name="System.Storyboarding.Common.Text" Revision="1" Stencil="System.Storyboarding.Common" StencilVersion="0.1"/>
 </Control>
 </file>
 
-<file path=customXml/item44.xml><?xml version="1.0" encoding="utf-8"?>
-<Control xmlns="http://schemas.microsoft.com/VisualStudio/2011/storyboarding/control">
-  <Id Name="System.Storyboarding.Icons.DownArrow" Revision="1" Stencil="System.Storyboarding.Icons" StencilVersion="0.1"/>
-</Control>
-</file>
-
-<file path=customXml/item45.xml><?xml version="1.0" encoding="utf-8"?>
-<Control xmlns="http://schemas.microsoft.com/VisualStudio/2011/storyboarding/control">
-  <Id Name="System.Storyboarding.Icons.Error" Revision="1" Stencil="System.Storyboarding.Icons" StencilVersion="0.1"/>
-</Control>
-</file>
-
-<file path=customXml/item46.xml><?xml version="1.0" encoding="utf-8"?>
+<file path=customXml/item54.xml><?xml version="1.0" encoding="utf-8"?>
 <Control xmlns="http://schemas.microsoft.com/VisualStudio/2011/storyboarding/control">
   <Id Name="System.Storyboarding.Common.Text" Revision="1" Stencil="System.Storyboarding.Common" StencilVersion="0.1"/>
 </Control>
 </file>
 
-<file path=customXml/item47.xml><?xml version="1.0" encoding="utf-8"?>
+<file path=customXml/item55.xml><?xml version="1.0" encoding="utf-8"?>
 <Control xmlns="http://schemas.microsoft.com/VisualStudio/2011/storyboarding/control">
-  <Id Name="System.Storyboarding.Common.TextArea" Revision="1" Stencil="System.Storyboarding.Common" StencilVersion="0.1"/>
+  <Id Name="System.Storyboarding.Common.Text" Revision="1" Stencil="System.Storyboarding.Common" StencilVersion="0.1"/>
 </Control>
 </file>
 
-<file path=customXml/item48.xml><?xml version="1.0" encoding="utf-8"?>
+<file path=customXml/item56.xml><?xml version="1.0" encoding="utf-8"?>
 <Control xmlns="http://schemas.microsoft.com/VisualStudio/2011/storyboarding/control">
   <Id Name="System.Storyboarding.WindowsDesktop.ToolTip" Revision="1" Stencil="System.Storyboarding.WindowsDesktop" StencilVersion="0.1"/>
 </Control>
 </file>
 
-<file path=customXml/item49.xml><?xml version="1.0" encoding="utf-8"?>
-<Control xmlns="http://schemas.microsoft.com/VisualStudio/2011/storyboarding/control">
-  <Id Name="System.Storyboarding.Icons.CheckCircle" Revision="1" Stencil="System.Storyboarding.Icons" StencilVersion="0.1"/>
-</Control>
-</file>
-
-<file path=customXml/item5.xml><?xml version="1.0" encoding="utf-8"?>
-<Control xmlns="http://schemas.microsoft.com/VisualStudio/2011/storyboarding/control">
-  <Id Name="System.Storyboarding.Icons.HandPointer" Revision="1" Stencil="System.Storyboarding.Icons" StencilVersion="0.1"/>
-</Control>
-</file>
-
-<file path=customXml/item50.xml><?xml version="1.0" encoding="utf-8"?>
-<Control xmlns="http://schemas.microsoft.com/VisualStudio/2011/storyboarding/control">
-  <Id Name="System.Storyboarding.Common.TextInput" Revision="1" Stencil="System.Storyboarding.Common" StencilVersion="0.1"/>
-</Control>
-</file>
-
-<file path=customXml/item51.xml><?xml version="1.0" encoding="utf-8"?>
-<Control xmlns="http://schemas.microsoft.com/VisualStudio/2011/storyboarding/control">
-  <Id Name="System.Storyboarding.Common.Text" Revision="1" Stencil="System.Storyboarding.Common" StencilVersion="0.1"/>
-</Control>
-</file>
-
-<file path=customXml/item52.xml><?xml version="1.0" encoding="utf-8"?>
-<Control xmlns="http://schemas.microsoft.com/VisualStudio/2011/storyboarding/control">
-  <Id Name="System.Storyboarding.Common.Text" Revision="1" Stencil="System.Storyboarding.Common" StencilVersion="0.1"/>
-</Control>
-</file>
-
-<file path=customXml/item53.xml><?xml version="1.0" encoding="utf-8"?>
-<Control xmlns="http://schemas.microsoft.com/VisualStudio/2011/storyboarding/control">
-  <Id Name="System.Storyboarding.Icons.CurvedArrow" Revision="1" Stencil="System.Storyboarding.Icons" StencilVersion="0.1"/>
-</Control>
-</file>
-
-<file path=customXml/item54.xml><?xml version="1.0" encoding="utf-8"?>
-<Control xmlns="http://schemas.microsoft.com/VisualStudio/2011/storyboarding/control">
-  <Id Name="System.Storyboarding.Common.TextInput" Revision="1" Stencil="System.Storyboarding.Common" StencilVersion="0.1"/>
-</Control>
-</file>
-
-<file path=customXml/item55.xml><?xml version="1.0" encoding="utf-8"?>
-<Control xmlns="http://schemas.microsoft.com/VisualStudio/2011/storyboarding/control">
-  <Id Name="System.Storyboarding.Icons.ShoppingCart" Revision="1" Stencil="System.Storyboarding.Icons" StencilVersion="0.1"/>
-</Control>
-</file>
-
-<file path=customXml/item56.xml><?xml version="1.0" encoding="utf-8"?>
-<Control xmlns="http://schemas.microsoft.com/VisualStudio/2011/storyboarding/control">
-  <Id Name="System.Storyboarding.Icons.ShoppingCart" Revision="1" Stencil="System.Storyboarding.Icons" StencilVersion="0.1"/>
-</Control>
-</file>
-
 <file path=customXml/item57.xml><?xml version="1.0" encoding="utf-8"?>
 <Control xmlns="http://schemas.microsoft.com/VisualStudio/2011/storyboarding/control">
-  <Id Name="System.Storyboarding.Icons.ShoppingCart" Revision="1" Stencil="System.Storyboarding.Icons" StencilVersion="0.1"/>
+  <Id Name="System.Storyboarding.WindowsDesktop.ToolTip" Revision="1" Stencil="System.Storyboarding.WindowsDesktop" StencilVersion="0.1"/>
 </Control>
 </file>
 
@@ -34298,211 +33679,211 @@
 
 <file path=customXml/item59.xml><?xml version="1.0" encoding="utf-8"?>
 <Control xmlns="http://schemas.microsoft.com/VisualStudio/2011/storyboarding/control">
+  <Id Name="System.Storyboarding.Icons.ShoppingCart" Revision="1" Stencil="System.Storyboarding.Icons" StencilVersion="0.1"/>
+</Control>
+</file>
+
+<file path=customXml/item6.xml><?xml version="1.0" encoding="utf-8"?>
+<Control xmlns="http://schemas.microsoft.com/VisualStudio/2011/storyboarding/control">
+  <Id Name="System.Storyboarding.Common.Text" Revision="1" Stencil="System.Storyboarding.Common" StencilVersion="0.1"/>
+</Control>
+</file>
+
+<file path=customXml/item60.xml><?xml version="1.0" encoding="utf-8"?>
+<Control xmlns="http://schemas.microsoft.com/VisualStudio/2011/storyboarding/control">
+  <Id Name="System.Storyboarding.WindowsDesktop.ToolTip" Revision="1" Stencil="System.Storyboarding.WindowsDesktop" StencilVersion="0.1"/>
+</Control>
+</file>
+
+<file path=customXml/item61.xml><?xml version="1.0" encoding="utf-8"?>
+<Control xmlns="http://schemas.microsoft.com/VisualStudio/2011/storyboarding/control">
+  <Id Name="System.Storyboarding.Common.DragSelection" Revision="1" Stencil="System.Storyboarding.Common" StencilVersion="0.1"/>
+</Control>
+</file>
+
+<file path=customXml/item62.xml><?xml version="1.0" encoding="utf-8"?>
+<Control xmlns="http://schemas.microsoft.com/VisualStudio/2011/storyboarding/control">
+  <Id Name="System.Storyboarding.Common.TextInput" Revision="1" Stencil="System.Storyboarding.Common" StencilVersion="0.1"/>
+</Control>
+</file>
+
+<file path=customXml/item63.xml><?xml version="1.0" encoding="utf-8"?>
+<Control xmlns="http://schemas.microsoft.com/VisualStudio/2011/storyboarding/control">
+  <Id Name="System.Storyboarding.Common.Text" Revision="1" Stencil="System.Storyboarding.Common" StencilVersion="0.1"/>
+</Control>
+</file>
+
+<file path=customXml/item64.xml><?xml version="1.0" encoding="utf-8"?>
+<Control xmlns="http://schemas.microsoft.com/VisualStudio/2011/storyboarding/control">
+  <Id Name="System.Storyboarding.Common.NumericStepper" Revision="1" Stencil="System.Storyboarding.Common" StencilVersion="0.1"/>
+</Control>
+</file>
+
+<file path=customXml/item65.xml><?xml version="1.0" encoding="utf-8"?>
+<Control xmlns="http://schemas.microsoft.com/VisualStudio/2011/storyboarding/control">
+  <Id Name="System.Storyboarding.Icons.ShoppingCart" Revision="1" Stencil="System.Storyboarding.Icons" StencilVersion="0.1"/>
+</Control>
+</file>
+
+<file path=customXml/item66.xml><?xml version="1.0" encoding="utf-8"?>
+<Control xmlns="http://schemas.microsoft.com/VisualStudio/2011/storyboarding/control">
+  <Id Name="System.Storyboarding.Common.Text" Revision="1" Stencil="System.Storyboarding.Common" StencilVersion="0.1"/>
+</Control>
+</file>
+
+<file path=customXml/item67.xml><?xml version="1.0" encoding="utf-8"?>
+<Control xmlns="http://schemas.microsoft.com/VisualStudio/2011/storyboarding/control">
+  <Id Name="System.Storyboarding.Icons.CurvedArrow" Revision="1" Stencil="System.Storyboarding.Icons" StencilVersion="0.1"/>
+</Control>
+</file>
+
+<file path=customXml/item68.xml><?xml version="1.0" encoding="utf-8"?>
+<Control xmlns="http://schemas.microsoft.com/VisualStudio/2011/storyboarding/control">
   <Id Name="System.Storyboarding.Icons.TrashCan" Revision="1" Stencil="System.Storyboarding.Icons" StencilVersion="0.1"/>
 </Control>
 </file>
 
-<file path=customXml/item6.xml><?xml version="1.0" encoding="utf-8"?>
+<file path=customXml/item69.xml><?xml version="1.0" encoding="utf-8"?>
+<Control xmlns="http://schemas.microsoft.com/VisualStudio/2011/storyboarding/control">
+  <Id Name="System.Storyboarding.Icons.Error" Revision="1" Stencil="System.Storyboarding.Icons" StencilVersion="0.1"/>
+</Control>
+</file>
+
+<file path=customXml/item7.xml><?xml version="1.0" encoding="utf-8"?>
+<Control xmlns="http://schemas.microsoft.com/VisualStudio/2011/storyboarding/control">
+  <Id Name="System.Storyboarding.Icons.CurvedArrow" Revision="1" Stencil="System.Storyboarding.Icons" StencilVersion="0.1"/>
+</Control>
+</file>
+
+<file path=customXml/item70.xml><?xml version="1.0" encoding="utf-8"?>
+<Control xmlns="http://schemas.microsoft.com/VisualStudio/2011/storyboarding/control">
+  <Id Name="System.Storyboarding.Common.RadioButtonSelected" Revision="1" Stencil="System.Storyboarding.Common" StencilVersion="0.1"/>
+</Control>
+</file>
+
+<file path=customXml/item71.xml><?xml version="1.0" encoding="utf-8"?>
+<Control xmlns="http://schemas.microsoft.com/VisualStudio/2011/storyboarding/control">
+  <Id Name="System.Storyboarding.Icons.CurvedArrow" Revision="1" Stencil="System.Storyboarding.Icons" StencilVersion="0.1"/>
+</Control>
+</file>
+
+<file path=customXml/item72.xml><?xml version="1.0" encoding="utf-8"?>
+<Control xmlns="http://schemas.microsoft.com/VisualStudio/2011/storyboarding/control">
+  <Id Name="System.Storyboarding.Icons.Brush" Revision="1" Stencil="System.Storyboarding.Icons" StencilVersion="0.1"/>
+</Control>
+</file>
+
+<file path=customXml/item73.xml><?xml version="1.0" encoding="utf-8"?>
+<Control xmlns="http://schemas.microsoft.com/VisualStudio/2011/storyboarding/control">
+  <Id Name="System.Storyboarding.Common.Text" Revision="1" Stencil="System.Storyboarding.Common" StencilVersion="0.1"/>
+</Control>
+</file>
+
+<file path=customXml/item74.xml><?xml version="1.0" encoding="utf-8"?>
+<Control xmlns="http://schemas.microsoft.com/VisualStudio/2011/storyboarding/control">
+  <Id Name="System.Storyboarding.Common.Text" Revision="1" Stencil="System.Storyboarding.Common" StencilVersion="0.1"/>
+</Control>
+</file>
+
+<file path=customXml/item75.xml><?xml version="1.0" encoding="utf-8"?>
+<Control xmlns="http://schemas.microsoft.com/VisualStudio/2011/storyboarding/control">
+  <Id Name="System.Storyboarding.Common.TabGroup" Revision="1" Stencil="System.Storyboarding.Common" StencilVersion="0.1"/>
+</Control>
+</file>
+
+<file path=customXml/item76.xml><?xml version="1.0" encoding="utf-8"?>
+<Control xmlns="http://schemas.microsoft.com/VisualStudio/2011/storyboarding/control">
+  <Id Name="System.Storyboarding.Common.TextInput" Revision="1" Stencil="System.Storyboarding.Common" StencilVersion="0.1"/>
+</Control>
+</file>
+
+<file path=customXml/item77.xml><?xml version="1.0" encoding="utf-8"?>
+<Control xmlns="http://schemas.microsoft.com/VisualStudio/2011/storyboarding/control">
+  <Id Name="System.Storyboarding.Common.TextInput" Revision="1" Stencil="System.Storyboarding.Common" StencilVersion="0.1"/>
+</Control>
+</file>
+
+<file path=customXml/item78.xml><?xml version="1.0" encoding="utf-8"?>
+<Control xmlns="http://schemas.microsoft.com/VisualStudio/2011/storyboarding/control">
+  <Id Name="System.Storyboarding.Common.CheckBoxChecked" Revision="1" Stencil="System.Storyboarding.Common" StencilVersion="0.1"/>
+</Control>
+</file>
+
+<file path=customXml/item79.xml><?xml version="1.0" encoding="utf-8"?>
+<Control xmlns="http://schemas.microsoft.com/VisualStudio/2011/storyboarding/control">
+  <Id Name="System.Storyboarding.Common.NumericStepper" Revision="1" Stencil="System.Storyboarding.Common" StencilVersion="0.1"/>
+</Control>
+</file>
+
+<file path=customXml/item8.xml><?xml version="1.0" encoding="utf-8"?>
+<Control xmlns="http://schemas.microsoft.com/VisualStudio/2011/storyboarding/control">
+  <Id Name="System.Storyboarding.Icons.HandPointer" Revision="1" Stencil="System.Storyboarding.Icons" StencilVersion="0.1"/>
+</Control>
+</file>
+
+<file path=customXml/item80.xml><?xml version="1.0" encoding="utf-8"?>
+<Control xmlns="http://schemas.microsoft.com/VisualStudio/2011/storyboarding/control">
+  <Id Name="System.Storyboarding.Icons.ShoppingCart" Revision="1" Stencil="System.Storyboarding.Icons" StencilVersion="0.1"/>
+</Control>
+</file>
+
+<file path=customXml/item81.xml><?xml version="1.0" encoding="utf-8"?>
+<Control xmlns="http://schemas.microsoft.com/VisualStudio/2011/storyboarding/control">
+  <Id Name="System.Storyboarding.Common.Button" Revision="1" Stencil="System.Storyboarding.Common" StencilVersion="0.1"/>
+</Control>
+</file>
+
+<file path=customXml/item82.xml><?xml version="1.0" encoding="utf-8"?>
+<Control xmlns="http://schemas.microsoft.com/VisualStudio/2011/storyboarding/control">
+  <Id Name="System.Storyboarding.Common.Text" Revision="1" Stencil="System.Storyboarding.Common" StencilVersion="0.1"/>
+</Control>
+</file>
+
+<file path=customXml/item83.xml><?xml version="1.0" encoding="utf-8"?>
+<Control xmlns="http://schemas.microsoft.com/VisualStudio/2011/storyboarding/control">
+  <Id Name="System.Storyboarding.Icons.User" Revision="1" Stencil="System.Storyboarding.Icons" StencilVersion="0.1"/>
+</Control>
+</file>
+
+<file path=customXml/item84.xml><?xml version="1.0" encoding="utf-8"?>
+<Control xmlns="http://schemas.microsoft.com/VisualStudio/2011/storyboarding/control">
+  <Id Name="System.Storyboarding.Common.RadioButtonUnselected" Revision="1" Stencil="System.Storyboarding.Common" StencilVersion="0.1"/>
+</Control>
+</file>
+
+<file path=customXml/item85.xml><?xml version="1.0" encoding="utf-8"?>
 <Control xmlns="http://schemas.microsoft.com/VisualStudio/2011/storyboarding/control">
   <Id Name="System.Storyboarding.Icons.Star" Revision="1" Stencil="System.Storyboarding.Icons" StencilVersion="0.1"/>
 </Control>
 </file>
 
-<file path=customXml/item60.xml><?xml version="1.0" encoding="utf-8"?>
-<Control xmlns="http://schemas.microsoft.com/VisualStudio/2011/storyboarding/control">
-  <Id Name="System.Storyboarding.Icons.TrashCan" Revision="1" Stencil="System.Storyboarding.Icons" StencilVersion="0.1"/>
-</Control>
-</file>
-
-<file path=customXml/item61.xml><?xml version="1.0" encoding="utf-8"?>
-<Control xmlns="http://schemas.microsoft.com/VisualStudio/2011/storyboarding/control">
-  <Id Name="System.Storyboarding.Icons.HandPointer" Revision="1" Stencil="System.Storyboarding.Icons" StencilVersion="0.1"/>
-</Control>
-</file>
-
-<file path=customXml/item62.xml><?xml version="1.0" encoding="utf-8"?>
-<Control xmlns="http://schemas.microsoft.com/VisualStudio/2011/storyboarding/control">
-  <Id Name="System.Storyboarding.Icons.DownArrow" Revision="1" Stencil="System.Storyboarding.Icons" StencilVersion="0.1"/>
-</Control>
-</file>
-
-<file path=customXml/item63.xml><?xml version="1.0" encoding="utf-8"?>
-<Control xmlns="http://schemas.microsoft.com/VisualStudio/2011/storyboarding/control">
-  <Id Name="System.Storyboarding.Common.DropdownBox" Revision="1" Stencil="System.Storyboarding.Common" StencilVersion="0.1"/>
-</Control>
-</file>
-
-<file path=customXml/item64.xml><?xml version="1.0" encoding="utf-8"?>
-<Control xmlns="http://schemas.microsoft.com/VisualStudio/2011/storyboarding/control">
-  <Id Name="System.Storyboarding.Common.RadioButtonUnselected" Revision="1" Stencil="System.Storyboarding.Common" StencilVersion="0.1"/>
-</Control>
-</file>
-
-<file path=customXml/item65.xml><?xml version="1.0" encoding="utf-8"?>
-<Control xmlns="http://schemas.microsoft.com/VisualStudio/2011/storyboarding/control">
-  <Id Name="System.Storyboarding.Common.DropdownBox" Revision="1" Stencil="System.Storyboarding.Common" StencilVersion="0.1"/>
-</Control>
-</file>
-
-<file path=customXml/item66.xml><?xml version="1.0" encoding="utf-8"?>
-<Control xmlns="http://schemas.microsoft.com/VisualStudio/2011/storyboarding/control">
-  <Id Name="System.Storyboarding.Common.RadioButtonSelected" Revision="1" Stencil="System.Storyboarding.Common" StencilVersion="0.1"/>
-</Control>
-</file>
-
-<file path=customXml/item67.xml><?xml version="1.0" encoding="utf-8"?>
-<Control xmlns="http://schemas.microsoft.com/VisualStudio/2011/storyboarding/control">
-  <Id Name="System.Storyboarding.Icons.Star" Revision="1" Stencil="System.Storyboarding.Icons" StencilVersion="0.1"/>
-</Control>
-</file>
-
-<file path=customXml/item68.xml><?xml version="1.0" encoding="utf-8"?>
-<Control xmlns="http://schemas.microsoft.com/VisualStudio/2011/storyboarding/control">
-  <Id Name="System.Storyboarding.Icons.Warning" Revision="1" Stencil="System.Storyboarding.Icons" StencilVersion="0.1"/>
-</Control>
-</file>
-
-<file path=customXml/item69.xml><?xml version="1.0" encoding="utf-8"?>
-<Control xmlns="http://schemas.microsoft.com/VisualStudio/2011/storyboarding/control">
-  <Id Name="System.Storyboarding.Icons.DownArrow" Revision="1" Stencil="System.Storyboarding.Icons" StencilVersion="0.1"/>
-</Control>
-</file>
-
-<file path=customXml/item7.xml><?xml version="1.0" encoding="utf-8"?>
-<Control xmlns="http://schemas.microsoft.com/VisualStudio/2011/storyboarding/control">
-  <Id Name="System.Storyboarding.Common.NumericStepper" Revision="1" Stencil="System.Storyboarding.Common" StencilVersion="0.1"/>
-</Control>
-</file>
-
-<file path=customXml/item70.xml><?xml version="1.0" encoding="utf-8"?>
-<Control xmlns="http://schemas.microsoft.com/VisualStudio/2011/storyboarding/control">
-  <Id Name="System.Storyboarding.Icons.ShoppingCart" Revision="1" Stencil="System.Storyboarding.Icons" StencilVersion="0.1"/>
-</Control>
-</file>
-
-<file path=customXml/item71.xml><?xml version="1.0" encoding="utf-8"?>
-<Control xmlns="http://schemas.microsoft.com/VisualStudio/2011/storyboarding/control">
-  <Id Name="System.Storyboarding.Icons.HandPointer" Revision="1" Stencil="System.Storyboarding.Icons" StencilVersion="0.1"/>
-</Control>
-</file>
-
-<file path=customXml/item72.xml><?xml version="1.0" encoding="utf-8"?>
-<Control xmlns="http://schemas.microsoft.com/VisualStudio/2011/storyboarding/control">
-  <Id Name="System.Storyboarding.Icons.HandPointer" Revision="1" Stencil="System.Storyboarding.Icons" StencilVersion="0.1"/>
-</Control>
-</file>
-
-<file path=customXml/item73.xml><?xml version="1.0" encoding="utf-8"?>
-<Control xmlns="http://schemas.microsoft.com/VisualStudio/2011/storyboarding/control">
-  <Id Name="System.Storyboarding.Common.TabGroup" Revision="1" Stencil="System.Storyboarding.Common" StencilVersion="0.1"/>
-</Control>
-</file>
-
-<file path=customXml/item74.xml><?xml version="1.0" encoding="utf-8"?>
+<file path=customXml/item86.xml><?xml version="1.0" encoding="utf-8"?>
 <Control xmlns="http://schemas.microsoft.com/VisualStudio/2011/storyboarding/control">
   <Id Name="System.Storyboarding.Common.TextInput" Revision="1" Stencil="System.Storyboarding.Common" StencilVersion="0.1"/>
 </Control>
 </file>
 
-<file path=customXml/item75.xml><?xml version="1.0" encoding="utf-8"?>
-<Control xmlns="http://schemas.microsoft.com/VisualStudio/2011/storyboarding/control">
-  <Id Name="System.Storyboarding.Common.Text" Revision="1" Stencil="System.Storyboarding.Common" StencilVersion="0.1"/>
-</Control>
-</file>
-
-<file path=customXml/item76.xml><?xml version="1.0" encoding="utf-8"?>
+<file path=customXml/item87.xml><?xml version="1.0" encoding="utf-8"?>
 <Control xmlns="http://schemas.microsoft.com/VisualStudio/2011/storyboarding/control">
   <Id Name="System.Storyboarding.WindowsDesktop.ToolTip" Revision="1" Stencil="System.Storyboarding.WindowsDesktop" StencilVersion="0.1"/>
 </Control>
 </file>
 
-<file path=customXml/item77.xml><?xml version="1.0" encoding="utf-8"?>
+<file path=customXml/item88.xml><?xml version="1.0" encoding="utf-8"?>
 <Control xmlns="http://schemas.microsoft.com/VisualStudio/2011/storyboarding/control">
-  <Id Name="System.Storyboarding.Common.Button" Revision="1" Stencil="System.Storyboarding.Common" StencilVersion="0.1"/>
+  <Id Name="System.Storyboarding.Common.TextInput" Revision="1" Stencil="System.Storyboarding.Common" StencilVersion="0.1"/>
 </Control>
 </file>
 
-<file path=customXml/item78.xml><?xml version="1.0" encoding="utf-8"?>
-<Control xmlns="http://schemas.microsoft.com/VisualStudio/2011/storyboarding/control">
-  <Id Name="System.Storyboarding.WindowsDesktop.ToolTip" Revision="1" Stencil="System.Storyboarding.WindowsDesktop" StencilVersion="0.1"/>
-</Control>
-</file>
-
-<file path=customXml/item79.xml><?xml version="1.0" encoding="utf-8"?>
-<Control xmlns="http://schemas.microsoft.com/VisualStudio/2011/storyboarding/control">
-  <Id Name="System.Storyboarding.Icons.HandPointer" Revision="1" Stencil="System.Storyboarding.Icons" StencilVersion="0.1"/>
-</Control>
-</file>
-
-<file path=customXml/item8.xml><?xml version="1.0" encoding="utf-8"?>
-<Control xmlns="http://schemas.microsoft.com/VisualStudio/2011/storyboarding/control">
-  <Id Name="System.Storyboarding.Icons.User" Revision="1" Stencil="System.Storyboarding.Icons" StencilVersion="0.1"/>
-</Control>
-</file>
-
-<file path=customXml/item80.xml><?xml version="1.0" encoding="utf-8"?>
-<Control xmlns="http://schemas.microsoft.com/VisualStudio/2011/storyboarding/control">
-  <Id Name="System.Storyboarding.Common.DatePicker" Revision="1" Stencil="System.Storyboarding.Common" StencilVersion="0.1"/>
-</Control>
-</file>
-
-<file path=customXml/item81.xml><?xml version="1.0" encoding="utf-8"?>
-<Control xmlns="http://schemas.microsoft.com/VisualStudio/2011/storyboarding/control">
-  <Id Name="System.Storyboarding.Icons.HandPointer" Revision="1" Stencil="System.Storyboarding.Icons" StencilVersion="0.1"/>
-</Control>
-</file>
-
-<file path=customXml/item82.xml><?xml version="1.0" encoding="utf-8"?>
-<Control xmlns="http://schemas.microsoft.com/VisualStudio/2011/storyboarding/control">
-  <Id Name="System.Storyboarding.Icons.Brush" Revision="1" Stencil="System.Storyboarding.Icons" StencilVersion="0.1"/>
-</Control>
-</file>
-
-<file path=customXml/item83.xml><?xml version="1.0" encoding="utf-8"?>
-<Control xmlns="http://schemas.microsoft.com/VisualStudio/2011/storyboarding/control">
-  <Id Name="System.Storyboarding.WindowsDesktop.ToolTip" Revision="1" Stencil="System.Storyboarding.WindowsDesktop" StencilVersion="0.1"/>
-</Control>
-</file>
-
-<file path=customXml/item84.xml><?xml version="1.0" encoding="utf-8"?>
+<file path=customXml/item89.xml><?xml version="1.0" encoding="utf-8"?>
 <Control xmlns="http://schemas.microsoft.com/VisualStudio/2011/storyboarding/control">
   <Id Name="System.Storyboarding.Icons.CurvedArrow" Revision="1" Stencil="System.Storyboarding.Icons" StencilVersion="0.1"/>
 </Control>
 </file>
 
-<file path=customXml/item85.xml><?xml version="1.0" encoding="utf-8"?>
-<Control xmlns="http://schemas.microsoft.com/VisualStudio/2011/storyboarding/control">
-  <Id Name="System.Storyboarding.Common.TextInput" Revision="1" Stencil="System.Storyboarding.Common" StencilVersion="0.1"/>
-</Control>
-</file>
-
-<file path=customXml/item86.xml><?xml version="1.0" encoding="utf-8"?>
-<Control xmlns="http://schemas.microsoft.com/VisualStudio/2011/storyboarding/control">
-  <Id Name="System.Storyboarding.Common.Hyperlink" Revision="1" Stencil="System.Storyboarding.Common" StencilVersion="0.1"/>
-</Control>
-</file>
-
-<file path=customXml/item87.xml><?xml version="1.0" encoding="utf-8"?>
-<Control xmlns="http://schemas.microsoft.com/VisualStudio/2011/storyboarding/control">
-  <Id Name="System.Storyboarding.Icons.CurvedArrow" Revision="1" Stencil="System.Storyboarding.Icons" StencilVersion="0.1"/>
-</Control>
-</file>
-
-<file path=customXml/item88.xml><?xml version="1.0" encoding="utf-8"?>
-<Control xmlns="http://schemas.microsoft.com/VisualStudio/2011/storyboarding/control">
-  <Id Name="System.Storyboarding.Icons.TrashCan" Revision="1" Stencil="System.Storyboarding.Icons" StencilVersion="0.1"/>
-</Control>
-</file>
-
-<file path=customXml/item89.xml><?xml version="1.0" encoding="utf-8"?>
-<Control xmlns="http://schemas.microsoft.com/VisualStudio/2011/storyboarding/control">
-  <Id Name="System.Storyboarding.Common.CheckBoxChecked" Revision="1" Stencil="System.Storyboarding.Common" StencilVersion="0.1"/>
-</Control>
-</file>
-
 <file path=customXml/item9.xml><?xml version="1.0" encoding="utf-8"?>
 <Control xmlns="http://schemas.microsoft.com/VisualStudio/2011/storyboarding/control">
-  <Id Name="System.Storyboarding.Common.Text" Revision="1" Stencil="System.Storyboarding.Common" StencilVersion="0.1"/>
+  <Id Name="System.Storyboarding.Common.Button" Revision="1" Stencil="System.Storyboarding.Common" StencilVersion="0.1"/>
 </Control>
 </file>
 
@@ -34514,60 +33895,60 @@
 
 <file path=customXml/item91.xml><?xml version="1.0" encoding="utf-8"?>
 <Control xmlns="http://schemas.microsoft.com/VisualStudio/2011/storyboarding/control">
-  <Id Name="System.Storyboarding.Common.DataGrid" Revision="1" Stencil="System.Storyboarding.Common" StencilVersion="0.1"/>
+  <Id Name="System.Storyboarding.Common.Text" Revision="1" Stencil="System.Storyboarding.Common" StencilVersion="0.1"/>
 </Control>
 </file>
 
 <file path=customXml/item92.xml><?xml version="1.0" encoding="utf-8"?>
+<Control xmlns="http://schemas.microsoft.com/VisualStudio/2011/storyboarding/control">
+  <Id Name="System.Storyboarding.Icons.Star" Revision="1" Stencil="System.Storyboarding.Icons" StencilVersion="0.1"/>
+</Control>
+</file>
+
+<file path=customXml/item93.xml><?xml version="1.0" encoding="utf-8"?>
+<Control xmlns="http://schemas.microsoft.com/VisualStudio/2011/storyboarding/control">
+  <Id Name="System.Storyboarding.Icons.TrashCan" Revision="1" Stencil="System.Storyboarding.Icons" StencilVersion="0.1"/>
+</Control>
+</file>
+
+<file path=customXml/item94.xml><?xml version="1.0" encoding="utf-8"?>
 <Control xmlns="http://schemas.microsoft.com/VisualStudio/2011/storyboarding/control">
   <Id Name="System.Storyboarding.Common.Text" Revision="1" Stencil="System.Storyboarding.Common" StencilVersion="0.1"/>
 </Control>
 </file>
 
-<file path=customXml/item93.xml><?xml version="1.0" encoding="utf-8"?>
-<Control xmlns="http://schemas.microsoft.com/VisualStudio/2011/storyboarding/control">
-  <Id Name="System.Storyboarding.Icons.CurvedArrow" Revision="1" Stencil="System.Storyboarding.Icons" StencilVersion="0.1"/>
-</Control>
-</file>
-
-<file path=customXml/item94.xml><?xml version="1.0" encoding="utf-8"?>
-<Control xmlns="http://schemas.microsoft.com/VisualStudio/2011/storyboarding/control">
-  <Id Name="System.Storyboarding.Common.Hyperlink" Revision="1" Stencil="System.Storyboarding.Common" StencilVersion="0.1"/>
-</Control>
-</file>
-
 <file path=customXml/item95.xml><?xml version="1.0" encoding="utf-8"?>
 <Control xmlns="http://schemas.microsoft.com/VisualStudio/2011/storyboarding/control">
-  <Id Name="System.Storyboarding.Common.Text" Revision="1" Stencil="System.Storyboarding.Common" StencilVersion="0.1"/>
+  <Id Name="System.Storyboarding.Common.TextInput" Revision="1" Stencil="System.Storyboarding.Common" StencilVersion="0.1"/>
 </Control>
 </file>
 
 <file path=customXml/item96.xml><?xml version="1.0" encoding="utf-8"?>
+<Control xmlns="http://schemas.microsoft.com/VisualStudio/2011/storyboarding/control">
+  <Id Name="System.Storyboarding.Icons.DownArrow" Revision="1" Stencil="System.Storyboarding.Icons" StencilVersion="0.1"/>
+</Control>
+</file>
+
+<file path=customXml/item97.xml><?xml version="1.0" encoding="utf-8"?>
+<Control xmlns="http://schemas.microsoft.com/VisualStudio/2011/storyboarding/control">
+  <Id Name="System.Storyboarding.Icons.User" Revision="1" Stencil="System.Storyboarding.Icons" StencilVersion="0.1"/>
+</Control>
+</file>
+
+<file path=customXml/item98.xml><?xml version="1.0" encoding="utf-8"?>
 <Control xmlns="http://schemas.microsoft.com/VisualStudio/2011/storyboarding/control">
   <Id Name="System.Storyboarding.Icons.ShoppingCart" Revision="1" Stencil="System.Storyboarding.Icons" StencilVersion="0.1"/>
 </Control>
 </file>
 
-<file path=customXml/item97.xml><?xml version="1.0" encoding="utf-8"?>
-<Control xmlns="http://schemas.microsoft.com/VisualStudio/2011/storyboarding/control">
-  <Id Name="System.Storyboarding.Common.DragSelection" Revision="1" Stencil="System.Storyboarding.Common" StencilVersion="0.1"/>
-</Control>
-</file>
-
-<file path=customXml/item98.xml><?xml version="1.0" encoding="utf-8"?>
-<Control xmlns="http://schemas.microsoft.com/VisualStudio/2011/storyboarding/control">
-  <Id Name="System.Storyboarding.Common.RadioButtonUnselected" Revision="1" Stencil="System.Storyboarding.Common" StencilVersion="0.1"/>
-</Control>
-</file>
-
 <file path=customXml/item99.xml><?xml version="1.0" encoding="utf-8"?>
 <Control xmlns="http://schemas.microsoft.com/VisualStudio/2011/storyboarding/control">
-  <Id Name="System.Storyboarding.Common.NumericStepper" Revision="1" Stencil="System.Storyboarding.Common" StencilVersion="0.1"/>
+  <Id Name="System.Storyboarding.Common.TextInput" Revision="1" Stencil="System.Storyboarding.Common" StencilVersion="0.1"/>
 </Control>
 </file>
 
 <file path=customXml/itemProps1.xml><?xml version="1.0" encoding="utf-8"?>
-<ds:datastoreItem xmlns:ds="http://schemas.openxmlformats.org/officeDocument/2006/customXml" ds:itemID="{E998C69E-52BE-44B3-B629-486376A2D891}">
+<ds:datastoreItem xmlns:ds="http://schemas.openxmlformats.org/officeDocument/2006/customXml" ds:itemID="{D834E1DB-AFE3-45CA-A0E0-B4DFA8D73792}">
   <ds:schemaRefs>
     <ds:schemaRef ds:uri="http://schemas.microsoft.com/VisualStudio/2011/storyboarding/control"/>
   </ds:schemaRefs>
@@ -34575,6 +33956,86 @@
 </file>
 
 <file path=customXml/itemProps10.xml><?xml version="1.0" encoding="utf-8"?>
+<ds:datastoreItem xmlns:ds="http://schemas.openxmlformats.org/officeDocument/2006/customXml" ds:itemID="{F5008AB0-B7EF-4B51-AFAE-ADD814E2C892}">
+  <ds:schemaRefs>
+    <ds:schemaRef ds:uri="http://schemas.microsoft.com/VisualStudio/2011/storyboarding/control"/>
+  </ds:schemaRefs>
+</ds:datastoreItem>
+</file>
+
+<file path=customXml/itemProps100.xml><?xml version="1.0" encoding="utf-8"?>
+<ds:datastoreItem xmlns:ds="http://schemas.openxmlformats.org/officeDocument/2006/customXml" ds:itemID="{D9AB098F-8B34-4E7B-BAE6-C91A22003145}">
+  <ds:schemaRefs>
+    <ds:schemaRef ds:uri="http://schemas.microsoft.com/VisualStudio/2011/storyboarding/control"/>
+  </ds:schemaRefs>
+</ds:datastoreItem>
+</file>
+
+<file path=customXml/itemProps101.xml><?xml version="1.0" encoding="utf-8"?>
+<ds:datastoreItem xmlns:ds="http://schemas.openxmlformats.org/officeDocument/2006/customXml" ds:itemID="{30EEAFB6-90CB-4611-8B75-28221A923F25}">
+  <ds:schemaRefs>
+    <ds:schemaRef ds:uri="http://schemas.microsoft.com/VisualStudio/2011/storyboarding/control"/>
+  </ds:schemaRefs>
+</ds:datastoreItem>
+</file>
+
+<file path=customXml/itemProps102.xml><?xml version="1.0" encoding="utf-8"?>
+<ds:datastoreItem xmlns:ds="http://schemas.openxmlformats.org/officeDocument/2006/customXml" ds:itemID="{B13BC1B5-0E07-4DDD-82BA-4EA6D7413176}">
+  <ds:schemaRefs>
+    <ds:schemaRef ds:uri="http://schemas.microsoft.com/VisualStudio/2011/storyboarding/control"/>
+  </ds:schemaRefs>
+</ds:datastoreItem>
+</file>
+
+<file path=customXml/itemProps103.xml><?xml version="1.0" encoding="utf-8"?>
+<ds:datastoreItem xmlns:ds="http://schemas.openxmlformats.org/officeDocument/2006/customXml" ds:itemID="{14627128-4D31-4DF3-AB55-FA0C6A4E4FE5}">
+  <ds:schemaRefs>
+    <ds:schemaRef ds:uri="http://schemas.microsoft.com/VisualStudio/2011/storyboarding/control"/>
+  </ds:schemaRefs>
+</ds:datastoreItem>
+</file>
+
+<file path=customXml/itemProps104.xml><?xml version="1.0" encoding="utf-8"?>
+<ds:datastoreItem xmlns:ds="http://schemas.openxmlformats.org/officeDocument/2006/customXml" ds:itemID="{3C01D0B5-D923-4DB6-9ECA-21B712F90957}">
+  <ds:schemaRefs>
+    <ds:schemaRef ds:uri="http://schemas.microsoft.com/VisualStudio/2011/storyboarding/control"/>
+  </ds:schemaRefs>
+</ds:datastoreItem>
+</file>
+
+<file path=customXml/itemProps105.xml><?xml version="1.0" encoding="utf-8"?>
+<ds:datastoreItem xmlns:ds="http://schemas.openxmlformats.org/officeDocument/2006/customXml" ds:itemID="{5A85C3B7-6C9D-42E0-8B08-4473CA0722DF}">
+  <ds:schemaRefs>
+    <ds:schemaRef ds:uri="http://schemas.microsoft.com/VisualStudio/2011/storyboarding/control"/>
+  </ds:schemaRefs>
+</ds:datastoreItem>
+</file>
+
+<file path=customXml/itemProps106.xml><?xml version="1.0" encoding="utf-8"?>
+<ds:datastoreItem xmlns:ds="http://schemas.openxmlformats.org/officeDocument/2006/customXml" ds:itemID="{9A9F71E7-630C-41F7-9E54-34C094B490EC}">
+  <ds:schemaRefs>
+    <ds:schemaRef ds:uri="http://schemas.microsoft.com/VisualStudio/2011/storyboarding/control"/>
+  </ds:schemaRefs>
+</ds:datastoreItem>
+</file>
+
+<file path=customXml/itemProps107.xml><?xml version="1.0" encoding="utf-8"?>
+<ds:datastoreItem xmlns:ds="http://schemas.openxmlformats.org/officeDocument/2006/customXml" ds:itemID="{A59E3C97-FCC2-46B8-899A-F7C74E57512A}">
+  <ds:schemaRefs>
+    <ds:schemaRef ds:uri="http://schemas.microsoft.com/VisualStudio/2011/storyboarding/control"/>
+  </ds:schemaRefs>
+</ds:datastoreItem>
+</file>
+
+<file path=customXml/itemProps108.xml><?xml version="1.0" encoding="utf-8"?>
+<ds:datastoreItem xmlns:ds="http://schemas.openxmlformats.org/officeDocument/2006/customXml" ds:itemID="{C5FE7D1A-2B63-4C2F-9939-081E0C3BEDA0}">
+  <ds:schemaRefs>
+    <ds:schemaRef ds:uri="http://schemas.microsoft.com/VisualStudio/2011/storyboarding/control"/>
+  </ds:schemaRefs>
+</ds:datastoreItem>
+</file>
+
+<file path=customXml/itemProps109.xml><?xml version="1.0" encoding="utf-8"?>
 <ds:datastoreItem xmlns:ds="http://schemas.openxmlformats.org/officeDocument/2006/customXml" ds:itemID="{5ADFE433-8876-45D0-93E4-BC281C529072}">
   <ds:schemaRefs>
     <ds:schemaRef ds:uri="http://schemas.microsoft.com/VisualStudio/2011/storyboarding/control"/>
@@ -34582,23 +34043,287 @@
 </ds:datastoreItem>
 </file>
 
-<file path=customXml/itemProps100.xml><?xml version="1.0" encoding="utf-8"?>
-<ds:datastoreItem xmlns:ds="http://schemas.openxmlformats.org/officeDocument/2006/customXml" ds:itemID="{D5205093-BB2B-40C2-98A8-A9F6399BA396}">
+<file path=customXml/itemProps11.xml><?xml version="1.0" encoding="utf-8"?>
+<ds:datastoreItem xmlns:ds="http://schemas.openxmlformats.org/officeDocument/2006/customXml" ds:itemID="{70826E2B-1B9D-49EA-B16E-B2BAED7E59C5}">
   <ds:schemaRefs>
     <ds:schemaRef ds:uri="http://schemas.microsoft.com/VisualStudio/2011/storyboarding/control"/>
   </ds:schemaRefs>
 </ds:datastoreItem>
 </file>
 
-<file path=customXml/itemProps101.xml><?xml version="1.0" encoding="utf-8"?>
-<ds:datastoreItem xmlns:ds="http://schemas.openxmlformats.org/officeDocument/2006/customXml" ds:itemID="{791F2DB3-CC8F-4C15-8743-590F26544D6B}">
+<file path=customXml/itemProps110.xml><?xml version="1.0" encoding="utf-8"?>
+<ds:datastoreItem xmlns:ds="http://schemas.openxmlformats.org/officeDocument/2006/customXml" ds:itemID="{BE10085E-8F62-44FE-A6C4-77F3F9B93BFD}">
   <ds:schemaRefs>
     <ds:schemaRef ds:uri="http://schemas.microsoft.com/VisualStudio/2011/storyboarding/control"/>
   </ds:schemaRefs>
 </ds:datastoreItem>
 </file>
 
-<file path=customXml/itemProps102.xml><?xml version="1.0" encoding="utf-8"?>
+<file path=customXml/itemProps111.xml><?xml version="1.0" encoding="utf-8"?>
+<ds:datastoreItem xmlns:ds="http://schemas.openxmlformats.org/officeDocument/2006/customXml" ds:itemID="{9BF50CE8-CF32-4606-8DE6-3101ABBDD070}">
+  <ds:schemaRefs>
+    <ds:schemaRef ds:uri="http://schemas.microsoft.com/VisualStudio/2011/storyboarding/control"/>
+  </ds:schemaRefs>
+</ds:datastoreItem>
+</file>
+
+<file path=customXml/itemProps112.xml><?xml version="1.0" encoding="utf-8"?>
+<ds:datastoreItem xmlns:ds="http://schemas.openxmlformats.org/officeDocument/2006/customXml" ds:itemID="{D10F67D1-B2C6-4D91-9BEE-407097047766}">
+  <ds:schemaRefs>
+    <ds:schemaRef ds:uri="http://schemas.microsoft.com/VisualStudio/2011/storyboarding/control"/>
+  </ds:schemaRefs>
+</ds:datastoreItem>
+</file>
+
+<file path=customXml/itemProps113.xml><?xml version="1.0" encoding="utf-8"?>
+<ds:datastoreItem xmlns:ds="http://schemas.openxmlformats.org/officeDocument/2006/customXml" ds:itemID="{2DFA9120-1703-4454-A33D-C7C738B921CC}">
+  <ds:schemaRefs>
+    <ds:schemaRef ds:uri="http://schemas.microsoft.com/VisualStudio/2011/storyboarding/control"/>
+  </ds:schemaRefs>
+</ds:datastoreItem>
+</file>
+
+<file path=customXml/itemProps114.xml><?xml version="1.0" encoding="utf-8"?>
+<ds:datastoreItem xmlns:ds="http://schemas.openxmlformats.org/officeDocument/2006/customXml" ds:itemID="{CD63B274-1815-48D1-99A0-018FC57DD355}">
+  <ds:schemaRefs>
+    <ds:schemaRef ds:uri="http://schemas.microsoft.com/VisualStudio/2011/storyboarding/control"/>
+  </ds:schemaRefs>
+</ds:datastoreItem>
+</file>
+
+<file path=customXml/itemProps115.xml><?xml version="1.0" encoding="utf-8"?>
+<ds:datastoreItem xmlns:ds="http://schemas.openxmlformats.org/officeDocument/2006/customXml" ds:itemID="{3F432E18-CBCB-42D0-A7E7-33B1387D14AE}">
+  <ds:schemaRefs>
+    <ds:schemaRef ds:uri="http://schemas.microsoft.com/VisualStudio/2011/storyboarding/control"/>
+  </ds:schemaRefs>
+</ds:datastoreItem>
+</file>
+
+<file path=customXml/itemProps116.xml><?xml version="1.0" encoding="utf-8"?>
+<ds:datastoreItem xmlns:ds="http://schemas.openxmlformats.org/officeDocument/2006/customXml" ds:itemID="{BB08E1D8-D864-4F18-BB84-C71EFF99EB19}">
+  <ds:schemaRefs>
+    <ds:schemaRef ds:uri="http://schemas.microsoft.com/VisualStudio/2011/storyboarding/control"/>
+  </ds:schemaRefs>
+</ds:datastoreItem>
+</file>
+
+<file path=customXml/itemProps117.xml><?xml version="1.0" encoding="utf-8"?>
+<ds:datastoreItem xmlns:ds="http://schemas.openxmlformats.org/officeDocument/2006/customXml" ds:itemID="{27703873-B6CF-4726-BC64-CAF5D1965247}">
+  <ds:schemaRefs>
+    <ds:schemaRef ds:uri="http://schemas.microsoft.com/VisualStudio/2011/storyboarding/control"/>
+  </ds:schemaRefs>
+</ds:datastoreItem>
+</file>
+
+<file path=customXml/itemProps118.xml><?xml version="1.0" encoding="utf-8"?>
+<ds:datastoreItem xmlns:ds="http://schemas.openxmlformats.org/officeDocument/2006/customXml" ds:itemID="{DD50F98B-127F-49E9-9CAA-EAEFB63C4CF6}">
+  <ds:schemaRefs>
+    <ds:schemaRef ds:uri="http://schemas.microsoft.com/VisualStudio/2011/storyboarding/control"/>
+  </ds:schemaRefs>
+</ds:datastoreItem>
+</file>
+
+<file path=customXml/itemProps119.xml><?xml version="1.0" encoding="utf-8"?>
+<ds:datastoreItem xmlns:ds="http://schemas.openxmlformats.org/officeDocument/2006/customXml" ds:itemID="{F3F192A1-932A-44AE-94FF-3EB034A95B0B}">
+  <ds:schemaRefs>
+    <ds:schemaRef ds:uri="http://schemas.microsoft.com/VisualStudio/2011/storyboarding/control"/>
+  </ds:schemaRefs>
+</ds:datastoreItem>
+</file>
+
+<file path=customXml/itemProps12.xml><?xml version="1.0" encoding="utf-8"?>
+<ds:datastoreItem xmlns:ds="http://schemas.openxmlformats.org/officeDocument/2006/customXml" ds:itemID="{46BCF9EF-DC37-4FCD-85C7-E3BE49B5BBE1}">
+  <ds:schemaRefs>
+    <ds:schemaRef ds:uri="http://schemas.microsoft.com/VisualStudio/2011/storyboarding/control"/>
+  </ds:schemaRefs>
+</ds:datastoreItem>
+</file>
+
+<file path=customXml/itemProps120.xml><?xml version="1.0" encoding="utf-8"?>
+<ds:datastoreItem xmlns:ds="http://schemas.openxmlformats.org/officeDocument/2006/customXml" ds:itemID="{40020F98-0D97-4E00-A098-43B162DB38BF}">
+  <ds:schemaRefs>
+    <ds:schemaRef ds:uri="http://schemas.microsoft.com/VisualStudio/2011/storyboarding/control"/>
+  </ds:schemaRefs>
+</ds:datastoreItem>
+</file>
+
+<file path=customXml/itemProps121.xml><?xml version="1.0" encoding="utf-8"?>
+<ds:datastoreItem xmlns:ds="http://schemas.openxmlformats.org/officeDocument/2006/customXml" ds:itemID="{D70F9E3A-D794-41D0-8FB0-C6970C6F8D98}">
+  <ds:schemaRefs>
+    <ds:schemaRef ds:uri="http://schemas.microsoft.com/VisualStudio/2011/storyboarding/control"/>
+  </ds:schemaRefs>
+</ds:datastoreItem>
+</file>
+
+<file path=customXml/itemProps122.xml><?xml version="1.0" encoding="utf-8"?>
+<ds:datastoreItem xmlns:ds="http://schemas.openxmlformats.org/officeDocument/2006/customXml" ds:itemID="{1E781AEC-D03E-4BA8-BA32-4906E66428A6}">
+  <ds:schemaRefs>
+    <ds:schemaRef ds:uri="http://schemas.microsoft.com/VisualStudio/2011/storyboarding/control"/>
+  </ds:schemaRefs>
+</ds:datastoreItem>
+</file>
+
+<file path=customXml/itemProps123.xml><?xml version="1.0" encoding="utf-8"?>
+<ds:datastoreItem xmlns:ds="http://schemas.openxmlformats.org/officeDocument/2006/customXml" ds:itemID="{FC644C14-B034-48B9-80E3-0CB00A432CE7}">
+  <ds:schemaRefs>
+    <ds:schemaRef ds:uri="http://schemas.microsoft.com/VisualStudio/2011/storyboarding/control"/>
+  </ds:schemaRefs>
+</ds:datastoreItem>
+</file>
+
+<file path=customXml/itemProps124.xml><?xml version="1.0" encoding="utf-8"?>
+<ds:datastoreItem xmlns:ds="http://schemas.openxmlformats.org/officeDocument/2006/customXml" ds:itemID="{9CF15317-809F-4DA0-9641-E108A9D2A822}">
+  <ds:schemaRefs>
+    <ds:schemaRef ds:uri="http://schemas.microsoft.com/VisualStudio/2011/storyboarding/control"/>
+  </ds:schemaRefs>
+</ds:datastoreItem>
+</file>
+
+<file path=customXml/itemProps125.xml><?xml version="1.0" encoding="utf-8"?>
+<ds:datastoreItem xmlns:ds="http://schemas.openxmlformats.org/officeDocument/2006/customXml" ds:itemID="{28F66DE3-F06A-4555-BE7F-CA7CD35CE06A}">
+  <ds:schemaRefs>
+    <ds:schemaRef ds:uri="http://schemas.microsoft.com/VisualStudio/2011/storyboarding/control"/>
+  </ds:schemaRefs>
+</ds:datastoreItem>
+</file>
+
+<file path=customXml/itemProps126.xml><?xml version="1.0" encoding="utf-8"?>
+<ds:datastoreItem xmlns:ds="http://schemas.openxmlformats.org/officeDocument/2006/customXml" ds:itemID="{09C8F827-DF5C-4ED5-9B32-F136378B8C20}">
+  <ds:schemaRefs>
+    <ds:schemaRef ds:uri="http://schemas.microsoft.com/VisualStudio/2011/storyboarding/control"/>
+  </ds:schemaRefs>
+</ds:datastoreItem>
+</file>
+
+<file path=customXml/itemProps127.xml><?xml version="1.0" encoding="utf-8"?>
+<ds:datastoreItem xmlns:ds="http://schemas.openxmlformats.org/officeDocument/2006/customXml" ds:itemID="{77DE4C39-3FB1-4D02-AB13-E2FD2FB0785B}">
+  <ds:schemaRefs>
+    <ds:schemaRef ds:uri="http://schemas.microsoft.com/VisualStudio/2011/storyboarding/control"/>
+  </ds:schemaRefs>
+</ds:datastoreItem>
+</file>
+
+<file path=customXml/itemProps128.xml><?xml version="1.0" encoding="utf-8"?>
+<ds:datastoreItem xmlns:ds="http://schemas.openxmlformats.org/officeDocument/2006/customXml" ds:itemID="{531ABAD3-B618-40BF-9584-FD7BA346DEDB}">
+  <ds:schemaRefs>
+    <ds:schemaRef ds:uri="http://schemas.microsoft.com/VisualStudio/2011/storyboarding/control"/>
+  </ds:schemaRefs>
+</ds:datastoreItem>
+</file>
+
+<file path=customXml/itemProps129.xml><?xml version="1.0" encoding="utf-8"?>
+<ds:datastoreItem xmlns:ds="http://schemas.openxmlformats.org/officeDocument/2006/customXml" ds:itemID="{49876BA4-ED70-4F54-946C-7F2FDA8101B3}">
+  <ds:schemaRefs>
+    <ds:schemaRef ds:uri="http://schemas.microsoft.com/VisualStudio/2011/storyboarding/control"/>
+  </ds:schemaRefs>
+</ds:datastoreItem>
+</file>
+
+<file path=customXml/itemProps13.xml><?xml version="1.0" encoding="utf-8"?>
+<ds:datastoreItem xmlns:ds="http://schemas.openxmlformats.org/officeDocument/2006/customXml" ds:itemID="{5935B25C-B0FA-447B-B017-3612A77273CA}">
+  <ds:schemaRefs>
+    <ds:schemaRef ds:uri="http://schemas.microsoft.com/VisualStudio/2011/storyboarding/control"/>
+  </ds:schemaRefs>
+</ds:datastoreItem>
+</file>
+
+<file path=customXml/itemProps130.xml><?xml version="1.0" encoding="utf-8"?>
+<ds:datastoreItem xmlns:ds="http://schemas.openxmlformats.org/officeDocument/2006/customXml" ds:itemID="{D59F002E-70DD-4433-838F-AE958AFFFAF5}">
+  <ds:schemaRefs>
+    <ds:schemaRef ds:uri="http://schemas.microsoft.com/VisualStudio/2011/storyboarding/control"/>
+  </ds:schemaRefs>
+</ds:datastoreItem>
+</file>
+
+<file path=customXml/itemProps131.xml><?xml version="1.0" encoding="utf-8"?>
+<ds:datastoreItem xmlns:ds="http://schemas.openxmlformats.org/officeDocument/2006/customXml" ds:itemID="{9A9FC5EF-7BAE-4716-8A24-B85392335D82}">
+  <ds:schemaRefs>
+    <ds:schemaRef ds:uri="http://schemas.microsoft.com/VisualStudio/2011/storyboarding/control"/>
+  </ds:schemaRefs>
+</ds:datastoreItem>
+</file>
+
+<file path=customXml/itemProps132.xml><?xml version="1.0" encoding="utf-8"?>
+<ds:datastoreItem xmlns:ds="http://schemas.openxmlformats.org/officeDocument/2006/customXml" ds:itemID="{8F4AEAB7-A1F2-4C56-BB84-85C7FC9250AF}">
+  <ds:schemaRefs>
+    <ds:schemaRef ds:uri="http://schemas.microsoft.com/VisualStudio/2011/storyboarding/control"/>
+  </ds:schemaRefs>
+</ds:datastoreItem>
+</file>
+
+<file path=customXml/itemProps133.xml><?xml version="1.0" encoding="utf-8"?>
+<ds:datastoreItem xmlns:ds="http://schemas.openxmlformats.org/officeDocument/2006/customXml" ds:itemID="{B0106A7A-83F8-41FA-B98D-2008E49735E3}">
+  <ds:schemaRefs>
+    <ds:schemaRef ds:uri="http://schemas.microsoft.com/VisualStudio/2011/storyboarding/control"/>
+  </ds:schemaRefs>
+</ds:datastoreItem>
+</file>
+
+<file path=customXml/itemProps134.xml><?xml version="1.0" encoding="utf-8"?>
+<ds:datastoreItem xmlns:ds="http://schemas.openxmlformats.org/officeDocument/2006/customXml" ds:itemID="{0341D26D-5D5B-454A-A579-757B0579E217}">
+  <ds:schemaRefs>
+    <ds:schemaRef ds:uri="http://schemas.microsoft.com/VisualStudio/2011/storyboarding/control"/>
+  </ds:schemaRefs>
+</ds:datastoreItem>
+</file>
+
+<file path=customXml/itemProps135.xml><?xml version="1.0" encoding="utf-8"?>
+<ds:datastoreItem xmlns:ds="http://schemas.openxmlformats.org/officeDocument/2006/customXml" ds:itemID="{F54E8041-E688-4CC0-AA9B-084D06139821}">
+  <ds:schemaRefs>
+    <ds:schemaRef ds:uri="http://schemas.microsoft.com/VisualStudio/2011/storyboarding/control"/>
+  </ds:schemaRefs>
+</ds:datastoreItem>
+</file>
+
+<file path=customXml/itemProps136.xml><?xml version="1.0" encoding="utf-8"?>
+<ds:datastoreItem xmlns:ds="http://schemas.openxmlformats.org/officeDocument/2006/customXml" ds:itemID="{86D2007A-49F1-4ED0-9146-5B0CCD907B77}">
+  <ds:schemaRefs>
+    <ds:schemaRef ds:uri="http://schemas.microsoft.com/VisualStudio/2011/storyboarding/control"/>
+  </ds:schemaRefs>
+</ds:datastoreItem>
+</file>
+
+<file path=customXml/itemProps137.xml><?xml version="1.0" encoding="utf-8"?>
+<ds:datastoreItem xmlns:ds="http://schemas.openxmlformats.org/officeDocument/2006/customXml" ds:itemID="{8DAC1539-EE00-4235-AB6E-3D689442BEDF}">
+  <ds:schemaRefs>
+    <ds:schemaRef ds:uri="http://schemas.microsoft.com/VisualStudio/2011/storyboarding/control"/>
+  </ds:schemaRefs>
+</ds:datastoreItem>
+</file>
+
+<file path=customXml/itemProps138.xml><?xml version="1.0" encoding="utf-8"?>
+<ds:datastoreItem xmlns:ds="http://schemas.openxmlformats.org/officeDocument/2006/customXml" ds:itemID="{4410EA4D-EEA7-4F65-AA4F-C451F3B82D11}">
+  <ds:schemaRefs>
+    <ds:schemaRef ds:uri="http://schemas.microsoft.com/VisualStudio/2011/storyboarding/control"/>
+  </ds:schemaRefs>
+</ds:datastoreItem>
+</file>
+
+<file path=customXml/itemProps139.xml><?xml version="1.0" encoding="utf-8"?>
+<ds:datastoreItem xmlns:ds="http://schemas.openxmlformats.org/officeDocument/2006/customXml" ds:itemID="{4F64FD6B-9172-4B1B-9866-57A2F12A3AA1}">
+  <ds:schemaRefs>
+    <ds:schemaRef ds:uri="http://schemas.microsoft.com/VisualStudio/2011/storyboarding/control"/>
+  </ds:schemaRefs>
+</ds:datastoreItem>
+</file>
+
+<file path=customXml/itemProps14.xml><?xml version="1.0" encoding="utf-8"?>
+<ds:datastoreItem xmlns:ds="http://schemas.openxmlformats.org/officeDocument/2006/customXml" ds:itemID="{E1A30748-A830-4B10-A878-3B4756F506F2}">
+  <ds:schemaRefs>
+    <ds:schemaRef ds:uri="http://schemas.microsoft.com/VisualStudio/2011/storyboarding/control"/>
+  </ds:schemaRefs>
+</ds:datastoreItem>
+</file>
+
+<file path=customXml/itemProps140.xml><?xml version="1.0" encoding="utf-8"?>
+<ds:datastoreItem xmlns:ds="http://schemas.openxmlformats.org/officeDocument/2006/customXml" ds:itemID="{B39EB365-64A2-4270-B261-6F581E40AA63}">
+  <ds:schemaRefs>
+    <ds:schemaRef ds:uri="http://schemas.microsoft.com/VisualStudio/2011/storyboarding/control"/>
+  </ds:schemaRefs>
+</ds:datastoreItem>
+</file>
+
+<file path=customXml/itemProps141.xml><?xml version="1.0" encoding="utf-8"?>
 <ds:datastoreItem xmlns:ds="http://schemas.openxmlformats.org/officeDocument/2006/customXml" ds:itemID="{183171CA-D024-44C6-BA60-C3C1FBC455B0}">
   <ds:schemaRefs>
     <ds:schemaRef ds:uri="http://schemas.microsoft.com/VisualStudio/2011/storyboarding/control"/>
@@ -34606,7 +34331,175 @@
 </ds:datastoreItem>
 </file>
 
-<file path=customXml/itemProps103.xml><?xml version="1.0" encoding="utf-8"?>
+<file path=customXml/itemProps142.xml><?xml version="1.0" encoding="utf-8"?>
+<ds:datastoreItem xmlns:ds="http://schemas.openxmlformats.org/officeDocument/2006/customXml" ds:itemID="{37CE81D8-9C4B-4E15-A141-0DD4074A0D38}">
+  <ds:schemaRefs>
+    <ds:schemaRef ds:uri="http://schemas.microsoft.com/VisualStudio/2011/storyboarding/control"/>
+  </ds:schemaRefs>
+</ds:datastoreItem>
+</file>
+
+<file path=customXml/itemProps143.xml><?xml version="1.0" encoding="utf-8"?>
+<ds:datastoreItem xmlns:ds="http://schemas.openxmlformats.org/officeDocument/2006/customXml" ds:itemID="{300F2AB4-3C5D-4655-B01B-4D1BCE3FB2D7}">
+  <ds:schemaRefs>
+    <ds:schemaRef ds:uri="http://schemas.microsoft.com/VisualStudio/2011/storyboarding/control"/>
+  </ds:schemaRefs>
+</ds:datastoreItem>
+</file>
+
+<file path=customXml/itemProps144.xml><?xml version="1.0" encoding="utf-8"?>
+<ds:datastoreItem xmlns:ds="http://schemas.openxmlformats.org/officeDocument/2006/customXml" ds:itemID="{11C14D45-A737-4C48-AAAE-B66C79B7299B}">
+  <ds:schemaRefs>
+    <ds:schemaRef ds:uri="http://schemas.microsoft.com/VisualStudio/2011/storyboarding/control"/>
+  </ds:schemaRefs>
+</ds:datastoreItem>
+</file>
+
+<file path=customXml/itemProps145.xml><?xml version="1.0" encoding="utf-8"?>
+<ds:datastoreItem xmlns:ds="http://schemas.openxmlformats.org/officeDocument/2006/customXml" ds:itemID="{CC5817FC-60B5-4D71-B65A-831129B98ECB}">
+  <ds:schemaRefs>
+    <ds:schemaRef ds:uri="http://schemas.microsoft.com/VisualStudio/2011/storyboarding/control"/>
+  </ds:schemaRefs>
+</ds:datastoreItem>
+</file>
+
+<file path=customXml/itemProps146.xml><?xml version="1.0" encoding="utf-8"?>
+<ds:datastoreItem xmlns:ds="http://schemas.openxmlformats.org/officeDocument/2006/customXml" ds:itemID="{EA4EC698-107C-4564-9B1E-0370BF9BB6D4}">
+  <ds:schemaRefs>
+    <ds:schemaRef ds:uri="http://schemas.microsoft.com/VisualStudio/2011/storyboarding/control"/>
+  </ds:schemaRefs>
+</ds:datastoreItem>
+</file>
+
+<file path=customXml/itemProps147.xml><?xml version="1.0" encoding="utf-8"?>
+<ds:datastoreItem xmlns:ds="http://schemas.openxmlformats.org/officeDocument/2006/customXml" ds:itemID="{8656E5FD-1F8F-4C6E-A35E-BF4448E645E4}">
+  <ds:schemaRefs>
+    <ds:schemaRef ds:uri="http://schemas.microsoft.com/VisualStudio/2011/storyboarding/control"/>
+  </ds:schemaRefs>
+</ds:datastoreItem>
+</file>
+
+<file path=customXml/itemProps148.xml><?xml version="1.0" encoding="utf-8"?>
+<ds:datastoreItem xmlns:ds="http://schemas.openxmlformats.org/officeDocument/2006/customXml" ds:itemID="{D226A0C3-5037-4DCE-847C-5DB2A993A518}">
+  <ds:schemaRefs>
+    <ds:schemaRef ds:uri="http://schemas.microsoft.com/VisualStudio/2011/storyboarding/control"/>
+  </ds:schemaRefs>
+</ds:datastoreItem>
+</file>
+
+<file path=customXml/itemProps149.xml><?xml version="1.0" encoding="utf-8"?>
+<ds:datastoreItem xmlns:ds="http://schemas.openxmlformats.org/officeDocument/2006/customXml" ds:itemID="{88FF388B-936F-494E-A575-6D8128D38F2C}">
+  <ds:schemaRefs>
+    <ds:schemaRef ds:uri="http://schemas.microsoft.com/VisualStudio/2011/storyboarding/control"/>
+  </ds:schemaRefs>
+</ds:datastoreItem>
+</file>
+
+<file path=customXml/itemProps15.xml><?xml version="1.0" encoding="utf-8"?>
+<ds:datastoreItem xmlns:ds="http://schemas.openxmlformats.org/officeDocument/2006/customXml" ds:itemID="{7DF39149-FE61-41DB-A273-C2A27AB1224B}">
+  <ds:schemaRefs>
+    <ds:schemaRef ds:uri="http://schemas.microsoft.com/VisualStudio/2011/storyboarding/control"/>
+  </ds:schemaRefs>
+</ds:datastoreItem>
+</file>
+
+<file path=customXml/itemProps150.xml><?xml version="1.0" encoding="utf-8"?>
+<ds:datastoreItem xmlns:ds="http://schemas.openxmlformats.org/officeDocument/2006/customXml" ds:itemID="{190B5A55-C46E-427C-8110-28892E409808}">
+  <ds:schemaRefs>
+    <ds:schemaRef ds:uri="http://schemas.microsoft.com/VisualStudio/2011/storyboarding/control"/>
+  </ds:schemaRefs>
+</ds:datastoreItem>
+</file>
+
+<file path=customXml/itemProps151.xml><?xml version="1.0" encoding="utf-8"?>
+<ds:datastoreItem xmlns:ds="http://schemas.openxmlformats.org/officeDocument/2006/customXml" ds:itemID="{97E85E79-3453-4406-A138-2BED0C524D02}">
+  <ds:schemaRefs>
+    <ds:schemaRef ds:uri="http://schemas.microsoft.com/VisualStudio/2011/storyboarding/control"/>
+  </ds:schemaRefs>
+</ds:datastoreItem>
+</file>
+
+<file path=customXml/itemProps152.xml><?xml version="1.0" encoding="utf-8"?>
+<ds:datastoreItem xmlns:ds="http://schemas.openxmlformats.org/officeDocument/2006/customXml" ds:itemID="{3D180A80-32EA-4B75-B874-79AE921CE972}">
+  <ds:schemaRefs>
+    <ds:schemaRef ds:uri="http://schemas.microsoft.com/VisualStudio/2011/storyboarding/control"/>
+  </ds:schemaRefs>
+</ds:datastoreItem>
+</file>
+
+<file path=customXml/itemProps153.xml><?xml version="1.0" encoding="utf-8"?>
+<ds:datastoreItem xmlns:ds="http://schemas.openxmlformats.org/officeDocument/2006/customXml" ds:itemID="{A147C2B5-40E8-429C-BE34-7938697C5C66}">
+  <ds:schemaRefs>
+    <ds:schemaRef ds:uri="http://schemas.microsoft.com/VisualStudio/2011/storyboarding/control"/>
+  </ds:schemaRefs>
+</ds:datastoreItem>
+</file>
+
+<file path=customXml/itemProps154.xml><?xml version="1.0" encoding="utf-8"?>
+<ds:datastoreItem xmlns:ds="http://schemas.openxmlformats.org/officeDocument/2006/customXml" ds:itemID="{219F8D49-BE60-4AAC-BE38-D53D8B70AAD5}">
+  <ds:schemaRefs>
+    <ds:schemaRef ds:uri="http://schemas.microsoft.com/VisualStudio/2011/storyboarding/control"/>
+  </ds:schemaRefs>
+</ds:datastoreItem>
+</file>
+
+<file path=customXml/itemProps155.xml><?xml version="1.0" encoding="utf-8"?>
+<ds:datastoreItem xmlns:ds="http://schemas.openxmlformats.org/officeDocument/2006/customXml" ds:itemID="{74BC8D2C-FD25-4E2B-A6B7-DEFF59868BEE}">
+  <ds:schemaRefs>
+    <ds:schemaRef ds:uri="http://schemas.microsoft.com/VisualStudio/2011/storyboarding/control"/>
+  </ds:schemaRefs>
+</ds:datastoreItem>
+</file>
+
+<file path=customXml/itemProps156.xml><?xml version="1.0" encoding="utf-8"?>
+<ds:datastoreItem xmlns:ds="http://schemas.openxmlformats.org/officeDocument/2006/customXml" ds:itemID="{4C57353B-922D-49DF-B3B7-197585741051}">
+  <ds:schemaRefs>
+    <ds:schemaRef ds:uri="http://schemas.microsoft.com/VisualStudio/2011/storyboarding/control"/>
+  </ds:schemaRefs>
+</ds:datastoreItem>
+</file>
+
+<file path=customXml/itemProps157.xml><?xml version="1.0" encoding="utf-8"?>
+<ds:datastoreItem xmlns:ds="http://schemas.openxmlformats.org/officeDocument/2006/customXml" ds:itemID="{03AF16DA-F379-4635-B53A-84140F8E12F6}">
+  <ds:schemaRefs>
+    <ds:schemaRef ds:uri="http://schemas.microsoft.com/VisualStudio/2011/storyboarding/control"/>
+  </ds:schemaRefs>
+</ds:datastoreItem>
+</file>
+
+<file path=customXml/itemProps158.xml><?xml version="1.0" encoding="utf-8"?>
+<ds:datastoreItem xmlns:ds="http://schemas.openxmlformats.org/officeDocument/2006/customXml" ds:itemID="{497383C0-2E4A-4ECC-8F9C-9D91C78BDFF7}">
+  <ds:schemaRefs>
+    <ds:schemaRef ds:uri="http://schemas.microsoft.com/VisualStudio/2011/storyboarding/control"/>
+  </ds:schemaRefs>
+</ds:datastoreItem>
+</file>
+
+<file path=customXml/itemProps159.xml><?xml version="1.0" encoding="utf-8"?>
+<ds:datastoreItem xmlns:ds="http://schemas.openxmlformats.org/officeDocument/2006/customXml" ds:itemID="{43336618-5276-4473-80F1-81F0F17F91C1}">
+  <ds:schemaRefs>
+    <ds:schemaRef ds:uri="http://schemas.microsoft.com/VisualStudio/2011/storyboarding/control"/>
+  </ds:schemaRefs>
+</ds:datastoreItem>
+</file>
+
+<file path=customXml/itemProps16.xml><?xml version="1.0" encoding="utf-8"?>
+<ds:datastoreItem xmlns:ds="http://schemas.openxmlformats.org/officeDocument/2006/customXml" ds:itemID="{C51C621F-9949-4A73-A5F9-2DF6287C2E14}">
+  <ds:schemaRefs>
+    <ds:schemaRef ds:uri="http://schemas.microsoft.com/VisualStudio/2011/storyboarding/control"/>
+  </ds:schemaRefs>
+</ds:datastoreItem>
+</file>
+
+<file path=customXml/itemProps160.xml><?xml version="1.0" encoding="utf-8"?>
+<ds:datastoreItem xmlns:ds="http://schemas.openxmlformats.org/officeDocument/2006/customXml" ds:itemID="{4EF85945-0603-4338-9A87-6BBEC29A645F}">
+  <ds:schemaRefs>
+    <ds:schemaRef ds:uri="http://schemas.microsoft.com/VisualStudio/2011/storyboarding/control"/>
+  </ds:schemaRefs>
+</ds:datastoreItem>
+</file>
+
+<file path=customXml/itemProps161.xml><?xml version="1.0" encoding="utf-8"?>
 <ds:datastoreItem xmlns:ds="http://schemas.openxmlformats.org/officeDocument/2006/customXml" ds:itemID="{6D1FD146-E493-41D7-B9FE-E113E5E0907E}">
   <ds:schemaRefs>
     <ds:schemaRef ds:uri="http://schemas.microsoft.com/VisualStudio/2011/storyboarding/control"/>
@@ -34614,183 +34507,7 @@
 </ds:datastoreItem>
 </file>
 
-<file path=customXml/itemProps104.xml><?xml version="1.0" encoding="utf-8"?>
-<ds:datastoreItem xmlns:ds="http://schemas.openxmlformats.org/officeDocument/2006/customXml" ds:itemID="{112D8468-F75E-46D9-BF86-CF193261424D}">
-  <ds:schemaRefs>
-    <ds:schemaRef ds:uri="http://schemas.microsoft.com/VisualStudio/2011/storyboarding/control"/>
-  </ds:schemaRefs>
-</ds:datastoreItem>
-</file>
-
-<file path=customXml/itemProps105.xml><?xml version="1.0" encoding="utf-8"?>
-<ds:datastoreItem xmlns:ds="http://schemas.openxmlformats.org/officeDocument/2006/customXml" ds:itemID="{5171EEF1-3252-442A-B2D5-5766A844DAC7}">
-  <ds:schemaRefs>
-    <ds:schemaRef ds:uri="http://schemas.microsoft.com/VisualStudio/2011/storyboarding/control"/>
-  </ds:schemaRefs>
-</ds:datastoreItem>
-</file>
-
-<file path=customXml/itemProps106.xml><?xml version="1.0" encoding="utf-8"?>
-<ds:datastoreItem xmlns:ds="http://schemas.openxmlformats.org/officeDocument/2006/customXml" ds:itemID="{A59E3C97-FCC2-46B8-899A-F7C74E57512A}">
-  <ds:schemaRefs>
-    <ds:schemaRef ds:uri="http://schemas.microsoft.com/VisualStudio/2011/storyboarding/control"/>
-  </ds:schemaRefs>
-</ds:datastoreItem>
-</file>
-
-<file path=customXml/itemProps107.xml><?xml version="1.0" encoding="utf-8"?>
-<ds:datastoreItem xmlns:ds="http://schemas.openxmlformats.org/officeDocument/2006/customXml" ds:itemID="{70826E2B-1B9D-49EA-B16E-B2BAED7E59C5}">
-  <ds:schemaRefs>
-    <ds:schemaRef ds:uri="http://schemas.microsoft.com/VisualStudio/2011/storyboarding/control"/>
-  </ds:schemaRefs>
-</ds:datastoreItem>
-</file>
-
-<file path=customXml/itemProps108.xml><?xml version="1.0" encoding="utf-8"?>
-<ds:datastoreItem xmlns:ds="http://schemas.openxmlformats.org/officeDocument/2006/customXml" ds:itemID="{EF61CF87-912E-42E7-83EA-9D0202326A8A}">
-  <ds:schemaRefs>
-    <ds:schemaRef ds:uri="http://schemas.microsoft.com/VisualStudio/2011/storyboarding/control"/>
-  </ds:schemaRefs>
-</ds:datastoreItem>
-</file>
-
-<file path=customXml/itemProps109.xml><?xml version="1.0" encoding="utf-8"?>
-<ds:datastoreItem xmlns:ds="http://schemas.openxmlformats.org/officeDocument/2006/customXml" ds:itemID="{6D23DAD7-E0D9-4241-A4DB-204A0F380A76}">
-  <ds:schemaRefs>
-    <ds:schemaRef ds:uri="http://schemas.microsoft.com/VisualStudio/2011/storyboarding/control"/>
-  </ds:schemaRefs>
-</ds:datastoreItem>
-</file>
-
-<file path=customXml/itemProps11.xml><?xml version="1.0" encoding="utf-8"?>
-<ds:datastoreItem xmlns:ds="http://schemas.openxmlformats.org/officeDocument/2006/customXml" ds:itemID="{46BCF9EF-DC37-4FCD-85C7-E3BE49B5BBE1}">
-  <ds:schemaRefs>
-    <ds:schemaRef ds:uri="http://schemas.microsoft.com/VisualStudio/2011/storyboarding/control"/>
-  </ds:schemaRefs>
-</ds:datastoreItem>
-</file>
-
-<file path=customXml/itemProps110.xml><?xml version="1.0" encoding="utf-8"?>
-<ds:datastoreItem xmlns:ds="http://schemas.openxmlformats.org/officeDocument/2006/customXml" ds:itemID="{CC7D7D72-AFCC-4840-8AC7-25CD6679F99F}">
-  <ds:schemaRefs>
-    <ds:schemaRef ds:uri="http://schemas.microsoft.com/VisualStudio/2011/storyboarding/control"/>
-  </ds:schemaRefs>
-</ds:datastoreItem>
-</file>
-
-<file path=customXml/itemProps111.xml><?xml version="1.0" encoding="utf-8"?>
-<ds:datastoreItem xmlns:ds="http://schemas.openxmlformats.org/officeDocument/2006/customXml" ds:itemID="{307CC8CE-1E22-476C-A822-C241E51683EB}">
-  <ds:schemaRefs>
-    <ds:schemaRef ds:uri="http://schemas.microsoft.com/VisualStudio/2011/storyboarding/control"/>
-  </ds:schemaRefs>
-</ds:datastoreItem>
-</file>
-
-<file path=customXml/itemProps112.xml><?xml version="1.0" encoding="utf-8"?>
-<ds:datastoreItem xmlns:ds="http://schemas.openxmlformats.org/officeDocument/2006/customXml" ds:itemID="{9A9FC5EF-7BAE-4716-8A24-B85392335D82}">
-  <ds:schemaRefs>
-    <ds:schemaRef ds:uri="http://schemas.microsoft.com/VisualStudio/2011/storyboarding/control"/>
-  </ds:schemaRefs>
-</ds:datastoreItem>
-</file>
-
-<file path=customXml/itemProps113.xml><?xml version="1.0" encoding="utf-8"?>
-<ds:datastoreItem xmlns:ds="http://schemas.openxmlformats.org/officeDocument/2006/customXml" ds:itemID="{97E85E79-3453-4406-A138-2BED0C524D02}">
-  <ds:schemaRefs>
-    <ds:schemaRef ds:uri="http://schemas.microsoft.com/VisualStudio/2011/storyboarding/control"/>
-  </ds:schemaRefs>
-</ds:datastoreItem>
-</file>
-
-<file path=customXml/itemProps114.xml><?xml version="1.0" encoding="utf-8"?>
-<ds:datastoreItem xmlns:ds="http://schemas.openxmlformats.org/officeDocument/2006/customXml" ds:itemID="{BFC4E313-8525-46BB-B2EA-19B4922B00C8}">
-  <ds:schemaRefs>
-    <ds:schemaRef ds:uri="http://schemas.microsoft.com/VisualStudio/2011/storyboarding/control"/>
-  </ds:schemaRefs>
-</ds:datastoreItem>
-</file>
-
-<file path=customXml/itemProps115.xml><?xml version="1.0" encoding="utf-8"?>
-<ds:datastoreItem xmlns:ds="http://schemas.openxmlformats.org/officeDocument/2006/customXml" ds:itemID="{E4B5B485-683D-4DEA-B56B-01CED7BABF5B}">
-  <ds:schemaRefs>
-    <ds:schemaRef ds:uri="http://schemas.microsoft.com/VisualStudio/2011/storyboarding/control"/>
-  </ds:schemaRefs>
-</ds:datastoreItem>
-</file>
-
-<file path=customXml/itemProps116.xml><?xml version="1.0" encoding="utf-8"?>
-<ds:datastoreItem xmlns:ds="http://schemas.openxmlformats.org/officeDocument/2006/customXml" ds:itemID="{C7C80165-2D84-497A-9DCA-307579EA80EF}">
-  <ds:schemaRefs>
-    <ds:schemaRef ds:uri="http://schemas.microsoft.com/VisualStudio/2011/storyboarding/control"/>
-  </ds:schemaRefs>
-</ds:datastoreItem>
-</file>
-
-<file path=customXml/itemProps117.xml><?xml version="1.0" encoding="utf-8"?>
-<ds:datastoreItem xmlns:ds="http://schemas.openxmlformats.org/officeDocument/2006/customXml" ds:itemID="{D834E1DB-AFE3-45CA-A0E0-B4DFA8D73792}">
-  <ds:schemaRefs>
-    <ds:schemaRef ds:uri="http://schemas.microsoft.com/VisualStudio/2011/storyboarding/control"/>
-  </ds:schemaRefs>
-</ds:datastoreItem>
-</file>
-
-<file path=customXml/itemProps118.xml><?xml version="1.0" encoding="utf-8"?>
-<ds:datastoreItem xmlns:ds="http://schemas.openxmlformats.org/officeDocument/2006/customXml" ds:itemID="{DB2AB7B1-45B1-4AA1-905D-207599224759}">
-  <ds:schemaRefs>
-    <ds:schemaRef ds:uri="http://schemas.microsoft.com/VisualStudio/2011/storyboarding/control"/>
-  </ds:schemaRefs>
-</ds:datastoreItem>
-</file>
-
-<file path=customXml/itemProps119.xml><?xml version="1.0" encoding="utf-8"?>
-<ds:datastoreItem xmlns:ds="http://schemas.openxmlformats.org/officeDocument/2006/customXml" ds:itemID="{65EE52E7-AEEE-4D15-87D5-5F3E901BD57D}">
-  <ds:schemaRefs>
-    <ds:schemaRef ds:uri="http://schemas.microsoft.com/VisualStudio/2011/storyboarding/control"/>
-  </ds:schemaRefs>
-</ds:datastoreItem>
-</file>
-
-<file path=customXml/itemProps12.xml><?xml version="1.0" encoding="utf-8"?>
-<ds:datastoreItem xmlns:ds="http://schemas.openxmlformats.org/officeDocument/2006/customXml" ds:itemID="{C45ADD74-D966-4389-AA66-C66380EA72AE}">
-  <ds:schemaRefs>
-    <ds:schemaRef ds:uri="http://schemas.microsoft.com/VisualStudio/2011/storyboarding/control"/>
-  </ds:schemaRefs>
-</ds:datastoreItem>
-</file>
-
-<file path=customXml/itemProps120.xml><?xml version="1.0" encoding="utf-8"?>
-<ds:datastoreItem xmlns:ds="http://schemas.openxmlformats.org/officeDocument/2006/customXml" ds:itemID="{862FA17A-2C6F-4CD8-B507-10CA7CC09A8F}">
-  <ds:schemaRefs>
-    <ds:schemaRef ds:uri="http://schemas.microsoft.com/VisualStudio/2011/storyboarding/control"/>
-  </ds:schemaRefs>
-</ds:datastoreItem>
-</file>
-
-<file path=customXml/itemProps121.xml><?xml version="1.0" encoding="utf-8"?>
-<ds:datastoreItem xmlns:ds="http://schemas.openxmlformats.org/officeDocument/2006/customXml" ds:itemID="{BFEF8C4D-1E27-426E-B1CF-BF65C7F7B0A0}">
-  <ds:schemaRefs>
-    <ds:schemaRef ds:uri="http://schemas.microsoft.com/VisualStudio/2011/storyboarding/control"/>
-  </ds:schemaRefs>
-</ds:datastoreItem>
-</file>
-
-<file path=customXml/itemProps122.xml><?xml version="1.0" encoding="utf-8"?>
-<ds:datastoreItem xmlns:ds="http://schemas.openxmlformats.org/officeDocument/2006/customXml" ds:itemID="{BB08E1D8-D864-4F18-BB84-C71EFF99EB19}">
-  <ds:schemaRefs>
-    <ds:schemaRef ds:uri="http://schemas.microsoft.com/VisualStudio/2011/storyboarding/control"/>
-  </ds:schemaRefs>
-</ds:datastoreItem>
-</file>
-
-<file path=customXml/itemProps123.xml><?xml version="1.0" encoding="utf-8"?>
-<ds:datastoreItem xmlns:ds="http://schemas.openxmlformats.org/officeDocument/2006/customXml" ds:itemID="{37CE81D8-9C4B-4E15-A141-0DD4074A0D38}">
-  <ds:schemaRefs>
-    <ds:schemaRef ds:uri="http://schemas.microsoft.com/VisualStudio/2011/storyboarding/control"/>
-  </ds:schemaRefs>
-</ds:datastoreItem>
-</file>
-
-<file path=customXml/itemProps124.xml><?xml version="1.0" encoding="utf-8"?>
+<file path=customXml/itemProps162.xml><?xml version="1.0" encoding="utf-8"?>
 <ds:datastoreItem xmlns:ds="http://schemas.openxmlformats.org/officeDocument/2006/customXml" ds:itemID="{1C398AC1-4638-4A46-8F3B-259DD202478E}">
   <ds:schemaRefs>
     <ds:schemaRef ds:uri="http://schemas.microsoft.com/VisualStudio/2011/storyboarding/control"/>
@@ -34798,360 +34515,24 @@
 </ds:datastoreItem>
 </file>
 
-<file path=customXml/itemProps125.xml><?xml version="1.0" encoding="utf-8"?>
-<ds:datastoreItem xmlns:ds="http://schemas.openxmlformats.org/officeDocument/2006/customXml" ds:itemID="{41EE4082-0EEC-4541-ACC5-B84A36EDE554}">
+<file path=customXml/itemProps163.xml><?xml version="1.0" encoding="utf-8"?>
+<ds:datastoreItem xmlns:ds="http://schemas.openxmlformats.org/officeDocument/2006/customXml" ds:itemID="{0EAF2948-FD94-49F5-B377-DA8EBE204475}">
   <ds:schemaRefs>
     <ds:schemaRef ds:uri="http://schemas.microsoft.com/VisualStudio/2011/storyboarding/control"/>
   </ds:schemaRefs>
 </ds:datastoreItem>
 </file>
 
-<file path=customXml/itemProps126.xml><?xml version="1.0" encoding="utf-8"?>
-<ds:datastoreItem xmlns:ds="http://schemas.openxmlformats.org/officeDocument/2006/customXml" ds:itemID="{CCE61513-AF07-49B1-B8EA-B5635E280688}">
+<file path=customXml/itemProps164.xml><?xml version="1.0" encoding="utf-8"?>
+<ds:datastoreItem xmlns:ds="http://schemas.openxmlformats.org/officeDocument/2006/customXml" ds:itemID="{42063805-6CB9-4EB6-A3CE-140E342850A1}">
   <ds:schemaRefs>
     <ds:schemaRef ds:uri="http://schemas.microsoft.com/VisualStudio/2011/storyboarding/control"/>
   </ds:schemaRefs>
 </ds:datastoreItem>
 </file>
 
-<file path=customXml/itemProps127.xml><?xml version="1.0" encoding="utf-8"?>
-<ds:datastoreItem xmlns:ds="http://schemas.openxmlformats.org/officeDocument/2006/customXml" ds:itemID="{C5FE7D1A-2B63-4C2F-9939-081E0C3BEDA0}">
-  <ds:schemaRefs>
-    <ds:schemaRef ds:uri="http://schemas.microsoft.com/VisualStudio/2011/storyboarding/control"/>
-  </ds:schemaRefs>
-</ds:datastoreItem>
-</file>
-
-<file path=customXml/itemProps128.xml><?xml version="1.0" encoding="utf-8"?>
-<ds:datastoreItem xmlns:ds="http://schemas.openxmlformats.org/officeDocument/2006/customXml" ds:itemID="{7DF39149-FE61-41DB-A273-C2A27AB1224B}">
-  <ds:schemaRefs>
-    <ds:schemaRef ds:uri="http://schemas.microsoft.com/VisualStudio/2011/storyboarding/control"/>
-  </ds:schemaRefs>
-</ds:datastoreItem>
-</file>
-
-<file path=customXml/itemProps129.xml><?xml version="1.0" encoding="utf-8"?>
-<ds:datastoreItem xmlns:ds="http://schemas.openxmlformats.org/officeDocument/2006/customXml" ds:itemID="{13E6BBC8-B658-48E7-A464-249B862EC920}">
-  <ds:schemaRefs>
-    <ds:schemaRef ds:uri="http://schemas.microsoft.com/VisualStudio/2011/storyboarding/control"/>
-  </ds:schemaRefs>
-</ds:datastoreItem>
-</file>
-
-<file path=customXml/itemProps13.xml><?xml version="1.0" encoding="utf-8"?>
-<ds:datastoreItem xmlns:ds="http://schemas.openxmlformats.org/officeDocument/2006/customXml" ds:itemID="{07F23B51-ED1D-4CDC-AEE4-3AF7B8CF537D}">
-  <ds:schemaRefs>
-    <ds:schemaRef ds:uri="http://schemas.microsoft.com/VisualStudio/2011/storyboarding/control"/>
-  </ds:schemaRefs>
-</ds:datastoreItem>
-</file>
-
-<file path=customXml/itemProps130.xml><?xml version="1.0" encoding="utf-8"?>
-<ds:datastoreItem xmlns:ds="http://schemas.openxmlformats.org/officeDocument/2006/customXml" ds:itemID="{C7A8CFC0-4556-4E25-A269-74548695F78A}">
-  <ds:schemaRefs>
-    <ds:schemaRef ds:uri="http://schemas.microsoft.com/VisualStudio/2011/storyboarding/control"/>
-  </ds:schemaRefs>
-</ds:datastoreItem>
-</file>
-
-<file path=customXml/itemProps131.xml><?xml version="1.0" encoding="utf-8"?>
-<ds:datastoreItem xmlns:ds="http://schemas.openxmlformats.org/officeDocument/2006/customXml" ds:itemID="{7387757C-924F-48E4-BB13-EE3C0DC40C7C}">
-  <ds:schemaRefs>
-    <ds:schemaRef ds:uri="http://schemas.microsoft.com/VisualStudio/2011/storyboarding/control"/>
-  </ds:schemaRefs>
-</ds:datastoreItem>
-</file>
-
-<file path=customXml/itemProps132.xml><?xml version="1.0" encoding="utf-8"?>
-<ds:datastoreItem xmlns:ds="http://schemas.openxmlformats.org/officeDocument/2006/customXml" ds:itemID="{CCEFF071-20E9-4479-8AD3-888151395FEA}">
-  <ds:schemaRefs>
-    <ds:schemaRef ds:uri="http://schemas.microsoft.com/VisualStudio/2011/storyboarding/control"/>
-  </ds:schemaRefs>
-</ds:datastoreItem>
-</file>
-
-<file path=customXml/itemProps133.xml><?xml version="1.0" encoding="utf-8"?>
-<ds:datastoreItem xmlns:ds="http://schemas.openxmlformats.org/officeDocument/2006/customXml" ds:itemID="{8F4AEAB7-A1F2-4C56-BB84-85C7FC9250AF}">
-  <ds:schemaRefs>
-    <ds:schemaRef ds:uri="http://schemas.microsoft.com/VisualStudio/2011/storyboarding/control"/>
-  </ds:schemaRefs>
-</ds:datastoreItem>
-</file>
-
-<file path=customXml/itemProps134.xml><?xml version="1.0" encoding="utf-8"?>
-<ds:datastoreItem xmlns:ds="http://schemas.openxmlformats.org/officeDocument/2006/customXml" ds:itemID="{3D180A80-32EA-4B75-B874-79AE921CE972}">
-  <ds:schemaRefs>
-    <ds:schemaRef ds:uri="http://schemas.microsoft.com/VisualStudio/2011/storyboarding/control"/>
-  </ds:schemaRefs>
-</ds:datastoreItem>
-</file>
-
-<file path=customXml/itemProps135.xml><?xml version="1.0" encoding="utf-8"?>
-<ds:datastoreItem xmlns:ds="http://schemas.openxmlformats.org/officeDocument/2006/customXml" ds:itemID="{356EE708-7A27-49E2-9281-EA922369ECFA}">
-  <ds:schemaRefs>
-    <ds:schemaRef ds:uri="http://schemas.microsoft.com/VisualStudio/2011/storyboarding/control"/>
-  </ds:schemaRefs>
-</ds:datastoreItem>
-</file>
-
-<file path=customXml/itemProps136.xml><?xml version="1.0" encoding="utf-8"?>
-<ds:datastoreItem xmlns:ds="http://schemas.openxmlformats.org/officeDocument/2006/customXml" ds:itemID="{2704E402-C027-4ED2-9EA2-1048BDB31690}">
-  <ds:schemaRefs>
-    <ds:schemaRef ds:uri="http://schemas.microsoft.com/VisualStudio/2011/storyboarding/control"/>
-  </ds:schemaRefs>
-</ds:datastoreItem>
-</file>
-
-<file path=customXml/itemProps137.xml><?xml version="1.0" encoding="utf-8"?>
-<ds:datastoreItem xmlns:ds="http://schemas.openxmlformats.org/officeDocument/2006/customXml" ds:itemID="{CB02D37A-A957-4BC7-84CC-6C8D7E80D890}">
-  <ds:schemaRefs>
-    <ds:schemaRef ds:uri="http://schemas.microsoft.com/VisualStudio/2011/storyboarding/control"/>
-  </ds:schemaRefs>
-</ds:datastoreItem>
-</file>
-
-<file path=customXml/itemProps138.xml><?xml version="1.0" encoding="utf-8"?>
-<ds:datastoreItem xmlns:ds="http://schemas.openxmlformats.org/officeDocument/2006/customXml" ds:itemID="{D32A8E94-96EB-41E2-B448-91979CF47864}">
-  <ds:schemaRefs>
-    <ds:schemaRef ds:uri="http://schemas.microsoft.com/VisualStudio/2011/storyboarding/control"/>
-  </ds:schemaRefs>
-</ds:datastoreItem>
-</file>
-
-<file path=customXml/itemProps139.xml><?xml version="1.0" encoding="utf-8"?>
-<ds:datastoreItem xmlns:ds="http://schemas.openxmlformats.org/officeDocument/2006/customXml" ds:itemID="{0822C9B2-6CA6-4726-B2A5-E1481F002984}">
-  <ds:schemaRefs>
-    <ds:schemaRef ds:uri="http://schemas.microsoft.com/VisualStudio/2011/storyboarding/control"/>
-  </ds:schemaRefs>
-</ds:datastoreItem>
-</file>
-
-<file path=customXml/itemProps14.xml><?xml version="1.0" encoding="utf-8"?>
-<ds:datastoreItem xmlns:ds="http://schemas.openxmlformats.org/officeDocument/2006/customXml" ds:itemID="{E97CE4A6-9C01-4E1C-AE95-A570F68F4499}">
-  <ds:schemaRefs>
-    <ds:schemaRef ds:uri="http://schemas.microsoft.com/VisualStudio/2011/storyboarding/control"/>
-  </ds:schemaRefs>
-</ds:datastoreItem>
-</file>
-
-<file path=customXml/itemProps140.xml><?xml version="1.0" encoding="utf-8"?>
-<ds:datastoreItem xmlns:ds="http://schemas.openxmlformats.org/officeDocument/2006/customXml" ds:itemID="{853DF96D-4EE8-438C-B655-6DE5563EAF67}">
-  <ds:schemaRefs>
-    <ds:schemaRef ds:uri="http://schemas.microsoft.com/VisualStudio/2011/storyboarding/control"/>
-  </ds:schemaRefs>
-</ds:datastoreItem>
-</file>
-
-<file path=customXml/itemProps141.xml><?xml version="1.0" encoding="utf-8"?>
-<ds:datastoreItem xmlns:ds="http://schemas.openxmlformats.org/officeDocument/2006/customXml" ds:itemID="{052B62D0-47D7-4DB1-A2CF-88DB30926B97}">
-  <ds:schemaRefs>
-    <ds:schemaRef ds:uri="http://schemas.microsoft.com/VisualStudio/2011/storyboarding/control"/>
-  </ds:schemaRefs>
-</ds:datastoreItem>
-</file>
-
-<file path=customXml/itemProps142.xml><?xml version="1.0" encoding="utf-8"?>
-<ds:datastoreItem xmlns:ds="http://schemas.openxmlformats.org/officeDocument/2006/customXml" ds:itemID="{F42CB0C3-0A05-4FF5-8C2A-312EB638568A}">
-  <ds:schemaRefs>
-    <ds:schemaRef ds:uri="http://schemas.microsoft.com/VisualStudio/2011/storyboarding/control"/>
-  </ds:schemaRefs>
-</ds:datastoreItem>
-</file>
-
-<file path=customXml/itemProps143.xml><?xml version="1.0" encoding="utf-8"?>
-<ds:datastoreItem xmlns:ds="http://schemas.openxmlformats.org/officeDocument/2006/customXml" ds:itemID="{27703873-B6CF-4726-BC64-CAF5D1965247}">
-  <ds:schemaRefs>
-    <ds:schemaRef ds:uri="http://schemas.microsoft.com/VisualStudio/2011/storyboarding/control"/>
-  </ds:schemaRefs>
-</ds:datastoreItem>
-</file>
-
-<file path=customXml/itemProps144.xml><?xml version="1.0" encoding="utf-8"?>
-<ds:datastoreItem xmlns:ds="http://schemas.openxmlformats.org/officeDocument/2006/customXml" ds:itemID="{300F2AB4-3C5D-4655-B01B-4D1BCE3FB2D7}">
-  <ds:schemaRefs>
-    <ds:schemaRef ds:uri="http://schemas.microsoft.com/VisualStudio/2011/storyboarding/control"/>
-  </ds:schemaRefs>
-</ds:datastoreItem>
-</file>
-
-<file path=customXml/itemProps145.xml><?xml version="1.0" encoding="utf-8"?>
+<file path=customXml/itemProps165.xml><?xml version="1.0" encoding="utf-8"?>
 <ds:datastoreItem xmlns:ds="http://schemas.openxmlformats.org/officeDocument/2006/customXml" ds:itemID="{ECA19B56-26C3-4074-8DF0-A75E70CE4C52}">
-  <ds:schemaRefs>
-    <ds:schemaRef ds:uri="http://schemas.microsoft.com/VisualStudio/2011/storyboarding/control"/>
-  </ds:schemaRefs>
-</ds:datastoreItem>
-</file>
-
-<file path=customXml/itemProps146.xml><?xml version="1.0" encoding="utf-8"?>
-<ds:datastoreItem xmlns:ds="http://schemas.openxmlformats.org/officeDocument/2006/customXml" ds:itemID="{8CF028E2-4AC4-4488-82BC-A4297283673B}">
-  <ds:schemaRefs>
-    <ds:schemaRef ds:uri="http://schemas.microsoft.com/VisualStudio/2011/storyboarding/control"/>
-  </ds:schemaRefs>
-</ds:datastoreItem>
-</file>
-
-<file path=customXml/itemProps147.xml><?xml version="1.0" encoding="utf-8"?>
-<ds:datastoreItem xmlns:ds="http://schemas.openxmlformats.org/officeDocument/2006/customXml" ds:itemID="{1C6D8D7B-D483-43E5-9860-CFC5FF066FDA}">
-  <ds:schemaRefs>
-    <ds:schemaRef ds:uri="http://schemas.microsoft.com/VisualStudio/2011/storyboarding/control"/>
-  </ds:schemaRefs>
-</ds:datastoreItem>
-</file>
-
-<file path=customXml/itemProps148.xml><?xml version="1.0" encoding="utf-8"?>
-<ds:datastoreItem xmlns:ds="http://schemas.openxmlformats.org/officeDocument/2006/customXml" ds:itemID="{DD50F98B-127F-49E9-9CAA-EAEFB63C4CF6}">
-  <ds:schemaRefs>
-    <ds:schemaRef ds:uri="http://schemas.microsoft.com/VisualStudio/2011/storyboarding/control"/>
-  </ds:schemaRefs>
-</ds:datastoreItem>
-</file>
-
-<file path=customXml/itemProps149.xml><?xml version="1.0" encoding="utf-8"?>
-<ds:datastoreItem xmlns:ds="http://schemas.openxmlformats.org/officeDocument/2006/customXml" ds:itemID="{C51C621F-9949-4A73-A5F9-2DF6287C2E14}">
-  <ds:schemaRefs>
-    <ds:schemaRef ds:uri="http://schemas.microsoft.com/VisualStudio/2011/storyboarding/control"/>
-  </ds:schemaRefs>
-</ds:datastoreItem>
-</file>
-
-<file path=customXml/itemProps15.xml><?xml version="1.0" encoding="utf-8"?>
-<ds:datastoreItem xmlns:ds="http://schemas.openxmlformats.org/officeDocument/2006/customXml" ds:itemID="{3C01D0B5-D923-4DB6-9ECA-21B712F90957}">
-  <ds:schemaRefs>
-    <ds:schemaRef ds:uri="http://schemas.microsoft.com/VisualStudio/2011/storyboarding/control"/>
-  </ds:schemaRefs>
-</ds:datastoreItem>
-</file>
-
-<file path=customXml/itemProps150.xml><?xml version="1.0" encoding="utf-8"?>
-<ds:datastoreItem xmlns:ds="http://schemas.openxmlformats.org/officeDocument/2006/customXml" ds:itemID="{0F929D75-CCB0-4714-86AF-7F029C45BE4D}">
-  <ds:schemaRefs>
-    <ds:schemaRef ds:uri="http://schemas.microsoft.com/VisualStudio/2011/storyboarding/control"/>
-  </ds:schemaRefs>
-</ds:datastoreItem>
-</file>
-
-<file path=customXml/itemProps151.xml><?xml version="1.0" encoding="utf-8"?>
-<ds:datastoreItem xmlns:ds="http://schemas.openxmlformats.org/officeDocument/2006/customXml" ds:itemID="{EC69FA35-EA99-4AB2-9E43-124AE2A4D710}">
-  <ds:schemaRefs>
-    <ds:schemaRef ds:uri="http://schemas.microsoft.com/VisualStudio/2011/storyboarding/control"/>
-  </ds:schemaRefs>
-</ds:datastoreItem>
-</file>
-
-<file path=customXml/itemProps152.xml><?xml version="1.0" encoding="utf-8"?>
-<ds:datastoreItem xmlns:ds="http://schemas.openxmlformats.org/officeDocument/2006/customXml" ds:itemID="{1E52AFE8-BD2F-4CEE-9DA3-64378EED1FA3}">
-  <ds:schemaRefs>
-    <ds:schemaRef ds:uri="http://schemas.microsoft.com/VisualStudio/2011/storyboarding/control"/>
-  </ds:schemaRefs>
-</ds:datastoreItem>
-</file>
-
-<file path=customXml/itemProps153.xml><?xml version="1.0" encoding="utf-8"?>
-<ds:datastoreItem xmlns:ds="http://schemas.openxmlformats.org/officeDocument/2006/customXml" ds:itemID="{75BD8AE5-EDCF-4A32-B8CE-1D7667B79CC5}">
-  <ds:schemaRefs>
-    <ds:schemaRef ds:uri="http://schemas.microsoft.com/VisualStudio/2011/storyboarding/control"/>
-  </ds:schemaRefs>
-</ds:datastoreItem>
-</file>
-
-<file path=customXml/itemProps154.xml><?xml version="1.0" encoding="utf-8"?>
-<ds:datastoreItem xmlns:ds="http://schemas.openxmlformats.org/officeDocument/2006/customXml" ds:itemID="{B0106A7A-83F8-41FA-B98D-2008E49735E3}">
-  <ds:schemaRefs>
-    <ds:schemaRef ds:uri="http://schemas.microsoft.com/VisualStudio/2011/storyboarding/control"/>
-  </ds:schemaRefs>
-</ds:datastoreItem>
-</file>
-
-<file path=customXml/itemProps155.xml><?xml version="1.0" encoding="utf-8"?>
-<ds:datastoreItem xmlns:ds="http://schemas.openxmlformats.org/officeDocument/2006/customXml" ds:itemID="{219F8D49-BE60-4AAC-BE38-D53D8B70AAD5}">
-  <ds:schemaRefs>
-    <ds:schemaRef ds:uri="http://schemas.microsoft.com/VisualStudio/2011/storyboarding/control"/>
-  </ds:schemaRefs>
-</ds:datastoreItem>
-</file>
-
-<file path=customXml/itemProps156.xml><?xml version="1.0" encoding="utf-8"?>
-<ds:datastoreItem xmlns:ds="http://schemas.openxmlformats.org/officeDocument/2006/customXml" ds:itemID="{1F322422-9D52-4DFA-A51C-4E56B9EFD940}">
-  <ds:schemaRefs>
-    <ds:schemaRef ds:uri="http://schemas.microsoft.com/VisualStudio/2011/storyboarding/control"/>
-  </ds:schemaRefs>
-</ds:datastoreItem>
-</file>
-
-<file path=customXml/itemProps157.xml><?xml version="1.0" encoding="utf-8"?>
-<ds:datastoreItem xmlns:ds="http://schemas.openxmlformats.org/officeDocument/2006/customXml" ds:itemID="{A415C0F1-CC3C-4A29-9AC9-B21667BDE4C3}">
-  <ds:schemaRefs>
-    <ds:schemaRef ds:uri="http://schemas.microsoft.com/VisualStudio/2011/storyboarding/control"/>
-  </ds:schemaRefs>
-</ds:datastoreItem>
-</file>
-
-<file path=customXml/itemProps158.xml><?xml version="1.0" encoding="utf-8"?>
-<ds:datastoreItem xmlns:ds="http://schemas.openxmlformats.org/officeDocument/2006/customXml" ds:itemID="{92E5CA83-6015-4923-8B9E-EB53E939B7A2}">
-  <ds:schemaRefs>
-    <ds:schemaRef ds:uri="http://schemas.microsoft.com/VisualStudio/2011/storyboarding/control"/>
-  </ds:schemaRefs>
-</ds:datastoreItem>
-</file>
-
-<file path=customXml/itemProps159.xml><?xml version="1.0" encoding="utf-8"?>
-<ds:datastoreItem xmlns:ds="http://schemas.openxmlformats.org/officeDocument/2006/customXml" ds:itemID="{B5DF6AE2-73F3-49D4-8F61-B8B8F150424B}">
-  <ds:schemaRefs>
-    <ds:schemaRef ds:uri="http://schemas.microsoft.com/VisualStudio/2011/storyboarding/control"/>
-  </ds:schemaRefs>
-</ds:datastoreItem>
-</file>
-
-<file path=customXml/itemProps16.xml><?xml version="1.0" encoding="utf-8"?>
-<ds:datastoreItem xmlns:ds="http://schemas.openxmlformats.org/officeDocument/2006/customXml" ds:itemID="{8DAC1539-EE00-4235-AB6E-3D689442BEDF}">
-  <ds:schemaRefs>
-    <ds:schemaRef ds:uri="http://schemas.microsoft.com/VisualStudio/2011/storyboarding/control"/>
-  </ds:schemaRefs>
-</ds:datastoreItem>
-</file>
-
-<file path=customXml/itemProps160.xml><?xml version="1.0" encoding="utf-8"?>
-<ds:datastoreItem xmlns:ds="http://schemas.openxmlformats.org/officeDocument/2006/customXml" ds:itemID="{6C53E6A2-563C-44BA-973B-82523CC06E1A}">
-  <ds:schemaRefs>
-    <ds:schemaRef ds:uri="http://schemas.microsoft.com/VisualStudio/2011/storyboarding/control"/>
-  </ds:schemaRefs>
-</ds:datastoreItem>
-</file>
-
-<file path=customXml/itemProps161.xml><?xml version="1.0" encoding="utf-8"?>
-<ds:datastoreItem xmlns:ds="http://schemas.openxmlformats.org/officeDocument/2006/customXml" ds:itemID="{347AD84A-A5B8-4538-A522-0B53C330B912}">
-  <ds:schemaRefs>
-    <ds:schemaRef ds:uri="http://schemas.microsoft.com/VisualStudio/2011/storyboarding/control"/>
-  </ds:schemaRefs>
-</ds:datastoreItem>
-</file>
-
-<file path=customXml/itemProps162.xml><?xml version="1.0" encoding="utf-8"?>
-<ds:datastoreItem xmlns:ds="http://schemas.openxmlformats.org/officeDocument/2006/customXml" ds:itemID="{58DC7449-4DAD-466C-B54C-A90A8D4FDCB0}">
-  <ds:schemaRefs>
-    <ds:schemaRef ds:uri="http://schemas.microsoft.com/VisualStudio/2011/storyboarding/control"/>
-  </ds:schemaRefs>
-</ds:datastoreItem>
-</file>
-
-<file path=customXml/itemProps163.xml><?xml version="1.0" encoding="utf-8"?>
-<ds:datastoreItem xmlns:ds="http://schemas.openxmlformats.org/officeDocument/2006/customXml" ds:itemID="{B08C1852-3FDB-4CAF-99F1-A71471EFD4E5}">
-  <ds:schemaRefs>
-    <ds:schemaRef ds:uri="http://schemas.microsoft.com/VisualStudio/2011/storyboarding/control"/>
-  </ds:schemaRefs>
-</ds:datastoreItem>
-</file>
-
-<file path=customXml/itemProps164.xml><?xml version="1.0" encoding="utf-8"?>
-<ds:datastoreItem xmlns:ds="http://schemas.openxmlformats.org/officeDocument/2006/customXml" ds:itemID="{F3F192A1-932A-44AE-94FF-3EB034A95B0B}">
-  <ds:schemaRefs>
-    <ds:schemaRef ds:uri="http://schemas.microsoft.com/VisualStudio/2011/storyboarding/control"/>
-  </ds:schemaRefs>
-</ds:datastoreItem>
-</file>
-
-<file path=customXml/itemProps165.xml><?xml version="1.0" encoding="utf-8"?>
-<ds:datastoreItem xmlns:ds="http://schemas.openxmlformats.org/officeDocument/2006/customXml" ds:itemID="{CC5817FC-60B5-4D71-B65A-831129B98ECB}">
   <ds:schemaRefs>
     <ds:schemaRef ds:uri="http://schemas.microsoft.com/VisualStudio/2011/storyboarding/control"/>
   </ds:schemaRefs>
@@ -35167,7 +34548,7 @@
 </file>
 
 <file path=customXml/itemProps167.xml><?xml version="1.0" encoding="utf-8"?>
-<ds:datastoreItem xmlns:ds="http://schemas.openxmlformats.org/officeDocument/2006/customXml" ds:itemID="{A1484EA6-E369-4EF7-BD90-CC323D5BFB64}">
+<ds:datastoreItem xmlns:ds="http://schemas.openxmlformats.org/officeDocument/2006/customXml" ds:itemID="{43873FE5-EB9A-48DD-AD09-897EC7A5B60E}">
   <ds:schemaRefs>
     <ds:schemaRef ds:uri="http://schemas.microsoft.com/VisualStudio/2011/storyboarding/control"/>
   </ds:schemaRefs>
@@ -35175,7 +34556,7 @@
 </file>
 
 <file path=customXml/itemProps168.xml><?xml version="1.0" encoding="utf-8"?>
-<ds:datastoreItem xmlns:ds="http://schemas.openxmlformats.org/officeDocument/2006/customXml" ds:itemID="{1D2F86E7-F0DE-4A22-9F6E-984F9F81447F}">
+<ds:datastoreItem xmlns:ds="http://schemas.openxmlformats.org/officeDocument/2006/customXml" ds:itemID="{E998C69E-52BE-44B3-B629-486376A2D891}">
   <ds:schemaRefs>
     <ds:schemaRef ds:uri="http://schemas.microsoft.com/VisualStudio/2011/storyboarding/control"/>
   </ds:schemaRefs>
@@ -35183,7 +34564,7 @@
 </file>
 
 <file path=customXml/itemProps169.xml><?xml version="1.0" encoding="utf-8"?>
-<ds:datastoreItem xmlns:ds="http://schemas.openxmlformats.org/officeDocument/2006/customXml" ds:itemID="{40020F98-0D97-4E00-A098-43B162DB38BF}">
+<ds:datastoreItem xmlns:ds="http://schemas.openxmlformats.org/officeDocument/2006/customXml" ds:itemID="{FBD59DB0-233D-4542-9356-F926927AC150}">
   <ds:schemaRefs>
     <ds:schemaRef ds:uri="http://schemas.microsoft.com/VisualStudio/2011/storyboarding/control"/>
   </ds:schemaRefs>
@@ -35191,7 +34572,7 @@
 </file>
 
 <file path=customXml/itemProps17.xml><?xml version="1.0" encoding="utf-8"?>
-<ds:datastoreItem xmlns:ds="http://schemas.openxmlformats.org/officeDocument/2006/customXml" ds:itemID="{43336618-5276-4473-80F1-81F0F17F91C1}">
+<ds:datastoreItem xmlns:ds="http://schemas.openxmlformats.org/officeDocument/2006/customXml" ds:itemID="{9BFD28BC-F5E3-43AD-9A6E-07C9D177A3A7}">
   <ds:schemaRefs>
     <ds:schemaRef ds:uri="http://schemas.microsoft.com/VisualStudio/2011/storyboarding/control"/>
   </ds:schemaRefs>
@@ -35199,7 +34580,7 @@
 </file>
 
 <file path=customXml/itemProps170.xml><?xml version="1.0" encoding="utf-8"?>
-<ds:datastoreItem xmlns:ds="http://schemas.openxmlformats.org/officeDocument/2006/customXml" ds:itemID="{054211BB-F3B3-4340-84B6-29408AF040DF}">
+<ds:datastoreItem xmlns:ds="http://schemas.openxmlformats.org/officeDocument/2006/customXml" ds:itemID="{4E01388C-A924-4BE8-985B-79D263B16D05}">
   <ds:schemaRefs>
     <ds:schemaRef ds:uri="http://schemas.microsoft.com/VisualStudio/2011/storyboarding/control"/>
   </ds:schemaRefs>
@@ -35207,7 +34588,7 @@
 </file>
 
 <file path=customXml/itemProps171.xml><?xml version="1.0" encoding="utf-8"?>
-<ds:datastoreItem xmlns:ds="http://schemas.openxmlformats.org/officeDocument/2006/customXml" ds:itemID="{B93CAB6C-9A12-45A2-BD75-D46F9A34749C}">
+<ds:datastoreItem xmlns:ds="http://schemas.openxmlformats.org/officeDocument/2006/customXml" ds:itemID="{7DADA5E2-03E5-49B3-9E3C-4AF206A22159}">
   <ds:schemaRefs>
     <ds:schemaRef ds:uri="http://schemas.microsoft.com/VisualStudio/2011/storyboarding/control"/>
   </ds:schemaRefs>
@@ -35215,7 +34596,7 @@
 </file>
 
 <file path=customXml/itemProps172.xml><?xml version="1.0" encoding="utf-8"?>
-<ds:datastoreItem xmlns:ds="http://schemas.openxmlformats.org/officeDocument/2006/customXml" ds:itemID="{298CA2B6-AFE4-4E49-A39E-6F28F243F39E}">
+<ds:datastoreItem xmlns:ds="http://schemas.openxmlformats.org/officeDocument/2006/customXml" ds:itemID="{BFC4E313-8525-46BB-B2EA-19B4922B00C8}">
   <ds:schemaRefs>
     <ds:schemaRef ds:uri="http://schemas.microsoft.com/VisualStudio/2011/storyboarding/control"/>
   </ds:schemaRefs>
@@ -35223,7 +34604,7 @@
 </file>
 
 <file path=customXml/itemProps173.xml><?xml version="1.0" encoding="utf-8"?>
-<ds:datastoreItem xmlns:ds="http://schemas.openxmlformats.org/officeDocument/2006/customXml" ds:itemID="{186B5A93-8F70-4971-985E-B89AD68DE7BA}">
+<ds:datastoreItem xmlns:ds="http://schemas.openxmlformats.org/officeDocument/2006/customXml" ds:itemID="{27BC9990-CADA-45E4-8D2C-621D363CA1D2}">
   <ds:schemaRefs>
     <ds:schemaRef ds:uri="http://schemas.microsoft.com/VisualStudio/2011/storyboarding/control"/>
   </ds:schemaRefs>
@@ -35231,7 +34612,7 @@
 </file>
 
 <file path=customXml/itemProps174.xml><?xml version="1.0" encoding="utf-8"?>
-<ds:datastoreItem xmlns:ds="http://schemas.openxmlformats.org/officeDocument/2006/customXml" ds:itemID="{F7DB0738-7898-4ABD-A76A-72FACE8EDE87}">
+<ds:datastoreItem xmlns:ds="http://schemas.openxmlformats.org/officeDocument/2006/customXml" ds:itemID="{CF6A60AE-6D84-4733-81BB-5121E0FFC000}">
   <ds:schemaRefs>
     <ds:schemaRef ds:uri="http://schemas.microsoft.com/VisualStudio/2011/storyboarding/control"/>
   </ds:schemaRefs>
@@ -35239,7 +34620,7 @@
 </file>
 
 <file path=customXml/itemProps175.xml><?xml version="1.0" encoding="utf-8"?>
-<ds:datastoreItem xmlns:ds="http://schemas.openxmlformats.org/officeDocument/2006/customXml" ds:itemID="{0341D26D-5D5B-454A-A579-757B0579E217}">
+<ds:datastoreItem xmlns:ds="http://schemas.openxmlformats.org/officeDocument/2006/customXml" ds:itemID="{356EE708-7A27-49E2-9281-EA922369ECFA}">
   <ds:schemaRefs>
     <ds:schemaRef ds:uri="http://schemas.microsoft.com/VisualStudio/2011/storyboarding/control"/>
   </ds:schemaRefs>
@@ -35247,7 +34628,7 @@
 </file>
 
 <file path=customXml/itemProps176.xml><?xml version="1.0" encoding="utf-8"?>
-<ds:datastoreItem xmlns:ds="http://schemas.openxmlformats.org/officeDocument/2006/customXml" ds:itemID="{74BC8D2C-FD25-4E2B-A6B7-DEFF59868BEE}">
+<ds:datastoreItem xmlns:ds="http://schemas.openxmlformats.org/officeDocument/2006/customXml" ds:itemID="{1F322422-9D52-4DFA-A51C-4E56B9EFD940}">
   <ds:schemaRefs>
     <ds:schemaRef ds:uri="http://schemas.microsoft.com/VisualStudio/2011/storyboarding/control"/>
   </ds:schemaRefs>
@@ -35263,7 +34644,7 @@
 </file>
 
 <file path=customXml/itemProps178.xml><?xml version="1.0" encoding="utf-8"?>
-<ds:datastoreItem xmlns:ds="http://schemas.openxmlformats.org/officeDocument/2006/customXml" ds:itemID="{9284DC6E-7B91-4932-BE00-33ED157955C5}">
+<ds:datastoreItem xmlns:ds="http://schemas.openxmlformats.org/officeDocument/2006/customXml" ds:itemID="{695076D8-7FD3-4D50-8422-39FB65B1C7A5}">
   <ds:schemaRefs>
     <ds:schemaRef ds:uri="http://schemas.microsoft.com/VisualStudio/2011/storyboarding/control"/>
   </ds:schemaRefs>
@@ -35271,7 +34652,7 @@
 </file>
 
 <file path=customXml/itemProps179.xml><?xml version="1.0" encoding="utf-8"?>
-<ds:datastoreItem xmlns:ds="http://schemas.openxmlformats.org/officeDocument/2006/customXml" ds:itemID="{80E22E08-A44B-4F15-91AF-630E8B14853E}">
+<ds:datastoreItem xmlns:ds="http://schemas.openxmlformats.org/officeDocument/2006/customXml" ds:itemID="{94912295-7C01-4B28-8ED1-BD643E7EF7F9}">
   <ds:schemaRefs>
     <ds:schemaRef ds:uri="http://schemas.microsoft.com/VisualStudio/2011/storyboarding/control"/>
   </ds:schemaRefs>
@@ -35279,6 +34660,22 @@
 </file>
 
 <file path=customXml/itemProps18.xml><?xml version="1.0" encoding="utf-8"?>
+<ds:datastoreItem xmlns:ds="http://schemas.openxmlformats.org/officeDocument/2006/customXml" ds:itemID="{D5FEB2A6-E2DE-4A94-92FC-D966BD6E1C55}">
+  <ds:schemaRefs>
+    <ds:schemaRef ds:uri="http://schemas.microsoft.com/VisualStudio/2011/storyboarding/control"/>
+  </ds:schemaRefs>
+</ds:datastoreItem>
+</file>
+
+<file path=customXml/itemProps180.xml><?xml version="1.0" encoding="utf-8"?>
+<ds:datastoreItem xmlns:ds="http://schemas.openxmlformats.org/officeDocument/2006/customXml" ds:itemID="{6052A948-8845-4EF6-94B7-705E06C6FC81}">
+  <ds:schemaRefs>
+    <ds:schemaRef ds:uri="http://schemas.microsoft.com/VisualStudio/2011/storyboarding/control"/>
+  </ds:schemaRefs>
+</ds:datastoreItem>
+</file>
+
+<file path=customXml/itemProps181.xml><?xml version="1.0" encoding="utf-8"?>
 <ds:datastoreItem xmlns:ds="http://schemas.openxmlformats.org/officeDocument/2006/customXml" ds:itemID="{1DCDD326-8855-4EA9-81F1-29467A7EBF4F}">
   <ds:schemaRefs>
     <ds:schemaRef ds:uri="http://schemas.microsoft.com/VisualStudio/2011/storyboarding/control"/>
@@ -35286,64 +34683,48 @@
 </ds:datastoreItem>
 </file>
 
-<file path=customXml/itemProps180.xml><?xml version="1.0" encoding="utf-8"?>
-<ds:datastoreItem xmlns:ds="http://schemas.openxmlformats.org/officeDocument/2006/customXml" ds:itemID="{9CF15317-809F-4DA0-9641-E108A9D2A822}">
+<file path=customXml/itemProps182.xml><?xml version="1.0" encoding="utf-8"?>
+<ds:datastoreItem xmlns:ds="http://schemas.openxmlformats.org/officeDocument/2006/customXml" ds:itemID="{E3A1C028-05DB-4953-AA73-C22DBE13D6E4}">
   <ds:schemaRefs>
     <ds:schemaRef ds:uri="http://schemas.microsoft.com/VisualStudio/2011/storyboarding/control"/>
   </ds:schemaRefs>
 </ds:datastoreItem>
 </file>
 
-<file path=customXml/itemProps181.xml><?xml version="1.0" encoding="utf-8"?>
-<ds:datastoreItem xmlns:ds="http://schemas.openxmlformats.org/officeDocument/2006/customXml" ds:itemID="{95092CEC-1781-4AE5-B476-383C03B095B2}">
+<file path=customXml/itemProps183.xml><?xml version="1.0" encoding="utf-8"?>
+<ds:datastoreItem xmlns:ds="http://schemas.openxmlformats.org/officeDocument/2006/customXml" ds:itemID="{4089D504-89F9-4F40-B2EF-0FBBE4651254}">
   <ds:schemaRefs>
     <ds:schemaRef ds:uri="http://schemas.microsoft.com/VisualStudio/2011/storyboarding/control"/>
   </ds:schemaRefs>
 </ds:datastoreItem>
 </file>
 
-<file path=customXml/itemProps182.xml><?xml version="1.0" encoding="utf-8"?>
-<ds:datastoreItem xmlns:ds="http://schemas.openxmlformats.org/officeDocument/2006/customXml" ds:itemID="{7454C879-EEB5-44C4-8A36-0FAF2DAB7D61}">
+<file path=customXml/itemProps184.xml><?xml version="1.0" encoding="utf-8"?>
+<ds:datastoreItem xmlns:ds="http://schemas.openxmlformats.org/officeDocument/2006/customXml" ds:itemID="{112D8468-F75E-46D9-BF86-CF193261424D}">
   <ds:schemaRefs>
     <ds:schemaRef ds:uri="http://schemas.microsoft.com/VisualStudio/2011/storyboarding/control"/>
   </ds:schemaRefs>
 </ds:datastoreItem>
 </file>
 
-<file path=customXml/itemProps183.xml><?xml version="1.0" encoding="utf-8"?>
-<ds:datastoreItem xmlns:ds="http://schemas.openxmlformats.org/officeDocument/2006/customXml" ds:itemID="{B8F01AF2-2373-466F-A7AC-411BD9A92C55}">
+<file path=customXml/itemProps185.xml><?xml version="1.0" encoding="utf-8"?>
+<ds:datastoreItem xmlns:ds="http://schemas.openxmlformats.org/officeDocument/2006/customXml" ds:itemID="{41EE4082-0EEC-4541-ACC5-B84A36EDE554}">
   <ds:schemaRefs>
     <ds:schemaRef ds:uri="http://schemas.microsoft.com/VisualStudio/2011/storyboarding/control"/>
   </ds:schemaRefs>
 </ds:datastoreItem>
 </file>
 
-<file path=customXml/itemProps184.xml><?xml version="1.0" encoding="utf-8"?>
-<ds:datastoreItem xmlns:ds="http://schemas.openxmlformats.org/officeDocument/2006/customXml" ds:itemID="{8C8CFCAC-8046-4140-920F-E6AB5C58629F}">
+<file path=customXml/itemProps186.xml><?xml version="1.0" encoding="utf-8"?>
+<ds:datastoreItem xmlns:ds="http://schemas.openxmlformats.org/officeDocument/2006/customXml" ds:itemID="{8CF028E2-4AC4-4488-82BC-A4297283673B}">
   <ds:schemaRefs>
     <ds:schemaRef ds:uri="http://schemas.microsoft.com/VisualStudio/2011/storyboarding/control"/>
   </ds:schemaRefs>
 </ds:datastoreItem>
 </file>
 
-<file path=customXml/itemProps185.xml><?xml version="1.0" encoding="utf-8"?>
-<ds:datastoreItem xmlns:ds="http://schemas.openxmlformats.org/officeDocument/2006/customXml" ds:itemID="{D70F9E3A-D794-41D0-8FB0-C6970C6F8D98}">
-  <ds:schemaRefs>
-    <ds:schemaRef ds:uri="http://schemas.microsoft.com/VisualStudio/2011/storyboarding/control"/>
-  </ds:schemaRefs>
-</ds:datastoreItem>
-</file>
-
-<file path=customXml/itemProps186.xml><?xml version="1.0" encoding="utf-8"?>
-<ds:datastoreItem xmlns:ds="http://schemas.openxmlformats.org/officeDocument/2006/customXml" ds:itemID="{EA4EC698-107C-4564-9B1E-0370BF9BB6D4}">
-  <ds:schemaRefs>
-    <ds:schemaRef ds:uri="http://schemas.microsoft.com/VisualStudio/2011/storyboarding/control"/>
-  </ds:schemaRefs>
-</ds:datastoreItem>
-</file>
-
 <file path=customXml/itemProps187.xml><?xml version="1.0" encoding="utf-8"?>
-<ds:datastoreItem xmlns:ds="http://schemas.openxmlformats.org/officeDocument/2006/customXml" ds:itemID="{43873FE5-EB9A-48DD-AD09-897EC7A5B60E}">
+<ds:datastoreItem xmlns:ds="http://schemas.openxmlformats.org/officeDocument/2006/customXml" ds:itemID="{A1484EA6-E369-4EF7-BD90-CC323D5BFB64}">
   <ds:schemaRefs>
     <ds:schemaRef ds:uri="http://schemas.microsoft.com/VisualStudio/2011/storyboarding/control"/>
   </ds:schemaRefs>
@@ -35359,7 +34740,7 @@
 </file>
 
 <file path=customXml/itemProps189.xml><?xml version="1.0" encoding="utf-8"?>
-<ds:datastoreItem xmlns:ds="http://schemas.openxmlformats.org/officeDocument/2006/customXml" ds:itemID="{D3D7A4D7-F605-4101-A1D5-24DBF7CA74BA}">
+<ds:datastoreItem xmlns:ds="http://schemas.openxmlformats.org/officeDocument/2006/customXml" ds:itemID="{974C45C0-2A3F-42F7-AD70-188C11EC76CD}">
   <ds:schemaRefs>
     <ds:schemaRef ds:uri="http://schemas.microsoft.com/VisualStudio/2011/storyboarding/control"/>
   </ds:schemaRefs>
@@ -35367,6 +34748,134 @@
 </file>
 
 <file path=customXml/itemProps19.xml><?xml version="1.0" encoding="utf-8"?>
+<ds:datastoreItem xmlns:ds="http://schemas.openxmlformats.org/officeDocument/2006/customXml" ds:itemID="{6C53E6A2-563C-44BA-973B-82523CC06E1A}">
+  <ds:schemaRefs>
+    <ds:schemaRef ds:uri="http://schemas.microsoft.com/VisualStudio/2011/storyboarding/control"/>
+  </ds:schemaRefs>
+</ds:datastoreItem>
+</file>
+
+<file path=customXml/itemProps190.xml><?xml version="1.0" encoding="utf-8"?>
+<ds:datastoreItem xmlns:ds="http://schemas.openxmlformats.org/officeDocument/2006/customXml" ds:itemID="{47D5C557-1651-48F6-8155-1FB19872772E}">
+  <ds:schemaRefs>
+    <ds:schemaRef ds:uri="http://schemas.microsoft.com/VisualStudio/2011/storyboarding/control"/>
+  </ds:schemaRefs>
+</ds:datastoreItem>
+</file>
+
+<file path=customXml/itemProps191.xml><?xml version="1.0" encoding="utf-8"?>
+<ds:datastoreItem xmlns:ds="http://schemas.openxmlformats.org/officeDocument/2006/customXml" ds:itemID="{97CD0DFB-1A2E-4456-9A3B-03B352B1D925}">
+  <ds:schemaRefs>
+    <ds:schemaRef ds:uri="http://schemas.microsoft.com/VisualStudio/2011/storyboarding/control"/>
+  </ds:schemaRefs>
+</ds:datastoreItem>
+</file>
+
+<file path=customXml/itemProps192.xml><?xml version="1.0" encoding="utf-8"?>
+<ds:datastoreItem xmlns:ds="http://schemas.openxmlformats.org/officeDocument/2006/customXml" ds:itemID="{551005C4-A1E3-4AC7-8CDB-DC374E6CD181}">
+  <ds:schemaRefs>
+    <ds:schemaRef ds:uri="http://schemas.microsoft.com/VisualStudio/2011/storyboarding/control"/>
+  </ds:schemaRefs>
+</ds:datastoreItem>
+</file>
+
+<file path=customXml/itemProps193.xml><?xml version="1.0" encoding="utf-8"?>
+<ds:datastoreItem xmlns:ds="http://schemas.openxmlformats.org/officeDocument/2006/customXml" ds:itemID="{687349BA-BFEC-42A4-8F54-F6E41F0DBFC0}">
+  <ds:schemaRefs>
+    <ds:schemaRef ds:uri="http://schemas.microsoft.com/VisualStudio/2011/storyboarding/control"/>
+  </ds:schemaRefs>
+</ds:datastoreItem>
+</file>
+
+<file path=customXml/itemProps194.xml><?xml version="1.0" encoding="utf-8"?>
+<ds:datastoreItem xmlns:ds="http://schemas.openxmlformats.org/officeDocument/2006/customXml" ds:itemID="{BCBCF373-CB4D-4BEC-8AF3-991F699ECE33}">
+  <ds:schemaRefs>
+    <ds:schemaRef ds:uri="http://schemas.microsoft.com/VisualStudio/2011/storyboarding/control"/>
+  </ds:schemaRefs>
+</ds:datastoreItem>
+</file>
+
+<file path=customXml/itemProps195.xml><?xml version="1.0" encoding="utf-8"?>
+<ds:datastoreItem xmlns:ds="http://schemas.openxmlformats.org/officeDocument/2006/customXml" ds:itemID="{E4B5B485-683D-4DEA-B56B-01CED7BABF5B}">
+  <ds:schemaRefs>
+    <ds:schemaRef ds:uri="http://schemas.microsoft.com/VisualStudio/2011/storyboarding/control"/>
+  </ds:schemaRefs>
+</ds:datastoreItem>
+</file>
+
+<file path=customXml/itemProps196.xml><?xml version="1.0" encoding="utf-8"?>
+<ds:datastoreItem xmlns:ds="http://schemas.openxmlformats.org/officeDocument/2006/customXml" ds:itemID="{2704E402-C027-4ED2-9EA2-1048BDB31690}">
+  <ds:schemaRefs>
+    <ds:schemaRef ds:uri="http://schemas.microsoft.com/VisualStudio/2011/storyboarding/control"/>
+  </ds:schemaRefs>
+</ds:datastoreItem>
+</file>
+
+<file path=customXml/itemProps197.xml><?xml version="1.0" encoding="utf-8"?>
+<ds:datastoreItem xmlns:ds="http://schemas.openxmlformats.org/officeDocument/2006/customXml" ds:itemID="{A415C0F1-CC3C-4A29-9AC9-B21667BDE4C3}">
+  <ds:schemaRefs>
+    <ds:schemaRef ds:uri="http://schemas.microsoft.com/VisualStudio/2011/storyboarding/control"/>
+  </ds:schemaRefs>
+</ds:datastoreItem>
+</file>
+
+<file path=customXml/itemProps198.xml><?xml version="1.0" encoding="utf-8"?>
+<ds:datastoreItem xmlns:ds="http://schemas.openxmlformats.org/officeDocument/2006/customXml" ds:itemID="{9284DC6E-7B91-4932-BE00-33ED157955C5}">
+  <ds:schemaRefs>
+    <ds:schemaRef ds:uri="http://schemas.microsoft.com/VisualStudio/2011/storyboarding/control"/>
+  </ds:schemaRefs>
+</ds:datastoreItem>
+</file>
+
+<file path=customXml/itemProps199.xml><?xml version="1.0" encoding="utf-8"?>
+<ds:datastoreItem xmlns:ds="http://schemas.openxmlformats.org/officeDocument/2006/customXml" ds:itemID="{395183EE-0496-47AF-AD2A-1DA50A4837A0}">
+  <ds:schemaRefs>
+    <ds:schemaRef ds:uri="http://schemas.microsoft.com/VisualStudio/2011/storyboarding/control"/>
+  </ds:schemaRefs>
+</ds:datastoreItem>
+</file>
+
+<file path=customXml/itemProps2.xml><?xml version="1.0" encoding="utf-8"?>
+<ds:datastoreItem xmlns:ds="http://schemas.openxmlformats.org/officeDocument/2006/customXml" ds:itemID="{BF63BC62-A2B6-4DC4-A6F4-7F46DAD5D502}">
+  <ds:schemaRefs>
+    <ds:schemaRef ds:uri="http://schemas.microsoft.com/VisualStudio/2011/storyboarding/control"/>
+  </ds:schemaRefs>
+</ds:datastoreItem>
+</file>
+
+<file path=customXml/itemProps20.xml><?xml version="1.0" encoding="utf-8"?>
+<ds:datastoreItem xmlns:ds="http://schemas.openxmlformats.org/officeDocument/2006/customXml" ds:itemID="{95092CEC-1781-4AE5-B476-383C03B095B2}">
+  <ds:schemaRefs>
+    <ds:schemaRef ds:uri="http://schemas.microsoft.com/VisualStudio/2011/storyboarding/control"/>
+  </ds:schemaRefs>
+</ds:datastoreItem>
+</file>
+
+<file path=customXml/itemProps200.xml><?xml version="1.0" encoding="utf-8"?>
+<ds:datastoreItem xmlns:ds="http://schemas.openxmlformats.org/officeDocument/2006/customXml" ds:itemID="{01BDDC00-BCFC-4C55-8216-87EFFFB4B0EF}">
+  <ds:schemaRefs>
+    <ds:schemaRef ds:uri="http://schemas.microsoft.com/VisualStudio/2011/storyboarding/control"/>
+  </ds:schemaRefs>
+</ds:datastoreItem>
+</file>
+
+<file path=customXml/itemProps201.xml><?xml version="1.0" encoding="utf-8"?>
+<ds:datastoreItem xmlns:ds="http://schemas.openxmlformats.org/officeDocument/2006/customXml" ds:itemID="{0D563F0C-5DFD-448A-9623-5957CB42E72B}">
+  <ds:schemaRefs>
+    <ds:schemaRef ds:uri="http://schemas.microsoft.com/VisualStudio/2011/storyboarding/control"/>
+  </ds:schemaRefs>
+</ds:datastoreItem>
+</file>
+
+<file path=customXml/itemProps202.xml><?xml version="1.0" encoding="utf-8"?>
+<ds:datastoreItem xmlns:ds="http://schemas.openxmlformats.org/officeDocument/2006/customXml" ds:itemID="{FDBFC017-D8D8-4576-97DE-2339B769548C}">
+  <ds:schemaRefs>
+    <ds:schemaRef ds:uri="http://schemas.microsoft.com/VisualStudio/2011/storyboarding/control"/>
+  </ds:schemaRefs>
+</ds:datastoreItem>
+</file>
+
+<file path=customXml/itemProps203.xml><?xml version="1.0" encoding="utf-8"?>
 <ds:datastoreItem xmlns:ds="http://schemas.openxmlformats.org/officeDocument/2006/customXml" ds:itemID="{1A3141E3-77A5-4D7B-A648-67A53E097886}">
   <ds:schemaRefs>
     <ds:schemaRef ds:uri="http://schemas.microsoft.com/VisualStudio/2011/storyboarding/control"/>
@@ -35374,216 +34883,88 @@
 </ds:datastoreItem>
 </file>
 
-<file path=customXml/itemProps190.xml><?xml version="1.0" encoding="utf-8"?>
-<ds:datastoreItem xmlns:ds="http://schemas.openxmlformats.org/officeDocument/2006/customXml" ds:itemID="{D9AB098F-8B34-4E7B-BAE6-C91A22003145}">
+<file path=customXml/itemProps204.xml><?xml version="1.0" encoding="utf-8"?>
+<ds:datastoreItem xmlns:ds="http://schemas.openxmlformats.org/officeDocument/2006/customXml" ds:itemID="{67B2DD84-806A-40A8-8D83-C607630EC413}">
   <ds:schemaRefs>
     <ds:schemaRef ds:uri="http://schemas.microsoft.com/VisualStudio/2011/storyboarding/control"/>
   </ds:schemaRefs>
 </ds:datastoreItem>
 </file>
 
-<file path=customXml/itemProps191.xml><?xml version="1.0" encoding="utf-8"?>
-<ds:datastoreItem xmlns:ds="http://schemas.openxmlformats.org/officeDocument/2006/customXml" ds:itemID="{8D52902D-EE4C-45E4-BD17-114F57A1FFED}">
+<file path=customXml/itemProps205.xml><?xml version="1.0" encoding="utf-8"?>
+<ds:datastoreItem xmlns:ds="http://schemas.openxmlformats.org/officeDocument/2006/customXml" ds:itemID="{E27BBFB1-FB8A-4416-95F7-69ED22360FD0}">
   <ds:schemaRefs>
     <ds:schemaRef ds:uri="http://schemas.microsoft.com/VisualStudio/2011/storyboarding/control"/>
   </ds:schemaRefs>
 </ds:datastoreItem>
 </file>
 
-<file path=customXml/itemProps192.xml><?xml version="1.0" encoding="utf-8"?>
-<ds:datastoreItem xmlns:ds="http://schemas.openxmlformats.org/officeDocument/2006/customXml" ds:itemID="{AF8CA884-7DD1-46A1-BFA1-2F4041F5E690}">
+<file path=customXml/itemProps206.xml><?xml version="1.0" encoding="utf-8"?>
+<ds:datastoreItem xmlns:ds="http://schemas.openxmlformats.org/officeDocument/2006/customXml" ds:itemID="{5171EEF1-3252-442A-B2D5-5766A844DAC7}">
   <ds:schemaRefs>
     <ds:schemaRef ds:uri="http://schemas.microsoft.com/VisualStudio/2011/storyboarding/control"/>
   </ds:schemaRefs>
 </ds:datastoreItem>
 </file>
 
-<file path=customXml/itemProps193.xml><?xml version="1.0" encoding="utf-8"?>
-<ds:datastoreItem xmlns:ds="http://schemas.openxmlformats.org/officeDocument/2006/customXml" ds:itemID="{A3E09688-EFA5-46CD-B9C1-00F13A1D5827}">
+<file path=customXml/itemProps207.xml><?xml version="1.0" encoding="utf-8"?>
+<ds:datastoreItem xmlns:ds="http://schemas.openxmlformats.org/officeDocument/2006/customXml" ds:itemID="{CCE61513-AF07-49B1-B8EA-B5635E280688}">
   <ds:schemaRefs>
     <ds:schemaRef ds:uri="http://schemas.microsoft.com/VisualStudio/2011/storyboarding/control"/>
   </ds:schemaRefs>
 </ds:datastoreItem>
 </file>
 
-<file path=customXml/itemProps194.xml><?xml version="1.0" encoding="utf-8"?>
-<ds:datastoreItem xmlns:ds="http://schemas.openxmlformats.org/officeDocument/2006/customXml" ds:itemID="{9E79F933-0316-4890-BDA8-F3929E7B043E}">
+<file path=customXml/itemProps208.xml><?xml version="1.0" encoding="utf-8"?>
+<ds:datastoreItem xmlns:ds="http://schemas.openxmlformats.org/officeDocument/2006/customXml" ds:itemID="{1C6D8D7B-D483-43E5-9860-CFC5FF066FDA}">
   <ds:schemaRefs>
     <ds:schemaRef ds:uri="http://schemas.microsoft.com/VisualStudio/2011/storyboarding/control"/>
   </ds:schemaRefs>
 </ds:datastoreItem>
 </file>
 
-<file path=customXml/itemProps195.xml><?xml version="1.0" encoding="utf-8"?>
-<ds:datastoreItem xmlns:ds="http://schemas.openxmlformats.org/officeDocument/2006/customXml" ds:itemID="{180518D7-8922-48BC-AB91-ADFC28D8D753}">
+<file path=customXml/itemProps209.xml><?xml version="1.0" encoding="utf-8"?>
+<ds:datastoreItem xmlns:ds="http://schemas.openxmlformats.org/officeDocument/2006/customXml" ds:itemID="{1D2F86E7-F0DE-4A22-9F6E-984F9F81447F}">
   <ds:schemaRefs>
     <ds:schemaRef ds:uri="http://schemas.microsoft.com/VisualStudio/2011/storyboarding/control"/>
   </ds:schemaRefs>
 </ds:datastoreItem>
 </file>
 
-<file path=customXml/itemProps196.xml><?xml version="1.0" encoding="utf-8"?>
-<ds:datastoreItem xmlns:ds="http://schemas.openxmlformats.org/officeDocument/2006/customXml" ds:itemID="{F54E8041-E688-4CC0-AA9B-084D06139821}">
+<file path=customXml/itemProps21.xml><?xml version="1.0" encoding="utf-8"?>
+<ds:datastoreItem xmlns:ds="http://schemas.openxmlformats.org/officeDocument/2006/customXml" ds:itemID="{C8CC9302-0376-4C84-870E-FE5DD77F03AE}">
   <ds:schemaRefs>
     <ds:schemaRef ds:uri="http://schemas.microsoft.com/VisualStudio/2011/storyboarding/control"/>
   </ds:schemaRefs>
 </ds:datastoreItem>
 </file>
 
-<file path=customXml/itemProps197.xml><?xml version="1.0" encoding="utf-8"?>
-<ds:datastoreItem xmlns:ds="http://schemas.openxmlformats.org/officeDocument/2006/customXml" ds:itemID="{4C57353B-922D-49DF-B3B7-197585741051}">
+<file path=customXml/itemProps210.xml><?xml version="1.0" encoding="utf-8"?>
+<ds:datastoreItem xmlns:ds="http://schemas.openxmlformats.org/officeDocument/2006/customXml" ds:itemID="{CC090315-C3EF-4E31-9BC2-E49164C00556}">
   <ds:schemaRefs>
     <ds:schemaRef ds:uri="http://schemas.microsoft.com/VisualStudio/2011/storyboarding/control"/>
   </ds:schemaRefs>
 </ds:datastoreItem>
 </file>
 
-<file path=customXml/itemProps198.xml><?xml version="1.0" encoding="utf-8"?>
-<ds:datastoreItem xmlns:ds="http://schemas.openxmlformats.org/officeDocument/2006/customXml" ds:itemID="{695076D8-7FD3-4D50-8422-39FB65B1C7A5}">
+<file path=customXml/itemProps211.xml><?xml version="1.0" encoding="utf-8"?>
+<ds:datastoreItem xmlns:ds="http://schemas.openxmlformats.org/officeDocument/2006/customXml" ds:itemID="{D10417C0-CFC7-4198-A12F-567D0881B21B}">
   <ds:schemaRefs>
     <ds:schemaRef ds:uri="http://schemas.microsoft.com/VisualStudio/2011/storyboarding/control"/>
   </ds:schemaRefs>
 </ds:datastoreItem>
 </file>
 
-<file path=customXml/itemProps199.xml><?xml version="1.0" encoding="utf-8"?>
-<ds:datastoreItem xmlns:ds="http://schemas.openxmlformats.org/officeDocument/2006/customXml" ds:itemID="{0D563F0C-5DFD-448A-9623-5957CB42E72B}">
+<file path=customXml/itemProps212.xml><?xml version="1.0" encoding="utf-8"?>
+<ds:datastoreItem xmlns:ds="http://schemas.openxmlformats.org/officeDocument/2006/customXml" ds:itemID="{DA9B892E-86E2-413D-B85B-E45654500C0A}">
   <ds:schemaRefs>
     <ds:schemaRef ds:uri="http://schemas.microsoft.com/VisualStudio/2011/storyboarding/control"/>
   </ds:schemaRefs>
 </ds:datastoreItem>
 </file>
 
-<file path=customXml/itemProps2.xml><?xml version="1.0" encoding="utf-8"?>
-<ds:datastoreItem xmlns:ds="http://schemas.openxmlformats.org/officeDocument/2006/customXml" ds:itemID="{551005C4-A1E3-4AC7-8CDB-DC374E6CD181}">
-  <ds:schemaRefs>
-    <ds:schemaRef ds:uri="http://schemas.microsoft.com/VisualStudio/2011/storyboarding/control"/>
-  </ds:schemaRefs>
-</ds:datastoreItem>
-</file>
-
-<file path=customXml/itemProps20.xml><?xml version="1.0" encoding="utf-8"?>
-<ds:datastoreItem xmlns:ds="http://schemas.openxmlformats.org/officeDocument/2006/customXml" ds:itemID="{55B5B6F8-9901-492E-97D6-EAC91518CD9E}">
-  <ds:schemaRefs>
-    <ds:schemaRef ds:uri="http://schemas.microsoft.com/VisualStudio/2011/storyboarding/control"/>
-  </ds:schemaRefs>
-</ds:datastoreItem>
-</file>
-
-<file path=customXml/itemProps200.xml><?xml version="1.0" encoding="utf-8"?>
-<ds:datastoreItem xmlns:ds="http://schemas.openxmlformats.org/officeDocument/2006/customXml" ds:itemID="{86D2007A-49F1-4ED0-9146-5B0CCD907B77}">
-  <ds:schemaRefs>
-    <ds:schemaRef ds:uri="http://schemas.microsoft.com/VisualStudio/2011/storyboarding/control"/>
-  </ds:schemaRefs>
-</ds:datastoreItem>
-</file>
-
-<file path=customXml/itemProps201.xml><?xml version="1.0" encoding="utf-8"?>
-<ds:datastoreItem xmlns:ds="http://schemas.openxmlformats.org/officeDocument/2006/customXml" ds:itemID="{03AF16DA-F379-4635-B53A-84140F8E12F6}">
-  <ds:schemaRefs>
-    <ds:schemaRef ds:uri="http://schemas.microsoft.com/VisualStudio/2011/storyboarding/control"/>
-  </ds:schemaRefs>
-</ds:datastoreItem>
-</file>
-
-<file path=customXml/itemProps202.xml><?xml version="1.0" encoding="utf-8"?>
-<ds:datastoreItem xmlns:ds="http://schemas.openxmlformats.org/officeDocument/2006/customXml" ds:itemID="{94912295-7C01-4B28-8ED1-BD643E7EF7F9}">
-  <ds:schemaRefs>
-    <ds:schemaRef ds:uri="http://schemas.microsoft.com/VisualStudio/2011/storyboarding/control"/>
-  </ds:schemaRefs>
-</ds:datastoreItem>
-</file>
-
-<file path=customXml/itemProps203.xml><?xml version="1.0" encoding="utf-8"?>
-<ds:datastoreItem xmlns:ds="http://schemas.openxmlformats.org/officeDocument/2006/customXml" ds:itemID="{FDBFC017-D8D8-4576-97DE-2339B769548C}">
-  <ds:schemaRefs>
-    <ds:schemaRef ds:uri="http://schemas.microsoft.com/VisualStudio/2011/storyboarding/control"/>
-  </ds:schemaRefs>
-</ds:datastoreItem>
-</file>
-
-<file path=customXml/itemProps204.xml><?xml version="1.0" encoding="utf-8"?>
-<ds:datastoreItem xmlns:ds="http://schemas.openxmlformats.org/officeDocument/2006/customXml" ds:itemID="{30EEAFB6-90CB-4611-8B75-28221A923F25}">
-  <ds:schemaRefs>
-    <ds:schemaRef ds:uri="http://schemas.microsoft.com/VisualStudio/2011/storyboarding/control"/>
-  </ds:schemaRefs>
-</ds:datastoreItem>
-</file>
-
-<file path=customXml/itemProps205.xml><?xml version="1.0" encoding="utf-8"?>
-<ds:datastoreItem xmlns:ds="http://schemas.openxmlformats.org/officeDocument/2006/customXml" ds:itemID="{A3A7E550-7159-41CA-A5C7-BB5EFFA54BAB}">
-  <ds:schemaRefs>
-    <ds:schemaRef ds:uri="http://schemas.microsoft.com/VisualStudio/2011/storyboarding/control"/>
-  </ds:schemaRefs>
-</ds:datastoreItem>
-</file>
-
-<file path=customXml/itemProps206.xml><?xml version="1.0" encoding="utf-8"?>
-<ds:datastoreItem xmlns:ds="http://schemas.openxmlformats.org/officeDocument/2006/customXml" ds:itemID="{293C552B-537F-4CBF-AE7C-3DD4C0D784A5}">
-  <ds:schemaRefs>
-    <ds:schemaRef ds:uri="http://schemas.microsoft.com/VisualStudio/2011/storyboarding/control"/>
-  </ds:schemaRefs>
-</ds:datastoreItem>
-</file>
-
-<file path=customXml/itemProps207.xml><?xml version="1.0" encoding="utf-8"?>
-<ds:datastoreItem xmlns:ds="http://schemas.openxmlformats.org/officeDocument/2006/customXml" ds:itemID="{75434A2F-1904-444D-9A2E-155D7CDEE729}">
-  <ds:schemaRefs>
-    <ds:schemaRef ds:uri="http://schemas.microsoft.com/VisualStudio/2011/storyboarding/control"/>
-  </ds:schemaRefs>
-</ds:datastoreItem>
-</file>
-
-<file path=customXml/itemProps208.xml><?xml version="1.0" encoding="utf-8"?>
-<ds:datastoreItem xmlns:ds="http://schemas.openxmlformats.org/officeDocument/2006/customXml" ds:itemID="{41143EBA-12C0-4AAC-A584-154BDD30230D}">
-  <ds:schemaRefs>
-    <ds:schemaRef ds:uri="http://schemas.microsoft.com/VisualStudio/2011/storyboarding/control"/>
-  </ds:schemaRefs>
-</ds:datastoreItem>
-</file>
-
-<file path=customXml/itemProps209.xml><?xml version="1.0" encoding="utf-8"?>
-<ds:datastoreItem xmlns:ds="http://schemas.openxmlformats.org/officeDocument/2006/customXml" ds:itemID="{F49AC428-335C-4471-BEDB-C3D2BFE7733B}">
-  <ds:schemaRefs>
-    <ds:schemaRef ds:uri="http://schemas.microsoft.com/VisualStudio/2011/storyboarding/control"/>
-  </ds:schemaRefs>
-</ds:datastoreItem>
-</file>
-
-<file path=customXml/itemProps21.xml><?xml version="1.0" encoding="utf-8"?>
-<ds:datastoreItem xmlns:ds="http://schemas.openxmlformats.org/officeDocument/2006/customXml" ds:itemID="{2977091A-9111-44B4-B4DF-963BAE7F865F}">
-  <ds:schemaRefs>
-    <ds:schemaRef ds:uri="http://schemas.microsoft.com/VisualStudio/2011/storyboarding/control"/>
-  </ds:schemaRefs>
-</ds:datastoreItem>
-</file>
-
-<file path=customXml/itemProps210.xml><?xml version="1.0" encoding="utf-8"?>
-<ds:datastoreItem xmlns:ds="http://schemas.openxmlformats.org/officeDocument/2006/customXml" ds:itemID="{28F66DE3-F06A-4555-BE7F-CA7CD35CE06A}">
-  <ds:schemaRefs>
-    <ds:schemaRef ds:uri="http://schemas.microsoft.com/VisualStudio/2011/storyboarding/control"/>
-  </ds:schemaRefs>
-</ds:datastoreItem>
-</file>
-
-<file path=customXml/itemProps211.xml><?xml version="1.0" encoding="utf-8"?>
-<ds:datastoreItem xmlns:ds="http://schemas.openxmlformats.org/officeDocument/2006/customXml" ds:itemID="{8656E5FD-1F8F-4C6E-A35E-BF4448E645E4}">
-  <ds:schemaRefs>
-    <ds:schemaRef ds:uri="http://schemas.microsoft.com/VisualStudio/2011/storyboarding/control"/>
-  </ds:schemaRefs>
-</ds:datastoreItem>
-</file>
-
-<file path=customXml/itemProps212.xml><?xml version="1.0" encoding="utf-8"?>
-<ds:datastoreItem xmlns:ds="http://schemas.openxmlformats.org/officeDocument/2006/customXml" ds:itemID="{FBD59DB0-233D-4542-9356-F926927AC150}">
-  <ds:schemaRefs>
-    <ds:schemaRef ds:uri="http://schemas.microsoft.com/VisualStudio/2011/storyboarding/control"/>
-  </ds:schemaRefs>
-</ds:datastoreItem>
-</file>
-
 <file path=customXml/itemProps213.xml><?xml version="1.0" encoding="utf-8"?>
-<ds:datastoreItem xmlns:ds="http://schemas.openxmlformats.org/officeDocument/2006/customXml" ds:itemID="{97CD0DFB-1A2E-4456-9A3B-03B352B1D925}">
+<ds:datastoreItem xmlns:ds="http://schemas.openxmlformats.org/officeDocument/2006/customXml" ds:itemID="{D3D7A4D7-F605-4101-A1D5-24DBF7CA74BA}">
   <ds:schemaRefs>
     <ds:schemaRef ds:uri="http://schemas.microsoft.com/VisualStudio/2011/storyboarding/control"/>
   </ds:schemaRefs>
@@ -35599,7 +34980,7 @@
 </file>
 
 <file path=customXml/itemProps215.xml><?xml version="1.0" encoding="utf-8"?>
-<ds:datastoreItem xmlns:ds="http://schemas.openxmlformats.org/officeDocument/2006/customXml" ds:itemID="{09C8F827-DF5C-4ED5-9B32-F136378B8C20}">
+<ds:datastoreItem xmlns:ds="http://schemas.openxmlformats.org/officeDocument/2006/customXml" ds:itemID="{C7C80165-2D84-497A-9DCA-307579EA80EF}">
   <ds:schemaRefs>
     <ds:schemaRef ds:uri="http://schemas.microsoft.com/VisualStudio/2011/storyboarding/control"/>
   </ds:schemaRefs>
@@ -35607,7 +34988,7 @@
 </file>
 
 <file path=customXml/itemProps216.xml><?xml version="1.0" encoding="utf-8"?>
-<ds:datastoreItem xmlns:ds="http://schemas.openxmlformats.org/officeDocument/2006/customXml" ds:itemID="{C8CC9302-0376-4C84-870E-FE5DD77F03AE}">
+<ds:datastoreItem xmlns:ds="http://schemas.openxmlformats.org/officeDocument/2006/customXml" ds:itemID="{CB02D37A-A957-4BC7-84CC-6C8D7E80D890}">
   <ds:schemaRefs>
     <ds:schemaRef ds:uri="http://schemas.microsoft.com/VisualStudio/2011/storyboarding/control"/>
   </ds:schemaRefs>
@@ -35615,7 +34996,7 @@
 </file>
 
 <file path=customXml/itemProps217.xml><?xml version="1.0" encoding="utf-8"?>
-<ds:datastoreItem xmlns:ds="http://schemas.openxmlformats.org/officeDocument/2006/customXml" ds:itemID="{961017EA-4807-451D-9770-720AB5D56045}">
+<ds:datastoreItem xmlns:ds="http://schemas.openxmlformats.org/officeDocument/2006/customXml" ds:itemID="{92E5CA83-6015-4923-8B9E-EB53E939B7A2}">
   <ds:schemaRefs>
     <ds:schemaRef ds:uri="http://schemas.microsoft.com/VisualStudio/2011/storyboarding/control"/>
   </ds:schemaRefs>
@@ -35623,7 +35004,7 @@
 </file>
 
 <file path=customXml/itemProps218.xml><?xml version="1.0" encoding="utf-8"?>
-<ds:datastoreItem xmlns:ds="http://schemas.openxmlformats.org/officeDocument/2006/customXml" ds:itemID="{2052D048-0AA4-46AE-9EE1-C35C8CED3024}">
+<ds:datastoreItem xmlns:ds="http://schemas.openxmlformats.org/officeDocument/2006/customXml" ds:itemID="{55B5B6F8-9901-492E-97D6-EAC91518CD9E}">
   <ds:schemaRefs>
     <ds:schemaRef ds:uri="http://schemas.microsoft.com/VisualStudio/2011/storyboarding/control"/>
   </ds:schemaRefs>
@@ -35631,7 +35012,7 @@
 </file>
 
 <file path=customXml/itemProps219.xml><?xml version="1.0" encoding="utf-8"?>
-<ds:datastoreItem xmlns:ds="http://schemas.openxmlformats.org/officeDocument/2006/customXml" ds:itemID="{38FECE6E-4E53-4E4D-A22B-C14D12BEB2AD}">
+<ds:datastoreItem xmlns:ds="http://schemas.openxmlformats.org/officeDocument/2006/customXml" ds:itemID="{73A1BCFC-48D4-421E-B82B-AD1F06F839DB}">
   <ds:schemaRefs>
     <ds:schemaRef ds:uri="http://schemas.microsoft.com/VisualStudio/2011/storyboarding/control"/>
   </ds:schemaRefs>
@@ -35647,7 +35028,7 @@
 </file>
 
 <file path=customXml/itemProps220.xml><?xml version="1.0" encoding="utf-8"?>
-<ds:datastoreItem xmlns:ds="http://schemas.openxmlformats.org/officeDocument/2006/customXml" ds:itemID="{B13BC1B5-0E07-4DDD-82BA-4EA6D7413176}">
+<ds:datastoreItem xmlns:ds="http://schemas.openxmlformats.org/officeDocument/2006/customXml" ds:itemID="{80E22E08-A44B-4F15-91AF-630E8B14853E}">
   <ds:schemaRefs>
     <ds:schemaRef ds:uri="http://schemas.microsoft.com/VisualStudio/2011/storyboarding/control"/>
   </ds:schemaRefs>
@@ -35655,7 +35036,7 @@
 </file>
 
 <file path=customXml/itemProps221.xml><?xml version="1.0" encoding="utf-8"?>
-<ds:datastoreItem xmlns:ds="http://schemas.openxmlformats.org/officeDocument/2006/customXml" ds:itemID="{4410EA4D-EEA7-4F65-AA4F-C451F3B82D11}">
+<ds:datastoreItem xmlns:ds="http://schemas.openxmlformats.org/officeDocument/2006/customXml" ds:itemID="{3DE77565-BC1D-4036-8CEB-BCAFD088DE96}">
   <ds:schemaRefs>
     <ds:schemaRef ds:uri="http://schemas.microsoft.com/VisualStudio/2011/storyboarding/control"/>
   </ds:schemaRefs>
@@ -35663,46 +35044,94 @@
 </file>
 
 <file path=customXml/itemProps222.xml><?xml version="1.0" encoding="utf-8"?>
-<ds:datastoreItem xmlns:ds="http://schemas.openxmlformats.org/officeDocument/2006/customXml" ds:itemID="{497383C0-2E4A-4ECC-8F9C-9D91C78BDFF7}">
+<ds:datastoreItem xmlns:ds="http://schemas.openxmlformats.org/officeDocument/2006/customXml" ds:itemID="{1EDC7140-78C5-4BCD-A9E9-27ED4B2DF51D}">
   <ds:schemaRefs>
     <ds:schemaRef ds:uri="http://schemas.microsoft.com/VisualStudio/2011/storyboarding/control"/>
   </ds:schemaRefs>
 </ds:datastoreItem>
 </file>
 
-<file path=customXml/itemProps223.xml><?xml version="1.0" encoding="utf-8"?>
-<ds:datastoreItem xmlns:ds="http://schemas.openxmlformats.org/officeDocument/2006/customXml" ds:itemID="{6052A948-8845-4EF6-94B7-705E06C6FC81}">
+<file path=customXml/itemProps23.xml><?xml version="1.0" encoding="utf-8"?>
+<ds:datastoreItem xmlns:ds="http://schemas.openxmlformats.org/officeDocument/2006/customXml" ds:itemID="{E8F31494-C899-453C-ACB3-FDC9145B9D91}">
   <ds:schemaRefs>
     <ds:schemaRef ds:uri="http://schemas.microsoft.com/VisualStudio/2011/storyboarding/control"/>
   </ds:schemaRefs>
 </ds:datastoreItem>
 </file>
 
-<file path=customXml/itemProps224.xml><?xml version="1.0" encoding="utf-8"?>
-<ds:datastoreItem xmlns:ds="http://schemas.openxmlformats.org/officeDocument/2006/customXml" ds:itemID="{67B2DD84-806A-40A8-8D83-C607630EC413}">
+<file path=customXml/itemProps24.xml><?xml version="1.0" encoding="utf-8"?>
+<ds:datastoreItem xmlns:ds="http://schemas.openxmlformats.org/officeDocument/2006/customXml" ds:itemID="{62877943-EBF7-4B2F-8C26-9CC99A82D531}">
   <ds:schemaRefs>
     <ds:schemaRef ds:uri="http://schemas.microsoft.com/VisualStudio/2011/storyboarding/control"/>
   </ds:schemaRefs>
 </ds:datastoreItem>
 </file>
 
-<file path=customXml/itemProps225.xml><?xml version="1.0" encoding="utf-8"?>
-<ds:datastoreItem xmlns:ds="http://schemas.openxmlformats.org/officeDocument/2006/customXml" ds:itemID="{14627128-4D31-4DF3-AB55-FA0C6A4E4FE5}">
+<file path=customXml/itemProps25.xml><?xml version="1.0" encoding="utf-8"?>
+<ds:datastoreItem xmlns:ds="http://schemas.openxmlformats.org/officeDocument/2006/customXml" ds:itemID="{DB2AB7B1-45B1-4AA1-905D-207599224759}">
   <ds:schemaRefs>
     <ds:schemaRef ds:uri="http://schemas.microsoft.com/VisualStudio/2011/storyboarding/control"/>
   </ds:schemaRefs>
 </ds:datastoreItem>
 </file>
 
-<file path=customXml/itemProps226.xml><?xml version="1.0" encoding="utf-8"?>
-<ds:datastoreItem xmlns:ds="http://schemas.openxmlformats.org/officeDocument/2006/customXml" ds:itemID="{F5008AB0-B7EF-4B51-AFAE-ADD814E2C892}">
+<file path=customXml/itemProps26.xml><?xml version="1.0" encoding="utf-8"?>
+<ds:datastoreItem xmlns:ds="http://schemas.openxmlformats.org/officeDocument/2006/customXml" ds:itemID="{0822C9B2-6CA6-4726-B2A5-E1481F002984}">
   <ds:schemaRefs>
     <ds:schemaRef ds:uri="http://schemas.microsoft.com/VisualStudio/2011/storyboarding/control"/>
   </ds:schemaRefs>
 </ds:datastoreItem>
 </file>
 
-<file path=customXml/itemProps227.xml><?xml version="1.0" encoding="utf-8"?>
+<file path=customXml/itemProps27.xml><?xml version="1.0" encoding="utf-8"?>
+<ds:datastoreItem xmlns:ds="http://schemas.openxmlformats.org/officeDocument/2006/customXml" ds:itemID="{5F13B48F-437D-49AE-BFB9-EBA82E71BB38}">
+  <ds:schemaRefs>
+    <ds:schemaRef ds:uri="http://schemas.microsoft.com/VisualStudio/2011/storyboarding/control"/>
+  </ds:schemaRefs>
+</ds:datastoreItem>
+</file>
+
+<file path=customXml/itemProps28.xml><?xml version="1.0" encoding="utf-8"?>
+<ds:datastoreItem xmlns:ds="http://schemas.openxmlformats.org/officeDocument/2006/customXml" ds:itemID="{0F929D75-CCB0-4714-86AF-7F029C45BE4D}">
+  <ds:schemaRefs>
+    <ds:schemaRef ds:uri="http://schemas.microsoft.com/VisualStudio/2011/storyboarding/control"/>
+  </ds:schemaRefs>
+</ds:datastoreItem>
+</file>
+
+<file path=customXml/itemProps29.xml><?xml version="1.0" encoding="utf-8"?>
+<ds:datastoreItem xmlns:ds="http://schemas.openxmlformats.org/officeDocument/2006/customXml" ds:itemID="{B93CAB6C-9A12-45A2-BD75-D46F9A34749C}">
+  <ds:schemaRefs>
+    <ds:schemaRef ds:uri="http://schemas.microsoft.com/VisualStudio/2011/storyboarding/control"/>
+  </ds:schemaRefs>
+</ds:datastoreItem>
+</file>
+
+<file path=customXml/itemProps3.xml><?xml version="1.0" encoding="utf-8"?>
+<ds:datastoreItem xmlns:ds="http://schemas.openxmlformats.org/officeDocument/2006/customXml" ds:itemID="{D44A0BFC-FCD5-4E25-9402-7C3669681F61}">
+  <ds:schemaRefs>
+    <ds:schemaRef ds:uri="http://schemas.microsoft.com/VisualStudio/2011/storyboarding/control"/>
+  </ds:schemaRefs>
+</ds:datastoreItem>
+</file>
+
+<file path=customXml/itemProps30.xml><?xml version="1.0" encoding="utf-8"?>
+<ds:datastoreItem xmlns:ds="http://schemas.openxmlformats.org/officeDocument/2006/customXml" ds:itemID="{AF8CA884-7DD1-46A1-BFA1-2F4041F5E690}">
+  <ds:schemaRefs>
+    <ds:schemaRef ds:uri="http://schemas.microsoft.com/VisualStudio/2011/storyboarding/control"/>
+  </ds:schemaRefs>
+</ds:datastoreItem>
+</file>
+
+<file path=customXml/itemProps31.xml><?xml version="1.0" encoding="utf-8"?>
+<ds:datastoreItem xmlns:ds="http://schemas.openxmlformats.org/officeDocument/2006/customXml" ds:itemID="{293C552B-537F-4CBF-AE7C-3DD4C0D784A5}">
+  <ds:schemaRefs>
+    <ds:schemaRef ds:uri="http://schemas.microsoft.com/VisualStudio/2011/storyboarding/control"/>
+  </ds:schemaRefs>
+</ds:datastoreItem>
+</file>
+
+<file path=customXml/itemProps32.xml><?xml version="1.0" encoding="utf-8"?>
 <ds:datastoreItem xmlns:ds="http://schemas.openxmlformats.org/officeDocument/2006/customXml" ds:itemID="{09EC32C3-91DB-447F-9077-1260E4C1C4F8}">
   <ds:schemaRefs>
     <ds:schemaRef ds:uri="http://schemas.microsoft.com/VisualStudio/2011/storyboarding/control"/>
@@ -35710,7 +35139,199 @@
 </ds:datastoreItem>
 </file>
 
-<file path=customXml/itemProps228.xml><?xml version="1.0" encoding="utf-8"?>
+<file path=customXml/itemProps33.xml><?xml version="1.0" encoding="utf-8"?>
+<ds:datastoreItem xmlns:ds="http://schemas.openxmlformats.org/officeDocument/2006/customXml" ds:itemID="{C45ADD74-D966-4389-AA66-C66380EA72AE}">
+  <ds:schemaRefs>
+    <ds:schemaRef ds:uri="http://schemas.microsoft.com/VisualStudio/2011/storyboarding/control"/>
+  </ds:schemaRefs>
+</ds:datastoreItem>
+</file>
+
+<file path=customXml/itemProps34.xml><?xml version="1.0" encoding="utf-8"?>
+<ds:datastoreItem xmlns:ds="http://schemas.openxmlformats.org/officeDocument/2006/customXml" ds:itemID="{1149E04B-3E8B-4296-B732-8CEB5AC1664A}">
+  <ds:schemaRefs>
+    <ds:schemaRef ds:uri="http://schemas.microsoft.com/VisualStudio/2011/storyboarding/control"/>
+  </ds:schemaRefs>
+</ds:datastoreItem>
+</file>
+
+<file path=customXml/itemProps35.xml><?xml version="1.0" encoding="utf-8"?>
+<ds:datastoreItem xmlns:ds="http://schemas.openxmlformats.org/officeDocument/2006/customXml" ds:itemID="{EF61CF87-912E-42E7-83EA-9D0202326A8A}">
+  <ds:schemaRefs>
+    <ds:schemaRef ds:uri="http://schemas.microsoft.com/VisualStudio/2011/storyboarding/control"/>
+  </ds:schemaRefs>
+</ds:datastoreItem>
+</file>
+
+<file path=customXml/itemProps36.xml><?xml version="1.0" encoding="utf-8"?>
+<ds:datastoreItem xmlns:ds="http://schemas.openxmlformats.org/officeDocument/2006/customXml" ds:itemID="{13E6BBC8-B658-48E7-A464-249B862EC920}">
+  <ds:schemaRefs>
+    <ds:schemaRef ds:uri="http://schemas.microsoft.com/VisualStudio/2011/storyboarding/control"/>
+  </ds:schemaRefs>
+</ds:datastoreItem>
+</file>
+
+<file path=customXml/itemProps37.xml><?xml version="1.0" encoding="utf-8"?>
+<ds:datastoreItem xmlns:ds="http://schemas.openxmlformats.org/officeDocument/2006/customXml" ds:itemID="{8FA3D93C-F1A3-4B2E-9382-EA20C1D69BAD}">
+  <ds:schemaRefs>
+    <ds:schemaRef ds:uri="http://schemas.microsoft.com/VisualStudio/2011/storyboarding/control"/>
+  </ds:schemaRefs>
+</ds:datastoreItem>
+</file>
+
+<file path=customXml/itemProps38.xml><?xml version="1.0" encoding="utf-8"?>
+<ds:datastoreItem xmlns:ds="http://schemas.openxmlformats.org/officeDocument/2006/customXml" ds:itemID="{10D299E8-14A9-4F76-A58E-935086DED687}">
+  <ds:schemaRefs>
+    <ds:schemaRef ds:uri="http://schemas.microsoft.com/VisualStudio/2011/storyboarding/control"/>
+  </ds:schemaRefs>
+</ds:datastoreItem>
+</file>
+
+<file path=customXml/itemProps39.xml><?xml version="1.0" encoding="utf-8"?>
+<ds:datastoreItem xmlns:ds="http://schemas.openxmlformats.org/officeDocument/2006/customXml" ds:itemID="{A29EBE93-BDB6-42E1-AF9D-ECEC34CCBD22}">
+  <ds:schemaRefs>
+    <ds:schemaRef ds:uri="http://schemas.microsoft.com/VisualStudio/2011/storyboarding/control"/>
+  </ds:schemaRefs>
+</ds:datastoreItem>
+</file>
+
+<file path=customXml/itemProps4.xml><?xml version="1.0" encoding="utf-8"?>
+<ds:datastoreItem xmlns:ds="http://schemas.openxmlformats.org/officeDocument/2006/customXml" ds:itemID="{221B0244-0801-4967-9891-48EEB15F2F18}">
+  <ds:schemaRefs>
+    <ds:schemaRef ds:uri="http://schemas.microsoft.com/VisualStudio/2011/storyboarding/control"/>
+  </ds:schemaRefs>
+</ds:datastoreItem>
+</file>
+
+<file path=customXml/itemProps40.xml><?xml version="1.0" encoding="utf-8"?>
+<ds:datastoreItem xmlns:ds="http://schemas.openxmlformats.org/officeDocument/2006/customXml" ds:itemID="{853DF96D-4EE8-438C-B655-6DE5563EAF67}">
+  <ds:schemaRefs>
+    <ds:schemaRef ds:uri="http://schemas.microsoft.com/VisualStudio/2011/storyboarding/control"/>
+  </ds:schemaRefs>
+</ds:datastoreItem>
+</file>
+
+<file path=customXml/itemProps41.xml><?xml version="1.0" encoding="utf-8"?>
+<ds:datastoreItem xmlns:ds="http://schemas.openxmlformats.org/officeDocument/2006/customXml" ds:itemID="{347AD84A-A5B8-4538-A522-0B53C330B912}">
+  <ds:schemaRefs>
+    <ds:schemaRef ds:uri="http://schemas.microsoft.com/VisualStudio/2011/storyboarding/control"/>
+  </ds:schemaRefs>
+</ds:datastoreItem>
+</file>
+
+<file path=customXml/itemProps42.xml><?xml version="1.0" encoding="utf-8"?>
+<ds:datastoreItem xmlns:ds="http://schemas.openxmlformats.org/officeDocument/2006/customXml" ds:itemID="{7454C879-EEB5-44C4-8A36-0FAF2DAB7D61}">
+  <ds:schemaRefs>
+    <ds:schemaRef ds:uri="http://schemas.microsoft.com/VisualStudio/2011/storyboarding/control"/>
+  </ds:schemaRefs>
+</ds:datastoreItem>
+</file>
+
+<file path=customXml/itemProps43.xml><?xml version="1.0" encoding="utf-8"?>
+<ds:datastoreItem xmlns:ds="http://schemas.openxmlformats.org/officeDocument/2006/customXml" ds:itemID="{961017EA-4807-451D-9770-720AB5D56045}">
+  <ds:schemaRefs>
+    <ds:schemaRef ds:uri="http://schemas.microsoft.com/VisualStudio/2011/storyboarding/control"/>
+  </ds:schemaRefs>
+</ds:datastoreItem>
+</file>
+
+<file path=customXml/itemProps44.xml><?xml version="1.0" encoding="utf-8"?>
+<ds:datastoreItem xmlns:ds="http://schemas.openxmlformats.org/officeDocument/2006/customXml" ds:itemID="{1F0E1F79-632F-4EB0-82C0-5A1AFD1072FB}">
+  <ds:schemaRefs>
+    <ds:schemaRef ds:uri="http://schemas.microsoft.com/VisualStudio/2011/storyboarding/control"/>
+  </ds:schemaRefs>
+</ds:datastoreItem>
+</file>
+
+<file path=customXml/itemProps45.xml><?xml version="1.0" encoding="utf-8"?>
+<ds:datastoreItem xmlns:ds="http://schemas.openxmlformats.org/officeDocument/2006/customXml" ds:itemID="{3CCD36F2-3425-44F7-9F51-456F0C7CC89C}">
+  <ds:schemaRefs>
+    <ds:schemaRef ds:uri="http://schemas.microsoft.com/VisualStudio/2011/storyboarding/control"/>
+  </ds:schemaRefs>
+</ds:datastoreItem>
+</file>
+
+<file path=customXml/itemProps46.xml><?xml version="1.0" encoding="utf-8"?>
+<ds:datastoreItem xmlns:ds="http://schemas.openxmlformats.org/officeDocument/2006/customXml" ds:itemID="{65EE52E7-AEEE-4D15-87D5-5F3E901BD57D}">
+  <ds:schemaRefs>
+    <ds:schemaRef ds:uri="http://schemas.microsoft.com/VisualStudio/2011/storyboarding/control"/>
+  </ds:schemaRefs>
+</ds:datastoreItem>
+</file>
+
+<file path=customXml/itemProps47.xml><?xml version="1.0" encoding="utf-8"?>
+<ds:datastoreItem xmlns:ds="http://schemas.openxmlformats.org/officeDocument/2006/customXml" ds:itemID="{A8A90C2C-BBC2-4B86-BB21-BB46CA7DE058}">
+  <ds:schemaRefs>
+    <ds:schemaRef ds:uri="http://schemas.microsoft.com/VisualStudio/2011/storyboarding/control"/>
+  </ds:schemaRefs>
+</ds:datastoreItem>
+</file>
+
+<file path=customXml/itemProps48.xml><?xml version="1.0" encoding="utf-8"?>
+<ds:datastoreItem xmlns:ds="http://schemas.openxmlformats.org/officeDocument/2006/customXml" ds:itemID="{4EF6D473-291D-4120-AF79-ACFED919F292}">
+  <ds:schemaRefs>
+    <ds:schemaRef ds:uri="http://schemas.microsoft.com/VisualStudio/2011/storyboarding/control"/>
+  </ds:schemaRefs>
+</ds:datastoreItem>
+</file>
+
+<file path=customXml/itemProps49.xml><?xml version="1.0" encoding="utf-8"?>
+<ds:datastoreItem xmlns:ds="http://schemas.openxmlformats.org/officeDocument/2006/customXml" ds:itemID="{AFE23348-B39F-4C03-8ACB-304CB849E116}">
+  <ds:schemaRefs>
+    <ds:schemaRef ds:uri="http://schemas.microsoft.com/VisualStudio/2011/storyboarding/control"/>
+  </ds:schemaRefs>
+</ds:datastoreItem>
+</file>
+
+<file path=customXml/itemProps5.xml><?xml version="1.0" encoding="utf-8"?>
+<ds:datastoreItem xmlns:ds="http://schemas.openxmlformats.org/officeDocument/2006/customXml" ds:itemID="{D32A8E94-96EB-41E2-B448-91979CF47864}">
+  <ds:schemaRefs>
+    <ds:schemaRef ds:uri="http://schemas.microsoft.com/VisualStudio/2011/storyboarding/control"/>
+  </ds:schemaRefs>
+</ds:datastoreItem>
+</file>
+
+<file path=customXml/itemProps50.xml><?xml version="1.0" encoding="utf-8"?>
+<ds:datastoreItem xmlns:ds="http://schemas.openxmlformats.org/officeDocument/2006/customXml" ds:itemID="{C7A8CFC0-4556-4E25-A269-74548695F78A}">
+  <ds:schemaRefs>
+    <ds:schemaRef ds:uri="http://schemas.microsoft.com/VisualStudio/2011/storyboarding/control"/>
+  </ds:schemaRefs>
+</ds:datastoreItem>
+</file>
+
+<file path=customXml/itemProps51.xml><?xml version="1.0" encoding="utf-8"?>
+<ds:datastoreItem xmlns:ds="http://schemas.openxmlformats.org/officeDocument/2006/customXml" ds:itemID="{EC69FA35-EA99-4AB2-9E43-124AE2A4D710}">
+  <ds:schemaRefs>
+    <ds:schemaRef ds:uri="http://schemas.microsoft.com/VisualStudio/2011/storyboarding/control"/>
+  </ds:schemaRefs>
+</ds:datastoreItem>
+</file>
+
+<file path=customXml/itemProps52.xml><?xml version="1.0" encoding="utf-8"?>
+<ds:datastoreItem xmlns:ds="http://schemas.openxmlformats.org/officeDocument/2006/customXml" ds:itemID="{298CA2B6-AFE4-4E49-A39E-6F28F243F39E}">
+  <ds:schemaRefs>
+    <ds:schemaRef ds:uri="http://schemas.microsoft.com/VisualStudio/2011/storyboarding/control"/>
+  </ds:schemaRefs>
+</ds:datastoreItem>
+</file>
+
+<file path=customXml/itemProps53.xml><?xml version="1.0" encoding="utf-8"?>
+<ds:datastoreItem xmlns:ds="http://schemas.openxmlformats.org/officeDocument/2006/customXml" ds:itemID="{A3E09688-EFA5-46CD-B9C1-00F13A1D5827}">
+  <ds:schemaRefs>
+    <ds:schemaRef ds:uri="http://schemas.microsoft.com/VisualStudio/2011/storyboarding/control"/>
+  </ds:schemaRefs>
+</ds:datastoreItem>
+</file>
+
+<file path=customXml/itemProps54.xml><?xml version="1.0" encoding="utf-8"?>
+<ds:datastoreItem xmlns:ds="http://schemas.openxmlformats.org/officeDocument/2006/customXml" ds:itemID="{75434A2F-1904-444D-9A2E-155D7CDEE729}">
+  <ds:schemaRefs>
+    <ds:schemaRef ds:uri="http://schemas.microsoft.com/VisualStudio/2011/storyboarding/control"/>
+  </ds:schemaRefs>
+</ds:datastoreItem>
+</file>
+
+<file path=customXml/itemProps55.xml><?xml version="1.0" encoding="utf-8"?>
 <ds:datastoreItem xmlns:ds="http://schemas.openxmlformats.org/officeDocument/2006/customXml" ds:itemID="{287ABB93-A810-47C2-9432-4BEF75EE10AA}">
   <ds:schemaRefs>
     <ds:schemaRef ds:uri="http://schemas.microsoft.com/VisualStudio/2011/storyboarding/control"/>
@@ -35718,15 +35339,111 @@
 </ds:datastoreItem>
 </file>
 
-<file path=customXml/itemProps23.xml><?xml version="1.0" encoding="utf-8"?>
-<ds:datastoreItem xmlns:ds="http://schemas.openxmlformats.org/officeDocument/2006/customXml" ds:itemID="{3CCD36F2-3425-44F7-9F51-456F0C7CC89C}">
+<file path=customXml/itemProps56.xml><?xml version="1.0" encoding="utf-8"?>
+<ds:datastoreItem xmlns:ds="http://schemas.openxmlformats.org/officeDocument/2006/customXml" ds:itemID="{07F23B51-ED1D-4CDC-AEE4-3AF7B8CF537D}">
   <ds:schemaRefs>
     <ds:schemaRef ds:uri="http://schemas.microsoft.com/VisualStudio/2011/storyboarding/control"/>
   </ds:schemaRefs>
 </ds:datastoreItem>
 </file>
 
-<file path=customXml/itemProps24.xml><?xml version="1.0" encoding="utf-8"?>
+<file path=customXml/itemProps57.xml><?xml version="1.0" encoding="utf-8"?>
+<ds:datastoreItem xmlns:ds="http://schemas.openxmlformats.org/officeDocument/2006/customXml" ds:itemID="{6D23DAD7-E0D9-4241-A4DB-204A0F380A76}">
+  <ds:schemaRefs>
+    <ds:schemaRef ds:uri="http://schemas.microsoft.com/VisualStudio/2011/storyboarding/control"/>
+  </ds:schemaRefs>
+</ds:datastoreItem>
+</file>
+
+<file path=customXml/itemProps58.xml><?xml version="1.0" encoding="utf-8"?>
+<ds:datastoreItem xmlns:ds="http://schemas.openxmlformats.org/officeDocument/2006/customXml" ds:itemID="{09A37E20-1DEC-4709-9BEF-4CAA872D75A0}">
+  <ds:schemaRefs>
+    <ds:schemaRef ds:uri="http://schemas.microsoft.com/VisualStudio/2011/storyboarding/control"/>
+  </ds:schemaRefs>
+</ds:datastoreItem>
+</file>
+
+<file path=customXml/itemProps59.xml><?xml version="1.0" encoding="utf-8"?>
+<ds:datastoreItem xmlns:ds="http://schemas.openxmlformats.org/officeDocument/2006/customXml" ds:itemID="{030F3597-04BD-4953-9DA5-E7FAED854AAD}">
+  <ds:schemaRefs>
+    <ds:schemaRef ds:uri="http://schemas.microsoft.com/VisualStudio/2011/storyboarding/control"/>
+  </ds:schemaRefs>
+</ds:datastoreItem>
+</file>
+
+<file path=customXml/itemProps6.xml><?xml version="1.0" encoding="utf-8"?>
+<ds:datastoreItem xmlns:ds="http://schemas.openxmlformats.org/officeDocument/2006/customXml" ds:itemID="{B5DF6AE2-73F3-49D4-8F61-B8B8F150424B}">
+  <ds:schemaRefs>
+    <ds:schemaRef ds:uri="http://schemas.microsoft.com/VisualStudio/2011/storyboarding/control"/>
+  </ds:schemaRefs>
+</ds:datastoreItem>
+</file>
+
+<file path=customXml/itemProps60.xml><?xml version="1.0" encoding="utf-8"?>
+<ds:datastoreItem xmlns:ds="http://schemas.openxmlformats.org/officeDocument/2006/customXml" ds:itemID="{16148647-754A-4A79-8420-ADA32F29D1AE}">
+  <ds:schemaRefs>
+    <ds:schemaRef ds:uri="http://schemas.microsoft.com/VisualStudio/2011/storyboarding/control"/>
+  </ds:schemaRefs>
+</ds:datastoreItem>
+</file>
+
+<file path=customXml/itemProps61.xml><?xml version="1.0" encoding="utf-8"?>
+<ds:datastoreItem xmlns:ds="http://schemas.openxmlformats.org/officeDocument/2006/customXml" ds:itemID="{CEF68D64-8D51-42AA-8C2A-0AF1FD5D33EE}">
+  <ds:schemaRefs>
+    <ds:schemaRef ds:uri="http://schemas.microsoft.com/VisualStudio/2011/storyboarding/control"/>
+  </ds:schemaRefs>
+</ds:datastoreItem>
+</file>
+
+<file path=customXml/itemProps62.xml><?xml version="1.0" encoding="utf-8"?>
+<ds:datastoreItem xmlns:ds="http://schemas.openxmlformats.org/officeDocument/2006/customXml" ds:itemID="{862FA17A-2C6F-4CD8-B507-10CA7CC09A8F}">
+  <ds:schemaRefs>
+    <ds:schemaRef ds:uri="http://schemas.microsoft.com/VisualStudio/2011/storyboarding/control"/>
+  </ds:schemaRefs>
+</ds:datastoreItem>
+</file>
+
+<file path=customXml/itemProps63.xml><?xml version="1.0" encoding="utf-8"?>
+<ds:datastoreItem xmlns:ds="http://schemas.openxmlformats.org/officeDocument/2006/customXml" ds:itemID="{052B62D0-47D7-4DB1-A2CF-88DB30926B97}">
+  <ds:schemaRefs>
+    <ds:schemaRef ds:uri="http://schemas.microsoft.com/VisualStudio/2011/storyboarding/control"/>
+  </ds:schemaRefs>
+</ds:datastoreItem>
+</file>
+
+<file path=customXml/itemProps64.xml><?xml version="1.0" encoding="utf-8"?>
+<ds:datastoreItem xmlns:ds="http://schemas.openxmlformats.org/officeDocument/2006/customXml" ds:itemID="{CCEC82DF-3665-44AC-9C20-DBAE83D3306F}">
+  <ds:schemaRefs>
+    <ds:schemaRef ds:uri="http://schemas.microsoft.com/VisualStudio/2011/storyboarding/control"/>
+  </ds:schemaRefs>
+</ds:datastoreItem>
+</file>
+
+<file path=customXml/itemProps65.xml><?xml version="1.0" encoding="utf-8"?>
+<ds:datastoreItem xmlns:ds="http://schemas.openxmlformats.org/officeDocument/2006/customXml" ds:itemID="{58DC7449-4DAD-466C-B54C-A90A8D4FDCB0}">
+  <ds:schemaRefs>
+    <ds:schemaRef ds:uri="http://schemas.microsoft.com/VisualStudio/2011/storyboarding/control"/>
+  </ds:schemaRefs>
+</ds:datastoreItem>
+</file>
+
+<file path=customXml/itemProps66.xml><?xml version="1.0" encoding="utf-8"?>
+<ds:datastoreItem xmlns:ds="http://schemas.openxmlformats.org/officeDocument/2006/customXml" ds:itemID="{B8F01AF2-2373-466F-A7AC-411BD9A92C55}">
+  <ds:schemaRefs>
+    <ds:schemaRef ds:uri="http://schemas.microsoft.com/VisualStudio/2011/storyboarding/control"/>
+  </ds:schemaRefs>
+</ds:datastoreItem>
+</file>
+
+<file path=customXml/itemProps67.xml><?xml version="1.0" encoding="utf-8"?>
+<ds:datastoreItem xmlns:ds="http://schemas.openxmlformats.org/officeDocument/2006/customXml" ds:itemID="{2052D048-0AA4-46AE-9EE1-C35C8CED3024}">
+  <ds:schemaRefs>
+    <ds:schemaRef ds:uri="http://schemas.microsoft.com/VisualStudio/2011/storyboarding/control"/>
+  </ds:schemaRefs>
+</ds:datastoreItem>
+</file>
+
+<file path=customXml/itemProps68.xml><?xml version="1.0" encoding="utf-8"?>
 <ds:datastoreItem xmlns:ds="http://schemas.openxmlformats.org/officeDocument/2006/customXml" ds:itemID="{7AA672EF-7A11-4398-838B-2152312F45B8}">
   <ds:schemaRefs>
     <ds:schemaRef ds:uri="http://schemas.microsoft.com/VisualStudio/2011/storyboarding/control"/>
@@ -35734,7 +35451,199 @@
 </ds:datastoreItem>
 </file>
 
-<file path=customXml/itemProps25.xml><?xml version="1.0" encoding="utf-8"?>
+<file path=customXml/itemProps69.xml><?xml version="1.0" encoding="utf-8"?>
+<ds:datastoreItem xmlns:ds="http://schemas.openxmlformats.org/officeDocument/2006/customXml" ds:itemID="{B81612EC-0AB3-4E55-BA68-07192BFEF590}">
+  <ds:schemaRefs>
+    <ds:schemaRef ds:uri="http://schemas.microsoft.com/VisualStudio/2011/storyboarding/control"/>
+  </ds:schemaRefs>
+</ds:datastoreItem>
+</file>
+
+<file path=customXml/itemProps7.xml><?xml version="1.0" encoding="utf-8"?>
+<ds:datastoreItem xmlns:ds="http://schemas.openxmlformats.org/officeDocument/2006/customXml" ds:itemID="{054211BB-F3B3-4340-84B6-29408AF040DF}">
+  <ds:schemaRefs>
+    <ds:schemaRef ds:uri="http://schemas.microsoft.com/VisualStudio/2011/storyboarding/control"/>
+  </ds:schemaRefs>
+</ds:datastoreItem>
+</file>
+
+<file path=customXml/itemProps70.xml><?xml version="1.0" encoding="utf-8"?>
+<ds:datastoreItem xmlns:ds="http://schemas.openxmlformats.org/officeDocument/2006/customXml" ds:itemID="{BE26F770-6D00-4BDC-830A-6271C798A6B9}">
+  <ds:schemaRefs>
+    <ds:schemaRef ds:uri="http://schemas.microsoft.com/VisualStudio/2011/storyboarding/control"/>
+  </ds:schemaRefs>
+</ds:datastoreItem>
+</file>
+
+<file path=customXml/itemProps71.xml><?xml version="1.0" encoding="utf-8"?>
+<ds:datastoreItem xmlns:ds="http://schemas.openxmlformats.org/officeDocument/2006/customXml" ds:itemID="{368C58DE-69E5-468F-8FEE-B8D0683E2F32}">
+  <ds:schemaRefs>
+    <ds:schemaRef ds:uri="http://schemas.microsoft.com/VisualStudio/2011/storyboarding/control"/>
+  </ds:schemaRefs>
+</ds:datastoreItem>
+</file>
+
+<file path=customXml/itemProps72.xml><?xml version="1.0" encoding="utf-8"?>
+<ds:datastoreItem xmlns:ds="http://schemas.openxmlformats.org/officeDocument/2006/customXml" ds:itemID="{CC7D7D72-AFCC-4840-8AC7-25CD6679F99F}">
+  <ds:schemaRefs>
+    <ds:schemaRef ds:uri="http://schemas.microsoft.com/VisualStudio/2011/storyboarding/control"/>
+  </ds:schemaRefs>
+</ds:datastoreItem>
+</file>
+
+<file path=customXml/itemProps73.xml><?xml version="1.0" encoding="utf-8"?>
+<ds:datastoreItem xmlns:ds="http://schemas.openxmlformats.org/officeDocument/2006/customXml" ds:itemID="{7387757C-924F-48E4-BB13-EE3C0DC40C7C}">
+  <ds:schemaRefs>
+    <ds:schemaRef ds:uri="http://schemas.microsoft.com/VisualStudio/2011/storyboarding/control"/>
+  </ds:schemaRefs>
+</ds:datastoreItem>
+</file>
+
+<file path=customXml/itemProps74.xml><?xml version="1.0" encoding="utf-8"?>
+<ds:datastoreItem xmlns:ds="http://schemas.openxmlformats.org/officeDocument/2006/customXml" ds:itemID="{1E52AFE8-BD2F-4CEE-9DA3-64378EED1FA3}">
+  <ds:schemaRefs>
+    <ds:schemaRef ds:uri="http://schemas.microsoft.com/VisualStudio/2011/storyboarding/control"/>
+  </ds:schemaRefs>
+</ds:datastoreItem>
+</file>
+
+<file path=customXml/itemProps75.xml><?xml version="1.0" encoding="utf-8"?>
+<ds:datastoreItem xmlns:ds="http://schemas.openxmlformats.org/officeDocument/2006/customXml" ds:itemID="{186B5A93-8F70-4971-985E-B89AD68DE7BA}">
+  <ds:schemaRefs>
+    <ds:schemaRef ds:uri="http://schemas.microsoft.com/VisualStudio/2011/storyboarding/control"/>
+  </ds:schemaRefs>
+</ds:datastoreItem>
+</file>
+
+<file path=customXml/itemProps76.xml><?xml version="1.0" encoding="utf-8"?>
+<ds:datastoreItem xmlns:ds="http://schemas.openxmlformats.org/officeDocument/2006/customXml" ds:itemID="{9E79F933-0316-4890-BDA8-F3929E7B043E}">
+  <ds:schemaRefs>
+    <ds:schemaRef ds:uri="http://schemas.microsoft.com/VisualStudio/2011/storyboarding/control"/>
+  </ds:schemaRefs>
+</ds:datastoreItem>
+</file>
+
+<file path=customXml/itemProps77.xml><?xml version="1.0" encoding="utf-8"?>
+<ds:datastoreItem xmlns:ds="http://schemas.openxmlformats.org/officeDocument/2006/customXml" ds:itemID="{41143EBA-12C0-4AAC-A584-154BDD30230D}">
+  <ds:schemaRefs>
+    <ds:schemaRef ds:uri="http://schemas.microsoft.com/VisualStudio/2011/storyboarding/control"/>
+  </ds:schemaRefs>
+</ds:datastoreItem>
+</file>
+
+<file path=customXml/itemProps78.xml><?xml version="1.0" encoding="utf-8"?>
+<ds:datastoreItem xmlns:ds="http://schemas.openxmlformats.org/officeDocument/2006/customXml" ds:itemID="{E97CE4A6-9C01-4E1C-AE95-A570F68F4499}">
+  <ds:schemaRefs>
+    <ds:schemaRef ds:uri="http://schemas.microsoft.com/VisualStudio/2011/storyboarding/control"/>
+  </ds:schemaRefs>
+</ds:datastoreItem>
+</file>
+
+<file path=customXml/itemProps79.xml><?xml version="1.0" encoding="utf-8"?>
+<ds:datastoreItem xmlns:ds="http://schemas.openxmlformats.org/officeDocument/2006/customXml" ds:itemID="{D317B771-A0E2-4E64-8DB6-4A1DAFFBC0D4}">
+  <ds:schemaRefs>
+    <ds:schemaRef ds:uri="http://schemas.microsoft.com/VisualStudio/2011/storyboarding/control"/>
+  </ds:schemaRefs>
+</ds:datastoreItem>
+</file>
+
+<file path=customXml/itemProps8.xml><?xml version="1.0" encoding="utf-8"?>
+<ds:datastoreItem xmlns:ds="http://schemas.openxmlformats.org/officeDocument/2006/customXml" ds:itemID="{8D52902D-EE4C-45E4-BD17-114F57A1FFED}">
+  <ds:schemaRefs>
+    <ds:schemaRef ds:uri="http://schemas.microsoft.com/VisualStudio/2011/storyboarding/control"/>
+  </ds:schemaRefs>
+</ds:datastoreItem>
+</file>
+
+<file path=customXml/itemProps80.xml><?xml version="1.0" encoding="utf-8"?>
+<ds:datastoreItem xmlns:ds="http://schemas.openxmlformats.org/officeDocument/2006/customXml" ds:itemID="{0112F604-12CF-4AF0-B1B9-DFC27CF2EB39}">
+  <ds:schemaRefs>
+    <ds:schemaRef ds:uri="http://schemas.microsoft.com/VisualStudio/2011/storyboarding/control"/>
+  </ds:schemaRefs>
+</ds:datastoreItem>
+</file>
+
+<file path=customXml/itemProps81.xml><?xml version="1.0" encoding="utf-8"?>
+<ds:datastoreItem xmlns:ds="http://schemas.openxmlformats.org/officeDocument/2006/customXml" ds:itemID="{64F776B7-BF0B-4B8B-9932-CD4D10025A5C}">
+  <ds:schemaRefs>
+    <ds:schemaRef ds:uri="http://schemas.microsoft.com/VisualStudio/2011/storyboarding/control"/>
+  </ds:schemaRefs>
+</ds:datastoreItem>
+</file>
+
+<file path=customXml/itemProps82.xml><?xml version="1.0" encoding="utf-8"?>
+<ds:datastoreItem xmlns:ds="http://schemas.openxmlformats.org/officeDocument/2006/customXml" ds:itemID="{D5205093-BB2B-40C2-98A8-A9F6399BA396}">
+  <ds:schemaRefs>
+    <ds:schemaRef ds:uri="http://schemas.microsoft.com/VisualStudio/2011/storyboarding/control"/>
+  </ds:schemaRefs>
+</ds:datastoreItem>
+</file>
+
+<file path=customXml/itemProps83.xml><?xml version="1.0" encoding="utf-8"?>
+<ds:datastoreItem xmlns:ds="http://schemas.openxmlformats.org/officeDocument/2006/customXml" ds:itemID="{F7CD6DE8-E3CA-41AD-BDF6-29CE07D429DA}">
+  <ds:schemaRefs>
+    <ds:schemaRef ds:uri="http://schemas.microsoft.com/VisualStudio/2011/storyboarding/control"/>
+  </ds:schemaRefs>
+</ds:datastoreItem>
+</file>
+
+<file path=customXml/itemProps84.xml><?xml version="1.0" encoding="utf-8"?>
+<ds:datastoreItem xmlns:ds="http://schemas.openxmlformats.org/officeDocument/2006/customXml" ds:itemID="{C8101F23-7FAA-4BD8-AD2A-421FA377298D}">
+  <ds:schemaRefs>
+    <ds:schemaRef ds:uri="http://schemas.microsoft.com/VisualStudio/2011/storyboarding/control"/>
+  </ds:schemaRefs>
+</ds:datastoreItem>
+</file>
+
+<file path=customXml/itemProps85.xml><?xml version="1.0" encoding="utf-8"?>
+<ds:datastoreItem xmlns:ds="http://schemas.openxmlformats.org/officeDocument/2006/customXml" ds:itemID="{BFEF8C4D-1E27-426E-B1CF-BF65C7F7B0A0}">
+  <ds:schemaRefs>
+    <ds:schemaRef ds:uri="http://schemas.microsoft.com/VisualStudio/2011/storyboarding/control"/>
+  </ds:schemaRefs>
+</ds:datastoreItem>
+</file>
+
+<file path=customXml/itemProps86.xml><?xml version="1.0" encoding="utf-8"?>
+<ds:datastoreItem xmlns:ds="http://schemas.openxmlformats.org/officeDocument/2006/customXml" ds:itemID="{F42CB0C3-0A05-4FF5-8C2A-312EB638568A}">
+  <ds:schemaRefs>
+    <ds:schemaRef ds:uri="http://schemas.microsoft.com/VisualStudio/2011/storyboarding/control"/>
+  </ds:schemaRefs>
+</ds:datastoreItem>
+</file>
+
+<file path=customXml/itemProps87.xml><?xml version="1.0" encoding="utf-8"?>
+<ds:datastoreItem xmlns:ds="http://schemas.openxmlformats.org/officeDocument/2006/customXml" ds:itemID="{B08C1852-3FDB-4CAF-99F1-A71471EFD4E5}">
+  <ds:schemaRefs>
+    <ds:schemaRef ds:uri="http://schemas.microsoft.com/VisualStudio/2011/storyboarding/control"/>
+  </ds:schemaRefs>
+</ds:datastoreItem>
+</file>
+
+<file path=customXml/itemProps88.xml><?xml version="1.0" encoding="utf-8"?>
+<ds:datastoreItem xmlns:ds="http://schemas.openxmlformats.org/officeDocument/2006/customXml" ds:itemID="{8C8CFCAC-8046-4140-920F-E6AB5C58629F}">
+  <ds:schemaRefs>
+    <ds:schemaRef ds:uri="http://schemas.microsoft.com/VisualStudio/2011/storyboarding/control"/>
+  </ds:schemaRefs>
+</ds:datastoreItem>
+</file>
+
+<file path=customXml/itemProps89.xml><?xml version="1.0" encoding="utf-8"?>
+<ds:datastoreItem xmlns:ds="http://schemas.openxmlformats.org/officeDocument/2006/customXml" ds:itemID="{38FECE6E-4E53-4E4D-A22B-C14D12BEB2AD}">
+  <ds:schemaRefs>
+    <ds:schemaRef ds:uri="http://schemas.microsoft.com/VisualStudio/2011/storyboarding/control"/>
+  </ds:schemaRefs>
+</ds:datastoreItem>
+</file>
+
+<file path=customXml/itemProps9.xml><?xml version="1.0" encoding="utf-8"?>
+<ds:datastoreItem xmlns:ds="http://schemas.openxmlformats.org/officeDocument/2006/customXml" ds:itemID="{A3A7E550-7159-41CA-A5C7-BB5EFFA54BAB}">
+  <ds:schemaRefs>
+    <ds:schemaRef ds:uri="http://schemas.microsoft.com/VisualStudio/2011/storyboarding/control"/>
+  </ds:schemaRefs>
+</ds:datastoreItem>
+</file>
+
+<file path=customXml/itemProps90.xml><?xml version="1.0" encoding="utf-8"?>
 <ds:datastoreItem xmlns:ds="http://schemas.openxmlformats.org/officeDocument/2006/customXml" ds:itemID="{53A2D4D3-ADE1-45AF-A3AC-1604F1E12AB8}">
   <ds:schemaRefs>
     <ds:schemaRef ds:uri="http://schemas.microsoft.com/VisualStudio/2011/storyboarding/control"/>
@@ -35742,183 +35651,7 @@
 </ds:datastoreItem>
 </file>
 
-<file path=customXml/itemProps26.xml><?xml version="1.0" encoding="utf-8"?>
-<ds:datastoreItem xmlns:ds="http://schemas.openxmlformats.org/officeDocument/2006/customXml" ds:itemID="{77DE4C39-3FB1-4D02-AB13-E2FD2FB0785B}">
-  <ds:schemaRefs>
-    <ds:schemaRef ds:uri="http://schemas.microsoft.com/VisualStudio/2011/storyboarding/control"/>
-  </ds:schemaRefs>
-</ds:datastoreItem>
-</file>
-
-<file path=customXml/itemProps27.xml><?xml version="1.0" encoding="utf-8"?>
-<ds:datastoreItem xmlns:ds="http://schemas.openxmlformats.org/officeDocument/2006/customXml" ds:itemID="{D226A0C3-5037-4DCE-847C-5DB2A993A518}">
-  <ds:schemaRefs>
-    <ds:schemaRef ds:uri="http://schemas.microsoft.com/VisualStudio/2011/storyboarding/control"/>
-  </ds:schemaRefs>
-</ds:datastoreItem>
-</file>
-
-<file path=customXml/itemProps28.xml><?xml version="1.0" encoding="utf-8"?>
-<ds:datastoreItem xmlns:ds="http://schemas.openxmlformats.org/officeDocument/2006/customXml" ds:itemID="{4E01388C-A924-4BE8-985B-79D263B16D05}">
-  <ds:schemaRefs>
-    <ds:schemaRef ds:uri="http://schemas.microsoft.com/VisualStudio/2011/storyboarding/control"/>
-  </ds:schemaRefs>
-</ds:datastoreItem>
-</file>
-
-<file path=customXml/itemProps29.xml><?xml version="1.0" encoding="utf-8"?>
-<ds:datastoreItem xmlns:ds="http://schemas.openxmlformats.org/officeDocument/2006/customXml" ds:itemID="{687349BA-BFEC-42A4-8F54-F6E41F0DBFC0}">
-  <ds:schemaRefs>
-    <ds:schemaRef ds:uri="http://schemas.microsoft.com/VisualStudio/2011/storyboarding/control"/>
-  </ds:schemaRefs>
-</ds:datastoreItem>
-</file>
-
-<file path=customXml/itemProps3.xml><?xml version="1.0" encoding="utf-8"?>
-<ds:datastoreItem xmlns:ds="http://schemas.openxmlformats.org/officeDocument/2006/customXml" ds:itemID="{2FE08BCD-9E20-4AE0-918E-8580D5DC7CAA}">
-  <ds:schemaRefs>
-    <ds:schemaRef ds:uri="http://schemas.microsoft.com/VisualStudio/2011/storyboarding/control"/>
-  </ds:schemaRefs>
-</ds:datastoreItem>
-</file>
-
-<file path=customXml/itemProps30.xml><?xml version="1.0" encoding="utf-8"?>
-<ds:datastoreItem xmlns:ds="http://schemas.openxmlformats.org/officeDocument/2006/customXml" ds:itemID="{E27BBFB1-FB8A-4416-95F7-69ED22360FD0}">
-  <ds:schemaRefs>
-    <ds:schemaRef ds:uri="http://schemas.microsoft.com/VisualStudio/2011/storyboarding/control"/>
-  </ds:schemaRefs>
-</ds:datastoreItem>
-</file>
-
-<file path=customXml/itemProps31.xml><?xml version="1.0" encoding="utf-8"?>
-<ds:datastoreItem xmlns:ds="http://schemas.openxmlformats.org/officeDocument/2006/customXml" ds:itemID="{BE10085E-8F62-44FE-A6C4-77F3F9B93BFD}">
-  <ds:schemaRefs>
-    <ds:schemaRef ds:uri="http://schemas.microsoft.com/VisualStudio/2011/storyboarding/control"/>
-  </ds:schemaRefs>
-</ds:datastoreItem>
-</file>
-
-<file path=customXml/itemProps32.xml><?xml version="1.0" encoding="utf-8"?>
-<ds:datastoreItem xmlns:ds="http://schemas.openxmlformats.org/officeDocument/2006/customXml" ds:itemID="{5935B25C-B0FA-447B-B017-3612A77273CA}">
-  <ds:schemaRefs>
-    <ds:schemaRef ds:uri="http://schemas.microsoft.com/VisualStudio/2011/storyboarding/control"/>
-  </ds:schemaRefs>
-</ds:datastoreItem>
-</file>
-
-<file path=customXml/itemProps33.xml><?xml version="1.0" encoding="utf-8"?>
-<ds:datastoreItem xmlns:ds="http://schemas.openxmlformats.org/officeDocument/2006/customXml" ds:itemID="{1149E04B-3E8B-4296-B732-8CEB5AC1664A}">
-  <ds:schemaRefs>
-    <ds:schemaRef ds:uri="http://schemas.microsoft.com/VisualStudio/2011/storyboarding/control"/>
-  </ds:schemaRefs>
-</ds:datastoreItem>
-</file>
-
-<file path=customXml/itemProps34.xml><?xml version="1.0" encoding="utf-8"?>
-<ds:datastoreItem xmlns:ds="http://schemas.openxmlformats.org/officeDocument/2006/customXml" ds:itemID="{09A37E20-1DEC-4709-9BEF-4CAA872D75A0}">
-  <ds:schemaRefs>
-    <ds:schemaRef ds:uri="http://schemas.microsoft.com/VisualStudio/2011/storyboarding/control"/>
-  </ds:schemaRefs>
-</ds:datastoreItem>
-</file>
-
-<file path=customXml/itemProps35.xml><?xml version="1.0" encoding="utf-8"?>
-<ds:datastoreItem xmlns:ds="http://schemas.openxmlformats.org/officeDocument/2006/customXml" ds:itemID="{D317B771-A0E2-4E64-8DB6-4A1DAFFBC0D4}">
-  <ds:schemaRefs>
-    <ds:schemaRef ds:uri="http://schemas.microsoft.com/VisualStudio/2011/storyboarding/control"/>
-  </ds:schemaRefs>
-</ds:datastoreItem>
-</file>
-
-<file path=customXml/itemProps36.xml><?xml version="1.0" encoding="utf-8"?>
-<ds:datastoreItem xmlns:ds="http://schemas.openxmlformats.org/officeDocument/2006/customXml" ds:itemID="{5A85C3B7-6C9D-42E0-8B08-4473CA0722DF}">
-  <ds:schemaRefs>
-    <ds:schemaRef ds:uri="http://schemas.microsoft.com/VisualStudio/2011/storyboarding/control"/>
-  </ds:schemaRefs>
-</ds:datastoreItem>
-</file>
-
-<file path=customXml/itemProps37.xml><?xml version="1.0" encoding="utf-8"?>
-<ds:datastoreItem xmlns:ds="http://schemas.openxmlformats.org/officeDocument/2006/customXml" ds:itemID="{3C0EDA36-C841-4260-B5CC-AA8A3556D85B}">
-  <ds:schemaRefs>
-    <ds:schemaRef ds:uri="http://schemas.microsoft.com/VisualStudio/2011/storyboarding/control"/>
-  </ds:schemaRefs>
-</ds:datastoreItem>
-</file>
-
-<file path=customXml/itemProps38.xml><?xml version="1.0" encoding="utf-8"?>
-<ds:datastoreItem xmlns:ds="http://schemas.openxmlformats.org/officeDocument/2006/customXml" ds:itemID="{B26B6A26-396F-4D0F-A263-FAD705C1B8A8}">
-  <ds:schemaRefs>
-    <ds:schemaRef ds:uri="http://schemas.microsoft.com/VisualStudio/2011/storyboarding/control"/>
-  </ds:schemaRefs>
-</ds:datastoreItem>
-</file>
-
-<file path=customXml/itemProps39.xml><?xml version="1.0" encoding="utf-8"?>
-<ds:datastoreItem xmlns:ds="http://schemas.openxmlformats.org/officeDocument/2006/customXml" ds:itemID="{E3A1C028-05DB-4953-AA73-C22DBE13D6E4}">
-  <ds:schemaRefs>
-    <ds:schemaRef ds:uri="http://schemas.microsoft.com/VisualStudio/2011/storyboarding/control"/>
-  </ds:schemaRefs>
-</ds:datastoreItem>
-</file>
-
-<file path=customXml/itemProps4.xml><?xml version="1.0" encoding="utf-8"?>
-<ds:datastoreItem xmlns:ds="http://schemas.openxmlformats.org/officeDocument/2006/customXml" ds:itemID="{1E781AEC-D03E-4BA8-BA32-4906E66428A6}">
-  <ds:schemaRefs>
-    <ds:schemaRef ds:uri="http://schemas.microsoft.com/VisualStudio/2011/storyboarding/control"/>
-  </ds:schemaRefs>
-</ds:datastoreItem>
-</file>
-
-<file path=customXml/itemProps40.xml><?xml version="1.0" encoding="utf-8"?>
-<ds:datastoreItem xmlns:ds="http://schemas.openxmlformats.org/officeDocument/2006/customXml" ds:itemID="{BCBCF373-CB4D-4BEC-8AF3-991F699ECE33}">
-  <ds:schemaRefs>
-    <ds:schemaRef ds:uri="http://schemas.microsoft.com/VisualStudio/2011/storyboarding/control"/>
-  </ds:schemaRefs>
-</ds:datastoreItem>
-</file>
-
-<file path=customXml/itemProps41.xml><?xml version="1.0" encoding="utf-8"?>
-<ds:datastoreItem xmlns:ds="http://schemas.openxmlformats.org/officeDocument/2006/customXml" ds:itemID="{BADD27A4-6D52-45F6-89F8-60CDCE29D043}">
-  <ds:schemaRefs>
-    <ds:schemaRef ds:uri="http://schemas.microsoft.com/VisualStudio/2011/storyboarding/control"/>
-  </ds:schemaRefs>
-</ds:datastoreItem>
-</file>
-
-<file path=customXml/itemProps42.xml><?xml version="1.0" encoding="utf-8"?>
-<ds:datastoreItem xmlns:ds="http://schemas.openxmlformats.org/officeDocument/2006/customXml" ds:itemID="{BF63BC62-A2B6-4DC4-A6F4-7F46DAD5D502}">
-  <ds:schemaRefs>
-    <ds:schemaRef ds:uri="http://schemas.microsoft.com/VisualStudio/2011/storyboarding/control"/>
-  </ds:schemaRefs>
-</ds:datastoreItem>
-</file>
-
-<file path=customXml/itemProps43.xml><?xml version="1.0" encoding="utf-8"?>
-<ds:datastoreItem xmlns:ds="http://schemas.openxmlformats.org/officeDocument/2006/customXml" ds:itemID="{E8F31494-C899-453C-ACB3-FDC9145B9D91}">
-  <ds:schemaRefs>
-    <ds:schemaRef ds:uri="http://schemas.microsoft.com/VisualStudio/2011/storyboarding/control"/>
-  </ds:schemaRefs>
-</ds:datastoreItem>
-</file>
-
-<file path=customXml/itemProps44.xml><?xml version="1.0" encoding="utf-8"?>
-<ds:datastoreItem xmlns:ds="http://schemas.openxmlformats.org/officeDocument/2006/customXml" ds:itemID="{A8A90C2C-BBC2-4B86-BB21-BB46CA7DE058}">
-  <ds:schemaRefs>
-    <ds:schemaRef ds:uri="http://schemas.microsoft.com/VisualStudio/2011/storyboarding/control"/>
-  </ds:schemaRefs>
-</ds:datastoreItem>
-</file>
-
-<file path=customXml/itemProps45.xml><?xml version="1.0" encoding="utf-8"?>
-<ds:datastoreItem xmlns:ds="http://schemas.openxmlformats.org/officeDocument/2006/customXml" ds:itemID="{B81612EC-0AB3-4E55-BA68-07192BFEF590}">
-  <ds:schemaRefs>
-    <ds:schemaRef ds:uri="http://schemas.microsoft.com/VisualStudio/2011/storyboarding/control"/>
-  </ds:schemaRefs>
-</ds:datastoreItem>
-</file>
-
-<file path=customXml/itemProps46.xml><?xml version="1.0" encoding="utf-8"?>
+<file path=customXml/itemProps91.xml><?xml version="1.0" encoding="utf-8"?>
 <ds:datastoreItem xmlns:ds="http://schemas.openxmlformats.org/officeDocument/2006/customXml" ds:itemID="{4827173D-226F-42EC-A6EE-8DACFB97DA40}">
   <ds:schemaRefs>
     <ds:schemaRef ds:uri="http://schemas.microsoft.com/VisualStudio/2011/storyboarding/control"/>
@@ -35926,183 +35659,7 @@
 </ds:datastoreItem>
 </file>
 
-<file path=customXml/itemProps47.xml><?xml version="1.0" encoding="utf-8"?>
-<ds:datastoreItem xmlns:ds="http://schemas.openxmlformats.org/officeDocument/2006/customXml" ds:itemID="{531ABAD3-B618-40BF-9584-FD7BA346DEDB}">
-  <ds:schemaRefs>
-    <ds:schemaRef ds:uri="http://schemas.microsoft.com/VisualStudio/2011/storyboarding/control"/>
-  </ds:schemaRefs>
-</ds:datastoreItem>
-</file>
-
-<file path=customXml/itemProps48.xml><?xml version="1.0" encoding="utf-8"?>
-<ds:datastoreItem xmlns:ds="http://schemas.openxmlformats.org/officeDocument/2006/customXml" ds:itemID="{88FF388B-936F-494E-A575-6D8128D38F2C}">
-  <ds:schemaRefs>
-    <ds:schemaRef ds:uri="http://schemas.microsoft.com/VisualStudio/2011/storyboarding/control"/>
-  </ds:schemaRefs>
-</ds:datastoreItem>
-</file>
-
-<file path=customXml/itemProps49.xml><?xml version="1.0" encoding="utf-8"?>
-<ds:datastoreItem xmlns:ds="http://schemas.openxmlformats.org/officeDocument/2006/customXml" ds:itemID="{7DADA5E2-03E5-49B3-9E3C-4AF206A22159}">
-  <ds:schemaRefs>
-    <ds:schemaRef ds:uri="http://schemas.microsoft.com/VisualStudio/2011/storyboarding/control"/>
-  </ds:schemaRefs>
-</ds:datastoreItem>
-</file>
-
-<file path=customXml/itemProps5.xml><?xml version="1.0" encoding="utf-8"?>
-<ds:datastoreItem xmlns:ds="http://schemas.openxmlformats.org/officeDocument/2006/customXml" ds:itemID="{9BFD28BC-F5E3-43AD-9A6E-07C9D177A3A7}">
-  <ds:schemaRefs>
-    <ds:schemaRef ds:uri="http://schemas.microsoft.com/VisualStudio/2011/storyboarding/control"/>
-  </ds:schemaRefs>
-</ds:datastoreItem>
-</file>
-
-<file path=customXml/itemProps50.xml><?xml version="1.0" encoding="utf-8"?>
-<ds:datastoreItem xmlns:ds="http://schemas.openxmlformats.org/officeDocument/2006/customXml" ds:itemID="{4089D504-89F9-4F40-B2EF-0FBBE4651254}">
-  <ds:schemaRefs>
-    <ds:schemaRef ds:uri="http://schemas.microsoft.com/VisualStudio/2011/storyboarding/control"/>
-  </ds:schemaRefs>
-</ds:datastoreItem>
-</file>
-
-<file path=customXml/itemProps51.xml><?xml version="1.0" encoding="utf-8"?>
-<ds:datastoreItem xmlns:ds="http://schemas.openxmlformats.org/officeDocument/2006/customXml" ds:itemID="{CC090315-C3EF-4E31-9BC2-E49164C00556}">
-  <ds:schemaRefs>
-    <ds:schemaRef ds:uri="http://schemas.microsoft.com/VisualStudio/2011/storyboarding/control"/>
-  </ds:schemaRefs>
-</ds:datastoreItem>
-</file>
-
-<file path=customXml/itemProps52.xml><?xml version="1.0" encoding="utf-8"?>
-<ds:datastoreItem xmlns:ds="http://schemas.openxmlformats.org/officeDocument/2006/customXml" ds:itemID="{9BF50CE8-CF32-4606-8DE6-3101ABBDD070}">
-  <ds:schemaRefs>
-    <ds:schemaRef ds:uri="http://schemas.microsoft.com/VisualStudio/2011/storyboarding/control"/>
-  </ds:schemaRefs>
-</ds:datastoreItem>
-</file>
-
-<file path=customXml/itemProps53.xml><?xml version="1.0" encoding="utf-8"?>
-<ds:datastoreItem xmlns:ds="http://schemas.openxmlformats.org/officeDocument/2006/customXml" ds:itemID="{69B9D210-FF34-458C-8F82-69A376856F63}">
-  <ds:schemaRefs>
-    <ds:schemaRef ds:uri="http://schemas.microsoft.com/VisualStudio/2011/storyboarding/control"/>
-  </ds:schemaRefs>
-</ds:datastoreItem>
-</file>
-
-<file path=customXml/itemProps54.xml><?xml version="1.0" encoding="utf-8"?>
-<ds:datastoreItem xmlns:ds="http://schemas.openxmlformats.org/officeDocument/2006/customXml" ds:itemID="{8FA3D93C-F1A3-4B2E-9382-EA20C1D69BAD}">
-  <ds:schemaRefs>
-    <ds:schemaRef ds:uri="http://schemas.microsoft.com/VisualStudio/2011/storyboarding/control"/>
-  </ds:schemaRefs>
-</ds:datastoreItem>
-</file>
-
-<file path=customXml/itemProps55.xml><?xml version="1.0" encoding="utf-8"?>
-<ds:datastoreItem xmlns:ds="http://schemas.openxmlformats.org/officeDocument/2006/customXml" ds:itemID="{030F3597-04BD-4953-9DA5-E7FAED854AAD}">
-  <ds:schemaRefs>
-    <ds:schemaRef ds:uri="http://schemas.microsoft.com/VisualStudio/2011/storyboarding/control"/>
-  </ds:schemaRefs>
-</ds:datastoreItem>
-</file>
-
-<file path=customXml/itemProps56.xml><?xml version="1.0" encoding="utf-8"?>
-<ds:datastoreItem xmlns:ds="http://schemas.openxmlformats.org/officeDocument/2006/customXml" ds:itemID="{0112F604-12CF-4AF0-B1B9-DFC27CF2EB39}">
-  <ds:schemaRefs>
-    <ds:schemaRef ds:uri="http://schemas.microsoft.com/VisualStudio/2011/storyboarding/control"/>
-  </ds:schemaRefs>
-</ds:datastoreItem>
-</file>
-
-<file path=customXml/itemProps57.xml><?xml version="1.0" encoding="utf-8"?>
-<ds:datastoreItem xmlns:ds="http://schemas.openxmlformats.org/officeDocument/2006/customXml" ds:itemID="{9A9F71E7-630C-41F7-9E54-34C094B490EC}">
-  <ds:schemaRefs>
-    <ds:schemaRef ds:uri="http://schemas.microsoft.com/VisualStudio/2011/storyboarding/control"/>
-  </ds:schemaRefs>
-</ds:datastoreItem>
-</file>
-
-<file path=customXml/itemProps58.xml><?xml version="1.0" encoding="utf-8"?>
-<ds:datastoreItem xmlns:ds="http://schemas.openxmlformats.org/officeDocument/2006/customXml" ds:itemID="{4F64FD6B-9172-4B1B-9866-57A2F12A3AA1}">
-  <ds:schemaRefs>
-    <ds:schemaRef ds:uri="http://schemas.microsoft.com/VisualStudio/2011/storyboarding/control"/>
-  </ds:schemaRefs>
-</ds:datastoreItem>
-</file>
-
-<file path=customXml/itemProps59.xml><?xml version="1.0" encoding="utf-8"?>
-<ds:datastoreItem xmlns:ds="http://schemas.openxmlformats.org/officeDocument/2006/customXml" ds:itemID="{4EF85945-0603-4338-9A87-6BBEC29A645F}">
-  <ds:schemaRefs>
-    <ds:schemaRef ds:uri="http://schemas.microsoft.com/VisualStudio/2011/storyboarding/control"/>
-  </ds:schemaRefs>
-</ds:datastoreItem>
-</file>
-
-<file path=customXml/itemProps6.xml><?xml version="1.0" encoding="utf-8"?>
-<ds:datastoreItem xmlns:ds="http://schemas.openxmlformats.org/officeDocument/2006/customXml" ds:itemID="{1F0E1F79-632F-4EB0-82C0-5A1AFD1072FB}">
-  <ds:schemaRefs>
-    <ds:schemaRef ds:uri="http://schemas.microsoft.com/VisualStudio/2011/storyboarding/control"/>
-  </ds:schemaRefs>
-</ds:datastoreItem>
-</file>
-
-<file path=customXml/itemProps60.xml><?xml version="1.0" encoding="utf-8"?>
-<ds:datastoreItem xmlns:ds="http://schemas.openxmlformats.org/officeDocument/2006/customXml" ds:itemID="{27BC9990-CADA-45E4-8D2C-621D363CA1D2}">
-  <ds:schemaRefs>
-    <ds:schemaRef ds:uri="http://schemas.microsoft.com/VisualStudio/2011/storyboarding/control"/>
-  </ds:schemaRefs>
-</ds:datastoreItem>
-</file>
-
-<file path=customXml/itemProps61.xml><?xml version="1.0" encoding="utf-8"?>
-<ds:datastoreItem xmlns:ds="http://schemas.openxmlformats.org/officeDocument/2006/customXml" ds:itemID="{395183EE-0496-47AF-AD2A-1DA50A4837A0}">
-  <ds:schemaRefs>
-    <ds:schemaRef ds:uri="http://schemas.microsoft.com/VisualStudio/2011/storyboarding/control"/>
-  </ds:schemaRefs>
-</ds:datastoreItem>
-</file>
-
-<file path=customXml/itemProps62.xml><?xml version="1.0" encoding="utf-8"?>
-<ds:datastoreItem xmlns:ds="http://schemas.openxmlformats.org/officeDocument/2006/customXml" ds:itemID="{5D8B0E09-8918-4A3B-A8C3-C8F08ABA4428}">
-  <ds:schemaRefs>
-    <ds:schemaRef ds:uri="http://schemas.microsoft.com/VisualStudio/2011/storyboarding/control"/>
-  </ds:schemaRefs>
-</ds:datastoreItem>
-</file>
-
-<file path=customXml/itemProps63.xml><?xml version="1.0" encoding="utf-8"?>
-<ds:datastoreItem xmlns:ds="http://schemas.openxmlformats.org/officeDocument/2006/customXml" ds:itemID="{D44A0BFC-FCD5-4E25-9402-7C3669681F61}">
-  <ds:schemaRefs>
-    <ds:schemaRef ds:uri="http://schemas.microsoft.com/VisualStudio/2011/storyboarding/control"/>
-  </ds:schemaRefs>
-</ds:datastoreItem>
-</file>
-
-<file path=customXml/itemProps64.xml><?xml version="1.0" encoding="utf-8"?>
-<ds:datastoreItem xmlns:ds="http://schemas.openxmlformats.org/officeDocument/2006/customXml" ds:itemID="{62877943-EBF7-4B2F-8C26-9CC99A82D531}">
-  <ds:schemaRefs>
-    <ds:schemaRef ds:uri="http://schemas.microsoft.com/VisualStudio/2011/storyboarding/control"/>
-  </ds:schemaRefs>
-</ds:datastoreItem>
-</file>
-
-<file path=customXml/itemProps65.xml><?xml version="1.0" encoding="utf-8"?>
-<ds:datastoreItem xmlns:ds="http://schemas.openxmlformats.org/officeDocument/2006/customXml" ds:itemID="{4EF6D473-291D-4120-AF79-ACFED919F292}">
-  <ds:schemaRefs>
-    <ds:schemaRef ds:uri="http://schemas.microsoft.com/VisualStudio/2011/storyboarding/control"/>
-  </ds:schemaRefs>
-</ds:datastoreItem>
-</file>
-
-<file path=customXml/itemProps66.xml><?xml version="1.0" encoding="utf-8"?>
-<ds:datastoreItem xmlns:ds="http://schemas.openxmlformats.org/officeDocument/2006/customXml" ds:itemID="{BE26F770-6D00-4BDC-830A-6271C798A6B9}">
-  <ds:schemaRefs>
-    <ds:schemaRef ds:uri="http://schemas.microsoft.com/VisualStudio/2011/storyboarding/control"/>
-  </ds:schemaRefs>
-</ds:datastoreItem>
-</file>
-
-<file path=customXml/itemProps67.xml><?xml version="1.0" encoding="utf-8"?>
+<file path=customXml/itemProps92.xml><?xml version="1.0" encoding="utf-8"?>
 <ds:datastoreItem xmlns:ds="http://schemas.openxmlformats.org/officeDocument/2006/customXml" ds:itemID="{06F9B291-5871-4D41-84EA-E759ADCB386D}">
   <ds:schemaRefs>
     <ds:schemaRef ds:uri="http://schemas.microsoft.com/VisualStudio/2011/storyboarding/control"/>
@@ -36110,183 +35667,7 @@
 </ds:datastoreItem>
 </file>
 
-<file path=customXml/itemProps68.xml><?xml version="1.0" encoding="utf-8"?>
-<ds:datastoreItem xmlns:ds="http://schemas.openxmlformats.org/officeDocument/2006/customXml" ds:itemID="{49876BA4-ED70-4F54-946C-7F2FDA8101B3}">
-  <ds:schemaRefs>
-    <ds:schemaRef ds:uri="http://schemas.microsoft.com/VisualStudio/2011/storyboarding/control"/>
-  </ds:schemaRefs>
-</ds:datastoreItem>
-</file>
-
-<file path=customXml/itemProps69.xml><?xml version="1.0" encoding="utf-8"?>
-<ds:datastoreItem xmlns:ds="http://schemas.openxmlformats.org/officeDocument/2006/customXml" ds:itemID="{190B5A55-C46E-427C-8110-28892E409808}">
-  <ds:schemaRefs>
-    <ds:schemaRef ds:uri="http://schemas.microsoft.com/VisualStudio/2011/storyboarding/control"/>
-  </ds:schemaRefs>
-</ds:datastoreItem>
-</file>
-
-<file path=customXml/itemProps7.xml><?xml version="1.0" encoding="utf-8"?>
-<ds:datastoreItem xmlns:ds="http://schemas.openxmlformats.org/officeDocument/2006/customXml" ds:itemID="{CCEC82DF-3665-44AC-9C20-DBAE83D3306F}">
-  <ds:schemaRefs>
-    <ds:schemaRef ds:uri="http://schemas.microsoft.com/VisualStudio/2011/storyboarding/control"/>
-  </ds:schemaRefs>
-</ds:datastoreItem>
-</file>
-
-<file path=customXml/itemProps70.xml><?xml version="1.0" encoding="utf-8"?>
-<ds:datastoreItem xmlns:ds="http://schemas.openxmlformats.org/officeDocument/2006/customXml" ds:itemID="{0EAF2948-FD94-49F5-B377-DA8EBE204475}">
-  <ds:schemaRefs>
-    <ds:schemaRef ds:uri="http://schemas.microsoft.com/VisualStudio/2011/storyboarding/control"/>
-  </ds:schemaRefs>
-</ds:datastoreItem>
-</file>
-
-<file path=customXml/itemProps71.xml><?xml version="1.0" encoding="utf-8"?>
-<ds:datastoreItem xmlns:ds="http://schemas.openxmlformats.org/officeDocument/2006/customXml" ds:itemID="{974C45C0-2A3F-42F7-AD70-188C11EC76CD}">
-  <ds:schemaRefs>
-    <ds:schemaRef ds:uri="http://schemas.microsoft.com/VisualStudio/2011/storyboarding/control"/>
-  </ds:schemaRefs>
-</ds:datastoreItem>
-</file>
-
-<file path=customXml/itemProps72.xml><?xml version="1.0" encoding="utf-8"?>
-<ds:datastoreItem xmlns:ds="http://schemas.openxmlformats.org/officeDocument/2006/customXml" ds:itemID="{D10417C0-CFC7-4198-A12F-567D0881B21B}">
-  <ds:schemaRefs>
-    <ds:schemaRef ds:uri="http://schemas.microsoft.com/VisualStudio/2011/storyboarding/control"/>
-  </ds:schemaRefs>
-</ds:datastoreItem>
-</file>
-
-<file path=customXml/itemProps73.xml><?xml version="1.0" encoding="utf-8"?>
-<ds:datastoreItem xmlns:ds="http://schemas.openxmlformats.org/officeDocument/2006/customXml" ds:itemID="{D10F67D1-B2C6-4D91-9BEE-407097047766}">
-  <ds:schemaRefs>
-    <ds:schemaRef ds:uri="http://schemas.microsoft.com/VisualStudio/2011/storyboarding/control"/>
-  </ds:schemaRefs>
-</ds:datastoreItem>
-</file>
-
-<file path=customXml/itemProps74.xml><?xml version="1.0" encoding="utf-8"?>
-<ds:datastoreItem xmlns:ds="http://schemas.openxmlformats.org/officeDocument/2006/customXml" ds:itemID="{E1A30748-A830-4B10-A878-3B4756F506F2}">
-  <ds:schemaRefs>
-    <ds:schemaRef ds:uri="http://schemas.microsoft.com/VisualStudio/2011/storyboarding/control"/>
-  </ds:schemaRefs>
-</ds:datastoreItem>
-</file>
-
-<file path=customXml/itemProps75.xml><?xml version="1.0" encoding="utf-8"?>
-<ds:datastoreItem xmlns:ds="http://schemas.openxmlformats.org/officeDocument/2006/customXml" ds:itemID="{10D299E8-14A9-4F76-A58E-935086DED687}">
-  <ds:schemaRefs>
-    <ds:schemaRef ds:uri="http://schemas.microsoft.com/VisualStudio/2011/storyboarding/control"/>
-  </ds:schemaRefs>
-</ds:datastoreItem>
-</file>
-
-<file path=customXml/itemProps76.xml><?xml version="1.0" encoding="utf-8"?>
-<ds:datastoreItem xmlns:ds="http://schemas.openxmlformats.org/officeDocument/2006/customXml" ds:itemID="{16148647-754A-4A79-8420-ADA32F29D1AE}">
-  <ds:schemaRefs>
-    <ds:schemaRef ds:uri="http://schemas.microsoft.com/VisualStudio/2011/storyboarding/control"/>
-  </ds:schemaRefs>
-</ds:datastoreItem>
-</file>
-
-<file path=customXml/itemProps77.xml><?xml version="1.0" encoding="utf-8"?>
-<ds:datastoreItem xmlns:ds="http://schemas.openxmlformats.org/officeDocument/2006/customXml" ds:itemID="{64F776B7-BF0B-4B8B-9932-CD4D10025A5C}">
-  <ds:schemaRefs>
-    <ds:schemaRef ds:uri="http://schemas.microsoft.com/VisualStudio/2011/storyboarding/control"/>
-  </ds:schemaRefs>
-</ds:datastoreItem>
-</file>
-
-<file path=customXml/itemProps78.xml><?xml version="1.0" encoding="utf-8"?>
-<ds:datastoreItem xmlns:ds="http://schemas.openxmlformats.org/officeDocument/2006/customXml" ds:itemID="{2DFA9120-1703-4454-A33D-C7C738B921CC}">
-  <ds:schemaRefs>
-    <ds:schemaRef ds:uri="http://schemas.microsoft.com/VisualStudio/2011/storyboarding/control"/>
-  </ds:schemaRefs>
-</ds:datastoreItem>
-</file>
-
-<file path=customXml/itemProps79.xml><?xml version="1.0" encoding="utf-8"?>
-<ds:datastoreItem xmlns:ds="http://schemas.openxmlformats.org/officeDocument/2006/customXml" ds:itemID="{B39EB365-64A2-4270-B261-6F581E40AA63}">
-  <ds:schemaRefs>
-    <ds:schemaRef ds:uri="http://schemas.microsoft.com/VisualStudio/2011/storyboarding/control"/>
-  </ds:schemaRefs>
-</ds:datastoreItem>
-</file>
-
-<file path=customXml/itemProps8.xml><?xml version="1.0" encoding="utf-8"?>
-<ds:datastoreItem xmlns:ds="http://schemas.openxmlformats.org/officeDocument/2006/customXml" ds:itemID="{F7CD6DE8-E3CA-41AD-BDF6-29CE07D429DA}">
-  <ds:schemaRefs>
-    <ds:schemaRef ds:uri="http://schemas.microsoft.com/VisualStudio/2011/storyboarding/control"/>
-  </ds:schemaRefs>
-</ds:datastoreItem>
-</file>
-
-<file path=customXml/itemProps80.xml><?xml version="1.0" encoding="utf-8"?>
-<ds:datastoreItem xmlns:ds="http://schemas.openxmlformats.org/officeDocument/2006/customXml" ds:itemID="{A147C2B5-40E8-429C-BE34-7938697C5C66}">
-  <ds:schemaRefs>
-    <ds:schemaRef ds:uri="http://schemas.microsoft.com/VisualStudio/2011/storyboarding/control"/>
-  </ds:schemaRefs>
-</ds:datastoreItem>
-</file>
-
-<file path=customXml/itemProps81.xml><?xml version="1.0" encoding="utf-8"?>
-<ds:datastoreItem xmlns:ds="http://schemas.openxmlformats.org/officeDocument/2006/customXml" ds:itemID="{CF6A60AE-6D84-4733-81BB-5121E0FFC000}">
-  <ds:schemaRefs>
-    <ds:schemaRef ds:uri="http://schemas.microsoft.com/VisualStudio/2011/storyboarding/control"/>
-  </ds:schemaRefs>
-</ds:datastoreItem>
-</file>
-
-<file path=customXml/itemProps82.xml><?xml version="1.0" encoding="utf-8"?>
-<ds:datastoreItem xmlns:ds="http://schemas.openxmlformats.org/officeDocument/2006/customXml" ds:itemID="{01BDDC00-BCFC-4C55-8216-87EFFFB4B0EF}">
-  <ds:schemaRefs>
-    <ds:schemaRef ds:uri="http://schemas.microsoft.com/VisualStudio/2011/storyboarding/control"/>
-  </ds:schemaRefs>
-</ds:datastoreItem>
-</file>
-
-<file path=customXml/itemProps83.xml><?xml version="1.0" encoding="utf-8"?>
-<ds:datastoreItem xmlns:ds="http://schemas.openxmlformats.org/officeDocument/2006/customXml" ds:itemID="{73A1BCFC-48D4-421E-B82B-AD1F06F839DB}">
-  <ds:schemaRefs>
-    <ds:schemaRef ds:uri="http://schemas.microsoft.com/VisualStudio/2011/storyboarding/control"/>
-  </ds:schemaRefs>
-</ds:datastoreItem>
-</file>
-
-<file path=customXml/itemProps84.xml><?xml version="1.0" encoding="utf-8"?>
-<ds:datastoreItem xmlns:ds="http://schemas.openxmlformats.org/officeDocument/2006/customXml" ds:itemID="{221B0244-0801-4967-9891-48EEB15F2F18}">
-  <ds:schemaRefs>
-    <ds:schemaRef ds:uri="http://schemas.microsoft.com/VisualStudio/2011/storyboarding/control"/>
-  </ds:schemaRefs>
-</ds:datastoreItem>
-</file>
-
-<file path=customXml/itemProps85.xml><?xml version="1.0" encoding="utf-8"?>
-<ds:datastoreItem xmlns:ds="http://schemas.openxmlformats.org/officeDocument/2006/customXml" ds:itemID="{5F13B48F-437D-49AE-BFB9-EBA82E71BB38}">
-  <ds:schemaRefs>
-    <ds:schemaRef ds:uri="http://schemas.microsoft.com/VisualStudio/2011/storyboarding/control"/>
-  </ds:schemaRefs>
-</ds:datastoreItem>
-</file>
-
-<file path=customXml/itemProps86.xml><?xml version="1.0" encoding="utf-8"?>
-<ds:datastoreItem xmlns:ds="http://schemas.openxmlformats.org/officeDocument/2006/customXml" ds:itemID="{AFE23348-B39F-4C03-8ACB-304CB849E116}">
-  <ds:schemaRefs>
-    <ds:schemaRef ds:uri="http://schemas.microsoft.com/VisualStudio/2011/storyboarding/control"/>
-  </ds:schemaRefs>
-</ds:datastoreItem>
-</file>
-
-<file path=customXml/itemProps87.xml><?xml version="1.0" encoding="utf-8"?>
-<ds:datastoreItem xmlns:ds="http://schemas.openxmlformats.org/officeDocument/2006/customXml" ds:itemID="{368C58DE-69E5-468F-8FEE-B8D0683E2F32}">
-  <ds:schemaRefs>
-    <ds:schemaRef ds:uri="http://schemas.microsoft.com/VisualStudio/2011/storyboarding/control"/>
-  </ds:schemaRefs>
-</ds:datastoreItem>
-</file>
-
-<file path=customXml/itemProps88.xml><?xml version="1.0" encoding="utf-8"?>
+<file path=customXml/itemProps93.xml><?xml version="1.0" encoding="utf-8"?>
 <ds:datastoreItem xmlns:ds="http://schemas.openxmlformats.org/officeDocument/2006/customXml" ds:itemID="{F834A593-E284-4A7C-80ED-D42372AD3AFF}">
   <ds:schemaRefs>
     <ds:schemaRef ds:uri="http://schemas.microsoft.com/VisualStudio/2011/storyboarding/control"/>
@@ -36294,96 +35675,48 @@
 </ds:datastoreItem>
 </file>
 
-<file path=customXml/itemProps89.xml><?xml version="1.0" encoding="utf-8"?>
-<ds:datastoreItem xmlns:ds="http://schemas.openxmlformats.org/officeDocument/2006/customXml" ds:itemID="{D59F002E-70DD-4433-838F-AE958AFFFAF5}">
+<file path=customXml/itemProps94.xml><?xml version="1.0" encoding="utf-8"?>
+<ds:datastoreItem xmlns:ds="http://schemas.openxmlformats.org/officeDocument/2006/customXml" ds:itemID="{307CC8CE-1E22-476C-A822-C241E51683EB}">
   <ds:schemaRefs>
     <ds:schemaRef ds:uri="http://schemas.microsoft.com/VisualStudio/2011/storyboarding/control"/>
   </ds:schemaRefs>
 </ds:datastoreItem>
 </file>
 
-<file path=customXml/itemProps9.xml><?xml version="1.0" encoding="utf-8"?>
-<ds:datastoreItem xmlns:ds="http://schemas.openxmlformats.org/officeDocument/2006/customXml" ds:itemID="{FC644C14-B034-48B9-80E3-0CB00A432CE7}">
+<file path=customXml/itemProps95.xml><?xml version="1.0" encoding="utf-8"?>
+<ds:datastoreItem xmlns:ds="http://schemas.openxmlformats.org/officeDocument/2006/customXml" ds:itemID="{CCEFF071-20E9-4479-8AD3-888151395FEA}">
   <ds:schemaRefs>
     <ds:schemaRef ds:uri="http://schemas.microsoft.com/VisualStudio/2011/storyboarding/control"/>
   </ds:schemaRefs>
 </ds:datastoreItem>
 </file>
 
-<file path=customXml/itemProps90.xml><?xml version="1.0" encoding="utf-8"?>
-<ds:datastoreItem xmlns:ds="http://schemas.openxmlformats.org/officeDocument/2006/customXml" ds:itemID="{11C14D45-A737-4C48-AAAE-B66C79B7299B}">
+<file path=customXml/itemProps96.xml><?xml version="1.0" encoding="utf-8"?>
+<ds:datastoreItem xmlns:ds="http://schemas.openxmlformats.org/officeDocument/2006/customXml" ds:itemID="{75BD8AE5-EDCF-4A32-B8CE-1D7667B79CC5}">
   <ds:schemaRefs>
     <ds:schemaRef ds:uri="http://schemas.microsoft.com/VisualStudio/2011/storyboarding/control"/>
   </ds:schemaRefs>
 </ds:datastoreItem>
 </file>
 
-<file path=customXml/itemProps91.xml><?xml version="1.0" encoding="utf-8"?>
-<ds:datastoreItem xmlns:ds="http://schemas.openxmlformats.org/officeDocument/2006/customXml" ds:itemID="{42063805-6CB9-4EB6-A3CE-140E342850A1}">
+<file path=customXml/itemProps97.xml><?xml version="1.0" encoding="utf-8"?>
+<ds:datastoreItem xmlns:ds="http://schemas.openxmlformats.org/officeDocument/2006/customXml" ds:itemID="{F7DB0738-7898-4ABD-A76A-72FACE8EDE87}">
   <ds:schemaRefs>
     <ds:schemaRef ds:uri="http://schemas.microsoft.com/VisualStudio/2011/storyboarding/control"/>
   </ds:schemaRefs>
 </ds:datastoreItem>
 </file>
 
-<file path=customXml/itemProps92.xml><?xml version="1.0" encoding="utf-8"?>
-<ds:datastoreItem xmlns:ds="http://schemas.openxmlformats.org/officeDocument/2006/customXml" ds:itemID="{47D5C557-1651-48F6-8155-1FB19872772E}">
+<file path=customXml/itemProps98.xml><?xml version="1.0" encoding="utf-8"?>
+<ds:datastoreItem xmlns:ds="http://schemas.openxmlformats.org/officeDocument/2006/customXml" ds:itemID="{180518D7-8922-48BC-AB91-ADFC28D8D753}">
   <ds:schemaRefs>
     <ds:schemaRef ds:uri="http://schemas.microsoft.com/VisualStudio/2011/storyboarding/control"/>
   </ds:schemaRefs>
 </ds:datastoreItem>
 </file>
 
-<file path=customXml/itemProps93.xml><?xml version="1.0" encoding="utf-8"?>
-<ds:datastoreItem xmlns:ds="http://schemas.openxmlformats.org/officeDocument/2006/customXml" ds:itemID="{DA9B892E-86E2-413D-B85B-E45654500C0A}">
-  <ds:schemaRefs>
-    <ds:schemaRef ds:uri="http://schemas.microsoft.com/VisualStudio/2011/storyboarding/control"/>
-  </ds:schemaRefs>
-</ds:datastoreItem>
-</file>
-
-<file path=customXml/itemProps94.xml><?xml version="1.0" encoding="utf-8"?>
-<ds:datastoreItem xmlns:ds="http://schemas.openxmlformats.org/officeDocument/2006/customXml" ds:itemID="{CD63B274-1815-48D1-99A0-018FC57DD355}">
-  <ds:schemaRefs>
-    <ds:schemaRef ds:uri="http://schemas.microsoft.com/VisualStudio/2011/storyboarding/control"/>
-  </ds:schemaRefs>
-</ds:datastoreItem>
-</file>
-
-<file path=customXml/itemProps95.xml><?xml version="1.0" encoding="utf-8"?>
-<ds:datastoreItem xmlns:ds="http://schemas.openxmlformats.org/officeDocument/2006/customXml" ds:itemID="{D5FEB2A6-E2DE-4A94-92FC-D966BD6E1C55}">
-  <ds:schemaRefs>
-    <ds:schemaRef ds:uri="http://schemas.microsoft.com/VisualStudio/2011/storyboarding/control"/>
-  </ds:schemaRefs>
-</ds:datastoreItem>
-</file>
-
-<file path=customXml/itemProps96.xml><?xml version="1.0" encoding="utf-8"?>
-<ds:datastoreItem xmlns:ds="http://schemas.openxmlformats.org/officeDocument/2006/customXml" ds:itemID="{A29EBE93-BDB6-42E1-AF9D-ECEC34CCBD22}">
-  <ds:schemaRefs>
-    <ds:schemaRef ds:uri="http://schemas.microsoft.com/VisualStudio/2011/storyboarding/control"/>
-  </ds:schemaRefs>
-</ds:datastoreItem>
-</file>
-
-<file path=customXml/itemProps97.xml><?xml version="1.0" encoding="utf-8"?>
-<ds:datastoreItem xmlns:ds="http://schemas.openxmlformats.org/officeDocument/2006/customXml" ds:itemID="{CEF68D64-8D51-42AA-8C2A-0AF1FD5D33EE}">
-  <ds:schemaRefs>
-    <ds:schemaRef ds:uri="http://schemas.microsoft.com/VisualStudio/2011/storyboarding/control"/>
-  </ds:schemaRefs>
-</ds:datastoreItem>
-</file>
-
-<file path=customXml/itemProps98.xml><?xml version="1.0" encoding="utf-8"?>
-<ds:datastoreItem xmlns:ds="http://schemas.openxmlformats.org/officeDocument/2006/customXml" ds:itemID="{C8101F23-7FAA-4BD8-AD2A-421FA377298D}">
-  <ds:schemaRefs>
-    <ds:schemaRef ds:uri="http://schemas.microsoft.com/VisualStudio/2011/storyboarding/control"/>
-  </ds:schemaRefs>
-</ds:datastoreItem>
-</file>
-
 <file path=customXml/itemProps99.xml><?xml version="1.0" encoding="utf-8"?>
-<ds:datastoreItem xmlns:ds="http://schemas.openxmlformats.org/officeDocument/2006/customXml" ds:itemID="{3F432E18-CBCB-42D0-A7E7-33B1387D14AE}">
+<ds:datastoreItem xmlns:ds="http://schemas.openxmlformats.org/officeDocument/2006/customXml" ds:itemID="{F49AC428-335C-4471-BEDB-C3D2BFE7733B}">
   <ds:schemaRefs>
     <ds:schemaRef ds:uri="http://schemas.microsoft.com/VisualStudio/2011/storyboarding/control"/>
   </ds:schemaRefs>

--- a/Презентация1.pptx
+++ b/Презентация1.pptx
@@ -2,18 +2,18 @@
 <file path=ppt/presentation.xml><?xml version="1.0" encoding="utf-8"?>
 <p:presentation xmlns:a="http://schemas.openxmlformats.org/drawingml/2006/main" xmlns:r="http://schemas.openxmlformats.org/officeDocument/2006/relationships" xmlns:p="http://schemas.openxmlformats.org/presentationml/2006/main" saveSubsetFonts="1">
   <p:sldMasterIdLst>
-    <p:sldMasterId id="2147483672" r:id="rId223"/>
+    <p:sldMasterId id="2147483672" r:id="rId224"/>
   </p:sldMasterIdLst>
   <p:notesMasterIdLst>
-    <p:notesMasterId r:id="rId230"/>
+    <p:notesMasterId r:id="rId231"/>
   </p:notesMasterIdLst>
   <p:sldIdLst>
-    <p:sldId id="258" r:id="rId224"/>
-    <p:sldId id="257" r:id="rId225"/>
-    <p:sldId id="260" r:id="rId226"/>
-    <p:sldId id="261" r:id="rId227"/>
-    <p:sldId id="262" r:id="rId228"/>
-    <p:sldId id="263" r:id="rId229"/>
+    <p:sldId id="258" r:id="rId225"/>
+    <p:sldId id="257" r:id="rId226"/>
+    <p:sldId id="260" r:id="rId227"/>
+    <p:sldId id="261" r:id="rId228"/>
+    <p:sldId id="262" r:id="rId229"/>
+    <p:sldId id="263" r:id="rId230"/>
   </p:sldIdLst>
   <p:sldSz cx="6858000" cy="9144000" type="screen4x3"/>
   <p:notesSz cx="6858000" cy="9144000"/>
@@ -197,7 +197,7 @@
           <a:p>
             <a:fld id="{8CC9CF27-251A-4F88-A880-4F4CFE8C571B}" type="datetimeFigureOut">
               <a:rPr lang="ru-RU" smtClean="0"/>
-              <a:t>26.08.2014</a:t>
+              <a:t>27.08.2014</a:t>
             </a:fld>
             <a:endParaRPr lang="ru-RU"/>
           </a:p>
@@ -824,7 +824,7 @@
           <a:p>
             <a:fld id="{2C1C572C-67B0-4CE5-835A-BD766804815C}" type="datetimeFigureOut">
               <a:rPr lang="ru-RU" smtClean="0"/>
-              <a:t>26.08.2014</a:t>
+              <a:t>27.08.2014</a:t>
             </a:fld>
             <a:endParaRPr lang="ru-RU"/>
           </a:p>
@@ -994,7 +994,7 @@
           <a:p>
             <a:fld id="{2C1C572C-67B0-4CE5-835A-BD766804815C}" type="datetimeFigureOut">
               <a:rPr lang="ru-RU" smtClean="0"/>
-              <a:t>26.08.2014</a:t>
+              <a:t>27.08.2014</a:t>
             </a:fld>
             <a:endParaRPr lang="ru-RU"/>
           </a:p>
@@ -1174,7 +1174,7 @@
           <a:p>
             <a:fld id="{2C1C572C-67B0-4CE5-835A-BD766804815C}" type="datetimeFigureOut">
               <a:rPr lang="ru-RU" smtClean="0"/>
-              <a:t>26.08.2014</a:t>
+              <a:t>27.08.2014</a:t>
             </a:fld>
             <a:endParaRPr lang="ru-RU"/>
           </a:p>
@@ -1344,7 +1344,7 @@
           <a:p>
             <a:fld id="{2C1C572C-67B0-4CE5-835A-BD766804815C}" type="datetimeFigureOut">
               <a:rPr lang="ru-RU" smtClean="0"/>
-              <a:t>26.08.2014</a:t>
+              <a:t>27.08.2014</a:t>
             </a:fld>
             <a:endParaRPr lang="ru-RU"/>
           </a:p>
@@ -1590,7 +1590,7 @@
           <a:p>
             <a:fld id="{2C1C572C-67B0-4CE5-835A-BD766804815C}" type="datetimeFigureOut">
               <a:rPr lang="ru-RU" smtClean="0"/>
-              <a:t>26.08.2014</a:t>
+              <a:t>27.08.2014</a:t>
             </a:fld>
             <a:endParaRPr lang="ru-RU"/>
           </a:p>
@@ -1878,7 +1878,7 @@
           <a:p>
             <a:fld id="{2C1C572C-67B0-4CE5-835A-BD766804815C}" type="datetimeFigureOut">
               <a:rPr lang="ru-RU" smtClean="0"/>
-              <a:t>26.08.2014</a:t>
+              <a:t>27.08.2014</a:t>
             </a:fld>
             <a:endParaRPr lang="ru-RU"/>
           </a:p>
@@ -2300,7 +2300,7 @@
           <a:p>
             <a:fld id="{2C1C572C-67B0-4CE5-835A-BD766804815C}" type="datetimeFigureOut">
               <a:rPr lang="ru-RU" smtClean="0"/>
-              <a:t>26.08.2014</a:t>
+              <a:t>27.08.2014</a:t>
             </a:fld>
             <a:endParaRPr lang="ru-RU"/>
           </a:p>
@@ -2418,7 +2418,7 @@
           <a:p>
             <a:fld id="{2C1C572C-67B0-4CE5-835A-BD766804815C}" type="datetimeFigureOut">
               <a:rPr lang="ru-RU" smtClean="0"/>
-              <a:t>26.08.2014</a:t>
+              <a:t>27.08.2014</a:t>
             </a:fld>
             <a:endParaRPr lang="ru-RU"/>
           </a:p>
@@ -2513,7 +2513,7 @@
           <a:p>
             <a:fld id="{2C1C572C-67B0-4CE5-835A-BD766804815C}" type="datetimeFigureOut">
               <a:rPr lang="ru-RU" smtClean="0"/>
-              <a:t>26.08.2014</a:t>
+              <a:t>27.08.2014</a:t>
             </a:fld>
             <a:endParaRPr lang="ru-RU"/>
           </a:p>
@@ -2790,7 +2790,7 @@
           <a:p>
             <a:fld id="{2C1C572C-67B0-4CE5-835A-BD766804815C}" type="datetimeFigureOut">
               <a:rPr lang="ru-RU" smtClean="0"/>
-              <a:t>26.08.2014</a:t>
+              <a:t>27.08.2014</a:t>
             </a:fld>
             <a:endParaRPr lang="ru-RU"/>
           </a:p>
@@ -3043,7 +3043,7 @@
           <a:p>
             <a:fld id="{2C1C572C-67B0-4CE5-835A-BD766804815C}" type="datetimeFigureOut">
               <a:rPr lang="ru-RU" smtClean="0"/>
-              <a:t>26.08.2014</a:t>
+              <a:t>27.08.2014</a:t>
             </a:fld>
             <a:endParaRPr lang="ru-RU"/>
           </a:p>
@@ -3256,7 +3256,7 @@
           <a:p>
             <a:fld id="{2C1C572C-67B0-4CE5-835A-BD766804815C}" type="datetimeFigureOut">
               <a:rPr lang="ru-RU" smtClean="0"/>
-              <a:t>26.08.2014</a:t>
+              <a:t>27.08.2014</a:t>
             </a:fld>
             <a:endParaRPr lang="ru-RU"/>
           </a:p>
@@ -3971,7 +3971,7 @@
           </p:nvPr>
         </p:nvPicPr>
         <p:blipFill>
-          <a:blip r:embed="rId43" cstate="print">
+          <a:blip r:embed="rId44" cstate="print">
             <a:extLst>
               <a:ext uri="{28A0092B-C50C-407E-A947-70E740481C1C}">
                 <a14:useLocalDpi xmlns:a14="http://schemas.microsoft.com/office/drawing/2010/main" val="0"/>
@@ -4691,7 +4691,7 @@
           </p:nvPr>
         </p:nvPicPr>
         <p:blipFill>
-          <a:blip r:embed="rId44" cstate="print">
+          <a:blip r:embed="rId45" cstate="print">
             <a:extLst>
               <a:ext uri="{28A0092B-C50C-407E-A947-70E740481C1C}">
                 <a14:useLocalDpi xmlns:a14="http://schemas.microsoft.com/office/drawing/2010/main" val="0"/>
@@ -4830,7 +4830,7 @@
           </p:nvPr>
         </p:nvPicPr>
         <p:blipFill>
-          <a:blip r:embed="rId45" cstate="print">
+          <a:blip r:embed="rId46" cstate="print">
             <a:extLst>
               <a:ext uri="{28A0092B-C50C-407E-A947-70E740481C1C}">
                 <a14:useLocalDpi xmlns:a14="http://schemas.microsoft.com/office/drawing/2010/main" val="0"/>
@@ -4883,7 +4883,7 @@
           </p:nvPr>
         </p:nvPicPr>
         <p:blipFill>
-          <a:blip r:embed="rId46" cstate="print">
+          <a:blip r:embed="rId47" cstate="print">
             <a:extLst>
               <a:ext uri="{28A0092B-C50C-407E-A947-70E740481C1C}">
                 <a14:useLocalDpi xmlns:a14="http://schemas.microsoft.com/office/drawing/2010/main" val="0"/>
@@ -5022,7 +5022,7 @@
           </p:nvPr>
         </p:nvPicPr>
         <p:blipFill>
-          <a:blip r:embed="rId45" cstate="print">
+          <a:blip r:embed="rId46" cstate="print">
             <a:extLst>
               <a:ext uri="{28A0092B-C50C-407E-A947-70E740481C1C}">
                 <a14:useLocalDpi xmlns:a14="http://schemas.microsoft.com/office/drawing/2010/main" val="0"/>
@@ -5075,7 +5075,7 @@
           </p:nvPr>
         </p:nvPicPr>
         <p:blipFill>
-          <a:blip r:embed="rId45" cstate="print">
+          <a:blip r:embed="rId46" cstate="print">
             <a:extLst>
               <a:ext uri="{28A0092B-C50C-407E-A947-70E740481C1C}">
                 <a14:useLocalDpi xmlns:a14="http://schemas.microsoft.com/office/drawing/2010/main" val="0"/>
@@ -5345,7 +5345,7 @@
           </p:nvPr>
         </p:nvPicPr>
         <p:blipFill>
-          <a:blip r:embed="rId47" cstate="print">
+          <a:blip r:embed="rId48" cstate="print">
             <a:extLst>
               <a:ext uri="{28A0092B-C50C-407E-A947-70E740481C1C}">
                 <a14:useLocalDpi xmlns:a14="http://schemas.microsoft.com/office/drawing/2010/main" val="0"/>
@@ -7314,7 +7314,7 @@
         <p:spPr>
           <a:xfrm>
             <a:off x="3719828" y="6502583"/>
-            <a:ext cx="2411568" cy="818516"/>
+            <a:ext cx="2691328" cy="818516"/>
           </a:xfrm>
           <a:prstGeom prst="rect">
             <a:avLst/>
@@ -7687,14 +7687,6 @@
               </a:rPr>
               <a:t>:</a:t>
             </a:r>
-            <a:endParaRPr lang="en-US" sz="1200" dirty="0" smtClean="0">
-              <a:solidFill>
-                <a:srgbClr val="000000"/>
-              </a:solidFill>
-              <a:latin typeface="Segoe UI" pitchFamily="34" charset="0"/>
-              <a:ea typeface="Segoe UI" pitchFamily="34" charset="0"/>
-              <a:cs typeface="Segoe UI" pitchFamily="34" charset="0"/>
-            </a:endParaRPr>
           </a:p>
         </p:txBody>
       </p:sp>
@@ -7733,6 +7725,51 @@
           </a:fontRef>
         </p:style>
       </p:cxnSp>
+      <p:pic>
+        <p:nvPicPr>
+          <p:cNvPr id="94" name="Picture 2" descr="C:\Users\t-dantay\Documents\First24\error1.png"/>
+          <p:cNvPicPr>
+            <a:picLocks noChangeAspect="1" noChangeArrowheads="1"/>
+          </p:cNvPicPr>
+          <p:nvPr>
+            <p:custDataLst>
+              <p:custData r:id="rId41"/>
+            </p:custDataLst>
+          </p:nvPr>
+        </p:nvPicPr>
+        <p:blipFill>
+          <a:blip r:embed="rId49" cstate="print">
+            <a:extLst>
+              <a:ext uri="{28A0092B-C50C-407E-A947-70E740481C1C}">
+                <a14:useLocalDpi xmlns:a14="http://schemas.microsoft.com/office/drawing/2010/main" val="0"/>
+              </a:ext>
+            </a:extLst>
+          </a:blip>
+          <a:srcRect/>
+          <a:stretch>
+            <a:fillRect/>
+          </a:stretch>
+        </p:blipFill>
+        <p:spPr bwMode="auto">
+          <a:xfrm rot="2700000">
+            <a:off x="6183103" y="6164950"/>
+            <a:ext cx="188925" cy="188925"/>
+          </a:xfrm>
+          <a:prstGeom prst="rect">
+            <a:avLst/>
+          </a:prstGeom>
+          <a:noFill/>
+          <a:extLst>
+            <a:ext uri="{909E8E84-426E-40DD-AFC4-6F175D3DCCD1}">
+              <a14:hiddenFill xmlns:a14="http://schemas.microsoft.com/office/drawing/2010/main">
+                <a:solidFill>
+                  <a:srgbClr val="FFFFFF"/>
+                </a:solidFill>
+              </a14:hiddenFill>
+            </a:ext>
+          </a:extLst>
+        </p:spPr>
+      </p:pic>
     </p:spTree>
     <p:extLst>
       <p:ext uri="{BB962C8B-B14F-4D97-AF65-F5344CB8AC3E}">
@@ -11595,7 +11632,7 @@
           <p:spPr>
             <a:xfrm>
               <a:off x="3180638" y="2878653"/>
-              <a:ext cx="672660" cy="312104"/>
+              <a:ext cx="672660" cy="557262"/>
             </a:xfrm>
             <a:prstGeom prst="rect">
               <a:avLst/>
@@ -12234,7 +12271,6 @@
               <a:rPr lang="ru-RU" sz="700" dirty="0" smtClean="0"/>
               <a:t>Сортировка по рейтингу</a:t>
             </a:r>
-            <a:endParaRPr lang="ru-RU" sz="700" dirty="0" smtClean="0"/>
           </a:p>
         </p:txBody>
       </p:sp>
@@ -21397,14 +21433,6 @@
               </a:rPr>
               <a:t>:</a:t>
             </a:r>
-            <a:endParaRPr lang="en-US" sz="1200" dirty="0" smtClean="0">
-              <a:solidFill>
-                <a:srgbClr val="000000"/>
-              </a:solidFill>
-              <a:latin typeface="Segoe UI" pitchFamily="34" charset="0"/>
-              <a:ea typeface="Segoe UI" pitchFamily="34" charset="0"/>
-              <a:cs typeface="Segoe UI" pitchFamily="34" charset="0"/>
-            </a:endParaRPr>
           </a:p>
         </p:txBody>
       </p:sp>
@@ -31928,8 +31956,8 @@
         </p:nvSpPr>
         <p:spPr>
           <a:xfrm>
-            <a:off x="4479303" y="8815461"/>
-            <a:ext cx="1028404" cy="228600"/>
+            <a:off x="4376463" y="8815461"/>
+            <a:ext cx="1131244" cy="228600"/>
           </a:xfrm>
           <a:prstGeom prst="roundRect">
             <a:avLst/>
@@ -31981,6 +32009,13 @@
                 <a:cs typeface="Segoe UI" pitchFamily="34" charset="0"/>
               </a:rPr>
               <a:t>Подтверди</a:t>
+            </a:r>
+            <a:r>
+              <a:rPr lang="ru-RU" sz="1200" dirty="0" smtClean="0">
+                <a:latin typeface="Segoe UI" pitchFamily="34" charset="0"/>
+                <a:cs typeface="Segoe UI" pitchFamily="34" charset="0"/>
+              </a:rPr>
+              <a:t>ть</a:t>
             </a:r>
             <a:endParaRPr lang="en-US" sz="1200" dirty="0">
               <a:solidFill>
@@ -32617,331 +32652,331 @@
 
 <file path=customXml/item1.xml><?xml version="1.0" encoding="utf-8"?>
 <Control xmlns="http://schemas.microsoft.com/VisualStudio/2011/storyboarding/control">
+  <Id Name="System.Storyboarding.Common.TextInput" Revision="1" Stencil="System.Storyboarding.Common" StencilVersion="0.1"/>
+</Control>
+</file>
+
+<file path=customXml/item10.xml><?xml version="1.0" encoding="utf-8"?>
+<Control xmlns="http://schemas.microsoft.com/VisualStudio/2011/storyboarding/control">
   <Id Name="System.Storyboarding.Common.Text" Revision="1" Stencil="System.Storyboarding.Common" StencilVersion="0.1"/>
 </Control>
 </file>
 
-<file path=customXml/item10.xml><?xml version="1.0" encoding="utf-8"?>
+<file path=customXml/item100.xml><?xml version="1.0" encoding="utf-8"?>
+<Control xmlns="http://schemas.microsoft.com/VisualStudio/2011/storyboarding/control">
+  <Id Name="System.Storyboarding.Common.Text" Revision="1" Stencil="System.Storyboarding.Common" StencilVersion="0.1"/>
+</Control>
+</file>
+
+<file path=customXml/item101.xml><?xml version="1.0" encoding="utf-8"?>
+<Control xmlns="http://schemas.microsoft.com/VisualStudio/2011/storyboarding/control">
+  <Id Name="System.Storyboarding.WindowsDesktop.ToolTip" Revision="1" Stencil="System.Storyboarding.WindowsDesktop" StencilVersion="0.1"/>
+</Control>
+</file>
+
+<file path=customXml/item102.xml><?xml version="1.0" encoding="utf-8"?>
+<Control xmlns="http://schemas.microsoft.com/VisualStudio/2011/storyboarding/control">
+  <Id Name="System.Storyboarding.Icons.HandPointer" Revision="1" Stencil="System.Storyboarding.Icons" StencilVersion="0.1"/>
+</Control>
+</file>
+
+<file path=customXml/item103.xml><?xml version="1.0" encoding="utf-8"?>
+<Control xmlns="http://schemas.microsoft.com/VisualStudio/2011/storyboarding/control">
+  <Id Name="System.Storyboarding.Icons.Envelope" Revision="1" Stencil="System.Storyboarding.Icons" StencilVersion="0.1"/>
+</Control>
+</file>
+
+<file path=customXml/item104.xml><?xml version="1.0" encoding="utf-8"?>
+<Control xmlns="http://schemas.microsoft.com/VisualStudio/2011/storyboarding/control">
+  <Id Name="System.Storyboarding.Icons.CurvedArrow" Revision="1" Stencil="System.Storyboarding.Icons" StencilVersion="0.1"/>
+</Control>
+</file>
+
+<file path=customXml/item105.xml><?xml version="1.0" encoding="utf-8"?>
+<Control xmlns="http://schemas.microsoft.com/VisualStudio/2011/storyboarding/control">
+  <Id Name="System.Storyboarding.Common.Hyperlink" Revision="1" Stencil="System.Storyboarding.Common" StencilVersion="0.1"/>
+</Control>
+</file>
+
+<file path=customXml/item106.xml><?xml version="1.0" encoding="utf-8"?>
+<Control xmlns="http://schemas.microsoft.com/VisualStudio/2011/storyboarding/control">
+  <Id Name="System.Storyboarding.Common.TextInput" Revision="1" Stencil="System.Storyboarding.Common" StencilVersion="0.1"/>
+</Control>
+</file>
+
+<file path=customXml/item107.xml><?xml version="1.0" encoding="utf-8"?>
+<Control xmlns="http://schemas.microsoft.com/VisualStudio/2011/storyboarding/control">
+  <Id Name="System.Storyboarding.Icons.Envelope" Revision="1" Stencil="System.Storyboarding.Icons" StencilVersion="0.1"/>
+</Control>
+</file>
+
+<file path=customXml/item108.xml><?xml version="1.0" encoding="utf-8"?>
+<Control xmlns="http://schemas.microsoft.com/VisualStudio/2011/storyboarding/control">
+  <Id Name="System.Storyboarding.Icons.CurvedArrow" Revision="1" Stencil="System.Storyboarding.Icons" StencilVersion="0.1"/>
+</Control>
+</file>
+
+<file path=customXml/item109.xml><?xml version="1.0" encoding="utf-8"?>
+<Control xmlns="http://schemas.microsoft.com/VisualStudio/2011/storyboarding/control">
+  <Id Name="System.Storyboarding.Icons.Star" Revision="1" Stencil="System.Storyboarding.Icons" StencilVersion="0.1"/>
+</Control>
+</file>
+
+<file path=customXml/item11.xml><?xml version="1.0" encoding="utf-8"?>
+<Control xmlns="http://schemas.microsoft.com/VisualStudio/2011/storyboarding/control">
+  <Id Name="System.Storyboarding.Common.Text" Revision="1" Stencil="System.Storyboarding.Common" StencilVersion="0.1"/>
+</Control>
+</file>
+
+<file path=customXml/item110.xml><?xml version="1.0" encoding="utf-8"?>
+<Control xmlns="http://schemas.microsoft.com/VisualStudio/2011/storyboarding/control">
+  <Id Name="System.Storyboarding.WindowsDesktop.ToolTip" Revision="1" Stencil="System.Storyboarding.WindowsDesktop" StencilVersion="0.1"/>
+</Control>
+</file>
+
+<file path=customXml/item111.xml><?xml version="1.0" encoding="utf-8"?>
+<Control xmlns="http://schemas.microsoft.com/VisualStudio/2011/storyboarding/control">
+  <Id Name="System.Storyboarding.Icons.SpeechBubble" Revision="1" Stencil="System.Storyboarding.Icons" StencilVersion="0.1"/>
+</Control>
+</file>
+
+<file path=customXml/item112.xml><?xml version="1.0" encoding="utf-8"?>
+<Control xmlns="http://schemas.microsoft.com/VisualStudio/2011/storyboarding/control">
+  <Id Name="System.Storyboarding.Icons.CurvedArrow" Revision="1" Stencil="System.Storyboarding.Icons" StencilVersion="0.1"/>
+</Control>
+</file>
+
+<file path=customXml/item113.xml><?xml version="1.0" encoding="utf-8"?>
+<Control xmlns="http://schemas.microsoft.com/VisualStudio/2011/storyboarding/control">
+  <Id Name="System.Storyboarding.Common.RadioButtonUnselected" Revision="1" Stencil="System.Storyboarding.Common" StencilVersion="0.1"/>
+</Control>
+</file>
+
+<file path=customXml/item114.xml><?xml version="1.0" encoding="utf-8"?>
+<Control xmlns="http://schemas.microsoft.com/VisualStudio/2011/storyboarding/control">
+  <Id Name="System.Storyboarding.Icons.Warning" Revision="1" Stencil="System.Storyboarding.Icons" StencilVersion="0.1"/>
+</Control>
+</file>
+
+<file path=customXml/item115.xml><?xml version="1.0" encoding="utf-8"?>
+<Control xmlns="http://schemas.microsoft.com/VisualStudio/2011/storyboarding/control">
+  <Id Name="System.Storyboarding.Common.Text" Revision="1" Stencil="System.Storyboarding.Common" StencilVersion="0.1"/>
+</Control>
+</file>
+
+<file path=customXml/item116.xml><?xml version="1.0" encoding="utf-8"?>
+<Control xmlns="http://schemas.microsoft.com/VisualStudio/2011/storyboarding/control">
+  <Id Name="System.Storyboarding.WindowsDesktop.ToolTip" Revision="1" Stencil="System.Storyboarding.WindowsDesktop" StencilVersion="0.1"/>
+</Control>
+</file>
+
+<file path=customXml/item117.xml><?xml version="1.0" encoding="utf-8"?>
+<Control xmlns="http://schemas.microsoft.com/VisualStudio/2011/storyboarding/control">
+  <Id Name="System.Storyboarding.Common.Text" Revision="1" Stencil="System.Storyboarding.Common" StencilVersion="0.1"/>
+</Control>
+</file>
+
+<file path=customXml/item118.xml><?xml version="1.0" encoding="utf-8"?>
+<Control xmlns="http://schemas.microsoft.com/VisualStudio/2011/storyboarding/control">
+  <Id Name="System.Storyboarding.Common.DatePicker" Revision="1" Stencil="System.Storyboarding.Common" StencilVersion="0.1"/>
+</Control>
+</file>
+
+<file path=customXml/item119.xml><?xml version="1.0" encoding="utf-8"?>
+<Control xmlns="http://schemas.microsoft.com/VisualStudio/2011/storyboarding/control">
+  <Id Name="System.Storyboarding.Common.Text" Revision="1" Stencil="System.Storyboarding.Common" StencilVersion="0.1"/>
+</Control>
+</file>
+
+<file path=customXml/item12.xml><?xml version="1.0" encoding="utf-8"?>
+<Control xmlns="http://schemas.microsoft.com/VisualStudio/2011/storyboarding/control">
+  <Id Name="System.Storyboarding.Common.RadioButtonSelected" Revision="1" Stencil="System.Storyboarding.Common" StencilVersion="0.1"/>
+</Control>
+</file>
+
+<file path=customXml/item120.xml><?xml version="1.0" encoding="utf-8"?>
+<Control xmlns="http://schemas.microsoft.com/VisualStudio/2011/storyboarding/control">
+  <Id Name="System.Storyboarding.Common.NumericStepper" Revision="1" Stencil="System.Storyboarding.Common" StencilVersion="0.1"/>
+</Control>
+</file>
+
+<file path=customXml/item121.xml><?xml version="1.0" encoding="utf-8"?>
+<Control xmlns="http://schemas.microsoft.com/VisualStudio/2011/storyboarding/control">
+  <Id Name="System.Storyboarding.Common.NumericStepper" Revision="1" Stencil="System.Storyboarding.Common" StencilVersion="0.1"/>
+</Control>
+</file>
+
+<file path=customXml/item122.xml><?xml version="1.0" encoding="utf-8"?>
+<Control xmlns="http://schemas.microsoft.com/VisualStudio/2011/storyboarding/control">
+  <Id Name="System.Storyboarding.Common.Text" Revision="1" Stencil="System.Storyboarding.Common" StencilVersion="0.1"/>
+</Control>
+</file>
+
+<file path=customXml/item123.xml><?xml version="1.0" encoding="utf-8"?>
+<Control xmlns="http://schemas.microsoft.com/VisualStudio/2011/storyboarding/control">
+  <Id Name="System.Storyboarding.Common.RadioButtonUnselected" Revision="1" Stencil="System.Storyboarding.Common" StencilVersion="0.1"/>
+</Control>
+</file>
+
+<file path=customXml/item124.xml><?xml version="1.0" encoding="utf-8"?>
+<Control xmlns="http://schemas.microsoft.com/VisualStudio/2011/storyboarding/control">
+  <Id Name="System.Storyboarding.Common.TextInput" Revision="1" Stencil="System.Storyboarding.Common" StencilVersion="0.1"/>
+</Control>
+</file>
+
+<file path=customXml/item125.xml><?xml version="1.0" encoding="utf-8"?>
+<Control xmlns="http://schemas.microsoft.com/VisualStudio/2011/storyboarding/control">
+  <Id Name="System.Storyboarding.Icons.TrashCan" Revision="1" Stencil="System.Storyboarding.Icons" StencilVersion="0.1"/>
+</Control>
+</file>
+
+<file path=customXml/item126.xml><?xml version="1.0" encoding="utf-8"?>
+<Control xmlns="http://schemas.microsoft.com/VisualStudio/2011/storyboarding/control">
+  <Id Name="System.Storyboarding.Icons.Star" Revision="1" Stencil="System.Storyboarding.Icons" StencilVersion="0.1"/>
+</Control>
+</file>
+
+<file path=customXml/item127.xml><?xml version="1.0" encoding="utf-8"?>
+<Control xmlns="http://schemas.microsoft.com/VisualStudio/2011/storyboarding/control">
+  <Id Name="System.Storyboarding.Common.Text" Revision="1" Stencil="System.Storyboarding.Common" StencilVersion="0.1"/>
+</Control>
+</file>
+
+<file path=customXml/item128.xml><?xml version="1.0" encoding="utf-8"?>
+<Control xmlns="http://schemas.microsoft.com/VisualStudio/2011/storyboarding/control">
+  <Id Name="System.Storyboarding.Common.DragSelection" Revision="1" Stencil="System.Storyboarding.Common" StencilVersion="0.1"/>
+</Control>
+</file>
+
+<file path=customXml/item129.xml><?xml version="1.0" encoding="utf-8"?>
+<Control xmlns="http://schemas.microsoft.com/VisualStudio/2011/storyboarding/control">
+  <Id Name="System.Storyboarding.Common.Text" Revision="1" Stencil="System.Storyboarding.Common" StencilVersion="0.1"/>
+</Control>
+</file>
+
+<file path=customXml/item13.xml><?xml version="1.0" encoding="utf-8"?>
+<Control xmlns="http://schemas.microsoft.com/VisualStudio/2011/storyboarding/control">
+  <Id Name="System.Storyboarding.Common.DropdownBox" Revision="1" Stencil="System.Storyboarding.Common" StencilVersion="0.1"/>
+</Control>
+</file>
+
+<file path=customXml/item130.xml><?xml version="1.0" encoding="utf-8"?>
+<Control xmlns="http://schemas.microsoft.com/VisualStudio/2011/storyboarding/control">
+  <Id Name="System.Storyboarding.Icons.HandPointer" Revision="1" Stencil="System.Storyboarding.Icons" StencilVersion="0.1"/>
+</Control>
+</file>
+
+<file path=customXml/item131.xml><?xml version="1.0" encoding="utf-8"?>
+<Control xmlns="http://schemas.microsoft.com/VisualStudio/2011/storyboarding/control">
+  <Id Name="System.Storyboarding.Common.TextInput" Revision="1" Stencil="System.Storyboarding.Common" StencilVersion="0.1"/>
+</Control>
+</file>
+
+<file path=customXml/item132.xml><?xml version="1.0" encoding="utf-8"?>
+<Control xmlns="http://schemas.microsoft.com/VisualStudio/2011/storyboarding/control">
+  <Id Name="System.Storyboarding.Common.TextInput" Revision="1" Stencil="System.Storyboarding.Common" StencilVersion="0.1"/>
+</Control>
+</file>
+
+<file path=customXml/item133.xml><?xml version="1.0" encoding="utf-8"?>
+<Control xmlns="http://schemas.microsoft.com/VisualStudio/2011/storyboarding/control">
+  <Id Name="System.Storyboarding.Common.TextInput" Revision="1" Stencil="System.Storyboarding.Common" StencilVersion="0.1"/>
+</Control>
+</file>
+
+<file path=customXml/item134.xml><?xml version="1.0" encoding="utf-8"?>
+<Control xmlns="http://schemas.microsoft.com/VisualStudio/2011/storyboarding/control">
+  <Id Name="System.Storyboarding.Common.TextInput" Revision="1" Stencil="System.Storyboarding.Common" StencilVersion="0.1"/>
+</Control>
+</file>
+
+<file path=customXml/item135.xml><?xml version="1.0" encoding="utf-8"?>
+<Control xmlns="http://schemas.microsoft.com/VisualStudio/2011/storyboarding/control">
+  <Id Name="System.Storyboarding.WindowsDesktop.ToolTip" Revision="1" Stencil="System.Storyboarding.WindowsDesktop" StencilVersion="0.1"/>
+</Control>
+</file>
+
+<file path=customXml/item136.xml><?xml version="1.0" encoding="utf-8"?>
+<Control xmlns="http://schemas.microsoft.com/VisualStudio/2011/storyboarding/control">
+  <Id Name="System.Storyboarding.Common.TextInput" Revision="1" Stencil="System.Storyboarding.Common" StencilVersion="0.1"/>
+</Control>
+</file>
+
+<file path=customXml/item137.xml><?xml version="1.0" encoding="utf-8"?>
+<Control xmlns="http://schemas.microsoft.com/VisualStudio/2011/storyboarding/control">
+  <Id Name="System.Storyboarding.Icons.HandPointer" Revision="1" Stencil="System.Storyboarding.Icons" StencilVersion="0.1"/>
+</Control>
+</file>
+
+<file path=customXml/item138.xml><?xml version="1.0" encoding="utf-8"?>
+<Control xmlns="http://schemas.microsoft.com/VisualStudio/2011/storyboarding/control">
+  <Id Name="System.Storyboarding.WindowsDesktop.ToolTip" Revision="1" Stencil="System.Storyboarding.WindowsDesktop" StencilVersion="0.1"/>
+</Control>
+</file>
+
+<file path=customXml/item139.xml><?xml version="1.0" encoding="utf-8"?>
+<Control xmlns="http://schemas.microsoft.com/VisualStudio/2011/storyboarding/control">
+  <Id Name="System.Storyboarding.Icons.DownArrow" Revision="1" Stencil="System.Storyboarding.Icons" StencilVersion="0.1"/>
+</Control>
+</file>
+
+<file path=customXml/item14.xml><?xml version="1.0" encoding="utf-8"?>
+<Control xmlns="http://schemas.microsoft.com/VisualStudio/2011/storyboarding/control">
+  <Id Name="System.Storyboarding.Common.Text" Revision="1" Stencil="System.Storyboarding.Common" StencilVersion="0.1"/>
+</Control>
+</file>
+
+<file path=customXml/item140.xml><?xml version="1.0" encoding="utf-8"?>
+<Control xmlns="http://schemas.microsoft.com/VisualStudio/2011/storyboarding/control">
+  <Id Name="System.Storyboarding.Common.LinkBar" Revision="1" Stencil="System.Storyboarding.Common" StencilVersion="0.1"/>
+</Control>
+</file>
+
+<file path=customXml/item141.xml><?xml version="1.0" encoding="utf-8"?>
 <Control xmlns="http://schemas.microsoft.com/VisualStudio/2011/storyboarding/control">
   <Id Name="System.Storyboarding.Common.Button" Revision="1" Stencil="System.Storyboarding.Common" StencilVersion="0.1"/>
 </Control>
 </file>
 
-<file path=customXml/item100.xml><?xml version="1.0" encoding="utf-8"?>
+<file path=customXml/item142.xml><?xml version="1.0" encoding="utf-8"?>
+<Control xmlns="http://schemas.microsoft.com/VisualStudio/2011/storyboarding/control">
+  <Id Name="System.Storyboarding.Common.Text" Revision="1" Stencil="System.Storyboarding.Common" StencilVersion="0.1"/>
+</Control>
+</file>
+
+<file path=customXml/item143.xml><?xml version="1.0" encoding="utf-8"?>
 <Control xmlns="http://schemas.microsoft.com/VisualStudio/2011/storyboarding/control">
   <Id Name="System.Storyboarding.Icons.HandPointer" Revision="1" Stencil="System.Storyboarding.Icons" StencilVersion="0.1"/>
 </Control>
 </file>
 
-<file path=customXml/item101.xml><?xml version="1.0" encoding="utf-8"?>
-<Control xmlns="http://schemas.microsoft.com/VisualStudio/2011/storyboarding/control">
-  <Id Name="System.Storyboarding.Common.Button" Revision="1" Stencil="System.Storyboarding.Common" StencilVersion="0.1"/>
-</Control>
-</file>
-
-<file path=customXml/item102.xml><?xml version="1.0" encoding="utf-8"?>
-<Control xmlns="http://schemas.microsoft.com/VisualStudio/2011/storyboarding/control">
-  <Id Name="System.Storyboarding.Icons.CurvedArrow" Revision="1" Stencil="System.Storyboarding.Icons" StencilVersion="0.1"/>
-</Control>
-</file>
-
-<file path=customXml/item103.xml><?xml version="1.0" encoding="utf-8"?>
-<Control xmlns="http://schemas.microsoft.com/VisualStudio/2011/storyboarding/control">
-  <Id Name="System.Storyboarding.Common.TextArea" Revision="1" Stencil="System.Storyboarding.Common" StencilVersion="0.1"/>
-</Control>
-</file>
-
-<file path=customXml/item104.xml><?xml version="1.0" encoding="utf-8"?>
-<Control xmlns="http://schemas.microsoft.com/VisualStudio/2011/storyboarding/control">
-  <Id Name="System.Storyboarding.Common.TextInput" Revision="1" Stencil="System.Storyboarding.Common" StencilVersion="0.1"/>
-</Control>
-</file>
-
-<file path=customXml/item105.xml><?xml version="1.0" encoding="utf-8"?>
-<Control xmlns="http://schemas.microsoft.com/VisualStudio/2011/storyboarding/control">
-  <Id Name="System.Storyboarding.Icons.DownArrow" Revision="1" Stencil="System.Storyboarding.Icons" StencilVersion="0.1"/>
-</Control>
-</file>
-
-<file path=customXml/item106.xml><?xml version="1.0" encoding="utf-8"?>
+<file path=customXml/item144.xml><?xml version="1.0" encoding="utf-8"?>
 <Control xmlns="http://schemas.microsoft.com/VisualStudio/2011/storyboarding/control">
   <Id Name="System.Storyboarding.Icons.ShoppingCart" Revision="1" Stencil="System.Storyboarding.Icons" StencilVersion="0.1"/>
 </Control>
 </file>
 
-<file path=customXml/item107.xml><?xml version="1.0" encoding="utf-8"?>
-<Control xmlns="http://schemas.microsoft.com/VisualStudio/2011/storyboarding/control">
-  <Id Name="System.Storyboarding.Common.Text" Revision="1" Stencil="System.Storyboarding.Common" StencilVersion="0.1"/>
-</Control>
-</file>
-
-<file path=customXml/item108.xml><?xml version="1.0" encoding="utf-8"?>
-<Control xmlns="http://schemas.microsoft.com/VisualStudio/2011/storyboarding/control">
-  <Id Name="System.Storyboarding.Common.Hyperlink" Revision="1" Stencil="System.Storyboarding.Common" StencilVersion="0.1"/>
-</Control>
-</file>
-
-<file path=customXml/item109.xml><?xml version="1.0" encoding="utf-8"?>
-<Control xmlns="http://schemas.microsoft.com/VisualStudio/2011/storyboarding/control">
-  <Id Name="System.Storyboarding.Icons.CurvedArrow" Revision="1" Stencil="System.Storyboarding.Icons" StencilVersion="0.1"/>
-</Control>
-</file>
-
-<file path=customXml/item11.xml><?xml version="1.0" encoding="utf-8"?>
-<Control xmlns="http://schemas.microsoft.com/VisualStudio/2011/storyboarding/control">
-  <Id Name="System.Storyboarding.Common.RadioButtonSelected" Revision="1" Stencil="System.Storyboarding.Common" StencilVersion="0.1"/>
-</Control>
-</file>
-
-<file path=customXml/item110.xml><?xml version="1.0" encoding="utf-8"?>
-<Control xmlns="http://schemas.microsoft.com/VisualStudio/2011/storyboarding/control">
-  <Id Name="System.Storyboarding.Common.Text" Revision="1" Stencil="System.Storyboarding.Common" StencilVersion="0.1"/>
-</Control>
-</file>
-
-<file path=customXml/item111.xml><?xml version="1.0" encoding="utf-8"?>
-<Control xmlns="http://schemas.microsoft.com/VisualStudio/2011/storyboarding/control">
-  <Id Name="System.Storyboarding.Common.Text" Revision="1" Stencil="System.Storyboarding.Common" StencilVersion="0.1"/>
-</Control>
-</file>
-
-<file path=customXml/item112.xml><?xml version="1.0" encoding="utf-8"?>
-<Control xmlns="http://schemas.microsoft.com/VisualStudio/2011/storyboarding/control">
-  <Id Name="System.Storyboarding.Common.TabGroup" Revision="1" Stencil="System.Storyboarding.Common" StencilVersion="0.1"/>
-</Control>
-</file>
-
-<file path=customXml/item113.xml><?xml version="1.0" encoding="utf-8"?>
-<Control xmlns="http://schemas.microsoft.com/VisualStudio/2011/storyboarding/control">
-  <Id Name="System.Storyboarding.WindowsDesktop.ToolTip" Revision="1" Stencil="System.Storyboarding.WindowsDesktop" StencilVersion="0.1"/>
-</Control>
-</file>
-
-<file path=customXml/item114.xml><?xml version="1.0" encoding="utf-8"?>
-<Control xmlns="http://schemas.microsoft.com/VisualStudio/2011/storyboarding/control">
-  <Id Name="System.Storyboarding.Common.Hyperlink" Revision="1" Stencil="System.Storyboarding.Common" StencilVersion="0.1"/>
-</Control>
-</file>
-
-<file path=customXml/item115.xml><?xml version="1.0" encoding="utf-8"?>
-<Control xmlns="http://schemas.microsoft.com/VisualStudio/2011/storyboarding/control">
-  <Id Name="System.Storyboarding.Common.NumericStepper" Revision="1" Stencil="System.Storyboarding.Common" StencilVersion="0.1"/>
-</Control>
-</file>
-
-<file path=customXml/item116.xml><?xml version="1.0" encoding="utf-8"?>
-<Control xmlns="http://schemas.microsoft.com/VisualStudio/2011/storyboarding/control">
-  <Id Name="System.Storyboarding.Common.CheckBoxUnchecked" Revision="1" Stencil="System.Storyboarding.Common" StencilVersion="0.1"/>
-</Control>
-</file>
-
-<file path=customXml/item117.xml><?xml version="1.0" encoding="utf-8"?>
-<Control xmlns="http://schemas.microsoft.com/VisualStudio/2011/storyboarding/control">
-  <Id Name="System.Storyboarding.Common.TextInput" Revision="1" Stencil="System.Storyboarding.Common" StencilVersion="0.1"/>
-</Control>
-</file>
-
-<file path=customXml/item118.xml><?xml version="1.0" encoding="utf-8"?>
+<file path=customXml/item145.xml><?xml version="1.0" encoding="utf-8"?>
 <Control xmlns="http://schemas.microsoft.com/VisualStudio/2011/storyboarding/control">
   <Id Name="System.Storyboarding.Icons.SpeechBubble" Revision="1" Stencil="System.Storyboarding.Icons" StencilVersion="0.1"/>
 </Control>
 </file>
 
-<file path=customXml/item119.xml><?xml version="1.0" encoding="utf-8"?>
-<Control xmlns="http://schemas.microsoft.com/VisualStudio/2011/storyboarding/control">
-  <Id Name="System.Storyboarding.Common.DataGrid" Revision="1" Stencil="System.Storyboarding.Common" StencilVersion="0.1"/>
-</Control>
-</file>
-
-<file path=customXml/item12.xml><?xml version="1.0" encoding="utf-8"?>
-<Control xmlns="http://schemas.microsoft.com/VisualStudio/2011/storyboarding/control">
-  <Id Name="System.Storyboarding.Common.Text" Revision="1" Stencil="System.Storyboarding.Common" StencilVersion="0.1"/>
-</Control>
-</file>
-
-<file path=customXml/item120.xml><?xml version="1.0" encoding="utf-8"?>
-<Control xmlns="http://schemas.microsoft.com/VisualStudio/2011/storyboarding/control">
-  <Id Name="System.Storyboarding.Icons.CurvedArrow" Revision="1" Stencil="System.Storyboarding.Icons" StencilVersion="0.1"/>
-</Control>
-</file>
-
-<file path=customXml/item121.xml><?xml version="1.0" encoding="utf-8"?>
-<Control xmlns="http://schemas.microsoft.com/VisualStudio/2011/storyboarding/control">
-  <Id Name="System.Storyboarding.Icons.SpeechBubble" Revision="1" Stencil="System.Storyboarding.Icons" StencilVersion="0.1"/>
-</Control>
-</file>
-
-<file path=customXml/item122.xml><?xml version="1.0" encoding="utf-8"?>
+<file path=customXml/item146.xml><?xml version="1.0" encoding="utf-8"?>
 <Control xmlns="http://schemas.microsoft.com/VisualStudio/2011/storyboarding/control">
   <Id Name="System.Storyboarding.Icons.TrashCan" Revision="1" Stencil="System.Storyboarding.Icons" StencilVersion="0.1"/>
 </Control>
 </file>
 
-<file path=customXml/item123.xml><?xml version="1.0" encoding="utf-8"?>
-<Control xmlns="http://schemas.microsoft.com/VisualStudio/2011/storyboarding/control">
-  <Id Name="System.Storyboarding.Common.Text" Revision="1" Stencil="System.Storyboarding.Common" StencilVersion="0.1"/>
-</Control>
-</file>
-
-<file path=customXml/item124.xml><?xml version="1.0" encoding="utf-8"?>
-<Control xmlns="http://schemas.microsoft.com/VisualStudio/2011/storyboarding/control">
-  <Id Name="System.Storyboarding.Common.Text" Revision="1" Stencil="System.Storyboarding.Common" StencilVersion="0.1"/>
-</Control>
-</file>
-
-<file path=customXml/item125.xml><?xml version="1.0" encoding="utf-8"?>
-<Control xmlns="http://schemas.microsoft.com/VisualStudio/2011/storyboarding/control">
-  <Id Name="System.Storyboarding.Common.Text" Revision="1" Stencil="System.Storyboarding.Common" StencilVersion="0.1"/>
-</Control>
-</file>
-
-<file path=customXml/item126.xml><?xml version="1.0" encoding="utf-8"?>
-<Control xmlns="http://schemas.microsoft.com/VisualStudio/2011/storyboarding/control">
-  <Id Name="System.Storyboarding.Common.LinkBar" Revision="1" Stencil="System.Storyboarding.Common" StencilVersion="0.1"/>
-</Control>
-</file>
-
-<file path=customXml/item127.xml><?xml version="1.0" encoding="utf-8"?>
-<Control xmlns="http://schemas.microsoft.com/VisualStudio/2011/storyboarding/control">
-  <Id Name="System.Storyboarding.Common.DropdownBox" Revision="1" Stencil="System.Storyboarding.Common" StencilVersion="0.1"/>
-</Control>
-</file>
-
-<file path=customXml/item128.xml><?xml version="1.0" encoding="utf-8"?>
-<Control xmlns="http://schemas.microsoft.com/VisualStudio/2011/storyboarding/control">
-  <Id Name="System.Storyboarding.Common.TextArea" Revision="1" Stencil="System.Storyboarding.Common" StencilVersion="0.1"/>
-</Control>
-</file>
-
-<file path=customXml/item129.xml><?xml version="1.0" encoding="utf-8"?>
-<Control xmlns="http://schemas.microsoft.com/VisualStudio/2011/storyboarding/control">
-  <Id Name="System.Storyboarding.Icons.Warning" Revision="1" Stencil="System.Storyboarding.Icons" StencilVersion="0.1"/>
-</Control>
-</file>
-
-<file path=customXml/item13.xml><?xml version="1.0" encoding="utf-8"?>
-<Control xmlns="http://schemas.microsoft.com/VisualStudio/2011/storyboarding/control">
-  <Id Name="System.Storyboarding.WindowsDesktop.ToolTip" Revision="1" Stencil="System.Storyboarding.WindowsDesktop" StencilVersion="0.1"/>
-</Control>
-</file>
-
-<file path=customXml/item130.xml><?xml version="1.0" encoding="utf-8"?>
-<Control xmlns="http://schemas.microsoft.com/VisualStudio/2011/storyboarding/control">
-  <Id Name="System.Storyboarding.Common.CheckBoxChecked" Revision="1" Stencil="System.Storyboarding.Common" StencilVersion="0.1"/>
-</Control>
-</file>
-
-<file path=customXml/item131.xml><?xml version="1.0" encoding="utf-8"?>
-<Control xmlns="http://schemas.microsoft.com/VisualStudio/2011/storyboarding/control">
-  <Id Name="System.Storyboarding.Common.DatePicker" Revision="1" Stencil="System.Storyboarding.Common" StencilVersion="0.1"/>
-</Control>
-</file>
-
-<file path=customXml/item132.xml><?xml version="1.0" encoding="utf-8"?>
-<Control xmlns="http://schemas.microsoft.com/VisualStudio/2011/storyboarding/control">
-  <Id Name="System.Storyboarding.Common.List" Revision="1" Stencil="System.Storyboarding.Common" StencilVersion="0.1"/>
-</Control>
-</file>
-
-<file path=customXml/item133.xml><?xml version="1.0" encoding="utf-8"?>
-<Control xmlns="http://schemas.microsoft.com/VisualStudio/2011/storyboarding/control">
-  <Id Name="System.Storyboarding.Icons.TrashCan" Revision="1" Stencil="System.Storyboarding.Icons" StencilVersion="0.1"/>
-</Control>
-</file>
-
-<file path=customXml/item134.xml><?xml version="1.0" encoding="utf-8"?>
-<Control xmlns="http://schemas.microsoft.com/VisualStudio/2011/storyboarding/control">
-  <Id Name="System.Storyboarding.Common.Text" Revision="1" Stencil="System.Storyboarding.Common" StencilVersion="0.1"/>
-</Control>
-</file>
-
-<file path=customXml/item135.xml><?xml version="1.0" encoding="utf-8"?>
-<Control xmlns="http://schemas.microsoft.com/VisualStudio/2011/storyboarding/control">
-  <Id Name="System.Storyboarding.Common.Text" Revision="1" Stencil="System.Storyboarding.Common" StencilVersion="0.1"/>
-</Control>
-</file>
-
-<file path=customXml/item136.xml><?xml version="1.0" encoding="utf-8"?>
-<Control xmlns="http://schemas.microsoft.com/VisualStudio/2011/storyboarding/control">
-  <Id Name="System.Storyboarding.Common.NumericStepper" Revision="1" Stencil="System.Storyboarding.Common" StencilVersion="0.1"/>
-</Control>
-</file>
-
-<file path=customXml/item137.xml><?xml version="1.0" encoding="utf-8"?>
-<Control xmlns="http://schemas.microsoft.com/VisualStudio/2011/storyboarding/control">
-  <Id Name="System.Storyboarding.WindowsDesktop.ToolTip" Revision="1" Stencil="System.Storyboarding.WindowsDesktop" StencilVersion="0.1"/>
-</Control>
-</file>
-
-<file path=customXml/item138.xml><?xml version="1.0" encoding="utf-8"?>
-<Control xmlns="http://schemas.microsoft.com/VisualStudio/2011/storyboarding/control">
-  <Id Name="System.Storyboarding.Icons.CurvedArrow" Revision="1" Stencil="System.Storyboarding.Icons" StencilVersion="0.1"/>
-</Control>
-</file>
-
-<file path=customXml/item139.xml><?xml version="1.0" encoding="utf-8"?>
-<Control xmlns="http://schemas.microsoft.com/VisualStudio/2011/storyboarding/control">
-  <Id Name="System.Storyboarding.Icons.Brush" Revision="1" Stencil="System.Storyboarding.Icons" StencilVersion="0.1"/>
-</Control>
-</file>
-
-<file path=customXml/item14.xml><?xml version="1.0" encoding="utf-8"?>
-<Control xmlns="http://schemas.microsoft.com/VisualStudio/2011/storyboarding/control">
-  <Id Name="System.Storyboarding.Common.TextInput" Revision="1" Stencil="System.Storyboarding.Common" StencilVersion="0.1"/>
-</Control>
-</file>
-
-<file path=customXml/item140.xml><?xml version="1.0" encoding="utf-8"?>
-<Control xmlns="http://schemas.microsoft.com/VisualStudio/2011/storyboarding/control">
-  <Id Name="System.Storyboarding.Icons.HandPointer" Revision="1" Stencil="System.Storyboarding.Icons" StencilVersion="0.1"/>
-</Control>
-</file>
-
-<file path=customXml/item141.xml><?xml version="1.0" encoding="utf-8"?>
+<file path=customXml/item147.xml><?xml version="1.0" encoding="utf-8"?>
 <Control xmlns="http://schemas.microsoft.com/VisualStudio/2011/storyboarding/control">
   <Id Name="System.Storyboarding.Icons.ShoppingCart" Revision="1" Stencil="System.Storyboarding.Icons" StencilVersion="0.1"/>
 </Control>
 </file>
 
-<file path=customXml/item142.xml><?xml version="1.0" encoding="utf-8"?>
-<Control xmlns="http://schemas.microsoft.com/VisualStudio/2011/storyboarding/control">
-  <Id Name="System.Storyboarding.Icons.TrashCan" Revision="1" Stencil="System.Storyboarding.Icons" StencilVersion="0.1"/>
-</Control>
-</file>
-
-<file path=customXml/item143.xml><?xml version="1.0" encoding="utf-8"?>
-<Control xmlns="http://schemas.microsoft.com/VisualStudio/2011/storyboarding/control">
-  <Id Name="System.Storyboarding.Common.TextInput" Revision="1" Stencil="System.Storyboarding.Common" StencilVersion="0.1"/>
-</Control>
-</file>
-
-<file path=customXml/item144.xml><?xml version="1.0" encoding="utf-8"?>
-<Control xmlns="http://schemas.microsoft.com/VisualStudio/2011/storyboarding/control">
-  <Id Name="System.Storyboarding.Icons.HandPointer" Revision="1" Stencil="System.Storyboarding.Icons" StencilVersion="0.1"/>
-</Control>
-</file>
-
-<file path=customXml/item145.xml><?xml version="1.0" encoding="utf-8"?>
-<Control xmlns="http://schemas.microsoft.com/VisualStudio/2011/storyboarding/control">
-  <Id Name="System.Storyboarding.Icons.HandPointer" Revision="1" Stencil="System.Storyboarding.Icons" StencilVersion="0.1"/>
-</Control>
-</file>
-
-<file path=customXml/item146.xml><?xml version="1.0" encoding="utf-8"?>
-<Control xmlns="http://schemas.microsoft.com/VisualStudio/2011/storyboarding/control">
-  <Id Name="System.Storyboarding.WindowsDesktop.ToolTip" Revision="1" Stencil="System.Storyboarding.WindowsDesktop" StencilVersion="0.1"/>
-</Control>
-</file>
-
-<file path=customXml/item147.xml><?xml version="1.0" encoding="utf-8"?>
-<Control xmlns="http://schemas.microsoft.com/VisualStudio/2011/storyboarding/control">
-  <Id Name="System.Storyboarding.Common.Button" Revision="1" Stencil="System.Storyboarding.Common" StencilVersion="0.1"/>
-</Control>
-</file>
-
 <file path=customXml/item148.xml><?xml version="1.0" encoding="utf-8"?>
 <Control xmlns="http://schemas.microsoft.com/VisualStudio/2011/storyboarding/control">
-  <Id Name="System.Storyboarding.Common.TextInput" Revision="1" Stencil="System.Storyboarding.Common" StencilVersion="0.1"/>
+  <Id Name="System.Storyboarding.Common.Text" Revision="1" Stencil="System.Storyboarding.Common" StencilVersion="0.1"/>
 </Control>
 </file>
 
@@ -32959,259 +32994,259 @@
 
 <file path=customXml/item150.xml><?xml version="1.0" encoding="utf-8"?>
 <Control xmlns="http://schemas.microsoft.com/VisualStudio/2011/storyboarding/control">
-  <Id Name="System.Storyboarding.Icons.DownArrow" Revision="1" Stencil="System.Storyboarding.Icons" StencilVersion="0.1"/>
+  <Id Name="System.Storyboarding.Common.TextInput" Revision="1" Stencil="System.Storyboarding.Common" StencilVersion="0.1"/>
 </Control>
 </file>
 
 <file path=customXml/item151.xml><?xml version="1.0" encoding="utf-8"?>
+<Control xmlns="http://schemas.microsoft.com/VisualStudio/2011/storyboarding/control">
+  <Id Name="System.Storyboarding.Icons.Brush" Revision="1" Stencil="System.Storyboarding.Icons" StencilVersion="0.1"/>
+</Control>
+</file>
+
+<file path=customXml/item152.xml><?xml version="1.0" encoding="utf-8"?>
+<Control xmlns="http://schemas.microsoft.com/VisualStudio/2011/storyboarding/control">
+  <Id Name="System.Storyboarding.Icons.TrashCan" Revision="1" Stencil="System.Storyboarding.Icons" StencilVersion="0.1"/>
+</Control>
+</file>
+
+<file path=customXml/item153.xml><?xml version="1.0" encoding="utf-8"?>
+<Control xmlns="http://schemas.microsoft.com/VisualStudio/2011/storyboarding/control">
+  <Id Name="System.Storyboarding.Icons.HandPointer" Revision="1" Stencil="System.Storyboarding.Icons" StencilVersion="0.1"/>
+</Control>
+</file>
+
+<file path=customXml/item154.xml><?xml version="1.0" encoding="utf-8"?>
+<Control xmlns="http://schemas.microsoft.com/VisualStudio/2011/storyboarding/control">
+  <Id Name="System.Storyboarding.Common.DropdownBox" Revision="1" Stencil="System.Storyboarding.Common" StencilVersion="0.1"/>
+</Control>
+</file>
+
+<file path=customXml/item155.xml><?xml version="1.0" encoding="utf-8"?>
+<Control xmlns="http://schemas.microsoft.com/VisualStudio/2011/storyboarding/control">
+  <Id Name="System.Storyboarding.Common.DataGrid" Revision="1" Stencil="System.Storyboarding.Common" StencilVersion="0.1"/>
+</Control>
+</file>
+
+<file path=customXml/item156.xml><?xml version="1.0" encoding="utf-8"?>
+<Control xmlns="http://schemas.microsoft.com/VisualStudio/2011/storyboarding/control">
+  <Id Name="System.Storyboarding.Icons.Star" Revision="1" Stencil="System.Storyboarding.Icons" StencilVersion="0.1"/>
+</Control>
+</file>
+
+<file path=customXml/item157.xml><?xml version="1.0" encoding="utf-8"?>
+<Control xmlns="http://schemas.microsoft.com/VisualStudio/2011/storyboarding/control">
+  <Id Name="System.Storyboarding.Common.ScrollbarVertical" RevisionId="68ea164d-c1de-47a5-804f-d4d1290fa524" Stencil="System.Storyboarding.Common" StencilRevisionId="68ea164d-c1de-47a5-804f-d4d1290fa524" StencilVersion="0.1"/>
+</Control>
+</file>
+
+<file path=customXml/item158.xml><?xml version="1.0" encoding="utf-8"?>
+<Control xmlns="http://schemas.microsoft.com/VisualStudio/2011/storyboarding/control">
+  <Id Name="System.Storyboarding.Icons.CurvedArrow" Revision="1" Stencil="System.Storyboarding.Icons" StencilVersion="0.1"/>
+</Control>
+</file>
+
+<file path=customXml/item159.xml><?xml version="1.0" encoding="utf-8"?>
+<Control xmlns="http://schemas.microsoft.com/VisualStudio/2011/storyboarding/control">
+  <Id Name="System.Storyboarding.Common.CheckBoxUnchecked" Revision="1" Stencil="System.Storyboarding.Common" StencilVersion="0.1"/>
+</Control>
+</file>
+
+<file path=customXml/item16.xml><?xml version="1.0" encoding="utf-8"?>
+<Control xmlns="http://schemas.microsoft.com/VisualStudio/2011/storyboarding/control">
+  <Id Name="System.Storyboarding.Common.TextArea" Revision="1" Stencil="System.Storyboarding.Common" StencilVersion="0.1"/>
+</Control>
+</file>
+
+<file path=customXml/item160.xml><?xml version="1.0" encoding="utf-8"?>
+<Control xmlns="http://schemas.microsoft.com/VisualStudio/2011/storyboarding/control">
+  <Id Name="System.Storyboarding.WindowsDesktop.ToolTip" Revision="1" Stencil="System.Storyboarding.WindowsDesktop" StencilVersion="0.1"/>
+</Control>
+</file>
+
+<file path=customXml/item161.xml><?xml version="1.0" encoding="utf-8"?>
+<Control xmlns="http://schemas.microsoft.com/VisualStudio/2011/storyboarding/control">
+  <Id Name="System.Storyboarding.Common.TextArea" Revision="1" Stencil="System.Storyboarding.Common" StencilVersion="0.1"/>
+</Control>
+</file>
+
+<file path=customXml/item162.xml><?xml version="1.0" encoding="utf-8"?>
+<Control xmlns="http://schemas.microsoft.com/VisualStudio/2011/storyboarding/control">
+  <Id Name="System.Storyboarding.Common.TextInput" Revision="1" Stencil="System.Storyboarding.Common" StencilVersion="0.1"/>
+</Control>
+</file>
+
+<file path=customXml/item163.xml><?xml version="1.0" encoding="utf-8"?>
+<Control xmlns="http://schemas.microsoft.com/VisualStudio/2011/storyboarding/control">
+  <Id Name="System.Storyboarding.Common.Button" Revision="1" Stencil="System.Storyboarding.Common" StencilVersion="0.1"/>
+</Control>
+</file>
+
+<file path=customXml/item164.xml><?xml version="1.0" encoding="utf-8"?>
+<Control xmlns="http://schemas.microsoft.com/VisualStudio/2011/storyboarding/control">
+  <Id Name="System.Storyboarding.Common.TextInput" Revision="1" Stencil="System.Storyboarding.Common" StencilVersion="0.1"/>
+</Control>
+</file>
+
+<file path=customXml/item165.xml><?xml version="1.0" encoding="utf-8"?>
+<Control xmlns="http://schemas.microsoft.com/VisualStudio/2011/storyboarding/control">
+  <Id Name="System.Storyboarding.Icons.User" Revision="1" Stencil="System.Storyboarding.Icons" StencilVersion="0.1"/>
+</Control>
+</file>
+
+<file path=customXml/item166.xml><?xml version="1.0" encoding="utf-8"?>
+<Control xmlns="http://schemas.microsoft.com/VisualStudio/2011/storyboarding/control">
+  <Id Name="System.Storyboarding.Common.TextInput" Revision="1" Stencil="System.Storyboarding.Common" StencilVersion="0.1"/>
+</Control>
+</file>
+
+<file path=customXml/item167.xml><?xml version="1.0" encoding="utf-8"?>
 <Control xmlns="http://schemas.microsoft.com/VisualStudio/2011/storyboarding/control">
   <Id Name="System.Storyboarding.Common.Text" Revision="1" Stencil="System.Storyboarding.Common" StencilVersion="0.1"/>
 </Control>
 </file>
 
-<file path=customXml/item152.xml><?xml version="1.0" encoding="utf-8"?>
+<file path=customXml/item168.xml><?xml version="1.0" encoding="utf-8"?>
+<Control xmlns="http://schemas.microsoft.com/VisualStudio/2011/storyboarding/control">
+  <Id Name="System.Storyboarding.Common.List" Revision="1" Stencil="System.Storyboarding.Common" StencilVersion="0.1"/>
+</Control>
+</file>
+
+<file path=customXml/item169.xml><?xml version="1.0" encoding="utf-8"?>
+<Control xmlns="http://schemas.microsoft.com/VisualStudio/2011/storyboarding/control">
+  <Id Name="System.Storyboarding.Common.DatePicker" Revision="1" Stencil="System.Storyboarding.Common" StencilVersion="0.1"/>
+</Control>
+</file>
+
+<file path=customXml/item17.xml><?xml version="1.0" encoding="utf-8"?>
+<Control xmlns="http://schemas.microsoft.com/VisualStudio/2011/storyboarding/control">
+  <Id Name="System.Storyboarding.WindowsDesktop.ToolTip" Revision="1" Stencil="System.Storyboarding.WindowsDesktop" StencilVersion="0.1"/>
+</Control>
+</file>
+
+<file path=customXml/item170.xml><?xml version="1.0" encoding="utf-8"?>
+<Control xmlns="http://schemas.microsoft.com/VisualStudio/2011/storyboarding/control">
+  <Id Name="System.Storyboarding.Icons.HandPointer" Revision="1" Stencil="System.Storyboarding.Icons" StencilVersion="0.1"/>
+</Control>
+</file>
+
+<file path=customXml/item171.xml><?xml version="1.0" encoding="utf-8"?>
+<Control xmlns="http://schemas.microsoft.com/VisualStudio/2011/storyboarding/control">
+  <Id Name="System.Storyboarding.Common.TextArea" Revision="1" Stencil="System.Storyboarding.Common" StencilVersion="0.1"/>
+</Control>
+</file>
+
+<file path=customXml/item172.xml><?xml version="1.0" encoding="utf-8"?>
+<Control xmlns="http://schemas.microsoft.com/VisualStudio/2011/storyboarding/control">
+  <Id Name="System.Storyboarding.Common.NumericStepper" Revision="1" Stencil="System.Storyboarding.Common" StencilVersion="0.1"/>
+</Control>
+</file>
+
+<file path=customXml/item173.xml><?xml version="1.0" encoding="utf-8"?>
+<Control xmlns="http://schemas.microsoft.com/VisualStudio/2011/storyboarding/control">
+  <Id Name="System.Storyboarding.Icons.CurvedArrow" Revision="1" Stencil="System.Storyboarding.Icons" StencilVersion="0.1"/>
+</Control>
+</file>
+
+<file path=customXml/item174.xml><?xml version="1.0" encoding="utf-8"?>
+<Control xmlns="http://schemas.microsoft.com/VisualStudio/2011/storyboarding/control">
+  <Id Name="System.Storyboarding.Common.Text" Revision="1" Stencil="System.Storyboarding.Common" StencilVersion="0.1"/>
+</Control>
+</file>
+
+<file path=customXml/item175.xml><?xml version="1.0" encoding="utf-8"?>
+<Control xmlns="http://schemas.microsoft.com/VisualStudio/2011/storyboarding/control">
+  <Id Name="System.Storyboarding.Common.Text" Revision="1" Stencil="System.Storyboarding.Common" StencilVersion="0.1"/>
+</Control>
+</file>
+
+<file path=customXml/item176.xml><?xml version="1.0" encoding="utf-8"?>
 <Control xmlns="http://schemas.microsoft.com/VisualStudio/2011/storyboarding/control">
   <Id Name="System.Storyboarding.Common.TextInput" Revision="1" Stencil="System.Storyboarding.Common" StencilVersion="0.1"/>
 </Control>
 </file>
 
-<file path=customXml/item153.xml><?xml version="1.0" encoding="utf-8"?>
-<Control xmlns="http://schemas.microsoft.com/VisualStudio/2011/storyboarding/control">
-  <Id Name="System.Storyboarding.Common.DatePicker" Revision="1" Stencil="System.Storyboarding.Common" StencilVersion="0.1"/>
-</Control>
-</file>
-
-<file path=customXml/item154.xml><?xml version="1.0" encoding="utf-8"?>
+<file path=customXml/item177.xml><?xml version="1.0" encoding="utf-8"?>
 <Control xmlns="http://schemas.microsoft.com/VisualStudio/2011/storyboarding/control">
   <Id Name="System.Storyboarding.Common.Text" Revision="1" Stencil="System.Storyboarding.Common" StencilVersion="0.1"/>
 </Control>
 </file>
 
-<file path=customXml/item155.xml><?xml version="1.0" encoding="utf-8"?>
+<file path=customXml/item178.xml><?xml version="1.0" encoding="utf-8"?>
+<Control xmlns="http://schemas.microsoft.com/VisualStudio/2011/storyboarding/control">
+  <Id Name="System.Storyboarding.Common.DataGrid" Revision="1" Stencil="System.Storyboarding.Common" StencilVersion="0.1"/>
+</Control>
+</file>
+
+<file path=customXml/item179.xml><?xml version="1.0" encoding="utf-8"?>
+<Control xmlns="http://schemas.microsoft.com/VisualStudio/2011/storyboarding/control">
+  <Id Name="System.Storyboarding.WindowsDesktop.ToolTip" Revision="1" Stencil="System.Storyboarding.WindowsDesktop" StencilVersion="0.1"/>
+</Control>
+</file>
+
+<file path=customXml/item18.xml><?xml version="1.0" encoding="utf-8"?>
+<Control xmlns="http://schemas.microsoft.com/VisualStudio/2011/storyboarding/control">
+  <Id Name="System.Storyboarding.Common.TabGroup" Revision="1" Stencil="System.Storyboarding.Common" StencilVersion="0.1"/>
+</Control>
+</file>
+
+<file path=customXml/item180.xml><?xml version="1.0" encoding="utf-8"?>
+<Control xmlns="http://schemas.microsoft.com/VisualStudio/2011/storyboarding/control">
+  <Id Name="System.Storyboarding.Icons.ShoppingCart" Revision="1" Stencil="System.Storyboarding.Icons" StencilVersion="0.1"/>
+</Control>
+</file>
+
+<file path=customXml/item181.xml><?xml version="1.0" encoding="utf-8"?>
+<Control xmlns="http://schemas.microsoft.com/VisualStudio/2011/storyboarding/control">
+  <Id Name="System.Storyboarding.Common.DropdownBox" Revision="1" Stencil="System.Storyboarding.Common" StencilVersion="0.1"/>
+</Control>
+</file>
+
+<file path=customXml/item182.xml><?xml version="1.0" encoding="utf-8"?>
+<Control xmlns="http://schemas.microsoft.com/VisualStudio/2011/storyboarding/control">
+  <Id Name="System.Storyboarding.Common.Button" Revision="1" Stencil="System.Storyboarding.Common" StencilVersion="0.1"/>
+</Control>
+</file>
+
+<file path=customXml/item183.xml><?xml version="1.0" encoding="utf-8"?>
 <Control xmlns="http://schemas.microsoft.com/VisualStudio/2011/storyboarding/control">
   <Id Name="System.Storyboarding.Common.Text" Revision="1" Stencil="System.Storyboarding.Common" StencilVersion="0.1"/>
 </Control>
 </file>
 
-<file path=customXml/item156.xml><?xml version="1.0" encoding="utf-8"?>
+<file path=customXml/item184.xml><?xml version="1.0" encoding="utf-8"?>
+<Control xmlns="http://schemas.microsoft.com/VisualStudio/2011/storyboarding/control">
+  <Id Name="System.Storyboarding.Icons.CurvedArrow" Revision="1" Stencil="System.Storyboarding.Icons" StencilVersion="0.1"/>
+</Control>
+</file>
+
+<file path=customXml/item185.xml><?xml version="1.0" encoding="utf-8"?>
+<Control xmlns="http://schemas.microsoft.com/VisualStudio/2011/storyboarding/control">
+  <Id Name="System.Storyboarding.Common.Text" Revision="1" Stencil="System.Storyboarding.Common" StencilVersion="0.1"/>
+</Control>
+</file>
+
+<file path=customXml/item186.xml><?xml version="1.0" encoding="utf-8"?>
+<Control xmlns="http://schemas.microsoft.com/VisualStudio/2011/storyboarding/control">
+  <Id Name="System.Storyboarding.Common.CheckBoxChecked" Revision="1" Stencil="System.Storyboarding.Common" StencilVersion="0.1"/>
+</Control>
+</file>
+
+<file path=customXml/item187.xml><?xml version="1.0" encoding="utf-8"?>
+<Control xmlns="http://schemas.microsoft.com/VisualStudio/2011/storyboarding/control">
+  <Id Name="System.Storyboarding.Common.Text" Revision="1" Stencil="System.Storyboarding.Common" StencilVersion="0.1"/>
+</Control>
+</file>
+
+<file path=customXml/item188.xml><?xml version="1.0" encoding="utf-8"?>
 <Control xmlns="http://schemas.microsoft.com/VisualStudio/2011/storyboarding/control">
   <Id Name="System.Storyboarding.Common.TextInput" Revision="1" Stencil="System.Storyboarding.Common" StencilVersion="0.1"/>
 </Control>
 </file>
 
-<file path=customXml/item157.xml><?xml version="1.0" encoding="utf-8"?>
-<Control xmlns="http://schemas.microsoft.com/VisualStudio/2011/storyboarding/control">
-  <Id Name="System.Storyboarding.Common.Text" Revision="1" Stencil="System.Storyboarding.Common" StencilVersion="0.1"/>
-</Control>
-</file>
-
-<file path=customXml/item158.xml><?xml version="1.0" encoding="utf-8"?>
-<Control xmlns="http://schemas.microsoft.com/VisualStudio/2011/storyboarding/control">
-  <Id Name="System.Storyboarding.Common.TextArea" Revision="1" Stencil="System.Storyboarding.Common" StencilVersion="0.1"/>
-</Control>
-</file>
-
-<file path=customXml/item159.xml><?xml version="1.0" encoding="utf-8"?>
-<Control xmlns="http://schemas.microsoft.com/VisualStudio/2011/storyboarding/control">
-  <Id Name="System.Storyboarding.Icons.Brush" Revision="1" Stencil="System.Storyboarding.Icons" StencilVersion="0.1"/>
-</Control>
-</file>
-
-<file path=customXml/item16.xml><?xml version="1.0" encoding="utf-8"?>
-<Control xmlns="http://schemas.microsoft.com/VisualStudio/2011/storyboarding/control">
-  <Id Name="System.Storyboarding.WindowsDesktop.ToolTip" Revision="1" Stencil="System.Storyboarding.WindowsDesktop" StencilVersion="0.1"/>
-</Control>
-</file>
-
-<file path=customXml/item160.xml><?xml version="1.0" encoding="utf-8"?>
-<Control xmlns="http://schemas.microsoft.com/VisualStudio/2011/storyboarding/control">
-  <Id Name="System.Storyboarding.Icons.TrashCan" Revision="1" Stencil="System.Storyboarding.Icons" StencilVersion="0.1"/>
-</Control>
-</file>
-
-<file path=customXml/item161.xml><?xml version="1.0" encoding="utf-8"?>
-<Control xmlns="http://schemas.microsoft.com/VisualStudio/2011/storyboarding/control">
-  <Id Name="System.Storyboarding.Icons.HandPointer" Revision="1" Stencil="System.Storyboarding.Icons" StencilVersion="0.1"/>
-</Control>
-</file>
-
-<file path=customXml/item162.xml><?xml version="1.0" encoding="utf-8"?>
-<Control xmlns="http://schemas.microsoft.com/VisualStudio/2011/storyboarding/control">
-  <Id Name="System.Storyboarding.Common.Hyperlink" Revision="1" Stencil="System.Storyboarding.Common" StencilVersion="0.1"/>
-</Control>
-</file>
-
-<file path=customXml/item163.xml><?xml version="1.0" encoding="utf-8"?>
-<Control xmlns="http://schemas.microsoft.com/VisualStudio/2011/storyboarding/control">
-  <Id Name="System.Storyboarding.Icons.ShoppingCart" Revision="1" Stencil="System.Storyboarding.Icons" StencilVersion="0.1"/>
-</Control>
-</file>
-
-<file path=customXml/item164.xml><?xml version="1.0" encoding="utf-8"?>
-<Control xmlns="http://schemas.microsoft.com/VisualStudio/2011/storyboarding/control">
-  <Id Name="System.Storyboarding.Common.DataGrid" Revision="1" Stencil="System.Storyboarding.Common" StencilVersion="0.1"/>
-</Control>
-</file>
-
-<file path=customXml/item165.xml><?xml version="1.0" encoding="utf-8"?>
-<Control xmlns="http://schemas.microsoft.com/VisualStudio/2011/storyboarding/control">
-  <Id Name="System.Storyboarding.Common.Text" Revision="1" Stencil="System.Storyboarding.Common" StencilVersion="0.1"/>
-</Control>
-</file>
-
-<file path=customXml/item166.xml><?xml version="1.0" encoding="utf-8"?>
-<Control xmlns="http://schemas.microsoft.com/VisualStudio/2011/storyboarding/control">
-  <Id Name="System.Storyboarding.Common.LinkBar" Revision="1" Stencil="System.Storyboarding.Common" StencilVersion="0.1"/>
-</Control>
-</file>
-
-<file path=customXml/item167.xml><?xml version="1.0" encoding="utf-8"?>
-<Control xmlns="http://schemas.microsoft.com/VisualStudio/2011/storyboarding/control">
-  <Id Name="System.Storyboarding.Icons.HandPointer" Revision="1" Stencil="System.Storyboarding.Icons" StencilVersion="0.1"/>
-</Control>
-</file>
-
-<file path=customXml/item168.xml><?xml version="1.0" encoding="utf-8"?>
-<Control xmlns="http://schemas.microsoft.com/VisualStudio/2011/storyboarding/control">
-  <Id Name="System.Storyboarding.Common.Text" Revision="1" Stencil="System.Storyboarding.Common" StencilVersion="0.1"/>
-</Control>
-</file>
-
-<file path=customXml/item169.xml><?xml version="1.0" encoding="utf-8"?>
-<Control xmlns="http://schemas.microsoft.com/VisualStudio/2011/storyboarding/control">
-  <Id Name="System.Storyboarding.Common.TextArea" Revision="1" Stencil="System.Storyboarding.Common" StencilVersion="0.1"/>
-</Control>
-</file>
-
-<file path=customXml/item17.xml><?xml version="1.0" encoding="utf-8"?>
-<Control xmlns="http://schemas.microsoft.com/VisualStudio/2011/storyboarding/control">
-  <Id Name="System.Storyboarding.Icons.HandPointer" Revision="1" Stencil="System.Storyboarding.Icons" StencilVersion="0.1"/>
-</Control>
-</file>
-
-<file path=customXml/item170.xml><?xml version="1.0" encoding="utf-8"?>
-<Control xmlns="http://schemas.microsoft.com/VisualStudio/2011/storyboarding/control">
-  <Id Name="System.Storyboarding.Common.Hyperlink" Revision="1" Stencil="System.Storyboarding.Common" StencilVersion="0.1"/>
-</Control>
-</file>
-
-<file path=customXml/item171.xml><?xml version="1.0" encoding="utf-8"?>
-<Control xmlns="http://schemas.microsoft.com/VisualStudio/2011/storyboarding/control">
-  <Id Name="System.Storyboarding.Icons.CheckCircle" Revision="1" Stencil="System.Storyboarding.Icons" StencilVersion="0.1"/>
-</Control>
-</file>
-
-<file path=customXml/item172.xml><?xml version="1.0" encoding="utf-8"?>
-<Control xmlns="http://schemas.microsoft.com/VisualStudio/2011/storyboarding/control">
-  <Id Name="System.Storyboarding.Common.TabGroup" Revision="1" Stencil="System.Storyboarding.Common" StencilVersion="0.1"/>
-</Control>
-</file>
-
-<file path=customXml/item173.xml><?xml version="1.0" encoding="utf-8"?>
-<Control xmlns="http://schemas.microsoft.com/VisualStudio/2011/storyboarding/control">
-  <Id Name="System.Storyboarding.Icons.TrashCan" Revision="1" Stencil="System.Storyboarding.Icons" StencilVersion="0.1"/>
-</Control>
-</file>
-
-<file path=customXml/item174.xml><?xml version="1.0" encoding="utf-8"?>
-<Control xmlns="http://schemas.microsoft.com/VisualStudio/2011/storyboarding/control">
-  <Id Name="System.Storyboarding.Icons.HandPointer" Revision="1" Stencil="System.Storyboarding.Icons" StencilVersion="0.1"/>
-</Control>
-</file>
-
-<file path=customXml/item175.xml><?xml version="1.0" encoding="utf-8"?>
-<Control xmlns="http://schemas.microsoft.com/VisualStudio/2011/storyboarding/control">
-  <Id Name="System.Storyboarding.Icons.DownArrow" Revision="1" Stencil="System.Storyboarding.Icons" StencilVersion="0.1"/>
-</Control>
-</file>
-
-<file path=customXml/item176.xml><?xml version="1.0" encoding="utf-8"?>
-<Control xmlns="http://schemas.microsoft.com/VisualStudio/2011/storyboarding/control">
-  <Id Name="System.Storyboarding.Common.DropdownBox" Revision="1" Stencil="System.Storyboarding.Common" StencilVersion="0.1"/>
-</Control>
-</file>
-
-<file path=customXml/item177.xml><?xml version="1.0" encoding="utf-8"?>
-<Control xmlns="http://schemas.microsoft.com/VisualStudio/2011/storyboarding/control">
-  <Id Name="System.Storyboarding.Common.TextInput" Revision="1" Stencil="System.Storyboarding.Common" StencilVersion="0.1"/>
-</Control>
-</file>
-
-<file path=customXml/item178.xml><?xml version="1.0" encoding="utf-8"?>
-<Control xmlns="http://schemas.microsoft.com/VisualStudio/2011/storyboarding/control">
-  <Id Name="System.Storyboarding.Common.RadioButtonUnselected" Revision="1" Stencil="System.Storyboarding.Common" StencilVersion="0.1"/>
-</Control>
-</file>
-
-<file path=customXml/item179.xml><?xml version="1.0" encoding="utf-8"?>
-<Control xmlns="http://schemas.microsoft.com/VisualStudio/2011/storyboarding/control">
-  <Id Name="System.Storyboarding.Common.TextArea" Revision="1" Stencil="System.Storyboarding.Common" StencilVersion="0.1"/>
-</Control>
-</file>
-
-<file path=customXml/item18.xml><?xml version="1.0" encoding="utf-8"?>
-<Control xmlns="http://schemas.microsoft.com/VisualStudio/2011/storyboarding/control">
-  <Id Name="System.Storyboarding.Common.Text" Revision="1" Stencil="System.Storyboarding.Common" StencilVersion="0.1"/>
-</Control>
-</file>
-
-<file path=customXml/item180.xml><?xml version="1.0" encoding="utf-8"?>
-<Control xmlns="http://schemas.microsoft.com/VisualStudio/2011/storyboarding/control">
-  <Id Name="System.Storyboarding.Common.DropdownBox" Revision="1" Stencil="System.Storyboarding.Common" StencilVersion="0.1"/>
-</Control>
-</file>
-
-<file path=customXml/item181.xml><?xml version="1.0" encoding="utf-8"?>
-<Control xmlns="http://schemas.microsoft.com/VisualStudio/2011/storyboarding/control">
-  <Id Name="System.Storyboarding.Common.Text" Revision="1" Stencil="System.Storyboarding.Common" StencilVersion="0.1"/>
-</Control>
-</file>
-
-<file path=customXml/item182.xml><?xml version="1.0" encoding="utf-8"?>
-<Control xmlns="http://schemas.microsoft.com/VisualStudio/2011/storyboarding/control">
-  <Id Name="System.Storyboarding.Icons.ShoppingCart" Revision="1" Stencil="System.Storyboarding.Icons" StencilVersion="0.1"/>
-</Control>
-</file>
-
-<file path=customXml/item183.xml><?xml version="1.0" encoding="utf-8"?>
-<Control xmlns="http://schemas.microsoft.com/VisualStudio/2011/storyboarding/control">
-  <Id Name="System.Storyboarding.Common.TextInput" Revision="1" Stencil="System.Storyboarding.Common" StencilVersion="0.1"/>
-</Control>
-</file>
-
-<file path=customXml/item184.xml><?xml version="1.0" encoding="utf-8"?>
-<Control xmlns="http://schemas.microsoft.com/VisualStudio/2011/storyboarding/control">
-  <Id Name="System.Storyboarding.Common.Text" Revision="1" Stencil="System.Storyboarding.Common" StencilVersion="0.1"/>
-</Control>
-</file>
-
-<file path=customXml/item185.xml><?xml version="1.0" encoding="utf-8"?>
-<Control xmlns="http://schemas.microsoft.com/VisualStudio/2011/storyboarding/control">
-  <Id Name="System.Storyboarding.Common.TextInput" Revision="1" Stencil="System.Storyboarding.Common" StencilVersion="0.1"/>
-</Control>
-</file>
-
-<file path=customXml/item186.xml><?xml version="1.0" encoding="utf-8"?>
-<Control xmlns="http://schemas.microsoft.com/VisualStudio/2011/storyboarding/control">
-  <Id Name="System.Storyboarding.Common.TextInput" Revision="1" Stencil="System.Storyboarding.Common" StencilVersion="0.1"/>
-</Control>
-</file>
-
-<file path=customXml/item187.xml><?xml version="1.0" encoding="utf-8"?>
-<Control xmlns="http://schemas.microsoft.com/VisualStudio/2011/storyboarding/control">
-  <Id Name="System.Storyboarding.Icons.DownArrow" Revision="1" Stencil="System.Storyboarding.Icons" StencilVersion="0.1"/>
-</Control>
-</file>
-
-<file path=customXml/item188.xml><?xml version="1.0" encoding="utf-8"?>
-<Control xmlns="http://schemas.microsoft.com/VisualStudio/2011/storyboarding/control">
-  <Id Name="System.Storyboarding.Icons.Envelope" Revision="1" Stencil="System.Storyboarding.Icons" StencilVersion="0.1"/>
-</Control>
-</file>
-
 <file path=customXml/item189.xml><?xml version="1.0" encoding="utf-8"?>
 <Control xmlns="http://schemas.microsoft.com/VisualStudio/2011/storyboarding/control">
-  <Id Name="System.Storyboarding.Icons.HandPointer" Revision="1" Stencil="System.Storyboarding.Icons" StencilVersion="0.1"/>
+  <Id Name="System.Storyboarding.Common.Button" Revision="1" Stencil="System.Storyboarding.Common" StencilVersion="0.1"/>
 </Control>
 </file>
 
@@ -33223,295 +33258,301 @@
 
 <file path=customXml/item190.xml><?xml version="1.0" encoding="utf-8"?>
 <Control xmlns="http://schemas.microsoft.com/VisualStudio/2011/storyboarding/control">
-  <Id Name="System.Storyboarding.Common.Text" Revision="1" Stencil="System.Storyboarding.Common" StencilVersion="0.1"/>
+  <Id Name="System.Storyboarding.Icons.TrashCan" Revision="1" Stencil="System.Storyboarding.Icons" StencilVersion="0.1"/>
 </Control>
 </file>
 
 <file path=customXml/item191.xml><?xml version="1.0" encoding="utf-8"?>
+<Control xmlns="http://schemas.microsoft.com/VisualStudio/2011/storyboarding/control">
+  <Id Name="System.Storyboarding.Common.TextInput" Revision="1" Stencil="System.Storyboarding.Common" StencilVersion="0.1"/>
+</Control>
+</file>
+
+<file path=customXml/item192.xml><?xml version="1.0" encoding="utf-8"?>
+<Control xmlns="http://schemas.microsoft.com/VisualStudio/2011/storyboarding/control">
+  <Id Name="System.Storyboarding.Common.TextInput" Revision="1" Stencil="System.Storyboarding.Common" StencilVersion="0.1"/>
+</Control>
+</file>
+
+<file path=customXml/item193.xml><?xml version="1.0" encoding="utf-8"?>
+<Control xmlns="http://schemas.microsoft.com/VisualStudio/2011/storyboarding/control">
+  <Id Name="System.Storyboarding.Common.DataGrid" Revision="1" Stencil="System.Storyboarding.Common" StencilVersion="0.1"/>
+</Control>
+</file>
+
+<file path=customXml/item194.xml><?xml version="1.0" encoding="utf-8"?>
+<Control xmlns="http://schemas.microsoft.com/VisualStudio/2011/storyboarding/control">
+  <Id Name="System.Storyboarding.Common.TextArea" Revision="1" Stencil="System.Storyboarding.Common" StencilVersion="0.1"/>
+</Control>
+</file>
+
+<file path=customXml/item195.xml><?xml version="1.0" encoding="utf-8"?>
+<Control xmlns="http://schemas.microsoft.com/VisualStudio/2011/storyboarding/control">
+  <Id Name="System.Storyboarding.Common.TextInput" Revision="1" Stencil="System.Storyboarding.Common" StencilVersion="0.1"/>
+</Control>
+</file>
+
+<file path=customXml/item196.xml><?xml version="1.0" encoding="utf-8"?>
+<Control xmlns="http://schemas.microsoft.com/VisualStudio/2011/storyboarding/control">
+  <Id Name="System.Storyboarding.Icons.CurvedArrow" Revision="1" Stencil="System.Storyboarding.Icons" StencilVersion="0.1"/>
+</Control>
+</file>
+
+<file path=customXml/item197.xml><?xml version="1.0" encoding="utf-8"?>
 <Control xmlns="http://schemas.microsoft.com/VisualStudio/2011/storyboarding/control">
   <Id Name="System.Storyboarding.Common.Button" Revision="1" Stencil="System.Storyboarding.Common" StencilVersion="0.1"/>
 </Control>
 </file>
 
-<file path=customXml/item192.xml><?xml version="1.0" encoding="utf-8"?>
+<file path=customXml/item198.xml><?xml version="1.0" encoding="utf-8"?>
+<Control xmlns="http://schemas.microsoft.com/VisualStudio/2011/storyboarding/control">
+  <Id Name="System.Storyboarding.Common.DropdownBox" Revision="1" Stencil="System.Storyboarding.Common" StencilVersion="0.1"/>
+</Control>
+</file>
+
+<file path=customXml/item199.xml><?xml version="1.0" encoding="utf-8"?>
 <Control xmlns="http://schemas.microsoft.com/VisualStudio/2011/storyboarding/control">
   <Id Name="System.Storyboarding.Common.Text" Revision="1" Stencil="System.Storyboarding.Common" StencilVersion="0.1"/>
 </Control>
 </file>
 
-<file path=customXml/item193.xml><?xml version="1.0" encoding="utf-8"?>
+<file path=customXml/item2.xml><?xml version="1.0" encoding="utf-8"?>
+<Control xmlns="http://schemas.microsoft.com/VisualStudio/2011/storyboarding/control">
+  <Id Name="System.Storyboarding.Icons.DownArrow" Revision="1" Stencil="System.Storyboarding.Icons" StencilVersion="0.1"/>
+</Control>
+</file>
+
+<file path=customXml/item20.xml><?xml version="1.0" encoding="utf-8"?>
+<Control xmlns="http://schemas.microsoft.com/VisualStudio/2011/storyboarding/control">
+  <Id Name="System.Storyboarding.Icons.TrashCan" Revision="1" Stencil="System.Storyboarding.Icons" StencilVersion="0.1"/>
+</Control>
+</file>
+
+<file path=customXml/item200.xml><?xml version="1.0" encoding="utf-8"?>
+<Control xmlns="http://schemas.microsoft.com/VisualStudio/2011/storyboarding/control">
+  <Id Name="System.Storyboarding.Common.Text" Revision="1" Stencil="System.Storyboarding.Common" StencilVersion="0.1"/>
+</Control>
+</file>
+
+<file path=customXml/item201.xml><?xml version="1.0" encoding="utf-8"?>
+<Control xmlns="http://schemas.microsoft.com/VisualStudio/2011/storyboarding/control">
+  <Id Name="System.Storyboarding.Icons.User" Revision="1" Stencil="System.Storyboarding.Icons" StencilVersion="0.1"/>
+</Control>
+</file>
+
+<file path=customXml/item202.xml><?xml version="1.0" encoding="utf-8"?>
+<Control xmlns="http://schemas.microsoft.com/VisualStudio/2011/storyboarding/control">
+  <Id Name="System.Storyboarding.Icons.DownArrow" Revision="1" Stencil="System.Storyboarding.Icons" StencilVersion="0.1"/>
+</Control>
+</file>
+
+<file path=customXml/item203.xml><?xml version="1.0" encoding="utf-8"?>
+<Control xmlns="http://schemas.microsoft.com/VisualStudio/2011/storyboarding/control">
+  <Id Name="System.Storyboarding.Icons.TrashCan" Revision="1" Stencil="System.Storyboarding.Icons" StencilVersion="0.1"/>
+</Control>
+</file>
+
+<file path=customXml/item204.xml><?xml version="1.0" encoding="utf-8"?>
+<Control xmlns="http://schemas.microsoft.com/VisualStudio/2011/storyboarding/control">
+  <Id Name="System.Storyboarding.Icons.CurvedArrow" Revision="1" Stencil="System.Storyboarding.Icons" StencilVersion="0.1"/>
+</Control>
+</file>
+
+<file path=customXml/item205.xml><?xml version="1.0" encoding="utf-8"?>
+<Control xmlns="http://schemas.microsoft.com/VisualStudio/2011/storyboarding/control">
+  <Id Name="System.Storyboarding.Common.TabGroup" Revision="1" Stencil="System.Storyboarding.Common" StencilVersion="0.1"/>
+</Control>
+</file>
+
+<file path=customXml/item206.xml><?xml version="1.0" encoding="utf-8"?>
+<Control xmlns="http://schemas.microsoft.com/VisualStudio/2011/storyboarding/control">
+  <Id Name="System.Storyboarding.Icons.TrashCan" Revision="1" Stencil="System.Storyboarding.Icons" StencilVersion="0.1"/>
+</Control>
+</file>
+
+<file path=customXml/item207.xml><?xml version="1.0" encoding="utf-8"?>
+<Control xmlns="http://schemas.microsoft.com/VisualStudio/2011/storyboarding/control">
+  <Id Name="System.Storyboarding.Common.Text" Revision="1" Stencil="System.Storyboarding.Common" StencilVersion="0.1"/>
+</Control>
+</file>
+
+<file path=customXml/item208.xml><?xml version="1.0" encoding="utf-8"?>
+<Control xmlns="http://schemas.microsoft.com/VisualStudio/2011/storyboarding/control">
+  <Id Name="System.Storyboarding.Icons.DownArrow" Revision="1" Stencil="System.Storyboarding.Icons" StencilVersion="0.1"/>
+</Control>
+</file>
+
+<file path=customXml/item209.xml><?xml version="1.0" encoding="utf-8"?>
+<Control xmlns="http://schemas.microsoft.com/VisualStudio/2011/storyboarding/control">
+  <Id Name="System.Storyboarding.Common.TextInput" Revision="1" Stencil="System.Storyboarding.Common" StencilVersion="0.1"/>
+</Control>
+</file>
+
+<file path=customXml/item21.xml><?xml version="1.0" encoding="utf-8"?>
+<Control xmlns="http://schemas.microsoft.com/VisualStudio/2011/storyboarding/control">
+  <Id Name="System.Storyboarding.Common.Text" Revision="1" Stencil="System.Storyboarding.Common" StencilVersion="0.1"/>
+</Control>
+</file>
+
+<file path=customXml/item210.xml><?xml version="1.0" encoding="utf-8"?>
+<Control xmlns="http://schemas.microsoft.com/VisualStudio/2011/storyboarding/control">
+  <Id Name="System.Storyboarding.Icons.Brush" Revision="1" Stencil="System.Storyboarding.Icons" StencilVersion="0.1"/>
+</Control>
+</file>
+
+<file path=customXml/item211.xml><?xml version="1.0" encoding="utf-8"?>
+<Control xmlns="http://schemas.microsoft.com/VisualStudio/2011/storyboarding/control">
+  <Id Name="System.Storyboarding.WindowsDesktop.ToolTip" Revision="1" Stencil="System.Storyboarding.WindowsDesktop" StencilVersion="0.1"/>
+</Control>
+</file>
+
+<file path=customXml/item212.xml><?xml version="1.0" encoding="utf-8"?>
 <Control xmlns="http://schemas.microsoft.com/VisualStudio/2011/storyboarding/control">
   <Id Name="System.Storyboarding.Common.Button" Revision="1" Stencil="System.Storyboarding.Common" StencilVersion="0.1"/>
 </Control>
 </file>
 
-<file path=customXml/item194.xml><?xml version="1.0" encoding="utf-8"?>
+<file path=customXml/item213.xml><?xml version="1.0" encoding="utf-8"?>
 <Control xmlns="http://schemas.microsoft.com/VisualStudio/2011/storyboarding/control">
-  <Id Name="System.Storyboarding.Icons.Star" Revision="1" Stencil="System.Storyboarding.Icons" StencilVersion="0.1"/>
+  <Id Name="System.Storyboarding.Common.TextInput" Revision="1" Stencil="System.Storyboarding.Common" StencilVersion="0.1"/>
 </Control>
 </file>
 
-<file path=customXml/item195.xml><?xml version="1.0" encoding="utf-8"?>
+<file path=customXml/item214.xml><?xml version="1.0" encoding="utf-8"?>
+<Control xmlns="http://schemas.microsoft.com/VisualStudio/2011/storyboarding/control">
+  <Id Name="System.Storyboarding.Icons.Brush" Revision="1" Stencil="System.Storyboarding.Icons" StencilVersion="0.1"/>
+</Control>
+</file>
+
+<file path=customXml/item215.xml><?xml version="1.0" encoding="utf-8"?>
 <Control xmlns="http://schemas.microsoft.com/VisualStudio/2011/storyboarding/control">
   <Id Name="System.Storyboarding.Common.NumericStepper" Revision="1" Stencil="System.Storyboarding.Common" StencilVersion="0.1"/>
 </Control>
 </file>
 
-<file path=customXml/item196.xml><?xml version="1.0" encoding="utf-8"?>
+<file path=customXml/item216.xml><?xml version="1.0" encoding="utf-8"?>
+<Control xmlns="http://schemas.microsoft.com/VisualStudio/2011/storyboarding/control">
+  <Id Name="System.Storyboarding.Icons.CurvedArrow" Revision="1" Stencil="System.Storyboarding.Icons" StencilVersion="0.1"/>
+</Control>
+</file>
+
+<file path=customXml/item217.xml><?xml version="1.0" encoding="utf-8"?>
+<Control xmlns="http://schemas.microsoft.com/VisualStudio/2011/storyboarding/control">
+  <Id Name="System.Storyboarding.Common.Text" Revision="1" Stencil="System.Storyboarding.Common" StencilVersion="0.1"/>
+</Control>
+</file>
+
+<file path=customXml/item218.xml><?xml version="1.0" encoding="utf-8"?>
+<Control xmlns="http://schemas.microsoft.com/VisualStudio/2011/storyboarding/control">
+  <Id Name="System.Storyboarding.Icons.HandPointer" Revision="1" Stencil="System.Storyboarding.Icons" StencilVersion="0.1"/>
+</Control>
+</file>
+
+<file path=customXml/item219.xml><?xml version="1.0" encoding="utf-8"?>
+<Control xmlns="http://schemas.microsoft.com/VisualStudio/2011/storyboarding/control">
+  <Id Name="System.Storyboarding.Icons.HandPointer" Revision="1" Stencil="System.Storyboarding.Icons" StencilVersion="0.1"/>
+</Control>
+</file>
+
+<file path=customXml/item22.xml><?xml version="1.0" encoding="utf-8"?>
+<Control xmlns="http://schemas.microsoft.com/VisualStudio/2011/storyboarding/control">
+  <Id Name="System.Storyboarding.Common.Text" Revision="1" Stencil="System.Storyboarding.Common" StencilVersion="0.1"/>
+</Control>
+</file>
+
+<file path=customXml/item220.xml><?xml version="1.0" encoding="utf-8"?>
+<Control xmlns="http://schemas.microsoft.com/VisualStudio/2011/storyboarding/control">
+  <Id Name="System.Storyboarding.Common.Text" Revision="1" Stencil="System.Storyboarding.Common" StencilVersion="0.1"/>
+</Control>
+</file>
+
+<file path=customXml/item221.xml><?xml version="1.0" encoding="utf-8"?>
 <Control xmlns="http://schemas.microsoft.com/VisualStudio/2011/storyboarding/control">
   <Id Name="System.Storyboarding.Common.TextInput" Revision="1" Stencil="System.Storyboarding.Common" StencilVersion="0.1"/>
 </Control>
 </file>
 
-<file path=customXml/item197.xml><?xml version="1.0" encoding="utf-8"?>
+<file path=customXml/item222.xml><?xml version="1.0" encoding="utf-8"?>
+<Control xmlns="http://schemas.microsoft.com/VisualStudio/2011/storyboarding/control">
+  <Id Name="System.Storyboarding.Icons.HandPointer" Revision="1" Stencil="System.Storyboarding.Icons" StencilVersion="0.1"/>
+</Control>
+</file>
+
+<file path=customXml/item223.xml><?xml version="1.0" encoding="utf-8"?>
+<Control xmlns="http://schemas.microsoft.com/VisualStudio/2011/storyboarding/control">
+  <Id Name="System.Storyboarding.Icons.Error" Revision="1" Stencil="System.Storyboarding.Icons" StencilVersion="0.1"/>
+</Control>
+</file>
+
+<file path=customXml/item23.xml><?xml version="1.0" encoding="utf-8"?>
+<Control xmlns="http://schemas.microsoft.com/VisualStudio/2011/storyboarding/control">
+  <Id Name="System.Storyboarding.Icons.DownArrow" Revision="1" Stencil="System.Storyboarding.Icons" StencilVersion="0.1"/>
+</Control>
+</file>
+
+<file path=customXml/item24.xml><?xml version="1.0" encoding="utf-8"?>
+<Control xmlns="http://schemas.microsoft.com/VisualStudio/2011/storyboarding/control">
+  <Id Name="System.Storyboarding.Icons.CurvedArrow" Revision="1" Stencil="System.Storyboarding.Icons" StencilVersion="0.1"/>
+</Control>
+</file>
+
+<file path=customXml/item25.xml><?xml version="1.0" encoding="utf-8"?>
+<Control xmlns="http://schemas.microsoft.com/VisualStudio/2011/storyboarding/control">
+  <Id Name="System.Storyboarding.Common.NumericStepper" Revision="1" Stencil="System.Storyboarding.Common" StencilVersion="0.1"/>
+</Control>
+</file>
+
+<file path=customXml/item26.xml><?xml version="1.0" encoding="utf-8"?>
+<Control xmlns="http://schemas.microsoft.com/VisualStudio/2011/storyboarding/control">
+  <Id Name="System.Storyboarding.Icons.SpeechBubble" Revision="1" Stencil="System.Storyboarding.Icons" StencilVersion="0.1"/>
+</Control>
+</file>
+
+<file path=customXml/item27.xml><?xml version="1.0" encoding="utf-8"?>
+<Control xmlns="http://schemas.microsoft.com/VisualStudio/2011/storyboarding/control">
+  <Id Name="System.Storyboarding.Icons.Brush" Revision="1" Stencil="System.Storyboarding.Icons" StencilVersion="0.1"/>
+</Control>
+</file>
+
+<file path=customXml/item28.xml><?xml version="1.0" encoding="utf-8"?>
+<Control xmlns="http://schemas.microsoft.com/VisualStudio/2011/storyboarding/control">
+  <Id Name="System.Storyboarding.Common.TextInput" Revision="1" Stencil="System.Storyboarding.Common" StencilVersion="0.1"/>
+</Control>
+</file>
+
+<file path=customXml/item29.xml><?xml version="1.0" encoding="utf-8"?>
+<Control xmlns="http://schemas.microsoft.com/VisualStudio/2011/storyboarding/control">
+  <Id Name="System.Storyboarding.Common.DropdownBox" Revision="1" Stencil="System.Storyboarding.Common" StencilVersion="0.1"/>
+</Control>
+</file>
+
+<file path=customXml/item3.xml><?xml version="1.0" encoding="utf-8"?>
 <Control xmlns="http://schemas.microsoft.com/VisualStudio/2011/storyboarding/control">
   <Id Name="System.Storyboarding.Common.Text" Revision="1" Stencil="System.Storyboarding.Common" StencilVersion="0.1"/>
 </Control>
 </file>
 
-<file path=customXml/item198.xml><?xml version="1.0" encoding="utf-8"?>
+<file path=customXml/item30.xml><?xml version="1.0" encoding="utf-8"?>
 <Control xmlns="http://schemas.microsoft.com/VisualStudio/2011/storyboarding/control">
-  <Id Name="System.Storyboarding.Common.TextInput" Revision="1" Stencil="System.Storyboarding.Common" StencilVersion="0.1"/>
+  <Id Name="System.Storyboarding.Icons.Error" Revision="1" Stencil="System.Storyboarding.Icons" StencilVersion="0.1"/>
 </Control>
 </file>
 
-<file path=customXml/item199.xml><?xml version="1.0" encoding="utf-8"?>
+<file path=customXml/item31.xml><?xml version="1.0" encoding="utf-8"?>
 <Control xmlns="http://schemas.microsoft.com/VisualStudio/2011/storyboarding/control">
-  <Id Name="System.Storyboarding.Icons.HandPointer" Revision="1" Stencil="System.Storyboarding.Icons" StencilVersion="0.1"/>
+  <Id Name="System.Storyboarding.WindowsDesktop.ToolTip" Revision="1" Stencil="System.Storyboarding.WindowsDesktop" StencilVersion="0.1"/>
 </Control>
 </file>
 
-<file path=customXml/item2.xml><?xml version="1.0" encoding="utf-8"?>
-<Control xmlns="http://schemas.microsoft.com/VisualStudio/2011/storyboarding/control">
-  <Id Name="System.Storyboarding.Icons.SpeechBubble" Revision="1" Stencil="System.Storyboarding.Icons" StencilVersion="0.1"/>
-</Control>
-</file>
-
-<file path=customXml/item20.xml><?xml version="1.0" encoding="utf-8"?>
-<Control xmlns="http://schemas.microsoft.com/VisualStudio/2011/storyboarding/control">
-  <Id Name="System.Storyboarding.Common.TextInput" Revision="1" Stencil="System.Storyboarding.Common" StencilVersion="0.1"/>
-</Control>
-</file>
-
-<file path=customXml/item200.xml><?xml version="1.0" encoding="utf-8"?>
-<Control xmlns="http://schemas.microsoft.com/VisualStudio/2011/storyboarding/control">
-  <Id Name="System.Storyboarding.Icons.Brush" Revision="1" Stencil="System.Storyboarding.Icons" StencilVersion="0.1"/>
-</Control>
-</file>
-
-<file path=customXml/item201.xml><?xml version="1.0" encoding="utf-8"?>
-<Control xmlns="http://schemas.microsoft.com/VisualStudio/2011/storyboarding/control">
-  <Id Name="System.Storyboarding.Common.RadioButtonSelected" Revision="1" Stencil="System.Storyboarding.Common" StencilVersion="0.1"/>
-</Control>
-</file>
-
-<file path=customXml/item202.xml><?xml version="1.0" encoding="utf-8"?>
-<Control xmlns="http://schemas.microsoft.com/VisualStudio/2011/storyboarding/control">
-  <Id Name="System.Storyboarding.Common.TextArea" Revision="1" Stencil="System.Storyboarding.Common" StencilVersion="0.1"/>
-</Control>
-</file>
-
-<file path=customXml/item203.xml><?xml version="1.0" encoding="utf-8"?>
-<Control xmlns="http://schemas.microsoft.com/VisualStudio/2011/storyboarding/control">
-  <Id Name="System.Storyboarding.Common.TextInput" Revision="1" Stencil="System.Storyboarding.Common" StencilVersion="0.1"/>
-</Control>
-</file>
-
-<file path=customXml/item204.xml><?xml version="1.0" encoding="utf-8"?>
+<file path=customXml/item32.xml><?xml version="1.0" encoding="utf-8"?>
 <Control xmlns="http://schemas.microsoft.com/VisualStudio/2011/storyboarding/control">
   <Id Name="System.Storyboarding.Common.Text" Revision="1" Stencil="System.Storyboarding.Common" StencilVersion="0.1"/>
 </Control>
 </file>
 
-<file path=customXml/item205.xml><?xml version="1.0" encoding="utf-8"?>
-<Control xmlns="http://schemas.microsoft.com/VisualStudio/2011/storyboarding/control">
-  <Id Name="System.Storyboarding.Common.Text" Revision="1" Stencil="System.Storyboarding.Common" StencilVersion="0.1"/>
-</Control>
-</file>
-
-<file path=customXml/item206.xml><?xml version="1.0" encoding="utf-8"?>
-<Control xmlns="http://schemas.microsoft.com/VisualStudio/2011/storyboarding/control">
-  <Id Name="System.Storyboarding.Icons.CheckCircle" Revision="1" Stencil="System.Storyboarding.Icons" StencilVersion="0.1"/>
-</Control>
-</file>
-
-<file path=customXml/item207.xml><?xml version="1.0" encoding="utf-8"?>
-<Control xmlns="http://schemas.microsoft.com/VisualStudio/2011/storyboarding/control">
-  <Id Name="System.Storyboarding.Common.Button" Revision="1" Stencil="System.Storyboarding.Common" StencilVersion="0.1"/>
-</Control>
-</file>
-
-<file path=customXml/item208.xml><?xml version="1.0" encoding="utf-8"?>
-<Control xmlns="http://schemas.microsoft.com/VisualStudio/2011/storyboarding/control">
-  <Id Name="System.Storyboarding.Common.Text" Revision="1" Stencil="System.Storyboarding.Common" StencilVersion="0.1"/>
-</Control>
-</file>
-
-<file path=customXml/item209.xml><?xml version="1.0" encoding="utf-8"?>
-<Control xmlns="http://schemas.microsoft.com/VisualStudio/2011/storyboarding/control">
-  <Id Name="System.Storyboarding.Icons.CurvedArrow" Revision="1" Stencil="System.Storyboarding.Icons" StencilVersion="0.1"/>
-</Control>
-</file>
-
-<file path=customXml/item21.xml><?xml version="1.0" encoding="utf-8"?>
-<Control xmlns="http://schemas.microsoft.com/VisualStudio/2011/storyboarding/control">
-  <Id Name="System.Storyboarding.Icons.DownArrow" Revision="1" Stencil="System.Storyboarding.Icons" StencilVersion="0.1"/>
-</Control>
-</file>
-
-<file path=customXml/item210.xml><?xml version="1.0" encoding="utf-8"?>
-<Control xmlns="http://schemas.microsoft.com/VisualStudio/2011/storyboarding/control">
-  <Id Name="System.Storyboarding.Common.Text" Revision="1" Stencil="System.Storyboarding.Common" StencilVersion="0.1"/>
-</Control>
-</file>
-
-<file path=customXml/item211.xml><?xml version="1.0" encoding="utf-8"?>
-<Control xmlns="http://schemas.microsoft.com/VisualStudio/2011/storyboarding/control">
-  <Id Name="System.Storyboarding.Icons.HandPointer" Revision="1" Stencil="System.Storyboarding.Icons" StencilVersion="0.1"/>
-</Control>
-</file>
-
-<file path=customXml/item212.xml><?xml version="1.0" encoding="utf-8"?>
-<Control xmlns="http://schemas.microsoft.com/VisualStudio/2011/storyboarding/control">
-  <Id Name="System.Storyboarding.Icons.CurvedArrow" Revision="1" Stencil="System.Storyboarding.Icons" StencilVersion="0.1"/>
-</Control>
-</file>
-
-<file path=customXml/item213.xml><?xml version="1.0" encoding="utf-8"?>
-<Control xmlns="http://schemas.microsoft.com/VisualStudio/2011/storyboarding/control">
-  <Id Name="System.Storyboarding.WindowsDesktop.ToolTip" Revision="1" Stencil="System.Storyboarding.WindowsDesktop" StencilVersion="0.1"/>
-</Control>
-</file>
-
-<file path=customXml/item214.xml><?xml version="1.0" encoding="utf-8"?>
-<Control xmlns="http://schemas.microsoft.com/VisualStudio/2011/storyboarding/control">
-  <Id Name="System.Storyboarding.Common.DataGrid" Revision="1" Stencil="System.Storyboarding.Common" StencilVersion="0.1"/>
-</Control>
-</file>
-
-<file path=customXml/item215.xml><?xml version="1.0" encoding="utf-8"?>
-<Control xmlns="http://schemas.microsoft.com/VisualStudio/2011/storyboarding/control">
-  <Id Name="System.Storyboarding.Common.Text" Revision="1" Stencil="System.Storyboarding.Common" StencilVersion="0.1"/>
-</Control>
-</file>
-
-<file path=customXml/item216.xml><?xml version="1.0" encoding="utf-8"?>
-<Control xmlns="http://schemas.microsoft.com/VisualStudio/2011/storyboarding/control">
-  <Id Name="System.Storyboarding.Common.Text" Revision="1" Stencil="System.Storyboarding.Common" StencilVersion="0.1"/>
-</Control>
-</file>
-
-<file path=customXml/item217.xml><?xml version="1.0" encoding="utf-8"?>
-<Control xmlns="http://schemas.microsoft.com/VisualStudio/2011/storyboarding/control">
-  <Id Name="System.Storyboarding.Common.NumericStepper" Revision="1" Stencil="System.Storyboarding.Common" StencilVersion="0.1"/>
-</Control>
-</file>
-
-<file path=customXml/item218.xml><?xml version="1.0" encoding="utf-8"?>
-<Control xmlns="http://schemas.microsoft.com/VisualStudio/2011/storyboarding/control">
-  <Id Name="System.Storyboarding.Icons.Envelope" Revision="1" Stencil="System.Storyboarding.Icons" StencilVersion="0.1"/>
-</Control>
-</file>
-
-<file path=customXml/item219.xml><?xml version="1.0" encoding="utf-8"?>
-<Control xmlns="http://schemas.microsoft.com/VisualStudio/2011/storyboarding/control">
-  <Id Name="System.Storyboarding.WindowsDesktop.ToolTip" Revision="1" Stencil="System.Storyboarding.WindowsDesktop" StencilVersion="0.1"/>
-</Control>
-</file>
-
-<file path=customXml/item22.xml><?xml version="1.0" encoding="utf-8"?>
-<Control xmlns="http://schemas.microsoft.com/VisualStudio/2011/storyboarding/control">
-  <Id Name="System.Storyboarding.Icons.DownArrow" Revision="1" Stencil="System.Storyboarding.Icons" StencilVersion="0.1"/>
-</Control>
-</file>
-
-<file path=customXml/item220.xml><?xml version="1.0" encoding="utf-8"?>
-<Control xmlns="http://schemas.microsoft.com/VisualStudio/2011/storyboarding/control">
-  <Id Name="System.Storyboarding.Common.TextInput" Revision="1" Stencil="System.Storyboarding.Common" StencilVersion="0.1"/>
-</Control>
-</file>
-
-<file path=customXml/item221.xml><?xml version="1.0" encoding="utf-8"?>
-<Control xmlns="http://schemas.microsoft.com/VisualStudio/2011/storyboarding/control">
-  <Id Name="System.Storyboarding.Common.Button" Revision="1" Stencil="System.Storyboarding.Common" StencilVersion="0.1"/>
-</Control>
-</file>
-
-<file path=customXml/item222.xml><?xml version="1.0" encoding="utf-8"?>
-<Control xmlns="http://schemas.microsoft.com/VisualStudio/2011/storyboarding/control">
-  <Id Name="System.Storyboarding.Common.Button" Revision="1" Stencil="System.Storyboarding.Common" StencilVersion="0.1"/>
-</Control>
-</file>
-
-<file path=customXml/item23.xml><?xml version="1.0" encoding="utf-8"?>
-<Control xmlns="http://schemas.microsoft.com/VisualStudio/2011/storyboarding/control">
-  <Id Name="System.Storyboarding.Common.Text" Revision="1" Stencil="System.Storyboarding.Common" StencilVersion="0.1"/>
-</Control>
-</file>
-
-<file path=customXml/item24.xml><?xml version="1.0" encoding="utf-8"?>
-<Control xmlns="http://schemas.microsoft.com/VisualStudio/2011/storyboarding/control">
-  <Id Name="System.Storyboarding.Common.RadioButtonUnselected" Revision="1" Stencil="System.Storyboarding.Common" StencilVersion="0.1"/>
-</Control>
-</file>
-
-<file path=customXml/item25.xml><?xml version="1.0" encoding="utf-8"?>
+<file path=customXml/item33.xml><?xml version="1.0" encoding="utf-8"?>
 <Control xmlns="http://schemas.microsoft.com/VisualStudio/2011/storyboarding/control">
   <Id Name="System.Storyboarding.Icons.Star" Revision="1" Stencil="System.Storyboarding.Icons" StencilVersion="0.1"/>
-</Control>
-</file>
-
-<file path=customXml/item26.xml><?xml version="1.0" encoding="utf-8"?>
-<Control xmlns="http://schemas.microsoft.com/VisualStudio/2011/storyboarding/control">
-  <Id Name="System.Storyboarding.Icons.User" Revision="1" Stencil="System.Storyboarding.Icons" StencilVersion="0.1"/>
-</Control>
-</file>
-
-<file path=customXml/item27.xml><?xml version="1.0" encoding="utf-8"?>
-<Control xmlns="http://schemas.microsoft.com/VisualStudio/2011/storyboarding/control">
-  <Id Name="System.Storyboarding.Common.TextInput" Revision="1" Stencil="System.Storyboarding.Common" StencilVersion="0.1"/>
-</Control>
-</file>
-
-<file path=customXml/item28.xml><?xml version="1.0" encoding="utf-8"?>
-<Control xmlns="http://schemas.microsoft.com/VisualStudio/2011/storyboarding/control">
-  <Id Name="System.Storyboarding.Common.Text" Revision="1" Stencil="System.Storyboarding.Common" StencilVersion="0.1"/>
-</Control>
-</file>
-
-<file path=customXml/item29.xml><?xml version="1.0" encoding="utf-8"?>
-<Control xmlns="http://schemas.microsoft.com/VisualStudio/2011/storyboarding/control">
-  <Id Name="System.Storyboarding.Icons.CurvedArrow" Revision="1" Stencil="System.Storyboarding.Icons" StencilVersion="0.1"/>
-</Control>
-</file>
-
-<file path=customXml/item3.xml><?xml version="1.0" encoding="utf-8"?>
-<Control xmlns="http://schemas.microsoft.com/VisualStudio/2011/storyboarding/control">
-  <Id Name="System.Storyboarding.Common.DropdownBox" Revision="1" Stencil="System.Storyboarding.Common" StencilVersion="0.1"/>
-</Control>
-</file>
-
-<file path=customXml/item30.xml><?xml version="1.0" encoding="utf-8"?>
-<Control xmlns="http://schemas.microsoft.com/VisualStudio/2011/storyboarding/control">
-  <Id Name="System.Storyboarding.WindowsDesktop.ToolTip" Revision="1" Stencil="System.Storyboarding.WindowsDesktop" StencilVersion="0.1"/>
-</Control>
-</file>
-
-<file path=customXml/item31.xml><?xml version="1.0" encoding="utf-8"?>
-<Control xmlns="http://schemas.microsoft.com/VisualStudio/2011/storyboarding/control">
-  <Id Name="System.Storyboarding.Common.Text" Revision="1" Stencil="System.Storyboarding.Common" StencilVersion="0.1"/>
-</Control>
-</file>
-
-<file path=customXml/item32.xml><?xml version="1.0" encoding="utf-8"?>
-<Control xmlns="http://schemas.microsoft.com/VisualStudio/2011/storyboarding/control">
-  <Id Name="System.Storyboarding.Common.DropdownBox" Revision="1" Stencil="System.Storyboarding.Common" StencilVersion="0.1"/>
-</Control>
-</file>
-
-<file path=customXml/item33.xml><?xml version="1.0" encoding="utf-8"?>
-<Control xmlns="http://schemas.microsoft.com/VisualStudio/2011/storyboarding/control">
-  <Id Name="System.Storyboarding.Common.LinkBar" Revision="1" Stencil="System.Storyboarding.Common" StencilVersion="0.1"/>
 </Control>
 </file>
 
@@ -33523,121 +33564,121 @@
 
 <file path=customXml/item35.xml><?xml version="1.0" encoding="utf-8"?>
 <Control xmlns="http://schemas.microsoft.com/VisualStudio/2011/storyboarding/control">
-  <Id Name="System.Storyboarding.Common.TextInput" Revision="1" Stencil="System.Storyboarding.Common" StencilVersion="0.1"/>
+  <Id Name="System.Storyboarding.Icons.CheckCircle" Revision="1" Stencil="System.Storyboarding.Icons" StencilVersion="0.1"/>
 </Control>
 </file>
 
 <file path=customXml/item36.xml><?xml version="1.0" encoding="utf-8"?>
-<Control xmlns="http://schemas.microsoft.com/VisualStudio/2011/storyboarding/control">
-  <Id Name="System.Storyboarding.Common.DataGrid" Revision="1" Stencil="System.Storyboarding.Common" StencilVersion="0.1"/>
-</Control>
-</file>
-
-<file path=customXml/item37.xml><?xml version="1.0" encoding="utf-8"?>
-<Control xmlns="http://schemas.microsoft.com/VisualStudio/2011/storyboarding/control">
-  <Id Name="System.Storyboarding.Common.TextInput" Revision="1" Stencil="System.Storyboarding.Common" StencilVersion="0.1"/>
-</Control>
-</file>
-
-<file path=customXml/item38.xml><?xml version="1.0" encoding="utf-8"?>
 <Control xmlns="http://schemas.microsoft.com/VisualStudio/2011/storyboarding/control">
   <Id Name="System.Storyboarding.Common.Text" Revision="1" Stencil="System.Storyboarding.Common" StencilVersion="0.1"/>
 </Control>
 </file>
 
-<file path=customXml/item39.xml><?xml version="1.0" encoding="utf-8"?>
+<file path=customXml/item37.xml><?xml version="1.0" encoding="utf-8"?>
+<Control xmlns="http://schemas.microsoft.com/VisualStudio/2011/storyboarding/control">
+  <Id Name="System.Storyboarding.Icons.CheckCircle" Revision="1" Stencil="System.Storyboarding.Icons" StencilVersion="0.1"/>
+</Control>
+</file>
+
+<file path=customXml/item38.xml><?xml version="1.0" encoding="utf-8"?>
 <Control xmlns="http://schemas.microsoft.com/VisualStudio/2011/storyboarding/control">
   <Id Name="System.Storyboarding.Icons.ShoppingCart" Revision="1" Stencil="System.Storyboarding.Icons" StencilVersion="0.1"/>
 </Control>
 </file>
 
-<file path=customXml/item4.xml><?xml version="1.0" encoding="utf-8"?>
-<Control xmlns="http://schemas.microsoft.com/VisualStudio/2011/storyboarding/control">
-  <Id Name="System.Storyboarding.Icons.CurvedArrow" Revision="1" Stencil="System.Storyboarding.Icons" StencilVersion="0.1"/>
-</Control>
-</file>
-
-<file path=customXml/item40.xml><?xml version="1.0" encoding="utf-8"?>
+<file path=customXml/item39.xml><?xml version="1.0" encoding="utf-8"?>
 <Control xmlns="http://schemas.microsoft.com/VisualStudio/2011/storyboarding/control">
   <Id Name="System.Storyboarding.Common.Text" Revision="1" Stencil="System.Storyboarding.Common" StencilVersion="0.1"/>
 </Control>
 </file>
 
+<file path=customXml/item4.xml><?xml version="1.0" encoding="utf-8"?>
+<Control xmlns="http://schemas.microsoft.com/VisualStudio/2011/storyboarding/control">
+  <Id Name="System.Storyboarding.Common.Text" Revision="1" Stencil="System.Storyboarding.Common" StencilVersion="0.1"/>
+</Control>
+</file>
+
+<file path=customXml/item40.xml><?xml version="1.0" encoding="utf-8"?>
+<Control xmlns="http://schemas.microsoft.com/VisualStudio/2011/storyboarding/control">
+  <Id Name="System.Storyboarding.Common.DropdownBox" Revision="1" Stencil="System.Storyboarding.Common" StencilVersion="0.1"/>
+</Control>
+</file>
+
 <file path=customXml/item41.xml><?xml version="1.0" encoding="utf-8"?>
+<Control xmlns="http://schemas.microsoft.com/VisualStudio/2011/storyboarding/control">
+  <Id Name="System.Storyboarding.Common.Text" Revision="1" Stencil="System.Storyboarding.Common" StencilVersion="0.1"/>
+</Control>
+</file>
+
+<file path=customXml/item42.xml><?xml version="1.0" encoding="utf-8"?>
+<Control xmlns="http://schemas.microsoft.com/VisualStudio/2011/storyboarding/control">
+  <Id Name="System.Storyboarding.Common.RadioButtonSelected" Revision="1" Stencil="System.Storyboarding.Common" StencilVersion="0.1"/>
+</Control>
+</file>
+
+<file path=customXml/item43.xml><?xml version="1.0" encoding="utf-8"?>
 <Control xmlns="http://schemas.microsoft.com/VisualStudio/2011/storyboarding/control">
   <Id Name="System.Storyboarding.Common.Button" Revision="1" Stencil="System.Storyboarding.Common" StencilVersion="0.1"/>
 </Control>
 </file>
 
-<file path=customXml/item42.xml><?xml version="1.0" encoding="utf-8"?>
+<file path=customXml/item44.xml><?xml version="1.0" encoding="utf-8"?>
 <Control xmlns="http://schemas.microsoft.com/VisualStudio/2011/storyboarding/control">
   <Id Name="System.Storyboarding.Common.Text" Revision="1" Stencil="System.Storyboarding.Common" StencilVersion="0.1"/>
 </Control>
 </file>
 
-<file path=customXml/item43.xml><?xml version="1.0" encoding="utf-8"?>
+<file path=customXml/item45.xml><?xml version="1.0" encoding="utf-8"?>
 <Control xmlns="http://schemas.microsoft.com/VisualStudio/2011/storyboarding/control">
-  <Id Name="System.Storyboarding.Icons.CurvedArrow" Revision="1" Stencil="System.Storyboarding.Icons" StencilVersion="0.1"/>
+  <Id Name="System.Storyboarding.Common.LinkBar" Revision="1" Stencil="System.Storyboarding.Common" StencilVersion="0.1"/>
 </Control>
 </file>
 
-<file path=customXml/item44.xml><?xml version="1.0" encoding="utf-8"?>
+<file path=customXml/item46.xml><?xml version="1.0" encoding="utf-8"?>
 <Control xmlns="http://schemas.microsoft.com/VisualStudio/2011/storyboarding/control">
-  <Id Name="System.Storyboarding.Icons.Star" Revision="1" Stencil="System.Storyboarding.Icons" StencilVersion="0.1"/>
+  <Id Name="System.Storyboarding.Common.Hyperlink" Revision="1" Stencil="System.Storyboarding.Common" StencilVersion="0.1"/>
 </Control>
 </file>
 
-<file path=customXml/item45.xml><?xml version="1.0" encoding="utf-8"?>
+<file path=customXml/item47.xml><?xml version="1.0" encoding="utf-8"?>
 <Control xmlns="http://schemas.microsoft.com/VisualStudio/2011/storyboarding/control">
   <Id Name="System.Storyboarding.Icons.Warning" Revision="1" Stencil="System.Storyboarding.Icons" StencilVersion="0.1"/>
 </Control>
 </file>
 
-<file path=customXml/item46.xml><?xml version="1.0" encoding="utf-8"?>
-<Control xmlns="http://schemas.microsoft.com/VisualStudio/2011/storyboarding/control">
-  <Id Name="System.Storyboarding.Common.ScrollbarVertical" RevisionId="68ea164d-c1de-47a5-804f-d4d1290fa524" Stencil="System.Storyboarding.Common" StencilRevisionId="68ea164d-c1de-47a5-804f-d4d1290fa524" StencilVersion="0.1"/>
-</Control>
-</file>
-
-<file path=customXml/item47.xml><?xml version="1.0" encoding="utf-8"?>
-<Control xmlns="http://schemas.microsoft.com/VisualStudio/2011/storyboarding/control">
-  <Id Name="System.Storyboarding.Icons.DownArrow" Revision="1" Stencil="System.Storyboarding.Icons" StencilVersion="0.1"/>
-</Control>
-</file>
-
 <file path=customXml/item48.xml><?xml version="1.0" encoding="utf-8"?>
 <Control xmlns="http://schemas.microsoft.com/VisualStudio/2011/storyboarding/control">
-  <Id Name="System.Storyboarding.Common.DropdownBox" Revision="1" Stencil="System.Storyboarding.Common" StencilVersion="0.1"/>
+  <Id Name="System.Storyboarding.Icons.HandPointer" Revision="1" Stencil="System.Storyboarding.Icons" StencilVersion="0.1"/>
 </Control>
 </file>
 
 <file path=customXml/item49.xml><?xml version="1.0" encoding="utf-8"?>
 <Control xmlns="http://schemas.microsoft.com/VisualStudio/2011/storyboarding/control">
-  <Id Name="System.Storyboarding.Common.Hyperlink" Revision="1" Stencil="System.Storyboarding.Common" StencilVersion="0.1"/>
+  <Id Name="System.Storyboarding.Common.Text" Revision="1" Stencil="System.Storyboarding.Common" StencilVersion="0.1"/>
 </Control>
 </file>
 
 <file path=customXml/item5.xml><?xml version="1.0" encoding="utf-8"?>
 <Control xmlns="http://schemas.microsoft.com/VisualStudio/2011/storyboarding/control">
-  <Id Name="System.Storyboarding.Common.TabGroup" Revision="1" Stencil="System.Storyboarding.Common" StencilVersion="0.1"/>
+  <Id Name="System.Storyboarding.Common.RadioButtonUnselected" Revision="1" Stencil="System.Storyboarding.Common" StencilVersion="0.1"/>
 </Control>
 </file>
 
 <file path=customXml/item50.xml><?xml version="1.0" encoding="utf-8"?>
 <Control xmlns="http://schemas.microsoft.com/VisualStudio/2011/storyboarding/control">
-  <Id Name="System.Storyboarding.Common.Hyperlink" Revision="1" Stencil="System.Storyboarding.Common" StencilVersion="0.1"/>
+  <Id Name="System.Storyboarding.Icons.ShoppingCart" Revision="1" Stencil="System.Storyboarding.Icons" StencilVersion="0.1"/>
 </Control>
 </file>
 
 <file path=customXml/item51.xml><?xml version="1.0" encoding="utf-8"?>
 <Control xmlns="http://schemas.microsoft.com/VisualStudio/2011/storyboarding/control">
-  <Id Name="System.Storyboarding.Common.TextInput" Revision="1" Stencil="System.Storyboarding.Common" StencilVersion="0.1"/>
+  <Id Name="System.Storyboarding.Common.TextArea" Revision="1" Stencil="System.Storyboarding.Common" StencilVersion="0.1"/>
 </Control>
 </file>
 
 <file path=customXml/item52.xml><?xml version="1.0" encoding="utf-8"?>
 <Control xmlns="http://schemas.microsoft.com/VisualStudio/2011/storyboarding/control">
-  <Id Name="System.Storyboarding.Icons.CurvedArrow" Revision="1" Stencil="System.Storyboarding.Icons" StencilVersion="0.1"/>
+  <Id Name="System.Storyboarding.Common.Text" Revision="1" Stencil="System.Storyboarding.Common" StencilVersion="0.1"/>
 </Control>
 </file>
 
@@ -33649,79 +33690,79 @@
 
 <file path=customXml/item54.xml><?xml version="1.0" encoding="utf-8"?>
 <Control xmlns="http://schemas.microsoft.com/VisualStudio/2011/storyboarding/control">
-  <Id Name="System.Storyboarding.Common.Text" Revision="1" Stencil="System.Storyboarding.Common" StencilVersion="0.1"/>
+  <Id Name="System.Storyboarding.Common.TabGroup" Revision="1" Stencil="System.Storyboarding.Common" StencilVersion="0.1"/>
 </Control>
 </file>
 
 <file path=customXml/item55.xml><?xml version="1.0" encoding="utf-8"?>
+<Control xmlns="http://schemas.microsoft.com/VisualStudio/2011/storyboarding/control">
+  <Id Name="System.Storyboarding.Icons.DownArrow" Revision="1" Stencil="System.Storyboarding.Icons" StencilVersion="0.1"/>
+</Control>
+</file>
+
+<file path=customXml/item56.xml><?xml version="1.0" encoding="utf-8"?>
+<Control xmlns="http://schemas.microsoft.com/VisualStudio/2011/storyboarding/control">
+  <Id Name="System.Storyboarding.Icons.HandPointer" Revision="1" Stencil="System.Storyboarding.Icons" StencilVersion="0.1"/>
+</Control>
+</file>
+
+<file path=customXml/item57.xml><?xml version="1.0" encoding="utf-8"?>
+<Control xmlns="http://schemas.microsoft.com/VisualStudio/2011/storyboarding/control">
+  <Id Name="System.Storyboarding.Icons.HandPointer" Revision="1" Stencil="System.Storyboarding.Icons" StencilVersion="0.1"/>
+</Control>
+</file>
+
+<file path=customXml/item58.xml><?xml version="1.0" encoding="utf-8"?>
+<Control xmlns="http://schemas.microsoft.com/VisualStudio/2011/storyboarding/control">
+  <Id Name="System.Storyboarding.Icons.ShoppingCart" Revision="1" Stencil="System.Storyboarding.Icons" StencilVersion="0.1"/>
+</Control>
+</file>
+
+<file path=customXml/item59.xml><?xml version="1.0" encoding="utf-8"?>
+<Control xmlns="http://schemas.microsoft.com/VisualStudio/2011/storyboarding/control">
+  <Id Name="System.Storyboarding.Common.NumericStepper" Revision="1" Stencil="System.Storyboarding.Common" StencilVersion="0.1"/>
+</Control>
+</file>
+
+<file path=customXml/item6.xml><?xml version="1.0" encoding="utf-8"?>
+<Control xmlns="http://schemas.microsoft.com/VisualStudio/2011/storyboarding/control">
+  <Id Name="System.Storyboarding.Icons.CurvedArrow" Revision="1" Stencil="System.Storyboarding.Icons" StencilVersion="0.1"/>
+</Control>
+</file>
+
+<file path=customXml/item60.xml><?xml version="1.0" encoding="utf-8"?>
+<Control xmlns="http://schemas.microsoft.com/VisualStudio/2011/storyboarding/control">
+  <Id Name="System.Storyboarding.Common.RadioButtonSelected" Revision="1" Stencil="System.Storyboarding.Common" StencilVersion="0.1"/>
+</Control>
+</file>
+
+<file path=customXml/item61.xml><?xml version="1.0" encoding="utf-8"?>
 <Control xmlns="http://schemas.microsoft.com/VisualStudio/2011/storyboarding/control">
   <Id Name="System.Storyboarding.Common.Text" Revision="1" Stencil="System.Storyboarding.Common" StencilVersion="0.1"/>
 </Control>
 </file>
 
-<file path=customXml/item56.xml><?xml version="1.0" encoding="utf-8"?>
+<file path=customXml/item62.xml><?xml version="1.0" encoding="utf-8"?>
 <Control xmlns="http://schemas.microsoft.com/VisualStudio/2011/storyboarding/control">
-  <Id Name="System.Storyboarding.WindowsDesktop.ToolTip" Revision="1" Stencil="System.Storyboarding.WindowsDesktop" StencilVersion="0.1"/>
+  <Id Name="System.Storyboarding.Icons.HandPointer" Revision="1" Stencil="System.Storyboarding.Icons" StencilVersion="0.1"/>
 </Control>
 </file>
 
-<file path=customXml/item57.xml><?xml version="1.0" encoding="utf-8"?>
+<file path=customXml/item63.xml><?xml version="1.0" encoding="utf-8"?>
 <Control xmlns="http://schemas.microsoft.com/VisualStudio/2011/storyboarding/control">
-  <Id Name="System.Storyboarding.WindowsDesktop.ToolTip" Revision="1" Stencil="System.Storyboarding.WindowsDesktop" StencilVersion="0.1"/>
+  <Id Name="System.Storyboarding.Common.LinkBar" Revision="1" Stencil="System.Storyboarding.Common" StencilVersion="0.1"/>
 </Control>
 </file>
 
-<file path=customXml/item58.xml><?xml version="1.0" encoding="utf-8"?>
+<file path=customXml/item64.xml><?xml version="1.0" encoding="utf-8"?>
 <Control xmlns="http://schemas.microsoft.com/VisualStudio/2011/storyboarding/control">
-  <Id Name="System.Storyboarding.Icons.Brush" Revision="1" Stencil="System.Storyboarding.Icons" StencilVersion="0.1"/>
+  <Id Name="System.Storyboarding.Icons.DownArrow" Revision="1" Stencil="System.Storyboarding.Icons" StencilVersion="0.1"/>
 </Control>
 </file>
 
-<file path=customXml/item59.xml><?xml version="1.0" encoding="utf-8"?>
-<Control xmlns="http://schemas.microsoft.com/VisualStudio/2011/storyboarding/control">
-  <Id Name="System.Storyboarding.Icons.ShoppingCart" Revision="1" Stencil="System.Storyboarding.Icons" StencilVersion="0.1"/>
-</Control>
-</file>
-
-<file path=customXml/item6.xml><?xml version="1.0" encoding="utf-8"?>
+<file path=customXml/item65.xml><?xml version="1.0" encoding="utf-8"?>
 <Control xmlns="http://schemas.microsoft.com/VisualStudio/2011/storyboarding/control">
   <Id Name="System.Storyboarding.Common.Text" Revision="1" Stencil="System.Storyboarding.Common" StencilVersion="0.1"/>
-</Control>
-</file>
-
-<file path=customXml/item60.xml><?xml version="1.0" encoding="utf-8"?>
-<Control xmlns="http://schemas.microsoft.com/VisualStudio/2011/storyboarding/control">
-  <Id Name="System.Storyboarding.WindowsDesktop.ToolTip" Revision="1" Stencil="System.Storyboarding.WindowsDesktop" StencilVersion="0.1"/>
-</Control>
-</file>
-
-<file path=customXml/item61.xml><?xml version="1.0" encoding="utf-8"?>
-<Control xmlns="http://schemas.microsoft.com/VisualStudio/2011/storyboarding/control">
-  <Id Name="System.Storyboarding.Common.DragSelection" Revision="1" Stencil="System.Storyboarding.Common" StencilVersion="0.1"/>
-</Control>
-</file>
-
-<file path=customXml/item62.xml><?xml version="1.0" encoding="utf-8"?>
-<Control xmlns="http://schemas.microsoft.com/VisualStudio/2011/storyboarding/control">
-  <Id Name="System.Storyboarding.Common.TextInput" Revision="1" Stencil="System.Storyboarding.Common" StencilVersion="0.1"/>
-</Control>
-</file>
-
-<file path=customXml/item63.xml><?xml version="1.0" encoding="utf-8"?>
-<Control xmlns="http://schemas.microsoft.com/VisualStudio/2011/storyboarding/control">
-  <Id Name="System.Storyboarding.Common.Text" Revision="1" Stencil="System.Storyboarding.Common" StencilVersion="0.1"/>
-</Control>
-</file>
-
-<file path=customXml/item64.xml><?xml version="1.0" encoding="utf-8"?>
-<Control xmlns="http://schemas.microsoft.com/VisualStudio/2011/storyboarding/control">
-  <Id Name="System.Storyboarding.Common.NumericStepper" Revision="1" Stencil="System.Storyboarding.Common" StencilVersion="0.1"/>
-</Control>
-</file>
-
-<file path=customXml/item65.xml><?xml version="1.0" encoding="utf-8"?>
-<Control xmlns="http://schemas.microsoft.com/VisualStudio/2011/storyboarding/control">
-  <Id Name="System.Storyboarding.Icons.ShoppingCart" Revision="1" Stencil="System.Storyboarding.Icons" StencilVersion="0.1"/>
 </Control>
 </file>
 
@@ -33739,139 +33780,139 @@
 
 <file path=customXml/item68.xml><?xml version="1.0" encoding="utf-8"?>
 <Control xmlns="http://schemas.microsoft.com/VisualStudio/2011/storyboarding/control">
-  <Id Name="System.Storyboarding.Icons.TrashCan" Revision="1" Stencil="System.Storyboarding.Icons" StencilVersion="0.1"/>
+  <Id Name="System.Storyboarding.Common.Text" Revision="1" Stencil="System.Storyboarding.Common" StencilVersion="0.1"/>
 </Control>
 </file>
 
 <file path=customXml/item69.xml><?xml version="1.0" encoding="utf-8"?>
 <Control xmlns="http://schemas.microsoft.com/VisualStudio/2011/storyboarding/control">
-  <Id Name="System.Storyboarding.Icons.Error" Revision="1" Stencil="System.Storyboarding.Icons" StencilVersion="0.1"/>
+  <Id Name="System.Storyboarding.Common.DataGrid" Revision="1" Stencil="System.Storyboarding.Common" StencilVersion="0.1"/>
 </Control>
 </file>
 
 <file path=customXml/item7.xml><?xml version="1.0" encoding="utf-8"?>
-<Control xmlns="http://schemas.microsoft.com/VisualStudio/2011/storyboarding/control">
-  <Id Name="System.Storyboarding.Icons.CurvedArrow" Revision="1" Stencil="System.Storyboarding.Icons" StencilVersion="0.1"/>
-</Control>
-</file>
-
-<file path=customXml/item70.xml><?xml version="1.0" encoding="utf-8"?>
-<Control xmlns="http://schemas.microsoft.com/VisualStudio/2011/storyboarding/control">
-  <Id Name="System.Storyboarding.Common.RadioButtonSelected" Revision="1" Stencil="System.Storyboarding.Common" StencilVersion="0.1"/>
-</Control>
-</file>
-
-<file path=customXml/item71.xml><?xml version="1.0" encoding="utf-8"?>
-<Control xmlns="http://schemas.microsoft.com/VisualStudio/2011/storyboarding/control">
-  <Id Name="System.Storyboarding.Icons.CurvedArrow" Revision="1" Stencil="System.Storyboarding.Icons" StencilVersion="0.1"/>
-</Control>
-</file>
-
-<file path=customXml/item72.xml><?xml version="1.0" encoding="utf-8"?>
 <Control xmlns="http://schemas.microsoft.com/VisualStudio/2011/storyboarding/control">
   <Id Name="System.Storyboarding.Icons.Brush" Revision="1" Stencil="System.Storyboarding.Icons" StencilVersion="0.1"/>
 </Control>
 </file>
 
-<file path=customXml/item73.xml><?xml version="1.0" encoding="utf-8"?>
+<file path=customXml/item70.xml><?xml version="1.0" encoding="utf-8"?>
 <Control xmlns="http://schemas.microsoft.com/VisualStudio/2011/storyboarding/control">
   <Id Name="System.Storyboarding.Common.Text" Revision="1" Stencil="System.Storyboarding.Common" StencilVersion="0.1"/>
 </Control>
 </file>
 
+<file path=customXml/item71.xml><?xml version="1.0" encoding="utf-8"?>
+<Control xmlns="http://schemas.microsoft.com/VisualStudio/2011/storyboarding/control">
+  <Id Name="System.Storyboarding.Common.Hyperlink" Revision="1" Stencil="System.Storyboarding.Common" StencilVersion="0.1"/>
+</Control>
+</file>
+
+<file path=customXml/item72.xml><?xml version="1.0" encoding="utf-8"?>
+<Control xmlns="http://schemas.microsoft.com/VisualStudio/2011/storyboarding/control">
+  <Id Name="System.Storyboarding.Common.Hyperlink" Revision="1" Stencil="System.Storyboarding.Common" StencilVersion="0.1"/>
+</Control>
+</file>
+
+<file path=customXml/item73.xml><?xml version="1.0" encoding="utf-8"?>
+<Control xmlns="http://schemas.microsoft.com/VisualStudio/2011/storyboarding/control">
+  <Id Name="System.Storyboarding.Icons.Star" Revision="1" Stencil="System.Storyboarding.Icons" StencilVersion="0.1"/>
+</Control>
+</file>
+
 <file path=customXml/item74.xml><?xml version="1.0" encoding="utf-8"?>
+<Control xmlns="http://schemas.microsoft.com/VisualStudio/2011/storyboarding/control">
+  <Id Name="System.Storyboarding.Icons.ShoppingCart" Revision="1" Stencil="System.Storyboarding.Icons" StencilVersion="0.1"/>
+</Control>
+</file>
+
+<file path=customXml/item75.xml><?xml version="1.0" encoding="utf-8"?>
+<Control xmlns="http://schemas.microsoft.com/VisualStudio/2011/storyboarding/control">
+  <Id Name="System.Storyboarding.Common.TextInput" Revision="1" Stencil="System.Storyboarding.Common" StencilVersion="0.1"/>
+</Control>
+</file>
+
+<file path=customXml/item76.xml><?xml version="1.0" encoding="utf-8"?>
+<Control xmlns="http://schemas.microsoft.com/VisualStudio/2011/storyboarding/control">
+  <Id Name="System.Storyboarding.Common.CheckBoxChecked" Revision="1" Stencil="System.Storyboarding.Common" StencilVersion="0.1"/>
+</Control>
+</file>
+
+<file path=customXml/item77.xml><?xml version="1.0" encoding="utf-8"?>
 <Control xmlns="http://schemas.microsoft.com/VisualStudio/2011/storyboarding/control">
   <Id Name="System.Storyboarding.Common.Text" Revision="1" Stencil="System.Storyboarding.Common" StencilVersion="0.1"/>
 </Control>
 </file>
 
-<file path=customXml/item75.xml><?xml version="1.0" encoding="utf-8"?>
+<file path=customXml/item78.xml><?xml version="1.0" encoding="utf-8"?>
+<Control xmlns="http://schemas.microsoft.com/VisualStudio/2011/storyboarding/control">
+  <Id Name="System.Storyboarding.WindowsDesktop.ToolTip" Revision="1" Stencil="System.Storyboarding.WindowsDesktop" StencilVersion="0.1"/>
+</Control>
+</file>
+
+<file path=customXml/item79.xml><?xml version="1.0" encoding="utf-8"?>
+<Control xmlns="http://schemas.microsoft.com/VisualStudio/2011/storyboarding/control">
+  <Id Name="System.Storyboarding.Common.Button" Revision="1" Stencil="System.Storyboarding.Common" StencilVersion="0.1"/>
+</Control>
+</file>
+
+<file path=customXml/item8.xml><?xml version="1.0" encoding="utf-8"?>
+<Control xmlns="http://schemas.microsoft.com/VisualStudio/2011/storyboarding/control">
+  <Id Name="System.Storyboarding.Common.Hyperlink" Revision="1" Stencil="System.Storyboarding.Common" StencilVersion="0.1"/>
+</Control>
+</file>
+
+<file path=customXml/item80.xml><?xml version="1.0" encoding="utf-8"?>
+<Control xmlns="http://schemas.microsoft.com/VisualStudio/2011/storyboarding/control">
+  <Id Name="System.Storyboarding.Common.Text" Revision="1" Stencil="System.Storyboarding.Common" StencilVersion="0.1"/>
+</Control>
+</file>
+
+<file path=customXml/item81.xml><?xml version="1.0" encoding="utf-8"?>
+<Control xmlns="http://schemas.microsoft.com/VisualStudio/2011/storyboarding/control">
+  <Id Name="System.Storyboarding.Common.TextInput" Revision="1" Stencil="System.Storyboarding.Common" StencilVersion="0.1"/>
+</Control>
+</file>
+
+<file path=customXml/item82.xml><?xml version="1.0" encoding="utf-8"?>
+<Control xmlns="http://schemas.microsoft.com/VisualStudio/2011/storyboarding/control">
+  <Id Name="System.Storyboarding.Common.TextInput" Revision="1" Stencil="System.Storyboarding.Common" StencilVersion="0.1"/>
+</Control>
+</file>
+
+<file path=customXml/item83.xml><?xml version="1.0" encoding="utf-8"?>
+<Control xmlns="http://schemas.microsoft.com/VisualStudio/2011/storyboarding/control">
+  <Id Name="System.Storyboarding.Common.TextInput" Revision="1" Stencil="System.Storyboarding.Common" StencilVersion="0.1"/>
+</Control>
+</file>
+
+<file path=customXml/item84.xml><?xml version="1.0" encoding="utf-8"?>
 <Control xmlns="http://schemas.microsoft.com/VisualStudio/2011/storyboarding/control">
   <Id Name="System.Storyboarding.Common.TabGroup" Revision="1" Stencil="System.Storyboarding.Common" StencilVersion="0.1"/>
 </Control>
 </file>
 
-<file path=customXml/item76.xml><?xml version="1.0" encoding="utf-8"?>
-<Control xmlns="http://schemas.microsoft.com/VisualStudio/2011/storyboarding/control">
-  <Id Name="System.Storyboarding.Common.TextInput" Revision="1" Stencil="System.Storyboarding.Common" StencilVersion="0.1"/>
-</Control>
-</file>
-
-<file path=customXml/item77.xml><?xml version="1.0" encoding="utf-8"?>
-<Control xmlns="http://schemas.microsoft.com/VisualStudio/2011/storyboarding/control">
-  <Id Name="System.Storyboarding.Common.TextInput" Revision="1" Stencil="System.Storyboarding.Common" StencilVersion="0.1"/>
-</Control>
-</file>
-
-<file path=customXml/item78.xml><?xml version="1.0" encoding="utf-8"?>
-<Control xmlns="http://schemas.microsoft.com/VisualStudio/2011/storyboarding/control">
-  <Id Name="System.Storyboarding.Common.CheckBoxChecked" Revision="1" Stencil="System.Storyboarding.Common" StencilVersion="0.1"/>
-</Control>
-</file>
-
-<file path=customXml/item79.xml><?xml version="1.0" encoding="utf-8"?>
-<Control xmlns="http://schemas.microsoft.com/VisualStudio/2011/storyboarding/control">
-  <Id Name="System.Storyboarding.Common.NumericStepper" Revision="1" Stencil="System.Storyboarding.Common" StencilVersion="0.1"/>
-</Control>
-</file>
-
-<file path=customXml/item8.xml><?xml version="1.0" encoding="utf-8"?>
-<Control xmlns="http://schemas.microsoft.com/VisualStudio/2011/storyboarding/control">
-  <Id Name="System.Storyboarding.Icons.HandPointer" Revision="1" Stencil="System.Storyboarding.Icons" StencilVersion="0.1"/>
-</Control>
-</file>
-
-<file path=customXml/item80.xml><?xml version="1.0" encoding="utf-8"?>
-<Control xmlns="http://schemas.microsoft.com/VisualStudio/2011/storyboarding/control">
-  <Id Name="System.Storyboarding.Icons.ShoppingCart" Revision="1" Stencil="System.Storyboarding.Icons" StencilVersion="0.1"/>
-</Control>
-</file>
-
-<file path=customXml/item81.xml><?xml version="1.0" encoding="utf-8"?>
+<file path=customXml/item85.xml><?xml version="1.0" encoding="utf-8"?>
 <Control xmlns="http://schemas.microsoft.com/VisualStudio/2011/storyboarding/control">
   <Id Name="System.Storyboarding.Common.Button" Revision="1" Stencil="System.Storyboarding.Common" StencilVersion="0.1"/>
 </Control>
 </file>
 
-<file path=customXml/item82.xml><?xml version="1.0" encoding="utf-8"?>
-<Control xmlns="http://schemas.microsoft.com/VisualStudio/2011/storyboarding/control">
-  <Id Name="System.Storyboarding.Common.Text" Revision="1" Stencil="System.Storyboarding.Common" StencilVersion="0.1"/>
-</Control>
-</file>
-
-<file path=customXml/item83.xml><?xml version="1.0" encoding="utf-8"?>
-<Control xmlns="http://schemas.microsoft.com/VisualStudio/2011/storyboarding/control">
-  <Id Name="System.Storyboarding.Icons.User" Revision="1" Stencil="System.Storyboarding.Icons" StencilVersion="0.1"/>
-</Control>
-</file>
-
-<file path=customXml/item84.xml><?xml version="1.0" encoding="utf-8"?>
-<Control xmlns="http://schemas.microsoft.com/VisualStudio/2011/storyboarding/control">
-  <Id Name="System.Storyboarding.Common.RadioButtonUnselected" Revision="1" Stencil="System.Storyboarding.Common" StencilVersion="0.1"/>
-</Control>
-</file>
-
-<file path=customXml/item85.xml><?xml version="1.0" encoding="utf-8"?>
-<Control xmlns="http://schemas.microsoft.com/VisualStudio/2011/storyboarding/control">
-  <Id Name="System.Storyboarding.Icons.Star" Revision="1" Stencil="System.Storyboarding.Icons" StencilVersion="0.1"/>
-</Control>
-</file>
-
 <file path=customXml/item86.xml><?xml version="1.0" encoding="utf-8"?>
 <Control xmlns="http://schemas.microsoft.com/VisualStudio/2011/storyboarding/control">
-  <Id Name="System.Storyboarding.Common.TextInput" Revision="1" Stencil="System.Storyboarding.Common" StencilVersion="0.1"/>
+  <Id Name="System.Storyboarding.Common.Button" Revision="1" Stencil="System.Storyboarding.Common" StencilVersion="0.1"/>
 </Control>
 </file>
 
 <file path=customXml/item87.xml><?xml version="1.0" encoding="utf-8"?>
 <Control xmlns="http://schemas.microsoft.com/VisualStudio/2011/storyboarding/control">
-  <Id Name="System.Storyboarding.WindowsDesktop.ToolTip" Revision="1" Stencil="System.Storyboarding.WindowsDesktop" StencilVersion="0.1"/>
+  <Id Name="System.Storyboarding.Common.TextArea" Revision="1" Stencil="System.Storyboarding.Common" StencilVersion="0.1"/>
 </Control>
 </file>
 
 <file path=customXml/item88.xml><?xml version="1.0" encoding="utf-8"?>
 <Control xmlns="http://schemas.microsoft.com/VisualStudio/2011/storyboarding/control">
-  <Id Name="System.Storyboarding.Common.TextInput" Revision="1" Stencil="System.Storyboarding.Common" StencilVersion="0.1"/>
+  <Id Name="System.Storyboarding.WindowsDesktop.ToolTip" Revision="1" Stencil="System.Storyboarding.WindowsDesktop" StencilVersion="0.1"/>
 </Control>
 </file>
 
@@ -33889,55 +33930,55 @@
 
 <file path=customXml/item90.xml><?xml version="1.0" encoding="utf-8"?>
 <Control xmlns="http://schemas.microsoft.com/VisualStudio/2011/storyboarding/control">
-  <Id Name="System.Storyboarding.Icons.HandPointer" Revision="1" Stencil="System.Storyboarding.Icons" StencilVersion="0.1"/>
+  <Id Name="System.Storyboarding.Common.Text" Revision="1" Stencil="System.Storyboarding.Common" StencilVersion="0.1"/>
 </Control>
 </file>
 
 <file path=customXml/item91.xml><?xml version="1.0" encoding="utf-8"?>
+<Control xmlns="http://schemas.microsoft.com/VisualStudio/2011/storyboarding/control">
+  <Id Name="System.Storyboarding.Icons.ShoppingCart" Revision="1" Stencil="System.Storyboarding.Icons" StencilVersion="0.1"/>
+</Control>
+</file>
+
+<file path=customXml/item92.xml><?xml version="1.0" encoding="utf-8"?>
+<Control xmlns="http://schemas.microsoft.com/VisualStudio/2011/storyboarding/control">
+  <Id Name="System.Storyboarding.Icons.DownArrow" Revision="1" Stencil="System.Storyboarding.Icons" StencilVersion="0.1"/>
+</Control>
+</file>
+
+<file path=customXml/item93.xml><?xml version="1.0" encoding="utf-8"?>
 <Control xmlns="http://schemas.microsoft.com/VisualStudio/2011/storyboarding/control">
   <Id Name="System.Storyboarding.Common.Text" Revision="1" Stencil="System.Storyboarding.Common" StencilVersion="0.1"/>
 </Control>
 </file>
 
-<file path=customXml/item92.xml><?xml version="1.0" encoding="utf-8"?>
-<Control xmlns="http://schemas.microsoft.com/VisualStudio/2011/storyboarding/control">
-  <Id Name="System.Storyboarding.Icons.Star" Revision="1" Stencil="System.Storyboarding.Icons" StencilVersion="0.1"/>
-</Control>
-</file>
-
-<file path=customXml/item93.xml><?xml version="1.0" encoding="utf-8"?>
-<Control xmlns="http://schemas.microsoft.com/VisualStudio/2011/storyboarding/control">
-  <Id Name="System.Storyboarding.Icons.TrashCan" Revision="1" Stencil="System.Storyboarding.Icons" StencilVersion="0.1"/>
-</Control>
-</file>
-
 <file path=customXml/item94.xml><?xml version="1.0" encoding="utf-8"?>
-<Control xmlns="http://schemas.microsoft.com/VisualStudio/2011/storyboarding/control">
-  <Id Name="System.Storyboarding.Common.Text" Revision="1" Stencil="System.Storyboarding.Common" StencilVersion="0.1"/>
-</Control>
-</file>
-
-<file path=customXml/item95.xml><?xml version="1.0" encoding="utf-8"?>
 <Control xmlns="http://schemas.microsoft.com/VisualStudio/2011/storyboarding/control">
   <Id Name="System.Storyboarding.Common.TextInput" Revision="1" Stencil="System.Storyboarding.Common" StencilVersion="0.1"/>
 </Control>
 </file>
 
-<file path=customXml/item96.xml><?xml version="1.0" encoding="utf-8"?>
-<Control xmlns="http://schemas.microsoft.com/VisualStudio/2011/storyboarding/control">
-  <Id Name="System.Storyboarding.Icons.DownArrow" Revision="1" Stencil="System.Storyboarding.Icons" StencilVersion="0.1"/>
-</Control>
-</file>
-
-<file path=customXml/item97.xml><?xml version="1.0" encoding="utf-8"?>
+<file path=customXml/item95.xml><?xml version="1.0" encoding="utf-8"?>
 <Control xmlns="http://schemas.microsoft.com/VisualStudio/2011/storyboarding/control">
   <Id Name="System.Storyboarding.Icons.User" Revision="1" Stencil="System.Storyboarding.Icons" StencilVersion="0.1"/>
 </Control>
 </file>
 
+<file path=customXml/item96.xml><?xml version="1.0" encoding="utf-8"?>
+<Control xmlns="http://schemas.microsoft.com/VisualStudio/2011/storyboarding/control">
+  <Id Name="System.Storyboarding.Icons.CurvedArrow" Revision="1" Stencil="System.Storyboarding.Icons" StencilVersion="0.1"/>
+</Control>
+</file>
+
+<file path=customXml/item97.xml><?xml version="1.0" encoding="utf-8"?>
+<Control xmlns="http://schemas.microsoft.com/VisualStudio/2011/storyboarding/control">
+  <Id Name="System.Storyboarding.Icons.ShoppingCart" Revision="1" Stencil="System.Storyboarding.Icons" StencilVersion="0.1"/>
+</Control>
+</file>
+
 <file path=customXml/item98.xml><?xml version="1.0" encoding="utf-8"?>
 <Control xmlns="http://schemas.microsoft.com/VisualStudio/2011/storyboarding/control">
-  <Id Name="System.Storyboarding.Icons.ShoppingCart" Revision="1" Stencil="System.Storyboarding.Icons" StencilVersion="0.1"/>
+  <Id Name="System.Storyboarding.Common.Hyperlink" Revision="1" Stencil="System.Storyboarding.Common" StencilVersion="0.1"/>
 </Control>
 </file>
 
@@ -33948,6 +33989,1494 @@
 </file>
 
 <file path=customXml/itemProps1.xml><?xml version="1.0" encoding="utf-8"?>
+<ds:datastoreItem xmlns:ds="http://schemas.openxmlformats.org/officeDocument/2006/customXml" ds:itemID="{27703873-B6CF-4726-BC64-CAF5D1965247}">
+  <ds:schemaRefs>
+    <ds:schemaRef ds:uri="http://schemas.microsoft.com/VisualStudio/2011/storyboarding/control"/>
+  </ds:schemaRefs>
+</ds:datastoreItem>
+</file>
+
+<file path=customXml/itemProps10.xml><?xml version="1.0" encoding="utf-8"?>
+<ds:datastoreItem xmlns:ds="http://schemas.openxmlformats.org/officeDocument/2006/customXml" ds:itemID="{E27BBFB1-FB8A-4416-95F7-69ED22360FD0}">
+  <ds:schemaRefs>
+    <ds:schemaRef ds:uri="http://schemas.microsoft.com/VisualStudio/2011/storyboarding/control"/>
+  </ds:schemaRefs>
+</ds:datastoreItem>
+</file>
+
+<file path=customXml/itemProps100.xml><?xml version="1.0" encoding="utf-8"?>
+<ds:datastoreItem xmlns:ds="http://schemas.openxmlformats.org/officeDocument/2006/customXml" ds:itemID="{28F66DE3-F06A-4555-BE7F-CA7CD35CE06A}">
+  <ds:schemaRefs>
+    <ds:schemaRef ds:uri="http://schemas.microsoft.com/VisualStudio/2011/storyboarding/control"/>
+  </ds:schemaRefs>
+</ds:datastoreItem>
+</file>
+
+<file path=customXml/itemProps101.xml><?xml version="1.0" encoding="utf-8"?>
+<ds:datastoreItem xmlns:ds="http://schemas.openxmlformats.org/officeDocument/2006/customXml" ds:itemID="{EA4EC698-107C-4564-9B1E-0370BF9BB6D4}">
+  <ds:schemaRefs>
+    <ds:schemaRef ds:uri="http://schemas.microsoft.com/VisualStudio/2011/storyboarding/control"/>
+  </ds:schemaRefs>
+</ds:datastoreItem>
+</file>
+
+<file path=customXml/itemProps102.xml><?xml version="1.0" encoding="utf-8"?>
+<ds:datastoreItem xmlns:ds="http://schemas.openxmlformats.org/officeDocument/2006/customXml" ds:itemID="{43873FE5-EB9A-48DD-AD09-897EC7A5B60E}">
+  <ds:schemaRefs>
+    <ds:schemaRef ds:uri="http://schemas.microsoft.com/VisualStudio/2011/storyboarding/control"/>
+  </ds:schemaRefs>
+</ds:datastoreItem>
+</file>
+
+<file path=customXml/itemProps103.xml><?xml version="1.0" encoding="utf-8"?>
+<ds:datastoreItem xmlns:ds="http://schemas.openxmlformats.org/officeDocument/2006/customXml" ds:itemID="{F168EC64-09F0-4E6D-A054-4FF280609036}">
+  <ds:schemaRefs>
+    <ds:schemaRef ds:uri="http://schemas.microsoft.com/VisualStudio/2011/storyboarding/control"/>
+  </ds:schemaRefs>
+</ds:datastoreItem>
+</file>
+
+<file path=customXml/itemProps104.xml><?xml version="1.0" encoding="utf-8"?>
+<ds:datastoreItem xmlns:ds="http://schemas.openxmlformats.org/officeDocument/2006/customXml" ds:itemID="{054211BB-F3B3-4340-84B6-29408AF040DF}">
+  <ds:schemaRefs>
+    <ds:schemaRef ds:uri="http://schemas.microsoft.com/VisualStudio/2011/storyboarding/control"/>
+  </ds:schemaRefs>
+</ds:datastoreItem>
+</file>
+
+<file path=customXml/itemProps105.xml><?xml version="1.0" encoding="utf-8"?>
+<ds:datastoreItem xmlns:ds="http://schemas.openxmlformats.org/officeDocument/2006/customXml" ds:itemID="{1C398AC1-4638-4A46-8F3B-259DD202478E}">
+  <ds:schemaRefs>
+    <ds:schemaRef ds:uri="http://schemas.microsoft.com/VisualStudio/2011/storyboarding/control"/>
+  </ds:schemaRefs>
+</ds:datastoreItem>
+</file>
+
+<file path=customXml/itemProps106.xml><?xml version="1.0" encoding="utf-8"?>
+<ds:datastoreItem xmlns:ds="http://schemas.openxmlformats.org/officeDocument/2006/customXml" ds:itemID="{4089D504-89F9-4F40-B2EF-0FBBE4651254}">
+  <ds:schemaRefs>
+    <ds:schemaRef ds:uri="http://schemas.microsoft.com/VisualStudio/2011/storyboarding/control"/>
+  </ds:schemaRefs>
+</ds:datastoreItem>
+</file>
+
+<file path=customXml/itemProps107.xml><?xml version="1.0" encoding="utf-8"?>
+<ds:datastoreItem xmlns:ds="http://schemas.openxmlformats.org/officeDocument/2006/customXml" ds:itemID="{55B5B6F8-9901-492E-97D6-EAC91518CD9E}">
+  <ds:schemaRefs>
+    <ds:schemaRef ds:uri="http://schemas.microsoft.com/VisualStudio/2011/storyboarding/control"/>
+  </ds:schemaRefs>
+</ds:datastoreItem>
+</file>
+
+<file path=customXml/itemProps108.xml><?xml version="1.0" encoding="utf-8"?>
+<ds:datastoreItem xmlns:ds="http://schemas.openxmlformats.org/officeDocument/2006/customXml" ds:itemID="{368C58DE-69E5-468F-8FEE-B8D0683E2F32}">
+  <ds:schemaRefs>
+    <ds:schemaRef ds:uri="http://schemas.microsoft.com/VisualStudio/2011/storyboarding/control"/>
+  </ds:schemaRefs>
+</ds:datastoreItem>
+</file>
+
+<file path=customXml/itemProps109.xml><?xml version="1.0" encoding="utf-8"?>
+<ds:datastoreItem xmlns:ds="http://schemas.openxmlformats.org/officeDocument/2006/customXml" ds:itemID="{06F9B291-5871-4D41-84EA-E759ADCB386D}">
+  <ds:schemaRefs>
+    <ds:schemaRef ds:uri="http://schemas.microsoft.com/VisualStudio/2011/storyboarding/control"/>
+  </ds:schemaRefs>
+</ds:datastoreItem>
+</file>
+
+<file path=customXml/itemProps11.xml><?xml version="1.0" encoding="utf-8"?>
+<ds:datastoreItem xmlns:ds="http://schemas.openxmlformats.org/officeDocument/2006/customXml" ds:itemID="{A59E3C97-FCC2-46B8-899A-F7C74E57512A}">
+  <ds:schemaRefs>
+    <ds:schemaRef ds:uri="http://schemas.microsoft.com/VisualStudio/2011/storyboarding/control"/>
+  </ds:schemaRefs>
+</ds:datastoreItem>
+</file>
+
+<file path=customXml/itemProps110.xml><?xml version="1.0" encoding="utf-8"?>
+<ds:datastoreItem xmlns:ds="http://schemas.openxmlformats.org/officeDocument/2006/customXml" ds:itemID="{D3D7A4D7-F605-4101-A1D5-24DBF7CA74BA}">
+  <ds:schemaRefs>
+    <ds:schemaRef ds:uri="http://schemas.microsoft.com/VisualStudio/2011/storyboarding/control"/>
+  </ds:schemaRefs>
+</ds:datastoreItem>
+</file>
+
+<file path=customXml/itemProps111.xml><?xml version="1.0" encoding="utf-8"?>
+<ds:datastoreItem xmlns:ds="http://schemas.openxmlformats.org/officeDocument/2006/customXml" ds:itemID="{BF63BC62-A2B6-4DC4-A6F4-7F46DAD5D502}">
+  <ds:schemaRefs>
+    <ds:schemaRef ds:uri="http://schemas.microsoft.com/VisualStudio/2011/storyboarding/control"/>
+  </ds:schemaRefs>
+</ds:datastoreItem>
+</file>
+
+<file path=customXml/itemProps112.xml><?xml version="1.0" encoding="utf-8"?>
+<ds:datastoreItem xmlns:ds="http://schemas.openxmlformats.org/officeDocument/2006/customXml" ds:itemID="{B93CAB6C-9A12-45A2-BD75-D46F9A34749C}">
+  <ds:schemaRefs>
+    <ds:schemaRef ds:uri="http://schemas.microsoft.com/VisualStudio/2011/storyboarding/control"/>
+  </ds:schemaRefs>
+</ds:datastoreItem>
+</file>
+
+<file path=customXml/itemProps113.xml><?xml version="1.0" encoding="utf-8"?>
+<ds:datastoreItem xmlns:ds="http://schemas.openxmlformats.org/officeDocument/2006/customXml" ds:itemID="{62877943-EBF7-4B2F-8C26-9CC99A82D531}">
+  <ds:schemaRefs>
+    <ds:schemaRef ds:uri="http://schemas.microsoft.com/VisualStudio/2011/storyboarding/control"/>
+  </ds:schemaRefs>
+</ds:datastoreItem>
+</file>
+
+<file path=customXml/itemProps114.xml><?xml version="1.0" encoding="utf-8"?>
+<ds:datastoreItem xmlns:ds="http://schemas.openxmlformats.org/officeDocument/2006/customXml" ds:itemID="{3CCD36F2-3425-44F7-9F51-456F0C7CC89C}">
+  <ds:schemaRefs>
+    <ds:schemaRef ds:uri="http://schemas.microsoft.com/VisualStudio/2011/storyboarding/control"/>
+  </ds:schemaRefs>
+</ds:datastoreItem>
+</file>
+
+<file path=customXml/itemProps115.xml><?xml version="1.0" encoding="utf-8"?>
+<ds:datastoreItem xmlns:ds="http://schemas.openxmlformats.org/officeDocument/2006/customXml" ds:itemID="{B8F01AF2-2373-466F-A7AC-411BD9A92C55}">
+  <ds:schemaRefs>
+    <ds:schemaRef ds:uri="http://schemas.microsoft.com/VisualStudio/2011/storyboarding/control"/>
+  </ds:schemaRefs>
+</ds:datastoreItem>
+</file>
+
+<file path=customXml/itemProps116.xml><?xml version="1.0" encoding="utf-8"?>
+<ds:datastoreItem xmlns:ds="http://schemas.openxmlformats.org/officeDocument/2006/customXml" ds:itemID="{B08C1852-3FDB-4CAF-99F1-A71471EFD4E5}">
+  <ds:schemaRefs>
+    <ds:schemaRef ds:uri="http://schemas.microsoft.com/VisualStudio/2011/storyboarding/control"/>
+  </ds:schemaRefs>
+</ds:datastoreItem>
+</file>
+
+<file path=customXml/itemProps117.xml><?xml version="1.0" encoding="utf-8"?>
+<ds:datastoreItem xmlns:ds="http://schemas.openxmlformats.org/officeDocument/2006/customXml" ds:itemID="{BE10085E-8F62-44FE-A6C4-77F3F9B93BFD}">
+  <ds:schemaRefs>
+    <ds:schemaRef ds:uri="http://schemas.microsoft.com/VisualStudio/2011/storyboarding/control"/>
+  </ds:schemaRefs>
+</ds:datastoreItem>
+</file>
+
+<file path=customXml/itemProps118.xml><?xml version="1.0" encoding="utf-8"?>
+<ds:datastoreItem xmlns:ds="http://schemas.openxmlformats.org/officeDocument/2006/customXml" ds:itemID="{9A9FC5EF-7BAE-4716-8A24-B85392335D82}">
+  <ds:schemaRefs>
+    <ds:schemaRef ds:uri="http://schemas.microsoft.com/VisualStudio/2011/storyboarding/control"/>
+  </ds:schemaRefs>
+</ds:datastoreItem>
+</file>
+
+<file path=customXml/itemProps119.xml><?xml version="1.0" encoding="utf-8"?>
+<ds:datastoreItem xmlns:ds="http://schemas.openxmlformats.org/officeDocument/2006/customXml" ds:itemID="{853DF96D-4EE8-438C-B655-6DE5563EAF67}">
+  <ds:schemaRefs>
+    <ds:schemaRef ds:uri="http://schemas.microsoft.com/VisualStudio/2011/storyboarding/control"/>
+  </ds:schemaRefs>
+</ds:datastoreItem>
+</file>
+
+<file path=customXml/itemProps12.xml><?xml version="1.0" encoding="utf-8"?>
+<ds:datastoreItem xmlns:ds="http://schemas.openxmlformats.org/officeDocument/2006/customXml" ds:itemID="{70826E2B-1B9D-49EA-B16E-B2BAED7E59C5}">
+  <ds:schemaRefs>
+    <ds:schemaRef ds:uri="http://schemas.microsoft.com/VisualStudio/2011/storyboarding/control"/>
+  </ds:schemaRefs>
+</ds:datastoreItem>
+</file>
+
+<file path=customXml/itemProps120.xml><?xml version="1.0" encoding="utf-8"?>
+<ds:datastoreItem xmlns:ds="http://schemas.openxmlformats.org/officeDocument/2006/customXml" ds:itemID="{3F432E18-CBCB-42D0-A7E7-33B1387D14AE}">
+  <ds:schemaRefs>
+    <ds:schemaRef ds:uri="http://schemas.microsoft.com/VisualStudio/2011/storyboarding/control"/>
+  </ds:schemaRefs>
+</ds:datastoreItem>
+</file>
+
+<file path=customXml/itemProps121.xml><?xml version="1.0" encoding="utf-8"?>
+<ds:datastoreItem xmlns:ds="http://schemas.openxmlformats.org/officeDocument/2006/customXml" ds:itemID="{86D2007A-49F1-4ED0-9146-5B0CCD907B77}">
+  <ds:schemaRefs>
+    <ds:schemaRef ds:uri="http://schemas.microsoft.com/VisualStudio/2011/storyboarding/control"/>
+  </ds:schemaRefs>
+</ds:datastoreItem>
+</file>
+
+<file path=customXml/itemProps122.xml><?xml version="1.0" encoding="utf-8"?>
+<ds:datastoreItem xmlns:ds="http://schemas.openxmlformats.org/officeDocument/2006/customXml" ds:itemID="{03AF16DA-F379-4635-B53A-84140F8E12F6}">
+  <ds:schemaRefs>
+    <ds:schemaRef ds:uri="http://schemas.microsoft.com/VisualStudio/2011/storyboarding/control"/>
+  </ds:schemaRefs>
+</ds:datastoreItem>
+</file>
+
+<file path=customXml/itemProps123.xml><?xml version="1.0" encoding="utf-8"?>
+<ds:datastoreItem xmlns:ds="http://schemas.openxmlformats.org/officeDocument/2006/customXml" ds:itemID="{695076D8-7FD3-4D50-8422-39FB65B1C7A5}">
+  <ds:schemaRefs>
+    <ds:schemaRef ds:uri="http://schemas.microsoft.com/VisualStudio/2011/storyboarding/control"/>
+  </ds:schemaRefs>
+</ds:datastoreItem>
+</file>
+
+<file path=customXml/itemProps124.xml><?xml version="1.0" encoding="utf-8"?>
+<ds:datastoreItem xmlns:ds="http://schemas.openxmlformats.org/officeDocument/2006/customXml" ds:itemID="{3D180A80-32EA-4B75-B874-79AE921CE972}">
+  <ds:schemaRefs>
+    <ds:schemaRef ds:uri="http://schemas.microsoft.com/VisualStudio/2011/storyboarding/control"/>
+  </ds:schemaRefs>
+</ds:datastoreItem>
+</file>
+
+<file path=customXml/itemProps125.xml><?xml version="1.0" encoding="utf-8"?>
+<ds:datastoreItem xmlns:ds="http://schemas.openxmlformats.org/officeDocument/2006/customXml" ds:itemID="{27BC9990-CADA-45E4-8D2C-621D363CA1D2}">
+  <ds:schemaRefs>
+    <ds:schemaRef ds:uri="http://schemas.microsoft.com/VisualStudio/2011/storyboarding/control"/>
+  </ds:schemaRefs>
+</ds:datastoreItem>
+</file>
+
+<file path=customXml/itemProps126.xml><?xml version="1.0" encoding="utf-8"?>
+<ds:datastoreItem xmlns:ds="http://schemas.openxmlformats.org/officeDocument/2006/customXml" ds:itemID="{BCBCF373-CB4D-4BEC-8AF3-991F699ECE33}">
+  <ds:schemaRefs>
+    <ds:schemaRef ds:uri="http://schemas.microsoft.com/VisualStudio/2011/storyboarding/control"/>
+  </ds:schemaRefs>
+</ds:datastoreItem>
+</file>
+
+<file path=customXml/itemProps127.xml><?xml version="1.0" encoding="utf-8"?>
+<ds:datastoreItem xmlns:ds="http://schemas.openxmlformats.org/officeDocument/2006/customXml" ds:itemID="{1C6D8D7B-D483-43E5-9860-CFC5FF066FDA}">
+  <ds:schemaRefs>
+    <ds:schemaRef ds:uri="http://schemas.microsoft.com/VisualStudio/2011/storyboarding/control"/>
+  </ds:schemaRefs>
+</ds:datastoreItem>
+</file>
+
+<file path=customXml/itemProps128.xml><?xml version="1.0" encoding="utf-8"?>
+<ds:datastoreItem xmlns:ds="http://schemas.openxmlformats.org/officeDocument/2006/customXml" ds:itemID="{CEF68D64-8D51-42AA-8C2A-0AF1FD5D33EE}">
+  <ds:schemaRefs>
+    <ds:schemaRef ds:uri="http://schemas.microsoft.com/VisualStudio/2011/storyboarding/control"/>
+  </ds:schemaRefs>
+</ds:datastoreItem>
+</file>
+
+<file path=customXml/itemProps129.xml><?xml version="1.0" encoding="utf-8"?>
+<ds:datastoreItem xmlns:ds="http://schemas.openxmlformats.org/officeDocument/2006/customXml" ds:itemID="{D5205093-BB2B-40C2-98A8-A9F6399BA396}">
+  <ds:schemaRefs>
+    <ds:schemaRef ds:uri="http://schemas.microsoft.com/VisualStudio/2011/storyboarding/control"/>
+  </ds:schemaRefs>
+</ds:datastoreItem>
+</file>
+
+<file path=customXml/itemProps13.xml><?xml version="1.0" encoding="utf-8"?>
+<ds:datastoreItem xmlns:ds="http://schemas.openxmlformats.org/officeDocument/2006/customXml" ds:itemID="{09EC32C3-91DB-447F-9077-1260E4C1C4F8}">
+  <ds:schemaRefs>
+    <ds:schemaRef ds:uri="http://schemas.microsoft.com/VisualStudio/2011/storyboarding/control"/>
+  </ds:schemaRefs>
+</ds:datastoreItem>
+</file>
+
+<file path=customXml/itemProps130.xml><?xml version="1.0" encoding="utf-8"?>
+<ds:datastoreItem xmlns:ds="http://schemas.openxmlformats.org/officeDocument/2006/customXml" ds:itemID="{395183EE-0496-47AF-AD2A-1DA50A4837A0}">
+  <ds:schemaRefs>
+    <ds:schemaRef ds:uri="http://schemas.microsoft.com/VisualStudio/2011/storyboarding/control"/>
+  </ds:schemaRefs>
+</ds:datastoreItem>
+</file>
+
+<file path=customXml/itemProps131.xml><?xml version="1.0" encoding="utf-8"?>
+<ds:datastoreItem xmlns:ds="http://schemas.openxmlformats.org/officeDocument/2006/customXml" ds:itemID="{1A3141E3-77A5-4D7B-A648-67A53E097886}">
+  <ds:schemaRefs>
+    <ds:schemaRef ds:uri="http://schemas.microsoft.com/VisualStudio/2011/storyboarding/control"/>
+  </ds:schemaRefs>
+</ds:datastoreItem>
+</file>
+
+<file path=customXml/itemProps132.xml><?xml version="1.0" encoding="utf-8"?>
+<ds:datastoreItem xmlns:ds="http://schemas.openxmlformats.org/officeDocument/2006/customXml" ds:itemID="{6C53E6A2-563C-44BA-973B-82523CC06E1A}">
+  <ds:schemaRefs>
+    <ds:schemaRef ds:uri="http://schemas.microsoft.com/VisualStudio/2011/storyboarding/control"/>
+  </ds:schemaRefs>
+</ds:datastoreItem>
+</file>
+
+<file path=customXml/itemProps133.xml><?xml version="1.0" encoding="utf-8"?>
+<ds:datastoreItem xmlns:ds="http://schemas.openxmlformats.org/officeDocument/2006/customXml" ds:itemID="{E1A30748-A830-4B10-A878-3B4756F506F2}">
+  <ds:schemaRefs>
+    <ds:schemaRef ds:uri="http://schemas.microsoft.com/VisualStudio/2011/storyboarding/control"/>
+  </ds:schemaRefs>
+</ds:datastoreItem>
+</file>
+
+<file path=customXml/itemProps134.xml><?xml version="1.0" encoding="utf-8"?>
+<ds:datastoreItem xmlns:ds="http://schemas.openxmlformats.org/officeDocument/2006/customXml" ds:itemID="{EF61CF87-912E-42E7-83EA-9D0202326A8A}">
+  <ds:schemaRefs>
+    <ds:schemaRef ds:uri="http://schemas.microsoft.com/VisualStudio/2011/storyboarding/control"/>
+  </ds:schemaRefs>
+</ds:datastoreItem>
+</file>
+
+<file path=customXml/itemProps135.xml><?xml version="1.0" encoding="utf-8"?>
+<ds:datastoreItem xmlns:ds="http://schemas.openxmlformats.org/officeDocument/2006/customXml" ds:itemID="{07F23B51-ED1D-4CDC-AEE4-3AF7B8CF537D}">
+  <ds:schemaRefs>
+    <ds:schemaRef ds:uri="http://schemas.microsoft.com/VisualStudio/2011/storyboarding/control"/>
+  </ds:schemaRefs>
+</ds:datastoreItem>
+</file>
+
+<file path=customXml/itemProps136.xml><?xml version="1.0" encoding="utf-8"?>
+<ds:datastoreItem xmlns:ds="http://schemas.openxmlformats.org/officeDocument/2006/customXml" ds:itemID="{41143EBA-12C0-4AAC-A584-154BDD30230D}">
+  <ds:schemaRefs>
+    <ds:schemaRef ds:uri="http://schemas.microsoft.com/VisualStudio/2011/storyboarding/control"/>
+  </ds:schemaRefs>
+</ds:datastoreItem>
+</file>
+
+<file path=customXml/itemProps137.xml><?xml version="1.0" encoding="utf-8"?>
+<ds:datastoreItem xmlns:ds="http://schemas.openxmlformats.org/officeDocument/2006/customXml" ds:itemID="{D9AB098F-8B34-4E7B-BAE6-C91A22003145}">
+  <ds:schemaRefs>
+    <ds:schemaRef ds:uri="http://schemas.microsoft.com/VisualStudio/2011/storyboarding/control"/>
+  </ds:schemaRefs>
+</ds:datastoreItem>
+</file>
+
+<file path=customXml/itemProps138.xml><?xml version="1.0" encoding="utf-8"?>
+<ds:datastoreItem xmlns:ds="http://schemas.openxmlformats.org/officeDocument/2006/customXml" ds:itemID="{AF8CA884-7DD1-46A1-BFA1-2F4041F5E690}">
+  <ds:schemaRefs>
+    <ds:schemaRef ds:uri="http://schemas.microsoft.com/VisualStudio/2011/storyboarding/control"/>
+  </ds:schemaRefs>
+</ds:datastoreItem>
+</file>
+
+<file path=customXml/itemProps139.xml><?xml version="1.0" encoding="utf-8"?>
+<ds:datastoreItem xmlns:ds="http://schemas.openxmlformats.org/officeDocument/2006/customXml" ds:itemID="{5A85C3B7-6C9D-42E0-8B08-4473CA0722DF}">
+  <ds:schemaRefs>
+    <ds:schemaRef ds:uri="http://schemas.microsoft.com/VisualStudio/2011/storyboarding/control"/>
+  </ds:schemaRefs>
+</ds:datastoreItem>
+</file>
+
+<file path=customXml/itemProps14.xml><?xml version="1.0" encoding="utf-8"?>
+<ds:datastoreItem xmlns:ds="http://schemas.openxmlformats.org/officeDocument/2006/customXml" ds:itemID="{A3E09688-EFA5-46CD-B9C1-00F13A1D5827}">
+  <ds:schemaRefs>
+    <ds:schemaRef ds:uri="http://schemas.microsoft.com/VisualStudio/2011/storyboarding/control"/>
+  </ds:schemaRefs>
+</ds:datastoreItem>
+</file>
+
+<file path=customXml/itemProps140.xml><?xml version="1.0" encoding="utf-8"?>
+<ds:datastoreItem xmlns:ds="http://schemas.openxmlformats.org/officeDocument/2006/customXml" ds:itemID="{09C8F827-DF5C-4ED5-9B32-F136378B8C20}">
+  <ds:schemaRefs>
+    <ds:schemaRef ds:uri="http://schemas.microsoft.com/VisualStudio/2011/storyboarding/control"/>
+  </ds:schemaRefs>
+</ds:datastoreItem>
+</file>
+
+<file path=customXml/itemProps141.xml><?xml version="1.0" encoding="utf-8"?>
+<ds:datastoreItem xmlns:ds="http://schemas.openxmlformats.org/officeDocument/2006/customXml" ds:itemID="{8656E5FD-1F8F-4C6E-A35E-BF4448E645E4}">
+  <ds:schemaRefs>
+    <ds:schemaRef ds:uri="http://schemas.microsoft.com/VisualStudio/2011/storyboarding/control"/>
+  </ds:schemaRefs>
+</ds:datastoreItem>
+</file>
+
+<file path=customXml/itemProps142.xml><?xml version="1.0" encoding="utf-8"?>
+<ds:datastoreItem xmlns:ds="http://schemas.openxmlformats.org/officeDocument/2006/customXml" ds:itemID="{E998C69E-52BE-44B3-B629-486376A2D891}">
+  <ds:schemaRefs>
+    <ds:schemaRef ds:uri="http://schemas.microsoft.com/VisualStudio/2011/storyboarding/control"/>
+  </ds:schemaRefs>
+</ds:datastoreItem>
+</file>
+
+<file path=customXml/itemProps143.xml><?xml version="1.0" encoding="utf-8"?>
+<ds:datastoreItem xmlns:ds="http://schemas.openxmlformats.org/officeDocument/2006/customXml" ds:itemID="{8D52902D-EE4C-45E4-BD17-114F57A1FFED}">
+  <ds:schemaRefs>
+    <ds:schemaRef ds:uri="http://schemas.microsoft.com/VisualStudio/2011/storyboarding/control"/>
+  </ds:schemaRefs>
+</ds:datastoreItem>
+</file>
+
+<file path=customXml/itemProps144.xml><?xml version="1.0" encoding="utf-8"?>
+<ds:datastoreItem xmlns:ds="http://schemas.openxmlformats.org/officeDocument/2006/customXml" ds:itemID="{180518D7-8922-48BC-AB91-ADFC28D8D753}">
+  <ds:schemaRefs>
+    <ds:schemaRef ds:uri="http://schemas.microsoft.com/VisualStudio/2011/storyboarding/control"/>
+  </ds:schemaRefs>
+</ds:datastoreItem>
+</file>
+
+<file path=customXml/itemProps145.xml><?xml version="1.0" encoding="utf-8"?>
+<ds:datastoreItem xmlns:ds="http://schemas.openxmlformats.org/officeDocument/2006/customXml" ds:itemID="{D70F9E3A-D794-41D0-8FB0-C6970C6F8D98}">
+  <ds:schemaRefs>
+    <ds:schemaRef ds:uri="http://schemas.microsoft.com/VisualStudio/2011/storyboarding/control"/>
+  </ds:schemaRefs>
+</ds:datastoreItem>
+</file>
+
+<file path=customXml/itemProps146.xml><?xml version="1.0" encoding="utf-8"?>
+<ds:datastoreItem xmlns:ds="http://schemas.openxmlformats.org/officeDocument/2006/customXml" ds:itemID="{37CE81D8-9C4B-4E15-A141-0DD4074A0D38}">
+  <ds:schemaRefs>
+    <ds:schemaRef ds:uri="http://schemas.microsoft.com/VisualStudio/2011/storyboarding/control"/>
+  </ds:schemaRefs>
+</ds:datastoreItem>
+</file>
+
+<file path=customXml/itemProps147.xml><?xml version="1.0" encoding="utf-8"?>
+<ds:datastoreItem xmlns:ds="http://schemas.openxmlformats.org/officeDocument/2006/customXml" ds:itemID="{0EAF2948-FD94-49F5-B377-DA8EBE204475}">
+  <ds:schemaRefs>
+    <ds:schemaRef ds:uri="http://schemas.microsoft.com/VisualStudio/2011/storyboarding/control"/>
+  </ds:schemaRefs>
+</ds:datastoreItem>
+</file>
+
+<file path=customXml/itemProps148.xml><?xml version="1.0" encoding="utf-8"?>
+<ds:datastoreItem xmlns:ds="http://schemas.openxmlformats.org/officeDocument/2006/customXml" ds:itemID="{112D8468-F75E-46D9-BF86-CF193261424D}">
+  <ds:schemaRefs>
+    <ds:schemaRef ds:uri="http://schemas.microsoft.com/VisualStudio/2011/storyboarding/control"/>
+  </ds:schemaRefs>
+</ds:datastoreItem>
+</file>
+
+<file path=customXml/itemProps149.xml><?xml version="1.0" encoding="utf-8"?>
+<ds:datastoreItem xmlns:ds="http://schemas.openxmlformats.org/officeDocument/2006/customXml" ds:itemID="{73A1BCFC-48D4-421E-B82B-AD1F06F839DB}">
+  <ds:schemaRefs>
+    <ds:schemaRef ds:uri="http://schemas.microsoft.com/VisualStudio/2011/storyboarding/control"/>
+  </ds:schemaRefs>
+</ds:datastoreItem>
+</file>
+
+<file path=customXml/itemProps15.xml><?xml version="1.0" encoding="utf-8"?>
+<ds:datastoreItem xmlns:ds="http://schemas.openxmlformats.org/officeDocument/2006/customXml" ds:itemID="{1E52AFE8-BD2F-4CEE-9DA3-64378EED1FA3}">
+  <ds:schemaRefs>
+    <ds:schemaRef ds:uri="http://schemas.microsoft.com/VisualStudio/2011/storyboarding/control"/>
+  </ds:schemaRefs>
+</ds:datastoreItem>
+</file>
+
+<file path=customXml/itemProps150.xml><?xml version="1.0" encoding="utf-8"?>
+<ds:datastoreItem xmlns:ds="http://schemas.openxmlformats.org/officeDocument/2006/customXml" ds:itemID="{EC69FA35-EA99-4AB2-9E43-124AE2A4D710}">
+  <ds:schemaRefs>
+    <ds:schemaRef ds:uri="http://schemas.microsoft.com/VisualStudio/2011/storyboarding/control"/>
+  </ds:schemaRefs>
+</ds:datastoreItem>
+</file>
+
+<file path=customXml/itemProps151.xml><?xml version="1.0" encoding="utf-8"?>
+<ds:datastoreItem xmlns:ds="http://schemas.openxmlformats.org/officeDocument/2006/customXml" ds:itemID="{CC7D7D72-AFCC-4840-8AC7-25CD6679F99F}">
+  <ds:schemaRefs>
+    <ds:schemaRef ds:uri="http://schemas.microsoft.com/VisualStudio/2011/storyboarding/control"/>
+  </ds:schemaRefs>
+</ds:datastoreItem>
+</file>
+
+<file path=customXml/itemProps152.xml><?xml version="1.0" encoding="utf-8"?>
+<ds:datastoreItem xmlns:ds="http://schemas.openxmlformats.org/officeDocument/2006/customXml" ds:itemID="{F834A593-E284-4A7C-80ED-D42372AD3AFF}">
+  <ds:schemaRefs>
+    <ds:schemaRef ds:uri="http://schemas.microsoft.com/VisualStudio/2011/storyboarding/control"/>
+  </ds:schemaRefs>
+</ds:datastoreItem>
+</file>
+
+<file path=customXml/itemProps153.xml><?xml version="1.0" encoding="utf-8"?>
+<ds:datastoreItem xmlns:ds="http://schemas.openxmlformats.org/officeDocument/2006/customXml" ds:itemID="{974C45C0-2A3F-42F7-AD70-188C11EC76CD}">
+  <ds:schemaRefs>
+    <ds:schemaRef ds:uri="http://schemas.microsoft.com/VisualStudio/2011/storyboarding/control"/>
+  </ds:schemaRefs>
+</ds:datastoreItem>
+</file>
+
+<file path=customXml/itemProps154.xml><?xml version="1.0" encoding="utf-8"?>
+<ds:datastoreItem xmlns:ds="http://schemas.openxmlformats.org/officeDocument/2006/customXml" ds:itemID="{D44A0BFC-FCD5-4E25-9402-7C3669681F61}">
+  <ds:schemaRefs>
+    <ds:schemaRef ds:uri="http://schemas.microsoft.com/VisualStudio/2011/storyboarding/control"/>
+  </ds:schemaRefs>
+</ds:datastoreItem>
+</file>
+
+<file path=customXml/itemProps155.xml><?xml version="1.0" encoding="utf-8"?>
+<ds:datastoreItem xmlns:ds="http://schemas.openxmlformats.org/officeDocument/2006/customXml" ds:itemID="{E7767417-75CE-4541-BF53-98C3FB6BC7B6}">
+  <ds:schemaRefs>
+    <ds:schemaRef ds:uri="http://schemas.microsoft.com/VisualStudio/2011/storyboarding/control"/>
+  </ds:schemaRefs>
+</ds:datastoreItem>
+</file>
+
+<file path=customXml/itemProps156.xml><?xml version="1.0" encoding="utf-8"?>
+<ds:datastoreItem xmlns:ds="http://schemas.openxmlformats.org/officeDocument/2006/customXml" ds:itemID="{DB2AB7B1-45B1-4AA1-905D-207599224759}">
+  <ds:schemaRefs>
+    <ds:schemaRef ds:uri="http://schemas.microsoft.com/VisualStudio/2011/storyboarding/control"/>
+  </ds:schemaRefs>
+</ds:datastoreItem>
+</file>
+
+<file path=customXml/itemProps157.xml><?xml version="1.0" encoding="utf-8"?>
+<ds:datastoreItem xmlns:ds="http://schemas.openxmlformats.org/officeDocument/2006/customXml" ds:itemID="{65EE52E7-AEEE-4D15-87D5-5F3E901BD57D}">
+  <ds:schemaRefs>
+    <ds:schemaRef ds:uri="http://schemas.microsoft.com/VisualStudio/2011/storyboarding/control"/>
+  </ds:schemaRefs>
+</ds:datastoreItem>
+</file>
+
+<file path=customXml/itemProps158.xml><?xml version="1.0" encoding="utf-8"?>
+<ds:datastoreItem xmlns:ds="http://schemas.openxmlformats.org/officeDocument/2006/customXml" ds:itemID="{2052D048-0AA4-46AE-9EE1-C35C8CED3024}">
+  <ds:schemaRefs>
+    <ds:schemaRef ds:uri="http://schemas.microsoft.com/VisualStudio/2011/storyboarding/control"/>
+  </ds:schemaRefs>
+</ds:datastoreItem>
+</file>
+
+<file path=customXml/itemProps159.xml><?xml version="1.0" encoding="utf-8"?>
+<ds:datastoreItem xmlns:ds="http://schemas.openxmlformats.org/officeDocument/2006/customXml" ds:itemID="{BB08E1D8-D864-4F18-BB84-C71EFF99EB19}">
+  <ds:schemaRefs>
+    <ds:schemaRef ds:uri="http://schemas.microsoft.com/VisualStudio/2011/storyboarding/control"/>
+  </ds:schemaRefs>
+</ds:datastoreItem>
+</file>
+
+<file path=customXml/itemProps16.xml><?xml version="1.0" encoding="utf-8"?>
+<ds:datastoreItem xmlns:ds="http://schemas.openxmlformats.org/officeDocument/2006/customXml" ds:itemID="{531ABAD3-B618-40BF-9584-FD7BA346DEDB}">
+  <ds:schemaRefs>
+    <ds:schemaRef ds:uri="http://schemas.microsoft.com/VisualStudio/2011/storyboarding/control"/>
+  </ds:schemaRefs>
+</ds:datastoreItem>
+</file>
+
+<file path=customXml/itemProps160.xml><?xml version="1.0" encoding="utf-8"?>
+<ds:datastoreItem xmlns:ds="http://schemas.openxmlformats.org/officeDocument/2006/customXml" ds:itemID="{8DAC1539-EE00-4235-AB6E-3D689442BEDF}">
+  <ds:schemaRefs>
+    <ds:schemaRef ds:uri="http://schemas.microsoft.com/VisualStudio/2011/storyboarding/control"/>
+  </ds:schemaRefs>
+</ds:datastoreItem>
+</file>
+
+<file path=customXml/itemProps161.xml><?xml version="1.0" encoding="utf-8"?>
+<ds:datastoreItem xmlns:ds="http://schemas.openxmlformats.org/officeDocument/2006/customXml" ds:itemID="{497383C0-2E4A-4ECC-8F9C-9D91C78BDFF7}">
+  <ds:schemaRefs>
+    <ds:schemaRef ds:uri="http://schemas.microsoft.com/VisualStudio/2011/storyboarding/control"/>
+  </ds:schemaRefs>
+</ds:datastoreItem>
+</file>
+
+<file path=customXml/itemProps162.xml><?xml version="1.0" encoding="utf-8"?>
+<ds:datastoreItem xmlns:ds="http://schemas.openxmlformats.org/officeDocument/2006/customXml" ds:itemID="{95092CEC-1781-4AE5-B476-383C03B095B2}">
+  <ds:schemaRefs>
+    <ds:schemaRef ds:uri="http://schemas.microsoft.com/VisualStudio/2011/storyboarding/control"/>
+  </ds:schemaRefs>
+</ds:datastoreItem>
+</file>
+
+<file path=customXml/itemProps163.xml><?xml version="1.0" encoding="utf-8"?>
+<ds:datastoreItem xmlns:ds="http://schemas.openxmlformats.org/officeDocument/2006/customXml" ds:itemID="{347AD84A-A5B8-4538-A522-0B53C330B912}">
+  <ds:schemaRefs>
+    <ds:schemaRef ds:uri="http://schemas.microsoft.com/VisualStudio/2011/storyboarding/control"/>
+  </ds:schemaRefs>
+</ds:datastoreItem>
+</file>
+
+<file path=customXml/itemProps164.xml><?xml version="1.0" encoding="utf-8"?>
+<ds:datastoreItem xmlns:ds="http://schemas.openxmlformats.org/officeDocument/2006/customXml" ds:itemID="{862FA17A-2C6F-4CD8-B507-10CA7CC09A8F}">
+  <ds:schemaRefs>
+    <ds:schemaRef ds:uri="http://schemas.microsoft.com/VisualStudio/2011/storyboarding/control"/>
+  </ds:schemaRefs>
+</ds:datastoreItem>
+</file>
+
+<file path=customXml/itemProps165.xml><?xml version="1.0" encoding="utf-8"?>
+<ds:datastoreItem xmlns:ds="http://schemas.openxmlformats.org/officeDocument/2006/customXml" ds:itemID="{F7CD6DE8-E3CA-41AD-BDF6-29CE07D429DA}">
+  <ds:schemaRefs>
+    <ds:schemaRef ds:uri="http://schemas.microsoft.com/VisualStudio/2011/storyboarding/control"/>
+  </ds:schemaRefs>
+</ds:datastoreItem>
+</file>
+
+<file path=customXml/itemProps166.xml><?xml version="1.0" encoding="utf-8"?>
+<ds:datastoreItem xmlns:ds="http://schemas.openxmlformats.org/officeDocument/2006/customXml" ds:itemID="{8C8CFCAC-8046-4140-920F-E6AB5C58629F}">
+  <ds:schemaRefs>
+    <ds:schemaRef ds:uri="http://schemas.microsoft.com/VisualStudio/2011/storyboarding/control"/>
+  </ds:schemaRefs>
+</ds:datastoreItem>
+</file>
+
+<file path=customXml/itemProps167.xml><?xml version="1.0" encoding="utf-8"?>
+<ds:datastoreItem xmlns:ds="http://schemas.openxmlformats.org/officeDocument/2006/customXml" ds:itemID="{9BF50CE8-CF32-4606-8DE6-3101ABBDD070}">
+  <ds:schemaRefs>
+    <ds:schemaRef ds:uri="http://schemas.microsoft.com/VisualStudio/2011/storyboarding/control"/>
+  </ds:schemaRefs>
+</ds:datastoreItem>
+</file>
+
+<file path=customXml/itemProps168.xml><?xml version="1.0" encoding="utf-8"?>
+<ds:datastoreItem xmlns:ds="http://schemas.openxmlformats.org/officeDocument/2006/customXml" ds:itemID="{8F4AEAB7-A1F2-4C56-BB84-85C7FC9250AF}">
+  <ds:schemaRefs>
+    <ds:schemaRef ds:uri="http://schemas.microsoft.com/VisualStudio/2011/storyboarding/control"/>
+  </ds:schemaRefs>
+</ds:datastoreItem>
+</file>
+
+<file path=customXml/itemProps169.xml><?xml version="1.0" encoding="utf-8"?>
+<ds:datastoreItem xmlns:ds="http://schemas.openxmlformats.org/officeDocument/2006/customXml" ds:itemID="{A147C2B5-40E8-429C-BE34-7938697C5C66}">
+  <ds:schemaRefs>
+    <ds:schemaRef ds:uri="http://schemas.microsoft.com/VisualStudio/2011/storyboarding/control"/>
+  </ds:schemaRefs>
+</ds:datastoreItem>
+</file>
+
+<file path=customXml/itemProps17.xml><?xml version="1.0" encoding="utf-8"?>
+<ds:datastoreItem xmlns:ds="http://schemas.openxmlformats.org/officeDocument/2006/customXml" ds:itemID="{88FF388B-936F-494E-A575-6D8128D38F2C}">
+  <ds:schemaRefs>
+    <ds:schemaRef ds:uri="http://schemas.microsoft.com/VisualStudio/2011/storyboarding/control"/>
+  </ds:schemaRefs>
+</ds:datastoreItem>
+</file>
+
+<file path=customXml/itemProps170.xml><?xml version="1.0" encoding="utf-8"?>
+<ds:datastoreItem xmlns:ds="http://schemas.openxmlformats.org/officeDocument/2006/customXml" ds:itemID="{CF6A60AE-6D84-4733-81BB-5121E0FFC000}">
+  <ds:schemaRefs>
+    <ds:schemaRef ds:uri="http://schemas.microsoft.com/VisualStudio/2011/storyboarding/control"/>
+  </ds:schemaRefs>
+</ds:datastoreItem>
+</file>
+
+<file path=customXml/itemProps171.xml><?xml version="1.0" encoding="utf-8"?>
+<ds:datastoreItem xmlns:ds="http://schemas.openxmlformats.org/officeDocument/2006/customXml" ds:itemID="{94912295-7C01-4B28-8ED1-BD643E7EF7F9}">
+  <ds:schemaRefs>
+    <ds:schemaRef ds:uri="http://schemas.microsoft.com/VisualStudio/2011/storyboarding/control"/>
+  </ds:schemaRefs>
+</ds:datastoreItem>
+</file>
+
+<file path=customXml/itemProps172.xml><?xml version="1.0" encoding="utf-8"?>
+<ds:datastoreItem xmlns:ds="http://schemas.openxmlformats.org/officeDocument/2006/customXml" ds:itemID="{E4B5B485-683D-4DEA-B56B-01CED7BABF5B}">
+  <ds:schemaRefs>
+    <ds:schemaRef ds:uri="http://schemas.microsoft.com/VisualStudio/2011/storyboarding/control"/>
+  </ds:schemaRefs>
+</ds:datastoreItem>
+</file>
+
+<file path=customXml/itemProps173.xml><?xml version="1.0" encoding="utf-8"?>
+<ds:datastoreItem xmlns:ds="http://schemas.openxmlformats.org/officeDocument/2006/customXml" ds:itemID="{1D2F86E7-F0DE-4A22-9F6E-984F9F81447F}">
+  <ds:schemaRefs>
+    <ds:schemaRef ds:uri="http://schemas.microsoft.com/VisualStudio/2011/storyboarding/control"/>
+  </ds:schemaRefs>
+</ds:datastoreItem>
+</file>
+
+<file path=customXml/itemProps174.xml><?xml version="1.0" encoding="utf-8"?>
+<ds:datastoreItem xmlns:ds="http://schemas.openxmlformats.org/officeDocument/2006/customXml" ds:itemID="{47D5C557-1651-48F6-8155-1FB19872772E}">
+  <ds:schemaRefs>
+    <ds:schemaRef ds:uri="http://schemas.microsoft.com/VisualStudio/2011/storyboarding/control"/>
+  </ds:schemaRefs>
+</ds:datastoreItem>
+</file>
+
+<file path=customXml/itemProps175.xml><?xml version="1.0" encoding="utf-8"?>
+<ds:datastoreItem xmlns:ds="http://schemas.openxmlformats.org/officeDocument/2006/customXml" ds:itemID="{67B2DD84-806A-40A8-8D83-C607630EC413}">
+  <ds:schemaRefs>
+    <ds:schemaRef ds:uri="http://schemas.microsoft.com/VisualStudio/2011/storyboarding/control"/>
+  </ds:schemaRefs>
+</ds:datastoreItem>
+</file>
+
+<file path=customXml/itemProps176.xml><?xml version="1.0" encoding="utf-8"?>
+<ds:datastoreItem xmlns:ds="http://schemas.openxmlformats.org/officeDocument/2006/customXml" ds:itemID="{80E22E08-A44B-4F15-91AF-630E8B14853E}">
+  <ds:schemaRefs>
+    <ds:schemaRef ds:uri="http://schemas.microsoft.com/VisualStudio/2011/storyboarding/control"/>
+  </ds:schemaRefs>
+</ds:datastoreItem>
+</file>
+
+<file path=customXml/itemProps177.xml><?xml version="1.0" encoding="utf-8"?>
+<ds:datastoreItem xmlns:ds="http://schemas.openxmlformats.org/officeDocument/2006/customXml" ds:itemID="{7DF39149-FE61-41DB-A273-C2A27AB1224B}">
+  <ds:schemaRefs>
+    <ds:schemaRef ds:uri="http://schemas.microsoft.com/VisualStudio/2011/storyboarding/control"/>
+  </ds:schemaRefs>
+</ds:datastoreItem>
+</file>
+
+<file path=customXml/itemProps178.xml><?xml version="1.0" encoding="utf-8"?>
+<ds:datastoreItem xmlns:ds="http://schemas.openxmlformats.org/officeDocument/2006/customXml" ds:itemID="{13E6BBC8-B658-48E7-A464-249B862EC920}">
+  <ds:schemaRefs>
+    <ds:schemaRef ds:uri="http://schemas.microsoft.com/VisualStudio/2011/storyboarding/control"/>
+  </ds:schemaRefs>
+</ds:datastoreItem>
+</file>
+
+<file path=customXml/itemProps179.xml><?xml version="1.0" encoding="utf-8"?>
+<ds:datastoreItem xmlns:ds="http://schemas.openxmlformats.org/officeDocument/2006/customXml" ds:itemID="{6D23DAD7-E0D9-4241-A4DB-204A0F380A76}">
+  <ds:schemaRefs>
+    <ds:schemaRef ds:uri="http://schemas.microsoft.com/VisualStudio/2011/storyboarding/control"/>
+  </ds:schemaRefs>
+</ds:datastoreItem>
+</file>
+
+<file path=customXml/itemProps18.xml><?xml version="1.0" encoding="utf-8"?>
+<ds:datastoreItem xmlns:ds="http://schemas.openxmlformats.org/officeDocument/2006/customXml" ds:itemID="{D32A8E94-96EB-41E2-B448-91979CF47864}">
+  <ds:schemaRefs>
+    <ds:schemaRef ds:uri="http://schemas.microsoft.com/VisualStudio/2011/storyboarding/control"/>
+  </ds:schemaRefs>
+</ds:datastoreItem>
+</file>
+
+<file path=customXml/itemProps180.xml><?xml version="1.0" encoding="utf-8"?>
+<ds:datastoreItem xmlns:ds="http://schemas.openxmlformats.org/officeDocument/2006/customXml" ds:itemID="{9A9F71E7-630C-41F7-9E54-34C094B490EC}">
+  <ds:schemaRefs>
+    <ds:schemaRef ds:uri="http://schemas.microsoft.com/VisualStudio/2011/storyboarding/control"/>
+  </ds:schemaRefs>
+</ds:datastoreItem>
+</file>
+
+<file path=customXml/itemProps181.xml><?xml version="1.0" encoding="utf-8"?>
+<ds:datastoreItem xmlns:ds="http://schemas.openxmlformats.org/officeDocument/2006/customXml" ds:itemID="{77DE4C39-3FB1-4D02-AB13-E2FD2FB0785B}">
+  <ds:schemaRefs>
+    <ds:schemaRef ds:uri="http://schemas.microsoft.com/VisualStudio/2011/storyboarding/control"/>
+  </ds:schemaRefs>
+</ds:datastoreItem>
+</file>
+
+<file path=customXml/itemProps182.xml><?xml version="1.0" encoding="utf-8"?>
+<ds:datastoreItem xmlns:ds="http://schemas.openxmlformats.org/officeDocument/2006/customXml" ds:itemID="{F5008AB0-B7EF-4B51-AFAE-ADD814E2C892}">
+  <ds:schemaRefs>
+    <ds:schemaRef ds:uri="http://schemas.microsoft.com/VisualStudio/2011/storyboarding/control"/>
+  </ds:schemaRefs>
+</ds:datastoreItem>
+</file>
+
+<file path=customXml/itemProps183.xml><?xml version="1.0" encoding="utf-8"?>
+<ds:datastoreItem xmlns:ds="http://schemas.openxmlformats.org/officeDocument/2006/customXml" ds:itemID="{293C552B-537F-4CBF-AE7C-3DD4C0D784A5}">
+  <ds:schemaRefs>
+    <ds:schemaRef ds:uri="http://schemas.microsoft.com/VisualStudio/2011/storyboarding/control"/>
+  </ds:schemaRefs>
+</ds:datastoreItem>
+</file>
+
+<file path=customXml/itemProps184.xml><?xml version="1.0" encoding="utf-8"?>
+<ds:datastoreItem xmlns:ds="http://schemas.openxmlformats.org/officeDocument/2006/customXml" ds:itemID="{298CA2B6-AFE4-4E49-A39E-6F28F243F39E}">
+  <ds:schemaRefs>
+    <ds:schemaRef ds:uri="http://schemas.microsoft.com/VisualStudio/2011/storyboarding/control"/>
+  </ds:schemaRefs>
+</ds:datastoreItem>
+</file>
+
+<file path=customXml/itemProps185.xml><?xml version="1.0" encoding="utf-8"?>
+<ds:datastoreItem xmlns:ds="http://schemas.openxmlformats.org/officeDocument/2006/customXml" ds:itemID="{7387757C-924F-48E4-BB13-EE3C0DC40C7C}">
+  <ds:schemaRefs>
+    <ds:schemaRef ds:uri="http://schemas.microsoft.com/VisualStudio/2011/storyboarding/control"/>
+  </ds:schemaRefs>
+</ds:datastoreItem>
+</file>
+
+<file path=customXml/itemProps186.xml><?xml version="1.0" encoding="utf-8"?>
+<ds:datastoreItem xmlns:ds="http://schemas.openxmlformats.org/officeDocument/2006/customXml" ds:itemID="{E97CE4A6-9C01-4E1C-AE95-A570F68F4499}">
+  <ds:schemaRefs>
+    <ds:schemaRef ds:uri="http://schemas.microsoft.com/VisualStudio/2011/storyboarding/control"/>
+  </ds:schemaRefs>
+</ds:datastoreItem>
+</file>
+
+<file path=customXml/itemProps187.xml><?xml version="1.0" encoding="utf-8"?>
+<ds:datastoreItem xmlns:ds="http://schemas.openxmlformats.org/officeDocument/2006/customXml" ds:itemID="{307CC8CE-1E22-476C-A822-C241E51683EB}">
+  <ds:schemaRefs>
+    <ds:schemaRef ds:uri="http://schemas.microsoft.com/VisualStudio/2011/storyboarding/control"/>
+  </ds:schemaRefs>
+</ds:datastoreItem>
+</file>
+
+<file path=customXml/itemProps188.xml><?xml version="1.0" encoding="utf-8"?>
+<ds:datastoreItem xmlns:ds="http://schemas.openxmlformats.org/officeDocument/2006/customXml" ds:itemID="{F49AC428-335C-4471-BEDB-C3D2BFE7733B}">
+  <ds:schemaRefs>
+    <ds:schemaRef ds:uri="http://schemas.microsoft.com/VisualStudio/2011/storyboarding/control"/>
+  </ds:schemaRefs>
+</ds:datastoreItem>
+</file>
+
+<file path=customXml/itemProps189.xml><?xml version="1.0" encoding="utf-8"?>
+<ds:datastoreItem xmlns:ds="http://schemas.openxmlformats.org/officeDocument/2006/customXml" ds:itemID="{30EEAFB6-90CB-4611-8B75-28221A923F25}">
+  <ds:schemaRefs>
+    <ds:schemaRef ds:uri="http://schemas.microsoft.com/VisualStudio/2011/storyboarding/control"/>
+  </ds:schemaRefs>
+</ds:datastoreItem>
+</file>
+
+<file path=customXml/itemProps19.xml><?xml version="1.0" encoding="utf-8"?>
+<ds:datastoreItem xmlns:ds="http://schemas.openxmlformats.org/officeDocument/2006/customXml" ds:itemID="{CCEFF071-20E9-4479-8AD3-888151395FEA}">
+  <ds:schemaRefs>
+    <ds:schemaRef ds:uri="http://schemas.microsoft.com/VisualStudio/2011/storyboarding/control"/>
+  </ds:schemaRefs>
+</ds:datastoreItem>
+</file>
+
+<file path=customXml/itemProps190.xml><?xml version="1.0" encoding="utf-8"?>
+<ds:datastoreItem xmlns:ds="http://schemas.openxmlformats.org/officeDocument/2006/customXml" ds:itemID="{1E781AEC-D03E-4BA8-BA32-4906E66428A6}">
+  <ds:schemaRefs>
+    <ds:schemaRef ds:uri="http://schemas.microsoft.com/VisualStudio/2011/storyboarding/control"/>
+  </ds:schemaRefs>
+</ds:datastoreItem>
+</file>
+
+<file path=customXml/itemProps191.xml><?xml version="1.0" encoding="utf-8"?>
+<ds:datastoreItem xmlns:ds="http://schemas.openxmlformats.org/officeDocument/2006/customXml" ds:itemID="{300F2AB4-3C5D-4655-B01B-4D1BCE3FB2D7}">
+  <ds:schemaRefs>
+    <ds:schemaRef ds:uri="http://schemas.microsoft.com/VisualStudio/2011/storyboarding/control"/>
+  </ds:schemaRefs>
+</ds:datastoreItem>
+</file>
+
+<file path=customXml/itemProps192.xml><?xml version="1.0" encoding="utf-8"?>
+<ds:datastoreItem xmlns:ds="http://schemas.openxmlformats.org/officeDocument/2006/customXml" ds:itemID="{D226A0C3-5037-4DCE-847C-5DB2A993A518}">
+  <ds:schemaRefs>
+    <ds:schemaRef ds:uri="http://schemas.microsoft.com/VisualStudio/2011/storyboarding/control"/>
+  </ds:schemaRefs>
+</ds:datastoreItem>
+</file>
+
+<file path=customXml/itemProps193.xml><?xml version="1.0" encoding="utf-8"?>
+<ds:datastoreItem xmlns:ds="http://schemas.openxmlformats.org/officeDocument/2006/customXml" ds:itemID="{42063805-6CB9-4EB6-A3CE-140E342850A1}">
+  <ds:schemaRefs>
+    <ds:schemaRef ds:uri="http://schemas.microsoft.com/VisualStudio/2011/storyboarding/control"/>
+  </ds:schemaRefs>
+</ds:datastoreItem>
+</file>
+
+<file path=customXml/itemProps194.xml><?xml version="1.0" encoding="utf-8"?>
+<ds:datastoreItem xmlns:ds="http://schemas.openxmlformats.org/officeDocument/2006/customXml" ds:itemID="{FBD59DB0-233D-4542-9356-F926927AC150}">
+  <ds:schemaRefs>
+    <ds:schemaRef ds:uri="http://schemas.microsoft.com/VisualStudio/2011/storyboarding/control"/>
+  </ds:schemaRefs>
+</ds:datastoreItem>
+</file>
+
+<file path=customXml/itemProps195.xml><?xml version="1.0" encoding="utf-8"?>
+<ds:datastoreItem xmlns:ds="http://schemas.openxmlformats.org/officeDocument/2006/customXml" ds:itemID="{41EE4082-0EEC-4541-ACC5-B84A36EDE554}">
+  <ds:schemaRefs>
+    <ds:schemaRef ds:uri="http://schemas.microsoft.com/VisualStudio/2011/storyboarding/control"/>
+  </ds:schemaRefs>
+</ds:datastoreItem>
+</file>
+
+<file path=customXml/itemProps196.xml><?xml version="1.0" encoding="utf-8"?>
+<ds:datastoreItem xmlns:ds="http://schemas.openxmlformats.org/officeDocument/2006/customXml" ds:itemID="{221B0244-0801-4967-9891-48EEB15F2F18}">
+  <ds:schemaRefs>
+    <ds:schemaRef ds:uri="http://schemas.microsoft.com/VisualStudio/2011/storyboarding/control"/>
+  </ds:schemaRefs>
+</ds:datastoreItem>
+</file>
+
+<file path=customXml/itemProps197.xml><?xml version="1.0" encoding="utf-8"?>
+<ds:datastoreItem xmlns:ds="http://schemas.openxmlformats.org/officeDocument/2006/customXml" ds:itemID="{A3A7E550-7159-41CA-A5C7-BB5EFFA54BAB}">
+  <ds:schemaRefs>
+    <ds:schemaRef ds:uri="http://schemas.microsoft.com/VisualStudio/2011/storyboarding/control"/>
+  </ds:schemaRefs>
+</ds:datastoreItem>
+</file>
+
+<file path=customXml/itemProps198.xml><?xml version="1.0" encoding="utf-8"?>
+<ds:datastoreItem xmlns:ds="http://schemas.openxmlformats.org/officeDocument/2006/customXml" ds:itemID="{6052A948-8845-4EF6-94B7-705E06C6FC81}">
+  <ds:schemaRefs>
+    <ds:schemaRef ds:uri="http://schemas.microsoft.com/VisualStudio/2011/storyboarding/control"/>
+  </ds:schemaRefs>
+</ds:datastoreItem>
+</file>
+
+<file path=customXml/itemProps199.xml><?xml version="1.0" encoding="utf-8"?>
+<ds:datastoreItem xmlns:ds="http://schemas.openxmlformats.org/officeDocument/2006/customXml" ds:itemID="{CC090315-C3EF-4E31-9BC2-E49164C00556}">
+  <ds:schemaRefs>
+    <ds:schemaRef ds:uri="http://schemas.microsoft.com/VisualStudio/2011/storyboarding/control"/>
+  </ds:schemaRefs>
+</ds:datastoreItem>
+</file>
+
+<file path=customXml/itemProps2.xml><?xml version="1.0" encoding="utf-8"?>
+<ds:datastoreItem xmlns:ds="http://schemas.openxmlformats.org/officeDocument/2006/customXml" ds:itemID="{C8CC9302-0376-4C84-870E-FE5DD77F03AE}">
+  <ds:schemaRefs>
+    <ds:schemaRef ds:uri="http://schemas.microsoft.com/VisualStudio/2011/storyboarding/control"/>
+  </ds:schemaRefs>
+</ds:datastoreItem>
+</file>
+
+<file path=customXml/itemProps20.xml><?xml version="1.0" encoding="utf-8"?>
+<ds:datastoreItem xmlns:ds="http://schemas.openxmlformats.org/officeDocument/2006/customXml" ds:itemID="{4EF85945-0603-4338-9A87-6BBEC29A645F}">
+  <ds:schemaRefs>
+    <ds:schemaRef ds:uri="http://schemas.microsoft.com/VisualStudio/2011/storyboarding/control"/>
+  </ds:schemaRefs>
+</ds:datastoreItem>
+</file>
+
+<file path=customXml/itemProps200.xml><?xml version="1.0" encoding="utf-8"?>
+<ds:datastoreItem xmlns:ds="http://schemas.openxmlformats.org/officeDocument/2006/customXml" ds:itemID="{C7C80165-2D84-497A-9DCA-307579EA80EF}">
+  <ds:schemaRefs>
+    <ds:schemaRef ds:uri="http://schemas.microsoft.com/VisualStudio/2011/storyboarding/control"/>
+  </ds:schemaRefs>
+</ds:datastoreItem>
+</file>
+
+<file path=customXml/itemProps201.xml><?xml version="1.0" encoding="utf-8"?>
+<ds:datastoreItem xmlns:ds="http://schemas.openxmlformats.org/officeDocument/2006/customXml" ds:itemID="{0822C9B2-6CA6-4726-B2A5-E1481F002984}">
+  <ds:schemaRefs>
+    <ds:schemaRef ds:uri="http://schemas.microsoft.com/VisualStudio/2011/storyboarding/control"/>
+  </ds:schemaRefs>
+</ds:datastoreItem>
+</file>
+
+<file path=customXml/itemProps202.xml><?xml version="1.0" encoding="utf-8"?>
+<ds:datastoreItem xmlns:ds="http://schemas.openxmlformats.org/officeDocument/2006/customXml" ds:itemID="{A8A90C2C-BBC2-4B86-BB21-BB46CA7DE058}">
+  <ds:schemaRefs>
+    <ds:schemaRef ds:uri="http://schemas.microsoft.com/VisualStudio/2011/storyboarding/control"/>
+  </ds:schemaRefs>
+</ds:datastoreItem>
+</file>
+
+<file path=customXml/itemProps203.xml><?xml version="1.0" encoding="utf-8"?>
+<ds:datastoreItem xmlns:ds="http://schemas.openxmlformats.org/officeDocument/2006/customXml" ds:itemID="{7AA672EF-7A11-4398-838B-2152312F45B8}">
+  <ds:schemaRefs>
+    <ds:schemaRef ds:uri="http://schemas.microsoft.com/VisualStudio/2011/storyboarding/control"/>
+  </ds:schemaRefs>
+</ds:datastoreItem>
+</file>
+
+<file path=customXml/itemProps204.xml><?xml version="1.0" encoding="utf-8"?>
+<ds:datastoreItem xmlns:ds="http://schemas.openxmlformats.org/officeDocument/2006/customXml" ds:itemID="{38FECE6E-4E53-4E4D-A22B-C14D12BEB2AD}">
+  <ds:schemaRefs>
+    <ds:schemaRef ds:uri="http://schemas.microsoft.com/VisualStudio/2011/storyboarding/control"/>
+  </ds:schemaRefs>
+</ds:datastoreItem>
+</file>
+
+<file path=customXml/itemProps205.xml><?xml version="1.0" encoding="utf-8"?>
+<ds:datastoreItem xmlns:ds="http://schemas.openxmlformats.org/officeDocument/2006/customXml" ds:itemID="{D10F67D1-B2C6-4D91-9BEE-407097047766}">
+  <ds:schemaRefs>
+    <ds:schemaRef ds:uri="http://schemas.microsoft.com/VisualStudio/2011/storyboarding/control"/>
+  </ds:schemaRefs>
+</ds:datastoreItem>
+</file>
+
+<file path=customXml/itemProps206.xml><?xml version="1.0" encoding="utf-8"?>
+<ds:datastoreItem xmlns:ds="http://schemas.openxmlformats.org/officeDocument/2006/customXml" ds:itemID="{B0106A7A-83F8-41FA-B98D-2008E49735E3}">
+  <ds:schemaRefs>
+    <ds:schemaRef ds:uri="http://schemas.microsoft.com/VisualStudio/2011/storyboarding/control"/>
+  </ds:schemaRefs>
+</ds:datastoreItem>
+</file>
+
+<file path=customXml/itemProps207.xml><?xml version="1.0" encoding="utf-8"?>
+<ds:datastoreItem xmlns:ds="http://schemas.openxmlformats.org/officeDocument/2006/customXml" ds:itemID="{219F8D49-BE60-4AAC-BE38-D53D8B70AAD5}">
+  <ds:schemaRefs>
+    <ds:schemaRef ds:uri="http://schemas.microsoft.com/VisualStudio/2011/storyboarding/control"/>
+  </ds:schemaRefs>
+</ds:datastoreItem>
+</file>
+
+<file path=customXml/itemProps208.xml><?xml version="1.0" encoding="utf-8"?>
+<ds:datastoreItem xmlns:ds="http://schemas.openxmlformats.org/officeDocument/2006/customXml" ds:itemID="{356EE708-7A27-49E2-9281-EA922369ECFA}">
+  <ds:schemaRefs>
+    <ds:schemaRef ds:uri="http://schemas.microsoft.com/VisualStudio/2011/storyboarding/control"/>
+  </ds:schemaRefs>
+</ds:datastoreItem>
+</file>
+
+<file path=customXml/itemProps209.xml><?xml version="1.0" encoding="utf-8"?>
+<ds:datastoreItem xmlns:ds="http://schemas.openxmlformats.org/officeDocument/2006/customXml" ds:itemID="{2704E402-C027-4ED2-9EA2-1048BDB31690}">
+  <ds:schemaRefs>
+    <ds:schemaRef ds:uri="http://schemas.microsoft.com/VisualStudio/2011/storyboarding/control"/>
+  </ds:schemaRefs>
+</ds:datastoreItem>
+</file>
+
+<file path=customXml/itemProps21.xml><?xml version="1.0" encoding="utf-8"?>
+<ds:datastoreItem xmlns:ds="http://schemas.openxmlformats.org/officeDocument/2006/customXml" ds:itemID="{1DCDD326-8855-4EA9-81F1-29467A7EBF4F}">
+  <ds:schemaRefs>
+    <ds:schemaRef ds:uri="http://schemas.microsoft.com/VisualStudio/2011/storyboarding/control"/>
+  </ds:schemaRefs>
+</ds:datastoreItem>
+</file>
+
+<file path=customXml/itemProps210.xml><?xml version="1.0" encoding="utf-8"?>
+<ds:datastoreItem xmlns:ds="http://schemas.openxmlformats.org/officeDocument/2006/customXml" ds:itemID="{01BDDC00-BCFC-4C55-8216-87EFFFB4B0EF}">
+  <ds:schemaRefs>
+    <ds:schemaRef ds:uri="http://schemas.microsoft.com/VisualStudio/2011/storyboarding/control"/>
+  </ds:schemaRefs>
+</ds:datastoreItem>
+</file>
+
+<file path=customXml/itemProps211.xml><?xml version="1.0" encoding="utf-8"?>
+<ds:datastoreItem xmlns:ds="http://schemas.openxmlformats.org/officeDocument/2006/customXml" ds:itemID="{C51C621F-9949-4A73-A5F9-2DF6287C2E14}">
+  <ds:schemaRefs>
+    <ds:schemaRef ds:uri="http://schemas.microsoft.com/VisualStudio/2011/storyboarding/control"/>
+  </ds:schemaRefs>
+</ds:datastoreItem>
+</file>
+
+<file path=customXml/itemProps212.xml><?xml version="1.0" encoding="utf-8"?>
+<ds:datastoreItem xmlns:ds="http://schemas.openxmlformats.org/officeDocument/2006/customXml" ds:itemID="{3DE77565-BC1D-4036-8CEB-BCAFD088DE96}">
+  <ds:schemaRefs>
+    <ds:schemaRef ds:uri="http://schemas.microsoft.com/VisualStudio/2011/storyboarding/control"/>
+  </ds:schemaRefs>
+</ds:datastoreItem>
+</file>
+
+<file path=customXml/itemProps213.xml><?xml version="1.0" encoding="utf-8"?>
+<ds:datastoreItem xmlns:ds="http://schemas.openxmlformats.org/officeDocument/2006/customXml" ds:itemID="{8FA3D93C-F1A3-4B2E-9382-EA20C1D69BAD}">
+  <ds:schemaRefs>
+    <ds:schemaRef ds:uri="http://schemas.microsoft.com/VisualStudio/2011/storyboarding/control"/>
+  </ds:schemaRefs>
+</ds:datastoreItem>
+</file>
+
+<file path=customXml/itemProps214.xml><?xml version="1.0" encoding="utf-8"?>
+<ds:datastoreItem xmlns:ds="http://schemas.openxmlformats.org/officeDocument/2006/customXml" ds:itemID="{09A37E20-1DEC-4709-9BEF-4CAA872D75A0}">
+  <ds:schemaRefs>
+    <ds:schemaRef ds:uri="http://schemas.microsoft.com/VisualStudio/2011/storyboarding/control"/>
+  </ds:schemaRefs>
+</ds:datastoreItem>
+</file>
+
+<file path=customXml/itemProps215.xml><?xml version="1.0" encoding="utf-8"?>
+<ds:datastoreItem xmlns:ds="http://schemas.openxmlformats.org/officeDocument/2006/customXml" ds:itemID="{D317B771-A0E2-4E64-8DB6-4A1DAFFBC0D4}">
+  <ds:schemaRefs>
+    <ds:schemaRef ds:uri="http://schemas.microsoft.com/VisualStudio/2011/storyboarding/control"/>
+  </ds:schemaRefs>
+</ds:datastoreItem>
+</file>
+
+<file path=customXml/itemProps216.xml><?xml version="1.0" encoding="utf-8"?>
+<ds:datastoreItem xmlns:ds="http://schemas.openxmlformats.org/officeDocument/2006/customXml" ds:itemID="{B13BC1B5-0E07-4DDD-82BA-4EA6D7413176}">
+  <ds:schemaRefs>
+    <ds:schemaRef ds:uri="http://schemas.microsoft.com/VisualStudio/2011/storyboarding/control"/>
+  </ds:schemaRefs>
+</ds:datastoreItem>
+</file>
+
+<file path=customXml/itemProps217.xml><?xml version="1.0" encoding="utf-8"?>
+<ds:datastoreItem xmlns:ds="http://schemas.openxmlformats.org/officeDocument/2006/customXml" ds:itemID="{FC644C14-B034-48B9-80E3-0CB00A432CE7}">
+  <ds:schemaRefs>
+    <ds:schemaRef ds:uri="http://schemas.microsoft.com/VisualStudio/2011/storyboarding/control"/>
+  </ds:schemaRefs>
+</ds:datastoreItem>
+</file>
+
+<file path=customXml/itemProps218.xml><?xml version="1.0" encoding="utf-8"?>
+<ds:datastoreItem xmlns:ds="http://schemas.openxmlformats.org/officeDocument/2006/customXml" ds:itemID="{11C14D45-A737-4C48-AAAE-B66C79B7299B}">
+  <ds:schemaRefs>
+    <ds:schemaRef ds:uri="http://schemas.microsoft.com/VisualStudio/2011/storyboarding/control"/>
+  </ds:schemaRefs>
+</ds:datastoreItem>
+</file>
+
+<file path=customXml/itemProps219.xml><?xml version="1.0" encoding="utf-8"?>
+<ds:datastoreItem xmlns:ds="http://schemas.openxmlformats.org/officeDocument/2006/customXml" ds:itemID="{53A2D4D3-ADE1-45AF-A3AC-1604F1E12AB8}">
+  <ds:schemaRefs>
+    <ds:schemaRef ds:uri="http://schemas.microsoft.com/VisualStudio/2011/storyboarding/control"/>
+  </ds:schemaRefs>
+</ds:datastoreItem>
+</file>
+
+<file path=customXml/itemProps22.xml><?xml version="1.0" encoding="utf-8"?>
+<ds:datastoreItem xmlns:ds="http://schemas.openxmlformats.org/officeDocument/2006/customXml" ds:itemID="{CB02D37A-A957-4BC7-84CC-6C8D7E80D890}">
+  <ds:schemaRefs>
+    <ds:schemaRef ds:uri="http://schemas.microsoft.com/VisualStudio/2011/storyboarding/control"/>
+  </ds:schemaRefs>
+</ds:datastoreItem>
+</file>
+
+<file path=customXml/itemProps220.xml><?xml version="1.0" encoding="utf-8"?>
+<ds:datastoreItem xmlns:ds="http://schemas.openxmlformats.org/officeDocument/2006/customXml" ds:itemID="{ECA19B56-26C3-4074-8DF0-A75E70CE4C52}">
+  <ds:schemaRefs>
+    <ds:schemaRef ds:uri="http://schemas.microsoft.com/VisualStudio/2011/storyboarding/control"/>
+  </ds:schemaRefs>
+</ds:datastoreItem>
+</file>
+
+<file path=customXml/itemProps221.xml><?xml version="1.0" encoding="utf-8"?>
+<ds:datastoreItem xmlns:ds="http://schemas.openxmlformats.org/officeDocument/2006/customXml" ds:itemID="{8CF028E2-4AC4-4488-82BC-A4297283673B}">
+  <ds:schemaRefs>
+    <ds:schemaRef ds:uri="http://schemas.microsoft.com/VisualStudio/2011/storyboarding/control"/>
+  </ds:schemaRefs>
+</ds:datastoreItem>
+</file>
+
+<file path=customXml/itemProps222.xml><?xml version="1.0" encoding="utf-8"?>
+<ds:datastoreItem xmlns:ds="http://schemas.openxmlformats.org/officeDocument/2006/customXml" ds:itemID="{D10417C0-CFC7-4198-A12F-567D0881B21B}">
+  <ds:schemaRefs>
+    <ds:schemaRef ds:uri="http://schemas.microsoft.com/VisualStudio/2011/storyboarding/control"/>
+  </ds:schemaRefs>
+</ds:datastoreItem>
+</file>
+
+<file path=customXml/itemProps223.xml><?xml version="1.0" encoding="utf-8"?>
+<ds:datastoreItem xmlns:ds="http://schemas.openxmlformats.org/officeDocument/2006/customXml" ds:itemID="{58D709EA-EBE8-4658-BE8D-112A592A74B4}">
+  <ds:schemaRefs>
+    <ds:schemaRef ds:uri="http://schemas.microsoft.com/VisualStudio/2011/storyboarding/control"/>
+  </ds:schemaRefs>
+</ds:datastoreItem>
+</file>
+
+<file path=customXml/itemProps23.xml><?xml version="1.0" encoding="utf-8"?>
+<ds:datastoreItem xmlns:ds="http://schemas.openxmlformats.org/officeDocument/2006/customXml" ds:itemID="{B6FC55A9-93FE-483A-B9B8-07F654237C45}">
+  <ds:schemaRefs>
+    <ds:schemaRef ds:uri="http://schemas.microsoft.com/VisualStudio/2011/storyboarding/control"/>
+  </ds:schemaRefs>
+</ds:datastoreItem>
+</file>
+
+<file path=customXml/itemProps24.xml><?xml version="1.0" encoding="utf-8"?>
+<ds:datastoreItem xmlns:ds="http://schemas.openxmlformats.org/officeDocument/2006/customXml" ds:itemID="{961017EA-4807-451D-9770-720AB5D56045}">
+  <ds:schemaRefs>
+    <ds:schemaRef ds:uri="http://schemas.microsoft.com/VisualStudio/2011/storyboarding/control"/>
+  </ds:schemaRefs>
+</ds:datastoreItem>
+</file>
+
+<file path=customXml/itemProps25.xml><?xml version="1.0" encoding="utf-8"?>
+<ds:datastoreItem xmlns:ds="http://schemas.openxmlformats.org/officeDocument/2006/customXml" ds:itemID="{CCEC82DF-3665-44AC-9C20-DBAE83D3306F}">
+  <ds:schemaRefs>
+    <ds:schemaRef ds:uri="http://schemas.microsoft.com/VisualStudio/2011/storyboarding/control"/>
+  </ds:schemaRefs>
+</ds:datastoreItem>
+</file>
+
+<file path=customXml/itemProps26.xml><?xml version="1.0" encoding="utf-8"?>
+<ds:datastoreItem xmlns:ds="http://schemas.openxmlformats.org/officeDocument/2006/customXml" ds:itemID="{DD50F98B-127F-49E9-9CAA-EAEFB63C4CF6}">
+  <ds:schemaRefs>
+    <ds:schemaRef ds:uri="http://schemas.microsoft.com/VisualStudio/2011/storyboarding/control"/>
+  </ds:schemaRefs>
+</ds:datastoreItem>
+</file>
+
+<file path=customXml/itemProps27.xml><?xml version="1.0" encoding="utf-8"?>
+<ds:datastoreItem xmlns:ds="http://schemas.openxmlformats.org/officeDocument/2006/customXml" ds:itemID="{4F64FD6B-9172-4B1B-9866-57A2F12A3AA1}">
+  <ds:schemaRefs>
+    <ds:schemaRef ds:uri="http://schemas.microsoft.com/VisualStudio/2011/storyboarding/control"/>
+  </ds:schemaRefs>
+</ds:datastoreItem>
+</file>
+
+<file path=customXml/itemProps28.xml><?xml version="1.0" encoding="utf-8"?>
+<ds:datastoreItem xmlns:ds="http://schemas.openxmlformats.org/officeDocument/2006/customXml" ds:itemID="{5F13B48F-437D-49AE-BFB9-EBA82E71BB38}">
+  <ds:schemaRefs>
+    <ds:schemaRef ds:uri="http://schemas.microsoft.com/VisualStudio/2011/storyboarding/control"/>
+  </ds:schemaRefs>
+</ds:datastoreItem>
+</file>
+
+<file path=customXml/itemProps29.xml><?xml version="1.0" encoding="utf-8"?>
+<ds:datastoreItem xmlns:ds="http://schemas.openxmlformats.org/officeDocument/2006/customXml" ds:itemID="{4EF6D473-291D-4120-AF79-ACFED919F292}">
+  <ds:schemaRefs>
+    <ds:schemaRef ds:uri="http://schemas.microsoft.com/VisualStudio/2011/storyboarding/control"/>
+  </ds:schemaRefs>
+</ds:datastoreItem>
+</file>
+
+<file path=customXml/itemProps3.xml><?xml version="1.0" encoding="utf-8"?>
+<ds:datastoreItem xmlns:ds="http://schemas.openxmlformats.org/officeDocument/2006/customXml" ds:itemID="{7454C879-EEB5-44C4-8A36-0FAF2DAB7D61}">
+  <ds:schemaRefs>
+    <ds:schemaRef ds:uri="http://schemas.microsoft.com/VisualStudio/2011/storyboarding/control"/>
+  </ds:schemaRefs>
+</ds:datastoreItem>
+</file>
+
+<file path=customXml/itemProps30.xml><?xml version="1.0" encoding="utf-8"?>
+<ds:datastoreItem xmlns:ds="http://schemas.openxmlformats.org/officeDocument/2006/customXml" ds:itemID="{B81612EC-0AB3-4E55-BA68-07192BFEF590}">
+  <ds:schemaRefs>
+    <ds:schemaRef ds:uri="http://schemas.microsoft.com/VisualStudio/2011/storyboarding/control"/>
+  </ds:schemaRefs>
+</ds:datastoreItem>
+</file>
+
+<file path=customXml/itemProps31.xml><?xml version="1.0" encoding="utf-8"?>
+<ds:datastoreItem xmlns:ds="http://schemas.openxmlformats.org/officeDocument/2006/customXml" ds:itemID="{2DFA9120-1703-4454-A33D-C7C738B921CC}">
+  <ds:schemaRefs>
+    <ds:schemaRef ds:uri="http://schemas.microsoft.com/VisualStudio/2011/storyboarding/control"/>
+  </ds:schemaRefs>
+</ds:datastoreItem>
+</file>
+
+<file path=customXml/itemProps32.xml><?xml version="1.0" encoding="utf-8"?>
+<ds:datastoreItem xmlns:ds="http://schemas.openxmlformats.org/officeDocument/2006/customXml" ds:itemID="{0341D26D-5D5B-454A-A579-757B0579E217}">
+  <ds:schemaRefs>
+    <ds:schemaRef ds:uri="http://schemas.microsoft.com/VisualStudio/2011/storyboarding/control"/>
+  </ds:schemaRefs>
+</ds:datastoreItem>
+</file>
+
+<file path=customXml/itemProps33.xml><?xml version="1.0" encoding="utf-8"?>
+<ds:datastoreItem xmlns:ds="http://schemas.openxmlformats.org/officeDocument/2006/customXml" ds:itemID="{BFEF8C4D-1E27-426E-B1CF-BF65C7F7B0A0}">
+  <ds:schemaRefs>
+    <ds:schemaRef ds:uri="http://schemas.microsoft.com/VisualStudio/2011/storyboarding/control"/>
+  </ds:schemaRefs>
+</ds:datastoreItem>
+</file>
+
+<file path=customXml/itemProps34.xml><?xml version="1.0" encoding="utf-8"?>
+<ds:datastoreItem xmlns:ds="http://schemas.openxmlformats.org/officeDocument/2006/customXml" ds:itemID="{190B5A55-C46E-427C-8110-28892E409808}">
+  <ds:schemaRefs>
+    <ds:schemaRef ds:uri="http://schemas.microsoft.com/VisualStudio/2011/storyboarding/control"/>
+  </ds:schemaRefs>
+</ds:datastoreItem>
+</file>
+
+<file path=customXml/itemProps35.xml><?xml version="1.0" encoding="utf-8"?>
+<ds:datastoreItem xmlns:ds="http://schemas.openxmlformats.org/officeDocument/2006/customXml" ds:itemID="{7DADA5E2-03E5-49B3-9E3C-4AF206A22159}">
+  <ds:schemaRefs>
+    <ds:schemaRef ds:uri="http://schemas.microsoft.com/VisualStudio/2011/storyboarding/control"/>
+  </ds:schemaRefs>
+</ds:datastoreItem>
+</file>
+
+<file path=customXml/itemProps36.xml><?xml version="1.0" encoding="utf-8"?>
+<ds:datastoreItem xmlns:ds="http://schemas.openxmlformats.org/officeDocument/2006/customXml" ds:itemID="{551005C4-A1E3-4AC7-8CDB-DC374E6CD181}">
+  <ds:schemaRefs>
+    <ds:schemaRef ds:uri="http://schemas.microsoft.com/VisualStudio/2011/storyboarding/control"/>
+  </ds:schemaRefs>
+</ds:datastoreItem>
+</file>
+
+<file path=customXml/itemProps37.xml><?xml version="1.0" encoding="utf-8"?>
+<ds:datastoreItem xmlns:ds="http://schemas.openxmlformats.org/officeDocument/2006/customXml" ds:itemID="{5171EEF1-3252-442A-B2D5-5766A844DAC7}">
+  <ds:schemaRefs>
+    <ds:schemaRef ds:uri="http://schemas.microsoft.com/VisualStudio/2011/storyboarding/control"/>
+  </ds:schemaRefs>
+</ds:datastoreItem>
+</file>
+
+<file path=customXml/itemProps38.xml><?xml version="1.0" encoding="utf-8"?>
+<ds:datastoreItem xmlns:ds="http://schemas.openxmlformats.org/officeDocument/2006/customXml" ds:itemID="{0112F604-12CF-4AF0-B1B9-DFC27CF2EB39}">
+  <ds:schemaRefs>
+    <ds:schemaRef ds:uri="http://schemas.microsoft.com/VisualStudio/2011/storyboarding/control"/>
+  </ds:schemaRefs>
+</ds:datastoreItem>
+</file>
+
+<file path=customXml/itemProps39.xml><?xml version="1.0" encoding="utf-8"?>
+<ds:datastoreItem xmlns:ds="http://schemas.openxmlformats.org/officeDocument/2006/customXml" ds:itemID="{74BC8D2C-FD25-4E2B-A6B7-DEFF59868BEE}">
+  <ds:schemaRefs>
+    <ds:schemaRef ds:uri="http://schemas.microsoft.com/VisualStudio/2011/storyboarding/control"/>
+  </ds:schemaRefs>
+</ds:datastoreItem>
+</file>
+
+<file path=customXml/itemProps4.xml><?xml version="1.0" encoding="utf-8"?>
+<ds:datastoreItem xmlns:ds="http://schemas.openxmlformats.org/officeDocument/2006/customXml" ds:itemID="{052B62D0-47D7-4DB1-A2CF-88DB30926B97}">
+  <ds:schemaRefs>
+    <ds:schemaRef ds:uri="http://schemas.microsoft.com/VisualStudio/2011/storyboarding/control"/>
+  </ds:schemaRefs>
+</ds:datastoreItem>
+</file>
+
+<file path=customXml/itemProps40.xml><?xml version="1.0" encoding="utf-8"?>
+<ds:datastoreItem xmlns:ds="http://schemas.openxmlformats.org/officeDocument/2006/customXml" ds:itemID="{1F322422-9D52-4DFA-A51C-4E56B9EFD940}">
+  <ds:schemaRefs>
+    <ds:schemaRef ds:uri="http://schemas.microsoft.com/VisualStudio/2011/storyboarding/control"/>
+  </ds:schemaRefs>
+</ds:datastoreItem>
+</file>
+
+<file path=customXml/itemProps41.xml><?xml version="1.0" encoding="utf-8"?>
+<ds:datastoreItem xmlns:ds="http://schemas.openxmlformats.org/officeDocument/2006/customXml" ds:itemID="{A415C0F1-CC3C-4A29-9AC9-B21667BDE4C3}">
+  <ds:schemaRefs>
+    <ds:schemaRef ds:uri="http://schemas.microsoft.com/VisualStudio/2011/storyboarding/control"/>
+  </ds:schemaRefs>
+</ds:datastoreItem>
+</file>
+
+<file path=customXml/itemProps42.xml><?xml version="1.0" encoding="utf-8"?>
+<ds:datastoreItem xmlns:ds="http://schemas.openxmlformats.org/officeDocument/2006/customXml" ds:itemID="{0D563F0C-5DFD-448A-9623-5957CB42E72B}">
+  <ds:schemaRefs>
+    <ds:schemaRef ds:uri="http://schemas.microsoft.com/VisualStudio/2011/storyboarding/control"/>
+  </ds:schemaRefs>
+</ds:datastoreItem>
+</file>
+
+<file path=customXml/itemProps43.xml><?xml version="1.0" encoding="utf-8"?>
+<ds:datastoreItem xmlns:ds="http://schemas.openxmlformats.org/officeDocument/2006/customXml" ds:itemID="{1EDC7140-78C5-4BCD-A9E9-27ED4B2DF51D}">
+  <ds:schemaRefs>
+    <ds:schemaRef ds:uri="http://schemas.microsoft.com/VisualStudio/2011/storyboarding/control"/>
+  </ds:schemaRefs>
+</ds:datastoreItem>
+</file>
+
+<file path=customXml/itemProps44.xml><?xml version="1.0" encoding="utf-8"?>
+<ds:datastoreItem xmlns:ds="http://schemas.openxmlformats.org/officeDocument/2006/customXml" ds:itemID="{46BCF9EF-DC37-4FCD-85C7-E3BE49B5BBE1}">
+  <ds:schemaRefs>
+    <ds:schemaRef ds:uri="http://schemas.microsoft.com/VisualStudio/2011/storyboarding/control"/>
+  </ds:schemaRefs>
+</ds:datastoreItem>
+</file>
+
+<file path=customXml/itemProps45.xml><?xml version="1.0" encoding="utf-8"?>
+<ds:datastoreItem xmlns:ds="http://schemas.openxmlformats.org/officeDocument/2006/customXml" ds:itemID="{C45ADD74-D966-4389-AA66-C66380EA72AE}">
+  <ds:schemaRefs>
+    <ds:schemaRef ds:uri="http://schemas.microsoft.com/VisualStudio/2011/storyboarding/control"/>
+  </ds:schemaRefs>
+</ds:datastoreItem>
+</file>
+
+<file path=customXml/itemProps46.xml><?xml version="1.0" encoding="utf-8"?>
+<ds:datastoreItem xmlns:ds="http://schemas.openxmlformats.org/officeDocument/2006/customXml" ds:itemID="{C5FE7D1A-2B63-4C2F-9939-081E0C3BEDA0}">
+  <ds:schemaRefs>
+    <ds:schemaRef ds:uri="http://schemas.microsoft.com/VisualStudio/2011/storyboarding/control"/>
+  </ds:schemaRefs>
+</ds:datastoreItem>
+</file>
+
+<file path=customXml/itemProps47.xml><?xml version="1.0" encoding="utf-8"?>
+<ds:datastoreItem xmlns:ds="http://schemas.openxmlformats.org/officeDocument/2006/customXml" ds:itemID="{49876BA4-ED70-4F54-946C-7F2FDA8101B3}">
+  <ds:schemaRefs>
+    <ds:schemaRef ds:uri="http://schemas.microsoft.com/VisualStudio/2011/storyboarding/control"/>
+  </ds:schemaRefs>
+</ds:datastoreItem>
+</file>
+
+<file path=customXml/itemProps48.xml><?xml version="1.0" encoding="utf-8"?>
+<ds:datastoreItem xmlns:ds="http://schemas.openxmlformats.org/officeDocument/2006/customXml" ds:itemID="{9BFD28BC-F5E3-43AD-9A6E-07C9D177A3A7}">
+  <ds:schemaRefs>
+    <ds:schemaRef ds:uri="http://schemas.microsoft.com/VisualStudio/2011/storyboarding/control"/>
+  </ds:schemaRefs>
+</ds:datastoreItem>
+</file>
+
+<file path=customXml/itemProps49.xml><?xml version="1.0" encoding="utf-8"?>
+<ds:datastoreItem xmlns:ds="http://schemas.openxmlformats.org/officeDocument/2006/customXml" ds:itemID="{10D299E8-14A9-4F76-A58E-935086DED687}">
+  <ds:schemaRefs>
+    <ds:schemaRef ds:uri="http://schemas.microsoft.com/VisualStudio/2011/storyboarding/control"/>
+  </ds:schemaRefs>
+</ds:datastoreItem>
+</file>
+
+<file path=customXml/itemProps5.xml><?xml version="1.0" encoding="utf-8"?>
+<ds:datastoreItem xmlns:ds="http://schemas.openxmlformats.org/officeDocument/2006/customXml" ds:itemID="{C8101F23-7FAA-4BD8-AD2A-421FA377298D}">
+  <ds:schemaRefs>
+    <ds:schemaRef ds:uri="http://schemas.microsoft.com/VisualStudio/2011/storyboarding/control"/>
+  </ds:schemaRefs>
+</ds:datastoreItem>
+</file>
+
+<file path=customXml/itemProps50.xml><?xml version="1.0" encoding="utf-8"?>
+<ds:datastoreItem xmlns:ds="http://schemas.openxmlformats.org/officeDocument/2006/customXml" ds:itemID="{030F3597-04BD-4953-9DA5-E7FAED854AAD}">
+  <ds:schemaRefs>
+    <ds:schemaRef ds:uri="http://schemas.microsoft.com/VisualStudio/2011/storyboarding/control"/>
+  </ds:schemaRefs>
+</ds:datastoreItem>
+</file>
+
+<file path=customXml/itemProps51.xml><?xml version="1.0" encoding="utf-8"?>
+<ds:datastoreItem xmlns:ds="http://schemas.openxmlformats.org/officeDocument/2006/customXml" ds:itemID="{14627128-4D31-4DF3-AB55-FA0C6A4E4FE5}">
+  <ds:schemaRefs>
+    <ds:schemaRef ds:uri="http://schemas.microsoft.com/VisualStudio/2011/storyboarding/control"/>
+  </ds:schemaRefs>
+</ds:datastoreItem>
+</file>
+
+<file path=customXml/itemProps52.xml><?xml version="1.0" encoding="utf-8"?>
+<ds:datastoreItem xmlns:ds="http://schemas.openxmlformats.org/officeDocument/2006/customXml" ds:itemID="{9CF15317-809F-4DA0-9641-E108A9D2A822}">
+  <ds:schemaRefs>
+    <ds:schemaRef ds:uri="http://schemas.microsoft.com/VisualStudio/2011/storyboarding/control"/>
+  </ds:schemaRefs>
+</ds:datastoreItem>
+</file>
+
+<file path=customXml/itemProps53.xml><?xml version="1.0" encoding="utf-8"?>
+<ds:datastoreItem xmlns:ds="http://schemas.openxmlformats.org/officeDocument/2006/customXml" ds:itemID="{75434A2F-1904-444D-9A2E-155D7CDEE729}">
+  <ds:schemaRefs>
+    <ds:schemaRef ds:uri="http://schemas.microsoft.com/VisualStudio/2011/storyboarding/control"/>
+  </ds:schemaRefs>
+</ds:datastoreItem>
+</file>
+
+<file path=customXml/itemProps54.xml><?xml version="1.0" encoding="utf-8"?>
+<ds:datastoreItem xmlns:ds="http://schemas.openxmlformats.org/officeDocument/2006/customXml" ds:itemID="{186B5A93-8F70-4971-985E-B89AD68DE7BA}">
+  <ds:schemaRefs>
+    <ds:schemaRef ds:uri="http://schemas.microsoft.com/VisualStudio/2011/storyboarding/control"/>
+  </ds:schemaRefs>
+</ds:datastoreItem>
+</file>
+
+<file path=customXml/itemProps55.xml><?xml version="1.0" encoding="utf-8"?>
+<ds:datastoreItem xmlns:ds="http://schemas.openxmlformats.org/officeDocument/2006/customXml" ds:itemID="{75BD8AE5-EDCF-4A32-B8CE-1D7667B79CC5}">
+  <ds:schemaRefs>
+    <ds:schemaRef ds:uri="http://schemas.microsoft.com/VisualStudio/2011/storyboarding/control"/>
+  </ds:schemaRefs>
+</ds:datastoreItem>
+</file>
+
+<file path=customXml/itemProps56.xml><?xml version="1.0" encoding="utf-8"?>
+<ds:datastoreItem xmlns:ds="http://schemas.openxmlformats.org/officeDocument/2006/customXml" ds:itemID="{B39EB365-64A2-4270-B261-6F581E40AA63}">
+  <ds:schemaRefs>
+    <ds:schemaRef ds:uri="http://schemas.microsoft.com/VisualStudio/2011/storyboarding/control"/>
+  </ds:schemaRefs>
+</ds:datastoreItem>
+</file>
+
+<file path=customXml/itemProps57.xml><?xml version="1.0" encoding="utf-8"?>
+<ds:datastoreItem xmlns:ds="http://schemas.openxmlformats.org/officeDocument/2006/customXml" ds:itemID="{6D1FD146-E493-41D7-B9FE-E113E5E0907E}">
+  <ds:schemaRefs>
+    <ds:schemaRef ds:uri="http://schemas.microsoft.com/VisualStudio/2011/storyboarding/control"/>
+  </ds:schemaRefs>
+</ds:datastoreItem>
+</file>
+
+<file path=customXml/itemProps58.xml><?xml version="1.0" encoding="utf-8"?>
+<ds:datastoreItem xmlns:ds="http://schemas.openxmlformats.org/officeDocument/2006/customXml" ds:itemID="{E3A1C028-05DB-4953-AA73-C22DBE13D6E4}">
+  <ds:schemaRefs>
+    <ds:schemaRef ds:uri="http://schemas.microsoft.com/VisualStudio/2011/storyboarding/control"/>
+  </ds:schemaRefs>
+</ds:datastoreItem>
+</file>
+
+<file path=customXml/itemProps59.xml><?xml version="1.0" encoding="utf-8"?>
+<ds:datastoreItem xmlns:ds="http://schemas.openxmlformats.org/officeDocument/2006/customXml" ds:itemID="{92E5CA83-6015-4923-8B9E-EB53E939B7A2}">
+  <ds:schemaRefs>
+    <ds:schemaRef ds:uri="http://schemas.microsoft.com/VisualStudio/2011/storyboarding/control"/>
+  </ds:schemaRefs>
+</ds:datastoreItem>
+</file>
+
+<file path=customXml/itemProps6.xml><?xml version="1.0" encoding="utf-8"?>
+<ds:datastoreItem xmlns:ds="http://schemas.openxmlformats.org/officeDocument/2006/customXml" ds:itemID="{4410EA4D-EEA7-4F65-AA4F-C451F3B82D11}">
+  <ds:schemaRefs>
+    <ds:schemaRef ds:uri="http://schemas.microsoft.com/VisualStudio/2011/storyboarding/control"/>
+  </ds:schemaRefs>
+</ds:datastoreItem>
+</file>
+
+<file path=customXml/itemProps60.xml><?xml version="1.0" encoding="utf-8"?>
+<ds:datastoreItem xmlns:ds="http://schemas.openxmlformats.org/officeDocument/2006/customXml" ds:itemID="{BE26F770-6D00-4BDC-830A-6271C798A6B9}">
+  <ds:schemaRefs>
+    <ds:schemaRef ds:uri="http://schemas.microsoft.com/VisualStudio/2011/storyboarding/control"/>
+  </ds:schemaRefs>
+</ds:datastoreItem>
+</file>
+
+<file path=customXml/itemProps61.xml><?xml version="1.0" encoding="utf-8"?>
+<ds:datastoreItem xmlns:ds="http://schemas.openxmlformats.org/officeDocument/2006/customXml" ds:itemID="{4827173D-226F-42EC-A6EE-8DACFB97DA40}">
+  <ds:schemaRefs>
+    <ds:schemaRef ds:uri="http://schemas.microsoft.com/VisualStudio/2011/storyboarding/control"/>
+  </ds:schemaRefs>
+</ds:datastoreItem>
+</file>
+
+<file path=customXml/itemProps62.xml><?xml version="1.0" encoding="utf-8"?>
+<ds:datastoreItem xmlns:ds="http://schemas.openxmlformats.org/officeDocument/2006/customXml" ds:itemID="{CC5817FC-60B5-4D71-B65A-831129B98ECB}">
+  <ds:schemaRefs>
+    <ds:schemaRef ds:uri="http://schemas.microsoft.com/VisualStudio/2011/storyboarding/control"/>
+  </ds:schemaRefs>
+</ds:datastoreItem>
+</file>
+
+<file path=customXml/itemProps63.xml><?xml version="1.0" encoding="utf-8"?>
+<ds:datastoreItem xmlns:ds="http://schemas.openxmlformats.org/officeDocument/2006/customXml" ds:itemID="{E4179CE1-5873-430C-A047-AE46D03E2569}">
+  <ds:schemaRefs>
+    <ds:schemaRef ds:uri="http://schemas.microsoft.com/VisualStudio/2011/storyboarding/control"/>
+  </ds:schemaRefs>
+</ds:datastoreItem>
+</file>
+
+<file path=customXml/itemProps64.xml><?xml version="1.0" encoding="utf-8"?>
+<ds:datastoreItem xmlns:ds="http://schemas.openxmlformats.org/officeDocument/2006/customXml" ds:itemID="{A1484EA6-E369-4EF7-BD90-CC323D5BFB64}">
+  <ds:schemaRefs>
+    <ds:schemaRef ds:uri="http://schemas.microsoft.com/VisualStudio/2011/storyboarding/control"/>
+  </ds:schemaRefs>
+</ds:datastoreItem>
+</file>
+
+<file path=customXml/itemProps65.xml><?xml version="1.0" encoding="utf-8"?>
+<ds:datastoreItem xmlns:ds="http://schemas.openxmlformats.org/officeDocument/2006/customXml" ds:itemID="{B5DF6AE2-73F3-49D4-8F61-B8B8F150424B}">
+  <ds:schemaRefs>
+    <ds:schemaRef ds:uri="http://schemas.microsoft.com/VisualStudio/2011/storyboarding/control"/>
+  </ds:schemaRefs>
+</ds:datastoreItem>
+</file>
+
+<file path=customXml/itemProps66.xml><?xml version="1.0" encoding="utf-8"?>
 <ds:datastoreItem xmlns:ds="http://schemas.openxmlformats.org/officeDocument/2006/customXml" ds:itemID="{D834E1DB-AFE3-45CA-A0E0-B4DFA8D73792}">
   <ds:schemaRefs>
     <ds:schemaRef ds:uri="http://schemas.microsoft.com/VisualStudio/2011/storyboarding/control"/>
@@ -33955,1770 +35484,290 @@
 </ds:datastoreItem>
 </file>
 
-<file path=customXml/itemProps10.xml><?xml version="1.0" encoding="utf-8"?>
-<ds:datastoreItem xmlns:ds="http://schemas.openxmlformats.org/officeDocument/2006/customXml" ds:itemID="{F5008AB0-B7EF-4B51-AFAE-ADD814E2C892}">
+<file path=customXml/itemProps67.xml><?xml version="1.0" encoding="utf-8"?>
+<ds:datastoreItem xmlns:ds="http://schemas.openxmlformats.org/officeDocument/2006/customXml" ds:itemID="{DA9B892E-86E2-413D-B85B-E45654500C0A}">
   <ds:schemaRefs>
     <ds:schemaRef ds:uri="http://schemas.microsoft.com/VisualStudio/2011/storyboarding/control"/>
   </ds:schemaRefs>
 </ds:datastoreItem>
 </file>
 
-<file path=customXml/itemProps100.xml><?xml version="1.0" encoding="utf-8"?>
-<ds:datastoreItem xmlns:ds="http://schemas.openxmlformats.org/officeDocument/2006/customXml" ds:itemID="{D9AB098F-8B34-4E7B-BAE6-C91A22003145}">
+<file path=customXml/itemProps68.xml><?xml version="1.0" encoding="utf-8"?>
+<ds:datastoreItem xmlns:ds="http://schemas.openxmlformats.org/officeDocument/2006/customXml" ds:itemID="{E8F31494-C899-453C-ACB3-FDC9145B9D91}">
   <ds:schemaRefs>
     <ds:schemaRef ds:uri="http://schemas.microsoft.com/VisualStudio/2011/storyboarding/control"/>
   </ds:schemaRefs>
 </ds:datastoreItem>
 </file>
 
-<file path=customXml/itemProps101.xml><?xml version="1.0" encoding="utf-8"?>
-<ds:datastoreItem xmlns:ds="http://schemas.openxmlformats.org/officeDocument/2006/customXml" ds:itemID="{30EEAFB6-90CB-4611-8B75-28221A923F25}">
+<file path=customXml/itemProps69.xml><?xml version="1.0" encoding="utf-8"?>
+<ds:datastoreItem xmlns:ds="http://schemas.openxmlformats.org/officeDocument/2006/customXml" ds:itemID="{F3F192A1-932A-44AE-94FF-3EB034A95B0B}">
   <ds:schemaRefs>
     <ds:schemaRef ds:uri="http://schemas.microsoft.com/VisualStudio/2011/storyboarding/control"/>
   </ds:schemaRefs>
 </ds:datastoreItem>
 </file>
 
-<file path=customXml/itemProps102.xml><?xml version="1.0" encoding="utf-8"?>
-<ds:datastoreItem xmlns:ds="http://schemas.openxmlformats.org/officeDocument/2006/customXml" ds:itemID="{B13BC1B5-0E07-4DDD-82BA-4EA6D7413176}">
+<file path=customXml/itemProps7.xml><?xml version="1.0" encoding="utf-8"?>
+<ds:datastoreItem xmlns:ds="http://schemas.openxmlformats.org/officeDocument/2006/customXml" ds:itemID="{43336618-5276-4473-80F1-81F0F17F91C1}">
   <ds:schemaRefs>
     <ds:schemaRef ds:uri="http://schemas.microsoft.com/VisualStudio/2011/storyboarding/control"/>
   </ds:schemaRefs>
 </ds:datastoreItem>
 </file>
 
-<file path=customXml/itemProps103.xml><?xml version="1.0" encoding="utf-8"?>
-<ds:datastoreItem xmlns:ds="http://schemas.openxmlformats.org/officeDocument/2006/customXml" ds:itemID="{14627128-4D31-4DF3-AB55-FA0C6A4E4FE5}">
+<file path=customXml/itemProps70.xml><?xml version="1.0" encoding="utf-8"?>
+<ds:datastoreItem xmlns:ds="http://schemas.openxmlformats.org/officeDocument/2006/customXml" ds:itemID="{0F929D75-CCB0-4714-86AF-7F029C45BE4D}">
   <ds:schemaRefs>
     <ds:schemaRef ds:uri="http://schemas.microsoft.com/VisualStudio/2011/storyboarding/control"/>
   </ds:schemaRefs>
 </ds:datastoreItem>
 </file>
 
-<file path=customXml/itemProps104.xml><?xml version="1.0" encoding="utf-8"?>
+<file path=customXml/itemProps71.xml><?xml version="1.0" encoding="utf-8"?>
+<ds:datastoreItem xmlns:ds="http://schemas.openxmlformats.org/officeDocument/2006/customXml" ds:itemID="{AFE23348-B39F-4C03-8ACB-304CB849E116}">
+  <ds:schemaRefs>
+    <ds:schemaRef ds:uri="http://schemas.microsoft.com/VisualStudio/2011/storyboarding/control"/>
+  </ds:schemaRefs>
+</ds:datastoreItem>
+</file>
+
+<file path=customXml/itemProps72.xml><?xml version="1.0" encoding="utf-8"?>
+<ds:datastoreItem xmlns:ds="http://schemas.openxmlformats.org/officeDocument/2006/customXml" ds:itemID="{CD63B274-1815-48D1-99A0-018FC57DD355}">
+  <ds:schemaRefs>
+    <ds:schemaRef ds:uri="http://schemas.microsoft.com/VisualStudio/2011/storyboarding/control"/>
+  </ds:schemaRefs>
+</ds:datastoreItem>
+</file>
+
+<file path=customXml/itemProps73.xml><?xml version="1.0" encoding="utf-8"?>
+<ds:datastoreItem xmlns:ds="http://schemas.openxmlformats.org/officeDocument/2006/customXml" ds:itemID="{1F0E1F79-632F-4EB0-82C0-5A1AFD1072FB}">
+  <ds:schemaRefs>
+    <ds:schemaRef ds:uri="http://schemas.microsoft.com/VisualStudio/2011/storyboarding/control"/>
+  </ds:schemaRefs>
+</ds:datastoreItem>
+</file>
+
+<file path=customXml/itemProps74.xml><?xml version="1.0" encoding="utf-8"?>
+<ds:datastoreItem xmlns:ds="http://schemas.openxmlformats.org/officeDocument/2006/customXml" ds:itemID="{58DC7449-4DAD-466C-B54C-A90A8D4FDCB0}">
+  <ds:schemaRefs>
+    <ds:schemaRef ds:uri="http://schemas.microsoft.com/VisualStudio/2011/storyboarding/control"/>
+  </ds:schemaRefs>
+</ds:datastoreItem>
+</file>
+
+<file path=customXml/itemProps75.xml><?xml version="1.0" encoding="utf-8"?>
+<ds:datastoreItem xmlns:ds="http://schemas.openxmlformats.org/officeDocument/2006/customXml" ds:itemID="{F42CB0C3-0A05-4FF5-8C2A-312EB638568A}">
+  <ds:schemaRefs>
+    <ds:schemaRef ds:uri="http://schemas.microsoft.com/VisualStudio/2011/storyboarding/control"/>
+  </ds:schemaRefs>
+</ds:datastoreItem>
+</file>
+
+<file path=customXml/itemProps76.xml><?xml version="1.0" encoding="utf-8"?>
+<ds:datastoreItem xmlns:ds="http://schemas.openxmlformats.org/officeDocument/2006/customXml" ds:itemID="{D59F002E-70DD-4433-838F-AE958AFFFAF5}">
+  <ds:schemaRefs>
+    <ds:schemaRef ds:uri="http://schemas.microsoft.com/VisualStudio/2011/storyboarding/control"/>
+  </ds:schemaRefs>
+</ds:datastoreItem>
+</file>
+
+<file path=customXml/itemProps77.xml><?xml version="1.0" encoding="utf-8"?>
+<ds:datastoreItem xmlns:ds="http://schemas.openxmlformats.org/officeDocument/2006/customXml" ds:itemID="{97E85E79-3453-4406-A138-2BED0C524D02}">
+  <ds:schemaRefs>
+    <ds:schemaRef ds:uri="http://schemas.microsoft.com/VisualStudio/2011/storyboarding/control"/>
+  </ds:schemaRefs>
+</ds:datastoreItem>
+</file>
+
+<file path=customXml/itemProps78.xml><?xml version="1.0" encoding="utf-8"?>
+<ds:datastoreItem xmlns:ds="http://schemas.openxmlformats.org/officeDocument/2006/customXml" ds:itemID="{16148647-754A-4A79-8420-ADA32F29D1AE}">
+  <ds:schemaRefs>
+    <ds:schemaRef ds:uri="http://schemas.microsoft.com/VisualStudio/2011/storyboarding/control"/>
+  </ds:schemaRefs>
+</ds:datastoreItem>
+</file>
+
+<file path=customXml/itemProps79.xml><?xml version="1.0" encoding="utf-8"?>
+<ds:datastoreItem xmlns:ds="http://schemas.openxmlformats.org/officeDocument/2006/customXml" ds:itemID="{64F776B7-BF0B-4B8B-9932-CD4D10025A5C}">
+  <ds:schemaRefs>
+    <ds:schemaRef ds:uri="http://schemas.microsoft.com/VisualStudio/2011/storyboarding/control"/>
+  </ds:schemaRefs>
+</ds:datastoreItem>
+</file>
+
+<file path=customXml/itemProps8.xml><?xml version="1.0" encoding="utf-8"?>
+<ds:datastoreItem xmlns:ds="http://schemas.openxmlformats.org/officeDocument/2006/customXml" ds:itemID="{4E01388C-A924-4BE8-985B-79D263B16D05}">
+  <ds:schemaRefs>
+    <ds:schemaRef ds:uri="http://schemas.microsoft.com/VisualStudio/2011/storyboarding/control"/>
+  </ds:schemaRefs>
+</ds:datastoreItem>
+</file>
+
+<file path=customXml/itemProps80.xml><?xml version="1.0" encoding="utf-8"?>
+<ds:datastoreItem xmlns:ds="http://schemas.openxmlformats.org/officeDocument/2006/customXml" ds:itemID="{F54E8041-E688-4CC0-AA9B-084D06139821}">
+  <ds:schemaRefs>
+    <ds:schemaRef ds:uri="http://schemas.microsoft.com/VisualStudio/2011/storyboarding/control"/>
+  </ds:schemaRefs>
+</ds:datastoreItem>
+</file>
+
+<file path=customXml/itemProps81.xml><?xml version="1.0" encoding="utf-8"?>
+<ds:datastoreItem xmlns:ds="http://schemas.openxmlformats.org/officeDocument/2006/customXml" ds:itemID="{4C57353B-922D-49DF-B3B7-197585741051}">
+  <ds:schemaRefs>
+    <ds:schemaRef ds:uri="http://schemas.microsoft.com/VisualStudio/2011/storyboarding/control"/>
+  </ds:schemaRefs>
+</ds:datastoreItem>
+</file>
+
+<file path=customXml/itemProps82.xml><?xml version="1.0" encoding="utf-8"?>
+<ds:datastoreItem xmlns:ds="http://schemas.openxmlformats.org/officeDocument/2006/customXml" ds:itemID="{68C444F3-4B3C-43E3-B462-7A3117A8127C}">
+  <ds:schemaRefs>
+    <ds:schemaRef ds:uri="http://schemas.microsoft.com/VisualStudio/2011/storyboarding/control"/>
+  </ds:schemaRefs>
+</ds:datastoreItem>
+</file>
+
+<file path=customXml/itemProps83.xml><?xml version="1.0" encoding="utf-8"?>
+<ds:datastoreItem xmlns:ds="http://schemas.openxmlformats.org/officeDocument/2006/customXml" ds:itemID="{9284DC6E-7B91-4932-BE00-33ED157955C5}">
+  <ds:schemaRefs>
+    <ds:schemaRef ds:uri="http://schemas.microsoft.com/VisualStudio/2011/storyboarding/control"/>
+  </ds:schemaRefs>
+</ds:datastoreItem>
+</file>
+
+<file path=customXml/itemProps84.xml><?xml version="1.0" encoding="utf-8"?>
+<ds:datastoreItem xmlns:ds="http://schemas.openxmlformats.org/officeDocument/2006/customXml" ds:itemID="{BFC4E313-8525-46BB-B2EA-19B4922B00C8}">
+  <ds:schemaRefs>
+    <ds:schemaRef ds:uri="http://schemas.microsoft.com/VisualStudio/2011/storyboarding/control"/>
+  </ds:schemaRefs>
+</ds:datastoreItem>
+</file>
+
+<file path=customXml/itemProps85.xml><?xml version="1.0" encoding="utf-8"?>
+<ds:datastoreItem xmlns:ds="http://schemas.openxmlformats.org/officeDocument/2006/customXml" ds:itemID="{687349BA-BFEC-42A4-8F54-F6E41F0DBFC0}">
+  <ds:schemaRefs>
+    <ds:schemaRef ds:uri="http://schemas.microsoft.com/VisualStudio/2011/storyboarding/control"/>
+  </ds:schemaRefs>
+</ds:datastoreItem>
+</file>
+
+<file path=customXml/itemProps86.xml><?xml version="1.0" encoding="utf-8"?>
+<ds:datastoreItem xmlns:ds="http://schemas.openxmlformats.org/officeDocument/2006/customXml" ds:itemID="{CCE61513-AF07-49B1-B8EA-B5635E280688}">
+  <ds:schemaRefs>
+    <ds:schemaRef ds:uri="http://schemas.microsoft.com/VisualStudio/2011/storyboarding/control"/>
+  </ds:schemaRefs>
+</ds:datastoreItem>
+</file>
+
+<file path=customXml/itemProps87.xml><?xml version="1.0" encoding="utf-8"?>
+<ds:datastoreItem xmlns:ds="http://schemas.openxmlformats.org/officeDocument/2006/customXml" ds:itemID="{FDBFC017-D8D8-4576-97DE-2339B769548C}">
+  <ds:schemaRefs>
+    <ds:schemaRef ds:uri="http://schemas.microsoft.com/VisualStudio/2011/storyboarding/control"/>
+  </ds:schemaRefs>
+</ds:datastoreItem>
+</file>
+
+<file path=customXml/itemProps88.xml><?xml version="1.0" encoding="utf-8"?>
+<ds:datastoreItem xmlns:ds="http://schemas.openxmlformats.org/officeDocument/2006/customXml" ds:itemID="{5935B25C-B0FA-447B-B017-3612A77273CA}">
+  <ds:schemaRefs>
+    <ds:schemaRef ds:uri="http://schemas.microsoft.com/VisualStudio/2011/storyboarding/control"/>
+  </ds:schemaRefs>
+</ds:datastoreItem>
+</file>
+
+<file path=customXml/itemProps89.xml><?xml version="1.0" encoding="utf-8"?>
+<ds:datastoreItem xmlns:ds="http://schemas.openxmlformats.org/officeDocument/2006/customXml" ds:itemID="{5ADFE433-8876-45D0-93E4-BC281C529072}">
+  <ds:schemaRefs>
+    <ds:schemaRef ds:uri="http://schemas.microsoft.com/VisualStudio/2011/storyboarding/control"/>
+  </ds:schemaRefs>
+</ds:datastoreItem>
+</file>
+
+<file path=customXml/itemProps9.xml><?xml version="1.0" encoding="utf-8"?>
+<ds:datastoreItem xmlns:ds="http://schemas.openxmlformats.org/officeDocument/2006/customXml" ds:itemID="{97CD0DFB-1A2E-4456-9A3B-03B352B1D925}">
+  <ds:schemaRefs>
+    <ds:schemaRef ds:uri="http://schemas.microsoft.com/VisualStudio/2011/storyboarding/control"/>
+  </ds:schemaRefs>
+</ds:datastoreItem>
+</file>
+
+<file path=customXml/itemProps90.xml><?xml version="1.0" encoding="utf-8"?>
+<ds:datastoreItem xmlns:ds="http://schemas.openxmlformats.org/officeDocument/2006/customXml" ds:itemID="{D5FEB2A6-E2DE-4A94-92FC-D966BD6E1C55}">
+  <ds:schemaRefs>
+    <ds:schemaRef ds:uri="http://schemas.microsoft.com/VisualStudio/2011/storyboarding/control"/>
+  </ds:schemaRefs>
+</ds:datastoreItem>
+</file>
+
+<file path=customXml/itemProps91.xml><?xml version="1.0" encoding="utf-8"?>
+<ds:datastoreItem xmlns:ds="http://schemas.openxmlformats.org/officeDocument/2006/customXml" ds:itemID="{A29EBE93-BDB6-42E1-AF9D-ECEC34CCBD22}">
+  <ds:schemaRefs>
+    <ds:schemaRef ds:uri="http://schemas.microsoft.com/VisualStudio/2011/storyboarding/control"/>
+  </ds:schemaRefs>
+</ds:datastoreItem>
+</file>
+
+<file path=customXml/itemProps92.xml><?xml version="1.0" encoding="utf-8"?>
+<ds:datastoreItem xmlns:ds="http://schemas.openxmlformats.org/officeDocument/2006/customXml" ds:itemID="{1149E04B-3E8B-4296-B732-8CEB5AC1664A}">
+  <ds:schemaRefs>
+    <ds:schemaRef ds:uri="http://schemas.microsoft.com/VisualStudio/2011/storyboarding/control"/>
+  </ds:schemaRefs>
+</ds:datastoreItem>
+</file>
+
+<file path=customXml/itemProps93.xml><?xml version="1.0" encoding="utf-8"?>
+<ds:datastoreItem xmlns:ds="http://schemas.openxmlformats.org/officeDocument/2006/customXml" ds:itemID="{287ABB93-A810-47C2-9432-4BEF75EE10AA}">
+  <ds:schemaRefs>
+    <ds:schemaRef ds:uri="http://schemas.microsoft.com/VisualStudio/2011/storyboarding/control"/>
+  </ds:schemaRefs>
+</ds:datastoreItem>
+</file>
+
+<file path=customXml/itemProps94.xml><?xml version="1.0" encoding="utf-8"?>
+<ds:datastoreItem xmlns:ds="http://schemas.openxmlformats.org/officeDocument/2006/customXml" ds:itemID="{9E79F933-0316-4890-BDA8-F3929E7B043E}">
+  <ds:schemaRefs>
+    <ds:schemaRef ds:uri="http://schemas.microsoft.com/VisualStudio/2011/storyboarding/control"/>
+  </ds:schemaRefs>
+</ds:datastoreItem>
+</file>
+
+<file path=customXml/itemProps95.xml><?xml version="1.0" encoding="utf-8"?>
+<ds:datastoreItem xmlns:ds="http://schemas.openxmlformats.org/officeDocument/2006/customXml" ds:itemID="{F7DB0738-7898-4ABD-A76A-72FACE8EDE87}">
+  <ds:schemaRefs>
+    <ds:schemaRef ds:uri="http://schemas.microsoft.com/VisualStudio/2011/storyboarding/control"/>
+  </ds:schemaRefs>
+</ds:datastoreItem>
+</file>
+
+<file path=customXml/itemProps96.xml><?xml version="1.0" encoding="utf-8"?>
+<ds:datastoreItem xmlns:ds="http://schemas.openxmlformats.org/officeDocument/2006/customXml" ds:itemID="{40020F98-0D97-4E00-A098-43B162DB38BF}">
+  <ds:schemaRefs>
+    <ds:schemaRef ds:uri="http://schemas.microsoft.com/VisualStudio/2011/storyboarding/control"/>
+  </ds:schemaRefs>
+</ds:datastoreItem>
+</file>
+
+<file path=customXml/itemProps97.xml><?xml version="1.0" encoding="utf-8"?>
+<ds:datastoreItem xmlns:ds="http://schemas.openxmlformats.org/officeDocument/2006/customXml" ds:itemID="{183171CA-D024-44C6-BA60-C3C1FBC455B0}">
+  <ds:schemaRefs>
+    <ds:schemaRef ds:uri="http://schemas.microsoft.com/VisualStudio/2011/storyboarding/control"/>
+  </ds:schemaRefs>
+</ds:datastoreItem>
+</file>
+
+<file path=customXml/itemProps98.xml><?xml version="1.0" encoding="utf-8"?>
+<ds:datastoreItem xmlns:ds="http://schemas.openxmlformats.org/officeDocument/2006/customXml" ds:itemID="{C7A8CFC0-4556-4E25-A269-74548695F78A}">
+  <ds:schemaRefs>
+    <ds:schemaRef ds:uri="http://schemas.microsoft.com/VisualStudio/2011/storyboarding/control"/>
+  </ds:schemaRefs>
+</ds:datastoreItem>
+</file>
+
+<file path=customXml/itemProps99.xml><?xml version="1.0" encoding="utf-8"?>
 <ds:datastoreItem xmlns:ds="http://schemas.openxmlformats.org/officeDocument/2006/customXml" ds:itemID="{3C01D0B5-D923-4DB6-9ECA-21B712F90957}">
   <ds:schemaRefs>
     <ds:schemaRef ds:uri="http://schemas.microsoft.com/VisualStudio/2011/storyboarding/control"/>
   </ds:schemaRefs>
 </ds:datastoreItem>
-</file>
-
-<file path=customXml/itemProps105.xml><?xml version="1.0" encoding="utf-8"?>
-<ds:datastoreItem xmlns:ds="http://schemas.openxmlformats.org/officeDocument/2006/customXml" ds:itemID="{5A85C3B7-6C9D-42E0-8B08-4473CA0722DF}">
-  <ds:schemaRefs>
-    <ds:schemaRef ds:uri="http://schemas.microsoft.com/VisualStudio/2011/storyboarding/control"/>
-  </ds:schemaRefs>
-</ds:datastoreItem>
-</file>
-
-<file path=customXml/itemProps106.xml><?xml version="1.0" encoding="utf-8"?>
-<ds:datastoreItem xmlns:ds="http://schemas.openxmlformats.org/officeDocument/2006/customXml" ds:itemID="{9A9F71E7-630C-41F7-9E54-34C094B490EC}">
-  <ds:schemaRefs>
-    <ds:schemaRef ds:uri="http://schemas.microsoft.com/VisualStudio/2011/storyboarding/control"/>
-  </ds:schemaRefs>
-</ds:datastoreItem>
-</file>
-
-<file path=customXml/itemProps107.xml><?xml version="1.0" encoding="utf-8"?>
-<ds:datastoreItem xmlns:ds="http://schemas.openxmlformats.org/officeDocument/2006/customXml" ds:itemID="{A59E3C97-FCC2-46B8-899A-F7C74E57512A}">
-  <ds:schemaRefs>
-    <ds:schemaRef ds:uri="http://schemas.microsoft.com/VisualStudio/2011/storyboarding/control"/>
-  </ds:schemaRefs>
-</ds:datastoreItem>
-</file>
-
-<file path=customXml/itemProps108.xml><?xml version="1.0" encoding="utf-8"?>
-<ds:datastoreItem xmlns:ds="http://schemas.openxmlformats.org/officeDocument/2006/customXml" ds:itemID="{C5FE7D1A-2B63-4C2F-9939-081E0C3BEDA0}">
-  <ds:schemaRefs>
-    <ds:schemaRef ds:uri="http://schemas.microsoft.com/VisualStudio/2011/storyboarding/control"/>
-  </ds:schemaRefs>
-</ds:datastoreItem>
-</file>
-
-<file path=customXml/itemProps109.xml><?xml version="1.0" encoding="utf-8"?>
-<ds:datastoreItem xmlns:ds="http://schemas.openxmlformats.org/officeDocument/2006/customXml" ds:itemID="{5ADFE433-8876-45D0-93E4-BC281C529072}">
-  <ds:schemaRefs>
-    <ds:schemaRef ds:uri="http://schemas.microsoft.com/VisualStudio/2011/storyboarding/control"/>
-  </ds:schemaRefs>
-</ds:datastoreItem>
-</file>
-
-<file path=customXml/itemProps11.xml><?xml version="1.0" encoding="utf-8"?>
-<ds:datastoreItem xmlns:ds="http://schemas.openxmlformats.org/officeDocument/2006/customXml" ds:itemID="{70826E2B-1B9D-49EA-B16E-B2BAED7E59C5}">
-  <ds:schemaRefs>
-    <ds:schemaRef ds:uri="http://schemas.microsoft.com/VisualStudio/2011/storyboarding/control"/>
-  </ds:schemaRefs>
-</ds:datastoreItem>
-</file>
-
-<file path=customXml/itemProps110.xml><?xml version="1.0" encoding="utf-8"?>
-<ds:datastoreItem xmlns:ds="http://schemas.openxmlformats.org/officeDocument/2006/customXml" ds:itemID="{BE10085E-8F62-44FE-A6C4-77F3F9B93BFD}">
-  <ds:schemaRefs>
-    <ds:schemaRef ds:uri="http://schemas.microsoft.com/VisualStudio/2011/storyboarding/control"/>
-  </ds:schemaRefs>
-</ds:datastoreItem>
-</file>
-
-<file path=customXml/itemProps111.xml><?xml version="1.0" encoding="utf-8"?>
-<ds:datastoreItem xmlns:ds="http://schemas.openxmlformats.org/officeDocument/2006/customXml" ds:itemID="{9BF50CE8-CF32-4606-8DE6-3101ABBDD070}">
-  <ds:schemaRefs>
-    <ds:schemaRef ds:uri="http://schemas.microsoft.com/VisualStudio/2011/storyboarding/control"/>
-  </ds:schemaRefs>
-</ds:datastoreItem>
-</file>
-
-<file path=customXml/itemProps112.xml><?xml version="1.0" encoding="utf-8"?>
-<ds:datastoreItem xmlns:ds="http://schemas.openxmlformats.org/officeDocument/2006/customXml" ds:itemID="{D10F67D1-B2C6-4D91-9BEE-407097047766}">
-  <ds:schemaRefs>
-    <ds:schemaRef ds:uri="http://schemas.microsoft.com/VisualStudio/2011/storyboarding/control"/>
-  </ds:schemaRefs>
-</ds:datastoreItem>
-</file>
-
-<file path=customXml/itemProps113.xml><?xml version="1.0" encoding="utf-8"?>
-<ds:datastoreItem xmlns:ds="http://schemas.openxmlformats.org/officeDocument/2006/customXml" ds:itemID="{2DFA9120-1703-4454-A33D-C7C738B921CC}">
-  <ds:schemaRefs>
-    <ds:schemaRef ds:uri="http://schemas.microsoft.com/VisualStudio/2011/storyboarding/control"/>
-  </ds:schemaRefs>
-</ds:datastoreItem>
-</file>
-
-<file path=customXml/itemProps114.xml><?xml version="1.0" encoding="utf-8"?>
-<ds:datastoreItem xmlns:ds="http://schemas.openxmlformats.org/officeDocument/2006/customXml" ds:itemID="{CD63B274-1815-48D1-99A0-018FC57DD355}">
-  <ds:schemaRefs>
-    <ds:schemaRef ds:uri="http://schemas.microsoft.com/VisualStudio/2011/storyboarding/control"/>
-  </ds:schemaRefs>
-</ds:datastoreItem>
-</file>
-
-<file path=customXml/itemProps115.xml><?xml version="1.0" encoding="utf-8"?>
-<ds:datastoreItem xmlns:ds="http://schemas.openxmlformats.org/officeDocument/2006/customXml" ds:itemID="{3F432E18-CBCB-42D0-A7E7-33B1387D14AE}">
-  <ds:schemaRefs>
-    <ds:schemaRef ds:uri="http://schemas.microsoft.com/VisualStudio/2011/storyboarding/control"/>
-  </ds:schemaRefs>
-</ds:datastoreItem>
-</file>
-
-<file path=customXml/itemProps116.xml><?xml version="1.0" encoding="utf-8"?>
-<ds:datastoreItem xmlns:ds="http://schemas.openxmlformats.org/officeDocument/2006/customXml" ds:itemID="{BB08E1D8-D864-4F18-BB84-C71EFF99EB19}">
-  <ds:schemaRefs>
-    <ds:schemaRef ds:uri="http://schemas.microsoft.com/VisualStudio/2011/storyboarding/control"/>
-  </ds:schemaRefs>
-</ds:datastoreItem>
-</file>
-
-<file path=customXml/itemProps117.xml><?xml version="1.0" encoding="utf-8"?>
-<ds:datastoreItem xmlns:ds="http://schemas.openxmlformats.org/officeDocument/2006/customXml" ds:itemID="{27703873-B6CF-4726-BC64-CAF5D1965247}">
-  <ds:schemaRefs>
-    <ds:schemaRef ds:uri="http://schemas.microsoft.com/VisualStudio/2011/storyboarding/control"/>
-  </ds:schemaRefs>
-</ds:datastoreItem>
-</file>
-
-<file path=customXml/itemProps118.xml><?xml version="1.0" encoding="utf-8"?>
-<ds:datastoreItem xmlns:ds="http://schemas.openxmlformats.org/officeDocument/2006/customXml" ds:itemID="{DD50F98B-127F-49E9-9CAA-EAEFB63C4CF6}">
-  <ds:schemaRefs>
-    <ds:schemaRef ds:uri="http://schemas.microsoft.com/VisualStudio/2011/storyboarding/control"/>
-  </ds:schemaRefs>
-</ds:datastoreItem>
-</file>
-
-<file path=customXml/itemProps119.xml><?xml version="1.0" encoding="utf-8"?>
-<ds:datastoreItem xmlns:ds="http://schemas.openxmlformats.org/officeDocument/2006/customXml" ds:itemID="{F3F192A1-932A-44AE-94FF-3EB034A95B0B}">
-  <ds:schemaRefs>
-    <ds:schemaRef ds:uri="http://schemas.microsoft.com/VisualStudio/2011/storyboarding/control"/>
-  </ds:schemaRefs>
-</ds:datastoreItem>
-</file>
-
-<file path=customXml/itemProps12.xml><?xml version="1.0" encoding="utf-8"?>
-<ds:datastoreItem xmlns:ds="http://schemas.openxmlformats.org/officeDocument/2006/customXml" ds:itemID="{46BCF9EF-DC37-4FCD-85C7-E3BE49B5BBE1}">
-  <ds:schemaRefs>
-    <ds:schemaRef ds:uri="http://schemas.microsoft.com/VisualStudio/2011/storyboarding/control"/>
-  </ds:schemaRefs>
-</ds:datastoreItem>
-</file>
-
-<file path=customXml/itemProps120.xml><?xml version="1.0" encoding="utf-8"?>
-<ds:datastoreItem xmlns:ds="http://schemas.openxmlformats.org/officeDocument/2006/customXml" ds:itemID="{40020F98-0D97-4E00-A098-43B162DB38BF}">
-  <ds:schemaRefs>
-    <ds:schemaRef ds:uri="http://schemas.microsoft.com/VisualStudio/2011/storyboarding/control"/>
-  </ds:schemaRefs>
-</ds:datastoreItem>
-</file>
-
-<file path=customXml/itemProps121.xml><?xml version="1.0" encoding="utf-8"?>
-<ds:datastoreItem xmlns:ds="http://schemas.openxmlformats.org/officeDocument/2006/customXml" ds:itemID="{D70F9E3A-D794-41D0-8FB0-C6970C6F8D98}">
-  <ds:schemaRefs>
-    <ds:schemaRef ds:uri="http://schemas.microsoft.com/VisualStudio/2011/storyboarding/control"/>
-  </ds:schemaRefs>
-</ds:datastoreItem>
-</file>
-
-<file path=customXml/itemProps122.xml><?xml version="1.0" encoding="utf-8"?>
-<ds:datastoreItem xmlns:ds="http://schemas.openxmlformats.org/officeDocument/2006/customXml" ds:itemID="{1E781AEC-D03E-4BA8-BA32-4906E66428A6}">
-  <ds:schemaRefs>
-    <ds:schemaRef ds:uri="http://schemas.microsoft.com/VisualStudio/2011/storyboarding/control"/>
-  </ds:schemaRefs>
-</ds:datastoreItem>
-</file>
-
-<file path=customXml/itemProps123.xml><?xml version="1.0" encoding="utf-8"?>
-<ds:datastoreItem xmlns:ds="http://schemas.openxmlformats.org/officeDocument/2006/customXml" ds:itemID="{FC644C14-B034-48B9-80E3-0CB00A432CE7}">
-  <ds:schemaRefs>
-    <ds:schemaRef ds:uri="http://schemas.microsoft.com/VisualStudio/2011/storyboarding/control"/>
-  </ds:schemaRefs>
-</ds:datastoreItem>
-</file>
-
-<file path=customXml/itemProps124.xml><?xml version="1.0" encoding="utf-8"?>
-<ds:datastoreItem xmlns:ds="http://schemas.openxmlformats.org/officeDocument/2006/customXml" ds:itemID="{9CF15317-809F-4DA0-9641-E108A9D2A822}">
-  <ds:schemaRefs>
-    <ds:schemaRef ds:uri="http://schemas.microsoft.com/VisualStudio/2011/storyboarding/control"/>
-  </ds:schemaRefs>
-</ds:datastoreItem>
-</file>
-
-<file path=customXml/itemProps125.xml><?xml version="1.0" encoding="utf-8"?>
-<ds:datastoreItem xmlns:ds="http://schemas.openxmlformats.org/officeDocument/2006/customXml" ds:itemID="{28F66DE3-F06A-4555-BE7F-CA7CD35CE06A}">
-  <ds:schemaRefs>
-    <ds:schemaRef ds:uri="http://schemas.microsoft.com/VisualStudio/2011/storyboarding/control"/>
-  </ds:schemaRefs>
-</ds:datastoreItem>
-</file>
-
-<file path=customXml/itemProps126.xml><?xml version="1.0" encoding="utf-8"?>
-<ds:datastoreItem xmlns:ds="http://schemas.openxmlformats.org/officeDocument/2006/customXml" ds:itemID="{09C8F827-DF5C-4ED5-9B32-F136378B8C20}">
-  <ds:schemaRefs>
-    <ds:schemaRef ds:uri="http://schemas.microsoft.com/VisualStudio/2011/storyboarding/control"/>
-  </ds:schemaRefs>
-</ds:datastoreItem>
-</file>
-
-<file path=customXml/itemProps127.xml><?xml version="1.0" encoding="utf-8"?>
-<ds:datastoreItem xmlns:ds="http://schemas.openxmlformats.org/officeDocument/2006/customXml" ds:itemID="{77DE4C39-3FB1-4D02-AB13-E2FD2FB0785B}">
-  <ds:schemaRefs>
-    <ds:schemaRef ds:uri="http://schemas.microsoft.com/VisualStudio/2011/storyboarding/control"/>
-  </ds:schemaRefs>
-</ds:datastoreItem>
-</file>
-
-<file path=customXml/itemProps128.xml><?xml version="1.0" encoding="utf-8"?>
-<ds:datastoreItem xmlns:ds="http://schemas.openxmlformats.org/officeDocument/2006/customXml" ds:itemID="{531ABAD3-B618-40BF-9584-FD7BA346DEDB}">
-  <ds:schemaRefs>
-    <ds:schemaRef ds:uri="http://schemas.microsoft.com/VisualStudio/2011/storyboarding/control"/>
-  </ds:schemaRefs>
-</ds:datastoreItem>
-</file>
-
-<file path=customXml/itemProps129.xml><?xml version="1.0" encoding="utf-8"?>
-<ds:datastoreItem xmlns:ds="http://schemas.openxmlformats.org/officeDocument/2006/customXml" ds:itemID="{49876BA4-ED70-4F54-946C-7F2FDA8101B3}">
-  <ds:schemaRefs>
-    <ds:schemaRef ds:uri="http://schemas.microsoft.com/VisualStudio/2011/storyboarding/control"/>
-  </ds:schemaRefs>
-</ds:datastoreItem>
-</file>
-
-<file path=customXml/itemProps13.xml><?xml version="1.0" encoding="utf-8"?>
-<ds:datastoreItem xmlns:ds="http://schemas.openxmlformats.org/officeDocument/2006/customXml" ds:itemID="{5935B25C-B0FA-447B-B017-3612A77273CA}">
-  <ds:schemaRefs>
-    <ds:schemaRef ds:uri="http://schemas.microsoft.com/VisualStudio/2011/storyboarding/control"/>
-  </ds:schemaRefs>
-</ds:datastoreItem>
-</file>
-
-<file path=customXml/itemProps130.xml><?xml version="1.0" encoding="utf-8"?>
-<ds:datastoreItem xmlns:ds="http://schemas.openxmlformats.org/officeDocument/2006/customXml" ds:itemID="{D59F002E-70DD-4433-838F-AE958AFFFAF5}">
-  <ds:schemaRefs>
-    <ds:schemaRef ds:uri="http://schemas.microsoft.com/VisualStudio/2011/storyboarding/control"/>
-  </ds:schemaRefs>
-</ds:datastoreItem>
-</file>
-
-<file path=customXml/itemProps131.xml><?xml version="1.0" encoding="utf-8"?>
-<ds:datastoreItem xmlns:ds="http://schemas.openxmlformats.org/officeDocument/2006/customXml" ds:itemID="{9A9FC5EF-7BAE-4716-8A24-B85392335D82}">
-  <ds:schemaRefs>
-    <ds:schemaRef ds:uri="http://schemas.microsoft.com/VisualStudio/2011/storyboarding/control"/>
-  </ds:schemaRefs>
-</ds:datastoreItem>
-</file>
-
-<file path=customXml/itemProps132.xml><?xml version="1.0" encoding="utf-8"?>
-<ds:datastoreItem xmlns:ds="http://schemas.openxmlformats.org/officeDocument/2006/customXml" ds:itemID="{8F4AEAB7-A1F2-4C56-BB84-85C7FC9250AF}">
-  <ds:schemaRefs>
-    <ds:schemaRef ds:uri="http://schemas.microsoft.com/VisualStudio/2011/storyboarding/control"/>
-  </ds:schemaRefs>
-</ds:datastoreItem>
-</file>
-
-<file path=customXml/itemProps133.xml><?xml version="1.0" encoding="utf-8"?>
-<ds:datastoreItem xmlns:ds="http://schemas.openxmlformats.org/officeDocument/2006/customXml" ds:itemID="{B0106A7A-83F8-41FA-B98D-2008E49735E3}">
-  <ds:schemaRefs>
-    <ds:schemaRef ds:uri="http://schemas.microsoft.com/VisualStudio/2011/storyboarding/control"/>
-  </ds:schemaRefs>
-</ds:datastoreItem>
-</file>
-
-<file path=customXml/itemProps134.xml><?xml version="1.0" encoding="utf-8"?>
-<ds:datastoreItem xmlns:ds="http://schemas.openxmlformats.org/officeDocument/2006/customXml" ds:itemID="{0341D26D-5D5B-454A-A579-757B0579E217}">
-  <ds:schemaRefs>
-    <ds:schemaRef ds:uri="http://schemas.microsoft.com/VisualStudio/2011/storyboarding/control"/>
-  </ds:schemaRefs>
-</ds:datastoreItem>
-</file>
-
-<file path=customXml/itemProps135.xml><?xml version="1.0" encoding="utf-8"?>
-<ds:datastoreItem xmlns:ds="http://schemas.openxmlformats.org/officeDocument/2006/customXml" ds:itemID="{F54E8041-E688-4CC0-AA9B-084D06139821}">
-  <ds:schemaRefs>
-    <ds:schemaRef ds:uri="http://schemas.microsoft.com/VisualStudio/2011/storyboarding/control"/>
-  </ds:schemaRefs>
-</ds:datastoreItem>
-</file>
-
-<file path=customXml/itemProps136.xml><?xml version="1.0" encoding="utf-8"?>
-<ds:datastoreItem xmlns:ds="http://schemas.openxmlformats.org/officeDocument/2006/customXml" ds:itemID="{86D2007A-49F1-4ED0-9146-5B0CCD907B77}">
-  <ds:schemaRefs>
-    <ds:schemaRef ds:uri="http://schemas.microsoft.com/VisualStudio/2011/storyboarding/control"/>
-  </ds:schemaRefs>
-</ds:datastoreItem>
-</file>
-
-<file path=customXml/itemProps137.xml><?xml version="1.0" encoding="utf-8"?>
-<ds:datastoreItem xmlns:ds="http://schemas.openxmlformats.org/officeDocument/2006/customXml" ds:itemID="{8DAC1539-EE00-4235-AB6E-3D689442BEDF}">
-  <ds:schemaRefs>
-    <ds:schemaRef ds:uri="http://schemas.microsoft.com/VisualStudio/2011/storyboarding/control"/>
-  </ds:schemaRefs>
-</ds:datastoreItem>
-</file>
-
-<file path=customXml/itemProps138.xml><?xml version="1.0" encoding="utf-8"?>
-<ds:datastoreItem xmlns:ds="http://schemas.openxmlformats.org/officeDocument/2006/customXml" ds:itemID="{4410EA4D-EEA7-4F65-AA4F-C451F3B82D11}">
-  <ds:schemaRefs>
-    <ds:schemaRef ds:uri="http://schemas.microsoft.com/VisualStudio/2011/storyboarding/control"/>
-  </ds:schemaRefs>
-</ds:datastoreItem>
-</file>
-
-<file path=customXml/itemProps139.xml><?xml version="1.0" encoding="utf-8"?>
-<ds:datastoreItem xmlns:ds="http://schemas.openxmlformats.org/officeDocument/2006/customXml" ds:itemID="{4F64FD6B-9172-4B1B-9866-57A2F12A3AA1}">
-  <ds:schemaRefs>
-    <ds:schemaRef ds:uri="http://schemas.microsoft.com/VisualStudio/2011/storyboarding/control"/>
-  </ds:schemaRefs>
-</ds:datastoreItem>
-</file>
-
-<file path=customXml/itemProps14.xml><?xml version="1.0" encoding="utf-8"?>
-<ds:datastoreItem xmlns:ds="http://schemas.openxmlformats.org/officeDocument/2006/customXml" ds:itemID="{E1A30748-A830-4B10-A878-3B4756F506F2}">
-  <ds:schemaRefs>
-    <ds:schemaRef ds:uri="http://schemas.microsoft.com/VisualStudio/2011/storyboarding/control"/>
-  </ds:schemaRefs>
-</ds:datastoreItem>
-</file>
-
-<file path=customXml/itemProps140.xml><?xml version="1.0" encoding="utf-8"?>
-<ds:datastoreItem xmlns:ds="http://schemas.openxmlformats.org/officeDocument/2006/customXml" ds:itemID="{B39EB365-64A2-4270-B261-6F581E40AA63}">
-  <ds:schemaRefs>
-    <ds:schemaRef ds:uri="http://schemas.microsoft.com/VisualStudio/2011/storyboarding/control"/>
-  </ds:schemaRefs>
-</ds:datastoreItem>
-</file>
-
-<file path=customXml/itemProps141.xml><?xml version="1.0" encoding="utf-8"?>
-<ds:datastoreItem xmlns:ds="http://schemas.openxmlformats.org/officeDocument/2006/customXml" ds:itemID="{183171CA-D024-44C6-BA60-C3C1FBC455B0}">
-  <ds:schemaRefs>
-    <ds:schemaRef ds:uri="http://schemas.microsoft.com/VisualStudio/2011/storyboarding/control"/>
-  </ds:schemaRefs>
-</ds:datastoreItem>
-</file>
-
-<file path=customXml/itemProps142.xml><?xml version="1.0" encoding="utf-8"?>
-<ds:datastoreItem xmlns:ds="http://schemas.openxmlformats.org/officeDocument/2006/customXml" ds:itemID="{37CE81D8-9C4B-4E15-A141-0DD4074A0D38}">
-  <ds:schemaRefs>
-    <ds:schemaRef ds:uri="http://schemas.microsoft.com/VisualStudio/2011/storyboarding/control"/>
-  </ds:schemaRefs>
-</ds:datastoreItem>
-</file>
-
-<file path=customXml/itemProps143.xml><?xml version="1.0" encoding="utf-8"?>
-<ds:datastoreItem xmlns:ds="http://schemas.openxmlformats.org/officeDocument/2006/customXml" ds:itemID="{300F2AB4-3C5D-4655-B01B-4D1BCE3FB2D7}">
-  <ds:schemaRefs>
-    <ds:schemaRef ds:uri="http://schemas.microsoft.com/VisualStudio/2011/storyboarding/control"/>
-  </ds:schemaRefs>
-</ds:datastoreItem>
-</file>
-
-<file path=customXml/itemProps144.xml><?xml version="1.0" encoding="utf-8"?>
-<ds:datastoreItem xmlns:ds="http://schemas.openxmlformats.org/officeDocument/2006/customXml" ds:itemID="{11C14D45-A737-4C48-AAAE-B66C79B7299B}">
-  <ds:schemaRefs>
-    <ds:schemaRef ds:uri="http://schemas.microsoft.com/VisualStudio/2011/storyboarding/control"/>
-  </ds:schemaRefs>
-</ds:datastoreItem>
-</file>
-
-<file path=customXml/itemProps145.xml><?xml version="1.0" encoding="utf-8"?>
-<ds:datastoreItem xmlns:ds="http://schemas.openxmlformats.org/officeDocument/2006/customXml" ds:itemID="{CC5817FC-60B5-4D71-B65A-831129B98ECB}">
-  <ds:schemaRefs>
-    <ds:schemaRef ds:uri="http://schemas.microsoft.com/VisualStudio/2011/storyboarding/control"/>
-  </ds:schemaRefs>
-</ds:datastoreItem>
-</file>
-
-<file path=customXml/itemProps146.xml><?xml version="1.0" encoding="utf-8"?>
-<ds:datastoreItem xmlns:ds="http://schemas.openxmlformats.org/officeDocument/2006/customXml" ds:itemID="{EA4EC698-107C-4564-9B1E-0370BF9BB6D4}">
-  <ds:schemaRefs>
-    <ds:schemaRef ds:uri="http://schemas.microsoft.com/VisualStudio/2011/storyboarding/control"/>
-  </ds:schemaRefs>
-</ds:datastoreItem>
-</file>
-
-<file path=customXml/itemProps147.xml><?xml version="1.0" encoding="utf-8"?>
-<ds:datastoreItem xmlns:ds="http://schemas.openxmlformats.org/officeDocument/2006/customXml" ds:itemID="{8656E5FD-1F8F-4C6E-A35E-BF4448E645E4}">
-  <ds:schemaRefs>
-    <ds:schemaRef ds:uri="http://schemas.microsoft.com/VisualStudio/2011/storyboarding/control"/>
-  </ds:schemaRefs>
-</ds:datastoreItem>
-</file>
-
-<file path=customXml/itemProps148.xml><?xml version="1.0" encoding="utf-8"?>
-<ds:datastoreItem xmlns:ds="http://schemas.openxmlformats.org/officeDocument/2006/customXml" ds:itemID="{D226A0C3-5037-4DCE-847C-5DB2A993A518}">
-  <ds:schemaRefs>
-    <ds:schemaRef ds:uri="http://schemas.microsoft.com/VisualStudio/2011/storyboarding/control"/>
-  </ds:schemaRefs>
-</ds:datastoreItem>
-</file>
-
-<file path=customXml/itemProps149.xml><?xml version="1.0" encoding="utf-8"?>
-<ds:datastoreItem xmlns:ds="http://schemas.openxmlformats.org/officeDocument/2006/customXml" ds:itemID="{88FF388B-936F-494E-A575-6D8128D38F2C}">
-  <ds:schemaRefs>
-    <ds:schemaRef ds:uri="http://schemas.microsoft.com/VisualStudio/2011/storyboarding/control"/>
-  </ds:schemaRefs>
-</ds:datastoreItem>
-</file>
-
-<file path=customXml/itemProps15.xml><?xml version="1.0" encoding="utf-8"?>
-<ds:datastoreItem xmlns:ds="http://schemas.openxmlformats.org/officeDocument/2006/customXml" ds:itemID="{7DF39149-FE61-41DB-A273-C2A27AB1224B}">
-  <ds:schemaRefs>
-    <ds:schemaRef ds:uri="http://schemas.microsoft.com/VisualStudio/2011/storyboarding/control"/>
-  </ds:schemaRefs>
-</ds:datastoreItem>
-</file>
-
-<file path=customXml/itemProps150.xml><?xml version="1.0" encoding="utf-8"?>
-<ds:datastoreItem xmlns:ds="http://schemas.openxmlformats.org/officeDocument/2006/customXml" ds:itemID="{190B5A55-C46E-427C-8110-28892E409808}">
-  <ds:schemaRefs>
-    <ds:schemaRef ds:uri="http://schemas.microsoft.com/VisualStudio/2011/storyboarding/control"/>
-  </ds:schemaRefs>
-</ds:datastoreItem>
-</file>
-
-<file path=customXml/itemProps151.xml><?xml version="1.0" encoding="utf-8"?>
-<ds:datastoreItem xmlns:ds="http://schemas.openxmlformats.org/officeDocument/2006/customXml" ds:itemID="{97E85E79-3453-4406-A138-2BED0C524D02}">
-  <ds:schemaRefs>
-    <ds:schemaRef ds:uri="http://schemas.microsoft.com/VisualStudio/2011/storyboarding/control"/>
-  </ds:schemaRefs>
-</ds:datastoreItem>
-</file>
-
-<file path=customXml/itemProps152.xml><?xml version="1.0" encoding="utf-8"?>
-<ds:datastoreItem xmlns:ds="http://schemas.openxmlformats.org/officeDocument/2006/customXml" ds:itemID="{3D180A80-32EA-4B75-B874-79AE921CE972}">
-  <ds:schemaRefs>
-    <ds:schemaRef ds:uri="http://schemas.microsoft.com/VisualStudio/2011/storyboarding/control"/>
-  </ds:schemaRefs>
-</ds:datastoreItem>
-</file>
-
-<file path=customXml/itemProps153.xml><?xml version="1.0" encoding="utf-8"?>
-<ds:datastoreItem xmlns:ds="http://schemas.openxmlformats.org/officeDocument/2006/customXml" ds:itemID="{A147C2B5-40E8-429C-BE34-7938697C5C66}">
-  <ds:schemaRefs>
-    <ds:schemaRef ds:uri="http://schemas.microsoft.com/VisualStudio/2011/storyboarding/control"/>
-  </ds:schemaRefs>
-</ds:datastoreItem>
-</file>
-
-<file path=customXml/itemProps154.xml><?xml version="1.0" encoding="utf-8"?>
-<ds:datastoreItem xmlns:ds="http://schemas.openxmlformats.org/officeDocument/2006/customXml" ds:itemID="{219F8D49-BE60-4AAC-BE38-D53D8B70AAD5}">
-  <ds:schemaRefs>
-    <ds:schemaRef ds:uri="http://schemas.microsoft.com/VisualStudio/2011/storyboarding/control"/>
-  </ds:schemaRefs>
-</ds:datastoreItem>
-</file>
-
-<file path=customXml/itemProps155.xml><?xml version="1.0" encoding="utf-8"?>
-<ds:datastoreItem xmlns:ds="http://schemas.openxmlformats.org/officeDocument/2006/customXml" ds:itemID="{74BC8D2C-FD25-4E2B-A6B7-DEFF59868BEE}">
-  <ds:schemaRefs>
-    <ds:schemaRef ds:uri="http://schemas.microsoft.com/VisualStudio/2011/storyboarding/control"/>
-  </ds:schemaRefs>
-</ds:datastoreItem>
-</file>
-
-<file path=customXml/itemProps156.xml><?xml version="1.0" encoding="utf-8"?>
-<ds:datastoreItem xmlns:ds="http://schemas.openxmlformats.org/officeDocument/2006/customXml" ds:itemID="{4C57353B-922D-49DF-B3B7-197585741051}">
-  <ds:schemaRefs>
-    <ds:schemaRef ds:uri="http://schemas.microsoft.com/VisualStudio/2011/storyboarding/control"/>
-  </ds:schemaRefs>
-</ds:datastoreItem>
-</file>
-
-<file path=customXml/itemProps157.xml><?xml version="1.0" encoding="utf-8"?>
-<ds:datastoreItem xmlns:ds="http://schemas.openxmlformats.org/officeDocument/2006/customXml" ds:itemID="{03AF16DA-F379-4635-B53A-84140F8E12F6}">
-  <ds:schemaRefs>
-    <ds:schemaRef ds:uri="http://schemas.microsoft.com/VisualStudio/2011/storyboarding/control"/>
-  </ds:schemaRefs>
-</ds:datastoreItem>
-</file>
-
-<file path=customXml/itemProps158.xml><?xml version="1.0" encoding="utf-8"?>
-<ds:datastoreItem xmlns:ds="http://schemas.openxmlformats.org/officeDocument/2006/customXml" ds:itemID="{497383C0-2E4A-4ECC-8F9C-9D91C78BDFF7}">
-  <ds:schemaRefs>
-    <ds:schemaRef ds:uri="http://schemas.microsoft.com/VisualStudio/2011/storyboarding/control"/>
-  </ds:schemaRefs>
-</ds:datastoreItem>
-</file>
-
-<file path=customXml/itemProps159.xml><?xml version="1.0" encoding="utf-8"?>
-<ds:datastoreItem xmlns:ds="http://schemas.openxmlformats.org/officeDocument/2006/customXml" ds:itemID="{43336618-5276-4473-80F1-81F0F17F91C1}">
-  <ds:schemaRefs>
-    <ds:schemaRef ds:uri="http://schemas.microsoft.com/VisualStudio/2011/storyboarding/control"/>
-  </ds:schemaRefs>
-</ds:datastoreItem>
-</file>
-
-<file path=customXml/itemProps16.xml><?xml version="1.0" encoding="utf-8"?>
-<ds:datastoreItem xmlns:ds="http://schemas.openxmlformats.org/officeDocument/2006/customXml" ds:itemID="{C51C621F-9949-4A73-A5F9-2DF6287C2E14}">
-  <ds:schemaRefs>
-    <ds:schemaRef ds:uri="http://schemas.microsoft.com/VisualStudio/2011/storyboarding/control"/>
-  </ds:schemaRefs>
-</ds:datastoreItem>
-</file>
-
-<file path=customXml/itemProps160.xml><?xml version="1.0" encoding="utf-8"?>
-<ds:datastoreItem xmlns:ds="http://schemas.openxmlformats.org/officeDocument/2006/customXml" ds:itemID="{4EF85945-0603-4338-9A87-6BBEC29A645F}">
-  <ds:schemaRefs>
-    <ds:schemaRef ds:uri="http://schemas.microsoft.com/VisualStudio/2011/storyboarding/control"/>
-  </ds:schemaRefs>
-</ds:datastoreItem>
-</file>
-
-<file path=customXml/itemProps161.xml><?xml version="1.0" encoding="utf-8"?>
-<ds:datastoreItem xmlns:ds="http://schemas.openxmlformats.org/officeDocument/2006/customXml" ds:itemID="{6D1FD146-E493-41D7-B9FE-E113E5E0907E}">
-  <ds:schemaRefs>
-    <ds:schemaRef ds:uri="http://schemas.microsoft.com/VisualStudio/2011/storyboarding/control"/>
-  </ds:schemaRefs>
-</ds:datastoreItem>
-</file>
-
-<file path=customXml/itemProps162.xml><?xml version="1.0" encoding="utf-8"?>
-<ds:datastoreItem xmlns:ds="http://schemas.openxmlformats.org/officeDocument/2006/customXml" ds:itemID="{1C398AC1-4638-4A46-8F3B-259DD202478E}">
-  <ds:schemaRefs>
-    <ds:schemaRef ds:uri="http://schemas.microsoft.com/VisualStudio/2011/storyboarding/control"/>
-  </ds:schemaRefs>
-</ds:datastoreItem>
-</file>
-
-<file path=customXml/itemProps163.xml><?xml version="1.0" encoding="utf-8"?>
-<ds:datastoreItem xmlns:ds="http://schemas.openxmlformats.org/officeDocument/2006/customXml" ds:itemID="{0EAF2948-FD94-49F5-B377-DA8EBE204475}">
-  <ds:schemaRefs>
-    <ds:schemaRef ds:uri="http://schemas.microsoft.com/VisualStudio/2011/storyboarding/control"/>
-  </ds:schemaRefs>
-</ds:datastoreItem>
-</file>
-
-<file path=customXml/itemProps164.xml><?xml version="1.0" encoding="utf-8"?>
-<ds:datastoreItem xmlns:ds="http://schemas.openxmlformats.org/officeDocument/2006/customXml" ds:itemID="{42063805-6CB9-4EB6-A3CE-140E342850A1}">
-  <ds:schemaRefs>
-    <ds:schemaRef ds:uri="http://schemas.microsoft.com/VisualStudio/2011/storyboarding/control"/>
-  </ds:schemaRefs>
-</ds:datastoreItem>
-</file>
-
-<file path=customXml/itemProps165.xml><?xml version="1.0" encoding="utf-8"?>
-<ds:datastoreItem xmlns:ds="http://schemas.openxmlformats.org/officeDocument/2006/customXml" ds:itemID="{ECA19B56-26C3-4074-8DF0-A75E70CE4C52}">
-  <ds:schemaRefs>
-    <ds:schemaRef ds:uri="http://schemas.microsoft.com/VisualStudio/2011/storyboarding/control"/>
-  </ds:schemaRefs>
-</ds:datastoreItem>
-</file>
-
-<file path=customXml/itemProps166.xml><?xml version="1.0" encoding="utf-8"?>
-<ds:datastoreItem xmlns:ds="http://schemas.openxmlformats.org/officeDocument/2006/customXml" ds:itemID="{E4179CE1-5873-430C-A047-AE46D03E2569}">
-  <ds:schemaRefs>
-    <ds:schemaRef ds:uri="http://schemas.microsoft.com/VisualStudio/2011/storyboarding/control"/>
-  </ds:schemaRefs>
-</ds:datastoreItem>
-</file>
-
-<file path=customXml/itemProps167.xml><?xml version="1.0" encoding="utf-8"?>
-<ds:datastoreItem xmlns:ds="http://schemas.openxmlformats.org/officeDocument/2006/customXml" ds:itemID="{43873FE5-EB9A-48DD-AD09-897EC7A5B60E}">
-  <ds:schemaRefs>
-    <ds:schemaRef ds:uri="http://schemas.microsoft.com/VisualStudio/2011/storyboarding/control"/>
-  </ds:schemaRefs>
-</ds:datastoreItem>
-</file>
-
-<file path=customXml/itemProps168.xml><?xml version="1.0" encoding="utf-8"?>
-<ds:datastoreItem xmlns:ds="http://schemas.openxmlformats.org/officeDocument/2006/customXml" ds:itemID="{E998C69E-52BE-44B3-B629-486376A2D891}">
-  <ds:schemaRefs>
-    <ds:schemaRef ds:uri="http://schemas.microsoft.com/VisualStudio/2011/storyboarding/control"/>
-  </ds:schemaRefs>
-</ds:datastoreItem>
-</file>
-
-<file path=customXml/itemProps169.xml><?xml version="1.0" encoding="utf-8"?>
-<ds:datastoreItem xmlns:ds="http://schemas.openxmlformats.org/officeDocument/2006/customXml" ds:itemID="{FBD59DB0-233D-4542-9356-F926927AC150}">
-  <ds:schemaRefs>
-    <ds:schemaRef ds:uri="http://schemas.microsoft.com/VisualStudio/2011/storyboarding/control"/>
-  </ds:schemaRefs>
-</ds:datastoreItem>
-</file>
-
-<file path=customXml/itemProps17.xml><?xml version="1.0" encoding="utf-8"?>
-<ds:datastoreItem xmlns:ds="http://schemas.openxmlformats.org/officeDocument/2006/customXml" ds:itemID="{9BFD28BC-F5E3-43AD-9A6E-07C9D177A3A7}">
-  <ds:schemaRefs>
-    <ds:schemaRef ds:uri="http://schemas.microsoft.com/VisualStudio/2011/storyboarding/control"/>
-  </ds:schemaRefs>
-</ds:datastoreItem>
-</file>
-
-<file path=customXml/itemProps170.xml><?xml version="1.0" encoding="utf-8"?>
-<ds:datastoreItem xmlns:ds="http://schemas.openxmlformats.org/officeDocument/2006/customXml" ds:itemID="{4E01388C-A924-4BE8-985B-79D263B16D05}">
-  <ds:schemaRefs>
-    <ds:schemaRef ds:uri="http://schemas.microsoft.com/VisualStudio/2011/storyboarding/control"/>
-  </ds:schemaRefs>
-</ds:datastoreItem>
-</file>
-
-<file path=customXml/itemProps171.xml><?xml version="1.0" encoding="utf-8"?>
-<ds:datastoreItem xmlns:ds="http://schemas.openxmlformats.org/officeDocument/2006/customXml" ds:itemID="{7DADA5E2-03E5-49B3-9E3C-4AF206A22159}">
-  <ds:schemaRefs>
-    <ds:schemaRef ds:uri="http://schemas.microsoft.com/VisualStudio/2011/storyboarding/control"/>
-  </ds:schemaRefs>
-</ds:datastoreItem>
-</file>
-
-<file path=customXml/itemProps172.xml><?xml version="1.0" encoding="utf-8"?>
-<ds:datastoreItem xmlns:ds="http://schemas.openxmlformats.org/officeDocument/2006/customXml" ds:itemID="{BFC4E313-8525-46BB-B2EA-19B4922B00C8}">
-  <ds:schemaRefs>
-    <ds:schemaRef ds:uri="http://schemas.microsoft.com/VisualStudio/2011/storyboarding/control"/>
-  </ds:schemaRefs>
-</ds:datastoreItem>
-</file>
-
-<file path=customXml/itemProps173.xml><?xml version="1.0" encoding="utf-8"?>
-<ds:datastoreItem xmlns:ds="http://schemas.openxmlformats.org/officeDocument/2006/customXml" ds:itemID="{27BC9990-CADA-45E4-8D2C-621D363CA1D2}">
-  <ds:schemaRefs>
-    <ds:schemaRef ds:uri="http://schemas.microsoft.com/VisualStudio/2011/storyboarding/control"/>
-  </ds:schemaRefs>
-</ds:datastoreItem>
-</file>
-
-<file path=customXml/itemProps174.xml><?xml version="1.0" encoding="utf-8"?>
-<ds:datastoreItem xmlns:ds="http://schemas.openxmlformats.org/officeDocument/2006/customXml" ds:itemID="{CF6A60AE-6D84-4733-81BB-5121E0FFC000}">
-  <ds:schemaRefs>
-    <ds:schemaRef ds:uri="http://schemas.microsoft.com/VisualStudio/2011/storyboarding/control"/>
-  </ds:schemaRefs>
-</ds:datastoreItem>
-</file>
-
-<file path=customXml/itemProps175.xml><?xml version="1.0" encoding="utf-8"?>
-<ds:datastoreItem xmlns:ds="http://schemas.openxmlformats.org/officeDocument/2006/customXml" ds:itemID="{356EE708-7A27-49E2-9281-EA922369ECFA}">
-  <ds:schemaRefs>
-    <ds:schemaRef ds:uri="http://schemas.microsoft.com/VisualStudio/2011/storyboarding/control"/>
-  </ds:schemaRefs>
-</ds:datastoreItem>
-</file>
-
-<file path=customXml/itemProps176.xml><?xml version="1.0" encoding="utf-8"?>
-<ds:datastoreItem xmlns:ds="http://schemas.openxmlformats.org/officeDocument/2006/customXml" ds:itemID="{1F322422-9D52-4DFA-A51C-4E56B9EFD940}">
-  <ds:schemaRefs>
-    <ds:schemaRef ds:uri="http://schemas.microsoft.com/VisualStudio/2011/storyboarding/control"/>
-  </ds:schemaRefs>
-</ds:datastoreItem>
-</file>
-
-<file path=customXml/itemProps177.xml><?xml version="1.0" encoding="utf-8"?>
-<ds:datastoreItem xmlns:ds="http://schemas.openxmlformats.org/officeDocument/2006/customXml" ds:itemID="{68C444F3-4B3C-43E3-B462-7A3117A8127C}">
-  <ds:schemaRefs>
-    <ds:schemaRef ds:uri="http://schemas.microsoft.com/VisualStudio/2011/storyboarding/control"/>
-  </ds:schemaRefs>
-</ds:datastoreItem>
-</file>
-
-<file path=customXml/itemProps178.xml><?xml version="1.0" encoding="utf-8"?>
-<ds:datastoreItem xmlns:ds="http://schemas.openxmlformats.org/officeDocument/2006/customXml" ds:itemID="{695076D8-7FD3-4D50-8422-39FB65B1C7A5}">
-  <ds:schemaRefs>
-    <ds:schemaRef ds:uri="http://schemas.microsoft.com/VisualStudio/2011/storyboarding/control"/>
-  </ds:schemaRefs>
-</ds:datastoreItem>
-</file>
-
-<file path=customXml/itemProps179.xml><?xml version="1.0" encoding="utf-8"?>
-<ds:datastoreItem xmlns:ds="http://schemas.openxmlformats.org/officeDocument/2006/customXml" ds:itemID="{94912295-7C01-4B28-8ED1-BD643E7EF7F9}">
-  <ds:schemaRefs>
-    <ds:schemaRef ds:uri="http://schemas.microsoft.com/VisualStudio/2011/storyboarding/control"/>
-  </ds:schemaRefs>
-</ds:datastoreItem>
-</file>
-
-<file path=customXml/itemProps18.xml><?xml version="1.0" encoding="utf-8"?>
-<ds:datastoreItem xmlns:ds="http://schemas.openxmlformats.org/officeDocument/2006/customXml" ds:itemID="{D5FEB2A6-E2DE-4A94-92FC-D966BD6E1C55}">
-  <ds:schemaRefs>
-    <ds:schemaRef ds:uri="http://schemas.microsoft.com/VisualStudio/2011/storyboarding/control"/>
-  </ds:schemaRefs>
-</ds:datastoreItem>
-</file>
-
-<file path=customXml/itemProps180.xml><?xml version="1.0" encoding="utf-8"?>
-<ds:datastoreItem xmlns:ds="http://schemas.openxmlformats.org/officeDocument/2006/customXml" ds:itemID="{6052A948-8845-4EF6-94B7-705E06C6FC81}">
-  <ds:schemaRefs>
-    <ds:schemaRef ds:uri="http://schemas.microsoft.com/VisualStudio/2011/storyboarding/control"/>
-  </ds:schemaRefs>
-</ds:datastoreItem>
-</file>
-
-<file path=customXml/itemProps181.xml><?xml version="1.0" encoding="utf-8"?>
-<ds:datastoreItem xmlns:ds="http://schemas.openxmlformats.org/officeDocument/2006/customXml" ds:itemID="{1DCDD326-8855-4EA9-81F1-29467A7EBF4F}">
-  <ds:schemaRefs>
-    <ds:schemaRef ds:uri="http://schemas.microsoft.com/VisualStudio/2011/storyboarding/control"/>
-  </ds:schemaRefs>
-</ds:datastoreItem>
-</file>
-
-<file path=customXml/itemProps182.xml><?xml version="1.0" encoding="utf-8"?>
-<ds:datastoreItem xmlns:ds="http://schemas.openxmlformats.org/officeDocument/2006/customXml" ds:itemID="{E3A1C028-05DB-4953-AA73-C22DBE13D6E4}">
-  <ds:schemaRefs>
-    <ds:schemaRef ds:uri="http://schemas.microsoft.com/VisualStudio/2011/storyboarding/control"/>
-  </ds:schemaRefs>
-</ds:datastoreItem>
-</file>
-
-<file path=customXml/itemProps183.xml><?xml version="1.0" encoding="utf-8"?>
-<ds:datastoreItem xmlns:ds="http://schemas.openxmlformats.org/officeDocument/2006/customXml" ds:itemID="{4089D504-89F9-4F40-B2EF-0FBBE4651254}">
-  <ds:schemaRefs>
-    <ds:schemaRef ds:uri="http://schemas.microsoft.com/VisualStudio/2011/storyboarding/control"/>
-  </ds:schemaRefs>
-</ds:datastoreItem>
-</file>
-
-<file path=customXml/itemProps184.xml><?xml version="1.0" encoding="utf-8"?>
-<ds:datastoreItem xmlns:ds="http://schemas.openxmlformats.org/officeDocument/2006/customXml" ds:itemID="{112D8468-F75E-46D9-BF86-CF193261424D}">
-  <ds:schemaRefs>
-    <ds:schemaRef ds:uri="http://schemas.microsoft.com/VisualStudio/2011/storyboarding/control"/>
-  </ds:schemaRefs>
-</ds:datastoreItem>
-</file>
-
-<file path=customXml/itemProps185.xml><?xml version="1.0" encoding="utf-8"?>
-<ds:datastoreItem xmlns:ds="http://schemas.openxmlformats.org/officeDocument/2006/customXml" ds:itemID="{41EE4082-0EEC-4541-ACC5-B84A36EDE554}">
-  <ds:schemaRefs>
-    <ds:schemaRef ds:uri="http://schemas.microsoft.com/VisualStudio/2011/storyboarding/control"/>
-  </ds:schemaRefs>
-</ds:datastoreItem>
-</file>
-
-<file path=customXml/itemProps186.xml><?xml version="1.0" encoding="utf-8"?>
-<ds:datastoreItem xmlns:ds="http://schemas.openxmlformats.org/officeDocument/2006/customXml" ds:itemID="{8CF028E2-4AC4-4488-82BC-A4297283673B}">
-  <ds:schemaRefs>
-    <ds:schemaRef ds:uri="http://schemas.microsoft.com/VisualStudio/2011/storyboarding/control"/>
-  </ds:schemaRefs>
-</ds:datastoreItem>
-</file>
-
-<file path=customXml/itemProps187.xml><?xml version="1.0" encoding="utf-8"?>
-<ds:datastoreItem xmlns:ds="http://schemas.openxmlformats.org/officeDocument/2006/customXml" ds:itemID="{A1484EA6-E369-4EF7-BD90-CC323D5BFB64}">
-  <ds:schemaRefs>
-    <ds:schemaRef ds:uri="http://schemas.microsoft.com/VisualStudio/2011/storyboarding/control"/>
-  </ds:schemaRefs>
-</ds:datastoreItem>
-</file>
-
-<file path=customXml/itemProps188.xml><?xml version="1.0" encoding="utf-8"?>
-<ds:datastoreItem xmlns:ds="http://schemas.openxmlformats.org/officeDocument/2006/customXml" ds:itemID="{F168EC64-09F0-4E6D-A054-4FF280609036}">
-  <ds:schemaRefs>
-    <ds:schemaRef ds:uri="http://schemas.microsoft.com/VisualStudio/2011/storyboarding/control"/>
-  </ds:schemaRefs>
-</ds:datastoreItem>
-</file>
-
-<file path=customXml/itemProps189.xml><?xml version="1.0" encoding="utf-8"?>
-<ds:datastoreItem xmlns:ds="http://schemas.openxmlformats.org/officeDocument/2006/customXml" ds:itemID="{974C45C0-2A3F-42F7-AD70-188C11EC76CD}">
-  <ds:schemaRefs>
-    <ds:schemaRef ds:uri="http://schemas.microsoft.com/VisualStudio/2011/storyboarding/control"/>
-  </ds:schemaRefs>
-</ds:datastoreItem>
-</file>
-
-<file path=customXml/itemProps19.xml><?xml version="1.0" encoding="utf-8"?>
-<ds:datastoreItem xmlns:ds="http://schemas.openxmlformats.org/officeDocument/2006/customXml" ds:itemID="{6C53E6A2-563C-44BA-973B-82523CC06E1A}">
-  <ds:schemaRefs>
-    <ds:schemaRef ds:uri="http://schemas.microsoft.com/VisualStudio/2011/storyboarding/control"/>
-  </ds:schemaRefs>
-</ds:datastoreItem>
-</file>
-
-<file path=customXml/itemProps190.xml><?xml version="1.0" encoding="utf-8"?>
-<ds:datastoreItem xmlns:ds="http://schemas.openxmlformats.org/officeDocument/2006/customXml" ds:itemID="{47D5C557-1651-48F6-8155-1FB19872772E}">
-  <ds:schemaRefs>
-    <ds:schemaRef ds:uri="http://schemas.microsoft.com/VisualStudio/2011/storyboarding/control"/>
-  </ds:schemaRefs>
-</ds:datastoreItem>
-</file>
-
-<file path=customXml/itemProps191.xml><?xml version="1.0" encoding="utf-8"?>
-<ds:datastoreItem xmlns:ds="http://schemas.openxmlformats.org/officeDocument/2006/customXml" ds:itemID="{97CD0DFB-1A2E-4456-9A3B-03B352B1D925}">
-  <ds:schemaRefs>
-    <ds:schemaRef ds:uri="http://schemas.microsoft.com/VisualStudio/2011/storyboarding/control"/>
-  </ds:schemaRefs>
-</ds:datastoreItem>
-</file>
-
-<file path=customXml/itemProps192.xml><?xml version="1.0" encoding="utf-8"?>
-<ds:datastoreItem xmlns:ds="http://schemas.openxmlformats.org/officeDocument/2006/customXml" ds:itemID="{551005C4-A1E3-4AC7-8CDB-DC374E6CD181}">
-  <ds:schemaRefs>
-    <ds:schemaRef ds:uri="http://schemas.microsoft.com/VisualStudio/2011/storyboarding/control"/>
-  </ds:schemaRefs>
-</ds:datastoreItem>
-</file>
-
-<file path=customXml/itemProps193.xml><?xml version="1.0" encoding="utf-8"?>
-<ds:datastoreItem xmlns:ds="http://schemas.openxmlformats.org/officeDocument/2006/customXml" ds:itemID="{687349BA-BFEC-42A4-8F54-F6E41F0DBFC0}">
-  <ds:schemaRefs>
-    <ds:schemaRef ds:uri="http://schemas.microsoft.com/VisualStudio/2011/storyboarding/control"/>
-  </ds:schemaRefs>
-</ds:datastoreItem>
-</file>
-
-<file path=customXml/itemProps194.xml><?xml version="1.0" encoding="utf-8"?>
-<ds:datastoreItem xmlns:ds="http://schemas.openxmlformats.org/officeDocument/2006/customXml" ds:itemID="{BCBCF373-CB4D-4BEC-8AF3-991F699ECE33}">
-  <ds:schemaRefs>
-    <ds:schemaRef ds:uri="http://schemas.microsoft.com/VisualStudio/2011/storyboarding/control"/>
-  </ds:schemaRefs>
-</ds:datastoreItem>
-</file>
-
-<file path=customXml/itemProps195.xml><?xml version="1.0" encoding="utf-8"?>
-<ds:datastoreItem xmlns:ds="http://schemas.openxmlformats.org/officeDocument/2006/customXml" ds:itemID="{E4B5B485-683D-4DEA-B56B-01CED7BABF5B}">
-  <ds:schemaRefs>
-    <ds:schemaRef ds:uri="http://schemas.microsoft.com/VisualStudio/2011/storyboarding/control"/>
-  </ds:schemaRefs>
-</ds:datastoreItem>
-</file>
-
-<file path=customXml/itemProps196.xml><?xml version="1.0" encoding="utf-8"?>
-<ds:datastoreItem xmlns:ds="http://schemas.openxmlformats.org/officeDocument/2006/customXml" ds:itemID="{2704E402-C027-4ED2-9EA2-1048BDB31690}">
-  <ds:schemaRefs>
-    <ds:schemaRef ds:uri="http://schemas.microsoft.com/VisualStudio/2011/storyboarding/control"/>
-  </ds:schemaRefs>
-</ds:datastoreItem>
-</file>
-
-<file path=customXml/itemProps197.xml><?xml version="1.0" encoding="utf-8"?>
-<ds:datastoreItem xmlns:ds="http://schemas.openxmlformats.org/officeDocument/2006/customXml" ds:itemID="{A415C0F1-CC3C-4A29-9AC9-B21667BDE4C3}">
-  <ds:schemaRefs>
-    <ds:schemaRef ds:uri="http://schemas.microsoft.com/VisualStudio/2011/storyboarding/control"/>
-  </ds:schemaRefs>
-</ds:datastoreItem>
-</file>
-
-<file path=customXml/itemProps198.xml><?xml version="1.0" encoding="utf-8"?>
-<ds:datastoreItem xmlns:ds="http://schemas.openxmlformats.org/officeDocument/2006/customXml" ds:itemID="{9284DC6E-7B91-4932-BE00-33ED157955C5}">
-  <ds:schemaRefs>
-    <ds:schemaRef ds:uri="http://schemas.microsoft.com/VisualStudio/2011/storyboarding/control"/>
-  </ds:schemaRefs>
-</ds:datastoreItem>
-</file>
-
-<file path=customXml/itemProps199.xml><?xml version="1.0" encoding="utf-8"?>
-<ds:datastoreItem xmlns:ds="http://schemas.openxmlformats.org/officeDocument/2006/customXml" ds:itemID="{395183EE-0496-47AF-AD2A-1DA50A4837A0}">
-  <ds:schemaRefs>
-    <ds:schemaRef ds:uri="http://schemas.microsoft.com/VisualStudio/2011/storyboarding/control"/>
-  </ds:schemaRefs>
-</ds:datastoreItem>
-</file>
-
-<file path=customXml/itemProps2.xml><?xml version="1.0" encoding="utf-8"?>
-<ds:datastoreItem xmlns:ds="http://schemas.openxmlformats.org/officeDocument/2006/customXml" ds:itemID="{BF63BC62-A2B6-4DC4-A6F4-7F46DAD5D502}">
-  <ds:schemaRefs>
-    <ds:schemaRef ds:uri="http://schemas.microsoft.com/VisualStudio/2011/storyboarding/control"/>
-  </ds:schemaRefs>
-</ds:datastoreItem>
-</file>
-
-<file path=customXml/itemProps20.xml><?xml version="1.0" encoding="utf-8"?>
-<ds:datastoreItem xmlns:ds="http://schemas.openxmlformats.org/officeDocument/2006/customXml" ds:itemID="{95092CEC-1781-4AE5-B476-383C03B095B2}">
-  <ds:schemaRefs>
-    <ds:schemaRef ds:uri="http://schemas.microsoft.com/VisualStudio/2011/storyboarding/control"/>
-  </ds:schemaRefs>
-</ds:datastoreItem>
-</file>
-
-<file path=customXml/itemProps200.xml><?xml version="1.0" encoding="utf-8"?>
-<ds:datastoreItem xmlns:ds="http://schemas.openxmlformats.org/officeDocument/2006/customXml" ds:itemID="{01BDDC00-BCFC-4C55-8216-87EFFFB4B0EF}">
-  <ds:schemaRefs>
-    <ds:schemaRef ds:uri="http://schemas.microsoft.com/VisualStudio/2011/storyboarding/control"/>
-  </ds:schemaRefs>
-</ds:datastoreItem>
-</file>
-
-<file path=customXml/itemProps201.xml><?xml version="1.0" encoding="utf-8"?>
-<ds:datastoreItem xmlns:ds="http://schemas.openxmlformats.org/officeDocument/2006/customXml" ds:itemID="{0D563F0C-5DFD-448A-9623-5957CB42E72B}">
-  <ds:schemaRefs>
-    <ds:schemaRef ds:uri="http://schemas.microsoft.com/VisualStudio/2011/storyboarding/control"/>
-  </ds:schemaRefs>
-</ds:datastoreItem>
-</file>
-
-<file path=customXml/itemProps202.xml><?xml version="1.0" encoding="utf-8"?>
-<ds:datastoreItem xmlns:ds="http://schemas.openxmlformats.org/officeDocument/2006/customXml" ds:itemID="{FDBFC017-D8D8-4576-97DE-2339B769548C}">
-  <ds:schemaRefs>
-    <ds:schemaRef ds:uri="http://schemas.microsoft.com/VisualStudio/2011/storyboarding/control"/>
-  </ds:schemaRefs>
-</ds:datastoreItem>
-</file>
-
-<file path=customXml/itemProps203.xml><?xml version="1.0" encoding="utf-8"?>
-<ds:datastoreItem xmlns:ds="http://schemas.openxmlformats.org/officeDocument/2006/customXml" ds:itemID="{1A3141E3-77A5-4D7B-A648-67A53E097886}">
-  <ds:schemaRefs>
-    <ds:schemaRef ds:uri="http://schemas.microsoft.com/VisualStudio/2011/storyboarding/control"/>
-  </ds:schemaRefs>
-</ds:datastoreItem>
-</file>
-
-<file path=customXml/itemProps204.xml><?xml version="1.0" encoding="utf-8"?>
-<ds:datastoreItem xmlns:ds="http://schemas.openxmlformats.org/officeDocument/2006/customXml" ds:itemID="{67B2DD84-806A-40A8-8D83-C607630EC413}">
-  <ds:schemaRefs>
-    <ds:schemaRef ds:uri="http://schemas.microsoft.com/VisualStudio/2011/storyboarding/control"/>
-  </ds:schemaRefs>
-</ds:datastoreItem>
-</file>
-
-<file path=customXml/itemProps205.xml><?xml version="1.0" encoding="utf-8"?>
-<ds:datastoreItem xmlns:ds="http://schemas.openxmlformats.org/officeDocument/2006/customXml" ds:itemID="{E27BBFB1-FB8A-4416-95F7-69ED22360FD0}">
-  <ds:schemaRefs>
-    <ds:schemaRef ds:uri="http://schemas.microsoft.com/VisualStudio/2011/storyboarding/control"/>
-  </ds:schemaRefs>
-</ds:datastoreItem>
-</file>
-
-<file path=customXml/itemProps206.xml><?xml version="1.0" encoding="utf-8"?>
-<ds:datastoreItem xmlns:ds="http://schemas.openxmlformats.org/officeDocument/2006/customXml" ds:itemID="{5171EEF1-3252-442A-B2D5-5766A844DAC7}">
-  <ds:schemaRefs>
-    <ds:schemaRef ds:uri="http://schemas.microsoft.com/VisualStudio/2011/storyboarding/control"/>
-  </ds:schemaRefs>
-</ds:datastoreItem>
-</file>
-
-<file path=customXml/itemProps207.xml><?xml version="1.0" encoding="utf-8"?>
-<ds:datastoreItem xmlns:ds="http://schemas.openxmlformats.org/officeDocument/2006/customXml" ds:itemID="{CCE61513-AF07-49B1-B8EA-B5635E280688}">
-  <ds:schemaRefs>
-    <ds:schemaRef ds:uri="http://schemas.microsoft.com/VisualStudio/2011/storyboarding/control"/>
-  </ds:schemaRefs>
-</ds:datastoreItem>
-</file>
-
-<file path=customXml/itemProps208.xml><?xml version="1.0" encoding="utf-8"?>
-<ds:datastoreItem xmlns:ds="http://schemas.openxmlformats.org/officeDocument/2006/customXml" ds:itemID="{1C6D8D7B-D483-43E5-9860-CFC5FF066FDA}">
-  <ds:schemaRefs>
-    <ds:schemaRef ds:uri="http://schemas.microsoft.com/VisualStudio/2011/storyboarding/control"/>
-  </ds:schemaRefs>
-</ds:datastoreItem>
-</file>
-
-<file path=customXml/itemProps209.xml><?xml version="1.0" encoding="utf-8"?>
-<ds:datastoreItem xmlns:ds="http://schemas.openxmlformats.org/officeDocument/2006/customXml" ds:itemID="{1D2F86E7-F0DE-4A22-9F6E-984F9F81447F}">
-  <ds:schemaRefs>
-    <ds:schemaRef ds:uri="http://schemas.microsoft.com/VisualStudio/2011/storyboarding/control"/>
-  </ds:schemaRefs>
-</ds:datastoreItem>
-</file>
-
-<file path=customXml/itemProps21.xml><?xml version="1.0" encoding="utf-8"?>
-<ds:datastoreItem xmlns:ds="http://schemas.openxmlformats.org/officeDocument/2006/customXml" ds:itemID="{C8CC9302-0376-4C84-870E-FE5DD77F03AE}">
-  <ds:schemaRefs>
-    <ds:schemaRef ds:uri="http://schemas.microsoft.com/VisualStudio/2011/storyboarding/control"/>
-  </ds:schemaRefs>
-</ds:datastoreItem>
-</file>
-
-<file path=customXml/itemProps210.xml><?xml version="1.0" encoding="utf-8"?>
-<ds:datastoreItem xmlns:ds="http://schemas.openxmlformats.org/officeDocument/2006/customXml" ds:itemID="{CC090315-C3EF-4E31-9BC2-E49164C00556}">
-  <ds:schemaRefs>
-    <ds:schemaRef ds:uri="http://schemas.microsoft.com/VisualStudio/2011/storyboarding/control"/>
-  </ds:schemaRefs>
-</ds:datastoreItem>
-</file>
-
-<file path=customXml/itemProps211.xml><?xml version="1.0" encoding="utf-8"?>
-<ds:datastoreItem xmlns:ds="http://schemas.openxmlformats.org/officeDocument/2006/customXml" ds:itemID="{D10417C0-CFC7-4198-A12F-567D0881B21B}">
-  <ds:schemaRefs>
-    <ds:schemaRef ds:uri="http://schemas.microsoft.com/VisualStudio/2011/storyboarding/control"/>
-  </ds:schemaRefs>
-</ds:datastoreItem>
-</file>
-
-<file path=customXml/itemProps212.xml><?xml version="1.0" encoding="utf-8"?>
-<ds:datastoreItem xmlns:ds="http://schemas.openxmlformats.org/officeDocument/2006/customXml" ds:itemID="{DA9B892E-86E2-413D-B85B-E45654500C0A}">
-  <ds:schemaRefs>
-    <ds:schemaRef ds:uri="http://schemas.microsoft.com/VisualStudio/2011/storyboarding/control"/>
-  </ds:schemaRefs>
-</ds:datastoreItem>
-</file>
-
-<file path=customXml/itemProps213.xml><?xml version="1.0" encoding="utf-8"?>
-<ds:datastoreItem xmlns:ds="http://schemas.openxmlformats.org/officeDocument/2006/customXml" ds:itemID="{D3D7A4D7-F605-4101-A1D5-24DBF7CA74BA}">
-  <ds:schemaRefs>
-    <ds:schemaRef ds:uri="http://schemas.microsoft.com/VisualStudio/2011/storyboarding/control"/>
-  </ds:schemaRefs>
-</ds:datastoreItem>
-</file>
-
-<file path=customXml/itemProps214.xml><?xml version="1.0" encoding="utf-8"?>
-<ds:datastoreItem xmlns:ds="http://schemas.openxmlformats.org/officeDocument/2006/customXml" ds:itemID="{E7767417-75CE-4541-BF53-98C3FB6BC7B6}">
-  <ds:schemaRefs>
-    <ds:schemaRef ds:uri="http://schemas.microsoft.com/VisualStudio/2011/storyboarding/control"/>
-  </ds:schemaRefs>
-</ds:datastoreItem>
-</file>
-
-<file path=customXml/itemProps215.xml><?xml version="1.0" encoding="utf-8"?>
-<ds:datastoreItem xmlns:ds="http://schemas.openxmlformats.org/officeDocument/2006/customXml" ds:itemID="{C7C80165-2D84-497A-9DCA-307579EA80EF}">
-  <ds:schemaRefs>
-    <ds:schemaRef ds:uri="http://schemas.microsoft.com/VisualStudio/2011/storyboarding/control"/>
-  </ds:schemaRefs>
-</ds:datastoreItem>
-</file>
-
-<file path=customXml/itemProps216.xml><?xml version="1.0" encoding="utf-8"?>
-<ds:datastoreItem xmlns:ds="http://schemas.openxmlformats.org/officeDocument/2006/customXml" ds:itemID="{CB02D37A-A957-4BC7-84CC-6C8D7E80D890}">
-  <ds:schemaRefs>
-    <ds:schemaRef ds:uri="http://schemas.microsoft.com/VisualStudio/2011/storyboarding/control"/>
-  </ds:schemaRefs>
-</ds:datastoreItem>
-</file>
-
-<file path=customXml/itemProps217.xml><?xml version="1.0" encoding="utf-8"?>
-<ds:datastoreItem xmlns:ds="http://schemas.openxmlformats.org/officeDocument/2006/customXml" ds:itemID="{92E5CA83-6015-4923-8B9E-EB53E939B7A2}">
-  <ds:schemaRefs>
-    <ds:schemaRef ds:uri="http://schemas.microsoft.com/VisualStudio/2011/storyboarding/control"/>
-  </ds:schemaRefs>
-</ds:datastoreItem>
-</file>
-
-<file path=customXml/itemProps218.xml><?xml version="1.0" encoding="utf-8"?>
-<ds:datastoreItem xmlns:ds="http://schemas.openxmlformats.org/officeDocument/2006/customXml" ds:itemID="{55B5B6F8-9901-492E-97D6-EAC91518CD9E}">
-  <ds:schemaRefs>
-    <ds:schemaRef ds:uri="http://schemas.microsoft.com/VisualStudio/2011/storyboarding/control"/>
-  </ds:schemaRefs>
-</ds:datastoreItem>
-</file>
-
-<file path=customXml/itemProps219.xml><?xml version="1.0" encoding="utf-8"?>
-<ds:datastoreItem xmlns:ds="http://schemas.openxmlformats.org/officeDocument/2006/customXml" ds:itemID="{73A1BCFC-48D4-421E-B82B-AD1F06F839DB}">
-  <ds:schemaRefs>
-    <ds:schemaRef ds:uri="http://schemas.microsoft.com/VisualStudio/2011/storyboarding/control"/>
-  </ds:schemaRefs>
-</ds:datastoreItem>
-</file>
-
-<file path=customXml/itemProps22.xml><?xml version="1.0" encoding="utf-8"?>
-<ds:datastoreItem xmlns:ds="http://schemas.openxmlformats.org/officeDocument/2006/customXml" ds:itemID="{B6FC55A9-93FE-483A-B9B8-07F654237C45}">
-  <ds:schemaRefs>
-    <ds:schemaRef ds:uri="http://schemas.microsoft.com/VisualStudio/2011/storyboarding/control"/>
-  </ds:schemaRefs>
-</ds:datastoreItem>
-</file>
-
-<file path=customXml/itemProps220.xml><?xml version="1.0" encoding="utf-8"?>
-<ds:datastoreItem xmlns:ds="http://schemas.openxmlformats.org/officeDocument/2006/customXml" ds:itemID="{80E22E08-A44B-4F15-91AF-630E8B14853E}">
-  <ds:schemaRefs>
-    <ds:schemaRef ds:uri="http://schemas.microsoft.com/VisualStudio/2011/storyboarding/control"/>
-  </ds:schemaRefs>
-</ds:datastoreItem>
-</file>
-
-<file path=customXml/itemProps221.xml><?xml version="1.0" encoding="utf-8"?>
-<ds:datastoreItem xmlns:ds="http://schemas.openxmlformats.org/officeDocument/2006/customXml" ds:itemID="{3DE77565-BC1D-4036-8CEB-BCAFD088DE96}">
-  <ds:schemaRefs>
-    <ds:schemaRef ds:uri="http://schemas.microsoft.com/VisualStudio/2011/storyboarding/control"/>
-  </ds:schemaRefs>
-</ds:datastoreItem>
-</file>
-
-<file path=customXml/itemProps222.xml><?xml version="1.0" encoding="utf-8"?>
-<ds:datastoreItem xmlns:ds="http://schemas.openxmlformats.org/officeDocument/2006/customXml" ds:itemID="{1EDC7140-78C5-4BCD-A9E9-27ED4B2DF51D}">
-  <ds:schemaRefs>
-    <ds:schemaRef ds:uri="http://schemas.microsoft.com/VisualStudio/2011/storyboarding/control"/>
-  </ds:schemaRefs>
-</ds:datastoreItem>
-</file>
-
-<file path=customXml/itemProps23.xml><?xml version="1.0" encoding="utf-8"?>
-<ds:datastoreItem xmlns:ds="http://schemas.openxmlformats.org/officeDocument/2006/customXml" ds:itemID="{E8F31494-C899-453C-ACB3-FDC9145B9D91}">
-  <ds:schemaRefs>
-    <ds:schemaRef ds:uri="http://schemas.microsoft.com/VisualStudio/2011/storyboarding/control"/>
-  </ds:schemaRefs>
-</ds:datastoreItem>
-</file>
-
-<file path=customXml/itemProps24.xml><?xml version="1.0" encoding="utf-8"?>
-<ds:datastoreItem xmlns:ds="http://schemas.openxmlformats.org/officeDocument/2006/customXml" ds:itemID="{62877943-EBF7-4B2F-8C26-9CC99A82D531}">
-  <ds:schemaRefs>
-    <ds:schemaRef ds:uri="http://schemas.microsoft.com/VisualStudio/2011/storyboarding/control"/>
-  </ds:schemaRefs>
-</ds:datastoreItem>
-</file>
-
-<file path=customXml/itemProps25.xml><?xml version="1.0" encoding="utf-8"?>
-<ds:datastoreItem xmlns:ds="http://schemas.openxmlformats.org/officeDocument/2006/customXml" ds:itemID="{DB2AB7B1-45B1-4AA1-905D-207599224759}">
-  <ds:schemaRefs>
-    <ds:schemaRef ds:uri="http://schemas.microsoft.com/VisualStudio/2011/storyboarding/control"/>
-  </ds:schemaRefs>
-</ds:datastoreItem>
-</file>
-
-<file path=customXml/itemProps26.xml><?xml version="1.0" encoding="utf-8"?>
-<ds:datastoreItem xmlns:ds="http://schemas.openxmlformats.org/officeDocument/2006/customXml" ds:itemID="{0822C9B2-6CA6-4726-B2A5-E1481F002984}">
-  <ds:schemaRefs>
-    <ds:schemaRef ds:uri="http://schemas.microsoft.com/VisualStudio/2011/storyboarding/control"/>
-  </ds:schemaRefs>
-</ds:datastoreItem>
-</file>
-
-<file path=customXml/itemProps27.xml><?xml version="1.0" encoding="utf-8"?>
-<ds:datastoreItem xmlns:ds="http://schemas.openxmlformats.org/officeDocument/2006/customXml" ds:itemID="{5F13B48F-437D-49AE-BFB9-EBA82E71BB38}">
-  <ds:schemaRefs>
-    <ds:schemaRef ds:uri="http://schemas.microsoft.com/VisualStudio/2011/storyboarding/control"/>
-  </ds:schemaRefs>
-</ds:datastoreItem>
-</file>
-
-<file path=customXml/itemProps28.xml><?xml version="1.0" encoding="utf-8"?>
-<ds:datastoreItem xmlns:ds="http://schemas.openxmlformats.org/officeDocument/2006/customXml" ds:itemID="{0F929D75-CCB0-4714-86AF-7F029C45BE4D}">
-  <ds:schemaRefs>
-    <ds:schemaRef ds:uri="http://schemas.microsoft.com/VisualStudio/2011/storyboarding/control"/>
-  </ds:schemaRefs>
-</ds:datastoreItem>
-</file>
-
-<file path=customXml/itemProps29.xml><?xml version="1.0" encoding="utf-8"?>
-<ds:datastoreItem xmlns:ds="http://schemas.openxmlformats.org/officeDocument/2006/customXml" ds:itemID="{B93CAB6C-9A12-45A2-BD75-D46F9A34749C}">
-  <ds:schemaRefs>
-    <ds:schemaRef ds:uri="http://schemas.microsoft.com/VisualStudio/2011/storyboarding/control"/>
-  </ds:schemaRefs>
-</ds:datastoreItem>
-</file>
-
-<file path=customXml/itemProps3.xml><?xml version="1.0" encoding="utf-8"?>
-<ds:datastoreItem xmlns:ds="http://schemas.openxmlformats.org/officeDocument/2006/customXml" ds:itemID="{D44A0BFC-FCD5-4E25-9402-7C3669681F61}">
-  <ds:schemaRefs>
-    <ds:schemaRef ds:uri="http://schemas.microsoft.com/VisualStudio/2011/storyboarding/control"/>
-  </ds:schemaRefs>
-</ds:datastoreItem>
-</file>
-
-<file path=customXml/itemProps30.xml><?xml version="1.0" encoding="utf-8"?>
-<ds:datastoreItem xmlns:ds="http://schemas.openxmlformats.org/officeDocument/2006/customXml" ds:itemID="{AF8CA884-7DD1-46A1-BFA1-2F4041F5E690}">
-  <ds:schemaRefs>
-    <ds:schemaRef ds:uri="http://schemas.microsoft.com/VisualStudio/2011/storyboarding/control"/>
-  </ds:schemaRefs>
-</ds:datastoreItem>
-</file>
-
-<file path=customXml/itemProps31.xml><?xml version="1.0" encoding="utf-8"?>
-<ds:datastoreItem xmlns:ds="http://schemas.openxmlformats.org/officeDocument/2006/customXml" ds:itemID="{293C552B-537F-4CBF-AE7C-3DD4C0D784A5}">
-  <ds:schemaRefs>
-    <ds:schemaRef ds:uri="http://schemas.microsoft.com/VisualStudio/2011/storyboarding/control"/>
-  </ds:schemaRefs>
-</ds:datastoreItem>
-</file>
-
-<file path=customXml/itemProps32.xml><?xml version="1.0" encoding="utf-8"?>
-<ds:datastoreItem xmlns:ds="http://schemas.openxmlformats.org/officeDocument/2006/customXml" ds:itemID="{09EC32C3-91DB-447F-9077-1260E4C1C4F8}">
-  <ds:schemaRefs>
-    <ds:schemaRef ds:uri="http://schemas.microsoft.com/VisualStudio/2011/storyboarding/control"/>
-  </ds:schemaRefs>
-</ds:datastoreItem>
-</file>
-
-<file path=customXml/itemProps33.xml><?xml version="1.0" encoding="utf-8"?>
-<ds:datastoreItem xmlns:ds="http://schemas.openxmlformats.org/officeDocument/2006/customXml" ds:itemID="{C45ADD74-D966-4389-AA66-C66380EA72AE}">
-  <ds:schemaRefs>
-    <ds:schemaRef ds:uri="http://schemas.microsoft.com/VisualStudio/2011/storyboarding/control"/>
-  </ds:schemaRefs>
-</ds:datastoreItem>
-</file>
-
-<file path=customXml/itemProps34.xml><?xml version="1.0" encoding="utf-8"?>
-<ds:datastoreItem xmlns:ds="http://schemas.openxmlformats.org/officeDocument/2006/customXml" ds:itemID="{1149E04B-3E8B-4296-B732-8CEB5AC1664A}">
-  <ds:schemaRefs>
-    <ds:schemaRef ds:uri="http://schemas.microsoft.com/VisualStudio/2011/storyboarding/control"/>
-  </ds:schemaRefs>
-</ds:datastoreItem>
-</file>
-
-<file path=customXml/itemProps35.xml><?xml version="1.0" encoding="utf-8"?>
-<ds:datastoreItem xmlns:ds="http://schemas.openxmlformats.org/officeDocument/2006/customXml" ds:itemID="{EF61CF87-912E-42E7-83EA-9D0202326A8A}">
-  <ds:schemaRefs>
-    <ds:schemaRef ds:uri="http://schemas.microsoft.com/VisualStudio/2011/storyboarding/control"/>
-  </ds:schemaRefs>
-</ds:datastoreItem>
-</file>
-
-<file path=customXml/itemProps36.xml><?xml version="1.0" encoding="utf-8"?>
-<ds:datastoreItem xmlns:ds="http://schemas.openxmlformats.org/officeDocument/2006/customXml" ds:itemID="{13E6BBC8-B658-48E7-A464-249B862EC920}">
-  <ds:schemaRefs>
-    <ds:schemaRef ds:uri="http://schemas.microsoft.com/VisualStudio/2011/storyboarding/control"/>
-  </ds:schemaRefs>
-</ds:datastoreItem>
-</file>
-
-<file path=customXml/itemProps37.xml><?xml version="1.0" encoding="utf-8"?>
-<ds:datastoreItem xmlns:ds="http://schemas.openxmlformats.org/officeDocument/2006/customXml" ds:itemID="{8FA3D93C-F1A3-4B2E-9382-EA20C1D69BAD}">
-  <ds:schemaRefs>
-    <ds:schemaRef ds:uri="http://schemas.microsoft.com/VisualStudio/2011/storyboarding/control"/>
-  </ds:schemaRefs>
-</ds:datastoreItem>
-</file>
-
-<file path=customXml/itemProps38.xml><?xml version="1.0" encoding="utf-8"?>
-<ds:datastoreItem xmlns:ds="http://schemas.openxmlformats.org/officeDocument/2006/customXml" ds:itemID="{10D299E8-14A9-4F76-A58E-935086DED687}">
-  <ds:schemaRefs>
-    <ds:schemaRef ds:uri="http://schemas.microsoft.com/VisualStudio/2011/storyboarding/control"/>
-  </ds:schemaRefs>
-</ds:datastoreItem>
-</file>
-
-<file path=customXml/itemProps39.xml><?xml version="1.0" encoding="utf-8"?>
-<ds:datastoreItem xmlns:ds="http://schemas.openxmlformats.org/officeDocument/2006/customXml" ds:itemID="{A29EBE93-BDB6-42E1-AF9D-ECEC34CCBD22}">
-  <ds:schemaRefs>
-    <ds:schemaRef ds:uri="http://schemas.microsoft.com/VisualStudio/2011/storyboarding/control"/>
-  </ds:schemaRefs>
-</ds:datastoreItem>
-</file>
-
-<file path=customXml/itemProps4.xml><?xml version="1.0" encoding="utf-8"?>
-<ds:datastoreItem xmlns:ds="http://schemas.openxmlformats.org/officeDocument/2006/customXml" ds:itemID="{221B0244-0801-4967-9891-48EEB15F2F18}">
-  <ds:schemaRefs>
-    <ds:schemaRef ds:uri="http://schemas.microsoft.com/VisualStudio/2011/storyboarding/control"/>
-  </ds:schemaRefs>
-</ds:datastoreItem>
-</file>
-
-<file path=customXml/itemProps40.xml><?xml version="1.0" encoding="utf-8"?>
-<ds:datastoreItem xmlns:ds="http://schemas.openxmlformats.org/officeDocument/2006/customXml" ds:itemID="{853DF96D-4EE8-438C-B655-6DE5563EAF67}">
-  <ds:schemaRefs>
-    <ds:schemaRef ds:uri="http://schemas.microsoft.com/VisualStudio/2011/storyboarding/control"/>
-  </ds:schemaRefs>
-</ds:datastoreItem>
-</file>
-
-<file path=customXml/itemProps41.xml><?xml version="1.0" encoding="utf-8"?>
-<ds:datastoreItem xmlns:ds="http://schemas.openxmlformats.org/officeDocument/2006/customXml" ds:itemID="{347AD84A-A5B8-4538-A522-0B53C330B912}">
-  <ds:schemaRefs>
-    <ds:schemaRef ds:uri="http://schemas.microsoft.com/VisualStudio/2011/storyboarding/control"/>
-  </ds:schemaRefs>
-</ds:datastoreItem>
-</file>
-
-<file path=customXml/itemProps42.xml><?xml version="1.0" encoding="utf-8"?>
-<ds:datastoreItem xmlns:ds="http://schemas.openxmlformats.org/officeDocument/2006/customXml" ds:itemID="{7454C879-EEB5-44C4-8A36-0FAF2DAB7D61}">
-  <ds:schemaRefs>
-    <ds:schemaRef ds:uri="http://schemas.microsoft.com/VisualStudio/2011/storyboarding/control"/>
-  </ds:schemaRefs>
-</ds:datastoreItem>
-</file>
-
-<file path=customXml/itemProps43.xml><?xml version="1.0" encoding="utf-8"?>
-<ds:datastoreItem xmlns:ds="http://schemas.openxmlformats.org/officeDocument/2006/customXml" ds:itemID="{961017EA-4807-451D-9770-720AB5D56045}">
-  <ds:schemaRefs>
-    <ds:schemaRef ds:uri="http://schemas.microsoft.com/VisualStudio/2011/storyboarding/control"/>
-  </ds:schemaRefs>
-</ds:datastoreItem>
-</file>
-
-<file path=customXml/itemProps44.xml><?xml version="1.0" encoding="utf-8"?>
-<ds:datastoreItem xmlns:ds="http://schemas.openxmlformats.org/officeDocument/2006/customXml" ds:itemID="{1F0E1F79-632F-4EB0-82C0-5A1AFD1072FB}">
-  <ds:schemaRefs>
-    <ds:schemaRef ds:uri="http://schemas.microsoft.com/VisualStudio/2011/storyboarding/control"/>
-  </ds:schemaRefs>
-</ds:datastoreItem>
-</file>
-
-<file path=customXml/itemProps45.xml><?xml version="1.0" encoding="utf-8"?>
-<ds:datastoreItem xmlns:ds="http://schemas.openxmlformats.org/officeDocument/2006/customXml" ds:itemID="{3CCD36F2-3425-44F7-9F51-456F0C7CC89C}">
-  <ds:schemaRefs>
-    <ds:schemaRef ds:uri="http://schemas.microsoft.com/VisualStudio/2011/storyboarding/control"/>
-  </ds:schemaRefs>
-</ds:datastoreItem>
-</file>
-
-<file path=customXml/itemProps46.xml><?xml version="1.0" encoding="utf-8"?>
-<ds:datastoreItem xmlns:ds="http://schemas.openxmlformats.org/officeDocument/2006/customXml" ds:itemID="{65EE52E7-AEEE-4D15-87D5-5F3E901BD57D}">
-  <ds:schemaRefs>
-    <ds:schemaRef ds:uri="http://schemas.microsoft.com/VisualStudio/2011/storyboarding/control"/>
-  </ds:schemaRefs>
-</ds:datastoreItem>
-</file>
-
-<file path=customXml/itemProps47.xml><?xml version="1.0" encoding="utf-8"?>
-<ds:datastoreItem xmlns:ds="http://schemas.openxmlformats.org/officeDocument/2006/customXml" ds:itemID="{A8A90C2C-BBC2-4B86-BB21-BB46CA7DE058}">
-  <ds:schemaRefs>
-    <ds:schemaRef ds:uri="http://schemas.microsoft.com/VisualStudio/2011/storyboarding/control"/>
-  </ds:schemaRefs>
-</ds:datastoreItem>
-</file>
-
-<file path=customXml/itemProps48.xml><?xml version="1.0" encoding="utf-8"?>
-<ds:datastoreItem xmlns:ds="http://schemas.openxmlformats.org/officeDocument/2006/customXml" ds:itemID="{4EF6D473-291D-4120-AF79-ACFED919F292}">
-  <ds:schemaRefs>
-    <ds:schemaRef ds:uri="http://schemas.microsoft.com/VisualStudio/2011/storyboarding/control"/>
-  </ds:schemaRefs>
-</ds:datastoreItem>
-</file>
-
-<file path=customXml/itemProps49.xml><?xml version="1.0" encoding="utf-8"?>
-<ds:datastoreItem xmlns:ds="http://schemas.openxmlformats.org/officeDocument/2006/customXml" ds:itemID="{AFE23348-B39F-4C03-8ACB-304CB849E116}">
-  <ds:schemaRefs>
-    <ds:schemaRef ds:uri="http://schemas.microsoft.com/VisualStudio/2011/storyboarding/control"/>
-  </ds:schemaRefs>
-</ds:datastoreItem>
-</file>
-
-<file path=customXml/itemProps5.xml><?xml version="1.0" encoding="utf-8"?>
-<ds:datastoreItem xmlns:ds="http://schemas.openxmlformats.org/officeDocument/2006/customXml" ds:itemID="{D32A8E94-96EB-41E2-B448-91979CF47864}">
-  <ds:schemaRefs>
-    <ds:schemaRef ds:uri="http://schemas.microsoft.com/VisualStudio/2011/storyboarding/control"/>
-  </ds:schemaRefs>
-</ds:datastoreItem>
-</file>
-
-<file path=customXml/itemProps50.xml><?xml version="1.0" encoding="utf-8"?>
-<ds:datastoreItem xmlns:ds="http://schemas.openxmlformats.org/officeDocument/2006/customXml" ds:itemID="{C7A8CFC0-4556-4E25-A269-74548695F78A}">
-  <ds:schemaRefs>
-    <ds:schemaRef ds:uri="http://schemas.microsoft.com/VisualStudio/2011/storyboarding/control"/>
-  </ds:schemaRefs>
-</ds:datastoreItem>
-</file>
-
-<file path=customXml/itemProps51.xml><?xml version="1.0" encoding="utf-8"?>
-<ds:datastoreItem xmlns:ds="http://schemas.openxmlformats.org/officeDocument/2006/customXml" ds:itemID="{EC69FA35-EA99-4AB2-9E43-124AE2A4D710}">
-  <ds:schemaRefs>
-    <ds:schemaRef ds:uri="http://schemas.microsoft.com/VisualStudio/2011/storyboarding/control"/>
-  </ds:schemaRefs>
-</ds:datastoreItem>
-</file>
-
-<file path=customXml/itemProps52.xml><?xml version="1.0" encoding="utf-8"?>
-<ds:datastoreItem xmlns:ds="http://schemas.openxmlformats.org/officeDocument/2006/customXml" ds:itemID="{298CA2B6-AFE4-4E49-A39E-6F28F243F39E}">
-  <ds:schemaRefs>
-    <ds:schemaRef ds:uri="http://schemas.microsoft.com/VisualStudio/2011/storyboarding/control"/>
-  </ds:schemaRefs>
-</ds:datastoreItem>
-</file>
-
-<file path=customXml/itemProps53.xml><?xml version="1.0" encoding="utf-8"?>
-<ds:datastoreItem xmlns:ds="http://schemas.openxmlformats.org/officeDocument/2006/customXml" ds:itemID="{A3E09688-EFA5-46CD-B9C1-00F13A1D5827}">
-  <ds:schemaRefs>
-    <ds:schemaRef ds:uri="http://schemas.microsoft.com/VisualStudio/2011/storyboarding/control"/>
-  </ds:schemaRefs>
-</ds:datastoreItem>
-</file>
-
-<file path=customXml/itemProps54.xml><?xml version="1.0" encoding="utf-8"?>
-<ds:datastoreItem xmlns:ds="http://schemas.openxmlformats.org/officeDocument/2006/customXml" ds:itemID="{75434A2F-1904-444D-9A2E-155D7CDEE729}">
-  <ds:schemaRefs>
-    <ds:schemaRef ds:uri="http://schemas.microsoft.com/VisualStudio/2011/storyboarding/control"/>
-  </ds:schemaRefs>
-</ds:datastoreItem>
-</file>
-
-<file path=customXml/itemProps55.xml><?xml version="1.0" encoding="utf-8"?>
-<ds:datastoreItem xmlns:ds="http://schemas.openxmlformats.org/officeDocument/2006/customXml" ds:itemID="{287ABB93-A810-47C2-9432-4BEF75EE10AA}">
-  <ds:schemaRefs>
-    <ds:schemaRef ds:uri="http://schemas.microsoft.com/VisualStudio/2011/storyboarding/control"/>
-  </ds:schemaRefs>
-</ds:datastoreItem>
-</file>
-
-<file path=customXml/itemProps56.xml><?xml version="1.0" encoding="utf-8"?>
-<ds:datastoreItem xmlns:ds="http://schemas.openxmlformats.org/officeDocument/2006/customXml" ds:itemID="{07F23B51-ED1D-4CDC-AEE4-3AF7B8CF537D}">
-  <ds:schemaRefs>
-    <ds:schemaRef ds:uri="http://schemas.microsoft.com/VisualStudio/2011/storyboarding/control"/>
-  </ds:schemaRefs>
-</ds:datastoreItem>
-</file>
-
-<file path=customXml/itemProps57.xml><?xml version="1.0" encoding="utf-8"?>
-<ds:datastoreItem xmlns:ds="http://schemas.openxmlformats.org/officeDocument/2006/customXml" ds:itemID="{6D23DAD7-E0D9-4241-A4DB-204A0F380A76}">
-  <ds:schemaRefs>
-    <ds:schemaRef ds:uri="http://schemas.microsoft.com/VisualStudio/2011/storyboarding/control"/>
-  </ds:schemaRefs>
-</ds:datastoreItem>
-</file>
-
-<file path=customXml/itemProps58.xml><?xml version="1.0" encoding="utf-8"?>
-<ds:datastoreItem xmlns:ds="http://schemas.openxmlformats.org/officeDocument/2006/customXml" ds:itemID="{09A37E20-1DEC-4709-9BEF-4CAA872D75A0}">
-  <ds:schemaRefs>
-    <ds:schemaRef ds:uri="http://schemas.microsoft.com/VisualStudio/2011/storyboarding/control"/>
-  </ds:schemaRefs>
-</ds:datastoreItem>
-</file>
-
-<file path=customXml/itemProps59.xml><?xml version="1.0" encoding="utf-8"?>
-<ds:datastoreItem xmlns:ds="http://schemas.openxmlformats.org/officeDocument/2006/customXml" ds:itemID="{030F3597-04BD-4953-9DA5-E7FAED854AAD}">
-  <ds:schemaRefs>
-    <ds:schemaRef ds:uri="http://schemas.microsoft.com/VisualStudio/2011/storyboarding/control"/>
-  </ds:schemaRefs>
-</ds:datastoreItem>
-</file>
-
-<file path=customXml/itemProps6.xml><?xml version="1.0" encoding="utf-8"?>
-<ds:datastoreItem xmlns:ds="http://schemas.openxmlformats.org/officeDocument/2006/customXml" ds:itemID="{B5DF6AE2-73F3-49D4-8F61-B8B8F150424B}">
-  <ds:schemaRefs>
-    <ds:schemaRef ds:uri="http://schemas.microsoft.com/VisualStudio/2011/storyboarding/control"/>
-  </ds:schemaRefs>
-</ds:datastoreItem>
-</file>
-
-<file path=customXml/itemProps60.xml><?xml version="1.0" encoding="utf-8"?>
-<ds:datastoreItem xmlns:ds="http://schemas.openxmlformats.org/officeDocument/2006/customXml" ds:itemID="{16148647-754A-4A79-8420-ADA32F29D1AE}">
-  <ds:schemaRefs>
-    <ds:schemaRef ds:uri="http://schemas.microsoft.com/VisualStudio/2011/storyboarding/control"/>
-  </ds:schemaRefs>
-</ds:datastoreItem>
-</file>
-
-<file path=customXml/itemProps61.xml><?xml version="1.0" encoding="utf-8"?>
-<ds:datastoreItem xmlns:ds="http://schemas.openxmlformats.org/officeDocument/2006/customXml" ds:itemID="{CEF68D64-8D51-42AA-8C2A-0AF1FD5D33EE}">
-  <ds:schemaRefs>
-    <ds:schemaRef ds:uri="http://schemas.microsoft.com/VisualStudio/2011/storyboarding/control"/>
-  </ds:schemaRefs>
-</ds:datastoreItem>
-</file>
-
-<file path=customXml/itemProps62.xml><?xml version="1.0" encoding="utf-8"?>
-<ds:datastoreItem xmlns:ds="http://schemas.openxmlformats.org/officeDocument/2006/customXml" ds:itemID="{862FA17A-2C6F-4CD8-B507-10CA7CC09A8F}">
-  <ds:schemaRefs>
-    <ds:schemaRef ds:uri="http://schemas.microsoft.com/VisualStudio/2011/storyboarding/control"/>
-  </ds:schemaRefs>
-</ds:datastoreItem>
-</file>
-
-<file path=customXml/itemProps63.xml><?xml version="1.0" encoding="utf-8"?>
-<ds:datastoreItem xmlns:ds="http://schemas.openxmlformats.org/officeDocument/2006/customXml" ds:itemID="{052B62D0-47D7-4DB1-A2CF-88DB30926B97}">
-  <ds:schemaRefs>
-    <ds:schemaRef ds:uri="http://schemas.microsoft.com/VisualStudio/2011/storyboarding/control"/>
-  </ds:schemaRefs>
-</ds:datastoreItem>
-</file>
-
-<file path=customXml/itemProps64.xml><?xml version="1.0" encoding="utf-8"?>
-<ds:datastoreItem xmlns:ds="http://schemas.openxmlformats.org/officeDocument/2006/customXml" ds:itemID="{CCEC82DF-3665-44AC-9C20-DBAE83D3306F}">
-  <ds:schemaRefs>
-    <ds:schemaRef ds:uri="http://schemas.microsoft.com/VisualStudio/2011/storyboarding/control"/>
-  </ds:schemaRefs>
-</ds:datastoreItem>
-</file>
-
-<file path=customXml/itemProps65.xml><?xml version="1.0" encoding="utf-8"?>
-<ds:datastoreItem xmlns:ds="http://schemas.openxmlformats.org/officeDocument/2006/customXml" ds:itemID="{58DC7449-4DAD-466C-B54C-A90A8D4FDCB0}">
-  <ds:schemaRefs>
-    <ds:schemaRef ds:uri="http://schemas.microsoft.com/VisualStudio/2011/storyboarding/control"/>
-  </ds:schemaRefs>
-</ds:datastoreItem>
-</file>
-
-<file path=customXml/itemProps66.xml><?xml version="1.0" encoding="utf-8"?>
-<ds:datastoreItem xmlns:ds="http://schemas.openxmlformats.org/officeDocument/2006/customXml" ds:itemID="{B8F01AF2-2373-466F-A7AC-411BD9A92C55}">
-  <ds:schemaRefs>
-    <ds:schemaRef ds:uri="http://schemas.microsoft.com/VisualStudio/2011/storyboarding/control"/>
-  </ds:schemaRefs>
-</ds:datastoreItem>
-</file>
-
-<file path=customXml/itemProps67.xml><?xml version="1.0" encoding="utf-8"?>
-<ds:datastoreItem xmlns:ds="http://schemas.openxmlformats.org/officeDocument/2006/customXml" ds:itemID="{2052D048-0AA4-46AE-9EE1-C35C8CED3024}">
-  <ds:schemaRefs>
-    <ds:schemaRef ds:uri="http://schemas.microsoft.com/VisualStudio/2011/storyboarding/control"/>
-  </ds:schemaRefs>
-</ds:datastoreItem>
-</file>
-
-<file path=customXml/itemProps68.xml><?xml version="1.0" encoding="utf-8"?>
-<ds:datastoreItem xmlns:ds="http://schemas.openxmlformats.org/officeDocument/2006/customXml" ds:itemID="{7AA672EF-7A11-4398-838B-2152312F45B8}">
-  <ds:schemaRefs>
-    <ds:schemaRef ds:uri="http://schemas.microsoft.com/VisualStudio/2011/storyboarding/control"/>
-  </ds:schemaRefs>
-</ds:datastoreItem>
-</file>
-
-<file path=customXml/itemProps69.xml><?xml version="1.0" encoding="utf-8"?>
-<ds:datastoreItem xmlns:ds="http://schemas.openxmlformats.org/officeDocument/2006/customXml" ds:itemID="{B81612EC-0AB3-4E55-BA68-07192BFEF590}">
-  <ds:schemaRefs>
-    <ds:schemaRef ds:uri="http://schemas.microsoft.com/VisualStudio/2011/storyboarding/control"/>
-  </ds:schemaRefs>
-</ds:datastoreItem>
-</file>
-
-<file path=customXml/itemProps7.xml><?xml version="1.0" encoding="utf-8"?>
-<ds:datastoreItem xmlns:ds="http://schemas.openxmlformats.org/officeDocument/2006/customXml" ds:itemID="{054211BB-F3B3-4340-84B6-29408AF040DF}">
-  <ds:schemaRefs>
-    <ds:schemaRef ds:uri="http://schemas.microsoft.com/VisualStudio/2011/storyboarding/control"/>
-  </ds:schemaRefs>
-</ds:datastoreItem>
-</file>
-
-<file path=customXml/itemProps70.xml><?xml version="1.0" encoding="utf-8"?>
-<ds:datastoreItem xmlns:ds="http://schemas.openxmlformats.org/officeDocument/2006/customXml" ds:itemID="{BE26F770-6D00-4BDC-830A-6271C798A6B9}">
-  <ds:schemaRefs>
-    <ds:schemaRef ds:uri="http://schemas.microsoft.com/VisualStudio/2011/storyboarding/control"/>
-  </ds:schemaRefs>
-</ds:datastoreItem>
-</file>
-
-<file path=customXml/itemProps71.xml><?xml version="1.0" encoding="utf-8"?>
-<ds:datastoreItem xmlns:ds="http://schemas.openxmlformats.org/officeDocument/2006/customXml" ds:itemID="{368C58DE-69E5-468F-8FEE-B8D0683E2F32}">
-  <ds:schemaRefs>
-    <ds:schemaRef ds:uri="http://schemas.microsoft.com/VisualStudio/2011/storyboarding/control"/>
-  </ds:schemaRefs>
-</ds:datastoreItem>
-</file>
-
-<file path=customXml/itemProps72.xml><?xml version="1.0" encoding="utf-8"?>
-<ds:datastoreItem xmlns:ds="http://schemas.openxmlformats.org/officeDocument/2006/customXml" ds:itemID="{CC7D7D72-AFCC-4840-8AC7-25CD6679F99F}">
-  <ds:schemaRefs>
-    <ds:schemaRef ds:uri="http://schemas.microsoft.com/VisualStudio/2011/storyboarding/control"/>
-  </ds:schemaRefs>
-</ds:datastoreItem>
-</file>
-
-<file path=customXml/itemProps73.xml><?xml version="1.0" encoding="utf-8"?>
-<ds:datastoreItem xmlns:ds="http://schemas.openxmlformats.org/officeDocument/2006/customXml" ds:itemID="{7387757C-924F-48E4-BB13-EE3C0DC40C7C}">
-  <ds:schemaRefs>
-    <ds:schemaRef ds:uri="http://schemas.microsoft.com/VisualStudio/2011/storyboarding/control"/>
-  </ds:schemaRefs>
-</ds:datastoreItem>
-</file>
-
-<file path=customXml/itemProps74.xml><?xml version="1.0" encoding="utf-8"?>
-<ds:datastoreItem xmlns:ds="http://schemas.openxmlformats.org/officeDocument/2006/customXml" ds:itemID="{1E52AFE8-BD2F-4CEE-9DA3-64378EED1FA3}">
-  <ds:schemaRefs>
-    <ds:schemaRef ds:uri="http://schemas.microsoft.com/VisualStudio/2011/storyboarding/control"/>
-  </ds:schemaRefs>
-</ds:datastoreItem>
-</file>
-
-<file path=customXml/itemProps75.xml><?xml version="1.0" encoding="utf-8"?>
-<ds:datastoreItem xmlns:ds="http://schemas.openxmlformats.org/officeDocument/2006/customXml" ds:itemID="{186B5A93-8F70-4971-985E-B89AD68DE7BA}">
-  <ds:schemaRefs>
-    <ds:schemaRef ds:uri="http://schemas.microsoft.com/VisualStudio/2011/storyboarding/control"/>
-  </ds:schemaRefs>
-</ds:datastoreItem>
-</file>
-
-<file path=customXml/itemProps76.xml><?xml version="1.0" encoding="utf-8"?>
-<ds:datastoreItem xmlns:ds="http://schemas.openxmlformats.org/officeDocument/2006/customXml" ds:itemID="{9E79F933-0316-4890-BDA8-F3929E7B043E}">
-  <ds:schemaRefs>
-    <ds:schemaRef ds:uri="http://schemas.microsoft.com/VisualStudio/2011/storyboarding/control"/>
-  </ds:schemaRefs>
-</ds:datastoreItem>
-</file>
-
-<file path=customXml/itemProps77.xml><?xml version="1.0" encoding="utf-8"?>
-<ds:datastoreItem xmlns:ds="http://schemas.openxmlformats.org/officeDocument/2006/customXml" ds:itemID="{41143EBA-12C0-4AAC-A584-154BDD30230D}">
-  <ds:schemaRefs>
-    <ds:schemaRef ds:uri="http://schemas.microsoft.com/VisualStudio/2011/storyboarding/control"/>
-  </ds:schemaRefs>
-</ds:datastoreItem>
-</file>
-
-<file path=customXml/itemProps78.xml><?xml version="1.0" encoding="utf-8"?>
-<ds:datastoreItem xmlns:ds="http://schemas.openxmlformats.org/officeDocument/2006/customXml" ds:itemID="{E97CE4A6-9C01-4E1C-AE95-A570F68F4499}">
-  <ds:schemaRefs>
-    <ds:schemaRef ds:uri="http://schemas.microsoft.com/VisualStudio/2011/storyboarding/control"/>
-  </ds:schemaRefs>
-</ds:datastoreItem>
-</file>
-
-<file path=customXml/itemProps79.xml><?xml version="1.0" encoding="utf-8"?>
-<ds:datastoreItem xmlns:ds="http://schemas.openxmlformats.org/officeDocument/2006/customXml" ds:itemID="{D317B771-A0E2-4E64-8DB6-4A1DAFFBC0D4}">
-  <ds:schemaRefs>
-    <ds:schemaRef ds:uri="http://schemas.microsoft.com/VisualStudio/2011/storyboarding/control"/>
-  </ds:schemaRefs>
-</ds:datastoreItem>
-</file>
-
-<file path=customXml/itemProps8.xml><?xml version="1.0" encoding="utf-8"?>
-<ds:datastoreItem xmlns:ds="http://schemas.openxmlformats.org/officeDocument/2006/customXml" ds:itemID="{8D52902D-EE4C-45E4-BD17-114F57A1FFED}">
-  <ds:schemaRefs>
-    <ds:schemaRef ds:uri="http://schemas.microsoft.com/VisualStudio/2011/storyboarding/control"/>
-  </ds:schemaRefs>
-</ds:datastoreItem>
-</file>
-
-<file path=customXml/itemProps80.xml><?xml version="1.0" encoding="utf-8"?>
-<ds:datastoreItem xmlns:ds="http://schemas.openxmlformats.org/officeDocument/2006/customXml" ds:itemID="{0112F604-12CF-4AF0-B1B9-DFC27CF2EB39}">
-  <ds:schemaRefs>
-    <ds:schemaRef ds:uri="http://schemas.microsoft.com/VisualStudio/2011/storyboarding/control"/>
-  </ds:schemaRefs>
-</ds:datastoreItem>
-</file>
-
-<file path=customXml/itemProps81.xml><?xml version="1.0" encoding="utf-8"?>
-<ds:datastoreItem xmlns:ds="http://schemas.openxmlformats.org/officeDocument/2006/customXml" ds:itemID="{64F776B7-BF0B-4B8B-9932-CD4D10025A5C}">
-  <ds:schemaRefs>
-    <ds:schemaRef ds:uri="http://schemas.microsoft.com/VisualStudio/2011/storyboarding/control"/>
-  </ds:schemaRefs>
-</ds:datastoreItem>
-</file>
-
-<file path=customXml/itemProps82.xml><?xml version="1.0" encoding="utf-8"?>
-<ds:datastoreItem xmlns:ds="http://schemas.openxmlformats.org/officeDocument/2006/customXml" ds:itemID="{D5205093-BB2B-40C2-98A8-A9F6399BA396}">
-  <ds:schemaRefs>
-    <ds:schemaRef ds:uri="http://schemas.microsoft.com/VisualStudio/2011/storyboarding/control"/>
-  </ds:schemaRefs>
-</ds:datastoreItem>
-</file>
-
-<file path=customXml/itemProps83.xml><?xml version="1.0" encoding="utf-8"?>
-<ds:datastoreItem xmlns:ds="http://schemas.openxmlformats.org/officeDocument/2006/customXml" ds:itemID="{F7CD6DE8-E3CA-41AD-BDF6-29CE07D429DA}">
-  <ds:schemaRefs>
-    <ds:schemaRef ds:uri="http://schemas.microsoft.com/VisualStudio/2011/storyboarding/control"/>
-  </ds:schemaRefs>
-</ds:datastoreItem>
-</file>
-
-<file path=customXml/itemProps84.xml><?xml version="1.0" encoding="utf-8"?>
-<ds:datastoreItem xmlns:ds="http://schemas.openxmlformats.org/officeDocument/2006/customXml" ds:itemID="{C8101F23-7FAA-4BD8-AD2A-421FA377298D}">
-  <ds:schemaRefs>
-    <ds:schemaRef ds:uri="http://schemas.microsoft.com/VisualStudio/2011/storyboarding/control"/>
-  </ds:schemaRefs>
-</ds:datastoreItem>
-</file>
-
-<file path=customXml/itemProps85.xml><?xml version="1.0" encoding="utf-8"?>
-<ds:datastoreItem xmlns:ds="http://schemas.openxmlformats.org/officeDocument/2006/customXml" ds:itemID="{BFEF8C4D-1E27-426E-B1CF-BF65C7F7B0A0}">
-  <ds:schemaRefs>
-    <ds:schemaRef ds:uri="http://schemas.microsoft.com/VisualStudio/2011/storyboarding/control"/>
-  </ds:schemaRefs>
-</ds:datastoreItem>
-</file>
-
-<file path=customXml/itemProps86.xml><?xml version="1.0" encoding="utf-8"?>
-<ds:datastoreItem xmlns:ds="http://schemas.openxmlformats.org/officeDocument/2006/customXml" ds:itemID="{F42CB0C3-0A05-4FF5-8C2A-312EB638568A}">
-  <ds:schemaRefs>
-    <ds:schemaRef ds:uri="http://schemas.microsoft.com/VisualStudio/2011/storyboarding/control"/>
-  </ds:schemaRefs>
-</ds:datastoreItem>
-</file>
-
-<file path=customXml/itemProps87.xml><?xml version="1.0" encoding="utf-8"?>
-<ds:datastoreItem xmlns:ds="http://schemas.openxmlformats.org/officeDocument/2006/customXml" ds:itemID="{B08C1852-3FDB-4CAF-99F1-A71471EFD4E5}">
-  <ds:schemaRefs>
-    <ds:schemaRef ds:uri="http://schemas.microsoft.com/VisualStudio/2011/storyboarding/control"/>
-  </ds:schemaRefs>
-</ds:datastoreItem>
-</file>
-
-<file path=customXml/itemProps88.xml><?xml version="1.0" encoding="utf-8"?>
-<ds:datastoreItem xmlns:ds="http://schemas.openxmlformats.org/officeDocument/2006/customXml" ds:itemID="{8C8CFCAC-8046-4140-920F-E6AB5C58629F}">
-  <ds:schemaRefs>
-    <ds:schemaRef ds:uri="http://schemas.microsoft.com/VisualStudio/2011/storyboarding/control"/>
-  </ds:schemaRefs>
-</ds:datastoreItem>
-</file>
-
-<file path=customXml/itemProps89.xml><?xml version="1.0" encoding="utf-8"?>
-<ds:datastoreItem xmlns:ds="http://schemas.openxmlformats.org/officeDocument/2006/customXml" ds:itemID="{38FECE6E-4E53-4E4D-A22B-C14D12BEB2AD}">
-  <ds:schemaRefs>
-    <ds:schemaRef ds:uri="http://schemas.microsoft.com/VisualStudio/2011/storyboarding/control"/>
-  </ds:schemaRefs>
-</ds:datastoreItem>
-</file>
-
-<file path=customXml/itemProps9.xml><?xml version="1.0" encoding="utf-8"?>
-<ds:datastoreItem xmlns:ds="http://schemas.openxmlformats.org/officeDocument/2006/customXml" ds:itemID="{A3A7E550-7159-41CA-A5C7-BB5EFFA54BAB}">
-  <ds:schemaRefs>
-    <ds:schemaRef ds:uri="http://schemas.microsoft.com/VisualStudio/2011/storyboarding/control"/>
-  </ds:schemaRefs>
-</ds:datastoreItem>
-</file>
-
-<file path=customXml/itemProps90.xml><?xml version="1.0" encoding="utf-8"?>
-<ds:datastoreItem xmlns:ds="http://schemas.openxmlformats.org/officeDocument/2006/customXml" ds:itemID="{53A2D4D3-ADE1-45AF-A3AC-1604F1E12AB8}">
-  <ds:schemaRefs>
-    <ds:schemaRef ds:uri="http://schemas.microsoft.com/VisualStudio/2011/storyboarding/control"/>
-  </ds:schemaRefs>
-</ds:datastoreItem>
-</file>
-
-<file path=customXml/itemProps91.xml><?xml version="1.0" encoding="utf-8"?>
-<ds:datastoreItem xmlns:ds="http://schemas.openxmlformats.org/officeDocument/2006/customXml" ds:itemID="{4827173D-226F-42EC-A6EE-8DACFB97DA40}">
-  <ds:schemaRefs>
-    <ds:schemaRef ds:uri="http://schemas.microsoft.com/VisualStudio/2011/storyboarding/control"/>
-  </ds:schemaRefs>
-</ds:datastoreItem>
-</file>
-
-<file path=customXml/itemProps92.xml><?xml version="1.0" encoding="utf-8"?>
-<ds:datastoreItem xmlns:ds="http://schemas.openxmlformats.org/officeDocument/2006/customXml" ds:itemID="{06F9B291-5871-4D41-84EA-E759ADCB386D}">
-  <ds:schemaRefs>
-    <ds:schemaRef ds:uri="http://schemas.microsoft.com/VisualStudio/2011/storyboarding/control"/>
-  </ds:schemaRefs>
-</ds:datastoreItem>
-</file>
-
-<file path=customXml/itemProps93.xml><?xml version="1.0" encoding="utf-8"?>
-<ds:datastoreItem xmlns:ds="http://schemas.openxmlformats.org/officeDocument/2006/customXml" ds:itemID="{F834A593-E284-4A7C-80ED-D42372AD3AFF}">
-  <ds:schemaRefs>
-    <ds:schemaRef ds:uri="http://schemas.microsoft.com/VisualStudio/2011/storyboarding/control"/>
-  </ds:schemaRefs>
-</ds:datastoreItem>
-</file>
-
-<file path=customXml/itemProps94.xml><?xml version="1.0" encoding="utf-8"?>
-<ds:datastoreItem xmlns:ds="http://schemas.openxmlformats.org/officeDocument/2006/customXml" ds:itemID="{307CC8CE-1E22-476C-A822-C241E51683EB}">
-  <ds:schemaRefs>
-    <ds:schemaRef ds:uri="http://schemas.microsoft.com/VisualStudio/2011/storyboarding/control"/>
-  </ds:schemaRefs>
-</ds:datastoreItem>
-</file>
-
-<file path=customXml/itemProps95.xml><?xml version="1.0" encoding="utf-8"?>
-<ds:datastoreItem xmlns:ds="http://schemas.openxmlformats.org/officeDocument/2006/customXml" ds:itemID="{CCEFF071-20E9-4479-8AD3-888151395FEA}">
-  <ds:schemaRefs>
-    <ds:schemaRef ds:uri="http://schemas.microsoft.com/VisualStudio/2011/storyboarding/control"/>
-  </ds:schemaRefs>
-</ds:datastoreItem>
-</file>
-
-<file path=customXml/itemProps96.xml><?xml version="1.0" encoding="utf-8"?>
-<ds:datastoreItem xmlns:ds="http://schemas.openxmlformats.org/officeDocument/2006/customXml" ds:itemID="{75BD8AE5-EDCF-4A32-B8CE-1D7667B79CC5}">
-  <ds:schemaRefs>
-    <ds:schemaRef ds:uri="http://schemas.microsoft.com/VisualStudio/2011/storyboarding/control"/>
-  </ds:schemaRefs>
-</ds:datastoreItem>
-</file>
-
-<file path=customXml/itemProps97.xml><?xml version="1.0" encoding="utf-8"?>
-<ds:datastoreItem xmlns:ds="http://schemas.openxmlformats.org/officeDocument/2006/customXml" ds:itemID="{F7DB0738-7898-4ABD-A76A-72FACE8EDE87}">
-  <ds:schemaRefs>
-    <ds:schemaRef ds:uri="http://schemas.microsoft.com/VisualStudio/2011/storyboarding/control"/>
-  </ds:schemaRefs>
-</ds:datastoreItem>
-</file>
-
-<file path=customXml/itemProps98.xml><?xml version="1.0" encoding="utf-8"?>
-<ds:datastoreItem xmlns:ds="http://schemas.openxmlformats.org/officeDocument/2006/customXml" ds:itemID="{180518D7-8922-48BC-AB91-ADFC28D8D753}">
-  <ds:schemaRefs>
-    <ds:schemaRef ds:uri="http://schemas.microsoft.com/VisualStudio/2011/storyboarding/control"/>
-  </ds:schemaRefs>
-</ds:datastoreItem>
-</file>
-
-<file path=customXml/itemProps99.xml><?xml version="1.0" encoding="utf-8"?>
-<ds:datastoreItem xmlns:ds="http://schemas.openxmlformats.org/officeDocument/2006/customXml" ds:itemID="{F49AC428-335C-4471-BEDB-C3D2BFE7733B}">
-  <ds:schemaRefs>
-    <ds:schemaRef ds:uri="http://schemas.microsoft.com/VisualStudio/2011/storyboarding/control"/>
-  </ds:schemaRefs>
-</ds:datastoreItem>
 </file>
--- a/Презентация1.pptx
+++ b/Презентация1.pptx
@@ -2,18 +2,18 @@
 <file path=ppt/presentation.xml><?xml version="1.0" encoding="utf-8"?>
 <p:presentation xmlns:a="http://schemas.openxmlformats.org/drawingml/2006/main" xmlns:r="http://schemas.openxmlformats.org/officeDocument/2006/relationships" xmlns:p="http://schemas.openxmlformats.org/presentationml/2006/main" saveSubsetFonts="1">
   <p:sldMasterIdLst>
-    <p:sldMasterId id="2147483672" r:id="rId224"/>
+    <p:sldMasterId id="2147483672" r:id="rId223"/>
   </p:sldMasterIdLst>
   <p:notesMasterIdLst>
-    <p:notesMasterId r:id="rId231"/>
+    <p:notesMasterId r:id="rId230"/>
   </p:notesMasterIdLst>
   <p:sldIdLst>
-    <p:sldId id="258" r:id="rId225"/>
-    <p:sldId id="257" r:id="rId226"/>
-    <p:sldId id="260" r:id="rId227"/>
-    <p:sldId id="261" r:id="rId228"/>
-    <p:sldId id="262" r:id="rId229"/>
-    <p:sldId id="263" r:id="rId230"/>
+    <p:sldId id="258" r:id="rId224"/>
+    <p:sldId id="257" r:id="rId225"/>
+    <p:sldId id="260" r:id="rId226"/>
+    <p:sldId id="261" r:id="rId227"/>
+    <p:sldId id="262" r:id="rId228"/>
+    <p:sldId id="263" r:id="rId229"/>
   </p:sldIdLst>
   <p:sldSz cx="6858000" cy="9144000" type="screen4x3"/>
   <p:notesSz cx="6858000" cy="9144000"/>
@@ -197,7 +197,7 @@
           <a:p>
             <a:fld id="{8CC9CF27-251A-4F88-A880-4F4CFE8C571B}" type="datetimeFigureOut">
               <a:rPr lang="ru-RU" smtClean="0"/>
-              <a:t>27.08.2014</a:t>
+              <a:t>26.08.2014</a:t>
             </a:fld>
             <a:endParaRPr lang="ru-RU"/>
           </a:p>
@@ -824,7 +824,7 @@
           <a:p>
             <a:fld id="{2C1C572C-67B0-4CE5-835A-BD766804815C}" type="datetimeFigureOut">
               <a:rPr lang="ru-RU" smtClean="0"/>
-              <a:t>27.08.2014</a:t>
+              <a:t>26.08.2014</a:t>
             </a:fld>
             <a:endParaRPr lang="ru-RU"/>
           </a:p>
@@ -994,7 +994,7 @@
           <a:p>
             <a:fld id="{2C1C572C-67B0-4CE5-835A-BD766804815C}" type="datetimeFigureOut">
               <a:rPr lang="ru-RU" smtClean="0"/>
-              <a:t>27.08.2014</a:t>
+              <a:t>26.08.2014</a:t>
             </a:fld>
             <a:endParaRPr lang="ru-RU"/>
           </a:p>
@@ -1174,7 +1174,7 @@
           <a:p>
             <a:fld id="{2C1C572C-67B0-4CE5-835A-BD766804815C}" type="datetimeFigureOut">
               <a:rPr lang="ru-RU" smtClean="0"/>
-              <a:t>27.08.2014</a:t>
+              <a:t>26.08.2014</a:t>
             </a:fld>
             <a:endParaRPr lang="ru-RU"/>
           </a:p>
@@ -1344,7 +1344,7 @@
           <a:p>
             <a:fld id="{2C1C572C-67B0-4CE5-835A-BD766804815C}" type="datetimeFigureOut">
               <a:rPr lang="ru-RU" smtClean="0"/>
-              <a:t>27.08.2014</a:t>
+              <a:t>26.08.2014</a:t>
             </a:fld>
             <a:endParaRPr lang="ru-RU"/>
           </a:p>
@@ -1590,7 +1590,7 @@
           <a:p>
             <a:fld id="{2C1C572C-67B0-4CE5-835A-BD766804815C}" type="datetimeFigureOut">
               <a:rPr lang="ru-RU" smtClean="0"/>
-              <a:t>27.08.2014</a:t>
+              <a:t>26.08.2014</a:t>
             </a:fld>
             <a:endParaRPr lang="ru-RU"/>
           </a:p>
@@ -1878,7 +1878,7 @@
           <a:p>
             <a:fld id="{2C1C572C-67B0-4CE5-835A-BD766804815C}" type="datetimeFigureOut">
               <a:rPr lang="ru-RU" smtClean="0"/>
-              <a:t>27.08.2014</a:t>
+              <a:t>26.08.2014</a:t>
             </a:fld>
             <a:endParaRPr lang="ru-RU"/>
           </a:p>
@@ -2300,7 +2300,7 @@
           <a:p>
             <a:fld id="{2C1C572C-67B0-4CE5-835A-BD766804815C}" type="datetimeFigureOut">
               <a:rPr lang="ru-RU" smtClean="0"/>
-              <a:t>27.08.2014</a:t>
+              <a:t>26.08.2014</a:t>
             </a:fld>
             <a:endParaRPr lang="ru-RU"/>
           </a:p>
@@ -2418,7 +2418,7 @@
           <a:p>
             <a:fld id="{2C1C572C-67B0-4CE5-835A-BD766804815C}" type="datetimeFigureOut">
               <a:rPr lang="ru-RU" smtClean="0"/>
-              <a:t>27.08.2014</a:t>
+              <a:t>26.08.2014</a:t>
             </a:fld>
             <a:endParaRPr lang="ru-RU"/>
           </a:p>
@@ -2513,7 +2513,7 @@
           <a:p>
             <a:fld id="{2C1C572C-67B0-4CE5-835A-BD766804815C}" type="datetimeFigureOut">
               <a:rPr lang="ru-RU" smtClean="0"/>
-              <a:t>27.08.2014</a:t>
+              <a:t>26.08.2014</a:t>
             </a:fld>
             <a:endParaRPr lang="ru-RU"/>
           </a:p>
@@ -2790,7 +2790,7 @@
           <a:p>
             <a:fld id="{2C1C572C-67B0-4CE5-835A-BD766804815C}" type="datetimeFigureOut">
               <a:rPr lang="ru-RU" smtClean="0"/>
-              <a:t>27.08.2014</a:t>
+              <a:t>26.08.2014</a:t>
             </a:fld>
             <a:endParaRPr lang="ru-RU"/>
           </a:p>
@@ -3043,7 +3043,7 @@
           <a:p>
             <a:fld id="{2C1C572C-67B0-4CE5-835A-BD766804815C}" type="datetimeFigureOut">
               <a:rPr lang="ru-RU" smtClean="0"/>
-              <a:t>27.08.2014</a:t>
+              <a:t>26.08.2014</a:t>
             </a:fld>
             <a:endParaRPr lang="ru-RU"/>
           </a:p>
@@ -3256,7 +3256,7 @@
           <a:p>
             <a:fld id="{2C1C572C-67B0-4CE5-835A-BD766804815C}" type="datetimeFigureOut">
               <a:rPr lang="ru-RU" smtClean="0"/>
-              <a:t>27.08.2014</a:t>
+              <a:t>26.08.2014</a:t>
             </a:fld>
             <a:endParaRPr lang="ru-RU"/>
           </a:p>
@@ -3971,7 +3971,7 @@
           </p:nvPr>
         </p:nvPicPr>
         <p:blipFill>
-          <a:blip r:embed="rId44" cstate="print">
+          <a:blip r:embed="rId43" cstate="print">
             <a:extLst>
               <a:ext uri="{28A0092B-C50C-407E-A947-70E740481C1C}">
                 <a14:useLocalDpi xmlns:a14="http://schemas.microsoft.com/office/drawing/2010/main" val="0"/>
@@ -4691,7 +4691,7 @@
           </p:nvPr>
         </p:nvPicPr>
         <p:blipFill>
-          <a:blip r:embed="rId45" cstate="print">
+          <a:blip r:embed="rId44" cstate="print">
             <a:extLst>
               <a:ext uri="{28A0092B-C50C-407E-A947-70E740481C1C}">
                 <a14:useLocalDpi xmlns:a14="http://schemas.microsoft.com/office/drawing/2010/main" val="0"/>
@@ -4830,7 +4830,7 @@
           </p:nvPr>
         </p:nvPicPr>
         <p:blipFill>
-          <a:blip r:embed="rId46" cstate="print">
+          <a:blip r:embed="rId45" cstate="print">
             <a:extLst>
               <a:ext uri="{28A0092B-C50C-407E-A947-70E740481C1C}">
                 <a14:useLocalDpi xmlns:a14="http://schemas.microsoft.com/office/drawing/2010/main" val="0"/>
@@ -4883,7 +4883,7 @@
           </p:nvPr>
         </p:nvPicPr>
         <p:blipFill>
-          <a:blip r:embed="rId47" cstate="print">
+          <a:blip r:embed="rId46" cstate="print">
             <a:extLst>
               <a:ext uri="{28A0092B-C50C-407E-A947-70E740481C1C}">
                 <a14:useLocalDpi xmlns:a14="http://schemas.microsoft.com/office/drawing/2010/main" val="0"/>
@@ -5022,7 +5022,7 @@
           </p:nvPr>
         </p:nvPicPr>
         <p:blipFill>
-          <a:blip r:embed="rId46" cstate="print">
+          <a:blip r:embed="rId45" cstate="print">
             <a:extLst>
               <a:ext uri="{28A0092B-C50C-407E-A947-70E740481C1C}">
                 <a14:useLocalDpi xmlns:a14="http://schemas.microsoft.com/office/drawing/2010/main" val="0"/>
@@ -5075,7 +5075,7 @@
           </p:nvPr>
         </p:nvPicPr>
         <p:blipFill>
-          <a:blip r:embed="rId46" cstate="print">
+          <a:blip r:embed="rId45" cstate="print">
             <a:extLst>
               <a:ext uri="{28A0092B-C50C-407E-A947-70E740481C1C}">
                 <a14:useLocalDpi xmlns:a14="http://schemas.microsoft.com/office/drawing/2010/main" val="0"/>
@@ -5345,7 +5345,7 @@
           </p:nvPr>
         </p:nvPicPr>
         <p:blipFill>
-          <a:blip r:embed="rId48" cstate="print">
+          <a:blip r:embed="rId47" cstate="print">
             <a:extLst>
               <a:ext uri="{28A0092B-C50C-407E-A947-70E740481C1C}">
                 <a14:useLocalDpi xmlns:a14="http://schemas.microsoft.com/office/drawing/2010/main" val="0"/>
@@ -7314,7 +7314,7 @@
         <p:spPr>
           <a:xfrm>
             <a:off x="3719828" y="6502583"/>
-            <a:ext cx="2691328" cy="818516"/>
+            <a:ext cx="2411568" cy="818516"/>
           </a:xfrm>
           <a:prstGeom prst="rect">
             <a:avLst/>
@@ -7687,6 +7687,14 @@
               </a:rPr>
               <a:t>:</a:t>
             </a:r>
+            <a:endParaRPr lang="en-US" sz="1200" dirty="0" smtClean="0">
+              <a:solidFill>
+                <a:srgbClr val="000000"/>
+              </a:solidFill>
+              <a:latin typeface="Segoe UI" pitchFamily="34" charset="0"/>
+              <a:ea typeface="Segoe UI" pitchFamily="34" charset="0"/>
+              <a:cs typeface="Segoe UI" pitchFamily="34" charset="0"/>
+            </a:endParaRPr>
           </a:p>
         </p:txBody>
       </p:sp>
@@ -7725,51 +7733,6 @@
           </a:fontRef>
         </p:style>
       </p:cxnSp>
-      <p:pic>
-        <p:nvPicPr>
-          <p:cNvPr id="94" name="Picture 2" descr="C:\Users\t-dantay\Documents\First24\error1.png"/>
-          <p:cNvPicPr>
-            <a:picLocks noChangeAspect="1" noChangeArrowheads="1"/>
-          </p:cNvPicPr>
-          <p:nvPr>
-            <p:custDataLst>
-              <p:custData r:id="rId41"/>
-            </p:custDataLst>
-          </p:nvPr>
-        </p:nvPicPr>
-        <p:blipFill>
-          <a:blip r:embed="rId49" cstate="print">
-            <a:extLst>
-              <a:ext uri="{28A0092B-C50C-407E-A947-70E740481C1C}">
-                <a14:useLocalDpi xmlns:a14="http://schemas.microsoft.com/office/drawing/2010/main" val="0"/>
-              </a:ext>
-            </a:extLst>
-          </a:blip>
-          <a:srcRect/>
-          <a:stretch>
-            <a:fillRect/>
-          </a:stretch>
-        </p:blipFill>
-        <p:spPr bwMode="auto">
-          <a:xfrm rot="2700000">
-            <a:off x="6183103" y="6164950"/>
-            <a:ext cx="188925" cy="188925"/>
-          </a:xfrm>
-          <a:prstGeom prst="rect">
-            <a:avLst/>
-          </a:prstGeom>
-          <a:noFill/>
-          <a:extLst>
-            <a:ext uri="{909E8E84-426E-40DD-AFC4-6F175D3DCCD1}">
-              <a14:hiddenFill xmlns:a14="http://schemas.microsoft.com/office/drawing/2010/main">
-                <a:solidFill>
-                  <a:srgbClr val="FFFFFF"/>
-                </a:solidFill>
-              </a14:hiddenFill>
-            </a:ext>
-          </a:extLst>
-        </p:spPr>
-      </p:pic>
     </p:spTree>
     <p:extLst>
       <p:ext uri="{BB962C8B-B14F-4D97-AF65-F5344CB8AC3E}">
@@ -11632,7 +11595,7 @@
           <p:spPr>
             <a:xfrm>
               <a:off x="3180638" y="2878653"/>
-              <a:ext cx="672660" cy="557262"/>
+              <a:ext cx="672660" cy="312104"/>
             </a:xfrm>
             <a:prstGeom prst="rect">
               <a:avLst/>
@@ -12271,6 +12234,7 @@
               <a:rPr lang="ru-RU" sz="700" dirty="0" smtClean="0"/>
               <a:t>Сортировка по рейтингу</a:t>
             </a:r>
+            <a:endParaRPr lang="ru-RU" sz="700" dirty="0" smtClean="0"/>
           </a:p>
         </p:txBody>
       </p:sp>
@@ -21433,6 +21397,14 @@
               </a:rPr>
               <a:t>:</a:t>
             </a:r>
+            <a:endParaRPr lang="en-US" sz="1200" dirty="0" smtClean="0">
+              <a:solidFill>
+                <a:srgbClr val="000000"/>
+              </a:solidFill>
+              <a:latin typeface="Segoe UI" pitchFamily="34" charset="0"/>
+              <a:ea typeface="Segoe UI" pitchFamily="34" charset="0"/>
+              <a:cs typeface="Segoe UI" pitchFamily="34" charset="0"/>
+            </a:endParaRPr>
           </a:p>
         </p:txBody>
       </p:sp>
@@ -31956,8 +31928,8 @@
         </p:nvSpPr>
         <p:spPr>
           <a:xfrm>
-            <a:off x="4376463" y="8815461"/>
-            <a:ext cx="1131244" cy="228600"/>
+            <a:off x="4479303" y="8815461"/>
+            <a:ext cx="1028404" cy="228600"/>
           </a:xfrm>
           <a:prstGeom prst="roundRect">
             <a:avLst/>
@@ -32009,13 +31981,6 @@
                 <a:cs typeface="Segoe UI" pitchFamily="34" charset="0"/>
               </a:rPr>
               <a:t>Подтверди</a:t>
-            </a:r>
-            <a:r>
-              <a:rPr lang="ru-RU" sz="1200" dirty="0" smtClean="0">
-                <a:latin typeface="Segoe UI" pitchFamily="34" charset="0"/>
-                <a:cs typeface="Segoe UI" pitchFamily="34" charset="0"/>
-              </a:rPr>
-              <a:t>ть</a:t>
             </a:r>
             <a:endParaRPr lang="en-US" sz="1200" dirty="0">
               <a:solidFill>
@@ -32652,331 +32617,331 @@
 
 <file path=customXml/item1.xml><?xml version="1.0" encoding="utf-8"?>
 <Control xmlns="http://schemas.microsoft.com/VisualStudio/2011/storyboarding/control">
+  <Id Name="System.Storyboarding.Common.Text" Revision="1" Stencil="System.Storyboarding.Common" StencilVersion="0.1"/>
+</Control>
+</file>
+
+<file path=customXml/item10.xml><?xml version="1.0" encoding="utf-8"?>
+<Control xmlns="http://schemas.microsoft.com/VisualStudio/2011/storyboarding/control">
+  <Id Name="System.Storyboarding.Common.Button" Revision="1" Stencil="System.Storyboarding.Common" StencilVersion="0.1"/>
+</Control>
+</file>
+
+<file path=customXml/item100.xml><?xml version="1.0" encoding="utf-8"?>
+<Control xmlns="http://schemas.microsoft.com/VisualStudio/2011/storyboarding/control">
+  <Id Name="System.Storyboarding.Icons.HandPointer" Revision="1" Stencil="System.Storyboarding.Icons" StencilVersion="0.1"/>
+</Control>
+</file>
+
+<file path=customXml/item101.xml><?xml version="1.0" encoding="utf-8"?>
+<Control xmlns="http://schemas.microsoft.com/VisualStudio/2011/storyboarding/control">
+  <Id Name="System.Storyboarding.Common.Button" Revision="1" Stencil="System.Storyboarding.Common" StencilVersion="0.1"/>
+</Control>
+</file>
+
+<file path=customXml/item102.xml><?xml version="1.0" encoding="utf-8"?>
+<Control xmlns="http://schemas.microsoft.com/VisualStudio/2011/storyboarding/control">
+  <Id Name="System.Storyboarding.Icons.CurvedArrow" Revision="1" Stencil="System.Storyboarding.Icons" StencilVersion="0.1"/>
+</Control>
+</file>
+
+<file path=customXml/item103.xml><?xml version="1.0" encoding="utf-8"?>
+<Control xmlns="http://schemas.microsoft.com/VisualStudio/2011/storyboarding/control">
+  <Id Name="System.Storyboarding.Common.TextArea" Revision="1" Stencil="System.Storyboarding.Common" StencilVersion="0.1"/>
+</Control>
+</file>
+
+<file path=customXml/item104.xml><?xml version="1.0" encoding="utf-8"?>
+<Control xmlns="http://schemas.microsoft.com/VisualStudio/2011/storyboarding/control">
   <Id Name="System.Storyboarding.Common.TextInput" Revision="1" Stencil="System.Storyboarding.Common" StencilVersion="0.1"/>
 </Control>
 </file>
 
-<file path=customXml/item10.xml><?xml version="1.0" encoding="utf-8"?>
+<file path=customXml/item105.xml><?xml version="1.0" encoding="utf-8"?>
+<Control xmlns="http://schemas.microsoft.com/VisualStudio/2011/storyboarding/control">
+  <Id Name="System.Storyboarding.Icons.DownArrow" Revision="1" Stencil="System.Storyboarding.Icons" StencilVersion="0.1"/>
+</Control>
+</file>
+
+<file path=customXml/item106.xml><?xml version="1.0" encoding="utf-8"?>
+<Control xmlns="http://schemas.microsoft.com/VisualStudio/2011/storyboarding/control">
+  <Id Name="System.Storyboarding.Icons.ShoppingCart" Revision="1" Stencil="System.Storyboarding.Icons" StencilVersion="0.1"/>
+</Control>
+</file>
+
+<file path=customXml/item107.xml><?xml version="1.0" encoding="utf-8"?>
 <Control xmlns="http://schemas.microsoft.com/VisualStudio/2011/storyboarding/control">
   <Id Name="System.Storyboarding.Common.Text" Revision="1" Stencil="System.Storyboarding.Common" StencilVersion="0.1"/>
 </Control>
 </file>
 
-<file path=customXml/item100.xml><?xml version="1.0" encoding="utf-8"?>
+<file path=customXml/item108.xml><?xml version="1.0" encoding="utf-8"?>
+<Control xmlns="http://schemas.microsoft.com/VisualStudio/2011/storyboarding/control">
+  <Id Name="System.Storyboarding.Common.Hyperlink" Revision="1" Stencil="System.Storyboarding.Common" StencilVersion="0.1"/>
+</Control>
+</file>
+
+<file path=customXml/item109.xml><?xml version="1.0" encoding="utf-8"?>
+<Control xmlns="http://schemas.microsoft.com/VisualStudio/2011/storyboarding/control">
+  <Id Name="System.Storyboarding.Icons.CurvedArrow" Revision="1" Stencil="System.Storyboarding.Icons" StencilVersion="0.1"/>
+</Control>
+</file>
+
+<file path=customXml/item11.xml><?xml version="1.0" encoding="utf-8"?>
+<Control xmlns="http://schemas.microsoft.com/VisualStudio/2011/storyboarding/control">
+  <Id Name="System.Storyboarding.Common.RadioButtonSelected" Revision="1" Stencil="System.Storyboarding.Common" StencilVersion="0.1"/>
+</Control>
+</file>
+
+<file path=customXml/item110.xml><?xml version="1.0" encoding="utf-8"?>
 <Control xmlns="http://schemas.microsoft.com/VisualStudio/2011/storyboarding/control">
   <Id Name="System.Storyboarding.Common.Text" Revision="1" Stencil="System.Storyboarding.Common" StencilVersion="0.1"/>
 </Control>
 </file>
 
-<file path=customXml/item101.xml><?xml version="1.0" encoding="utf-8"?>
+<file path=customXml/item111.xml><?xml version="1.0" encoding="utf-8"?>
+<Control xmlns="http://schemas.microsoft.com/VisualStudio/2011/storyboarding/control">
+  <Id Name="System.Storyboarding.Common.Text" Revision="1" Stencil="System.Storyboarding.Common" StencilVersion="0.1"/>
+</Control>
+</file>
+
+<file path=customXml/item112.xml><?xml version="1.0" encoding="utf-8"?>
+<Control xmlns="http://schemas.microsoft.com/VisualStudio/2011/storyboarding/control">
+  <Id Name="System.Storyboarding.Common.TabGroup" Revision="1" Stencil="System.Storyboarding.Common" StencilVersion="0.1"/>
+</Control>
+</file>
+
+<file path=customXml/item113.xml><?xml version="1.0" encoding="utf-8"?>
 <Control xmlns="http://schemas.microsoft.com/VisualStudio/2011/storyboarding/control">
   <Id Name="System.Storyboarding.WindowsDesktop.ToolTip" Revision="1" Stencil="System.Storyboarding.WindowsDesktop" StencilVersion="0.1"/>
 </Control>
 </file>
 
-<file path=customXml/item102.xml><?xml version="1.0" encoding="utf-8"?>
+<file path=customXml/item114.xml><?xml version="1.0" encoding="utf-8"?>
+<Control xmlns="http://schemas.microsoft.com/VisualStudio/2011/storyboarding/control">
+  <Id Name="System.Storyboarding.Common.Hyperlink" Revision="1" Stencil="System.Storyboarding.Common" StencilVersion="0.1"/>
+</Control>
+</file>
+
+<file path=customXml/item115.xml><?xml version="1.0" encoding="utf-8"?>
+<Control xmlns="http://schemas.microsoft.com/VisualStudio/2011/storyboarding/control">
+  <Id Name="System.Storyboarding.Common.NumericStepper" Revision="1" Stencil="System.Storyboarding.Common" StencilVersion="0.1"/>
+</Control>
+</file>
+
+<file path=customXml/item116.xml><?xml version="1.0" encoding="utf-8"?>
+<Control xmlns="http://schemas.microsoft.com/VisualStudio/2011/storyboarding/control">
+  <Id Name="System.Storyboarding.Common.CheckBoxUnchecked" Revision="1" Stencil="System.Storyboarding.Common" StencilVersion="0.1"/>
+</Control>
+</file>
+
+<file path=customXml/item117.xml><?xml version="1.0" encoding="utf-8"?>
+<Control xmlns="http://schemas.microsoft.com/VisualStudio/2011/storyboarding/control">
+  <Id Name="System.Storyboarding.Common.TextInput" Revision="1" Stencil="System.Storyboarding.Common" StencilVersion="0.1"/>
+</Control>
+</file>
+
+<file path=customXml/item118.xml><?xml version="1.0" encoding="utf-8"?>
+<Control xmlns="http://schemas.microsoft.com/VisualStudio/2011/storyboarding/control">
+  <Id Name="System.Storyboarding.Icons.SpeechBubble" Revision="1" Stencil="System.Storyboarding.Icons" StencilVersion="0.1"/>
+</Control>
+</file>
+
+<file path=customXml/item119.xml><?xml version="1.0" encoding="utf-8"?>
+<Control xmlns="http://schemas.microsoft.com/VisualStudio/2011/storyboarding/control">
+  <Id Name="System.Storyboarding.Common.DataGrid" Revision="1" Stencil="System.Storyboarding.Common" StencilVersion="0.1"/>
+</Control>
+</file>
+
+<file path=customXml/item12.xml><?xml version="1.0" encoding="utf-8"?>
+<Control xmlns="http://schemas.microsoft.com/VisualStudio/2011/storyboarding/control">
+  <Id Name="System.Storyboarding.Common.Text" Revision="1" Stencil="System.Storyboarding.Common" StencilVersion="0.1"/>
+</Control>
+</file>
+
+<file path=customXml/item120.xml><?xml version="1.0" encoding="utf-8"?>
+<Control xmlns="http://schemas.microsoft.com/VisualStudio/2011/storyboarding/control">
+  <Id Name="System.Storyboarding.Icons.CurvedArrow" Revision="1" Stencil="System.Storyboarding.Icons" StencilVersion="0.1"/>
+</Control>
+</file>
+
+<file path=customXml/item121.xml><?xml version="1.0" encoding="utf-8"?>
+<Control xmlns="http://schemas.microsoft.com/VisualStudio/2011/storyboarding/control">
+  <Id Name="System.Storyboarding.Icons.SpeechBubble" Revision="1" Stencil="System.Storyboarding.Icons" StencilVersion="0.1"/>
+</Control>
+</file>
+
+<file path=customXml/item122.xml><?xml version="1.0" encoding="utf-8"?>
+<Control xmlns="http://schemas.microsoft.com/VisualStudio/2011/storyboarding/control">
+  <Id Name="System.Storyboarding.Icons.TrashCan" Revision="1" Stencil="System.Storyboarding.Icons" StencilVersion="0.1"/>
+</Control>
+</file>
+
+<file path=customXml/item123.xml><?xml version="1.0" encoding="utf-8"?>
+<Control xmlns="http://schemas.microsoft.com/VisualStudio/2011/storyboarding/control">
+  <Id Name="System.Storyboarding.Common.Text" Revision="1" Stencil="System.Storyboarding.Common" StencilVersion="0.1"/>
+</Control>
+</file>
+
+<file path=customXml/item124.xml><?xml version="1.0" encoding="utf-8"?>
+<Control xmlns="http://schemas.microsoft.com/VisualStudio/2011/storyboarding/control">
+  <Id Name="System.Storyboarding.Common.Text" Revision="1" Stencil="System.Storyboarding.Common" StencilVersion="0.1"/>
+</Control>
+</file>
+
+<file path=customXml/item125.xml><?xml version="1.0" encoding="utf-8"?>
+<Control xmlns="http://schemas.microsoft.com/VisualStudio/2011/storyboarding/control">
+  <Id Name="System.Storyboarding.Common.Text" Revision="1" Stencil="System.Storyboarding.Common" StencilVersion="0.1"/>
+</Control>
+</file>
+
+<file path=customXml/item126.xml><?xml version="1.0" encoding="utf-8"?>
+<Control xmlns="http://schemas.microsoft.com/VisualStudio/2011/storyboarding/control">
+  <Id Name="System.Storyboarding.Common.LinkBar" Revision="1" Stencil="System.Storyboarding.Common" StencilVersion="0.1"/>
+</Control>
+</file>
+
+<file path=customXml/item127.xml><?xml version="1.0" encoding="utf-8"?>
+<Control xmlns="http://schemas.microsoft.com/VisualStudio/2011/storyboarding/control">
+  <Id Name="System.Storyboarding.Common.DropdownBox" Revision="1" Stencil="System.Storyboarding.Common" StencilVersion="0.1"/>
+</Control>
+</file>
+
+<file path=customXml/item128.xml><?xml version="1.0" encoding="utf-8"?>
+<Control xmlns="http://schemas.microsoft.com/VisualStudio/2011/storyboarding/control">
+  <Id Name="System.Storyboarding.Common.TextArea" Revision="1" Stencil="System.Storyboarding.Common" StencilVersion="0.1"/>
+</Control>
+</file>
+
+<file path=customXml/item129.xml><?xml version="1.0" encoding="utf-8"?>
+<Control xmlns="http://schemas.microsoft.com/VisualStudio/2011/storyboarding/control">
+  <Id Name="System.Storyboarding.Icons.Warning" Revision="1" Stencil="System.Storyboarding.Icons" StencilVersion="0.1"/>
+</Control>
+</file>
+
+<file path=customXml/item13.xml><?xml version="1.0" encoding="utf-8"?>
+<Control xmlns="http://schemas.microsoft.com/VisualStudio/2011/storyboarding/control">
+  <Id Name="System.Storyboarding.WindowsDesktop.ToolTip" Revision="1" Stencil="System.Storyboarding.WindowsDesktop" StencilVersion="0.1"/>
+</Control>
+</file>
+
+<file path=customXml/item130.xml><?xml version="1.0" encoding="utf-8"?>
+<Control xmlns="http://schemas.microsoft.com/VisualStudio/2011/storyboarding/control">
+  <Id Name="System.Storyboarding.Common.CheckBoxChecked" Revision="1" Stencil="System.Storyboarding.Common" StencilVersion="0.1"/>
+</Control>
+</file>
+
+<file path=customXml/item131.xml><?xml version="1.0" encoding="utf-8"?>
+<Control xmlns="http://schemas.microsoft.com/VisualStudio/2011/storyboarding/control">
+  <Id Name="System.Storyboarding.Common.DatePicker" Revision="1" Stencil="System.Storyboarding.Common" StencilVersion="0.1"/>
+</Control>
+</file>
+
+<file path=customXml/item132.xml><?xml version="1.0" encoding="utf-8"?>
+<Control xmlns="http://schemas.microsoft.com/VisualStudio/2011/storyboarding/control">
+  <Id Name="System.Storyboarding.Common.List" Revision="1" Stencil="System.Storyboarding.Common" StencilVersion="0.1"/>
+</Control>
+</file>
+
+<file path=customXml/item133.xml><?xml version="1.0" encoding="utf-8"?>
+<Control xmlns="http://schemas.microsoft.com/VisualStudio/2011/storyboarding/control">
+  <Id Name="System.Storyboarding.Icons.TrashCan" Revision="1" Stencil="System.Storyboarding.Icons" StencilVersion="0.1"/>
+</Control>
+</file>
+
+<file path=customXml/item134.xml><?xml version="1.0" encoding="utf-8"?>
+<Control xmlns="http://schemas.microsoft.com/VisualStudio/2011/storyboarding/control">
+  <Id Name="System.Storyboarding.Common.Text" Revision="1" Stencil="System.Storyboarding.Common" StencilVersion="0.1"/>
+</Control>
+</file>
+
+<file path=customXml/item135.xml><?xml version="1.0" encoding="utf-8"?>
+<Control xmlns="http://schemas.microsoft.com/VisualStudio/2011/storyboarding/control">
+  <Id Name="System.Storyboarding.Common.Text" Revision="1" Stencil="System.Storyboarding.Common" StencilVersion="0.1"/>
+</Control>
+</file>
+
+<file path=customXml/item136.xml><?xml version="1.0" encoding="utf-8"?>
+<Control xmlns="http://schemas.microsoft.com/VisualStudio/2011/storyboarding/control">
+  <Id Name="System.Storyboarding.Common.NumericStepper" Revision="1" Stencil="System.Storyboarding.Common" StencilVersion="0.1"/>
+</Control>
+</file>
+
+<file path=customXml/item137.xml><?xml version="1.0" encoding="utf-8"?>
+<Control xmlns="http://schemas.microsoft.com/VisualStudio/2011/storyboarding/control">
+  <Id Name="System.Storyboarding.WindowsDesktop.ToolTip" Revision="1" Stencil="System.Storyboarding.WindowsDesktop" StencilVersion="0.1"/>
+</Control>
+</file>
+
+<file path=customXml/item138.xml><?xml version="1.0" encoding="